--- a/slides/01_Visualize.pptx
+++ b/slides/01_Visualize.pptx
@@ -5,7 +5,7 @@
     <p:sldMasterId id="2147483648" r:id="rId1"/>
   </p:sldMasterIdLst>
   <p:notesMasterIdLst>
-    <p:notesMasterId r:id="rId8"/>
+    <p:notesMasterId r:id="rId11"/>
   </p:notesMasterIdLst>
   <p:sldIdLst>
     <p:sldId id="256" r:id="rId2"/>
@@ -14,6 +14,9 @@
     <p:sldId id="259" r:id="rId5"/>
     <p:sldId id="261" r:id="rId6"/>
     <p:sldId id="262" r:id="rId7"/>
+    <p:sldId id="263" r:id="rId8"/>
+    <p:sldId id="264" r:id="rId9"/>
+    <p:sldId id="265" r:id="rId10"/>
   </p:sldIdLst>
   <p:sldSz cx="12192000" cy="6858000"/>
   <p:notesSz cx="6858000" cy="9144000"/>
@@ -4885,6 +4888,956 @@
     <p:extLst>
       <p:ext uri="{BB962C8B-B14F-4D97-AF65-F5344CB8AC3E}">
         <p14:creationId xmlns:p14="http://schemas.microsoft.com/office/powerpoint/2010/main" val="1141948941"/>
+      </p:ext>
+    </p:extLst>
+  </p:cSld>
+  <p:clrMapOvr>
+    <a:masterClrMapping/>
+  </p:clrMapOvr>
+</p:sld>
+</file>
+
+<file path=ppt/slides/slide7.xml><?xml version="1.0" encoding="utf-8"?>
+<p:sld xmlns:a="http://schemas.openxmlformats.org/drawingml/2006/main" xmlns:r="http://schemas.openxmlformats.org/officeDocument/2006/relationships" xmlns:p="http://schemas.openxmlformats.org/presentationml/2006/main">
+  <p:cSld>
+    <p:bg>
+      <p:bgPr>
+        <a:solidFill>
+          <a:schemeClr val="bg1">
+            <a:lumMod val="95000"/>
+          </a:schemeClr>
+        </a:solidFill>
+        <a:effectLst/>
+      </p:bgPr>
+    </p:bg>
+    <p:spTree>
+      <p:nvGrpSpPr>
+        <p:cNvPr id="1" name=""/>
+        <p:cNvGrpSpPr/>
+        <p:nvPr/>
+      </p:nvGrpSpPr>
+      <p:grpSpPr>
+        <a:xfrm>
+          <a:off x="0" y="0"/>
+          <a:ext cx="0" cy="0"/>
+          <a:chOff x="0" y="0"/>
+          <a:chExt cx="0" cy="0"/>
+        </a:xfrm>
+      </p:grpSpPr>
+      <p:sp>
+        <p:nvSpPr>
+          <p:cNvPr id="6" name="Title 5">
+            <a:extLst>
+              <a:ext uri="{FF2B5EF4-FFF2-40B4-BE49-F238E27FC236}">
+                <a16:creationId xmlns:a16="http://schemas.microsoft.com/office/drawing/2014/main" id="{AB516C31-AF9E-4692-97DB-296BC17C1621}"/>
+              </a:ext>
+            </a:extLst>
+          </p:cNvPr>
+          <p:cNvSpPr>
+            <a:spLocks noGrp="1"/>
+          </p:cNvSpPr>
+          <p:nvPr>
+            <p:ph type="title"/>
+          </p:nvPr>
+        </p:nvSpPr>
+        <p:spPr/>
+        <p:txBody>
+          <a:bodyPr/>
+          <a:lstStyle/>
+          <a:p>
+            <a:pPr algn="ctr"/>
+            <a:r>
+              <a:rPr lang="en-US" b="1" dirty="0">
+                <a:solidFill>
+                  <a:schemeClr val="accent5">
+                    <a:lumMod val="50000"/>
+                  </a:schemeClr>
+                </a:solidFill>
+              </a:rPr>
+              <a:t>YOUR TURN 1</a:t>
+            </a:r>
+          </a:p>
+        </p:txBody>
+      </p:sp>
+      <p:sp>
+        <p:nvSpPr>
+          <p:cNvPr id="7" name="Content Placeholder 6">
+            <a:extLst>
+              <a:ext uri="{FF2B5EF4-FFF2-40B4-BE49-F238E27FC236}">
+                <a16:creationId xmlns:a16="http://schemas.microsoft.com/office/drawing/2014/main" id="{12984DE6-3B72-4CA3-B1B2-B034CD6FCA65}"/>
+              </a:ext>
+            </a:extLst>
+          </p:cNvPr>
+          <p:cNvSpPr>
+            <a:spLocks noGrp="1"/>
+          </p:cNvSpPr>
+          <p:nvPr>
+            <p:ph idx="1"/>
+          </p:nvPr>
+        </p:nvSpPr>
+        <p:spPr>
+          <a:xfrm>
+            <a:off x="838200" y="1825625"/>
+            <a:ext cx="10515600" cy="1812925"/>
+          </a:xfrm>
+        </p:spPr>
+        <p:txBody>
+          <a:bodyPr/>
+          <a:lstStyle/>
+          <a:p>
+            <a:pPr marL="0" indent="0">
+              <a:buNone/>
+            </a:pPr>
+            <a:r>
+              <a:rPr lang="en-US" dirty="0"/>
+              <a:t>Run this code in your notebook to make a graph. </a:t>
+            </a:r>
+          </a:p>
+          <a:p>
+            <a:pPr marL="0" indent="0">
+              <a:buNone/>
+            </a:pPr>
+            <a:r>
+              <a:rPr lang="en-US" dirty="0"/>
+              <a:t>Pay careful attention to spelling, capitalization, and parentheses!</a:t>
+            </a:r>
+          </a:p>
+          <a:p>
+            <a:pPr marL="0" indent="0">
+              <a:buNone/>
+            </a:pPr>
+            <a:endParaRPr lang="en-US" dirty="0"/>
+          </a:p>
+          <a:p>
+            <a:pPr marL="0" indent="0">
+              <a:buNone/>
+            </a:pPr>
+            <a:endParaRPr lang="en-US" dirty="0"/>
+          </a:p>
+        </p:txBody>
+      </p:sp>
+      <p:sp>
+        <p:nvSpPr>
+          <p:cNvPr id="4" name="Footer Placeholder 3">
+            <a:extLst>
+              <a:ext uri="{FF2B5EF4-FFF2-40B4-BE49-F238E27FC236}">
+                <a16:creationId xmlns:a16="http://schemas.microsoft.com/office/drawing/2014/main" id="{8045F02D-6910-485B-B204-23565C295BE9}"/>
+              </a:ext>
+            </a:extLst>
+          </p:cNvPr>
+          <p:cNvSpPr>
+            <a:spLocks noGrp="1"/>
+          </p:cNvSpPr>
+          <p:nvPr>
+            <p:ph type="ftr" sz="quarter" idx="11"/>
+          </p:nvPr>
+        </p:nvSpPr>
+        <p:spPr/>
+        <p:txBody>
+          <a:bodyPr/>
+          <a:lstStyle/>
+          <a:p>
+            <a:r>
+              <a:rPr lang="en-US"/>
+              <a:t>CERF 2019 | The Next Step with R | Cressman and Dunnigan</a:t>
+            </a:r>
+          </a:p>
+        </p:txBody>
+      </p:sp>
+      <p:sp>
+        <p:nvSpPr>
+          <p:cNvPr id="5" name="Slide Number Placeholder 4">
+            <a:extLst>
+              <a:ext uri="{FF2B5EF4-FFF2-40B4-BE49-F238E27FC236}">
+                <a16:creationId xmlns:a16="http://schemas.microsoft.com/office/drawing/2014/main" id="{05582B34-5689-4AD6-A5C4-E6C2B20E9143}"/>
+              </a:ext>
+            </a:extLst>
+          </p:cNvPr>
+          <p:cNvSpPr>
+            <a:spLocks noGrp="1"/>
+          </p:cNvSpPr>
+          <p:nvPr>
+            <p:ph type="sldNum" sz="quarter" idx="12"/>
+          </p:nvPr>
+        </p:nvSpPr>
+        <p:spPr/>
+        <p:txBody>
+          <a:bodyPr/>
+          <a:lstStyle/>
+          <a:p>
+            <a:fld id="{1D07C8D9-AA71-438D-86BE-7B86F7F29DC7}" type="slidenum">
+              <a:rPr lang="en-US" smtClean="0"/>
+              <a:t>7</a:t>
+            </a:fld>
+            <a:endParaRPr lang="en-US"/>
+          </a:p>
+        </p:txBody>
+      </p:sp>
+      <p:sp>
+        <p:nvSpPr>
+          <p:cNvPr id="8" name="TextBox 7">
+            <a:extLst>
+              <a:ext uri="{FF2B5EF4-FFF2-40B4-BE49-F238E27FC236}">
+                <a16:creationId xmlns:a16="http://schemas.microsoft.com/office/drawing/2014/main" id="{81B89D94-E7A0-42DD-938A-22C903C7A674}"/>
+              </a:ext>
+            </a:extLst>
+          </p:cNvPr>
+          <p:cNvSpPr txBox="1"/>
+          <p:nvPr/>
+        </p:nvSpPr>
+        <p:spPr>
+          <a:xfrm>
+            <a:off x="361949" y="3429000"/>
+            <a:ext cx="11191876" cy="954107"/>
+          </a:xfrm>
+          <a:prstGeom prst="rect">
+            <a:avLst/>
+          </a:prstGeom>
+          <a:noFill/>
+        </p:spPr>
+        <p:txBody>
+          <a:bodyPr wrap="square" rtlCol="0">
+            <a:spAutoFit/>
+          </a:bodyPr>
+          <a:lstStyle/>
+          <a:p>
+            <a:r>
+              <a:rPr lang="en-US" sz="1200" dirty="0">
+                <a:solidFill>
+                  <a:schemeClr val="accent2"/>
+                </a:solidFill>
+              </a:rPr>
+              <a:t> </a:t>
+            </a:r>
+            <a:r>
+              <a:rPr lang="en-US" sz="2800" dirty="0" err="1">
+                <a:solidFill>
+                  <a:schemeClr val="accent2"/>
+                </a:solidFill>
+                <a:latin typeface="Fira Code" panose="020B0809050000020004" pitchFamily="49" charset="0"/>
+                <a:ea typeface="Fira Code" panose="020B0809050000020004" pitchFamily="49" charset="0"/>
+                <a:cs typeface="Fira Code" panose="020B0809050000020004" pitchFamily="49" charset="0"/>
+              </a:rPr>
+              <a:t>ggplot</a:t>
+            </a:r>
+            <a:r>
+              <a:rPr lang="en-US" sz="2800" dirty="0">
+                <a:solidFill>
+                  <a:schemeClr val="accent2"/>
+                </a:solidFill>
+                <a:latin typeface="Fira Code" panose="020B0809050000020004" pitchFamily="49" charset="0"/>
+                <a:ea typeface="Fira Code" panose="020B0809050000020004" pitchFamily="49" charset="0"/>
+                <a:cs typeface="Fira Code" panose="020B0809050000020004" pitchFamily="49" charset="0"/>
+              </a:rPr>
+              <a:t>(data = </a:t>
+            </a:r>
+            <a:r>
+              <a:rPr lang="en-US" sz="2800" dirty="0" err="1">
+                <a:solidFill>
+                  <a:schemeClr val="accent2"/>
+                </a:solidFill>
+                <a:latin typeface="Fira Code" panose="020B0809050000020004" pitchFamily="49" charset="0"/>
+                <a:ea typeface="Fira Code" panose="020B0809050000020004" pitchFamily="49" charset="0"/>
+                <a:cs typeface="Fira Code" panose="020B0809050000020004" pitchFamily="49" charset="0"/>
+              </a:rPr>
+              <a:t>wq</a:t>
+            </a:r>
+            <a:r>
+              <a:rPr lang="en-US" sz="2800" dirty="0">
+                <a:solidFill>
+                  <a:schemeClr val="accent2"/>
+                </a:solidFill>
+                <a:latin typeface="Fira Code" panose="020B0809050000020004" pitchFamily="49" charset="0"/>
+                <a:ea typeface="Fira Code" panose="020B0809050000020004" pitchFamily="49" charset="0"/>
+                <a:cs typeface="Fira Code" panose="020B0809050000020004" pitchFamily="49" charset="0"/>
+              </a:rPr>
+              <a:t>) +</a:t>
+            </a:r>
+          </a:p>
+          <a:p>
+            <a:r>
+              <a:rPr lang="en-US" sz="2800" dirty="0">
+                <a:solidFill>
+                  <a:schemeClr val="accent2"/>
+                </a:solidFill>
+                <a:latin typeface="Fira Code" panose="020B0809050000020004" pitchFamily="49" charset="0"/>
+                <a:ea typeface="Fira Code" panose="020B0809050000020004" pitchFamily="49" charset="0"/>
+                <a:cs typeface="Fira Code" panose="020B0809050000020004" pitchFamily="49" charset="0"/>
+              </a:rPr>
+              <a:t>	</a:t>
+            </a:r>
+            <a:r>
+              <a:rPr lang="en-US" sz="2800" dirty="0" err="1">
+                <a:solidFill>
+                  <a:schemeClr val="accent2"/>
+                </a:solidFill>
+                <a:latin typeface="Fira Code" panose="020B0809050000020004" pitchFamily="49" charset="0"/>
+                <a:ea typeface="Fira Code" panose="020B0809050000020004" pitchFamily="49" charset="0"/>
+                <a:cs typeface="Fira Code" panose="020B0809050000020004" pitchFamily="49" charset="0"/>
+              </a:rPr>
+              <a:t>geom_point</a:t>
+            </a:r>
+            <a:r>
+              <a:rPr lang="en-US" sz="2800" dirty="0">
+                <a:solidFill>
+                  <a:schemeClr val="accent2"/>
+                </a:solidFill>
+                <a:latin typeface="Fira Code" panose="020B0809050000020004" pitchFamily="49" charset="0"/>
+                <a:ea typeface="Fira Code" panose="020B0809050000020004" pitchFamily="49" charset="0"/>
+                <a:cs typeface="Fira Code" panose="020B0809050000020004" pitchFamily="49" charset="0"/>
+              </a:rPr>
+              <a:t>(mapping = </a:t>
+            </a:r>
+            <a:r>
+              <a:rPr lang="en-US" sz="2800" dirty="0" err="1">
+                <a:solidFill>
+                  <a:schemeClr val="accent2"/>
+                </a:solidFill>
+                <a:latin typeface="Fira Code" panose="020B0809050000020004" pitchFamily="49" charset="0"/>
+                <a:ea typeface="Fira Code" panose="020B0809050000020004" pitchFamily="49" charset="0"/>
+                <a:cs typeface="Fira Code" panose="020B0809050000020004" pitchFamily="49" charset="0"/>
+              </a:rPr>
+              <a:t>aes</a:t>
+            </a:r>
+            <a:r>
+              <a:rPr lang="en-US" sz="2800" dirty="0">
+                <a:solidFill>
+                  <a:schemeClr val="accent2"/>
+                </a:solidFill>
+                <a:latin typeface="Fira Code" panose="020B0809050000020004" pitchFamily="49" charset="0"/>
+                <a:ea typeface="Fira Code" panose="020B0809050000020004" pitchFamily="49" charset="0"/>
+                <a:cs typeface="Fira Code" panose="020B0809050000020004" pitchFamily="49" charset="0"/>
+              </a:rPr>
+              <a:t>(x = temp, y = </a:t>
+            </a:r>
+            <a:r>
+              <a:rPr lang="en-US" sz="2800" dirty="0" err="1">
+                <a:solidFill>
+                  <a:schemeClr val="accent2"/>
+                </a:solidFill>
+                <a:latin typeface="Fira Code" panose="020B0809050000020004" pitchFamily="49" charset="0"/>
+                <a:ea typeface="Fira Code" panose="020B0809050000020004" pitchFamily="49" charset="0"/>
+                <a:cs typeface="Fira Code" panose="020B0809050000020004" pitchFamily="49" charset="0"/>
+              </a:rPr>
+              <a:t>do_mgl</a:t>
+            </a:r>
+            <a:r>
+              <a:rPr lang="en-US" sz="2800" dirty="0">
+                <a:solidFill>
+                  <a:schemeClr val="accent2"/>
+                </a:solidFill>
+                <a:latin typeface="Fira Code" panose="020B0809050000020004" pitchFamily="49" charset="0"/>
+                <a:ea typeface="Fira Code" panose="020B0809050000020004" pitchFamily="49" charset="0"/>
+                <a:cs typeface="Fira Code" panose="020B0809050000020004" pitchFamily="49" charset="0"/>
+              </a:rPr>
+              <a:t>))</a:t>
+            </a:r>
+            <a:endParaRPr lang="en-US" sz="1100" dirty="0">
+              <a:solidFill>
+                <a:schemeClr val="accent2"/>
+              </a:solidFill>
+            </a:endParaRPr>
+          </a:p>
+        </p:txBody>
+      </p:sp>
+    </p:spTree>
+    <p:extLst>
+      <p:ext uri="{BB962C8B-B14F-4D97-AF65-F5344CB8AC3E}">
+        <p14:creationId xmlns:p14="http://schemas.microsoft.com/office/powerpoint/2010/main" val="375065119"/>
+      </p:ext>
+    </p:extLst>
+  </p:cSld>
+  <p:clrMapOvr>
+    <a:masterClrMapping/>
+  </p:clrMapOvr>
+</p:sld>
+</file>
+
+<file path=ppt/slides/slide8.xml><?xml version="1.0" encoding="utf-8"?>
+<p:sld xmlns:a="http://schemas.openxmlformats.org/drawingml/2006/main" xmlns:r="http://schemas.openxmlformats.org/officeDocument/2006/relationships" xmlns:p="http://schemas.openxmlformats.org/presentationml/2006/main">
+  <p:cSld>
+    <p:spTree>
+      <p:nvGrpSpPr>
+        <p:cNvPr id="1" name=""/>
+        <p:cNvGrpSpPr/>
+        <p:nvPr/>
+      </p:nvGrpSpPr>
+      <p:grpSpPr>
+        <a:xfrm>
+          <a:off x="0" y="0"/>
+          <a:ext cx="0" cy="0"/>
+          <a:chOff x="0" y="0"/>
+          <a:chExt cx="0" cy="0"/>
+        </a:xfrm>
+      </p:grpSpPr>
+      <p:sp>
+        <p:nvSpPr>
+          <p:cNvPr id="4" name="Footer Placeholder 3">
+            <a:extLst>
+              <a:ext uri="{FF2B5EF4-FFF2-40B4-BE49-F238E27FC236}">
+                <a16:creationId xmlns:a16="http://schemas.microsoft.com/office/drawing/2014/main" id="{A860C1B3-3AA6-4461-B1EF-81C868490593}"/>
+              </a:ext>
+            </a:extLst>
+          </p:cNvPr>
+          <p:cNvSpPr>
+            <a:spLocks noGrp="1"/>
+          </p:cNvSpPr>
+          <p:nvPr>
+            <p:ph type="ftr" sz="quarter" idx="11"/>
+          </p:nvPr>
+        </p:nvSpPr>
+        <p:spPr/>
+        <p:txBody>
+          <a:bodyPr/>
+          <a:lstStyle/>
+          <a:p>
+            <a:r>
+              <a:rPr lang="en-US"/>
+              <a:t>CERF 2019 | The Next Step with R | Cressman and Dunnigan</a:t>
+            </a:r>
+          </a:p>
+        </p:txBody>
+      </p:sp>
+      <p:sp>
+        <p:nvSpPr>
+          <p:cNvPr id="5" name="Slide Number Placeholder 4">
+            <a:extLst>
+              <a:ext uri="{FF2B5EF4-FFF2-40B4-BE49-F238E27FC236}">
+                <a16:creationId xmlns:a16="http://schemas.microsoft.com/office/drawing/2014/main" id="{BDAB46A6-C759-4D70-ABC6-956CCCC96CA5}"/>
+              </a:ext>
+            </a:extLst>
+          </p:cNvPr>
+          <p:cNvSpPr>
+            <a:spLocks noGrp="1"/>
+          </p:cNvSpPr>
+          <p:nvPr>
+            <p:ph type="sldNum" sz="quarter" idx="12"/>
+          </p:nvPr>
+        </p:nvSpPr>
+        <p:spPr/>
+        <p:txBody>
+          <a:bodyPr/>
+          <a:lstStyle/>
+          <a:p>
+            <a:fld id="{1D07C8D9-AA71-438D-86BE-7B86F7F29DC7}" type="slidenum">
+              <a:rPr lang="en-US" smtClean="0"/>
+              <a:t>8</a:t>
+            </a:fld>
+            <a:endParaRPr lang="en-US"/>
+          </a:p>
+        </p:txBody>
+      </p:sp>
+      <p:sp>
+        <p:nvSpPr>
+          <p:cNvPr id="6" name="TextBox 5">
+            <a:extLst>
+              <a:ext uri="{FF2B5EF4-FFF2-40B4-BE49-F238E27FC236}">
+                <a16:creationId xmlns:a16="http://schemas.microsoft.com/office/drawing/2014/main" id="{92DBFFFF-0DA0-4C32-B92C-FCEEAB890A5F}"/>
+              </a:ext>
+            </a:extLst>
+          </p:cNvPr>
+          <p:cNvSpPr txBox="1"/>
+          <p:nvPr/>
+        </p:nvSpPr>
+        <p:spPr>
+          <a:xfrm>
+            <a:off x="409574" y="5402243"/>
+            <a:ext cx="11191876" cy="954107"/>
+          </a:xfrm>
+          <a:prstGeom prst="rect">
+            <a:avLst/>
+          </a:prstGeom>
+          <a:noFill/>
+        </p:spPr>
+        <p:txBody>
+          <a:bodyPr wrap="square" rtlCol="0">
+            <a:spAutoFit/>
+          </a:bodyPr>
+          <a:lstStyle/>
+          <a:p>
+            <a:r>
+              <a:rPr lang="en-US" sz="1200" dirty="0">
+                <a:solidFill>
+                  <a:schemeClr val="accent2"/>
+                </a:solidFill>
+              </a:rPr>
+              <a:t> </a:t>
+            </a:r>
+            <a:r>
+              <a:rPr lang="en-US" sz="2800" dirty="0" err="1">
+                <a:solidFill>
+                  <a:schemeClr val="accent2"/>
+                </a:solidFill>
+                <a:latin typeface="Fira Code" panose="020B0809050000020004" pitchFamily="49" charset="0"/>
+                <a:ea typeface="Fira Code" panose="020B0809050000020004" pitchFamily="49" charset="0"/>
+                <a:cs typeface="Fira Code" panose="020B0809050000020004" pitchFamily="49" charset="0"/>
+              </a:rPr>
+              <a:t>ggplot</a:t>
+            </a:r>
+            <a:r>
+              <a:rPr lang="en-US" sz="2800" dirty="0">
+                <a:solidFill>
+                  <a:schemeClr val="accent2"/>
+                </a:solidFill>
+                <a:latin typeface="Fira Code" panose="020B0809050000020004" pitchFamily="49" charset="0"/>
+                <a:ea typeface="Fira Code" panose="020B0809050000020004" pitchFamily="49" charset="0"/>
+                <a:cs typeface="Fira Code" panose="020B0809050000020004" pitchFamily="49" charset="0"/>
+              </a:rPr>
+              <a:t>(data = </a:t>
+            </a:r>
+            <a:r>
+              <a:rPr lang="en-US" sz="2800" dirty="0" err="1">
+                <a:solidFill>
+                  <a:schemeClr val="accent2"/>
+                </a:solidFill>
+                <a:latin typeface="Fira Code" panose="020B0809050000020004" pitchFamily="49" charset="0"/>
+                <a:ea typeface="Fira Code" panose="020B0809050000020004" pitchFamily="49" charset="0"/>
+                <a:cs typeface="Fira Code" panose="020B0809050000020004" pitchFamily="49" charset="0"/>
+              </a:rPr>
+              <a:t>wq</a:t>
+            </a:r>
+            <a:r>
+              <a:rPr lang="en-US" sz="2800" dirty="0">
+                <a:solidFill>
+                  <a:schemeClr val="accent2"/>
+                </a:solidFill>
+                <a:latin typeface="Fira Code" panose="020B0809050000020004" pitchFamily="49" charset="0"/>
+                <a:ea typeface="Fira Code" panose="020B0809050000020004" pitchFamily="49" charset="0"/>
+                <a:cs typeface="Fira Code" panose="020B0809050000020004" pitchFamily="49" charset="0"/>
+              </a:rPr>
+              <a:t>) +</a:t>
+            </a:r>
+          </a:p>
+          <a:p>
+            <a:r>
+              <a:rPr lang="en-US" sz="2800" dirty="0">
+                <a:solidFill>
+                  <a:schemeClr val="accent2"/>
+                </a:solidFill>
+                <a:latin typeface="Fira Code" panose="020B0809050000020004" pitchFamily="49" charset="0"/>
+                <a:ea typeface="Fira Code" panose="020B0809050000020004" pitchFamily="49" charset="0"/>
+                <a:cs typeface="Fira Code" panose="020B0809050000020004" pitchFamily="49" charset="0"/>
+              </a:rPr>
+              <a:t>	</a:t>
+            </a:r>
+            <a:r>
+              <a:rPr lang="en-US" sz="2800" dirty="0" err="1">
+                <a:solidFill>
+                  <a:schemeClr val="accent2"/>
+                </a:solidFill>
+                <a:latin typeface="Fira Code" panose="020B0809050000020004" pitchFamily="49" charset="0"/>
+                <a:ea typeface="Fira Code" panose="020B0809050000020004" pitchFamily="49" charset="0"/>
+                <a:cs typeface="Fira Code" panose="020B0809050000020004" pitchFamily="49" charset="0"/>
+              </a:rPr>
+              <a:t>geom_point</a:t>
+            </a:r>
+            <a:r>
+              <a:rPr lang="en-US" sz="2800" dirty="0">
+                <a:solidFill>
+                  <a:schemeClr val="accent2"/>
+                </a:solidFill>
+                <a:latin typeface="Fira Code" panose="020B0809050000020004" pitchFamily="49" charset="0"/>
+                <a:ea typeface="Fira Code" panose="020B0809050000020004" pitchFamily="49" charset="0"/>
+                <a:cs typeface="Fira Code" panose="020B0809050000020004" pitchFamily="49" charset="0"/>
+              </a:rPr>
+              <a:t>(mapping = </a:t>
+            </a:r>
+            <a:r>
+              <a:rPr lang="en-US" sz="2800" dirty="0" err="1">
+                <a:solidFill>
+                  <a:schemeClr val="accent2"/>
+                </a:solidFill>
+                <a:latin typeface="Fira Code" panose="020B0809050000020004" pitchFamily="49" charset="0"/>
+                <a:ea typeface="Fira Code" panose="020B0809050000020004" pitchFamily="49" charset="0"/>
+                <a:cs typeface="Fira Code" panose="020B0809050000020004" pitchFamily="49" charset="0"/>
+              </a:rPr>
+              <a:t>aes</a:t>
+            </a:r>
+            <a:r>
+              <a:rPr lang="en-US" sz="2800" dirty="0">
+                <a:solidFill>
+                  <a:schemeClr val="accent2"/>
+                </a:solidFill>
+                <a:latin typeface="Fira Code" panose="020B0809050000020004" pitchFamily="49" charset="0"/>
+                <a:ea typeface="Fira Code" panose="020B0809050000020004" pitchFamily="49" charset="0"/>
+                <a:cs typeface="Fira Code" panose="020B0809050000020004" pitchFamily="49" charset="0"/>
+              </a:rPr>
+              <a:t>(x = temp, y = </a:t>
+            </a:r>
+            <a:r>
+              <a:rPr lang="en-US" sz="2800" dirty="0" err="1">
+                <a:solidFill>
+                  <a:schemeClr val="accent2"/>
+                </a:solidFill>
+                <a:latin typeface="Fira Code" panose="020B0809050000020004" pitchFamily="49" charset="0"/>
+                <a:ea typeface="Fira Code" panose="020B0809050000020004" pitchFamily="49" charset="0"/>
+                <a:cs typeface="Fira Code" panose="020B0809050000020004" pitchFamily="49" charset="0"/>
+              </a:rPr>
+              <a:t>do_mgl</a:t>
+            </a:r>
+            <a:r>
+              <a:rPr lang="en-US" sz="2800" dirty="0">
+                <a:solidFill>
+                  <a:schemeClr val="accent2"/>
+                </a:solidFill>
+                <a:latin typeface="Fira Code" panose="020B0809050000020004" pitchFamily="49" charset="0"/>
+                <a:ea typeface="Fira Code" panose="020B0809050000020004" pitchFamily="49" charset="0"/>
+                <a:cs typeface="Fira Code" panose="020B0809050000020004" pitchFamily="49" charset="0"/>
+              </a:rPr>
+              <a:t>))</a:t>
+            </a:r>
+            <a:endParaRPr lang="en-US" sz="1100" dirty="0">
+              <a:solidFill>
+                <a:schemeClr val="accent2"/>
+              </a:solidFill>
+            </a:endParaRPr>
+          </a:p>
+        </p:txBody>
+      </p:sp>
+      <p:pic>
+        <p:nvPicPr>
+          <p:cNvPr id="1028" name="Picture 4" descr="https://lh5.googleusercontent.com/qHVd8e7NxVcOJHXkFcICb6x-ovHVOZsTtPz6zqoHXa83CJ0NFFxjBuejXh-PPPdFeCKI4rMNzDBFk74FFg5Gm6g6qFvmE4j113CUoIc1Im1kwQMebaoCxSqwTsUNuJggvEH2bePc">
+            <a:extLst>
+              <a:ext uri="{FF2B5EF4-FFF2-40B4-BE49-F238E27FC236}">
+                <a16:creationId xmlns:a16="http://schemas.microsoft.com/office/drawing/2014/main" id="{69DD75A6-AE33-47B5-8EF3-A39126D7CE04}"/>
+              </a:ext>
+            </a:extLst>
+          </p:cNvPr>
+          <p:cNvPicPr>
+            <a:picLocks noChangeAspect="1" noChangeArrowheads="1"/>
+          </p:cNvPicPr>
+          <p:nvPr/>
+        </p:nvPicPr>
+        <p:blipFill>
+          <a:blip r:embed="rId2">
+            <a:extLst>
+              <a:ext uri="{28A0092B-C50C-407E-A947-70E740481C1C}">
+                <a14:useLocalDpi xmlns:a14="http://schemas.microsoft.com/office/drawing/2010/main" val="0"/>
+              </a:ext>
+            </a:extLst>
+          </a:blip>
+          <a:srcRect/>
+          <a:stretch>
+            <a:fillRect/>
+          </a:stretch>
+        </p:blipFill>
+        <p:spPr bwMode="auto">
+          <a:xfrm>
+            <a:off x="2591866" y="717556"/>
+            <a:ext cx="7008268" cy="4319562"/>
+          </a:xfrm>
+          <a:prstGeom prst="rect">
+            <a:avLst/>
+          </a:prstGeom>
+          <a:noFill/>
+          <a:extLst>
+            <a:ext uri="{909E8E84-426E-40DD-AFC4-6F175D3DCCD1}">
+              <a14:hiddenFill xmlns:a14="http://schemas.microsoft.com/office/drawing/2010/main">
+                <a:solidFill>
+                  <a:srgbClr val="FFFFFF"/>
+                </a:solidFill>
+              </a14:hiddenFill>
+            </a:ext>
+          </a:extLst>
+        </p:spPr>
+      </p:pic>
+      <p:cxnSp>
+        <p:nvCxnSpPr>
+          <p:cNvPr id="9" name="Straight Connector 8">
+            <a:extLst>
+              <a:ext uri="{FF2B5EF4-FFF2-40B4-BE49-F238E27FC236}">
+                <a16:creationId xmlns:a16="http://schemas.microsoft.com/office/drawing/2014/main" id="{406E7090-47D2-4382-994D-5ADE8E539C29}"/>
+              </a:ext>
+            </a:extLst>
+          </p:cNvPr>
+          <p:cNvCxnSpPr/>
+          <p:nvPr/>
+        </p:nvCxnSpPr>
+        <p:spPr>
+          <a:xfrm>
+            <a:off x="2388002" y="352431"/>
+            <a:ext cx="7870785" cy="4560425"/>
+          </a:xfrm>
+          <a:prstGeom prst="line">
+            <a:avLst/>
+          </a:prstGeom>
+          <a:ln w="38100">
+            <a:solidFill>
+              <a:schemeClr val="tx1"/>
+            </a:solidFill>
+          </a:ln>
+        </p:spPr>
+        <p:style>
+          <a:lnRef idx="1">
+            <a:schemeClr val="accent1"/>
+          </a:lnRef>
+          <a:fillRef idx="0">
+            <a:schemeClr val="accent1"/>
+          </a:fillRef>
+          <a:effectRef idx="0">
+            <a:schemeClr val="accent1"/>
+          </a:effectRef>
+          <a:fontRef idx="minor">
+            <a:schemeClr val="tx1"/>
+          </a:fontRef>
+        </p:style>
+      </p:cxnSp>
+    </p:spTree>
+    <p:extLst>
+      <p:ext uri="{BB962C8B-B14F-4D97-AF65-F5344CB8AC3E}">
+        <p14:creationId xmlns:p14="http://schemas.microsoft.com/office/powerpoint/2010/main" val="2249593959"/>
+      </p:ext>
+    </p:extLst>
+  </p:cSld>
+  <p:clrMapOvr>
+    <a:masterClrMapping/>
+  </p:clrMapOvr>
+</p:sld>
+</file>
+
+<file path=ppt/slides/slide9.xml><?xml version="1.0" encoding="utf-8"?>
+<p:sld xmlns:a="http://schemas.openxmlformats.org/drawingml/2006/main" xmlns:r="http://schemas.openxmlformats.org/officeDocument/2006/relationships" xmlns:p="http://schemas.openxmlformats.org/presentationml/2006/main">
+  <p:cSld>
+    <p:spTree>
+      <p:nvGrpSpPr>
+        <p:cNvPr id="1" name=""/>
+        <p:cNvGrpSpPr/>
+        <p:nvPr/>
+      </p:nvGrpSpPr>
+      <p:grpSpPr>
+        <a:xfrm>
+          <a:off x="0" y="0"/>
+          <a:ext cx="0" cy="0"/>
+          <a:chOff x="0" y="0"/>
+          <a:chExt cx="0" cy="0"/>
+        </a:xfrm>
+      </p:grpSpPr>
+      <p:sp>
+        <p:nvSpPr>
+          <p:cNvPr id="2" name="Footer Placeholder 1">
+            <a:extLst>
+              <a:ext uri="{FF2B5EF4-FFF2-40B4-BE49-F238E27FC236}">
+                <a16:creationId xmlns:a16="http://schemas.microsoft.com/office/drawing/2014/main" id="{88D67FBE-4923-4849-9A31-3C79D5E95E0F}"/>
+              </a:ext>
+            </a:extLst>
+          </p:cNvPr>
+          <p:cNvSpPr>
+            <a:spLocks noGrp="1"/>
+          </p:cNvSpPr>
+          <p:nvPr>
+            <p:ph type="ftr" sz="quarter" idx="11"/>
+          </p:nvPr>
+        </p:nvSpPr>
+        <p:spPr/>
+        <p:txBody>
+          <a:bodyPr/>
+          <a:lstStyle/>
+          <a:p>
+            <a:r>
+              <a:rPr lang="en-US"/>
+              <a:t>CERF 2019 | The Next Step with R | Cressman and Dunnigan</a:t>
+            </a:r>
+          </a:p>
+        </p:txBody>
+      </p:sp>
+      <p:sp>
+        <p:nvSpPr>
+          <p:cNvPr id="3" name="Slide Number Placeholder 2">
+            <a:extLst>
+              <a:ext uri="{FF2B5EF4-FFF2-40B4-BE49-F238E27FC236}">
+                <a16:creationId xmlns:a16="http://schemas.microsoft.com/office/drawing/2014/main" id="{44B4D792-B0A8-49E9-B3C8-FA55B3B96693}"/>
+              </a:ext>
+            </a:extLst>
+          </p:cNvPr>
+          <p:cNvSpPr>
+            <a:spLocks noGrp="1"/>
+          </p:cNvSpPr>
+          <p:nvPr>
+            <p:ph type="sldNum" sz="quarter" idx="12"/>
+          </p:nvPr>
+        </p:nvSpPr>
+        <p:spPr/>
+        <p:txBody>
+          <a:bodyPr/>
+          <a:lstStyle/>
+          <a:p>
+            <a:fld id="{1D07C8D9-AA71-438D-86BE-7B86F7F29DC7}" type="slidenum">
+              <a:rPr lang="en-US" smtClean="0"/>
+              <a:t>9</a:t>
+            </a:fld>
+            <a:endParaRPr lang="en-US"/>
+          </a:p>
+        </p:txBody>
+      </p:sp>
+      <p:sp>
+        <p:nvSpPr>
+          <p:cNvPr id="4" name="TextBox 3">
+            <a:extLst>
+              <a:ext uri="{FF2B5EF4-FFF2-40B4-BE49-F238E27FC236}">
+                <a16:creationId xmlns:a16="http://schemas.microsoft.com/office/drawing/2014/main" id="{35F548CA-2AD0-40CE-839C-79F92B466F79}"/>
+              </a:ext>
+            </a:extLst>
+          </p:cNvPr>
+          <p:cNvSpPr txBox="1"/>
+          <p:nvPr/>
+        </p:nvSpPr>
+        <p:spPr>
+          <a:xfrm>
+            <a:off x="400049" y="857250"/>
+            <a:ext cx="11191876" cy="954107"/>
+          </a:xfrm>
+          <a:prstGeom prst="rect">
+            <a:avLst/>
+          </a:prstGeom>
+          <a:noFill/>
+        </p:spPr>
+        <p:txBody>
+          <a:bodyPr wrap="square" rtlCol="0">
+            <a:spAutoFit/>
+          </a:bodyPr>
+          <a:lstStyle/>
+          <a:p>
+            <a:r>
+              <a:rPr lang="en-US" sz="1200" dirty="0"/>
+              <a:t> </a:t>
+            </a:r>
+            <a:r>
+              <a:rPr lang="en-US" sz="2800" dirty="0" err="1">
+                <a:latin typeface="Fira Code" panose="020B0809050000020004" pitchFamily="49" charset="0"/>
+                <a:ea typeface="Fira Code" panose="020B0809050000020004" pitchFamily="49" charset="0"/>
+                <a:cs typeface="Fira Code" panose="020B0809050000020004" pitchFamily="49" charset="0"/>
+              </a:rPr>
+              <a:t>ggplot</a:t>
+            </a:r>
+            <a:r>
+              <a:rPr lang="en-US" sz="2800" dirty="0">
+                <a:latin typeface="Fira Code" panose="020B0809050000020004" pitchFamily="49" charset="0"/>
+                <a:ea typeface="Fira Code" panose="020B0809050000020004" pitchFamily="49" charset="0"/>
+                <a:cs typeface="Fira Code" panose="020B0809050000020004" pitchFamily="49" charset="0"/>
+              </a:rPr>
+              <a:t>(data = </a:t>
+            </a:r>
+            <a:r>
+              <a:rPr lang="en-US" sz="2800" dirty="0" err="1">
+                <a:solidFill>
+                  <a:schemeClr val="accent2"/>
+                </a:solidFill>
+                <a:latin typeface="Fira Code" panose="020B0809050000020004" pitchFamily="49" charset="0"/>
+                <a:ea typeface="Fira Code" panose="020B0809050000020004" pitchFamily="49" charset="0"/>
+                <a:cs typeface="Fira Code" panose="020B0809050000020004" pitchFamily="49" charset="0"/>
+              </a:rPr>
+              <a:t>wq</a:t>
+            </a:r>
+            <a:r>
+              <a:rPr lang="en-US" sz="2800" dirty="0">
+                <a:latin typeface="Fira Code" panose="020B0809050000020004" pitchFamily="49" charset="0"/>
+                <a:ea typeface="Fira Code" panose="020B0809050000020004" pitchFamily="49" charset="0"/>
+                <a:cs typeface="Fira Code" panose="020B0809050000020004" pitchFamily="49" charset="0"/>
+              </a:rPr>
+              <a:t>) +</a:t>
+            </a:r>
+          </a:p>
+          <a:p>
+            <a:r>
+              <a:rPr lang="en-US" sz="2800" dirty="0">
+                <a:latin typeface="Fira Code" panose="020B0809050000020004" pitchFamily="49" charset="0"/>
+                <a:ea typeface="Fira Code" panose="020B0809050000020004" pitchFamily="49" charset="0"/>
+                <a:cs typeface="Fira Code" panose="020B0809050000020004" pitchFamily="49" charset="0"/>
+              </a:rPr>
+              <a:t>	</a:t>
+            </a:r>
+            <a:r>
+              <a:rPr lang="en-US" sz="2800" dirty="0" err="1">
+                <a:solidFill>
+                  <a:schemeClr val="accent2"/>
+                </a:solidFill>
+                <a:latin typeface="Fira Code" panose="020B0809050000020004" pitchFamily="49" charset="0"/>
+                <a:ea typeface="Fira Code" panose="020B0809050000020004" pitchFamily="49" charset="0"/>
+                <a:cs typeface="Fira Code" panose="020B0809050000020004" pitchFamily="49" charset="0"/>
+              </a:rPr>
+              <a:t>geom_point</a:t>
+            </a:r>
+            <a:r>
+              <a:rPr lang="en-US" sz="2800" dirty="0">
+                <a:latin typeface="Fira Code" panose="020B0809050000020004" pitchFamily="49" charset="0"/>
+                <a:ea typeface="Fira Code" panose="020B0809050000020004" pitchFamily="49" charset="0"/>
+                <a:cs typeface="Fira Code" panose="020B0809050000020004" pitchFamily="49" charset="0"/>
+              </a:rPr>
+              <a:t>(mapping = </a:t>
+            </a:r>
+            <a:r>
+              <a:rPr lang="en-US" sz="2800" dirty="0" err="1">
+                <a:latin typeface="Fira Code" panose="020B0809050000020004" pitchFamily="49" charset="0"/>
+                <a:ea typeface="Fira Code" panose="020B0809050000020004" pitchFamily="49" charset="0"/>
+                <a:cs typeface="Fira Code" panose="020B0809050000020004" pitchFamily="49" charset="0"/>
+              </a:rPr>
+              <a:t>aes</a:t>
+            </a:r>
+            <a:r>
+              <a:rPr lang="en-US" sz="2800" dirty="0">
+                <a:latin typeface="Fira Code" panose="020B0809050000020004" pitchFamily="49" charset="0"/>
+                <a:ea typeface="Fira Code" panose="020B0809050000020004" pitchFamily="49" charset="0"/>
+                <a:cs typeface="Fira Code" panose="020B0809050000020004" pitchFamily="49" charset="0"/>
+              </a:rPr>
+              <a:t>(</a:t>
+            </a:r>
+            <a:r>
+              <a:rPr lang="en-US" sz="2800" dirty="0">
+                <a:solidFill>
+                  <a:schemeClr val="accent2"/>
+                </a:solidFill>
+                <a:latin typeface="Fira Code" panose="020B0809050000020004" pitchFamily="49" charset="0"/>
+                <a:ea typeface="Fira Code" panose="020B0809050000020004" pitchFamily="49" charset="0"/>
+                <a:cs typeface="Fira Code" panose="020B0809050000020004" pitchFamily="49" charset="0"/>
+              </a:rPr>
+              <a:t>x = temp</a:t>
+            </a:r>
+            <a:r>
+              <a:rPr lang="en-US" sz="2800" dirty="0">
+                <a:latin typeface="Fira Code" panose="020B0809050000020004" pitchFamily="49" charset="0"/>
+                <a:ea typeface="Fira Code" panose="020B0809050000020004" pitchFamily="49" charset="0"/>
+                <a:cs typeface="Fira Code" panose="020B0809050000020004" pitchFamily="49" charset="0"/>
+              </a:rPr>
+              <a:t>, </a:t>
+            </a:r>
+            <a:r>
+              <a:rPr lang="en-US" sz="2800" dirty="0">
+                <a:solidFill>
+                  <a:schemeClr val="accent2"/>
+                </a:solidFill>
+                <a:latin typeface="Fira Code" panose="020B0809050000020004" pitchFamily="49" charset="0"/>
+                <a:ea typeface="Fira Code" panose="020B0809050000020004" pitchFamily="49" charset="0"/>
+                <a:cs typeface="Fira Code" panose="020B0809050000020004" pitchFamily="49" charset="0"/>
+              </a:rPr>
+              <a:t>y = </a:t>
+            </a:r>
+            <a:r>
+              <a:rPr lang="en-US" sz="2800" dirty="0" err="1">
+                <a:solidFill>
+                  <a:schemeClr val="accent2"/>
+                </a:solidFill>
+                <a:latin typeface="Fira Code" panose="020B0809050000020004" pitchFamily="49" charset="0"/>
+                <a:ea typeface="Fira Code" panose="020B0809050000020004" pitchFamily="49" charset="0"/>
+                <a:cs typeface="Fira Code" panose="020B0809050000020004" pitchFamily="49" charset="0"/>
+              </a:rPr>
+              <a:t>do_mgl</a:t>
+            </a:r>
+            <a:r>
+              <a:rPr lang="en-US" sz="2800" dirty="0">
+                <a:latin typeface="Fira Code" panose="020B0809050000020004" pitchFamily="49" charset="0"/>
+                <a:ea typeface="Fira Code" panose="020B0809050000020004" pitchFamily="49" charset="0"/>
+                <a:cs typeface="Fira Code" panose="020B0809050000020004" pitchFamily="49" charset="0"/>
+              </a:rPr>
+              <a:t>))</a:t>
+            </a:r>
+            <a:endParaRPr lang="en-US" sz="1100" dirty="0"/>
+          </a:p>
+        </p:txBody>
+      </p:sp>
+    </p:spTree>
+    <p:extLst>
+      <p:ext uri="{BB962C8B-B14F-4D97-AF65-F5344CB8AC3E}">
+        <p14:creationId xmlns:p14="http://schemas.microsoft.com/office/powerpoint/2010/main" val="3895082838"/>
       </p:ext>
     </p:extLst>
   </p:cSld>

--- a/slides/01_Visualize.pptx
+++ b/slides/01_Visualize.pptx
@@ -5,7 +5,7 @@
     <p:sldMasterId id="2147483648" r:id="rId1"/>
   </p:sldMasterIdLst>
   <p:notesMasterIdLst>
-    <p:notesMasterId r:id="rId11"/>
+    <p:notesMasterId r:id="rId27"/>
   </p:notesMasterIdLst>
   <p:sldIdLst>
     <p:sldId id="256" r:id="rId2"/>
@@ -17,9 +17,25 @@
     <p:sldId id="263" r:id="rId8"/>
     <p:sldId id="264" r:id="rId9"/>
     <p:sldId id="265" r:id="rId10"/>
+    <p:sldId id="266" r:id="rId11"/>
+    <p:sldId id="267" r:id="rId12"/>
+    <p:sldId id="268" r:id="rId13"/>
+    <p:sldId id="269" r:id="rId14"/>
+    <p:sldId id="270" r:id="rId15"/>
+    <p:sldId id="271" r:id="rId16"/>
+    <p:sldId id="272" r:id="rId17"/>
+    <p:sldId id="273" r:id="rId18"/>
+    <p:sldId id="274" r:id="rId19"/>
+    <p:sldId id="277" r:id="rId20"/>
+    <p:sldId id="278" r:id="rId21"/>
+    <p:sldId id="279" r:id="rId22"/>
+    <p:sldId id="281" r:id="rId23"/>
+    <p:sldId id="282" r:id="rId24"/>
+    <p:sldId id="275" r:id="rId25"/>
+    <p:sldId id="276" r:id="rId26"/>
   </p:sldIdLst>
   <p:sldSz cx="12192000" cy="6858000"/>
-  <p:notesSz cx="6858000" cy="9144000"/>
+  <p:notesSz cx="9144000" cy="6858000"/>
   <p:defaultTextStyle>
     <a:defPPr>
       <a:defRPr lang="en-US"/>
@@ -115,7 +131,24 @@
       </a:defRPr>
     </a:lvl9pPr>
   </p:defaultTextStyle>
+  <p:extLst>
+    <p:ext uri="{EFAFB233-063F-42B5-8137-9DF3F51BA10A}">
+      <p15:sldGuideLst xmlns:p15="http://schemas.microsoft.com/office/powerpoint/2012/main"/>
+    </p:ext>
+  </p:extLst>
 </p:presentation>
+</file>
+
+<file path=ppt/commentAuthors.xml><?xml version="1.0" encoding="utf-8"?>
+<p:cmAuthorLst xmlns:a="http://schemas.openxmlformats.org/drawingml/2006/main" xmlns:r="http://schemas.openxmlformats.org/officeDocument/2006/relationships" xmlns:p="http://schemas.openxmlformats.org/presentationml/2006/main">
+  <p:cmAuthor id="1" name="Shannon Dunnigan" initials="SD" lastIdx="1" clrIdx="0">
+    <p:extLst>
+      <p:ext uri="{19B8F6BF-5375-455C-9EA6-DF929625EA0E}">
+        <p15:presenceInfo xmlns:p15="http://schemas.microsoft.com/office/powerpoint/2012/main" userId="9cc9354cb4dc0744" providerId="Windows Live"/>
+      </p:ext>
+    </p:extLst>
+  </p:cmAuthor>
+</p:cmAuthorLst>
 </file>
 
 <file path=ppt/notesMasters/notesMaster1.xml><?xml version="1.0" encoding="utf-8"?>
@@ -153,7 +186,7 @@
         <p:spPr>
           <a:xfrm>
             <a:off x="0" y="0"/>
-            <a:ext cx="2971800" cy="458788"/>
+            <a:ext cx="3962400" cy="344091"/>
           </a:xfrm>
           <a:prstGeom prst="rect">
             <a:avLst/>
@@ -183,8 +216,8 @@
         </p:nvSpPr>
         <p:spPr>
           <a:xfrm>
-            <a:off x="3884613" y="0"/>
-            <a:ext cx="2971800" cy="458788"/>
+            <a:off x="5179484" y="0"/>
+            <a:ext cx="3962400" cy="344091"/>
           </a:xfrm>
           <a:prstGeom prst="rect">
             <a:avLst/>
@@ -200,7 +233,7 @@
           <a:p>
             <a:fld id="{FDC4B335-33D5-4EA8-A5E8-130D36D513BC}" type="datetimeFigureOut">
               <a:rPr lang="en-US" smtClean="0"/>
-              <a:t>10/16/2019</a:t>
+              <a:t>10/17/2019</a:t>
             </a:fld>
             <a:endParaRPr lang="en-US"/>
           </a:p>
@@ -218,8 +251,8 @@
         </p:nvSpPr>
         <p:spPr>
           <a:xfrm>
-            <a:off x="685800" y="1143000"/>
-            <a:ext cx="5486400" cy="3086100"/>
+            <a:off x="2514600" y="857250"/>
+            <a:ext cx="4114800" cy="2314575"/>
           </a:xfrm>
           <a:prstGeom prst="rect">
             <a:avLst/>
@@ -251,8 +284,8 @@
         </p:nvSpPr>
         <p:spPr>
           <a:xfrm>
-            <a:off x="685800" y="4400550"/>
-            <a:ext cx="5486400" cy="3600450"/>
+            <a:off x="914400" y="3300412"/>
+            <a:ext cx="7315200" cy="2700338"/>
           </a:xfrm>
           <a:prstGeom prst="rect">
             <a:avLst/>
@@ -310,8 +343,8 @@
         </p:nvSpPr>
         <p:spPr>
           <a:xfrm>
-            <a:off x="0" y="8685213"/>
-            <a:ext cx="2971800" cy="458787"/>
+            <a:off x="0" y="6513910"/>
+            <a:ext cx="3962400" cy="344090"/>
           </a:xfrm>
           <a:prstGeom prst="rect">
             <a:avLst/>
@@ -341,8 +374,8 @@
         </p:nvSpPr>
         <p:spPr>
           <a:xfrm>
-            <a:off x="3884613" y="8685213"/>
-            <a:ext cx="2971800" cy="458787"/>
+            <a:off x="5179484" y="6513910"/>
+            <a:ext cx="3962400" cy="344090"/>
           </a:xfrm>
           <a:prstGeom prst="rect">
             <a:avLst/>
@@ -560,6 +593,414 @@
 </p:notes>
 </file>
 
+<file path=ppt/notesSlides/notesSlide2.xml><?xml version="1.0" encoding="utf-8"?>
+<p:notes xmlns:a="http://schemas.openxmlformats.org/drawingml/2006/main" xmlns:r="http://schemas.openxmlformats.org/officeDocument/2006/relationships" xmlns:p="http://schemas.openxmlformats.org/presentationml/2006/main">
+  <p:cSld>
+    <p:spTree>
+      <p:nvGrpSpPr>
+        <p:cNvPr id="1" name=""/>
+        <p:cNvGrpSpPr/>
+        <p:nvPr/>
+      </p:nvGrpSpPr>
+      <p:grpSpPr>
+        <a:xfrm>
+          <a:off x="0" y="0"/>
+          <a:ext cx="0" cy="0"/>
+          <a:chOff x="0" y="0"/>
+          <a:chExt cx="0" cy="0"/>
+        </a:xfrm>
+      </p:grpSpPr>
+      <p:sp>
+        <p:nvSpPr>
+          <p:cNvPr id="2" name="Slide Image Placeholder 1"/>
+          <p:cNvSpPr>
+            <a:spLocks noGrp="1" noRot="1" noChangeAspect="1"/>
+          </p:cNvSpPr>
+          <p:nvPr>
+            <p:ph type="sldImg"/>
+          </p:nvPr>
+        </p:nvSpPr>
+        <p:spPr/>
+      </p:sp>
+      <p:sp>
+        <p:nvSpPr>
+          <p:cNvPr id="3" name="Notes Placeholder 2"/>
+          <p:cNvSpPr>
+            <a:spLocks noGrp="1"/>
+          </p:cNvSpPr>
+          <p:nvPr>
+            <p:ph type="body" idx="1"/>
+          </p:nvPr>
+        </p:nvSpPr>
+        <p:spPr/>
+        <p:txBody>
+          <a:bodyPr/>
+          <a:lstStyle/>
+          <a:p>
+            <a:pPr marL="228600" indent="-228600">
+              <a:buAutoNum type="arabicPeriod"/>
+            </a:pPr>
+            <a:r>
+              <a:rPr lang="en-US" dirty="0"/>
+              <a:t>Initialize the figure with </a:t>
+            </a:r>
+            <a:r>
+              <a:rPr lang="en-US" dirty="0" err="1"/>
+              <a:t>ggplot</a:t>
+            </a:r>
+            <a:r>
+              <a:rPr lang="en-US" dirty="0"/>
+              <a:t>(), this creates a coordinate system that you can add layers to. The first argument of this function is the dataset to use in the graph, so </a:t>
+            </a:r>
+            <a:r>
+              <a:rPr lang="en-US" dirty="0" err="1"/>
+              <a:t>ggplot</a:t>
+            </a:r>
+            <a:r>
+              <a:rPr lang="en-US" dirty="0"/>
+              <a:t>(data = &lt;DATA&gt;) creates an empty graph.</a:t>
+            </a:r>
+          </a:p>
+          <a:p>
+            <a:pPr marL="228600" indent="-228600">
+              <a:buAutoNum type="arabicPeriod"/>
+            </a:pPr>
+            <a:r>
+              <a:rPr lang="en-US" dirty="0"/>
+              <a:t>Each </a:t>
+            </a:r>
+            <a:r>
+              <a:rPr lang="en-US" dirty="0" err="1"/>
+              <a:t>geom</a:t>
+            </a:r>
+            <a:r>
+              <a:rPr lang="en-US" dirty="0"/>
+              <a:t> function takes a mapping argument. This is how variables are defined and mapped to visual properties. Mapping argument is always paired with </a:t>
+            </a:r>
+            <a:r>
+              <a:rPr lang="en-US" dirty="0" err="1"/>
+              <a:t>aes</a:t>
+            </a:r>
+            <a:r>
+              <a:rPr lang="en-US" dirty="0"/>
+              <a:t>() and the x and y arguments of </a:t>
+            </a:r>
+            <a:r>
+              <a:rPr lang="en-US" dirty="0" err="1"/>
+              <a:t>aes</a:t>
+            </a:r>
+            <a:r>
+              <a:rPr lang="en-US" dirty="0"/>
+              <a:t>() specify which variables to map to the x and y axes by looking into the `data` argument.</a:t>
+            </a:r>
+          </a:p>
+        </p:txBody>
+      </p:sp>
+      <p:sp>
+        <p:nvSpPr>
+          <p:cNvPr id="4" name="Slide Number Placeholder 3"/>
+          <p:cNvSpPr>
+            <a:spLocks noGrp="1"/>
+          </p:cNvSpPr>
+          <p:nvPr>
+            <p:ph type="sldNum" sz="quarter" idx="5"/>
+          </p:nvPr>
+        </p:nvSpPr>
+        <p:spPr/>
+        <p:txBody>
+          <a:bodyPr/>
+          <a:lstStyle/>
+          <a:p>
+            <a:fld id="{A78BD796-15B3-455D-897E-2AB664146321}" type="slidenum">
+              <a:rPr lang="en-US" smtClean="0"/>
+              <a:t>9</a:t>
+            </a:fld>
+            <a:endParaRPr lang="en-US"/>
+          </a:p>
+        </p:txBody>
+      </p:sp>
+    </p:spTree>
+    <p:extLst>
+      <p:ext uri="{BB962C8B-B14F-4D97-AF65-F5344CB8AC3E}">
+        <p14:creationId xmlns:p14="http://schemas.microsoft.com/office/powerpoint/2010/main" val="2996647160"/>
+      </p:ext>
+    </p:extLst>
+  </p:cSld>
+  <p:clrMapOvr>
+    <a:masterClrMapping/>
+  </p:clrMapOvr>
+</p:notes>
+</file>
+
+<file path=ppt/notesSlides/notesSlide3.xml><?xml version="1.0" encoding="utf-8"?>
+<p:notes xmlns:a="http://schemas.openxmlformats.org/drawingml/2006/main" xmlns:r="http://schemas.openxmlformats.org/officeDocument/2006/relationships" xmlns:p="http://schemas.openxmlformats.org/presentationml/2006/main">
+  <p:cSld>
+    <p:spTree>
+      <p:nvGrpSpPr>
+        <p:cNvPr id="1" name=""/>
+        <p:cNvGrpSpPr/>
+        <p:nvPr/>
+      </p:nvGrpSpPr>
+      <p:grpSpPr>
+        <a:xfrm>
+          <a:off x="0" y="0"/>
+          <a:ext cx="0" cy="0"/>
+          <a:chOff x="0" y="0"/>
+          <a:chExt cx="0" cy="0"/>
+        </a:xfrm>
+      </p:grpSpPr>
+      <p:sp>
+        <p:nvSpPr>
+          <p:cNvPr id="2" name="Slide Image Placeholder 1"/>
+          <p:cNvSpPr>
+            <a:spLocks noGrp="1" noRot="1" noChangeAspect="1"/>
+          </p:cNvSpPr>
+          <p:nvPr>
+            <p:ph type="sldImg"/>
+          </p:nvPr>
+        </p:nvSpPr>
+        <p:spPr/>
+      </p:sp>
+      <p:sp>
+        <p:nvSpPr>
+          <p:cNvPr id="3" name="Notes Placeholder 2"/>
+          <p:cNvSpPr>
+            <a:spLocks noGrp="1"/>
+          </p:cNvSpPr>
+          <p:nvPr>
+            <p:ph type="body" idx="1"/>
+          </p:nvPr>
+        </p:nvSpPr>
+        <p:spPr/>
+        <p:txBody>
+          <a:bodyPr/>
+          <a:lstStyle/>
+          <a:p>
+            <a:r>
+              <a:rPr lang="en-US" sz="1200" b="0" i="0" kern="1200" dirty="0">
+                <a:solidFill>
+                  <a:schemeClr val="tx1"/>
+                </a:solidFill>
+                <a:effectLst/>
+                <a:latin typeface="+mn-lt"/>
+                <a:ea typeface="+mn-ea"/>
+                <a:cs typeface="+mn-cs"/>
+              </a:rPr>
+              <a:t>To set an aesthetic manually, set the aesthetic by name as an argument of your </a:t>
+            </a:r>
+            <a:r>
+              <a:rPr lang="en-US" sz="1200" b="0" i="0" kern="1200" dirty="0" err="1">
+                <a:solidFill>
+                  <a:schemeClr val="tx1"/>
+                </a:solidFill>
+                <a:effectLst/>
+                <a:latin typeface="+mn-lt"/>
+                <a:ea typeface="+mn-ea"/>
+                <a:cs typeface="+mn-cs"/>
+              </a:rPr>
+              <a:t>geom</a:t>
+            </a:r>
+            <a:r>
+              <a:rPr lang="en-US" sz="1200" b="0" i="0" kern="1200" dirty="0">
+                <a:solidFill>
+                  <a:schemeClr val="tx1"/>
+                </a:solidFill>
+                <a:effectLst/>
+                <a:latin typeface="+mn-lt"/>
+                <a:ea typeface="+mn-ea"/>
+                <a:cs typeface="+mn-cs"/>
+              </a:rPr>
+              <a:t> function; i.e. it goes </a:t>
+            </a:r>
+            <a:r>
+              <a:rPr lang="en-US" sz="1200" b="0" i="1" kern="1200" dirty="0">
+                <a:solidFill>
+                  <a:schemeClr val="tx1"/>
+                </a:solidFill>
+                <a:effectLst/>
+                <a:latin typeface="+mn-lt"/>
+                <a:ea typeface="+mn-ea"/>
+                <a:cs typeface="+mn-cs"/>
+              </a:rPr>
+              <a:t>outside</a:t>
+            </a:r>
+            <a:r>
+              <a:rPr lang="en-US" sz="1200" b="0" i="0" kern="1200" dirty="0">
+                <a:solidFill>
+                  <a:schemeClr val="tx1"/>
+                </a:solidFill>
+                <a:effectLst/>
+                <a:latin typeface="+mn-lt"/>
+                <a:ea typeface="+mn-ea"/>
+                <a:cs typeface="+mn-cs"/>
+              </a:rPr>
+              <a:t> of </a:t>
+            </a:r>
+            <a:r>
+              <a:rPr lang="en-US" dirty="0" err="1"/>
+              <a:t>aes</a:t>
+            </a:r>
+            <a:r>
+              <a:rPr lang="en-US" dirty="0"/>
+              <a:t>()</a:t>
+            </a:r>
+            <a:r>
+              <a:rPr lang="en-US" sz="1200" b="0" i="0" kern="1200" dirty="0">
+                <a:solidFill>
+                  <a:schemeClr val="tx1"/>
+                </a:solidFill>
+                <a:effectLst/>
+                <a:latin typeface="+mn-lt"/>
+                <a:ea typeface="+mn-ea"/>
+                <a:cs typeface="+mn-cs"/>
+              </a:rPr>
+              <a:t>. You’ll need to pick a level that makes sense for that aesthetic.</a:t>
+            </a:r>
+          </a:p>
+          <a:p>
+            <a:endParaRPr lang="en-US" sz="1200" b="0" i="0" kern="1200" dirty="0">
+              <a:solidFill>
+                <a:schemeClr val="tx1"/>
+              </a:solidFill>
+              <a:effectLst/>
+              <a:latin typeface="+mn-lt"/>
+              <a:ea typeface="+mn-ea"/>
+              <a:cs typeface="+mn-cs"/>
+            </a:endParaRPr>
+          </a:p>
+        </p:txBody>
+      </p:sp>
+      <p:sp>
+        <p:nvSpPr>
+          <p:cNvPr id="4" name="Slide Number Placeholder 3"/>
+          <p:cNvSpPr>
+            <a:spLocks noGrp="1"/>
+          </p:cNvSpPr>
+          <p:nvPr>
+            <p:ph type="sldNum" sz="quarter" idx="5"/>
+          </p:nvPr>
+        </p:nvSpPr>
+        <p:spPr/>
+        <p:txBody>
+          <a:bodyPr/>
+          <a:lstStyle/>
+          <a:p>
+            <a:fld id="{A78BD796-15B3-455D-897E-2AB664146321}" type="slidenum">
+              <a:rPr lang="en-US" smtClean="0"/>
+              <a:t>17</a:t>
+            </a:fld>
+            <a:endParaRPr lang="en-US"/>
+          </a:p>
+        </p:txBody>
+      </p:sp>
+    </p:spTree>
+    <p:extLst>
+      <p:ext uri="{BB962C8B-B14F-4D97-AF65-F5344CB8AC3E}">
+        <p14:creationId xmlns:p14="http://schemas.microsoft.com/office/powerpoint/2010/main" val="537071289"/>
+      </p:ext>
+    </p:extLst>
+  </p:cSld>
+  <p:clrMapOvr>
+    <a:masterClrMapping/>
+  </p:clrMapOvr>
+</p:notes>
+</file>
+
+<file path=ppt/notesSlides/notesSlide4.xml><?xml version="1.0" encoding="utf-8"?>
+<p:notes xmlns:a="http://schemas.openxmlformats.org/drawingml/2006/main" xmlns:r="http://schemas.openxmlformats.org/officeDocument/2006/relationships" xmlns:p="http://schemas.openxmlformats.org/presentationml/2006/main">
+  <p:cSld>
+    <p:spTree>
+      <p:nvGrpSpPr>
+        <p:cNvPr id="1" name=""/>
+        <p:cNvGrpSpPr/>
+        <p:nvPr/>
+      </p:nvGrpSpPr>
+      <p:grpSpPr>
+        <a:xfrm>
+          <a:off x="0" y="0"/>
+          <a:ext cx="0" cy="0"/>
+          <a:chOff x="0" y="0"/>
+          <a:chExt cx="0" cy="0"/>
+        </a:xfrm>
+      </p:grpSpPr>
+      <p:sp>
+        <p:nvSpPr>
+          <p:cNvPr id="2" name="Slide Image Placeholder 1"/>
+          <p:cNvSpPr>
+            <a:spLocks noGrp="1" noRot="1" noChangeAspect="1"/>
+          </p:cNvSpPr>
+          <p:nvPr>
+            <p:ph type="sldImg"/>
+          </p:nvPr>
+        </p:nvSpPr>
+        <p:spPr/>
+      </p:sp>
+      <p:sp>
+        <p:nvSpPr>
+          <p:cNvPr id="3" name="Notes Placeholder 2"/>
+          <p:cNvSpPr>
+            <a:spLocks noGrp="1"/>
+          </p:cNvSpPr>
+          <p:nvPr>
+            <p:ph type="body" idx="1"/>
+          </p:nvPr>
+        </p:nvSpPr>
+        <p:spPr/>
+        <p:txBody>
+          <a:bodyPr/>
+          <a:lstStyle/>
+          <a:p>
+            <a:r>
+              <a:rPr lang="en-US" dirty="0"/>
+              <a:t>They have the same x var, y var, and data. They have different geometric objects (</a:t>
+            </a:r>
+            <a:r>
+              <a:rPr lang="en-US" dirty="0" err="1"/>
+              <a:t>geom</a:t>
+            </a:r>
+            <a:r>
+              <a:rPr lang="en-US" dirty="0"/>
+              <a:t>); the visual object used to represent the data.</a:t>
+            </a:r>
+          </a:p>
+        </p:txBody>
+      </p:sp>
+      <p:sp>
+        <p:nvSpPr>
+          <p:cNvPr id="4" name="Slide Number Placeholder 3"/>
+          <p:cNvSpPr>
+            <a:spLocks noGrp="1"/>
+          </p:cNvSpPr>
+          <p:nvPr>
+            <p:ph type="sldNum" sz="quarter" idx="5"/>
+          </p:nvPr>
+        </p:nvSpPr>
+        <p:spPr/>
+        <p:txBody>
+          <a:bodyPr/>
+          <a:lstStyle/>
+          <a:p>
+            <a:fld id="{A78BD796-15B3-455D-897E-2AB664146321}" type="slidenum">
+              <a:rPr lang="en-US" smtClean="0"/>
+              <a:t>25</a:t>
+            </a:fld>
+            <a:endParaRPr lang="en-US"/>
+          </a:p>
+        </p:txBody>
+      </p:sp>
+    </p:spTree>
+    <p:extLst>
+      <p:ext uri="{BB962C8B-B14F-4D97-AF65-F5344CB8AC3E}">
+        <p14:creationId xmlns:p14="http://schemas.microsoft.com/office/powerpoint/2010/main" val="4056454408"/>
+      </p:ext>
+    </p:extLst>
+  </p:cSld>
+  <p:clrMapOvr>
+    <a:masterClrMapping/>
+  </p:clrMapOvr>
+</p:notes>
+</file>
+
 <file path=ppt/slideLayouts/slideLayout1.xml><?xml version="1.0" encoding="utf-8"?>
 <p:sldLayout xmlns:a="http://schemas.openxmlformats.org/drawingml/2006/main" xmlns:r="http://schemas.openxmlformats.org/officeDocument/2006/relationships" xmlns:p="http://schemas.openxmlformats.org/presentationml/2006/main" type="title" preserve="1">
   <p:cSld name="Title Slide">
@@ -707,7 +1148,7 @@
           <a:p>
             <a:fld id="{0FF0CA17-7278-4700-B5CE-AAA297DB0216}" type="datetime1">
               <a:rPr lang="en-US" smtClean="0"/>
-              <a:t>10/16/2019</a:t>
+              <a:t>10/17/2019</a:t>
             </a:fld>
             <a:endParaRPr lang="en-US"/>
           </a:p>
@@ -908,7 +1349,7 @@
           <a:p>
             <a:fld id="{B2D433B3-BCFF-4536-8BFC-DB6CE82D3861}" type="datetime1">
               <a:rPr lang="en-US" smtClean="0"/>
-              <a:t>10/16/2019</a:t>
+              <a:t>10/17/2019</a:t>
             </a:fld>
             <a:endParaRPr lang="en-US"/>
           </a:p>
@@ -1119,7 +1560,7 @@
           <a:p>
             <a:fld id="{8CBA58B8-4C0F-4A2E-93DA-1FCC4CD183B7}" type="datetime1">
               <a:rPr lang="en-US" smtClean="0"/>
-              <a:t>10/16/2019</a:t>
+              <a:t>10/17/2019</a:t>
             </a:fld>
             <a:endParaRPr lang="en-US"/>
           </a:p>
@@ -1320,7 +1761,7 @@
           <a:p>
             <a:fld id="{795CD272-CC15-42B1-AF94-9465F36A1690}" type="datetime1">
               <a:rPr lang="en-US" smtClean="0"/>
-              <a:t>10/16/2019</a:t>
+              <a:t>10/17/2019</a:t>
             </a:fld>
             <a:endParaRPr lang="en-US"/>
           </a:p>
@@ -1598,7 +2039,7 @@
           <a:p>
             <a:fld id="{1C3236FD-8D2C-4B3F-A29E-CB63FDCD539A}" type="datetime1">
               <a:rPr lang="en-US" smtClean="0"/>
-              <a:t>10/16/2019</a:t>
+              <a:t>10/17/2019</a:t>
             </a:fld>
             <a:endParaRPr lang="en-US"/>
           </a:p>
@@ -1866,7 +2307,7 @@
           <a:p>
             <a:fld id="{60B5AC96-BA3E-42B8-9DD5-510E2E2AA307}" type="datetime1">
               <a:rPr lang="en-US" smtClean="0"/>
-              <a:t>10/16/2019</a:t>
+              <a:t>10/17/2019</a:t>
             </a:fld>
             <a:endParaRPr lang="en-US"/>
           </a:p>
@@ -2281,7 +2722,7 @@
           <a:p>
             <a:fld id="{D6636501-AA38-48C6-9AA1-A23E2137491A}" type="datetime1">
               <a:rPr lang="en-US" smtClean="0"/>
-              <a:t>10/16/2019</a:t>
+              <a:t>10/17/2019</a:t>
             </a:fld>
             <a:endParaRPr lang="en-US"/>
           </a:p>
@@ -2425,7 +2866,7 @@
           <a:p>
             <a:fld id="{B53EF110-E9E5-4B7B-A347-686E5BEDA428}" type="datetime1">
               <a:rPr lang="en-US" smtClean="0"/>
-              <a:t>10/16/2019</a:t>
+              <a:t>10/17/2019</a:t>
             </a:fld>
             <a:endParaRPr lang="en-US"/>
           </a:p>
@@ -2541,7 +2982,7 @@
           <a:p>
             <a:fld id="{136C1A73-E73D-44FC-BAE9-A9E28A0B8651}" type="datetime1">
               <a:rPr lang="en-US" smtClean="0"/>
-              <a:t>10/16/2019</a:t>
+              <a:t>10/17/2019</a:t>
             </a:fld>
             <a:endParaRPr lang="en-US"/>
           </a:p>
@@ -2855,7 +3296,7 @@
           <a:p>
             <a:fld id="{9451293F-CAF3-42F8-A522-1C7F378C5BF2}" type="datetime1">
               <a:rPr lang="en-US" smtClean="0"/>
-              <a:t>10/16/2019</a:t>
+              <a:t>10/17/2019</a:t>
             </a:fld>
             <a:endParaRPr lang="en-US"/>
           </a:p>
@@ -3146,7 +3587,7 @@
           <a:p>
             <a:fld id="{EC129065-4C79-4A8C-8F75-FC9BC7A4F7AC}" type="datetime1">
               <a:rPr lang="en-US" smtClean="0"/>
-              <a:t>10/16/2019</a:t>
+              <a:t>10/17/2019</a:t>
             </a:fld>
             <a:endParaRPr lang="en-US"/>
           </a:p>
@@ -3390,7 +3831,7 @@
           <a:p>
             <a:fld id="{3CB72F7B-421E-4633-8B82-31AB232FE78C}" type="datetime1">
               <a:rPr lang="en-US" smtClean="0"/>
-              <a:t>10/16/2019</a:t>
+              <a:t>10/17/2019</a:t>
             </a:fld>
             <a:endParaRPr lang="en-US"/>
           </a:p>
@@ -3934,6 +4375,4575 @@
 </p:sld>
 </file>
 
+<file path=ppt/slides/slide10.xml><?xml version="1.0" encoding="utf-8"?>
+<p:sld xmlns:a="http://schemas.openxmlformats.org/drawingml/2006/main" xmlns:r="http://schemas.openxmlformats.org/officeDocument/2006/relationships" xmlns:p="http://schemas.openxmlformats.org/presentationml/2006/main">
+  <p:cSld>
+    <p:spTree>
+      <p:nvGrpSpPr>
+        <p:cNvPr id="1" name=""/>
+        <p:cNvGrpSpPr/>
+        <p:nvPr/>
+      </p:nvGrpSpPr>
+      <p:grpSpPr>
+        <a:xfrm>
+          <a:off x="0" y="0"/>
+          <a:ext cx="0" cy="0"/>
+          <a:chOff x="0" y="0"/>
+          <a:chExt cx="0" cy="0"/>
+        </a:xfrm>
+      </p:grpSpPr>
+      <p:sp>
+        <p:nvSpPr>
+          <p:cNvPr id="6" name="Rectangle 5">
+            <a:extLst>
+              <a:ext uri="{FF2B5EF4-FFF2-40B4-BE49-F238E27FC236}">
+                <a16:creationId xmlns:a16="http://schemas.microsoft.com/office/drawing/2014/main" id="{A8D9170D-FD8D-4081-844B-4F761795FCC7}"/>
+              </a:ext>
+            </a:extLst>
+          </p:cNvPr>
+          <p:cNvSpPr/>
+          <p:nvPr/>
+        </p:nvSpPr>
+        <p:spPr>
+          <a:xfrm>
+            <a:off x="1258529" y="3185653"/>
+            <a:ext cx="10323871" cy="626806"/>
+          </a:xfrm>
+          <a:prstGeom prst="rect">
+            <a:avLst/>
+          </a:prstGeom>
+          <a:solidFill>
+            <a:schemeClr val="bg1">
+              <a:lumMod val="85000"/>
+            </a:schemeClr>
+          </a:solidFill>
+          <a:ln>
+            <a:solidFill>
+              <a:schemeClr val="accent6">
+                <a:lumMod val="75000"/>
+              </a:schemeClr>
+            </a:solidFill>
+          </a:ln>
+        </p:spPr>
+        <p:style>
+          <a:lnRef idx="2">
+            <a:schemeClr val="accent1">
+              <a:shade val="50000"/>
+            </a:schemeClr>
+          </a:lnRef>
+          <a:fillRef idx="1">
+            <a:schemeClr val="accent1"/>
+          </a:fillRef>
+          <a:effectRef idx="0">
+            <a:schemeClr val="accent1"/>
+          </a:effectRef>
+          <a:fontRef idx="minor">
+            <a:schemeClr val="lt1"/>
+          </a:fontRef>
+        </p:style>
+        <p:txBody>
+          <a:bodyPr rtlCol="0" anchor="ctr"/>
+          <a:lstStyle/>
+          <a:p>
+            <a:pPr algn="ctr"/>
+            <a:endParaRPr lang="en-US"/>
+          </a:p>
+        </p:txBody>
+      </p:sp>
+      <p:sp>
+        <p:nvSpPr>
+          <p:cNvPr id="4" name="Title 3">
+            <a:extLst>
+              <a:ext uri="{FF2B5EF4-FFF2-40B4-BE49-F238E27FC236}">
+                <a16:creationId xmlns:a16="http://schemas.microsoft.com/office/drawing/2014/main" id="{0881DC14-CA2C-46CC-AFB2-5DEDCCAD85BD}"/>
+              </a:ext>
+            </a:extLst>
+          </p:cNvPr>
+          <p:cNvSpPr>
+            <a:spLocks noGrp="1"/>
+          </p:cNvSpPr>
+          <p:nvPr>
+            <p:ph type="title"/>
+          </p:nvPr>
+        </p:nvSpPr>
+        <p:spPr/>
+        <p:txBody>
+          <a:bodyPr/>
+          <a:lstStyle/>
+          <a:p>
+            <a:pPr algn="ctr"/>
+            <a:r>
+              <a:rPr lang="en-US" dirty="0"/>
+              <a:t>A template</a:t>
+            </a:r>
+          </a:p>
+        </p:txBody>
+      </p:sp>
+      <p:sp>
+        <p:nvSpPr>
+          <p:cNvPr id="5" name="Content Placeholder 4">
+            <a:extLst>
+              <a:ext uri="{FF2B5EF4-FFF2-40B4-BE49-F238E27FC236}">
+                <a16:creationId xmlns:a16="http://schemas.microsoft.com/office/drawing/2014/main" id="{FF41F451-B78F-4BB7-B2F2-B6F97434AEC7}"/>
+              </a:ext>
+            </a:extLst>
+          </p:cNvPr>
+          <p:cNvSpPr>
+            <a:spLocks noGrp="1"/>
+          </p:cNvSpPr>
+          <p:nvPr>
+            <p:ph idx="1"/>
+          </p:nvPr>
+        </p:nvSpPr>
+        <p:spPr>
+          <a:xfrm>
+            <a:off x="403123" y="2228748"/>
+            <a:ext cx="11552903" cy="2136775"/>
+          </a:xfrm>
+        </p:spPr>
+        <p:txBody>
+          <a:bodyPr/>
+          <a:lstStyle/>
+          <a:p>
+            <a:pPr marL="0" indent="0">
+              <a:buNone/>
+            </a:pPr>
+            <a:r>
+              <a:rPr lang="en-US" dirty="0"/>
+              <a:t> </a:t>
+            </a:r>
+            <a:r>
+              <a:rPr lang="en-US" dirty="0" err="1">
+                <a:latin typeface="Fira Code" panose="020B0809050000020004" pitchFamily="49" charset="0"/>
+                <a:ea typeface="Fira Code" panose="020B0809050000020004" pitchFamily="49" charset="0"/>
+                <a:cs typeface="Fira Code" panose="020B0809050000020004" pitchFamily="49" charset="0"/>
+              </a:rPr>
+              <a:t>ggplot</a:t>
+            </a:r>
+            <a:r>
+              <a:rPr lang="en-US" dirty="0">
+                <a:latin typeface="Fira Code" panose="020B0809050000020004" pitchFamily="49" charset="0"/>
+                <a:ea typeface="Fira Code" panose="020B0809050000020004" pitchFamily="49" charset="0"/>
+                <a:cs typeface="Fira Code" panose="020B0809050000020004" pitchFamily="49" charset="0"/>
+              </a:rPr>
+              <a:t>(data = </a:t>
+            </a:r>
+            <a:r>
+              <a:rPr lang="en-US" dirty="0">
+                <a:solidFill>
+                  <a:schemeClr val="accent6">
+                    <a:lumMod val="75000"/>
+                  </a:schemeClr>
+                </a:solidFill>
+                <a:latin typeface="Fira Code" panose="020B0809050000020004" pitchFamily="49" charset="0"/>
+                <a:ea typeface="Fira Code" panose="020B0809050000020004" pitchFamily="49" charset="0"/>
+                <a:cs typeface="Fira Code" panose="020B0809050000020004" pitchFamily="49" charset="0"/>
+              </a:rPr>
+              <a:t>&lt;DATA&gt;</a:t>
+            </a:r>
+            <a:r>
+              <a:rPr lang="en-US" dirty="0">
+                <a:latin typeface="Fira Code" panose="020B0809050000020004" pitchFamily="49" charset="0"/>
+                <a:ea typeface="Fira Code" panose="020B0809050000020004" pitchFamily="49" charset="0"/>
+                <a:cs typeface="Fira Code" panose="020B0809050000020004" pitchFamily="49" charset="0"/>
+              </a:rPr>
+              <a:t>) +</a:t>
+            </a:r>
+          </a:p>
+          <a:p>
+            <a:pPr marL="0" indent="0">
+              <a:buNone/>
+            </a:pPr>
+            <a:r>
+              <a:rPr lang="en-US" dirty="0">
+                <a:latin typeface="Fira Code" panose="020B0809050000020004" pitchFamily="49" charset="0"/>
+                <a:ea typeface="Fira Code" panose="020B0809050000020004" pitchFamily="49" charset="0"/>
+                <a:cs typeface="Fira Code" panose="020B0809050000020004" pitchFamily="49" charset="0"/>
+              </a:rPr>
+              <a:t>	</a:t>
+            </a:r>
+            <a:r>
+              <a:rPr lang="en-US" dirty="0">
+                <a:solidFill>
+                  <a:schemeClr val="accent6">
+                    <a:lumMod val="75000"/>
+                  </a:schemeClr>
+                </a:solidFill>
+                <a:latin typeface="Fira Code" panose="020B0809050000020004" pitchFamily="49" charset="0"/>
+                <a:ea typeface="Fira Code" panose="020B0809050000020004" pitchFamily="49" charset="0"/>
+                <a:cs typeface="Fira Code" panose="020B0809050000020004" pitchFamily="49" charset="0"/>
+              </a:rPr>
+              <a:t>&lt;GEOM FUNCTION&gt;</a:t>
+            </a:r>
+            <a:r>
+              <a:rPr lang="en-US" dirty="0">
+                <a:latin typeface="Fira Code" panose="020B0809050000020004" pitchFamily="49" charset="0"/>
+                <a:ea typeface="Fira Code" panose="020B0809050000020004" pitchFamily="49" charset="0"/>
+                <a:cs typeface="Fira Code" panose="020B0809050000020004" pitchFamily="49" charset="0"/>
+              </a:rPr>
+              <a:t>(mapping = </a:t>
+            </a:r>
+            <a:r>
+              <a:rPr lang="en-US" dirty="0" err="1">
+                <a:latin typeface="Fira Code" panose="020B0809050000020004" pitchFamily="49" charset="0"/>
+                <a:ea typeface="Fira Code" panose="020B0809050000020004" pitchFamily="49" charset="0"/>
+                <a:cs typeface="Fira Code" panose="020B0809050000020004" pitchFamily="49" charset="0"/>
+              </a:rPr>
+              <a:t>aes</a:t>
+            </a:r>
+            <a:r>
+              <a:rPr lang="en-US" dirty="0">
+                <a:latin typeface="Fira Code" panose="020B0809050000020004" pitchFamily="49" charset="0"/>
+                <a:ea typeface="Fira Code" panose="020B0809050000020004" pitchFamily="49" charset="0"/>
+                <a:cs typeface="Fira Code" panose="020B0809050000020004" pitchFamily="49" charset="0"/>
+              </a:rPr>
+              <a:t>(</a:t>
+            </a:r>
+            <a:r>
+              <a:rPr lang="en-US" dirty="0">
+                <a:solidFill>
+                  <a:schemeClr val="accent6">
+                    <a:lumMod val="75000"/>
+                  </a:schemeClr>
+                </a:solidFill>
+                <a:latin typeface="Fira Code" panose="020B0809050000020004" pitchFamily="49" charset="0"/>
+                <a:ea typeface="Fira Code" panose="020B0809050000020004" pitchFamily="49" charset="0"/>
+                <a:cs typeface="Fira Code" panose="020B0809050000020004" pitchFamily="49" charset="0"/>
+              </a:rPr>
+              <a:t>&lt;MAPPINGS&gt;</a:t>
+            </a:r>
+            <a:r>
+              <a:rPr lang="en-US" dirty="0">
+                <a:latin typeface="Fira Code" panose="020B0809050000020004" pitchFamily="49" charset="0"/>
+                <a:ea typeface="Fira Code" panose="020B0809050000020004" pitchFamily="49" charset="0"/>
+                <a:cs typeface="Fira Code" panose="020B0809050000020004" pitchFamily="49" charset="0"/>
+              </a:rPr>
+              <a:t>))</a:t>
+            </a:r>
+          </a:p>
+          <a:p>
+            <a:pPr marL="0" indent="0">
+              <a:buNone/>
+            </a:pPr>
+            <a:r>
+              <a:rPr lang="en-US" sz="3200" dirty="0">
+                <a:latin typeface="Fira Code" panose="020B0809050000020004" pitchFamily="49" charset="0"/>
+                <a:ea typeface="Fira Code" panose="020B0809050000020004" pitchFamily="49" charset="0"/>
+                <a:cs typeface="Fira Code" panose="020B0809050000020004" pitchFamily="49" charset="0"/>
+              </a:rPr>
+              <a:t>	</a:t>
+            </a:r>
+            <a:r>
+              <a:rPr lang="en-US" dirty="0" err="1">
+                <a:solidFill>
+                  <a:schemeClr val="accent6">
+                    <a:lumMod val="75000"/>
+                  </a:schemeClr>
+                </a:solidFill>
+                <a:latin typeface="Fira Code" panose="020B0809050000020004" pitchFamily="49" charset="0"/>
+                <a:ea typeface="Fira Code" panose="020B0809050000020004" pitchFamily="49" charset="0"/>
+                <a:cs typeface="Fira Code" panose="020B0809050000020004" pitchFamily="49" charset="0"/>
+              </a:rPr>
+              <a:t>geom_point</a:t>
+            </a:r>
+            <a:r>
+              <a:rPr lang="en-US" dirty="0">
+                <a:latin typeface="Fira Code" panose="020B0809050000020004" pitchFamily="49" charset="0"/>
+                <a:ea typeface="Fira Code" panose="020B0809050000020004" pitchFamily="49" charset="0"/>
+                <a:cs typeface="Fira Code" panose="020B0809050000020004" pitchFamily="49" charset="0"/>
+              </a:rPr>
+              <a:t>(mapping = </a:t>
+            </a:r>
+            <a:r>
+              <a:rPr lang="en-US" dirty="0" err="1">
+                <a:latin typeface="Fira Code" panose="020B0809050000020004" pitchFamily="49" charset="0"/>
+                <a:ea typeface="Fira Code" panose="020B0809050000020004" pitchFamily="49" charset="0"/>
+                <a:cs typeface="Fira Code" panose="020B0809050000020004" pitchFamily="49" charset="0"/>
+              </a:rPr>
+              <a:t>aes</a:t>
+            </a:r>
+            <a:r>
+              <a:rPr lang="en-US" dirty="0">
+                <a:latin typeface="Fira Code" panose="020B0809050000020004" pitchFamily="49" charset="0"/>
+                <a:ea typeface="Fira Code" panose="020B0809050000020004" pitchFamily="49" charset="0"/>
+                <a:cs typeface="Fira Code" panose="020B0809050000020004" pitchFamily="49" charset="0"/>
+              </a:rPr>
+              <a:t>(</a:t>
+            </a:r>
+            <a:r>
+              <a:rPr lang="en-US" dirty="0">
+                <a:solidFill>
+                  <a:schemeClr val="accent6">
+                    <a:lumMod val="75000"/>
+                  </a:schemeClr>
+                </a:solidFill>
+                <a:latin typeface="Fira Code" panose="020B0809050000020004" pitchFamily="49" charset="0"/>
+                <a:ea typeface="Fira Code" panose="020B0809050000020004" pitchFamily="49" charset="0"/>
+                <a:cs typeface="Fira Code" panose="020B0809050000020004" pitchFamily="49" charset="0"/>
+              </a:rPr>
+              <a:t>x = temp, y = </a:t>
+            </a:r>
+            <a:r>
+              <a:rPr lang="en-US" dirty="0" err="1">
+                <a:solidFill>
+                  <a:schemeClr val="accent6">
+                    <a:lumMod val="75000"/>
+                  </a:schemeClr>
+                </a:solidFill>
+                <a:latin typeface="Fira Code" panose="020B0809050000020004" pitchFamily="49" charset="0"/>
+                <a:ea typeface="Fira Code" panose="020B0809050000020004" pitchFamily="49" charset="0"/>
+                <a:cs typeface="Fira Code" panose="020B0809050000020004" pitchFamily="49" charset="0"/>
+              </a:rPr>
+              <a:t>do_mgl</a:t>
+            </a:r>
+            <a:r>
+              <a:rPr lang="en-US" dirty="0">
+                <a:latin typeface="Fira Code" panose="020B0809050000020004" pitchFamily="49" charset="0"/>
+                <a:ea typeface="Fira Code" panose="020B0809050000020004" pitchFamily="49" charset="0"/>
+                <a:cs typeface="Fira Code" panose="020B0809050000020004" pitchFamily="49" charset="0"/>
+              </a:rPr>
+              <a:t>))</a:t>
+            </a:r>
+            <a:endParaRPr lang="en-US" sz="3200" dirty="0">
+              <a:latin typeface="Fira Code" panose="020B0809050000020004" pitchFamily="49" charset="0"/>
+              <a:ea typeface="Fira Code" panose="020B0809050000020004" pitchFamily="49" charset="0"/>
+              <a:cs typeface="Fira Code" panose="020B0809050000020004" pitchFamily="49" charset="0"/>
+            </a:endParaRPr>
+          </a:p>
+        </p:txBody>
+      </p:sp>
+      <p:sp>
+        <p:nvSpPr>
+          <p:cNvPr id="2" name="Footer Placeholder 1">
+            <a:extLst>
+              <a:ext uri="{FF2B5EF4-FFF2-40B4-BE49-F238E27FC236}">
+                <a16:creationId xmlns:a16="http://schemas.microsoft.com/office/drawing/2014/main" id="{E59A470F-69FB-470C-AE54-C168A367B7F7}"/>
+              </a:ext>
+            </a:extLst>
+          </p:cNvPr>
+          <p:cNvSpPr>
+            <a:spLocks noGrp="1"/>
+          </p:cNvSpPr>
+          <p:nvPr>
+            <p:ph type="ftr" sz="quarter" idx="11"/>
+          </p:nvPr>
+        </p:nvSpPr>
+        <p:spPr/>
+        <p:txBody>
+          <a:bodyPr/>
+          <a:lstStyle/>
+          <a:p>
+            <a:r>
+              <a:rPr lang="en-US"/>
+              <a:t>CERF 2019 | The Next Step with R | Cressman and Dunnigan</a:t>
+            </a:r>
+          </a:p>
+        </p:txBody>
+      </p:sp>
+      <p:sp>
+        <p:nvSpPr>
+          <p:cNvPr id="3" name="Slide Number Placeholder 2">
+            <a:extLst>
+              <a:ext uri="{FF2B5EF4-FFF2-40B4-BE49-F238E27FC236}">
+                <a16:creationId xmlns:a16="http://schemas.microsoft.com/office/drawing/2014/main" id="{F5775E88-54D1-44C5-82A6-2946B725F7B8}"/>
+              </a:ext>
+            </a:extLst>
+          </p:cNvPr>
+          <p:cNvSpPr>
+            <a:spLocks noGrp="1"/>
+          </p:cNvSpPr>
+          <p:nvPr>
+            <p:ph type="sldNum" sz="quarter" idx="12"/>
+          </p:nvPr>
+        </p:nvSpPr>
+        <p:spPr/>
+        <p:txBody>
+          <a:bodyPr/>
+          <a:lstStyle/>
+          <a:p>
+            <a:fld id="{1D07C8D9-AA71-438D-86BE-7B86F7F29DC7}" type="slidenum">
+              <a:rPr lang="en-US" smtClean="0"/>
+              <a:t>10</a:t>
+            </a:fld>
+            <a:endParaRPr lang="en-US"/>
+          </a:p>
+        </p:txBody>
+      </p:sp>
+    </p:spTree>
+    <p:extLst>
+      <p:ext uri="{BB962C8B-B14F-4D97-AF65-F5344CB8AC3E}">
+        <p14:creationId xmlns:p14="http://schemas.microsoft.com/office/powerpoint/2010/main" val="2386010161"/>
+      </p:ext>
+    </p:extLst>
+  </p:cSld>
+  <p:clrMapOvr>
+    <a:masterClrMapping/>
+  </p:clrMapOvr>
+</p:sld>
+</file>
+
+<file path=ppt/slides/slide11.xml><?xml version="1.0" encoding="utf-8"?>
+<p:sld xmlns:a="http://schemas.openxmlformats.org/drawingml/2006/main" xmlns:r="http://schemas.openxmlformats.org/officeDocument/2006/relationships" xmlns:p="http://schemas.openxmlformats.org/presentationml/2006/main">
+  <p:cSld>
+    <p:spTree>
+      <p:nvGrpSpPr>
+        <p:cNvPr id="1" name=""/>
+        <p:cNvGrpSpPr/>
+        <p:nvPr/>
+      </p:nvGrpSpPr>
+      <p:grpSpPr>
+        <a:xfrm>
+          <a:off x="0" y="0"/>
+          <a:ext cx="0" cy="0"/>
+          <a:chOff x="0" y="0"/>
+          <a:chExt cx="0" cy="0"/>
+        </a:xfrm>
+      </p:grpSpPr>
+      <p:sp>
+        <p:nvSpPr>
+          <p:cNvPr id="6" name="Title 5">
+            <a:extLst>
+              <a:ext uri="{FF2B5EF4-FFF2-40B4-BE49-F238E27FC236}">
+                <a16:creationId xmlns:a16="http://schemas.microsoft.com/office/drawing/2014/main" id="{94B5DA86-9C7E-4DE4-8749-E395DEC30FEA}"/>
+              </a:ext>
+            </a:extLst>
+          </p:cNvPr>
+          <p:cNvSpPr>
+            <a:spLocks noGrp="1"/>
+          </p:cNvSpPr>
+          <p:nvPr>
+            <p:ph type="title"/>
+          </p:nvPr>
+        </p:nvSpPr>
+        <p:spPr/>
+        <p:txBody>
+          <a:bodyPr/>
+          <a:lstStyle/>
+          <a:p>
+            <a:r>
+              <a:rPr lang="en-US" dirty="0"/>
+              <a:t>So, what are mappings?</a:t>
+            </a:r>
+          </a:p>
+        </p:txBody>
+      </p:sp>
+      <p:sp>
+        <p:nvSpPr>
+          <p:cNvPr id="8" name="Content Placeholder 7">
+            <a:extLst>
+              <a:ext uri="{FF2B5EF4-FFF2-40B4-BE49-F238E27FC236}">
+                <a16:creationId xmlns:a16="http://schemas.microsoft.com/office/drawing/2014/main" id="{F658AF19-1F76-4D58-BE59-58EAADA7D15C}"/>
+              </a:ext>
+            </a:extLst>
+          </p:cNvPr>
+          <p:cNvSpPr>
+            <a:spLocks noGrp="1"/>
+          </p:cNvSpPr>
+          <p:nvPr>
+            <p:ph idx="1"/>
+          </p:nvPr>
+        </p:nvSpPr>
+        <p:spPr/>
+        <p:txBody>
+          <a:bodyPr/>
+          <a:lstStyle/>
+          <a:p>
+            <a:pPr marL="0" indent="0">
+              <a:buNone/>
+            </a:pPr>
+            <a:r>
+              <a:rPr lang="en-US" b="1" dirty="0"/>
+              <a:t>Aesthetics</a:t>
+            </a:r>
+            <a:r>
+              <a:rPr lang="en-US" dirty="0"/>
+              <a:t> are the visual properties of the objects in your plot.</a:t>
+            </a:r>
+          </a:p>
+          <a:p>
+            <a:pPr marL="0" indent="0">
+              <a:buNone/>
+            </a:pPr>
+            <a:endParaRPr lang="en-US" dirty="0"/>
+          </a:p>
+          <a:p>
+            <a:pPr marL="0" indent="0">
+              <a:buNone/>
+            </a:pPr>
+            <a:endParaRPr lang="en-US" dirty="0"/>
+          </a:p>
+          <a:p>
+            <a:pPr marL="0" indent="0">
+              <a:buNone/>
+            </a:pPr>
+            <a:endParaRPr lang="en-US" dirty="0"/>
+          </a:p>
+          <a:p>
+            <a:pPr marL="0" indent="0">
+              <a:buNone/>
+            </a:pPr>
+            <a:endParaRPr lang="en-US" dirty="0"/>
+          </a:p>
+          <a:p>
+            <a:pPr marL="0" indent="0">
+              <a:buNone/>
+            </a:pPr>
+            <a:endParaRPr lang="en-US" dirty="0"/>
+          </a:p>
+          <a:p>
+            <a:pPr marL="0" indent="0">
+              <a:buNone/>
+            </a:pPr>
+            <a:r>
+              <a:rPr lang="en-US" b="1" dirty="0"/>
+              <a:t>Mappings</a:t>
+            </a:r>
+            <a:r>
+              <a:rPr lang="en-US" dirty="0"/>
+              <a:t> describe how aesthetics should </a:t>
+            </a:r>
+            <a:r>
+              <a:rPr lang="en-US" i="1" dirty="0"/>
+              <a:t>relate to variables </a:t>
+            </a:r>
+            <a:r>
+              <a:rPr lang="en-US" dirty="0"/>
+              <a:t>in the data.</a:t>
+            </a:r>
+          </a:p>
+        </p:txBody>
+      </p:sp>
+      <p:sp>
+        <p:nvSpPr>
+          <p:cNvPr id="4" name="Footer Placeholder 3">
+            <a:extLst>
+              <a:ext uri="{FF2B5EF4-FFF2-40B4-BE49-F238E27FC236}">
+                <a16:creationId xmlns:a16="http://schemas.microsoft.com/office/drawing/2014/main" id="{5CEC3B24-5DF6-429B-80A5-381C90775EDA}"/>
+              </a:ext>
+            </a:extLst>
+          </p:cNvPr>
+          <p:cNvSpPr>
+            <a:spLocks noGrp="1"/>
+          </p:cNvSpPr>
+          <p:nvPr>
+            <p:ph type="ftr" sz="quarter" idx="11"/>
+          </p:nvPr>
+        </p:nvSpPr>
+        <p:spPr/>
+        <p:txBody>
+          <a:bodyPr/>
+          <a:lstStyle/>
+          <a:p>
+            <a:r>
+              <a:rPr lang="en-US"/>
+              <a:t>CERF 2019 | The Next Step with R | Cressman and Dunnigan</a:t>
+            </a:r>
+          </a:p>
+        </p:txBody>
+      </p:sp>
+      <p:sp>
+        <p:nvSpPr>
+          <p:cNvPr id="5" name="Slide Number Placeholder 4">
+            <a:extLst>
+              <a:ext uri="{FF2B5EF4-FFF2-40B4-BE49-F238E27FC236}">
+                <a16:creationId xmlns:a16="http://schemas.microsoft.com/office/drawing/2014/main" id="{618F1E69-0DE4-4F1B-8DF5-6A320DEFA8A8}"/>
+              </a:ext>
+            </a:extLst>
+          </p:cNvPr>
+          <p:cNvSpPr>
+            <a:spLocks noGrp="1"/>
+          </p:cNvSpPr>
+          <p:nvPr>
+            <p:ph type="sldNum" sz="quarter" idx="12"/>
+          </p:nvPr>
+        </p:nvSpPr>
+        <p:spPr/>
+        <p:txBody>
+          <a:bodyPr/>
+          <a:lstStyle/>
+          <a:p>
+            <a:fld id="{1D07C8D9-AA71-438D-86BE-7B86F7F29DC7}" type="slidenum">
+              <a:rPr lang="en-US" smtClean="0"/>
+              <a:t>11</a:t>
+            </a:fld>
+            <a:endParaRPr lang="en-US"/>
+          </a:p>
+        </p:txBody>
+      </p:sp>
+      <p:pic>
+        <p:nvPicPr>
+          <p:cNvPr id="9" name="Picture 8">
+            <a:extLst>
+              <a:ext uri="{FF2B5EF4-FFF2-40B4-BE49-F238E27FC236}">
+                <a16:creationId xmlns:a16="http://schemas.microsoft.com/office/drawing/2014/main" id="{E05CE007-5C0D-4683-AA6E-C4131E3C0EF1}"/>
+              </a:ext>
+            </a:extLst>
+          </p:cNvPr>
+          <p:cNvPicPr>
+            <a:picLocks noChangeAspect="1"/>
+          </p:cNvPicPr>
+          <p:nvPr/>
+        </p:nvPicPr>
+        <p:blipFill>
+          <a:blip r:embed="rId2"/>
+          <a:stretch>
+            <a:fillRect/>
+          </a:stretch>
+        </p:blipFill>
+        <p:spPr>
+          <a:xfrm>
+            <a:off x="2800350" y="2317967"/>
+            <a:ext cx="6591300" cy="2419350"/>
+          </a:xfrm>
+          <a:prstGeom prst="rect">
+            <a:avLst/>
+          </a:prstGeom>
+        </p:spPr>
+      </p:pic>
+    </p:spTree>
+    <p:extLst>
+      <p:ext uri="{BB962C8B-B14F-4D97-AF65-F5344CB8AC3E}">
+        <p14:creationId xmlns:p14="http://schemas.microsoft.com/office/powerpoint/2010/main" val="689210057"/>
+      </p:ext>
+    </p:extLst>
+  </p:cSld>
+  <p:clrMapOvr>
+    <a:masterClrMapping/>
+  </p:clrMapOvr>
+</p:sld>
+</file>
+
+<file path=ppt/slides/slide12.xml><?xml version="1.0" encoding="utf-8"?>
+<p:sld xmlns:a="http://schemas.openxmlformats.org/drawingml/2006/main" xmlns:r="http://schemas.openxmlformats.org/officeDocument/2006/relationships" xmlns:p="http://schemas.openxmlformats.org/presentationml/2006/main">
+  <p:cSld>
+    <p:spTree>
+      <p:nvGrpSpPr>
+        <p:cNvPr id="1" name=""/>
+        <p:cNvGrpSpPr/>
+        <p:nvPr/>
+      </p:nvGrpSpPr>
+      <p:grpSpPr>
+        <a:xfrm>
+          <a:off x="0" y="0"/>
+          <a:ext cx="0" cy="0"/>
+          <a:chOff x="0" y="0"/>
+          <a:chExt cx="0" cy="0"/>
+        </a:xfrm>
+      </p:grpSpPr>
+      <p:sp>
+        <p:nvSpPr>
+          <p:cNvPr id="2" name="Title 1">
+            <a:extLst>
+              <a:ext uri="{FF2B5EF4-FFF2-40B4-BE49-F238E27FC236}">
+                <a16:creationId xmlns:a16="http://schemas.microsoft.com/office/drawing/2014/main" id="{C1365FB7-229D-4701-9F60-A38D8C1E9E5F}"/>
+              </a:ext>
+            </a:extLst>
+          </p:cNvPr>
+          <p:cNvSpPr>
+            <a:spLocks noGrp="1"/>
+          </p:cNvSpPr>
+          <p:nvPr>
+            <p:ph type="title"/>
+          </p:nvPr>
+        </p:nvSpPr>
+        <p:spPr/>
+        <p:txBody>
+          <a:bodyPr>
+            <a:normAutofit/>
+          </a:bodyPr>
+          <a:lstStyle/>
+          <a:p>
+            <a:r>
+              <a:rPr lang="en-US" b="1" dirty="0"/>
+              <a:t>Mappings</a:t>
+            </a:r>
+            <a:r>
+              <a:rPr lang="en-US" dirty="0"/>
+              <a:t> describe how aesthetics should </a:t>
+            </a:r>
+            <a:r>
+              <a:rPr lang="en-US" i="1" dirty="0"/>
+              <a:t>relate to variables </a:t>
+            </a:r>
+            <a:r>
+              <a:rPr lang="en-US" dirty="0"/>
+              <a:t>in the data.</a:t>
+            </a:r>
+          </a:p>
+        </p:txBody>
+      </p:sp>
+      <p:sp>
+        <p:nvSpPr>
+          <p:cNvPr id="8" name="Text Placeholder 7">
+            <a:extLst>
+              <a:ext uri="{FF2B5EF4-FFF2-40B4-BE49-F238E27FC236}">
+                <a16:creationId xmlns:a16="http://schemas.microsoft.com/office/drawing/2014/main" id="{1DA34224-AB6A-4F67-B6F2-B7B1D9263B9B}"/>
+              </a:ext>
+            </a:extLst>
+          </p:cNvPr>
+          <p:cNvSpPr>
+            <a:spLocks noGrp="1"/>
+          </p:cNvSpPr>
+          <p:nvPr>
+            <p:ph type="body" idx="1"/>
+          </p:nvPr>
+        </p:nvSpPr>
+        <p:spPr>
+          <a:xfrm>
+            <a:off x="1331400" y="1681163"/>
+            <a:ext cx="5157787" cy="823912"/>
+          </a:xfrm>
+        </p:spPr>
+        <p:txBody>
+          <a:bodyPr>
+            <a:normAutofit/>
+          </a:bodyPr>
+          <a:lstStyle/>
+          <a:p>
+            <a:pPr algn="ctr"/>
+            <a:r>
+              <a:rPr lang="en-US" sz="4000" dirty="0"/>
+              <a:t>Visual Space</a:t>
+            </a:r>
+          </a:p>
+        </p:txBody>
+      </p:sp>
+      <p:sp>
+        <p:nvSpPr>
+          <p:cNvPr id="9" name="Content Placeholder 8">
+            <a:extLst>
+              <a:ext uri="{FF2B5EF4-FFF2-40B4-BE49-F238E27FC236}">
+                <a16:creationId xmlns:a16="http://schemas.microsoft.com/office/drawing/2014/main" id="{7F74600D-5973-4052-B8A7-1758690BE411}"/>
+              </a:ext>
+            </a:extLst>
+          </p:cNvPr>
+          <p:cNvSpPr>
+            <a:spLocks noGrp="1"/>
+          </p:cNvSpPr>
+          <p:nvPr>
+            <p:ph sz="half" idx="2"/>
+          </p:nvPr>
+        </p:nvSpPr>
+        <p:spPr>
+          <a:xfrm>
+            <a:off x="3323304" y="2505075"/>
+            <a:ext cx="3165884" cy="3684588"/>
+          </a:xfrm>
+        </p:spPr>
+        <p:txBody>
+          <a:bodyPr/>
+          <a:lstStyle/>
+          <a:p>
+            <a:pPr marL="0" indent="0">
+              <a:buNone/>
+            </a:pPr>
+            <a:r>
+              <a:rPr lang="en-US" sz="3600" dirty="0">
+                <a:latin typeface="Fira Code" panose="020B0809050000020004" pitchFamily="49" charset="0"/>
+                <a:ea typeface="Fira Code" panose="020B0809050000020004" pitchFamily="49" charset="0"/>
+                <a:cs typeface="Fira Code" panose="020B0809050000020004" pitchFamily="49" charset="0"/>
+              </a:rPr>
+              <a:t>color</a:t>
+            </a:r>
+            <a:endParaRPr lang="en-US" dirty="0">
+              <a:latin typeface="Fira Code" panose="020B0809050000020004" pitchFamily="49" charset="0"/>
+              <a:ea typeface="Fira Code" panose="020B0809050000020004" pitchFamily="49" charset="0"/>
+              <a:cs typeface="Fira Code" panose="020B0809050000020004" pitchFamily="49" charset="0"/>
+            </a:endParaRPr>
+          </a:p>
+          <a:p>
+            <a:pPr marL="0" indent="0">
+              <a:buNone/>
+            </a:pPr>
+            <a:r>
+              <a:rPr lang="en-US" dirty="0">
+                <a:solidFill>
+                  <a:srgbClr val="F8766D"/>
+                </a:solidFill>
+              </a:rPr>
+              <a:t>Red</a:t>
+            </a:r>
+            <a:r>
+              <a:rPr lang="en-US" dirty="0"/>
+              <a:t> </a:t>
+            </a:r>
+          </a:p>
+          <a:p>
+            <a:pPr marL="0" indent="0">
+              <a:buNone/>
+            </a:pPr>
+            <a:r>
+              <a:rPr lang="en-US" dirty="0">
+                <a:solidFill>
+                  <a:srgbClr val="A3A500"/>
+                </a:solidFill>
+              </a:rPr>
+              <a:t>Gold</a:t>
+            </a:r>
+          </a:p>
+          <a:p>
+            <a:pPr marL="0" indent="0">
+              <a:buNone/>
+            </a:pPr>
+            <a:r>
+              <a:rPr lang="en-US" dirty="0">
+                <a:solidFill>
+                  <a:srgbClr val="00BF7D"/>
+                </a:solidFill>
+              </a:rPr>
+              <a:t>Green</a:t>
+            </a:r>
+          </a:p>
+          <a:p>
+            <a:pPr marL="0" indent="0">
+              <a:buNone/>
+            </a:pPr>
+            <a:r>
+              <a:rPr lang="en-US" dirty="0">
+                <a:solidFill>
+                  <a:srgbClr val="00B0F6"/>
+                </a:solidFill>
+              </a:rPr>
+              <a:t>Blue</a:t>
+            </a:r>
+          </a:p>
+          <a:p>
+            <a:pPr marL="0" indent="0">
+              <a:buNone/>
+            </a:pPr>
+            <a:r>
+              <a:rPr lang="en-US" dirty="0">
+                <a:solidFill>
+                  <a:srgbClr val="E76BF3"/>
+                </a:solidFill>
+              </a:rPr>
+              <a:t>Purple</a:t>
+            </a:r>
+          </a:p>
+          <a:p>
+            <a:pPr marL="0" indent="0">
+              <a:buNone/>
+            </a:pPr>
+            <a:endParaRPr lang="en-US" dirty="0"/>
+          </a:p>
+        </p:txBody>
+      </p:sp>
+      <p:sp>
+        <p:nvSpPr>
+          <p:cNvPr id="10" name="Text Placeholder 9">
+            <a:extLst>
+              <a:ext uri="{FF2B5EF4-FFF2-40B4-BE49-F238E27FC236}">
+                <a16:creationId xmlns:a16="http://schemas.microsoft.com/office/drawing/2014/main" id="{63903645-C747-492F-AB2D-95EB131B075D}"/>
+              </a:ext>
+            </a:extLst>
+          </p:cNvPr>
+          <p:cNvSpPr>
+            <a:spLocks noGrp="1"/>
+          </p:cNvSpPr>
+          <p:nvPr>
+            <p:ph type="body" sz="quarter" idx="3"/>
+          </p:nvPr>
+        </p:nvSpPr>
+        <p:spPr>
+          <a:xfrm>
+            <a:off x="6663812" y="1681163"/>
+            <a:ext cx="5183188" cy="823912"/>
+          </a:xfrm>
+        </p:spPr>
+        <p:txBody>
+          <a:bodyPr>
+            <a:normAutofit/>
+          </a:bodyPr>
+          <a:lstStyle/>
+          <a:p>
+            <a:r>
+              <a:rPr lang="en-US" sz="4000" dirty="0"/>
+              <a:t>Data Space</a:t>
+            </a:r>
+          </a:p>
+        </p:txBody>
+      </p:sp>
+      <p:sp>
+        <p:nvSpPr>
+          <p:cNvPr id="11" name="Content Placeholder 10">
+            <a:extLst>
+              <a:ext uri="{FF2B5EF4-FFF2-40B4-BE49-F238E27FC236}">
+                <a16:creationId xmlns:a16="http://schemas.microsoft.com/office/drawing/2014/main" id="{5239DC60-0A3E-4D12-9496-FA821F1734D9}"/>
+              </a:ext>
+            </a:extLst>
+          </p:cNvPr>
+          <p:cNvSpPr>
+            <a:spLocks noGrp="1"/>
+          </p:cNvSpPr>
+          <p:nvPr>
+            <p:ph sz="quarter" idx="4"/>
+          </p:nvPr>
+        </p:nvSpPr>
+        <p:spPr>
+          <a:xfrm>
+            <a:off x="6663812" y="2505075"/>
+            <a:ext cx="5183188" cy="3684588"/>
+          </a:xfrm>
+        </p:spPr>
+        <p:txBody>
+          <a:bodyPr/>
+          <a:lstStyle/>
+          <a:p>
+            <a:pPr marL="0" indent="0">
+              <a:buNone/>
+            </a:pPr>
+            <a:r>
+              <a:rPr lang="en-US" sz="3600" dirty="0">
+                <a:latin typeface="Fira Code" panose="020B0809050000020004" pitchFamily="49" charset="0"/>
+                <a:ea typeface="Fira Code" panose="020B0809050000020004" pitchFamily="49" charset="0"/>
+                <a:cs typeface="Fira Code" panose="020B0809050000020004" pitchFamily="49" charset="0"/>
+              </a:rPr>
+              <a:t>state</a:t>
+            </a:r>
+            <a:endParaRPr lang="en-US" dirty="0">
+              <a:latin typeface="Fira Code" panose="020B0809050000020004" pitchFamily="49" charset="0"/>
+              <a:ea typeface="Fira Code" panose="020B0809050000020004" pitchFamily="49" charset="0"/>
+              <a:cs typeface="Fira Code" panose="020B0809050000020004" pitchFamily="49" charset="0"/>
+            </a:endParaRPr>
+          </a:p>
+          <a:p>
+            <a:pPr marL="0" indent="0">
+              <a:buNone/>
+            </a:pPr>
+            <a:r>
+              <a:rPr lang="en-US" dirty="0"/>
+              <a:t>Alaska</a:t>
+            </a:r>
+          </a:p>
+          <a:p>
+            <a:pPr marL="0" indent="0">
+              <a:buNone/>
+            </a:pPr>
+            <a:r>
+              <a:rPr lang="en-US" dirty="0"/>
+              <a:t>California</a:t>
+            </a:r>
+          </a:p>
+          <a:p>
+            <a:pPr marL="0" indent="0">
+              <a:buNone/>
+            </a:pPr>
+            <a:r>
+              <a:rPr lang="en-US" dirty="0"/>
+              <a:t>Florida</a:t>
+            </a:r>
+          </a:p>
+          <a:p>
+            <a:pPr marL="0" indent="0">
+              <a:buNone/>
+            </a:pPr>
+            <a:r>
+              <a:rPr lang="en-US" dirty="0"/>
+              <a:t>Mississippi</a:t>
+            </a:r>
+          </a:p>
+          <a:p>
+            <a:pPr marL="0" indent="0">
+              <a:buNone/>
+            </a:pPr>
+            <a:r>
+              <a:rPr lang="en-US" dirty="0"/>
+              <a:t>South Carolina</a:t>
+            </a:r>
+          </a:p>
+          <a:p>
+            <a:pPr marL="0" indent="0">
+              <a:buNone/>
+            </a:pPr>
+            <a:r>
+              <a:rPr lang="en-US" dirty="0"/>
+              <a:t>	</a:t>
+            </a:r>
+          </a:p>
+        </p:txBody>
+      </p:sp>
+      <p:sp>
+        <p:nvSpPr>
+          <p:cNvPr id="4" name="Footer Placeholder 3">
+            <a:extLst>
+              <a:ext uri="{FF2B5EF4-FFF2-40B4-BE49-F238E27FC236}">
+                <a16:creationId xmlns:a16="http://schemas.microsoft.com/office/drawing/2014/main" id="{306494F1-B205-41A2-B680-25FBAE043D88}"/>
+              </a:ext>
+            </a:extLst>
+          </p:cNvPr>
+          <p:cNvSpPr>
+            <a:spLocks noGrp="1"/>
+          </p:cNvSpPr>
+          <p:nvPr>
+            <p:ph type="ftr" sz="quarter" idx="11"/>
+          </p:nvPr>
+        </p:nvSpPr>
+        <p:spPr/>
+        <p:txBody>
+          <a:bodyPr/>
+          <a:lstStyle/>
+          <a:p>
+            <a:r>
+              <a:rPr lang="en-US"/>
+              <a:t>CERF 2019 | The Next Step with R | Cressman and Dunnigan</a:t>
+            </a:r>
+          </a:p>
+        </p:txBody>
+      </p:sp>
+      <p:sp>
+        <p:nvSpPr>
+          <p:cNvPr id="5" name="Slide Number Placeholder 4">
+            <a:extLst>
+              <a:ext uri="{FF2B5EF4-FFF2-40B4-BE49-F238E27FC236}">
+                <a16:creationId xmlns:a16="http://schemas.microsoft.com/office/drawing/2014/main" id="{B864DE22-32C3-4E06-9487-61B89EAEDCEB}"/>
+              </a:ext>
+            </a:extLst>
+          </p:cNvPr>
+          <p:cNvSpPr>
+            <a:spLocks noGrp="1"/>
+          </p:cNvSpPr>
+          <p:nvPr>
+            <p:ph type="sldNum" sz="quarter" idx="12"/>
+          </p:nvPr>
+        </p:nvSpPr>
+        <p:spPr/>
+        <p:txBody>
+          <a:bodyPr/>
+          <a:lstStyle/>
+          <a:p>
+            <a:fld id="{1D07C8D9-AA71-438D-86BE-7B86F7F29DC7}" type="slidenum">
+              <a:rPr lang="en-US" smtClean="0"/>
+              <a:t>12</a:t>
+            </a:fld>
+            <a:endParaRPr lang="en-US"/>
+          </a:p>
+        </p:txBody>
+      </p:sp>
+      <p:cxnSp>
+        <p:nvCxnSpPr>
+          <p:cNvPr id="13" name="Straight Arrow Connector 12">
+            <a:extLst>
+              <a:ext uri="{FF2B5EF4-FFF2-40B4-BE49-F238E27FC236}">
+                <a16:creationId xmlns:a16="http://schemas.microsoft.com/office/drawing/2014/main" id="{21F5D462-8939-45FA-A811-375EF8F8CDF0}"/>
+              </a:ext>
+            </a:extLst>
+          </p:cNvPr>
+          <p:cNvCxnSpPr/>
+          <p:nvPr/>
+        </p:nvCxnSpPr>
+        <p:spPr>
+          <a:xfrm>
+            <a:off x="4847302" y="2792361"/>
+            <a:ext cx="1740310" cy="0"/>
+          </a:xfrm>
+          <a:prstGeom prst="straightConnector1">
+            <a:avLst/>
+          </a:prstGeom>
+          <a:ln w="28575">
+            <a:headEnd type="triangle"/>
+            <a:tailEnd type="triangle"/>
+          </a:ln>
+        </p:spPr>
+        <p:style>
+          <a:lnRef idx="1">
+            <a:schemeClr val="dk1"/>
+          </a:lnRef>
+          <a:fillRef idx="0">
+            <a:schemeClr val="dk1"/>
+          </a:fillRef>
+          <a:effectRef idx="0">
+            <a:schemeClr val="dk1"/>
+          </a:effectRef>
+          <a:fontRef idx="minor">
+            <a:schemeClr val="tx1"/>
+          </a:fontRef>
+        </p:style>
+      </p:cxnSp>
+      <p:cxnSp>
+        <p:nvCxnSpPr>
+          <p:cNvPr id="15" name="Straight Arrow Connector 14">
+            <a:extLst>
+              <a:ext uri="{FF2B5EF4-FFF2-40B4-BE49-F238E27FC236}">
+                <a16:creationId xmlns:a16="http://schemas.microsoft.com/office/drawing/2014/main" id="{0C01D5BA-DB11-4669-BD83-5D28E370B6CE}"/>
+              </a:ext>
+            </a:extLst>
+          </p:cNvPr>
+          <p:cNvCxnSpPr/>
+          <p:nvPr/>
+        </p:nvCxnSpPr>
+        <p:spPr>
+          <a:xfrm>
+            <a:off x="4847302" y="3357715"/>
+            <a:ext cx="1740310" cy="0"/>
+          </a:xfrm>
+          <a:prstGeom prst="straightConnector1">
+            <a:avLst/>
+          </a:prstGeom>
+          <a:ln w="28575">
+            <a:headEnd type="triangle"/>
+            <a:tailEnd type="triangle"/>
+          </a:ln>
+        </p:spPr>
+        <p:style>
+          <a:lnRef idx="1">
+            <a:schemeClr val="dk1"/>
+          </a:lnRef>
+          <a:fillRef idx="0">
+            <a:schemeClr val="dk1"/>
+          </a:fillRef>
+          <a:effectRef idx="0">
+            <a:schemeClr val="dk1"/>
+          </a:effectRef>
+          <a:fontRef idx="minor">
+            <a:schemeClr val="tx1"/>
+          </a:fontRef>
+        </p:style>
+      </p:cxnSp>
+      <p:cxnSp>
+        <p:nvCxnSpPr>
+          <p:cNvPr id="16" name="Straight Arrow Connector 15">
+            <a:extLst>
+              <a:ext uri="{FF2B5EF4-FFF2-40B4-BE49-F238E27FC236}">
+                <a16:creationId xmlns:a16="http://schemas.microsoft.com/office/drawing/2014/main" id="{BF9BF64D-DA2A-42AC-9447-3981B28CAB40}"/>
+              </a:ext>
+            </a:extLst>
+          </p:cNvPr>
+          <p:cNvCxnSpPr/>
+          <p:nvPr/>
+        </p:nvCxnSpPr>
+        <p:spPr>
+          <a:xfrm>
+            <a:off x="4852220" y="3873908"/>
+            <a:ext cx="1740310" cy="0"/>
+          </a:xfrm>
+          <a:prstGeom prst="straightConnector1">
+            <a:avLst/>
+          </a:prstGeom>
+          <a:ln w="28575">
+            <a:headEnd type="triangle"/>
+            <a:tailEnd type="triangle"/>
+          </a:ln>
+        </p:spPr>
+        <p:style>
+          <a:lnRef idx="1">
+            <a:schemeClr val="dk1"/>
+          </a:lnRef>
+          <a:fillRef idx="0">
+            <a:schemeClr val="dk1"/>
+          </a:fillRef>
+          <a:effectRef idx="0">
+            <a:schemeClr val="dk1"/>
+          </a:effectRef>
+          <a:fontRef idx="minor">
+            <a:schemeClr val="tx1"/>
+          </a:fontRef>
+        </p:style>
+      </p:cxnSp>
+      <p:cxnSp>
+        <p:nvCxnSpPr>
+          <p:cNvPr id="17" name="Straight Arrow Connector 16">
+            <a:extLst>
+              <a:ext uri="{FF2B5EF4-FFF2-40B4-BE49-F238E27FC236}">
+                <a16:creationId xmlns:a16="http://schemas.microsoft.com/office/drawing/2014/main" id="{5B87F186-C8DE-4827-9F4B-8FD428DA56F6}"/>
+              </a:ext>
+            </a:extLst>
+          </p:cNvPr>
+          <p:cNvCxnSpPr/>
+          <p:nvPr/>
+        </p:nvCxnSpPr>
+        <p:spPr>
+          <a:xfrm>
+            <a:off x="4866969" y="4370437"/>
+            <a:ext cx="1740310" cy="0"/>
+          </a:xfrm>
+          <a:prstGeom prst="straightConnector1">
+            <a:avLst/>
+          </a:prstGeom>
+          <a:ln w="28575">
+            <a:headEnd type="triangle"/>
+            <a:tailEnd type="triangle"/>
+          </a:ln>
+        </p:spPr>
+        <p:style>
+          <a:lnRef idx="1">
+            <a:schemeClr val="dk1"/>
+          </a:lnRef>
+          <a:fillRef idx="0">
+            <a:schemeClr val="dk1"/>
+          </a:fillRef>
+          <a:effectRef idx="0">
+            <a:schemeClr val="dk1"/>
+          </a:effectRef>
+          <a:fontRef idx="minor">
+            <a:schemeClr val="tx1"/>
+          </a:fontRef>
+        </p:style>
+      </p:cxnSp>
+      <p:cxnSp>
+        <p:nvCxnSpPr>
+          <p:cNvPr id="18" name="Straight Arrow Connector 17">
+            <a:extLst>
+              <a:ext uri="{FF2B5EF4-FFF2-40B4-BE49-F238E27FC236}">
+                <a16:creationId xmlns:a16="http://schemas.microsoft.com/office/drawing/2014/main" id="{0F771443-0803-47C3-9C72-46D3B3CA5D1E}"/>
+              </a:ext>
+            </a:extLst>
+          </p:cNvPr>
+          <p:cNvCxnSpPr/>
+          <p:nvPr/>
+        </p:nvCxnSpPr>
+        <p:spPr>
+          <a:xfrm>
+            <a:off x="4862057" y="4876798"/>
+            <a:ext cx="1740310" cy="0"/>
+          </a:xfrm>
+          <a:prstGeom prst="straightConnector1">
+            <a:avLst/>
+          </a:prstGeom>
+          <a:ln w="28575">
+            <a:headEnd type="triangle"/>
+            <a:tailEnd type="triangle"/>
+          </a:ln>
+        </p:spPr>
+        <p:style>
+          <a:lnRef idx="1">
+            <a:schemeClr val="dk1"/>
+          </a:lnRef>
+          <a:fillRef idx="0">
+            <a:schemeClr val="dk1"/>
+          </a:fillRef>
+          <a:effectRef idx="0">
+            <a:schemeClr val="dk1"/>
+          </a:effectRef>
+          <a:fontRef idx="minor">
+            <a:schemeClr val="tx1"/>
+          </a:fontRef>
+        </p:style>
+      </p:cxnSp>
+      <p:cxnSp>
+        <p:nvCxnSpPr>
+          <p:cNvPr id="19" name="Straight Arrow Connector 18">
+            <a:extLst>
+              <a:ext uri="{FF2B5EF4-FFF2-40B4-BE49-F238E27FC236}">
+                <a16:creationId xmlns:a16="http://schemas.microsoft.com/office/drawing/2014/main" id="{884971F5-3A1B-4492-A0F2-1D1B713674DA}"/>
+              </a:ext>
+            </a:extLst>
+          </p:cNvPr>
+          <p:cNvCxnSpPr/>
+          <p:nvPr/>
+        </p:nvCxnSpPr>
+        <p:spPr>
+          <a:xfrm>
+            <a:off x="4876806" y="5392992"/>
+            <a:ext cx="1740310" cy="0"/>
+          </a:xfrm>
+          <a:prstGeom prst="straightConnector1">
+            <a:avLst/>
+          </a:prstGeom>
+          <a:ln w="28575">
+            <a:headEnd type="triangle"/>
+            <a:tailEnd type="triangle"/>
+          </a:ln>
+        </p:spPr>
+        <p:style>
+          <a:lnRef idx="1">
+            <a:schemeClr val="dk1"/>
+          </a:lnRef>
+          <a:fillRef idx="0">
+            <a:schemeClr val="dk1"/>
+          </a:fillRef>
+          <a:effectRef idx="0">
+            <a:schemeClr val="dk1"/>
+          </a:effectRef>
+          <a:fontRef idx="minor">
+            <a:schemeClr val="tx1"/>
+          </a:fontRef>
+        </p:style>
+      </p:cxnSp>
+    </p:spTree>
+    <p:extLst>
+      <p:ext uri="{BB962C8B-B14F-4D97-AF65-F5344CB8AC3E}">
+        <p14:creationId xmlns:p14="http://schemas.microsoft.com/office/powerpoint/2010/main" val="1369972087"/>
+      </p:ext>
+    </p:extLst>
+  </p:cSld>
+  <p:clrMapOvr>
+    <a:masterClrMapping/>
+  </p:clrMapOvr>
+</p:sld>
+</file>
+
+<file path=ppt/slides/slide13.xml><?xml version="1.0" encoding="utf-8"?>
+<p:sld xmlns:a="http://schemas.openxmlformats.org/drawingml/2006/main" xmlns:r="http://schemas.openxmlformats.org/officeDocument/2006/relationships" xmlns:p="http://schemas.openxmlformats.org/presentationml/2006/main">
+  <p:cSld>
+    <p:spTree>
+      <p:nvGrpSpPr>
+        <p:cNvPr id="1" name=""/>
+        <p:cNvGrpSpPr/>
+        <p:nvPr/>
+      </p:nvGrpSpPr>
+      <p:grpSpPr>
+        <a:xfrm>
+          <a:off x="0" y="0"/>
+          <a:ext cx="0" cy="0"/>
+          <a:chOff x="0" y="0"/>
+          <a:chExt cx="0" cy="0"/>
+        </a:xfrm>
+      </p:grpSpPr>
+      <p:sp>
+        <p:nvSpPr>
+          <p:cNvPr id="10" name="Content Placeholder 9">
+            <a:extLst>
+              <a:ext uri="{FF2B5EF4-FFF2-40B4-BE49-F238E27FC236}">
+                <a16:creationId xmlns:a16="http://schemas.microsoft.com/office/drawing/2014/main" id="{259B5369-9581-448F-9B4D-3965FE58F408}"/>
+              </a:ext>
+            </a:extLst>
+          </p:cNvPr>
+          <p:cNvSpPr>
+            <a:spLocks noGrp="1"/>
+          </p:cNvSpPr>
+          <p:nvPr>
+            <p:ph idx="1"/>
+          </p:nvPr>
+        </p:nvSpPr>
+        <p:spPr>
+          <a:xfrm>
+            <a:off x="255639" y="1563329"/>
+            <a:ext cx="11651226" cy="4613634"/>
+          </a:xfrm>
+        </p:spPr>
+        <p:txBody>
+          <a:bodyPr/>
+          <a:lstStyle/>
+          <a:p>
+            <a:pPr marL="0" indent="0">
+              <a:buNone/>
+            </a:pPr>
+            <a:r>
+              <a:rPr lang="en-US" sz="2300" dirty="0" err="1">
+                <a:latin typeface="Fira Code" panose="020B0809050000020004" pitchFamily="49" charset="0"/>
+                <a:ea typeface="Fira Code" panose="020B0809050000020004" pitchFamily="49" charset="0"/>
+                <a:cs typeface="Fira Code" panose="020B0809050000020004" pitchFamily="49" charset="0"/>
+              </a:rPr>
+              <a:t>ggplot</a:t>
+            </a:r>
+            <a:r>
+              <a:rPr lang="en-US" sz="2300" dirty="0">
+                <a:latin typeface="Fira Code" panose="020B0809050000020004" pitchFamily="49" charset="0"/>
+                <a:ea typeface="Fira Code" panose="020B0809050000020004" pitchFamily="49" charset="0"/>
+                <a:cs typeface="Fira Code" panose="020B0809050000020004" pitchFamily="49" charset="0"/>
+              </a:rPr>
+              <a:t>(data = </a:t>
+            </a:r>
+            <a:r>
+              <a:rPr lang="en-US" sz="2300" dirty="0" err="1">
+                <a:latin typeface="Fira Code" panose="020B0809050000020004" pitchFamily="49" charset="0"/>
+                <a:ea typeface="Fira Code" panose="020B0809050000020004" pitchFamily="49" charset="0"/>
+                <a:cs typeface="Fira Code" panose="020B0809050000020004" pitchFamily="49" charset="0"/>
+              </a:rPr>
+              <a:t>wq</a:t>
+            </a:r>
+            <a:r>
+              <a:rPr lang="en-US" sz="2300" dirty="0">
+                <a:latin typeface="Fira Code" panose="020B0809050000020004" pitchFamily="49" charset="0"/>
+                <a:ea typeface="Fira Code" panose="020B0809050000020004" pitchFamily="49" charset="0"/>
+                <a:cs typeface="Fira Code" panose="020B0809050000020004" pitchFamily="49" charset="0"/>
+              </a:rPr>
+              <a:t>) +</a:t>
+            </a:r>
+          </a:p>
+          <a:p>
+            <a:pPr marL="0" indent="0" defTabSz="225425">
+              <a:buNone/>
+            </a:pPr>
+            <a:r>
+              <a:rPr lang="en-US" sz="2300" dirty="0">
+                <a:latin typeface="Fira Code" panose="020B0809050000020004" pitchFamily="49" charset="0"/>
+                <a:ea typeface="Fira Code" panose="020B0809050000020004" pitchFamily="49" charset="0"/>
+                <a:cs typeface="Fira Code" panose="020B0809050000020004" pitchFamily="49" charset="0"/>
+              </a:rPr>
+              <a:t>	 </a:t>
+            </a:r>
+            <a:r>
+              <a:rPr lang="en-US" sz="2300" dirty="0" err="1">
+                <a:latin typeface="Fira Code" panose="020B0809050000020004" pitchFamily="49" charset="0"/>
+                <a:ea typeface="Fira Code" panose="020B0809050000020004" pitchFamily="49" charset="0"/>
+                <a:cs typeface="Fira Code" panose="020B0809050000020004" pitchFamily="49" charset="0"/>
+              </a:rPr>
+              <a:t>geom_point</a:t>
+            </a:r>
+            <a:r>
+              <a:rPr lang="en-US" sz="2300" dirty="0">
+                <a:latin typeface="Fira Code" panose="020B0809050000020004" pitchFamily="49" charset="0"/>
+                <a:ea typeface="Fira Code" panose="020B0809050000020004" pitchFamily="49" charset="0"/>
+                <a:cs typeface="Fira Code" panose="020B0809050000020004" pitchFamily="49" charset="0"/>
+              </a:rPr>
+              <a:t>(mapping = </a:t>
+            </a:r>
+            <a:r>
+              <a:rPr lang="en-US" sz="2300" dirty="0" err="1">
+                <a:latin typeface="Fira Code" panose="020B0809050000020004" pitchFamily="49" charset="0"/>
+                <a:ea typeface="Fira Code" panose="020B0809050000020004" pitchFamily="49" charset="0"/>
+                <a:cs typeface="Fira Code" panose="020B0809050000020004" pitchFamily="49" charset="0"/>
+              </a:rPr>
+              <a:t>aes</a:t>
+            </a:r>
+            <a:r>
+              <a:rPr lang="en-US" sz="2300" dirty="0">
+                <a:latin typeface="Fira Code" panose="020B0809050000020004" pitchFamily="49" charset="0"/>
+                <a:ea typeface="Fira Code" panose="020B0809050000020004" pitchFamily="49" charset="0"/>
+                <a:cs typeface="Fira Code" panose="020B0809050000020004" pitchFamily="49" charset="0"/>
+              </a:rPr>
+              <a:t>(x = temp, y = </a:t>
+            </a:r>
+            <a:r>
+              <a:rPr lang="en-US" sz="2300" dirty="0" err="1">
+                <a:latin typeface="Fira Code" panose="020B0809050000020004" pitchFamily="49" charset="0"/>
+                <a:ea typeface="Fira Code" panose="020B0809050000020004" pitchFamily="49" charset="0"/>
+                <a:cs typeface="Fira Code" panose="020B0809050000020004" pitchFamily="49" charset="0"/>
+              </a:rPr>
+              <a:t>do_mgl</a:t>
+            </a:r>
+            <a:r>
+              <a:rPr lang="en-US" sz="2300" dirty="0">
+                <a:latin typeface="Fira Code" panose="020B0809050000020004" pitchFamily="49" charset="0"/>
+                <a:ea typeface="Fira Code" panose="020B0809050000020004" pitchFamily="49" charset="0"/>
+                <a:cs typeface="Fira Code" panose="020B0809050000020004" pitchFamily="49" charset="0"/>
+              </a:rPr>
+              <a:t>, </a:t>
+            </a:r>
+            <a:r>
+              <a:rPr lang="en-US" sz="2300" dirty="0">
+                <a:solidFill>
+                  <a:schemeClr val="accent6">
+                    <a:lumMod val="75000"/>
+                  </a:schemeClr>
+                </a:solidFill>
+                <a:latin typeface="Fira Code" panose="020B0809050000020004" pitchFamily="49" charset="0"/>
+                <a:ea typeface="Fira Code" panose="020B0809050000020004" pitchFamily="49" charset="0"/>
+                <a:cs typeface="Fira Code" panose="020B0809050000020004" pitchFamily="49" charset="0"/>
+              </a:rPr>
+              <a:t>color = state</a:t>
+            </a:r>
+            <a:r>
+              <a:rPr lang="en-US" sz="2300" dirty="0">
+                <a:latin typeface="Fira Code" panose="020B0809050000020004" pitchFamily="49" charset="0"/>
+                <a:ea typeface="Fira Code" panose="020B0809050000020004" pitchFamily="49" charset="0"/>
+                <a:cs typeface="Fira Code" panose="020B0809050000020004" pitchFamily="49" charset="0"/>
+              </a:rPr>
+              <a:t>))</a:t>
+            </a:r>
+          </a:p>
+          <a:p>
+            <a:pPr marL="0" indent="0" defTabSz="225425">
+              <a:buNone/>
+            </a:pPr>
+            <a:endParaRPr lang="en-US" sz="2300" dirty="0">
+              <a:latin typeface="Fira Code" panose="020B0809050000020004" pitchFamily="49" charset="0"/>
+              <a:ea typeface="Fira Code" panose="020B0809050000020004" pitchFamily="49" charset="0"/>
+              <a:cs typeface="Fira Code" panose="020B0809050000020004" pitchFamily="49" charset="0"/>
+            </a:endParaRPr>
+          </a:p>
+          <a:p>
+            <a:pPr marL="0" indent="0">
+              <a:buNone/>
+            </a:pPr>
+            <a:r>
+              <a:rPr lang="en-US" sz="2300" dirty="0" err="1">
+                <a:latin typeface="Fira Code" panose="020B0809050000020004" pitchFamily="49" charset="0"/>
+                <a:ea typeface="Fira Code" panose="020B0809050000020004" pitchFamily="49" charset="0"/>
+                <a:cs typeface="Fira Code" panose="020B0809050000020004" pitchFamily="49" charset="0"/>
+              </a:rPr>
+              <a:t>ggplot</a:t>
+            </a:r>
+            <a:r>
+              <a:rPr lang="en-US" sz="2300" dirty="0">
+                <a:latin typeface="Fira Code" panose="020B0809050000020004" pitchFamily="49" charset="0"/>
+                <a:ea typeface="Fira Code" panose="020B0809050000020004" pitchFamily="49" charset="0"/>
+                <a:cs typeface="Fira Code" panose="020B0809050000020004" pitchFamily="49" charset="0"/>
+              </a:rPr>
+              <a:t>(data = </a:t>
+            </a:r>
+            <a:r>
+              <a:rPr lang="en-US" sz="2300" dirty="0" err="1">
+                <a:latin typeface="Fira Code" panose="020B0809050000020004" pitchFamily="49" charset="0"/>
+                <a:ea typeface="Fira Code" panose="020B0809050000020004" pitchFamily="49" charset="0"/>
+                <a:cs typeface="Fira Code" panose="020B0809050000020004" pitchFamily="49" charset="0"/>
+              </a:rPr>
+              <a:t>wq</a:t>
+            </a:r>
+            <a:r>
+              <a:rPr lang="en-US" sz="2300" dirty="0">
+                <a:latin typeface="Fira Code" panose="020B0809050000020004" pitchFamily="49" charset="0"/>
+                <a:ea typeface="Fira Code" panose="020B0809050000020004" pitchFamily="49" charset="0"/>
+                <a:cs typeface="Fira Code" panose="020B0809050000020004" pitchFamily="49" charset="0"/>
+              </a:rPr>
+              <a:t>) +</a:t>
+            </a:r>
+          </a:p>
+          <a:p>
+            <a:pPr marL="0" indent="0" defTabSz="225425">
+              <a:buNone/>
+            </a:pPr>
+            <a:r>
+              <a:rPr lang="en-US" sz="2300" dirty="0">
+                <a:latin typeface="Fira Code" panose="020B0809050000020004" pitchFamily="49" charset="0"/>
+                <a:ea typeface="Fira Code" panose="020B0809050000020004" pitchFamily="49" charset="0"/>
+                <a:cs typeface="Fira Code" panose="020B0809050000020004" pitchFamily="49" charset="0"/>
+              </a:rPr>
+              <a:t>	 </a:t>
+            </a:r>
+            <a:r>
+              <a:rPr lang="en-US" sz="2300" dirty="0" err="1">
+                <a:latin typeface="Fira Code" panose="020B0809050000020004" pitchFamily="49" charset="0"/>
+                <a:ea typeface="Fira Code" panose="020B0809050000020004" pitchFamily="49" charset="0"/>
+                <a:cs typeface="Fira Code" panose="020B0809050000020004" pitchFamily="49" charset="0"/>
+              </a:rPr>
+              <a:t>geom_point</a:t>
+            </a:r>
+            <a:r>
+              <a:rPr lang="en-US" sz="2300" dirty="0">
+                <a:latin typeface="Fira Code" panose="020B0809050000020004" pitchFamily="49" charset="0"/>
+                <a:ea typeface="Fira Code" panose="020B0809050000020004" pitchFamily="49" charset="0"/>
+                <a:cs typeface="Fira Code" panose="020B0809050000020004" pitchFamily="49" charset="0"/>
+              </a:rPr>
+              <a:t>(mapping = </a:t>
+            </a:r>
+            <a:r>
+              <a:rPr lang="en-US" sz="2300" dirty="0" err="1">
+                <a:latin typeface="Fira Code" panose="020B0809050000020004" pitchFamily="49" charset="0"/>
+                <a:ea typeface="Fira Code" panose="020B0809050000020004" pitchFamily="49" charset="0"/>
+                <a:cs typeface="Fira Code" panose="020B0809050000020004" pitchFamily="49" charset="0"/>
+              </a:rPr>
+              <a:t>aes</a:t>
+            </a:r>
+            <a:r>
+              <a:rPr lang="en-US" sz="2300" dirty="0">
+                <a:latin typeface="Fira Code" panose="020B0809050000020004" pitchFamily="49" charset="0"/>
+                <a:ea typeface="Fira Code" panose="020B0809050000020004" pitchFamily="49" charset="0"/>
+                <a:cs typeface="Fira Code" panose="020B0809050000020004" pitchFamily="49" charset="0"/>
+              </a:rPr>
+              <a:t>(x = temp, y = </a:t>
+            </a:r>
+            <a:r>
+              <a:rPr lang="en-US" sz="2300" dirty="0" err="1">
+                <a:latin typeface="Fira Code" panose="020B0809050000020004" pitchFamily="49" charset="0"/>
+                <a:ea typeface="Fira Code" panose="020B0809050000020004" pitchFamily="49" charset="0"/>
+                <a:cs typeface="Fira Code" panose="020B0809050000020004" pitchFamily="49" charset="0"/>
+              </a:rPr>
+              <a:t>do_mgl</a:t>
+            </a:r>
+            <a:r>
+              <a:rPr lang="en-US" sz="2300" dirty="0">
+                <a:latin typeface="Fira Code" panose="020B0809050000020004" pitchFamily="49" charset="0"/>
+                <a:ea typeface="Fira Code" panose="020B0809050000020004" pitchFamily="49" charset="0"/>
+                <a:cs typeface="Fira Code" panose="020B0809050000020004" pitchFamily="49" charset="0"/>
+              </a:rPr>
+              <a:t>, </a:t>
+            </a:r>
+            <a:r>
+              <a:rPr lang="en-US" sz="2300" dirty="0">
+                <a:solidFill>
+                  <a:schemeClr val="accent6">
+                    <a:lumMod val="75000"/>
+                  </a:schemeClr>
+                </a:solidFill>
+                <a:latin typeface="Fira Code" panose="020B0809050000020004" pitchFamily="49" charset="0"/>
+                <a:ea typeface="Fira Code" panose="020B0809050000020004" pitchFamily="49" charset="0"/>
+                <a:cs typeface="Fira Code" panose="020B0809050000020004" pitchFamily="49" charset="0"/>
+              </a:rPr>
+              <a:t>size </a:t>
+            </a:r>
+            <a:r>
+              <a:rPr lang="en-US" sz="2300" dirty="0">
+                <a:latin typeface="Fira Code" panose="020B0809050000020004" pitchFamily="49" charset="0"/>
+                <a:ea typeface="Fira Code" panose="020B0809050000020004" pitchFamily="49" charset="0"/>
+                <a:cs typeface="Fira Code" panose="020B0809050000020004" pitchFamily="49" charset="0"/>
+              </a:rPr>
+              <a:t>= state))</a:t>
+            </a:r>
+          </a:p>
+          <a:p>
+            <a:pPr marL="0" indent="0" defTabSz="225425">
+              <a:buNone/>
+            </a:pPr>
+            <a:endParaRPr lang="en-US" sz="2300" dirty="0">
+              <a:latin typeface="Fira Code" panose="020B0809050000020004" pitchFamily="49" charset="0"/>
+              <a:ea typeface="Fira Code" panose="020B0809050000020004" pitchFamily="49" charset="0"/>
+              <a:cs typeface="Fira Code" panose="020B0809050000020004" pitchFamily="49" charset="0"/>
+            </a:endParaRPr>
+          </a:p>
+          <a:p>
+            <a:pPr marL="0" indent="0">
+              <a:buNone/>
+            </a:pPr>
+            <a:r>
+              <a:rPr lang="en-US" sz="2300" dirty="0" err="1">
+                <a:latin typeface="Fira Code" panose="020B0809050000020004" pitchFamily="49" charset="0"/>
+                <a:ea typeface="Fira Code" panose="020B0809050000020004" pitchFamily="49" charset="0"/>
+                <a:cs typeface="Fira Code" panose="020B0809050000020004" pitchFamily="49" charset="0"/>
+              </a:rPr>
+              <a:t>ggplot</a:t>
+            </a:r>
+            <a:r>
+              <a:rPr lang="en-US" sz="2300" dirty="0">
+                <a:latin typeface="Fira Code" panose="020B0809050000020004" pitchFamily="49" charset="0"/>
+                <a:ea typeface="Fira Code" panose="020B0809050000020004" pitchFamily="49" charset="0"/>
+                <a:cs typeface="Fira Code" panose="020B0809050000020004" pitchFamily="49" charset="0"/>
+              </a:rPr>
+              <a:t>(data = </a:t>
+            </a:r>
+            <a:r>
+              <a:rPr lang="en-US" sz="2300" dirty="0" err="1">
+                <a:latin typeface="Fira Code" panose="020B0809050000020004" pitchFamily="49" charset="0"/>
+                <a:ea typeface="Fira Code" panose="020B0809050000020004" pitchFamily="49" charset="0"/>
+                <a:cs typeface="Fira Code" panose="020B0809050000020004" pitchFamily="49" charset="0"/>
+              </a:rPr>
+              <a:t>wq</a:t>
+            </a:r>
+            <a:r>
+              <a:rPr lang="en-US" sz="2300" dirty="0">
+                <a:latin typeface="Fira Code" panose="020B0809050000020004" pitchFamily="49" charset="0"/>
+                <a:ea typeface="Fira Code" panose="020B0809050000020004" pitchFamily="49" charset="0"/>
+                <a:cs typeface="Fira Code" panose="020B0809050000020004" pitchFamily="49" charset="0"/>
+              </a:rPr>
+              <a:t>) +</a:t>
+            </a:r>
+          </a:p>
+          <a:p>
+            <a:pPr marL="0" indent="0" defTabSz="225425">
+              <a:buNone/>
+            </a:pPr>
+            <a:r>
+              <a:rPr lang="en-US" sz="2300" dirty="0">
+                <a:latin typeface="Fira Code" panose="020B0809050000020004" pitchFamily="49" charset="0"/>
+                <a:ea typeface="Fira Code" panose="020B0809050000020004" pitchFamily="49" charset="0"/>
+                <a:cs typeface="Fira Code" panose="020B0809050000020004" pitchFamily="49" charset="0"/>
+              </a:rPr>
+              <a:t>	 </a:t>
+            </a:r>
+            <a:r>
+              <a:rPr lang="en-US" sz="2300" dirty="0" err="1">
+                <a:latin typeface="Fira Code" panose="020B0809050000020004" pitchFamily="49" charset="0"/>
+                <a:ea typeface="Fira Code" panose="020B0809050000020004" pitchFamily="49" charset="0"/>
+                <a:cs typeface="Fira Code" panose="020B0809050000020004" pitchFamily="49" charset="0"/>
+              </a:rPr>
+              <a:t>geom_point</a:t>
+            </a:r>
+            <a:r>
+              <a:rPr lang="en-US" sz="2300" dirty="0">
+                <a:latin typeface="Fira Code" panose="020B0809050000020004" pitchFamily="49" charset="0"/>
+                <a:ea typeface="Fira Code" panose="020B0809050000020004" pitchFamily="49" charset="0"/>
+                <a:cs typeface="Fira Code" panose="020B0809050000020004" pitchFamily="49" charset="0"/>
+              </a:rPr>
+              <a:t>(mapping = </a:t>
+            </a:r>
+            <a:r>
+              <a:rPr lang="en-US" sz="2300" dirty="0" err="1">
+                <a:latin typeface="Fira Code" panose="020B0809050000020004" pitchFamily="49" charset="0"/>
+                <a:ea typeface="Fira Code" panose="020B0809050000020004" pitchFamily="49" charset="0"/>
+                <a:cs typeface="Fira Code" panose="020B0809050000020004" pitchFamily="49" charset="0"/>
+              </a:rPr>
+              <a:t>aes</a:t>
+            </a:r>
+            <a:r>
+              <a:rPr lang="en-US" sz="2300" dirty="0">
+                <a:latin typeface="Fira Code" panose="020B0809050000020004" pitchFamily="49" charset="0"/>
+                <a:ea typeface="Fira Code" panose="020B0809050000020004" pitchFamily="49" charset="0"/>
+                <a:cs typeface="Fira Code" panose="020B0809050000020004" pitchFamily="49" charset="0"/>
+              </a:rPr>
+              <a:t>(x = temp, y = </a:t>
+            </a:r>
+            <a:r>
+              <a:rPr lang="en-US" sz="2300" dirty="0" err="1">
+                <a:latin typeface="Fira Code" panose="020B0809050000020004" pitchFamily="49" charset="0"/>
+                <a:ea typeface="Fira Code" panose="020B0809050000020004" pitchFamily="49" charset="0"/>
+                <a:cs typeface="Fira Code" panose="020B0809050000020004" pitchFamily="49" charset="0"/>
+              </a:rPr>
+              <a:t>do_mgl</a:t>
+            </a:r>
+            <a:r>
+              <a:rPr lang="en-US" sz="2300" dirty="0">
+                <a:latin typeface="Fira Code" panose="020B0809050000020004" pitchFamily="49" charset="0"/>
+                <a:ea typeface="Fira Code" panose="020B0809050000020004" pitchFamily="49" charset="0"/>
+                <a:cs typeface="Fira Code" panose="020B0809050000020004" pitchFamily="49" charset="0"/>
+              </a:rPr>
+              <a:t>, </a:t>
+            </a:r>
+            <a:r>
+              <a:rPr lang="en-US" sz="2300" dirty="0">
+                <a:solidFill>
+                  <a:schemeClr val="accent6">
+                    <a:lumMod val="75000"/>
+                  </a:schemeClr>
+                </a:solidFill>
+                <a:latin typeface="Fira Code" panose="020B0809050000020004" pitchFamily="49" charset="0"/>
+                <a:ea typeface="Fira Code" panose="020B0809050000020004" pitchFamily="49" charset="0"/>
+                <a:cs typeface="Fira Code" panose="020B0809050000020004" pitchFamily="49" charset="0"/>
+              </a:rPr>
+              <a:t>shape </a:t>
+            </a:r>
+            <a:r>
+              <a:rPr lang="en-US" sz="2300" dirty="0">
+                <a:latin typeface="Fira Code" panose="020B0809050000020004" pitchFamily="49" charset="0"/>
+                <a:ea typeface="Fira Code" panose="020B0809050000020004" pitchFamily="49" charset="0"/>
+                <a:cs typeface="Fira Code" panose="020B0809050000020004" pitchFamily="49" charset="0"/>
+              </a:rPr>
+              <a:t>= state))</a:t>
+            </a:r>
+          </a:p>
+          <a:p>
+            <a:pPr marL="0" indent="0" defTabSz="225425">
+              <a:buNone/>
+            </a:pPr>
+            <a:endParaRPr lang="en-US" sz="2300" dirty="0">
+              <a:latin typeface="Fira Code" panose="020B0809050000020004" pitchFamily="49" charset="0"/>
+              <a:ea typeface="Fira Code" panose="020B0809050000020004" pitchFamily="49" charset="0"/>
+              <a:cs typeface="Fira Code" panose="020B0809050000020004" pitchFamily="49" charset="0"/>
+            </a:endParaRPr>
+          </a:p>
+          <a:p>
+            <a:pPr marL="0" indent="0" defTabSz="225425">
+              <a:buNone/>
+            </a:pPr>
+            <a:endParaRPr lang="en-US" sz="2300" dirty="0">
+              <a:latin typeface="Fira Code" panose="020B0809050000020004" pitchFamily="49" charset="0"/>
+              <a:ea typeface="Fira Code" panose="020B0809050000020004" pitchFamily="49" charset="0"/>
+              <a:cs typeface="Fira Code" panose="020B0809050000020004" pitchFamily="49" charset="0"/>
+            </a:endParaRPr>
+          </a:p>
+          <a:p>
+            <a:pPr marL="0" indent="0">
+              <a:buNone/>
+            </a:pPr>
+            <a:endParaRPr lang="en-US" dirty="0"/>
+          </a:p>
+        </p:txBody>
+      </p:sp>
+      <p:sp>
+        <p:nvSpPr>
+          <p:cNvPr id="7" name="Footer Placeholder 6">
+            <a:extLst>
+              <a:ext uri="{FF2B5EF4-FFF2-40B4-BE49-F238E27FC236}">
+                <a16:creationId xmlns:a16="http://schemas.microsoft.com/office/drawing/2014/main" id="{41B6D2E4-7292-4156-A9E1-3C9932E21C3B}"/>
+              </a:ext>
+            </a:extLst>
+          </p:cNvPr>
+          <p:cNvSpPr>
+            <a:spLocks noGrp="1"/>
+          </p:cNvSpPr>
+          <p:nvPr>
+            <p:ph type="ftr" sz="quarter" idx="11"/>
+          </p:nvPr>
+        </p:nvSpPr>
+        <p:spPr/>
+        <p:txBody>
+          <a:bodyPr/>
+          <a:lstStyle/>
+          <a:p>
+            <a:r>
+              <a:rPr lang="en-US" dirty="0"/>
+              <a:t>CERF 2019 | The Next Step with R | Cressman and Dunnigan</a:t>
+            </a:r>
+          </a:p>
+        </p:txBody>
+      </p:sp>
+      <p:sp>
+        <p:nvSpPr>
+          <p:cNvPr id="8" name="Slide Number Placeholder 7">
+            <a:extLst>
+              <a:ext uri="{FF2B5EF4-FFF2-40B4-BE49-F238E27FC236}">
+                <a16:creationId xmlns:a16="http://schemas.microsoft.com/office/drawing/2014/main" id="{3888F9A0-DB26-425C-B9BA-E41BE4D42A97}"/>
+              </a:ext>
+            </a:extLst>
+          </p:cNvPr>
+          <p:cNvSpPr>
+            <a:spLocks noGrp="1"/>
+          </p:cNvSpPr>
+          <p:nvPr>
+            <p:ph type="sldNum" sz="quarter" idx="12"/>
+          </p:nvPr>
+        </p:nvSpPr>
+        <p:spPr/>
+        <p:txBody>
+          <a:bodyPr/>
+          <a:lstStyle/>
+          <a:p>
+            <a:fld id="{1D07C8D9-AA71-438D-86BE-7B86F7F29DC7}" type="slidenum">
+              <a:rPr lang="en-US" smtClean="0"/>
+              <a:t>13</a:t>
+            </a:fld>
+            <a:endParaRPr lang="en-US"/>
+          </a:p>
+        </p:txBody>
+      </p:sp>
+      <p:sp>
+        <p:nvSpPr>
+          <p:cNvPr id="11" name="Speech Bubble: Rectangle with Corners Rounded 10">
+            <a:extLst>
+              <a:ext uri="{FF2B5EF4-FFF2-40B4-BE49-F238E27FC236}">
+                <a16:creationId xmlns:a16="http://schemas.microsoft.com/office/drawing/2014/main" id="{E1B134EE-7374-4364-B3A4-C2D08C5517C6}"/>
+              </a:ext>
+            </a:extLst>
+          </p:cNvPr>
+          <p:cNvSpPr/>
+          <p:nvPr/>
+        </p:nvSpPr>
+        <p:spPr>
+          <a:xfrm>
+            <a:off x="8090338" y="420412"/>
+            <a:ext cx="1571296" cy="1142915"/>
+          </a:xfrm>
+          <a:prstGeom prst="wedgeRoundRectCallout">
+            <a:avLst>
+              <a:gd name="adj1" fmla="val 24620"/>
+              <a:gd name="adj2" fmla="val 83651"/>
+              <a:gd name="adj3" fmla="val 16667"/>
+            </a:avLst>
+          </a:prstGeom>
+        </p:spPr>
+        <p:style>
+          <a:lnRef idx="2">
+            <a:schemeClr val="accent6">
+              <a:shade val="50000"/>
+            </a:schemeClr>
+          </a:lnRef>
+          <a:fillRef idx="1">
+            <a:schemeClr val="accent6"/>
+          </a:fillRef>
+          <a:effectRef idx="0">
+            <a:schemeClr val="accent6"/>
+          </a:effectRef>
+          <a:fontRef idx="minor">
+            <a:schemeClr val="lt1"/>
+          </a:fontRef>
+        </p:style>
+        <p:txBody>
+          <a:bodyPr rtlCol="0" anchor="ctr"/>
+          <a:lstStyle/>
+          <a:p>
+            <a:pPr algn="ctr"/>
+            <a:r>
+              <a:rPr lang="en-US" sz="2400" dirty="0"/>
+              <a:t>Aesthetic property</a:t>
+            </a:r>
+          </a:p>
+        </p:txBody>
+      </p:sp>
+      <p:sp>
+        <p:nvSpPr>
+          <p:cNvPr id="12" name="Speech Bubble: Rectangle with Corners Rounded 11">
+            <a:extLst>
+              <a:ext uri="{FF2B5EF4-FFF2-40B4-BE49-F238E27FC236}">
+                <a16:creationId xmlns:a16="http://schemas.microsoft.com/office/drawing/2014/main" id="{18DF8266-4E31-4F5F-A77E-DECF87C1B219}"/>
+              </a:ext>
+            </a:extLst>
+          </p:cNvPr>
+          <p:cNvSpPr/>
+          <p:nvPr/>
+        </p:nvSpPr>
+        <p:spPr>
+          <a:xfrm>
+            <a:off x="9998601" y="420412"/>
+            <a:ext cx="1571296" cy="1142915"/>
+          </a:xfrm>
+          <a:prstGeom prst="wedgeRoundRectCallout">
+            <a:avLst>
+              <a:gd name="adj1" fmla="val 2492"/>
+              <a:gd name="adj2" fmla="val 86409"/>
+              <a:gd name="adj3" fmla="val 16667"/>
+            </a:avLst>
+          </a:prstGeom>
+          <a:solidFill>
+            <a:schemeClr val="bg1">
+              <a:lumMod val="85000"/>
+            </a:schemeClr>
+          </a:solidFill>
+          <a:ln>
+            <a:solidFill>
+              <a:schemeClr val="bg1">
+                <a:lumMod val="50000"/>
+              </a:schemeClr>
+            </a:solidFill>
+          </a:ln>
+        </p:spPr>
+        <p:style>
+          <a:lnRef idx="2">
+            <a:schemeClr val="dk1">
+              <a:shade val="50000"/>
+            </a:schemeClr>
+          </a:lnRef>
+          <a:fillRef idx="1">
+            <a:schemeClr val="dk1"/>
+          </a:fillRef>
+          <a:effectRef idx="0">
+            <a:schemeClr val="dk1"/>
+          </a:effectRef>
+          <a:fontRef idx="minor">
+            <a:schemeClr val="lt1"/>
+          </a:fontRef>
+        </p:style>
+        <p:txBody>
+          <a:bodyPr rtlCol="0" anchor="ctr"/>
+          <a:lstStyle/>
+          <a:p>
+            <a:pPr algn="ctr"/>
+            <a:r>
+              <a:rPr lang="en-US" sz="2400" dirty="0">
+                <a:solidFill>
+                  <a:schemeClr val="bg1">
+                    <a:lumMod val="50000"/>
+                  </a:schemeClr>
+                </a:solidFill>
+              </a:rPr>
+              <a:t>Variable to map to</a:t>
+            </a:r>
+          </a:p>
+        </p:txBody>
+      </p:sp>
+    </p:spTree>
+    <p:extLst>
+      <p:ext uri="{BB962C8B-B14F-4D97-AF65-F5344CB8AC3E}">
+        <p14:creationId xmlns:p14="http://schemas.microsoft.com/office/powerpoint/2010/main" val="2879311922"/>
+      </p:ext>
+    </p:extLst>
+  </p:cSld>
+  <p:clrMapOvr>
+    <a:masterClrMapping/>
+  </p:clrMapOvr>
+  <p:timing>
+    <p:tnLst>
+      <p:par>
+        <p:cTn id="1" dur="indefinite" restart="never" nodeType="tmRoot">
+          <p:childTnLst>
+            <p:seq concurrent="1" nextAc="seek">
+              <p:cTn id="2" dur="indefinite" nodeType="mainSeq">
+                <p:childTnLst>
+                  <p:par>
+                    <p:cTn id="3" fill="hold">
+                      <p:stCondLst>
+                        <p:cond delay="indefinite"/>
+                      </p:stCondLst>
+                      <p:childTnLst>
+                        <p:par>
+                          <p:cTn id="4" fill="hold">
+                            <p:stCondLst>
+                              <p:cond delay="0"/>
+                            </p:stCondLst>
+                            <p:childTnLst>
+                              <p:par>
+                                <p:cTn id="5" presetID="1" presetClass="entr" presetSubtype="0" fill="hold" nodeType="clickEffect">
+                                  <p:stCondLst>
+                                    <p:cond delay="0"/>
+                                  </p:stCondLst>
+                                  <p:childTnLst>
+                                    <p:set>
+                                      <p:cBhvr>
+                                        <p:cTn id="6" dur="1" fill="hold">
+                                          <p:stCondLst>
+                                            <p:cond delay="0"/>
+                                          </p:stCondLst>
+                                        </p:cTn>
+                                        <p:tgtEl>
+                                          <p:spTgt spid="10">
+                                            <p:txEl>
+                                              <p:pRg st="3" end="3"/>
+                                            </p:txEl>
+                                          </p:spTgt>
+                                        </p:tgtEl>
+                                        <p:attrNameLst>
+                                          <p:attrName>style.visibility</p:attrName>
+                                        </p:attrNameLst>
+                                      </p:cBhvr>
+                                      <p:to>
+                                        <p:strVal val="visible"/>
+                                      </p:to>
+                                    </p:set>
+                                  </p:childTnLst>
+                                </p:cTn>
+                              </p:par>
+                              <p:par>
+                                <p:cTn id="7" presetID="1" presetClass="entr" presetSubtype="0" fill="hold" nodeType="withEffect">
+                                  <p:stCondLst>
+                                    <p:cond delay="0"/>
+                                  </p:stCondLst>
+                                  <p:childTnLst>
+                                    <p:set>
+                                      <p:cBhvr>
+                                        <p:cTn id="8" dur="1" fill="hold">
+                                          <p:stCondLst>
+                                            <p:cond delay="0"/>
+                                          </p:stCondLst>
+                                        </p:cTn>
+                                        <p:tgtEl>
+                                          <p:spTgt spid="10">
+                                            <p:txEl>
+                                              <p:pRg st="4" end="4"/>
+                                            </p:txEl>
+                                          </p:spTgt>
+                                        </p:tgtEl>
+                                        <p:attrNameLst>
+                                          <p:attrName>style.visibility</p:attrName>
+                                        </p:attrNameLst>
+                                      </p:cBhvr>
+                                      <p:to>
+                                        <p:strVal val="visible"/>
+                                      </p:to>
+                                    </p:set>
+                                  </p:childTnLst>
+                                </p:cTn>
+                              </p:par>
+                              <p:par>
+                                <p:cTn id="9" presetID="1" presetClass="entr" presetSubtype="0" fill="hold" nodeType="withEffect">
+                                  <p:stCondLst>
+                                    <p:cond delay="0"/>
+                                  </p:stCondLst>
+                                  <p:childTnLst>
+                                    <p:set>
+                                      <p:cBhvr>
+                                        <p:cTn id="10" dur="1" fill="hold">
+                                          <p:stCondLst>
+                                            <p:cond delay="0"/>
+                                          </p:stCondLst>
+                                        </p:cTn>
+                                        <p:tgtEl>
+                                          <p:spTgt spid="10">
+                                            <p:txEl>
+                                              <p:pRg st="6" end="6"/>
+                                            </p:txEl>
+                                          </p:spTgt>
+                                        </p:tgtEl>
+                                        <p:attrNameLst>
+                                          <p:attrName>style.visibility</p:attrName>
+                                        </p:attrNameLst>
+                                      </p:cBhvr>
+                                      <p:to>
+                                        <p:strVal val="visible"/>
+                                      </p:to>
+                                    </p:set>
+                                  </p:childTnLst>
+                                </p:cTn>
+                              </p:par>
+                              <p:par>
+                                <p:cTn id="11" presetID="1" presetClass="entr" presetSubtype="0" fill="hold" nodeType="withEffect">
+                                  <p:stCondLst>
+                                    <p:cond delay="0"/>
+                                  </p:stCondLst>
+                                  <p:childTnLst>
+                                    <p:set>
+                                      <p:cBhvr>
+                                        <p:cTn id="12" dur="1" fill="hold">
+                                          <p:stCondLst>
+                                            <p:cond delay="0"/>
+                                          </p:stCondLst>
+                                        </p:cTn>
+                                        <p:tgtEl>
+                                          <p:spTgt spid="10">
+                                            <p:txEl>
+                                              <p:pRg st="7" end="7"/>
+                                            </p:txEl>
+                                          </p:spTgt>
+                                        </p:tgtEl>
+                                        <p:attrNameLst>
+                                          <p:attrName>style.visibility</p:attrName>
+                                        </p:attrNameLst>
+                                      </p:cBhvr>
+                                      <p:to>
+                                        <p:strVal val="visible"/>
+                                      </p:to>
+                                    </p:set>
+                                  </p:childTnLst>
+                                </p:cTn>
+                              </p:par>
+                            </p:childTnLst>
+                          </p:cTn>
+                        </p:par>
+                      </p:childTnLst>
+                    </p:cTn>
+                  </p:par>
+                </p:childTnLst>
+              </p:cTn>
+              <p:prevCondLst>
+                <p:cond evt="onPrev" delay="0">
+                  <p:tgtEl>
+                    <p:sldTgt/>
+                  </p:tgtEl>
+                </p:cond>
+              </p:prevCondLst>
+              <p:nextCondLst>
+                <p:cond evt="onNext" delay="0">
+                  <p:tgtEl>
+                    <p:sldTgt/>
+                  </p:tgtEl>
+                </p:cond>
+              </p:nextCondLst>
+            </p:seq>
+          </p:childTnLst>
+        </p:cTn>
+      </p:par>
+    </p:tnLst>
+  </p:timing>
+</p:sld>
+</file>
+
+<file path=ppt/slides/slide14.xml><?xml version="1.0" encoding="utf-8"?>
+<p:sld xmlns:a="http://schemas.openxmlformats.org/drawingml/2006/main" xmlns:r="http://schemas.openxmlformats.org/officeDocument/2006/relationships" xmlns:p="http://schemas.openxmlformats.org/presentationml/2006/main">
+  <p:cSld>
+    <p:spTree>
+      <p:nvGrpSpPr>
+        <p:cNvPr id="1" name=""/>
+        <p:cNvGrpSpPr/>
+        <p:nvPr/>
+      </p:nvGrpSpPr>
+      <p:grpSpPr>
+        <a:xfrm>
+          <a:off x="0" y="0"/>
+          <a:ext cx="0" cy="0"/>
+          <a:chOff x="0" y="0"/>
+          <a:chExt cx="0" cy="0"/>
+        </a:xfrm>
+      </p:grpSpPr>
+      <p:sp>
+        <p:nvSpPr>
+          <p:cNvPr id="10" name="Content Placeholder 9">
+            <a:extLst>
+              <a:ext uri="{FF2B5EF4-FFF2-40B4-BE49-F238E27FC236}">
+                <a16:creationId xmlns:a16="http://schemas.microsoft.com/office/drawing/2014/main" id="{259B5369-9581-448F-9B4D-3965FE58F408}"/>
+              </a:ext>
+            </a:extLst>
+          </p:cNvPr>
+          <p:cNvSpPr>
+            <a:spLocks noGrp="1"/>
+          </p:cNvSpPr>
+          <p:nvPr>
+            <p:ph idx="1"/>
+          </p:nvPr>
+        </p:nvSpPr>
+        <p:spPr>
+          <a:xfrm>
+            <a:off x="255639" y="1563329"/>
+            <a:ext cx="11651226" cy="4613634"/>
+          </a:xfrm>
+        </p:spPr>
+        <p:txBody>
+          <a:bodyPr/>
+          <a:lstStyle/>
+          <a:p>
+            <a:pPr marL="0" indent="0">
+              <a:buNone/>
+            </a:pPr>
+            <a:r>
+              <a:rPr lang="en-US" sz="2300" dirty="0" err="1">
+                <a:latin typeface="Fira Code" panose="020B0809050000020004" pitchFamily="49" charset="0"/>
+                <a:ea typeface="Fira Code" panose="020B0809050000020004" pitchFamily="49" charset="0"/>
+                <a:cs typeface="Fira Code" panose="020B0809050000020004" pitchFamily="49" charset="0"/>
+              </a:rPr>
+              <a:t>ggplot</a:t>
+            </a:r>
+            <a:r>
+              <a:rPr lang="en-US" sz="2300" dirty="0">
+                <a:latin typeface="Fira Code" panose="020B0809050000020004" pitchFamily="49" charset="0"/>
+                <a:ea typeface="Fira Code" panose="020B0809050000020004" pitchFamily="49" charset="0"/>
+                <a:cs typeface="Fira Code" panose="020B0809050000020004" pitchFamily="49" charset="0"/>
+              </a:rPr>
+              <a:t>(data = </a:t>
+            </a:r>
+            <a:r>
+              <a:rPr lang="en-US" sz="2300" dirty="0" err="1">
+                <a:latin typeface="Fira Code" panose="020B0809050000020004" pitchFamily="49" charset="0"/>
+                <a:ea typeface="Fira Code" panose="020B0809050000020004" pitchFamily="49" charset="0"/>
+                <a:cs typeface="Fira Code" panose="020B0809050000020004" pitchFamily="49" charset="0"/>
+              </a:rPr>
+              <a:t>wq</a:t>
+            </a:r>
+            <a:r>
+              <a:rPr lang="en-US" sz="2300" dirty="0">
+                <a:latin typeface="Fira Code" panose="020B0809050000020004" pitchFamily="49" charset="0"/>
+                <a:ea typeface="Fira Code" panose="020B0809050000020004" pitchFamily="49" charset="0"/>
+                <a:cs typeface="Fira Code" panose="020B0809050000020004" pitchFamily="49" charset="0"/>
+              </a:rPr>
+              <a:t>) +</a:t>
+            </a:r>
+          </a:p>
+          <a:p>
+            <a:pPr marL="0" indent="0" defTabSz="225425">
+              <a:buNone/>
+            </a:pPr>
+            <a:r>
+              <a:rPr lang="en-US" sz="2300" dirty="0">
+                <a:latin typeface="Fira Code" panose="020B0809050000020004" pitchFamily="49" charset="0"/>
+                <a:ea typeface="Fira Code" panose="020B0809050000020004" pitchFamily="49" charset="0"/>
+                <a:cs typeface="Fira Code" panose="020B0809050000020004" pitchFamily="49" charset="0"/>
+              </a:rPr>
+              <a:t>	 </a:t>
+            </a:r>
+            <a:r>
+              <a:rPr lang="en-US" sz="2300" dirty="0" err="1">
+                <a:latin typeface="Fira Code" panose="020B0809050000020004" pitchFamily="49" charset="0"/>
+                <a:ea typeface="Fira Code" panose="020B0809050000020004" pitchFamily="49" charset="0"/>
+                <a:cs typeface="Fira Code" panose="020B0809050000020004" pitchFamily="49" charset="0"/>
+              </a:rPr>
+              <a:t>geom_point</a:t>
+            </a:r>
+            <a:r>
+              <a:rPr lang="en-US" sz="2300" dirty="0">
+                <a:latin typeface="Fira Code" panose="020B0809050000020004" pitchFamily="49" charset="0"/>
+                <a:ea typeface="Fira Code" panose="020B0809050000020004" pitchFamily="49" charset="0"/>
+                <a:cs typeface="Fira Code" panose="020B0809050000020004" pitchFamily="49" charset="0"/>
+              </a:rPr>
+              <a:t>(mapping = </a:t>
+            </a:r>
+            <a:r>
+              <a:rPr lang="en-US" sz="2300" dirty="0" err="1">
+                <a:latin typeface="Fira Code" panose="020B0809050000020004" pitchFamily="49" charset="0"/>
+                <a:ea typeface="Fira Code" panose="020B0809050000020004" pitchFamily="49" charset="0"/>
+                <a:cs typeface="Fira Code" panose="020B0809050000020004" pitchFamily="49" charset="0"/>
+              </a:rPr>
+              <a:t>aes</a:t>
+            </a:r>
+            <a:r>
+              <a:rPr lang="en-US" sz="2300" dirty="0">
+                <a:latin typeface="Fira Code" panose="020B0809050000020004" pitchFamily="49" charset="0"/>
+                <a:ea typeface="Fira Code" panose="020B0809050000020004" pitchFamily="49" charset="0"/>
+                <a:cs typeface="Fira Code" panose="020B0809050000020004" pitchFamily="49" charset="0"/>
+              </a:rPr>
+              <a:t>(x = temp, y = </a:t>
+            </a:r>
+            <a:r>
+              <a:rPr lang="en-US" sz="2300" dirty="0" err="1">
+                <a:latin typeface="Fira Code" panose="020B0809050000020004" pitchFamily="49" charset="0"/>
+                <a:ea typeface="Fira Code" panose="020B0809050000020004" pitchFamily="49" charset="0"/>
+                <a:cs typeface="Fira Code" panose="020B0809050000020004" pitchFamily="49" charset="0"/>
+              </a:rPr>
+              <a:t>do_mgl</a:t>
+            </a:r>
+            <a:r>
+              <a:rPr lang="en-US" sz="2300" dirty="0">
+                <a:latin typeface="Fira Code" panose="020B0809050000020004" pitchFamily="49" charset="0"/>
+                <a:ea typeface="Fira Code" panose="020B0809050000020004" pitchFamily="49" charset="0"/>
+                <a:cs typeface="Fira Code" panose="020B0809050000020004" pitchFamily="49" charset="0"/>
+              </a:rPr>
+              <a:t>, </a:t>
+            </a:r>
+            <a:r>
+              <a:rPr lang="en-US" sz="2300" dirty="0">
+                <a:solidFill>
+                  <a:schemeClr val="accent6">
+                    <a:lumMod val="75000"/>
+                  </a:schemeClr>
+                </a:solidFill>
+                <a:latin typeface="Fira Code" panose="020B0809050000020004" pitchFamily="49" charset="0"/>
+                <a:ea typeface="Fira Code" panose="020B0809050000020004" pitchFamily="49" charset="0"/>
+                <a:cs typeface="Fira Code" panose="020B0809050000020004" pitchFamily="49" charset="0"/>
+              </a:rPr>
+              <a:t>color = state</a:t>
+            </a:r>
+            <a:r>
+              <a:rPr lang="en-US" sz="2300" dirty="0">
+                <a:latin typeface="Fira Code" panose="020B0809050000020004" pitchFamily="49" charset="0"/>
+                <a:ea typeface="Fira Code" panose="020B0809050000020004" pitchFamily="49" charset="0"/>
+                <a:cs typeface="Fira Code" panose="020B0809050000020004" pitchFamily="49" charset="0"/>
+              </a:rPr>
+              <a:t>))</a:t>
+            </a:r>
+          </a:p>
+          <a:p>
+            <a:pPr marL="0" indent="0" defTabSz="225425">
+              <a:buNone/>
+            </a:pPr>
+            <a:endParaRPr lang="en-US" sz="2300" dirty="0">
+              <a:latin typeface="Fira Code" panose="020B0809050000020004" pitchFamily="49" charset="0"/>
+              <a:ea typeface="Fira Code" panose="020B0809050000020004" pitchFamily="49" charset="0"/>
+              <a:cs typeface="Fira Code" panose="020B0809050000020004" pitchFamily="49" charset="0"/>
+            </a:endParaRPr>
+          </a:p>
+          <a:p>
+            <a:pPr marL="0" indent="0" defTabSz="225425">
+              <a:buNone/>
+            </a:pPr>
+            <a:endParaRPr lang="en-US" sz="2300" dirty="0">
+              <a:latin typeface="Fira Code" panose="020B0809050000020004" pitchFamily="49" charset="0"/>
+              <a:ea typeface="Fira Code" panose="020B0809050000020004" pitchFamily="49" charset="0"/>
+              <a:cs typeface="Fira Code" panose="020B0809050000020004" pitchFamily="49" charset="0"/>
+            </a:endParaRPr>
+          </a:p>
+          <a:p>
+            <a:pPr marL="0" indent="0">
+              <a:buNone/>
+            </a:pPr>
+            <a:endParaRPr lang="en-US" dirty="0"/>
+          </a:p>
+        </p:txBody>
+      </p:sp>
+      <p:sp>
+        <p:nvSpPr>
+          <p:cNvPr id="7" name="Footer Placeholder 6">
+            <a:extLst>
+              <a:ext uri="{FF2B5EF4-FFF2-40B4-BE49-F238E27FC236}">
+                <a16:creationId xmlns:a16="http://schemas.microsoft.com/office/drawing/2014/main" id="{41B6D2E4-7292-4156-A9E1-3C9932E21C3B}"/>
+              </a:ext>
+            </a:extLst>
+          </p:cNvPr>
+          <p:cNvSpPr>
+            <a:spLocks noGrp="1"/>
+          </p:cNvSpPr>
+          <p:nvPr>
+            <p:ph type="ftr" sz="quarter" idx="11"/>
+          </p:nvPr>
+        </p:nvSpPr>
+        <p:spPr/>
+        <p:txBody>
+          <a:bodyPr/>
+          <a:lstStyle/>
+          <a:p>
+            <a:r>
+              <a:rPr lang="en-US" dirty="0"/>
+              <a:t>CERF 2019 | The Next Step with R | Cressman and Dunnigan</a:t>
+            </a:r>
+          </a:p>
+        </p:txBody>
+      </p:sp>
+      <p:sp>
+        <p:nvSpPr>
+          <p:cNvPr id="8" name="Slide Number Placeholder 7">
+            <a:extLst>
+              <a:ext uri="{FF2B5EF4-FFF2-40B4-BE49-F238E27FC236}">
+                <a16:creationId xmlns:a16="http://schemas.microsoft.com/office/drawing/2014/main" id="{3888F9A0-DB26-425C-B9BA-E41BE4D42A97}"/>
+              </a:ext>
+            </a:extLst>
+          </p:cNvPr>
+          <p:cNvSpPr>
+            <a:spLocks noGrp="1"/>
+          </p:cNvSpPr>
+          <p:nvPr>
+            <p:ph type="sldNum" sz="quarter" idx="12"/>
+          </p:nvPr>
+        </p:nvSpPr>
+        <p:spPr/>
+        <p:txBody>
+          <a:bodyPr/>
+          <a:lstStyle/>
+          <a:p>
+            <a:fld id="{1D07C8D9-AA71-438D-86BE-7B86F7F29DC7}" type="slidenum">
+              <a:rPr lang="en-US" smtClean="0"/>
+              <a:t>14</a:t>
+            </a:fld>
+            <a:endParaRPr lang="en-US"/>
+          </a:p>
+        </p:txBody>
+      </p:sp>
+      <p:sp>
+        <p:nvSpPr>
+          <p:cNvPr id="11" name="Speech Bubble: Rectangle with Corners Rounded 10">
+            <a:extLst>
+              <a:ext uri="{FF2B5EF4-FFF2-40B4-BE49-F238E27FC236}">
+                <a16:creationId xmlns:a16="http://schemas.microsoft.com/office/drawing/2014/main" id="{E1B134EE-7374-4364-B3A4-C2D08C5517C6}"/>
+              </a:ext>
+            </a:extLst>
+          </p:cNvPr>
+          <p:cNvSpPr/>
+          <p:nvPr/>
+        </p:nvSpPr>
+        <p:spPr>
+          <a:xfrm>
+            <a:off x="8090338" y="420412"/>
+            <a:ext cx="1571296" cy="1142915"/>
+          </a:xfrm>
+          <a:prstGeom prst="wedgeRoundRectCallout">
+            <a:avLst>
+              <a:gd name="adj1" fmla="val 24620"/>
+              <a:gd name="adj2" fmla="val 83651"/>
+              <a:gd name="adj3" fmla="val 16667"/>
+            </a:avLst>
+          </a:prstGeom>
+        </p:spPr>
+        <p:style>
+          <a:lnRef idx="2">
+            <a:schemeClr val="accent6">
+              <a:shade val="50000"/>
+            </a:schemeClr>
+          </a:lnRef>
+          <a:fillRef idx="1">
+            <a:schemeClr val="accent6"/>
+          </a:fillRef>
+          <a:effectRef idx="0">
+            <a:schemeClr val="accent6"/>
+          </a:effectRef>
+          <a:fontRef idx="minor">
+            <a:schemeClr val="lt1"/>
+          </a:fontRef>
+        </p:style>
+        <p:txBody>
+          <a:bodyPr rtlCol="0" anchor="ctr"/>
+          <a:lstStyle/>
+          <a:p>
+            <a:pPr algn="ctr"/>
+            <a:r>
+              <a:rPr lang="en-US" sz="2400" dirty="0"/>
+              <a:t>Aesthetic property</a:t>
+            </a:r>
+          </a:p>
+        </p:txBody>
+      </p:sp>
+      <p:sp>
+        <p:nvSpPr>
+          <p:cNvPr id="12" name="Speech Bubble: Rectangle with Corners Rounded 11">
+            <a:extLst>
+              <a:ext uri="{FF2B5EF4-FFF2-40B4-BE49-F238E27FC236}">
+                <a16:creationId xmlns:a16="http://schemas.microsoft.com/office/drawing/2014/main" id="{18DF8266-4E31-4F5F-A77E-DECF87C1B219}"/>
+              </a:ext>
+            </a:extLst>
+          </p:cNvPr>
+          <p:cNvSpPr/>
+          <p:nvPr/>
+        </p:nvSpPr>
+        <p:spPr>
+          <a:xfrm>
+            <a:off x="9998601" y="420412"/>
+            <a:ext cx="1571296" cy="1142915"/>
+          </a:xfrm>
+          <a:prstGeom prst="wedgeRoundRectCallout">
+            <a:avLst>
+              <a:gd name="adj1" fmla="val 2492"/>
+              <a:gd name="adj2" fmla="val 86409"/>
+              <a:gd name="adj3" fmla="val 16667"/>
+            </a:avLst>
+          </a:prstGeom>
+          <a:solidFill>
+            <a:schemeClr val="bg1">
+              <a:lumMod val="85000"/>
+            </a:schemeClr>
+          </a:solidFill>
+          <a:ln>
+            <a:solidFill>
+              <a:schemeClr val="bg1">
+                <a:lumMod val="50000"/>
+              </a:schemeClr>
+            </a:solidFill>
+          </a:ln>
+        </p:spPr>
+        <p:style>
+          <a:lnRef idx="2">
+            <a:schemeClr val="dk1">
+              <a:shade val="50000"/>
+            </a:schemeClr>
+          </a:lnRef>
+          <a:fillRef idx="1">
+            <a:schemeClr val="dk1"/>
+          </a:fillRef>
+          <a:effectRef idx="0">
+            <a:schemeClr val="dk1"/>
+          </a:effectRef>
+          <a:fontRef idx="minor">
+            <a:schemeClr val="lt1"/>
+          </a:fontRef>
+        </p:style>
+        <p:txBody>
+          <a:bodyPr rtlCol="0" anchor="ctr"/>
+          <a:lstStyle/>
+          <a:p>
+            <a:pPr algn="ctr"/>
+            <a:r>
+              <a:rPr lang="en-US" sz="2400" dirty="0">
+                <a:solidFill>
+                  <a:schemeClr val="bg1">
+                    <a:lumMod val="50000"/>
+                  </a:schemeClr>
+                </a:solidFill>
+              </a:rPr>
+              <a:t>Variable to map to</a:t>
+            </a:r>
+          </a:p>
+        </p:txBody>
+      </p:sp>
+      <p:pic>
+        <p:nvPicPr>
+          <p:cNvPr id="2052" name="Picture 4" descr="https://lh5.googleusercontent.com/1nKORGmoL4yOU9dY-4fL4iZNp8Mj0rtovMe5uluUP5D_oFdowvx2A9zLa-MRs38fyyVoDzrBUjtByuRnjb52TVxV01BxZb5VhsccHSbTYCChpyvbrs25vfdpjvDfPNB5aefMUJmT">
+            <a:extLst>
+              <a:ext uri="{FF2B5EF4-FFF2-40B4-BE49-F238E27FC236}">
+                <a16:creationId xmlns:a16="http://schemas.microsoft.com/office/drawing/2014/main" id="{33773650-4FB6-4E39-BB48-19F18A055D97}"/>
+              </a:ext>
+            </a:extLst>
+          </p:cNvPr>
+          <p:cNvPicPr>
+            <a:picLocks noChangeAspect="1" noChangeArrowheads="1"/>
+          </p:cNvPicPr>
+          <p:nvPr/>
+        </p:nvPicPr>
+        <p:blipFill>
+          <a:blip r:embed="rId2">
+            <a:extLst>
+              <a:ext uri="{28A0092B-C50C-407E-A947-70E740481C1C}">
+                <a14:useLocalDpi xmlns:a14="http://schemas.microsoft.com/office/drawing/2010/main" val="0"/>
+              </a:ext>
+            </a:extLst>
+          </a:blip>
+          <a:srcRect/>
+          <a:stretch>
+            <a:fillRect/>
+          </a:stretch>
+        </p:blipFill>
+        <p:spPr bwMode="auto">
+          <a:xfrm>
+            <a:off x="3124200" y="2599531"/>
+            <a:ext cx="5943600" cy="3667125"/>
+          </a:xfrm>
+          <a:prstGeom prst="rect">
+            <a:avLst/>
+          </a:prstGeom>
+          <a:noFill/>
+          <a:extLst>
+            <a:ext uri="{909E8E84-426E-40DD-AFC4-6F175D3DCCD1}">
+              <a14:hiddenFill xmlns:a14="http://schemas.microsoft.com/office/drawing/2010/main">
+                <a:solidFill>
+                  <a:srgbClr val="FFFFFF"/>
+                </a:solidFill>
+              </a14:hiddenFill>
+            </a:ext>
+          </a:extLst>
+        </p:spPr>
+      </p:pic>
+      <p:sp>
+        <p:nvSpPr>
+          <p:cNvPr id="13" name="Speech Bubble: Rectangle with Corners Rounded 12">
+            <a:extLst>
+              <a:ext uri="{FF2B5EF4-FFF2-40B4-BE49-F238E27FC236}">
+                <a16:creationId xmlns:a16="http://schemas.microsoft.com/office/drawing/2014/main" id="{CEDD5CE6-9D64-4EB5-BBD7-88DCFA953930}"/>
+              </a:ext>
+            </a:extLst>
+          </p:cNvPr>
+          <p:cNvSpPr/>
+          <p:nvPr/>
+        </p:nvSpPr>
+        <p:spPr>
+          <a:xfrm>
+            <a:off x="9661634" y="3841702"/>
+            <a:ext cx="2124361" cy="1452969"/>
+          </a:xfrm>
+          <a:prstGeom prst="wedgeRoundRectCallout">
+            <a:avLst>
+              <a:gd name="adj1" fmla="val -79278"/>
+              <a:gd name="adj2" fmla="val -22684"/>
+              <a:gd name="adj3" fmla="val 16667"/>
+            </a:avLst>
+          </a:prstGeom>
+        </p:spPr>
+        <p:style>
+          <a:lnRef idx="2">
+            <a:schemeClr val="accent5">
+              <a:shade val="50000"/>
+            </a:schemeClr>
+          </a:lnRef>
+          <a:fillRef idx="1">
+            <a:schemeClr val="accent5"/>
+          </a:fillRef>
+          <a:effectRef idx="0">
+            <a:schemeClr val="accent5"/>
+          </a:effectRef>
+          <a:fontRef idx="minor">
+            <a:schemeClr val="lt1"/>
+          </a:fontRef>
+        </p:style>
+        <p:txBody>
+          <a:bodyPr rtlCol="0" anchor="ctr"/>
+          <a:lstStyle/>
+          <a:p>
+            <a:pPr algn="ctr"/>
+            <a:r>
+              <a:rPr lang="en-US" sz="2400" dirty="0"/>
+              <a:t>Legends are automatically added</a:t>
+            </a:r>
+          </a:p>
+        </p:txBody>
+      </p:sp>
+    </p:spTree>
+    <p:extLst>
+      <p:ext uri="{BB962C8B-B14F-4D97-AF65-F5344CB8AC3E}">
+        <p14:creationId xmlns:p14="http://schemas.microsoft.com/office/powerpoint/2010/main" val="1349476983"/>
+      </p:ext>
+    </p:extLst>
+  </p:cSld>
+  <p:clrMapOvr>
+    <a:masterClrMapping/>
+  </p:clrMapOvr>
+</p:sld>
+</file>
+
+<file path=ppt/slides/slide15.xml><?xml version="1.0" encoding="utf-8"?>
+<p:sld xmlns:a="http://schemas.openxmlformats.org/drawingml/2006/main" xmlns:r="http://schemas.openxmlformats.org/officeDocument/2006/relationships" xmlns:p="http://schemas.openxmlformats.org/presentationml/2006/main">
+  <p:cSld>
+    <p:bg>
+      <p:bgPr>
+        <a:solidFill>
+          <a:schemeClr val="accent5">
+            <a:lumMod val="20000"/>
+            <a:lumOff val="80000"/>
+          </a:schemeClr>
+        </a:solidFill>
+        <a:effectLst/>
+      </p:bgPr>
+    </p:bg>
+    <p:spTree>
+      <p:nvGrpSpPr>
+        <p:cNvPr id="1" name=""/>
+        <p:cNvGrpSpPr/>
+        <p:nvPr/>
+      </p:nvGrpSpPr>
+      <p:grpSpPr>
+        <a:xfrm>
+          <a:off x="0" y="0"/>
+          <a:ext cx="0" cy="0"/>
+          <a:chOff x="0" y="0"/>
+          <a:chExt cx="0" cy="0"/>
+        </a:xfrm>
+      </p:grpSpPr>
+      <p:sp>
+        <p:nvSpPr>
+          <p:cNvPr id="2" name="Title 1">
+            <a:extLst>
+              <a:ext uri="{FF2B5EF4-FFF2-40B4-BE49-F238E27FC236}">
+                <a16:creationId xmlns:a16="http://schemas.microsoft.com/office/drawing/2014/main" id="{1CA0CA99-4276-44BF-A286-38FDBC773DD6}"/>
+              </a:ext>
+            </a:extLst>
+          </p:cNvPr>
+          <p:cNvSpPr>
+            <a:spLocks noGrp="1"/>
+          </p:cNvSpPr>
+          <p:nvPr>
+            <p:ph type="title"/>
+          </p:nvPr>
+        </p:nvSpPr>
+        <p:spPr/>
+        <p:txBody>
+          <a:bodyPr/>
+          <a:lstStyle/>
+          <a:p>
+            <a:pPr algn="ctr"/>
+            <a:r>
+              <a:rPr lang="en-US" b="1" dirty="0">
+                <a:solidFill>
+                  <a:schemeClr val="accent5">
+                    <a:lumMod val="50000"/>
+                  </a:schemeClr>
+                </a:solidFill>
+              </a:rPr>
+              <a:t>YOUR TURN 2</a:t>
+            </a:r>
+          </a:p>
+        </p:txBody>
+      </p:sp>
+      <p:sp>
+        <p:nvSpPr>
+          <p:cNvPr id="3" name="Content Placeholder 2">
+            <a:extLst>
+              <a:ext uri="{FF2B5EF4-FFF2-40B4-BE49-F238E27FC236}">
+                <a16:creationId xmlns:a16="http://schemas.microsoft.com/office/drawing/2014/main" id="{8CBD4545-95A9-4C55-BE34-08CE5EE3B59B}"/>
+              </a:ext>
+            </a:extLst>
+          </p:cNvPr>
+          <p:cNvSpPr>
+            <a:spLocks noGrp="1"/>
+          </p:cNvSpPr>
+          <p:nvPr>
+            <p:ph idx="1"/>
+          </p:nvPr>
+        </p:nvSpPr>
+        <p:spPr/>
+        <p:txBody>
+          <a:bodyPr/>
+          <a:lstStyle/>
+          <a:p>
+            <a:pPr marL="0" indent="0">
+              <a:buNone/>
+            </a:pPr>
+            <a:r>
+              <a:rPr lang="en-US" dirty="0"/>
+              <a:t>In the next chunk, add color, size, alpha, and shape aesthetics to your graph. Play around with the data! </a:t>
+            </a:r>
+          </a:p>
+          <a:p>
+            <a:pPr marL="0" indent="0">
+              <a:buNone/>
+            </a:pPr>
+            <a:endParaRPr lang="en-US" dirty="0"/>
+          </a:p>
+          <a:p>
+            <a:pPr marL="0" indent="0" algn="ctr">
+              <a:buNone/>
+            </a:pPr>
+            <a:r>
+              <a:rPr lang="en-US" sz="3200" i="1" dirty="0">
+                <a:solidFill>
+                  <a:schemeClr val="bg1">
+                    <a:lumMod val="50000"/>
+                  </a:schemeClr>
+                </a:solidFill>
+              </a:rPr>
+              <a:t>What happens when you map aesthetics to discrete and continuous variables?</a:t>
+            </a:r>
+          </a:p>
+          <a:p>
+            <a:pPr marL="0" indent="0" algn="ctr">
+              <a:buNone/>
+            </a:pPr>
+            <a:r>
+              <a:rPr lang="en-US" sz="3200" i="1" dirty="0">
+                <a:solidFill>
+                  <a:schemeClr val="bg1">
+                    <a:lumMod val="50000"/>
+                  </a:schemeClr>
+                </a:solidFill>
+              </a:rPr>
+              <a:t>What happens when you apply more than one aesthetic?</a:t>
+            </a:r>
+          </a:p>
+        </p:txBody>
+      </p:sp>
+      <p:sp>
+        <p:nvSpPr>
+          <p:cNvPr id="4" name="Footer Placeholder 3">
+            <a:extLst>
+              <a:ext uri="{FF2B5EF4-FFF2-40B4-BE49-F238E27FC236}">
+                <a16:creationId xmlns:a16="http://schemas.microsoft.com/office/drawing/2014/main" id="{8BE53358-0A35-40C1-BD46-742044494006}"/>
+              </a:ext>
+            </a:extLst>
+          </p:cNvPr>
+          <p:cNvSpPr>
+            <a:spLocks noGrp="1"/>
+          </p:cNvSpPr>
+          <p:nvPr>
+            <p:ph type="ftr" sz="quarter" idx="11"/>
+          </p:nvPr>
+        </p:nvSpPr>
+        <p:spPr/>
+        <p:txBody>
+          <a:bodyPr/>
+          <a:lstStyle/>
+          <a:p>
+            <a:r>
+              <a:rPr lang="en-US"/>
+              <a:t>CERF 2019 | The Next Step with R | Cressman and Dunnigan</a:t>
+            </a:r>
+          </a:p>
+        </p:txBody>
+      </p:sp>
+      <p:sp>
+        <p:nvSpPr>
+          <p:cNvPr id="5" name="Slide Number Placeholder 4">
+            <a:extLst>
+              <a:ext uri="{FF2B5EF4-FFF2-40B4-BE49-F238E27FC236}">
+                <a16:creationId xmlns:a16="http://schemas.microsoft.com/office/drawing/2014/main" id="{9A68E030-6A5B-45B0-9BCC-3E836B842474}"/>
+              </a:ext>
+            </a:extLst>
+          </p:cNvPr>
+          <p:cNvSpPr>
+            <a:spLocks noGrp="1"/>
+          </p:cNvSpPr>
+          <p:nvPr>
+            <p:ph type="sldNum" sz="quarter" idx="12"/>
+          </p:nvPr>
+        </p:nvSpPr>
+        <p:spPr/>
+        <p:txBody>
+          <a:bodyPr/>
+          <a:lstStyle/>
+          <a:p>
+            <a:fld id="{1D07C8D9-AA71-438D-86BE-7B86F7F29DC7}" type="slidenum">
+              <a:rPr lang="en-US" smtClean="0"/>
+              <a:t>15</a:t>
+            </a:fld>
+            <a:endParaRPr lang="en-US"/>
+          </a:p>
+        </p:txBody>
+      </p:sp>
+    </p:spTree>
+    <p:extLst>
+      <p:ext uri="{BB962C8B-B14F-4D97-AF65-F5344CB8AC3E}">
+        <p14:creationId xmlns:p14="http://schemas.microsoft.com/office/powerpoint/2010/main" val="2349706908"/>
+      </p:ext>
+    </p:extLst>
+  </p:cSld>
+  <p:clrMapOvr>
+    <a:masterClrMapping/>
+  </p:clrMapOvr>
+</p:sld>
+</file>
+
+<file path=ppt/slides/slide16.xml><?xml version="1.0" encoding="utf-8"?>
+<p:sld xmlns:a="http://schemas.openxmlformats.org/drawingml/2006/main" xmlns:r="http://schemas.openxmlformats.org/officeDocument/2006/relationships" xmlns:p="http://schemas.openxmlformats.org/presentationml/2006/main">
+  <p:cSld>
+    <p:spTree>
+      <p:nvGrpSpPr>
+        <p:cNvPr id="1" name=""/>
+        <p:cNvGrpSpPr/>
+        <p:nvPr/>
+      </p:nvGrpSpPr>
+      <p:grpSpPr>
+        <a:xfrm>
+          <a:off x="0" y="0"/>
+          <a:ext cx="0" cy="0"/>
+          <a:chOff x="0" y="0"/>
+          <a:chExt cx="0" cy="0"/>
+        </a:xfrm>
+      </p:grpSpPr>
+      <p:sp>
+        <p:nvSpPr>
+          <p:cNvPr id="2" name="Title 1">
+            <a:extLst>
+              <a:ext uri="{FF2B5EF4-FFF2-40B4-BE49-F238E27FC236}">
+                <a16:creationId xmlns:a16="http://schemas.microsoft.com/office/drawing/2014/main" id="{B70245DF-402B-40AB-AB31-333E8603A1C0}"/>
+              </a:ext>
+            </a:extLst>
+          </p:cNvPr>
+          <p:cNvSpPr>
+            <a:spLocks noGrp="1"/>
+          </p:cNvSpPr>
+          <p:nvPr>
+            <p:ph type="title"/>
+          </p:nvPr>
+        </p:nvSpPr>
+        <p:spPr/>
+        <p:txBody>
+          <a:bodyPr/>
+          <a:lstStyle/>
+          <a:p>
+            <a:r>
+              <a:rPr lang="en-US" dirty="0"/>
+              <a:t>You can also </a:t>
+            </a:r>
+            <a:r>
+              <a:rPr lang="en-US" b="1" i="1" dirty="0"/>
+              <a:t>set</a:t>
+            </a:r>
+            <a:r>
+              <a:rPr lang="en-US" dirty="0"/>
+              <a:t> the aesthetic properties of your </a:t>
+            </a:r>
+            <a:r>
+              <a:rPr lang="en-US" dirty="0" err="1"/>
+              <a:t>geom</a:t>
+            </a:r>
+            <a:r>
+              <a:rPr lang="en-US" dirty="0"/>
+              <a:t> manually.</a:t>
+            </a:r>
+          </a:p>
+        </p:txBody>
+      </p:sp>
+      <p:sp>
+        <p:nvSpPr>
+          <p:cNvPr id="3" name="Content Placeholder 2">
+            <a:extLst>
+              <a:ext uri="{FF2B5EF4-FFF2-40B4-BE49-F238E27FC236}">
+                <a16:creationId xmlns:a16="http://schemas.microsoft.com/office/drawing/2014/main" id="{71F88484-101C-4DC8-A0B7-A935305D68C5}"/>
+              </a:ext>
+            </a:extLst>
+          </p:cNvPr>
+          <p:cNvSpPr>
+            <a:spLocks noGrp="1"/>
+          </p:cNvSpPr>
+          <p:nvPr>
+            <p:ph idx="1"/>
+          </p:nvPr>
+        </p:nvSpPr>
+        <p:spPr>
+          <a:xfrm>
+            <a:off x="318052" y="2325757"/>
+            <a:ext cx="11688418" cy="3851206"/>
+          </a:xfrm>
+        </p:spPr>
+        <p:txBody>
+          <a:bodyPr/>
+          <a:lstStyle/>
+          <a:p>
+            <a:pPr marL="0" indent="0">
+              <a:buNone/>
+            </a:pPr>
+            <a:r>
+              <a:rPr lang="en-US" sz="2400" dirty="0" err="1">
+                <a:latin typeface="Fira Code" panose="020B0809050000020004" pitchFamily="49" charset="0"/>
+                <a:ea typeface="Fira Code" panose="020B0809050000020004" pitchFamily="49" charset="0"/>
+                <a:cs typeface="Fira Code" panose="020B0809050000020004" pitchFamily="49" charset="0"/>
+              </a:rPr>
+              <a:t>ggplot</a:t>
+            </a:r>
+            <a:r>
+              <a:rPr lang="en-US" sz="2400" dirty="0">
+                <a:latin typeface="Fira Code" panose="020B0809050000020004" pitchFamily="49" charset="0"/>
+                <a:ea typeface="Fira Code" panose="020B0809050000020004" pitchFamily="49" charset="0"/>
+                <a:cs typeface="Fira Code" panose="020B0809050000020004" pitchFamily="49" charset="0"/>
+              </a:rPr>
+              <a:t>(</a:t>
+            </a:r>
+            <a:r>
+              <a:rPr lang="en-US" sz="2400" dirty="0" err="1">
+                <a:latin typeface="Fira Code" panose="020B0809050000020004" pitchFamily="49" charset="0"/>
+                <a:ea typeface="Fira Code" panose="020B0809050000020004" pitchFamily="49" charset="0"/>
+                <a:cs typeface="Fira Code" panose="020B0809050000020004" pitchFamily="49" charset="0"/>
+              </a:rPr>
+              <a:t>wq</a:t>
+            </a:r>
+            <a:r>
+              <a:rPr lang="en-US" sz="2400" dirty="0">
+                <a:latin typeface="Fira Code" panose="020B0809050000020004" pitchFamily="49" charset="0"/>
+                <a:ea typeface="Fira Code" panose="020B0809050000020004" pitchFamily="49" charset="0"/>
+                <a:cs typeface="Fira Code" panose="020B0809050000020004" pitchFamily="49" charset="0"/>
+              </a:rPr>
+              <a:t>) + </a:t>
+            </a:r>
+          </a:p>
+          <a:p>
+            <a:pPr marL="0" indent="0">
+              <a:buNone/>
+            </a:pPr>
+            <a:r>
+              <a:rPr lang="en-US" sz="2400" dirty="0">
+                <a:latin typeface="Fira Code" panose="020B0809050000020004" pitchFamily="49" charset="0"/>
+                <a:ea typeface="Fira Code" panose="020B0809050000020004" pitchFamily="49" charset="0"/>
+                <a:cs typeface="Fira Code" panose="020B0809050000020004" pitchFamily="49" charset="0"/>
+              </a:rPr>
+              <a:t>	</a:t>
+            </a:r>
+            <a:r>
+              <a:rPr lang="en-US" sz="2400" dirty="0" err="1">
+                <a:latin typeface="Fira Code" panose="020B0809050000020004" pitchFamily="49" charset="0"/>
+                <a:ea typeface="Fira Code" panose="020B0809050000020004" pitchFamily="49" charset="0"/>
+                <a:cs typeface="Fira Code" panose="020B0809050000020004" pitchFamily="49" charset="0"/>
+              </a:rPr>
+              <a:t>geom_point</a:t>
+            </a:r>
+            <a:r>
+              <a:rPr lang="en-US" sz="2400" dirty="0">
+                <a:latin typeface="Fira Code" panose="020B0809050000020004" pitchFamily="49" charset="0"/>
+                <a:ea typeface="Fira Code" panose="020B0809050000020004" pitchFamily="49" charset="0"/>
+                <a:cs typeface="Fira Code" panose="020B0809050000020004" pitchFamily="49" charset="0"/>
+              </a:rPr>
+              <a:t>(</a:t>
+            </a:r>
+            <a:r>
+              <a:rPr lang="en-US" sz="2400" dirty="0" err="1">
+                <a:latin typeface="Fira Code" panose="020B0809050000020004" pitchFamily="49" charset="0"/>
+                <a:ea typeface="Fira Code" panose="020B0809050000020004" pitchFamily="49" charset="0"/>
+                <a:cs typeface="Fira Code" panose="020B0809050000020004" pitchFamily="49" charset="0"/>
+              </a:rPr>
+              <a:t>aes</a:t>
+            </a:r>
+            <a:r>
+              <a:rPr lang="en-US" sz="2400" dirty="0">
+                <a:latin typeface="Fira Code" panose="020B0809050000020004" pitchFamily="49" charset="0"/>
+                <a:ea typeface="Fira Code" panose="020B0809050000020004" pitchFamily="49" charset="0"/>
+                <a:cs typeface="Fira Code" panose="020B0809050000020004" pitchFamily="49" charset="0"/>
+              </a:rPr>
+              <a:t>(x = temp, y = </a:t>
+            </a:r>
+            <a:r>
+              <a:rPr lang="en-US" sz="2400" dirty="0" err="1">
+                <a:latin typeface="Fira Code" panose="020B0809050000020004" pitchFamily="49" charset="0"/>
+                <a:ea typeface="Fira Code" panose="020B0809050000020004" pitchFamily="49" charset="0"/>
+                <a:cs typeface="Fira Code" panose="020B0809050000020004" pitchFamily="49" charset="0"/>
+              </a:rPr>
+              <a:t>do_mgl</a:t>
+            </a:r>
+            <a:r>
+              <a:rPr lang="en-US" sz="2400" dirty="0">
+                <a:solidFill>
+                  <a:schemeClr val="accent6">
+                    <a:lumMod val="75000"/>
+                  </a:schemeClr>
+                </a:solidFill>
+                <a:latin typeface="Fira Code" panose="020B0809050000020004" pitchFamily="49" charset="0"/>
+                <a:ea typeface="Fira Code" panose="020B0809050000020004" pitchFamily="49" charset="0"/>
+                <a:cs typeface="Fira Code" panose="020B0809050000020004" pitchFamily="49" charset="0"/>
+              </a:rPr>
+              <a:t>, color = “blue”</a:t>
+            </a:r>
+            <a:r>
+              <a:rPr lang="en-US" sz="2400" dirty="0">
+                <a:latin typeface="Fira Code" panose="020B0809050000020004" pitchFamily="49" charset="0"/>
+                <a:ea typeface="Fira Code" panose="020B0809050000020004" pitchFamily="49" charset="0"/>
+                <a:cs typeface="Fira Code" panose="020B0809050000020004" pitchFamily="49" charset="0"/>
+              </a:rPr>
+              <a:t>))</a:t>
+            </a:r>
+          </a:p>
+          <a:p>
+            <a:pPr marL="0" indent="0">
+              <a:buNone/>
+            </a:pPr>
+            <a:r>
+              <a:rPr lang="en-US" dirty="0"/>
+              <a:t> </a:t>
+            </a:r>
+          </a:p>
+          <a:p>
+            <a:pPr marL="0" indent="0" algn="ctr">
+              <a:buNone/>
+            </a:pPr>
+            <a:r>
+              <a:rPr lang="en-US" sz="4400" dirty="0"/>
+              <a:t>vs</a:t>
+            </a:r>
+            <a:endParaRPr lang="en-US" dirty="0"/>
+          </a:p>
+          <a:p>
+            <a:pPr marL="0" indent="0">
+              <a:buNone/>
+            </a:pPr>
+            <a:br>
+              <a:rPr lang="en-US" dirty="0"/>
+            </a:br>
+            <a:r>
+              <a:rPr lang="en-US" sz="2400" dirty="0" err="1">
+                <a:latin typeface="Fira Code" panose="020B0809050000020004" pitchFamily="49" charset="0"/>
+                <a:ea typeface="Fira Code" panose="020B0809050000020004" pitchFamily="49" charset="0"/>
+                <a:cs typeface="Fira Code" panose="020B0809050000020004" pitchFamily="49" charset="0"/>
+              </a:rPr>
+              <a:t>ggplot</a:t>
+            </a:r>
+            <a:r>
+              <a:rPr lang="en-US" sz="2400" dirty="0">
+                <a:latin typeface="Fira Code" panose="020B0809050000020004" pitchFamily="49" charset="0"/>
+                <a:ea typeface="Fira Code" panose="020B0809050000020004" pitchFamily="49" charset="0"/>
+                <a:cs typeface="Fira Code" panose="020B0809050000020004" pitchFamily="49" charset="0"/>
+              </a:rPr>
+              <a:t>(</a:t>
+            </a:r>
+            <a:r>
+              <a:rPr lang="en-US" sz="2400" dirty="0" err="1">
+                <a:latin typeface="Fira Code" panose="020B0809050000020004" pitchFamily="49" charset="0"/>
+                <a:ea typeface="Fira Code" panose="020B0809050000020004" pitchFamily="49" charset="0"/>
+                <a:cs typeface="Fira Code" panose="020B0809050000020004" pitchFamily="49" charset="0"/>
+              </a:rPr>
+              <a:t>wq</a:t>
+            </a:r>
+            <a:r>
+              <a:rPr lang="en-US" sz="2400" dirty="0">
+                <a:latin typeface="Fira Code" panose="020B0809050000020004" pitchFamily="49" charset="0"/>
+                <a:ea typeface="Fira Code" panose="020B0809050000020004" pitchFamily="49" charset="0"/>
+                <a:cs typeface="Fira Code" panose="020B0809050000020004" pitchFamily="49" charset="0"/>
+              </a:rPr>
+              <a:t>) + </a:t>
+            </a:r>
+          </a:p>
+          <a:p>
+            <a:pPr marL="0" indent="0">
+              <a:buNone/>
+            </a:pPr>
+            <a:r>
+              <a:rPr lang="en-US" sz="2400" dirty="0">
+                <a:latin typeface="Fira Code" panose="020B0809050000020004" pitchFamily="49" charset="0"/>
+                <a:ea typeface="Fira Code" panose="020B0809050000020004" pitchFamily="49" charset="0"/>
+                <a:cs typeface="Fira Code" panose="020B0809050000020004" pitchFamily="49" charset="0"/>
+              </a:rPr>
+              <a:t>	</a:t>
+            </a:r>
+            <a:r>
+              <a:rPr lang="en-US" sz="2400" dirty="0" err="1">
+                <a:latin typeface="Fira Code" panose="020B0809050000020004" pitchFamily="49" charset="0"/>
+                <a:ea typeface="Fira Code" panose="020B0809050000020004" pitchFamily="49" charset="0"/>
+                <a:cs typeface="Fira Code" panose="020B0809050000020004" pitchFamily="49" charset="0"/>
+              </a:rPr>
+              <a:t>geom_point</a:t>
+            </a:r>
+            <a:r>
+              <a:rPr lang="en-US" sz="2400" dirty="0">
+                <a:latin typeface="Fira Code" panose="020B0809050000020004" pitchFamily="49" charset="0"/>
+                <a:ea typeface="Fira Code" panose="020B0809050000020004" pitchFamily="49" charset="0"/>
+                <a:cs typeface="Fira Code" panose="020B0809050000020004" pitchFamily="49" charset="0"/>
+              </a:rPr>
+              <a:t>(</a:t>
+            </a:r>
+            <a:r>
+              <a:rPr lang="en-US" sz="2400" dirty="0" err="1">
+                <a:latin typeface="Fira Code" panose="020B0809050000020004" pitchFamily="49" charset="0"/>
+                <a:ea typeface="Fira Code" panose="020B0809050000020004" pitchFamily="49" charset="0"/>
+                <a:cs typeface="Fira Code" panose="020B0809050000020004" pitchFamily="49" charset="0"/>
+              </a:rPr>
+              <a:t>aes</a:t>
+            </a:r>
+            <a:r>
+              <a:rPr lang="en-US" sz="2400" dirty="0">
+                <a:latin typeface="Fira Code" panose="020B0809050000020004" pitchFamily="49" charset="0"/>
+                <a:ea typeface="Fira Code" panose="020B0809050000020004" pitchFamily="49" charset="0"/>
+                <a:cs typeface="Fira Code" panose="020B0809050000020004" pitchFamily="49" charset="0"/>
+              </a:rPr>
+              <a:t>(x = temp, y = </a:t>
+            </a:r>
+            <a:r>
+              <a:rPr lang="en-US" sz="2400" dirty="0" err="1">
+                <a:latin typeface="Fira Code" panose="020B0809050000020004" pitchFamily="49" charset="0"/>
+                <a:ea typeface="Fira Code" panose="020B0809050000020004" pitchFamily="49" charset="0"/>
+                <a:cs typeface="Fira Code" panose="020B0809050000020004" pitchFamily="49" charset="0"/>
+              </a:rPr>
+              <a:t>do_mgl</a:t>
+            </a:r>
+            <a:r>
+              <a:rPr lang="en-US" sz="2400" dirty="0">
+                <a:latin typeface="Fira Code" panose="020B0809050000020004" pitchFamily="49" charset="0"/>
+                <a:ea typeface="Fira Code" panose="020B0809050000020004" pitchFamily="49" charset="0"/>
+                <a:cs typeface="Fira Code" panose="020B0809050000020004" pitchFamily="49" charset="0"/>
+              </a:rPr>
+              <a:t>)</a:t>
+            </a:r>
+            <a:r>
+              <a:rPr lang="en-US" sz="2400" dirty="0">
+                <a:solidFill>
+                  <a:schemeClr val="accent6">
+                    <a:lumMod val="75000"/>
+                  </a:schemeClr>
+                </a:solidFill>
+                <a:latin typeface="Fira Code" panose="020B0809050000020004" pitchFamily="49" charset="0"/>
+                <a:ea typeface="Fira Code" panose="020B0809050000020004" pitchFamily="49" charset="0"/>
+                <a:cs typeface="Fira Code" panose="020B0809050000020004" pitchFamily="49" charset="0"/>
+              </a:rPr>
+              <a:t>, color = “blue”</a:t>
+            </a:r>
+            <a:r>
+              <a:rPr lang="en-US" sz="2400" dirty="0">
+                <a:latin typeface="Fira Code" panose="020B0809050000020004" pitchFamily="49" charset="0"/>
+                <a:ea typeface="Fira Code" panose="020B0809050000020004" pitchFamily="49" charset="0"/>
+                <a:cs typeface="Fira Code" panose="020B0809050000020004" pitchFamily="49" charset="0"/>
+              </a:rPr>
+              <a:t>))</a:t>
+            </a:r>
+          </a:p>
+        </p:txBody>
+      </p:sp>
+      <p:sp>
+        <p:nvSpPr>
+          <p:cNvPr id="4" name="Footer Placeholder 3">
+            <a:extLst>
+              <a:ext uri="{FF2B5EF4-FFF2-40B4-BE49-F238E27FC236}">
+                <a16:creationId xmlns:a16="http://schemas.microsoft.com/office/drawing/2014/main" id="{63A7376F-6560-4DD3-8FAA-F02EB1578F16}"/>
+              </a:ext>
+            </a:extLst>
+          </p:cNvPr>
+          <p:cNvSpPr>
+            <a:spLocks noGrp="1"/>
+          </p:cNvSpPr>
+          <p:nvPr>
+            <p:ph type="ftr" sz="quarter" idx="11"/>
+          </p:nvPr>
+        </p:nvSpPr>
+        <p:spPr/>
+        <p:txBody>
+          <a:bodyPr/>
+          <a:lstStyle/>
+          <a:p>
+            <a:r>
+              <a:rPr lang="en-US"/>
+              <a:t>CERF 2019 | The Next Step with R | Cressman and Dunnigan</a:t>
+            </a:r>
+          </a:p>
+        </p:txBody>
+      </p:sp>
+      <p:sp>
+        <p:nvSpPr>
+          <p:cNvPr id="5" name="Slide Number Placeholder 4">
+            <a:extLst>
+              <a:ext uri="{FF2B5EF4-FFF2-40B4-BE49-F238E27FC236}">
+                <a16:creationId xmlns:a16="http://schemas.microsoft.com/office/drawing/2014/main" id="{497AB8C9-A8EA-40A1-8E33-20571D20E939}"/>
+              </a:ext>
+            </a:extLst>
+          </p:cNvPr>
+          <p:cNvSpPr>
+            <a:spLocks noGrp="1"/>
+          </p:cNvSpPr>
+          <p:nvPr>
+            <p:ph type="sldNum" sz="quarter" idx="12"/>
+          </p:nvPr>
+        </p:nvSpPr>
+        <p:spPr/>
+        <p:txBody>
+          <a:bodyPr/>
+          <a:lstStyle/>
+          <a:p>
+            <a:fld id="{1D07C8D9-AA71-438D-86BE-7B86F7F29DC7}" type="slidenum">
+              <a:rPr lang="en-US" smtClean="0"/>
+              <a:t>16</a:t>
+            </a:fld>
+            <a:endParaRPr lang="en-US"/>
+          </a:p>
+        </p:txBody>
+      </p:sp>
+    </p:spTree>
+    <p:extLst>
+      <p:ext uri="{BB962C8B-B14F-4D97-AF65-F5344CB8AC3E}">
+        <p14:creationId xmlns:p14="http://schemas.microsoft.com/office/powerpoint/2010/main" val="28747319"/>
+      </p:ext>
+    </p:extLst>
+  </p:cSld>
+  <p:clrMapOvr>
+    <a:masterClrMapping/>
+  </p:clrMapOvr>
+</p:sld>
+</file>
+
+<file path=ppt/slides/slide17.xml><?xml version="1.0" encoding="utf-8"?>
+<p:sld xmlns:a="http://schemas.openxmlformats.org/drawingml/2006/main" xmlns:r="http://schemas.openxmlformats.org/officeDocument/2006/relationships" xmlns:p="http://schemas.openxmlformats.org/presentationml/2006/main">
+  <p:cSld>
+    <p:spTree>
+      <p:nvGrpSpPr>
+        <p:cNvPr id="1" name=""/>
+        <p:cNvGrpSpPr/>
+        <p:nvPr/>
+      </p:nvGrpSpPr>
+      <p:grpSpPr>
+        <a:xfrm>
+          <a:off x="0" y="0"/>
+          <a:ext cx="0" cy="0"/>
+          <a:chOff x="0" y="0"/>
+          <a:chExt cx="0" cy="0"/>
+        </a:xfrm>
+      </p:grpSpPr>
+      <p:pic>
+        <p:nvPicPr>
+          <p:cNvPr id="3074" name="Picture 2" descr="https://lh4.googleusercontent.com/pA5AzWi9tyKSLDGl_P8eSCYRgCpsmzs6padVVyU4UeB3Qq8i8OIzWDLOHU9JQeSZySa54bsvonaMUsSqBZhuYP5HuRTI3MJ-kEN9xQDvhGzm4UQdjOH5VjWg4_9fbbDAOKiVJ1X_">
+            <a:extLst>
+              <a:ext uri="{FF2B5EF4-FFF2-40B4-BE49-F238E27FC236}">
+                <a16:creationId xmlns:a16="http://schemas.microsoft.com/office/drawing/2014/main" id="{DF1EEE51-34AD-4231-A84D-4D381324BE2C}"/>
+              </a:ext>
+            </a:extLst>
+          </p:cNvPr>
+          <p:cNvPicPr>
+            <a:picLocks noChangeAspect="1" noChangeArrowheads="1"/>
+          </p:cNvPicPr>
+          <p:nvPr/>
+        </p:nvPicPr>
+        <p:blipFill>
+          <a:blip r:embed="rId3">
+            <a:extLst>
+              <a:ext uri="{28A0092B-C50C-407E-A947-70E740481C1C}">
+                <a14:useLocalDpi xmlns:a14="http://schemas.microsoft.com/office/drawing/2010/main" val="0"/>
+              </a:ext>
+            </a:extLst>
+          </a:blip>
+          <a:srcRect/>
+          <a:stretch>
+            <a:fillRect/>
+          </a:stretch>
+        </p:blipFill>
+        <p:spPr bwMode="auto">
+          <a:xfrm>
+            <a:off x="2309192" y="1095655"/>
+            <a:ext cx="7381460" cy="4554266"/>
+          </a:xfrm>
+          <a:prstGeom prst="rect">
+            <a:avLst/>
+          </a:prstGeom>
+          <a:noFill/>
+          <a:extLst>
+            <a:ext uri="{909E8E84-426E-40DD-AFC4-6F175D3DCCD1}">
+              <a14:hiddenFill xmlns:a14="http://schemas.microsoft.com/office/drawing/2010/main">
+                <a:solidFill>
+                  <a:srgbClr val="FFFFFF"/>
+                </a:solidFill>
+              </a14:hiddenFill>
+            </a:ext>
+          </a:extLst>
+        </p:spPr>
+      </p:pic>
+      <p:sp>
+        <p:nvSpPr>
+          <p:cNvPr id="10" name="Speech Bubble: Rectangle with Corners Rounded 9">
+            <a:extLst>
+              <a:ext uri="{FF2B5EF4-FFF2-40B4-BE49-F238E27FC236}">
+                <a16:creationId xmlns:a16="http://schemas.microsoft.com/office/drawing/2014/main" id="{7F4A3E37-ABBD-4920-9B94-F0007374DE5E}"/>
+              </a:ext>
+            </a:extLst>
+          </p:cNvPr>
+          <p:cNvSpPr/>
+          <p:nvPr/>
+        </p:nvSpPr>
+        <p:spPr>
+          <a:xfrm>
+            <a:off x="3354175" y="5700477"/>
+            <a:ext cx="8686800" cy="760350"/>
+          </a:xfrm>
+          <a:prstGeom prst="wedgeRoundRectCallout">
+            <a:avLst>
+              <a:gd name="adj1" fmla="val 7428"/>
+              <a:gd name="adj2" fmla="val -110048"/>
+              <a:gd name="adj3" fmla="val 16667"/>
+            </a:avLst>
+          </a:prstGeom>
+          <a:solidFill>
+            <a:schemeClr val="bg1">
+              <a:lumMod val="85000"/>
+            </a:schemeClr>
+          </a:solidFill>
+          <a:ln>
+            <a:solidFill>
+              <a:srgbClr val="0000FF"/>
+            </a:solidFill>
+          </a:ln>
+        </p:spPr>
+        <p:style>
+          <a:lnRef idx="2">
+            <a:schemeClr val="accent1">
+              <a:shade val="50000"/>
+            </a:schemeClr>
+          </a:lnRef>
+          <a:fillRef idx="1">
+            <a:schemeClr val="accent1"/>
+          </a:fillRef>
+          <a:effectRef idx="0">
+            <a:schemeClr val="accent1"/>
+          </a:effectRef>
+          <a:fontRef idx="minor">
+            <a:schemeClr val="lt1"/>
+          </a:fontRef>
+        </p:style>
+        <p:txBody>
+          <a:bodyPr rtlCol="0" anchor="ctr"/>
+          <a:lstStyle/>
+          <a:p>
+            <a:pPr algn="ctr"/>
+            <a:endParaRPr lang="en-US"/>
+          </a:p>
+        </p:txBody>
+      </p:sp>
+      <p:sp>
+        <p:nvSpPr>
+          <p:cNvPr id="8" name="Speech Bubble: Rectangle with Corners Rounded 7">
+            <a:extLst>
+              <a:ext uri="{FF2B5EF4-FFF2-40B4-BE49-F238E27FC236}">
+                <a16:creationId xmlns:a16="http://schemas.microsoft.com/office/drawing/2014/main" id="{49CD2D09-07C6-424D-BE2A-9EC87FB7509B}"/>
+              </a:ext>
+            </a:extLst>
+          </p:cNvPr>
+          <p:cNvSpPr/>
+          <p:nvPr/>
+        </p:nvSpPr>
+        <p:spPr>
+          <a:xfrm>
+            <a:off x="188843" y="136525"/>
+            <a:ext cx="8686800" cy="760350"/>
+          </a:xfrm>
+          <a:prstGeom prst="wedgeRoundRectCallout">
+            <a:avLst>
+              <a:gd name="adj1" fmla="val -5387"/>
+              <a:gd name="adj2" fmla="val 84722"/>
+              <a:gd name="adj3" fmla="val 16667"/>
+            </a:avLst>
+          </a:prstGeom>
+          <a:solidFill>
+            <a:schemeClr val="bg1">
+              <a:lumMod val="85000"/>
+            </a:schemeClr>
+          </a:solidFill>
+          <a:ln>
+            <a:solidFill>
+              <a:srgbClr val="F8766D"/>
+            </a:solidFill>
+          </a:ln>
+        </p:spPr>
+        <p:style>
+          <a:lnRef idx="2">
+            <a:schemeClr val="accent1">
+              <a:shade val="50000"/>
+            </a:schemeClr>
+          </a:lnRef>
+          <a:fillRef idx="1">
+            <a:schemeClr val="accent1"/>
+          </a:fillRef>
+          <a:effectRef idx="0">
+            <a:schemeClr val="accent1"/>
+          </a:effectRef>
+          <a:fontRef idx="minor">
+            <a:schemeClr val="lt1"/>
+          </a:fontRef>
+        </p:style>
+        <p:txBody>
+          <a:bodyPr rtlCol="0" anchor="ctr"/>
+          <a:lstStyle/>
+          <a:p>
+            <a:pPr algn="ctr"/>
+            <a:endParaRPr lang="en-US"/>
+          </a:p>
+        </p:txBody>
+      </p:sp>
+      <p:sp>
+        <p:nvSpPr>
+          <p:cNvPr id="4" name="Footer Placeholder 3">
+            <a:extLst>
+              <a:ext uri="{FF2B5EF4-FFF2-40B4-BE49-F238E27FC236}">
+                <a16:creationId xmlns:a16="http://schemas.microsoft.com/office/drawing/2014/main" id="{C1D30166-3CC3-47BF-87BD-8CC1A0887757}"/>
+              </a:ext>
+            </a:extLst>
+          </p:cNvPr>
+          <p:cNvSpPr>
+            <a:spLocks noGrp="1"/>
+          </p:cNvSpPr>
+          <p:nvPr>
+            <p:ph type="ftr" sz="quarter" idx="11"/>
+          </p:nvPr>
+        </p:nvSpPr>
+        <p:spPr/>
+        <p:txBody>
+          <a:bodyPr/>
+          <a:lstStyle/>
+          <a:p>
+            <a:r>
+              <a:rPr lang="en-US"/>
+              <a:t>CERF 2019 | The Next Step with R | Cressman and Dunnigan</a:t>
+            </a:r>
+          </a:p>
+        </p:txBody>
+      </p:sp>
+      <p:sp>
+        <p:nvSpPr>
+          <p:cNvPr id="5" name="Slide Number Placeholder 4">
+            <a:extLst>
+              <a:ext uri="{FF2B5EF4-FFF2-40B4-BE49-F238E27FC236}">
+                <a16:creationId xmlns:a16="http://schemas.microsoft.com/office/drawing/2014/main" id="{FA028611-168E-42DC-B041-151B14BF1A5F}"/>
+              </a:ext>
+            </a:extLst>
+          </p:cNvPr>
+          <p:cNvSpPr>
+            <a:spLocks noGrp="1"/>
+          </p:cNvSpPr>
+          <p:nvPr>
+            <p:ph type="sldNum" sz="quarter" idx="12"/>
+          </p:nvPr>
+        </p:nvSpPr>
+        <p:spPr/>
+        <p:txBody>
+          <a:bodyPr/>
+          <a:lstStyle/>
+          <a:p>
+            <a:fld id="{1D07C8D9-AA71-438D-86BE-7B86F7F29DC7}" type="slidenum">
+              <a:rPr lang="en-US" smtClean="0"/>
+              <a:t>17</a:t>
+            </a:fld>
+            <a:endParaRPr lang="en-US"/>
+          </a:p>
+        </p:txBody>
+      </p:sp>
+      <p:sp>
+        <p:nvSpPr>
+          <p:cNvPr id="6" name="TextBox 5">
+            <a:extLst>
+              <a:ext uri="{FF2B5EF4-FFF2-40B4-BE49-F238E27FC236}">
+                <a16:creationId xmlns:a16="http://schemas.microsoft.com/office/drawing/2014/main" id="{BD3CA862-53A8-4F9A-9A64-4A4CB10C9C57}"/>
+              </a:ext>
+            </a:extLst>
+          </p:cNvPr>
+          <p:cNvSpPr txBox="1"/>
+          <p:nvPr/>
+        </p:nvSpPr>
+        <p:spPr>
+          <a:xfrm>
+            <a:off x="278296" y="212081"/>
+            <a:ext cx="8414483" cy="646331"/>
+          </a:xfrm>
+          <a:prstGeom prst="rect">
+            <a:avLst/>
+          </a:prstGeom>
+          <a:noFill/>
+        </p:spPr>
+        <p:txBody>
+          <a:bodyPr wrap="none" rtlCol="0">
+            <a:spAutoFit/>
+          </a:bodyPr>
+          <a:lstStyle/>
+          <a:p>
+            <a:r>
+              <a:rPr lang="en-US" dirty="0" err="1">
+                <a:latin typeface="Fira Code" panose="020B0809050000020004" pitchFamily="49" charset="0"/>
+                <a:ea typeface="Fira Code" panose="020B0809050000020004" pitchFamily="49" charset="0"/>
+                <a:cs typeface="Fira Code" panose="020B0809050000020004" pitchFamily="49" charset="0"/>
+              </a:rPr>
+              <a:t>ggplot</a:t>
+            </a:r>
+            <a:r>
+              <a:rPr lang="en-US" dirty="0">
+                <a:latin typeface="Fira Code" panose="020B0809050000020004" pitchFamily="49" charset="0"/>
+                <a:ea typeface="Fira Code" panose="020B0809050000020004" pitchFamily="49" charset="0"/>
+                <a:cs typeface="Fira Code" panose="020B0809050000020004" pitchFamily="49" charset="0"/>
+              </a:rPr>
+              <a:t>(</a:t>
+            </a:r>
+            <a:r>
+              <a:rPr lang="en-US" dirty="0" err="1">
+                <a:latin typeface="Fira Code" panose="020B0809050000020004" pitchFamily="49" charset="0"/>
+                <a:ea typeface="Fira Code" panose="020B0809050000020004" pitchFamily="49" charset="0"/>
+                <a:cs typeface="Fira Code" panose="020B0809050000020004" pitchFamily="49" charset="0"/>
+              </a:rPr>
+              <a:t>wq</a:t>
+            </a:r>
+            <a:r>
+              <a:rPr lang="en-US" dirty="0">
+                <a:latin typeface="Fira Code" panose="020B0809050000020004" pitchFamily="49" charset="0"/>
+                <a:ea typeface="Fira Code" panose="020B0809050000020004" pitchFamily="49" charset="0"/>
+                <a:cs typeface="Fira Code" panose="020B0809050000020004" pitchFamily="49" charset="0"/>
+              </a:rPr>
+              <a:t>) + </a:t>
+            </a:r>
+          </a:p>
+          <a:p>
+            <a:r>
+              <a:rPr lang="en-US" dirty="0">
+                <a:latin typeface="Fira Code" panose="020B0809050000020004" pitchFamily="49" charset="0"/>
+                <a:ea typeface="Fira Code" panose="020B0809050000020004" pitchFamily="49" charset="0"/>
+                <a:cs typeface="Fira Code" panose="020B0809050000020004" pitchFamily="49" charset="0"/>
+              </a:rPr>
+              <a:t>	</a:t>
+            </a:r>
+            <a:r>
+              <a:rPr lang="en-US" dirty="0" err="1">
+                <a:latin typeface="Fira Code" panose="020B0809050000020004" pitchFamily="49" charset="0"/>
+                <a:ea typeface="Fira Code" panose="020B0809050000020004" pitchFamily="49" charset="0"/>
+                <a:cs typeface="Fira Code" panose="020B0809050000020004" pitchFamily="49" charset="0"/>
+              </a:rPr>
+              <a:t>geom_point</a:t>
+            </a:r>
+            <a:r>
+              <a:rPr lang="en-US" dirty="0">
+                <a:latin typeface="Fira Code" panose="020B0809050000020004" pitchFamily="49" charset="0"/>
+                <a:ea typeface="Fira Code" panose="020B0809050000020004" pitchFamily="49" charset="0"/>
+                <a:cs typeface="Fira Code" panose="020B0809050000020004" pitchFamily="49" charset="0"/>
+              </a:rPr>
+              <a:t>(</a:t>
+            </a:r>
+            <a:r>
+              <a:rPr lang="en-US" dirty="0" err="1">
+                <a:latin typeface="Fira Code" panose="020B0809050000020004" pitchFamily="49" charset="0"/>
+                <a:ea typeface="Fira Code" panose="020B0809050000020004" pitchFamily="49" charset="0"/>
+                <a:cs typeface="Fira Code" panose="020B0809050000020004" pitchFamily="49" charset="0"/>
+              </a:rPr>
+              <a:t>aes</a:t>
+            </a:r>
+            <a:r>
+              <a:rPr lang="en-US" dirty="0">
+                <a:latin typeface="Fira Code" panose="020B0809050000020004" pitchFamily="49" charset="0"/>
+                <a:ea typeface="Fira Code" panose="020B0809050000020004" pitchFamily="49" charset="0"/>
+                <a:cs typeface="Fira Code" panose="020B0809050000020004" pitchFamily="49" charset="0"/>
+              </a:rPr>
+              <a:t>(x = temp, y = </a:t>
+            </a:r>
+            <a:r>
+              <a:rPr lang="en-US" dirty="0" err="1">
+                <a:latin typeface="Fira Code" panose="020B0809050000020004" pitchFamily="49" charset="0"/>
+                <a:ea typeface="Fira Code" panose="020B0809050000020004" pitchFamily="49" charset="0"/>
+                <a:cs typeface="Fira Code" panose="020B0809050000020004" pitchFamily="49" charset="0"/>
+              </a:rPr>
+              <a:t>do_mgl</a:t>
+            </a:r>
+            <a:r>
+              <a:rPr lang="en-US" dirty="0">
+                <a:solidFill>
+                  <a:schemeClr val="accent6">
+                    <a:lumMod val="75000"/>
+                  </a:schemeClr>
+                </a:solidFill>
+                <a:latin typeface="Fira Code" panose="020B0809050000020004" pitchFamily="49" charset="0"/>
+                <a:ea typeface="Fira Code" panose="020B0809050000020004" pitchFamily="49" charset="0"/>
+                <a:cs typeface="Fira Code" panose="020B0809050000020004" pitchFamily="49" charset="0"/>
+              </a:rPr>
+              <a:t>, color = “blue”</a:t>
+            </a:r>
+            <a:r>
+              <a:rPr lang="en-US" dirty="0">
+                <a:latin typeface="Fira Code" panose="020B0809050000020004" pitchFamily="49" charset="0"/>
+                <a:ea typeface="Fira Code" panose="020B0809050000020004" pitchFamily="49" charset="0"/>
+                <a:cs typeface="Fira Code" panose="020B0809050000020004" pitchFamily="49" charset="0"/>
+              </a:rPr>
+              <a:t>))</a:t>
+            </a:r>
+          </a:p>
+        </p:txBody>
+      </p:sp>
+      <p:sp>
+        <p:nvSpPr>
+          <p:cNvPr id="7" name="TextBox 6">
+            <a:extLst>
+              <a:ext uri="{FF2B5EF4-FFF2-40B4-BE49-F238E27FC236}">
+                <a16:creationId xmlns:a16="http://schemas.microsoft.com/office/drawing/2014/main" id="{F5180C8F-988B-4EF3-8EE2-23989ADFBAAD}"/>
+              </a:ext>
+            </a:extLst>
+          </p:cNvPr>
+          <p:cNvSpPr txBox="1"/>
+          <p:nvPr/>
+        </p:nvSpPr>
+        <p:spPr>
+          <a:xfrm>
+            <a:off x="3488634" y="5769189"/>
+            <a:ext cx="8552341" cy="646331"/>
+          </a:xfrm>
+          <a:prstGeom prst="rect">
+            <a:avLst/>
+          </a:prstGeom>
+          <a:noFill/>
+        </p:spPr>
+        <p:txBody>
+          <a:bodyPr wrap="none" rtlCol="0">
+            <a:spAutoFit/>
+          </a:bodyPr>
+          <a:lstStyle/>
+          <a:p>
+            <a:r>
+              <a:rPr lang="en-US" dirty="0" err="1">
+                <a:latin typeface="Fira Code" panose="020B0809050000020004" pitchFamily="49" charset="0"/>
+                <a:ea typeface="Fira Code" panose="020B0809050000020004" pitchFamily="49" charset="0"/>
+                <a:cs typeface="Fira Code" panose="020B0809050000020004" pitchFamily="49" charset="0"/>
+              </a:rPr>
+              <a:t>ggplot</a:t>
+            </a:r>
+            <a:r>
+              <a:rPr lang="en-US" dirty="0">
+                <a:latin typeface="Fira Code" panose="020B0809050000020004" pitchFamily="49" charset="0"/>
+                <a:ea typeface="Fira Code" panose="020B0809050000020004" pitchFamily="49" charset="0"/>
+                <a:cs typeface="Fira Code" panose="020B0809050000020004" pitchFamily="49" charset="0"/>
+              </a:rPr>
+              <a:t>(</a:t>
+            </a:r>
+            <a:r>
+              <a:rPr lang="en-US" dirty="0" err="1">
+                <a:latin typeface="Fira Code" panose="020B0809050000020004" pitchFamily="49" charset="0"/>
+                <a:ea typeface="Fira Code" panose="020B0809050000020004" pitchFamily="49" charset="0"/>
+                <a:cs typeface="Fira Code" panose="020B0809050000020004" pitchFamily="49" charset="0"/>
+              </a:rPr>
+              <a:t>wq</a:t>
+            </a:r>
+            <a:r>
+              <a:rPr lang="en-US" dirty="0">
+                <a:latin typeface="Fira Code" panose="020B0809050000020004" pitchFamily="49" charset="0"/>
+                <a:ea typeface="Fira Code" panose="020B0809050000020004" pitchFamily="49" charset="0"/>
+                <a:cs typeface="Fira Code" panose="020B0809050000020004" pitchFamily="49" charset="0"/>
+              </a:rPr>
+              <a:t>) + </a:t>
+            </a:r>
+          </a:p>
+          <a:p>
+            <a:r>
+              <a:rPr lang="en-US" dirty="0">
+                <a:latin typeface="Fira Code" panose="020B0809050000020004" pitchFamily="49" charset="0"/>
+                <a:ea typeface="Fira Code" panose="020B0809050000020004" pitchFamily="49" charset="0"/>
+                <a:cs typeface="Fira Code" panose="020B0809050000020004" pitchFamily="49" charset="0"/>
+              </a:rPr>
+              <a:t>	</a:t>
+            </a:r>
+            <a:r>
+              <a:rPr lang="en-US" dirty="0" err="1">
+                <a:latin typeface="Fira Code" panose="020B0809050000020004" pitchFamily="49" charset="0"/>
+                <a:ea typeface="Fira Code" panose="020B0809050000020004" pitchFamily="49" charset="0"/>
+                <a:cs typeface="Fira Code" panose="020B0809050000020004" pitchFamily="49" charset="0"/>
+              </a:rPr>
+              <a:t>geom_point</a:t>
+            </a:r>
+            <a:r>
+              <a:rPr lang="en-US" dirty="0">
+                <a:latin typeface="Fira Code" panose="020B0809050000020004" pitchFamily="49" charset="0"/>
+                <a:ea typeface="Fira Code" panose="020B0809050000020004" pitchFamily="49" charset="0"/>
+                <a:cs typeface="Fira Code" panose="020B0809050000020004" pitchFamily="49" charset="0"/>
+              </a:rPr>
+              <a:t>(</a:t>
+            </a:r>
+            <a:r>
+              <a:rPr lang="en-US" dirty="0" err="1">
+                <a:latin typeface="Fira Code" panose="020B0809050000020004" pitchFamily="49" charset="0"/>
+                <a:ea typeface="Fira Code" panose="020B0809050000020004" pitchFamily="49" charset="0"/>
+                <a:cs typeface="Fira Code" panose="020B0809050000020004" pitchFamily="49" charset="0"/>
+              </a:rPr>
+              <a:t>aes</a:t>
+            </a:r>
+            <a:r>
+              <a:rPr lang="en-US" dirty="0">
+                <a:latin typeface="Fira Code" panose="020B0809050000020004" pitchFamily="49" charset="0"/>
+                <a:ea typeface="Fira Code" panose="020B0809050000020004" pitchFamily="49" charset="0"/>
+                <a:cs typeface="Fira Code" panose="020B0809050000020004" pitchFamily="49" charset="0"/>
+              </a:rPr>
+              <a:t>(x = temp, y = </a:t>
+            </a:r>
+            <a:r>
+              <a:rPr lang="en-US" dirty="0" err="1">
+                <a:latin typeface="Fira Code" panose="020B0809050000020004" pitchFamily="49" charset="0"/>
+                <a:ea typeface="Fira Code" panose="020B0809050000020004" pitchFamily="49" charset="0"/>
+                <a:cs typeface="Fira Code" panose="020B0809050000020004" pitchFamily="49" charset="0"/>
+              </a:rPr>
+              <a:t>do_mgl</a:t>
+            </a:r>
+            <a:r>
+              <a:rPr lang="en-US" dirty="0">
+                <a:latin typeface="Fira Code" panose="020B0809050000020004" pitchFamily="49" charset="0"/>
+                <a:ea typeface="Fira Code" panose="020B0809050000020004" pitchFamily="49" charset="0"/>
+                <a:cs typeface="Fira Code" panose="020B0809050000020004" pitchFamily="49" charset="0"/>
+              </a:rPr>
+              <a:t>)</a:t>
+            </a:r>
+            <a:r>
+              <a:rPr lang="en-US" dirty="0">
+                <a:solidFill>
+                  <a:schemeClr val="accent6">
+                    <a:lumMod val="75000"/>
+                  </a:schemeClr>
+                </a:solidFill>
+                <a:latin typeface="Fira Code" panose="020B0809050000020004" pitchFamily="49" charset="0"/>
+                <a:ea typeface="Fira Code" panose="020B0809050000020004" pitchFamily="49" charset="0"/>
+                <a:cs typeface="Fira Code" panose="020B0809050000020004" pitchFamily="49" charset="0"/>
+              </a:rPr>
+              <a:t>, color = “blue”</a:t>
+            </a:r>
+            <a:r>
+              <a:rPr lang="en-US" dirty="0">
+                <a:latin typeface="Fira Code" panose="020B0809050000020004" pitchFamily="49" charset="0"/>
+                <a:ea typeface="Fira Code" panose="020B0809050000020004" pitchFamily="49" charset="0"/>
+                <a:cs typeface="Fira Code" panose="020B0809050000020004" pitchFamily="49" charset="0"/>
+              </a:rPr>
+              <a:t>))</a:t>
+            </a:r>
+            <a:endParaRPr lang="en-US" dirty="0"/>
+          </a:p>
+        </p:txBody>
+      </p:sp>
+    </p:spTree>
+    <p:extLst>
+      <p:ext uri="{BB962C8B-B14F-4D97-AF65-F5344CB8AC3E}">
+        <p14:creationId xmlns:p14="http://schemas.microsoft.com/office/powerpoint/2010/main" val="468114147"/>
+      </p:ext>
+    </p:extLst>
+  </p:cSld>
+  <p:clrMapOvr>
+    <a:masterClrMapping/>
+  </p:clrMapOvr>
+</p:sld>
+</file>
+
+<file path=ppt/slides/slide18.xml><?xml version="1.0" encoding="utf-8"?>
+<p:sld xmlns:a="http://schemas.openxmlformats.org/drawingml/2006/main" xmlns:r="http://schemas.openxmlformats.org/officeDocument/2006/relationships" xmlns:p="http://schemas.openxmlformats.org/presentationml/2006/main">
+  <p:cSld>
+    <p:spTree>
+      <p:nvGrpSpPr>
+        <p:cNvPr id="1" name=""/>
+        <p:cNvGrpSpPr/>
+        <p:nvPr/>
+      </p:nvGrpSpPr>
+      <p:grpSpPr>
+        <a:xfrm>
+          <a:off x="0" y="0"/>
+          <a:ext cx="0" cy="0"/>
+          <a:chOff x="0" y="0"/>
+          <a:chExt cx="0" cy="0"/>
+        </a:xfrm>
+      </p:grpSpPr>
+      <p:sp>
+        <p:nvSpPr>
+          <p:cNvPr id="4" name="Title 3">
+            <a:extLst>
+              <a:ext uri="{FF2B5EF4-FFF2-40B4-BE49-F238E27FC236}">
+                <a16:creationId xmlns:a16="http://schemas.microsoft.com/office/drawing/2014/main" id="{7F7351B1-85E3-4089-B68A-24148B078FD0}"/>
+              </a:ext>
+            </a:extLst>
+          </p:cNvPr>
+          <p:cNvSpPr>
+            <a:spLocks noGrp="1"/>
+          </p:cNvSpPr>
+          <p:nvPr>
+            <p:ph type="title"/>
+          </p:nvPr>
+        </p:nvSpPr>
+        <p:spPr/>
+        <p:txBody>
+          <a:bodyPr/>
+          <a:lstStyle/>
+          <a:p>
+            <a:pPr algn="ctr"/>
+            <a:r>
+              <a:rPr lang="en-US" dirty="0"/>
+              <a:t>TL;DR</a:t>
+            </a:r>
+          </a:p>
+        </p:txBody>
+      </p:sp>
+      <p:sp>
+        <p:nvSpPr>
+          <p:cNvPr id="5" name="Content Placeholder 4">
+            <a:extLst>
+              <a:ext uri="{FF2B5EF4-FFF2-40B4-BE49-F238E27FC236}">
+                <a16:creationId xmlns:a16="http://schemas.microsoft.com/office/drawing/2014/main" id="{804D23FA-4314-4794-9F8F-659EE03A37FA}"/>
+              </a:ext>
+            </a:extLst>
+          </p:cNvPr>
+          <p:cNvSpPr>
+            <a:spLocks noGrp="1"/>
+          </p:cNvSpPr>
+          <p:nvPr>
+            <p:ph idx="1"/>
+          </p:nvPr>
+        </p:nvSpPr>
+        <p:spPr>
+          <a:xfrm>
+            <a:off x="318051" y="1825625"/>
+            <a:ext cx="11489635" cy="4351338"/>
+          </a:xfrm>
+        </p:spPr>
+        <p:txBody>
+          <a:bodyPr>
+            <a:normAutofit/>
+          </a:bodyPr>
+          <a:lstStyle/>
+          <a:p>
+            <a:r>
+              <a:rPr lang="en-US" sz="3200" b="1" dirty="0"/>
+              <a:t>Inside of </a:t>
+            </a:r>
+            <a:r>
+              <a:rPr lang="en-US" sz="3200" b="1" dirty="0" err="1"/>
+              <a:t>aes</a:t>
+            </a:r>
+            <a:r>
+              <a:rPr lang="en-US" sz="3200" b="1" dirty="0"/>
+              <a:t>(): </a:t>
+            </a:r>
+            <a:r>
+              <a:rPr lang="en-US" sz="3200" dirty="0"/>
+              <a:t>maps an aesthetic to a variable</a:t>
+            </a:r>
+            <a:br>
+              <a:rPr lang="en-US" dirty="0"/>
+            </a:br>
+            <a:br>
+              <a:rPr lang="en-US" dirty="0"/>
+            </a:br>
+            <a:r>
+              <a:rPr lang="en-US" sz="2400" dirty="0" err="1">
+                <a:latin typeface="Fira Code" panose="020B0809050000020004" pitchFamily="49" charset="0"/>
+                <a:ea typeface="Fira Code" panose="020B0809050000020004" pitchFamily="49" charset="0"/>
+                <a:cs typeface="Fira Code" panose="020B0809050000020004" pitchFamily="49" charset="0"/>
+              </a:rPr>
+              <a:t>ggplot</a:t>
+            </a:r>
+            <a:r>
+              <a:rPr lang="en-US" sz="2400" dirty="0">
+                <a:latin typeface="Fira Code" panose="020B0809050000020004" pitchFamily="49" charset="0"/>
+                <a:ea typeface="Fira Code" panose="020B0809050000020004" pitchFamily="49" charset="0"/>
+                <a:cs typeface="Fira Code" panose="020B0809050000020004" pitchFamily="49" charset="0"/>
+              </a:rPr>
+              <a:t>(</a:t>
+            </a:r>
+            <a:r>
+              <a:rPr lang="en-US" sz="2400" dirty="0" err="1">
+                <a:latin typeface="Fira Code" panose="020B0809050000020004" pitchFamily="49" charset="0"/>
+                <a:ea typeface="Fira Code" panose="020B0809050000020004" pitchFamily="49" charset="0"/>
+                <a:cs typeface="Fira Code" panose="020B0809050000020004" pitchFamily="49" charset="0"/>
+              </a:rPr>
+              <a:t>wq</a:t>
+            </a:r>
+            <a:r>
+              <a:rPr lang="en-US" sz="2400" dirty="0">
+                <a:latin typeface="Fira Code" panose="020B0809050000020004" pitchFamily="49" charset="0"/>
+                <a:ea typeface="Fira Code" panose="020B0809050000020004" pitchFamily="49" charset="0"/>
+                <a:cs typeface="Fira Code" panose="020B0809050000020004" pitchFamily="49" charset="0"/>
+              </a:rPr>
+              <a:t>) + </a:t>
+            </a:r>
+          </a:p>
+          <a:p>
+            <a:pPr marL="0" indent="0">
+              <a:buNone/>
+            </a:pPr>
+            <a:r>
+              <a:rPr lang="en-US" sz="2400" dirty="0">
+                <a:latin typeface="Fira Code" panose="020B0809050000020004" pitchFamily="49" charset="0"/>
+                <a:ea typeface="Fira Code" panose="020B0809050000020004" pitchFamily="49" charset="0"/>
+                <a:cs typeface="Fira Code" panose="020B0809050000020004" pitchFamily="49" charset="0"/>
+              </a:rPr>
+              <a:t>	</a:t>
+            </a:r>
+            <a:r>
+              <a:rPr lang="en-US" sz="2400" dirty="0" err="1">
+                <a:latin typeface="Fira Code" panose="020B0809050000020004" pitchFamily="49" charset="0"/>
+                <a:ea typeface="Fira Code" panose="020B0809050000020004" pitchFamily="49" charset="0"/>
+                <a:cs typeface="Fira Code" panose="020B0809050000020004" pitchFamily="49" charset="0"/>
+              </a:rPr>
+              <a:t>geom_point</a:t>
+            </a:r>
+            <a:r>
+              <a:rPr lang="en-US" sz="2400" dirty="0">
+                <a:latin typeface="Fira Code" panose="020B0809050000020004" pitchFamily="49" charset="0"/>
+                <a:ea typeface="Fira Code" panose="020B0809050000020004" pitchFamily="49" charset="0"/>
+                <a:cs typeface="Fira Code" panose="020B0809050000020004" pitchFamily="49" charset="0"/>
+              </a:rPr>
+              <a:t>(</a:t>
+            </a:r>
+            <a:r>
+              <a:rPr lang="en-US" sz="2400" dirty="0" err="1">
+                <a:latin typeface="Fira Code" panose="020B0809050000020004" pitchFamily="49" charset="0"/>
+                <a:ea typeface="Fira Code" panose="020B0809050000020004" pitchFamily="49" charset="0"/>
+                <a:cs typeface="Fira Code" panose="020B0809050000020004" pitchFamily="49" charset="0"/>
+              </a:rPr>
+              <a:t>aes</a:t>
+            </a:r>
+            <a:r>
+              <a:rPr lang="en-US" sz="2400" dirty="0">
+                <a:latin typeface="Fira Code" panose="020B0809050000020004" pitchFamily="49" charset="0"/>
+                <a:ea typeface="Fira Code" panose="020B0809050000020004" pitchFamily="49" charset="0"/>
+                <a:cs typeface="Fira Code" panose="020B0809050000020004" pitchFamily="49" charset="0"/>
+              </a:rPr>
+              <a:t>(</a:t>
+            </a:r>
+            <a:r>
+              <a:rPr lang="en-US" sz="2400" dirty="0">
+                <a:solidFill>
+                  <a:schemeClr val="accent6">
+                    <a:lumMod val="75000"/>
+                  </a:schemeClr>
+                </a:solidFill>
+                <a:latin typeface="Fira Code" panose="020B0809050000020004" pitchFamily="49" charset="0"/>
+                <a:ea typeface="Fira Code" panose="020B0809050000020004" pitchFamily="49" charset="0"/>
+                <a:cs typeface="Fira Code" panose="020B0809050000020004" pitchFamily="49" charset="0"/>
+              </a:rPr>
+              <a:t>x = temp, y = </a:t>
+            </a:r>
+            <a:r>
+              <a:rPr lang="en-US" sz="2400" dirty="0" err="1">
+                <a:solidFill>
+                  <a:schemeClr val="accent6">
+                    <a:lumMod val="75000"/>
+                  </a:schemeClr>
+                </a:solidFill>
+                <a:latin typeface="Fira Code" panose="020B0809050000020004" pitchFamily="49" charset="0"/>
+                <a:ea typeface="Fira Code" panose="020B0809050000020004" pitchFamily="49" charset="0"/>
+                <a:cs typeface="Fira Code" panose="020B0809050000020004" pitchFamily="49" charset="0"/>
+              </a:rPr>
+              <a:t>do_mgl</a:t>
+            </a:r>
+            <a:r>
+              <a:rPr lang="en-US" sz="2400" dirty="0">
+                <a:solidFill>
+                  <a:schemeClr val="accent6">
+                    <a:lumMod val="75000"/>
+                  </a:schemeClr>
+                </a:solidFill>
+                <a:latin typeface="Fira Code" panose="020B0809050000020004" pitchFamily="49" charset="0"/>
+                <a:ea typeface="Fira Code" panose="020B0809050000020004" pitchFamily="49" charset="0"/>
+                <a:cs typeface="Fira Code" panose="020B0809050000020004" pitchFamily="49" charset="0"/>
+              </a:rPr>
+              <a:t>, color = state</a:t>
+            </a:r>
+            <a:r>
+              <a:rPr lang="en-US" sz="2400" dirty="0">
+                <a:latin typeface="Fira Code" panose="020B0809050000020004" pitchFamily="49" charset="0"/>
+                <a:ea typeface="Fira Code" panose="020B0809050000020004" pitchFamily="49" charset="0"/>
+                <a:cs typeface="Fira Code" panose="020B0809050000020004" pitchFamily="49" charset="0"/>
+              </a:rPr>
+              <a:t>))</a:t>
+            </a:r>
+          </a:p>
+          <a:p>
+            <a:pPr marL="0" indent="0">
+              <a:buNone/>
+            </a:pPr>
+            <a:endParaRPr lang="en-US" dirty="0"/>
+          </a:p>
+          <a:p>
+            <a:r>
+              <a:rPr lang="en-US" sz="3200" b="1" dirty="0"/>
+              <a:t>Outside of </a:t>
+            </a:r>
+            <a:r>
+              <a:rPr lang="en-US" sz="3200" b="1" dirty="0" err="1"/>
+              <a:t>aes</a:t>
+            </a:r>
+            <a:r>
+              <a:rPr lang="en-US" sz="3200" b="1" dirty="0"/>
+              <a:t>(): </a:t>
+            </a:r>
+            <a:r>
+              <a:rPr lang="en-US" sz="3200" dirty="0"/>
+              <a:t>sets an aesthetic to a value</a:t>
+            </a:r>
+            <a:br>
+              <a:rPr lang="en-US" dirty="0"/>
+            </a:br>
+            <a:r>
+              <a:rPr lang="en-US" sz="2400" dirty="0"/>
+              <a:t> </a:t>
+            </a:r>
+            <a:br>
+              <a:rPr lang="en-US" sz="2400" dirty="0"/>
+            </a:br>
+            <a:r>
+              <a:rPr lang="en-US" sz="2400" dirty="0" err="1">
+                <a:latin typeface="Fira Code" panose="020B0809050000020004" pitchFamily="49" charset="0"/>
+                <a:ea typeface="Fira Code" panose="020B0809050000020004" pitchFamily="49" charset="0"/>
+                <a:cs typeface="Fira Code" panose="020B0809050000020004" pitchFamily="49" charset="0"/>
+              </a:rPr>
+              <a:t>ggplot</a:t>
+            </a:r>
+            <a:r>
+              <a:rPr lang="en-US" sz="2400" dirty="0">
+                <a:latin typeface="Fira Code" panose="020B0809050000020004" pitchFamily="49" charset="0"/>
+                <a:ea typeface="Fira Code" panose="020B0809050000020004" pitchFamily="49" charset="0"/>
+                <a:cs typeface="Fira Code" panose="020B0809050000020004" pitchFamily="49" charset="0"/>
+              </a:rPr>
+              <a:t>(</a:t>
+            </a:r>
+            <a:r>
+              <a:rPr lang="en-US" sz="2400" dirty="0" err="1">
+                <a:latin typeface="Fira Code" panose="020B0809050000020004" pitchFamily="49" charset="0"/>
+                <a:ea typeface="Fira Code" panose="020B0809050000020004" pitchFamily="49" charset="0"/>
+                <a:cs typeface="Fira Code" panose="020B0809050000020004" pitchFamily="49" charset="0"/>
+              </a:rPr>
+              <a:t>wq</a:t>
+            </a:r>
+            <a:r>
+              <a:rPr lang="en-US" sz="2400" dirty="0">
+                <a:latin typeface="Fira Code" panose="020B0809050000020004" pitchFamily="49" charset="0"/>
+                <a:ea typeface="Fira Code" panose="020B0809050000020004" pitchFamily="49" charset="0"/>
+                <a:cs typeface="Fira Code" panose="020B0809050000020004" pitchFamily="49" charset="0"/>
+              </a:rPr>
+              <a:t>) + </a:t>
+            </a:r>
+          </a:p>
+          <a:p>
+            <a:pPr marL="0" indent="0">
+              <a:buNone/>
+            </a:pPr>
+            <a:r>
+              <a:rPr lang="en-US" sz="2400" dirty="0">
+                <a:latin typeface="Fira Code" panose="020B0809050000020004" pitchFamily="49" charset="0"/>
+                <a:ea typeface="Fira Code" panose="020B0809050000020004" pitchFamily="49" charset="0"/>
+                <a:cs typeface="Fira Code" panose="020B0809050000020004" pitchFamily="49" charset="0"/>
+              </a:rPr>
+              <a:t>	</a:t>
+            </a:r>
+            <a:r>
+              <a:rPr lang="en-US" sz="2400" dirty="0" err="1">
+                <a:latin typeface="Fira Code" panose="020B0809050000020004" pitchFamily="49" charset="0"/>
+                <a:ea typeface="Fira Code" panose="020B0809050000020004" pitchFamily="49" charset="0"/>
+                <a:cs typeface="Fira Code" panose="020B0809050000020004" pitchFamily="49" charset="0"/>
+              </a:rPr>
+              <a:t>geom_point</a:t>
+            </a:r>
+            <a:r>
+              <a:rPr lang="en-US" sz="2400" dirty="0">
+                <a:latin typeface="Fira Code" panose="020B0809050000020004" pitchFamily="49" charset="0"/>
+                <a:ea typeface="Fira Code" panose="020B0809050000020004" pitchFamily="49" charset="0"/>
+                <a:cs typeface="Fira Code" panose="020B0809050000020004" pitchFamily="49" charset="0"/>
+              </a:rPr>
+              <a:t>(</a:t>
+            </a:r>
+            <a:r>
+              <a:rPr lang="en-US" sz="2400" dirty="0" err="1">
+                <a:latin typeface="Fira Code" panose="020B0809050000020004" pitchFamily="49" charset="0"/>
+                <a:ea typeface="Fira Code" panose="020B0809050000020004" pitchFamily="49" charset="0"/>
+                <a:cs typeface="Fira Code" panose="020B0809050000020004" pitchFamily="49" charset="0"/>
+              </a:rPr>
+              <a:t>aes</a:t>
+            </a:r>
+            <a:r>
+              <a:rPr lang="en-US" sz="2400" dirty="0">
+                <a:latin typeface="Fira Code" panose="020B0809050000020004" pitchFamily="49" charset="0"/>
+                <a:ea typeface="Fira Code" panose="020B0809050000020004" pitchFamily="49" charset="0"/>
+                <a:cs typeface="Fira Code" panose="020B0809050000020004" pitchFamily="49" charset="0"/>
+              </a:rPr>
+              <a:t>(</a:t>
+            </a:r>
+            <a:r>
+              <a:rPr lang="en-US" sz="2400" dirty="0">
+                <a:solidFill>
+                  <a:schemeClr val="accent6">
+                    <a:lumMod val="75000"/>
+                  </a:schemeClr>
+                </a:solidFill>
+                <a:latin typeface="Fira Code" panose="020B0809050000020004" pitchFamily="49" charset="0"/>
+                <a:ea typeface="Fira Code" panose="020B0809050000020004" pitchFamily="49" charset="0"/>
+                <a:cs typeface="Fira Code" panose="020B0809050000020004" pitchFamily="49" charset="0"/>
+              </a:rPr>
+              <a:t>x = temp, y = </a:t>
+            </a:r>
+            <a:r>
+              <a:rPr lang="en-US" sz="2400" dirty="0" err="1">
+                <a:solidFill>
+                  <a:schemeClr val="accent6">
+                    <a:lumMod val="75000"/>
+                  </a:schemeClr>
+                </a:solidFill>
+                <a:latin typeface="Fira Code" panose="020B0809050000020004" pitchFamily="49" charset="0"/>
+                <a:ea typeface="Fira Code" panose="020B0809050000020004" pitchFamily="49" charset="0"/>
+                <a:cs typeface="Fira Code" panose="020B0809050000020004" pitchFamily="49" charset="0"/>
+              </a:rPr>
+              <a:t>do_mgl</a:t>
+            </a:r>
+            <a:r>
+              <a:rPr lang="en-US" sz="2400" dirty="0">
+                <a:latin typeface="Fira Code" panose="020B0809050000020004" pitchFamily="49" charset="0"/>
+                <a:ea typeface="Fira Code" panose="020B0809050000020004" pitchFamily="49" charset="0"/>
+                <a:cs typeface="Fira Code" panose="020B0809050000020004" pitchFamily="49" charset="0"/>
+              </a:rPr>
+              <a:t>), color = “blue”))</a:t>
+            </a:r>
+            <a:endParaRPr lang="en-US" sz="2400" dirty="0"/>
+          </a:p>
+        </p:txBody>
+      </p:sp>
+      <p:sp>
+        <p:nvSpPr>
+          <p:cNvPr id="2" name="Footer Placeholder 1">
+            <a:extLst>
+              <a:ext uri="{FF2B5EF4-FFF2-40B4-BE49-F238E27FC236}">
+                <a16:creationId xmlns:a16="http://schemas.microsoft.com/office/drawing/2014/main" id="{9C03F31E-217D-453F-99A1-01612C1120D0}"/>
+              </a:ext>
+            </a:extLst>
+          </p:cNvPr>
+          <p:cNvSpPr>
+            <a:spLocks noGrp="1"/>
+          </p:cNvSpPr>
+          <p:nvPr>
+            <p:ph type="ftr" sz="quarter" idx="11"/>
+          </p:nvPr>
+        </p:nvSpPr>
+        <p:spPr/>
+        <p:txBody>
+          <a:bodyPr/>
+          <a:lstStyle/>
+          <a:p>
+            <a:r>
+              <a:rPr lang="en-US"/>
+              <a:t>CERF 2019 | The Next Step with R | Cressman and Dunnigan</a:t>
+            </a:r>
+          </a:p>
+        </p:txBody>
+      </p:sp>
+      <p:sp>
+        <p:nvSpPr>
+          <p:cNvPr id="3" name="Slide Number Placeholder 2">
+            <a:extLst>
+              <a:ext uri="{FF2B5EF4-FFF2-40B4-BE49-F238E27FC236}">
+                <a16:creationId xmlns:a16="http://schemas.microsoft.com/office/drawing/2014/main" id="{4059C357-15BD-4FC7-9E84-12560CFFE055}"/>
+              </a:ext>
+            </a:extLst>
+          </p:cNvPr>
+          <p:cNvSpPr>
+            <a:spLocks noGrp="1"/>
+          </p:cNvSpPr>
+          <p:nvPr>
+            <p:ph type="sldNum" sz="quarter" idx="12"/>
+          </p:nvPr>
+        </p:nvSpPr>
+        <p:spPr/>
+        <p:txBody>
+          <a:bodyPr/>
+          <a:lstStyle/>
+          <a:p>
+            <a:fld id="{1D07C8D9-AA71-438D-86BE-7B86F7F29DC7}" type="slidenum">
+              <a:rPr lang="en-US" smtClean="0"/>
+              <a:t>18</a:t>
+            </a:fld>
+            <a:endParaRPr lang="en-US"/>
+          </a:p>
+        </p:txBody>
+      </p:sp>
+    </p:spTree>
+    <p:extLst>
+      <p:ext uri="{BB962C8B-B14F-4D97-AF65-F5344CB8AC3E}">
+        <p14:creationId xmlns:p14="http://schemas.microsoft.com/office/powerpoint/2010/main" val="3800529688"/>
+      </p:ext>
+    </p:extLst>
+  </p:cSld>
+  <p:clrMapOvr>
+    <a:masterClrMapping/>
+  </p:clrMapOvr>
+</p:sld>
+</file>
+
+<file path=ppt/slides/slide19.xml><?xml version="1.0" encoding="utf-8"?>
+<p:sld xmlns:a="http://schemas.openxmlformats.org/drawingml/2006/main" xmlns:r="http://schemas.openxmlformats.org/officeDocument/2006/relationships" xmlns:p="http://schemas.openxmlformats.org/presentationml/2006/main">
+  <p:cSld>
+    <p:spTree>
+      <p:nvGrpSpPr>
+        <p:cNvPr id="1" name=""/>
+        <p:cNvGrpSpPr/>
+        <p:nvPr/>
+      </p:nvGrpSpPr>
+      <p:grpSpPr>
+        <a:xfrm>
+          <a:off x="0" y="0"/>
+          <a:ext cx="0" cy="0"/>
+          <a:chOff x="0" y="0"/>
+          <a:chExt cx="0" cy="0"/>
+        </a:xfrm>
+      </p:grpSpPr>
+      <p:sp>
+        <p:nvSpPr>
+          <p:cNvPr id="2" name="Title 1">
+            <a:extLst>
+              <a:ext uri="{FF2B5EF4-FFF2-40B4-BE49-F238E27FC236}">
+                <a16:creationId xmlns:a16="http://schemas.microsoft.com/office/drawing/2014/main" id="{E6CB55D3-9FF2-459D-92DB-CB7F162748EE}"/>
+              </a:ext>
+            </a:extLst>
+          </p:cNvPr>
+          <p:cNvSpPr>
+            <a:spLocks noGrp="1"/>
+          </p:cNvSpPr>
+          <p:nvPr>
+            <p:ph type="title"/>
+          </p:nvPr>
+        </p:nvSpPr>
+        <p:spPr/>
+        <p:txBody>
+          <a:bodyPr/>
+          <a:lstStyle/>
+          <a:p>
+            <a:r>
+              <a:rPr lang="en-US" dirty="0"/>
+              <a:t>What if I don’t want to add additional variables as aesthetics? </a:t>
+            </a:r>
+          </a:p>
+        </p:txBody>
+      </p:sp>
+      <p:sp>
+        <p:nvSpPr>
+          <p:cNvPr id="3" name="Content Placeholder 2">
+            <a:extLst>
+              <a:ext uri="{FF2B5EF4-FFF2-40B4-BE49-F238E27FC236}">
+                <a16:creationId xmlns:a16="http://schemas.microsoft.com/office/drawing/2014/main" id="{F21852CC-1CA1-40D4-A667-3AB0F5C2170D}"/>
+              </a:ext>
+            </a:extLst>
+          </p:cNvPr>
+          <p:cNvSpPr>
+            <a:spLocks noGrp="1"/>
+          </p:cNvSpPr>
+          <p:nvPr>
+            <p:ph idx="1"/>
+          </p:nvPr>
+        </p:nvSpPr>
+        <p:spPr>
+          <a:xfrm>
+            <a:off x="838200" y="1825625"/>
+            <a:ext cx="10515600" cy="534117"/>
+          </a:xfrm>
+        </p:spPr>
+        <p:txBody>
+          <a:bodyPr/>
+          <a:lstStyle/>
+          <a:p>
+            <a:pPr marL="0" indent="0">
+              <a:buNone/>
+            </a:pPr>
+            <a:r>
+              <a:rPr lang="en-US" dirty="0"/>
+              <a:t>If they are categorical variables, you can use </a:t>
+            </a:r>
+            <a:r>
+              <a:rPr lang="en-US" b="1" dirty="0"/>
+              <a:t>facets</a:t>
+            </a:r>
+            <a:r>
+              <a:rPr lang="en-US" dirty="0"/>
+              <a:t>!</a:t>
+            </a:r>
+          </a:p>
+        </p:txBody>
+      </p:sp>
+      <p:sp>
+        <p:nvSpPr>
+          <p:cNvPr id="4" name="Footer Placeholder 3">
+            <a:extLst>
+              <a:ext uri="{FF2B5EF4-FFF2-40B4-BE49-F238E27FC236}">
+                <a16:creationId xmlns:a16="http://schemas.microsoft.com/office/drawing/2014/main" id="{2E798A95-C8C6-4BCC-8E07-FFFE668E1DEE}"/>
+              </a:ext>
+            </a:extLst>
+          </p:cNvPr>
+          <p:cNvSpPr>
+            <a:spLocks noGrp="1"/>
+          </p:cNvSpPr>
+          <p:nvPr>
+            <p:ph type="ftr" sz="quarter" idx="11"/>
+          </p:nvPr>
+        </p:nvSpPr>
+        <p:spPr/>
+        <p:txBody>
+          <a:bodyPr/>
+          <a:lstStyle/>
+          <a:p>
+            <a:r>
+              <a:rPr lang="en-US"/>
+              <a:t>CERF 2019 | The Next Step with R | Cressman and Dunnigan</a:t>
+            </a:r>
+          </a:p>
+        </p:txBody>
+      </p:sp>
+      <p:sp>
+        <p:nvSpPr>
+          <p:cNvPr id="5" name="Slide Number Placeholder 4">
+            <a:extLst>
+              <a:ext uri="{FF2B5EF4-FFF2-40B4-BE49-F238E27FC236}">
+                <a16:creationId xmlns:a16="http://schemas.microsoft.com/office/drawing/2014/main" id="{F9FE6AC7-76FC-4CD5-A665-21612D5BF8B2}"/>
+              </a:ext>
+            </a:extLst>
+          </p:cNvPr>
+          <p:cNvSpPr>
+            <a:spLocks noGrp="1"/>
+          </p:cNvSpPr>
+          <p:nvPr>
+            <p:ph type="sldNum" sz="quarter" idx="12"/>
+          </p:nvPr>
+        </p:nvSpPr>
+        <p:spPr/>
+        <p:txBody>
+          <a:bodyPr/>
+          <a:lstStyle/>
+          <a:p>
+            <a:fld id="{1D07C8D9-AA71-438D-86BE-7B86F7F29DC7}" type="slidenum">
+              <a:rPr lang="en-US" smtClean="0"/>
+              <a:t>19</a:t>
+            </a:fld>
+            <a:endParaRPr lang="en-US"/>
+          </a:p>
+        </p:txBody>
+      </p:sp>
+      <p:pic>
+        <p:nvPicPr>
+          <p:cNvPr id="1026" name="Picture 2" descr="https://lh5.googleusercontent.com/drCCGDDUMyd5L9X9iYUr5e3Exn4w51Ln2fWk8nZIcR2wvmPsAR2Qhw1FavBNL-1mwcjrshWXXyufmnOY6dPefqLbvI7yc-dqtlIdsgplbWjmZcsnhD0SJD9EiQi1QAJdiT3XiNSV">
+            <a:extLst>
+              <a:ext uri="{FF2B5EF4-FFF2-40B4-BE49-F238E27FC236}">
+                <a16:creationId xmlns:a16="http://schemas.microsoft.com/office/drawing/2014/main" id="{484306DB-73DE-47EA-9417-2E828789AC15}"/>
+              </a:ext>
+            </a:extLst>
+          </p:cNvPr>
+          <p:cNvPicPr>
+            <a:picLocks noChangeAspect="1" noChangeArrowheads="1"/>
+          </p:cNvPicPr>
+          <p:nvPr/>
+        </p:nvPicPr>
+        <p:blipFill>
+          <a:blip r:embed="rId2">
+            <a:extLst>
+              <a:ext uri="{28A0092B-C50C-407E-A947-70E740481C1C}">
+                <a14:useLocalDpi xmlns:a14="http://schemas.microsoft.com/office/drawing/2010/main" val="0"/>
+              </a:ext>
+            </a:extLst>
+          </a:blip>
+          <a:srcRect/>
+          <a:stretch>
+            <a:fillRect/>
+          </a:stretch>
+        </p:blipFill>
+        <p:spPr bwMode="auto">
+          <a:xfrm>
+            <a:off x="1378975" y="2359742"/>
+            <a:ext cx="6354097" cy="3920396"/>
+          </a:xfrm>
+          <a:prstGeom prst="rect">
+            <a:avLst/>
+          </a:prstGeom>
+          <a:noFill/>
+          <a:extLst>
+            <a:ext uri="{909E8E84-426E-40DD-AFC4-6F175D3DCCD1}">
+              <a14:hiddenFill xmlns:a14="http://schemas.microsoft.com/office/drawing/2010/main">
+                <a:solidFill>
+                  <a:srgbClr val="FFFFFF"/>
+                </a:solidFill>
+              </a14:hiddenFill>
+            </a:ext>
+          </a:extLst>
+        </p:spPr>
+      </p:pic>
+      <p:sp>
+        <p:nvSpPr>
+          <p:cNvPr id="8" name="Speech Bubble: Rectangle with Corners Rounded 7">
+            <a:extLst>
+              <a:ext uri="{FF2B5EF4-FFF2-40B4-BE49-F238E27FC236}">
+                <a16:creationId xmlns:a16="http://schemas.microsoft.com/office/drawing/2014/main" id="{B84566A6-B1E3-4D48-A1DF-2706772082E0}"/>
+              </a:ext>
+            </a:extLst>
+          </p:cNvPr>
+          <p:cNvSpPr/>
+          <p:nvPr/>
+        </p:nvSpPr>
+        <p:spPr>
+          <a:xfrm>
+            <a:off x="8876071" y="2420630"/>
+            <a:ext cx="2497394" cy="2477729"/>
+          </a:xfrm>
+          <a:prstGeom prst="wedgeRoundRectCallout">
+            <a:avLst>
+              <a:gd name="adj1" fmla="val -85793"/>
+              <a:gd name="adj2" fmla="val -58135"/>
+              <a:gd name="adj3" fmla="val 16667"/>
+            </a:avLst>
+          </a:prstGeom>
+        </p:spPr>
+        <p:style>
+          <a:lnRef idx="2">
+            <a:schemeClr val="accent5">
+              <a:shade val="50000"/>
+            </a:schemeClr>
+          </a:lnRef>
+          <a:fillRef idx="1">
+            <a:schemeClr val="accent5"/>
+          </a:fillRef>
+          <a:effectRef idx="0">
+            <a:schemeClr val="accent5"/>
+          </a:effectRef>
+          <a:fontRef idx="minor">
+            <a:schemeClr val="lt1"/>
+          </a:fontRef>
+        </p:style>
+        <p:txBody>
+          <a:bodyPr rtlCol="0" anchor="ctr"/>
+          <a:lstStyle/>
+          <a:p>
+            <a:pPr algn="ctr"/>
+            <a:r>
+              <a:rPr lang="en-US" sz="2400" dirty="0"/>
+              <a:t>Subplots that each display one subset of the data</a:t>
+            </a:r>
+          </a:p>
+        </p:txBody>
+      </p:sp>
+    </p:spTree>
+    <p:extLst>
+      <p:ext uri="{BB962C8B-B14F-4D97-AF65-F5344CB8AC3E}">
+        <p14:creationId xmlns:p14="http://schemas.microsoft.com/office/powerpoint/2010/main" val="1327549660"/>
+      </p:ext>
+    </p:extLst>
+  </p:cSld>
+  <p:clrMapOvr>
+    <a:masterClrMapping/>
+  </p:clrMapOvr>
+  <p:timing>
+    <p:tnLst>
+      <p:par>
+        <p:cTn id="1" dur="indefinite" restart="never" nodeType="tmRoot">
+          <p:childTnLst>
+            <p:seq concurrent="1" nextAc="seek">
+              <p:cTn id="2" dur="indefinite" nodeType="mainSeq">
+                <p:childTnLst>
+                  <p:par>
+                    <p:cTn id="3" fill="hold">
+                      <p:stCondLst>
+                        <p:cond delay="indefinite"/>
+                      </p:stCondLst>
+                      <p:childTnLst>
+                        <p:par>
+                          <p:cTn id="4" fill="hold">
+                            <p:stCondLst>
+                              <p:cond delay="0"/>
+                            </p:stCondLst>
+                            <p:childTnLst>
+                              <p:par>
+                                <p:cTn id="5" presetID="1" presetClass="entr" presetSubtype="0" fill="hold" grpId="0" nodeType="clickEffect">
+                                  <p:stCondLst>
+                                    <p:cond delay="0"/>
+                                  </p:stCondLst>
+                                  <p:childTnLst>
+                                    <p:set>
+                                      <p:cBhvr>
+                                        <p:cTn id="6" dur="1" fill="hold">
+                                          <p:stCondLst>
+                                            <p:cond delay="0"/>
+                                          </p:stCondLst>
+                                        </p:cTn>
+                                        <p:tgtEl>
+                                          <p:spTgt spid="3">
+                                            <p:txEl>
+                                              <p:pRg st="0" end="0"/>
+                                            </p:txEl>
+                                          </p:spTgt>
+                                        </p:tgtEl>
+                                        <p:attrNameLst>
+                                          <p:attrName>style.visibility</p:attrName>
+                                        </p:attrNameLst>
+                                      </p:cBhvr>
+                                      <p:to>
+                                        <p:strVal val="visible"/>
+                                      </p:to>
+                                    </p:set>
+                                  </p:childTnLst>
+                                </p:cTn>
+                              </p:par>
+                              <p:par>
+                                <p:cTn id="7" presetID="1" presetClass="entr" presetSubtype="0" fill="hold" nodeType="withEffect">
+                                  <p:stCondLst>
+                                    <p:cond delay="0"/>
+                                  </p:stCondLst>
+                                  <p:childTnLst>
+                                    <p:set>
+                                      <p:cBhvr>
+                                        <p:cTn id="8" dur="1" fill="hold">
+                                          <p:stCondLst>
+                                            <p:cond delay="0"/>
+                                          </p:stCondLst>
+                                        </p:cTn>
+                                        <p:tgtEl>
+                                          <p:spTgt spid="1026"/>
+                                        </p:tgtEl>
+                                        <p:attrNameLst>
+                                          <p:attrName>style.visibility</p:attrName>
+                                        </p:attrNameLst>
+                                      </p:cBhvr>
+                                      <p:to>
+                                        <p:strVal val="visible"/>
+                                      </p:to>
+                                    </p:set>
+                                  </p:childTnLst>
+                                </p:cTn>
+                              </p:par>
+                              <p:par>
+                                <p:cTn id="9" presetID="1" presetClass="entr" presetSubtype="0" fill="hold" grpId="0" nodeType="withEffect">
+                                  <p:stCondLst>
+                                    <p:cond delay="0"/>
+                                  </p:stCondLst>
+                                  <p:childTnLst>
+                                    <p:set>
+                                      <p:cBhvr>
+                                        <p:cTn id="10" dur="1" fill="hold">
+                                          <p:stCondLst>
+                                            <p:cond delay="0"/>
+                                          </p:stCondLst>
+                                        </p:cTn>
+                                        <p:tgtEl>
+                                          <p:spTgt spid="8"/>
+                                        </p:tgtEl>
+                                        <p:attrNameLst>
+                                          <p:attrName>style.visibility</p:attrName>
+                                        </p:attrNameLst>
+                                      </p:cBhvr>
+                                      <p:to>
+                                        <p:strVal val="visible"/>
+                                      </p:to>
+                                    </p:set>
+                                  </p:childTnLst>
+                                </p:cTn>
+                              </p:par>
+                            </p:childTnLst>
+                          </p:cTn>
+                        </p:par>
+                      </p:childTnLst>
+                    </p:cTn>
+                  </p:par>
+                </p:childTnLst>
+              </p:cTn>
+              <p:prevCondLst>
+                <p:cond evt="onPrev" delay="0">
+                  <p:tgtEl>
+                    <p:sldTgt/>
+                  </p:tgtEl>
+                </p:cond>
+              </p:prevCondLst>
+              <p:nextCondLst>
+                <p:cond evt="onNext" delay="0">
+                  <p:tgtEl>
+                    <p:sldTgt/>
+                  </p:tgtEl>
+                </p:cond>
+              </p:nextCondLst>
+            </p:seq>
+          </p:childTnLst>
+        </p:cTn>
+      </p:par>
+    </p:tnLst>
+    <p:bldLst>
+      <p:bldP spid="3" grpId="0" build="p"/>
+      <p:bldP spid="8" grpId="0" animBg="1"/>
+    </p:bldLst>
+  </p:timing>
+</p:sld>
+</file>
+
 <file path=ppt/slides/slide2.xml><?xml version="1.0" encoding="utf-8"?>
 <p:sld xmlns:a="http://schemas.openxmlformats.org/drawingml/2006/main" xmlns:r="http://schemas.openxmlformats.org/officeDocument/2006/relationships" xmlns:p="http://schemas.openxmlformats.org/presentationml/2006/main">
   <p:cSld>
@@ -4147,6 +9157,1898 @@
     <p:extLst>
       <p:ext uri="{BB962C8B-B14F-4D97-AF65-F5344CB8AC3E}">
         <p14:creationId xmlns:p14="http://schemas.microsoft.com/office/powerpoint/2010/main" val="2793330304"/>
+      </p:ext>
+    </p:extLst>
+  </p:cSld>
+  <p:clrMapOvr>
+    <a:masterClrMapping/>
+  </p:clrMapOvr>
+</p:sld>
+</file>
+
+<file path=ppt/slides/slide20.xml><?xml version="1.0" encoding="utf-8"?>
+<p:sld xmlns:a="http://schemas.openxmlformats.org/drawingml/2006/main" xmlns:r="http://schemas.openxmlformats.org/officeDocument/2006/relationships" xmlns:p="http://schemas.openxmlformats.org/presentationml/2006/main">
+  <p:cSld>
+    <p:spTree>
+      <p:nvGrpSpPr>
+        <p:cNvPr id="1" name=""/>
+        <p:cNvGrpSpPr/>
+        <p:nvPr/>
+      </p:nvGrpSpPr>
+      <p:grpSpPr>
+        <a:xfrm>
+          <a:off x="0" y="0"/>
+          <a:ext cx="0" cy="0"/>
+          <a:chOff x="0" y="0"/>
+          <a:chExt cx="0" cy="0"/>
+        </a:xfrm>
+      </p:grpSpPr>
+      <p:pic>
+        <p:nvPicPr>
+          <p:cNvPr id="2050" name="Picture 2" descr="https://lh5.googleusercontent.com/nTcp3l_kFoiA2EIgrtyI2JuXAmwUbLeuFTEf7IdUMya37bYM51hr4YxoU_hG8a_5dgL11Xb_clJP4t_Km0GrHgB_xwWL-Hs_SQZJjfkKzSj68LG04uvUlAT-PRAL8zit16X-9gCF">
+            <a:extLst>
+              <a:ext uri="{FF2B5EF4-FFF2-40B4-BE49-F238E27FC236}">
+                <a16:creationId xmlns:a16="http://schemas.microsoft.com/office/drawing/2014/main" id="{70D8BE6E-27A6-421E-8B4A-0F41BAC50730}"/>
+              </a:ext>
+            </a:extLst>
+          </p:cNvPr>
+          <p:cNvPicPr>
+            <a:picLocks noChangeAspect="1" noChangeArrowheads="1"/>
+          </p:cNvPicPr>
+          <p:nvPr/>
+        </p:nvPicPr>
+        <p:blipFill>
+          <a:blip r:embed="rId2">
+            <a:extLst>
+              <a:ext uri="{28A0092B-C50C-407E-A947-70E740481C1C}">
+                <a14:useLocalDpi xmlns:a14="http://schemas.microsoft.com/office/drawing/2010/main" val="0"/>
+              </a:ext>
+            </a:extLst>
+          </a:blip>
+          <a:srcRect/>
+          <a:stretch>
+            <a:fillRect/>
+          </a:stretch>
+        </p:blipFill>
+        <p:spPr bwMode="auto">
+          <a:xfrm>
+            <a:off x="1263868" y="2317973"/>
+            <a:ext cx="7491249" cy="4038377"/>
+          </a:xfrm>
+          <a:prstGeom prst="rect">
+            <a:avLst/>
+          </a:prstGeom>
+          <a:noFill/>
+          <a:extLst>
+            <a:ext uri="{909E8E84-426E-40DD-AFC4-6F175D3DCCD1}">
+              <a14:hiddenFill xmlns:a14="http://schemas.microsoft.com/office/drawing/2010/main">
+                <a:solidFill>
+                  <a:srgbClr val="FFFFFF"/>
+                </a:solidFill>
+              </a14:hiddenFill>
+            </a:ext>
+          </a:extLst>
+        </p:spPr>
+      </p:pic>
+      <p:sp>
+        <p:nvSpPr>
+          <p:cNvPr id="2" name="Title 1">
+            <a:extLst>
+              <a:ext uri="{FF2B5EF4-FFF2-40B4-BE49-F238E27FC236}">
+                <a16:creationId xmlns:a16="http://schemas.microsoft.com/office/drawing/2014/main" id="{E6CB55D3-9FF2-459D-92DB-CB7F162748EE}"/>
+              </a:ext>
+            </a:extLst>
+          </p:cNvPr>
+          <p:cNvSpPr>
+            <a:spLocks noGrp="1"/>
+          </p:cNvSpPr>
+          <p:nvPr>
+            <p:ph type="title"/>
+          </p:nvPr>
+        </p:nvSpPr>
+        <p:spPr/>
+        <p:txBody>
+          <a:bodyPr/>
+          <a:lstStyle/>
+          <a:p>
+            <a:r>
+              <a:rPr lang="en-US" dirty="0"/>
+              <a:t>What if I don’t want to add additional variables as aesthetics? </a:t>
+            </a:r>
+          </a:p>
+        </p:txBody>
+      </p:sp>
+      <p:sp>
+        <p:nvSpPr>
+          <p:cNvPr id="3" name="Content Placeholder 2">
+            <a:extLst>
+              <a:ext uri="{FF2B5EF4-FFF2-40B4-BE49-F238E27FC236}">
+                <a16:creationId xmlns:a16="http://schemas.microsoft.com/office/drawing/2014/main" id="{F21852CC-1CA1-40D4-A667-3AB0F5C2170D}"/>
+              </a:ext>
+            </a:extLst>
+          </p:cNvPr>
+          <p:cNvSpPr>
+            <a:spLocks noGrp="1"/>
+          </p:cNvSpPr>
+          <p:nvPr>
+            <p:ph idx="1"/>
+          </p:nvPr>
+        </p:nvSpPr>
+        <p:spPr>
+          <a:xfrm>
+            <a:off x="838200" y="1825625"/>
+            <a:ext cx="10515600" cy="534117"/>
+          </a:xfrm>
+        </p:spPr>
+        <p:txBody>
+          <a:bodyPr/>
+          <a:lstStyle/>
+          <a:p>
+            <a:pPr marL="0" indent="0">
+              <a:buNone/>
+            </a:pPr>
+            <a:r>
+              <a:rPr lang="en-US" dirty="0"/>
+              <a:t>If they are categorical variables, you can use </a:t>
+            </a:r>
+            <a:r>
+              <a:rPr lang="en-US" b="1" dirty="0"/>
+              <a:t>facets</a:t>
+            </a:r>
+            <a:r>
+              <a:rPr lang="en-US" dirty="0"/>
+              <a:t>!</a:t>
+            </a:r>
+          </a:p>
+        </p:txBody>
+      </p:sp>
+      <p:sp>
+        <p:nvSpPr>
+          <p:cNvPr id="4" name="Footer Placeholder 3">
+            <a:extLst>
+              <a:ext uri="{FF2B5EF4-FFF2-40B4-BE49-F238E27FC236}">
+                <a16:creationId xmlns:a16="http://schemas.microsoft.com/office/drawing/2014/main" id="{2E798A95-C8C6-4BCC-8E07-FFFE668E1DEE}"/>
+              </a:ext>
+            </a:extLst>
+          </p:cNvPr>
+          <p:cNvSpPr>
+            <a:spLocks noGrp="1"/>
+          </p:cNvSpPr>
+          <p:nvPr>
+            <p:ph type="ftr" sz="quarter" idx="11"/>
+          </p:nvPr>
+        </p:nvSpPr>
+        <p:spPr/>
+        <p:txBody>
+          <a:bodyPr/>
+          <a:lstStyle/>
+          <a:p>
+            <a:r>
+              <a:rPr lang="en-US"/>
+              <a:t>CERF 2019 | The Next Step with R | Cressman and Dunnigan</a:t>
+            </a:r>
+          </a:p>
+        </p:txBody>
+      </p:sp>
+      <p:sp>
+        <p:nvSpPr>
+          <p:cNvPr id="5" name="Slide Number Placeholder 4">
+            <a:extLst>
+              <a:ext uri="{FF2B5EF4-FFF2-40B4-BE49-F238E27FC236}">
+                <a16:creationId xmlns:a16="http://schemas.microsoft.com/office/drawing/2014/main" id="{F9FE6AC7-76FC-4CD5-A665-21612D5BF8B2}"/>
+              </a:ext>
+            </a:extLst>
+          </p:cNvPr>
+          <p:cNvSpPr>
+            <a:spLocks noGrp="1"/>
+          </p:cNvSpPr>
+          <p:nvPr>
+            <p:ph type="sldNum" sz="quarter" idx="12"/>
+          </p:nvPr>
+        </p:nvSpPr>
+        <p:spPr/>
+        <p:txBody>
+          <a:bodyPr/>
+          <a:lstStyle/>
+          <a:p>
+            <a:fld id="{1D07C8D9-AA71-438D-86BE-7B86F7F29DC7}" type="slidenum">
+              <a:rPr lang="en-US" smtClean="0"/>
+              <a:t>20</a:t>
+            </a:fld>
+            <a:endParaRPr lang="en-US"/>
+          </a:p>
+        </p:txBody>
+      </p:sp>
+      <p:sp>
+        <p:nvSpPr>
+          <p:cNvPr id="8" name="Speech Bubble: Rectangle with Corners Rounded 7">
+            <a:extLst>
+              <a:ext uri="{FF2B5EF4-FFF2-40B4-BE49-F238E27FC236}">
+                <a16:creationId xmlns:a16="http://schemas.microsoft.com/office/drawing/2014/main" id="{B84566A6-B1E3-4D48-A1DF-2706772082E0}"/>
+              </a:ext>
+            </a:extLst>
+          </p:cNvPr>
+          <p:cNvSpPr/>
+          <p:nvPr/>
+        </p:nvSpPr>
+        <p:spPr>
+          <a:xfrm>
+            <a:off x="8876071" y="2420630"/>
+            <a:ext cx="2497394" cy="2477729"/>
+          </a:xfrm>
+          <a:prstGeom prst="wedgeRoundRectCallout">
+            <a:avLst>
+              <a:gd name="adj1" fmla="val -85793"/>
+              <a:gd name="adj2" fmla="val -58135"/>
+              <a:gd name="adj3" fmla="val 16667"/>
+            </a:avLst>
+          </a:prstGeom>
+        </p:spPr>
+        <p:style>
+          <a:lnRef idx="2">
+            <a:schemeClr val="accent5">
+              <a:shade val="50000"/>
+            </a:schemeClr>
+          </a:lnRef>
+          <a:fillRef idx="1">
+            <a:schemeClr val="accent5"/>
+          </a:fillRef>
+          <a:effectRef idx="0">
+            <a:schemeClr val="accent5"/>
+          </a:effectRef>
+          <a:fontRef idx="minor">
+            <a:schemeClr val="lt1"/>
+          </a:fontRef>
+        </p:style>
+        <p:txBody>
+          <a:bodyPr rtlCol="0" anchor="ctr"/>
+          <a:lstStyle/>
+          <a:p>
+            <a:pPr algn="ctr"/>
+            <a:r>
+              <a:rPr lang="en-US" sz="2400" dirty="0"/>
+              <a:t>Subplots that each display one subset of the data</a:t>
+            </a:r>
+          </a:p>
+        </p:txBody>
+      </p:sp>
+    </p:spTree>
+    <p:extLst>
+      <p:ext uri="{BB962C8B-B14F-4D97-AF65-F5344CB8AC3E}">
+        <p14:creationId xmlns:p14="http://schemas.microsoft.com/office/powerpoint/2010/main" val="896183166"/>
+      </p:ext>
+    </p:extLst>
+  </p:cSld>
+  <p:clrMapOvr>
+    <a:masterClrMapping/>
+  </p:clrMapOvr>
+</p:sld>
+</file>
+
+<file path=ppt/slides/slide21.xml><?xml version="1.0" encoding="utf-8"?>
+<p:sld xmlns:a="http://schemas.openxmlformats.org/drawingml/2006/main" xmlns:r="http://schemas.openxmlformats.org/officeDocument/2006/relationships" xmlns:p="http://schemas.openxmlformats.org/presentationml/2006/main">
+  <p:cSld>
+    <p:spTree>
+      <p:nvGrpSpPr>
+        <p:cNvPr id="1" name=""/>
+        <p:cNvGrpSpPr/>
+        <p:nvPr/>
+      </p:nvGrpSpPr>
+      <p:grpSpPr>
+        <a:xfrm>
+          <a:off x="0" y="0"/>
+          <a:ext cx="0" cy="0"/>
+          <a:chOff x="0" y="0"/>
+          <a:chExt cx="0" cy="0"/>
+        </a:xfrm>
+      </p:grpSpPr>
+      <p:sp>
+        <p:nvSpPr>
+          <p:cNvPr id="2" name="Title 1">
+            <a:extLst>
+              <a:ext uri="{FF2B5EF4-FFF2-40B4-BE49-F238E27FC236}">
+                <a16:creationId xmlns:a16="http://schemas.microsoft.com/office/drawing/2014/main" id="{A888BF66-1005-45FE-861B-F6F562B2F6F4}"/>
+              </a:ext>
+            </a:extLst>
+          </p:cNvPr>
+          <p:cNvSpPr>
+            <a:spLocks noGrp="1"/>
+          </p:cNvSpPr>
+          <p:nvPr>
+            <p:ph type="title"/>
+          </p:nvPr>
+        </p:nvSpPr>
+        <p:spPr/>
+        <p:txBody>
+          <a:bodyPr>
+            <a:normAutofit/>
+          </a:bodyPr>
+          <a:lstStyle/>
+          <a:p>
+            <a:pPr algn="ctr"/>
+            <a:r>
+              <a:rPr lang="en-US" sz="4000" dirty="0">
+                <a:latin typeface="Fira Code" panose="020B0809050000020004" pitchFamily="49" charset="0"/>
+                <a:ea typeface="Fira Code" panose="020B0809050000020004" pitchFamily="49" charset="0"/>
+                <a:cs typeface="Fira Code" panose="020B0809050000020004" pitchFamily="49" charset="0"/>
+              </a:rPr>
+              <a:t> </a:t>
+            </a:r>
+            <a:r>
+              <a:rPr lang="en-US" sz="4000" dirty="0" err="1">
+                <a:solidFill>
+                  <a:schemeClr val="accent6">
+                    <a:lumMod val="75000"/>
+                  </a:schemeClr>
+                </a:solidFill>
+                <a:latin typeface="Fira Code" panose="020B0809050000020004" pitchFamily="49" charset="0"/>
+                <a:ea typeface="Fira Code" panose="020B0809050000020004" pitchFamily="49" charset="0"/>
+                <a:cs typeface="Fira Code" panose="020B0809050000020004" pitchFamily="49" charset="0"/>
+              </a:rPr>
+              <a:t>facet_wrap</a:t>
+            </a:r>
+            <a:r>
+              <a:rPr lang="en-US" sz="4000" dirty="0">
+                <a:solidFill>
+                  <a:schemeClr val="accent6">
+                    <a:lumMod val="75000"/>
+                  </a:schemeClr>
+                </a:solidFill>
+                <a:latin typeface="Fira Code" panose="020B0809050000020004" pitchFamily="49" charset="0"/>
+                <a:ea typeface="Fira Code" panose="020B0809050000020004" pitchFamily="49" charset="0"/>
+                <a:cs typeface="Fira Code" panose="020B0809050000020004" pitchFamily="49" charset="0"/>
+              </a:rPr>
+              <a:t>() </a:t>
+            </a:r>
+            <a:r>
+              <a:rPr lang="en-US" sz="4000" dirty="0">
+                <a:ea typeface="Fira Code" panose="020B0809050000020004" pitchFamily="49" charset="0"/>
+                <a:cs typeface="Fira Code" panose="020B0809050000020004" pitchFamily="49" charset="0"/>
+                <a:sym typeface="Wingdings" panose="05000000000000000000" pitchFamily="2" charset="2"/>
+              </a:rPr>
+              <a:t> </a:t>
+            </a:r>
+            <a:r>
+              <a:rPr lang="en-US" sz="4000" dirty="0">
+                <a:ea typeface="Fira Code" panose="020B0809050000020004" pitchFamily="49" charset="0"/>
+                <a:cs typeface="Fira Code" panose="020B0809050000020004" pitchFamily="49" charset="0"/>
+              </a:rPr>
+              <a:t>for a single variable</a:t>
+            </a:r>
+          </a:p>
+        </p:txBody>
+      </p:sp>
+      <p:sp>
+        <p:nvSpPr>
+          <p:cNvPr id="3" name="Content Placeholder 2">
+            <a:extLst>
+              <a:ext uri="{FF2B5EF4-FFF2-40B4-BE49-F238E27FC236}">
+                <a16:creationId xmlns:a16="http://schemas.microsoft.com/office/drawing/2014/main" id="{23B0AEC0-5DA3-46BF-86A9-83293CDEB4E1}"/>
+              </a:ext>
+            </a:extLst>
+          </p:cNvPr>
+          <p:cNvSpPr>
+            <a:spLocks noGrp="1"/>
+          </p:cNvSpPr>
+          <p:nvPr>
+            <p:ph idx="1"/>
+          </p:nvPr>
+        </p:nvSpPr>
+        <p:spPr>
+          <a:xfrm>
+            <a:off x="388883" y="1400175"/>
+            <a:ext cx="11445765" cy="4776788"/>
+          </a:xfrm>
+        </p:spPr>
+        <p:txBody>
+          <a:bodyPr/>
+          <a:lstStyle/>
+          <a:p>
+            <a:pPr marL="0" indent="0">
+              <a:buNone/>
+            </a:pPr>
+            <a:r>
+              <a:rPr lang="en-US" dirty="0" err="1">
+                <a:latin typeface="Fira Code" panose="020B0809050000020004" pitchFamily="49" charset="0"/>
+                <a:ea typeface="Fira Code" panose="020B0809050000020004" pitchFamily="49" charset="0"/>
+                <a:cs typeface="Fira Code" panose="020B0809050000020004" pitchFamily="49" charset="0"/>
+              </a:rPr>
+              <a:t>ggplot</a:t>
+            </a:r>
+            <a:r>
+              <a:rPr lang="en-US" dirty="0">
+                <a:latin typeface="Fira Code" panose="020B0809050000020004" pitchFamily="49" charset="0"/>
+                <a:ea typeface="Fira Code" panose="020B0809050000020004" pitchFamily="49" charset="0"/>
+                <a:cs typeface="Fira Code" panose="020B0809050000020004" pitchFamily="49" charset="0"/>
+              </a:rPr>
+              <a:t>(data = </a:t>
+            </a:r>
+            <a:r>
+              <a:rPr lang="en-US" dirty="0" err="1">
+                <a:latin typeface="Fira Code" panose="020B0809050000020004" pitchFamily="49" charset="0"/>
+                <a:ea typeface="Fira Code" panose="020B0809050000020004" pitchFamily="49" charset="0"/>
+                <a:cs typeface="Fira Code" panose="020B0809050000020004" pitchFamily="49" charset="0"/>
+              </a:rPr>
+              <a:t>wq</a:t>
+            </a:r>
+            <a:r>
+              <a:rPr lang="en-US" dirty="0">
+                <a:latin typeface="Fira Code" panose="020B0809050000020004" pitchFamily="49" charset="0"/>
+                <a:ea typeface="Fira Code" panose="020B0809050000020004" pitchFamily="49" charset="0"/>
+                <a:cs typeface="Fira Code" panose="020B0809050000020004" pitchFamily="49" charset="0"/>
+              </a:rPr>
+              <a:t>) + </a:t>
+            </a:r>
+          </a:p>
+          <a:p>
+            <a:pPr marL="0" indent="0">
+              <a:buNone/>
+            </a:pPr>
+            <a:r>
+              <a:rPr lang="en-US" dirty="0">
+                <a:latin typeface="Fira Code" panose="020B0809050000020004" pitchFamily="49" charset="0"/>
+                <a:ea typeface="Fira Code" panose="020B0809050000020004" pitchFamily="49" charset="0"/>
+                <a:cs typeface="Fira Code" panose="020B0809050000020004" pitchFamily="49" charset="0"/>
+              </a:rPr>
+              <a:t>  </a:t>
+            </a:r>
+            <a:r>
+              <a:rPr lang="en-US" dirty="0" err="1">
+                <a:latin typeface="Fira Code" panose="020B0809050000020004" pitchFamily="49" charset="0"/>
+                <a:ea typeface="Fira Code" panose="020B0809050000020004" pitchFamily="49" charset="0"/>
+                <a:cs typeface="Fira Code" panose="020B0809050000020004" pitchFamily="49" charset="0"/>
+              </a:rPr>
+              <a:t>geom_point</a:t>
+            </a:r>
+            <a:r>
+              <a:rPr lang="en-US" dirty="0">
+                <a:latin typeface="Fira Code" panose="020B0809050000020004" pitchFamily="49" charset="0"/>
+                <a:ea typeface="Fira Code" panose="020B0809050000020004" pitchFamily="49" charset="0"/>
+                <a:cs typeface="Fira Code" panose="020B0809050000020004" pitchFamily="49" charset="0"/>
+              </a:rPr>
+              <a:t>(mapping = </a:t>
+            </a:r>
+            <a:r>
+              <a:rPr lang="en-US" dirty="0" err="1">
+                <a:latin typeface="Fira Code" panose="020B0809050000020004" pitchFamily="49" charset="0"/>
+                <a:ea typeface="Fira Code" panose="020B0809050000020004" pitchFamily="49" charset="0"/>
+                <a:cs typeface="Fira Code" panose="020B0809050000020004" pitchFamily="49" charset="0"/>
+              </a:rPr>
+              <a:t>aes</a:t>
+            </a:r>
+            <a:r>
+              <a:rPr lang="en-US" dirty="0">
+                <a:latin typeface="Fira Code" panose="020B0809050000020004" pitchFamily="49" charset="0"/>
+                <a:ea typeface="Fira Code" panose="020B0809050000020004" pitchFamily="49" charset="0"/>
+                <a:cs typeface="Fira Code" panose="020B0809050000020004" pitchFamily="49" charset="0"/>
+              </a:rPr>
+              <a:t>(x = temp, y = </a:t>
+            </a:r>
+            <a:r>
+              <a:rPr lang="en-US" dirty="0" err="1">
+                <a:latin typeface="Fira Code" panose="020B0809050000020004" pitchFamily="49" charset="0"/>
+                <a:ea typeface="Fira Code" panose="020B0809050000020004" pitchFamily="49" charset="0"/>
+                <a:cs typeface="Fira Code" panose="020B0809050000020004" pitchFamily="49" charset="0"/>
+              </a:rPr>
+              <a:t>do_mgl</a:t>
+            </a:r>
+            <a:r>
+              <a:rPr lang="en-US" dirty="0">
+                <a:latin typeface="Fira Code" panose="020B0809050000020004" pitchFamily="49" charset="0"/>
+                <a:ea typeface="Fira Code" panose="020B0809050000020004" pitchFamily="49" charset="0"/>
+                <a:cs typeface="Fira Code" panose="020B0809050000020004" pitchFamily="49" charset="0"/>
+              </a:rPr>
+              <a:t>)) </a:t>
+            </a:r>
+            <a:r>
+              <a:rPr lang="en-US" dirty="0">
+                <a:solidFill>
+                  <a:schemeClr val="accent6">
+                    <a:lumMod val="75000"/>
+                  </a:schemeClr>
+                </a:solidFill>
+                <a:latin typeface="Fira Code" panose="020B0809050000020004" pitchFamily="49" charset="0"/>
+                <a:ea typeface="Fira Code" panose="020B0809050000020004" pitchFamily="49" charset="0"/>
+                <a:cs typeface="Fira Code" panose="020B0809050000020004" pitchFamily="49" charset="0"/>
+              </a:rPr>
+              <a:t>+</a:t>
+            </a:r>
+          </a:p>
+          <a:p>
+            <a:pPr marL="0" indent="0">
+              <a:buNone/>
+            </a:pPr>
+            <a:r>
+              <a:rPr lang="en-US" dirty="0">
+                <a:latin typeface="Fira Code" panose="020B0809050000020004" pitchFamily="49" charset="0"/>
+                <a:ea typeface="Fira Code" panose="020B0809050000020004" pitchFamily="49" charset="0"/>
+                <a:cs typeface="Fira Code" panose="020B0809050000020004" pitchFamily="49" charset="0"/>
+              </a:rPr>
+              <a:t>  </a:t>
+            </a:r>
+            <a:r>
+              <a:rPr lang="en-US" dirty="0" err="1">
+                <a:solidFill>
+                  <a:schemeClr val="accent6">
+                    <a:lumMod val="75000"/>
+                  </a:schemeClr>
+                </a:solidFill>
+                <a:latin typeface="Fira Code" panose="020B0809050000020004" pitchFamily="49" charset="0"/>
+                <a:ea typeface="Fira Code" panose="020B0809050000020004" pitchFamily="49" charset="0"/>
+                <a:cs typeface="Fira Code" panose="020B0809050000020004" pitchFamily="49" charset="0"/>
+              </a:rPr>
+              <a:t>facet_wrap</a:t>
+            </a:r>
+            <a:r>
+              <a:rPr lang="en-US" dirty="0">
+                <a:latin typeface="Fira Code" panose="020B0809050000020004" pitchFamily="49" charset="0"/>
+                <a:ea typeface="Fira Code" panose="020B0809050000020004" pitchFamily="49" charset="0"/>
+                <a:cs typeface="Fira Code" panose="020B0809050000020004" pitchFamily="49" charset="0"/>
+              </a:rPr>
+              <a:t>(</a:t>
+            </a:r>
+            <a:r>
+              <a:rPr lang="en-US" dirty="0">
+                <a:solidFill>
+                  <a:schemeClr val="accent6">
+                    <a:lumMod val="75000"/>
+                  </a:schemeClr>
+                </a:solidFill>
+                <a:latin typeface="Fira Code" panose="020B0809050000020004" pitchFamily="49" charset="0"/>
+                <a:ea typeface="Fira Code" panose="020B0809050000020004" pitchFamily="49" charset="0"/>
+                <a:cs typeface="Fira Code" panose="020B0809050000020004" pitchFamily="49" charset="0"/>
+              </a:rPr>
+              <a:t>~ coast, </a:t>
+            </a:r>
+            <a:r>
+              <a:rPr lang="en-US" dirty="0" err="1">
+                <a:solidFill>
+                  <a:schemeClr val="accent6">
+                    <a:lumMod val="75000"/>
+                  </a:schemeClr>
+                </a:solidFill>
+                <a:latin typeface="Fira Code" panose="020B0809050000020004" pitchFamily="49" charset="0"/>
+                <a:ea typeface="Fira Code" panose="020B0809050000020004" pitchFamily="49" charset="0"/>
+                <a:cs typeface="Fira Code" panose="020B0809050000020004" pitchFamily="49" charset="0"/>
+              </a:rPr>
+              <a:t>nrow</a:t>
+            </a:r>
+            <a:r>
+              <a:rPr lang="en-US" dirty="0">
+                <a:solidFill>
+                  <a:schemeClr val="accent6">
+                    <a:lumMod val="75000"/>
+                  </a:schemeClr>
+                </a:solidFill>
+                <a:latin typeface="Fira Code" panose="020B0809050000020004" pitchFamily="49" charset="0"/>
+                <a:ea typeface="Fira Code" panose="020B0809050000020004" pitchFamily="49" charset="0"/>
+                <a:cs typeface="Fira Code" panose="020B0809050000020004" pitchFamily="49" charset="0"/>
+              </a:rPr>
+              <a:t> = 1</a:t>
+            </a:r>
+            <a:r>
+              <a:rPr lang="en-US" dirty="0">
+                <a:latin typeface="Fira Code" panose="020B0809050000020004" pitchFamily="49" charset="0"/>
+                <a:ea typeface="Fira Code" panose="020B0809050000020004" pitchFamily="49" charset="0"/>
+                <a:cs typeface="Fira Code" panose="020B0809050000020004" pitchFamily="49" charset="0"/>
+              </a:rPr>
+              <a:t>)</a:t>
+            </a:r>
+          </a:p>
+        </p:txBody>
+      </p:sp>
+      <p:sp>
+        <p:nvSpPr>
+          <p:cNvPr id="4" name="Footer Placeholder 3">
+            <a:extLst>
+              <a:ext uri="{FF2B5EF4-FFF2-40B4-BE49-F238E27FC236}">
+                <a16:creationId xmlns:a16="http://schemas.microsoft.com/office/drawing/2014/main" id="{EB02D7DB-D666-4594-BDCB-DF891A46B21F}"/>
+              </a:ext>
+            </a:extLst>
+          </p:cNvPr>
+          <p:cNvSpPr>
+            <a:spLocks noGrp="1"/>
+          </p:cNvSpPr>
+          <p:nvPr>
+            <p:ph type="ftr" sz="quarter" idx="11"/>
+          </p:nvPr>
+        </p:nvSpPr>
+        <p:spPr/>
+        <p:txBody>
+          <a:bodyPr/>
+          <a:lstStyle/>
+          <a:p>
+            <a:r>
+              <a:rPr lang="en-US"/>
+              <a:t>CERF 2019 | The Next Step with R | Cressman and Dunnigan</a:t>
+            </a:r>
+          </a:p>
+        </p:txBody>
+      </p:sp>
+      <p:sp>
+        <p:nvSpPr>
+          <p:cNvPr id="5" name="Slide Number Placeholder 4">
+            <a:extLst>
+              <a:ext uri="{FF2B5EF4-FFF2-40B4-BE49-F238E27FC236}">
+                <a16:creationId xmlns:a16="http://schemas.microsoft.com/office/drawing/2014/main" id="{3062D147-8045-4345-B1F6-8F56268F0A5B}"/>
+              </a:ext>
+            </a:extLst>
+          </p:cNvPr>
+          <p:cNvSpPr>
+            <a:spLocks noGrp="1"/>
+          </p:cNvSpPr>
+          <p:nvPr>
+            <p:ph type="sldNum" sz="quarter" idx="12"/>
+          </p:nvPr>
+        </p:nvSpPr>
+        <p:spPr/>
+        <p:txBody>
+          <a:bodyPr/>
+          <a:lstStyle/>
+          <a:p>
+            <a:fld id="{1D07C8D9-AA71-438D-86BE-7B86F7F29DC7}" type="slidenum">
+              <a:rPr lang="en-US" smtClean="0"/>
+              <a:t>21</a:t>
+            </a:fld>
+            <a:endParaRPr lang="en-US"/>
+          </a:p>
+        </p:txBody>
+      </p:sp>
+      <p:pic>
+        <p:nvPicPr>
+          <p:cNvPr id="6" name="Picture 2" descr="https://lh5.googleusercontent.com/drCCGDDUMyd5L9X9iYUr5e3Exn4w51Ln2fWk8nZIcR2wvmPsAR2Qhw1FavBNL-1mwcjrshWXXyufmnOY6dPefqLbvI7yc-dqtlIdsgplbWjmZcsnhD0SJD9EiQi1QAJdiT3XiNSV">
+            <a:extLst>
+              <a:ext uri="{FF2B5EF4-FFF2-40B4-BE49-F238E27FC236}">
+                <a16:creationId xmlns:a16="http://schemas.microsoft.com/office/drawing/2014/main" id="{5EACF4C7-DF16-4DE6-A28B-6E61C27ED337}"/>
+              </a:ext>
+            </a:extLst>
+          </p:cNvPr>
+          <p:cNvPicPr>
+            <a:picLocks noChangeAspect="1" noChangeArrowheads="1"/>
+          </p:cNvPicPr>
+          <p:nvPr/>
+        </p:nvPicPr>
+        <p:blipFill>
+          <a:blip r:embed="rId2">
+            <a:extLst>
+              <a:ext uri="{28A0092B-C50C-407E-A947-70E740481C1C}">
+                <a14:useLocalDpi xmlns:a14="http://schemas.microsoft.com/office/drawing/2010/main" val="0"/>
+              </a:ext>
+            </a:extLst>
+          </a:blip>
+          <a:srcRect/>
+          <a:stretch>
+            <a:fillRect/>
+          </a:stretch>
+        </p:blipFill>
+        <p:spPr bwMode="auto">
+          <a:xfrm>
+            <a:off x="2942482" y="2859194"/>
+            <a:ext cx="5668118" cy="3497156"/>
+          </a:xfrm>
+          <a:prstGeom prst="rect">
+            <a:avLst/>
+          </a:prstGeom>
+          <a:noFill/>
+          <a:extLst>
+            <a:ext uri="{909E8E84-426E-40DD-AFC4-6F175D3DCCD1}">
+              <a14:hiddenFill xmlns:a14="http://schemas.microsoft.com/office/drawing/2010/main">
+                <a:solidFill>
+                  <a:srgbClr val="FFFFFF"/>
+                </a:solidFill>
+              </a14:hiddenFill>
+            </a:ext>
+          </a:extLst>
+        </p:spPr>
+      </p:pic>
+    </p:spTree>
+    <p:extLst>
+      <p:ext uri="{BB962C8B-B14F-4D97-AF65-F5344CB8AC3E}">
+        <p14:creationId xmlns:p14="http://schemas.microsoft.com/office/powerpoint/2010/main" val="243994880"/>
+      </p:ext>
+    </p:extLst>
+  </p:cSld>
+  <p:clrMapOvr>
+    <a:masterClrMapping/>
+  </p:clrMapOvr>
+</p:sld>
+</file>
+
+<file path=ppt/slides/slide22.xml><?xml version="1.0" encoding="utf-8"?>
+<p:sld xmlns:a="http://schemas.openxmlformats.org/drawingml/2006/main" xmlns:r="http://schemas.openxmlformats.org/officeDocument/2006/relationships" xmlns:p="http://schemas.openxmlformats.org/presentationml/2006/main">
+  <p:cSld>
+    <p:spTree>
+      <p:nvGrpSpPr>
+        <p:cNvPr id="1" name=""/>
+        <p:cNvGrpSpPr/>
+        <p:nvPr/>
+      </p:nvGrpSpPr>
+      <p:grpSpPr>
+        <a:xfrm>
+          <a:off x="0" y="0"/>
+          <a:ext cx="0" cy="0"/>
+          <a:chOff x="0" y="0"/>
+          <a:chExt cx="0" cy="0"/>
+        </a:xfrm>
+      </p:grpSpPr>
+      <p:sp>
+        <p:nvSpPr>
+          <p:cNvPr id="2" name="Title 1">
+            <a:extLst>
+              <a:ext uri="{FF2B5EF4-FFF2-40B4-BE49-F238E27FC236}">
+                <a16:creationId xmlns:a16="http://schemas.microsoft.com/office/drawing/2014/main" id="{A888BF66-1005-45FE-861B-F6F562B2F6F4}"/>
+              </a:ext>
+            </a:extLst>
+          </p:cNvPr>
+          <p:cNvSpPr>
+            <a:spLocks noGrp="1"/>
+          </p:cNvSpPr>
+          <p:nvPr>
+            <p:ph type="title"/>
+          </p:nvPr>
+        </p:nvSpPr>
+        <p:spPr/>
+        <p:txBody>
+          <a:bodyPr/>
+          <a:lstStyle/>
+          <a:p>
+            <a:pPr algn="ctr"/>
+            <a:r>
+              <a:rPr lang="en-US" dirty="0">
+                <a:latin typeface="Fira Code" panose="020B0809050000020004" pitchFamily="49" charset="0"/>
+                <a:ea typeface="Fira Code" panose="020B0809050000020004" pitchFamily="49" charset="0"/>
+                <a:cs typeface="Fira Code" panose="020B0809050000020004" pitchFamily="49" charset="0"/>
+              </a:rPr>
+              <a:t> </a:t>
+            </a:r>
+            <a:r>
+              <a:rPr lang="en-US" sz="4000" dirty="0" err="1">
+                <a:solidFill>
+                  <a:schemeClr val="accent6">
+                    <a:lumMod val="75000"/>
+                  </a:schemeClr>
+                </a:solidFill>
+                <a:latin typeface="Fira Code" panose="020B0809050000020004" pitchFamily="49" charset="0"/>
+                <a:ea typeface="Fira Code" panose="020B0809050000020004" pitchFamily="49" charset="0"/>
+                <a:cs typeface="Fira Code" panose="020B0809050000020004" pitchFamily="49" charset="0"/>
+              </a:rPr>
+              <a:t>facet_grid</a:t>
+            </a:r>
+            <a:r>
+              <a:rPr lang="en-US" sz="4000" dirty="0">
+                <a:solidFill>
+                  <a:schemeClr val="accent6">
+                    <a:lumMod val="75000"/>
+                  </a:schemeClr>
+                </a:solidFill>
+                <a:latin typeface="Fira Code" panose="020B0809050000020004" pitchFamily="49" charset="0"/>
+                <a:ea typeface="Fira Code" panose="020B0809050000020004" pitchFamily="49" charset="0"/>
+                <a:cs typeface="Fira Code" panose="020B0809050000020004" pitchFamily="49" charset="0"/>
+              </a:rPr>
+              <a:t>()</a:t>
+            </a:r>
+            <a:r>
+              <a:rPr lang="en-US" sz="4000" dirty="0">
+                <a:latin typeface="Fira Code" panose="020B0809050000020004" pitchFamily="49" charset="0"/>
+                <a:ea typeface="Fira Code" panose="020B0809050000020004" pitchFamily="49" charset="0"/>
+                <a:cs typeface="Fira Code" panose="020B0809050000020004" pitchFamily="49" charset="0"/>
+              </a:rPr>
+              <a:t> </a:t>
+            </a:r>
+            <a:r>
+              <a:rPr lang="en-US" sz="4000" dirty="0">
+                <a:ea typeface="Fira Code" panose="020B0809050000020004" pitchFamily="49" charset="0"/>
+                <a:cs typeface="Fira Code" panose="020B0809050000020004" pitchFamily="49" charset="0"/>
+                <a:sym typeface="Wingdings" panose="05000000000000000000" pitchFamily="2" charset="2"/>
+              </a:rPr>
+              <a:t> </a:t>
+            </a:r>
+            <a:r>
+              <a:rPr lang="en-US" sz="4000" dirty="0">
+                <a:ea typeface="Fira Code" panose="020B0809050000020004" pitchFamily="49" charset="0"/>
+                <a:cs typeface="Fira Code" panose="020B0809050000020004" pitchFamily="49" charset="0"/>
+              </a:rPr>
+              <a:t>for a combo of 2 variables</a:t>
+            </a:r>
+            <a:endParaRPr lang="en-US" dirty="0">
+              <a:ea typeface="Fira Code" panose="020B0809050000020004" pitchFamily="49" charset="0"/>
+              <a:cs typeface="Fira Code" panose="020B0809050000020004" pitchFamily="49" charset="0"/>
+            </a:endParaRPr>
+          </a:p>
+        </p:txBody>
+      </p:sp>
+      <p:sp>
+        <p:nvSpPr>
+          <p:cNvPr id="3" name="Content Placeholder 2">
+            <a:extLst>
+              <a:ext uri="{FF2B5EF4-FFF2-40B4-BE49-F238E27FC236}">
+                <a16:creationId xmlns:a16="http://schemas.microsoft.com/office/drawing/2014/main" id="{23B0AEC0-5DA3-46BF-86A9-83293CDEB4E1}"/>
+              </a:ext>
+            </a:extLst>
+          </p:cNvPr>
+          <p:cNvSpPr>
+            <a:spLocks noGrp="1"/>
+          </p:cNvSpPr>
+          <p:nvPr>
+            <p:ph idx="1"/>
+          </p:nvPr>
+        </p:nvSpPr>
+        <p:spPr>
+          <a:xfrm>
+            <a:off x="388883" y="1400175"/>
+            <a:ext cx="11445765" cy="4776788"/>
+          </a:xfrm>
+        </p:spPr>
+        <p:txBody>
+          <a:bodyPr/>
+          <a:lstStyle/>
+          <a:p>
+            <a:pPr marL="0" indent="0">
+              <a:buNone/>
+            </a:pPr>
+            <a:r>
+              <a:rPr lang="en-US" dirty="0" err="1">
+                <a:latin typeface="Fira Code" panose="020B0809050000020004" pitchFamily="49" charset="0"/>
+                <a:ea typeface="Fira Code" panose="020B0809050000020004" pitchFamily="49" charset="0"/>
+                <a:cs typeface="Fira Code" panose="020B0809050000020004" pitchFamily="49" charset="0"/>
+              </a:rPr>
+              <a:t>ggplot</a:t>
+            </a:r>
+            <a:r>
+              <a:rPr lang="en-US" dirty="0">
+                <a:latin typeface="Fira Code" panose="020B0809050000020004" pitchFamily="49" charset="0"/>
+                <a:ea typeface="Fira Code" panose="020B0809050000020004" pitchFamily="49" charset="0"/>
+                <a:cs typeface="Fira Code" panose="020B0809050000020004" pitchFamily="49" charset="0"/>
+              </a:rPr>
+              <a:t>(data = </a:t>
+            </a:r>
+            <a:r>
+              <a:rPr lang="en-US" dirty="0" err="1">
+                <a:latin typeface="Fira Code" panose="020B0809050000020004" pitchFamily="49" charset="0"/>
+                <a:ea typeface="Fira Code" panose="020B0809050000020004" pitchFamily="49" charset="0"/>
+                <a:cs typeface="Fira Code" panose="020B0809050000020004" pitchFamily="49" charset="0"/>
+              </a:rPr>
+              <a:t>wq</a:t>
+            </a:r>
+            <a:r>
+              <a:rPr lang="en-US" dirty="0">
+                <a:latin typeface="Fira Code" panose="020B0809050000020004" pitchFamily="49" charset="0"/>
+                <a:ea typeface="Fira Code" panose="020B0809050000020004" pitchFamily="49" charset="0"/>
+                <a:cs typeface="Fira Code" panose="020B0809050000020004" pitchFamily="49" charset="0"/>
+              </a:rPr>
+              <a:t>) + </a:t>
+            </a:r>
+          </a:p>
+          <a:p>
+            <a:pPr marL="0" indent="0">
+              <a:buNone/>
+            </a:pPr>
+            <a:r>
+              <a:rPr lang="en-US" dirty="0">
+                <a:latin typeface="Fira Code" panose="020B0809050000020004" pitchFamily="49" charset="0"/>
+                <a:ea typeface="Fira Code" panose="020B0809050000020004" pitchFamily="49" charset="0"/>
+                <a:cs typeface="Fira Code" panose="020B0809050000020004" pitchFamily="49" charset="0"/>
+              </a:rPr>
+              <a:t>  </a:t>
+            </a:r>
+            <a:r>
+              <a:rPr lang="en-US" dirty="0" err="1">
+                <a:latin typeface="Fira Code" panose="020B0809050000020004" pitchFamily="49" charset="0"/>
+                <a:ea typeface="Fira Code" panose="020B0809050000020004" pitchFamily="49" charset="0"/>
+                <a:cs typeface="Fira Code" panose="020B0809050000020004" pitchFamily="49" charset="0"/>
+              </a:rPr>
+              <a:t>geom_point</a:t>
+            </a:r>
+            <a:r>
+              <a:rPr lang="en-US" dirty="0">
+                <a:latin typeface="Fira Code" panose="020B0809050000020004" pitchFamily="49" charset="0"/>
+                <a:ea typeface="Fira Code" panose="020B0809050000020004" pitchFamily="49" charset="0"/>
+                <a:cs typeface="Fira Code" panose="020B0809050000020004" pitchFamily="49" charset="0"/>
+              </a:rPr>
+              <a:t>(mapping = </a:t>
+            </a:r>
+            <a:r>
+              <a:rPr lang="en-US" dirty="0" err="1">
+                <a:latin typeface="Fira Code" panose="020B0809050000020004" pitchFamily="49" charset="0"/>
+                <a:ea typeface="Fira Code" panose="020B0809050000020004" pitchFamily="49" charset="0"/>
+                <a:cs typeface="Fira Code" panose="020B0809050000020004" pitchFamily="49" charset="0"/>
+              </a:rPr>
+              <a:t>aes</a:t>
+            </a:r>
+            <a:r>
+              <a:rPr lang="en-US" dirty="0">
+                <a:latin typeface="Fira Code" panose="020B0809050000020004" pitchFamily="49" charset="0"/>
+                <a:ea typeface="Fira Code" panose="020B0809050000020004" pitchFamily="49" charset="0"/>
+                <a:cs typeface="Fira Code" panose="020B0809050000020004" pitchFamily="49" charset="0"/>
+              </a:rPr>
+              <a:t>(x = temp, y = </a:t>
+            </a:r>
+            <a:r>
+              <a:rPr lang="en-US" dirty="0" err="1">
+                <a:latin typeface="Fira Code" panose="020B0809050000020004" pitchFamily="49" charset="0"/>
+                <a:ea typeface="Fira Code" panose="020B0809050000020004" pitchFamily="49" charset="0"/>
+                <a:cs typeface="Fira Code" panose="020B0809050000020004" pitchFamily="49" charset="0"/>
+              </a:rPr>
+              <a:t>do_mgl</a:t>
+            </a:r>
+            <a:r>
+              <a:rPr lang="en-US" dirty="0">
+                <a:latin typeface="Fira Code" panose="020B0809050000020004" pitchFamily="49" charset="0"/>
+                <a:ea typeface="Fira Code" panose="020B0809050000020004" pitchFamily="49" charset="0"/>
+                <a:cs typeface="Fira Code" panose="020B0809050000020004" pitchFamily="49" charset="0"/>
+              </a:rPr>
+              <a:t>)) +</a:t>
+            </a:r>
+          </a:p>
+          <a:p>
+            <a:pPr marL="0" indent="0">
+              <a:buNone/>
+            </a:pPr>
+            <a:r>
+              <a:rPr lang="en-US" dirty="0">
+                <a:latin typeface="Fira Code" panose="020B0809050000020004" pitchFamily="49" charset="0"/>
+                <a:ea typeface="Fira Code" panose="020B0809050000020004" pitchFamily="49" charset="0"/>
+                <a:cs typeface="Fira Code" panose="020B0809050000020004" pitchFamily="49" charset="0"/>
+              </a:rPr>
+              <a:t>  </a:t>
+            </a:r>
+            <a:r>
+              <a:rPr lang="en-US" dirty="0" err="1">
+                <a:solidFill>
+                  <a:schemeClr val="accent6">
+                    <a:lumMod val="75000"/>
+                  </a:schemeClr>
+                </a:solidFill>
+                <a:latin typeface="Fira Code" panose="020B0809050000020004" pitchFamily="49" charset="0"/>
+                <a:ea typeface="Fira Code" panose="020B0809050000020004" pitchFamily="49" charset="0"/>
+                <a:cs typeface="Fira Code" panose="020B0809050000020004" pitchFamily="49" charset="0"/>
+              </a:rPr>
+              <a:t>facet_grid</a:t>
+            </a:r>
+            <a:r>
+              <a:rPr lang="en-US" dirty="0">
+                <a:latin typeface="Fira Code" panose="020B0809050000020004" pitchFamily="49" charset="0"/>
+                <a:ea typeface="Fira Code" panose="020B0809050000020004" pitchFamily="49" charset="0"/>
+                <a:cs typeface="Fira Code" panose="020B0809050000020004" pitchFamily="49" charset="0"/>
+              </a:rPr>
+              <a:t>(</a:t>
+            </a:r>
+            <a:r>
+              <a:rPr lang="en-US" dirty="0">
+                <a:solidFill>
+                  <a:schemeClr val="accent6">
+                    <a:lumMod val="75000"/>
+                  </a:schemeClr>
+                </a:solidFill>
+                <a:latin typeface="Fira Code" panose="020B0809050000020004" pitchFamily="49" charset="0"/>
+                <a:ea typeface="Fira Code" panose="020B0809050000020004" pitchFamily="49" charset="0"/>
+                <a:cs typeface="Fira Code" panose="020B0809050000020004" pitchFamily="49" charset="0"/>
+              </a:rPr>
+              <a:t>coast ~ state</a:t>
+            </a:r>
+            <a:r>
+              <a:rPr lang="en-US" dirty="0">
+                <a:latin typeface="Fira Code" panose="020B0809050000020004" pitchFamily="49" charset="0"/>
+                <a:ea typeface="Fira Code" panose="020B0809050000020004" pitchFamily="49" charset="0"/>
+                <a:cs typeface="Fira Code" panose="020B0809050000020004" pitchFamily="49" charset="0"/>
+              </a:rPr>
+              <a:t>)</a:t>
+            </a:r>
+          </a:p>
+        </p:txBody>
+      </p:sp>
+      <p:sp>
+        <p:nvSpPr>
+          <p:cNvPr id="4" name="Footer Placeholder 3">
+            <a:extLst>
+              <a:ext uri="{FF2B5EF4-FFF2-40B4-BE49-F238E27FC236}">
+                <a16:creationId xmlns:a16="http://schemas.microsoft.com/office/drawing/2014/main" id="{EB02D7DB-D666-4594-BDCB-DF891A46B21F}"/>
+              </a:ext>
+            </a:extLst>
+          </p:cNvPr>
+          <p:cNvSpPr>
+            <a:spLocks noGrp="1"/>
+          </p:cNvSpPr>
+          <p:nvPr>
+            <p:ph type="ftr" sz="quarter" idx="11"/>
+          </p:nvPr>
+        </p:nvSpPr>
+        <p:spPr/>
+        <p:txBody>
+          <a:bodyPr/>
+          <a:lstStyle/>
+          <a:p>
+            <a:r>
+              <a:rPr lang="en-US"/>
+              <a:t>CERF 2019 | The Next Step with R | Cressman and Dunnigan</a:t>
+            </a:r>
+          </a:p>
+        </p:txBody>
+      </p:sp>
+      <p:sp>
+        <p:nvSpPr>
+          <p:cNvPr id="5" name="Slide Number Placeholder 4">
+            <a:extLst>
+              <a:ext uri="{FF2B5EF4-FFF2-40B4-BE49-F238E27FC236}">
+                <a16:creationId xmlns:a16="http://schemas.microsoft.com/office/drawing/2014/main" id="{3062D147-8045-4345-B1F6-8F56268F0A5B}"/>
+              </a:ext>
+            </a:extLst>
+          </p:cNvPr>
+          <p:cNvSpPr>
+            <a:spLocks noGrp="1"/>
+          </p:cNvSpPr>
+          <p:nvPr>
+            <p:ph type="sldNum" sz="quarter" idx="12"/>
+          </p:nvPr>
+        </p:nvSpPr>
+        <p:spPr/>
+        <p:txBody>
+          <a:bodyPr/>
+          <a:lstStyle/>
+          <a:p>
+            <a:fld id="{1D07C8D9-AA71-438D-86BE-7B86F7F29DC7}" type="slidenum">
+              <a:rPr lang="en-US" smtClean="0"/>
+              <a:t>22</a:t>
+            </a:fld>
+            <a:endParaRPr lang="en-US"/>
+          </a:p>
+        </p:txBody>
+      </p:sp>
+      <p:pic>
+        <p:nvPicPr>
+          <p:cNvPr id="3074" name="Picture 2" descr="https://lh6.googleusercontent.com/v8gtsEZSxWN-1QCSwnI2s_2YE_V0LhoD_ygKhstU64Y00iqRL-qL2UkfIMOZuAQtZDVinWWiXQh37Ok78vdJj699zLIXzb4s237qYO6x8DNYA5TuumFMRDEKR-tAI0yEbvlJ42Yb">
+            <a:extLst>
+              <a:ext uri="{FF2B5EF4-FFF2-40B4-BE49-F238E27FC236}">
+                <a16:creationId xmlns:a16="http://schemas.microsoft.com/office/drawing/2014/main" id="{4ADD0E5F-B0C1-47DD-96C1-7B5D93424AFA}"/>
+              </a:ext>
+            </a:extLst>
+          </p:cNvPr>
+          <p:cNvPicPr>
+            <a:picLocks noChangeAspect="1" noChangeArrowheads="1"/>
+          </p:cNvPicPr>
+          <p:nvPr/>
+        </p:nvPicPr>
+        <p:blipFill>
+          <a:blip r:embed="rId2">
+            <a:extLst>
+              <a:ext uri="{28A0092B-C50C-407E-A947-70E740481C1C}">
+                <a14:useLocalDpi xmlns:a14="http://schemas.microsoft.com/office/drawing/2010/main" val="0"/>
+              </a:ext>
+            </a:extLst>
+          </a:blip>
+          <a:srcRect/>
+          <a:stretch>
+            <a:fillRect/>
+          </a:stretch>
+        </p:blipFill>
+        <p:spPr bwMode="auto">
+          <a:xfrm>
+            <a:off x="3382617" y="3054350"/>
+            <a:ext cx="5943600" cy="3667125"/>
+          </a:xfrm>
+          <a:prstGeom prst="rect">
+            <a:avLst/>
+          </a:prstGeom>
+          <a:noFill/>
+          <a:extLst>
+            <a:ext uri="{909E8E84-426E-40DD-AFC4-6F175D3DCCD1}">
+              <a14:hiddenFill xmlns:a14="http://schemas.microsoft.com/office/drawing/2010/main">
+                <a:solidFill>
+                  <a:srgbClr val="FFFFFF"/>
+                </a:solidFill>
+              </a14:hiddenFill>
+            </a:ext>
+          </a:extLst>
+        </p:spPr>
+      </p:pic>
+      <p:sp>
+        <p:nvSpPr>
+          <p:cNvPr id="7" name="Speech Bubble: Rectangle with Corners Rounded 6">
+            <a:extLst>
+              <a:ext uri="{FF2B5EF4-FFF2-40B4-BE49-F238E27FC236}">
+                <a16:creationId xmlns:a16="http://schemas.microsoft.com/office/drawing/2014/main" id="{AA0DEBF5-8F8A-49B4-8A58-CD93571A8A53}"/>
+              </a:ext>
+            </a:extLst>
+          </p:cNvPr>
+          <p:cNvSpPr/>
+          <p:nvPr/>
+        </p:nvSpPr>
+        <p:spPr>
+          <a:xfrm>
+            <a:off x="566530" y="3429000"/>
+            <a:ext cx="2236305" cy="1093839"/>
+          </a:xfrm>
+          <a:prstGeom prst="wedgeRoundRectCallout">
+            <a:avLst>
+              <a:gd name="adj1" fmla="val 71497"/>
+              <a:gd name="adj2" fmla="val -40215"/>
+              <a:gd name="adj3" fmla="val 16667"/>
+            </a:avLst>
+          </a:prstGeom>
+        </p:spPr>
+        <p:style>
+          <a:lnRef idx="3">
+            <a:schemeClr val="lt1"/>
+          </a:lnRef>
+          <a:fillRef idx="1">
+            <a:schemeClr val="accent3"/>
+          </a:fillRef>
+          <a:effectRef idx="1">
+            <a:schemeClr val="accent3"/>
+          </a:effectRef>
+          <a:fontRef idx="minor">
+            <a:schemeClr val="lt1"/>
+          </a:fontRef>
+        </p:style>
+        <p:txBody>
+          <a:bodyPr rtlCol="0" anchor="ctr"/>
+          <a:lstStyle/>
+          <a:p>
+            <a:pPr algn="ctr"/>
+            <a:r>
+              <a:rPr lang="en-US" sz="2400" dirty="0"/>
+              <a:t>Sigh…it’s a bad graph, I know!</a:t>
+            </a:r>
+          </a:p>
+        </p:txBody>
+      </p:sp>
+    </p:spTree>
+    <p:extLst>
+      <p:ext uri="{BB962C8B-B14F-4D97-AF65-F5344CB8AC3E}">
+        <p14:creationId xmlns:p14="http://schemas.microsoft.com/office/powerpoint/2010/main" val="587230888"/>
+      </p:ext>
+    </p:extLst>
+  </p:cSld>
+  <p:clrMapOvr>
+    <a:masterClrMapping/>
+  </p:clrMapOvr>
+</p:sld>
+</file>
+
+<file path=ppt/slides/slide23.xml><?xml version="1.0" encoding="utf-8"?>
+<p:sld xmlns:a="http://schemas.openxmlformats.org/drawingml/2006/main" xmlns:r="http://schemas.openxmlformats.org/officeDocument/2006/relationships" xmlns:p="http://schemas.openxmlformats.org/presentationml/2006/main">
+  <p:cSld>
+    <p:spTree>
+      <p:nvGrpSpPr>
+        <p:cNvPr id="1" name=""/>
+        <p:cNvGrpSpPr/>
+        <p:nvPr/>
+      </p:nvGrpSpPr>
+      <p:grpSpPr>
+        <a:xfrm>
+          <a:off x="0" y="0"/>
+          <a:ext cx="0" cy="0"/>
+          <a:chOff x="0" y="0"/>
+          <a:chExt cx="0" cy="0"/>
+        </a:xfrm>
+      </p:grpSpPr>
+      <p:sp>
+        <p:nvSpPr>
+          <p:cNvPr id="2" name="Title 1">
+            <a:extLst>
+              <a:ext uri="{FF2B5EF4-FFF2-40B4-BE49-F238E27FC236}">
+                <a16:creationId xmlns:a16="http://schemas.microsoft.com/office/drawing/2014/main" id="{A888BF66-1005-45FE-861B-F6F562B2F6F4}"/>
+              </a:ext>
+            </a:extLst>
+          </p:cNvPr>
+          <p:cNvSpPr>
+            <a:spLocks noGrp="1"/>
+          </p:cNvSpPr>
+          <p:nvPr>
+            <p:ph type="title"/>
+          </p:nvPr>
+        </p:nvSpPr>
+        <p:spPr/>
+        <p:txBody>
+          <a:bodyPr/>
+          <a:lstStyle/>
+          <a:p>
+            <a:pPr algn="ctr"/>
+            <a:r>
+              <a:rPr lang="en-US" dirty="0">
+                <a:latin typeface="Fira Code" panose="020B0809050000020004" pitchFamily="49" charset="0"/>
+                <a:ea typeface="Fira Code" panose="020B0809050000020004" pitchFamily="49" charset="0"/>
+                <a:cs typeface="Fira Code" panose="020B0809050000020004" pitchFamily="49" charset="0"/>
+              </a:rPr>
+              <a:t> </a:t>
+            </a:r>
+            <a:r>
+              <a:rPr lang="en-US" sz="4000" dirty="0" err="1">
+                <a:solidFill>
+                  <a:schemeClr val="accent6">
+                    <a:lumMod val="75000"/>
+                  </a:schemeClr>
+                </a:solidFill>
+                <a:latin typeface="Fira Code" panose="020B0809050000020004" pitchFamily="49" charset="0"/>
+                <a:ea typeface="Fira Code" panose="020B0809050000020004" pitchFamily="49" charset="0"/>
+                <a:cs typeface="Fira Code" panose="020B0809050000020004" pitchFamily="49" charset="0"/>
+              </a:rPr>
+              <a:t>facet_grid</a:t>
+            </a:r>
+            <a:r>
+              <a:rPr lang="en-US" sz="4000" dirty="0">
+                <a:solidFill>
+                  <a:schemeClr val="accent6">
+                    <a:lumMod val="75000"/>
+                  </a:schemeClr>
+                </a:solidFill>
+                <a:latin typeface="Fira Code" panose="020B0809050000020004" pitchFamily="49" charset="0"/>
+                <a:ea typeface="Fira Code" panose="020B0809050000020004" pitchFamily="49" charset="0"/>
+                <a:cs typeface="Fira Code" panose="020B0809050000020004" pitchFamily="49" charset="0"/>
+              </a:rPr>
+              <a:t>()</a:t>
+            </a:r>
+            <a:r>
+              <a:rPr lang="en-US" sz="4000" dirty="0">
+                <a:latin typeface="Fira Code" panose="020B0809050000020004" pitchFamily="49" charset="0"/>
+                <a:ea typeface="Fira Code" panose="020B0809050000020004" pitchFamily="49" charset="0"/>
+                <a:cs typeface="Fira Code" panose="020B0809050000020004" pitchFamily="49" charset="0"/>
+              </a:rPr>
+              <a:t> </a:t>
+            </a:r>
+            <a:r>
+              <a:rPr lang="en-US" sz="4000" dirty="0">
+                <a:ea typeface="Fira Code" panose="020B0809050000020004" pitchFamily="49" charset="0"/>
+                <a:cs typeface="Fira Code" panose="020B0809050000020004" pitchFamily="49" charset="0"/>
+                <a:sym typeface="Wingdings" panose="05000000000000000000" pitchFamily="2" charset="2"/>
+              </a:rPr>
+              <a:t> </a:t>
+            </a:r>
+            <a:r>
+              <a:rPr lang="en-US" sz="4000" dirty="0">
+                <a:ea typeface="Fira Code" panose="020B0809050000020004" pitchFamily="49" charset="0"/>
+                <a:cs typeface="Fira Code" panose="020B0809050000020004" pitchFamily="49" charset="0"/>
+              </a:rPr>
+              <a:t>for a combo of 2 variables</a:t>
+            </a:r>
+            <a:endParaRPr lang="en-US" dirty="0">
+              <a:ea typeface="Fira Code" panose="020B0809050000020004" pitchFamily="49" charset="0"/>
+              <a:cs typeface="Fira Code" panose="020B0809050000020004" pitchFamily="49" charset="0"/>
+            </a:endParaRPr>
+          </a:p>
+        </p:txBody>
+      </p:sp>
+      <p:sp>
+        <p:nvSpPr>
+          <p:cNvPr id="3" name="Content Placeholder 2">
+            <a:extLst>
+              <a:ext uri="{FF2B5EF4-FFF2-40B4-BE49-F238E27FC236}">
+                <a16:creationId xmlns:a16="http://schemas.microsoft.com/office/drawing/2014/main" id="{23B0AEC0-5DA3-46BF-86A9-83293CDEB4E1}"/>
+              </a:ext>
+            </a:extLst>
+          </p:cNvPr>
+          <p:cNvSpPr>
+            <a:spLocks noGrp="1"/>
+          </p:cNvSpPr>
+          <p:nvPr>
+            <p:ph idx="1"/>
+          </p:nvPr>
+        </p:nvSpPr>
+        <p:spPr>
+          <a:xfrm>
+            <a:off x="388883" y="1400175"/>
+            <a:ext cx="11445765" cy="4776788"/>
+          </a:xfrm>
+        </p:spPr>
+        <p:txBody>
+          <a:bodyPr/>
+          <a:lstStyle/>
+          <a:p>
+            <a:pPr marL="0" indent="0">
+              <a:buNone/>
+            </a:pPr>
+            <a:r>
+              <a:rPr lang="en-US" dirty="0" err="1">
+                <a:latin typeface="Fira Code" panose="020B0809050000020004" pitchFamily="49" charset="0"/>
+                <a:ea typeface="Fira Code" panose="020B0809050000020004" pitchFamily="49" charset="0"/>
+                <a:cs typeface="Fira Code" panose="020B0809050000020004" pitchFamily="49" charset="0"/>
+              </a:rPr>
+              <a:t>ggplot</a:t>
+            </a:r>
+            <a:r>
+              <a:rPr lang="en-US" dirty="0">
+                <a:latin typeface="Fira Code" panose="020B0809050000020004" pitchFamily="49" charset="0"/>
+                <a:ea typeface="Fira Code" panose="020B0809050000020004" pitchFamily="49" charset="0"/>
+                <a:cs typeface="Fira Code" panose="020B0809050000020004" pitchFamily="49" charset="0"/>
+              </a:rPr>
+              <a:t>(data = </a:t>
+            </a:r>
+            <a:r>
+              <a:rPr lang="en-US" dirty="0" err="1">
+                <a:latin typeface="Fira Code" panose="020B0809050000020004" pitchFamily="49" charset="0"/>
+                <a:ea typeface="Fira Code" panose="020B0809050000020004" pitchFamily="49" charset="0"/>
+                <a:cs typeface="Fira Code" panose="020B0809050000020004" pitchFamily="49" charset="0"/>
+              </a:rPr>
+              <a:t>wq</a:t>
+            </a:r>
+            <a:r>
+              <a:rPr lang="en-US" dirty="0">
+                <a:latin typeface="Fira Code" panose="020B0809050000020004" pitchFamily="49" charset="0"/>
+                <a:ea typeface="Fira Code" panose="020B0809050000020004" pitchFamily="49" charset="0"/>
+                <a:cs typeface="Fira Code" panose="020B0809050000020004" pitchFamily="49" charset="0"/>
+              </a:rPr>
+              <a:t>) + </a:t>
+            </a:r>
+          </a:p>
+          <a:p>
+            <a:pPr marL="0" indent="0">
+              <a:buNone/>
+            </a:pPr>
+            <a:r>
+              <a:rPr lang="en-US" dirty="0">
+                <a:latin typeface="Fira Code" panose="020B0809050000020004" pitchFamily="49" charset="0"/>
+                <a:ea typeface="Fira Code" panose="020B0809050000020004" pitchFamily="49" charset="0"/>
+                <a:cs typeface="Fira Code" panose="020B0809050000020004" pitchFamily="49" charset="0"/>
+              </a:rPr>
+              <a:t>  </a:t>
+            </a:r>
+            <a:r>
+              <a:rPr lang="en-US" dirty="0" err="1">
+                <a:latin typeface="Fira Code" panose="020B0809050000020004" pitchFamily="49" charset="0"/>
+                <a:ea typeface="Fira Code" panose="020B0809050000020004" pitchFamily="49" charset="0"/>
+                <a:cs typeface="Fira Code" panose="020B0809050000020004" pitchFamily="49" charset="0"/>
+              </a:rPr>
+              <a:t>geom_point</a:t>
+            </a:r>
+            <a:r>
+              <a:rPr lang="en-US" dirty="0">
+                <a:latin typeface="Fira Code" panose="020B0809050000020004" pitchFamily="49" charset="0"/>
+                <a:ea typeface="Fira Code" panose="020B0809050000020004" pitchFamily="49" charset="0"/>
+                <a:cs typeface="Fira Code" panose="020B0809050000020004" pitchFamily="49" charset="0"/>
+              </a:rPr>
+              <a:t>(mapping = </a:t>
+            </a:r>
+            <a:r>
+              <a:rPr lang="en-US" dirty="0" err="1">
+                <a:latin typeface="Fira Code" panose="020B0809050000020004" pitchFamily="49" charset="0"/>
+                <a:ea typeface="Fira Code" panose="020B0809050000020004" pitchFamily="49" charset="0"/>
+                <a:cs typeface="Fira Code" panose="020B0809050000020004" pitchFamily="49" charset="0"/>
+              </a:rPr>
+              <a:t>aes</a:t>
+            </a:r>
+            <a:r>
+              <a:rPr lang="en-US" dirty="0">
+                <a:latin typeface="Fira Code" panose="020B0809050000020004" pitchFamily="49" charset="0"/>
+                <a:ea typeface="Fira Code" panose="020B0809050000020004" pitchFamily="49" charset="0"/>
+                <a:cs typeface="Fira Code" panose="020B0809050000020004" pitchFamily="49" charset="0"/>
+              </a:rPr>
+              <a:t>(x = temp, y = </a:t>
+            </a:r>
+            <a:r>
+              <a:rPr lang="en-US" dirty="0" err="1">
+                <a:latin typeface="Fira Code" panose="020B0809050000020004" pitchFamily="49" charset="0"/>
+                <a:ea typeface="Fira Code" panose="020B0809050000020004" pitchFamily="49" charset="0"/>
+                <a:cs typeface="Fira Code" panose="020B0809050000020004" pitchFamily="49" charset="0"/>
+              </a:rPr>
+              <a:t>do_mgl</a:t>
+            </a:r>
+            <a:r>
+              <a:rPr lang="en-US" dirty="0">
+                <a:latin typeface="Fira Code" panose="020B0809050000020004" pitchFamily="49" charset="0"/>
+                <a:ea typeface="Fira Code" panose="020B0809050000020004" pitchFamily="49" charset="0"/>
+                <a:cs typeface="Fira Code" panose="020B0809050000020004" pitchFamily="49" charset="0"/>
+              </a:rPr>
+              <a:t>)) +</a:t>
+            </a:r>
+          </a:p>
+          <a:p>
+            <a:pPr marL="0" indent="0">
+              <a:buNone/>
+            </a:pPr>
+            <a:r>
+              <a:rPr lang="en-US" dirty="0">
+                <a:latin typeface="Fira Code" panose="020B0809050000020004" pitchFamily="49" charset="0"/>
+                <a:ea typeface="Fira Code" panose="020B0809050000020004" pitchFamily="49" charset="0"/>
+                <a:cs typeface="Fira Code" panose="020B0809050000020004" pitchFamily="49" charset="0"/>
+              </a:rPr>
+              <a:t>  </a:t>
+            </a:r>
+            <a:r>
+              <a:rPr lang="en-US" dirty="0" err="1">
+                <a:latin typeface="Fira Code" panose="020B0809050000020004" pitchFamily="49" charset="0"/>
+                <a:ea typeface="Fira Code" panose="020B0809050000020004" pitchFamily="49" charset="0"/>
+                <a:cs typeface="Fira Code" panose="020B0809050000020004" pitchFamily="49" charset="0"/>
+              </a:rPr>
+              <a:t>facet_grid</a:t>
+            </a:r>
+            <a:r>
+              <a:rPr lang="en-US" dirty="0">
+                <a:latin typeface="Fira Code" panose="020B0809050000020004" pitchFamily="49" charset="0"/>
+                <a:ea typeface="Fira Code" panose="020B0809050000020004" pitchFamily="49" charset="0"/>
+                <a:cs typeface="Fira Code" panose="020B0809050000020004" pitchFamily="49" charset="0"/>
+              </a:rPr>
+              <a:t>(</a:t>
+            </a:r>
+            <a:r>
+              <a:rPr lang="en-US" dirty="0">
+                <a:solidFill>
+                  <a:schemeClr val="accent6">
+                    <a:lumMod val="75000"/>
+                  </a:schemeClr>
+                </a:solidFill>
+                <a:latin typeface="Fira Code" panose="020B0809050000020004" pitchFamily="49" charset="0"/>
+                <a:ea typeface="Fira Code" panose="020B0809050000020004" pitchFamily="49" charset="0"/>
+                <a:cs typeface="Fira Code" panose="020B0809050000020004" pitchFamily="49" charset="0"/>
+              </a:rPr>
+              <a:t>. ~ state</a:t>
+            </a:r>
+            <a:r>
+              <a:rPr lang="en-US" dirty="0">
+                <a:latin typeface="Fira Code" panose="020B0809050000020004" pitchFamily="49" charset="0"/>
+                <a:ea typeface="Fira Code" panose="020B0809050000020004" pitchFamily="49" charset="0"/>
+                <a:cs typeface="Fira Code" panose="020B0809050000020004" pitchFamily="49" charset="0"/>
+              </a:rPr>
+              <a:t>)</a:t>
+            </a:r>
+          </a:p>
+        </p:txBody>
+      </p:sp>
+      <p:sp>
+        <p:nvSpPr>
+          <p:cNvPr id="4" name="Footer Placeholder 3">
+            <a:extLst>
+              <a:ext uri="{FF2B5EF4-FFF2-40B4-BE49-F238E27FC236}">
+                <a16:creationId xmlns:a16="http://schemas.microsoft.com/office/drawing/2014/main" id="{EB02D7DB-D666-4594-BDCB-DF891A46B21F}"/>
+              </a:ext>
+            </a:extLst>
+          </p:cNvPr>
+          <p:cNvSpPr>
+            <a:spLocks noGrp="1"/>
+          </p:cNvSpPr>
+          <p:nvPr>
+            <p:ph type="ftr" sz="quarter" idx="11"/>
+          </p:nvPr>
+        </p:nvSpPr>
+        <p:spPr/>
+        <p:txBody>
+          <a:bodyPr/>
+          <a:lstStyle/>
+          <a:p>
+            <a:r>
+              <a:rPr lang="en-US"/>
+              <a:t>CERF 2019 | The Next Step with R | Cressman and Dunnigan</a:t>
+            </a:r>
+          </a:p>
+        </p:txBody>
+      </p:sp>
+      <p:sp>
+        <p:nvSpPr>
+          <p:cNvPr id="5" name="Slide Number Placeholder 4">
+            <a:extLst>
+              <a:ext uri="{FF2B5EF4-FFF2-40B4-BE49-F238E27FC236}">
+                <a16:creationId xmlns:a16="http://schemas.microsoft.com/office/drawing/2014/main" id="{3062D147-8045-4345-B1F6-8F56268F0A5B}"/>
+              </a:ext>
+            </a:extLst>
+          </p:cNvPr>
+          <p:cNvSpPr>
+            <a:spLocks noGrp="1"/>
+          </p:cNvSpPr>
+          <p:nvPr>
+            <p:ph type="sldNum" sz="quarter" idx="12"/>
+          </p:nvPr>
+        </p:nvSpPr>
+        <p:spPr/>
+        <p:txBody>
+          <a:bodyPr/>
+          <a:lstStyle/>
+          <a:p>
+            <a:fld id="{1D07C8D9-AA71-438D-86BE-7B86F7F29DC7}" type="slidenum">
+              <a:rPr lang="en-US" smtClean="0"/>
+              <a:t>23</a:t>
+            </a:fld>
+            <a:endParaRPr lang="en-US"/>
+          </a:p>
+        </p:txBody>
+      </p:sp>
+      <p:pic>
+        <p:nvPicPr>
+          <p:cNvPr id="5122" name="Picture 2" descr="https://lh6.googleusercontent.com/g5ZPcgLlAzbzjuD_gcGWDUSum2yd4UwWGjM-iNHzkpY3L9tWaY8j27RnJj9TKQQ6Ph9P1n3ce0BtAtBJ3uXSi9eWhVmyMVVF1l4qo8aSSZ9PlgRc1fLhmlPR8AoPS3WOqJccXRxA">
+            <a:extLst>
+              <a:ext uri="{FF2B5EF4-FFF2-40B4-BE49-F238E27FC236}">
+                <a16:creationId xmlns:a16="http://schemas.microsoft.com/office/drawing/2014/main" id="{DBE898F4-2593-491B-98BE-14EBC320E64E}"/>
+              </a:ext>
+            </a:extLst>
+          </p:cNvPr>
+          <p:cNvPicPr>
+            <a:picLocks noChangeAspect="1" noChangeArrowheads="1"/>
+          </p:cNvPicPr>
+          <p:nvPr/>
+        </p:nvPicPr>
+        <p:blipFill>
+          <a:blip r:embed="rId2">
+            <a:extLst>
+              <a:ext uri="{28A0092B-C50C-407E-A947-70E740481C1C}">
+                <a14:useLocalDpi xmlns:a14="http://schemas.microsoft.com/office/drawing/2010/main" val="0"/>
+              </a:ext>
+            </a:extLst>
+          </a:blip>
+          <a:srcRect/>
+          <a:stretch>
+            <a:fillRect/>
+          </a:stretch>
+        </p:blipFill>
+        <p:spPr bwMode="auto">
+          <a:xfrm>
+            <a:off x="3260035" y="2985525"/>
+            <a:ext cx="5943600" cy="3667125"/>
+          </a:xfrm>
+          <a:prstGeom prst="rect">
+            <a:avLst/>
+          </a:prstGeom>
+          <a:noFill/>
+          <a:extLst>
+            <a:ext uri="{909E8E84-426E-40DD-AFC4-6F175D3DCCD1}">
+              <a14:hiddenFill xmlns:a14="http://schemas.microsoft.com/office/drawing/2010/main">
+                <a:solidFill>
+                  <a:srgbClr val="FFFFFF"/>
+                </a:solidFill>
+              </a14:hiddenFill>
+            </a:ext>
+          </a:extLst>
+        </p:spPr>
+      </p:pic>
+      <p:sp>
+        <p:nvSpPr>
+          <p:cNvPr id="6" name="Speech Bubble: Rectangle with Corners Rounded 5">
+            <a:extLst>
+              <a:ext uri="{FF2B5EF4-FFF2-40B4-BE49-F238E27FC236}">
+                <a16:creationId xmlns:a16="http://schemas.microsoft.com/office/drawing/2014/main" id="{F180FAB7-AD88-4A82-B57F-D0AC0BD08726}"/>
+              </a:ext>
+            </a:extLst>
+          </p:cNvPr>
+          <p:cNvSpPr/>
+          <p:nvPr/>
+        </p:nvSpPr>
+        <p:spPr>
+          <a:xfrm>
+            <a:off x="629023" y="3264310"/>
+            <a:ext cx="2359342" cy="2193515"/>
+          </a:xfrm>
+          <a:prstGeom prst="wedgeRoundRectCallout">
+            <a:avLst>
+              <a:gd name="adj1" fmla="val 66238"/>
+              <a:gd name="adj2" fmla="val -69731"/>
+              <a:gd name="adj3" fmla="val 16667"/>
+            </a:avLst>
+          </a:prstGeom>
+        </p:spPr>
+        <p:style>
+          <a:lnRef idx="2">
+            <a:schemeClr val="accent6">
+              <a:shade val="50000"/>
+            </a:schemeClr>
+          </a:lnRef>
+          <a:fillRef idx="1">
+            <a:schemeClr val="accent6"/>
+          </a:fillRef>
+          <a:effectRef idx="0">
+            <a:schemeClr val="accent6"/>
+          </a:effectRef>
+          <a:fontRef idx="minor">
+            <a:schemeClr val="lt1"/>
+          </a:fontRef>
+        </p:style>
+        <p:txBody>
+          <a:bodyPr rtlCol="0" anchor="ctr"/>
+          <a:lstStyle/>
+          <a:p>
+            <a:pPr algn="ctr"/>
+            <a:r>
+              <a:rPr lang="en-US" sz="2000" dirty="0"/>
+              <a:t>Use this in place if you would prefer not to facet in the rows or columns dimension</a:t>
+            </a:r>
+          </a:p>
+        </p:txBody>
+      </p:sp>
+    </p:spTree>
+    <p:extLst>
+      <p:ext uri="{BB962C8B-B14F-4D97-AF65-F5344CB8AC3E}">
+        <p14:creationId xmlns:p14="http://schemas.microsoft.com/office/powerpoint/2010/main" val="796073653"/>
+      </p:ext>
+    </p:extLst>
+  </p:cSld>
+  <p:clrMapOvr>
+    <a:masterClrMapping/>
+  </p:clrMapOvr>
+</p:sld>
+</file>
+
+<file path=ppt/slides/slide24.xml><?xml version="1.0" encoding="utf-8"?>
+<p:sld xmlns:a="http://schemas.openxmlformats.org/drawingml/2006/main" xmlns:r="http://schemas.openxmlformats.org/officeDocument/2006/relationships" xmlns:p="http://schemas.openxmlformats.org/presentationml/2006/main">
+  <p:cSld>
+    <p:spTree>
+      <p:nvGrpSpPr>
+        <p:cNvPr id="1" name=""/>
+        <p:cNvGrpSpPr/>
+        <p:nvPr/>
+      </p:nvGrpSpPr>
+      <p:grpSpPr>
+        <a:xfrm>
+          <a:off x="0" y="0"/>
+          <a:ext cx="0" cy="0"/>
+          <a:chOff x="0" y="0"/>
+          <a:chExt cx="0" cy="0"/>
+        </a:xfrm>
+      </p:grpSpPr>
+      <p:sp>
+        <p:nvSpPr>
+          <p:cNvPr id="2" name="Title 1">
+            <a:extLst>
+              <a:ext uri="{FF2B5EF4-FFF2-40B4-BE49-F238E27FC236}">
+                <a16:creationId xmlns:a16="http://schemas.microsoft.com/office/drawing/2014/main" id="{BD96B164-A72C-4CB5-A4FC-653B876B5739}"/>
+              </a:ext>
+            </a:extLst>
+          </p:cNvPr>
+          <p:cNvSpPr>
+            <a:spLocks noGrp="1"/>
+          </p:cNvSpPr>
+          <p:nvPr>
+            <p:ph type="title"/>
+          </p:nvPr>
+        </p:nvSpPr>
+        <p:spPr/>
+        <p:txBody>
+          <a:bodyPr/>
+          <a:lstStyle/>
+          <a:p>
+            <a:r>
+              <a:rPr lang="en-US" dirty="0" err="1"/>
+              <a:t>Geoms</a:t>
+            </a:r>
+            <a:endParaRPr lang="en-US" dirty="0"/>
+          </a:p>
+        </p:txBody>
+      </p:sp>
+      <p:sp>
+        <p:nvSpPr>
+          <p:cNvPr id="3" name="Text Placeholder 2">
+            <a:extLst>
+              <a:ext uri="{FF2B5EF4-FFF2-40B4-BE49-F238E27FC236}">
+                <a16:creationId xmlns:a16="http://schemas.microsoft.com/office/drawing/2014/main" id="{7C6F6C6D-9385-47AF-8703-1525E3164C3B}"/>
+              </a:ext>
+            </a:extLst>
+          </p:cNvPr>
+          <p:cNvSpPr>
+            <a:spLocks noGrp="1"/>
+          </p:cNvSpPr>
+          <p:nvPr>
+            <p:ph type="body" idx="1"/>
+          </p:nvPr>
+        </p:nvSpPr>
+        <p:spPr/>
+        <p:txBody>
+          <a:bodyPr/>
+          <a:lstStyle/>
+          <a:p>
+            <a:endParaRPr lang="en-US" dirty="0"/>
+          </a:p>
+        </p:txBody>
+      </p:sp>
+      <p:sp>
+        <p:nvSpPr>
+          <p:cNvPr id="4" name="Footer Placeholder 3">
+            <a:extLst>
+              <a:ext uri="{FF2B5EF4-FFF2-40B4-BE49-F238E27FC236}">
+                <a16:creationId xmlns:a16="http://schemas.microsoft.com/office/drawing/2014/main" id="{DD62F30A-0AA8-4F90-BD58-6FEC0E78F2FB}"/>
+              </a:ext>
+            </a:extLst>
+          </p:cNvPr>
+          <p:cNvSpPr>
+            <a:spLocks noGrp="1"/>
+          </p:cNvSpPr>
+          <p:nvPr>
+            <p:ph type="ftr" sz="quarter" idx="11"/>
+          </p:nvPr>
+        </p:nvSpPr>
+        <p:spPr/>
+        <p:txBody>
+          <a:bodyPr/>
+          <a:lstStyle/>
+          <a:p>
+            <a:r>
+              <a:rPr lang="en-US"/>
+              <a:t>CERF 2019 | The Next Step with R | Cressman and Dunnigan</a:t>
+            </a:r>
+          </a:p>
+        </p:txBody>
+      </p:sp>
+      <p:sp>
+        <p:nvSpPr>
+          <p:cNvPr id="5" name="Slide Number Placeholder 4">
+            <a:extLst>
+              <a:ext uri="{FF2B5EF4-FFF2-40B4-BE49-F238E27FC236}">
+                <a16:creationId xmlns:a16="http://schemas.microsoft.com/office/drawing/2014/main" id="{BAE8935C-DCEE-4584-80D8-12E6DF745D0A}"/>
+              </a:ext>
+            </a:extLst>
+          </p:cNvPr>
+          <p:cNvSpPr>
+            <a:spLocks noGrp="1"/>
+          </p:cNvSpPr>
+          <p:nvPr>
+            <p:ph type="sldNum" sz="quarter" idx="12"/>
+          </p:nvPr>
+        </p:nvSpPr>
+        <p:spPr/>
+        <p:txBody>
+          <a:bodyPr/>
+          <a:lstStyle/>
+          <a:p>
+            <a:fld id="{1D07C8D9-AA71-438D-86BE-7B86F7F29DC7}" type="slidenum">
+              <a:rPr lang="en-US" smtClean="0"/>
+              <a:t>24</a:t>
+            </a:fld>
+            <a:endParaRPr lang="en-US"/>
+          </a:p>
+        </p:txBody>
+      </p:sp>
+    </p:spTree>
+    <p:extLst>
+      <p:ext uri="{BB962C8B-B14F-4D97-AF65-F5344CB8AC3E}">
+        <p14:creationId xmlns:p14="http://schemas.microsoft.com/office/powerpoint/2010/main" val="1743825220"/>
+      </p:ext>
+    </p:extLst>
+  </p:cSld>
+  <p:clrMapOvr>
+    <a:masterClrMapping/>
+  </p:clrMapOvr>
+</p:sld>
+</file>
+
+<file path=ppt/slides/slide25.xml><?xml version="1.0" encoding="utf-8"?>
+<p:sld xmlns:a="http://schemas.openxmlformats.org/drawingml/2006/main" xmlns:r="http://schemas.openxmlformats.org/officeDocument/2006/relationships" xmlns:p="http://schemas.openxmlformats.org/presentationml/2006/main">
+  <p:cSld>
+    <p:spTree>
+      <p:nvGrpSpPr>
+        <p:cNvPr id="1" name=""/>
+        <p:cNvGrpSpPr/>
+        <p:nvPr/>
+      </p:nvGrpSpPr>
+      <p:grpSpPr>
+        <a:xfrm>
+          <a:off x="0" y="0"/>
+          <a:ext cx="0" cy="0"/>
+          <a:chOff x="0" y="0"/>
+          <a:chExt cx="0" cy="0"/>
+        </a:xfrm>
+      </p:grpSpPr>
+      <p:sp>
+        <p:nvSpPr>
+          <p:cNvPr id="6" name="Title 5">
+            <a:extLst>
+              <a:ext uri="{FF2B5EF4-FFF2-40B4-BE49-F238E27FC236}">
+                <a16:creationId xmlns:a16="http://schemas.microsoft.com/office/drawing/2014/main" id="{F62EA5FF-7895-45E5-A660-028393779DC6}"/>
+              </a:ext>
+            </a:extLst>
+          </p:cNvPr>
+          <p:cNvSpPr>
+            <a:spLocks noGrp="1"/>
+          </p:cNvSpPr>
+          <p:nvPr>
+            <p:ph type="title"/>
+          </p:nvPr>
+        </p:nvSpPr>
+        <p:spPr/>
+        <p:txBody>
+          <a:bodyPr/>
+          <a:lstStyle/>
+          <a:p>
+            <a:r>
+              <a:rPr lang="en-US" dirty="0"/>
+              <a:t>How are these plots similar? Different?</a:t>
+            </a:r>
+          </a:p>
+        </p:txBody>
+      </p:sp>
+      <p:sp>
+        <p:nvSpPr>
+          <p:cNvPr id="4" name="Footer Placeholder 3">
+            <a:extLst>
+              <a:ext uri="{FF2B5EF4-FFF2-40B4-BE49-F238E27FC236}">
+                <a16:creationId xmlns:a16="http://schemas.microsoft.com/office/drawing/2014/main" id="{96977414-6AC4-40B5-BBDC-63904DAB6860}"/>
+              </a:ext>
+            </a:extLst>
+          </p:cNvPr>
+          <p:cNvSpPr>
+            <a:spLocks noGrp="1"/>
+          </p:cNvSpPr>
+          <p:nvPr>
+            <p:ph type="ftr" sz="quarter" idx="11"/>
+          </p:nvPr>
+        </p:nvSpPr>
+        <p:spPr/>
+        <p:txBody>
+          <a:bodyPr/>
+          <a:lstStyle/>
+          <a:p>
+            <a:r>
+              <a:rPr lang="en-US"/>
+              <a:t>CERF 2019 | The Next Step with R | Cressman and Dunnigan</a:t>
+            </a:r>
+          </a:p>
+        </p:txBody>
+      </p:sp>
+      <p:sp>
+        <p:nvSpPr>
+          <p:cNvPr id="5" name="Slide Number Placeholder 4">
+            <a:extLst>
+              <a:ext uri="{FF2B5EF4-FFF2-40B4-BE49-F238E27FC236}">
+                <a16:creationId xmlns:a16="http://schemas.microsoft.com/office/drawing/2014/main" id="{819FA2EE-52E2-4E7F-AF18-7BC02FF8BC5D}"/>
+              </a:ext>
+            </a:extLst>
+          </p:cNvPr>
+          <p:cNvSpPr>
+            <a:spLocks noGrp="1"/>
+          </p:cNvSpPr>
+          <p:nvPr>
+            <p:ph type="sldNum" sz="quarter" idx="12"/>
+          </p:nvPr>
+        </p:nvSpPr>
+        <p:spPr/>
+        <p:txBody>
+          <a:bodyPr/>
+          <a:lstStyle/>
+          <a:p>
+            <a:fld id="{1D07C8D9-AA71-438D-86BE-7B86F7F29DC7}" type="slidenum">
+              <a:rPr lang="en-US" smtClean="0"/>
+              <a:t>25</a:t>
+            </a:fld>
+            <a:endParaRPr lang="en-US"/>
+          </a:p>
+        </p:txBody>
+      </p:sp>
+      <p:pic>
+        <p:nvPicPr>
+          <p:cNvPr id="4098" name="Picture 2" descr="https://lh6.googleusercontent.com/AzJpajqO0prZ49F59NAgzOkpbsQZZugNdXXZXFgnf18zQ-rLHtOUeYEWnFQfOIYR8VXQtf5Zk5AXV8xUXo4EVlOVMlWEzsngkMsV9zNr5cUw5b73C9mdCQ2QvzOk4Vvgeir5F1HY">
+            <a:extLst>
+              <a:ext uri="{FF2B5EF4-FFF2-40B4-BE49-F238E27FC236}">
+                <a16:creationId xmlns:a16="http://schemas.microsoft.com/office/drawing/2014/main" id="{974B688F-25D4-48BC-BC09-9344264ED32D}"/>
+              </a:ext>
+            </a:extLst>
+          </p:cNvPr>
+          <p:cNvPicPr>
+            <a:picLocks noGrp="1" noChangeAspect="1" noChangeArrowheads="1"/>
+          </p:cNvPicPr>
+          <p:nvPr>
+            <p:ph idx="1"/>
+          </p:nvPr>
+        </p:nvPicPr>
+        <p:blipFill>
+          <a:blip r:embed="rId3">
+            <a:extLst>
+              <a:ext uri="{28A0092B-C50C-407E-A947-70E740481C1C}">
+                <a14:useLocalDpi xmlns:a14="http://schemas.microsoft.com/office/drawing/2010/main" val="0"/>
+              </a:ext>
+            </a:extLst>
+          </a:blip>
+          <a:srcRect/>
+          <a:stretch>
+            <a:fillRect/>
+          </a:stretch>
+        </p:blipFill>
+        <p:spPr bwMode="auto">
+          <a:xfrm>
+            <a:off x="2030429" y="1338274"/>
+            <a:ext cx="8131142" cy="5018076"/>
+          </a:xfrm>
+          <a:prstGeom prst="rect">
+            <a:avLst/>
+          </a:prstGeom>
+          <a:noFill/>
+          <a:extLst>
+            <a:ext uri="{909E8E84-426E-40DD-AFC4-6F175D3DCCD1}">
+              <a14:hiddenFill xmlns:a14="http://schemas.microsoft.com/office/drawing/2010/main">
+                <a:solidFill>
+                  <a:srgbClr val="FFFFFF"/>
+                </a:solidFill>
+              </a14:hiddenFill>
+            </a:ext>
+          </a:extLst>
+        </p:spPr>
+      </p:pic>
+    </p:spTree>
+    <p:extLst>
+      <p:ext uri="{BB962C8B-B14F-4D97-AF65-F5344CB8AC3E}">
+        <p14:creationId xmlns:p14="http://schemas.microsoft.com/office/powerpoint/2010/main" val="749253138"/>
       </p:ext>
     </p:extLst>
   </p:cSld>
@@ -4574,34 +11476,144 @@
           <a:lstStyle/>
           <a:p>
             <a:pPr algn="ctr"/>
+            <a:r>
+              <a:rPr lang="en-US" dirty="0"/>
+              <a:t>Be sure to check out the data</a:t>
+            </a:r>
+          </a:p>
+        </p:txBody>
+      </p:sp>
+      <p:sp>
+        <p:nvSpPr>
+          <p:cNvPr id="3" name="Content Placeholder 2">
+            <a:extLst>
+              <a:ext uri="{FF2B5EF4-FFF2-40B4-BE49-F238E27FC236}">
+                <a16:creationId xmlns:a16="http://schemas.microsoft.com/office/drawing/2014/main" id="{C0E05D8F-8095-4421-8098-83185D47CA99}"/>
+              </a:ext>
+            </a:extLst>
+          </p:cNvPr>
+          <p:cNvSpPr>
+            <a:spLocks noGrp="1"/>
+          </p:cNvSpPr>
+          <p:nvPr>
+            <p:ph idx="1"/>
+          </p:nvPr>
+        </p:nvSpPr>
+        <p:spPr/>
+        <p:txBody>
+          <a:bodyPr/>
+          <a:lstStyle/>
+          <a:p>
+            <a:r>
+              <a:rPr lang="en-US" dirty="0"/>
+              <a:t>You can use:</a:t>
+            </a:r>
+            <a:br>
+              <a:rPr lang="en-US" dirty="0"/>
+            </a:br>
             <a:endParaRPr lang="en-US" dirty="0"/>
           </a:p>
-        </p:txBody>
-      </p:sp>
-      <p:sp>
-        <p:nvSpPr>
-          <p:cNvPr id="3" name="Content Placeholder 2">
-            <a:extLst>
-              <a:ext uri="{FF2B5EF4-FFF2-40B4-BE49-F238E27FC236}">
-                <a16:creationId xmlns:a16="http://schemas.microsoft.com/office/drawing/2014/main" id="{C0E05D8F-8095-4421-8098-83185D47CA99}"/>
-              </a:ext>
-            </a:extLst>
-          </p:cNvPr>
-          <p:cNvSpPr>
-            <a:spLocks noGrp="1"/>
-          </p:cNvSpPr>
-          <p:nvPr>
-            <p:ph idx="1"/>
-          </p:nvPr>
-        </p:nvSpPr>
-        <p:spPr/>
-        <p:txBody>
-          <a:bodyPr/>
-          <a:lstStyle/>
-          <a:p>
-            <a:r>
-              <a:rPr lang="en-US" dirty="0"/>
-              <a:t>BLAH BLAH Text about the </a:t>
+          <a:p>
+            <a:pPr marL="457200" lvl="1" indent="0" algn="ctr">
+              <a:buNone/>
+            </a:pPr>
+            <a:r>
+              <a:rPr lang="en-US" sz="2800" dirty="0">
+                <a:latin typeface="Fira Code" panose="020B0809050000020004" pitchFamily="49" charset="0"/>
+                <a:ea typeface="Fira Code" panose="020B0809050000020004" pitchFamily="49" charset="0"/>
+                <a:cs typeface="Fira Code" panose="020B0809050000020004" pitchFamily="49" charset="0"/>
+              </a:rPr>
+              <a:t>`head()`</a:t>
+            </a:r>
+            <a:r>
+              <a:rPr lang="en-US" sz="2800" dirty="0">
+                <a:ea typeface="Fira Code" panose="020B0809050000020004" pitchFamily="49" charset="0"/>
+                <a:cs typeface="Fira Code" panose="020B0809050000020004" pitchFamily="49" charset="0"/>
+              </a:rPr>
+              <a:t>,</a:t>
+            </a:r>
+            <a:r>
+              <a:rPr lang="en-US" sz="2800" dirty="0">
+                <a:latin typeface="Fira Code" panose="020B0809050000020004" pitchFamily="49" charset="0"/>
+                <a:ea typeface="Fira Code" panose="020B0809050000020004" pitchFamily="49" charset="0"/>
+                <a:cs typeface="Fira Code" panose="020B0809050000020004" pitchFamily="49" charset="0"/>
+              </a:rPr>
+              <a:t> `tail()`</a:t>
+            </a:r>
+            <a:r>
+              <a:rPr lang="en-US" sz="2800" dirty="0">
+                <a:ea typeface="Fira Code" panose="020B0809050000020004" pitchFamily="49" charset="0"/>
+                <a:cs typeface="Fira Code" panose="020B0809050000020004" pitchFamily="49" charset="0"/>
+              </a:rPr>
+              <a:t>,</a:t>
+            </a:r>
+            <a:r>
+              <a:rPr lang="en-US" sz="2800" dirty="0">
+                <a:latin typeface="Fira Code" panose="020B0809050000020004" pitchFamily="49" charset="0"/>
+                <a:ea typeface="Fira Code" panose="020B0809050000020004" pitchFamily="49" charset="0"/>
+                <a:cs typeface="Fira Code" panose="020B0809050000020004" pitchFamily="49" charset="0"/>
+              </a:rPr>
+              <a:t> `str()`</a:t>
+            </a:r>
+            <a:r>
+              <a:rPr lang="en-US" sz="2800" dirty="0">
+                <a:ea typeface="Fira Code" panose="020B0809050000020004" pitchFamily="49" charset="0"/>
+                <a:cs typeface="Fira Code" panose="020B0809050000020004" pitchFamily="49" charset="0"/>
+              </a:rPr>
+              <a:t>,</a:t>
+            </a:r>
+          </a:p>
+          <a:p>
+            <a:pPr marL="457200" lvl="1" indent="0" algn="ctr">
+              <a:buNone/>
+            </a:pPr>
+            <a:r>
+              <a:rPr lang="en-US" sz="2800" dirty="0">
+                <a:latin typeface="Fira Code" panose="020B0809050000020004" pitchFamily="49" charset="0"/>
+                <a:ea typeface="Fira Code" panose="020B0809050000020004" pitchFamily="49" charset="0"/>
+                <a:cs typeface="Fira Code" panose="020B0809050000020004" pitchFamily="49" charset="0"/>
+              </a:rPr>
+              <a:t> </a:t>
+            </a:r>
+          </a:p>
+          <a:p>
+            <a:pPr marL="457200" lvl="1" indent="0" algn="ctr">
+              <a:buNone/>
+            </a:pPr>
+            <a:r>
+              <a:rPr lang="en-US" sz="2800" dirty="0"/>
+              <a:t>or </a:t>
+            </a:r>
+          </a:p>
+          <a:p>
+            <a:pPr marL="457200" lvl="1" indent="0" algn="ctr">
+              <a:buNone/>
+            </a:pPr>
+            <a:endParaRPr lang="en-US" sz="2800" dirty="0"/>
+          </a:p>
+          <a:p>
+            <a:pPr marL="457200" lvl="1" indent="0" algn="ctr">
+              <a:buNone/>
+            </a:pPr>
+            <a:r>
+              <a:rPr lang="en-US" sz="2800" dirty="0"/>
+              <a:t>‘</a:t>
+            </a:r>
+            <a:r>
+              <a:rPr lang="en-US" sz="2800" dirty="0" err="1">
+                <a:latin typeface="Fira Code" panose="020B0809050000020004" pitchFamily="49" charset="0"/>
+                <a:ea typeface="Fira Code" panose="020B0809050000020004" pitchFamily="49" charset="0"/>
+                <a:cs typeface="Fira Code" panose="020B0809050000020004" pitchFamily="49" charset="0"/>
+              </a:rPr>
+              <a:t>dplyr</a:t>
+            </a:r>
+            <a:r>
+              <a:rPr lang="en-US" sz="2800" dirty="0">
+                <a:latin typeface="Fira Code" panose="020B0809050000020004" pitchFamily="49" charset="0"/>
+                <a:ea typeface="Fira Code" panose="020B0809050000020004" pitchFamily="49" charset="0"/>
+                <a:cs typeface="Fira Code" panose="020B0809050000020004" pitchFamily="49" charset="0"/>
+              </a:rPr>
+              <a:t>::glimpse()`</a:t>
             </a:r>
           </a:p>
         </p:txBody>
@@ -4903,8 +11915,9 @@
     <p:bg>
       <p:bgPr>
         <a:solidFill>
-          <a:schemeClr val="bg1">
-            <a:lumMod val="95000"/>
+          <a:schemeClr val="accent5">
+            <a:lumMod val="20000"/>
+            <a:lumOff val="80000"/>
           </a:schemeClr>
         </a:solidFill>
         <a:effectLst/>
@@ -5104,7 +12117,9 @@
             <a:r>
               <a:rPr lang="en-US" sz="1200" dirty="0">
                 <a:solidFill>
-                  <a:schemeClr val="accent2"/>
+                  <a:schemeClr val="accent6">
+                    <a:lumMod val="75000"/>
+                  </a:schemeClr>
                 </a:solidFill>
               </a:rPr>
               <a:t> </a:t>
@@ -5112,7 +12127,9 @@
             <a:r>
               <a:rPr lang="en-US" sz="2800" dirty="0" err="1">
                 <a:solidFill>
-                  <a:schemeClr val="accent2"/>
+                  <a:schemeClr val="accent6">
+                    <a:lumMod val="75000"/>
+                  </a:schemeClr>
                 </a:solidFill>
                 <a:latin typeface="Fira Code" panose="020B0809050000020004" pitchFamily="49" charset="0"/>
                 <a:ea typeface="Fira Code" panose="020B0809050000020004" pitchFamily="49" charset="0"/>
@@ -5123,7 +12140,9 @@
             <a:r>
               <a:rPr lang="en-US" sz="2800" dirty="0">
                 <a:solidFill>
-                  <a:schemeClr val="accent2"/>
+                  <a:schemeClr val="accent6">
+                    <a:lumMod val="75000"/>
+                  </a:schemeClr>
                 </a:solidFill>
                 <a:latin typeface="Fira Code" panose="020B0809050000020004" pitchFamily="49" charset="0"/>
                 <a:ea typeface="Fira Code" panose="020B0809050000020004" pitchFamily="49" charset="0"/>
@@ -5134,7 +12153,9 @@
             <a:r>
               <a:rPr lang="en-US" sz="2800" dirty="0" err="1">
                 <a:solidFill>
-                  <a:schemeClr val="accent2"/>
+                  <a:schemeClr val="accent6">
+                    <a:lumMod val="75000"/>
+                  </a:schemeClr>
                 </a:solidFill>
                 <a:latin typeface="Fira Code" panose="020B0809050000020004" pitchFamily="49" charset="0"/>
                 <a:ea typeface="Fira Code" panose="020B0809050000020004" pitchFamily="49" charset="0"/>
@@ -5145,7 +12166,9 @@
             <a:r>
               <a:rPr lang="en-US" sz="2800" dirty="0">
                 <a:solidFill>
-                  <a:schemeClr val="accent2"/>
+                  <a:schemeClr val="accent6">
+                    <a:lumMod val="75000"/>
+                  </a:schemeClr>
                 </a:solidFill>
                 <a:latin typeface="Fira Code" panose="020B0809050000020004" pitchFamily="49" charset="0"/>
                 <a:ea typeface="Fira Code" panose="020B0809050000020004" pitchFamily="49" charset="0"/>
@@ -5158,7 +12181,9 @@
             <a:r>
               <a:rPr lang="en-US" sz="2800" dirty="0">
                 <a:solidFill>
-                  <a:schemeClr val="accent2"/>
+                  <a:schemeClr val="accent6">
+                    <a:lumMod val="75000"/>
+                  </a:schemeClr>
                 </a:solidFill>
                 <a:latin typeface="Fira Code" panose="020B0809050000020004" pitchFamily="49" charset="0"/>
                 <a:ea typeface="Fira Code" panose="020B0809050000020004" pitchFamily="49" charset="0"/>
@@ -5169,7 +12194,9 @@
             <a:r>
               <a:rPr lang="en-US" sz="2800" dirty="0" err="1">
                 <a:solidFill>
-                  <a:schemeClr val="accent2"/>
+                  <a:schemeClr val="accent6">
+                    <a:lumMod val="75000"/>
+                  </a:schemeClr>
                 </a:solidFill>
                 <a:latin typeface="Fira Code" panose="020B0809050000020004" pitchFamily="49" charset="0"/>
                 <a:ea typeface="Fira Code" panose="020B0809050000020004" pitchFamily="49" charset="0"/>
@@ -5180,7 +12207,9 @@
             <a:r>
               <a:rPr lang="en-US" sz="2800" dirty="0">
                 <a:solidFill>
-                  <a:schemeClr val="accent2"/>
+                  <a:schemeClr val="accent6">
+                    <a:lumMod val="75000"/>
+                  </a:schemeClr>
                 </a:solidFill>
                 <a:latin typeface="Fira Code" panose="020B0809050000020004" pitchFamily="49" charset="0"/>
                 <a:ea typeface="Fira Code" panose="020B0809050000020004" pitchFamily="49" charset="0"/>
@@ -5191,7 +12220,9 @@
             <a:r>
               <a:rPr lang="en-US" sz="2800" dirty="0" err="1">
                 <a:solidFill>
-                  <a:schemeClr val="accent2"/>
+                  <a:schemeClr val="accent6">
+                    <a:lumMod val="75000"/>
+                  </a:schemeClr>
                 </a:solidFill>
                 <a:latin typeface="Fira Code" panose="020B0809050000020004" pitchFamily="49" charset="0"/>
                 <a:ea typeface="Fira Code" panose="020B0809050000020004" pitchFamily="49" charset="0"/>
@@ -5202,7 +12233,9 @@
             <a:r>
               <a:rPr lang="en-US" sz="2800" dirty="0">
                 <a:solidFill>
-                  <a:schemeClr val="accent2"/>
+                  <a:schemeClr val="accent6">
+                    <a:lumMod val="75000"/>
+                  </a:schemeClr>
                 </a:solidFill>
                 <a:latin typeface="Fira Code" panose="020B0809050000020004" pitchFamily="49" charset="0"/>
                 <a:ea typeface="Fira Code" panose="020B0809050000020004" pitchFamily="49" charset="0"/>
@@ -5213,7 +12246,9 @@
             <a:r>
               <a:rPr lang="en-US" sz="2800" dirty="0" err="1">
                 <a:solidFill>
-                  <a:schemeClr val="accent2"/>
+                  <a:schemeClr val="accent6">
+                    <a:lumMod val="75000"/>
+                  </a:schemeClr>
                 </a:solidFill>
                 <a:latin typeface="Fira Code" panose="020B0809050000020004" pitchFamily="49" charset="0"/>
                 <a:ea typeface="Fira Code" panose="020B0809050000020004" pitchFamily="49" charset="0"/>
@@ -5224,7 +12259,9 @@
             <a:r>
               <a:rPr lang="en-US" sz="2800" dirty="0">
                 <a:solidFill>
-                  <a:schemeClr val="accent2"/>
+                  <a:schemeClr val="accent6">
+                    <a:lumMod val="75000"/>
+                  </a:schemeClr>
                 </a:solidFill>
                 <a:latin typeface="Fira Code" panose="020B0809050000020004" pitchFamily="49" charset="0"/>
                 <a:ea typeface="Fira Code" panose="020B0809050000020004" pitchFamily="49" charset="0"/>
@@ -5234,7 +12271,9 @@
             </a:r>
             <a:endParaRPr lang="en-US" sz="1100" dirty="0">
               <a:solidFill>
-                <a:schemeClr val="accent2"/>
+                <a:schemeClr val="accent6">
+                  <a:lumMod val="75000"/>
+                </a:schemeClr>
               </a:solidFill>
             </a:endParaRPr>
           </a:p>
@@ -5358,7 +12397,9 @@
             <a:r>
               <a:rPr lang="en-US" sz="1200" dirty="0">
                 <a:solidFill>
-                  <a:schemeClr val="accent2"/>
+                  <a:schemeClr val="accent6">
+                    <a:lumMod val="75000"/>
+                  </a:schemeClr>
                 </a:solidFill>
               </a:rPr>
               <a:t> </a:t>
@@ -5366,7 +12407,9 @@
             <a:r>
               <a:rPr lang="en-US" sz="2800" dirty="0" err="1">
                 <a:solidFill>
-                  <a:schemeClr val="accent2"/>
+                  <a:schemeClr val="accent6">
+                    <a:lumMod val="75000"/>
+                  </a:schemeClr>
                 </a:solidFill>
                 <a:latin typeface="Fira Code" panose="020B0809050000020004" pitchFamily="49" charset="0"/>
                 <a:ea typeface="Fira Code" panose="020B0809050000020004" pitchFamily="49" charset="0"/>
@@ -5377,7 +12420,9 @@
             <a:r>
               <a:rPr lang="en-US" sz="2800" dirty="0">
                 <a:solidFill>
-                  <a:schemeClr val="accent2"/>
+                  <a:schemeClr val="accent6">
+                    <a:lumMod val="75000"/>
+                  </a:schemeClr>
                 </a:solidFill>
                 <a:latin typeface="Fira Code" panose="020B0809050000020004" pitchFamily="49" charset="0"/>
                 <a:ea typeface="Fira Code" panose="020B0809050000020004" pitchFamily="49" charset="0"/>
@@ -5388,7 +12433,9 @@
             <a:r>
               <a:rPr lang="en-US" sz="2800" dirty="0" err="1">
                 <a:solidFill>
-                  <a:schemeClr val="accent2"/>
+                  <a:schemeClr val="accent6">
+                    <a:lumMod val="75000"/>
+                  </a:schemeClr>
                 </a:solidFill>
                 <a:latin typeface="Fira Code" panose="020B0809050000020004" pitchFamily="49" charset="0"/>
                 <a:ea typeface="Fira Code" panose="020B0809050000020004" pitchFamily="49" charset="0"/>
@@ -5399,7 +12446,9 @@
             <a:r>
               <a:rPr lang="en-US" sz="2800" dirty="0">
                 <a:solidFill>
-                  <a:schemeClr val="accent2"/>
+                  <a:schemeClr val="accent6">
+                    <a:lumMod val="75000"/>
+                  </a:schemeClr>
                 </a:solidFill>
                 <a:latin typeface="Fira Code" panose="020B0809050000020004" pitchFamily="49" charset="0"/>
                 <a:ea typeface="Fira Code" panose="020B0809050000020004" pitchFamily="49" charset="0"/>
@@ -5412,7 +12461,9 @@
             <a:r>
               <a:rPr lang="en-US" sz="2800" dirty="0">
                 <a:solidFill>
-                  <a:schemeClr val="accent2"/>
+                  <a:schemeClr val="accent6">
+                    <a:lumMod val="75000"/>
+                  </a:schemeClr>
                 </a:solidFill>
                 <a:latin typeface="Fira Code" panose="020B0809050000020004" pitchFamily="49" charset="0"/>
                 <a:ea typeface="Fira Code" panose="020B0809050000020004" pitchFamily="49" charset="0"/>
@@ -5423,7 +12474,9 @@
             <a:r>
               <a:rPr lang="en-US" sz="2800" dirty="0" err="1">
                 <a:solidFill>
-                  <a:schemeClr val="accent2"/>
+                  <a:schemeClr val="accent6">
+                    <a:lumMod val="75000"/>
+                  </a:schemeClr>
                 </a:solidFill>
                 <a:latin typeface="Fira Code" panose="020B0809050000020004" pitchFamily="49" charset="0"/>
                 <a:ea typeface="Fira Code" panose="020B0809050000020004" pitchFamily="49" charset="0"/>
@@ -5434,7 +12487,9 @@
             <a:r>
               <a:rPr lang="en-US" sz="2800" dirty="0">
                 <a:solidFill>
-                  <a:schemeClr val="accent2"/>
+                  <a:schemeClr val="accent6">
+                    <a:lumMod val="75000"/>
+                  </a:schemeClr>
                 </a:solidFill>
                 <a:latin typeface="Fira Code" panose="020B0809050000020004" pitchFamily="49" charset="0"/>
                 <a:ea typeface="Fira Code" panose="020B0809050000020004" pitchFamily="49" charset="0"/>
@@ -5445,7 +12500,9 @@
             <a:r>
               <a:rPr lang="en-US" sz="2800" dirty="0" err="1">
                 <a:solidFill>
-                  <a:schemeClr val="accent2"/>
+                  <a:schemeClr val="accent6">
+                    <a:lumMod val="75000"/>
+                  </a:schemeClr>
                 </a:solidFill>
                 <a:latin typeface="Fira Code" panose="020B0809050000020004" pitchFamily="49" charset="0"/>
                 <a:ea typeface="Fira Code" panose="020B0809050000020004" pitchFamily="49" charset="0"/>
@@ -5456,7 +12513,9 @@
             <a:r>
               <a:rPr lang="en-US" sz="2800" dirty="0">
                 <a:solidFill>
-                  <a:schemeClr val="accent2"/>
+                  <a:schemeClr val="accent6">
+                    <a:lumMod val="75000"/>
+                  </a:schemeClr>
                 </a:solidFill>
                 <a:latin typeface="Fira Code" panose="020B0809050000020004" pitchFamily="49" charset="0"/>
                 <a:ea typeface="Fira Code" panose="020B0809050000020004" pitchFamily="49" charset="0"/>
@@ -5467,7 +12526,9 @@
             <a:r>
               <a:rPr lang="en-US" sz="2800" dirty="0" err="1">
                 <a:solidFill>
-                  <a:schemeClr val="accent2"/>
+                  <a:schemeClr val="accent6">
+                    <a:lumMod val="75000"/>
+                  </a:schemeClr>
                 </a:solidFill>
                 <a:latin typeface="Fira Code" panose="020B0809050000020004" pitchFamily="49" charset="0"/>
                 <a:ea typeface="Fira Code" panose="020B0809050000020004" pitchFamily="49" charset="0"/>
@@ -5478,7 +12539,9 @@
             <a:r>
               <a:rPr lang="en-US" sz="2800" dirty="0">
                 <a:solidFill>
-                  <a:schemeClr val="accent2"/>
+                  <a:schemeClr val="accent6">
+                    <a:lumMod val="75000"/>
+                  </a:schemeClr>
                 </a:solidFill>
                 <a:latin typeface="Fira Code" panose="020B0809050000020004" pitchFamily="49" charset="0"/>
                 <a:ea typeface="Fira Code" panose="020B0809050000020004" pitchFamily="49" charset="0"/>
@@ -5488,7 +12551,9 @@
             </a:r>
             <a:endParaRPr lang="en-US" sz="1100" dirty="0">
               <a:solidFill>
-                <a:schemeClr val="accent2"/>
+                <a:schemeClr val="accent6">
+                  <a:lumMod val="75000"/>
+                </a:schemeClr>
               </a:solidFill>
             </a:endParaRPr>
           </a:p>
@@ -5683,7 +12748,7 @@
         </p:nvSpPr>
         <p:spPr>
           <a:xfrm>
-            <a:off x="400049" y="857250"/>
+            <a:off x="400049" y="1677055"/>
             <a:ext cx="11191876" cy="954107"/>
           </a:xfrm>
           <a:prstGeom prst="rect">
@@ -5720,7 +12785,9 @@
             <a:r>
               <a:rPr lang="en-US" sz="2800" dirty="0" err="1">
                 <a:solidFill>
-                  <a:schemeClr val="accent2"/>
+                  <a:schemeClr val="accent6">
+                    <a:lumMod val="75000"/>
+                  </a:schemeClr>
                 </a:solidFill>
                 <a:latin typeface="Fira Code" panose="020B0809050000020004" pitchFamily="49" charset="0"/>
                 <a:ea typeface="Fira Code" panose="020B0809050000020004" pitchFamily="49" charset="0"/>
@@ -5748,89 +12815,255 @@
             </a:r>
             <a:r>
               <a:rPr lang="en-US" sz="2800" dirty="0" err="1">
+                <a:solidFill>
+                  <a:schemeClr val="accent6">
+                    <a:lumMod val="75000"/>
+                  </a:schemeClr>
+                </a:solidFill>
+                <a:latin typeface="Fira Code" panose="020B0809050000020004" pitchFamily="49" charset="0"/>
+                <a:ea typeface="Fira Code" panose="020B0809050000020004" pitchFamily="49" charset="0"/>
+                <a:cs typeface="Fira Code" panose="020B0809050000020004" pitchFamily="49" charset="0"/>
+              </a:rPr>
+              <a:t>geom_point</a:t>
+            </a:r>
+            <a:r>
+              <a:rPr lang="en-US" sz="2800" dirty="0">
+                <a:latin typeface="Fira Code" panose="020B0809050000020004" pitchFamily="49" charset="0"/>
+                <a:ea typeface="Fira Code" panose="020B0809050000020004" pitchFamily="49" charset="0"/>
+                <a:cs typeface="Fira Code" panose="020B0809050000020004" pitchFamily="49" charset="0"/>
+              </a:rPr>
+              <a:t>(mapping = </a:t>
+            </a:r>
+            <a:r>
+              <a:rPr lang="en-US" sz="2800" dirty="0" err="1">
+                <a:latin typeface="Fira Code" panose="020B0809050000020004" pitchFamily="49" charset="0"/>
+                <a:ea typeface="Fira Code" panose="020B0809050000020004" pitchFamily="49" charset="0"/>
+                <a:cs typeface="Fira Code" panose="020B0809050000020004" pitchFamily="49" charset="0"/>
+              </a:rPr>
+              <a:t>aes</a:t>
+            </a:r>
+            <a:r>
+              <a:rPr lang="en-US" sz="2800" dirty="0">
+                <a:latin typeface="Fira Code" panose="020B0809050000020004" pitchFamily="49" charset="0"/>
+                <a:ea typeface="Fira Code" panose="020B0809050000020004" pitchFamily="49" charset="0"/>
+                <a:cs typeface="Fira Code" panose="020B0809050000020004" pitchFamily="49" charset="0"/>
+              </a:rPr>
+              <a:t>(</a:t>
+            </a:r>
+            <a:r>
+              <a:rPr lang="en-US" sz="2800" dirty="0">
+                <a:solidFill>
+                  <a:schemeClr val="accent6">
+                    <a:lumMod val="75000"/>
+                  </a:schemeClr>
+                </a:solidFill>
+                <a:latin typeface="Fira Code" panose="020B0809050000020004" pitchFamily="49" charset="0"/>
+                <a:ea typeface="Fira Code" panose="020B0809050000020004" pitchFamily="49" charset="0"/>
+                <a:cs typeface="Fira Code" panose="020B0809050000020004" pitchFamily="49" charset="0"/>
+              </a:rPr>
+              <a:t>x = temp, y = </a:t>
+            </a:r>
+            <a:r>
+              <a:rPr lang="en-US" sz="2800" dirty="0" err="1">
+                <a:solidFill>
+                  <a:schemeClr val="accent6">
+                    <a:lumMod val="75000"/>
+                  </a:schemeClr>
+                </a:solidFill>
+                <a:latin typeface="Fira Code" panose="020B0809050000020004" pitchFamily="49" charset="0"/>
+                <a:ea typeface="Fira Code" panose="020B0809050000020004" pitchFamily="49" charset="0"/>
+                <a:cs typeface="Fira Code" panose="020B0809050000020004" pitchFamily="49" charset="0"/>
+              </a:rPr>
+              <a:t>do_mgl</a:t>
+            </a:r>
+            <a:r>
+              <a:rPr lang="en-US" sz="2800" dirty="0">
+                <a:latin typeface="Fira Code" panose="020B0809050000020004" pitchFamily="49" charset="0"/>
+                <a:ea typeface="Fira Code" panose="020B0809050000020004" pitchFamily="49" charset="0"/>
+                <a:cs typeface="Fira Code" panose="020B0809050000020004" pitchFamily="49" charset="0"/>
+              </a:rPr>
+              <a:t>))</a:t>
+            </a:r>
+            <a:endParaRPr lang="en-US" sz="1100" dirty="0"/>
+          </a:p>
+        </p:txBody>
+      </p:sp>
+      <p:sp>
+        <p:nvSpPr>
+          <p:cNvPr id="5" name="TextBox 4">
+            <a:extLst>
+              <a:ext uri="{FF2B5EF4-FFF2-40B4-BE49-F238E27FC236}">
+                <a16:creationId xmlns:a16="http://schemas.microsoft.com/office/drawing/2014/main" id="{9CCD9B7F-E073-44B0-9DB3-C604A7490818}"/>
+              </a:ext>
+            </a:extLst>
+          </p:cNvPr>
+          <p:cNvSpPr txBox="1"/>
+          <p:nvPr/>
+        </p:nvSpPr>
+        <p:spPr>
+          <a:xfrm>
+            <a:off x="1195387" y="3534332"/>
+            <a:ext cx="9601200" cy="1200329"/>
+          </a:xfrm>
+          <a:prstGeom prst="rect">
+            <a:avLst/>
+          </a:prstGeom>
+          <a:noFill/>
+        </p:spPr>
+        <p:txBody>
+          <a:bodyPr wrap="square" rtlCol="0">
+            <a:spAutoFit/>
+          </a:bodyPr>
+          <a:lstStyle/>
+          <a:p>
+            <a:pPr marL="342900" indent="-342900">
+              <a:buAutoNum type="arabicPeriod"/>
+            </a:pPr>
+            <a:r>
+              <a:rPr lang="en-US" sz="3600" dirty="0"/>
+              <a:t>Initialize the figure with </a:t>
+            </a:r>
+            <a:r>
+              <a:rPr lang="en-US" sz="3600" dirty="0" err="1">
+                <a:latin typeface="Fira Code" panose="020B0809050000020004" pitchFamily="49" charset="0"/>
+                <a:ea typeface="Fira Code" panose="020B0809050000020004" pitchFamily="49" charset="0"/>
+                <a:cs typeface="Fira Code" panose="020B0809050000020004" pitchFamily="49" charset="0"/>
+              </a:rPr>
+              <a:t>ggplot</a:t>
+            </a:r>
+            <a:r>
+              <a:rPr lang="en-US" sz="3600" dirty="0">
+                <a:latin typeface="Fira Code" panose="020B0809050000020004" pitchFamily="49" charset="0"/>
+                <a:ea typeface="Fira Code" panose="020B0809050000020004" pitchFamily="49" charset="0"/>
+                <a:cs typeface="Fira Code" panose="020B0809050000020004" pitchFamily="49" charset="0"/>
+              </a:rPr>
+              <a:t>()</a:t>
+            </a:r>
+          </a:p>
+          <a:p>
+            <a:pPr marL="342900" indent="-342900">
+              <a:buAutoNum type="arabicPeriod"/>
+            </a:pPr>
+            <a:r>
+              <a:rPr lang="en-US" sz="3600" dirty="0"/>
+              <a:t>Add layers with </a:t>
+            </a:r>
+            <a:r>
+              <a:rPr lang="en-US" sz="3600" dirty="0" err="1">
+                <a:latin typeface="Fira Code" panose="020B0809050000020004" pitchFamily="49" charset="0"/>
+                <a:ea typeface="Fira Code" panose="020B0809050000020004" pitchFamily="49" charset="0"/>
+                <a:cs typeface="Fira Code" panose="020B0809050000020004" pitchFamily="49" charset="0"/>
+              </a:rPr>
+              <a:t>geom</a:t>
+            </a:r>
+            <a:r>
+              <a:rPr lang="en-US" sz="3600" dirty="0">
+                <a:latin typeface="Fira Code" panose="020B0809050000020004" pitchFamily="49" charset="0"/>
+                <a:ea typeface="Fira Code" panose="020B0809050000020004" pitchFamily="49" charset="0"/>
+                <a:cs typeface="Fira Code" panose="020B0809050000020004" pitchFamily="49" charset="0"/>
+              </a:rPr>
+              <a:t>_ </a:t>
+            </a:r>
+            <a:r>
+              <a:rPr lang="en-US" sz="3600" dirty="0"/>
+              <a:t>functions</a:t>
+            </a:r>
+          </a:p>
+        </p:txBody>
+      </p:sp>
+      <p:sp>
+        <p:nvSpPr>
+          <p:cNvPr id="7" name="Arrow: Right 6">
+            <a:extLst>
+              <a:ext uri="{FF2B5EF4-FFF2-40B4-BE49-F238E27FC236}">
+                <a16:creationId xmlns:a16="http://schemas.microsoft.com/office/drawing/2014/main" id="{E930D3EB-0F55-400F-88DF-3343DC2EA15F}"/>
+              </a:ext>
+            </a:extLst>
+          </p:cNvPr>
+          <p:cNvSpPr/>
+          <p:nvPr/>
+        </p:nvSpPr>
+        <p:spPr>
+          <a:xfrm rot="9651986">
+            <a:off x="4685943" y="989163"/>
+            <a:ext cx="3210339" cy="656963"/>
+          </a:xfrm>
+          <a:prstGeom prst="rightArrow">
+            <a:avLst>
+              <a:gd name="adj1" fmla="val 29837"/>
+              <a:gd name="adj2" fmla="val 119278"/>
+            </a:avLst>
+          </a:prstGeom>
+          <a:solidFill>
+            <a:schemeClr val="accent2"/>
+          </a:solidFill>
+          <a:ln>
+            <a:solidFill>
+              <a:schemeClr val="accent2"/>
+            </a:solidFill>
+          </a:ln>
+        </p:spPr>
+        <p:style>
+          <a:lnRef idx="2">
+            <a:schemeClr val="accent1">
+              <a:shade val="50000"/>
+            </a:schemeClr>
+          </a:lnRef>
+          <a:fillRef idx="1">
+            <a:schemeClr val="accent1"/>
+          </a:fillRef>
+          <a:effectRef idx="0">
+            <a:schemeClr val="accent1"/>
+          </a:effectRef>
+          <a:fontRef idx="minor">
+            <a:schemeClr val="lt1"/>
+          </a:fontRef>
+        </p:style>
+        <p:txBody>
+          <a:bodyPr rtlCol="0" anchor="ctr"/>
+          <a:lstStyle/>
+          <a:p>
+            <a:pPr algn="ctr"/>
+            <a:endParaRPr lang="en-US"/>
+          </a:p>
+        </p:txBody>
+      </p:sp>
+      <p:sp>
+        <p:nvSpPr>
+          <p:cNvPr id="8" name="TextBox 7">
+            <a:extLst>
+              <a:ext uri="{FF2B5EF4-FFF2-40B4-BE49-F238E27FC236}">
+                <a16:creationId xmlns:a16="http://schemas.microsoft.com/office/drawing/2014/main" id="{5C05486F-32DC-46E8-A726-F15028A14BAF}"/>
+              </a:ext>
+            </a:extLst>
+          </p:cNvPr>
+          <p:cNvSpPr txBox="1"/>
+          <p:nvPr/>
+        </p:nvSpPr>
+        <p:spPr>
+          <a:xfrm>
+            <a:off x="7915275" y="73868"/>
+            <a:ext cx="3876676" cy="1200329"/>
+          </a:xfrm>
+          <a:prstGeom prst="rect">
+            <a:avLst/>
+          </a:prstGeom>
+          <a:noFill/>
+        </p:spPr>
+        <p:txBody>
+          <a:bodyPr wrap="square" rtlCol="0">
+            <a:spAutoFit/>
+          </a:bodyPr>
+          <a:lstStyle/>
+          <a:p>
+            <a:r>
+              <a:rPr lang="en-US" sz="2400" i="1" dirty="0">
                 <a:solidFill>
                   <a:schemeClr val="accent2"/>
                 </a:solidFill>
-                <a:latin typeface="Fira Code" panose="020B0809050000020004" pitchFamily="49" charset="0"/>
-                <a:ea typeface="Fira Code" panose="020B0809050000020004" pitchFamily="49" charset="0"/>
-                <a:cs typeface="Fira Code" panose="020B0809050000020004" pitchFamily="49" charset="0"/>
-              </a:rPr>
-              <a:t>geom_point</a:t>
-            </a:r>
-            <a:r>
-              <a:rPr lang="en-US" sz="2800" dirty="0">
-                <a:latin typeface="Fira Code" panose="020B0809050000020004" pitchFamily="49" charset="0"/>
-                <a:ea typeface="Fira Code" panose="020B0809050000020004" pitchFamily="49" charset="0"/>
-                <a:cs typeface="Fira Code" panose="020B0809050000020004" pitchFamily="49" charset="0"/>
-              </a:rPr>
-              <a:t>(mapping = </a:t>
-            </a:r>
-            <a:r>
-              <a:rPr lang="en-US" sz="2800" dirty="0" err="1">
-                <a:latin typeface="Fira Code" panose="020B0809050000020004" pitchFamily="49" charset="0"/>
-                <a:ea typeface="Fira Code" panose="020B0809050000020004" pitchFamily="49" charset="0"/>
-                <a:cs typeface="Fira Code" panose="020B0809050000020004" pitchFamily="49" charset="0"/>
-              </a:rPr>
-              <a:t>aes</a:t>
-            </a:r>
-            <a:r>
-              <a:rPr lang="en-US" sz="2800" dirty="0">
-                <a:latin typeface="Fira Code" panose="020B0809050000020004" pitchFamily="49" charset="0"/>
-                <a:ea typeface="Fira Code" panose="020B0809050000020004" pitchFamily="49" charset="0"/>
-                <a:cs typeface="Fira Code" panose="020B0809050000020004" pitchFamily="49" charset="0"/>
-              </a:rPr>
-              <a:t>(</a:t>
-            </a:r>
-            <a:r>
-              <a:rPr lang="en-US" sz="2800" dirty="0">
-                <a:solidFill>
-                  <a:schemeClr val="accent2"/>
-                </a:solidFill>
-                <a:latin typeface="Fira Code" panose="020B0809050000020004" pitchFamily="49" charset="0"/>
-                <a:ea typeface="Fira Code" panose="020B0809050000020004" pitchFamily="49" charset="0"/>
-                <a:cs typeface="Fira Code" panose="020B0809050000020004" pitchFamily="49" charset="0"/>
-              </a:rPr>
-              <a:t>x = temp</a:t>
-            </a:r>
-            <a:r>
-              <a:rPr lang="en-US" sz="2800" dirty="0">
-                <a:latin typeface="Fira Code" panose="020B0809050000020004" pitchFamily="49" charset="0"/>
-                <a:ea typeface="Fira Code" panose="020B0809050000020004" pitchFamily="49" charset="0"/>
-                <a:cs typeface="Fira Code" panose="020B0809050000020004" pitchFamily="49" charset="0"/>
-              </a:rPr>
-              <a:t>, </a:t>
-            </a:r>
-            <a:r>
-              <a:rPr lang="en-US" sz="2800" dirty="0">
-                <a:solidFill>
-                  <a:schemeClr val="accent2"/>
-                </a:solidFill>
-                <a:latin typeface="Fira Code" panose="020B0809050000020004" pitchFamily="49" charset="0"/>
-                <a:ea typeface="Fira Code" panose="020B0809050000020004" pitchFamily="49" charset="0"/>
-                <a:cs typeface="Fira Code" panose="020B0809050000020004" pitchFamily="49" charset="0"/>
-              </a:rPr>
-              <a:t>y = </a:t>
-            </a:r>
-            <a:r>
-              <a:rPr lang="en-US" sz="2800" dirty="0" err="1">
-                <a:solidFill>
-                  <a:schemeClr val="accent2"/>
-                </a:solidFill>
-                <a:latin typeface="Fira Code" panose="020B0809050000020004" pitchFamily="49" charset="0"/>
-                <a:ea typeface="Fira Code" panose="020B0809050000020004" pitchFamily="49" charset="0"/>
-                <a:cs typeface="Fira Code" panose="020B0809050000020004" pitchFamily="49" charset="0"/>
-              </a:rPr>
-              <a:t>do_mgl</a:t>
-            </a:r>
-            <a:r>
-              <a:rPr lang="en-US" sz="2800" dirty="0">
-                <a:latin typeface="Fira Code" panose="020B0809050000020004" pitchFamily="49" charset="0"/>
-                <a:ea typeface="Fira Code" panose="020B0809050000020004" pitchFamily="49" charset="0"/>
-                <a:cs typeface="Fira Code" panose="020B0809050000020004" pitchFamily="49" charset="0"/>
-              </a:rPr>
-              <a:t>))</a:t>
-            </a:r>
-            <a:endParaRPr lang="en-US" sz="1100" dirty="0"/>
+              </a:rPr>
+              <a:t>Be sure to always put the ‘+’ at the end of a line, never at the start.</a:t>
+            </a:r>
           </a:p>
         </p:txBody>
       </p:sp>
@@ -5844,13 +13077,119 @@
   <p:clrMapOvr>
     <a:masterClrMapping/>
   </p:clrMapOvr>
+  <p:timing>
+    <p:tnLst>
+      <p:par>
+        <p:cTn id="1" dur="indefinite" restart="never" nodeType="tmRoot">
+          <p:childTnLst>
+            <p:seq concurrent="1" nextAc="seek">
+              <p:cTn id="2" dur="indefinite" nodeType="mainSeq">
+                <p:childTnLst>
+                  <p:par>
+                    <p:cTn id="3" fill="hold">
+                      <p:stCondLst>
+                        <p:cond delay="indefinite"/>
+                      </p:stCondLst>
+                      <p:childTnLst>
+                        <p:par>
+                          <p:cTn id="4" fill="hold">
+                            <p:stCondLst>
+                              <p:cond delay="0"/>
+                            </p:stCondLst>
+                            <p:childTnLst>
+                              <p:par>
+                                <p:cTn id="5" presetID="1" presetClass="entr" presetSubtype="0" fill="hold" grpId="0" nodeType="clickEffect">
+                                  <p:stCondLst>
+                                    <p:cond delay="0"/>
+                                  </p:stCondLst>
+                                  <p:childTnLst>
+                                    <p:set>
+                                      <p:cBhvr>
+                                        <p:cTn id="6" dur="1" fill="hold">
+                                          <p:stCondLst>
+                                            <p:cond delay="0"/>
+                                          </p:stCondLst>
+                                        </p:cTn>
+                                        <p:tgtEl>
+                                          <p:spTgt spid="7"/>
+                                        </p:tgtEl>
+                                        <p:attrNameLst>
+                                          <p:attrName>style.visibility</p:attrName>
+                                        </p:attrNameLst>
+                                      </p:cBhvr>
+                                      <p:to>
+                                        <p:strVal val="visible"/>
+                                      </p:to>
+                                    </p:set>
+                                  </p:childTnLst>
+                                </p:cTn>
+                              </p:par>
+                              <p:par>
+                                <p:cTn id="7" presetID="1" presetClass="entr" presetSubtype="0" fill="hold" grpId="0" nodeType="withEffect">
+                                  <p:stCondLst>
+                                    <p:cond delay="0"/>
+                                  </p:stCondLst>
+                                  <p:childTnLst>
+                                    <p:set>
+                                      <p:cBhvr>
+                                        <p:cTn id="8" dur="1" fill="hold">
+                                          <p:stCondLst>
+                                            <p:cond delay="0"/>
+                                          </p:stCondLst>
+                                        </p:cTn>
+                                        <p:tgtEl>
+                                          <p:spTgt spid="8"/>
+                                        </p:tgtEl>
+                                        <p:attrNameLst>
+                                          <p:attrName>style.visibility</p:attrName>
+                                        </p:attrNameLst>
+                                      </p:cBhvr>
+                                      <p:to>
+                                        <p:strVal val="visible"/>
+                                      </p:to>
+                                    </p:set>
+                                  </p:childTnLst>
+                                </p:cTn>
+                              </p:par>
+                            </p:childTnLst>
+                          </p:cTn>
+                        </p:par>
+                      </p:childTnLst>
+                    </p:cTn>
+                  </p:par>
+                </p:childTnLst>
+              </p:cTn>
+              <p:prevCondLst>
+                <p:cond evt="onPrev" delay="0">
+                  <p:tgtEl>
+                    <p:sldTgt/>
+                  </p:tgtEl>
+                </p:cond>
+              </p:prevCondLst>
+              <p:nextCondLst>
+                <p:cond evt="onNext" delay="0">
+                  <p:tgtEl>
+                    <p:sldTgt/>
+                  </p:tgtEl>
+                </p:cond>
+              </p:nextCondLst>
+            </p:seq>
+          </p:childTnLst>
+        </p:cTn>
+      </p:par>
+    </p:tnLst>
+    <p:bldLst>
+      <p:bldP spid="7" grpId="0" animBg="1"/>
+      <p:bldP spid="8" grpId="0"/>
+    </p:bldLst>
+  </p:timing>
 </p:sld>
 </file>
 
 <file path=ppt/theme/theme1.xml><?xml version="1.0" encoding="utf-8"?>
 <a:theme xmlns:a="http://schemas.openxmlformats.org/drawingml/2006/main" name="Office Theme">
   <a:themeElements>
-    <a:clrScheme name="Office">
+    <a:clrScheme name="Office 2007-2010">
       <a:dk1>
         <a:sysClr val="windowText" lastClr="000000"/>
       </a:dk1>
@@ -5858,34 +13197,34 @@
         <a:sysClr val="window" lastClr="FFFFFF"/>
       </a:lt1>
       <a:dk2>
-        <a:srgbClr val="44546A"/>
+        <a:srgbClr val="1F497D"/>
       </a:dk2>
       <a:lt2>
-        <a:srgbClr val="E7E6E6"/>
+        <a:srgbClr val="EEECE1"/>
       </a:lt2>
       <a:accent1>
-        <a:srgbClr val="4472C4"/>
+        <a:srgbClr val="4F81BD"/>
       </a:accent1>
       <a:accent2>
-        <a:srgbClr val="ED7D31"/>
+        <a:srgbClr val="C0504D"/>
       </a:accent2>
       <a:accent3>
-        <a:srgbClr val="A5A5A5"/>
+        <a:srgbClr val="9BBB59"/>
       </a:accent3>
       <a:accent4>
-        <a:srgbClr val="FFC000"/>
+        <a:srgbClr val="8064A2"/>
       </a:accent4>
       <a:accent5>
-        <a:srgbClr val="5B9BD5"/>
+        <a:srgbClr val="4BACC6"/>
       </a:accent5>
       <a:accent6>
-        <a:srgbClr val="70AD47"/>
+        <a:srgbClr val="F79646"/>
       </a:accent6>
       <a:hlink>
-        <a:srgbClr val="0563C1"/>
+        <a:srgbClr val="0000FF"/>
       </a:hlink>
       <a:folHlink>
-        <a:srgbClr val="954F72"/>
+        <a:srgbClr val="800080"/>
       </a:folHlink>
     </a:clrScheme>
     <a:fontScheme name="Office">

--- a/slides/01_Visualize.pptx
+++ b/slides/01_Visualize.pptx
@@ -5,7 +5,7 @@
     <p:sldMasterId id="2147483648" r:id="rId1"/>
   </p:sldMasterIdLst>
   <p:notesMasterIdLst>
-    <p:notesMasterId r:id="rId27"/>
+    <p:notesMasterId r:id="rId45"/>
   </p:notesMasterIdLst>
   <p:sldIdLst>
     <p:sldId id="256" r:id="rId2"/>
@@ -31,8 +31,26 @@
     <p:sldId id="279" r:id="rId22"/>
     <p:sldId id="281" r:id="rId23"/>
     <p:sldId id="282" r:id="rId24"/>
-    <p:sldId id="275" r:id="rId25"/>
-    <p:sldId id="276" r:id="rId26"/>
+    <p:sldId id="283" r:id="rId25"/>
+    <p:sldId id="275" r:id="rId26"/>
+    <p:sldId id="276" r:id="rId27"/>
+    <p:sldId id="284" r:id="rId28"/>
+    <p:sldId id="285" r:id="rId29"/>
+    <p:sldId id="286" r:id="rId30"/>
+    <p:sldId id="288" r:id="rId31"/>
+    <p:sldId id="287" r:id="rId32"/>
+    <p:sldId id="289" r:id="rId33"/>
+    <p:sldId id="290" r:id="rId34"/>
+    <p:sldId id="296" r:id="rId35"/>
+    <p:sldId id="291" r:id="rId36"/>
+    <p:sldId id="295" r:id="rId37"/>
+    <p:sldId id="294" r:id="rId38"/>
+    <p:sldId id="293" r:id="rId39"/>
+    <p:sldId id="297" r:id="rId40"/>
+    <p:sldId id="298" r:id="rId41"/>
+    <p:sldId id="299" r:id="rId42"/>
+    <p:sldId id="300" r:id="rId43"/>
+    <p:sldId id="301" r:id="rId44"/>
   </p:sldIdLst>
   <p:sldSz cx="12192000" cy="6858000"/>
   <p:notesSz cx="9144000" cy="6858000"/>
@@ -233,7 +251,7 @@
           <a:p>
             <a:fld id="{FDC4B335-33D5-4EA8-A5E8-130D36D513BC}" type="datetimeFigureOut">
               <a:rPr lang="en-US" smtClean="0"/>
-              <a:t>10/17/2019</a:t>
+              <a:t>10/23/2019</a:t>
             </a:fld>
             <a:endParaRPr lang="en-US"/>
           </a:p>
@@ -982,7 +1000,7 @@
           <a:p>
             <a:fld id="{A78BD796-15B3-455D-897E-2AB664146321}" type="slidenum">
               <a:rPr lang="en-US" smtClean="0"/>
-              <a:t>25</a:t>
+              <a:t>26</a:t>
             </a:fld>
             <a:endParaRPr lang="en-US"/>
           </a:p>
@@ -1148,7 +1166,7 @@
           <a:p>
             <a:fld id="{0FF0CA17-7278-4700-B5CE-AAA297DB0216}" type="datetime1">
               <a:rPr lang="en-US" smtClean="0"/>
-              <a:t>10/17/2019</a:t>
+              <a:t>10/23/2019</a:t>
             </a:fld>
             <a:endParaRPr lang="en-US"/>
           </a:p>
@@ -1349,7 +1367,7 @@
           <a:p>
             <a:fld id="{B2D433B3-BCFF-4536-8BFC-DB6CE82D3861}" type="datetime1">
               <a:rPr lang="en-US" smtClean="0"/>
-              <a:t>10/17/2019</a:t>
+              <a:t>10/23/2019</a:t>
             </a:fld>
             <a:endParaRPr lang="en-US"/>
           </a:p>
@@ -1560,7 +1578,7 @@
           <a:p>
             <a:fld id="{8CBA58B8-4C0F-4A2E-93DA-1FCC4CD183B7}" type="datetime1">
               <a:rPr lang="en-US" smtClean="0"/>
-              <a:t>10/17/2019</a:t>
+              <a:t>10/23/2019</a:t>
             </a:fld>
             <a:endParaRPr lang="en-US"/>
           </a:p>
@@ -1761,7 +1779,7 @@
           <a:p>
             <a:fld id="{795CD272-CC15-42B1-AF94-9465F36A1690}" type="datetime1">
               <a:rPr lang="en-US" smtClean="0"/>
-              <a:t>10/17/2019</a:t>
+              <a:t>10/23/2019</a:t>
             </a:fld>
             <a:endParaRPr lang="en-US"/>
           </a:p>
@@ -2039,7 +2057,7 @@
           <a:p>
             <a:fld id="{1C3236FD-8D2C-4B3F-A29E-CB63FDCD539A}" type="datetime1">
               <a:rPr lang="en-US" smtClean="0"/>
-              <a:t>10/17/2019</a:t>
+              <a:t>10/23/2019</a:t>
             </a:fld>
             <a:endParaRPr lang="en-US"/>
           </a:p>
@@ -2307,7 +2325,7 @@
           <a:p>
             <a:fld id="{60B5AC96-BA3E-42B8-9DD5-510E2E2AA307}" type="datetime1">
               <a:rPr lang="en-US" smtClean="0"/>
-              <a:t>10/17/2019</a:t>
+              <a:t>10/23/2019</a:t>
             </a:fld>
             <a:endParaRPr lang="en-US"/>
           </a:p>
@@ -2722,7 +2740,7 @@
           <a:p>
             <a:fld id="{D6636501-AA38-48C6-9AA1-A23E2137491A}" type="datetime1">
               <a:rPr lang="en-US" smtClean="0"/>
-              <a:t>10/17/2019</a:t>
+              <a:t>10/23/2019</a:t>
             </a:fld>
             <a:endParaRPr lang="en-US"/>
           </a:p>
@@ -2866,7 +2884,7 @@
           <a:p>
             <a:fld id="{B53EF110-E9E5-4B7B-A347-686E5BEDA428}" type="datetime1">
               <a:rPr lang="en-US" smtClean="0"/>
-              <a:t>10/17/2019</a:t>
+              <a:t>10/23/2019</a:t>
             </a:fld>
             <a:endParaRPr lang="en-US"/>
           </a:p>
@@ -2982,7 +3000,7 @@
           <a:p>
             <a:fld id="{136C1A73-E73D-44FC-BAE9-A9E28A0B8651}" type="datetime1">
               <a:rPr lang="en-US" smtClean="0"/>
-              <a:t>10/17/2019</a:t>
+              <a:t>10/23/2019</a:t>
             </a:fld>
             <a:endParaRPr lang="en-US"/>
           </a:p>
@@ -3296,7 +3314,7 @@
           <a:p>
             <a:fld id="{9451293F-CAF3-42F8-A522-1C7F378C5BF2}" type="datetime1">
               <a:rPr lang="en-US" smtClean="0"/>
-              <a:t>10/17/2019</a:t>
+              <a:t>10/23/2019</a:t>
             </a:fld>
             <a:endParaRPr lang="en-US"/>
           </a:p>
@@ -3587,7 +3605,7 @@
           <a:p>
             <a:fld id="{EC129065-4C79-4A8C-8F75-FC9BC7A4F7AC}" type="datetime1">
               <a:rPr lang="en-US" smtClean="0"/>
-              <a:t>10/17/2019</a:t>
+              <a:t>10/23/2019</a:t>
             </a:fld>
             <a:endParaRPr lang="en-US"/>
           </a:p>
@@ -3831,7 +3849,7 @@
           <a:p>
             <a:fld id="{3CB72F7B-421E-4633-8B82-31AB232FE78C}" type="datetime1">
               <a:rPr lang="en-US" smtClean="0"/>
-              <a:t>10/17/2019</a:t>
+              <a:t>10/23/2019</a:t>
             </a:fld>
             <a:endParaRPr lang="en-US"/>
           </a:p>
@@ -10756,6 +10774,17 @@
 <file path=ppt/slides/slide24.xml><?xml version="1.0" encoding="utf-8"?>
 <p:sld xmlns:a="http://schemas.openxmlformats.org/drawingml/2006/main" xmlns:r="http://schemas.openxmlformats.org/officeDocument/2006/relationships" xmlns:p="http://schemas.openxmlformats.org/presentationml/2006/main">
   <p:cSld>
+    <p:bg>
+      <p:bgPr>
+        <a:solidFill>
+          <a:schemeClr val="accent5">
+            <a:lumMod val="20000"/>
+            <a:lumOff val="80000"/>
+          </a:schemeClr>
+        </a:solidFill>
+        <a:effectLst/>
+      </p:bgPr>
+    </p:bg>
     <p:spTree>
       <p:nvGrpSpPr>
         <p:cNvPr id="1" name=""/>
@@ -10775,7 +10804,7 @@
           <p:cNvPr id="2" name="Title 1">
             <a:extLst>
               <a:ext uri="{FF2B5EF4-FFF2-40B4-BE49-F238E27FC236}">
-                <a16:creationId xmlns:a16="http://schemas.microsoft.com/office/drawing/2014/main" id="{BD96B164-A72C-4CB5-A4FC-653B876B5739}"/>
+                <a16:creationId xmlns:a16="http://schemas.microsoft.com/office/drawing/2014/main" id="{AE33400A-50BA-4211-80D1-B7CD1DCE8BD4}"/>
               </a:ext>
             </a:extLst>
           </p:cNvPr>
@@ -10791,45 +10820,232 @@
           <a:bodyPr/>
           <a:lstStyle/>
           <a:p>
-            <a:r>
-              <a:rPr lang="en-US" dirty="0" err="1"/>
-              <a:t>Geoms</a:t>
-            </a:r>
+            <a:pPr algn="ctr"/>
+            <a:r>
+              <a:rPr lang="en-US" b="1" dirty="0">
+                <a:solidFill>
+                  <a:schemeClr val="accent5">
+                    <a:lumMod val="50000"/>
+                  </a:schemeClr>
+                </a:solidFill>
+              </a:rPr>
+              <a:t>YOUR TURN 3</a:t>
+            </a:r>
+          </a:p>
+        </p:txBody>
+      </p:sp>
+      <p:sp>
+        <p:nvSpPr>
+          <p:cNvPr id="3" name="Content Placeholder 2">
+            <a:extLst>
+              <a:ext uri="{FF2B5EF4-FFF2-40B4-BE49-F238E27FC236}">
+                <a16:creationId xmlns:a16="http://schemas.microsoft.com/office/drawing/2014/main" id="{0D571936-CA6C-4979-8BE5-095BADB55F7C}"/>
+              </a:ext>
+            </a:extLst>
+          </p:cNvPr>
+          <p:cNvSpPr>
+            <a:spLocks noGrp="1"/>
+          </p:cNvSpPr>
+          <p:nvPr>
+            <p:ph idx="1"/>
+          </p:nvPr>
+        </p:nvSpPr>
+        <p:spPr/>
+        <p:txBody>
+          <a:bodyPr/>
+          <a:lstStyle/>
+          <a:p>
+            <a:pPr marL="0" indent="0">
+              <a:buNone/>
+            </a:pPr>
+            <a:r>
+              <a:rPr lang="en-US" dirty="0"/>
+              <a:t>Using the `</a:t>
+            </a:r>
+            <a:r>
+              <a:rPr lang="en-US" dirty="0" err="1">
+                <a:latin typeface="Fira Code" panose="020B0809050000020004" pitchFamily="49" charset="0"/>
+                <a:ea typeface="Fira Code" panose="020B0809050000020004" pitchFamily="49" charset="0"/>
+                <a:cs typeface="Fira Code" panose="020B0809050000020004" pitchFamily="49" charset="0"/>
+              </a:rPr>
+              <a:t>wq</a:t>
+            </a:r>
+            <a:r>
+              <a:rPr lang="en-US" dirty="0"/>
+              <a:t>` data, plot temperature (</a:t>
+            </a:r>
+            <a:r>
+              <a:rPr lang="en-US" dirty="0">
+                <a:latin typeface="Fira Code" panose="020B0809050000020004" pitchFamily="49" charset="0"/>
+                <a:ea typeface="Fira Code" panose="020B0809050000020004" pitchFamily="49" charset="0"/>
+                <a:cs typeface="Fira Code" panose="020B0809050000020004" pitchFamily="49" charset="0"/>
+              </a:rPr>
+              <a:t>temp</a:t>
+            </a:r>
+            <a:r>
+              <a:rPr lang="en-US" dirty="0"/>
+              <a:t>) by </a:t>
+            </a:r>
+            <a:r>
+              <a:rPr lang="en-US" dirty="0">
+                <a:latin typeface="Fira Code" panose="020B0809050000020004" pitchFamily="49" charset="0"/>
+                <a:ea typeface="Fira Code" panose="020B0809050000020004" pitchFamily="49" charset="0"/>
+                <a:cs typeface="Fira Code" panose="020B0809050000020004" pitchFamily="49" charset="0"/>
+              </a:rPr>
+              <a:t>month</a:t>
+            </a:r>
+            <a:r>
+              <a:rPr lang="en-US" dirty="0"/>
+              <a:t> as a scatterplot and facet by station (</a:t>
+            </a:r>
+            <a:r>
+              <a:rPr lang="en-US" dirty="0" err="1">
+                <a:latin typeface="Fira Code" panose="020B0809050000020004" pitchFamily="49" charset="0"/>
+                <a:ea typeface="Fira Code" panose="020B0809050000020004" pitchFamily="49" charset="0"/>
+                <a:cs typeface="Fira Code" panose="020B0809050000020004" pitchFamily="49" charset="0"/>
+              </a:rPr>
+              <a:t>station_code</a:t>
+            </a:r>
+            <a:r>
+              <a:rPr lang="en-US" dirty="0"/>
+              <a:t>), </a:t>
+            </a:r>
+            <a:r>
+              <a:rPr lang="en-US" dirty="0">
+                <a:latin typeface="Fira Code" panose="020B0809050000020004" pitchFamily="49" charset="0"/>
+                <a:ea typeface="Fira Code" panose="020B0809050000020004" pitchFamily="49" charset="0"/>
+                <a:cs typeface="Fira Code" panose="020B0809050000020004" pitchFamily="49" charset="0"/>
+              </a:rPr>
+              <a:t>state</a:t>
+            </a:r>
+            <a:r>
+              <a:rPr lang="en-US" dirty="0"/>
+              <a:t>, and </a:t>
+            </a:r>
+            <a:r>
+              <a:rPr lang="en-US" dirty="0">
+                <a:latin typeface="Fira Code" panose="020B0809050000020004" pitchFamily="49" charset="0"/>
+                <a:ea typeface="Fira Code" panose="020B0809050000020004" pitchFamily="49" charset="0"/>
+                <a:cs typeface="Fira Code" panose="020B0809050000020004" pitchFamily="49" charset="0"/>
+              </a:rPr>
+              <a:t>coast</a:t>
+            </a:r>
+            <a:r>
+              <a:rPr lang="en-US" dirty="0"/>
+              <a:t>. </a:t>
+            </a:r>
+          </a:p>
+          <a:p>
+            <a:pPr marL="0" indent="0">
+              <a:buNone/>
+            </a:pPr>
+            <a:r>
+              <a:rPr lang="en-US" dirty="0"/>
+              <a:t>Play around with </a:t>
+            </a:r>
+            <a:r>
+              <a:rPr lang="en-US" dirty="0" err="1">
+                <a:latin typeface="Fira Code" panose="020B0809050000020004" pitchFamily="49" charset="0"/>
+                <a:ea typeface="Fira Code" panose="020B0809050000020004" pitchFamily="49" charset="0"/>
+                <a:cs typeface="Fira Code" panose="020B0809050000020004" pitchFamily="49" charset="0"/>
+              </a:rPr>
+              <a:t>facet_grid</a:t>
+            </a:r>
+            <a:r>
+              <a:rPr lang="en-US" dirty="0">
+                <a:latin typeface="Fira Code" panose="020B0809050000020004" pitchFamily="49" charset="0"/>
+                <a:ea typeface="Fira Code" panose="020B0809050000020004" pitchFamily="49" charset="0"/>
+                <a:cs typeface="Fira Code" panose="020B0809050000020004" pitchFamily="49" charset="0"/>
+              </a:rPr>
+              <a:t>() </a:t>
+            </a:r>
+            <a:r>
+              <a:rPr lang="en-US" dirty="0"/>
+              <a:t>and </a:t>
+            </a:r>
+            <a:r>
+              <a:rPr lang="en-US" dirty="0" err="1">
+                <a:latin typeface="Fira Code" panose="020B0809050000020004" pitchFamily="49" charset="0"/>
+                <a:ea typeface="Fira Code" panose="020B0809050000020004" pitchFamily="49" charset="0"/>
+                <a:cs typeface="Fira Code" panose="020B0809050000020004" pitchFamily="49" charset="0"/>
+              </a:rPr>
+              <a:t>facet_wrap</a:t>
+            </a:r>
+            <a:r>
+              <a:rPr lang="en-US" dirty="0">
+                <a:latin typeface="Fira Code" panose="020B0809050000020004" pitchFamily="49" charset="0"/>
+                <a:ea typeface="Fira Code" panose="020B0809050000020004" pitchFamily="49" charset="0"/>
+                <a:cs typeface="Fira Code" panose="020B0809050000020004" pitchFamily="49" charset="0"/>
+              </a:rPr>
+              <a:t>()</a:t>
+            </a:r>
+            <a:r>
+              <a:rPr lang="en-US" dirty="0"/>
+              <a:t>.</a:t>
+            </a:r>
+          </a:p>
+          <a:p>
+            <a:pPr marL="0" indent="0" algn="ctr">
+              <a:buNone/>
+            </a:pPr>
+            <a:endParaRPr lang="en-US" i="1" dirty="0">
+              <a:solidFill>
+                <a:schemeClr val="bg1">
+                  <a:lumMod val="50000"/>
+                </a:schemeClr>
+              </a:solidFill>
+            </a:endParaRPr>
+          </a:p>
+          <a:p>
+            <a:pPr marL="0" indent="0" algn="ctr">
+              <a:buNone/>
+            </a:pPr>
+            <a:endParaRPr lang="en-US" i="1" dirty="0">
+              <a:solidFill>
+                <a:schemeClr val="bg1">
+                  <a:lumMod val="50000"/>
+                </a:schemeClr>
+              </a:solidFill>
+            </a:endParaRPr>
+          </a:p>
+          <a:p>
+            <a:pPr marL="0" indent="0" algn="ctr">
+              <a:buNone/>
+            </a:pPr>
+            <a:endParaRPr lang="en-US" i="1" dirty="0">
+              <a:solidFill>
+                <a:schemeClr val="bg1">
+                  <a:lumMod val="50000"/>
+                </a:schemeClr>
+              </a:solidFill>
+            </a:endParaRPr>
+          </a:p>
+          <a:p>
+            <a:pPr marL="0" indent="0" algn="ctr">
+              <a:buNone/>
+            </a:pPr>
+            <a:r>
+              <a:rPr lang="en-US" i="1" dirty="0">
+                <a:solidFill>
+                  <a:schemeClr val="bg1">
+                    <a:lumMod val="50000"/>
+                  </a:schemeClr>
+                </a:solidFill>
+              </a:rPr>
+              <a:t>What kinds of things do you notice?</a:t>
+            </a:r>
+          </a:p>
+          <a:p>
             <a:endParaRPr lang="en-US" dirty="0"/>
           </a:p>
         </p:txBody>
       </p:sp>
       <p:sp>
         <p:nvSpPr>
-          <p:cNvPr id="3" name="Text Placeholder 2">
-            <a:extLst>
-              <a:ext uri="{FF2B5EF4-FFF2-40B4-BE49-F238E27FC236}">
-                <a16:creationId xmlns:a16="http://schemas.microsoft.com/office/drawing/2014/main" id="{7C6F6C6D-9385-47AF-8703-1525E3164C3B}"/>
-              </a:ext>
-            </a:extLst>
-          </p:cNvPr>
-          <p:cNvSpPr>
-            <a:spLocks noGrp="1"/>
-          </p:cNvSpPr>
-          <p:nvPr>
-            <p:ph type="body" idx="1"/>
-          </p:nvPr>
-        </p:nvSpPr>
-        <p:spPr/>
-        <p:txBody>
-          <a:bodyPr/>
-          <a:lstStyle/>
-          <a:p>
-            <a:endParaRPr lang="en-US" dirty="0"/>
-          </a:p>
-        </p:txBody>
-      </p:sp>
-      <p:sp>
-        <p:nvSpPr>
           <p:cNvPr id="4" name="Footer Placeholder 3">
             <a:extLst>
               <a:ext uri="{FF2B5EF4-FFF2-40B4-BE49-F238E27FC236}">
-                <a16:creationId xmlns:a16="http://schemas.microsoft.com/office/drawing/2014/main" id="{DD62F30A-0AA8-4F90-BD58-6FEC0E78F2FB}"/>
+                <a16:creationId xmlns:a16="http://schemas.microsoft.com/office/drawing/2014/main" id="{3E6DA734-6D0C-46F9-8DFD-3401306F36BE}"/>
               </a:ext>
             </a:extLst>
           </p:cNvPr>
@@ -10857,7 +11073,7 @@
           <p:cNvPr id="5" name="Slide Number Placeholder 4">
             <a:extLst>
               <a:ext uri="{FF2B5EF4-FFF2-40B4-BE49-F238E27FC236}">
-                <a16:creationId xmlns:a16="http://schemas.microsoft.com/office/drawing/2014/main" id="{BAE8935C-DCEE-4584-80D8-12E6DF745D0A}"/>
+                <a16:creationId xmlns:a16="http://schemas.microsoft.com/office/drawing/2014/main" id="{AA9FAD3A-E137-435C-AAB4-77A31736C47A}"/>
               </a:ext>
             </a:extLst>
           </p:cNvPr>
@@ -10884,7 +11100,7 @@
     </p:spTree>
     <p:extLst>
       <p:ext uri="{BB962C8B-B14F-4D97-AF65-F5344CB8AC3E}">
-        <p14:creationId xmlns:p14="http://schemas.microsoft.com/office/powerpoint/2010/main" val="1743825220"/>
+        <p14:creationId xmlns:p14="http://schemas.microsoft.com/office/powerpoint/2010/main" val="2983270202"/>
       </p:ext>
     </p:extLst>
   </p:cSld>
@@ -10913,10 +11129,10 @@
       </p:grpSpPr>
       <p:sp>
         <p:nvSpPr>
-          <p:cNvPr id="6" name="Title 5">
-            <a:extLst>
-              <a:ext uri="{FF2B5EF4-FFF2-40B4-BE49-F238E27FC236}">
-                <a16:creationId xmlns:a16="http://schemas.microsoft.com/office/drawing/2014/main" id="{F62EA5FF-7895-45E5-A660-028393779DC6}"/>
+          <p:cNvPr id="2" name="Title 1">
+            <a:extLst>
+              <a:ext uri="{FF2B5EF4-FFF2-40B4-BE49-F238E27FC236}">
+                <a16:creationId xmlns:a16="http://schemas.microsoft.com/office/drawing/2014/main" id="{BD96B164-A72C-4CB5-A4FC-653B876B5739}"/>
               </a:ext>
             </a:extLst>
           </p:cNvPr>
@@ -10933,9 +11149,35 @@
           <a:lstStyle/>
           <a:p>
             <a:r>
-              <a:rPr lang="en-US" dirty="0"/>
-              <a:t>How are these plots similar? Different?</a:t>
-            </a:r>
+              <a:rPr lang="en-US" dirty="0" err="1"/>
+              <a:t>Geoms</a:t>
+            </a:r>
+            <a:endParaRPr lang="en-US" dirty="0"/>
+          </a:p>
+        </p:txBody>
+      </p:sp>
+      <p:sp>
+        <p:nvSpPr>
+          <p:cNvPr id="3" name="Text Placeholder 2">
+            <a:extLst>
+              <a:ext uri="{FF2B5EF4-FFF2-40B4-BE49-F238E27FC236}">
+                <a16:creationId xmlns:a16="http://schemas.microsoft.com/office/drawing/2014/main" id="{7C6F6C6D-9385-47AF-8703-1525E3164C3B}"/>
+              </a:ext>
+            </a:extLst>
+          </p:cNvPr>
+          <p:cNvSpPr>
+            <a:spLocks noGrp="1"/>
+          </p:cNvSpPr>
+          <p:nvPr>
+            <p:ph type="body" idx="1"/>
+          </p:nvPr>
+        </p:nvSpPr>
+        <p:spPr/>
+        <p:txBody>
+          <a:bodyPr/>
+          <a:lstStyle/>
+          <a:p>
+            <a:endParaRPr lang="en-US" dirty="0"/>
           </a:p>
         </p:txBody>
       </p:sp>
@@ -10944,7 +11186,7 @@
           <p:cNvPr id="4" name="Footer Placeholder 3">
             <a:extLst>
               <a:ext uri="{FF2B5EF4-FFF2-40B4-BE49-F238E27FC236}">
-                <a16:creationId xmlns:a16="http://schemas.microsoft.com/office/drawing/2014/main" id="{96977414-6AC4-40B5-BBDC-63904DAB6860}"/>
+                <a16:creationId xmlns:a16="http://schemas.microsoft.com/office/drawing/2014/main" id="{DD62F30A-0AA8-4F90-BD58-6FEC0E78F2FB}"/>
               </a:ext>
             </a:extLst>
           </p:cNvPr>
@@ -10972,7 +11214,7 @@
           <p:cNvPr id="5" name="Slide Number Placeholder 4">
             <a:extLst>
               <a:ext uri="{FF2B5EF4-FFF2-40B4-BE49-F238E27FC236}">
-                <a16:creationId xmlns:a16="http://schemas.microsoft.com/office/drawing/2014/main" id="{819FA2EE-52E2-4E7F-AF18-7BC02FF8BC5D}"/>
+                <a16:creationId xmlns:a16="http://schemas.microsoft.com/office/drawing/2014/main" id="{BAE8935C-DCEE-4584-80D8-12E6DF745D0A}"/>
               </a:ext>
             </a:extLst>
           </p:cNvPr>
@@ -10991,6 +11233,121 @@
             <a:fld id="{1D07C8D9-AA71-438D-86BE-7B86F7F29DC7}" type="slidenum">
               <a:rPr lang="en-US" smtClean="0"/>
               <a:t>25</a:t>
+            </a:fld>
+            <a:endParaRPr lang="en-US"/>
+          </a:p>
+        </p:txBody>
+      </p:sp>
+    </p:spTree>
+    <p:extLst>
+      <p:ext uri="{BB962C8B-B14F-4D97-AF65-F5344CB8AC3E}">
+        <p14:creationId xmlns:p14="http://schemas.microsoft.com/office/powerpoint/2010/main" val="1743825220"/>
+      </p:ext>
+    </p:extLst>
+  </p:cSld>
+  <p:clrMapOvr>
+    <a:masterClrMapping/>
+  </p:clrMapOvr>
+</p:sld>
+</file>
+
+<file path=ppt/slides/slide26.xml><?xml version="1.0" encoding="utf-8"?>
+<p:sld xmlns:a="http://schemas.openxmlformats.org/drawingml/2006/main" xmlns:r="http://schemas.openxmlformats.org/officeDocument/2006/relationships" xmlns:p="http://schemas.openxmlformats.org/presentationml/2006/main">
+  <p:cSld>
+    <p:spTree>
+      <p:nvGrpSpPr>
+        <p:cNvPr id="1" name=""/>
+        <p:cNvGrpSpPr/>
+        <p:nvPr/>
+      </p:nvGrpSpPr>
+      <p:grpSpPr>
+        <a:xfrm>
+          <a:off x="0" y="0"/>
+          <a:ext cx="0" cy="0"/>
+          <a:chOff x="0" y="0"/>
+          <a:chExt cx="0" cy="0"/>
+        </a:xfrm>
+      </p:grpSpPr>
+      <p:sp>
+        <p:nvSpPr>
+          <p:cNvPr id="6" name="Title 5">
+            <a:extLst>
+              <a:ext uri="{FF2B5EF4-FFF2-40B4-BE49-F238E27FC236}">
+                <a16:creationId xmlns:a16="http://schemas.microsoft.com/office/drawing/2014/main" id="{F62EA5FF-7895-45E5-A660-028393779DC6}"/>
+              </a:ext>
+            </a:extLst>
+          </p:cNvPr>
+          <p:cNvSpPr>
+            <a:spLocks noGrp="1"/>
+          </p:cNvSpPr>
+          <p:nvPr>
+            <p:ph type="title"/>
+          </p:nvPr>
+        </p:nvSpPr>
+        <p:spPr/>
+        <p:txBody>
+          <a:bodyPr/>
+          <a:lstStyle/>
+          <a:p>
+            <a:r>
+              <a:rPr lang="en-US" dirty="0"/>
+              <a:t>How are these plots similar? Different?</a:t>
+            </a:r>
+          </a:p>
+        </p:txBody>
+      </p:sp>
+      <p:sp>
+        <p:nvSpPr>
+          <p:cNvPr id="4" name="Footer Placeholder 3">
+            <a:extLst>
+              <a:ext uri="{FF2B5EF4-FFF2-40B4-BE49-F238E27FC236}">
+                <a16:creationId xmlns:a16="http://schemas.microsoft.com/office/drawing/2014/main" id="{96977414-6AC4-40B5-BBDC-63904DAB6860}"/>
+              </a:ext>
+            </a:extLst>
+          </p:cNvPr>
+          <p:cNvSpPr>
+            <a:spLocks noGrp="1"/>
+          </p:cNvSpPr>
+          <p:nvPr>
+            <p:ph type="ftr" sz="quarter" idx="11"/>
+          </p:nvPr>
+        </p:nvSpPr>
+        <p:spPr/>
+        <p:txBody>
+          <a:bodyPr/>
+          <a:lstStyle/>
+          <a:p>
+            <a:r>
+              <a:rPr lang="en-US"/>
+              <a:t>CERF 2019 | The Next Step with R | Cressman and Dunnigan</a:t>
+            </a:r>
+          </a:p>
+        </p:txBody>
+      </p:sp>
+      <p:sp>
+        <p:nvSpPr>
+          <p:cNvPr id="5" name="Slide Number Placeholder 4">
+            <a:extLst>
+              <a:ext uri="{FF2B5EF4-FFF2-40B4-BE49-F238E27FC236}">
+                <a16:creationId xmlns:a16="http://schemas.microsoft.com/office/drawing/2014/main" id="{819FA2EE-52E2-4E7F-AF18-7BC02FF8BC5D}"/>
+              </a:ext>
+            </a:extLst>
+          </p:cNvPr>
+          <p:cNvSpPr>
+            <a:spLocks noGrp="1"/>
+          </p:cNvSpPr>
+          <p:nvPr>
+            <p:ph type="sldNum" sz="quarter" idx="12"/>
+          </p:nvPr>
+        </p:nvSpPr>
+        <p:spPr/>
+        <p:txBody>
+          <a:bodyPr/>
+          <a:lstStyle/>
+          <a:p>
+            <a:fld id="{1D07C8D9-AA71-438D-86BE-7B86F7F29DC7}" type="slidenum">
+              <a:rPr lang="en-US" smtClean="0"/>
+              <a:t>26</a:t>
             </a:fld>
             <a:endParaRPr lang="en-US"/>
           </a:p>
@@ -11058,6 +11415,786 @@
 </p:sld>
 </file>
 
+<file path=ppt/slides/slide27.xml><?xml version="1.0" encoding="utf-8"?>
+<p:sld xmlns:a="http://schemas.openxmlformats.org/drawingml/2006/main" xmlns:r="http://schemas.openxmlformats.org/officeDocument/2006/relationships" xmlns:p="http://schemas.openxmlformats.org/presentationml/2006/main">
+  <p:cSld>
+    <p:spTree>
+      <p:nvGrpSpPr>
+        <p:cNvPr id="1" name=""/>
+        <p:cNvGrpSpPr/>
+        <p:nvPr/>
+      </p:nvGrpSpPr>
+      <p:grpSpPr>
+        <a:xfrm>
+          <a:off x="0" y="0"/>
+          <a:ext cx="0" cy="0"/>
+          <a:chOff x="0" y="0"/>
+          <a:chExt cx="0" cy="0"/>
+        </a:xfrm>
+      </p:grpSpPr>
+      <p:sp>
+        <p:nvSpPr>
+          <p:cNvPr id="2" name="Title 1">
+            <a:extLst>
+              <a:ext uri="{FF2B5EF4-FFF2-40B4-BE49-F238E27FC236}">
+                <a16:creationId xmlns:a16="http://schemas.microsoft.com/office/drawing/2014/main" id="{50C15963-46AA-4D75-A076-901F9F88E110}"/>
+              </a:ext>
+            </a:extLst>
+          </p:cNvPr>
+          <p:cNvSpPr>
+            <a:spLocks noGrp="1"/>
+          </p:cNvSpPr>
+          <p:nvPr>
+            <p:ph type="title"/>
+          </p:nvPr>
+        </p:nvSpPr>
+        <p:spPr/>
+        <p:txBody>
+          <a:bodyPr/>
+          <a:lstStyle/>
+          <a:p>
+            <a:pPr algn="ctr"/>
+            <a:r>
+              <a:rPr lang="en-US" dirty="0" err="1"/>
+              <a:t>geoms</a:t>
+            </a:r>
+            <a:endParaRPr lang="en-US" dirty="0"/>
+          </a:p>
+        </p:txBody>
+      </p:sp>
+      <p:sp>
+        <p:nvSpPr>
+          <p:cNvPr id="3" name="Content Placeholder 2">
+            <a:extLst>
+              <a:ext uri="{FF2B5EF4-FFF2-40B4-BE49-F238E27FC236}">
+                <a16:creationId xmlns:a16="http://schemas.microsoft.com/office/drawing/2014/main" id="{8F55FDAE-E7BE-4DD9-8723-5D47D003D296}"/>
+              </a:ext>
+            </a:extLst>
+          </p:cNvPr>
+          <p:cNvSpPr>
+            <a:spLocks noGrp="1"/>
+          </p:cNvSpPr>
+          <p:nvPr>
+            <p:ph idx="1"/>
+          </p:nvPr>
+        </p:nvSpPr>
+        <p:spPr>
+          <a:xfrm>
+            <a:off x="838200" y="1825625"/>
+            <a:ext cx="10515600" cy="1325563"/>
+          </a:xfrm>
+        </p:spPr>
+        <p:txBody>
+          <a:bodyPr/>
+          <a:lstStyle/>
+          <a:p>
+            <a:pPr marL="0" indent="0">
+              <a:buNone/>
+            </a:pPr>
+            <a:r>
+              <a:rPr lang="en-US" dirty="0"/>
+              <a:t> </a:t>
+            </a:r>
+            <a:r>
+              <a:rPr lang="en-US" dirty="0" err="1">
+                <a:latin typeface="Fira Code" panose="020B0809050000020004" pitchFamily="49" charset="0"/>
+                <a:ea typeface="Fira Code" panose="020B0809050000020004" pitchFamily="49" charset="0"/>
+                <a:cs typeface="Fira Code" panose="020B0809050000020004" pitchFamily="49" charset="0"/>
+              </a:rPr>
+              <a:t>ggplot</a:t>
+            </a:r>
+            <a:r>
+              <a:rPr lang="en-US" dirty="0">
+                <a:latin typeface="Fira Code" panose="020B0809050000020004" pitchFamily="49" charset="0"/>
+                <a:ea typeface="Fira Code" panose="020B0809050000020004" pitchFamily="49" charset="0"/>
+                <a:cs typeface="Fira Code" panose="020B0809050000020004" pitchFamily="49" charset="0"/>
+              </a:rPr>
+              <a:t>(data = &lt;DATA&gt;) +</a:t>
+            </a:r>
+          </a:p>
+          <a:p>
+            <a:pPr marL="0" indent="0">
+              <a:buNone/>
+            </a:pPr>
+            <a:r>
+              <a:rPr lang="en-US" dirty="0">
+                <a:latin typeface="Fira Code" panose="020B0809050000020004" pitchFamily="49" charset="0"/>
+                <a:ea typeface="Fira Code" panose="020B0809050000020004" pitchFamily="49" charset="0"/>
+                <a:cs typeface="Fira Code" panose="020B0809050000020004" pitchFamily="49" charset="0"/>
+              </a:rPr>
+              <a:t>	</a:t>
+            </a:r>
+            <a:r>
+              <a:rPr lang="en-US" dirty="0">
+                <a:solidFill>
+                  <a:schemeClr val="accent6">
+                    <a:lumMod val="75000"/>
+                  </a:schemeClr>
+                </a:solidFill>
+                <a:latin typeface="Fira Code" panose="020B0809050000020004" pitchFamily="49" charset="0"/>
+                <a:ea typeface="Fira Code" panose="020B0809050000020004" pitchFamily="49" charset="0"/>
+                <a:cs typeface="Fira Code" panose="020B0809050000020004" pitchFamily="49" charset="0"/>
+              </a:rPr>
+              <a:t>&lt;GEOM_FUNCTION&gt;</a:t>
+            </a:r>
+            <a:r>
+              <a:rPr lang="en-US" dirty="0">
+                <a:latin typeface="Fira Code" panose="020B0809050000020004" pitchFamily="49" charset="0"/>
+                <a:ea typeface="Fira Code" panose="020B0809050000020004" pitchFamily="49" charset="0"/>
+                <a:cs typeface="Fira Code" panose="020B0809050000020004" pitchFamily="49" charset="0"/>
+              </a:rPr>
+              <a:t>(mapping = </a:t>
+            </a:r>
+            <a:r>
+              <a:rPr lang="en-US" dirty="0" err="1">
+                <a:latin typeface="Fira Code" panose="020B0809050000020004" pitchFamily="49" charset="0"/>
+                <a:ea typeface="Fira Code" panose="020B0809050000020004" pitchFamily="49" charset="0"/>
+                <a:cs typeface="Fira Code" panose="020B0809050000020004" pitchFamily="49" charset="0"/>
+              </a:rPr>
+              <a:t>aes</a:t>
+            </a:r>
+            <a:r>
+              <a:rPr lang="en-US" dirty="0">
+                <a:latin typeface="Fira Code" panose="020B0809050000020004" pitchFamily="49" charset="0"/>
+                <a:ea typeface="Fira Code" panose="020B0809050000020004" pitchFamily="49" charset="0"/>
+                <a:cs typeface="Fira Code" panose="020B0809050000020004" pitchFamily="49" charset="0"/>
+              </a:rPr>
+              <a:t>(&lt;MAPPINGS&gt;))</a:t>
+            </a:r>
+          </a:p>
+        </p:txBody>
+      </p:sp>
+      <p:sp>
+        <p:nvSpPr>
+          <p:cNvPr id="4" name="Footer Placeholder 3">
+            <a:extLst>
+              <a:ext uri="{FF2B5EF4-FFF2-40B4-BE49-F238E27FC236}">
+                <a16:creationId xmlns:a16="http://schemas.microsoft.com/office/drawing/2014/main" id="{823B4059-2395-409C-9733-3C1F0F23F1C0}"/>
+              </a:ext>
+            </a:extLst>
+          </p:cNvPr>
+          <p:cNvSpPr>
+            <a:spLocks noGrp="1"/>
+          </p:cNvSpPr>
+          <p:nvPr>
+            <p:ph type="ftr" sz="quarter" idx="11"/>
+          </p:nvPr>
+        </p:nvSpPr>
+        <p:spPr/>
+        <p:txBody>
+          <a:bodyPr/>
+          <a:lstStyle/>
+          <a:p>
+            <a:r>
+              <a:rPr lang="en-US"/>
+              <a:t>CERF 2019 | The Next Step with R | Cressman and Dunnigan</a:t>
+            </a:r>
+          </a:p>
+        </p:txBody>
+      </p:sp>
+      <p:sp>
+        <p:nvSpPr>
+          <p:cNvPr id="5" name="Slide Number Placeholder 4">
+            <a:extLst>
+              <a:ext uri="{FF2B5EF4-FFF2-40B4-BE49-F238E27FC236}">
+                <a16:creationId xmlns:a16="http://schemas.microsoft.com/office/drawing/2014/main" id="{3FC5D1DD-C2FE-4DFB-B272-E36F42448120}"/>
+              </a:ext>
+            </a:extLst>
+          </p:cNvPr>
+          <p:cNvSpPr>
+            <a:spLocks noGrp="1"/>
+          </p:cNvSpPr>
+          <p:nvPr>
+            <p:ph type="sldNum" sz="quarter" idx="12"/>
+          </p:nvPr>
+        </p:nvSpPr>
+        <p:spPr/>
+        <p:txBody>
+          <a:bodyPr/>
+          <a:lstStyle/>
+          <a:p>
+            <a:fld id="{1D07C8D9-AA71-438D-86BE-7B86F7F29DC7}" type="slidenum">
+              <a:rPr lang="en-US" smtClean="0"/>
+              <a:t>27</a:t>
+            </a:fld>
+            <a:endParaRPr lang="en-US"/>
+          </a:p>
+        </p:txBody>
+      </p:sp>
+      <p:sp>
+        <p:nvSpPr>
+          <p:cNvPr id="7" name="Speech Bubble: Rectangle with Corners Rounded 6">
+            <a:extLst>
+              <a:ext uri="{FF2B5EF4-FFF2-40B4-BE49-F238E27FC236}">
+                <a16:creationId xmlns:a16="http://schemas.microsoft.com/office/drawing/2014/main" id="{0464A99A-AA04-4A31-8BCC-D36753FBB7BD}"/>
+              </a:ext>
+            </a:extLst>
+          </p:cNvPr>
+          <p:cNvSpPr/>
+          <p:nvPr/>
+        </p:nvSpPr>
+        <p:spPr>
+          <a:xfrm>
+            <a:off x="8610600" y="3429000"/>
+            <a:ext cx="2743200" cy="1983658"/>
+          </a:xfrm>
+          <a:prstGeom prst="wedgeRoundRectCallout">
+            <a:avLst>
+              <a:gd name="adj1" fmla="val -28898"/>
+              <a:gd name="adj2" fmla="val -82481"/>
+              <a:gd name="adj3" fmla="val 16667"/>
+            </a:avLst>
+          </a:prstGeom>
+        </p:spPr>
+        <p:style>
+          <a:lnRef idx="2">
+            <a:schemeClr val="accent6">
+              <a:shade val="50000"/>
+            </a:schemeClr>
+          </a:lnRef>
+          <a:fillRef idx="1">
+            <a:schemeClr val="accent6"/>
+          </a:fillRef>
+          <a:effectRef idx="0">
+            <a:schemeClr val="accent6"/>
+          </a:effectRef>
+          <a:fontRef idx="minor">
+            <a:schemeClr val="lt1"/>
+          </a:fontRef>
+        </p:style>
+        <p:txBody>
+          <a:bodyPr rtlCol="0" anchor="ctr"/>
+          <a:lstStyle/>
+          <a:p>
+            <a:pPr algn="ctr"/>
+            <a:r>
+              <a:rPr lang="en-US" sz="2800" dirty="0"/>
+              <a:t>Every </a:t>
+            </a:r>
+            <a:r>
+              <a:rPr lang="en-US" sz="2800" dirty="0" err="1"/>
+              <a:t>geom</a:t>
+            </a:r>
+            <a:r>
+              <a:rPr lang="en-US" sz="2800" dirty="0"/>
+              <a:t> requires a mapping argument</a:t>
+            </a:r>
+          </a:p>
+        </p:txBody>
+      </p:sp>
+    </p:spTree>
+    <p:extLst>
+      <p:ext uri="{BB962C8B-B14F-4D97-AF65-F5344CB8AC3E}">
+        <p14:creationId xmlns:p14="http://schemas.microsoft.com/office/powerpoint/2010/main" val="4015639730"/>
+      </p:ext>
+    </p:extLst>
+  </p:cSld>
+  <p:clrMapOvr>
+    <a:masterClrMapping/>
+  </p:clrMapOvr>
+</p:sld>
+</file>
+
+<file path=ppt/slides/slide28.xml><?xml version="1.0" encoding="utf-8"?>
+<p:sld xmlns:a="http://schemas.openxmlformats.org/drawingml/2006/main" xmlns:r="http://schemas.openxmlformats.org/officeDocument/2006/relationships" xmlns:p="http://schemas.openxmlformats.org/presentationml/2006/main">
+  <p:cSld>
+    <p:spTree>
+      <p:nvGrpSpPr>
+        <p:cNvPr id="1" name=""/>
+        <p:cNvGrpSpPr/>
+        <p:nvPr/>
+      </p:nvGrpSpPr>
+      <p:grpSpPr>
+        <a:xfrm>
+          <a:off x="0" y="0"/>
+          <a:ext cx="0" cy="0"/>
+          <a:chOff x="0" y="0"/>
+          <a:chExt cx="0" cy="0"/>
+        </a:xfrm>
+      </p:grpSpPr>
+      <p:sp>
+        <p:nvSpPr>
+          <p:cNvPr id="4" name="Footer Placeholder 3">
+            <a:extLst>
+              <a:ext uri="{FF2B5EF4-FFF2-40B4-BE49-F238E27FC236}">
+                <a16:creationId xmlns:a16="http://schemas.microsoft.com/office/drawing/2014/main" id="{613E6009-D145-4590-A7B3-45399B48F3B0}"/>
+              </a:ext>
+            </a:extLst>
+          </p:cNvPr>
+          <p:cNvSpPr>
+            <a:spLocks noGrp="1"/>
+          </p:cNvSpPr>
+          <p:nvPr>
+            <p:ph type="ftr" sz="quarter" idx="11"/>
+          </p:nvPr>
+        </p:nvSpPr>
+        <p:spPr/>
+        <p:txBody>
+          <a:bodyPr/>
+          <a:lstStyle/>
+          <a:p>
+            <a:r>
+              <a:rPr lang="en-US"/>
+              <a:t>CERF 2019 | The Next Step with R | Cressman and Dunnigan</a:t>
+            </a:r>
+          </a:p>
+        </p:txBody>
+      </p:sp>
+      <p:sp>
+        <p:nvSpPr>
+          <p:cNvPr id="5" name="Slide Number Placeholder 4">
+            <a:extLst>
+              <a:ext uri="{FF2B5EF4-FFF2-40B4-BE49-F238E27FC236}">
+                <a16:creationId xmlns:a16="http://schemas.microsoft.com/office/drawing/2014/main" id="{7453A3CD-37F2-4D00-921B-4D1895E35745}"/>
+              </a:ext>
+            </a:extLst>
+          </p:cNvPr>
+          <p:cNvSpPr>
+            <a:spLocks noGrp="1"/>
+          </p:cNvSpPr>
+          <p:nvPr>
+            <p:ph type="sldNum" sz="quarter" idx="12"/>
+          </p:nvPr>
+        </p:nvSpPr>
+        <p:spPr/>
+        <p:txBody>
+          <a:bodyPr/>
+          <a:lstStyle/>
+          <a:p>
+            <a:fld id="{1D07C8D9-AA71-438D-86BE-7B86F7F29DC7}" type="slidenum">
+              <a:rPr lang="en-US" smtClean="0"/>
+              <a:t>28</a:t>
+            </a:fld>
+            <a:endParaRPr lang="en-US"/>
+          </a:p>
+        </p:txBody>
+      </p:sp>
+      <p:grpSp>
+        <p:nvGrpSpPr>
+          <p:cNvPr id="11" name="Group 10">
+            <a:extLst>
+              <a:ext uri="{FF2B5EF4-FFF2-40B4-BE49-F238E27FC236}">
+                <a16:creationId xmlns:a16="http://schemas.microsoft.com/office/drawing/2014/main" id="{BC440B32-38AA-40D3-9562-658CC11C0441}"/>
+              </a:ext>
+            </a:extLst>
+          </p:cNvPr>
+          <p:cNvGrpSpPr/>
+          <p:nvPr/>
+        </p:nvGrpSpPr>
+        <p:grpSpPr>
+          <a:xfrm>
+            <a:off x="637445" y="204406"/>
+            <a:ext cx="10980158" cy="6151944"/>
+            <a:chOff x="637445" y="204406"/>
+            <a:chExt cx="10980158" cy="6151944"/>
+          </a:xfrm>
+        </p:grpSpPr>
+        <p:pic>
+          <p:nvPicPr>
+            <p:cNvPr id="6" name="Picture 5">
+              <a:extLst>
+                <a:ext uri="{FF2B5EF4-FFF2-40B4-BE49-F238E27FC236}">
+                  <a16:creationId xmlns:a16="http://schemas.microsoft.com/office/drawing/2014/main" id="{54F7117B-F607-4BC1-960D-E3542047F215}"/>
+                </a:ext>
+              </a:extLst>
+            </p:cNvPr>
+            <p:cNvPicPr>
+              <a:picLocks noChangeAspect="1"/>
+            </p:cNvPicPr>
+            <p:nvPr/>
+          </p:nvPicPr>
+          <p:blipFill>
+            <a:blip r:embed="rId2"/>
+            <a:stretch>
+              <a:fillRect/>
+            </a:stretch>
+          </p:blipFill>
+          <p:spPr>
+            <a:xfrm>
+              <a:off x="637445" y="298450"/>
+              <a:ext cx="4607794" cy="3554361"/>
+            </a:xfrm>
+            <a:prstGeom prst="rect">
+              <a:avLst/>
+            </a:prstGeom>
+          </p:spPr>
+        </p:pic>
+        <p:pic>
+          <p:nvPicPr>
+            <p:cNvPr id="7" name="Picture 6">
+              <a:extLst>
+                <a:ext uri="{FF2B5EF4-FFF2-40B4-BE49-F238E27FC236}">
+                  <a16:creationId xmlns:a16="http://schemas.microsoft.com/office/drawing/2014/main" id="{25D20083-BDFF-4B08-9398-E7B0B64123CB}"/>
+                </a:ext>
+              </a:extLst>
+            </p:cNvPr>
+            <p:cNvPicPr>
+              <a:picLocks noChangeAspect="1"/>
+            </p:cNvPicPr>
+            <p:nvPr/>
+          </p:nvPicPr>
+          <p:blipFill rotWithShape="1">
+            <a:blip r:embed="rId2"/>
+            <a:srcRect l="25573" t="10295"/>
+            <a:stretch/>
+          </p:blipFill>
+          <p:spPr>
+            <a:xfrm>
+              <a:off x="5000624" y="204406"/>
+              <a:ext cx="6616979" cy="6151944"/>
+            </a:xfrm>
+            <a:prstGeom prst="rect">
+              <a:avLst/>
+            </a:prstGeom>
+          </p:spPr>
+        </p:pic>
+        <p:sp>
+          <p:nvSpPr>
+            <p:cNvPr id="9" name="Trapezoid 8">
+              <a:extLst>
+                <a:ext uri="{FF2B5EF4-FFF2-40B4-BE49-F238E27FC236}">
+                  <a16:creationId xmlns:a16="http://schemas.microsoft.com/office/drawing/2014/main" id="{0B15D1FD-44D7-48E5-A048-EA9BBA09175B}"/>
+                </a:ext>
+              </a:extLst>
+            </p:cNvPr>
+            <p:cNvSpPr/>
+            <p:nvPr/>
+          </p:nvSpPr>
+          <p:spPr>
+            <a:xfrm rot="16200000">
+              <a:off x="926118" y="1907191"/>
+              <a:ext cx="5872542" cy="2466972"/>
+            </a:xfrm>
+            <a:prstGeom prst="trapezoid">
+              <a:avLst/>
+            </a:prstGeom>
+            <a:solidFill>
+              <a:schemeClr val="accent5">
+                <a:lumMod val="50000"/>
+                <a:alpha val="50000"/>
+              </a:schemeClr>
+            </a:solidFill>
+            <a:ln>
+              <a:noFill/>
+            </a:ln>
+          </p:spPr>
+          <p:style>
+            <a:lnRef idx="2">
+              <a:schemeClr val="dk1">
+                <a:shade val="50000"/>
+              </a:schemeClr>
+            </a:lnRef>
+            <a:fillRef idx="1">
+              <a:schemeClr val="dk1"/>
+            </a:fillRef>
+            <a:effectRef idx="0">
+              <a:schemeClr val="dk1"/>
+            </a:effectRef>
+            <a:fontRef idx="minor">
+              <a:schemeClr val="lt1"/>
+            </a:fontRef>
+          </p:style>
+          <p:txBody>
+            <a:bodyPr rtlCol="0" anchor="ctr"/>
+            <a:lstStyle/>
+            <a:p>
+              <a:pPr algn="ctr"/>
+              <a:endParaRPr lang="en-US"/>
+            </a:p>
+          </p:txBody>
+        </p:sp>
+        <p:sp>
+          <p:nvSpPr>
+            <p:cNvPr id="10" name="Right Triangle 9">
+              <a:extLst>
+                <a:ext uri="{FF2B5EF4-FFF2-40B4-BE49-F238E27FC236}">
+                  <a16:creationId xmlns:a16="http://schemas.microsoft.com/office/drawing/2014/main" id="{1D57D9CC-64D3-4C78-8A24-311470D57DD8}"/>
+                </a:ext>
+              </a:extLst>
+            </p:cNvPr>
+            <p:cNvSpPr/>
+            <p:nvPr/>
+          </p:nvSpPr>
+          <p:spPr>
+            <a:xfrm>
+              <a:off x="2609849" y="3752851"/>
+              <a:ext cx="2486025" cy="2343150"/>
+            </a:xfrm>
+            <a:prstGeom prst="rtTriangle">
+              <a:avLst/>
+            </a:prstGeom>
+            <a:solidFill>
+              <a:schemeClr val="bg1"/>
+            </a:solidFill>
+            <a:ln>
+              <a:solidFill>
+                <a:schemeClr val="bg1"/>
+              </a:solidFill>
+            </a:ln>
+          </p:spPr>
+          <p:style>
+            <a:lnRef idx="2">
+              <a:schemeClr val="accent1">
+                <a:shade val="50000"/>
+              </a:schemeClr>
+            </a:lnRef>
+            <a:fillRef idx="1">
+              <a:schemeClr val="accent1"/>
+            </a:fillRef>
+            <a:effectRef idx="0">
+              <a:schemeClr val="accent1"/>
+            </a:effectRef>
+            <a:fontRef idx="minor">
+              <a:schemeClr val="lt1"/>
+            </a:fontRef>
+          </p:style>
+          <p:txBody>
+            <a:bodyPr rtlCol="0" anchor="ctr"/>
+            <a:lstStyle/>
+            <a:p>
+              <a:pPr algn="ctr"/>
+              <a:endParaRPr lang="en-US"/>
+            </a:p>
+          </p:txBody>
+        </p:sp>
+      </p:grpSp>
+    </p:spTree>
+    <p:extLst>
+      <p:ext uri="{BB962C8B-B14F-4D97-AF65-F5344CB8AC3E}">
+        <p14:creationId xmlns:p14="http://schemas.microsoft.com/office/powerpoint/2010/main" val="3362689697"/>
+      </p:ext>
+    </p:extLst>
+  </p:cSld>
+  <p:clrMapOvr>
+    <a:masterClrMapping/>
+  </p:clrMapOvr>
+</p:sld>
+</file>
+
+<file path=ppt/slides/slide29.xml><?xml version="1.0" encoding="utf-8"?>
+<p:sld xmlns:a="http://schemas.openxmlformats.org/drawingml/2006/main" xmlns:r="http://schemas.openxmlformats.org/officeDocument/2006/relationships" xmlns:p="http://schemas.openxmlformats.org/presentationml/2006/main">
+  <p:cSld>
+    <p:bg>
+      <p:bgPr>
+        <a:solidFill>
+          <a:schemeClr val="accent5">
+            <a:lumMod val="20000"/>
+            <a:lumOff val="80000"/>
+          </a:schemeClr>
+        </a:solidFill>
+        <a:effectLst/>
+      </p:bgPr>
+    </p:bg>
+    <p:spTree>
+      <p:nvGrpSpPr>
+        <p:cNvPr id="1" name=""/>
+        <p:cNvGrpSpPr/>
+        <p:nvPr/>
+      </p:nvGrpSpPr>
+      <p:grpSpPr>
+        <a:xfrm>
+          <a:off x="0" y="0"/>
+          <a:ext cx="0" cy="0"/>
+          <a:chOff x="0" y="0"/>
+          <a:chExt cx="0" cy="0"/>
+        </a:xfrm>
+      </p:grpSpPr>
+      <p:sp>
+        <p:nvSpPr>
+          <p:cNvPr id="4" name="Title 3">
+            <a:extLst>
+              <a:ext uri="{FF2B5EF4-FFF2-40B4-BE49-F238E27FC236}">
+                <a16:creationId xmlns:a16="http://schemas.microsoft.com/office/drawing/2014/main" id="{09F98E5E-EBF4-466B-BE87-EF39EC47423A}"/>
+              </a:ext>
+            </a:extLst>
+          </p:cNvPr>
+          <p:cNvSpPr>
+            <a:spLocks noGrp="1"/>
+          </p:cNvSpPr>
+          <p:nvPr>
+            <p:ph type="title"/>
+          </p:nvPr>
+        </p:nvSpPr>
+        <p:spPr/>
+        <p:txBody>
+          <a:bodyPr/>
+          <a:lstStyle/>
+          <a:p>
+            <a:pPr algn="ctr"/>
+            <a:r>
+              <a:rPr lang="en-US" b="1" dirty="0">
+                <a:solidFill>
+                  <a:schemeClr val="accent5">
+                    <a:lumMod val="50000"/>
+                  </a:schemeClr>
+                </a:solidFill>
+              </a:rPr>
+              <a:t>YOUR TURN 4</a:t>
+            </a:r>
+          </a:p>
+        </p:txBody>
+      </p:sp>
+      <p:sp>
+        <p:nvSpPr>
+          <p:cNvPr id="5" name="Content Placeholder 4">
+            <a:extLst>
+              <a:ext uri="{FF2B5EF4-FFF2-40B4-BE49-F238E27FC236}">
+                <a16:creationId xmlns:a16="http://schemas.microsoft.com/office/drawing/2014/main" id="{38B68722-AEAE-4CAB-8F36-F30822D70915}"/>
+              </a:ext>
+            </a:extLst>
+          </p:cNvPr>
+          <p:cNvSpPr>
+            <a:spLocks noGrp="1"/>
+          </p:cNvSpPr>
+          <p:nvPr>
+            <p:ph idx="1"/>
+          </p:nvPr>
+        </p:nvSpPr>
+        <p:spPr>
+          <a:xfrm>
+            <a:off x="838200" y="1483361"/>
+            <a:ext cx="10515600" cy="1667828"/>
+          </a:xfrm>
+        </p:spPr>
+        <p:txBody>
+          <a:bodyPr/>
+          <a:lstStyle/>
+          <a:p>
+            <a:pPr marL="0" indent="0">
+              <a:buNone/>
+            </a:pPr>
+            <a:r>
+              <a:rPr lang="en-US" dirty="0"/>
+              <a:t>With a partner, decide how to replace the scatterplot with one that draws boxplots. Use the </a:t>
+            </a:r>
+            <a:r>
+              <a:rPr lang="en-US" dirty="0" err="1"/>
+              <a:t>cheatsheet</a:t>
+            </a:r>
+            <a:r>
+              <a:rPr lang="en-US" dirty="0"/>
+              <a:t> and try your best guess!</a:t>
+            </a:r>
+          </a:p>
+        </p:txBody>
+      </p:sp>
+      <p:sp>
+        <p:nvSpPr>
+          <p:cNvPr id="2" name="Footer Placeholder 1">
+            <a:extLst>
+              <a:ext uri="{FF2B5EF4-FFF2-40B4-BE49-F238E27FC236}">
+                <a16:creationId xmlns:a16="http://schemas.microsoft.com/office/drawing/2014/main" id="{9219E169-6D59-40A2-81CB-8DC2846DFBBB}"/>
+              </a:ext>
+            </a:extLst>
+          </p:cNvPr>
+          <p:cNvSpPr>
+            <a:spLocks noGrp="1"/>
+          </p:cNvSpPr>
+          <p:nvPr>
+            <p:ph type="ftr" sz="quarter" idx="11"/>
+          </p:nvPr>
+        </p:nvSpPr>
+        <p:spPr/>
+        <p:txBody>
+          <a:bodyPr/>
+          <a:lstStyle/>
+          <a:p>
+            <a:r>
+              <a:rPr lang="en-US"/>
+              <a:t>CERF 2019 | The Next Step with R | Cressman and Dunnigan</a:t>
+            </a:r>
+          </a:p>
+        </p:txBody>
+      </p:sp>
+      <p:sp>
+        <p:nvSpPr>
+          <p:cNvPr id="3" name="Slide Number Placeholder 2">
+            <a:extLst>
+              <a:ext uri="{FF2B5EF4-FFF2-40B4-BE49-F238E27FC236}">
+                <a16:creationId xmlns:a16="http://schemas.microsoft.com/office/drawing/2014/main" id="{0A50AE1A-2EC7-45DF-9632-DFB28FB54B63}"/>
+              </a:ext>
+            </a:extLst>
+          </p:cNvPr>
+          <p:cNvSpPr>
+            <a:spLocks noGrp="1"/>
+          </p:cNvSpPr>
+          <p:nvPr>
+            <p:ph type="sldNum" sz="quarter" idx="12"/>
+          </p:nvPr>
+        </p:nvSpPr>
+        <p:spPr/>
+        <p:txBody>
+          <a:bodyPr/>
+          <a:lstStyle/>
+          <a:p>
+            <a:fld id="{1D07C8D9-AA71-438D-86BE-7B86F7F29DC7}" type="slidenum">
+              <a:rPr lang="en-US" smtClean="0"/>
+              <a:t>29</a:t>
+            </a:fld>
+            <a:endParaRPr lang="en-US"/>
+          </a:p>
+        </p:txBody>
+      </p:sp>
+      <p:pic>
+        <p:nvPicPr>
+          <p:cNvPr id="1026" name="Picture 2" descr="https://lh6.googleusercontent.com/jg7l3L3KpWg5fje1qam-FFRT3CLYYnspkFJzdoReSE5MdnJAVpFNuTt64JrFclvlq2JAjYby2Hf69gvi7ohg_C7tbcyt7GAhD6AOn3Y1kBDkOm3Af0-xLGrvCewY1lybOmBcm-5H">
+            <a:extLst>
+              <a:ext uri="{FF2B5EF4-FFF2-40B4-BE49-F238E27FC236}">
+                <a16:creationId xmlns:a16="http://schemas.microsoft.com/office/drawing/2014/main" id="{59E96B3E-3206-4080-821D-5136C6C326F9}"/>
+              </a:ext>
+            </a:extLst>
+          </p:cNvPr>
+          <p:cNvPicPr>
+            <a:picLocks noChangeAspect="1" noChangeArrowheads="1"/>
+          </p:cNvPicPr>
+          <p:nvPr/>
+        </p:nvPicPr>
+        <p:blipFill>
+          <a:blip r:embed="rId2">
+            <a:extLst>
+              <a:ext uri="{28A0092B-C50C-407E-A947-70E740481C1C}">
+                <a14:useLocalDpi xmlns:a14="http://schemas.microsoft.com/office/drawing/2010/main" val="0"/>
+              </a:ext>
+            </a:extLst>
+          </a:blip>
+          <a:srcRect/>
+          <a:stretch>
+            <a:fillRect/>
+          </a:stretch>
+        </p:blipFill>
+        <p:spPr bwMode="auto">
+          <a:xfrm>
+            <a:off x="2541009" y="2336784"/>
+            <a:ext cx="7109982" cy="4384691"/>
+          </a:xfrm>
+          <a:prstGeom prst="rect">
+            <a:avLst/>
+          </a:prstGeom>
+          <a:noFill/>
+          <a:extLst>
+            <a:ext uri="{909E8E84-426E-40DD-AFC4-6F175D3DCCD1}">
+              <a14:hiddenFill xmlns:a14="http://schemas.microsoft.com/office/drawing/2010/main">
+                <a:solidFill>
+                  <a:srgbClr val="FFFFFF"/>
+                </a:solidFill>
+              </a14:hiddenFill>
+            </a:ext>
+          </a:extLst>
+        </p:spPr>
+      </p:pic>
+    </p:spTree>
+    <p:extLst>
+      <p:ext uri="{BB962C8B-B14F-4D97-AF65-F5344CB8AC3E}">
+        <p14:creationId xmlns:p14="http://schemas.microsoft.com/office/powerpoint/2010/main" val="4269301793"/>
+      </p:ext>
+    </p:extLst>
+  </p:cSld>
+  <p:clrMapOvr>
+    <a:masterClrMapping/>
+  </p:clrMapOvr>
+</p:sld>
+</file>
+
 <file path=ppt/slides/slide3.xml><?xml version="1.0" encoding="utf-8"?>
 <p:sld xmlns:a="http://schemas.openxmlformats.org/drawingml/2006/main" xmlns:r="http://schemas.openxmlformats.org/officeDocument/2006/relationships" xmlns:p="http://schemas.openxmlformats.org/presentationml/2006/main">
   <p:cSld>
@@ -11244,6 +12381,3221 @@
     <p:extLst>
       <p:ext uri="{BB962C8B-B14F-4D97-AF65-F5344CB8AC3E}">
         <p14:creationId xmlns:p14="http://schemas.microsoft.com/office/powerpoint/2010/main" val="2359928746"/>
+      </p:ext>
+    </p:extLst>
+  </p:cSld>
+  <p:clrMapOvr>
+    <a:masterClrMapping/>
+  </p:clrMapOvr>
+</p:sld>
+</file>
+
+<file path=ppt/slides/slide30.xml><?xml version="1.0" encoding="utf-8"?>
+<p:sld xmlns:a="http://schemas.openxmlformats.org/drawingml/2006/main" xmlns:r="http://schemas.openxmlformats.org/officeDocument/2006/relationships" xmlns:p="http://schemas.openxmlformats.org/presentationml/2006/main">
+  <p:cSld>
+    <p:spTree>
+      <p:nvGrpSpPr>
+        <p:cNvPr id="1" name=""/>
+        <p:cNvGrpSpPr/>
+        <p:nvPr/>
+      </p:nvGrpSpPr>
+      <p:grpSpPr>
+        <a:xfrm>
+          <a:off x="0" y="0"/>
+          <a:ext cx="0" cy="0"/>
+          <a:chOff x="0" y="0"/>
+          <a:chExt cx="0" cy="0"/>
+        </a:xfrm>
+      </p:grpSpPr>
+      <p:sp>
+        <p:nvSpPr>
+          <p:cNvPr id="4" name="Footer Placeholder 3">
+            <a:extLst>
+              <a:ext uri="{FF2B5EF4-FFF2-40B4-BE49-F238E27FC236}">
+                <a16:creationId xmlns:a16="http://schemas.microsoft.com/office/drawing/2014/main" id="{CF9BE720-C2D8-4A30-BB7B-254D6B0338D2}"/>
+              </a:ext>
+            </a:extLst>
+          </p:cNvPr>
+          <p:cNvSpPr>
+            <a:spLocks noGrp="1"/>
+          </p:cNvSpPr>
+          <p:nvPr>
+            <p:ph type="ftr" sz="quarter" idx="11"/>
+          </p:nvPr>
+        </p:nvSpPr>
+        <p:spPr/>
+        <p:txBody>
+          <a:bodyPr/>
+          <a:lstStyle/>
+          <a:p>
+            <a:r>
+              <a:rPr lang="en-US"/>
+              <a:t>CERF 2019 | The Next Step with R | Cressman and Dunnigan</a:t>
+            </a:r>
+          </a:p>
+        </p:txBody>
+      </p:sp>
+      <p:sp>
+        <p:nvSpPr>
+          <p:cNvPr id="5" name="Slide Number Placeholder 4">
+            <a:extLst>
+              <a:ext uri="{FF2B5EF4-FFF2-40B4-BE49-F238E27FC236}">
+                <a16:creationId xmlns:a16="http://schemas.microsoft.com/office/drawing/2014/main" id="{8B08C857-8B49-4CD4-8D3F-C68C8491AE12}"/>
+              </a:ext>
+            </a:extLst>
+          </p:cNvPr>
+          <p:cNvSpPr>
+            <a:spLocks noGrp="1"/>
+          </p:cNvSpPr>
+          <p:nvPr>
+            <p:ph type="sldNum" sz="quarter" idx="12"/>
+          </p:nvPr>
+        </p:nvSpPr>
+        <p:spPr/>
+        <p:txBody>
+          <a:bodyPr/>
+          <a:lstStyle/>
+          <a:p>
+            <a:fld id="{1D07C8D9-AA71-438D-86BE-7B86F7F29DC7}" type="slidenum">
+              <a:rPr lang="en-US" smtClean="0"/>
+              <a:t>30</a:t>
+            </a:fld>
+            <a:endParaRPr lang="en-US"/>
+          </a:p>
+        </p:txBody>
+      </p:sp>
+      <p:pic>
+        <p:nvPicPr>
+          <p:cNvPr id="3078" name="Picture 6" descr="https://lh5.googleusercontent.com/2yZu0_80mYmAvp7XZx9YRUVbVZUpiITAwt6Wl9unK--rl4R4cckbHYQGqJQv9Wy_FboOrrHUQwcZDyfHa_Cbn-ZFzTVplF8HIbUbqgbn2LRJwCKymG39YdKzhV8SRFCIbk6rnCgA">
+            <a:extLst>
+              <a:ext uri="{FF2B5EF4-FFF2-40B4-BE49-F238E27FC236}">
+                <a16:creationId xmlns:a16="http://schemas.microsoft.com/office/drawing/2014/main" id="{4601CDF8-F09F-45AD-9939-133053AC4185}"/>
+              </a:ext>
+            </a:extLst>
+          </p:cNvPr>
+          <p:cNvPicPr>
+            <a:picLocks noChangeAspect="1" noChangeArrowheads="1"/>
+          </p:cNvPicPr>
+          <p:nvPr/>
+        </p:nvPicPr>
+        <p:blipFill>
+          <a:blip r:embed="rId2">
+            <a:extLst>
+              <a:ext uri="{28A0092B-C50C-407E-A947-70E740481C1C}">
+                <a14:useLocalDpi xmlns:a14="http://schemas.microsoft.com/office/drawing/2010/main" val="0"/>
+              </a:ext>
+            </a:extLst>
+          </a:blip>
+          <a:srcRect/>
+          <a:stretch>
+            <a:fillRect/>
+          </a:stretch>
+        </p:blipFill>
+        <p:spPr bwMode="auto">
+          <a:xfrm>
+            <a:off x="2524991" y="602817"/>
+            <a:ext cx="7142018" cy="4406534"/>
+          </a:xfrm>
+          <a:prstGeom prst="rect">
+            <a:avLst/>
+          </a:prstGeom>
+          <a:noFill/>
+          <a:extLst>
+            <a:ext uri="{909E8E84-426E-40DD-AFC4-6F175D3DCCD1}">
+              <a14:hiddenFill xmlns:a14="http://schemas.microsoft.com/office/drawing/2010/main">
+                <a:solidFill>
+                  <a:srgbClr val="FFFFFF"/>
+                </a:solidFill>
+              </a14:hiddenFill>
+            </a:ext>
+          </a:extLst>
+        </p:spPr>
+      </p:pic>
+      <p:sp>
+        <p:nvSpPr>
+          <p:cNvPr id="9" name="TextBox 8">
+            <a:extLst>
+              <a:ext uri="{FF2B5EF4-FFF2-40B4-BE49-F238E27FC236}">
+                <a16:creationId xmlns:a16="http://schemas.microsoft.com/office/drawing/2014/main" id="{44BCA471-9519-46A7-BA60-722DB49CCB42}"/>
+              </a:ext>
+            </a:extLst>
+          </p:cNvPr>
+          <p:cNvSpPr txBox="1"/>
+          <p:nvPr/>
+        </p:nvSpPr>
+        <p:spPr>
+          <a:xfrm>
+            <a:off x="589935" y="5176684"/>
+            <a:ext cx="11017046" cy="830997"/>
+          </a:xfrm>
+          <a:prstGeom prst="rect">
+            <a:avLst/>
+          </a:prstGeom>
+          <a:noFill/>
+        </p:spPr>
+        <p:txBody>
+          <a:bodyPr wrap="square" rtlCol="0">
+            <a:spAutoFit/>
+          </a:bodyPr>
+          <a:lstStyle/>
+          <a:p>
+            <a:r>
+              <a:rPr lang="en-US" sz="2400" dirty="0">
+                <a:latin typeface="Fira Code" panose="020B0809050000020004" pitchFamily="49" charset="0"/>
+                <a:ea typeface="Fira Code" panose="020B0809050000020004" pitchFamily="49" charset="0"/>
+                <a:cs typeface="Fira Code" panose="020B0809050000020004" pitchFamily="49" charset="0"/>
+              </a:rPr>
+              <a:t> </a:t>
+            </a:r>
+            <a:r>
+              <a:rPr lang="en-US" sz="2400" dirty="0" err="1">
+                <a:latin typeface="Fira Code" panose="020B0809050000020004" pitchFamily="49" charset="0"/>
+                <a:ea typeface="Fira Code" panose="020B0809050000020004" pitchFamily="49" charset="0"/>
+                <a:cs typeface="Fira Code" panose="020B0809050000020004" pitchFamily="49" charset="0"/>
+              </a:rPr>
+              <a:t>ggplot</a:t>
+            </a:r>
+            <a:r>
+              <a:rPr lang="en-US" sz="2400" dirty="0">
+                <a:latin typeface="Fira Code" panose="020B0809050000020004" pitchFamily="49" charset="0"/>
+                <a:ea typeface="Fira Code" panose="020B0809050000020004" pitchFamily="49" charset="0"/>
+                <a:cs typeface="Fira Code" panose="020B0809050000020004" pitchFamily="49" charset="0"/>
+              </a:rPr>
+              <a:t>(data = </a:t>
+            </a:r>
+            <a:r>
+              <a:rPr lang="en-US" sz="2400" dirty="0" err="1">
+                <a:latin typeface="Fira Code" panose="020B0809050000020004" pitchFamily="49" charset="0"/>
+                <a:ea typeface="Fira Code" panose="020B0809050000020004" pitchFamily="49" charset="0"/>
+                <a:cs typeface="Fira Code" panose="020B0809050000020004" pitchFamily="49" charset="0"/>
+              </a:rPr>
+              <a:t>wq</a:t>
+            </a:r>
+            <a:r>
+              <a:rPr lang="en-US" sz="2400" dirty="0">
+                <a:latin typeface="Fira Code" panose="020B0809050000020004" pitchFamily="49" charset="0"/>
+                <a:ea typeface="Fira Code" panose="020B0809050000020004" pitchFamily="49" charset="0"/>
+                <a:cs typeface="Fira Code" panose="020B0809050000020004" pitchFamily="49" charset="0"/>
+              </a:rPr>
+              <a:t>) + </a:t>
+            </a:r>
+          </a:p>
+          <a:p>
+            <a:r>
+              <a:rPr lang="en-US" sz="2400" dirty="0">
+                <a:latin typeface="Fira Code" panose="020B0809050000020004" pitchFamily="49" charset="0"/>
+                <a:ea typeface="Fira Code" panose="020B0809050000020004" pitchFamily="49" charset="0"/>
+                <a:cs typeface="Fira Code" panose="020B0809050000020004" pitchFamily="49" charset="0"/>
+              </a:rPr>
+              <a:t>	</a:t>
+            </a:r>
+            <a:r>
+              <a:rPr lang="en-US" sz="2400" dirty="0" err="1">
+                <a:solidFill>
+                  <a:schemeClr val="accent6">
+                    <a:lumMod val="75000"/>
+                  </a:schemeClr>
+                </a:solidFill>
+                <a:latin typeface="Fira Code" panose="020B0809050000020004" pitchFamily="49" charset="0"/>
+                <a:ea typeface="Fira Code" panose="020B0809050000020004" pitchFamily="49" charset="0"/>
+                <a:cs typeface="Fira Code" panose="020B0809050000020004" pitchFamily="49" charset="0"/>
+              </a:rPr>
+              <a:t>geom_boxplot</a:t>
+            </a:r>
+            <a:r>
+              <a:rPr lang="en-US" sz="2400" dirty="0">
+                <a:latin typeface="Fira Code" panose="020B0809050000020004" pitchFamily="49" charset="0"/>
+                <a:ea typeface="Fira Code" panose="020B0809050000020004" pitchFamily="49" charset="0"/>
+                <a:cs typeface="Fira Code" panose="020B0809050000020004" pitchFamily="49" charset="0"/>
+              </a:rPr>
+              <a:t>(mapping = </a:t>
+            </a:r>
+            <a:r>
+              <a:rPr lang="en-US" sz="2400" dirty="0" err="1">
+                <a:latin typeface="Fira Code" panose="020B0809050000020004" pitchFamily="49" charset="0"/>
+                <a:ea typeface="Fira Code" panose="020B0809050000020004" pitchFamily="49" charset="0"/>
+                <a:cs typeface="Fira Code" panose="020B0809050000020004" pitchFamily="49" charset="0"/>
+              </a:rPr>
+              <a:t>aes</a:t>
+            </a:r>
+            <a:r>
+              <a:rPr lang="en-US" sz="2400" dirty="0">
+                <a:latin typeface="Fira Code" panose="020B0809050000020004" pitchFamily="49" charset="0"/>
+                <a:ea typeface="Fira Code" panose="020B0809050000020004" pitchFamily="49" charset="0"/>
+                <a:cs typeface="Fira Code" panose="020B0809050000020004" pitchFamily="49" charset="0"/>
+              </a:rPr>
+              <a:t>(x = coast, y = temp))</a:t>
+            </a:r>
+          </a:p>
+        </p:txBody>
+      </p:sp>
+    </p:spTree>
+    <p:extLst>
+      <p:ext uri="{BB962C8B-B14F-4D97-AF65-F5344CB8AC3E}">
+        <p14:creationId xmlns:p14="http://schemas.microsoft.com/office/powerpoint/2010/main" val="2399857387"/>
+      </p:ext>
+    </p:extLst>
+  </p:cSld>
+  <p:clrMapOvr>
+    <a:masterClrMapping/>
+  </p:clrMapOvr>
+</p:sld>
+</file>
+
+<file path=ppt/slides/slide31.xml><?xml version="1.0" encoding="utf-8"?>
+<p:sld xmlns:a="http://schemas.openxmlformats.org/drawingml/2006/main" xmlns:r="http://schemas.openxmlformats.org/officeDocument/2006/relationships" xmlns:p="http://schemas.openxmlformats.org/presentationml/2006/main">
+  <p:cSld>
+    <p:spTree>
+      <p:nvGrpSpPr>
+        <p:cNvPr id="1" name=""/>
+        <p:cNvGrpSpPr/>
+        <p:nvPr/>
+      </p:nvGrpSpPr>
+      <p:grpSpPr>
+        <a:xfrm>
+          <a:off x="0" y="0"/>
+          <a:ext cx="0" cy="0"/>
+          <a:chOff x="0" y="0"/>
+          <a:chExt cx="0" cy="0"/>
+        </a:xfrm>
+      </p:grpSpPr>
+      <p:sp>
+        <p:nvSpPr>
+          <p:cNvPr id="4" name="Footer Placeholder 3">
+            <a:extLst>
+              <a:ext uri="{FF2B5EF4-FFF2-40B4-BE49-F238E27FC236}">
+                <a16:creationId xmlns:a16="http://schemas.microsoft.com/office/drawing/2014/main" id="{8982EAF7-26A3-468D-A6DE-82A178F346EC}"/>
+              </a:ext>
+            </a:extLst>
+          </p:cNvPr>
+          <p:cNvSpPr>
+            <a:spLocks noGrp="1"/>
+          </p:cNvSpPr>
+          <p:nvPr>
+            <p:ph type="ftr" sz="quarter" idx="11"/>
+          </p:nvPr>
+        </p:nvSpPr>
+        <p:spPr/>
+        <p:txBody>
+          <a:bodyPr/>
+          <a:lstStyle/>
+          <a:p>
+            <a:r>
+              <a:rPr lang="en-US"/>
+              <a:t>CERF 2019 | The Next Step with R | Cressman and Dunnigan</a:t>
+            </a:r>
+          </a:p>
+        </p:txBody>
+      </p:sp>
+      <p:sp>
+        <p:nvSpPr>
+          <p:cNvPr id="5" name="Slide Number Placeholder 4">
+            <a:extLst>
+              <a:ext uri="{FF2B5EF4-FFF2-40B4-BE49-F238E27FC236}">
+                <a16:creationId xmlns:a16="http://schemas.microsoft.com/office/drawing/2014/main" id="{D6BDA34A-9C79-4D7D-A7A7-237BA9F820AE}"/>
+              </a:ext>
+            </a:extLst>
+          </p:cNvPr>
+          <p:cNvSpPr>
+            <a:spLocks noGrp="1"/>
+          </p:cNvSpPr>
+          <p:nvPr>
+            <p:ph type="sldNum" sz="quarter" idx="12"/>
+          </p:nvPr>
+        </p:nvSpPr>
+        <p:spPr/>
+        <p:txBody>
+          <a:bodyPr/>
+          <a:lstStyle/>
+          <a:p>
+            <a:fld id="{1D07C8D9-AA71-438D-86BE-7B86F7F29DC7}" type="slidenum">
+              <a:rPr lang="en-US" smtClean="0"/>
+              <a:t>31</a:t>
+            </a:fld>
+            <a:endParaRPr lang="en-US"/>
+          </a:p>
+        </p:txBody>
+      </p:sp>
+      <p:pic>
+        <p:nvPicPr>
+          <p:cNvPr id="2052" name="Picture 4" descr="https://lh4.googleusercontent.com/UyF0IatkgTZkRJJE_s6RP9XLcXcp5txOike-ZgyPoi9bGCyfk1PVOaYhd1T_2iWTmyWTrJG_piolWSOj3r7BS-vYCLi1oZ5UvPnOpPppSoaRKGXbHT4IBBOSz1OfCMSrSQXWlHRT">
+            <a:extLst>
+              <a:ext uri="{FF2B5EF4-FFF2-40B4-BE49-F238E27FC236}">
+                <a16:creationId xmlns:a16="http://schemas.microsoft.com/office/drawing/2014/main" id="{028A835A-0DD8-43E0-A55B-0CE6D612F299}"/>
+              </a:ext>
+            </a:extLst>
+          </p:cNvPr>
+          <p:cNvPicPr>
+            <a:picLocks noChangeAspect="1" noChangeArrowheads="1"/>
+          </p:cNvPicPr>
+          <p:nvPr/>
+        </p:nvPicPr>
+        <p:blipFill>
+          <a:blip r:embed="rId2">
+            <a:extLst>
+              <a:ext uri="{28A0092B-C50C-407E-A947-70E740481C1C}">
+                <a14:useLocalDpi xmlns:a14="http://schemas.microsoft.com/office/drawing/2010/main" val="0"/>
+              </a:ext>
+            </a:extLst>
+          </a:blip>
+          <a:srcRect/>
+          <a:stretch>
+            <a:fillRect/>
+          </a:stretch>
+        </p:blipFill>
+        <p:spPr bwMode="auto">
+          <a:xfrm>
+            <a:off x="2135213" y="136525"/>
+            <a:ext cx="7921574" cy="4887780"/>
+          </a:xfrm>
+          <a:prstGeom prst="rect">
+            <a:avLst/>
+          </a:prstGeom>
+          <a:noFill/>
+          <a:extLst>
+            <a:ext uri="{909E8E84-426E-40DD-AFC4-6F175D3DCCD1}">
+              <a14:hiddenFill xmlns:a14="http://schemas.microsoft.com/office/drawing/2010/main">
+                <a:solidFill>
+                  <a:srgbClr val="FFFFFF"/>
+                </a:solidFill>
+              </a14:hiddenFill>
+            </a:ext>
+          </a:extLst>
+        </p:spPr>
+      </p:pic>
+      <p:sp>
+        <p:nvSpPr>
+          <p:cNvPr id="6" name="TextBox 5">
+            <a:extLst>
+              <a:ext uri="{FF2B5EF4-FFF2-40B4-BE49-F238E27FC236}">
+                <a16:creationId xmlns:a16="http://schemas.microsoft.com/office/drawing/2014/main" id="{63023394-4451-4B53-A73E-00EC6081DB72}"/>
+              </a:ext>
+            </a:extLst>
+          </p:cNvPr>
+          <p:cNvSpPr txBox="1"/>
+          <p:nvPr/>
+        </p:nvSpPr>
+        <p:spPr>
+          <a:xfrm>
+            <a:off x="589935" y="5176684"/>
+            <a:ext cx="11017046" cy="830997"/>
+          </a:xfrm>
+          <a:prstGeom prst="rect">
+            <a:avLst/>
+          </a:prstGeom>
+          <a:noFill/>
+        </p:spPr>
+        <p:txBody>
+          <a:bodyPr wrap="square" rtlCol="0">
+            <a:spAutoFit/>
+          </a:bodyPr>
+          <a:lstStyle/>
+          <a:p>
+            <a:r>
+              <a:rPr lang="en-US" sz="2400" dirty="0">
+                <a:latin typeface="Fira Code" panose="020B0809050000020004" pitchFamily="49" charset="0"/>
+                <a:ea typeface="Fira Code" panose="020B0809050000020004" pitchFamily="49" charset="0"/>
+                <a:cs typeface="Fira Code" panose="020B0809050000020004" pitchFamily="49" charset="0"/>
+              </a:rPr>
+              <a:t> </a:t>
+            </a:r>
+            <a:r>
+              <a:rPr lang="en-US" sz="2400" dirty="0" err="1">
+                <a:latin typeface="Fira Code" panose="020B0809050000020004" pitchFamily="49" charset="0"/>
+                <a:ea typeface="Fira Code" panose="020B0809050000020004" pitchFamily="49" charset="0"/>
+                <a:cs typeface="Fira Code" panose="020B0809050000020004" pitchFamily="49" charset="0"/>
+              </a:rPr>
+              <a:t>ggplot</a:t>
+            </a:r>
+            <a:r>
+              <a:rPr lang="en-US" sz="2400" dirty="0">
+                <a:latin typeface="Fira Code" panose="020B0809050000020004" pitchFamily="49" charset="0"/>
+                <a:ea typeface="Fira Code" panose="020B0809050000020004" pitchFamily="49" charset="0"/>
+                <a:cs typeface="Fira Code" panose="020B0809050000020004" pitchFamily="49" charset="0"/>
+              </a:rPr>
+              <a:t>(data = </a:t>
+            </a:r>
+            <a:r>
+              <a:rPr lang="en-US" sz="2400" dirty="0" err="1">
+                <a:latin typeface="Fira Code" panose="020B0809050000020004" pitchFamily="49" charset="0"/>
+                <a:ea typeface="Fira Code" panose="020B0809050000020004" pitchFamily="49" charset="0"/>
+                <a:cs typeface="Fira Code" panose="020B0809050000020004" pitchFamily="49" charset="0"/>
+              </a:rPr>
+              <a:t>wq</a:t>
+            </a:r>
+            <a:r>
+              <a:rPr lang="en-US" sz="2400" dirty="0">
+                <a:latin typeface="Fira Code" panose="020B0809050000020004" pitchFamily="49" charset="0"/>
+                <a:ea typeface="Fira Code" panose="020B0809050000020004" pitchFamily="49" charset="0"/>
+                <a:cs typeface="Fira Code" panose="020B0809050000020004" pitchFamily="49" charset="0"/>
+              </a:rPr>
+              <a:t>) + </a:t>
+            </a:r>
+          </a:p>
+          <a:p>
+            <a:r>
+              <a:rPr lang="en-US" sz="2400" dirty="0">
+                <a:latin typeface="Fira Code" panose="020B0809050000020004" pitchFamily="49" charset="0"/>
+                <a:ea typeface="Fira Code" panose="020B0809050000020004" pitchFamily="49" charset="0"/>
+                <a:cs typeface="Fira Code" panose="020B0809050000020004" pitchFamily="49" charset="0"/>
+              </a:rPr>
+              <a:t>	</a:t>
+            </a:r>
+            <a:r>
+              <a:rPr lang="en-US" sz="2400" dirty="0" err="1">
+                <a:latin typeface="Fira Code" panose="020B0809050000020004" pitchFamily="49" charset="0"/>
+                <a:ea typeface="Fira Code" panose="020B0809050000020004" pitchFamily="49" charset="0"/>
+                <a:cs typeface="Fira Code" panose="020B0809050000020004" pitchFamily="49" charset="0"/>
+              </a:rPr>
+              <a:t>geom_boxplot</a:t>
+            </a:r>
+            <a:r>
+              <a:rPr lang="en-US" sz="2400" dirty="0">
+                <a:latin typeface="Fira Code" panose="020B0809050000020004" pitchFamily="49" charset="0"/>
+                <a:ea typeface="Fira Code" panose="020B0809050000020004" pitchFamily="49" charset="0"/>
+                <a:cs typeface="Fira Code" panose="020B0809050000020004" pitchFamily="49" charset="0"/>
+              </a:rPr>
+              <a:t>(</a:t>
+            </a:r>
+            <a:r>
+              <a:rPr lang="en-US" sz="2400" dirty="0" err="1">
+                <a:latin typeface="Fira Code" panose="020B0809050000020004" pitchFamily="49" charset="0"/>
+                <a:ea typeface="Fira Code" panose="020B0809050000020004" pitchFamily="49" charset="0"/>
+                <a:cs typeface="Fira Code" panose="020B0809050000020004" pitchFamily="49" charset="0"/>
+              </a:rPr>
+              <a:t>aes</a:t>
+            </a:r>
+            <a:r>
+              <a:rPr lang="en-US" sz="2400" dirty="0">
+                <a:latin typeface="Fira Code" panose="020B0809050000020004" pitchFamily="49" charset="0"/>
+                <a:ea typeface="Fira Code" panose="020B0809050000020004" pitchFamily="49" charset="0"/>
+                <a:cs typeface="Fira Code" panose="020B0809050000020004" pitchFamily="49" charset="0"/>
+              </a:rPr>
+              <a:t>(x = coast, y = temp, </a:t>
+            </a:r>
+            <a:r>
+              <a:rPr lang="en-US" sz="2400" dirty="0">
+                <a:solidFill>
+                  <a:schemeClr val="accent6">
+                    <a:lumMod val="75000"/>
+                  </a:schemeClr>
+                </a:solidFill>
+                <a:latin typeface="Fira Code" panose="020B0809050000020004" pitchFamily="49" charset="0"/>
+                <a:ea typeface="Fira Code" panose="020B0809050000020004" pitchFamily="49" charset="0"/>
+                <a:cs typeface="Fira Code" panose="020B0809050000020004" pitchFamily="49" charset="0"/>
+              </a:rPr>
+              <a:t>color = state</a:t>
+            </a:r>
+            <a:r>
+              <a:rPr lang="en-US" sz="2400" dirty="0">
+                <a:latin typeface="Fira Code" panose="020B0809050000020004" pitchFamily="49" charset="0"/>
+                <a:ea typeface="Fira Code" panose="020B0809050000020004" pitchFamily="49" charset="0"/>
+                <a:cs typeface="Fira Code" panose="020B0809050000020004" pitchFamily="49" charset="0"/>
+              </a:rPr>
+              <a:t>))</a:t>
+            </a:r>
+          </a:p>
+        </p:txBody>
+      </p:sp>
+    </p:spTree>
+    <p:extLst>
+      <p:ext uri="{BB962C8B-B14F-4D97-AF65-F5344CB8AC3E}">
+        <p14:creationId xmlns:p14="http://schemas.microsoft.com/office/powerpoint/2010/main" val="2389836160"/>
+      </p:ext>
+    </p:extLst>
+  </p:cSld>
+  <p:clrMapOvr>
+    <a:masterClrMapping/>
+  </p:clrMapOvr>
+</p:sld>
+</file>
+
+<file path=ppt/slides/slide32.xml><?xml version="1.0" encoding="utf-8"?>
+<p:sld xmlns:a="http://schemas.openxmlformats.org/drawingml/2006/main" xmlns:r="http://schemas.openxmlformats.org/officeDocument/2006/relationships" xmlns:p="http://schemas.openxmlformats.org/presentationml/2006/main">
+  <p:cSld>
+    <p:spTree>
+      <p:nvGrpSpPr>
+        <p:cNvPr id="1" name=""/>
+        <p:cNvGrpSpPr/>
+        <p:nvPr/>
+      </p:nvGrpSpPr>
+      <p:grpSpPr>
+        <a:xfrm>
+          <a:off x="0" y="0"/>
+          <a:ext cx="0" cy="0"/>
+          <a:chOff x="0" y="0"/>
+          <a:chExt cx="0" cy="0"/>
+        </a:xfrm>
+      </p:grpSpPr>
+      <p:sp>
+        <p:nvSpPr>
+          <p:cNvPr id="4" name="Title 3">
+            <a:extLst>
+              <a:ext uri="{FF2B5EF4-FFF2-40B4-BE49-F238E27FC236}">
+                <a16:creationId xmlns:a16="http://schemas.microsoft.com/office/drawing/2014/main" id="{14D89694-970D-4C3F-BDDE-0D146B35434E}"/>
+              </a:ext>
+            </a:extLst>
+          </p:cNvPr>
+          <p:cNvSpPr>
+            <a:spLocks noGrp="1"/>
+          </p:cNvSpPr>
+          <p:nvPr>
+            <p:ph type="title"/>
+          </p:nvPr>
+        </p:nvSpPr>
+        <p:spPr/>
+        <p:txBody>
+          <a:bodyPr/>
+          <a:lstStyle/>
+          <a:p>
+            <a:r>
+              <a:rPr lang="en-US" dirty="0"/>
+              <a:t>Global vs. local</a:t>
+            </a:r>
+          </a:p>
+        </p:txBody>
+      </p:sp>
+      <p:sp>
+        <p:nvSpPr>
+          <p:cNvPr id="5" name="Content Placeholder 4">
+            <a:extLst>
+              <a:ext uri="{FF2B5EF4-FFF2-40B4-BE49-F238E27FC236}">
+                <a16:creationId xmlns:a16="http://schemas.microsoft.com/office/drawing/2014/main" id="{D714C703-2948-4092-8793-C7D5A055D2B6}"/>
+              </a:ext>
+            </a:extLst>
+          </p:cNvPr>
+          <p:cNvSpPr>
+            <a:spLocks noGrp="1"/>
+          </p:cNvSpPr>
+          <p:nvPr>
+            <p:ph idx="1"/>
+          </p:nvPr>
+        </p:nvSpPr>
+        <p:spPr>
+          <a:xfrm>
+            <a:off x="249382" y="1825625"/>
+            <a:ext cx="11679382" cy="1603375"/>
+          </a:xfrm>
+        </p:spPr>
+        <p:txBody>
+          <a:bodyPr/>
+          <a:lstStyle/>
+          <a:p>
+            <a:pPr marL="0" indent="0">
+              <a:buNone/>
+            </a:pPr>
+            <a:r>
+              <a:rPr lang="en-US" dirty="0"/>
+              <a:t> </a:t>
+            </a:r>
+            <a:r>
+              <a:rPr lang="en-US" sz="2400" dirty="0" err="1">
+                <a:latin typeface="Fira Code" panose="020B0809050000020004" pitchFamily="49" charset="0"/>
+                <a:ea typeface="Fira Code" panose="020B0809050000020004" pitchFamily="49" charset="0"/>
+                <a:cs typeface="Fira Code" panose="020B0809050000020004" pitchFamily="49" charset="0"/>
+              </a:rPr>
+              <a:t>ggplot</a:t>
+            </a:r>
+            <a:r>
+              <a:rPr lang="en-US" sz="2400" dirty="0">
+                <a:latin typeface="Fira Code" panose="020B0809050000020004" pitchFamily="49" charset="0"/>
+                <a:ea typeface="Fira Code" panose="020B0809050000020004" pitchFamily="49" charset="0"/>
+                <a:cs typeface="Fira Code" panose="020B0809050000020004" pitchFamily="49" charset="0"/>
+              </a:rPr>
+              <a:t>(data = </a:t>
+            </a:r>
+            <a:r>
+              <a:rPr lang="en-US" sz="2400" dirty="0" err="1">
+                <a:latin typeface="Fira Code" panose="020B0809050000020004" pitchFamily="49" charset="0"/>
+                <a:ea typeface="Fira Code" panose="020B0809050000020004" pitchFamily="49" charset="0"/>
+                <a:cs typeface="Fira Code" panose="020B0809050000020004" pitchFamily="49" charset="0"/>
+              </a:rPr>
+              <a:t>wq</a:t>
+            </a:r>
+            <a:r>
+              <a:rPr lang="en-US" sz="2400" dirty="0">
+                <a:latin typeface="Fira Code" panose="020B0809050000020004" pitchFamily="49" charset="0"/>
+                <a:ea typeface="Fira Code" panose="020B0809050000020004" pitchFamily="49" charset="0"/>
+                <a:cs typeface="Fira Code" panose="020B0809050000020004" pitchFamily="49" charset="0"/>
+              </a:rPr>
+              <a:t>, </a:t>
+            </a:r>
+            <a:r>
+              <a:rPr lang="en-US" sz="2400" dirty="0">
+                <a:solidFill>
+                  <a:schemeClr val="accent6">
+                    <a:lumMod val="75000"/>
+                  </a:schemeClr>
+                </a:solidFill>
+                <a:latin typeface="Fira Code" panose="020B0809050000020004" pitchFamily="49" charset="0"/>
+                <a:ea typeface="Fira Code" panose="020B0809050000020004" pitchFamily="49" charset="0"/>
+                <a:cs typeface="Fira Code" panose="020B0809050000020004" pitchFamily="49" charset="0"/>
+              </a:rPr>
+              <a:t>mapping = </a:t>
+            </a:r>
+            <a:r>
+              <a:rPr lang="en-US" sz="2400" dirty="0" err="1">
+                <a:solidFill>
+                  <a:schemeClr val="accent6">
+                    <a:lumMod val="75000"/>
+                  </a:schemeClr>
+                </a:solidFill>
+                <a:latin typeface="Fira Code" panose="020B0809050000020004" pitchFamily="49" charset="0"/>
+                <a:ea typeface="Fira Code" panose="020B0809050000020004" pitchFamily="49" charset="0"/>
+                <a:cs typeface="Fira Code" panose="020B0809050000020004" pitchFamily="49" charset="0"/>
+              </a:rPr>
+              <a:t>aes</a:t>
+            </a:r>
+            <a:r>
+              <a:rPr lang="en-US" sz="2400" dirty="0">
+                <a:solidFill>
+                  <a:schemeClr val="accent6">
+                    <a:lumMod val="75000"/>
+                  </a:schemeClr>
+                </a:solidFill>
+                <a:latin typeface="Fira Code" panose="020B0809050000020004" pitchFamily="49" charset="0"/>
+                <a:ea typeface="Fira Code" panose="020B0809050000020004" pitchFamily="49" charset="0"/>
+                <a:cs typeface="Fira Code" panose="020B0809050000020004" pitchFamily="49" charset="0"/>
+              </a:rPr>
+              <a:t>(x = temp, y = </a:t>
+            </a:r>
+            <a:r>
+              <a:rPr lang="en-US" sz="2400" dirty="0" err="1">
+                <a:solidFill>
+                  <a:schemeClr val="accent6">
+                    <a:lumMod val="75000"/>
+                  </a:schemeClr>
+                </a:solidFill>
+                <a:latin typeface="Fira Code" panose="020B0809050000020004" pitchFamily="49" charset="0"/>
+                <a:ea typeface="Fira Code" panose="020B0809050000020004" pitchFamily="49" charset="0"/>
+                <a:cs typeface="Fira Code" panose="020B0809050000020004" pitchFamily="49" charset="0"/>
+              </a:rPr>
+              <a:t>do_mgl</a:t>
+            </a:r>
+            <a:r>
+              <a:rPr lang="en-US" sz="2400" dirty="0">
+                <a:solidFill>
+                  <a:schemeClr val="accent6">
+                    <a:lumMod val="75000"/>
+                  </a:schemeClr>
+                </a:solidFill>
+                <a:latin typeface="Fira Code" panose="020B0809050000020004" pitchFamily="49" charset="0"/>
+                <a:ea typeface="Fira Code" panose="020B0809050000020004" pitchFamily="49" charset="0"/>
+                <a:cs typeface="Fira Code" panose="020B0809050000020004" pitchFamily="49" charset="0"/>
+              </a:rPr>
+              <a:t>)</a:t>
+            </a:r>
+            <a:r>
+              <a:rPr lang="en-US" sz="2400" dirty="0">
+                <a:latin typeface="Fira Code" panose="020B0809050000020004" pitchFamily="49" charset="0"/>
+                <a:ea typeface="Fira Code" panose="020B0809050000020004" pitchFamily="49" charset="0"/>
+                <a:cs typeface="Fira Code" panose="020B0809050000020004" pitchFamily="49" charset="0"/>
+              </a:rPr>
+              <a:t>) +</a:t>
+            </a:r>
+          </a:p>
+          <a:p>
+            <a:pPr marL="0" indent="0">
+              <a:buNone/>
+            </a:pPr>
+            <a:r>
+              <a:rPr lang="en-US" sz="2400" dirty="0">
+                <a:latin typeface="Fira Code" panose="020B0809050000020004" pitchFamily="49" charset="0"/>
+                <a:ea typeface="Fira Code" panose="020B0809050000020004" pitchFamily="49" charset="0"/>
+                <a:cs typeface="Fira Code" panose="020B0809050000020004" pitchFamily="49" charset="0"/>
+              </a:rPr>
+              <a:t>	</a:t>
+            </a:r>
+            <a:r>
+              <a:rPr lang="en-US" sz="2400" dirty="0" err="1">
+                <a:latin typeface="Fira Code" panose="020B0809050000020004" pitchFamily="49" charset="0"/>
+                <a:ea typeface="Fira Code" panose="020B0809050000020004" pitchFamily="49" charset="0"/>
+                <a:cs typeface="Fira Code" panose="020B0809050000020004" pitchFamily="49" charset="0"/>
+              </a:rPr>
+              <a:t>geom_point</a:t>
+            </a:r>
+            <a:r>
+              <a:rPr lang="en-US" sz="2400" dirty="0">
+                <a:latin typeface="Fira Code" panose="020B0809050000020004" pitchFamily="49" charset="0"/>
+                <a:ea typeface="Fira Code" panose="020B0809050000020004" pitchFamily="49" charset="0"/>
+                <a:cs typeface="Fira Code" panose="020B0809050000020004" pitchFamily="49" charset="0"/>
+              </a:rPr>
+              <a:t>() +</a:t>
+            </a:r>
+          </a:p>
+          <a:p>
+            <a:pPr marL="0" indent="0">
+              <a:buNone/>
+            </a:pPr>
+            <a:r>
+              <a:rPr lang="en-US" sz="2400" dirty="0">
+                <a:latin typeface="Fira Code" panose="020B0809050000020004" pitchFamily="49" charset="0"/>
+                <a:ea typeface="Fira Code" panose="020B0809050000020004" pitchFamily="49" charset="0"/>
+                <a:cs typeface="Fira Code" panose="020B0809050000020004" pitchFamily="49" charset="0"/>
+              </a:rPr>
+              <a:t>	</a:t>
+            </a:r>
+            <a:r>
+              <a:rPr lang="en-US" sz="2400" dirty="0" err="1">
+                <a:latin typeface="Fira Code" panose="020B0809050000020004" pitchFamily="49" charset="0"/>
+                <a:ea typeface="Fira Code" panose="020B0809050000020004" pitchFamily="49" charset="0"/>
+                <a:cs typeface="Fira Code" panose="020B0809050000020004" pitchFamily="49" charset="0"/>
+              </a:rPr>
+              <a:t>geom_smooth</a:t>
+            </a:r>
+            <a:r>
+              <a:rPr lang="en-US" sz="2400" dirty="0">
+                <a:latin typeface="Fira Code" panose="020B0809050000020004" pitchFamily="49" charset="0"/>
+                <a:ea typeface="Fira Code" panose="020B0809050000020004" pitchFamily="49" charset="0"/>
+                <a:cs typeface="Fira Code" panose="020B0809050000020004" pitchFamily="49" charset="0"/>
+              </a:rPr>
+              <a:t>()</a:t>
+            </a:r>
+          </a:p>
+        </p:txBody>
+      </p:sp>
+      <p:sp>
+        <p:nvSpPr>
+          <p:cNvPr id="2" name="Footer Placeholder 1">
+            <a:extLst>
+              <a:ext uri="{FF2B5EF4-FFF2-40B4-BE49-F238E27FC236}">
+                <a16:creationId xmlns:a16="http://schemas.microsoft.com/office/drawing/2014/main" id="{6F39E3B1-1698-4DCF-B127-FAC56B3F6B38}"/>
+              </a:ext>
+            </a:extLst>
+          </p:cNvPr>
+          <p:cNvSpPr>
+            <a:spLocks noGrp="1"/>
+          </p:cNvSpPr>
+          <p:nvPr>
+            <p:ph type="ftr" sz="quarter" idx="11"/>
+          </p:nvPr>
+        </p:nvSpPr>
+        <p:spPr/>
+        <p:txBody>
+          <a:bodyPr/>
+          <a:lstStyle/>
+          <a:p>
+            <a:r>
+              <a:rPr lang="en-US"/>
+              <a:t>CERF 2019 | The Next Step with R | Cressman and Dunnigan</a:t>
+            </a:r>
+          </a:p>
+        </p:txBody>
+      </p:sp>
+      <p:sp>
+        <p:nvSpPr>
+          <p:cNvPr id="3" name="Slide Number Placeholder 2">
+            <a:extLst>
+              <a:ext uri="{FF2B5EF4-FFF2-40B4-BE49-F238E27FC236}">
+                <a16:creationId xmlns:a16="http://schemas.microsoft.com/office/drawing/2014/main" id="{18AFDD70-E6D4-45EA-8A74-3989E03C7EEC}"/>
+              </a:ext>
+            </a:extLst>
+          </p:cNvPr>
+          <p:cNvSpPr>
+            <a:spLocks noGrp="1"/>
+          </p:cNvSpPr>
+          <p:nvPr>
+            <p:ph type="sldNum" sz="quarter" idx="12"/>
+          </p:nvPr>
+        </p:nvSpPr>
+        <p:spPr/>
+        <p:txBody>
+          <a:bodyPr/>
+          <a:lstStyle/>
+          <a:p>
+            <a:fld id="{1D07C8D9-AA71-438D-86BE-7B86F7F29DC7}" type="slidenum">
+              <a:rPr lang="en-US" smtClean="0"/>
+              <a:t>32</a:t>
+            </a:fld>
+            <a:endParaRPr lang="en-US"/>
+          </a:p>
+        </p:txBody>
+      </p:sp>
+      <p:sp>
+        <p:nvSpPr>
+          <p:cNvPr id="6" name="Speech Bubble: Rectangle with Corners Rounded 5">
+            <a:extLst>
+              <a:ext uri="{FF2B5EF4-FFF2-40B4-BE49-F238E27FC236}">
+                <a16:creationId xmlns:a16="http://schemas.microsoft.com/office/drawing/2014/main" id="{E6F5CFF1-25B6-459E-BC41-EB480369243C}"/>
+              </a:ext>
+            </a:extLst>
+          </p:cNvPr>
+          <p:cNvSpPr/>
+          <p:nvPr/>
+        </p:nvSpPr>
+        <p:spPr>
+          <a:xfrm>
+            <a:off x="7107382" y="87312"/>
+            <a:ext cx="4821382" cy="1603376"/>
+          </a:xfrm>
+          <a:prstGeom prst="wedgeRoundRectCallout">
+            <a:avLst>
+              <a:gd name="adj1" fmla="val -67076"/>
+              <a:gd name="adj2" fmla="val 59343"/>
+              <a:gd name="adj3" fmla="val 16667"/>
+            </a:avLst>
+          </a:prstGeom>
+        </p:spPr>
+        <p:style>
+          <a:lnRef idx="2">
+            <a:schemeClr val="accent6">
+              <a:shade val="50000"/>
+            </a:schemeClr>
+          </a:lnRef>
+          <a:fillRef idx="1">
+            <a:schemeClr val="accent6"/>
+          </a:fillRef>
+          <a:effectRef idx="0">
+            <a:schemeClr val="accent6"/>
+          </a:effectRef>
+          <a:fontRef idx="minor">
+            <a:schemeClr val="lt1"/>
+          </a:fontRef>
+        </p:style>
+        <p:txBody>
+          <a:bodyPr rtlCol="0" anchor="ctr"/>
+          <a:lstStyle/>
+          <a:p>
+            <a:pPr algn="ctr"/>
+            <a:r>
+              <a:rPr lang="en-US" sz="2800" dirty="0"/>
+              <a:t>Mappings and data that appear in </a:t>
+            </a:r>
+            <a:r>
+              <a:rPr lang="en-US" sz="2800" dirty="0" err="1">
+                <a:latin typeface="Fira Code" panose="020B0809050000020004" pitchFamily="49" charset="0"/>
+                <a:ea typeface="Fira Code" panose="020B0809050000020004" pitchFamily="49" charset="0"/>
+                <a:cs typeface="Fira Code" panose="020B0809050000020004" pitchFamily="49" charset="0"/>
+              </a:rPr>
+              <a:t>ggplot</a:t>
+            </a:r>
+            <a:r>
+              <a:rPr lang="en-US" sz="2800" dirty="0">
+                <a:latin typeface="Fira Code" panose="020B0809050000020004" pitchFamily="49" charset="0"/>
+                <a:ea typeface="Fira Code" panose="020B0809050000020004" pitchFamily="49" charset="0"/>
+                <a:cs typeface="Fira Code" panose="020B0809050000020004" pitchFamily="49" charset="0"/>
+              </a:rPr>
+              <a:t>() </a:t>
+            </a:r>
+            <a:r>
+              <a:rPr lang="en-US" sz="2800" dirty="0"/>
+              <a:t>will apply globally to each layer</a:t>
+            </a:r>
+          </a:p>
+        </p:txBody>
+      </p:sp>
+      <p:pic>
+        <p:nvPicPr>
+          <p:cNvPr id="7" name="Picture 6">
+            <a:extLst>
+              <a:ext uri="{FF2B5EF4-FFF2-40B4-BE49-F238E27FC236}">
+                <a16:creationId xmlns:a16="http://schemas.microsoft.com/office/drawing/2014/main" id="{FE315B38-8666-438F-9E57-60BE7B4DA0EC}"/>
+              </a:ext>
+            </a:extLst>
+          </p:cNvPr>
+          <p:cNvPicPr>
+            <a:picLocks noChangeAspect="1"/>
+          </p:cNvPicPr>
+          <p:nvPr/>
+        </p:nvPicPr>
+        <p:blipFill>
+          <a:blip r:embed="rId2"/>
+          <a:stretch>
+            <a:fillRect/>
+          </a:stretch>
+        </p:blipFill>
+        <p:spPr>
+          <a:xfrm>
+            <a:off x="5472546" y="2334334"/>
+            <a:ext cx="6234546" cy="3971370"/>
+          </a:xfrm>
+          <a:prstGeom prst="rect">
+            <a:avLst/>
+          </a:prstGeom>
+        </p:spPr>
+      </p:pic>
+    </p:spTree>
+    <p:extLst>
+      <p:ext uri="{BB962C8B-B14F-4D97-AF65-F5344CB8AC3E}">
+        <p14:creationId xmlns:p14="http://schemas.microsoft.com/office/powerpoint/2010/main" val="3680126895"/>
+      </p:ext>
+    </p:extLst>
+  </p:cSld>
+  <p:clrMapOvr>
+    <a:masterClrMapping/>
+  </p:clrMapOvr>
+</p:sld>
+</file>
+
+<file path=ppt/slides/slide33.xml><?xml version="1.0" encoding="utf-8"?>
+<p:sld xmlns:a="http://schemas.openxmlformats.org/drawingml/2006/main" xmlns:r="http://schemas.openxmlformats.org/officeDocument/2006/relationships" xmlns:p="http://schemas.openxmlformats.org/presentationml/2006/main">
+  <p:cSld>
+    <p:spTree>
+      <p:nvGrpSpPr>
+        <p:cNvPr id="1" name=""/>
+        <p:cNvGrpSpPr/>
+        <p:nvPr/>
+      </p:nvGrpSpPr>
+      <p:grpSpPr>
+        <a:xfrm>
+          <a:off x="0" y="0"/>
+          <a:ext cx="0" cy="0"/>
+          <a:chOff x="0" y="0"/>
+          <a:chExt cx="0" cy="0"/>
+        </a:xfrm>
+      </p:grpSpPr>
+      <p:sp>
+        <p:nvSpPr>
+          <p:cNvPr id="4" name="Title 3">
+            <a:extLst>
+              <a:ext uri="{FF2B5EF4-FFF2-40B4-BE49-F238E27FC236}">
+                <a16:creationId xmlns:a16="http://schemas.microsoft.com/office/drawing/2014/main" id="{14D89694-970D-4C3F-BDDE-0D146B35434E}"/>
+              </a:ext>
+            </a:extLst>
+          </p:cNvPr>
+          <p:cNvSpPr>
+            <a:spLocks noGrp="1"/>
+          </p:cNvSpPr>
+          <p:nvPr>
+            <p:ph type="title"/>
+          </p:nvPr>
+        </p:nvSpPr>
+        <p:spPr/>
+        <p:txBody>
+          <a:bodyPr/>
+          <a:lstStyle/>
+          <a:p>
+            <a:pPr algn="ctr"/>
+            <a:r>
+              <a:rPr lang="en-US" dirty="0"/>
+              <a:t>Global vs. Local</a:t>
+            </a:r>
+          </a:p>
+        </p:txBody>
+      </p:sp>
+      <p:sp>
+        <p:nvSpPr>
+          <p:cNvPr id="5" name="Content Placeholder 4">
+            <a:extLst>
+              <a:ext uri="{FF2B5EF4-FFF2-40B4-BE49-F238E27FC236}">
+                <a16:creationId xmlns:a16="http://schemas.microsoft.com/office/drawing/2014/main" id="{D714C703-2948-4092-8793-C7D5A055D2B6}"/>
+              </a:ext>
+            </a:extLst>
+          </p:cNvPr>
+          <p:cNvSpPr>
+            <a:spLocks noGrp="1"/>
+          </p:cNvSpPr>
+          <p:nvPr>
+            <p:ph idx="1"/>
+          </p:nvPr>
+        </p:nvSpPr>
+        <p:spPr>
+          <a:xfrm>
+            <a:off x="249382" y="1825625"/>
+            <a:ext cx="11679382" cy="4351338"/>
+          </a:xfrm>
+        </p:spPr>
+        <p:txBody>
+          <a:bodyPr/>
+          <a:lstStyle/>
+          <a:p>
+            <a:pPr marL="0" indent="0">
+              <a:buNone/>
+            </a:pPr>
+            <a:r>
+              <a:rPr lang="en-US" dirty="0"/>
+              <a:t> </a:t>
+            </a:r>
+            <a:r>
+              <a:rPr lang="en-US" sz="2400" dirty="0" err="1">
+                <a:latin typeface="Fira Code" panose="020B0809050000020004" pitchFamily="49" charset="0"/>
+                <a:ea typeface="Fira Code" panose="020B0809050000020004" pitchFamily="49" charset="0"/>
+                <a:cs typeface="Fira Code" panose="020B0809050000020004" pitchFamily="49" charset="0"/>
+              </a:rPr>
+              <a:t>ggplot</a:t>
+            </a:r>
+            <a:r>
+              <a:rPr lang="en-US" sz="2400" dirty="0">
+                <a:latin typeface="Fira Code" panose="020B0809050000020004" pitchFamily="49" charset="0"/>
+                <a:ea typeface="Fira Code" panose="020B0809050000020004" pitchFamily="49" charset="0"/>
+                <a:cs typeface="Fira Code" panose="020B0809050000020004" pitchFamily="49" charset="0"/>
+              </a:rPr>
+              <a:t>(data = </a:t>
+            </a:r>
+            <a:r>
+              <a:rPr lang="en-US" sz="2400" dirty="0" err="1">
+                <a:latin typeface="Fira Code" panose="020B0809050000020004" pitchFamily="49" charset="0"/>
+                <a:ea typeface="Fira Code" panose="020B0809050000020004" pitchFamily="49" charset="0"/>
+                <a:cs typeface="Fira Code" panose="020B0809050000020004" pitchFamily="49" charset="0"/>
+              </a:rPr>
+              <a:t>wq</a:t>
+            </a:r>
+            <a:r>
+              <a:rPr lang="en-US" sz="2400" dirty="0">
+                <a:latin typeface="Fira Code" panose="020B0809050000020004" pitchFamily="49" charset="0"/>
+                <a:ea typeface="Fira Code" panose="020B0809050000020004" pitchFamily="49" charset="0"/>
+                <a:cs typeface="Fira Code" panose="020B0809050000020004" pitchFamily="49" charset="0"/>
+              </a:rPr>
+              <a:t>, mapping = </a:t>
+            </a:r>
+            <a:r>
+              <a:rPr lang="en-US" sz="2400" dirty="0" err="1">
+                <a:latin typeface="Fira Code" panose="020B0809050000020004" pitchFamily="49" charset="0"/>
+                <a:ea typeface="Fira Code" panose="020B0809050000020004" pitchFamily="49" charset="0"/>
+                <a:cs typeface="Fira Code" panose="020B0809050000020004" pitchFamily="49" charset="0"/>
+              </a:rPr>
+              <a:t>aes</a:t>
+            </a:r>
+            <a:r>
+              <a:rPr lang="en-US" sz="2400" dirty="0">
+                <a:latin typeface="Fira Code" panose="020B0809050000020004" pitchFamily="49" charset="0"/>
+                <a:ea typeface="Fira Code" panose="020B0809050000020004" pitchFamily="49" charset="0"/>
+                <a:cs typeface="Fira Code" panose="020B0809050000020004" pitchFamily="49" charset="0"/>
+              </a:rPr>
+              <a:t>(x = temp, y = </a:t>
+            </a:r>
+            <a:r>
+              <a:rPr lang="en-US" sz="2400" dirty="0" err="1">
+                <a:latin typeface="Fira Code" panose="020B0809050000020004" pitchFamily="49" charset="0"/>
+                <a:ea typeface="Fira Code" panose="020B0809050000020004" pitchFamily="49" charset="0"/>
+                <a:cs typeface="Fira Code" panose="020B0809050000020004" pitchFamily="49" charset="0"/>
+              </a:rPr>
+              <a:t>do_mgl</a:t>
+            </a:r>
+            <a:r>
+              <a:rPr lang="en-US" sz="2400" dirty="0">
+                <a:latin typeface="Fira Code" panose="020B0809050000020004" pitchFamily="49" charset="0"/>
+                <a:ea typeface="Fira Code" panose="020B0809050000020004" pitchFamily="49" charset="0"/>
+                <a:cs typeface="Fira Code" panose="020B0809050000020004" pitchFamily="49" charset="0"/>
+              </a:rPr>
+              <a:t>)) +</a:t>
+            </a:r>
+          </a:p>
+          <a:p>
+            <a:pPr marL="0" indent="0">
+              <a:buNone/>
+            </a:pPr>
+            <a:r>
+              <a:rPr lang="en-US" sz="2400" dirty="0">
+                <a:latin typeface="Fira Code" panose="020B0809050000020004" pitchFamily="49" charset="0"/>
+                <a:ea typeface="Fira Code" panose="020B0809050000020004" pitchFamily="49" charset="0"/>
+                <a:cs typeface="Fira Code" panose="020B0809050000020004" pitchFamily="49" charset="0"/>
+              </a:rPr>
+              <a:t>	</a:t>
+            </a:r>
+            <a:r>
+              <a:rPr lang="en-US" sz="2400" dirty="0" err="1">
+                <a:latin typeface="Fira Code" panose="020B0809050000020004" pitchFamily="49" charset="0"/>
+                <a:ea typeface="Fira Code" panose="020B0809050000020004" pitchFamily="49" charset="0"/>
+                <a:cs typeface="Fira Code" panose="020B0809050000020004" pitchFamily="49" charset="0"/>
+              </a:rPr>
+              <a:t>geom_point</a:t>
+            </a:r>
+            <a:r>
+              <a:rPr lang="en-US" sz="2400" dirty="0">
+                <a:latin typeface="Fira Code" panose="020B0809050000020004" pitchFamily="49" charset="0"/>
+                <a:ea typeface="Fira Code" panose="020B0809050000020004" pitchFamily="49" charset="0"/>
+                <a:cs typeface="Fira Code" panose="020B0809050000020004" pitchFamily="49" charset="0"/>
+              </a:rPr>
+              <a:t>(</a:t>
+            </a:r>
+            <a:r>
+              <a:rPr lang="en-US" sz="2400" dirty="0">
+                <a:solidFill>
+                  <a:schemeClr val="accent1"/>
+                </a:solidFill>
+                <a:latin typeface="Fira Code" panose="020B0809050000020004" pitchFamily="49" charset="0"/>
+                <a:ea typeface="Fira Code" panose="020B0809050000020004" pitchFamily="49" charset="0"/>
+                <a:cs typeface="Fira Code" panose="020B0809050000020004" pitchFamily="49" charset="0"/>
+              </a:rPr>
+              <a:t>mapping = </a:t>
+            </a:r>
+            <a:r>
+              <a:rPr lang="en-US" sz="2400" dirty="0" err="1">
+                <a:solidFill>
+                  <a:schemeClr val="accent1"/>
+                </a:solidFill>
+                <a:latin typeface="Fira Code" panose="020B0809050000020004" pitchFamily="49" charset="0"/>
+                <a:ea typeface="Fira Code" panose="020B0809050000020004" pitchFamily="49" charset="0"/>
+                <a:cs typeface="Fira Code" panose="020B0809050000020004" pitchFamily="49" charset="0"/>
+              </a:rPr>
+              <a:t>aes</a:t>
+            </a:r>
+            <a:r>
+              <a:rPr lang="en-US" sz="2400" dirty="0">
+                <a:solidFill>
+                  <a:schemeClr val="accent1"/>
+                </a:solidFill>
+                <a:latin typeface="Fira Code" panose="020B0809050000020004" pitchFamily="49" charset="0"/>
+                <a:ea typeface="Fira Code" panose="020B0809050000020004" pitchFamily="49" charset="0"/>
+                <a:cs typeface="Fira Code" panose="020B0809050000020004" pitchFamily="49" charset="0"/>
+              </a:rPr>
+              <a:t>(color = coast)</a:t>
+            </a:r>
+            <a:r>
+              <a:rPr lang="en-US" sz="2400" dirty="0">
+                <a:latin typeface="Fira Code" panose="020B0809050000020004" pitchFamily="49" charset="0"/>
+                <a:ea typeface="Fira Code" panose="020B0809050000020004" pitchFamily="49" charset="0"/>
+                <a:cs typeface="Fira Code" panose="020B0809050000020004" pitchFamily="49" charset="0"/>
+              </a:rPr>
+              <a:t>) +</a:t>
+            </a:r>
+          </a:p>
+          <a:p>
+            <a:pPr marL="0" indent="0">
+              <a:buNone/>
+            </a:pPr>
+            <a:r>
+              <a:rPr lang="en-US" sz="2400" dirty="0">
+                <a:latin typeface="Fira Code" panose="020B0809050000020004" pitchFamily="49" charset="0"/>
+                <a:ea typeface="Fira Code" panose="020B0809050000020004" pitchFamily="49" charset="0"/>
+                <a:cs typeface="Fira Code" panose="020B0809050000020004" pitchFamily="49" charset="0"/>
+              </a:rPr>
+              <a:t>	</a:t>
+            </a:r>
+            <a:r>
+              <a:rPr lang="en-US" sz="2400" dirty="0" err="1">
+                <a:latin typeface="Fira Code" panose="020B0809050000020004" pitchFamily="49" charset="0"/>
+                <a:ea typeface="Fira Code" panose="020B0809050000020004" pitchFamily="49" charset="0"/>
+                <a:cs typeface="Fira Code" panose="020B0809050000020004" pitchFamily="49" charset="0"/>
+              </a:rPr>
+              <a:t>geom_smooth</a:t>
+            </a:r>
+            <a:r>
+              <a:rPr lang="en-US" sz="2400" dirty="0">
+                <a:latin typeface="Fira Code" panose="020B0809050000020004" pitchFamily="49" charset="0"/>
+                <a:ea typeface="Fira Code" panose="020B0809050000020004" pitchFamily="49" charset="0"/>
+                <a:cs typeface="Fira Code" panose="020B0809050000020004" pitchFamily="49" charset="0"/>
+              </a:rPr>
+              <a:t>()</a:t>
+            </a:r>
+          </a:p>
+        </p:txBody>
+      </p:sp>
+      <p:sp>
+        <p:nvSpPr>
+          <p:cNvPr id="2" name="Footer Placeholder 1">
+            <a:extLst>
+              <a:ext uri="{FF2B5EF4-FFF2-40B4-BE49-F238E27FC236}">
+                <a16:creationId xmlns:a16="http://schemas.microsoft.com/office/drawing/2014/main" id="{6F39E3B1-1698-4DCF-B127-FAC56B3F6B38}"/>
+              </a:ext>
+            </a:extLst>
+          </p:cNvPr>
+          <p:cNvSpPr>
+            <a:spLocks noGrp="1"/>
+          </p:cNvSpPr>
+          <p:nvPr>
+            <p:ph type="ftr" sz="quarter" idx="11"/>
+          </p:nvPr>
+        </p:nvSpPr>
+        <p:spPr/>
+        <p:txBody>
+          <a:bodyPr/>
+          <a:lstStyle/>
+          <a:p>
+            <a:r>
+              <a:rPr lang="en-US"/>
+              <a:t>CERF 2019 | The Next Step with R | Cressman and Dunnigan</a:t>
+            </a:r>
+          </a:p>
+        </p:txBody>
+      </p:sp>
+      <p:sp>
+        <p:nvSpPr>
+          <p:cNvPr id="3" name="Slide Number Placeholder 2">
+            <a:extLst>
+              <a:ext uri="{FF2B5EF4-FFF2-40B4-BE49-F238E27FC236}">
+                <a16:creationId xmlns:a16="http://schemas.microsoft.com/office/drawing/2014/main" id="{18AFDD70-E6D4-45EA-8A74-3989E03C7EEC}"/>
+              </a:ext>
+            </a:extLst>
+          </p:cNvPr>
+          <p:cNvSpPr>
+            <a:spLocks noGrp="1"/>
+          </p:cNvSpPr>
+          <p:nvPr>
+            <p:ph type="sldNum" sz="quarter" idx="12"/>
+          </p:nvPr>
+        </p:nvSpPr>
+        <p:spPr/>
+        <p:txBody>
+          <a:bodyPr/>
+          <a:lstStyle/>
+          <a:p>
+            <a:fld id="{1D07C8D9-AA71-438D-86BE-7B86F7F29DC7}" type="slidenum">
+              <a:rPr lang="en-US" smtClean="0"/>
+              <a:t>33</a:t>
+            </a:fld>
+            <a:endParaRPr lang="en-US"/>
+          </a:p>
+        </p:txBody>
+      </p:sp>
+      <p:pic>
+        <p:nvPicPr>
+          <p:cNvPr id="8" name="Picture 7">
+            <a:extLst>
+              <a:ext uri="{FF2B5EF4-FFF2-40B4-BE49-F238E27FC236}">
+                <a16:creationId xmlns:a16="http://schemas.microsoft.com/office/drawing/2014/main" id="{54294B71-5D06-4C43-A0BA-812B69050137}"/>
+              </a:ext>
+            </a:extLst>
+          </p:cNvPr>
+          <p:cNvPicPr>
+            <a:picLocks noChangeAspect="1"/>
+          </p:cNvPicPr>
+          <p:nvPr/>
+        </p:nvPicPr>
+        <p:blipFill>
+          <a:blip r:embed="rId2"/>
+          <a:stretch>
+            <a:fillRect/>
+          </a:stretch>
+        </p:blipFill>
+        <p:spPr>
+          <a:xfrm>
+            <a:off x="4719483" y="2749109"/>
+            <a:ext cx="6236110" cy="3972366"/>
+          </a:xfrm>
+          <a:prstGeom prst="rect">
+            <a:avLst/>
+          </a:prstGeom>
+        </p:spPr>
+      </p:pic>
+      <p:sp>
+        <p:nvSpPr>
+          <p:cNvPr id="9" name="Speech Bubble: Rectangle with Corners Rounded 8">
+            <a:extLst>
+              <a:ext uri="{FF2B5EF4-FFF2-40B4-BE49-F238E27FC236}">
+                <a16:creationId xmlns:a16="http://schemas.microsoft.com/office/drawing/2014/main" id="{79DE44FB-6862-4EF6-92BC-B06B5C7FCA32}"/>
+              </a:ext>
+            </a:extLst>
+          </p:cNvPr>
+          <p:cNvSpPr/>
+          <p:nvPr/>
+        </p:nvSpPr>
+        <p:spPr>
+          <a:xfrm>
+            <a:off x="595745" y="3805383"/>
+            <a:ext cx="3783297" cy="2235199"/>
+          </a:xfrm>
+          <a:prstGeom prst="wedgeRoundRectCallout">
+            <a:avLst>
+              <a:gd name="adj1" fmla="val 51309"/>
+              <a:gd name="adj2" fmla="val -93078"/>
+              <a:gd name="adj3" fmla="val 16667"/>
+            </a:avLst>
+          </a:prstGeom>
+        </p:spPr>
+        <p:style>
+          <a:lnRef idx="2">
+            <a:schemeClr val="accent1">
+              <a:shade val="50000"/>
+            </a:schemeClr>
+          </a:lnRef>
+          <a:fillRef idx="1">
+            <a:schemeClr val="accent1"/>
+          </a:fillRef>
+          <a:effectRef idx="0">
+            <a:schemeClr val="accent1"/>
+          </a:effectRef>
+          <a:fontRef idx="minor">
+            <a:schemeClr val="lt1"/>
+          </a:fontRef>
+        </p:style>
+        <p:txBody>
+          <a:bodyPr rtlCol="0" anchor="ctr"/>
+          <a:lstStyle/>
+          <a:p>
+            <a:pPr algn="ctr"/>
+            <a:r>
+              <a:rPr lang="en-US" sz="2800" dirty="0"/>
+              <a:t>Mappings applied in </a:t>
+            </a:r>
+            <a:r>
+              <a:rPr lang="en-US" sz="2800" dirty="0" err="1"/>
+              <a:t>geom_function</a:t>
+            </a:r>
+            <a:r>
+              <a:rPr lang="en-US" sz="2800" dirty="0"/>
+              <a:t> will add or override the global mappings for that layer only</a:t>
+            </a:r>
+          </a:p>
+        </p:txBody>
+      </p:sp>
+    </p:spTree>
+    <p:extLst>
+      <p:ext uri="{BB962C8B-B14F-4D97-AF65-F5344CB8AC3E}">
+        <p14:creationId xmlns:p14="http://schemas.microsoft.com/office/powerpoint/2010/main" val="4009793358"/>
+      </p:ext>
+    </p:extLst>
+  </p:cSld>
+  <p:clrMapOvr>
+    <a:masterClrMapping/>
+  </p:clrMapOvr>
+</p:sld>
+</file>
+
+<file path=ppt/slides/slide34.xml><?xml version="1.0" encoding="utf-8"?>
+<p:sld xmlns:a="http://schemas.openxmlformats.org/drawingml/2006/main" xmlns:r="http://schemas.openxmlformats.org/officeDocument/2006/relationships" xmlns:p="http://schemas.openxmlformats.org/presentationml/2006/main">
+  <p:cSld>
+    <p:bg>
+      <p:bgPr>
+        <a:solidFill>
+          <a:schemeClr val="accent5">
+            <a:lumMod val="20000"/>
+            <a:lumOff val="80000"/>
+          </a:schemeClr>
+        </a:solidFill>
+        <a:effectLst/>
+      </p:bgPr>
+    </p:bg>
+    <p:spTree>
+      <p:nvGrpSpPr>
+        <p:cNvPr id="1" name=""/>
+        <p:cNvGrpSpPr/>
+        <p:nvPr/>
+      </p:nvGrpSpPr>
+      <p:grpSpPr>
+        <a:xfrm>
+          <a:off x="0" y="0"/>
+          <a:ext cx="0" cy="0"/>
+          <a:chOff x="0" y="0"/>
+          <a:chExt cx="0" cy="0"/>
+        </a:xfrm>
+      </p:grpSpPr>
+      <p:sp>
+        <p:nvSpPr>
+          <p:cNvPr id="2" name="Title 1">
+            <a:extLst>
+              <a:ext uri="{FF2B5EF4-FFF2-40B4-BE49-F238E27FC236}">
+                <a16:creationId xmlns:a16="http://schemas.microsoft.com/office/drawing/2014/main" id="{8BA607E8-0AC0-43A6-80FA-54AAB826833C}"/>
+              </a:ext>
+            </a:extLst>
+          </p:cNvPr>
+          <p:cNvSpPr>
+            <a:spLocks noGrp="1"/>
+          </p:cNvSpPr>
+          <p:nvPr>
+            <p:ph type="title"/>
+          </p:nvPr>
+        </p:nvSpPr>
+        <p:spPr/>
+        <p:txBody>
+          <a:bodyPr/>
+          <a:lstStyle/>
+          <a:p>
+            <a:pPr algn="ctr"/>
+            <a:r>
+              <a:rPr lang="en-US" b="1" dirty="0">
+                <a:solidFill>
+                  <a:schemeClr val="accent5">
+                    <a:lumMod val="50000"/>
+                  </a:schemeClr>
+                </a:solidFill>
+              </a:rPr>
+              <a:t>YOUR TURN 5</a:t>
+            </a:r>
+          </a:p>
+        </p:txBody>
+      </p:sp>
+      <p:sp>
+        <p:nvSpPr>
+          <p:cNvPr id="3" name="Content Placeholder 2">
+            <a:extLst>
+              <a:ext uri="{FF2B5EF4-FFF2-40B4-BE49-F238E27FC236}">
+                <a16:creationId xmlns:a16="http://schemas.microsoft.com/office/drawing/2014/main" id="{6CF8A425-5302-462E-9C42-A5DF4B6E8FE4}"/>
+              </a:ext>
+            </a:extLst>
+          </p:cNvPr>
+          <p:cNvSpPr>
+            <a:spLocks noGrp="1"/>
+          </p:cNvSpPr>
+          <p:nvPr>
+            <p:ph idx="1"/>
+          </p:nvPr>
+        </p:nvSpPr>
+        <p:spPr>
+          <a:xfrm>
+            <a:off x="838200" y="1825625"/>
+            <a:ext cx="10515600" cy="543502"/>
+          </a:xfrm>
+        </p:spPr>
+        <p:txBody>
+          <a:bodyPr/>
+          <a:lstStyle/>
+          <a:p>
+            <a:pPr marL="0" indent="0">
+              <a:buNone/>
+            </a:pPr>
+            <a:r>
+              <a:rPr lang="en-US" dirty="0"/>
+              <a:t>Predict what this code will do, then run it.</a:t>
+            </a:r>
+          </a:p>
+        </p:txBody>
+      </p:sp>
+      <p:sp>
+        <p:nvSpPr>
+          <p:cNvPr id="4" name="Footer Placeholder 3">
+            <a:extLst>
+              <a:ext uri="{FF2B5EF4-FFF2-40B4-BE49-F238E27FC236}">
+                <a16:creationId xmlns:a16="http://schemas.microsoft.com/office/drawing/2014/main" id="{53B10EFA-8383-4215-A810-522AC32E9A6A}"/>
+              </a:ext>
+            </a:extLst>
+          </p:cNvPr>
+          <p:cNvSpPr>
+            <a:spLocks noGrp="1"/>
+          </p:cNvSpPr>
+          <p:nvPr>
+            <p:ph type="ftr" sz="quarter" idx="11"/>
+          </p:nvPr>
+        </p:nvSpPr>
+        <p:spPr/>
+        <p:txBody>
+          <a:bodyPr/>
+          <a:lstStyle/>
+          <a:p>
+            <a:r>
+              <a:rPr lang="en-US"/>
+              <a:t>CERF 2019 | The Next Step with R | Cressman and Dunnigan</a:t>
+            </a:r>
+          </a:p>
+        </p:txBody>
+      </p:sp>
+      <p:sp>
+        <p:nvSpPr>
+          <p:cNvPr id="5" name="Slide Number Placeholder 4">
+            <a:extLst>
+              <a:ext uri="{FF2B5EF4-FFF2-40B4-BE49-F238E27FC236}">
+                <a16:creationId xmlns:a16="http://schemas.microsoft.com/office/drawing/2014/main" id="{1E7EFC22-4E67-4FE3-8DE7-CEF7DF034363}"/>
+              </a:ext>
+            </a:extLst>
+          </p:cNvPr>
+          <p:cNvSpPr>
+            <a:spLocks noGrp="1"/>
+          </p:cNvSpPr>
+          <p:nvPr>
+            <p:ph type="sldNum" sz="quarter" idx="12"/>
+          </p:nvPr>
+        </p:nvSpPr>
+        <p:spPr/>
+        <p:txBody>
+          <a:bodyPr/>
+          <a:lstStyle/>
+          <a:p>
+            <a:fld id="{1D07C8D9-AA71-438D-86BE-7B86F7F29DC7}" type="slidenum">
+              <a:rPr lang="en-US" smtClean="0"/>
+              <a:t>34</a:t>
+            </a:fld>
+            <a:endParaRPr lang="en-US"/>
+          </a:p>
+        </p:txBody>
+      </p:sp>
+      <p:sp>
+        <p:nvSpPr>
+          <p:cNvPr id="6" name="TextBox 5">
+            <a:extLst>
+              <a:ext uri="{FF2B5EF4-FFF2-40B4-BE49-F238E27FC236}">
+                <a16:creationId xmlns:a16="http://schemas.microsoft.com/office/drawing/2014/main" id="{4AADD418-20BD-44C9-98C1-19BBD2D33D06}"/>
+              </a:ext>
+            </a:extLst>
+          </p:cNvPr>
+          <p:cNvSpPr txBox="1"/>
+          <p:nvPr/>
+        </p:nvSpPr>
+        <p:spPr>
+          <a:xfrm>
+            <a:off x="1340427" y="3103419"/>
+            <a:ext cx="9511145" cy="1754326"/>
+          </a:xfrm>
+          <a:prstGeom prst="rect">
+            <a:avLst/>
+          </a:prstGeom>
+          <a:noFill/>
+        </p:spPr>
+        <p:txBody>
+          <a:bodyPr wrap="square" rtlCol="0">
+            <a:spAutoFit/>
+          </a:bodyPr>
+          <a:lstStyle/>
+          <a:p>
+            <a:r>
+              <a:rPr lang="en-US" sz="3600" dirty="0" err="1">
+                <a:solidFill>
+                  <a:schemeClr val="accent6">
+                    <a:lumMod val="75000"/>
+                  </a:schemeClr>
+                </a:solidFill>
+                <a:latin typeface="Fira Code" panose="020B0809050000020004" pitchFamily="49" charset="0"/>
+                <a:ea typeface="Fira Code" panose="020B0809050000020004" pitchFamily="49" charset="0"/>
+                <a:cs typeface="Fira Code" panose="020B0809050000020004" pitchFamily="49" charset="0"/>
+              </a:rPr>
+              <a:t>ggplot</a:t>
+            </a:r>
+            <a:r>
+              <a:rPr lang="en-US" sz="3600" dirty="0">
+                <a:solidFill>
+                  <a:schemeClr val="accent6">
+                    <a:lumMod val="75000"/>
+                  </a:schemeClr>
+                </a:solidFill>
+                <a:latin typeface="Fira Code" panose="020B0809050000020004" pitchFamily="49" charset="0"/>
+                <a:ea typeface="Fira Code" panose="020B0809050000020004" pitchFamily="49" charset="0"/>
+                <a:cs typeface="Fira Code" panose="020B0809050000020004" pitchFamily="49" charset="0"/>
+              </a:rPr>
+              <a:t>(</a:t>
+            </a:r>
+            <a:r>
+              <a:rPr lang="en-US" sz="3600" dirty="0" err="1">
+                <a:solidFill>
+                  <a:schemeClr val="accent6">
+                    <a:lumMod val="75000"/>
+                  </a:schemeClr>
+                </a:solidFill>
+                <a:latin typeface="Fira Code" panose="020B0809050000020004" pitchFamily="49" charset="0"/>
+                <a:ea typeface="Fira Code" panose="020B0809050000020004" pitchFamily="49" charset="0"/>
+                <a:cs typeface="Fira Code" panose="020B0809050000020004" pitchFamily="49" charset="0"/>
+              </a:rPr>
+              <a:t>wq</a:t>
+            </a:r>
+            <a:r>
+              <a:rPr lang="en-US" sz="3600" dirty="0">
+                <a:solidFill>
+                  <a:schemeClr val="accent6">
+                    <a:lumMod val="75000"/>
+                  </a:schemeClr>
+                </a:solidFill>
+                <a:latin typeface="Fira Code" panose="020B0809050000020004" pitchFamily="49" charset="0"/>
+                <a:ea typeface="Fira Code" panose="020B0809050000020004" pitchFamily="49" charset="0"/>
+                <a:cs typeface="Fira Code" panose="020B0809050000020004" pitchFamily="49" charset="0"/>
+              </a:rPr>
+              <a:t>) +</a:t>
+            </a:r>
+          </a:p>
+          <a:p>
+            <a:r>
+              <a:rPr lang="en-US" sz="3600" dirty="0">
+                <a:solidFill>
+                  <a:schemeClr val="accent6">
+                    <a:lumMod val="75000"/>
+                  </a:schemeClr>
+                </a:solidFill>
+                <a:latin typeface="Fira Code" panose="020B0809050000020004" pitchFamily="49" charset="0"/>
+                <a:ea typeface="Fira Code" panose="020B0809050000020004" pitchFamily="49" charset="0"/>
+                <a:cs typeface="Fira Code" panose="020B0809050000020004" pitchFamily="49" charset="0"/>
+              </a:rPr>
+              <a:t>  </a:t>
+            </a:r>
+            <a:r>
+              <a:rPr lang="en-US" sz="3600" dirty="0" err="1">
+                <a:solidFill>
+                  <a:schemeClr val="accent6">
+                    <a:lumMod val="75000"/>
+                  </a:schemeClr>
+                </a:solidFill>
+                <a:latin typeface="Fira Code" panose="020B0809050000020004" pitchFamily="49" charset="0"/>
+                <a:ea typeface="Fira Code" panose="020B0809050000020004" pitchFamily="49" charset="0"/>
+                <a:cs typeface="Fira Code" panose="020B0809050000020004" pitchFamily="49" charset="0"/>
+              </a:rPr>
+              <a:t>geom_point</a:t>
+            </a:r>
+            <a:r>
+              <a:rPr lang="en-US" sz="3600" dirty="0">
+                <a:solidFill>
+                  <a:schemeClr val="accent6">
+                    <a:lumMod val="75000"/>
+                  </a:schemeClr>
+                </a:solidFill>
+                <a:latin typeface="Fira Code" panose="020B0809050000020004" pitchFamily="49" charset="0"/>
+                <a:ea typeface="Fira Code" panose="020B0809050000020004" pitchFamily="49" charset="0"/>
+                <a:cs typeface="Fira Code" panose="020B0809050000020004" pitchFamily="49" charset="0"/>
+              </a:rPr>
+              <a:t>(</a:t>
+            </a:r>
+            <a:r>
+              <a:rPr lang="en-US" sz="3600" dirty="0" err="1">
+                <a:solidFill>
+                  <a:schemeClr val="accent6">
+                    <a:lumMod val="75000"/>
+                  </a:schemeClr>
+                </a:solidFill>
+                <a:latin typeface="Fira Code" panose="020B0809050000020004" pitchFamily="49" charset="0"/>
+                <a:ea typeface="Fira Code" panose="020B0809050000020004" pitchFamily="49" charset="0"/>
+                <a:cs typeface="Fira Code" panose="020B0809050000020004" pitchFamily="49" charset="0"/>
+              </a:rPr>
+              <a:t>aes</a:t>
+            </a:r>
+            <a:r>
+              <a:rPr lang="en-US" sz="3600" dirty="0">
+                <a:solidFill>
+                  <a:schemeClr val="accent6">
+                    <a:lumMod val="75000"/>
+                  </a:schemeClr>
+                </a:solidFill>
+                <a:latin typeface="Fira Code" panose="020B0809050000020004" pitchFamily="49" charset="0"/>
+                <a:ea typeface="Fira Code" panose="020B0809050000020004" pitchFamily="49" charset="0"/>
+                <a:cs typeface="Fira Code" panose="020B0809050000020004" pitchFamily="49" charset="0"/>
+              </a:rPr>
+              <a:t>(temp, </a:t>
+            </a:r>
+            <a:r>
+              <a:rPr lang="en-US" sz="3600" dirty="0" err="1">
+                <a:solidFill>
+                  <a:schemeClr val="accent6">
+                    <a:lumMod val="75000"/>
+                  </a:schemeClr>
+                </a:solidFill>
+                <a:latin typeface="Fira Code" panose="020B0809050000020004" pitchFamily="49" charset="0"/>
+                <a:ea typeface="Fira Code" panose="020B0809050000020004" pitchFamily="49" charset="0"/>
+                <a:cs typeface="Fira Code" panose="020B0809050000020004" pitchFamily="49" charset="0"/>
+              </a:rPr>
+              <a:t>do_mgl</a:t>
+            </a:r>
+            <a:r>
+              <a:rPr lang="en-US" sz="3600" dirty="0">
+                <a:solidFill>
+                  <a:schemeClr val="accent6">
+                    <a:lumMod val="75000"/>
+                  </a:schemeClr>
+                </a:solidFill>
+                <a:latin typeface="Fira Code" panose="020B0809050000020004" pitchFamily="49" charset="0"/>
+                <a:ea typeface="Fira Code" panose="020B0809050000020004" pitchFamily="49" charset="0"/>
+                <a:cs typeface="Fira Code" panose="020B0809050000020004" pitchFamily="49" charset="0"/>
+              </a:rPr>
+              <a:t>)) +</a:t>
+            </a:r>
+          </a:p>
+          <a:p>
+            <a:r>
+              <a:rPr lang="en-US" sz="3600" dirty="0">
+                <a:solidFill>
+                  <a:schemeClr val="accent6">
+                    <a:lumMod val="75000"/>
+                  </a:schemeClr>
+                </a:solidFill>
+                <a:latin typeface="Fira Code" panose="020B0809050000020004" pitchFamily="49" charset="0"/>
+                <a:ea typeface="Fira Code" panose="020B0809050000020004" pitchFamily="49" charset="0"/>
+                <a:cs typeface="Fira Code" panose="020B0809050000020004" pitchFamily="49" charset="0"/>
+              </a:rPr>
+              <a:t>  </a:t>
+            </a:r>
+            <a:r>
+              <a:rPr lang="en-US" sz="3600" dirty="0" err="1">
+                <a:solidFill>
+                  <a:schemeClr val="accent6">
+                    <a:lumMod val="75000"/>
+                  </a:schemeClr>
+                </a:solidFill>
+                <a:latin typeface="Fira Code" panose="020B0809050000020004" pitchFamily="49" charset="0"/>
+                <a:ea typeface="Fira Code" panose="020B0809050000020004" pitchFamily="49" charset="0"/>
+                <a:cs typeface="Fira Code" panose="020B0809050000020004" pitchFamily="49" charset="0"/>
+              </a:rPr>
+              <a:t>geom_smooth</a:t>
+            </a:r>
+            <a:r>
+              <a:rPr lang="en-US" sz="3600" dirty="0">
+                <a:solidFill>
+                  <a:schemeClr val="accent6">
+                    <a:lumMod val="75000"/>
+                  </a:schemeClr>
+                </a:solidFill>
+                <a:latin typeface="Fira Code" panose="020B0809050000020004" pitchFamily="49" charset="0"/>
+                <a:ea typeface="Fira Code" panose="020B0809050000020004" pitchFamily="49" charset="0"/>
+                <a:cs typeface="Fira Code" panose="020B0809050000020004" pitchFamily="49" charset="0"/>
+              </a:rPr>
+              <a:t>(</a:t>
+            </a:r>
+            <a:r>
+              <a:rPr lang="en-US" sz="3600" dirty="0" err="1">
+                <a:solidFill>
+                  <a:schemeClr val="accent6">
+                    <a:lumMod val="75000"/>
+                  </a:schemeClr>
+                </a:solidFill>
+                <a:latin typeface="Fira Code" panose="020B0809050000020004" pitchFamily="49" charset="0"/>
+                <a:ea typeface="Fira Code" panose="020B0809050000020004" pitchFamily="49" charset="0"/>
+                <a:cs typeface="Fira Code" panose="020B0809050000020004" pitchFamily="49" charset="0"/>
+              </a:rPr>
+              <a:t>aes</a:t>
+            </a:r>
+            <a:r>
+              <a:rPr lang="en-US" sz="3600" dirty="0">
+                <a:solidFill>
+                  <a:schemeClr val="accent6">
+                    <a:lumMod val="75000"/>
+                  </a:schemeClr>
+                </a:solidFill>
+                <a:latin typeface="Fira Code" panose="020B0809050000020004" pitchFamily="49" charset="0"/>
+                <a:ea typeface="Fira Code" panose="020B0809050000020004" pitchFamily="49" charset="0"/>
+                <a:cs typeface="Fira Code" panose="020B0809050000020004" pitchFamily="49" charset="0"/>
+              </a:rPr>
+              <a:t>(temp, </a:t>
+            </a:r>
+            <a:r>
+              <a:rPr lang="en-US" sz="3600" dirty="0" err="1">
+                <a:solidFill>
+                  <a:schemeClr val="accent6">
+                    <a:lumMod val="75000"/>
+                  </a:schemeClr>
+                </a:solidFill>
+                <a:latin typeface="Fira Code" panose="020B0809050000020004" pitchFamily="49" charset="0"/>
+                <a:ea typeface="Fira Code" panose="020B0809050000020004" pitchFamily="49" charset="0"/>
+                <a:cs typeface="Fira Code" panose="020B0809050000020004" pitchFamily="49" charset="0"/>
+              </a:rPr>
+              <a:t>do_mgl</a:t>
+            </a:r>
+            <a:r>
+              <a:rPr lang="en-US" sz="3600" dirty="0">
+                <a:solidFill>
+                  <a:schemeClr val="accent6">
+                    <a:lumMod val="75000"/>
+                  </a:schemeClr>
+                </a:solidFill>
+                <a:latin typeface="Fira Code" panose="020B0809050000020004" pitchFamily="49" charset="0"/>
+                <a:ea typeface="Fira Code" panose="020B0809050000020004" pitchFamily="49" charset="0"/>
+                <a:cs typeface="Fira Code" panose="020B0809050000020004" pitchFamily="49" charset="0"/>
+              </a:rPr>
+              <a:t>)) </a:t>
+            </a:r>
+          </a:p>
+        </p:txBody>
+      </p:sp>
+    </p:spTree>
+    <p:extLst>
+      <p:ext uri="{BB962C8B-B14F-4D97-AF65-F5344CB8AC3E}">
+        <p14:creationId xmlns:p14="http://schemas.microsoft.com/office/powerpoint/2010/main" val="1670357855"/>
+      </p:ext>
+    </p:extLst>
+  </p:cSld>
+  <p:clrMapOvr>
+    <a:masterClrMapping/>
+  </p:clrMapOvr>
+</p:sld>
+</file>
+
+<file path=ppt/slides/slide35.xml><?xml version="1.0" encoding="utf-8"?>
+<p:sld xmlns:a="http://schemas.openxmlformats.org/drawingml/2006/main" xmlns:r="http://schemas.openxmlformats.org/officeDocument/2006/relationships" xmlns:p="http://schemas.openxmlformats.org/presentationml/2006/main">
+  <p:cSld>
+    <p:spTree>
+      <p:nvGrpSpPr>
+        <p:cNvPr id="1" name=""/>
+        <p:cNvGrpSpPr/>
+        <p:nvPr/>
+      </p:nvGrpSpPr>
+      <p:grpSpPr>
+        <a:xfrm>
+          <a:off x="0" y="0"/>
+          <a:ext cx="0" cy="0"/>
+          <a:chOff x="0" y="0"/>
+          <a:chExt cx="0" cy="0"/>
+        </a:xfrm>
+      </p:grpSpPr>
+      <p:sp>
+        <p:nvSpPr>
+          <p:cNvPr id="2" name="Title 1">
+            <a:extLst>
+              <a:ext uri="{FF2B5EF4-FFF2-40B4-BE49-F238E27FC236}">
+                <a16:creationId xmlns:a16="http://schemas.microsoft.com/office/drawing/2014/main" id="{3D12286B-42CF-4477-B774-9D44DC4F24F1}"/>
+              </a:ext>
+            </a:extLst>
+          </p:cNvPr>
+          <p:cNvSpPr>
+            <a:spLocks noGrp="1"/>
+          </p:cNvSpPr>
+          <p:nvPr>
+            <p:ph type="title"/>
+          </p:nvPr>
+        </p:nvSpPr>
+        <p:spPr/>
+        <p:txBody>
+          <a:bodyPr/>
+          <a:lstStyle/>
+          <a:p>
+            <a:pPr algn="ctr"/>
+            <a:r>
+              <a:rPr lang="en-US" dirty="0"/>
+              <a:t>Let’s recap. To make a graph…</a:t>
+            </a:r>
+          </a:p>
+        </p:txBody>
+      </p:sp>
+      <p:sp>
+        <p:nvSpPr>
+          <p:cNvPr id="4" name="Footer Placeholder 3">
+            <a:extLst>
+              <a:ext uri="{FF2B5EF4-FFF2-40B4-BE49-F238E27FC236}">
+                <a16:creationId xmlns:a16="http://schemas.microsoft.com/office/drawing/2014/main" id="{B67F6AB2-DA2A-41D0-B977-57CF28FB6EDD}"/>
+              </a:ext>
+            </a:extLst>
+          </p:cNvPr>
+          <p:cNvSpPr>
+            <a:spLocks noGrp="1"/>
+          </p:cNvSpPr>
+          <p:nvPr>
+            <p:ph type="ftr" sz="quarter" idx="11"/>
+          </p:nvPr>
+        </p:nvSpPr>
+        <p:spPr/>
+        <p:txBody>
+          <a:bodyPr/>
+          <a:lstStyle/>
+          <a:p>
+            <a:r>
+              <a:rPr lang="en-US"/>
+              <a:t>CERF 2019 | The Next Step with R | Cressman and Dunnigan</a:t>
+            </a:r>
+          </a:p>
+        </p:txBody>
+      </p:sp>
+      <p:sp>
+        <p:nvSpPr>
+          <p:cNvPr id="5" name="Slide Number Placeholder 4">
+            <a:extLst>
+              <a:ext uri="{FF2B5EF4-FFF2-40B4-BE49-F238E27FC236}">
+                <a16:creationId xmlns:a16="http://schemas.microsoft.com/office/drawing/2014/main" id="{25A92449-BFAB-493E-BB93-A0F277F9C50C}"/>
+              </a:ext>
+            </a:extLst>
+          </p:cNvPr>
+          <p:cNvSpPr>
+            <a:spLocks noGrp="1"/>
+          </p:cNvSpPr>
+          <p:nvPr>
+            <p:ph type="sldNum" sz="quarter" idx="12"/>
+          </p:nvPr>
+        </p:nvSpPr>
+        <p:spPr/>
+        <p:txBody>
+          <a:bodyPr/>
+          <a:lstStyle/>
+          <a:p>
+            <a:fld id="{1D07C8D9-AA71-438D-86BE-7B86F7F29DC7}" type="slidenum">
+              <a:rPr lang="en-US" smtClean="0"/>
+              <a:t>35</a:t>
+            </a:fld>
+            <a:endParaRPr lang="en-US"/>
+          </a:p>
+        </p:txBody>
+      </p:sp>
+      <p:sp>
+        <p:nvSpPr>
+          <p:cNvPr id="6" name="Content Placeholder 4">
+            <a:extLst>
+              <a:ext uri="{FF2B5EF4-FFF2-40B4-BE49-F238E27FC236}">
+                <a16:creationId xmlns:a16="http://schemas.microsoft.com/office/drawing/2014/main" id="{43F6986D-ACB7-42F1-BF0F-CB0B538F7AB0}"/>
+              </a:ext>
+            </a:extLst>
+          </p:cNvPr>
+          <p:cNvSpPr>
+            <a:spLocks noGrp="1"/>
+          </p:cNvSpPr>
+          <p:nvPr>
+            <p:ph idx="1"/>
+          </p:nvPr>
+        </p:nvSpPr>
+        <p:spPr>
+          <a:xfrm>
+            <a:off x="1163782" y="3198566"/>
+            <a:ext cx="10819954" cy="2136775"/>
+          </a:xfrm>
+        </p:spPr>
+        <p:txBody>
+          <a:bodyPr/>
+          <a:lstStyle/>
+          <a:p>
+            <a:pPr marL="0" indent="0">
+              <a:buNone/>
+            </a:pPr>
+            <a:r>
+              <a:rPr lang="en-US" dirty="0"/>
+              <a:t> </a:t>
+            </a:r>
+            <a:r>
+              <a:rPr lang="en-US" dirty="0" err="1">
+                <a:latin typeface="Fira Code" panose="020B0809050000020004" pitchFamily="49" charset="0"/>
+                <a:ea typeface="Fira Code" panose="020B0809050000020004" pitchFamily="49" charset="0"/>
+                <a:cs typeface="Fira Code" panose="020B0809050000020004" pitchFamily="49" charset="0"/>
+              </a:rPr>
+              <a:t>ggplot</a:t>
+            </a:r>
+            <a:r>
+              <a:rPr lang="en-US" dirty="0">
+                <a:latin typeface="Fira Code" panose="020B0809050000020004" pitchFamily="49" charset="0"/>
+                <a:ea typeface="Fira Code" panose="020B0809050000020004" pitchFamily="49" charset="0"/>
+                <a:cs typeface="Fira Code" panose="020B0809050000020004" pitchFamily="49" charset="0"/>
+              </a:rPr>
+              <a:t>(data = </a:t>
+            </a:r>
+            <a:r>
+              <a:rPr lang="en-US" dirty="0">
+                <a:solidFill>
+                  <a:schemeClr val="accent6">
+                    <a:lumMod val="75000"/>
+                  </a:schemeClr>
+                </a:solidFill>
+                <a:latin typeface="Fira Code" panose="020B0809050000020004" pitchFamily="49" charset="0"/>
+                <a:ea typeface="Fira Code" panose="020B0809050000020004" pitchFamily="49" charset="0"/>
+                <a:cs typeface="Fira Code" panose="020B0809050000020004" pitchFamily="49" charset="0"/>
+              </a:rPr>
+              <a:t>&lt;DATA&gt;</a:t>
+            </a:r>
+            <a:r>
+              <a:rPr lang="en-US" dirty="0">
+                <a:latin typeface="Fira Code" panose="020B0809050000020004" pitchFamily="49" charset="0"/>
+                <a:ea typeface="Fira Code" panose="020B0809050000020004" pitchFamily="49" charset="0"/>
+                <a:cs typeface="Fira Code" panose="020B0809050000020004" pitchFamily="49" charset="0"/>
+              </a:rPr>
+              <a:t>) +</a:t>
+            </a:r>
+          </a:p>
+          <a:p>
+            <a:pPr marL="0" indent="0">
+              <a:buNone/>
+            </a:pPr>
+            <a:r>
+              <a:rPr lang="en-US" dirty="0">
+                <a:latin typeface="Fira Code" panose="020B0809050000020004" pitchFamily="49" charset="0"/>
+                <a:ea typeface="Fira Code" panose="020B0809050000020004" pitchFamily="49" charset="0"/>
+                <a:cs typeface="Fira Code" panose="020B0809050000020004" pitchFamily="49" charset="0"/>
+              </a:rPr>
+              <a:t>	</a:t>
+            </a:r>
+            <a:r>
+              <a:rPr lang="en-US" dirty="0">
+                <a:solidFill>
+                  <a:schemeClr val="accent6">
+                    <a:lumMod val="75000"/>
+                  </a:schemeClr>
+                </a:solidFill>
+                <a:latin typeface="Fira Code" panose="020B0809050000020004" pitchFamily="49" charset="0"/>
+                <a:ea typeface="Fira Code" panose="020B0809050000020004" pitchFamily="49" charset="0"/>
+                <a:cs typeface="Fira Code" panose="020B0809050000020004" pitchFamily="49" charset="0"/>
+              </a:rPr>
+              <a:t>&lt;GEOM FUNCTION&gt;</a:t>
+            </a:r>
+            <a:r>
+              <a:rPr lang="en-US" dirty="0">
+                <a:latin typeface="Fira Code" panose="020B0809050000020004" pitchFamily="49" charset="0"/>
+                <a:ea typeface="Fira Code" panose="020B0809050000020004" pitchFamily="49" charset="0"/>
+                <a:cs typeface="Fira Code" panose="020B0809050000020004" pitchFamily="49" charset="0"/>
+              </a:rPr>
+              <a:t>(mapping = </a:t>
+            </a:r>
+            <a:r>
+              <a:rPr lang="en-US" dirty="0" err="1">
+                <a:latin typeface="Fira Code" panose="020B0809050000020004" pitchFamily="49" charset="0"/>
+                <a:ea typeface="Fira Code" panose="020B0809050000020004" pitchFamily="49" charset="0"/>
+                <a:cs typeface="Fira Code" panose="020B0809050000020004" pitchFamily="49" charset="0"/>
+              </a:rPr>
+              <a:t>aes</a:t>
+            </a:r>
+            <a:r>
+              <a:rPr lang="en-US" dirty="0">
+                <a:latin typeface="Fira Code" panose="020B0809050000020004" pitchFamily="49" charset="0"/>
+                <a:ea typeface="Fira Code" panose="020B0809050000020004" pitchFamily="49" charset="0"/>
+                <a:cs typeface="Fira Code" panose="020B0809050000020004" pitchFamily="49" charset="0"/>
+              </a:rPr>
+              <a:t>(</a:t>
+            </a:r>
+            <a:r>
+              <a:rPr lang="en-US" dirty="0">
+                <a:solidFill>
+                  <a:schemeClr val="accent6">
+                    <a:lumMod val="75000"/>
+                  </a:schemeClr>
+                </a:solidFill>
+                <a:latin typeface="Fira Code" panose="020B0809050000020004" pitchFamily="49" charset="0"/>
+                <a:ea typeface="Fira Code" panose="020B0809050000020004" pitchFamily="49" charset="0"/>
+                <a:cs typeface="Fira Code" panose="020B0809050000020004" pitchFamily="49" charset="0"/>
+              </a:rPr>
+              <a:t>&lt;MAPPINGS&gt;</a:t>
+            </a:r>
+            <a:r>
+              <a:rPr lang="en-US" dirty="0">
+                <a:latin typeface="Fira Code" panose="020B0809050000020004" pitchFamily="49" charset="0"/>
+                <a:ea typeface="Fira Code" panose="020B0809050000020004" pitchFamily="49" charset="0"/>
+                <a:cs typeface="Fira Code" panose="020B0809050000020004" pitchFamily="49" charset="0"/>
+              </a:rPr>
+              <a:t>))</a:t>
+            </a:r>
+          </a:p>
+        </p:txBody>
+      </p:sp>
+      <p:sp>
+        <p:nvSpPr>
+          <p:cNvPr id="7" name="Speech Bubble: Rectangle with Corners Rounded 6">
+            <a:extLst>
+              <a:ext uri="{FF2B5EF4-FFF2-40B4-BE49-F238E27FC236}">
+                <a16:creationId xmlns:a16="http://schemas.microsoft.com/office/drawing/2014/main" id="{21AB34F7-220E-4959-947E-FD0B2781141D}"/>
+              </a:ext>
+            </a:extLst>
+          </p:cNvPr>
+          <p:cNvSpPr/>
+          <p:nvPr/>
+        </p:nvSpPr>
+        <p:spPr>
+          <a:xfrm>
+            <a:off x="3671456" y="1523740"/>
+            <a:ext cx="3449781" cy="1116551"/>
+          </a:xfrm>
+          <a:prstGeom prst="wedgeRoundRectCallout">
+            <a:avLst>
+              <a:gd name="adj1" fmla="val -19628"/>
+              <a:gd name="adj2" fmla="val 93521"/>
+              <a:gd name="adj3" fmla="val 16667"/>
+            </a:avLst>
+          </a:prstGeom>
+        </p:spPr>
+        <p:style>
+          <a:lnRef idx="2">
+            <a:schemeClr val="accent6">
+              <a:shade val="50000"/>
+            </a:schemeClr>
+          </a:lnRef>
+          <a:fillRef idx="1">
+            <a:schemeClr val="accent6"/>
+          </a:fillRef>
+          <a:effectRef idx="0">
+            <a:schemeClr val="accent6"/>
+          </a:effectRef>
+          <a:fontRef idx="minor">
+            <a:schemeClr val="lt1"/>
+          </a:fontRef>
+        </p:style>
+        <p:txBody>
+          <a:bodyPr rtlCol="0" anchor="ctr"/>
+          <a:lstStyle/>
+          <a:p>
+            <a:pPr algn="ctr"/>
+            <a:r>
+              <a:rPr lang="en-US" sz="2800" dirty="0"/>
+              <a:t>1. Pick your </a:t>
+            </a:r>
+            <a:r>
+              <a:rPr lang="en-US" sz="2800" b="1" dirty="0"/>
+              <a:t>data</a:t>
+            </a:r>
+            <a:r>
+              <a:rPr lang="en-US" sz="2800" dirty="0"/>
+              <a:t> set</a:t>
+            </a:r>
+          </a:p>
+        </p:txBody>
+      </p:sp>
+    </p:spTree>
+    <p:extLst>
+      <p:ext uri="{BB962C8B-B14F-4D97-AF65-F5344CB8AC3E}">
+        <p14:creationId xmlns:p14="http://schemas.microsoft.com/office/powerpoint/2010/main" val="793783676"/>
+      </p:ext>
+    </p:extLst>
+  </p:cSld>
+  <p:clrMapOvr>
+    <a:masterClrMapping/>
+  </p:clrMapOvr>
+</p:sld>
+</file>
+
+<file path=ppt/slides/slide36.xml><?xml version="1.0" encoding="utf-8"?>
+<p:sld xmlns:a="http://schemas.openxmlformats.org/drawingml/2006/main" xmlns:r="http://schemas.openxmlformats.org/officeDocument/2006/relationships" xmlns:p="http://schemas.openxmlformats.org/presentationml/2006/main">
+  <p:cSld>
+    <p:spTree>
+      <p:nvGrpSpPr>
+        <p:cNvPr id="1" name=""/>
+        <p:cNvGrpSpPr/>
+        <p:nvPr/>
+      </p:nvGrpSpPr>
+      <p:grpSpPr>
+        <a:xfrm>
+          <a:off x="0" y="0"/>
+          <a:ext cx="0" cy="0"/>
+          <a:chOff x="0" y="0"/>
+          <a:chExt cx="0" cy="0"/>
+        </a:xfrm>
+      </p:grpSpPr>
+      <p:sp>
+        <p:nvSpPr>
+          <p:cNvPr id="2" name="Title 1">
+            <a:extLst>
+              <a:ext uri="{FF2B5EF4-FFF2-40B4-BE49-F238E27FC236}">
+                <a16:creationId xmlns:a16="http://schemas.microsoft.com/office/drawing/2014/main" id="{3D12286B-42CF-4477-B774-9D44DC4F24F1}"/>
+              </a:ext>
+            </a:extLst>
+          </p:cNvPr>
+          <p:cNvSpPr>
+            <a:spLocks noGrp="1"/>
+          </p:cNvSpPr>
+          <p:nvPr>
+            <p:ph type="title"/>
+          </p:nvPr>
+        </p:nvSpPr>
+        <p:spPr/>
+        <p:txBody>
+          <a:bodyPr/>
+          <a:lstStyle/>
+          <a:p>
+            <a:pPr algn="ctr"/>
+            <a:r>
+              <a:rPr lang="en-US" dirty="0"/>
+              <a:t>Let’s recap. To make a graph…</a:t>
+            </a:r>
+          </a:p>
+        </p:txBody>
+      </p:sp>
+      <p:sp>
+        <p:nvSpPr>
+          <p:cNvPr id="4" name="Footer Placeholder 3">
+            <a:extLst>
+              <a:ext uri="{FF2B5EF4-FFF2-40B4-BE49-F238E27FC236}">
+                <a16:creationId xmlns:a16="http://schemas.microsoft.com/office/drawing/2014/main" id="{B67F6AB2-DA2A-41D0-B977-57CF28FB6EDD}"/>
+              </a:ext>
+            </a:extLst>
+          </p:cNvPr>
+          <p:cNvSpPr>
+            <a:spLocks noGrp="1"/>
+          </p:cNvSpPr>
+          <p:nvPr>
+            <p:ph type="ftr" sz="quarter" idx="11"/>
+          </p:nvPr>
+        </p:nvSpPr>
+        <p:spPr/>
+        <p:txBody>
+          <a:bodyPr/>
+          <a:lstStyle/>
+          <a:p>
+            <a:r>
+              <a:rPr lang="en-US"/>
+              <a:t>CERF 2019 | The Next Step with R | Cressman and Dunnigan</a:t>
+            </a:r>
+          </a:p>
+        </p:txBody>
+      </p:sp>
+      <p:sp>
+        <p:nvSpPr>
+          <p:cNvPr id="5" name="Slide Number Placeholder 4">
+            <a:extLst>
+              <a:ext uri="{FF2B5EF4-FFF2-40B4-BE49-F238E27FC236}">
+                <a16:creationId xmlns:a16="http://schemas.microsoft.com/office/drawing/2014/main" id="{25A92449-BFAB-493E-BB93-A0F277F9C50C}"/>
+              </a:ext>
+            </a:extLst>
+          </p:cNvPr>
+          <p:cNvSpPr>
+            <a:spLocks noGrp="1"/>
+          </p:cNvSpPr>
+          <p:nvPr>
+            <p:ph type="sldNum" sz="quarter" idx="12"/>
+          </p:nvPr>
+        </p:nvSpPr>
+        <p:spPr/>
+        <p:txBody>
+          <a:bodyPr/>
+          <a:lstStyle/>
+          <a:p>
+            <a:fld id="{1D07C8D9-AA71-438D-86BE-7B86F7F29DC7}" type="slidenum">
+              <a:rPr lang="en-US" smtClean="0"/>
+              <a:t>36</a:t>
+            </a:fld>
+            <a:endParaRPr lang="en-US"/>
+          </a:p>
+        </p:txBody>
+      </p:sp>
+      <p:sp>
+        <p:nvSpPr>
+          <p:cNvPr id="6" name="Content Placeholder 4">
+            <a:extLst>
+              <a:ext uri="{FF2B5EF4-FFF2-40B4-BE49-F238E27FC236}">
+                <a16:creationId xmlns:a16="http://schemas.microsoft.com/office/drawing/2014/main" id="{43F6986D-ACB7-42F1-BF0F-CB0B538F7AB0}"/>
+              </a:ext>
+            </a:extLst>
+          </p:cNvPr>
+          <p:cNvSpPr>
+            <a:spLocks noGrp="1"/>
+          </p:cNvSpPr>
+          <p:nvPr>
+            <p:ph idx="1"/>
+          </p:nvPr>
+        </p:nvSpPr>
+        <p:spPr>
+          <a:xfrm>
+            <a:off x="1163782" y="3198566"/>
+            <a:ext cx="10819954" cy="2136775"/>
+          </a:xfrm>
+        </p:spPr>
+        <p:txBody>
+          <a:bodyPr/>
+          <a:lstStyle/>
+          <a:p>
+            <a:pPr marL="0" indent="0">
+              <a:buNone/>
+            </a:pPr>
+            <a:r>
+              <a:rPr lang="en-US" dirty="0"/>
+              <a:t> </a:t>
+            </a:r>
+            <a:r>
+              <a:rPr lang="en-US" dirty="0" err="1">
+                <a:latin typeface="Fira Code" panose="020B0809050000020004" pitchFamily="49" charset="0"/>
+                <a:ea typeface="Fira Code" panose="020B0809050000020004" pitchFamily="49" charset="0"/>
+                <a:cs typeface="Fira Code" panose="020B0809050000020004" pitchFamily="49" charset="0"/>
+              </a:rPr>
+              <a:t>ggplot</a:t>
+            </a:r>
+            <a:r>
+              <a:rPr lang="en-US" dirty="0">
+                <a:latin typeface="Fira Code" panose="020B0809050000020004" pitchFamily="49" charset="0"/>
+                <a:ea typeface="Fira Code" panose="020B0809050000020004" pitchFamily="49" charset="0"/>
+                <a:cs typeface="Fira Code" panose="020B0809050000020004" pitchFamily="49" charset="0"/>
+              </a:rPr>
+              <a:t>(data = </a:t>
+            </a:r>
+            <a:r>
+              <a:rPr lang="en-US" dirty="0">
+                <a:solidFill>
+                  <a:schemeClr val="accent6">
+                    <a:lumMod val="75000"/>
+                  </a:schemeClr>
+                </a:solidFill>
+                <a:latin typeface="Fira Code" panose="020B0809050000020004" pitchFamily="49" charset="0"/>
+                <a:ea typeface="Fira Code" panose="020B0809050000020004" pitchFamily="49" charset="0"/>
+                <a:cs typeface="Fira Code" panose="020B0809050000020004" pitchFamily="49" charset="0"/>
+              </a:rPr>
+              <a:t>&lt;DATA&gt;</a:t>
+            </a:r>
+            <a:r>
+              <a:rPr lang="en-US" dirty="0">
+                <a:latin typeface="Fira Code" panose="020B0809050000020004" pitchFamily="49" charset="0"/>
+                <a:ea typeface="Fira Code" panose="020B0809050000020004" pitchFamily="49" charset="0"/>
+                <a:cs typeface="Fira Code" panose="020B0809050000020004" pitchFamily="49" charset="0"/>
+              </a:rPr>
+              <a:t>) +</a:t>
+            </a:r>
+          </a:p>
+          <a:p>
+            <a:pPr marL="0" indent="0">
+              <a:buNone/>
+            </a:pPr>
+            <a:r>
+              <a:rPr lang="en-US" dirty="0">
+                <a:latin typeface="Fira Code" panose="020B0809050000020004" pitchFamily="49" charset="0"/>
+                <a:ea typeface="Fira Code" panose="020B0809050000020004" pitchFamily="49" charset="0"/>
+                <a:cs typeface="Fira Code" panose="020B0809050000020004" pitchFamily="49" charset="0"/>
+              </a:rPr>
+              <a:t>	</a:t>
+            </a:r>
+            <a:r>
+              <a:rPr lang="en-US" dirty="0">
+                <a:solidFill>
+                  <a:schemeClr val="accent6">
+                    <a:lumMod val="75000"/>
+                  </a:schemeClr>
+                </a:solidFill>
+                <a:latin typeface="Fira Code" panose="020B0809050000020004" pitchFamily="49" charset="0"/>
+                <a:ea typeface="Fira Code" panose="020B0809050000020004" pitchFamily="49" charset="0"/>
+                <a:cs typeface="Fira Code" panose="020B0809050000020004" pitchFamily="49" charset="0"/>
+              </a:rPr>
+              <a:t>&lt;GEOM FUNCTION&gt;</a:t>
+            </a:r>
+            <a:r>
+              <a:rPr lang="en-US" dirty="0">
+                <a:latin typeface="Fira Code" panose="020B0809050000020004" pitchFamily="49" charset="0"/>
+                <a:ea typeface="Fira Code" panose="020B0809050000020004" pitchFamily="49" charset="0"/>
+                <a:cs typeface="Fira Code" panose="020B0809050000020004" pitchFamily="49" charset="0"/>
+              </a:rPr>
+              <a:t>(mapping = </a:t>
+            </a:r>
+            <a:r>
+              <a:rPr lang="en-US" dirty="0" err="1">
+                <a:latin typeface="Fira Code" panose="020B0809050000020004" pitchFamily="49" charset="0"/>
+                <a:ea typeface="Fira Code" panose="020B0809050000020004" pitchFamily="49" charset="0"/>
+                <a:cs typeface="Fira Code" panose="020B0809050000020004" pitchFamily="49" charset="0"/>
+              </a:rPr>
+              <a:t>aes</a:t>
+            </a:r>
+            <a:r>
+              <a:rPr lang="en-US" dirty="0">
+                <a:latin typeface="Fira Code" panose="020B0809050000020004" pitchFamily="49" charset="0"/>
+                <a:ea typeface="Fira Code" panose="020B0809050000020004" pitchFamily="49" charset="0"/>
+                <a:cs typeface="Fira Code" panose="020B0809050000020004" pitchFamily="49" charset="0"/>
+              </a:rPr>
+              <a:t>(</a:t>
+            </a:r>
+            <a:r>
+              <a:rPr lang="en-US" dirty="0">
+                <a:solidFill>
+                  <a:schemeClr val="accent6">
+                    <a:lumMod val="75000"/>
+                  </a:schemeClr>
+                </a:solidFill>
+                <a:latin typeface="Fira Code" panose="020B0809050000020004" pitchFamily="49" charset="0"/>
+                <a:ea typeface="Fira Code" panose="020B0809050000020004" pitchFamily="49" charset="0"/>
+                <a:cs typeface="Fira Code" panose="020B0809050000020004" pitchFamily="49" charset="0"/>
+              </a:rPr>
+              <a:t>&lt;MAPPINGS&gt;</a:t>
+            </a:r>
+            <a:r>
+              <a:rPr lang="en-US" dirty="0">
+                <a:latin typeface="Fira Code" panose="020B0809050000020004" pitchFamily="49" charset="0"/>
+                <a:ea typeface="Fira Code" panose="020B0809050000020004" pitchFamily="49" charset="0"/>
+                <a:cs typeface="Fira Code" panose="020B0809050000020004" pitchFamily="49" charset="0"/>
+              </a:rPr>
+              <a:t>))</a:t>
+            </a:r>
+          </a:p>
+        </p:txBody>
+      </p:sp>
+      <p:sp>
+        <p:nvSpPr>
+          <p:cNvPr id="7" name="Speech Bubble: Rectangle with Corners Rounded 6">
+            <a:extLst>
+              <a:ext uri="{FF2B5EF4-FFF2-40B4-BE49-F238E27FC236}">
+                <a16:creationId xmlns:a16="http://schemas.microsoft.com/office/drawing/2014/main" id="{21AB34F7-220E-4959-947E-FD0B2781141D}"/>
+              </a:ext>
+            </a:extLst>
+          </p:cNvPr>
+          <p:cNvSpPr/>
+          <p:nvPr/>
+        </p:nvSpPr>
+        <p:spPr>
+          <a:xfrm>
+            <a:off x="3671456" y="1523740"/>
+            <a:ext cx="3449781" cy="1116551"/>
+          </a:xfrm>
+          <a:prstGeom prst="wedgeRoundRectCallout">
+            <a:avLst>
+              <a:gd name="adj1" fmla="val -19628"/>
+              <a:gd name="adj2" fmla="val 93521"/>
+              <a:gd name="adj3" fmla="val 16667"/>
+            </a:avLst>
+          </a:prstGeom>
+        </p:spPr>
+        <p:style>
+          <a:lnRef idx="2">
+            <a:schemeClr val="accent6">
+              <a:shade val="50000"/>
+            </a:schemeClr>
+          </a:lnRef>
+          <a:fillRef idx="1">
+            <a:schemeClr val="accent6"/>
+          </a:fillRef>
+          <a:effectRef idx="0">
+            <a:schemeClr val="accent6"/>
+          </a:effectRef>
+          <a:fontRef idx="minor">
+            <a:schemeClr val="lt1"/>
+          </a:fontRef>
+        </p:style>
+        <p:txBody>
+          <a:bodyPr rtlCol="0" anchor="ctr"/>
+          <a:lstStyle/>
+          <a:p>
+            <a:pPr algn="ctr"/>
+            <a:r>
+              <a:rPr lang="en-US" sz="2800" dirty="0"/>
+              <a:t>1. Pick your </a:t>
+            </a:r>
+            <a:r>
+              <a:rPr lang="en-US" sz="2800" b="1" dirty="0"/>
+              <a:t>data</a:t>
+            </a:r>
+            <a:r>
+              <a:rPr lang="en-US" sz="2800" dirty="0"/>
+              <a:t> set</a:t>
+            </a:r>
+          </a:p>
+        </p:txBody>
+      </p:sp>
+      <p:sp>
+        <p:nvSpPr>
+          <p:cNvPr id="8" name="Speech Bubble: Rectangle with Corners Rounded 7">
+            <a:extLst>
+              <a:ext uri="{FF2B5EF4-FFF2-40B4-BE49-F238E27FC236}">
+                <a16:creationId xmlns:a16="http://schemas.microsoft.com/office/drawing/2014/main" id="{91FFDDC9-11FF-4E54-8B57-51AD21B5FA49}"/>
+              </a:ext>
+            </a:extLst>
+          </p:cNvPr>
+          <p:cNvSpPr/>
+          <p:nvPr/>
+        </p:nvSpPr>
+        <p:spPr>
+          <a:xfrm>
+            <a:off x="1163782" y="5044136"/>
+            <a:ext cx="3449781" cy="1116551"/>
+          </a:xfrm>
+          <a:prstGeom prst="wedgeRoundRectCallout">
+            <a:avLst>
+              <a:gd name="adj1" fmla="val -2761"/>
+              <a:gd name="adj2" fmla="val -133552"/>
+              <a:gd name="adj3" fmla="val 16667"/>
+            </a:avLst>
+          </a:prstGeom>
+        </p:spPr>
+        <p:style>
+          <a:lnRef idx="2">
+            <a:schemeClr val="accent6">
+              <a:shade val="50000"/>
+            </a:schemeClr>
+          </a:lnRef>
+          <a:fillRef idx="1">
+            <a:schemeClr val="accent6"/>
+          </a:fillRef>
+          <a:effectRef idx="0">
+            <a:schemeClr val="accent6"/>
+          </a:effectRef>
+          <a:fontRef idx="minor">
+            <a:schemeClr val="lt1"/>
+          </a:fontRef>
+        </p:style>
+        <p:txBody>
+          <a:bodyPr rtlCol="0" anchor="ctr"/>
+          <a:lstStyle/>
+          <a:p>
+            <a:pPr algn="ctr"/>
+            <a:r>
+              <a:rPr lang="en-US" sz="2800" dirty="0"/>
+              <a:t>2. Choose the best </a:t>
+            </a:r>
+            <a:r>
+              <a:rPr lang="en-US" sz="2800" b="1" dirty="0" err="1"/>
+              <a:t>geom</a:t>
+            </a:r>
+            <a:r>
+              <a:rPr lang="en-US" sz="2800" dirty="0"/>
+              <a:t> to display cases</a:t>
+            </a:r>
+          </a:p>
+        </p:txBody>
+      </p:sp>
+    </p:spTree>
+    <p:extLst>
+      <p:ext uri="{BB962C8B-B14F-4D97-AF65-F5344CB8AC3E}">
+        <p14:creationId xmlns:p14="http://schemas.microsoft.com/office/powerpoint/2010/main" val="1588193444"/>
+      </p:ext>
+    </p:extLst>
+  </p:cSld>
+  <p:clrMapOvr>
+    <a:masterClrMapping/>
+  </p:clrMapOvr>
+</p:sld>
+</file>
+
+<file path=ppt/slides/slide37.xml><?xml version="1.0" encoding="utf-8"?>
+<p:sld xmlns:a="http://schemas.openxmlformats.org/drawingml/2006/main" xmlns:r="http://schemas.openxmlformats.org/officeDocument/2006/relationships" xmlns:p="http://schemas.openxmlformats.org/presentationml/2006/main">
+  <p:cSld>
+    <p:spTree>
+      <p:nvGrpSpPr>
+        <p:cNvPr id="1" name=""/>
+        <p:cNvGrpSpPr/>
+        <p:nvPr/>
+      </p:nvGrpSpPr>
+      <p:grpSpPr>
+        <a:xfrm>
+          <a:off x="0" y="0"/>
+          <a:ext cx="0" cy="0"/>
+          <a:chOff x="0" y="0"/>
+          <a:chExt cx="0" cy="0"/>
+        </a:xfrm>
+      </p:grpSpPr>
+      <p:sp>
+        <p:nvSpPr>
+          <p:cNvPr id="2" name="Title 1">
+            <a:extLst>
+              <a:ext uri="{FF2B5EF4-FFF2-40B4-BE49-F238E27FC236}">
+                <a16:creationId xmlns:a16="http://schemas.microsoft.com/office/drawing/2014/main" id="{3D12286B-42CF-4477-B774-9D44DC4F24F1}"/>
+              </a:ext>
+            </a:extLst>
+          </p:cNvPr>
+          <p:cNvSpPr>
+            <a:spLocks noGrp="1"/>
+          </p:cNvSpPr>
+          <p:nvPr>
+            <p:ph type="title"/>
+          </p:nvPr>
+        </p:nvSpPr>
+        <p:spPr/>
+        <p:txBody>
+          <a:bodyPr/>
+          <a:lstStyle/>
+          <a:p>
+            <a:pPr algn="ctr"/>
+            <a:r>
+              <a:rPr lang="en-US" dirty="0"/>
+              <a:t>Let’s recap. To make a graph…</a:t>
+            </a:r>
+          </a:p>
+        </p:txBody>
+      </p:sp>
+      <p:sp>
+        <p:nvSpPr>
+          <p:cNvPr id="4" name="Footer Placeholder 3">
+            <a:extLst>
+              <a:ext uri="{FF2B5EF4-FFF2-40B4-BE49-F238E27FC236}">
+                <a16:creationId xmlns:a16="http://schemas.microsoft.com/office/drawing/2014/main" id="{B67F6AB2-DA2A-41D0-B977-57CF28FB6EDD}"/>
+              </a:ext>
+            </a:extLst>
+          </p:cNvPr>
+          <p:cNvSpPr>
+            <a:spLocks noGrp="1"/>
+          </p:cNvSpPr>
+          <p:nvPr>
+            <p:ph type="ftr" sz="quarter" idx="11"/>
+          </p:nvPr>
+        </p:nvSpPr>
+        <p:spPr/>
+        <p:txBody>
+          <a:bodyPr/>
+          <a:lstStyle/>
+          <a:p>
+            <a:r>
+              <a:rPr lang="en-US"/>
+              <a:t>CERF 2019 | The Next Step with R | Cressman and Dunnigan</a:t>
+            </a:r>
+          </a:p>
+        </p:txBody>
+      </p:sp>
+      <p:sp>
+        <p:nvSpPr>
+          <p:cNvPr id="5" name="Slide Number Placeholder 4">
+            <a:extLst>
+              <a:ext uri="{FF2B5EF4-FFF2-40B4-BE49-F238E27FC236}">
+                <a16:creationId xmlns:a16="http://schemas.microsoft.com/office/drawing/2014/main" id="{25A92449-BFAB-493E-BB93-A0F277F9C50C}"/>
+              </a:ext>
+            </a:extLst>
+          </p:cNvPr>
+          <p:cNvSpPr>
+            <a:spLocks noGrp="1"/>
+          </p:cNvSpPr>
+          <p:nvPr>
+            <p:ph type="sldNum" sz="quarter" idx="12"/>
+          </p:nvPr>
+        </p:nvSpPr>
+        <p:spPr/>
+        <p:txBody>
+          <a:bodyPr/>
+          <a:lstStyle/>
+          <a:p>
+            <a:fld id="{1D07C8D9-AA71-438D-86BE-7B86F7F29DC7}" type="slidenum">
+              <a:rPr lang="en-US" smtClean="0"/>
+              <a:t>37</a:t>
+            </a:fld>
+            <a:endParaRPr lang="en-US"/>
+          </a:p>
+        </p:txBody>
+      </p:sp>
+      <p:sp>
+        <p:nvSpPr>
+          <p:cNvPr id="6" name="Content Placeholder 4">
+            <a:extLst>
+              <a:ext uri="{FF2B5EF4-FFF2-40B4-BE49-F238E27FC236}">
+                <a16:creationId xmlns:a16="http://schemas.microsoft.com/office/drawing/2014/main" id="{43F6986D-ACB7-42F1-BF0F-CB0B538F7AB0}"/>
+              </a:ext>
+            </a:extLst>
+          </p:cNvPr>
+          <p:cNvSpPr>
+            <a:spLocks noGrp="1"/>
+          </p:cNvSpPr>
+          <p:nvPr>
+            <p:ph idx="1"/>
+          </p:nvPr>
+        </p:nvSpPr>
+        <p:spPr>
+          <a:xfrm>
+            <a:off x="1163782" y="3198566"/>
+            <a:ext cx="10819954" cy="2136775"/>
+          </a:xfrm>
+        </p:spPr>
+        <p:txBody>
+          <a:bodyPr/>
+          <a:lstStyle/>
+          <a:p>
+            <a:pPr marL="0" indent="0">
+              <a:buNone/>
+            </a:pPr>
+            <a:r>
+              <a:rPr lang="en-US" dirty="0"/>
+              <a:t> </a:t>
+            </a:r>
+            <a:r>
+              <a:rPr lang="en-US" dirty="0" err="1">
+                <a:latin typeface="Fira Code" panose="020B0809050000020004" pitchFamily="49" charset="0"/>
+                <a:ea typeface="Fira Code" panose="020B0809050000020004" pitchFamily="49" charset="0"/>
+                <a:cs typeface="Fira Code" panose="020B0809050000020004" pitchFamily="49" charset="0"/>
+              </a:rPr>
+              <a:t>ggplot</a:t>
+            </a:r>
+            <a:r>
+              <a:rPr lang="en-US" dirty="0">
+                <a:latin typeface="Fira Code" panose="020B0809050000020004" pitchFamily="49" charset="0"/>
+                <a:ea typeface="Fira Code" panose="020B0809050000020004" pitchFamily="49" charset="0"/>
+                <a:cs typeface="Fira Code" panose="020B0809050000020004" pitchFamily="49" charset="0"/>
+              </a:rPr>
+              <a:t>(data = </a:t>
+            </a:r>
+            <a:r>
+              <a:rPr lang="en-US" dirty="0">
+                <a:solidFill>
+                  <a:schemeClr val="accent6">
+                    <a:lumMod val="75000"/>
+                  </a:schemeClr>
+                </a:solidFill>
+                <a:latin typeface="Fira Code" panose="020B0809050000020004" pitchFamily="49" charset="0"/>
+                <a:ea typeface="Fira Code" panose="020B0809050000020004" pitchFamily="49" charset="0"/>
+                <a:cs typeface="Fira Code" panose="020B0809050000020004" pitchFamily="49" charset="0"/>
+              </a:rPr>
+              <a:t>&lt;DATA&gt;</a:t>
+            </a:r>
+            <a:r>
+              <a:rPr lang="en-US" dirty="0">
+                <a:latin typeface="Fira Code" panose="020B0809050000020004" pitchFamily="49" charset="0"/>
+                <a:ea typeface="Fira Code" panose="020B0809050000020004" pitchFamily="49" charset="0"/>
+                <a:cs typeface="Fira Code" panose="020B0809050000020004" pitchFamily="49" charset="0"/>
+              </a:rPr>
+              <a:t>) +</a:t>
+            </a:r>
+          </a:p>
+          <a:p>
+            <a:pPr marL="0" indent="0">
+              <a:buNone/>
+            </a:pPr>
+            <a:r>
+              <a:rPr lang="en-US" dirty="0">
+                <a:latin typeface="Fira Code" panose="020B0809050000020004" pitchFamily="49" charset="0"/>
+                <a:ea typeface="Fira Code" panose="020B0809050000020004" pitchFamily="49" charset="0"/>
+                <a:cs typeface="Fira Code" panose="020B0809050000020004" pitchFamily="49" charset="0"/>
+              </a:rPr>
+              <a:t>	</a:t>
+            </a:r>
+            <a:r>
+              <a:rPr lang="en-US" dirty="0">
+                <a:solidFill>
+                  <a:schemeClr val="accent6">
+                    <a:lumMod val="75000"/>
+                  </a:schemeClr>
+                </a:solidFill>
+                <a:latin typeface="Fira Code" panose="020B0809050000020004" pitchFamily="49" charset="0"/>
+                <a:ea typeface="Fira Code" panose="020B0809050000020004" pitchFamily="49" charset="0"/>
+                <a:cs typeface="Fira Code" panose="020B0809050000020004" pitchFamily="49" charset="0"/>
+              </a:rPr>
+              <a:t>&lt;GEOM FUNCTION&gt;</a:t>
+            </a:r>
+            <a:r>
+              <a:rPr lang="en-US" dirty="0">
+                <a:latin typeface="Fira Code" panose="020B0809050000020004" pitchFamily="49" charset="0"/>
+                <a:ea typeface="Fira Code" panose="020B0809050000020004" pitchFamily="49" charset="0"/>
+                <a:cs typeface="Fira Code" panose="020B0809050000020004" pitchFamily="49" charset="0"/>
+              </a:rPr>
+              <a:t>(mapping = </a:t>
+            </a:r>
+            <a:r>
+              <a:rPr lang="en-US" dirty="0" err="1">
+                <a:latin typeface="Fira Code" panose="020B0809050000020004" pitchFamily="49" charset="0"/>
+                <a:ea typeface="Fira Code" panose="020B0809050000020004" pitchFamily="49" charset="0"/>
+                <a:cs typeface="Fira Code" panose="020B0809050000020004" pitchFamily="49" charset="0"/>
+              </a:rPr>
+              <a:t>aes</a:t>
+            </a:r>
+            <a:r>
+              <a:rPr lang="en-US" dirty="0">
+                <a:latin typeface="Fira Code" panose="020B0809050000020004" pitchFamily="49" charset="0"/>
+                <a:ea typeface="Fira Code" panose="020B0809050000020004" pitchFamily="49" charset="0"/>
+                <a:cs typeface="Fira Code" panose="020B0809050000020004" pitchFamily="49" charset="0"/>
+              </a:rPr>
+              <a:t>(</a:t>
+            </a:r>
+            <a:r>
+              <a:rPr lang="en-US" dirty="0">
+                <a:solidFill>
+                  <a:schemeClr val="accent6">
+                    <a:lumMod val="75000"/>
+                  </a:schemeClr>
+                </a:solidFill>
+                <a:latin typeface="Fira Code" panose="020B0809050000020004" pitchFamily="49" charset="0"/>
+                <a:ea typeface="Fira Code" panose="020B0809050000020004" pitchFamily="49" charset="0"/>
+                <a:cs typeface="Fira Code" panose="020B0809050000020004" pitchFamily="49" charset="0"/>
+              </a:rPr>
+              <a:t>&lt;MAPPINGS&gt;</a:t>
+            </a:r>
+            <a:r>
+              <a:rPr lang="en-US" dirty="0">
+                <a:latin typeface="Fira Code" panose="020B0809050000020004" pitchFamily="49" charset="0"/>
+                <a:ea typeface="Fira Code" panose="020B0809050000020004" pitchFamily="49" charset="0"/>
+                <a:cs typeface="Fira Code" panose="020B0809050000020004" pitchFamily="49" charset="0"/>
+              </a:rPr>
+              <a:t>))</a:t>
+            </a:r>
+          </a:p>
+        </p:txBody>
+      </p:sp>
+      <p:sp>
+        <p:nvSpPr>
+          <p:cNvPr id="7" name="Speech Bubble: Rectangle with Corners Rounded 6">
+            <a:extLst>
+              <a:ext uri="{FF2B5EF4-FFF2-40B4-BE49-F238E27FC236}">
+                <a16:creationId xmlns:a16="http://schemas.microsoft.com/office/drawing/2014/main" id="{21AB34F7-220E-4959-947E-FD0B2781141D}"/>
+              </a:ext>
+            </a:extLst>
+          </p:cNvPr>
+          <p:cNvSpPr/>
+          <p:nvPr/>
+        </p:nvSpPr>
+        <p:spPr>
+          <a:xfrm>
+            <a:off x="3671456" y="1523740"/>
+            <a:ext cx="3449781" cy="1116551"/>
+          </a:xfrm>
+          <a:prstGeom prst="wedgeRoundRectCallout">
+            <a:avLst>
+              <a:gd name="adj1" fmla="val -19628"/>
+              <a:gd name="adj2" fmla="val 93521"/>
+              <a:gd name="adj3" fmla="val 16667"/>
+            </a:avLst>
+          </a:prstGeom>
+        </p:spPr>
+        <p:style>
+          <a:lnRef idx="2">
+            <a:schemeClr val="accent6">
+              <a:shade val="50000"/>
+            </a:schemeClr>
+          </a:lnRef>
+          <a:fillRef idx="1">
+            <a:schemeClr val="accent6"/>
+          </a:fillRef>
+          <a:effectRef idx="0">
+            <a:schemeClr val="accent6"/>
+          </a:effectRef>
+          <a:fontRef idx="minor">
+            <a:schemeClr val="lt1"/>
+          </a:fontRef>
+        </p:style>
+        <p:txBody>
+          <a:bodyPr rtlCol="0" anchor="ctr"/>
+          <a:lstStyle/>
+          <a:p>
+            <a:pPr algn="ctr"/>
+            <a:r>
+              <a:rPr lang="en-US" sz="2800" dirty="0"/>
+              <a:t>1. Pick your </a:t>
+            </a:r>
+            <a:r>
+              <a:rPr lang="en-US" sz="2800" b="1" dirty="0"/>
+              <a:t>data</a:t>
+            </a:r>
+            <a:r>
+              <a:rPr lang="en-US" sz="2800" dirty="0"/>
+              <a:t> set</a:t>
+            </a:r>
+          </a:p>
+        </p:txBody>
+      </p:sp>
+      <p:sp>
+        <p:nvSpPr>
+          <p:cNvPr id="8" name="Speech Bubble: Rectangle with Corners Rounded 7">
+            <a:extLst>
+              <a:ext uri="{FF2B5EF4-FFF2-40B4-BE49-F238E27FC236}">
+                <a16:creationId xmlns:a16="http://schemas.microsoft.com/office/drawing/2014/main" id="{91FFDDC9-11FF-4E54-8B57-51AD21B5FA49}"/>
+              </a:ext>
+            </a:extLst>
+          </p:cNvPr>
+          <p:cNvSpPr/>
+          <p:nvPr/>
+        </p:nvSpPr>
+        <p:spPr>
+          <a:xfrm>
+            <a:off x="1163782" y="5044136"/>
+            <a:ext cx="3449781" cy="1116551"/>
+          </a:xfrm>
+          <a:prstGeom prst="wedgeRoundRectCallout">
+            <a:avLst>
+              <a:gd name="adj1" fmla="val -2761"/>
+              <a:gd name="adj2" fmla="val -133552"/>
+              <a:gd name="adj3" fmla="val 16667"/>
+            </a:avLst>
+          </a:prstGeom>
+        </p:spPr>
+        <p:style>
+          <a:lnRef idx="2">
+            <a:schemeClr val="accent6">
+              <a:shade val="50000"/>
+            </a:schemeClr>
+          </a:lnRef>
+          <a:fillRef idx="1">
+            <a:schemeClr val="accent6"/>
+          </a:fillRef>
+          <a:effectRef idx="0">
+            <a:schemeClr val="accent6"/>
+          </a:effectRef>
+          <a:fontRef idx="minor">
+            <a:schemeClr val="lt1"/>
+          </a:fontRef>
+        </p:style>
+        <p:txBody>
+          <a:bodyPr rtlCol="0" anchor="ctr"/>
+          <a:lstStyle/>
+          <a:p>
+            <a:pPr algn="ctr"/>
+            <a:r>
+              <a:rPr lang="en-US" sz="2800" dirty="0"/>
+              <a:t>2. Choose the best </a:t>
+            </a:r>
+            <a:r>
+              <a:rPr lang="en-US" sz="2800" b="1" dirty="0" err="1"/>
+              <a:t>geom</a:t>
+            </a:r>
+            <a:r>
+              <a:rPr lang="en-US" sz="2800" dirty="0"/>
+              <a:t> to display cases</a:t>
+            </a:r>
+          </a:p>
+        </p:txBody>
+      </p:sp>
+      <p:sp>
+        <p:nvSpPr>
+          <p:cNvPr id="9" name="Speech Bubble: Rectangle with Corners Rounded 8">
+            <a:extLst>
+              <a:ext uri="{FF2B5EF4-FFF2-40B4-BE49-F238E27FC236}">
+                <a16:creationId xmlns:a16="http://schemas.microsoft.com/office/drawing/2014/main" id="{014AEBE0-2B62-424C-8C40-36DA841B277D}"/>
+              </a:ext>
+            </a:extLst>
+          </p:cNvPr>
+          <p:cNvSpPr/>
+          <p:nvPr/>
+        </p:nvSpPr>
+        <p:spPr>
+          <a:xfrm>
+            <a:off x="7121237" y="4777065"/>
+            <a:ext cx="3726872" cy="1116551"/>
+          </a:xfrm>
+          <a:prstGeom prst="wedgeRoundRectCallout">
+            <a:avLst>
+              <a:gd name="adj1" fmla="val 1342"/>
+              <a:gd name="adj2" fmla="val -107494"/>
+              <a:gd name="adj3" fmla="val 16667"/>
+            </a:avLst>
+          </a:prstGeom>
+        </p:spPr>
+        <p:style>
+          <a:lnRef idx="2">
+            <a:schemeClr val="accent6">
+              <a:shade val="50000"/>
+            </a:schemeClr>
+          </a:lnRef>
+          <a:fillRef idx="1">
+            <a:schemeClr val="accent6"/>
+          </a:fillRef>
+          <a:effectRef idx="0">
+            <a:schemeClr val="accent6"/>
+          </a:effectRef>
+          <a:fontRef idx="minor">
+            <a:schemeClr val="lt1"/>
+          </a:fontRef>
+        </p:style>
+        <p:txBody>
+          <a:bodyPr rtlCol="0" anchor="ctr"/>
+          <a:lstStyle/>
+          <a:p>
+            <a:pPr algn="ctr"/>
+            <a:r>
+              <a:rPr lang="en-US" sz="2800" dirty="0"/>
+              <a:t>3. </a:t>
+            </a:r>
+            <a:r>
+              <a:rPr lang="en-US" sz="2800" b="1" dirty="0"/>
+              <a:t>Map</a:t>
+            </a:r>
+            <a:r>
+              <a:rPr lang="en-US" sz="2800" dirty="0"/>
+              <a:t> aesthetic properties to variables.</a:t>
+            </a:r>
+          </a:p>
+        </p:txBody>
+      </p:sp>
+    </p:spTree>
+    <p:extLst>
+      <p:ext uri="{BB962C8B-B14F-4D97-AF65-F5344CB8AC3E}">
+        <p14:creationId xmlns:p14="http://schemas.microsoft.com/office/powerpoint/2010/main" val="2806665678"/>
+      </p:ext>
+    </p:extLst>
+  </p:cSld>
+  <p:clrMapOvr>
+    <a:masterClrMapping/>
+  </p:clrMapOvr>
+</p:sld>
+</file>
+
+<file path=ppt/slides/slide38.xml><?xml version="1.0" encoding="utf-8"?>
+<p:sld xmlns:a="http://schemas.openxmlformats.org/drawingml/2006/main" xmlns:r="http://schemas.openxmlformats.org/officeDocument/2006/relationships" xmlns:p="http://schemas.openxmlformats.org/presentationml/2006/main">
+  <p:cSld>
+    <p:spTree>
+      <p:nvGrpSpPr>
+        <p:cNvPr id="1" name=""/>
+        <p:cNvGrpSpPr/>
+        <p:nvPr/>
+      </p:nvGrpSpPr>
+      <p:grpSpPr>
+        <a:xfrm>
+          <a:off x="0" y="0"/>
+          <a:ext cx="0" cy="0"/>
+          <a:chOff x="0" y="0"/>
+          <a:chExt cx="0" cy="0"/>
+        </a:xfrm>
+      </p:grpSpPr>
+      <p:sp>
+        <p:nvSpPr>
+          <p:cNvPr id="2" name="Title 1">
+            <a:extLst>
+              <a:ext uri="{FF2B5EF4-FFF2-40B4-BE49-F238E27FC236}">
+                <a16:creationId xmlns:a16="http://schemas.microsoft.com/office/drawing/2014/main" id="{45296DCD-D3D0-4832-82AB-AC439AFA410D}"/>
+              </a:ext>
+            </a:extLst>
+          </p:cNvPr>
+          <p:cNvSpPr>
+            <a:spLocks noGrp="1"/>
+          </p:cNvSpPr>
+          <p:nvPr>
+            <p:ph type="ctrTitle"/>
+          </p:nvPr>
+        </p:nvSpPr>
+        <p:spPr/>
+        <p:txBody>
+          <a:bodyPr/>
+          <a:lstStyle/>
+          <a:p>
+            <a:r>
+              <a:rPr lang="en-US" b="1" dirty="0"/>
+              <a:t>How about a break?</a:t>
+            </a:r>
+          </a:p>
+        </p:txBody>
+      </p:sp>
+      <p:sp>
+        <p:nvSpPr>
+          <p:cNvPr id="3" name="Subtitle 2">
+            <a:extLst>
+              <a:ext uri="{FF2B5EF4-FFF2-40B4-BE49-F238E27FC236}">
+                <a16:creationId xmlns:a16="http://schemas.microsoft.com/office/drawing/2014/main" id="{D87B942F-48FF-4341-A556-178E9675D39A}"/>
+              </a:ext>
+            </a:extLst>
+          </p:cNvPr>
+          <p:cNvSpPr>
+            <a:spLocks noGrp="1"/>
+          </p:cNvSpPr>
+          <p:nvPr>
+            <p:ph type="subTitle" idx="1"/>
+          </p:nvPr>
+        </p:nvSpPr>
+        <p:spPr>
+          <a:xfrm>
+            <a:off x="1524000" y="4752108"/>
+            <a:ext cx="9144000" cy="505691"/>
+          </a:xfrm>
+        </p:spPr>
+        <p:txBody>
+          <a:bodyPr/>
+          <a:lstStyle/>
+          <a:p>
+            <a:r>
+              <a:rPr lang="en-US" dirty="0"/>
+              <a:t>15 minutes</a:t>
+            </a:r>
+          </a:p>
+        </p:txBody>
+      </p:sp>
+      <p:sp>
+        <p:nvSpPr>
+          <p:cNvPr id="4" name="Footer Placeholder 3">
+            <a:extLst>
+              <a:ext uri="{FF2B5EF4-FFF2-40B4-BE49-F238E27FC236}">
+                <a16:creationId xmlns:a16="http://schemas.microsoft.com/office/drawing/2014/main" id="{BDE23607-5E8D-42AA-8FE8-CD6683460D92}"/>
+              </a:ext>
+            </a:extLst>
+          </p:cNvPr>
+          <p:cNvSpPr>
+            <a:spLocks noGrp="1"/>
+          </p:cNvSpPr>
+          <p:nvPr>
+            <p:ph type="ftr" sz="quarter" idx="11"/>
+          </p:nvPr>
+        </p:nvSpPr>
+        <p:spPr/>
+        <p:txBody>
+          <a:bodyPr/>
+          <a:lstStyle/>
+          <a:p>
+            <a:r>
+              <a:rPr lang="en-US"/>
+              <a:t>CERF 2019 | The Next Step with R | Cressman and Dunnigan</a:t>
+            </a:r>
+          </a:p>
+        </p:txBody>
+      </p:sp>
+      <p:sp>
+        <p:nvSpPr>
+          <p:cNvPr id="5" name="Slide Number Placeholder 4">
+            <a:extLst>
+              <a:ext uri="{FF2B5EF4-FFF2-40B4-BE49-F238E27FC236}">
+                <a16:creationId xmlns:a16="http://schemas.microsoft.com/office/drawing/2014/main" id="{D8B52939-83E6-426C-9185-6A6C5BF36841}"/>
+              </a:ext>
+            </a:extLst>
+          </p:cNvPr>
+          <p:cNvSpPr>
+            <a:spLocks noGrp="1"/>
+          </p:cNvSpPr>
+          <p:nvPr>
+            <p:ph type="sldNum" sz="quarter" idx="12"/>
+          </p:nvPr>
+        </p:nvSpPr>
+        <p:spPr/>
+        <p:txBody>
+          <a:bodyPr/>
+          <a:lstStyle/>
+          <a:p>
+            <a:fld id="{1D07C8D9-AA71-438D-86BE-7B86F7F29DC7}" type="slidenum">
+              <a:rPr lang="en-US" smtClean="0"/>
+              <a:t>38</a:t>
+            </a:fld>
+            <a:endParaRPr lang="en-US"/>
+          </a:p>
+        </p:txBody>
+      </p:sp>
+    </p:spTree>
+    <p:extLst>
+      <p:ext uri="{BB962C8B-B14F-4D97-AF65-F5344CB8AC3E}">
+        <p14:creationId xmlns:p14="http://schemas.microsoft.com/office/powerpoint/2010/main" val="1423166413"/>
+      </p:ext>
+    </p:extLst>
+  </p:cSld>
+  <p:clrMapOvr>
+    <a:masterClrMapping/>
+  </p:clrMapOvr>
+</p:sld>
+</file>
+
+<file path=ppt/slides/slide39.xml><?xml version="1.0" encoding="utf-8"?>
+<p:sld xmlns:a="http://schemas.openxmlformats.org/drawingml/2006/main" xmlns:r="http://schemas.openxmlformats.org/officeDocument/2006/relationships" xmlns:p="http://schemas.openxmlformats.org/presentationml/2006/main">
+  <p:cSld>
+    <p:spTree>
+      <p:nvGrpSpPr>
+        <p:cNvPr id="1" name=""/>
+        <p:cNvGrpSpPr/>
+        <p:nvPr/>
+      </p:nvGrpSpPr>
+      <p:grpSpPr>
+        <a:xfrm>
+          <a:off x="0" y="0"/>
+          <a:ext cx="0" cy="0"/>
+          <a:chOff x="0" y="0"/>
+          <a:chExt cx="0" cy="0"/>
+        </a:xfrm>
+      </p:grpSpPr>
+      <p:sp>
+        <p:nvSpPr>
+          <p:cNvPr id="6" name="Title 5">
+            <a:extLst>
+              <a:ext uri="{FF2B5EF4-FFF2-40B4-BE49-F238E27FC236}">
+                <a16:creationId xmlns:a16="http://schemas.microsoft.com/office/drawing/2014/main" id="{AA3190EF-8450-4E09-8F9F-57211C44BEE2}"/>
+              </a:ext>
+            </a:extLst>
+          </p:cNvPr>
+          <p:cNvSpPr>
+            <a:spLocks noGrp="1"/>
+          </p:cNvSpPr>
+          <p:nvPr>
+            <p:ph type="title"/>
+          </p:nvPr>
+        </p:nvSpPr>
+        <p:spPr/>
+        <p:txBody>
+          <a:bodyPr/>
+          <a:lstStyle/>
+          <a:p>
+            <a:r>
+              <a:rPr lang="en-US" dirty="0"/>
+              <a:t>What else can I do?</a:t>
+            </a:r>
+          </a:p>
+        </p:txBody>
+      </p:sp>
+      <p:sp>
+        <p:nvSpPr>
+          <p:cNvPr id="8" name="Text Placeholder 7">
+            <a:extLst>
+              <a:ext uri="{FF2B5EF4-FFF2-40B4-BE49-F238E27FC236}">
+                <a16:creationId xmlns:a16="http://schemas.microsoft.com/office/drawing/2014/main" id="{1F6998D1-0484-4248-ACCD-82CF00945CB4}"/>
+              </a:ext>
+            </a:extLst>
+          </p:cNvPr>
+          <p:cNvSpPr>
+            <a:spLocks noGrp="1"/>
+          </p:cNvSpPr>
+          <p:nvPr>
+            <p:ph type="body" idx="1"/>
+          </p:nvPr>
+        </p:nvSpPr>
+        <p:spPr/>
+        <p:txBody>
+          <a:bodyPr/>
+          <a:lstStyle/>
+          <a:p>
+            <a:endParaRPr lang="en-US" dirty="0"/>
+          </a:p>
+        </p:txBody>
+      </p:sp>
+      <p:sp>
+        <p:nvSpPr>
+          <p:cNvPr id="4" name="Footer Placeholder 3">
+            <a:extLst>
+              <a:ext uri="{FF2B5EF4-FFF2-40B4-BE49-F238E27FC236}">
+                <a16:creationId xmlns:a16="http://schemas.microsoft.com/office/drawing/2014/main" id="{694223D6-002C-4838-93D5-7997F75D4B2B}"/>
+              </a:ext>
+            </a:extLst>
+          </p:cNvPr>
+          <p:cNvSpPr>
+            <a:spLocks noGrp="1"/>
+          </p:cNvSpPr>
+          <p:nvPr>
+            <p:ph type="ftr" sz="quarter" idx="11"/>
+          </p:nvPr>
+        </p:nvSpPr>
+        <p:spPr/>
+        <p:txBody>
+          <a:bodyPr/>
+          <a:lstStyle/>
+          <a:p>
+            <a:r>
+              <a:rPr lang="en-US"/>
+              <a:t>CERF 2019 | The Next Step with R | Cressman and Dunnigan</a:t>
+            </a:r>
+          </a:p>
+        </p:txBody>
+      </p:sp>
+      <p:sp>
+        <p:nvSpPr>
+          <p:cNvPr id="5" name="Slide Number Placeholder 4">
+            <a:extLst>
+              <a:ext uri="{FF2B5EF4-FFF2-40B4-BE49-F238E27FC236}">
+                <a16:creationId xmlns:a16="http://schemas.microsoft.com/office/drawing/2014/main" id="{2FC5D8EB-D819-4127-8F1D-8FC32DE09F35}"/>
+              </a:ext>
+            </a:extLst>
+          </p:cNvPr>
+          <p:cNvSpPr>
+            <a:spLocks noGrp="1"/>
+          </p:cNvSpPr>
+          <p:nvPr>
+            <p:ph type="sldNum" sz="quarter" idx="12"/>
+          </p:nvPr>
+        </p:nvSpPr>
+        <p:spPr/>
+        <p:txBody>
+          <a:bodyPr/>
+          <a:lstStyle/>
+          <a:p>
+            <a:fld id="{1D07C8D9-AA71-438D-86BE-7B86F7F29DC7}" type="slidenum">
+              <a:rPr lang="en-US" smtClean="0"/>
+              <a:t>39</a:t>
+            </a:fld>
+            <a:endParaRPr lang="en-US"/>
+          </a:p>
+        </p:txBody>
+      </p:sp>
+    </p:spTree>
+    <p:extLst>
+      <p:ext uri="{BB962C8B-B14F-4D97-AF65-F5344CB8AC3E}">
+        <p14:creationId xmlns:p14="http://schemas.microsoft.com/office/powerpoint/2010/main" val="2474734340"/>
       </p:ext>
     </p:extLst>
   </p:cSld>
@@ -11428,6 +15780,566 @@
     <p:extLst>
       <p:ext uri="{BB962C8B-B14F-4D97-AF65-F5344CB8AC3E}">
         <p14:creationId xmlns:p14="http://schemas.microsoft.com/office/powerpoint/2010/main" val="2965265400"/>
+      </p:ext>
+    </p:extLst>
+  </p:cSld>
+  <p:clrMapOvr>
+    <a:masterClrMapping/>
+  </p:clrMapOvr>
+</p:sld>
+</file>
+
+<file path=ppt/slides/slide40.xml><?xml version="1.0" encoding="utf-8"?>
+<p:sld xmlns:a="http://schemas.openxmlformats.org/drawingml/2006/main" xmlns:r="http://schemas.openxmlformats.org/officeDocument/2006/relationships" xmlns:p="http://schemas.openxmlformats.org/presentationml/2006/main">
+  <p:cSld>
+    <p:spTree>
+      <p:nvGrpSpPr>
+        <p:cNvPr id="1" name=""/>
+        <p:cNvGrpSpPr/>
+        <p:nvPr/>
+      </p:nvGrpSpPr>
+      <p:grpSpPr>
+        <a:xfrm>
+          <a:off x="0" y="0"/>
+          <a:ext cx="0" cy="0"/>
+          <a:chOff x="0" y="0"/>
+          <a:chExt cx="0" cy="0"/>
+        </a:xfrm>
+      </p:grpSpPr>
+      <p:sp>
+        <p:nvSpPr>
+          <p:cNvPr id="2" name="Title 1">
+            <a:extLst>
+              <a:ext uri="{FF2B5EF4-FFF2-40B4-BE49-F238E27FC236}">
+                <a16:creationId xmlns:a16="http://schemas.microsoft.com/office/drawing/2014/main" id="{5E945D91-80E0-4467-88DB-CBF29740C2C8}"/>
+              </a:ext>
+            </a:extLst>
+          </p:cNvPr>
+          <p:cNvSpPr>
+            <a:spLocks noGrp="1"/>
+          </p:cNvSpPr>
+          <p:nvPr>
+            <p:ph type="title"/>
+          </p:nvPr>
+        </p:nvSpPr>
+        <p:spPr/>
+        <p:txBody>
+          <a:bodyPr/>
+          <a:lstStyle/>
+          <a:p>
+            <a:r>
+              <a:rPr lang="en-US" dirty="0"/>
+              <a:t>Labels</a:t>
+            </a:r>
+          </a:p>
+        </p:txBody>
+      </p:sp>
+      <p:sp>
+        <p:nvSpPr>
+          <p:cNvPr id="3" name="Content Placeholder 2">
+            <a:extLst>
+              <a:ext uri="{FF2B5EF4-FFF2-40B4-BE49-F238E27FC236}">
+                <a16:creationId xmlns:a16="http://schemas.microsoft.com/office/drawing/2014/main" id="{EF483974-A252-471F-99D8-970952855253}"/>
+              </a:ext>
+            </a:extLst>
+          </p:cNvPr>
+          <p:cNvSpPr>
+            <a:spLocks noGrp="1"/>
+          </p:cNvSpPr>
+          <p:nvPr>
+            <p:ph idx="1"/>
+          </p:nvPr>
+        </p:nvSpPr>
+        <p:spPr/>
+        <p:txBody>
+          <a:bodyPr/>
+          <a:lstStyle/>
+          <a:p>
+            <a:endParaRPr lang="en-US"/>
+          </a:p>
+        </p:txBody>
+      </p:sp>
+      <p:sp>
+        <p:nvSpPr>
+          <p:cNvPr id="4" name="Footer Placeholder 3">
+            <a:extLst>
+              <a:ext uri="{FF2B5EF4-FFF2-40B4-BE49-F238E27FC236}">
+                <a16:creationId xmlns:a16="http://schemas.microsoft.com/office/drawing/2014/main" id="{B6525301-D78D-45F1-974B-EEBC0DC989E2}"/>
+              </a:ext>
+            </a:extLst>
+          </p:cNvPr>
+          <p:cNvSpPr>
+            <a:spLocks noGrp="1"/>
+          </p:cNvSpPr>
+          <p:nvPr>
+            <p:ph type="ftr" sz="quarter" idx="11"/>
+          </p:nvPr>
+        </p:nvSpPr>
+        <p:spPr/>
+        <p:txBody>
+          <a:bodyPr/>
+          <a:lstStyle/>
+          <a:p>
+            <a:r>
+              <a:rPr lang="en-US"/>
+              <a:t>CERF 2019 | The Next Step with R | Cressman and Dunnigan</a:t>
+            </a:r>
+          </a:p>
+        </p:txBody>
+      </p:sp>
+      <p:sp>
+        <p:nvSpPr>
+          <p:cNvPr id="5" name="Slide Number Placeholder 4">
+            <a:extLst>
+              <a:ext uri="{FF2B5EF4-FFF2-40B4-BE49-F238E27FC236}">
+                <a16:creationId xmlns:a16="http://schemas.microsoft.com/office/drawing/2014/main" id="{31763576-7EDD-4F70-9FB1-D6B360120D2D}"/>
+              </a:ext>
+            </a:extLst>
+          </p:cNvPr>
+          <p:cNvSpPr>
+            <a:spLocks noGrp="1"/>
+          </p:cNvSpPr>
+          <p:nvPr>
+            <p:ph type="sldNum" sz="quarter" idx="12"/>
+          </p:nvPr>
+        </p:nvSpPr>
+        <p:spPr/>
+        <p:txBody>
+          <a:bodyPr/>
+          <a:lstStyle/>
+          <a:p>
+            <a:fld id="{1D07C8D9-AA71-438D-86BE-7B86F7F29DC7}" type="slidenum">
+              <a:rPr lang="en-US" smtClean="0"/>
+              <a:t>40</a:t>
+            </a:fld>
+            <a:endParaRPr lang="en-US"/>
+          </a:p>
+        </p:txBody>
+      </p:sp>
+    </p:spTree>
+    <p:extLst>
+      <p:ext uri="{BB962C8B-B14F-4D97-AF65-F5344CB8AC3E}">
+        <p14:creationId xmlns:p14="http://schemas.microsoft.com/office/powerpoint/2010/main" val="1405398319"/>
+      </p:ext>
+    </p:extLst>
+  </p:cSld>
+  <p:clrMapOvr>
+    <a:masterClrMapping/>
+  </p:clrMapOvr>
+</p:sld>
+</file>
+
+<file path=ppt/slides/slide41.xml><?xml version="1.0" encoding="utf-8"?>
+<p:sld xmlns:a="http://schemas.openxmlformats.org/drawingml/2006/main" xmlns:r="http://schemas.openxmlformats.org/officeDocument/2006/relationships" xmlns:p="http://schemas.openxmlformats.org/presentationml/2006/main">
+  <p:cSld>
+    <p:spTree>
+      <p:nvGrpSpPr>
+        <p:cNvPr id="1" name=""/>
+        <p:cNvGrpSpPr/>
+        <p:nvPr/>
+      </p:nvGrpSpPr>
+      <p:grpSpPr>
+        <a:xfrm>
+          <a:off x="0" y="0"/>
+          <a:ext cx="0" cy="0"/>
+          <a:chOff x="0" y="0"/>
+          <a:chExt cx="0" cy="0"/>
+        </a:xfrm>
+      </p:grpSpPr>
+      <p:sp>
+        <p:nvSpPr>
+          <p:cNvPr id="2" name="Title 1">
+            <a:extLst>
+              <a:ext uri="{FF2B5EF4-FFF2-40B4-BE49-F238E27FC236}">
+                <a16:creationId xmlns:a16="http://schemas.microsoft.com/office/drawing/2014/main" id="{2C46FF3B-F06A-4E03-8B0B-63FBC69113B2}"/>
+              </a:ext>
+            </a:extLst>
+          </p:cNvPr>
+          <p:cNvSpPr>
+            <a:spLocks noGrp="1"/>
+          </p:cNvSpPr>
+          <p:nvPr>
+            <p:ph type="title"/>
+          </p:nvPr>
+        </p:nvSpPr>
+        <p:spPr/>
+        <p:txBody>
+          <a:bodyPr/>
+          <a:lstStyle/>
+          <a:p>
+            <a:r>
+              <a:rPr lang="en-US" dirty="0"/>
+              <a:t>Scales</a:t>
+            </a:r>
+          </a:p>
+        </p:txBody>
+      </p:sp>
+      <p:sp>
+        <p:nvSpPr>
+          <p:cNvPr id="3" name="Content Placeholder 2">
+            <a:extLst>
+              <a:ext uri="{FF2B5EF4-FFF2-40B4-BE49-F238E27FC236}">
+                <a16:creationId xmlns:a16="http://schemas.microsoft.com/office/drawing/2014/main" id="{69C0A044-78D4-4726-8848-F62C5F4FFD5F}"/>
+              </a:ext>
+            </a:extLst>
+          </p:cNvPr>
+          <p:cNvSpPr>
+            <a:spLocks noGrp="1"/>
+          </p:cNvSpPr>
+          <p:nvPr>
+            <p:ph idx="1"/>
+          </p:nvPr>
+        </p:nvSpPr>
+        <p:spPr/>
+        <p:txBody>
+          <a:bodyPr/>
+          <a:lstStyle/>
+          <a:p>
+            <a:endParaRPr lang="en-US"/>
+          </a:p>
+        </p:txBody>
+      </p:sp>
+      <p:sp>
+        <p:nvSpPr>
+          <p:cNvPr id="4" name="Footer Placeholder 3">
+            <a:extLst>
+              <a:ext uri="{FF2B5EF4-FFF2-40B4-BE49-F238E27FC236}">
+                <a16:creationId xmlns:a16="http://schemas.microsoft.com/office/drawing/2014/main" id="{903ABC76-317B-4A6C-BD62-A421DC75C7CE}"/>
+              </a:ext>
+            </a:extLst>
+          </p:cNvPr>
+          <p:cNvSpPr>
+            <a:spLocks noGrp="1"/>
+          </p:cNvSpPr>
+          <p:nvPr>
+            <p:ph type="ftr" sz="quarter" idx="11"/>
+          </p:nvPr>
+        </p:nvSpPr>
+        <p:spPr/>
+        <p:txBody>
+          <a:bodyPr/>
+          <a:lstStyle/>
+          <a:p>
+            <a:r>
+              <a:rPr lang="en-US"/>
+              <a:t>CERF 2019 | The Next Step with R | Cressman and Dunnigan</a:t>
+            </a:r>
+          </a:p>
+        </p:txBody>
+      </p:sp>
+      <p:sp>
+        <p:nvSpPr>
+          <p:cNvPr id="5" name="Slide Number Placeholder 4">
+            <a:extLst>
+              <a:ext uri="{FF2B5EF4-FFF2-40B4-BE49-F238E27FC236}">
+                <a16:creationId xmlns:a16="http://schemas.microsoft.com/office/drawing/2014/main" id="{7CF24284-6E6B-41D2-A570-F79123049F43}"/>
+              </a:ext>
+            </a:extLst>
+          </p:cNvPr>
+          <p:cNvSpPr>
+            <a:spLocks noGrp="1"/>
+          </p:cNvSpPr>
+          <p:nvPr>
+            <p:ph type="sldNum" sz="quarter" idx="12"/>
+          </p:nvPr>
+        </p:nvSpPr>
+        <p:spPr/>
+        <p:txBody>
+          <a:bodyPr/>
+          <a:lstStyle/>
+          <a:p>
+            <a:fld id="{1D07C8D9-AA71-438D-86BE-7B86F7F29DC7}" type="slidenum">
+              <a:rPr lang="en-US" smtClean="0"/>
+              <a:t>41</a:t>
+            </a:fld>
+            <a:endParaRPr lang="en-US"/>
+          </a:p>
+        </p:txBody>
+      </p:sp>
+    </p:spTree>
+    <p:extLst>
+      <p:ext uri="{BB962C8B-B14F-4D97-AF65-F5344CB8AC3E}">
+        <p14:creationId xmlns:p14="http://schemas.microsoft.com/office/powerpoint/2010/main" val="355091770"/>
+      </p:ext>
+    </p:extLst>
+  </p:cSld>
+  <p:clrMapOvr>
+    <a:masterClrMapping/>
+  </p:clrMapOvr>
+</p:sld>
+</file>
+
+<file path=ppt/slides/slide42.xml><?xml version="1.0" encoding="utf-8"?>
+<p:sld xmlns:a="http://schemas.openxmlformats.org/drawingml/2006/main" xmlns:r="http://schemas.openxmlformats.org/officeDocument/2006/relationships" xmlns:p="http://schemas.openxmlformats.org/presentationml/2006/main">
+  <p:cSld>
+    <p:spTree>
+      <p:nvGrpSpPr>
+        <p:cNvPr id="1" name=""/>
+        <p:cNvGrpSpPr/>
+        <p:nvPr/>
+      </p:nvGrpSpPr>
+      <p:grpSpPr>
+        <a:xfrm>
+          <a:off x="0" y="0"/>
+          <a:ext cx="0" cy="0"/>
+          <a:chOff x="0" y="0"/>
+          <a:chExt cx="0" cy="0"/>
+        </a:xfrm>
+      </p:grpSpPr>
+      <p:sp>
+        <p:nvSpPr>
+          <p:cNvPr id="2" name="Title 1">
+            <a:extLst>
+              <a:ext uri="{FF2B5EF4-FFF2-40B4-BE49-F238E27FC236}">
+                <a16:creationId xmlns:a16="http://schemas.microsoft.com/office/drawing/2014/main" id="{59D83E7B-E7F9-4AC6-85EF-87B3AEB82AD4}"/>
+              </a:ext>
+            </a:extLst>
+          </p:cNvPr>
+          <p:cNvSpPr>
+            <a:spLocks noGrp="1"/>
+          </p:cNvSpPr>
+          <p:nvPr>
+            <p:ph type="title"/>
+          </p:nvPr>
+        </p:nvSpPr>
+        <p:spPr/>
+        <p:txBody>
+          <a:bodyPr/>
+          <a:lstStyle/>
+          <a:p>
+            <a:r>
+              <a:rPr lang="en-US" dirty="0"/>
+              <a:t>Themes</a:t>
+            </a:r>
+          </a:p>
+        </p:txBody>
+      </p:sp>
+      <p:sp>
+        <p:nvSpPr>
+          <p:cNvPr id="3" name="Content Placeholder 2">
+            <a:extLst>
+              <a:ext uri="{FF2B5EF4-FFF2-40B4-BE49-F238E27FC236}">
+                <a16:creationId xmlns:a16="http://schemas.microsoft.com/office/drawing/2014/main" id="{0BEE4907-7CFA-46C2-8878-4E0394B74551}"/>
+              </a:ext>
+            </a:extLst>
+          </p:cNvPr>
+          <p:cNvSpPr>
+            <a:spLocks noGrp="1"/>
+          </p:cNvSpPr>
+          <p:nvPr>
+            <p:ph idx="1"/>
+          </p:nvPr>
+        </p:nvSpPr>
+        <p:spPr/>
+        <p:txBody>
+          <a:bodyPr/>
+          <a:lstStyle/>
+          <a:p>
+            <a:endParaRPr lang="en-US"/>
+          </a:p>
+        </p:txBody>
+      </p:sp>
+      <p:sp>
+        <p:nvSpPr>
+          <p:cNvPr id="4" name="Footer Placeholder 3">
+            <a:extLst>
+              <a:ext uri="{FF2B5EF4-FFF2-40B4-BE49-F238E27FC236}">
+                <a16:creationId xmlns:a16="http://schemas.microsoft.com/office/drawing/2014/main" id="{8C3DA63A-8AEC-4AF8-B52F-88A1CC58BD87}"/>
+              </a:ext>
+            </a:extLst>
+          </p:cNvPr>
+          <p:cNvSpPr>
+            <a:spLocks noGrp="1"/>
+          </p:cNvSpPr>
+          <p:nvPr>
+            <p:ph type="ftr" sz="quarter" idx="11"/>
+          </p:nvPr>
+        </p:nvSpPr>
+        <p:spPr/>
+        <p:txBody>
+          <a:bodyPr/>
+          <a:lstStyle/>
+          <a:p>
+            <a:r>
+              <a:rPr lang="en-US"/>
+              <a:t>CERF 2019 | The Next Step with R | Cressman and Dunnigan</a:t>
+            </a:r>
+          </a:p>
+        </p:txBody>
+      </p:sp>
+      <p:sp>
+        <p:nvSpPr>
+          <p:cNvPr id="5" name="Slide Number Placeholder 4">
+            <a:extLst>
+              <a:ext uri="{FF2B5EF4-FFF2-40B4-BE49-F238E27FC236}">
+                <a16:creationId xmlns:a16="http://schemas.microsoft.com/office/drawing/2014/main" id="{EA013E84-027E-4093-8C9B-5CFCAE398338}"/>
+              </a:ext>
+            </a:extLst>
+          </p:cNvPr>
+          <p:cNvSpPr>
+            <a:spLocks noGrp="1"/>
+          </p:cNvSpPr>
+          <p:nvPr>
+            <p:ph type="sldNum" sz="quarter" idx="12"/>
+          </p:nvPr>
+        </p:nvSpPr>
+        <p:spPr/>
+        <p:txBody>
+          <a:bodyPr/>
+          <a:lstStyle/>
+          <a:p>
+            <a:fld id="{1D07C8D9-AA71-438D-86BE-7B86F7F29DC7}" type="slidenum">
+              <a:rPr lang="en-US" smtClean="0"/>
+              <a:t>42</a:t>
+            </a:fld>
+            <a:endParaRPr lang="en-US"/>
+          </a:p>
+        </p:txBody>
+      </p:sp>
+    </p:spTree>
+    <p:extLst>
+      <p:ext uri="{BB962C8B-B14F-4D97-AF65-F5344CB8AC3E}">
+        <p14:creationId xmlns:p14="http://schemas.microsoft.com/office/powerpoint/2010/main" val="2762280106"/>
+      </p:ext>
+    </p:extLst>
+  </p:cSld>
+  <p:clrMapOvr>
+    <a:masterClrMapping/>
+  </p:clrMapOvr>
+</p:sld>
+</file>
+
+<file path=ppt/slides/slide43.xml><?xml version="1.0" encoding="utf-8"?>
+<p:sld xmlns:a="http://schemas.openxmlformats.org/drawingml/2006/main" xmlns:r="http://schemas.openxmlformats.org/officeDocument/2006/relationships" xmlns:p="http://schemas.openxmlformats.org/presentationml/2006/main">
+  <p:cSld>
+    <p:spTree>
+      <p:nvGrpSpPr>
+        <p:cNvPr id="1" name=""/>
+        <p:cNvGrpSpPr/>
+        <p:nvPr/>
+      </p:nvGrpSpPr>
+      <p:grpSpPr>
+        <a:xfrm>
+          <a:off x="0" y="0"/>
+          <a:ext cx="0" cy="0"/>
+          <a:chOff x="0" y="0"/>
+          <a:chExt cx="0" cy="0"/>
+        </a:xfrm>
+      </p:grpSpPr>
+      <p:sp>
+        <p:nvSpPr>
+          <p:cNvPr id="2" name="Title 1">
+            <a:extLst>
+              <a:ext uri="{FF2B5EF4-FFF2-40B4-BE49-F238E27FC236}">
+                <a16:creationId xmlns:a16="http://schemas.microsoft.com/office/drawing/2014/main" id="{C5801FA0-2E97-462B-B313-2DD18EA6A5DE}"/>
+              </a:ext>
+            </a:extLst>
+          </p:cNvPr>
+          <p:cNvSpPr>
+            <a:spLocks noGrp="1"/>
+          </p:cNvSpPr>
+          <p:nvPr>
+            <p:ph type="title"/>
+          </p:nvPr>
+        </p:nvSpPr>
+        <p:spPr/>
+        <p:txBody>
+          <a:bodyPr/>
+          <a:lstStyle/>
+          <a:p>
+            <a:r>
+              <a:rPr lang="en-US" dirty="0"/>
+              <a:t>Save your graph!</a:t>
+            </a:r>
+          </a:p>
+        </p:txBody>
+      </p:sp>
+      <p:sp>
+        <p:nvSpPr>
+          <p:cNvPr id="3" name="Content Placeholder 2">
+            <a:extLst>
+              <a:ext uri="{FF2B5EF4-FFF2-40B4-BE49-F238E27FC236}">
+                <a16:creationId xmlns:a16="http://schemas.microsoft.com/office/drawing/2014/main" id="{803C2030-867C-41C8-B3DD-C9606AABEA29}"/>
+              </a:ext>
+            </a:extLst>
+          </p:cNvPr>
+          <p:cNvSpPr>
+            <a:spLocks noGrp="1"/>
+          </p:cNvSpPr>
+          <p:nvPr>
+            <p:ph idx="1"/>
+          </p:nvPr>
+        </p:nvSpPr>
+        <p:spPr/>
+        <p:txBody>
+          <a:bodyPr/>
+          <a:lstStyle/>
+          <a:p>
+            <a:endParaRPr lang="en-US"/>
+          </a:p>
+        </p:txBody>
+      </p:sp>
+      <p:sp>
+        <p:nvSpPr>
+          <p:cNvPr id="4" name="Footer Placeholder 3">
+            <a:extLst>
+              <a:ext uri="{FF2B5EF4-FFF2-40B4-BE49-F238E27FC236}">
+                <a16:creationId xmlns:a16="http://schemas.microsoft.com/office/drawing/2014/main" id="{6F28CEC8-D19F-4F3E-A4AC-F5ED5FDD691E}"/>
+              </a:ext>
+            </a:extLst>
+          </p:cNvPr>
+          <p:cNvSpPr>
+            <a:spLocks noGrp="1"/>
+          </p:cNvSpPr>
+          <p:nvPr>
+            <p:ph type="ftr" sz="quarter" idx="11"/>
+          </p:nvPr>
+        </p:nvSpPr>
+        <p:spPr/>
+        <p:txBody>
+          <a:bodyPr/>
+          <a:lstStyle/>
+          <a:p>
+            <a:r>
+              <a:rPr lang="en-US"/>
+              <a:t>CERF 2019 | The Next Step with R | Cressman and Dunnigan</a:t>
+            </a:r>
+          </a:p>
+        </p:txBody>
+      </p:sp>
+      <p:sp>
+        <p:nvSpPr>
+          <p:cNvPr id="5" name="Slide Number Placeholder 4">
+            <a:extLst>
+              <a:ext uri="{FF2B5EF4-FFF2-40B4-BE49-F238E27FC236}">
+                <a16:creationId xmlns:a16="http://schemas.microsoft.com/office/drawing/2014/main" id="{47210A63-A3AB-4756-85B5-335C879C58D7}"/>
+              </a:ext>
+            </a:extLst>
+          </p:cNvPr>
+          <p:cNvSpPr>
+            <a:spLocks noGrp="1"/>
+          </p:cNvSpPr>
+          <p:nvPr>
+            <p:ph type="sldNum" sz="quarter" idx="12"/>
+          </p:nvPr>
+        </p:nvSpPr>
+        <p:spPr/>
+        <p:txBody>
+          <a:bodyPr/>
+          <a:lstStyle/>
+          <a:p>
+            <a:fld id="{1D07C8D9-AA71-438D-86BE-7B86F7F29DC7}" type="slidenum">
+              <a:rPr lang="en-US" smtClean="0"/>
+              <a:t>43</a:t>
+            </a:fld>
+            <a:endParaRPr lang="en-US"/>
+          </a:p>
+        </p:txBody>
+      </p:sp>
+    </p:spTree>
+    <p:extLst>
+      <p:ext uri="{BB962C8B-B14F-4D97-AF65-F5344CB8AC3E}">
+        <p14:creationId xmlns:p14="http://schemas.microsoft.com/office/powerpoint/2010/main" val="3306763690"/>
       </p:ext>
     </p:extLst>
   </p:cSld>

--- a/slides/01_Visualize.pptx
+++ b/slides/01_Visualize.pptx
@@ -5,7 +5,7 @@
     <p:sldMasterId id="2147483648" r:id="rId1"/>
   </p:sldMasterIdLst>
   <p:notesMasterIdLst>
-    <p:notesMasterId r:id="rId45"/>
+    <p:notesMasterId r:id="rId63"/>
   </p:notesMasterIdLst>
   <p:sldIdLst>
     <p:sldId id="256" r:id="rId2"/>
@@ -39,18 +39,36 @@
     <p:sldId id="286" r:id="rId30"/>
     <p:sldId id="288" r:id="rId31"/>
     <p:sldId id="287" r:id="rId32"/>
-    <p:sldId id="289" r:id="rId33"/>
-    <p:sldId id="290" r:id="rId34"/>
-    <p:sldId id="296" r:id="rId35"/>
-    <p:sldId id="291" r:id="rId36"/>
-    <p:sldId id="295" r:id="rId37"/>
-    <p:sldId id="294" r:id="rId38"/>
-    <p:sldId id="293" r:id="rId39"/>
-    <p:sldId id="297" r:id="rId40"/>
-    <p:sldId id="298" r:id="rId41"/>
-    <p:sldId id="299" r:id="rId42"/>
-    <p:sldId id="300" r:id="rId43"/>
-    <p:sldId id="301" r:id="rId44"/>
+    <p:sldId id="308" r:id="rId33"/>
+    <p:sldId id="309" r:id="rId34"/>
+    <p:sldId id="310" r:id="rId35"/>
+    <p:sldId id="311" r:id="rId36"/>
+    <p:sldId id="313" r:id="rId37"/>
+    <p:sldId id="314" r:id="rId38"/>
+    <p:sldId id="312" r:id="rId39"/>
+    <p:sldId id="315" r:id="rId40"/>
+    <p:sldId id="316" r:id="rId41"/>
+    <p:sldId id="317" r:id="rId42"/>
+    <p:sldId id="318" r:id="rId43"/>
+    <p:sldId id="319" r:id="rId44"/>
+    <p:sldId id="289" r:id="rId45"/>
+    <p:sldId id="290" r:id="rId46"/>
+    <p:sldId id="296" r:id="rId47"/>
+    <p:sldId id="291" r:id="rId48"/>
+    <p:sldId id="295" r:id="rId49"/>
+    <p:sldId id="294" r:id="rId50"/>
+    <p:sldId id="320" r:id="rId51"/>
+    <p:sldId id="293" r:id="rId52"/>
+    <p:sldId id="297" r:id="rId53"/>
+    <p:sldId id="298" r:id="rId54"/>
+    <p:sldId id="302" r:id="rId55"/>
+    <p:sldId id="303" r:id="rId56"/>
+    <p:sldId id="299" r:id="rId57"/>
+    <p:sldId id="304" r:id="rId58"/>
+    <p:sldId id="300" r:id="rId59"/>
+    <p:sldId id="306" r:id="rId60"/>
+    <p:sldId id="307" r:id="rId61"/>
+    <p:sldId id="301" r:id="rId62"/>
   </p:sldIdLst>
   <p:sldSz cx="12192000" cy="6858000"/>
   <p:notesSz cx="9144000" cy="6858000"/>
@@ -251,7 +269,7 @@
           <a:p>
             <a:fld id="{FDC4B335-33D5-4EA8-A5E8-130D36D513BC}" type="datetimeFigureOut">
               <a:rPr lang="en-US" smtClean="0"/>
-              <a:t>10/23/2019</a:t>
+              <a:t>10/24/2019</a:t>
             </a:fld>
             <a:endParaRPr lang="en-US"/>
           </a:p>
@@ -1019,6 +1037,93 @@
 </p:notes>
 </file>
 
+<file path=ppt/notesSlides/notesSlide5.xml><?xml version="1.0" encoding="utf-8"?>
+<p:notes xmlns:a="http://schemas.openxmlformats.org/drawingml/2006/main" xmlns:r="http://schemas.openxmlformats.org/officeDocument/2006/relationships" xmlns:p="http://schemas.openxmlformats.org/presentationml/2006/main">
+  <p:cSld>
+    <p:spTree>
+      <p:nvGrpSpPr>
+        <p:cNvPr id="1" name=""/>
+        <p:cNvGrpSpPr/>
+        <p:nvPr/>
+      </p:nvGrpSpPr>
+      <p:grpSpPr>
+        <a:xfrm>
+          <a:off x="0" y="0"/>
+          <a:ext cx="0" cy="0"/>
+          <a:chOff x="0" y="0"/>
+          <a:chExt cx="0" cy="0"/>
+        </a:xfrm>
+      </p:grpSpPr>
+      <p:sp>
+        <p:nvSpPr>
+          <p:cNvPr id="2" name="Slide Image Placeholder 1"/>
+          <p:cNvSpPr>
+            <a:spLocks noGrp="1" noRot="1" noChangeAspect="1"/>
+          </p:cNvSpPr>
+          <p:nvPr>
+            <p:ph type="sldImg"/>
+          </p:nvPr>
+        </p:nvSpPr>
+        <p:spPr/>
+      </p:sp>
+      <p:sp>
+        <p:nvSpPr>
+          <p:cNvPr id="3" name="Notes Placeholder 2"/>
+          <p:cNvSpPr>
+            <a:spLocks noGrp="1"/>
+          </p:cNvSpPr>
+          <p:nvPr>
+            <p:ph type="body" idx="1"/>
+          </p:nvPr>
+        </p:nvSpPr>
+        <p:spPr/>
+        <p:txBody>
+          <a:bodyPr/>
+          <a:lstStyle/>
+          <a:p>
+            <a:r>
+              <a:rPr lang="en-US" dirty="0"/>
+              <a:t>How overlapping objects are arranged</a:t>
+            </a:r>
+          </a:p>
+        </p:txBody>
+      </p:sp>
+      <p:sp>
+        <p:nvSpPr>
+          <p:cNvPr id="4" name="Slide Number Placeholder 3"/>
+          <p:cNvSpPr>
+            <a:spLocks noGrp="1"/>
+          </p:cNvSpPr>
+          <p:nvPr>
+            <p:ph type="sldNum" sz="quarter" idx="5"/>
+          </p:nvPr>
+        </p:nvSpPr>
+        <p:spPr/>
+        <p:txBody>
+          <a:bodyPr/>
+          <a:lstStyle/>
+          <a:p>
+            <a:fld id="{A78BD796-15B3-455D-897E-2AB664146321}" type="slidenum">
+              <a:rPr lang="en-US" smtClean="0"/>
+              <a:t>41</a:t>
+            </a:fld>
+            <a:endParaRPr lang="en-US"/>
+          </a:p>
+        </p:txBody>
+      </p:sp>
+    </p:spTree>
+    <p:extLst>
+      <p:ext uri="{BB962C8B-B14F-4D97-AF65-F5344CB8AC3E}">
+        <p14:creationId xmlns:p14="http://schemas.microsoft.com/office/powerpoint/2010/main" val="2220545208"/>
+      </p:ext>
+    </p:extLst>
+  </p:cSld>
+  <p:clrMapOvr>
+    <a:masterClrMapping/>
+  </p:clrMapOvr>
+</p:notes>
+</file>
+
 <file path=ppt/slideLayouts/slideLayout1.xml><?xml version="1.0" encoding="utf-8"?>
 <p:sldLayout xmlns:a="http://schemas.openxmlformats.org/drawingml/2006/main" xmlns:r="http://schemas.openxmlformats.org/officeDocument/2006/relationships" xmlns:p="http://schemas.openxmlformats.org/presentationml/2006/main" type="title" preserve="1">
   <p:cSld name="Title Slide">
@@ -1166,7 +1271,7 @@
           <a:p>
             <a:fld id="{0FF0CA17-7278-4700-B5CE-AAA297DB0216}" type="datetime1">
               <a:rPr lang="en-US" smtClean="0"/>
-              <a:t>10/23/2019</a:t>
+              <a:t>10/24/2019</a:t>
             </a:fld>
             <a:endParaRPr lang="en-US"/>
           </a:p>
@@ -1367,7 +1472,7 @@
           <a:p>
             <a:fld id="{B2D433B3-BCFF-4536-8BFC-DB6CE82D3861}" type="datetime1">
               <a:rPr lang="en-US" smtClean="0"/>
-              <a:t>10/23/2019</a:t>
+              <a:t>10/24/2019</a:t>
             </a:fld>
             <a:endParaRPr lang="en-US"/>
           </a:p>
@@ -1578,7 +1683,7 @@
           <a:p>
             <a:fld id="{8CBA58B8-4C0F-4A2E-93DA-1FCC4CD183B7}" type="datetime1">
               <a:rPr lang="en-US" smtClean="0"/>
-              <a:t>10/23/2019</a:t>
+              <a:t>10/24/2019</a:t>
             </a:fld>
             <a:endParaRPr lang="en-US"/>
           </a:p>
@@ -1779,7 +1884,7 @@
           <a:p>
             <a:fld id="{795CD272-CC15-42B1-AF94-9465F36A1690}" type="datetime1">
               <a:rPr lang="en-US" smtClean="0"/>
-              <a:t>10/23/2019</a:t>
+              <a:t>10/24/2019</a:t>
             </a:fld>
             <a:endParaRPr lang="en-US"/>
           </a:p>
@@ -2057,7 +2162,7 @@
           <a:p>
             <a:fld id="{1C3236FD-8D2C-4B3F-A29E-CB63FDCD539A}" type="datetime1">
               <a:rPr lang="en-US" smtClean="0"/>
-              <a:t>10/23/2019</a:t>
+              <a:t>10/24/2019</a:t>
             </a:fld>
             <a:endParaRPr lang="en-US"/>
           </a:p>
@@ -2325,7 +2430,7 @@
           <a:p>
             <a:fld id="{60B5AC96-BA3E-42B8-9DD5-510E2E2AA307}" type="datetime1">
               <a:rPr lang="en-US" smtClean="0"/>
-              <a:t>10/23/2019</a:t>
+              <a:t>10/24/2019</a:t>
             </a:fld>
             <a:endParaRPr lang="en-US"/>
           </a:p>
@@ -2740,7 +2845,7 @@
           <a:p>
             <a:fld id="{D6636501-AA38-48C6-9AA1-A23E2137491A}" type="datetime1">
               <a:rPr lang="en-US" smtClean="0"/>
-              <a:t>10/23/2019</a:t>
+              <a:t>10/24/2019</a:t>
             </a:fld>
             <a:endParaRPr lang="en-US"/>
           </a:p>
@@ -2884,7 +2989,7 @@
           <a:p>
             <a:fld id="{B53EF110-E9E5-4B7B-A347-686E5BEDA428}" type="datetime1">
               <a:rPr lang="en-US" smtClean="0"/>
-              <a:t>10/23/2019</a:t>
+              <a:t>10/24/2019</a:t>
             </a:fld>
             <a:endParaRPr lang="en-US"/>
           </a:p>
@@ -3000,7 +3105,7 @@
           <a:p>
             <a:fld id="{136C1A73-E73D-44FC-BAE9-A9E28A0B8651}" type="datetime1">
               <a:rPr lang="en-US" smtClean="0"/>
-              <a:t>10/23/2019</a:t>
+              <a:t>10/24/2019</a:t>
             </a:fld>
             <a:endParaRPr lang="en-US"/>
           </a:p>
@@ -3314,7 +3419,7 @@
           <a:p>
             <a:fld id="{9451293F-CAF3-42F8-A522-1C7F378C5BF2}" type="datetime1">
               <a:rPr lang="en-US" smtClean="0"/>
-              <a:t>10/23/2019</a:t>
+              <a:t>10/24/2019</a:t>
             </a:fld>
             <a:endParaRPr lang="en-US"/>
           </a:p>
@@ -3605,7 +3710,7 @@
           <a:p>
             <a:fld id="{EC129065-4C79-4A8C-8F75-FC9BC7A4F7AC}" type="datetime1">
               <a:rPr lang="en-US" smtClean="0"/>
-              <a:t>10/23/2019</a:t>
+              <a:t>10/24/2019</a:t>
             </a:fld>
             <a:endParaRPr lang="en-US"/>
           </a:p>
@@ -3849,7 +3954,7 @@
           <a:p>
             <a:fld id="{3CB72F7B-421E-4633-8B82-31AB232FE78C}" type="datetime1">
               <a:rPr lang="en-US" smtClean="0"/>
-              <a:t>10/23/2019</a:t>
+              <a:t>10/24/2019</a:t>
             </a:fld>
             <a:endParaRPr lang="en-US"/>
           </a:p>
@@ -4838,6 +4943,7 @@
           <a:bodyPr/>
           <a:lstStyle/>
           <a:p>
+            <a:pPr algn="ctr"/>
             <a:r>
               <a:rPr lang="en-US" dirty="0"/>
               <a:t>So, what are mappings?</a:t>
@@ -8604,6 +8710,7 @@
           <a:bodyPr/>
           <a:lstStyle/>
           <a:p>
+            <a:pPr algn="ctr"/>
             <a:r>
               <a:rPr lang="en-US" dirty="0"/>
               <a:t>What if I don’t want to add additional variables as aesthetics? </a:t>
@@ -9269,6 +9376,7 @@
           <a:bodyPr/>
           <a:lstStyle/>
           <a:p>
+            <a:pPr algn="ctr"/>
             <a:r>
               <a:rPr lang="en-US" dirty="0"/>
               <a:t>What if I don’t want to add additional variables as aesthetics? </a:t>
@@ -9554,8 +9662,8 @@
         </p:nvSpPr>
         <p:spPr>
           <a:xfrm>
-            <a:off x="388883" y="1400175"/>
-            <a:ext cx="11445765" cy="4776788"/>
+            <a:off x="373117" y="4933068"/>
+            <a:ext cx="11445765" cy="1559807"/>
           </a:xfrm>
         </p:spPr>
         <p:txBody>
@@ -9841,7 +9949,7 @@
         </p:blipFill>
         <p:spPr bwMode="auto">
           <a:xfrm>
-            <a:off x="2942482" y="2859194"/>
+            <a:off x="3168260" y="1435912"/>
             <a:ext cx="5668118" cy="3497156"/>
           </a:xfrm>
           <a:prstGeom prst="rect">
@@ -9993,12 +10101,14 @@
         </p:nvSpPr>
         <p:spPr>
           <a:xfrm>
-            <a:off x="388883" y="1400175"/>
-            <a:ext cx="11445765" cy="4776788"/>
+            <a:off x="373117" y="5058127"/>
+            <a:ext cx="11445765" cy="1480785"/>
           </a:xfrm>
         </p:spPr>
         <p:txBody>
-          <a:bodyPr/>
+          <a:bodyPr>
+            <a:normAutofit lnSpcReduction="10000"/>
+          </a:bodyPr>
           <a:lstStyle/>
           <a:p>
             <a:pPr marL="0" indent="0">
@@ -10241,7 +10351,7 @@
         </p:blipFill>
         <p:spPr bwMode="auto">
           <a:xfrm>
-            <a:off x="3382617" y="3054350"/>
+            <a:off x="3139965" y="1359870"/>
             <a:ext cx="5943600" cy="3667125"/>
           </a:xfrm>
           <a:prstGeom prst="rect">
@@ -10724,8 +10834,8 @@
           </a:xfrm>
           <a:prstGeom prst="wedgeRoundRectCallout">
             <a:avLst>
-              <a:gd name="adj1" fmla="val 66238"/>
-              <a:gd name="adj2" fmla="val -69731"/>
+              <a:gd name="adj1" fmla="val 63367"/>
+              <a:gd name="adj2" fmla="val -73334"/>
               <a:gd name="adj3" fmla="val 16667"/>
             </a:avLst>
           </a:prstGeom>
@@ -11714,34 +11824,6 @@
       </p:grpSpPr>
       <p:sp>
         <p:nvSpPr>
-          <p:cNvPr id="4" name="Footer Placeholder 3">
-            <a:extLst>
-              <a:ext uri="{FF2B5EF4-FFF2-40B4-BE49-F238E27FC236}">
-                <a16:creationId xmlns:a16="http://schemas.microsoft.com/office/drawing/2014/main" id="{613E6009-D145-4590-A7B3-45399B48F3B0}"/>
-              </a:ext>
-            </a:extLst>
-          </p:cNvPr>
-          <p:cNvSpPr>
-            <a:spLocks noGrp="1"/>
-          </p:cNvSpPr>
-          <p:nvPr>
-            <p:ph type="ftr" sz="quarter" idx="11"/>
-          </p:nvPr>
-        </p:nvSpPr>
-        <p:spPr/>
-        <p:txBody>
-          <a:bodyPr/>
-          <a:lstStyle/>
-          <a:p>
-            <a:r>
-              <a:rPr lang="en-US"/>
-              <a:t>CERF 2019 | The Next Step with R | Cressman and Dunnigan</a:t>
-            </a:r>
-          </a:p>
-        </p:txBody>
-      </p:sp>
-      <p:sp>
-        <p:nvSpPr>
           <p:cNvPr id="5" name="Slide Number Placeholder 4">
             <a:extLst>
               <a:ext uri="{FF2B5EF4-FFF2-40B4-BE49-F238E27FC236}">
@@ -11769,195 +11851,264 @@
           </a:p>
         </p:txBody>
       </p:sp>
-      <p:grpSp>
-        <p:nvGrpSpPr>
-          <p:cNvPr id="11" name="Group 10">
-            <a:extLst>
-              <a:ext uri="{FF2B5EF4-FFF2-40B4-BE49-F238E27FC236}">
-                <a16:creationId xmlns:a16="http://schemas.microsoft.com/office/drawing/2014/main" id="{BC440B32-38AA-40D3-9562-658CC11C0441}"/>
-              </a:ext>
-            </a:extLst>
-          </p:cNvPr>
-          <p:cNvGrpSpPr/>
+      <p:pic>
+        <p:nvPicPr>
+          <p:cNvPr id="6" name="Picture 5">
+            <a:extLst>
+              <a:ext uri="{FF2B5EF4-FFF2-40B4-BE49-F238E27FC236}">
+                <a16:creationId xmlns:a16="http://schemas.microsoft.com/office/drawing/2014/main" id="{54F7117B-F607-4BC1-960D-E3542047F215}"/>
+              </a:ext>
+            </a:extLst>
+          </p:cNvPr>
+          <p:cNvPicPr>
+            <a:picLocks noChangeAspect="1"/>
+          </p:cNvPicPr>
           <p:nvPr/>
-        </p:nvGrpSpPr>
-        <p:grpSpPr>
+        </p:nvPicPr>
+        <p:blipFill>
+          <a:blip r:embed="rId2"/>
+          <a:stretch>
+            <a:fillRect/>
+          </a:stretch>
+        </p:blipFill>
+        <p:spPr>
           <a:xfrm>
-            <a:off x="637445" y="204406"/>
-            <a:ext cx="10980158" cy="6151944"/>
-            <a:chOff x="637445" y="204406"/>
-            <a:chExt cx="10980158" cy="6151944"/>
+            <a:off x="476791" y="1183259"/>
+            <a:ext cx="4607794" cy="3554361"/>
           </a:xfrm>
-        </p:grpSpPr>
-        <p:pic>
-          <p:nvPicPr>
-            <p:cNvPr id="6" name="Picture 5">
-              <a:extLst>
-                <a:ext uri="{FF2B5EF4-FFF2-40B4-BE49-F238E27FC236}">
-                  <a16:creationId xmlns:a16="http://schemas.microsoft.com/office/drawing/2014/main" id="{54F7117B-F607-4BC1-960D-E3542047F215}"/>
-                </a:ext>
-              </a:extLst>
-            </p:cNvPr>
-            <p:cNvPicPr>
-              <a:picLocks noChangeAspect="1"/>
-            </p:cNvPicPr>
-            <p:nvPr/>
-          </p:nvPicPr>
-          <p:blipFill>
-            <a:blip r:embed="rId2"/>
-            <a:stretch>
-              <a:fillRect/>
-            </a:stretch>
-          </p:blipFill>
-          <p:spPr>
-            <a:xfrm>
-              <a:off x="637445" y="298450"/>
-              <a:ext cx="4607794" cy="3554361"/>
-            </a:xfrm>
-            <a:prstGeom prst="rect">
-              <a:avLst/>
-            </a:prstGeom>
-          </p:spPr>
-        </p:pic>
-        <p:pic>
-          <p:nvPicPr>
-            <p:cNvPr id="7" name="Picture 6">
-              <a:extLst>
-                <a:ext uri="{FF2B5EF4-FFF2-40B4-BE49-F238E27FC236}">
-                  <a16:creationId xmlns:a16="http://schemas.microsoft.com/office/drawing/2014/main" id="{25D20083-BDFF-4B08-9398-E7B0B64123CB}"/>
-                </a:ext>
-              </a:extLst>
-            </p:cNvPr>
-            <p:cNvPicPr>
-              <a:picLocks noChangeAspect="1"/>
-            </p:cNvPicPr>
-            <p:nvPr/>
-          </p:nvPicPr>
-          <p:blipFill rotWithShape="1">
-            <a:blip r:embed="rId2"/>
-            <a:srcRect l="25573" t="10295"/>
-            <a:stretch/>
-          </p:blipFill>
-          <p:spPr>
-            <a:xfrm>
-              <a:off x="5000624" y="204406"/>
-              <a:ext cx="6616979" cy="6151944"/>
-            </a:xfrm>
-            <a:prstGeom prst="rect">
-              <a:avLst/>
-            </a:prstGeom>
-          </p:spPr>
-        </p:pic>
-        <p:sp>
-          <p:nvSpPr>
-            <p:cNvPr id="9" name="Trapezoid 8">
-              <a:extLst>
-                <a:ext uri="{FF2B5EF4-FFF2-40B4-BE49-F238E27FC236}">
-                  <a16:creationId xmlns:a16="http://schemas.microsoft.com/office/drawing/2014/main" id="{0B15D1FD-44D7-48E5-A048-EA9BBA09175B}"/>
-                </a:ext>
-              </a:extLst>
-            </p:cNvPr>
-            <p:cNvSpPr/>
-            <p:nvPr/>
-          </p:nvSpPr>
-          <p:spPr>
-            <a:xfrm rot="16200000">
-              <a:off x="926118" y="1907191"/>
-              <a:ext cx="5872542" cy="2466972"/>
-            </a:xfrm>
-            <a:prstGeom prst="trapezoid">
-              <a:avLst/>
-            </a:prstGeom>
-            <a:solidFill>
-              <a:schemeClr val="accent5">
-                <a:lumMod val="50000"/>
-                <a:alpha val="50000"/>
-              </a:schemeClr>
-            </a:solidFill>
-            <a:ln>
-              <a:noFill/>
-            </a:ln>
-          </p:spPr>
-          <p:style>
-            <a:lnRef idx="2">
-              <a:schemeClr val="dk1">
-                <a:shade val="50000"/>
-              </a:schemeClr>
-            </a:lnRef>
-            <a:fillRef idx="1">
-              <a:schemeClr val="dk1"/>
-            </a:fillRef>
-            <a:effectRef idx="0">
-              <a:schemeClr val="dk1"/>
-            </a:effectRef>
-            <a:fontRef idx="minor">
-              <a:schemeClr val="lt1"/>
-            </a:fontRef>
-          </p:style>
-          <p:txBody>
-            <a:bodyPr rtlCol="0" anchor="ctr"/>
-            <a:lstStyle/>
-            <a:p>
-              <a:pPr algn="ctr"/>
-              <a:endParaRPr lang="en-US"/>
-            </a:p>
-          </p:txBody>
-        </p:sp>
-        <p:sp>
-          <p:nvSpPr>
-            <p:cNvPr id="10" name="Right Triangle 9">
-              <a:extLst>
-                <a:ext uri="{FF2B5EF4-FFF2-40B4-BE49-F238E27FC236}">
-                  <a16:creationId xmlns:a16="http://schemas.microsoft.com/office/drawing/2014/main" id="{1D57D9CC-64D3-4C78-8A24-311470D57DD8}"/>
-                </a:ext>
-              </a:extLst>
-            </p:cNvPr>
-            <p:cNvSpPr/>
-            <p:nvPr/>
-          </p:nvSpPr>
-          <p:spPr>
-            <a:xfrm>
-              <a:off x="2609849" y="3752851"/>
-              <a:ext cx="2486025" cy="2343150"/>
-            </a:xfrm>
-            <a:prstGeom prst="rtTriangle">
-              <a:avLst/>
-            </a:prstGeom>
-            <a:solidFill>
-              <a:schemeClr val="bg1"/>
-            </a:solidFill>
-            <a:ln>
-              <a:solidFill>
-                <a:schemeClr val="bg1"/>
-              </a:solidFill>
-            </a:ln>
-          </p:spPr>
-          <p:style>
-            <a:lnRef idx="2">
-              <a:schemeClr val="accent1">
-                <a:shade val="50000"/>
-              </a:schemeClr>
-            </a:lnRef>
-            <a:fillRef idx="1">
-              <a:schemeClr val="accent1"/>
-            </a:fillRef>
-            <a:effectRef idx="0">
-              <a:schemeClr val="accent1"/>
-            </a:effectRef>
-            <a:fontRef idx="minor">
-              <a:schemeClr val="lt1"/>
-            </a:fontRef>
-          </p:style>
-          <p:txBody>
-            <a:bodyPr rtlCol="0" anchor="ctr"/>
-            <a:lstStyle/>
-            <a:p>
-              <a:pPr algn="ctr"/>
-              <a:endParaRPr lang="en-US"/>
-            </a:p>
-          </p:txBody>
-        </p:sp>
-      </p:grpSp>
+          <a:prstGeom prst="rect">
+            <a:avLst/>
+          </a:prstGeom>
+        </p:spPr>
+      </p:pic>
+      <p:sp>
+        <p:nvSpPr>
+          <p:cNvPr id="2" name="Rectangle 1">
+            <a:extLst>
+              <a:ext uri="{FF2B5EF4-FFF2-40B4-BE49-F238E27FC236}">
+                <a16:creationId xmlns:a16="http://schemas.microsoft.com/office/drawing/2014/main" id="{7E8B5F53-93A4-43D7-A28C-39B361C3EAC8}"/>
+              </a:ext>
+            </a:extLst>
+          </p:cNvPr>
+          <p:cNvSpPr/>
+          <p:nvPr/>
+        </p:nvSpPr>
+        <p:spPr>
+          <a:xfrm>
+            <a:off x="1682044" y="1569156"/>
+            <a:ext cx="3402541" cy="3168464"/>
+          </a:xfrm>
+          <a:prstGeom prst="rect">
+            <a:avLst/>
+          </a:prstGeom>
+          <a:solidFill>
+            <a:schemeClr val="accent5">
+              <a:lumMod val="50000"/>
+              <a:alpha val="30000"/>
+            </a:schemeClr>
+          </a:solidFill>
+          <a:ln>
+            <a:noFill/>
+          </a:ln>
+        </p:spPr>
+        <p:style>
+          <a:lnRef idx="2">
+            <a:schemeClr val="dk1">
+              <a:shade val="50000"/>
+            </a:schemeClr>
+          </a:lnRef>
+          <a:fillRef idx="1">
+            <a:schemeClr val="dk1"/>
+          </a:fillRef>
+          <a:effectRef idx="0">
+            <a:schemeClr val="dk1"/>
+          </a:effectRef>
+          <a:fontRef idx="minor">
+            <a:schemeClr val="lt1"/>
+          </a:fontRef>
+        </p:style>
+        <p:txBody>
+          <a:bodyPr rtlCol="0" anchor="ctr"/>
+          <a:lstStyle/>
+          <a:p>
+            <a:pPr algn="ctr"/>
+            <a:endParaRPr lang="en-US"/>
+          </a:p>
+        </p:txBody>
+      </p:sp>
+      <p:sp>
+        <p:nvSpPr>
+          <p:cNvPr id="9" name="Trapezoid 8">
+            <a:extLst>
+              <a:ext uri="{FF2B5EF4-FFF2-40B4-BE49-F238E27FC236}">
+                <a16:creationId xmlns:a16="http://schemas.microsoft.com/office/drawing/2014/main" id="{0B15D1FD-44D7-48E5-A048-EA9BBA09175B}"/>
+              </a:ext>
+            </a:extLst>
+          </p:cNvPr>
+          <p:cNvSpPr/>
+          <p:nvPr/>
+        </p:nvSpPr>
+        <p:spPr>
+          <a:xfrm rot="16200000">
+            <a:off x="545451" y="1813471"/>
+            <a:ext cx="5893255" cy="3620067"/>
+          </a:xfrm>
+          <a:custGeom>
+            <a:avLst/>
+            <a:gdLst>
+              <a:gd name="connsiteX0" fmla="*/ 0 w 5893255"/>
+              <a:gd name="connsiteY0" fmla="*/ 3620067 h 3620067"/>
+              <a:gd name="connsiteX1" fmla="*/ 905017 w 5893255"/>
+              <a:gd name="connsiteY1" fmla="*/ 0 h 3620067"/>
+              <a:gd name="connsiteX2" fmla="*/ 4988238 w 5893255"/>
+              <a:gd name="connsiteY2" fmla="*/ 0 h 3620067"/>
+              <a:gd name="connsiteX3" fmla="*/ 5893255 w 5893255"/>
+              <a:gd name="connsiteY3" fmla="*/ 3620067 h 3620067"/>
+              <a:gd name="connsiteX4" fmla="*/ 0 w 5893255"/>
+              <a:gd name="connsiteY4" fmla="*/ 3620067 h 3620067"/>
+              <a:gd name="connsiteX0" fmla="*/ 0 w 5893255"/>
+              <a:gd name="connsiteY0" fmla="*/ 3620067 h 3620067"/>
+              <a:gd name="connsiteX1" fmla="*/ 1841994 w 5893255"/>
+              <a:gd name="connsiteY1" fmla="*/ 22578 h 3620067"/>
+              <a:gd name="connsiteX2" fmla="*/ 4988238 w 5893255"/>
+              <a:gd name="connsiteY2" fmla="*/ 0 h 3620067"/>
+              <a:gd name="connsiteX3" fmla="*/ 5893255 w 5893255"/>
+              <a:gd name="connsiteY3" fmla="*/ 3620067 h 3620067"/>
+              <a:gd name="connsiteX4" fmla="*/ 0 w 5893255"/>
+              <a:gd name="connsiteY4" fmla="*/ 3620067 h 3620067"/>
+            </a:gdLst>
+            <a:ahLst/>
+            <a:cxnLst>
+              <a:cxn ang="0">
+                <a:pos x="connsiteX0" y="connsiteY0"/>
+              </a:cxn>
+              <a:cxn ang="0">
+                <a:pos x="connsiteX1" y="connsiteY1"/>
+              </a:cxn>
+              <a:cxn ang="0">
+                <a:pos x="connsiteX2" y="connsiteY2"/>
+              </a:cxn>
+              <a:cxn ang="0">
+                <a:pos x="connsiteX3" y="connsiteY3"/>
+              </a:cxn>
+              <a:cxn ang="0">
+                <a:pos x="connsiteX4" y="connsiteY4"/>
+              </a:cxn>
+            </a:cxnLst>
+            <a:rect l="l" t="t" r="r" b="b"/>
+            <a:pathLst>
+              <a:path w="5893255" h="3620067">
+                <a:moveTo>
+                  <a:pt x="0" y="3620067"/>
+                </a:moveTo>
+                <a:lnTo>
+                  <a:pt x="1841994" y="22578"/>
+                </a:lnTo>
+                <a:lnTo>
+                  <a:pt x="4988238" y="0"/>
+                </a:lnTo>
+                <a:lnTo>
+                  <a:pt x="5893255" y="3620067"/>
+                </a:lnTo>
+                <a:lnTo>
+                  <a:pt x="0" y="3620067"/>
+                </a:lnTo>
+                <a:close/>
+              </a:path>
+            </a:pathLst>
+          </a:custGeom>
+          <a:solidFill>
+            <a:schemeClr val="accent5">
+              <a:lumMod val="50000"/>
+              <a:alpha val="50000"/>
+            </a:schemeClr>
+          </a:solidFill>
+          <a:ln>
+            <a:noFill/>
+          </a:ln>
+        </p:spPr>
+        <p:style>
+          <a:lnRef idx="2">
+            <a:schemeClr val="dk1">
+              <a:shade val="50000"/>
+            </a:schemeClr>
+          </a:lnRef>
+          <a:fillRef idx="1">
+            <a:schemeClr val="dk1"/>
+          </a:fillRef>
+          <a:effectRef idx="0">
+            <a:schemeClr val="dk1"/>
+          </a:effectRef>
+          <a:fontRef idx="minor">
+            <a:schemeClr val="lt1"/>
+          </a:fontRef>
+        </p:style>
+        <p:txBody>
+          <a:bodyPr rtlCol="0" anchor="ctr"/>
+          <a:lstStyle/>
+          <a:p>
+            <a:pPr algn="ctr"/>
+            <a:endParaRPr lang="en-US" dirty="0"/>
+          </a:p>
+        </p:txBody>
+      </p:sp>
+      <p:sp>
+        <p:nvSpPr>
+          <p:cNvPr id="4" name="Footer Placeholder 3">
+            <a:extLst>
+              <a:ext uri="{FF2B5EF4-FFF2-40B4-BE49-F238E27FC236}">
+                <a16:creationId xmlns:a16="http://schemas.microsoft.com/office/drawing/2014/main" id="{613E6009-D145-4590-A7B3-45399B48F3B0}"/>
+              </a:ext>
+            </a:extLst>
+          </p:cNvPr>
+          <p:cNvSpPr>
+            <a:spLocks noGrp="1"/>
+          </p:cNvSpPr>
+          <p:nvPr>
+            <p:ph type="ftr" sz="quarter" idx="11"/>
+          </p:nvPr>
+        </p:nvSpPr>
+        <p:spPr/>
+        <p:txBody>
+          <a:bodyPr/>
+          <a:lstStyle/>
+          <a:p>
+            <a:r>
+              <a:rPr lang="en-US" dirty="0"/>
+              <a:t>CERF 2019 | The Next Step with R | Cressman and Dunnigan</a:t>
+            </a:r>
+          </a:p>
+        </p:txBody>
+      </p:sp>
+      <p:pic>
+        <p:nvPicPr>
+          <p:cNvPr id="7" name="Picture 6">
+            <a:extLst>
+              <a:ext uri="{FF2B5EF4-FFF2-40B4-BE49-F238E27FC236}">
+                <a16:creationId xmlns:a16="http://schemas.microsoft.com/office/drawing/2014/main" id="{25D20083-BDFF-4B08-9398-E7B0B64123CB}"/>
+              </a:ext>
+            </a:extLst>
+          </p:cNvPr>
+          <p:cNvPicPr>
+            <a:picLocks noChangeAspect="1"/>
+          </p:cNvPicPr>
+          <p:nvPr/>
+        </p:nvPicPr>
+        <p:blipFill rotWithShape="1">
+          <a:blip r:embed="rId2"/>
+          <a:srcRect l="25573" t="10295"/>
+          <a:stretch/>
+        </p:blipFill>
+        <p:spPr>
+          <a:xfrm>
+            <a:off x="5268243" y="643012"/>
+            <a:ext cx="6616979" cy="6151944"/>
+          </a:xfrm>
+          <a:prstGeom prst="rect">
+            <a:avLst/>
+          </a:prstGeom>
+        </p:spPr>
+      </p:pic>
     </p:spTree>
     <p:extLst>
       <p:ext uri="{BB962C8B-B14F-4D97-AF65-F5344CB8AC3E}">
@@ -12913,6 +13064,17 @@
 <file path=ppt/slides/slide32.xml><?xml version="1.0" encoding="utf-8"?>
 <p:sld xmlns:a="http://schemas.openxmlformats.org/drawingml/2006/main" xmlns:r="http://schemas.openxmlformats.org/officeDocument/2006/relationships" xmlns:p="http://schemas.openxmlformats.org/presentationml/2006/main">
   <p:cSld>
+    <p:bg>
+      <p:bgPr>
+        <a:solidFill>
+          <a:schemeClr val="accent5">
+            <a:lumMod val="20000"/>
+            <a:lumOff val="80000"/>
+          </a:schemeClr>
+        </a:solidFill>
+        <a:effectLst/>
+      </p:bgPr>
+    </p:bg>
     <p:spTree>
       <p:nvGrpSpPr>
         <p:cNvPr id="1" name=""/>
@@ -12932,6 +13094,3817 @@
           <p:cNvPr id="4" name="Title 3">
             <a:extLst>
               <a:ext uri="{FF2B5EF4-FFF2-40B4-BE49-F238E27FC236}">
+                <a16:creationId xmlns:a16="http://schemas.microsoft.com/office/drawing/2014/main" id="{48CB1628-62D3-41D8-B8D0-592869670DE1}"/>
+              </a:ext>
+            </a:extLst>
+          </p:cNvPr>
+          <p:cNvSpPr>
+            <a:spLocks noGrp="1"/>
+          </p:cNvSpPr>
+          <p:nvPr>
+            <p:ph type="title"/>
+          </p:nvPr>
+        </p:nvSpPr>
+        <p:spPr/>
+        <p:txBody>
+          <a:bodyPr/>
+          <a:lstStyle/>
+          <a:p>
+            <a:pPr algn="ctr"/>
+            <a:r>
+              <a:rPr lang="en-US" b="1" dirty="0">
+                <a:solidFill>
+                  <a:schemeClr val="accent5">
+                    <a:lumMod val="50000"/>
+                  </a:schemeClr>
+                </a:solidFill>
+              </a:rPr>
+              <a:t>YOUR TURN 5</a:t>
+            </a:r>
+          </a:p>
+        </p:txBody>
+      </p:sp>
+      <p:sp>
+        <p:nvSpPr>
+          <p:cNvPr id="5" name="Content Placeholder 4">
+            <a:extLst>
+              <a:ext uri="{FF2B5EF4-FFF2-40B4-BE49-F238E27FC236}">
+                <a16:creationId xmlns:a16="http://schemas.microsoft.com/office/drawing/2014/main" id="{FB7FA352-4933-4A8A-9321-BCDA09017175}"/>
+              </a:ext>
+            </a:extLst>
+          </p:cNvPr>
+          <p:cNvSpPr>
+            <a:spLocks noGrp="1"/>
+          </p:cNvSpPr>
+          <p:nvPr>
+            <p:ph idx="1"/>
+          </p:nvPr>
+        </p:nvSpPr>
+        <p:spPr/>
+        <p:txBody>
+          <a:bodyPr/>
+          <a:lstStyle/>
+          <a:p>
+            <a:pPr marL="0" indent="0">
+              <a:buNone/>
+            </a:pPr>
+            <a:r>
+              <a:rPr lang="en-US" dirty="0"/>
+              <a:t>Load the `</a:t>
+            </a:r>
+            <a:r>
+              <a:rPr lang="en-US" dirty="0">
+                <a:latin typeface="Fira Code" panose="020B0809050000020004" pitchFamily="49" charset="0"/>
+                <a:ea typeface="Fira Code" panose="020B0809050000020004" pitchFamily="49" charset="0"/>
+                <a:cs typeface="Fira Code" panose="020B0809050000020004" pitchFamily="49" charset="0"/>
+              </a:rPr>
+              <a:t>diamonds</a:t>
+            </a:r>
+            <a:r>
+              <a:rPr lang="en-US" dirty="0"/>
+              <a:t>` dataset and examine it. This dataset is provided in the `</a:t>
+            </a:r>
+            <a:r>
+              <a:rPr lang="en-US" dirty="0">
+                <a:latin typeface="Fira Code" panose="020B0809050000020004" pitchFamily="49" charset="0"/>
+                <a:ea typeface="Fira Code" panose="020B0809050000020004" pitchFamily="49" charset="0"/>
+                <a:cs typeface="Fira Code" panose="020B0809050000020004" pitchFamily="49" charset="0"/>
+              </a:rPr>
+              <a:t>ggplot2</a:t>
+            </a:r>
+            <a:r>
+              <a:rPr lang="en-US" dirty="0"/>
+              <a:t>` package.</a:t>
+            </a:r>
+          </a:p>
+          <a:p>
+            <a:pPr marL="0" indent="0">
+              <a:buNone/>
+            </a:pPr>
+            <a:endParaRPr lang="en-US" dirty="0"/>
+          </a:p>
+          <a:p>
+            <a:pPr marL="0" indent="0">
+              <a:buNone/>
+            </a:pPr>
+            <a:r>
+              <a:rPr lang="en-US" dirty="0"/>
+              <a:t>Create a bar chart of </a:t>
+            </a:r>
+            <a:r>
+              <a:rPr lang="en-US" dirty="0">
+                <a:latin typeface="Fira Code" panose="020B0809050000020004" pitchFamily="49" charset="0"/>
+                <a:ea typeface="Fira Code" panose="020B0809050000020004" pitchFamily="49" charset="0"/>
+                <a:cs typeface="Fira Code" panose="020B0809050000020004" pitchFamily="49" charset="0"/>
+              </a:rPr>
+              <a:t>cut</a:t>
+            </a:r>
+            <a:r>
+              <a:rPr lang="en-US" dirty="0"/>
+              <a:t> colored by </a:t>
+            </a:r>
+            <a:r>
+              <a:rPr lang="en-US" dirty="0">
+                <a:latin typeface="Fira Code" panose="020B0809050000020004" pitchFamily="49" charset="0"/>
+                <a:ea typeface="Fira Code" panose="020B0809050000020004" pitchFamily="49" charset="0"/>
+                <a:cs typeface="Fira Code" panose="020B0809050000020004" pitchFamily="49" charset="0"/>
+              </a:rPr>
+              <a:t>cut</a:t>
+            </a:r>
+            <a:r>
+              <a:rPr lang="en-US" dirty="0"/>
+              <a:t>. Use the </a:t>
+            </a:r>
+            <a:r>
+              <a:rPr lang="en-US" dirty="0" err="1"/>
+              <a:t>cheatsheet</a:t>
+            </a:r>
+            <a:r>
+              <a:rPr lang="en-US" dirty="0"/>
+              <a:t>.</a:t>
+            </a:r>
+          </a:p>
+        </p:txBody>
+      </p:sp>
+      <p:sp>
+        <p:nvSpPr>
+          <p:cNvPr id="2" name="Footer Placeholder 1">
+            <a:extLst>
+              <a:ext uri="{FF2B5EF4-FFF2-40B4-BE49-F238E27FC236}">
+                <a16:creationId xmlns:a16="http://schemas.microsoft.com/office/drawing/2014/main" id="{4BFB8D8C-3023-4896-BE07-97E2C11A3E1F}"/>
+              </a:ext>
+            </a:extLst>
+          </p:cNvPr>
+          <p:cNvSpPr>
+            <a:spLocks noGrp="1"/>
+          </p:cNvSpPr>
+          <p:nvPr>
+            <p:ph type="ftr" sz="quarter" idx="11"/>
+          </p:nvPr>
+        </p:nvSpPr>
+        <p:spPr/>
+        <p:txBody>
+          <a:bodyPr/>
+          <a:lstStyle/>
+          <a:p>
+            <a:r>
+              <a:rPr lang="en-US"/>
+              <a:t>CERF 2019 | The Next Step with R | Cressman and Dunnigan</a:t>
+            </a:r>
+          </a:p>
+        </p:txBody>
+      </p:sp>
+      <p:sp>
+        <p:nvSpPr>
+          <p:cNvPr id="3" name="Slide Number Placeholder 2">
+            <a:extLst>
+              <a:ext uri="{FF2B5EF4-FFF2-40B4-BE49-F238E27FC236}">
+                <a16:creationId xmlns:a16="http://schemas.microsoft.com/office/drawing/2014/main" id="{6D0E5A51-324E-4C9C-BF3C-BC00091CF61F}"/>
+              </a:ext>
+            </a:extLst>
+          </p:cNvPr>
+          <p:cNvSpPr>
+            <a:spLocks noGrp="1"/>
+          </p:cNvSpPr>
+          <p:nvPr>
+            <p:ph type="sldNum" sz="quarter" idx="12"/>
+          </p:nvPr>
+        </p:nvSpPr>
+        <p:spPr/>
+        <p:txBody>
+          <a:bodyPr/>
+          <a:lstStyle/>
+          <a:p>
+            <a:fld id="{1D07C8D9-AA71-438D-86BE-7B86F7F29DC7}" type="slidenum">
+              <a:rPr lang="en-US" smtClean="0"/>
+              <a:t>32</a:t>
+            </a:fld>
+            <a:endParaRPr lang="en-US"/>
+          </a:p>
+        </p:txBody>
+      </p:sp>
+    </p:spTree>
+    <p:extLst>
+      <p:ext uri="{BB962C8B-B14F-4D97-AF65-F5344CB8AC3E}">
+        <p14:creationId xmlns:p14="http://schemas.microsoft.com/office/powerpoint/2010/main" val="3004922908"/>
+      </p:ext>
+    </p:extLst>
+  </p:cSld>
+  <p:clrMapOvr>
+    <a:masterClrMapping/>
+  </p:clrMapOvr>
+</p:sld>
+</file>
+
+<file path=ppt/slides/slide33.xml><?xml version="1.0" encoding="utf-8"?>
+<p:sld xmlns:a="http://schemas.openxmlformats.org/drawingml/2006/main" xmlns:r="http://schemas.openxmlformats.org/officeDocument/2006/relationships" xmlns:p="http://schemas.openxmlformats.org/presentationml/2006/main">
+  <p:cSld>
+    <p:spTree>
+      <p:nvGrpSpPr>
+        <p:cNvPr id="1" name=""/>
+        <p:cNvGrpSpPr/>
+        <p:nvPr/>
+      </p:nvGrpSpPr>
+      <p:grpSpPr>
+        <a:xfrm>
+          <a:off x="0" y="0"/>
+          <a:ext cx="0" cy="0"/>
+          <a:chOff x="0" y="0"/>
+          <a:chExt cx="0" cy="0"/>
+        </a:xfrm>
+      </p:grpSpPr>
+      <p:sp>
+        <p:nvSpPr>
+          <p:cNvPr id="4" name="Footer Placeholder 3">
+            <a:extLst>
+              <a:ext uri="{FF2B5EF4-FFF2-40B4-BE49-F238E27FC236}">
+                <a16:creationId xmlns:a16="http://schemas.microsoft.com/office/drawing/2014/main" id="{6F2D1B22-CEA6-4F94-B4B3-D1E1EC2AA739}"/>
+              </a:ext>
+            </a:extLst>
+          </p:cNvPr>
+          <p:cNvSpPr>
+            <a:spLocks noGrp="1"/>
+          </p:cNvSpPr>
+          <p:nvPr>
+            <p:ph type="ftr" sz="quarter" idx="11"/>
+          </p:nvPr>
+        </p:nvSpPr>
+        <p:spPr/>
+        <p:txBody>
+          <a:bodyPr/>
+          <a:lstStyle/>
+          <a:p>
+            <a:r>
+              <a:rPr lang="en-US"/>
+              <a:t>CERF 2019 | The Next Step with R | Cressman and Dunnigan</a:t>
+            </a:r>
+          </a:p>
+        </p:txBody>
+      </p:sp>
+      <p:sp>
+        <p:nvSpPr>
+          <p:cNvPr id="5" name="Slide Number Placeholder 4">
+            <a:extLst>
+              <a:ext uri="{FF2B5EF4-FFF2-40B4-BE49-F238E27FC236}">
+                <a16:creationId xmlns:a16="http://schemas.microsoft.com/office/drawing/2014/main" id="{0FC26CE1-A358-4E1E-9CC1-BB7919FE22BE}"/>
+              </a:ext>
+            </a:extLst>
+          </p:cNvPr>
+          <p:cNvSpPr>
+            <a:spLocks noGrp="1"/>
+          </p:cNvSpPr>
+          <p:nvPr>
+            <p:ph type="sldNum" sz="quarter" idx="12"/>
+          </p:nvPr>
+        </p:nvSpPr>
+        <p:spPr/>
+        <p:txBody>
+          <a:bodyPr/>
+          <a:lstStyle/>
+          <a:p>
+            <a:fld id="{1D07C8D9-AA71-438D-86BE-7B86F7F29DC7}" type="slidenum">
+              <a:rPr lang="en-US" smtClean="0"/>
+              <a:t>33</a:t>
+            </a:fld>
+            <a:endParaRPr lang="en-US"/>
+          </a:p>
+        </p:txBody>
+      </p:sp>
+      <p:pic>
+        <p:nvPicPr>
+          <p:cNvPr id="6" name="Picture 5">
+            <a:extLst>
+              <a:ext uri="{FF2B5EF4-FFF2-40B4-BE49-F238E27FC236}">
+                <a16:creationId xmlns:a16="http://schemas.microsoft.com/office/drawing/2014/main" id="{C9E3BFF8-E9BC-4413-B564-5E2ADCDDEF5F}"/>
+              </a:ext>
+            </a:extLst>
+          </p:cNvPr>
+          <p:cNvPicPr>
+            <a:picLocks noChangeAspect="1"/>
+          </p:cNvPicPr>
+          <p:nvPr/>
+        </p:nvPicPr>
+        <p:blipFill>
+          <a:blip r:embed="rId2"/>
+          <a:stretch>
+            <a:fillRect/>
+          </a:stretch>
+        </p:blipFill>
+        <p:spPr>
+          <a:xfrm>
+            <a:off x="1962666" y="136525"/>
+            <a:ext cx="8266667" cy="5247619"/>
+          </a:xfrm>
+          <a:prstGeom prst="rect">
+            <a:avLst/>
+          </a:prstGeom>
+        </p:spPr>
+      </p:pic>
+      <p:sp>
+        <p:nvSpPr>
+          <p:cNvPr id="7" name="TextBox 6">
+            <a:extLst>
+              <a:ext uri="{FF2B5EF4-FFF2-40B4-BE49-F238E27FC236}">
+                <a16:creationId xmlns:a16="http://schemas.microsoft.com/office/drawing/2014/main" id="{A797CE45-3B21-4B02-B495-DEE1B4F6CC21}"/>
+              </a:ext>
+            </a:extLst>
+          </p:cNvPr>
+          <p:cNvSpPr txBox="1"/>
+          <p:nvPr/>
+        </p:nvSpPr>
+        <p:spPr>
+          <a:xfrm>
+            <a:off x="495299" y="5454748"/>
+            <a:ext cx="11201400" cy="830997"/>
+          </a:xfrm>
+          <a:prstGeom prst="rect">
+            <a:avLst/>
+          </a:prstGeom>
+          <a:noFill/>
+        </p:spPr>
+        <p:txBody>
+          <a:bodyPr wrap="square" rtlCol="0">
+            <a:spAutoFit/>
+          </a:bodyPr>
+          <a:lstStyle/>
+          <a:p>
+            <a:r>
+              <a:rPr lang="en-US" sz="2400" dirty="0">
+                <a:latin typeface="Fira Code" panose="020B0809050000020004" pitchFamily="49" charset="0"/>
+                <a:ea typeface="Fira Code" panose="020B0809050000020004" pitchFamily="49" charset="0"/>
+                <a:cs typeface="Fira Code" panose="020B0809050000020004" pitchFamily="49" charset="0"/>
+              </a:rPr>
+              <a:t> </a:t>
+            </a:r>
+            <a:r>
+              <a:rPr lang="en-US" sz="2400" dirty="0" err="1">
+                <a:latin typeface="Fira Code" panose="020B0809050000020004" pitchFamily="49" charset="0"/>
+                <a:ea typeface="Fira Code" panose="020B0809050000020004" pitchFamily="49" charset="0"/>
+                <a:cs typeface="Fira Code" panose="020B0809050000020004" pitchFamily="49" charset="0"/>
+              </a:rPr>
+              <a:t>ggplot</a:t>
+            </a:r>
+            <a:r>
+              <a:rPr lang="en-US" sz="2400" dirty="0">
+                <a:latin typeface="Fira Code" panose="020B0809050000020004" pitchFamily="49" charset="0"/>
+                <a:ea typeface="Fira Code" panose="020B0809050000020004" pitchFamily="49" charset="0"/>
+                <a:cs typeface="Fira Code" panose="020B0809050000020004" pitchFamily="49" charset="0"/>
+              </a:rPr>
+              <a:t>(data = diamonds) +</a:t>
+            </a:r>
+          </a:p>
+          <a:p>
+            <a:r>
+              <a:rPr lang="en-US" sz="2400" dirty="0">
+                <a:latin typeface="Fira Code" panose="020B0809050000020004" pitchFamily="49" charset="0"/>
+                <a:ea typeface="Fira Code" panose="020B0809050000020004" pitchFamily="49" charset="0"/>
+                <a:cs typeface="Fira Code" panose="020B0809050000020004" pitchFamily="49" charset="0"/>
+              </a:rPr>
+              <a:t>	</a:t>
+            </a:r>
+            <a:r>
+              <a:rPr lang="en-US" sz="2400" dirty="0" err="1">
+                <a:solidFill>
+                  <a:schemeClr val="accent6">
+                    <a:lumMod val="75000"/>
+                  </a:schemeClr>
+                </a:solidFill>
+                <a:latin typeface="Fira Code" panose="020B0809050000020004" pitchFamily="49" charset="0"/>
+                <a:ea typeface="Fira Code" panose="020B0809050000020004" pitchFamily="49" charset="0"/>
+                <a:cs typeface="Fira Code" panose="020B0809050000020004" pitchFamily="49" charset="0"/>
+              </a:rPr>
+              <a:t>geom_bar</a:t>
+            </a:r>
+            <a:r>
+              <a:rPr lang="en-US" sz="2400" dirty="0">
+                <a:latin typeface="Fira Code" panose="020B0809050000020004" pitchFamily="49" charset="0"/>
+                <a:ea typeface="Fira Code" panose="020B0809050000020004" pitchFamily="49" charset="0"/>
+                <a:cs typeface="Fira Code" panose="020B0809050000020004" pitchFamily="49" charset="0"/>
+              </a:rPr>
+              <a:t>(mapping = </a:t>
+            </a:r>
+            <a:r>
+              <a:rPr lang="en-US" sz="2400" dirty="0" err="1">
+                <a:latin typeface="Fira Code" panose="020B0809050000020004" pitchFamily="49" charset="0"/>
+                <a:ea typeface="Fira Code" panose="020B0809050000020004" pitchFamily="49" charset="0"/>
+                <a:cs typeface="Fira Code" panose="020B0809050000020004" pitchFamily="49" charset="0"/>
+              </a:rPr>
+              <a:t>aes</a:t>
+            </a:r>
+            <a:r>
+              <a:rPr lang="en-US" sz="2400" dirty="0">
+                <a:latin typeface="Fira Code" panose="020B0809050000020004" pitchFamily="49" charset="0"/>
+                <a:ea typeface="Fira Code" panose="020B0809050000020004" pitchFamily="49" charset="0"/>
+                <a:cs typeface="Fira Code" panose="020B0809050000020004" pitchFamily="49" charset="0"/>
+              </a:rPr>
+              <a:t>(</a:t>
+            </a:r>
+            <a:r>
+              <a:rPr lang="en-US" sz="2400" dirty="0">
+                <a:solidFill>
+                  <a:schemeClr val="accent6">
+                    <a:lumMod val="75000"/>
+                  </a:schemeClr>
+                </a:solidFill>
+                <a:latin typeface="Fira Code" panose="020B0809050000020004" pitchFamily="49" charset="0"/>
+                <a:ea typeface="Fira Code" panose="020B0809050000020004" pitchFamily="49" charset="0"/>
+                <a:cs typeface="Fira Code" panose="020B0809050000020004" pitchFamily="49" charset="0"/>
+              </a:rPr>
+              <a:t>x = cut, color = cut</a:t>
+            </a:r>
+            <a:r>
+              <a:rPr lang="en-US" sz="2400" dirty="0">
+                <a:latin typeface="Fira Code" panose="020B0809050000020004" pitchFamily="49" charset="0"/>
+                <a:ea typeface="Fira Code" panose="020B0809050000020004" pitchFamily="49" charset="0"/>
+                <a:cs typeface="Fira Code" panose="020B0809050000020004" pitchFamily="49" charset="0"/>
+              </a:rPr>
+              <a:t>)</a:t>
+            </a:r>
+          </a:p>
+        </p:txBody>
+      </p:sp>
+    </p:spTree>
+    <p:extLst>
+      <p:ext uri="{BB962C8B-B14F-4D97-AF65-F5344CB8AC3E}">
+        <p14:creationId xmlns:p14="http://schemas.microsoft.com/office/powerpoint/2010/main" val="76001156"/>
+      </p:ext>
+    </p:extLst>
+  </p:cSld>
+  <p:clrMapOvr>
+    <a:masterClrMapping/>
+  </p:clrMapOvr>
+</p:sld>
+</file>
+
+<file path=ppt/slides/slide34.xml><?xml version="1.0" encoding="utf-8"?>
+<p:sld xmlns:a="http://schemas.openxmlformats.org/drawingml/2006/main" xmlns:r="http://schemas.openxmlformats.org/officeDocument/2006/relationships" xmlns:p="http://schemas.openxmlformats.org/presentationml/2006/main">
+  <p:cSld>
+    <p:spTree>
+      <p:nvGrpSpPr>
+        <p:cNvPr id="1" name=""/>
+        <p:cNvGrpSpPr/>
+        <p:nvPr/>
+      </p:nvGrpSpPr>
+      <p:grpSpPr>
+        <a:xfrm>
+          <a:off x="0" y="0"/>
+          <a:ext cx="0" cy="0"/>
+          <a:chOff x="0" y="0"/>
+          <a:chExt cx="0" cy="0"/>
+        </a:xfrm>
+      </p:grpSpPr>
+      <p:sp>
+        <p:nvSpPr>
+          <p:cNvPr id="2" name="Footer Placeholder 1">
+            <a:extLst>
+              <a:ext uri="{FF2B5EF4-FFF2-40B4-BE49-F238E27FC236}">
+                <a16:creationId xmlns:a16="http://schemas.microsoft.com/office/drawing/2014/main" id="{49D47FD3-C2AE-4FB3-9CAC-999DCC0401B3}"/>
+              </a:ext>
+            </a:extLst>
+          </p:cNvPr>
+          <p:cNvSpPr>
+            <a:spLocks noGrp="1"/>
+          </p:cNvSpPr>
+          <p:nvPr>
+            <p:ph type="ftr" sz="quarter" idx="11"/>
+          </p:nvPr>
+        </p:nvSpPr>
+        <p:spPr/>
+        <p:txBody>
+          <a:bodyPr/>
+          <a:lstStyle/>
+          <a:p>
+            <a:r>
+              <a:rPr lang="en-US"/>
+              <a:t>CERF 2019 | The Next Step with R | Cressman and Dunnigan</a:t>
+            </a:r>
+          </a:p>
+        </p:txBody>
+      </p:sp>
+      <p:sp>
+        <p:nvSpPr>
+          <p:cNvPr id="3" name="Slide Number Placeholder 2">
+            <a:extLst>
+              <a:ext uri="{FF2B5EF4-FFF2-40B4-BE49-F238E27FC236}">
+                <a16:creationId xmlns:a16="http://schemas.microsoft.com/office/drawing/2014/main" id="{23428CBB-A15F-4BC9-B032-85C80C822B56}"/>
+              </a:ext>
+            </a:extLst>
+          </p:cNvPr>
+          <p:cNvSpPr>
+            <a:spLocks noGrp="1"/>
+          </p:cNvSpPr>
+          <p:nvPr>
+            <p:ph type="sldNum" sz="quarter" idx="12"/>
+          </p:nvPr>
+        </p:nvSpPr>
+        <p:spPr/>
+        <p:txBody>
+          <a:bodyPr/>
+          <a:lstStyle/>
+          <a:p>
+            <a:fld id="{1D07C8D9-AA71-438D-86BE-7B86F7F29DC7}" type="slidenum">
+              <a:rPr lang="en-US" smtClean="0"/>
+              <a:t>34</a:t>
+            </a:fld>
+            <a:endParaRPr lang="en-US"/>
+          </a:p>
+        </p:txBody>
+      </p:sp>
+      <p:pic>
+        <p:nvPicPr>
+          <p:cNvPr id="4" name="Picture 3">
+            <a:extLst>
+              <a:ext uri="{FF2B5EF4-FFF2-40B4-BE49-F238E27FC236}">
+                <a16:creationId xmlns:a16="http://schemas.microsoft.com/office/drawing/2014/main" id="{217D5072-2DAB-428E-A89D-392C92B63343}"/>
+              </a:ext>
+            </a:extLst>
+          </p:cNvPr>
+          <p:cNvPicPr>
+            <a:picLocks noChangeAspect="1"/>
+          </p:cNvPicPr>
+          <p:nvPr/>
+        </p:nvPicPr>
+        <p:blipFill>
+          <a:blip r:embed="rId2"/>
+          <a:stretch>
+            <a:fillRect/>
+          </a:stretch>
+        </p:blipFill>
+        <p:spPr>
+          <a:xfrm>
+            <a:off x="1962666" y="136525"/>
+            <a:ext cx="8266667" cy="5247619"/>
+          </a:xfrm>
+          <a:prstGeom prst="rect">
+            <a:avLst/>
+          </a:prstGeom>
+        </p:spPr>
+      </p:pic>
+      <p:sp>
+        <p:nvSpPr>
+          <p:cNvPr id="5" name="TextBox 4">
+            <a:extLst>
+              <a:ext uri="{FF2B5EF4-FFF2-40B4-BE49-F238E27FC236}">
+                <a16:creationId xmlns:a16="http://schemas.microsoft.com/office/drawing/2014/main" id="{1BDB6235-EB13-4BD7-8F80-EEF477EE8A3D}"/>
+              </a:ext>
+            </a:extLst>
+          </p:cNvPr>
+          <p:cNvSpPr txBox="1"/>
+          <p:nvPr/>
+        </p:nvSpPr>
+        <p:spPr>
+          <a:xfrm>
+            <a:off x="495299" y="5454748"/>
+            <a:ext cx="11201400" cy="830997"/>
+          </a:xfrm>
+          <a:prstGeom prst="rect">
+            <a:avLst/>
+          </a:prstGeom>
+          <a:noFill/>
+        </p:spPr>
+        <p:txBody>
+          <a:bodyPr wrap="square" rtlCol="0">
+            <a:spAutoFit/>
+          </a:bodyPr>
+          <a:lstStyle/>
+          <a:p>
+            <a:r>
+              <a:rPr lang="en-US" sz="2400" dirty="0">
+                <a:latin typeface="Fira Code" panose="020B0809050000020004" pitchFamily="49" charset="0"/>
+                <a:ea typeface="Fira Code" panose="020B0809050000020004" pitchFamily="49" charset="0"/>
+                <a:cs typeface="Fira Code" panose="020B0809050000020004" pitchFamily="49" charset="0"/>
+              </a:rPr>
+              <a:t> </a:t>
+            </a:r>
+            <a:r>
+              <a:rPr lang="en-US" sz="2400" dirty="0" err="1">
+                <a:latin typeface="Fira Code" panose="020B0809050000020004" pitchFamily="49" charset="0"/>
+                <a:ea typeface="Fira Code" panose="020B0809050000020004" pitchFamily="49" charset="0"/>
+                <a:cs typeface="Fira Code" panose="020B0809050000020004" pitchFamily="49" charset="0"/>
+              </a:rPr>
+              <a:t>ggplot</a:t>
+            </a:r>
+            <a:r>
+              <a:rPr lang="en-US" sz="2400" dirty="0">
+                <a:latin typeface="Fira Code" panose="020B0809050000020004" pitchFamily="49" charset="0"/>
+                <a:ea typeface="Fira Code" panose="020B0809050000020004" pitchFamily="49" charset="0"/>
+                <a:cs typeface="Fira Code" panose="020B0809050000020004" pitchFamily="49" charset="0"/>
+              </a:rPr>
+              <a:t>(data = diamonds) +</a:t>
+            </a:r>
+          </a:p>
+          <a:p>
+            <a:r>
+              <a:rPr lang="en-US" sz="2400" dirty="0">
+                <a:latin typeface="Fira Code" panose="020B0809050000020004" pitchFamily="49" charset="0"/>
+                <a:ea typeface="Fira Code" panose="020B0809050000020004" pitchFamily="49" charset="0"/>
+                <a:cs typeface="Fira Code" panose="020B0809050000020004" pitchFamily="49" charset="0"/>
+              </a:rPr>
+              <a:t>	</a:t>
+            </a:r>
+            <a:r>
+              <a:rPr lang="en-US" sz="2400" dirty="0" err="1">
+                <a:latin typeface="Fira Code" panose="020B0809050000020004" pitchFamily="49" charset="0"/>
+                <a:ea typeface="Fira Code" panose="020B0809050000020004" pitchFamily="49" charset="0"/>
+                <a:cs typeface="Fira Code" panose="020B0809050000020004" pitchFamily="49" charset="0"/>
+              </a:rPr>
+              <a:t>geom_bar</a:t>
+            </a:r>
+            <a:r>
+              <a:rPr lang="en-US" sz="2400" dirty="0">
+                <a:latin typeface="Fira Code" panose="020B0809050000020004" pitchFamily="49" charset="0"/>
+                <a:ea typeface="Fira Code" panose="020B0809050000020004" pitchFamily="49" charset="0"/>
+                <a:cs typeface="Fira Code" panose="020B0809050000020004" pitchFamily="49" charset="0"/>
+              </a:rPr>
+              <a:t>(mapping = </a:t>
+            </a:r>
+            <a:r>
+              <a:rPr lang="en-US" sz="2400" dirty="0" err="1">
+                <a:latin typeface="Fira Code" panose="020B0809050000020004" pitchFamily="49" charset="0"/>
+                <a:ea typeface="Fira Code" panose="020B0809050000020004" pitchFamily="49" charset="0"/>
+                <a:cs typeface="Fira Code" panose="020B0809050000020004" pitchFamily="49" charset="0"/>
+              </a:rPr>
+              <a:t>aes</a:t>
+            </a:r>
+            <a:r>
+              <a:rPr lang="en-US" sz="2400" dirty="0">
+                <a:latin typeface="Fira Code" panose="020B0809050000020004" pitchFamily="49" charset="0"/>
+                <a:ea typeface="Fira Code" panose="020B0809050000020004" pitchFamily="49" charset="0"/>
+                <a:cs typeface="Fira Code" panose="020B0809050000020004" pitchFamily="49" charset="0"/>
+              </a:rPr>
+              <a:t>(x = cut, </a:t>
+            </a:r>
+            <a:r>
+              <a:rPr lang="en-US" sz="2400" dirty="0">
+                <a:solidFill>
+                  <a:schemeClr val="accent6">
+                    <a:lumMod val="75000"/>
+                  </a:schemeClr>
+                </a:solidFill>
+                <a:latin typeface="Fira Code" panose="020B0809050000020004" pitchFamily="49" charset="0"/>
+                <a:ea typeface="Fira Code" panose="020B0809050000020004" pitchFamily="49" charset="0"/>
+                <a:cs typeface="Fira Code" panose="020B0809050000020004" pitchFamily="49" charset="0"/>
+              </a:rPr>
+              <a:t>fill = cut</a:t>
+            </a:r>
+            <a:r>
+              <a:rPr lang="en-US" sz="2400" dirty="0">
+                <a:latin typeface="Fira Code" panose="020B0809050000020004" pitchFamily="49" charset="0"/>
+                <a:ea typeface="Fira Code" panose="020B0809050000020004" pitchFamily="49" charset="0"/>
+                <a:cs typeface="Fira Code" panose="020B0809050000020004" pitchFamily="49" charset="0"/>
+              </a:rPr>
+              <a:t>)</a:t>
+            </a:r>
+          </a:p>
+        </p:txBody>
+      </p:sp>
+    </p:spTree>
+    <p:extLst>
+      <p:ext uri="{BB962C8B-B14F-4D97-AF65-F5344CB8AC3E}">
+        <p14:creationId xmlns:p14="http://schemas.microsoft.com/office/powerpoint/2010/main" val="3119375951"/>
+      </p:ext>
+    </p:extLst>
+  </p:cSld>
+  <p:clrMapOvr>
+    <a:masterClrMapping/>
+  </p:clrMapOvr>
+</p:sld>
+</file>
+
+<file path=ppt/slides/slide35.xml><?xml version="1.0" encoding="utf-8"?>
+<p:sld xmlns:a="http://schemas.openxmlformats.org/drawingml/2006/main" xmlns:r="http://schemas.openxmlformats.org/officeDocument/2006/relationships" xmlns:p="http://schemas.openxmlformats.org/presentationml/2006/main">
+  <p:cSld>
+    <p:spTree>
+      <p:nvGrpSpPr>
+        <p:cNvPr id="1" name=""/>
+        <p:cNvGrpSpPr/>
+        <p:nvPr/>
+      </p:nvGrpSpPr>
+      <p:grpSpPr>
+        <a:xfrm>
+          <a:off x="0" y="0"/>
+          <a:ext cx="0" cy="0"/>
+          <a:chOff x="0" y="0"/>
+          <a:chExt cx="0" cy="0"/>
+        </a:xfrm>
+      </p:grpSpPr>
+      <p:sp>
+        <p:nvSpPr>
+          <p:cNvPr id="4" name="Title 3">
+            <a:extLst>
+              <a:ext uri="{FF2B5EF4-FFF2-40B4-BE49-F238E27FC236}">
+                <a16:creationId xmlns:a16="http://schemas.microsoft.com/office/drawing/2014/main" id="{9C8C1127-AE7F-47DE-B3A6-D2A4516ACC2D}"/>
+              </a:ext>
+            </a:extLst>
+          </p:cNvPr>
+          <p:cNvSpPr>
+            <a:spLocks noGrp="1"/>
+          </p:cNvSpPr>
+          <p:nvPr>
+            <p:ph type="title"/>
+          </p:nvPr>
+        </p:nvSpPr>
+        <p:spPr>
+          <a:xfrm>
+            <a:off x="838200" y="365125"/>
+            <a:ext cx="10515600" cy="1325563"/>
+          </a:xfrm>
+        </p:spPr>
+        <p:txBody>
+          <a:bodyPr>
+            <a:normAutofit/>
+          </a:bodyPr>
+          <a:lstStyle/>
+          <a:p>
+            <a:r>
+              <a:rPr lang="en-US" sz="4000"/>
+              <a:t>Hold up…count is not a variable in `</a:t>
+            </a:r>
+            <a:r>
+              <a:rPr lang="en-US" sz="4000">
+                <a:latin typeface="Fira Code" panose="020B0809050000020004" pitchFamily="49" charset="0"/>
+                <a:ea typeface="Fira Code" panose="020B0809050000020004" pitchFamily="49" charset="0"/>
+                <a:cs typeface="Fira Code" panose="020B0809050000020004" pitchFamily="49" charset="0"/>
+              </a:rPr>
+              <a:t>diamonds</a:t>
+            </a:r>
+            <a:r>
+              <a:rPr lang="en-US" sz="4000"/>
+              <a:t>`!</a:t>
+            </a:r>
+            <a:endParaRPr lang="en-US" sz="4000" dirty="0"/>
+          </a:p>
+        </p:txBody>
+      </p:sp>
+      <p:sp>
+        <p:nvSpPr>
+          <p:cNvPr id="2" name="Footer Placeholder 1">
+            <a:extLst>
+              <a:ext uri="{FF2B5EF4-FFF2-40B4-BE49-F238E27FC236}">
+                <a16:creationId xmlns:a16="http://schemas.microsoft.com/office/drawing/2014/main" id="{5C51FC36-B608-4444-918A-29004BFE7178}"/>
+              </a:ext>
+            </a:extLst>
+          </p:cNvPr>
+          <p:cNvSpPr>
+            <a:spLocks noGrp="1"/>
+          </p:cNvSpPr>
+          <p:nvPr>
+            <p:ph type="ftr" sz="quarter" idx="11"/>
+          </p:nvPr>
+        </p:nvSpPr>
+        <p:spPr>
+          <a:xfrm>
+            <a:off x="4038600" y="6356350"/>
+            <a:ext cx="4114800" cy="365125"/>
+          </a:xfrm>
+        </p:spPr>
+        <p:txBody>
+          <a:bodyPr/>
+          <a:lstStyle/>
+          <a:p>
+            <a:r>
+              <a:rPr lang="en-US"/>
+              <a:t>CERF 2019 | The Next Step with R | Cressman and Dunnigan</a:t>
+            </a:r>
+          </a:p>
+        </p:txBody>
+      </p:sp>
+      <p:sp>
+        <p:nvSpPr>
+          <p:cNvPr id="3" name="Slide Number Placeholder 2">
+            <a:extLst>
+              <a:ext uri="{FF2B5EF4-FFF2-40B4-BE49-F238E27FC236}">
+                <a16:creationId xmlns:a16="http://schemas.microsoft.com/office/drawing/2014/main" id="{2D18631B-6CA1-4AB9-87C0-D137B3D198B1}"/>
+              </a:ext>
+            </a:extLst>
+          </p:cNvPr>
+          <p:cNvSpPr>
+            <a:spLocks noGrp="1"/>
+          </p:cNvSpPr>
+          <p:nvPr>
+            <p:ph type="sldNum" sz="quarter" idx="12"/>
+          </p:nvPr>
+        </p:nvSpPr>
+        <p:spPr>
+          <a:xfrm>
+            <a:off x="8610600" y="6356350"/>
+            <a:ext cx="2743200" cy="365125"/>
+          </a:xfrm>
+        </p:spPr>
+        <p:txBody>
+          <a:bodyPr/>
+          <a:lstStyle/>
+          <a:p>
+            <a:fld id="{1D07C8D9-AA71-438D-86BE-7B86F7F29DC7}" type="slidenum">
+              <a:rPr lang="en-US" smtClean="0"/>
+              <a:t>35</a:t>
+            </a:fld>
+            <a:endParaRPr lang="en-US"/>
+          </a:p>
+        </p:txBody>
+      </p:sp>
+      <p:sp>
+        <p:nvSpPr>
+          <p:cNvPr id="8" name="Content Placeholder 7">
+            <a:extLst>
+              <a:ext uri="{FF2B5EF4-FFF2-40B4-BE49-F238E27FC236}">
+                <a16:creationId xmlns:a16="http://schemas.microsoft.com/office/drawing/2014/main" id="{7AB00178-2664-432F-85F3-5BE830AF639E}"/>
+              </a:ext>
+            </a:extLst>
+          </p:cNvPr>
+          <p:cNvSpPr>
+            <a:spLocks noGrp="1"/>
+          </p:cNvSpPr>
+          <p:nvPr>
+            <p:ph idx="1"/>
+          </p:nvPr>
+        </p:nvSpPr>
+        <p:spPr/>
+        <p:txBody>
+          <a:bodyPr/>
+          <a:lstStyle/>
+          <a:p>
+            <a:pPr marL="0" indent="0">
+              <a:buNone/>
+            </a:pPr>
+            <a:r>
+              <a:rPr lang="en-US" dirty="0"/>
+              <a:t>Many graphs plot the raw values of your dataset while others </a:t>
+            </a:r>
+            <a:r>
+              <a:rPr lang="en-US" b="1" dirty="0"/>
+              <a:t>calculate</a:t>
+            </a:r>
+            <a:r>
+              <a:rPr lang="en-US" dirty="0"/>
+              <a:t> new values to plot:</a:t>
+            </a:r>
+          </a:p>
+          <a:p>
+            <a:r>
+              <a:rPr lang="en-US" dirty="0"/>
+              <a:t>Bar charts, histograms, and frequency polygons bin data and plot bin counts (# of points that fall into each bin)</a:t>
+            </a:r>
+          </a:p>
+        </p:txBody>
+      </p:sp>
+      <p:pic>
+        <p:nvPicPr>
+          <p:cNvPr id="10" name="Picture 9">
+            <a:extLst>
+              <a:ext uri="{FF2B5EF4-FFF2-40B4-BE49-F238E27FC236}">
+                <a16:creationId xmlns:a16="http://schemas.microsoft.com/office/drawing/2014/main" id="{938F7F6D-F9C6-4517-A8EE-AAEF9282F0DC}"/>
+              </a:ext>
+            </a:extLst>
+          </p:cNvPr>
+          <p:cNvPicPr>
+            <a:picLocks noChangeAspect="1"/>
+          </p:cNvPicPr>
+          <p:nvPr/>
+        </p:nvPicPr>
+        <p:blipFill>
+          <a:blip r:embed="rId2"/>
+          <a:stretch>
+            <a:fillRect/>
+          </a:stretch>
+        </p:blipFill>
+        <p:spPr>
+          <a:xfrm>
+            <a:off x="6651101" y="4001294"/>
+            <a:ext cx="857143" cy="857143"/>
+          </a:xfrm>
+          <a:prstGeom prst="rect">
+            <a:avLst/>
+          </a:prstGeom>
+        </p:spPr>
+      </p:pic>
+      <p:pic>
+        <p:nvPicPr>
+          <p:cNvPr id="11" name="Picture 10">
+            <a:extLst>
+              <a:ext uri="{FF2B5EF4-FFF2-40B4-BE49-F238E27FC236}">
+                <a16:creationId xmlns:a16="http://schemas.microsoft.com/office/drawing/2014/main" id="{63E2CF22-99C4-4E35-8A1C-C56ACBDC2A79}"/>
+              </a:ext>
+            </a:extLst>
+          </p:cNvPr>
+          <p:cNvPicPr>
+            <a:picLocks noChangeAspect="1"/>
+          </p:cNvPicPr>
+          <p:nvPr/>
+        </p:nvPicPr>
+        <p:blipFill>
+          <a:blip r:embed="rId3"/>
+          <a:stretch>
+            <a:fillRect/>
+          </a:stretch>
+        </p:blipFill>
+        <p:spPr>
+          <a:xfrm>
+            <a:off x="5702064" y="4001294"/>
+            <a:ext cx="857143" cy="857143"/>
+          </a:xfrm>
+          <a:prstGeom prst="rect">
+            <a:avLst/>
+          </a:prstGeom>
+        </p:spPr>
+      </p:pic>
+      <p:pic>
+        <p:nvPicPr>
+          <p:cNvPr id="12" name="Picture 11">
+            <a:extLst>
+              <a:ext uri="{FF2B5EF4-FFF2-40B4-BE49-F238E27FC236}">
+                <a16:creationId xmlns:a16="http://schemas.microsoft.com/office/drawing/2014/main" id="{991F43C8-9152-429E-B88C-62F354A77473}"/>
+              </a:ext>
+            </a:extLst>
+          </p:cNvPr>
+          <p:cNvPicPr>
+            <a:picLocks noChangeAspect="1"/>
+          </p:cNvPicPr>
+          <p:nvPr/>
+        </p:nvPicPr>
+        <p:blipFill>
+          <a:blip r:embed="rId4"/>
+          <a:stretch>
+            <a:fillRect/>
+          </a:stretch>
+        </p:blipFill>
+        <p:spPr>
+          <a:xfrm>
+            <a:off x="4753027" y="4001294"/>
+            <a:ext cx="857143" cy="876190"/>
+          </a:xfrm>
+          <a:prstGeom prst="rect">
+            <a:avLst/>
+          </a:prstGeom>
+        </p:spPr>
+      </p:pic>
+      <p:pic>
+        <p:nvPicPr>
+          <p:cNvPr id="17" name="Picture 16">
+            <a:extLst>
+              <a:ext uri="{FF2B5EF4-FFF2-40B4-BE49-F238E27FC236}">
+                <a16:creationId xmlns:a16="http://schemas.microsoft.com/office/drawing/2014/main" id="{419511CC-ACEA-484E-987D-BF9DD23A2FAF}"/>
+              </a:ext>
+            </a:extLst>
+          </p:cNvPr>
+          <p:cNvPicPr>
+            <a:picLocks noChangeAspect="1"/>
+          </p:cNvPicPr>
+          <p:nvPr/>
+        </p:nvPicPr>
+        <p:blipFill>
+          <a:blip r:embed="rId5">
+            <a:duotone>
+              <a:schemeClr val="bg2">
+                <a:shade val="45000"/>
+                <a:satMod val="135000"/>
+              </a:schemeClr>
+              <a:prstClr val="white"/>
+            </a:duotone>
+          </a:blip>
+          <a:stretch>
+            <a:fillRect/>
+          </a:stretch>
+        </p:blipFill>
+        <p:spPr>
+          <a:xfrm>
+            <a:off x="7600138" y="4001294"/>
+            <a:ext cx="857143" cy="885714"/>
+          </a:xfrm>
+          <a:prstGeom prst="rect">
+            <a:avLst/>
+          </a:prstGeom>
+        </p:spPr>
+      </p:pic>
+      <p:pic>
+        <p:nvPicPr>
+          <p:cNvPr id="13" name="Picture 12">
+            <a:extLst>
+              <a:ext uri="{FF2B5EF4-FFF2-40B4-BE49-F238E27FC236}">
+                <a16:creationId xmlns:a16="http://schemas.microsoft.com/office/drawing/2014/main" id="{2E8EA66A-2590-4876-B546-32EA99328ADC}"/>
+              </a:ext>
+            </a:extLst>
+          </p:cNvPr>
+          <p:cNvPicPr>
+            <a:picLocks noChangeAspect="1"/>
+          </p:cNvPicPr>
+          <p:nvPr/>
+        </p:nvPicPr>
+        <p:blipFill>
+          <a:blip r:embed="rId6">
+            <a:duotone>
+              <a:schemeClr val="bg2">
+                <a:shade val="45000"/>
+                <a:satMod val="135000"/>
+              </a:schemeClr>
+              <a:prstClr val="white"/>
+            </a:duotone>
+          </a:blip>
+          <a:stretch>
+            <a:fillRect/>
+          </a:stretch>
+        </p:blipFill>
+        <p:spPr>
+          <a:xfrm>
+            <a:off x="3795223" y="3991770"/>
+            <a:ext cx="857143" cy="866667"/>
+          </a:xfrm>
+          <a:prstGeom prst="rect">
+            <a:avLst/>
+          </a:prstGeom>
+        </p:spPr>
+      </p:pic>
+    </p:spTree>
+    <p:extLst>
+      <p:ext uri="{BB962C8B-B14F-4D97-AF65-F5344CB8AC3E}">
+        <p14:creationId xmlns:p14="http://schemas.microsoft.com/office/powerpoint/2010/main" val="2791956276"/>
+      </p:ext>
+    </p:extLst>
+  </p:cSld>
+  <p:clrMapOvr>
+    <a:masterClrMapping/>
+  </p:clrMapOvr>
+</p:sld>
+</file>
+
+<file path=ppt/slides/slide36.xml><?xml version="1.0" encoding="utf-8"?>
+<p:sld xmlns:a="http://schemas.openxmlformats.org/drawingml/2006/main" xmlns:r="http://schemas.openxmlformats.org/officeDocument/2006/relationships" xmlns:p="http://schemas.openxmlformats.org/presentationml/2006/main">
+  <p:cSld>
+    <p:spTree>
+      <p:nvGrpSpPr>
+        <p:cNvPr id="1" name=""/>
+        <p:cNvGrpSpPr/>
+        <p:nvPr/>
+      </p:nvGrpSpPr>
+      <p:grpSpPr>
+        <a:xfrm>
+          <a:off x="0" y="0"/>
+          <a:ext cx="0" cy="0"/>
+          <a:chOff x="0" y="0"/>
+          <a:chExt cx="0" cy="0"/>
+        </a:xfrm>
+      </p:grpSpPr>
+      <p:sp>
+        <p:nvSpPr>
+          <p:cNvPr id="4" name="Title 3">
+            <a:extLst>
+              <a:ext uri="{FF2B5EF4-FFF2-40B4-BE49-F238E27FC236}">
+                <a16:creationId xmlns:a16="http://schemas.microsoft.com/office/drawing/2014/main" id="{9C8C1127-AE7F-47DE-B3A6-D2A4516ACC2D}"/>
+              </a:ext>
+            </a:extLst>
+          </p:cNvPr>
+          <p:cNvSpPr>
+            <a:spLocks noGrp="1"/>
+          </p:cNvSpPr>
+          <p:nvPr>
+            <p:ph type="title"/>
+          </p:nvPr>
+        </p:nvSpPr>
+        <p:spPr>
+          <a:xfrm>
+            <a:off x="838200" y="365125"/>
+            <a:ext cx="10515600" cy="1325563"/>
+          </a:xfrm>
+        </p:spPr>
+        <p:txBody>
+          <a:bodyPr>
+            <a:normAutofit/>
+          </a:bodyPr>
+          <a:lstStyle/>
+          <a:p>
+            <a:r>
+              <a:rPr lang="en-US" sz="4000"/>
+              <a:t>Hold up…count is not a variable in `</a:t>
+            </a:r>
+            <a:r>
+              <a:rPr lang="en-US" sz="4000">
+                <a:latin typeface="Fira Code" panose="020B0809050000020004" pitchFamily="49" charset="0"/>
+                <a:ea typeface="Fira Code" panose="020B0809050000020004" pitchFamily="49" charset="0"/>
+                <a:cs typeface="Fira Code" panose="020B0809050000020004" pitchFamily="49" charset="0"/>
+              </a:rPr>
+              <a:t>diamonds</a:t>
+            </a:r>
+            <a:r>
+              <a:rPr lang="en-US" sz="4000"/>
+              <a:t>`!</a:t>
+            </a:r>
+            <a:endParaRPr lang="en-US" sz="4000" dirty="0"/>
+          </a:p>
+        </p:txBody>
+      </p:sp>
+      <p:sp>
+        <p:nvSpPr>
+          <p:cNvPr id="2" name="Footer Placeholder 1">
+            <a:extLst>
+              <a:ext uri="{FF2B5EF4-FFF2-40B4-BE49-F238E27FC236}">
+                <a16:creationId xmlns:a16="http://schemas.microsoft.com/office/drawing/2014/main" id="{5C51FC36-B608-4444-918A-29004BFE7178}"/>
+              </a:ext>
+            </a:extLst>
+          </p:cNvPr>
+          <p:cNvSpPr>
+            <a:spLocks noGrp="1"/>
+          </p:cNvSpPr>
+          <p:nvPr>
+            <p:ph type="ftr" sz="quarter" idx="11"/>
+          </p:nvPr>
+        </p:nvSpPr>
+        <p:spPr>
+          <a:xfrm>
+            <a:off x="4038600" y="6356350"/>
+            <a:ext cx="4114800" cy="365125"/>
+          </a:xfrm>
+        </p:spPr>
+        <p:txBody>
+          <a:bodyPr/>
+          <a:lstStyle/>
+          <a:p>
+            <a:r>
+              <a:rPr lang="en-US" dirty="0"/>
+              <a:t>CERF 2019 | The Next Step with R | Cressman and Dunnigan</a:t>
+            </a:r>
+          </a:p>
+        </p:txBody>
+      </p:sp>
+      <p:sp>
+        <p:nvSpPr>
+          <p:cNvPr id="3" name="Slide Number Placeholder 2">
+            <a:extLst>
+              <a:ext uri="{FF2B5EF4-FFF2-40B4-BE49-F238E27FC236}">
+                <a16:creationId xmlns:a16="http://schemas.microsoft.com/office/drawing/2014/main" id="{2D18631B-6CA1-4AB9-87C0-D137B3D198B1}"/>
+              </a:ext>
+            </a:extLst>
+          </p:cNvPr>
+          <p:cNvSpPr>
+            <a:spLocks noGrp="1"/>
+          </p:cNvSpPr>
+          <p:nvPr>
+            <p:ph type="sldNum" sz="quarter" idx="12"/>
+          </p:nvPr>
+        </p:nvSpPr>
+        <p:spPr>
+          <a:xfrm>
+            <a:off x="8610600" y="6356350"/>
+            <a:ext cx="2743200" cy="365125"/>
+          </a:xfrm>
+        </p:spPr>
+        <p:txBody>
+          <a:bodyPr/>
+          <a:lstStyle/>
+          <a:p>
+            <a:fld id="{1D07C8D9-AA71-438D-86BE-7B86F7F29DC7}" type="slidenum">
+              <a:rPr lang="en-US" smtClean="0"/>
+              <a:t>36</a:t>
+            </a:fld>
+            <a:endParaRPr lang="en-US"/>
+          </a:p>
+        </p:txBody>
+      </p:sp>
+      <p:sp>
+        <p:nvSpPr>
+          <p:cNvPr id="8" name="Content Placeholder 7">
+            <a:extLst>
+              <a:ext uri="{FF2B5EF4-FFF2-40B4-BE49-F238E27FC236}">
+                <a16:creationId xmlns:a16="http://schemas.microsoft.com/office/drawing/2014/main" id="{7AB00178-2664-432F-85F3-5BE830AF639E}"/>
+              </a:ext>
+            </a:extLst>
+          </p:cNvPr>
+          <p:cNvSpPr>
+            <a:spLocks noGrp="1"/>
+          </p:cNvSpPr>
+          <p:nvPr>
+            <p:ph idx="1"/>
+          </p:nvPr>
+        </p:nvSpPr>
+        <p:spPr/>
+        <p:txBody>
+          <a:bodyPr/>
+          <a:lstStyle/>
+          <a:p>
+            <a:pPr marL="0" indent="0">
+              <a:buNone/>
+            </a:pPr>
+            <a:r>
+              <a:rPr lang="en-US" dirty="0"/>
+              <a:t>Many graphs plot the raw values of your dataset while others </a:t>
+            </a:r>
+            <a:r>
+              <a:rPr lang="en-US" b="1" dirty="0"/>
+              <a:t>calculate</a:t>
+            </a:r>
+            <a:r>
+              <a:rPr lang="en-US" dirty="0"/>
+              <a:t> new values to plot:</a:t>
+            </a:r>
+          </a:p>
+          <a:p>
+            <a:r>
+              <a:rPr lang="en-US" dirty="0"/>
+              <a:t>Smoothers, </a:t>
+            </a:r>
+            <a:r>
+              <a:rPr lang="en-US" dirty="0" err="1">
+                <a:latin typeface="Fira Code" panose="020B0809050000020004" pitchFamily="49" charset="0"/>
+                <a:ea typeface="Fira Code" panose="020B0809050000020004" pitchFamily="49" charset="0"/>
+                <a:cs typeface="Fira Code" panose="020B0809050000020004" pitchFamily="49" charset="0"/>
+              </a:rPr>
+              <a:t>geom_smooth</a:t>
+            </a:r>
+            <a:r>
+              <a:rPr lang="en-US" dirty="0">
+                <a:latin typeface="Fira Code" panose="020B0809050000020004" pitchFamily="49" charset="0"/>
+                <a:ea typeface="Fira Code" panose="020B0809050000020004" pitchFamily="49" charset="0"/>
+                <a:cs typeface="Fira Code" panose="020B0809050000020004" pitchFamily="49" charset="0"/>
+              </a:rPr>
+              <a:t>()</a:t>
+            </a:r>
+            <a:r>
+              <a:rPr lang="en-US" dirty="0"/>
+              <a:t>, fit a model to your data and plot the predictions from the model</a:t>
+            </a:r>
+          </a:p>
+        </p:txBody>
+      </p:sp>
+      <p:pic>
+        <p:nvPicPr>
+          <p:cNvPr id="13" name="Picture 12">
+            <a:extLst>
+              <a:ext uri="{FF2B5EF4-FFF2-40B4-BE49-F238E27FC236}">
+                <a16:creationId xmlns:a16="http://schemas.microsoft.com/office/drawing/2014/main" id="{54B2EA5D-CB07-4C89-8E28-D25AC19AC0AB}"/>
+              </a:ext>
+            </a:extLst>
+          </p:cNvPr>
+          <p:cNvPicPr>
+            <a:picLocks noChangeAspect="1"/>
+          </p:cNvPicPr>
+          <p:nvPr/>
+        </p:nvPicPr>
+        <p:blipFill>
+          <a:blip r:embed="rId2">
+            <a:duotone>
+              <a:schemeClr val="bg2">
+                <a:shade val="45000"/>
+                <a:satMod val="135000"/>
+              </a:schemeClr>
+              <a:prstClr val="white"/>
+            </a:duotone>
+          </a:blip>
+          <a:stretch>
+            <a:fillRect/>
+          </a:stretch>
+        </p:blipFill>
+        <p:spPr>
+          <a:xfrm>
+            <a:off x="6651101" y="4001294"/>
+            <a:ext cx="857143" cy="857143"/>
+          </a:xfrm>
+          <a:prstGeom prst="rect">
+            <a:avLst/>
+          </a:prstGeom>
+        </p:spPr>
+      </p:pic>
+      <p:pic>
+        <p:nvPicPr>
+          <p:cNvPr id="14" name="Picture 13">
+            <a:extLst>
+              <a:ext uri="{FF2B5EF4-FFF2-40B4-BE49-F238E27FC236}">
+                <a16:creationId xmlns:a16="http://schemas.microsoft.com/office/drawing/2014/main" id="{92B10823-DD90-401C-BA1A-F0970FC8645A}"/>
+              </a:ext>
+            </a:extLst>
+          </p:cNvPr>
+          <p:cNvPicPr>
+            <a:picLocks noChangeAspect="1"/>
+          </p:cNvPicPr>
+          <p:nvPr/>
+        </p:nvPicPr>
+        <p:blipFill>
+          <a:blip r:embed="rId3">
+            <a:duotone>
+              <a:schemeClr val="bg2">
+                <a:shade val="45000"/>
+                <a:satMod val="135000"/>
+              </a:schemeClr>
+              <a:prstClr val="white"/>
+            </a:duotone>
+          </a:blip>
+          <a:stretch>
+            <a:fillRect/>
+          </a:stretch>
+        </p:blipFill>
+        <p:spPr>
+          <a:xfrm>
+            <a:off x="5702064" y="4001294"/>
+            <a:ext cx="857143" cy="857143"/>
+          </a:xfrm>
+          <a:prstGeom prst="rect">
+            <a:avLst/>
+          </a:prstGeom>
+        </p:spPr>
+      </p:pic>
+      <p:pic>
+        <p:nvPicPr>
+          <p:cNvPr id="15" name="Picture 14">
+            <a:extLst>
+              <a:ext uri="{FF2B5EF4-FFF2-40B4-BE49-F238E27FC236}">
+                <a16:creationId xmlns:a16="http://schemas.microsoft.com/office/drawing/2014/main" id="{B7A7C14D-EF2A-43F8-B63F-7911952A80C3}"/>
+              </a:ext>
+            </a:extLst>
+          </p:cNvPr>
+          <p:cNvPicPr>
+            <a:picLocks noChangeAspect="1"/>
+          </p:cNvPicPr>
+          <p:nvPr/>
+        </p:nvPicPr>
+        <p:blipFill>
+          <a:blip r:embed="rId4">
+            <a:duotone>
+              <a:schemeClr val="bg2">
+                <a:shade val="45000"/>
+                <a:satMod val="135000"/>
+              </a:schemeClr>
+              <a:prstClr val="white"/>
+            </a:duotone>
+          </a:blip>
+          <a:stretch>
+            <a:fillRect/>
+          </a:stretch>
+        </p:blipFill>
+        <p:spPr>
+          <a:xfrm>
+            <a:off x="4753027" y="4001294"/>
+            <a:ext cx="857143" cy="876190"/>
+          </a:xfrm>
+          <a:prstGeom prst="rect">
+            <a:avLst/>
+          </a:prstGeom>
+        </p:spPr>
+      </p:pic>
+      <p:pic>
+        <p:nvPicPr>
+          <p:cNvPr id="16" name="Picture 15">
+            <a:extLst>
+              <a:ext uri="{FF2B5EF4-FFF2-40B4-BE49-F238E27FC236}">
+                <a16:creationId xmlns:a16="http://schemas.microsoft.com/office/drawing/2014/main" id="{1F63CBED-D742-4FCD-BBF1-C2D4949C1D6C}"/>
+              </a:ext>
+            </a:extLst>
+          </p:cNvPr>
+          <p:cNvPicPr>
+            <a:picLocks noChangeAspect="1"/>
+          </p:cNvPicPr>
+          <p:nvPr/>
+        </p:nvPicPr>
+        <p:blipFill>
+          <a:blip r:embed="rId5"/>
+          <a:stretch>
+            <a:fillRect/>
+          </a:stretch>
+        </p:blipFill>
+        <p:spPr>
+          <a:xfrm>
+            <a:off x="7600138" y="4001294"/>
+            <a:ext cx="857143" cy="885714"/>
+          </a:xfrm>
+          <a:prstGeom prst="rect">
+            <a:avLst/>
+          </a:prstGeom>
+        </p:spPr>
+      </p:pic>
+      <p:pic>
+        <p:nvPicPr>
+          <p:cNvPr id="17" name="Picture 16">
+            <a:extLst>
+              <a:ext uri="{FF2B5EF4-FFF2-40B4-BE49-F238E27FC236}">
+                <a16:creationId xmlns:a16="http://schemas.microsoft.com/office/drawing/2014/main" id="{75429E09-F69B-48FA-8BF6-A4AD57282D6C}"/>
+              </a:ext>
+            </a:extLst>
+          </p:cNvPr>
+          <p:cNvPicPr>
+            <a:picLocks noChangeAspect="1"/>
+          </p:cNvPicPr>
+          <p:nvPr/>
+        </p:nvPicPr>
+        <p:blipFill>
+          <a:blip r:embed="rId6">
+            <a:duotone>
+              <a:schemeClr val="bg2">
+                <a:shade val="45000"/>
+                <a:satMod val="135000"/>
+              </a:schemeClr>
+              <a:prstClr val="white"/>
+            </a:duotone>
+          </a:blip>
+          <a:stretch>
+            <a:fillRect/>
+          </a:stretch>
+        </p:blipFill>
+        <p:spPr>
+          <a:xfrm>
+            <a:off x="3795223" y="3991770"/>
+            <a:ext cx="857143" cy="866667"/>
+          </a:xfrm>
+          <a:prstGeom prst="rect">
+            <a:avLst/>
+          </a:prstGeom>
+        </p:spPr>
+      </p:pic>
+    </p:spTree>
+    <p:extLst>
+      <p:ext uri="{BB962C8B-B14F-4D97-AF65-F5344CB8AC3E}">
+        <p14:creationId xmlns:p14="http://schemas.microsoft.com/office/powerpoint/2010/main" val="2786368381"/>
+      </p:ext>
+    </p:extLst>
+  </p:cSld>
+  <p:clrMapOvr>
+    <a:masterClrMapping/>
+  </p:clrMapOvr>
+</p:sld>
+</file>
+
+<file path=ppt/slides/slide37.xml><?xml version="1.0" encoding="utf-8"?>
+<p:sld xmlns:a="http://schemas.openxmlformats.org/drawingml/2006/main" xmlns:r="http://schemas.openxmlformats.org/officeDocument/2006/relationships" xmlns:p="http://schemas.openxmlformats.org/presentationml/2006/main">
+  <p:cSld>
+    <p:spTree>
+      <p:nvGrpSpPr>
+        <p:cNvPr id="1" name=""/>
+        <p:cNvGrpSpPr/>
+        <p:nvPr/>
+      </p:nvGrpSpPr>
+      <p:grpSpPr>
+        <a:xfrm>
+          <a:off x="0" y="0"/>
+          <a:ext cx="0" cy="0"/>
+          <a:chOff x="0" y="0"/>
+          <a:chExt cx="0" cy="0"/>
+        </a:xfrm>
+      </p:grpSpPr>
+      <p:sp>
+        <p:nvSpPr>
+          <p:cNvPr id="4" name="Title 3">
+            <a:extLst>
+              <a:ext uri="{FF2B5EF4-FFF2-40B4-BE49-F238E27FC236}">
+                <a16:creationId xmlns:a16="http://schemas.microsoft.com/office/drawing/2014/main" id="{9C8C1127-AE7F-47DE-B3A6-D2A4516ACC2D}"/>
+              </a:ext>
+            </a:extLst>
+          </p:cNvPr>
+          <p:cNvSpPr>
+            <a:spLocks noGrp="1"/>
+          </p:cNvSpPr>
+          <p:nvPr>
+            <p:ph type="title"/>
+          </p:nvPr>
+        </p:nvSpPr>
+        <p:spPr>
+          <a:xfrm>
+            <a:off x="838200" y="365125"/>
+            <a:ext cx="10515600" cy="1325563"/>
+          </a:xfrm>
+        </p:spPr>
+        <p:txBody>
+          <a:bodyPr>
+            <a:normAutofit/>
+          </a:bodyPr>
+          <a:lstStyle/>
+          <a:p>
+            <a:r>
+              <a:rPr lang="en-US" sz="4000"/>
+              <a:t>Hold up…count is not a variable in `</a:t>
+            </a:r>
+            <a:r>
+              <a:rPr lang="en-US" sz="4000">
+                <a:latin typeface="Fira Code" panose="020B0809050000020004" pitchFamily="49" charset="0"/>
+                <a:ea typeface="Fira Code" panose="020B0809050000020004" pitchFamily="49" charset="0"/>
+                <a:cs typeface="Fira Code" panose="020B0809050000020004" pitchFamily="49" charset="0"/>
+              </a:rPr>
+              <a:t>diamonds</a:t>
+            </a:r>
+            <a:r>
+              <a:rPr lang="en-US" sz="4000"/>
+              <a:t>`!</a:t>
+            </a:r>
+            <a:endParaRPr lang="en-US" sz="4000" dirty="0"/>
+          </a:p>
+        </p:txBody>
+      </p:sp>
+      <p:sp>
+        <p:nvSpPr>
+          <p:cNvPr id="2" name="Footer Placeholder 1">
+            <a:extLst>
+              <a:ext uri="{FF2B5EF4-FFF2-40B4-BE49-F238E27FC236}">
+                <a16:creationId xmlns:a16="http://schemas.microsoft.com/office/drawing/2014/main" id="{5C51FC36-B608-4444-918A-29004BFE7178}"/>
+              </a:ext>
+            </a:extLst>
+          </p:cNvPr>
+          <p:cNvSpPr>
+            <a:spLocks noGrp="1"/>
+          </p:cNvSpPr>
+          <p:nvPr>
+            <p:ph type="ftr" sz="quarter" idx="11"/>
+          </p:nvPr>
+        </p:nvSpPr>
+        <p:spPr>
+          <a:xfrm>
+            <a:off x="4038600" y="6356350"/>
+            <a:ext cx="4114800" cy="365125"/>
+          </a:xfrm>
+        </p:spPr>
+        <p:txBody>
+          <a:bodyPr/>
+          <a:lstStyle/>
+          <a:p>
+            <a:r>
+              <a:rPr lang="en-US" dirty="0"/>
+              <a:t>CERF 2019 | The Next Step with R | Cressman and Dunnigan</a:t>
+            </a:r>
+          </a:p>
+        </p:txBody>
+      </p:sp>
+      <p:sp>
+        <p:nvSpPr>
+          <p:cNvPr id="3" name="Slide Number Placeholder 2">
+            <a:extLst>
+              <a:ext uri="{FF2B5EF4-FFF2-40B4-BE49-F238E27FC236}">
+                <a16:creationId xmlns:a16="http://schemas.microsoft.com/office/drawing/2014/main" id="{2D18631B-6CA1-4AB9-87C0-D137B3D198B1}"/>
+              </a:ext>
+            </a:extLst>
+          </p:cNvPr>
+          <p:cNvSpPr>
+            <a:spLocks noGrp="1"/>
+          </p:cNvSpPr>
+          <p:nvPr>
+            <p:ph type="sldNum" sz="quarter" idx="12"/>
+          </p:nvPr>
+        </p:nvSpPr>
+        <p:spPr>
+          <a:xfrm>
+            <a:off x="8610600" y="6356350"/>
+            <a:ext cx="2743200" cy="365125"/>
+          </a:xfrm>
+        </p:spPr>
+        <p:txBody>
+          <a:bodyPr/>
+          <a:lstStyle/>
+          <a:p>
+            <a:fld id="{1D07C8D9-AA71-438D-86BE-7B86F7F29DC7}" type="slidenum">
+              <a:rPr lang="en-US" smtClean="0"/>
+              <a:t>37</a:t>
+            </a:fld>
+            <a:endParaRPr lang="en-US"/>
+          </a:p>
+        </p:txBody>
+      </p:sp>
+      <p:sp>
+        <p:nvSpPr>
+          <p:cNvPr id="8" name="Content Placeholder 7">
+            <a:extLst>
+              <a:ext uri="{FF2B5EF4-FFF2-40B4-BE49-F238E27FC236}">
+                <a16:creationId xmlns:a16="http://schemas.microsoft.com/office/drawing/2014/main" id="{7AB00178-2664-432F-85F3-5BE830AF639E}"/>
+              </a:ext>
+            </a:extLst>
+          </p:cNvPr>
+          <p:cNvSpPr>
+            <a:spLocks noGrp="1"/>
+          </p:cNvSpPr>
+          <p:nvPr>
+            <p:ph idx="1"/>
+          </p:nvPr>
+        </p:nvSpPr>
+        <p:spPr/>
+        <p:txBody>
+          <a:bodyPr/>
+          <a:lstStyle/>
+          <a:p>
+            <a:pPr marL="0" indent="0">
+              <a:buNone/>
+            </a:pPr>
+            <a:r>
+              <a:rPr lang="en-US" dirty="0"/>
+              <a:t>Many graphs plot the raw values of your dataset while others </a:t>
+            </a:r>
+            <a:r>
+              <a:rPr lang="en-US" b="1" dirty="0"/>
+              <a:t>calculate</a:t>
+            </a:r>
+            <a:r>
+              <a:rPr lang="en-US" dirty="0"/>
+              <a:t> new values to plot:</a:t>
+            </a:r>
+          </a:p>
+          <a:p>
+            <a:r>
+              <a:rPr lang="en-US" dirty="0"/>
+              <a:t>Boxplots compute a summary of the distribution and display it in a formatted box</a:t>
+            </a:r>
+          </a:p>
+        </p:txBody>
+      </p:sp>
+      <p:pic>
+        <p:nvPicPr>
+          <p:cNvPr id="13" name="Picture 12">
+            <a:extLst>
+              <a:ext uri="{FF2B5EF4-FFF2-40B4-BE49-F238E27FC236}">
+                <a16:creationId xmlns:a16="http://schemas.microsoft.com/office/drawing/2014/main" id="{54B2EA5D-CB07-4C89-8E28-D25AC19AC0AB}"/>
+              </a:ext>
+            </a:extLst>
+          </p:cNvPr>
+          <p:cNvPicPr>
+            <a:picLocks noChangeAspect="1"/>
+          </p:cNvPicPr>
+          <p:nvPr/>
+        </p:nvPicPr>
+        <p:blipFill>
+          <a:blip r:embed="rId2">
+            <a:duotone>
+              <a:schemeClr val="bg2">
+                <a:shade val="45000"/>
+                <a:satMod val="135000"/>
+              </a:schemeClr>
+              <a:prstClr val="white"/>
+            </a:duotone>
+          </a:blip>
+          <a:stretch>
+            <a:fillRect/>
+          </a:stretch>
+        </p:blipFill>
+        <p:spPr>
+          <a:xfrm>
+            <a:off x="6651101" y="4001294"/>
+            <a:ext cx="857143" cy="857143"/>
+          </a:xfrm>
+          <a:prstGeom prst="rect">
+            <a:avLst/>
+          </a:prstGeom>
+        </p:spPr>
+      </p:pic>
+      <p:pic>
+        <p:nvPicPr>
+          <p:cNvPr id="14" name="Picture 13">
+            <a:extLst>
+              <a:ext uri="{FF2B5EF4-FFF2-40B4-BE49-F238E27FC236}">
+                <a16:creationId xmlns:a16="http://schemas.microsoft.com/office/drawing/2014/main" id="{92B10823-DD90-401C-BA1A-F0970FC8645A}"/>
+              </a:ext>
+            </a:extLst>
+          </p:cNvPr>
+          <p:cNvPicPr>
+            <a:picLocks noChangeAspect="1"/>
+          </p:cNvPicPr>
+          <p:nvPr/>
+        </p:nvPicPr>
+        <p:blipFill>
+          <a:blip r:embed="rId3">
+            <a:duotone>
+              <a:schemeClr val="bg2">
+                <a:shade val="45000"/>
+                <a:satMod val="135000"/>
+              </a:schemeClr>
+              <a:prstClr val="white"/>
+            </a:duotone>
+          </a:blip>
+          <a:stretch>
+            <a:fillRect/>
+          </a:stretch>
+        </p:blipFill>
+        <p:spPr>
+          <a:xfrm>
+            <a:off x="5702064" y="4001294"/>
+            <a:ext cx="857143" cy="857143"/>
+          </a:xfrm>
+          <a:prstGeom prst="rect">
+            <a:avLst/>
+          </a:prstGeom>
+        </p:spPr>
+      </p:pic>
+      <p:pic>
+        <p:nvPicPr>
+          <p:cNvPr id="15" name="Picture 14">
+            <a:extLst>
+              <a:ext uri="{FF2B5EF4-FFF2-40B4-BE49-F238E27FC236}">
+                <a16:creationId xmlns:a16="http://schemas.microsoft.com/office/drawing/2014/main" id="{B7A7C14D-EF2A-43F8-B63F-7911952A80C3}"/>
+              </a:ext>
+            </a:extLst>
+          </p:cNvPr>
+          <p:cNvPicPr>
+            <a:picLocks noChangeAspect="1"/>
+          </p:cNvPicPr>
+          <p:nvPr/>
+        </p:nvPicPr>
+        <p:blipFill>
+          <a:blip r:embed="rId4">
+            <a:duotone>
+              <a:schemeClr val="bg2">
+                <a:shade val="45000"/>
+                <a:satMod val="135000"/>
+              </a:schemeClr>
+              <a:prstClr val="white"/>
+            </a:duotone>
+          </a:blip>
+          <a:stretch>
+            <a:fillRect/>
+          </a:stretch>
+        </p:blipFill>
+        <p:spPr>
+          <a:xfrm>
+            <a:off x="4753027" y="4001294"/>
+            <a:ext cx="857143" cy="876190"/>
+          </a:xfrm>
+          <a:prstGeom prst="rect">
+            <a:avLst/>
+          </a:prstGeom>
+        </p:spPr>
+      </p:pic>
+      <p:pic>
+        <p:nvPicPr>
+          <p:cNvPr id="16" name="Picture 15">
+            <a:extLst>
+              <a:ext uri="{FF2B5EF4-FFF2-40B4-BE49-F238E27FC236}">
+                <a16:creationId xmlns:a16="http://schemas.microsoft.com/office/drawing/2014/main" id="{1F63CBED-D742-4FCD-BBF1-C2D4949C1D6C}"/>
+              </a:ext>
+            </a:extLst>
+          </p:cNvPr>
+          <p:cNvPicPr>
+            <a:picLocks noChangeAspect="1"/>
+          </p:cNvPicPr>
+          <p:nvPr/>
+        </p:nvPicPr>
+        <p:blipFill>
+          <a:blip r:embed="rId5">
+            <a:duotone>
+              <a:schemeClr val="bg2">
+                <a:shade val="45000"/>
+                <a:satMod val="135000"/>
+              </a:schemeClr>
+              <a:prstClr val="white"/>
+            </a:duotone>
+          </a:blip>
+          <a:stretch>
+            <a:fillRect/>
+          </a:stretch>
+        </p:blipFill>
+        <p:spPr>
+          <a:xfrm>
+            <a:off x="7600138" y="4001294"/>
+            <a:ext cx="857143" cy="885714"/>
+          </a:xfrm>
+          <a:prstGeom prst="rect">
+            <a:avLst/>
+          </a:prstGeom>
+        </p:spPr>
+      </p:pic>
+      <p:pic>
+        <p:nvPicPr>
+          <p:cNvPr id="17" name="Picture 16">
+            <a:extLst>
+              <a:ext uri="{FF2B5EF4-FFF2-40B4-BE49-F238E27FC236}">
+                <a16:creationId xmlns:a16="http://schemas.microsoft.com/office/drawing/2014/main" id="{75429E09-F69B-48FA-8BF6-A4AD57282D6C}"/>
+              </a:ext>
+            </a:extLst>
+          </p:cNvPr>
+          <p:cNvPicPr>
+            <a:picLocks noChangeAspect="1"/>
+          </p:cNvPicPr>
+          <p:nvPr/>
+        </p:nvPicPr>
+        <p:blipFill>
+          <a:blip r:embed="rId6"/>
+          <a:stretch>
+            <a:fillRect/>
+          </a:stretch>
+        </p:blipFill>
+        <p:spPr>
+          <a:xfrm>
+            <a:off x="3795223" y="3991770"/>
+            <a:ext cx="857143" cy="866667"/>
+          </a:xfrm>
+          <a:prstGeom prst="rect">
+            <a:avLst/>
+          </a:prstGeom>
+        </p:spPr>
+      </p:pic>
+    </p:spTree>
+    <p:extLst>
+      <p:ext uri="{BB962C8B-B14F-4D97-AF65-F5344CB8AC3E}">
+        <p14:creationId xmlns:p14="http://schemas.microsoft.com/office/powerpoint/2010/main" val="2741628160"/>
+      </p:ext>
+    </p:extLst>
+  </p:cSld>
+  <p:clrMapOvr>
+    <a:masterClrMapping/>
+  </p:clrMapOvr>
+</p:sld>
+</file>
+
+<file path=ppt/slides/slide38.xml><?xml version="1.0" encoding="utf-8"?>
+<p:sld xmlns:a="http://schemas.openxmlformats.org/drawingml/2006/main" xmlns:r="http://schemas.openxmlformats.org/officeDocument/2006/relationships" xmlns:p="http://schemas.openxmlformats.org/presentationml/2006/main">
+  <p:cSld>
+    <p:spTree>
+      <p:nvGrpSpPr>
+        <p:cNvPr id="1" name=""/>
+        <p:cNvGrpSpPr/>
+        <p:nvPr/>
+      </p:nvGrpSpPr>
+      <p:grpSpPr>
+        <a:xfrm>
+          <a:off x="0" y="0"/>
+          <a:ext cx="0" cy="0"/>
+          <a:chOff x="0" y="0"/>
+          <a:chExt cx="0" cy="0"/>
+        </a:xfrm>
+      </p:grpSpPr>
+      <p:sp>
+        <p:nvSpPr>
+          <p:cNvPr id="4" name="Title 3">
+            <a:extLst>
+              <a:ext uri="{FF2B5EF4-FFF2-40B4-BE49-F238E27FC236}">
+                <a16:creationId xmlns:a16="http://schemas.microsoft.com/office/drawing/2014/main" id="{9C8C1127-AE7F-47DE-B3A6-D2A4516ACC2D}"/>
+              </a:ext>
+            </a:extLst>
+          </p:cNvPr>
+          <p:cNvSpPr>
+            <a:spLocks noGrp="1"/>
+          </p:cNvSpPr>
+          <p:nvPr>
+            <p:ph type="title"/>
+          </p:nvPr>
+        </p:nvSpPr>
+        <p:spPr>
+          <a:xfrm>
+            <a:off x="838200" y="365125"/>
+            <a:ext cx="10515600" cy="1325563"/>
+          </a:xfrm>
+        </p:spPr>
+        <p:txBody>
+          <a:bodyPr>
+            <a:normAutofit/>
+          </a:bodyPr>
+          <a:lstStyle/>
+          <a:p>
+            <a:r>
+              <a:rPr lang="en-US" sz="4000"/>
+              <a:t>Hold up…count is not a variable in `</a:t>
+            </a:r>
+            <a:r>
+              <a:rPr lang="en-US" sz="4000">
+                <a:latin typeface="Fira Code" panose="020B0809050000020004" pitchFamily="49" charset="0"/>
+                <a:ea typeface="Fira Code" panose="020B0809050000020004" pitchFamily="49" charset="0"/>
+                <a:cs typeface="Fira Code" panose="020B0809050000020004" pitchFamily="49" charset="0"/>
+              </a:rPr>
+              <a:t>diamonds</a:t>
+            </a:r>
+            <a:r>
+              <a:rPr lang="en-US" sz="4000"/>
+              <a:t>`!</a:t>
+            </a:r>
+            <a:endParaRPr lang="en-US" sz="4000" dirty="0"/>
+          </a:p>
+        </p:txBody>
+      </p:sp>
+      <p:pic>
+        <p:nvPicPr>
+          <p:cNvPr id="6" name="Content Placeholder 5">
+            <a:extLst>
+              <a:ext uri="{FF2B5EF4-FFF2-40B4-BE49-F238E27FC236}">
+                <a16:creationId xmlns:a16="http://schemas.microsoft.com/office/drawing/2014/main" id="{6461BC00-1BE6-42F6-87CB-17416558630B}"/>
+              </a:ext>
+            </a:extLst>
+          </p:cNvPr>
+          <p:cNvPicPr>
+            <a:picLocks noGrp="1" noChangeAspect="1"/>
+          </p:cNvPicPr>
+          <p:nvPr>
+            <p:ph idx="1"/>
+          </p:nvPr>
+        </p:nvPicPr>
+        <p:blipFill>
+          <a:blip r:embed="rId2"/>
+          <a:stretch>
+            <a:fillRect/>
+          </a:stretch>
+        </p:blipFill>
+        <p:spPr>
+          <a:xfrm>
+            <a:off x="43878" y="1440873"/>
+            <a:ext cx="12146175" cy="4724400"/>
+          </a:xfrm>
+          <a:prstGeom prst="rect">
+            <a:avLst/>
+          </a:prstGeom>
+        </p:spPr>
+      </p:pic>
+      <p:sp>
+        <p:nvSpPr>
+          <p:cNvPr id="2" name="Footer Placeholder 1">
+            <a:extLst>
+              <a:ext uri="{FF2B5EF4-FFF2-40B4-BE49-F238E27FC236}">
+                <a16:creationId xmlns:a16="http://schemas.microsoft.com/office/drawing/2014/main" id="{5C51FC36-B608-4444-918A-29004BFE7178}"/>
+              </a:ext>
+            </a:extLst>
+          </p:cNvPr>
+          <p:cNvSpPr>
+            <a:spLocks noGrp="1"/>
+          </p:cNvSpPr>
+          <p:nvPr>
+            <p:ph type="ftr" sz="quarter" idx="11"/>
+          </p:nvPr>
+        </p:nvSpPr>
+        <p:spPr>
+          <a:xfrm>
+            <a:off x="4038600" y="6356350"/>
+            <a:ext cx="4114800" cy="365125"/>
+          </a:xfrm>
+        </p:spPr>
+        <p:txBody>
+          <a:bodyPr/>
+          <a:lstStyle/>
+          <a:p>
+            <a:r>
+              <a:rPr lang="en-US"/>
+              <a:t>CERF 2019 | The Next Step with R | Cressman and Dunnigan</a:t>
+            </a:r>
+          </a:p>
+        </p:txBody>
+      </p:sp>
+      <p:sp>
+        <p:nvSpPr>
+          <p:cNvPr id="3" name="Slide Number Placeholder 2">
+            <a:extLst>
+              <a:ext uri="{FF2B5EF4-FFF2-40B4-BE49-F238E27FC236}">
+                <a16:creationId xmlns:a16="http://schemas.microsoft.com/office/drawing/2014/main" id="{2D18631B-6CA1-4AB9-87C0-D137B3D198B1}"/>
+              </a:ext>
+            </a:extLst>
+          </p:cNvPr>
+          <p:cNvSpPr>
+            <a:spLocks noGrp="1"/>
+          </p:cNvSpPr>
+          <p:nvPr>
+            <p:ph type="sldNum" sz="quarter" idx="12"/>
+          </p:nvPr>
+        </p:nvSpPr>
+        <p:spPr>
+          <a:xfrm>
+            <a:off x="8610600" y="6356350"/>
+            <a:ext cx="2743200" cy="365125"/>
+          </a:xfrm>
+        </p:spPr>
+        <p:txBody>
+          <a:bodyPr/>
+          <a:lstStyle/>
+          <a:p>
+            <a:fld id="{1D07C8D9-AA71-438D-86BE-7B86F7F29DC7}" type="slidenum">
+              <a:rPr lang="en-US" smtClean="0"/>
+              <a:t>38</a:t>
+            </a:fld>
+            <a:endParaRPr lang="en-US"/>
+          </a:p>
+        </p:txBody>
+      </p:sp>
+      <p:pic>
+        <p:nvPicPr>
+          <p:cNvPr id="1026" name="Picture 2" descr="Cover image">
+            <a:extLst>
+              <a:ext uri="{FF2B5EF4-FFF2-40B4-BE49-F238E27FC236}">
+                <a16:creationId xmlns:a16="http://schemas.microsoft.com/office/drawing/2014/main" id="{21A4609E-3529-4883-8BAC-A28D0D809771}"/>
+              </a:ext>
+            </a:extLst>
+          </p:cNvPr>
+          <p:cNvPicPr>
+            <a:picLocks noChangeAspect="1" noChangeArrowheads="1"/>
+          </p:cNvPicPr>
+          <p:nvPr/>
+        </p:nvPicPr>
+        <p:blipFill>
+          <a:blip r:embed="rId3">
+            <a:extLst>
+              <a:ext uri="{28A0092B-C50C-407E-A947-70E740481C1C}">
+                <a14:useLocalDpi xmlns:a14="http://schemas.microsoft.com/office/drawing/2010/main" val="0"/>
+              </a:ext>
+            </a:extLst>
+          </a:blip>
+          <a:srcRect/>
+          <a:stretch>
+            <a:fillRect/>
+          </a:stretch>
+        </p:blipFill>
+        <p:spPr bwMode="auto">
+          <a:xfrm>
+            <a:off x="281355" y="5066568"/>
+            <a:ext cx="984738" cy="1477107"/>
+          </a:xfrm>
+          <a:prstGeom prst="rect">
+            <a:avLst/>
+          </a:prstGeom>
+          <a:noFill/>
+          <a:extLst>
+            <a:ext uri="{909E8E84-426E-40DD-AFC4-6F175D3DCCD1}">
+              <a14:hiddenFill xmlns:a14="http://schemas.microsoft.com/office/drawing/2010/main">
+                <a:solidFill>
+                  <a:srgbClr val="FFFFFF"/>
+                </a:solidFill>
+              </a14:hiddenFill>
+            </a:ext>
+          </a:extLst>
+        </p:spPr>
+      </p:pic>
+    </p:spTree>
+    <p:extLst>
+      <p:ext uri="{BB962C8B-B14F-4D97-AF65-F5344CB8AC3E}">
+        <p14:creationId xmlns:p14="http://schemas.microsoft.com/office/powerpoint/2010/main" val="200347073"/>
+      </p:ext>
+    </p:extLst>
+  </p:cSld>
+  <p:clrMapOvr>
+    <a:masterClrMapping/>
+  </p:clrMapOvr>
+</p:sld>
+</file>
+
+<file path=ppt/slides/slide39.xml><?xml version="1.0" encoding="utf-8"?>
+<p:sld xmlns:a="http://schemas.openxmlformats.org/drawingml/2006/main" xmlns:r="http://schemas.openxmlformats.org/officeDocument/2006/relationships" xmlns:p="http://schemas.openxmlformats.org/presentationml/2006/main">
+  <p:cSld>
+    <p:spTree>
+      <p:nvGrpSpPr>
+        <p:cNvPr id="1" name=""/>
+        <p:cNvGrpSpPr/>
+        <p:nvPr/>
+      </p:nvGrpSpPr>
+      <p:grpSpPr>
+        <a:xfrm>
+          <a:off x="0" y="0"/>
+          <a:ext cx="0" cy="0"/>
+          <a:chOff x="0" y="0"/>
+          <a:chExt cx="0" cy="0"/>
+        </a:xfrm>
+      </p:grpSpPr>
+      <p:sp>
+        <p:nvSpPr>
+          <p:cNvPr id="2" name="Title 1">
+            <a:extLst>
+              <a:ext uri="{FF2B5EF4-FFF2-40B4-BE49-F238E27FC236}">
+                <a16:creationId xmlns:a16="http://schemas.microsoft.com/office/drawing/2014/main" id="{31CE841C-2444-4761-BEF4-44A4B0C6CF5D}"/>
+              </a:ext>
+            </a:extLst>
+          </p:cNvPr>
+          <p:cNvSpPr>
+            <a:spLocks noGrp="1"/>
+          </p:cNvSpPr>
+          <p:nvPr>
+            <p:ph type="title"/>
+          </p:nvPr>
+        </p:nvSpPr>
+        <p:spPr/>
+        <p:txBody>
+          <a:bodyPr/>
+          <a:lstStyle/>
+          <a:p>
+            <a:pPr algn="ctr"/>
+            <a:r>
+              <a:rPr lang="en-US" dirty="0"/>
+              <a:t> </a:t>
+            </a:r>
+            <a:r>
+              <a:rPr lang="en-US" dirty="0">
+                <a:latin typeface="Fira Code" panose="020B0809050000020004" pitchFamily="49" charset="0"/>
+                <a:ea typeface="Fira Code" panose="020B0809050000020004" pitchFamily="49" charset="0"/>
+                <a:cs typeface="Fira Code" panose="020B0809050000020004" pitchFamily="49" charset="0"/>
+              </a:rPr>
+              <a:t>stat</a:t>
+            </a:r>
+          </a:p>
+        </p:txBody>
+      </p:sp>
+      <p:sp>
+        <p:nvSpPr>
+          <p:cNvPr id="3" name="Content Placeholder 2">
+            <a:extLst>
+              <a:ext uri="{FF2B5EF4-FFF2-40B4-BE49-F238E27FC236}">
+                <a16:creationId xmlns:a16="http://schemas.microsoft.com/office/drawing/2014/main" id="{E231AFCE-B0F7-455F-8222-9D9C36460F55}"/>
+              </a:ext>
+            </a:extLst>
+          </p:cNvPr>
+          <p:cNvSpPr>
+            <a:spLocks noGrp="1"/>
+          </p:cNvSpPr>
+          <p:nvPr>
+            <p:ph idx="1"/>
+          </p:nvPr>
+        </p:nvSpPr>
+        <p:spPr>
+          <a:xfrm>
+            <a:off x="838200" y="1825625"/>
+            <a:ext cx="10515600" cy="1504597"/>
+          </a:xfrm>
+        </p:spPr>
+        <p:txBody>
+          <a:bodyPr/>
+          <a:lstStyle/>
+          <a:p>
+            <a:pPr marL="0" indent="0">
+              <a:buNone/>
+            </a:pPr>
+            <a:r>
+              <a:rPr lang="en-US" dirty="0"/>
+              <a:t>Short for “statistical transformation” - the algorithm that is used to create new values for a graph.</a:t>
+            </a:r>
+          </a:p>
+          <a:p>
+            <a:pPr marL="0" indent="0" algn="ctr">
+              <a:buNone/>
+            </a:pPr>
+            <a:r>
+              <a:rPr lang="en-US" dirty="0"/>
+              <a:t>One of the five components of each layer!</a:t>
+            </a:r>
+          </a:p>
+        </p:txBody>
+      </p:sp>
+      <p:sp>
+        <p:nvSpPr>
+          <p:cNvPr id="4" name="Footer Placeholder 3">
+            <a:extLst>
+              <a:ext uri="{FF2B5EF4-FFF2-40B4-BE49-F238E27FC236}">
+                <a16:creationId xmlns:a16="http://schemas.microsoft.com/office/drawing/2014/main" id="{B07D8B9A-1FA2-4B33-A5B9-7819387C7BA0}"/>
+              </a:ext>
+            </a:extLst>
+          </p:cNvPr>
+          <p:cNvSpPr>
+            <a:spLocks noGrp="1"/>
+          </p:cNvSpPr>
+          <p:nvPr>
+            <p:ph type="ftr" sz="quarter" idx="11"/>
+          </p:nvPr>
+        </p:nvSpPr>
+        <p:spPr/>
+        <p:txBody>
+          <a:bodyPr/>
+          <a:lstStyle/>
+          <a:p>
+            <a:r>
+              <a:rPr lang="en-US"/>
+              <a:t>CERF 2019 | The Next Step with R | Cressman and Dunnigan</a:t>
+            </a:r>
+          </a:p>
+        </p:txBody>
+      </p:sp>
+      <p:sp>
+        <p:nvSpPr>
+          <p:cNvPr id="5" name="Slide Number Placeholder 4">
+            <a:extLst>
+              <a:ext uri="{FF2B5EF4-FFF2-40B4-BE49-F238E27FC236}">
+                <a16:creationId xmlns:a16="http://schemas.microsoft.com/office/drawing/2014/main" id="{7359C747-A9B7-4717-8CBE-76EE40DCAD09}"/>
+              </a:ext>
+            </a:extLst>
+          </p:cNvPr>
+          <p:cNvSpPr>
+            <a:spLocks noGrp="1"/>
+          </p:cNvSpPr>
+          <p:nvPr>
+            <p:ph type="sldNum" sz="quarter" idx="12"/>
+          </p:nvPr>
+        </p:nvSpPr>
+        <p:spPr/>
+        <p:txBody>
+          <a:bodyPr/>
+          <a:lstStyle/>
+          <a:p>
+            <a:fld id="{1D07C8D9-AA71-438D-86BE-7B86F7F29DC7}" type="slidenum">
+              <a:rPr lang="en-US" smtClean="0"/>
+              <a:t>39</a:t>
+            </a:fld>
+            <a:endParaRPr lang="en-US"/>
+          </a:p>
+        </p:txBody>
+      </p:sp>
+      <p:sp>
+        <p:nvSpPr>
+          <p:cNvPr id="6" name="TextBox 5">
+            <a:extLst>
+              <a:ext uri="{FF2B5EF4-FFF2-40B4-BE49-F238E27FC236}">
+                <a16:creationId xmlns:a16="http://schemas.microsoft.com/office/drawing/2014/main" id="{5D69C9A7-7D5B-4849-B91D-3366D5D03459}"/>
+              </a:ext>
+            </a:extLst>
+          </p:cNvPr>
+          <p:cNvSpPr txBox="1"/>
+          <p:nvPr/>
+        </p:nvSpPr>
+        <p:spPr>
+          <a:xfrm>
+            <a:off x="838200" y="3330222"/>
+            <a:ext cx="9877777" cy="1569660"/>
+          </a:xfrm>
+          <a:prstGeom prst="rect">
+            <a:avLst/>
+          </a:prstGeom>
+          <a:noFill/>
+        </p:spPr>
+        <p:txBody>
+          <a:bodyPr wrap="square" rtlCol="0">
+            <a:spAutoFit/>
+          </a:bodyPr>
+          <a:lstStyle/>
+          <a:p>
+            <a:r>
+              <a:rPr lang="en-US" dirty="0"/>
+              <a:t> </a:t>
+            </a:r>
+            <a:r>
+              <a:rPr lang="en-US" sz="2400" dirty="0" err="1">
+                <a:latin typeface="Fira Code" panose="020B0809050000020004" pitchFamily="49" charset="0"/>
+                <a:ea typeface="Fira Code" panose="020B0809050000020004" pitchFamily="49" charset="0"/>
+                <a:cs typeface="Fira Code" panose="020B0809050000020004" pitchFamily="49" charset="0"/>
+              </a:rPr>
+              <a:t>ggplot</a:t>
+            </a:r>
+            <a:r>
+              <a:rPr lang="en-US" sz="2400" dirty="0">
+                <a:latin typeface="Fira Code" panose="020B0809050000020004" pitchFamily="49" charset="0"/>
+                <a:ea typeface="Fira Code" panose="020B0809050000020004" pitchFamily="49" charset="0"/>
+                <a:cs typeface="Fira Code" panose="020B0809050000020004" pitchFamily="49" charset="0"/>
+              </a:rPr>
+              <a:t>(data = &lt;DATA&gt;) +</a:t>
+            </a:r>
+          </a:p>
+          <a:p>
+            <a:r>
+              <a:rPr lang="en-US" sz="2400" dirty="0">
+                <a:latin typeface="Fira Code" panose="020B0809050000020004" pitchFamily="49" charset="0"/>
+                <a:ea typeface="Fira Code" panose="020B0809050000020004" pitchFamily="49" charset="0"/>
+                <a:cs typeface="Fira Code" panose="020B0809050000020004" pitchFamily="49" charset="0"/>
+              </a:rPr>
+              <a:t>	&lt;GEOM_FUNCTION&gt;(mapping = </a:t>
+            </a:r>
+            <a:r>
+              <a:rPr lang="en-US" sz="2400" dirty="0" err="1">
+                <a:latin typeface="Fira Code" panose="020B0809050000020004" pitchFamily="49" charset="0"/>
+                <a:ea typeface="Fira Code" panose="020B0809050000020004" pitchFamily="49" charset="0"/>
+                <a:cs typeface="Fira Code" panose="020B0809050000020004" pitchFamily="49" charset="0"/>
+              </a:rPr>
+              <a:t>aes</a:t>
+            </a:r>
+            <a:r>
+              <a:rPr lang="en-US" sz="2400" dirty="0">
+                <a:latin typeface="Fira Code" panose="020B0809050000020004" pitchFamily="49" charset="0"/>
+                <a:ea typeface="Fira Code" panose="020B0809050000020004" pitchFamily="49" charset="0"/>
+                <a:cs typeface="Fira Code" panose="020B0809050000020004" pitchFamily="49" charset="0"/>
+              </a:rPr>
+              <a:t>(&lt;MAPPINGS&gt;),</a:t>
+            </a:r>
+          </a:p>
+          <a:p>
+            <a:r>
+              <a:rPr lang="en-US" sz="2400" dirty="0">
+                <a:latin typeface="Fira Code" panose="020B0809050000020004" pitchFamily="49" charset="0"/>
+                <a:ea typeface="Fira Code" panose="020B0809050000020004" pitchFamily="49" charset="0"/>
+                <a:cs typeface="Fira Code" panose="020B0809050000020004" pitchFamily="49" charset="0"/>
+              </a:rPr>
+              <a:t>			      stat = </a:t>
+            </a:r>
+            <a:r>
+              <a:rPr lang="en-US" sz="2400" dirty="0">
+                <a:solidFill>
+                  <a:schemeClr val="accent3"/>
+                </a:solidFill>
+                <a:latin typeface="Fira Code" panose="020B0809050000020004" pitchFamily="49" charset="0"/>
+                <a:ea typeface="Fira Code" panose="020B0809050000020004" pitchFamily="49" charset="0"/>
+                <a:cs typeface="Fira Code" panose="020B0809050000020004" pitchFamily="49" charset="0"/>
+              </a:rPr>
+              <a:t>&lt;STAT&gt;</a:t>
+            </a:r>
+            <a:r>
+              <a:rPr lang="en-US" sz="2400" dirty="0">
+                <a:latin typeface="Fira Code" panose="020B0809050000020004" pitchFamily="49" charset="0"/>
+                <a:ea typeface="Fira Code" panose="020B0809050000020004" pitchFamily="49" charset="0"/>
+                <a:cs typeface="Fira Code" panose="020B0809050000020004" pitchFamily="49" charset="0"/>
+              </a:rPr>
+              <a:t>,</a:t>
+            </a:r>
+          </a:p>
+          <a:p>
+            <a:r>
+              <a:rPr lang="en-US" sz="2400" dirty="0">
+                <a:latin typeface="Fira Code" panose="020B0809050000020004" pitchFamily="49" charset="0"/>
+                <a:ea typeface="Fira Code" panose="020B0809050000020004" pitchFamily="49" charset="0"/>
+                <a:cs typeface="Fira Code" panose="020B0809050000020004" pitchFamily="49" charset="0"/>
+              </a:rPr>
+              <a:t>			      position = </a:t>
+            </a:r>
+            <a:r>
+              <a:rPr lang="en-US" sz="2400" dirty="0">
+                <a:solidFill>
+                  <a:schemeClr val="accent4"/>
+                </a:solidFill>
+                <a:latin typeface="Fira Code" panose="020B0809050000020004" pitchFamily="49" charset="0"/>
+                <a:ea typeface="Fira Code" panose="020B0809050000020004" pitchFamily="49" charset="0"/>
+                <a:cs typeface="Fira Code" panose="020B0809050000020004" pitchFamily="49" charset="0"/>
+              </a:rPr>
+              <a:t>&lt;POSITION&gt;</a:t>
+            </a:r>
+            <a:r>
+              <a:rPr lang="en-US" sz="2400" dirty="0">
+                <a:latin typeface="Fira Code" panose="020B0809050000020004" pitchFamily="49" charset="0"/>
+                <a:ea typeface="Fira Code" panose="020B0809050000020004" pitchFamily="49" charset="0"/>
+                <a:cs typeface="Fira Code" panose="020B0809050000020004" pitchFamily="49" charset="0"/>
+              </a:rPr>
+              <a:t>)</a:t>
+            </a:r>
+          </a:p>
+        </p:txBody>
+      </p:sp>
+      <p:sp>
+        <p:nvSpPr>
+          <p:cNvPr id="7" name="Speech Bubble: Rectangle with Corners Rounded 6">
+            <a:extLst>
+              <a:ext uri="{FF2B5EF4-FFF2-40B4-BE49-F238E27FC236}">
+                <a16:creationId xmlns:a16="http://schemas.microsoft.com/office/drawing/2014/main" id="{BE40FD18-FF20-4A76-8A99-5149434D9517}"/>
+              </a:ext>
+            </a:extLst>
+          </p:cNvPr>
+          <p:cNvSpPr/>
+          <p:nvPr/>
+        </p:nvSpPr>
+        <p:spPr>
+          <a:xfrm>
+            <a:off x="9471378" y="3953755"/>
+            <a:ext cx="2472266" cy="1885245"/>
+          </a:xfrm>
+          <a:prstGeom prst="wedgeRoundRectCallout">
+            <a:avLst>
+              <a:gd name="adj1" fmla="val -138185"/>
+              <a:gd name="adj2" fmla="val -32709"/>
+              <a:gd name="adj3" fmla="val 16667"/>
+            </a:avLst>
+          </a:prstGeom>
+        </p:spPr>
+        <p:style>
+          <a:lnRef idx="2">
+            <a:schemeClr val="accent3">
+              <a:shade val="50000"/>
+            </a:schemeClr>
+          </a:lnRef>
+          <a:fillRef idx="1">
+            <a:schemeClr val="accent3"/>
+          </a:fillRef>
+          <a:effectRef idx="0">
+            <a:schemeClr val="accent3"/>
+          </a:effectRef>
+          <a:fontRef idx="minor">
+            <a:schemeClr val="lt1"/>
+          </a:fontRef>
+        </p:style>
+        <p:txBody>
+          <a:bodyPr rtlCol="0" anchor="ctr"/>
+          <a:lstStyle/>
+          <a:p>
+            <a:pPr algn="ctr"/>
+            <a:r>
+              <a:rPr lang="en-US" dirty="0"/>
+              <a:t>Learn what stat a </a:t>
+            </a:r>
+            <a:r>
+              <a:rPr lang="en-US" dirty="0" err="1"/>
+              <a:t>geom</a:t>
+            </a:r>
+            <a:r>
+              <a:rPr lang="en-US" dirty="0"/>
+              <a:t> uses by inspecting the default value for the stat argument. </a:t>
+            </a:r>
+          </a:p>
+          <a:p>
+            <a:pPr algn="ctr"/>
+            <a:r>
+              <a:rPr lang="en-US" dirty="0"/>
+              <a:t>Ex: </a:t>
+            </a:r>
+            <a:r>
+              <a:rPr lang="en-US" dirty="0">
+                <a:latin typeface="Fira Code" panose="020B0809050000020004" pitchFamily="49" charset="0"/>
+                <a:ea typeface="Fira Code" panose="020B0809050000020004" pitchFamily="49" charset="0"/>
+                <a:cs typeface="Fira Code" panose="020B0809050000020004" pitchFamily="49" charset="0"/>
+              </a:rPr>
+              <a:t>?</a:t>
+            </a:r>
+            <a:r>
+              <a:rPr lang="en-US" dirty="0" err="1">
+                <a:latin typeface="Fira Code" panose="020B0809050000020004" pitchFamily="49" charset="0"/>
+                <a:ea typeface="Fira Code" panose="020B0809050000020004" pitchFamily="49" charset="0"/>
+                <a:cs typeface="Fira Code" panose="020B0809050000020004" pitchFamily="49" charset="0"/>
+              </a:rPr>
+              <a:t>geom_bar</a:t>
+            </a:r>
+            <a:endParaRPr lang="en-US" dirty="0">
+              <a:latin typeface="Fira Code" panose="020B0809050000020004" pitchFamily="49" charset="0"/>
+              <a:ea typeface="Fira Code" panose="020B0809050000020004" pitchFamily="49" charset="0"/>
+              <a:cs typeface="Fira Code" panose="020B0809050000020004" pitchFamily="49" charset="0"/>
+            </a:endParaRPr>
+          </a:p>
+        </p:txBody>
+      </p:sp>
+    </p:spTree>
+    <p:extLst>
+      <p:ext uri="{BB962C8B-B14F-4D97-AF65-F5344CB8AC3E}">
+        <p14:creationId xmlns:p14="http://schemas.microsoft.com/office/powerpoint/2010/main" val="952736822"/>
+      </p:ext>
+    </p:extLst>
+  </p:cSld>
+  <p:clrMapOvr>
+    <a:masterClrMapping/>
+  </p:clrMapOvr>
+</p:sld>
+</file>
+
+<file path=ppt/slides/slide4.xml><?xml version="1.0" encoding="utf-8"?>
+<p:sld xmlns:a="http://schemas.openxmlformats.org/drawingml/2006/main" xmlns:r="http://schemas.openxmlformats.org/officeDocument/2006/relationships" xmlns:p="http://schemas.openxmlformats.org/presentationml/2006/main">
+  <p:cSld>
+    <p:spTree>
+      <p:nvGrpSpPr>
+        <p:cNvPr id="1" name=""/>
+        <p:cNvGrpSpPr/>
+        <p:nvPr/>
+      </p:nvGrpSpPr>
+      <p:grpSpPr>
+        <a:xfrm>
+          <a:off x="0" y="0"/>
+          <a:ext cx="0" cy="0"/>
+          <a:chOff x="0" y="0"/>
+          <a:chExt cx="0" cy="0"/>
+        </a:xfrm>
+      </p:grpSpPr>
+      <p:sp>
+        <p:nvSpPr>
+          <p:cNvPr id="2" name="Title 1">
+            <a:extLst>
+              <a:ext uri="{FF2B5EF4-FFF2-40B4-BE49-F238E27FC236}">
+                <a16:creationId xmlns:a16="http://schemas.microsoft.com/office/drawing/2014/main" id="{4CE294BD-CDA4-43FF-92B9-F46CA3A73D21}"/>
+              </a:ext>
+            </a:extLst>
+          </p:cNvPr>
+          <p:cNvSpPr>
+            <a:spLocks noGrp="1"/>
+          </p:cNvSpPr>
+          <p:nvPr>
+            <p:ph type="title"/>
+          </p:nvPr>
+        </p:nvSpPr>
+        <p:spPr/>
+        <p:txBody>
+          <a:bodyPr/>
+          <a:lstStyle/>
+          <a:p>
+            <a:pPr algn="ctr"/>
+            <a:r>
+              <a:rPr lang="en-US" dirty="0"/>
+              <a:t>About the data</a:t>
+            </a:r>
+          </a:p>
+        </p:txBody>
+      </p:sp>
+      <p:pic>
+        <p:nvPicPr>
+          <p:cNvPr id="7" name="Content Placeholder 6">
+            <a:extLst>
+              <a:ext uri="{FF2B5EF4-FFF2-40B4-BE49-F238E27FC236}">
+                <a16:creationId xmlns:a16="http://schemas.microsoft.com/office/drawing/2014/main" id="{B01324FF-1616-44CA-82FB-B3D53AFF7ABD}"/>
+              </a:ext>
+            </a:extLst>
+          </p:cNvPr>
+          <p:cNvPicPr>
+            <a:picLocks noGrp="1" noChangeAspect="1"/>
+          </p:cNvPicPr>
+          <p:nvPr>
+            <p:ph idx="1"/>
+          </p:nvPr>
+        </p:nvPicPr>
+        <p:blipFill>
+          <a:blip r:embed="rId2"/>
+          <a:stretch>
+            <a:fillRect/>
+          </a:stretch>
+        </p:blipFill>
+        <p:spPr>
+          <a:xfrm>
+            <a:off x="1406887" y="3149096"/>
+            <a:ext cx="9378225" cy="1368418"/>
+          </a:xfrm>
+          <a:prstGeom prst="rect">
+            <a:avLst/>
+          </a:prstGeom>
+        </p:spPr>
+      </p:pic>
+      <p:sp>
+        <p:nvSpPr>
+          <p:cNvPr id="8" name="TextBox 7">
+            <a:extLst>
+              <a:ext uri="{FF2B5EF4-FFF2-40B4-BE49-F238E27FC236}">
+                <a16:creationId xmlns:a16="http://schemas.microsoft.com/office/drawing/2014/main" id="{D29E2CFE-E1C2-498E-80EE-477D4F8D9C58}"/>
+              </a:ext>
+            </a:extLst>
+          </p:cNvPr>
+          <p:cNvSpPr txBox="1"/>
+          <p:nvPr/>
+        </p:nvSpPr>
+        <p:spPr>
+          <a:xfrm>
+            <a:off x="1406887" y="2109168"/>
+            <a:ext cx="9378225" cy="830997"/>
+          </a:xfrm>
+          <a:prstGeom prst="rect">
+            <a:avLst/>
+          </a:prstGeom>
+          <a:noFill/>
+        </p:spPr>
+        <p:txBody>
+          <a:bodyPr wrap="square" rtlCol="0">
+            <a:spAutoFit/>
+          </a:bodyPr>
+          <a:lstStyle/>
+          <a:p>
+            <a:pPr algn="ctr"/>
+            <a:r>
+              <a:rPr lang="en-US" sz="2400" dirty="0"/>
+              <a:t>Monthly averages of water quality data (e.g., temperature, salinity, dissolved oxygen, etc.) from 6 National Estuarine Research Reserves</a:t>
+            </a:r>
+          </a:p>
+        </p:txBody>
+      </p:sp>
+      <p:sp>
+        <p:nvSpPr>
+          <p:cNvPr id="9" name="Footer Placeholder 8">
+            <a:extLst>
+              <a:ext uri="{FF2B5EF4-FFF2-40B4-BE49-F238E27FC236}">
+                <a16:creationId xmlns:a16="http://schemas.microsoft.com/office/drawing/2014/main" id="{9FBDF181-5368-4A4C-A2FD-241C19E0D3CC}"/>
+              </a:ext>
+            </a:extLst>
+          </p:cNvPr>
+          <p:cNvSpPr>
+            <a:spLocks noGrp="1"/>
+          </p:cNvSpPr>
+          <p:nvPr>
+            <p:ph type="ftr" sz="quarter" idx="11"/>
+          </p:nvPr>
+        </p:nvSpPr>
+        <p:spPr/>
+        <p:txBody>
+          <a:bodyPr/>
+          <a:lstStyle/>
+          <a:p>
+            <a:r>
+              <a:rPr lang="en-US"/>
+              <a:t>CERF 2019 | The Next Step with R | Cressman and Dunnigan</a:t>
+            </a:r>
+          </a:p>
+        </p:txBody>
+      </p:sp>
+      <p:sp>
+        <p:nvSpPr>
+          <p:cNvPr id="10" name="Slide Number Placeholder 9">
+            <a:extLst>
+              <a:ext uri="{FF2B5EF4-FFF2-40B4-BE49-F238E27FC236}">
+                <a16:creationId xmlns:a16="http://schemas.microsoft.com/office/drawing/2014/main" id="{CA648E3D-960B-4A45-B790-EEF6D45F88C6}"/>
+              </a:ext>
+            </a:extLst>
+          </p:cNvPr>
+          <p:cNvSpPr>
+            <a:spLocks noGrp="1"/>
+          </p:cNvSpPr>
+          <p:nvPr>
+            <p:ph type="sldNum" sz="quarter" idx="12"/>
+          </p:nvPr>
+        </p:nvSpPr>
+        <p:spPr/>
+        <p:txBody>
+          <a:bodyPr/>
+          <a:lstStyle/>
+          <a:p>
+            <a:fld id="{1D07C8D9-AA71-438D-86BE-7B86F7F29DC7}" type="slidenum">
+              <a:rPr lang="en-US" smtClean="0"/>
+              <a:t>4</a:t>
+            </a:fld>
+            <a:endParaRPr lang="en-US"/>
+          </a:p>
+        </p:txBody>
+      </p:sp>
+    </p:spTree>
+    <p:extLst>
+      <p:ext uri="{BB962C8B-B14F-4D97-AF65-F5344CB8AC3E}">
+        <p14:creationId xmlns:p14="http://schemas.microsoft.com/office/powerpoint/2010/main" val="2965265400"/>
+      </p:ext>
+    </p:extLst>
+  </p:cSld>
+  <p:clrMapOvr>
+    <a:masterClrMapping/>
+  </p:clrMapOvr>
+</p:sld>
+</file>
+
+<file path=ppt/slides/slide40.xml><?xml version="1.0" encoding="utf-8"?>
+<p:sld xmlns:a="http://schemas.openxmlformats.org/drawingml/2006/main" xmlns:r="http://schemas.openxmlformats.org/officeDocument/2006/relationships" xmlns:p="http://schemas.openxmlformats.org/presentationml/2006/main">
+  <p:cSld>
+    <p:bg>
+      <p:bgPr>
+        <a:solidFill>
+          <a:schemeClr val="accent5">
+            <a:lumMod val="20000"/>
+            <a:lumOff val="80000"/>
+          </a:schemeClr>
+        </a:solidFill>
+        <a:effectLst/>
+      </p:bgPr>
+    </p:bg>
+    <p:spTree>
+      <p:nvGrpSpPr>
+        <p:cNvPr id="1" name=""/>
+        <p:cNvGrpSpPr/>
+        <p:nvPr/>
+      </p:nvGrpSpPr>
+      <p:grpSpPr>
+        <a:xfrm>
+          <a:off x="0" y="0"/>
+          <a:ext cx="0" cy="0"/>
+          <a:chOff x="0" y="0"/>
+          <a:chExt cx="0" cy="0"/>
+        </a:xfrm>
+      </p:grpSpPr>
+      <p:sp>
+        <p:nvSpPr>
+          <p:cNvPr id="6" name="Title 5">
+            <a:extLst>
+              <a:ext uri="{FF2B5EF4-FFF2-40B4-BE49-F238E27FC236}">
+                <a16:creationId xmlns:a16="http://schemas.microsoft.com/office/drawing/2014/main" id="{214FC751-1FA5-46D7-9112-5E0F5D03416A}"/>
+              </a:ext>
+            </a:extLst>
+          </p:cNvPr>
+          <p:cNvSpPr>
+            <a:spLocks noGrp="1"/>
+          </p:cNvSpPr>
+          <p:nvPr>
+            <p:ph type="title"/>
+          </p:nvPr>
+        </p:nvSpPr>
+        <p:spPr/>
+        <p:txBody>
+          <a:bodyPr/>
+          <a:lstStyle/>
+          <a:p>
+            <a:pPr algn="ctr"/>
+            <a:r>
+              <a:rPr lang="en-US" b="1" dirty="0">
+                <a:solidFill>
+                  <a:schemeClr val="accent5">
+                    <a:lumMod val="50000"/>
+                  </a:schemeClr>
+                </a:solidFill>
+              </a:rPr>
+              <a:t>YOUR TURN 6</a:t>
+            </a:r>
+          </a:p>
+        </p:txBody>
+      </p:sp>
+      <p:sp>
+        <p:nvSpPr>
+          <p:cNvPr id="7" name="Content Placeholder 6">
+            <a:extLst>
+              <a:ext uri="{FF2B5EF4-FFF2-40B4-BE49-F238E27FC236}">
+                <a16:creationId xmlns:a16="http://schemas.microsoft.com/office/drawing/2014/main" id="{460CF345-C6D3-49A3-BDEC-A5CE06D7A875}"/>
+              </a:ext>
+            </a:extLst>
+          </p:cNvPr>
+          <p:cNvSpPr>
+            <a:spLocks noGrp="1"/>
+          </p:cNvSpPr>
+          <p:nvPr>
+            <p:ph idx="1"/>
+          </p:nvPr>
+        </p:nvSpPr>
+        <p:spPr/>
+        <p:txBody>
+          <a:bodyPr/>
+          <a:lstStyle/>
+          <a:p>
+            <a:pPr marL="0" indent="0">
+              <a:buNone/>
+            </a:pPr>
+            <a:r>
+              <a:rPr lang="en-US" dirty="0"/>
+              <a:t>Determine what the default stat is for each of the following </a:t>
+            </a:r>
+            <a:r>
+              <a:rPr lang="en-US" dirty="0" err="1"/>
+              <a:t>geoms</a:t>
+            </a:r>
+            <a:r>
+              <a:rPr lang="en-US" dirty="0"/>
+              <a:t>:</a:t>
+            </a:r>
+            <a:br>
+              <a:rPr lang="en-US" dirty="0"/>
+            </a:br>
+            <a:endParaRPr lang="en-US" dirty="0"/>
+          </a:p>
+          <a:p>
+            <a:pPr lvl="1"/>
+            <a:r>
+              <a:rPr lang="en-US" sz="2800" dirty="0">
+                <a:latin typeface="Fira Code" panose="020B0809050000020004" pitchFamily="49" charset="0"/>
+                <a:ea typeface="Fira Code" panose="020B0809050000020004" pitchFamily="49" charset="0"/>
+                <a:cs typeface="Fira Code" panose="020B0809050000020004" pitchFamily="49" charset="0"/>
+              </a:rPr>
+              <a:t>`</a:t>
+            </a:r>
+            <a:r>
+              <a:rPr lang="en-US" sz="2800" dirty="0" err="1">
+                <a:latin typeface="Fira Code" panose="020B0809050000020004" pitchFamily="49" charset="0"/>
+                <a:ea typeface="Fira Code" panose="020B0809050000020004" pitchFamily="49" charset="0"/>
+                <a:cs typeface="Fira Code" panose="020B0809050000020004" pitchFamily="49" charset="0"/>
+              </a:rPr>
+              <a:t>geom_line</a:t>
+            </a:r>
+            <a:r>
+              <a:rPr lang="en-US" sz="2800" dirty="0">
+                <a:latin typeface="Fira Code" panose="020B0809050000020004" pitchFamily="49" charset="0"/>
+                <a:ea typeface="Fira Code" panose="020B0809050000020004" pitchFamily="49" charset="0"/>
+                <a:cs typeface="Fira Code" panose="020B0809050000020004" pitchFamily="49" charset="0"/>
+              </a:rPr>
+              <a:t>`</a:t>
+            </a:r>
+          </a:p>
+          <a:p>
+            <a:pPr lvl="1"/>
+            <a:r>
+              <a:rPr lang="en-US" sz="2800" dirty="0">
+                <a:latin typeface="Fira Code" panose="020B0809050000020004" pitchFamily="49" charset="0"/>
+                <a:ea typeface="Fira Code" panose="020B0809050000020004" pitchFamily="49" charset="0"/>
+                <a:cs typeface="Fira Code" panose="020B0809050000020004" pitchFamily="49" charset="0"/>
+              </a:rPr>
+              <a:t>`</a:t>
+            </a:r>
+            <a:r>
+              <a:rPr lang="en-US" sz="2800" dirty="0" err="1">
+                <a:latin typeface="Fira Code" panose="020B0809050000020004" pitchFamily="49" charset="0"/>
+                <a:ea typeface="Fira Code" panose="020B0809050000020004" pitchFamily="49" charset="0"/>
+                <a:cs typeface="Fira Code" panose="020B0809050000020004" pitchFamily="49" charset="0"/>
+              </a:rPr>
+              <a:t>geom_density</a:t>
+            </a:r>
+            <a:r>
+              <a:rPr lang="en-US" sz="2800" dirty="0">
+                <a:latin typeface="Fira Code" panose="020B0809050000020004" pitchFamily="49" charset="0"/>
+                <a:ea typeface="Fira Code" panose="020B0809050000020004" pitchFamily="49" charset="0"/>
+                <a:cs typeface="Fira Code" panose="020B0809050000020004" pitchFamily="49" charset="0"/>
+              </a:rPr>
+              <a:t>`</a:t>
+            </a:r>
+          </a:p>
+          <a:p>
+            <a:pPr lvl="1"/>
+            <a:r>
+              <a:rPr lang="en-US" sz="2800" dirty="0">
+                <a:latin typeface="Fira Code" panose="020B0809050000020004" pitchFamily="49" charset="0"/>
+                <a:ea typeface="Fira Code" panose="020B0809050000020004" pitchFamily="49" charset="0"/>
+                <a:cs typeface="Fira Code" panose="020B0809050000020004" pitchFamily="49" charset="0"/>
+              </a:rPr>
+              <a:t>`</a:t>
+            </a:r>
+            <a:r>
+              <a:rPr lang="en-US" sz="2800" dirty="0" err="1">
+                <a:latin typeface="Fira Code" panose="020B0809050000020004" pitchFamily="49" charset="0"/>
+                <a:ea typeface="Fira Code" panose="020B0809050000020004" pitchFamily="49" charset="0"/>
+                <a:cs typeface="Fira Code" panose="020B0809050000020004" pitchFamily="49" charset="0"/>
+              </a:rPr>
+              <a:t>geom_smooth</a:t>
+            </a:r>
+            <a:r>
+              <a:rPr lang="en-US" sz="2800" dirty="0">
+                <a:latin typeface="Fira Code" panose="020B0809050000020004" pitchFamily="49" charset="0"/>
+                <a:ea typeface="Fira Code" panose="020B0809050000020004" pitchFamily="49" charset="0"/>
+                <a:cs typeface="Fira Code" panose="020B0809050000020004" pitchFamily="49" charset="0"/>
+              </a:rPr>
+              <a:t>`</a:t>
+            </a:r>
+          </a:p>
+        </p:txBody>
+      </p:sp>
+      <p:sp>
+        <p:nvSpPr>
+          <p:cNvPr id="4" name="Footer Placeholder 3">
+            <a:extLst>
+              <a:ext uri="{FF2B5EF4-FFF2-40B4-BE49-F238E27FC236}">
+                <a16:creationId xmlns:a16="http://schemas.microsoft.com/office/drawing/2014/main" id="{07C96E32-078C-4964-9DFC-57E55AE393E0}"/>
+              </a:ext>
+            </a:extLst>
+          </p:cNvPr>
+          <p:cNvSpPr>
+            <a:spLocks noGrp="1"/>
+          </p:cNvSpPr>
+          <p:nvPr>
+            <p:ph type="ftr" sz="quarter" idx="11"/>
+          </p:nvPr>
+        </p:nvSpPr>
+        <p:spPr/>
+        <p:txBody>
+          <a:bodyPr/>
+          <a:lstStyle/>
+          <a:p>
+            <a:r>
+              <a:rPr lang="en-US"/>
+              <a:t>CERF 2019 | The Next Step with R | Cressman and Dunnigan</a:t>
+            </a:r>
+          </a:p>
+        </p:txBody>
+      </p:sp>
+      <p:sp>
+        <p:nvSpPr>
+          <p:cNvPr id="5" name="Slide Number Placeholder 4">
+            <a:extLst>
+              <a:ext uri="{FF2B5EF4-FFF2-40B4-BE49-F238E27FC236}">
+                <a16:creationId xmlns:a16="http://schemas.microsoft.com/office/drawing/2014/main" id="{E4CEC725-1E2D-4975-91A2-AFCCFEE71B3F}"/>
+              </a:ext>
+            </a:extLst>
+          </p:cNvPr>
+          <p:cNvSpPr>
+            <a:spLocks noGrp="1"/>
+          </p:cNvSpPr>
+          <p:nvPr>
+            <p:ph type="sldNum" sz="quarter" idx="12"/>
+          </p:nvPr>
+        </p:nvSpPr>
+        <p:spPr/>
+        <p:txBody>
+          <a:bodyPr/>
+          <a:lstStyle/>
+          <a:p>
+            <a:fld id="{1D07C8D9-AA71-438D-86BE-7B86F7F29DC7}" type="slidenum">
+              <a:rPr lang="en-US" smtClean="0"/>
+              <a:t>40</a:t>
+            </a:fld>
+            <a:endParaRPr lang="en-US"/>
+          </a:p>
+        </p:txBody>
+      </p:sp>
+    </p:spTree>
+    <p:extLst>
+      <p:ext uri="{BB962C8B-B14F-4D97-AF65-F5344CB8AC3E}">
+        <p14:creationId xmlns:p14="http://schemas.microsoft.com/office/powerpoint/2010/main" val="3941618580"/>
+      </p:ext>
+    </p:extLst>
+  </p:cSld>
+  <p:clrMapOvr>
+    <a:masterClrMapping/>
+  </p:clrMapOvr>
+</p:sld>
+</file>
+
+<file path=ppt/slides/slide41.xml><?xml version="1.0" encoding="utf-8"?>
+<p:sld xmlns:a="http://schemas.openxmlformats.org/drawingml/2006/main" xmlns:r="http://schemas.openxmlformats.org/officeDocument/2006/relationships" xmlns:p="http://schemas.openxmlformats.org/presentationml/2006/main">
+  <p:cSld>
+    <p:spTree>
+      <p:nvGrpSpPr>
+        <p:cNvPr id="1" name=""/>
+        <p:cNvGrpSpPr/>
+        <p:nvPr/>
+      </p:nvGrpSpPr>
+      <p:grpSpPr>
+        <a:xfrm>
+          <a:off x="0" y="0"/>
+          <a:ext cx="0" cy="0"/>
+          <a:chOff x="0" y="0"/>
+          <a:chExt cx="0" cy="0"/>
+        </a:xfrm>
+      </p:grpSpPr>
+      <p:sp>
+        <p:nvSpPr>
+          <p:cNvPr id="2" name="Title 1">
+            <a:extLst>
+              <a:ext uri="{FF2B5EF4-FFF2-40B4-BE49-F238E27FC236}">
+                <a16:creationId xmlns:a16="http://schemas.microsoft.com/office/drawing/2014/main" id="{16F59546-AD3E-4C52-AE9C-9D550EC6066C}"/>
+              </a:ext>
+            </a:extLst>
+          </p:cNvPr>
+          <p:cNvSpPr>
+            <a:spLocks noGrp="1"/>
+          </p:cNvSpPr>
+          <p:nvPr>
+            <p:ph type="title"/>
+          </p:nvPr>
+        </p:nvSpPr>
+        <p:spPr>
+          <a:xfrm>
+            <a:off x="838200" y="365126"/>
+            <a:ext cx="10515600" cy="934332"/>
+          </a:xfrm>
+        </p:spPr>
+        <p:txBody>
+          <a:bodyPr>
+            <a:normAutofit fontScale="90000"/>
+          </a:bodyPr>
+          <a:lstStyle/>
+          <a:p>
+            <a:pPr algn="ctr"/>
+            <a:r>
+              <a:rPr lang="en-US" sz="4800" b="1" dirty="0"/>
+              <a:t>Position: </a:t>
+            </a:r>
+            <a:r>
+              <a:rPr lang="en-US" sz="4800" dirty="0"/>
+              <a:t>how overlapping objects are arranged</a:t>
+            </a:r>
+          </a:p>
+        </p:txBody>
+      </p:sp>
+      <p:sp>
+        <p:nvSpPr>
+          <p:cNvPr id="3" name="Content Placeholder 2">
+            <a:extLst>
+              <a:ext uri="{FF2B5EF4-FFF2-40B4-BE49-F238E27FC236}">
+                <a16:creationId xmlns:a16="http://schemas.microsoft.com/office/drawing/2014/main" id="{2E9072BC-E0FE-491E-AC33-03FCAF88D635}"/>
+              </a:ext>
+            </a:extLst>
+          </p:cNvPr>
+          <p:cNvSpPr>
+            <a:spLocks noGrp="1"/>
+          </p:cNvSpPr>
+          <p:nvPr>
+            <p:ph idx="1"/>
+          </p:nvPr>
+        </p:nvSpPr>
+        <p:spPr>
+          <a:xfrm>
+            <a:off x="838200" y="1478844"/>
+            <a:ext cx="10515600" cy="4698119"/>
+          </a:xfrm>
+        </p:spPr>
+        <p:txBody>
+          <a:bodyPr>
+            <a:normAutofit/>
+          </a:bodyPr>
+          <a:lstStyle/>
+          <a:p>
+            <a:pPr marL="0" indent="0">
+              <a:buNone/>
+            </a:pPr>
+            <a:r>
+              <a:rPr lang="en-US" sz="2400" dirty="0">
+                <a:latin typeface="Fira Code" panose="020B0809050000020004" pitchFamily="49" charset="0"/>
+                <a:ea typeface="Fira Code" panose="020B0809050000020004" pitchFamily="49" charset="0"/>
+                <a:cs typeface="Fira Code" panose="020B0809050000020004" pitchFamily="49" charset="0"/>
+              </a:rPr>
+              <a:t> </a:t>
+            </a:r>
+            <a:r>
+              <a:rPr lang="en-US" sz="2400" dirty="0" err="1">
+                <a:latin typeface="Fira Code" panose="020B0809050000020004" pitchFamily="49" charset="0"/>
+                <a:ea typeface="Fira Code" panose="020B0809050000020004" pitchFamily="49" charset="0"/>
+                <a:cs typeface="Fira Code" panose="020B0809050000020004" pitchFamily="49" charset="0"/>
+              </a:rPr>
+              <a:t>ggplot</a:t>
+            </a:r>
+            <a:r>
+              <a:rPr lang="en-US" sz="2400" dirty="0">
+                <a:latin typeface="Fira Code" panose="020B0809050000020004" pitchFamily="49" charset="0"/>
+                <a:ea typeface="Fira Code" panose="020B0809050000020004" pitchFamily="49" charset="0"/>
+                <a:cs typeface="Fira Code" panose="020B0809050000020004" pitchFamily="49" charset="0"/>
+              </a:rPr>
+              <a:t>(data = diamonds) +</a:t>
+            </a:r>
+          </a:p>
+          <a:p>
+            <a:pPr marL="0" indent="0">
+              <a:buNone/>
+            </a:pPr>
+            <a:r>
+              <a:rPr lang="en-US" sz="2400" dirty="0">
+                <a:latin typeface="Fira Code" panose="020B0809050000020004" pitchFamily="49" charset="0"/>
+                <a:ea typeface="Fira Code" panose="020B0809050000020004" pitchFamily="49" charset="0"/>
+                <a:cs typeface="Fira Code" panose="020B0809050000020004" pitchFamily="49" charset="0"/>
+              </a:rPr>
+              <a:t>	</a:t>
+            </a:r>
+            <a:r>
+              <a:rPr lang="en-US" sz="2400" dirty="0" err="1">
+                <a:latin typeface="Fira Code" panose="020B0809050000020004" pitchFamily="49" charset="0"/>
+                <a:ea typeface="Fira Code" panose="020B0809050000020004" pitchFamily="49" charset="0"/>
+                <a:cs typeface="Fira Code" panose="020B0809050000020004" pitchFamily="49" charset="0"/>
+              </a:rPr>
+              <a:t>geom_bar</a:t>
+            </a:r>
+            <a:r>
+              <a:rPr lang="en-US" sz="2400" dirty="0">
+                <a:latin typeface="Fira Code" panose="020B0809050000020004" pitchFamily="49" charset="0"/>
+                <a:ea typeface="Fira Code" panose="020B0809050000020004" pitchFamily="49" charset="0"/>
+                <a:cs typeface="Fira Code" panose="020B0809050000020004" pitchFamily="49" charset="0"/>
+              </a:rPr>
+              <a:t>(mapping = </a:t>
+            </a:r>
+            <a:r>
+              <a:rPr lang="en-US" sz="2400" dirty="0" err="1">
+                <a:latin typeface="Fira Code" panose="020B0809050000020004" pitchFamily="49" charset="0"/>
+                <a:ea typeface="Fira Code" panose="020B0809050000020004" pitchFamily="49" charset="0"/>
+                <a:cs typeface="Fira Code" panose="020B0809050000020004" pitchFamily="49" charset="0"/>
+              </a:rPr>
+              <a:t>aes</a:t>
+            </a:r>
+            <a:r>
+              <a:rPr lang="en-US" sz="2400" dirty="0">
+                <a:latin typeface="Fira Code" panose="020B0809050000020004" pitchFamily="49" charset="0"/>
+                <a:ea typeface="Fira Code" panose="020B0809050000020004" pitchFamily="49" charset="0"/>
+                <a:cs typeface="Fira Code" panose="020B0809050000020004" pitchFamily="49" charset="0"/>
+              </a:rPr>
+              <a:t> (x = cut, fill = clarity))</a:t>
+            </a:r>
+          </a:p>
+        </p:txBody>
+      </p:sp>
+      <p:sp>
+        <p:nvSpPr>
+          <p:cNvPr id="4" name="Footer Placeholder 3">
+            <a:extLst>
+              <a:ext uri="{FF2B5EF4-FFF2-40B4-BE49-F238E27FC236}">
+                <a16:creationId xmlns:a16="http://schemas.microsoft.com/office/drawing/2014/main" id="{A132AB5C-5824-4E2C-B369-621DA4947B42}"/>
+              </a:ext>
+            </a:extLst>
+          </p:cNvPr>
+          <p:cNvSpPr>
+            <a:spLocks noGrp="1"/>
+          </p:cNvSpPr>
+          <p:nvPr>
+            <p:ph type="ftr" sz="quarter" idx="11"/>
+          </p:nvPr>
+        </p:nvSpPr>
+        <p:spPr/>
+        <p:txBody>
+          <a:bodyPr/>
+          <a:lstStyle/>
+          <a:p>
+            <a:r>
+              <a:rPr lang="en-US"/>
+              <a:t>CERF 2019 | The Next Step with R | Cressman and Dunnigan</a:t>
+            </a:r>
+          </a:p>
+        </p:txBody>
+      </p:sp>
+      <p:sp>
+        <p:nvSpPr>
+          <p:cNvPr id="5" name="Slide Number Placeholder 4">
+            <a:extLst>
+              <a:ext uri="{FF2B5EF4-FFF2-40B4-BE49-F238E27FC236}">
+                <a16:creationId xmlns:a16="http://schemas.microsoft.com/office/drawing/2014/main" id="{7E51BA42-32B3-404F-9189-06A726DC4D64}"/>
+              </a:ext>
+            </a:extLst>
+          </p:cNvPr>
+          <p:cNvSpPr>
+            <a:spLocks noGrp="1"/>
+          </p:cNvSpPr>
+          <p:nvPr>
+            <p:ph type="sldNum" sz="quarter" idx="12"/>
+          </p:nvPr>
+        </p:nvSpPr>
+        <p:spPr/>
+        <p:txBody>
+          <a:bodyPr/>
+          <a:lstStyle/>
+          <a:p>
+            <a:fld id="{1D07C8D9-AA71-438D-86BE-7B86F7F29DC7}" type="slidenum">
+              <a:rPr lang="en-US" smtClean="0"/>
+              <a:t>41</a:t>
+            </a:fld>
+            <a:endParaRPr lang="en-US"/>
+          </a:p>
+        </p:txBody>
+      </p:sp>
+      <p:pic>
+        <p:nvPicPr>
+          <p:cNvPr id="6" name="Picture 5">
+            <a:extLst>
+              <a:ext uri="{FF2B5EF4-FFF2-40B4-BE49-F238E27FC236}">
+                <a16:creationId xmlns:a16="http://schemas.microsoft.com/office/drawing/2014/main" id="{2CFBE93C-8251-4B0E-B7F0-B00E1A9015BE}"/>
+              </a:ext>
+            </a:extLst>
+          </p:cNvPr>
+          <p:cNvPicPr>
+            <a:picLocks noChangeAspect="1"/>
+          </p:cNvPicPr>
+          <p:nvPr/>
+        </p:nvPicPr>
+        <p:blipFill>
+          <a:blip r:embed="rId3"/>
+          <a:stretch>
+            <a:fillRect/>
+          </a:stretch>
+        </p:blipFill>
+        <p:spPr>
+          <a:xfrm>
+            <a:off x="2707733" y="2556953"/>
+            <a:ext cx="6560445" cy="4164522"/>
+          </a:xfrm>
+          <a:prstGeom prst="rect">
+            <a:avLst/>
+          </a:prstGeom>
+        </p:spPr>
+      </p:pic>
+      <p:sp>
+        <p:nvSpPr>
+          <p:cNvPr id="7" name="Speech Bubble: Rectangle with Corners Rounded 6">
+            <a:extLst>
+              <a:ext uri="{FF2B5EF4-FFF2-40B4-BE49-F238E27FC236}">
+                <a16:creationId xmlns:a16="http://schemas.microsoft.com/office/drawing/2014/main" id="{C8671D5F-B5A2-461D-92EC-5B480267B4D7}"/>
+              </a:ext>
+            </a:extLst>
+          </p:cNvPr>
+          <p:cNvSpPr/>
+          <p:nvPr/>
+        </p:nvSpPr>
+        <p:spPr>
+          <a:xfrm>
+            <a:off x="9369778" y="2472267"/>
+            <a:ext cx="2348089" cy="1862666"/>
+          </a:xfrm>
+          <a:prstGeom prst="wedgeRoundRectCallout">
+            <a:avLst>
+              <a:gd name="adj1" fmla="val -90545"/>
+              <a:gd name="adj2" fmla="val -15682"/>
+              <a:gd name="adj3" fmla="val 16667"/>
+            </a:avLst>
+          </a:prstGeom>
+        </p:spPr>
+        <p:style>
+          <a:lnRef idx="2">
+            <a:schemeClr val="accent1">
+              <a:shade val="50000"/>
+            </a:schemeClr>
+          </a:lnRef>
+          <a:fillRef idx="1">
+            <a:schemeClr val="accent1"/>
+          </a:fillRef>
+          <a:effectRef idx="0">
+            <a:schemeClr val="accent1"/>
+          </a:effectRef>
+          <a:fontRef idx="minor">
+            <a:schemeClr val="lt1"/>
+          </a:fontRef>
+        </p:style>
+        <p:txBody>
+          <a:bodyPr rtlCol="0" anchor="ctr"/>
+          <a:lstStyle/>
+          <a:p>
+            <a:pPr algn="ctr"/>
+            <a:r>
+              <a:rPr lang="en-US" sz="2000" dirty="0"/>
+              <a:t>Stacking is automatic and the default position with </a:t>
+            </a:r>
+            <a:r>
+              <a:rPr lang="en-US" sz="2000" dirty="0" err="1">
+                <a:latin typeface="Fira Code" panose="020B0809050000020004" pitchFamily="49" charset="0"/>
+                <a:ea typeface="Fira Code" panose="020B0809050000020004" pitchFamily="49" charset="0"/>
+                <a:cs typeface="Fira Code" panose="020B0809050000020004" pitchFamily="49" charset="0"/>
+              </a:rPr>
+              <a:t>geom_bar</a:t>
+            </a:r>
+            <a:endParaRPr lang="en-US" sz="2000" dirty="0">
+              <a:latin typeface="Fira Code" panose="020B0809050000020004" pitchFamily="49" charset="0"/>
+              <a:ea typeface="Fira Code" panose="020B0809050000020004" pitchFamily="49" charset="0"/>
+              <a:cs typeface="Fira Code" panose="020B0809050000020004" pitchFamily="49" charset="0"/>
+            </a:endParaRPr>
+          </a:p>
+        </p:txBody>
+      </p:sp>
+    </p:spTree>
+    <p:extLst>
+      <p:ext uri="{BB962C8B-B14F-4D97-AF65-F5344CB8AC3E}">
+        <p14:creationId xmlns:p14="http://schemas.microsoft.com/office/powerpoint/2010/main" val="1765604964"/>
+      </p:ext>
+    </p:extLst>
+  </p:cSld>
+  <p:clrMapOvr>
+    <a:masterClrMapping/>
+  </p:clrMapOvr>
+</p:sld>
+</file>
+
+<file path=ppt/slides/slide42.xml><?xml version="1.0" encoding="utf-8"?>
+<p:sld xmlns:a="http://schemas.openxmlformats.org/drawingml/2006/main" xmlns:r="http://schemas.openxmlformats.org/officeDocument/2006/relationships" xmlns:p="http://schemas.openxmlformats.org/presentationml/2006/main">
+  <p:cSld>
+    <p:spTree>
+      <p:nvGrpSpPr>
+        <p:cNvPr id="1" name=""/>
+        <p:cNvGrpSpPr/>
+        <p:nvPr/>
+      </p:nvGrpSpPr>
+      <p:grpSpPr>
+        <a:xfrm>
+          <a:off x="0" y="0"/>
+          <a:ext cx="0" cy="0"/>
+          <a:chOff x="0" y="0"/>
+          <a:chExt cx="0" cy="0"/>
+        </a:xfrm>
+      </p:grpSpPr>
+      <p:sp>
+        <p:nvSpPr>
+          <p:cNvPr id="3" name="Content Placeholder 2">
+            <a:extLst>
+              <a:ext uri="{FF2B5EF4-FFF2-40B4-BE49-F238E27FC236}">
+                <a16:creationId xmlns:a16="http://schemas.microsoft.com/office/drawing/2014/main" id="{2E9072BC-E0FE-491E-AC33-03FCAF88D635}"/>
+              </a:ext>
+            </a:extLst>
+          </p:cNvPr>
+          <p:cNvSpPr>
+            <a:spLocks noGrp="1"/>
+          </p:cNvSpPr>
+          <p:nvPr>
+            <p:ph idx="1"/>
+          </p:nvPr>
+        </p:nvSpPr>
+        <p:spPr>
+          <a:xfrm>
+            <a:off x="838200" y="1478844"/>
+            <a:ext cx="10515600" cy="4698119"/>
+          </a:xfrm>
+        </p:spPr>
+        <p:txBody>
+          <a:bodyPr>
+            <a:normAutofit/>
+          </a:bodyPr>
+          <a:lstStyle/>
+          <a:p>
+            <a:pPr marL="0" indent="0">
+              <a:buNone/>
+            </a:pPr>
+            <a:r>
+              <a:rPr lang="en-US" sz="2400" dirty="0">
+                <a:latin typeface="Fira Code" panose="020B0809050000020004" pitchFamily="49" charset="0"/>
+                <a:ea typeface="Fira Code" panose="020B0809050000020004" pitchFamily="49" charset="0"/>
+                <a:cs typeface="Fira Code" panose="020B0809050000020004" pitchFamily="49" charset="0"/>
+              </a:rPr>
+              <a:t> </a:t>
+            </a:r>
+            <a:r>
+              <a:rPr lang="en-US" sz="2400" dirty="0" err="1">
+                <a:latin typeface="Fira Code" panose="020B0809050000020004" pitchFamily="49" charset="0"/>
+                <a:ea typeface="Fira Code" panose="020B0809050000020004" pitchFamily="49" charset="0"/>
+                <a:cs typeface="Fira Code" panose="020B0809050000020004" pitchFamily="49" charset="0"/>
+              </a:rPr>
+              <a:t>ggplot</a:t>
+            </a:r>
+            <a:r>
+              <a:rPr lang="en-US" sz="2400" dirty="0">
+                <a:latin typeface="Fira Code" panose="020B0809050000020004" pitchFamily="49" charset="0"/>
+                <a:ea typeface="Fira Code" panose="020B0809050000020004" pitchFamily="49" charset="0"/>
+                <a:cs typeface="Fira Code" panose="020B0809050000020004" pitchFamily="49" charset="0"/>
+              </a:rPr>
+              <a:t>(data = diamonds) +</a:t>
+            </a:r>
+          </a:p>
+          <a:p>
+            <a:pPr marL="0" indent="0">
+              <a:buNone/>
+            </a:pPr>
+            <a:r>
+              <a:rPr lang="en-US" sz="2400" dirty="0">
+                <a:latin typeface="Fira Code" panose="020B0809050000020004" pitchFamily="49" charset="0"/>
+                <a:ea typeface="Fira Code" panose="020B0809050000020004" pitchFamily="49" charset="0"/>
+                <a:cs typeface="Fira Code" panose="020B0809050000020004" pitchFamily="49" charset="0"/>
+              </a:rPr>
+              <a:t>	</a:t>
+            </a:r>
+            <a:r>
+              <a:rPr lang="en-US" sz="2400" dirty="0" err="1">
+                <a:latin typeface="Fira Code" panose="020B0809050000020004" pitchFamily="49" charset="0"/>
+                <a:ea typeface="Fira Code" panose="020B0809050000020004" pitchFamily="49" charset="0"/>
+                <a:cs typeface="Fira Code" panose="020B0809050000020004" pitchFamily="49" charset="0"/>
+              </a:rPr>
+              <a:t>geom_bar</a:t>
+            </a:r>
+            <a:r>
+              <a:rPr lang="en-US" sz="2400" dirty="0">
+                <a:latin typeface="Fira Code" panose="020B0809050000020004" pitchFamily="49" charset="0"/>
+                <a:ea typeface="Fira Code" panose="020B0809050000020004" pitchFamily="49" charset="0"/>
+                <a:cs typeface="Fira Code" panose="020B0809050000020004" pitchFamily="49" charset="0"/>
+              </a:rPr>
+              <a:t>(mapping = </a:t>
+            </a:r>
+            <a:r>
+              <a:rPr lang="en-US" sz="2400" dirty="0" err="1">
+                <a:latin typeface="Fira Code" panose="020B0809050000020004" pitchFamily="49" charset="0"/>
+                <a:ea typeface="Fira Code" panose="020B0809050000020004" pitchFamily="49" charset="0"/>
+                <a:cs typeface="Fira Code" panose="020B0809050000020004" pitchFamily="49" charset="0"/>
+              </a:rPr>
+              <a:t>aes</a:t>
+            </a:r>
+            <a:r>
+              <a:rPr lang="en-US" sz="2400" dirty="0">
+                <a:latin typeface="Fira Code" panose="020B0809050000020004" pitchFamily="49" charset="0"/>
+                <a:ea typeface="Fira Code" panose="020B0809050000020004" pitchFamily="49" charset="0"/>
+                <a:cs typeface="Fira Code" panose="020B0809050000020004" pitchFamily="49" charset="0"/>
+              </a:rPr>
+              <a:t> (x = cut, fill = clarity),</a:t>
+            </a:r>
+          </a:p>
+          <a:p>
+            <a:pPr marL="0" indent="0">
+              <a:buNone/>
+            </a:pPr>
+            <a:r>
+              <a:rPr lang="en-US" sz="2400" dirty="0">
+                <a:latin typeface="Fira Code" panose="020B0809050000020004" pitchFamily="49" charset="0"/>
+                <a:ea typeface="Fira Code" panose="020B0809050000020004" pitchFamily="49" charset="0"/>
+                <a:cs typeface="Fira Code" panose="020B0809050000020004" pitchFamily="49" charset="0"/>
+              </a:rPr>
+              <a:t>		    </a:t>
+            </a:r>
+            <a:r>
+              <a:rPr lang="en-US" sz="2400" dirty="0">
+                <a:solidFill>
+                  <a:schemeClr val="accent6">
+                    <a:lumMod val="75000"/>
+                  </a:schemeClr>
+                </a:solidFill>
+                <a:latin typeface="Fira Code" panose="020B0809050000020004" pitchFamily="49" charset="0"/>
+                <a:ea typeface="Fira Code" panose="020B0809050000020004" pitchFamily="49" charset="0"/>
+                <a:cs typeface="Fira Code" panose="020B0809050000020004" pitchFamily="49" charset="0"/>
+              </a:rPr>
+              <a:t>position = “fill”</a:t>
+            </a:r>
+            <a:r>
+              <a:rPr lang="en-US" sz="2400" dirty="0">
+                <a:latin typeface="Fira Code" panose="020B0809050000020004" pitchFamily="49" charset="0"/>
+                <a:ea typeface="Fira Code" panose="020B0809050000020004" pitchFamily="49" charset="0"/>
+                <a:cs typeface="Fira Code" panose="020B0809050000020004" pitchFamily="49" charset="0"/>
+              </a:rPr>
+              <a:t>)</a:t>
+            </a:r>
+          </a:p>
+        </p:txBody>
+      </p:sp>
+      <p:sp>
+        <p:nvSpPr>
+          <p:cNvPr id="4" name="Footer Placeholder 3">
+            <a:extLst>
+              <a:ext uri="{FF2B5EF4-FFF2-40B4-BE49-F238E27FC236}">
+                <a16:creationId xmlns:a16="http://schemas.microsoft.com/office/drawing/2014/main" id="{A132AB5C-5824-4E2C-B369-621DA4947B42}"/>
+              </a:ext>
+            </a:extLst>
+          </p:cNvPr>
+          <p:cNvSpPr>
+            <a:spLocks noGrp="1"/>
+          </p:cNvSpPr>
+          <p:nvPr>
+            <p:ph type="ftr" sz="quarter" idx="11"/>
+          </p:nvPr>
+        </p:nvSpPr>
+        <p:spPr/>
+        <p:txBody>
+          <a:bodyPr/>
+          <a:lstStyle/>
+          <a:p>
+            <a:r>
+              <a:rPr lang="en-US"/>
+              <a:t>CERF 2019 | The Next Step with R | Cressman and Dunnigan</a:t>
+            </a:r>
+          </a:p>
+        </p:txBody>
+      </p:sp>
+      <p:sp>
+        <p:nvSpPr>
+          <p:cNvPr id="5" name="Slide Number Placeholder 4">
+            <a:extLst>
+              <a:ext uri="{FF2B5EF4-FFF2-40B4-BE49-F238E27FC236}">
+                <a16:creationId xmlns:a16="http://schemas.microsoft.com/office/drawing/2014/main" id="{7E51BA42-32B3-404F-9189-06A726DC4D64}"/>
+              </a:ext>
+            </a:extLst>
+          </p:cNvPr>
+          <p:cNvSpPr>
+            <a:spLocks noGrp="1"/>
+          </p:cNvSpPr>
+          <p:nvPr>
+            <p:ph type="sldNum" sz="quarter" idx="12"/>
+          </p:nvPr>
+        </p:nvSpPr>
+        <p:spPr/>
+        <p:txBody>
+          <a:bodyPr/>
+          <a:lstStyle/>
+          <a:p>
+            <a:fld id="{1D07C8D9-AA71-438D-86BE-7B86F7F29DC7}" type="slidenum">
+              <a:rPr lang="en-US" smtClean="0"/>
+              <a:t>42</a:t>
+            </a:fld>
+            <a:endParaRPr lang="en-US"/>
+          </a:p>
+        </p:txBody>
+      </p:sp>
+      <p:pic>
+        <p:nvPicPr>
+          <p:cNvPr id="7" name="Picture 6">
+            <a:extLst>
+              <a:ext uri="{FF2B5EF4-FFF2-40B4-BE49-F238E27FC236}">
+                <a16:creationId xmlns:a16="http://schemas.microsoft.com/office/drawing/2014/main" id="{6DDEDA4E-F082-48DF-AD48-61DEC1BCAF39}"/>
+              </a:ext>
+            </a:extLst>
+          </p:cNvPr>
+          <p:cNvPicPr>
+            <a:picLocks noChangeAspect="1"/>
+          </p:cNvPicPr>
+          <p:nvPr/>
+        </p:nvPicPr>
+        <p:blipFill>
+          <a:blip r:embed="rId2"/>
+          <a:stretch>
+            <a:fillRect/>
+          </a:stretch>
+        </p:blipFill>
+        <p:spPr>
+          <a:xfrm>
+            <a:off x="2903151" y="2804407"/>
+            <a:ext cx="6385698" cy="4053593"/>
+          </a:xfrm>
+          <a:prstGeom prst="rect">
+            <a:avLst/>
+          </a:prstGeom>
+        </p:spPr>
+      </p:pic>
+      <p:sp>
+        <p:nvSpPr>
+          <p:cNvPr id="10" name="Title 1">
+            <a:extLst>
+              <a:ext uri="{FF2B5EF4-FFF2-40B4-BE49-F238E27FC236}">
+                <a16:creationId xmlns:a16="http://schemas.microsoft.com/office/drawing/2014/main" id="{A646326E-CDD7-4409-B2A4-70FBAFB3797F}"/>
+              </a:ext>
+            </a:extLst>
+          </p:cNvPr>
+          <p:cNvSpPr txBox="1">
+            <a:spLocks/>
+          </p:cNvSpPr>
+          <p:nvPr/>
+        </p:nvSpPr>
+        <p:spPr>
+          <a:xfrm>
+            <a:off x="838200" y="365126"/>
+            <a:ext cx="10515600" cy="934332"/>
+          </a:xfrm>
+          <a:prstGeom prst="rect">
+            <a:avLst/>
+          </a:prstGeom>
+        </p:spPr>
+        <p:txBody>
+          <a:bodyPr vert="horz" lIns="91440" tIns="45720" rIns="91440" bIns="45720" rtlCol="0" anchor="ctr">
+            <a:normAutofit fontScale="90000"/>
+          </a:bodyPr>
+          <a:lstStyle>
+            <a:lvl1pPr algn="l" defTabSz="914400" rtl="0" eaLnBrk="1" latinLnBrk="0" hangingPunct="1">
+              <a:lnSpc>
+                <a:spcPct val="90000"/>
+              </a:lnSpc>
+              <a:spcBef>
+                <a:spcPct val="0"/>
+              </a:spcBef>
+              <a:buNone/>
+              <a:defRPr sz="4400" kern="1200">
+                <a:solidFill>
+                  <a:schemeClr val="tx1"/>
+                </a:solidFill>
+                <a:latin typeface="+mj-lt"/>
+                <a:ea typeface="+mj-ea"/>
+                <a:cs typeface="+mj-cs"/>
+              </a:defRPr>
+            </a:lvl1pPr>
+          </a:lstStyle>
+          <a:p>
+            <a:pPr algn="ctr"/>
+            <a:r>
+              <a:rPr lang="en-US" sz="4800" b="1"/>
+              <a:t>Position: </a:t>
+            </a:r>
+            <a:r>
+              <a:rPr lang="en-US" sz="4800"/>
+              <a:t>how overlapping objects are arranged</a:t>
+            </a:r>
+            <a:endParaRPr lang="en-US" sz="4800" dirty="0"/>
+          </a:p>
+        </p:txBody>
+      </p:sp>
+    </p:spTree>
+    <p:extLst>
+      <p:ext uri="{BB962C8B-B14F-4D97-AF65-F5344CB8AC3E}">
+        <p14:creationId xmlns:p14="http://schemas.microsoft.com/office/powerpoint/2010/main" val="2469321119"/>
+      </p:ext>
+    </p:extLst>
+  </p:cSld>
+  <p:clrMapOvr>
+    <a:masterClrMapping/>
+  </p:clrMapOvr>
+</p:sld>
+</file>
+
+<file path=ppt/slides/slide43.xml><?xml version="1.0" encoding="utf-8"?>
+<p:sld xmlns:a="http://schemas.openxmlformats.org/drawingml/2006/main" xmlns:r="http://schemas.openxmlformats.org/officeDocument/2006/relationships" xmlns:p="http://schemas.openxmlformats.org/presentationml/2006/main">
+  <p:cSld>
+    <p:spTree>
+      <p:nvGrpSpPr>
+        <p:cNvPr id="1" name=""/>
+        <p:cNvGrpSpPr/>
+        <p:nvPr/>
+      </p:nvGrpSpPr>
+      <p:grpSpPr>
+        <a:xfrm>
+          <a:off x="0" y="0"/>
+          <a:ext cx="0" cy="0"/>
+          <a:chOff x="0" y="0"/>
+          <a:chExt cx="0" cy="0"/>
+        </a:xfrm>
+      </p:grpSpPr>
+      <p:sp>
+        <p:nvSpPr>
+          <p:cNvPr id="3" name="Content Placeholder 2">
+            <a:extLst>
+              <a:ext uri="{FF2B5EF4-FFF2-40B4-BE49-F238E27FC236}">
+                <a16:creationId xmlns:a16="http://schemas.microsoft.com/office/drawing/2014/main" id="{2E9072BC-E0FE-491E-AC33-03FCAF88D635}"/>
+              </a:ext>
+            </a:extLst>
+          </p:cNvPr>
+          <p:cNvSpPr>
+            <a:spLocks noGrp="1"/>
+          </p:cNvSpPr>
+          <p:nvPr>
+            <p:ph idx="1"/>
+          </p:nvPr>
+        </p:nvSpPr>
+        <p:spPr>
+          <a:xfrm>
+            <a:off x="838200" y="1478844"/>
+            <a:ext cx="10515600" cy="4698119"/>
+          </a:xfrm>
+        </p:spPr>
+        <p:txBody>
+          <a:bodyPr>
+            <a:normAutofit/>
+          </a:bodyPr>
+          <a:lstStyle/>
+          <a:p>
+            <a:pPr marL="0" indent="0">
+              <a:buNone/>
+            </a:pPr>
+            <a:r>
+              <a:rPr lang="en-US" sz="2400" dirty="0">
+                <a:latin typeface="Fira Code" panose="020B0809050000020004" pitchFamily="49" charset="0"/>
+                <a:ea typeface="Fira Code" panose="020B0809050000020004" pitchFamily="49" charset="0"/>
+                <a:cs typeface="Fira Code" panose="020B0809050000020004" pitchFamily="49" charset="0"/>
+              </a:rPr>
+              <a:t> </a:t>
+            </a:r>
+            <a:r>
+              <a:rPr lang="en-US" sz="2400" dirty="0" err="1">
+                <a:latin typeface="Fira Code" panose="020B0809050000020004" pitchFamily="49" charset="0"/>
+                <a:ea typeface="Fira Code" panose="020B0809050000020004" pitchFamily="49" charset="0"/>
+                <a:cs typeface="Fira Code" panose="020B0809050000020004" pitchFamily="49" charset="0"/>
+              </a:rPr>
+              <a:t>ggplot</a:t>
+            </a:r>
+            <a:r>
+              <a:rPr lang="en-US" sz="2400" dirty="0">
+                <a:latin typeface="Fira Code" panose="020B0809050000020004" pitchFamily="49" charset="0"/>
+                <a:ea typeface="Fira Code" panose="020B0809050000020004" pitchFamily="49" charset="0"/>
+                <a:cs typeface="Fira Code" panose="020B0809050000020004" pitchFamily="49" charset="0"/>
+              </a:rPr>
+              <a:t>(data = diamonds) +</a:t>
+            </a:r>
+          </a:p>
+          <a:p>
+            <a:pPr marL="0" indent="0">
+              <a:buNone/>
+            </a:pPr>
+            <a:r>
+              <a:rPr lang="en-US" sz="2400" dirty="0">
+                <a:latin typeface="Fira Code" panose="020B0809050000020004" pitchFamily="49" charset="0"/>
+                <a:ea typeface="Fira Code" panose="020B0809050000020004" pitchFamily="49" charset="0"/>
+                <a:cs typeface="Fira Code" panose="020B0809050000020004" pitchFamily="49" charset="0"/>
+              </a:rPr>
+              <a:t>	</a:t>
+            </a:r>
+            <a:r>
+              <a:rPr lang="en-US" sz="2400" dirty="0" err="1">
+                <a:latin typeface="Fira Code" panose="020B0809050000020004" pitchFamily="49" charset="0"/>
+                <a:ea typeface="Fira Code" panose="020B0809050000020004" pitchFamily="49" charset="0"/>
+                <a:cs typeface="Fira Code" panose="020B0809050000020004" pitchFamily="49" charset="0"/>
+              </a:rPr>
+              <a:t>geom_bar</a:t>
+            </a:r>
+            <a:r>
+              <a:rPr lang="en-US" sz="2400" dirty="0">
+                <a:latin typeface="Fira Code" panose="020B0809050000020004" pitchFamily="49" charset="0"/>
+                <a:ea typeface="Fira Code" panose="020B0809050000020004" pitchFamily="49" charset="0"/>
+                <a:cs typeface="Fira Code" panose="020B0809050000020004" pitchFamily="49" charset="0"/>
+              </a:rPr>
+              <a:t>(mapping = </a:t>
+            </a:r>
+            <a:r>
+              <a:rPr lang="en-US" sz="2400" dirty="0" err="1">
+                <a:latin typeface="Fira Code" panose="020B0809050000020004" pitchFamily="49" charset="0"/>
+                <a:ea typeface="Fira Code" panose="020B0809050000020004" pitchFamily="49" charset="0"/>
+                <a:cs typeface="Fira Code" panose="020B0809050000020004" pitchFamily="49" charset="0"/>
+              </a:rPr>
+              <a:t>aes</a:t>
+            </a:r>
+            <a:r>
+              <a:rPr lang="en-US" sz="2400" dirty="0">
+                <a:latin typeface="Fira Code" panose="020B0809050000020004" pitchFamily="49" charset="0"/>
+                <a:ea typeface="Fira Code" panose="020B0809050000020004" pitchFamily="49" charset="0"/>
+                <a:cs typeface="Fira Code" panose="020B0809050000020004" pitchFamily="49" charset="0"/>
+              </a:rPr>
+              <a:t> (x = cut, fill = clarity),</a:t>
+            </a:r>
+          </a:p>
+          <a:p>
+            <a:pPr marL="0" indent="0">
+              <a:buNone/>
+            </a:pPr>
+            <a:r>
+              <a:rPr lang="en-US" sz="2400" dirty="0">
+                <a:latin typeface="Fira Code" panose="020B0809050000020004" pitchFamily="49" charset="0"/>
+                <a:ea typeface="Fira Code" panose="020B0809050000020004" pitchFamily="49" charset="0"/>
+                <a:cs typeface="Fira Code" panose="020B0809050000020004" pitchFamily="49" charset="0"/>
+              </a:rPr>
+              <a:t>		    </a:t>
+            </a:r>
+            <a:r>
+              <a:rPr lang="en-US" sz="2400" dirty="0">
+                <a:solidFill>
+                  <a:schemeClr val="accent6">
+                    <a:lumMod val="75000"/>
+                  </a:schemeClr>
+                </a:solidFill>
+                <a:latin typeface="Fira Code" panose="020B0809050000020004" pitchFamily="49" charset="0"/>
+                <a:ea typeface="Fira Code" panose="020B0809050000020004" pitchFamily="49" charset="0"/>
+                <a:cs typeface="Fira Code" panose="020B0809050000020004" pitchFamily="49" charset="0"/>
+              </a:rPr>
+              <a:t>position = “dodge”</a:t>
+            </a:r>
+            <a:r>
+              <a:rPr lang="en-US" sz="2400" dirty="0">
+                <a:latin typeface="Fira Code" panose="020B0809050000020004" pitchFamily="49" charset="0"/>
+                <a:ea typeface="Fira Code" panose="020B0809050000020004" pitchFamily="49" charset="0"/>
+                <a:cs typeface="Fira Code" panose="020B0809050000020004" pitchFamily="49" charset="0"/>
+              </a:rPr>
+              <a:t>)</a:t>
+            </a:r>
+          </a:p>
+        </p:txBody>
+      </p:sp>
+      <p:sp>
+        <p:nvSpPr>
+          <p:cNvPr id="4" name="Footer Placeholder 3">
+            <a:extLst>
+              <a:ext uri="{FF2B5EF4-FFF2-40B4-BE49-F238E27FC236}">
+                <a16:creationId xmlns:a16="http://schemas.microsoft.com/office/drawing/2014/main" id="{A132AB5C-5824-4E2C-B369-621DA4947B42}"/>
+              </a:ext>
+            </a:extLst>
+          </p:cNvPr>
+          <p:cNvSpPr>
+            <a:spLocks noGrp="1"/>
+          </p:cNvSpPr>
+          <p:nvPr>
+            <p:ph type="ftr" sz="quarter" idx="11"/>
+          </p:nvPr>
+        </p:nvSpPr>
+        <p:spPr/>
+        <p:txBody>
+          <a:bodyPr/>
+          <a:lstStyle/>
+          <a:p>
+            <a:r>
+              <a:rPr lang="en-US"/>
+              <a:t>CERF 2019 | The Next Step with R | Cressman and Dunnigan</a:t>
+            </a:r>
+          </a:p>
+        </p:txBody>
+      </p:sp>
+      <p:sp>
+        <p:nvSpPr>
+          <p:cNvPr id="5" name="Slide Number Placeholder 4">
+            <a:extLst>
+              <a:ext uri="{FF2B5EF4-FFF2-40B4-BE49-F238E27FC236}">
+                <a16:creationId xmlns:a16="http://schemas.microsoft.com/office/drawing/2014/main" id="{7E51BA42-32B3-404F-9189-06A726DC4D64}"/>
+              </a:ext>
+            </a:extLst>
+          </p:cNvPr>
+          <p:cNvSpPr>
+            <a:spLocks noGrp="1"/>
+          </p:cNvSpPr>
+          <p:nvPr>
+            <p:ph type="sldNum" sz="quarter" idx="12"/>
+          </p:nvPr>
+        </p:nvSpPr>
+        <p:spPr/>
+        <p:txBody>
+          <a:bodyPr/>
+          <a:lstStyle/>
+          <a:p>
+            <a:fld id="{1D07C8D9-AA71-438D-86BE-7B86F7F29DC7}" type="slidenum">
+              <a:rPr lang="en-US" smtClean="0"/>
+              <a:t>43</a:t>
+            </a:fld>
+            <a:endParaRPr lang="en-US"/>
+          </a:p>
+        </p:txBody>
+      </p:sp>
+      <p:pic>
+        <p:nvPicPr>
+          <p:cNvPr id="6" name="Picture 5">
+            <a:extLst>
+              <a:ext uri="{FF2B5EF4-FFF2-40B4-BE49-F238E27FC236}">
+                <a16:creationId xmlns:a16="http://schemas.microsoft.com/office/drawing/2014/main" id="{DA406A70-CAAA-4985-B3F1-3D765B0C87B7}"/>
+              </a:ext>
+            </a:extLst>
+          </p:cNvPr>
+          <p:cNvPicPr>
+            <a:picLocks noChangeAspect="1"/>
+          </p:cNvPicPr>
+          <p:nvPr/>
+        </p:nvPicPr>
+        <p:blipFill>
+          <a:blip r:embed="rId2"/>
+          <a:stretch>
+            <a:fillRect/>
+          </a:stretch>
+        </p:blipFill>
+        <p:spPr>
+          <a:xfrm>
+            <a:off x="2586121" y="2804407"/>
+            <a:ext cx="6405479" cy="4066151"/>
+          </a:xfrm>
+          <a:prstGeom prst="rect">
+            <a:avLst/>
+          </a:prstGeom>
+        </p:spPr>
+      </p:pic>
+      <p:sp>
+        <p:nvSpPr>
+          <p:cNvPr id="10" name="Title 1">
+            <a:extLst>
+              <a:ext uri="{FF2B5EF4-FFF2-40B4-BE49-F238E27FC236}">
+                <a16:creationId xmlns:a16="http://schemas.microsoft.com/office/drawing/2014/main" id="{A9967A7E-5ED0-4B45-8620-B8ABBC5F5D9E}"/>
+              </a:ext>
+            </a:extLst>
+          </p:cNvPr>
+          <p:cNvSpPr>
+            <a:spLocks noGrp="1"/>
+          </p:cNvSpPr>
+          <p:nvPr>
+            <p:ph type="title"/>
+          </p:nvPr>
+        </p:nvSpPr>
+        <p:spPr>
+          <a:xfrm>
+            <a:off x="838200" y="365126"/>
+            <a:ext cx="10515600" cy="934332"/>
+          </a:xfrm>
+        </p:spPr>
+        <p:txBody>
+          <a:bodyPr>
+            <a:normAutofit fontScale="90000"/>
+          </a:bodyPr>
+          <a:lstStyle/>
+          <a:p>
+            <a:pPr algn="ctr"/>
+            <a:r>
+              <a:rPr lang="en-US" sz="4800" b="1" dirty="0"/>
+              <a:t>Position: </a:t>
+            </a:r>
+            <a:r>
+              <a:rPr lang="en-US" sz="4800" dirty="0"/>
+              <a:t>how overlapping objects are arranged</a:t>
+            </a:r>
+          </a:p>
+        </p:txBody>
+      </p:sp>
+    </p:spTree>
+    <p:extLst>
+      <p:ext uri="{BB962C8B-B14F-4D97-AF65-F5344CB8AC3E}">
+        <p14:creationId xmlns:p14="http://schemas.microsoft.com/office/powerpoint/2010/main" val="121564027"/>
+      </p:ext>
+    </p:extLst>
+  </p:cSld>
+  <p:clrMapOvr>
+    <a:masterClrMapping/>
+  </p:clrMapOvr>
+</p:sld>
+</file>
+
+<file path=ppt/slides/slide44.xml><?xml version="1.0" encoding="utf-8"?>
+<p:sld xmlns:a="http://schemas.openxmlformats.org/drawingml/2006/main" xmlns:r="http://schemas.openxmlformats.org/officeDocument/2006/relationships" xmlns:p="http://schemas.openxmlformats.org/presentationml/2006/main">
+  <p:cSld>
+    <p:spTree>
+      <p:nvGrpSpPr>
+        <p:cNvPr id="1" name=""/>
+        <p:cNvGrpSpPr/>
+        <p:nvPr/>
+      </p:nvGrpSpPr>
+      <p:grpSpPr>
+        <a:xfrm>
+          <a:off x="0" y="0"/>
+          <a:ext cx="0" cy="0"/>
+          <a:chOff x="0" y="0"/>
+          <a:chExt cx="0" cy="0"/>
+        </a:xfrm>
+      </p:grpSpPr>
+      <p:sp>
+        <p:nvSpPr>
+          <p:cNvPr id="4" name="Title 3">
+            <a:extLst>
+              <a:ext uri="{FF2B5EF4-FFF2-40B4-BE49-F238E27FC236}">
                 <a16:creationId xmlns:a16="http://schemas.microsoft.com/office/drawing/2014/main" id="{14D89694-970D-4C3F-BDDE-0D146B35434E}"/>
               </a:ext>
             </a:extLst>
@@ -12948,9 +16921,10 @@
           <a:bodyPr/>
           <a:lstStyle/>
           <a:p>
+            <a:pPr algn="ctr"/>
             <a:r>
               <a:rPr lang="en-US" dirty="0"/>
-              <a:t>Global vs. local</a:t>
+              <a:t>Global vs. Local</a:t>
             </a:r>
           </a:p>
         </p:txBody>
@@ -13205,7 +17179,7 @@
           <a:p>
             <a:fld id="{1D07C8D9-AA71-438D-86BE-7B86F7F29DC7}" type="slidenum">
               <a:rPr lang="en-US" smtClean="0"/>
-              <a:t>32</a:t>
+              <a:t>44</a:t>
             </a:fld>
             <a:endParaRPr lang="en-US"/>
           </a:p>
@@ -13225,13 +17199,13 @@
         </p:nvSpPr>
         <p:spPr>
           <a:xfrm>
-            <a:off x="7107382" y="87312"/>
+            <a:off x="429492" y="3855231"/>
             <a:ext cx="4821382" cy="1603376"/>
           </a:xfrm>
           <a:prstGeom prst="wedgeRoundRectCallout">
             <a:avLst>
-              <a:gd name="adj1" fmla="val -67076"/>
-              <a:gd name="adj2" fmla="val 59343"/>
+              <a:gd name="adj1" fmla="val 56083"/>
+              <a:gd name="adj2" fmla="val -144133"/>
               <a:gd name="adj3" fmla="val 16667"/>
             </a:avLst>
           </a:prstGeom>
@@ -13327,7 +17301,7 @@
 </p:sld>
 </file>
 
-<file path=ppt/slides/slide33.xml><?xml version="1.0" encoding="utf-8"?>
+<file path=ppt/slides/slide45.xml><?xml version="1.0" encoding="utf-8"?>
 <p:sld xmlns:a="http://schemas.openxmlformats.org/drawingml/2006/main" xmlns:r="http://schemas.openxmlformats.org/officeDocument/2006/relationships" xmlns:p="http://schemas.openxmlformats.org/presentationml/2006/main">
   <p:cSld>
     <p:spTree>
@@ -13623,7 +17597,7 @@
           <a:p>
             <a:fld id="{1D07C8D9-AA71-438D-86BE-7B86F7F29DC7}" type="slidenum">
               <a:rPr lang="en-US" smtClean="0"/>
-              <a:t>33</a:t>
+              <a:t>45</a:t>
             </a:fld>
             <a:endParaRPr lang="en-US"/>
           </a:p>
@@ -13733,7 +17707,7 @@
 </p:sld>
 </file>
 
-<file path=ppt/slides/slide34.xml><?xml version="1.0" encoding="utf-8"?>
+<file path=ppt/slides/slide46.xml><?xml version="1.0" encoding="utf-8"?>
 <p:sld xmlns:a="http://schemas.openxmlformats.org/drawingml/2006/main" xmlns:r="http://schemas.openxmlformats.org/officeDocument/2006/relationships" xmlns:p="http://schemas.openxmlformats.org/presentationml/2006/main">
   <p:cSld>
     <p:bg>
@@ -13791,7 +17765,7 @@
                   </a:schemeClr>
                 </a:solidFill>
               </a:rPr>
-              <a:t>YOUR TURN 5</a:t>
+              <a:t>YOUR TURN 7</a:t>
             </a:r>
           </a:p>
         </p:txBody>
@@ -13883,7 +17857,7 @@
           <a:p>
             <a:fld id="{1D07C8D9-AA71-438D-86BE-7B86F7F29DC7}" type="slidenum">
               <a:rPr lang="en-US" smtClean="0"/>
-              <a:t>34</a:t>
+              <a:t>46</a:t>
             </a:fld>
             <a:endParaRPr lang="en-US"/>
           </a:p>
@@ -14171,7 +18145,7 @@
 </p:sld>
 </file>
 
-<file path=ppt/slides/slide35.xml><?xml version="1.0" encoding="utf-8"?>
+<file path=ppt/slides/slide47.xml><?xml version="1.0" encoding="utf-8"?>
 <p:sld xmlns:a="http://schemas.openxmlformats.org/drawingml/2006/main" xmlns:r="http://schemas.openxmlformats.org/officeDocument/2006/relationships" xmlns:p="http://schemas.openxmlformats.org/presentationml/2006/main">
   <p:cSld>
     <p:spTree>
@@ -14268,7 +18242,7 @@
           <a:p>
             <a:fld id="{1D07C8D9-AA71-438D-86BE-7B86F7F29DC7}" type="slidenum">
               <a:rPr lang="en-US" smtClean="0"/>
-              <a:t>35</a:t>
+              <a:t>47</a:t>
             </a:fld>
             <a:endParaRPr lang="en-US"/>
           </a:p>
@@ -14356,64 +18330,6 @@
                 <a:cs typeface="Fira Code" panose="020B0809050000020004" pitchFamily="49" charset="0"/>
               </a:rPr>
               <a:t>	</a:t>
-            </a:r>
-            <a:r>
-              <a:rPr lang="en-US" dirty="0">
-                <a:solidFill>
-                  <a:schemeClr val="accent6">
-                    <a:lumMod val="75000"/>
-                  </a:schemeClr>
-                </a:solidFill>
-                <a:latin typeface="Fira Code" panose="020B0809050000020004" pitchFamily="49" charset="0"/>
-                <a:ea typeface="Fira Code" panose="020B0809050000020004" pitchFamily="49" charset="0"/>
-                <a:cs typeface="Fira Code" panose="020B0809050000020004" pitchFamily="49" charset="0"/>
-              </a:rPr>
-              <a:t>&lt;GEOM FUNCTION&gt;</a:t>
-            </a:r>
-            <a:r>
-              <a:rPr lang="en-US" dirty="0">
-                <a:latin typeface="Fira Code" panose="020B0809050000020004" pitchFamily="49" charset="0"/>
-                <a:ea typeface="Fira Code" panose="020B0809050000020004" pitchFamily="49" charset="0"/>
-                <a:cs typeface="Fira Code" panose="020B0809050000020004" pitchFamily="49" charset="0"/>
-              </a:rPr>
-              <a:t>(mapping = </a:t>
-            </a:r>
-            <a:r>
-              <a:rPr lang="en-US" dirty="0" err="1">
-                <a:latin typeface="Fira Code" panose="020B0809050000020004" pitchFamily="49" charset="0"/>
-                <a:ea typeface="Fira Code" panose="020B0809050000020004" pitchFamily="49" charset="0"/>
-                <a:cs typeface="Fira Code" panose="020B0809050000020004" pitchFamily="49" charset="0"/>
-              </a:rPr>
-              <a:t>aes</a:t>
-            </a:r>
-            <a:r>
-              <a:rPr lang="en-US" dirty="0">
-                <a:latin typeface="Fira Code" panose="020B0809050000020004" pitchFamily="49" charset="0"/>
-                <a:ea typeface="Fira Code" panose="020B0809050000020004" pitchFamily="49" charset="0"/>
-                <a:cs typeface="Fira Code" panose="020B0809050000020004" pitchFamily="49" charset="0"/>
-              </a:rPr>
-              <a:t>(</a:t>
-            </a:r>
-            <a:r>
-              <a:rPr lang="en-US" dirty="0">
-                <a:solidFill>
-                  <a:schemeClr val="accent6">
-                    <a:lumMod val="75000"/>
-                  </a:schemeClr>
-                </a:solidFill>
-                <a:latin typeface="Fira Code" panose="020B0809050000020004" pitchFamily="49" charset="0"/>
-                <a:ea typeface="Fira Code" panose="020B0809050000020004" pitchFamily="49" charset="0"/>
-                <a:cs typeface="Fira Code" panose="020B0809050000020004" pitchFamily="49" charset="0"/>
-              </a:rPr>
-              <a:t>&lt;MAPPINGS&gt;</a:t>
-            </a:r>
-            <a:r>
-              <a:rPr lang="en-US" dirty="0">
-                <a:latin typeface="Fira Code" panose="020B0809050000020004" pitchFamily="49" charset="0"/>
-                <a:ea typeface="Fira Code" panose="020B0809050000020004" pitchFamily="49" charset="0"/>
-                <a:cs typeface="Fira Code" panose="020B0809050000020004" pitchFamily="49" charset="0"/>
-              </a:rPr>
-              <a:t>))</a:t>
             </a:r>
           </a:p>
         </p:txBody>
@@ -14492,7 +18408,7 @@
 </p:sld>
 </file>
 
-<file path=ppt/slides/slide36.xml><?xml version="1.0" encoding="utf-8"?>
+<file path=ppt/slides/slide48.xml><?xml version="1.0" encoding="utf-8"?>
 <p:sld xmlns:a="http://schemas.openxmlformats.org/drawingml/2006/main" xmlns:r="http://schemas.openxmlformats.org/officeDocument/2006/relationships" xmlns:p="http://schemas.openxmlformats.org/presentationml/2006/main">
   <p:cSld>
     <p:spTree>
@@ -14589,7 +18505,7 @@
           <a:p>
             <a:fld id="{1D07C8D9-AA71-438D-86BE-7B86F7F29DC7}" type="slidenum">
               <a:rPr lang="en-US" smtClean="0"/>
-              <a:t>36</a:t>
+              <a:t>48</a:t>
             </a:fld>
             <a:endParaRPr lang="en-US"/>
           </a:p>
@@ -14697,44 +18613,7 @@
                 <a:ea typeface="Fira Code" panose="020B0809050000020004" pitchFamily="49" charset="0"/>
                 <a:cs typeface="Fira Code" panose="020B0809050000020004" pitchFamily="49" charset="0"/>
               </a:rPr>
-              <a:t>(mapping = </a:t>
-            </a:r>
-            <a:r>
-              <a:rPr lang="en-US" dirty="0" err="1">
-                <a:latin typeface="Fira Code" panose="020B0809050000020004" pitchFamily="49" charset="0"/>
-                <a:ea typeface="Fira Code" panose="020B0809050000020004" pitchFamily="49" charset="0"/>
-                <a:cs typeface="Fira Code" panose="020B0809050000020004" pitchFamily="49" charset="0"/>
-              </a:rPr>
-              <a:t>aes</a:t>
-            </a:r>
-            <a:r>
-              <a:rPr lang="en-US" dirty="0">
-                <a:latin typeface="Fira Code" panose="020B0809050000020004" pitchFamily="49" charset="0"/>
-                <a:ea typeface="Fira Code" panose="020B0809050000020004" pitchFamily="49" charset="0"/>
-                <a:cs typeface="Fira Code" panose="020B0809050000020004" pitchFamily="49" charset="0"/>
-              </a:rPr>
-              <a:t>(</a:t>
-            </a:r>
-            <a:r>
-              <a:rPr lang="en-US" dirty="0">
-                <a:solidFill>
-                  <a:schemeClr val="accent6">
-                    <a:lumMod val="75000"/>
-                  </a:schemeClr>
-                </a:solidFill>
-                <a:latin typeface="Fira Code" panose="020B0809050000020004" pitchFamily="49" charset="0"/>
-                <a:ea typeface="Fira Code" panose="020B0809050000020004" pitchFamily="49" charset="0"/>
-                <a:cs typeface="Fira Code" panose="020B0809050000020004" pitchFamily="49" charset="0"/>
-              </a:rPr>
-              <a:t>&lt;MAPPINGS&gt;</a:t>
-            </a:r>
-            <a:r>
-              <a:rPr lang="en-US" dirty="0">
-                <a:latin typeface="Fira Code" panose="020B0809050000020004" pitchFamily="49" charset="0"/>
-                <a:ea typeface="Fira Code" panose="020B0809050000020004" pitchFamily="49" charset="0"/>
-                <a:cs typeface="Fira Code" panose="020B0809050000020004" pitchFamily="49" charset="0"/>
-              </a:rPr>
-              <a:t>))</a:t>
+              <a:t>()</a:t>
             </a:r>
           </a:p>
         </p:txBody>
@@ -14874,7 +18753,7 @@
 </p:sld>
 </file>
 
-<file path=ppt/slides/slide37.xml><?xml version="1.0" encoding="utf-8"?>
+<file path=ppt/slides/slide49.xml><?xml version="1.0" encoding="utf-8"?>
 <p:sld xmlns:a="http://schemas.openxmlformats.org/drawingml/2006/main" xmlns:r="http://schemas.openxmlformats.org/officeDocument/2006/relationships" xmlns:p="http://schemas.openxmlformats.org/presentationml/2006/main">
   <p:cSld>
     <p:spTree>
@@ -14971,7 +18850,7 @@
           <a:p>
             <a:fld id="{1D07C8D9-AA71-438D-86BE-7B86F7F29DC7}" type="slidenum">
               <a:rPr lang="en-US" smtClean="0"/>
-              <a:t>37</a:t>
+              <a:t>49</a:t>
             </a:fld>
             <a:endParaRPr lang="en-US"/>
           </a:p>
@@ -15317,1038 +19196,6 @@
 </p:sld>
 </file>
 
-<file path=ppt/slides/slide38.xml><?xml version="1.0" encoding="utf-8"?>
-<p:sld xmlns:a="http://schemas.openxmlformats.org/drawingml/2006/main" xmlns:r="http://schemas.openxmlformats.org/officeDocument/2006/relationships" xmlns:p="http://schemas.openxmlformats.org/presentationml/2006/main">
-  <p:cSld>
-    <p:spTree>
-      <p:nvGrpSpPr>
-        <p:cNvPr id="1" name=""/>
-        <p:cNvGrpSpPr/>
-        <p:nvPr/>
-      </p:nvGrpSpPr>
-      <p:grpSpPr>
-        <a:xfrm>
-          <a:off x="0" y="0"/>
-          <a:ext cx="0" cy="0"/>
-          <a:chOff x="0" y="0"/>
-          <a:chExt cx="0" cy="0"/>
-        </a:xfrm>
-      </p:grpSpPr>
-      <p:sp>
-        <p:nvSpPr>
-          <p:cNvPr id="2" name="Title 1">
-            <a:extLst>
-              <a:ext uri="{FF2B5EF4-FFF2-40B4-BE49-F238E27FC236}">
-                <a16:creationId xmlns:a16="http://schemas.microsoft.com/office/drawing/2014/main" id="{45296DCD-D3D0-4832-82AB-AC439AFA410D}"/>
-              </a:ext>
-            </a:extLst>
-          </p:cNvPr>
-          <p:cNvSpPr>
-            <a:spLocks noGrp="1"/>
-          </p:cNvSpPr>
-          <p:nvPr>
-            <p:ph type="ctrTitle"/>
-          </p:nvPr>
-        </p:nvSpPr>
-        <p:spPr/>
-        <p:txBody>
-          <a:bodyPr/>
-          <a:lstStyle/>
-          <a:p>
-            <a:r>
-              <a:rPr lang="en-US" b="1" dirty="0"/>
-              <a:t>How about a break?</a:t>
-            </a:r>
-          </a:p>
-        </p:txBody>
-      </p:sp>
-      <p:sp>
-        <p:nvSpPr>
-          <p:cNvPr id="3" name="Subtitle 2">
-            <a:extLst>
-              <a:ext uri="{FF2B5EF4-FFF2-40B4-BE49-F238E27FC236}">
-                <a16:creationId xmlns:a16="http://schemas.microsoft.com/office/drawing/2014/main" id="{D87B942F-48FF-4341-A556-178E9675D39A}"/>
-              </a:ext>
-            </a:extLst>
-          </p:cNvPr>
-          <p:cNvSpPr>
-            <a:spLocks noGrp="1"/>
-          </p:cNvSpPr>
-          <p:nvPr>
-            <p:ph type="subTitle" idx="1"/>
-          </p:nvPr>
-        </p:nvSpPr>
-        <p:spPr>
-          <a:xfrm>
-            <a:off x="1524000" y="4752108"/>
-            <a:ext cx="9144000" cy="505691"/>
-          </a:xfrm>
-        </p:spPr>
-        <p:txBody>
-          <a:bodyPr/>
-          <a:lstStyle/>
-          <a:p>
-            <a:r>
-              <a:rPr lang="en-US" dirty="0"/>
-              <a:t>15 minutes</a:t>
-            </a:r>
-          </a:p>
-        </p:txBody>
-      </p:sp>
-      <p:sp>
-        <p:nvSpPr>
-          <p:cNvPr id="4" name="Footer Placeholder 3">
-            <a:extLst>
-              <a:ext uri="{FF2B5EF4-FFF2-40B4-BE49-F238E27FC236}">
-                <a16:creationId xmlns:a16="http://schemas.microsoft.com/office/drawing/2014/main" id="{BDE23607-5E8D-42AA-8FE8-CD6683460D92}"/>
-              </a:ext>
-            </a:extLst>
-          </p:cNvPr>
-          <p:cNvSpPr>
-            <a:spLocks noGrp="1"/>
-          </p:cNvSpPr>
-          <p:nvPr>
-            <p:ph type="ftr" sz="quarter" idx="11"/>
-          </p:nvPr>
-        </p:nvSpPr>
-        <p:spPr/>
-        <p:txBody>
-          <a:bodyPr/>
-          <a:lstStyle/>
-          <a:p>
-            <a:r>
-              <a:rPr lang="en-US"/>
-              <a:t>CERF 2019 | The Next Step with R | Cressman and Dunnigan</a:t>
-            </a:r>
-          </a:p>
-        </p:txBody>
-      </p:sp>
-      <p:sp>
-        <p:nvSpPr>
-          <p:cNvPr id="5" name="Slide Number Placeholder 4">
-            <a:extLst>
-              <a:ext uri="{FF2B5EF4-FFF2-40B4-BE49-F238E27FC236}">
-                <a16:creationId xmlns:a16="http://schemas.microsoft.com/office/drawing/2014/main" id="{D8B52939-83E6-426C-9185-6A6C5BF36841}"/>
-              </a:ext>
-            </a:extLst>
-          </p:cNvPr>
-          <p:cNvSpPr>
-            <a:spLocks noGrp="1"/>
-          </p:cNvSpPr>
-          <p:nvPr>
-            <p:ph type="sldNum" sz="quarter" idx="12"/>
-          </p:nvPr>
-        </p:nvSpPr>
-        <p:spPr/>
-        <p:txBody>
-          <a:bodyPr/>
-          <a:lstStyle/>
-          <a:p>
-            <a:fld id="{1D07C8D9-AA71-438D-86BE-7B86F7F29DC7}" type="slidenum">
-              <a:rPr lang="en-US" smtClean="0"/>
-              <a:t>38</a:t>
-            </a:fld>
-            <a:endParaRPr lang="en-US"/>
-          </a:p>
-        </p:txBody>
-      </p:sp>
-    </p:spTree>
-    <p:extLst>
-      <p:ext uri="{BB962C8B-B14F-4D97-AF65-F5344CB8AC3E}">
-        <p14:creationId xmlns:p14="http://schemas.microsoft.com/office/powerpoint/2010/main" val="1423166413"/>
-      </p:ext>
-    </p:extLst>
-  </p:cSld>
-  <p:clrMapOvr>
-    <a:masterClrMapping/>
-  </p:clrMapOvr>
-</p:sld>
-</file>
-
-<file path=ppt/slides/slide39.xml><?xml version="1.0" encoding="utf-8"?>
-<p:sld xmlns:a="http://schemas.openxmlformats.org/drawingml/2006/main" xmlns:r="http://schemas.openxmlformats.org/officeDocument/2006/relationships" xmlns:p="http://schemas.openxmlformats.org/presentationml/2006/main">
-  <p:cSld>
-    <p:spTree>
-      <p:nvGrpSpPr>
-        <p:cNvPr id="1" name=""/>
-        <p:cNvGrpSpPr/>
-        <p:nvPr/>
-      </p:nvGrpSpPr>
-      <p:grpSpPr>
-        <a:xfrm>
-          <a:off x="0" y="0"/>
-          <a:ext cx="0" cy="0"/>
-          <a:chOff x="0" y="0"/>
-          <a:chExt cx="0" cy="0"/>
-        </a:xfrm>
-      </p:grpSpPr>
-      <p:sp>
-        <p:nvSpPr>
-          <p:cNvPr id="6" name="Title 5">
-            <a:extLst>
-              <a:ext uri="{FF2B5EF4-FFF2-40B4-BE49-F238E27FC236}">
-                <a16:creationId xmlns:a16="http://schemas.microsoft.com/office/drawing/2014/main" id="{AA3190EF-8450-4E09-8F9F-57211C44BEE2}"/>
-              </a:ext>
-            </a:extLst>
-          </p:cNvPr>
-          <p:cNvSpPr>
-            <a:spLocks noGrp="1"/>
-          </p:cNvSpPr>
-          <p:nvPr>
-            <p:ph type="title"/>
-          </p:nvPr>
-        </p:nvSpPr>
-        <p:spPr/>
-        <p:txBody>
-          <a:bodyPr/>
-          <a:lstStyle/>
-          <a:p>
-            <a:r>
-              <a:rPr lang="en-US" dirty="0"/>
-              <a:t>What else can I do?</a:t>
-            </a:r>
-          </a:p>
-        </p:txBody>
-      </p:sp>
-      <p:sp>
-        <p:nvSpPr>
-          <p:cNvPr id="8" name="Text Placeholder 7">
-            <a:extLst>
-              <a:ext uri="{FF2B5EF4-FFF2-40B4-BE49-F238E27FC236}">
-                <a16:creationId xmlns:a16="http://schemas.microsoft.com/office/drawing/2014/main" id="{1F6998D1-0484-4248-ACCD-82CF00945CB4}"/>
-              </a:ext>
-            </a:extLst>
-          </p:cNvPr>
-          <p:cNvSpPr>
-            <a:spLocks noGrp="1"/>
-          </p:cNvSpPr>
-          <p:nvPr>
-            <p:ph type="body" idx="1"/>
-          </p:nvPr>
-        </p:nvSpPr>
-        <p:spPr/>
-        <p:txBody>
-          <a:bodyPr/>
-          <a:lstStyle/>
-          <a:p>
-            <a:endParaRPr lang="en-US" dirty="0"/>
-          </a:p>
-        </p:txBody>
-      </p:sp>
-      <p:sp>
-        <p:nvSpPr>
-          <p:cNvPr id="4" name="Footer Placeholder 3">
-            <a:extLst>
-              <a:ext uri="{FF2B5EF4-FFF2-40B4-BE49-F238E27FC236}">
-                <a16:creationId xmlns:a16="http://schemas.microsoft.com/office/drawing/2014/main" id="{694223D6-002C-4838-93D5-7997F75D4B2B}"/>
-              </a:ext>
-            </a:extLst>
-          </p:cNvPr>
-          <p:cNvSpPr>
-            <a:spLocks noGrp="1"/>
-          </p:cNvSpPr>
-          <p:nvPr>
-            <p:ph type="ftr" sz="quarter" idx="11"/>
-          </p:nvPr>
-        </p:nvSpPr>
-        <p:spPr/>
-        <p:txBody>
-          <a:bodyPr/>
-          <a:lstStyle/>
-          <a:p>
-            <a:r>
-              <a:rPr lang="en-US"/>
-              <a:t>CERF 2019 | The Next Step with R | Cressman and Dunnigan</a:t>
-            </a:r>
-          </a:p>
-        </p:txBody>
-      </p:sp>
-      <p:sp>
-        <p:nvSpPr>
-          <p:cNvPr id="5" name="Slide Number Placeholder 4">
-            <a:extLst>
-              <a:ext uri="{FF2B5EF4-FFF2-40B4-BE49-F238E27FC236}">
-                <a16:creationId xmlns:a16="http://schemas.microsoft.com/office/drawing/2014/main" id="{2FC5D8EB-D819-4127-8F1D-8FC32DE09F35}"/>
-              </a:ext>
-            </a:extLst>
-          </p:cNvPr>
-          <p:cNvSpPr>
-            <a:spLocks noGrp="1"/>
-          </p:cNvSpPr>
-          <p:nvPr>
-            <p:ph type="sldNum" sz="quarter" idx="12"/>
-          </p:nvPr>
-        </p:nvSpPr>
-        <p:spPr/>
-        <p:txBody>
-          <a:bodyPr/>
-          <a:lstStyle/>
-          <a:p>
-            <a:fld id="{1D07C8D9-AA71-438D-86BE-7B86F7F29DC7}" type="slidenum">
-              <a:rPr lang="en-US" smtClean="0"/>
-              <a:t>39</a:t>
-            </a:fld>
-            <a:endParaRPr lang="en-US"/>
-          </a:p>
-        </p:txBody>
-      </p:sp>
-    </p:spTree>
-    <p:extLst>
-      <p:ext uri="{BB962C8B-B14F-4D97-AF65-F5344CB8AC3E}">
-        <p14:creationId xmlns:p14="http://schemas.microsoft.com/office/powerpoint/2010/main" val="2474734340"/>
-      </p:ext>
-    </p:extLst>
-  </p:cSld>
-  <p:clrMapOvr>
-    <a:masterClrMapping/>
-  </p:clrMapOvr>
-</p:sld>
-</file>
-
-<file path=ppt/slides/slide4.xml><?xml version="1.0" encoding="utf-8"?>
-<p:sld xmlns:a="http://schemas.openxmlformats.org/drawingml/2006/main" xmlns:r="http://schemas.openxmlformats.org/officeDocument/2006/relationships" xmlns:p="http://schemas.openxmlformats.org/presentationml/2006/main">
-  <p:cSld>
-    <p:spTree>
-      <p:nvGrpSpPr>
-        <p:cNvPr id="1" name=""/>
-        <p:cNvGrpSpPr/>
-        <p:nvPr/>
-      </p:nvGrpSpPr>
-      <p:grpSpPr>
-        <a:xfrm>
-          <a:off x="0" y="0"/>
-          <a:ext cx="0" cy="0"/>
-          <a:chOff x="0" y="0"/>
-          <a:chExt cx="0" cy="0"/>
-        </a:xfrm>
-      </p:grpSpPr>
-      <p:sp>
-        <p:nvSpPr>
-          <p:cNvPr id="2" name="Title 1">
-            <a:extLst>
-              <a:ext uri="{FF2B5EF4-FFF2-40B4-BE49-F238E27FC236}">
-                <a16:creationId xmlns:a16="http://schemas.microsoft.com/office/drawing/2014/main" id="{4CE294BD-CDA4-43FF-92B9-F46CA3A73D21}"/>
-              </a:ext>
-            </a:extLst>
-          </p:cNvPr>
-          <p:cNvSpPr>
-            <a:spLocks noGrp="1"/>
-          </p:cNvSpPr>
-          <p:nvPr>
-            <p:ph type="title"/>
-          </p:nvPr>
-        </p:nvSpPr>
-        <p:spPr/>
-        <p:txBody>
-          <a:bodyPr/>
-          <a:lstStyle/>
-          <a:p>
-            <a:pPr algn="ctr"/>
-            <a:r>
-              <a:rPr lang="en-US" dirty="0"/>
-              <a:t>About the data</a:t>
-            </a:r>
-          </a:p>
-        </p:txBody>
-      </p:sp>
-      <p:pic>
-        <p:nvPicPr>
-          <p:cNvPr id="7" name="Content Placeholder 6">
-            <a:extLst>
-              <a:ext uri="{FF2B5EF4-FFF2-40B4-BE49-F238E27FC236}">
-                <a16:creationId xmlns:a16="http://schemas.microsoft.com/office/drawing/2014/main" id="{B01324FF-1616-44CA-82FB-B3D53AFF7ABD}"/>
-              </a:ext>
-            </a:extLst>
-          </p:cNvPr>
-          <p:cNvPicPr>
-            <a:picLocks noGrp="1" noChangeAspect="1"/>
-          </p:cNvPicPr>
-          <p:nvPr>
-            <p:ph idx="1"/>
-          </p:nvPr>
-        </p:nvPicPr>
-        <p:blipFill>
-          <a:blip r:embed="rId2"/>
-          <a:stretch>
-            <a:fillRect/>
-          </a:stretch>
-        </p:blipFill>
-        <p:spPr>
-          <a:xfrm>
-            <a:off x="1406887" y="3149096"/>
-            <a:ext cx="9378225" cy="1368418"/>
-          </a:xfrm>
-          <a:prstGeom prst="rect">
-            <a:avLst/>
-          </a:prstGeom>
-        </p:spPr>
-      </p:pic>
-      <p:sp>
-        <p:nvSpPr>
-          <p:cNvPr id="8" name="TextBox 7">
-            <a:extLst>
-              <a:ext uri="{FF2B5EF4-FFF2-40B4-BE49-F238E27FC236}">
-                <a16:creationId xmlns:a16="http://schemas.microsoft.com/office/drawing/2014/main" id="{D29E2CFE-E1C2-498E-80EE-477D4F8D9C58}"/>
-              </a:ext>
-            </a:extLst>
-          </p:cNvPr>
-          <p:cNvSpPr txBox="1"/>
-          <p:nvPr/>
-        </p:nvSpPr>
-        <p:spPr>
-          <a:xfrm>
-            <a:off x="1406887" y="2109168"/>
-            <a:ext cx="9378225" cy="830997"/>
-          </a:xfrm>
-          <a:prstGeom prst="rect">
-            <a:avLst/>
-          </a:prstGeom>
-          <a:noFill/>
-        </p:spPr>
-        <p:txBody>
-          <a:bodyPr wrap="square" rtlCol="0">
-            <a:spAutoFit/>
-          </a:bodyPr>
-          <a:lstStyle/>
-          <a:p>
-            <a:pPr algn="ctr"/>
-            <a:r>
-              <a:rPr lang="en-US" sz="2400" dirty="0"/>
-              <a:t>Monthly averages of water quality data (e.g., temperature, salinity, dissolved oxygen, etc.) from 6 National Estuarine Research Reserves</a:t>
-            </a:r>
-          </a:p>
-        </p:txBody>
-      </p:sp>
-      <p:sp>
-        <p:nvSpPr>
-          <p:cNvPr id="9" name="Footer Placeholder 8">
-            <a:extLst>
-              <a:ext uri="{FF2B5EF4-FFF2-40B4-BE49-F238E27FC236}">
-                <a16:creationId xmlns:a16="http://schemas.microsoft.com/office/drawing/2014/main" id="{9FBDF181-5368-4A4C-A2FD-241C19E0D3CC}"/>
-              </a:ext>
-            </a:extLst>
-          </p:cNvPr>
-          <p:cNvSpPr>
-            <a:spLocks noGrp="1"/>
-          </p:cNvSpPr>
-          <p:nvPr>
-            <p:ph type="ftr" sz="quarter" idx="11"/>
-          </p:nvPr>
-        </p:nvSpPr>
-        <p:spPr/>
-        <p:txBody>
-          <a:bodyPr/>
-          <a:lstStyle/>
-          <a:p>
-            <a:r>
-              <a:rPr lang="en-US"/>
-              <a:t>CERF 2019 | The Next Step with R | Cressman and Dunnigan</a:t>
-            </a:r>
-          </a:p>
-        </p:txBody>
-      </p:sp>
-      <p:sp>
-        <p:nvSpPr>
-          <p:cNvPr id="10" name="Slide Number Placeholder 9">
-            <a:extLst>
-              <a:ext uri="{FF2B5EF4-FFF2-40B4-BE49-F238E27FC236}">
-                <a16:creationId xmlns:a16="http://schemas.microsoft.com/office/drawing/2014/main" id="{CA648E3D-960B-4A45-B790-EEF6D45F88C6}"/>
-              </a:ext>
-            </a:extLst>
-          </p:cNvPr>
-          <p:cNvSpPr>
-            <a:spLocks noGrp="1"/>
-          </p:cNvSpPr>
-          <p:nvPr>
-            <p:ph type="sldNum" sz="quarter" idx="12"/>
-          </p:nvPr>
-        </p:nvSpPr>
-        <p:spPr/>
-        <p:txBody>
-          <a:bodyPr/>
-          <a:lstStyle/>
-          <a:p>
-            <a:fld id="{1D07C8D9-AA71-438D-86BE-7B86F7F29DC7}" type="slidenum">
-              <a:rPr lang="en-US" smtClean="0"/>
-              <a:t>4</a:t>
-            </a:fld>
-            <a:endParaRPr lang="en-US"/>
-          </a:p>
-        </p:txBody>
-      </p:sp>
-    </p:spTree>
-    <p:extLst>
-      <p:ext uri="{BB962C8B-B14F-4D97-AF65-F5344CB8AC3E}">
-        <p14:creationId xmlns:p14="http://schemas.microsoft.com/office/powerpoint/2010/main" val="2965265400"/>
-      </p:ext>
-    </p:extLst>
-  </p:cSld>
-  <p:clrMapOvr>
-    <a:masterClrMapping/>
-  </p:clrMapOvr>
-</p:sld>
-</file>
-
-<file path=ppt/slides/slide40.xml><?xml version="1.0" encoding="utf-8"?>
-<p:sld xmlns:a="http://schemas.openxmlformats.org/drawingml/2006/main" xmlns:r="http://schemas.openxmlformats.org/officeDocument/2006/relationships" xmlns:p="http://schemas.openxmlformats.org/presentationml/2006/main">
-  <p:cSld>
-    <p:spTree>
-      <p:nvGrpSpPr>
-        <p:cNvPr id="1" name=""/>
-        <p:cNvGrpSpPr/>
-        <p:nvPr/>
-      </p:nvGrpSpPr>
-      <p:grpSpPr>
-        <a:xfrm>
-          <a:off x="0" y="0"/>
-          <a:ext cx="0" cy="0"/>
-          <a:chOff x="0" y="0"/>
-          <a:chExt cx="0" cy="0"/>
-        </a:xfrm>
-      </p:grpSpPr>
-      <p:sp>
-        <p:nvSpPr>
-          <p:cNvPr id="2" name="Title 1">
-            <a:extLst>
-              <a:ext uri="{FF2B5EF4-FFF2-40B4-BE49-F238E27FC236}">
-                <a16:creationId xmlns:a16="http://schemas.microsoft.com/office/drawing/2014/main" id="{5E945D91-80E0-4467-88DB-CBF29740C2C8}"/>
-              </a:ext>
-            </a:extLst>
-          </p:cNvPr>
-          <p:cNvSpPr>
-            <a:spLocks noGrp="1"/>
-          </p:cNvSpPr>
-          <p:nvPr>
-            <p:ph type="title"/>
-          </p:nvPr>
-        </p:nvSpPr>
-        <p:spPr/>
-        <p:txBody>
-          <a:bodyPr/>
-          <a:lstStyle/>
-          <a:p>
-            <a:r>
-              <a:rPr lang="en-US" dirty="0"/>
-              <a:t>Labels</a:t>
-            </a:r>
-          </a:p>
-        </p:txBody>
-      </p:sp>
-      <p:sp>
-        <p:nvSpPr>
-          <p:cNvPr id="3" name="Content Placeholder 2">
-            <a:extLst>
-              <a:ext uri="{FF2B5EF4-FFF2-40B4-BE49-F238E27FC236}">
-                <a16:creationId xmlns:a16="http://schemas.microsoft.com/office/drawing/2014/main" id="{EF483974-A252-471F-99D8-970952855253}"/>
-              </a:ext>
-            </a:extLst>
-          </p:cNvPr>
-          <p:cNvSpPr>
-            <a:spLocks noGrp="1"/>
-          </p:cNvSpPr>
-          <p:nvPr>
-            <p:ph idx="1"/>
-          </p:nvPr>
-        </p:nvSpPr>
-        <p:spPr/>
-        <p:txBody>
-          <a:bodyPr/>
-          <a:lstStyle/>
-          <a:p>
-            <a:endParaRPr lang="en-US"/>
-          </a:p>
-        </p:txBody>
-      </p:sp>
-      <p:sp>
-        <p:nvSpPr>
-          <p:cNvPr id="4" name="Footer Placeholder 3">
-            <a:extLst>
-              <a:ext uri="{FF2B5EF4-FFF2-40B4-BE49-F238E27FC236}">
-                <a16:creationId xmlns:a16="http://schemas.microsoft.com/office/drawing/2014/main" id="{B6525301-D78D-45F1-974B-EEBC0DC989E2}"/>
-              </a:ext>
-            </a:extLst>
-          </p:cNvPr>
-          <p:cNvSpPr>
-            <a:spLocks noGrp="1"/>
-          </p:cNvSpPr>
-          <p:nvPr>
-            <p:ph type="ftr" sz="quarter" idx="11"/>
-          </p:nvPr>
-        </p:nvSpPr>
-        <p:spPr/>
-        <p:txBody>
-          <a:bodyPr/>
-          <a:lstStyle/>
-          <a:p>
-            <a:r>
-              <a:rPr lang="en-US"/>
-              <a:t>CERF 2019 | The Next Step with R | Cressman and Dunnigan</a:t>
-            </a:r>
-          </a:p>
-        </p:txBody>
-      </p:sp>
-      <p:sp>
-        <p:nvSpPr>
-          <p:cNvPr id="5" name="Slide Number Placeholder 4">
-            <a:extLst>
-              <a:ext uri="{FF2B5EF4-FFF2-40B4-BE49-F238E27FC236}">
-                <a16:creationId xmlns:a16="http://schemas.microsoft.com/office/drawing/2014/main" id="{31763576-7EDD-4F70-9FB1-D6B360120D2D}"/>
-              </a:ext>
-            </a:extLst>
-          </p:cNvPr>
-          <p:cNvSpPr>
-            <a:spLocks noGrp="1"/>
-          </p:cNvSpPr>
-          <p:nvPr>
-            <p:ph type="sldNum" sz="quarter" idx="12"/>
-          </p:nvPr>
-        </p:nvSpPr>
-        <p:spPr/>
-        <p:txBody>
-          <a:bodyPr/>
-          <a:lstStyle/>
-          <a:p>
-            <a:fld id="{1D07C8D9-AA71-438D-86BE-7B86F7F29DC7}" type="slidenum">
-              <a:rPr lang="en-US" smtClean="0"/>
-              <a:t>40</a:t>
-            </a:fld>
-            <a:endParaRPr lang="en-US"/>
-          </a:p>
-        </p:txBody>
-      </p:sp>
-    </p:spTree>
-    <p:extLst>
-      <p:ext uri="{BB962C8B-B14F-4D97-AF65-F5344CB8AC3E}">
-        <p14:creationId xmlns:p14="http://schemas.microsoft.com/office/powerpoint/2010/main" val="1405398319"/>
-      </p:ext>
-    </p:extLst>
-  </p:cSld>
-  <p:clrMapOvr>
-    <a:masterClrMapping/>
-  </p:clrMapOvr>
-</p:sld>
-</file>
-
-<file path=ppt/slides/slide41.xml><?xml version="1.0" encoding="utf-8"?>
-<p:sld xmlns:a="http://schemas.openxmlformats.org/drawingml/2006/main" xmlns:r="http://schemas.openxmlformats.org/officeDocument/2006/relationships" xmlns:p="http://schemas.openxmlformats.org/presentationml/2006/main">
-  <p:cSld>
-    <p:spTree>
-      <p:nvGrpSpPr>
-        <p:cNvPr id="1" name=""/>
-        <p:cNvGrpSpPr/>
-        <p:nvPr/>
-      </p:nvGrpSpPr>
-      <p:grpSpPr>
-        <a:xfrm>
-          <a:off x="0" y="0"/>
-          <a:ext cx="0" cy="0"/>
-          <a:chOff x="0" y="0"/>
-          <a:chExt cx="0" cy="0"/>
-        </a:xfrm>
-      </p:grpSpPr>
-      <p:sp>
-        <p:nvSpPr>
-          <p:cNvPr id="2" name="Title 1">
-            <a:extLst>
-              <a:ext uri="{FF2B5EF4-FFF2-40B4-BE49-F238E27FC236}">
-                <a16:creationId xmlns:a16="http://schemas.microsoft.com/office/drawing/2014/main" id="{2C46FF3B-F06A-4E03-8B0B-63FBC69113B2}"/>
-              </a:ext>
-            </a:extLst>
-          </p:cNvPr>
-          <p:cNvSpPr>
-            <a:spLocks noGrp="1"/>
-          </p:cNvSpPr>
-          <p:nvPr>
-            <p:ph type="title"/>
-          </p:nvPr>
-        </p:nvSpPr>
-        <p:spPr/>
-        <p:txBody>
-          <a:bodyPr/>
-          <a:lstStyle/>
-          <a:p>
-            <a:r>
-              <a:rPr lang="en-US" dirty="0"/>
-              <a:t>Scales</a:t>
-            </a:r>
-          </a:p>
-        </p:txBody>
-      </p:sp>
-      <p:sp>
-        <p:nvSpPr>
-          <p:cNvPr id="3" name="Content Placeholder 2">
-            <a:extLst>
-              <a:ext uri="{FF2B5EF4-FFF2-40B4-BE49-F238E27FC236}">
-                <a16:creationId xmlns:a16="http://schemas.microsoft.com/office/drawing/2014/main" id="{69C0A044-78D4-4726-8848-F62C5F4FFD5F}"/>
-              </a:ext>
-            </a:extLst>
-          </p:cNvPr>
-          <p:cNvSpPr>
-            <a:spLocks noGrp="1"/>
-          </p:cNvSpPr>
-          <p:nvPr>
-            <p:ph idx="1"/>
-          </p:nvPr>
-        </p:nvSpPr>
-        <p:spPr/>
-        <p:txBody>
-          <a:bodyPr/>
-          <a:lstStyle/>
-          <a:p>
-            <a:endParaRPr lang="en-US"/>
-          </a:p>
-        </p:txBody>
-      </p:sp>
-      <p:sp>
-        <p:nvSpPr>
-          <p:cNvPr id="4" name="Footer Placeholder 3">
-            <a:extLst>
-              <a:ext uri="{FF2B5EF4-FFF2-40B4-BE49-F238E27FC236}">
-                <a16:creationId xmlns:a16="http://schemas.microsoft.com/office/drawing/2014/main" id="{903ABC76-317B-4A6C-BD62-A421DC75C7CE}"/>
-              </a:ext>
-            </a:extLst>
-          </p:cNvPr>
-          <p:cNvSpPr>
-            <a:spLocks noGrp="1"/>
-          </p:cNvSpPr>
-          <p:nvPr>
-            <p:ph type="ftr" sz="quarter" idx="11"/>
-          </p:nvPr>
-        </p:nvSpPr>
-        <p:spPr/>
-        <p:txBody>
-          <a:bodyPr/>
-          <a:lstStyle/>
-          <a:p>
-            <a:r>
-              <a:rPr lang="en-US"/>
-              <a:t>CERF 2019 | The Next Step with R | Cressman and Dunnigan</a:t>
-            </a:r>
-          </a:p>
-        </p:txBody>
-      </p:sp>
-      <p:sp>
-        <p:nvSpPr>
-          <p:cNvPr id="5" name="Slide Number Placeholder 4">
-            <a:extLst>
-              <a:ext uri="{FF2B5EF4-FFF2-40B4-BE49-F238E27FC236}">
-                <a16:creationId xmlns:a16="http://schemas.microsoft.com/office/drawing/2014/main" id="{7CF24284-6E6B-41D2-A570-F79123049F43}"/>
-              </a:ext>
-            </a:extLst>
-          </p:cNvPr>
-          <p:cNvSpPr>
-            <a:spLocks noGrp="1"/>
-          </p:cNvSpPr>
-          <p:nvPr>
-            <p:ph type="sldNum" sz="quarter" idx="12"/>
-          </p:nvPr>
-        </p:nvSpPr>
-        <p:spPr/>
-        <p:txBody>
-          <a:bodyPr/>
-          <a:lstStyle/>
-          <a:p>
-            <a:fld id="{1D07C8D9-AA71-438D-86BE-7B86F7F29DC7}" type="slidenum">
-              <a:rPr lang="en-US" smtClean="0"/>
-              <a:t>41</a:t>
-            </a:fld>
-            <a:endParaRPr lang="en-US"/>
-          </a:p>
-        </p:txBody>
-      </p:sp>
-    </p:spTree>
-    <p:extLst>
-      <p:ext uri="{BB962C8B-B14F-4D97-AF65-F5344CB8AC3E}">
-        <p14:creationId xmlns:p14="http://schemas.microsoft.com/office/powerpoint/2010/main" val="355091770"/>
-      </p:ext>
-    </p:extLst>
-  </p:cSld>
-  <p:clrMapOvr>
-    <a:masterClrMapping/>
-  </p:clrMapOvr>
-</p:sld>
-</file>
-
-<file path=ppt/slides/slide42.xml><?xml version="1.0" encoding="utf-8"?>
-<p:sld xmlns:a="http://schemas.openxmlformats.org/drawingml/2006/main" xmlns:r="http://schemas.openxmlformats.org/officeDocument/2006/relationships" xmlns:p="http://schemas.openxmlformats.org/presentationml/2006/main">
-  <p:cSld>
-    <p:spTree>
-      <p:nvGrpSpPr>
-        <p:cNvPr id="1" name=""/>
-        <p:cNvGrpSpPr/>
-        <p:nvPr/>
-      </p:nvGrpSpPr>
-      <p:grpSpPr>
-        <a:xfrm>
-          <a:off x="0" y="0"/>
-          <a:ext cx="0" cy="0"/>
-          <a:chOff x="0" y="0"/>
-          <a:chExt cx="0" cy="0"/>
-        </a:xfrm>
-      </p:grpSpPr>
-      <p:sp>
-        <p:nvSpPr>
-          <p:cNvPr id="2" name="Title 1">
-            <a:extLst>
-              <a:ext uri="{FF2B5EF4-FFF2-40B4-BE49-F238E27FC236}">
-                <a16:creationId xmlns:a16="http://schemas.microsoft.com/office/drawing/2014/main" id="{59D83E7B-E7F9-4AC6-85EF-87B3AEB82AD4}"/>
-              </a:ext>
-            </a:extLst>
-          </p:cNvPr>
-          <p:cNvSpPr>
-            <a:spLocks noGrp="1"/>
-          </p:cNvSpPr>
-          <p:nvPr>
-            <p:ph type="title"/>
-          </p:nvPr>
-        </p:nvSpPr>
-        <p:spPr/>
-        <p:txBody>
-          <a:bodyPr/>
-          <a:lstStyle/>
-          <a:p>
-            <a:r>
-              <a:rPr lang="en-US" dirty="0"/>
-              <a:t>Themes</a:t>
-            </a:r>
-          </a:p>
-        </p:txBody>
-      </p:sp>
-      <p:sp>
-        <p:nvSpPr>
-          <p:cNvPr id="3" name="Content Placeholder 2">
-            <a:extLst>
-              <a:ext uri="{FF2B5EF4-FFF2-40B4-BE49-F238E27FC236}">
-                <a16:creationId xmlns:a16="http://schemas.microsoft.com/office/drawing/2014/main" id="{0BEE4907-7CFA-46C2-8878-4E0394B74551}"/>
-              </a:ext>
-            </a:extLst>
-          </p:cNvPr>
-          <p:cNvSpPr>
-            <a:spLocks noGrp="1"/>
-          </p:cNvSpPr>
-          <p:nvPr>
-            <p:ph idx="1"/>
-          </p:nvPr>
-        </p:nvSpPr>
-        <p:spPr/>
-        <p:txBody>
-          <a:bodyPr/>
-          <a:lstStyle/>
-          <a:p>
-            <a:endParaRPr lang="en-US"/>
-          </a:p>
-        </p:txBody>
-      </p:sp>
-      <p:sp>
-        <p:nvSpPr>
-          <p:cNvPr id="4" name="Footer Placeholder 3">
-            <a:extLst>
-              <a:ext uri="{FF2B5EF4-FFF2-40B4-BE49-F238E27FC236}">
-                <a16:creationId xmlns:a16="http://schemas.microsoft.com/office/drawing/2014/main" id="{8C3DA63A-8AEC-4AF8-B52F-88A1CC58BD87}"/>
-              </a:ext>
-            </a:extLst>
-          </p:cNvPr>
-          <p:cNvSpPr>
-            <a:spLocks noGrp="1"/>
-          </p:cNvSpPr>
-          <p:nvPr>
-            <p:ph type="ftr" sz="quarter" idx="11"/>
-          </p:nvPr>
-        </p:nvSpPr>
-        <p:spPr/>
-        <p:txBody>
-          <a:bodyPr/>
-          <a:lstStyle/>
-          <a:p>
-            <a:r>
-              <a:rPr lang="en-US"/>
-              <a:t>CERF 2019 | The Next Step with R | Cressman and Dunnigan</a:t>
-            </a:r>
-          </a:p>
-        </p:txBody>
-      </p:sp>
-      <p:sp>
-        <p:nvSpPr>
-          <p:cNvPr id="5" name="Slide Number Placeholder 4">
-            <a:extLst>
-              <a:ext uri="{FF2B5EF4-FFF2-40B4-BE49-F238E27FC236}">
-                <a16:creationId xmlns:a16="http://schemas.microsoft.com/office/drawing/2014/main" id="{EA013E84-027E-4093-8C9B-5CFCAE398338}"/>
-              </a:ext>
-            </a:extLst>
-          </p:cNvPr>
-          <p:cNvSpPr>
-            <a:spLocks noGrp="1"/>
-          </p:cNvSpPr>
-          <p:nvPr>
-            <p:ph type="sldNum" sz="quarter" idx="12"/>
-          </p:nvPr>
-        </p:nvSpPr>
-        <p:spPr/>
-        <p:txBody>
-          <a:bodyPr/>
-          <a:lstStyle/>
-          <a:p>
-            <a:fld id="{1D07C8D9-AA71-438D-86BE-7B86F7F29DC7}" type="slidenum">
-              <a:rPr lang="en-US" smtClean="0"/>
-              <a:t>42</a:t>
-            </a:fld>
-            <a:endParaRPr lang="en-US"/>
-          </a:p>
-        </p:txBody>
-      </p:sp>
-    </p:spTree>
-    <p:extLst>
-      <p:ext uri="{BB962C8B-B14F-4D97-AF65-F5344CB8AC3E}">
-        <p14:creationId xmlns:p14="http://schemas.microsoft.com/office/powerpoint/2010/main" val="2762280106"/>
-      </p:ext>
-    </p:extLst>
-  </p:cSld>
-  <p:clrMapOvr>
-    <a:masterClrMapping/>
-  </p:clrMapOvr>
-</p:sld>
-</file>
-
-<file path=ppt/slides/slide43.xml><?xml version="1.0" encoding="utf-8"?>
-<p:sld xmlns:a="http://schemas.openxmlformats.org/drawingml/2006/main" xmlns:r="http://schemas.openxmlformats.org/officeDocument/2006/relationships" xmlns:p="http://schemas.openxmlformats.org/presentationml/2006/main">
-  <p:cSld>
-    <p:spTree>
-      <p:nvGrpSpPr>
-        <p:cNvPr id="1" name=""/>
-        <p:cNvGrpSpPr/>
-        <p:nvPr/>
-      </p:nvGrpSpPr>
-      <p:grpSpPr>
-        <a:xfrm>
-          <a:off x="0" y="0"/>
-          <a:ext cx="0" cy="0"/>
-          <a:chOff x="0" y="0"/>
-          <a:chExt cx="0" cy="0"/>
-        </a:xfrm>
-      </p:grpSpPr>
-      <p:sp>
-        <p:nvSpPr>
-          <p:cNvPr id="2" name="Title 1">
-            <a:extLst>
-              <a:ext uri="{FF2B5EF4-FFF2-40B4-BE49-F238E27FC236}">
-                <a16:creationId xmlns:a16="http://schemas.microsoft.com/office/drawing/2014/main" id="{C5801FA0-2E97-462B-B313-2DD18EA6A5DE}"/>
-              </a:ext>
-            </a:extLst>
-          </p:cNvPr>
-          <p:cNvSpPr>
-            <a:spLocks noGrp="1"/>
-          </p:cNvSpPr>
-          <p:nvPr>
-            <p:ph type="title"/>
-          </p:nvPr>
-        </p:nvSpPr>
-        <p:spPr/>
-        <p:txBody>
-          <a:bodyPr/>
-          <a:lstStyle/>
-          <a:p>
-            <a:r>
-              <a:rPr lang="en-US" dirty="0"/>
-              <a:t>Save your graph!</a:t>
-            </a:r>
-          </a:p>
-        </p:txBody>
-      </p:sp>
-      <p:sp>
-        <p:nvSpPr>
-          <p:cNvPr id="3" name="Content Placeholder 2">
-            <a:extLst>
-              <a:ext uri="{FF2B5EF4-FFF2-40B4-BE49-F238E27FC236}">
-                <a16:creationId xmlns:a16="http://schemas.microsoft.com/office/drawing/2014/main" id="{803C2030-867C-41C8-B3DD-C9606AABEA29}"/>
-              </a:ext>
-            </a:extLst>
-          </p:cNvPr>
-          <p:cNvSpPr>
-            <a:spLocks noGrp="1"/>
-          </p:cNvSpPr>
-          <p:nvPr>
-            <p:ph idx="1"/>
-          </p:nvPr>
-        </p:nvSpPr>
-        <p:spPr/>
-        <p:txBody>
-          <a:bodyPr/>
-          <a:lstStyle/>
-          <a:p>
-            <a:endParaRPr lang="en-US"/>
-          </a:p>
-        </p:txBody>
-      </p:sp>
-      <p:sp>
-        <p:nvSpPr>
-          <p:cNvPr id="4" name="Footer Placeholder 3">
-            <a:extLst>
-              <a:ext uri="{FF2B5EF4-FFF2-40B4-BE49-F238E27FC236}">
-                <a16:creationId xmlns:a16="http://schemas.microsoft.com/office/drawing/2014/main" id="{6F28CEC8-D19F-4F3E-A4AC-F5ED5FDD691E}"/>
-              </a:ext>
-            </a:extLst>
-          </p:cNvPr>
-          <p:cNvSpPr>
-            <a:spLocks noGrp="1"/>
-          </p:cNvSpPr>
-          <p:nvPr>
-            <p:ph type="ftr" sz="quarter" idx="11"/>
-          </p:nvPr>
-        </p:nvSpPr>
-        <p:spPr/>
-        <p:txBody>
-          <a:bodyPr/>
-          <a:lstStyle/>
-          <a:p>
-            <a:r>
-              <a:rPr lang="en-US"/>
-              <a:t>CERF 2019 | The Next Step with R | Cressman and Dunnigan</a:t>
-            </a:r>
-          </a:p>
-        </p:txBody>
-      </p:sp>
-      <p:sp>
-        <p:nvSpPr>
-          <p:cNvPr id="5" name="Slide Number Placeholder 4">
-            <a:extLst>
-              <a:ext uri="{FF2B5EF4-FFF2-40B4-BE49-F238E27FC236}">
-                <a16:creationId xmlns:a16="http://schemas.microsoft.com/office/drawing/2014/main" id="{47210A63-A3AB-4756-85B5-335C879C58D7}"/>
-              </a:ext>
-            </a:extLst>
-          </p:cNvPr>
-          <p:cNvSpPr>
-            <a:spLocks noGrp="1"/>
-          </p:cNvSpPr>
-          <p:nvPr>
-            <p:ph type="sldNum" sz="quarter" idx="12"/>
-          </p:nvPr>
-        </p:nvSpPr>
-        <p:spPr/>
-        <p:txBody>
-          <a:bodyPr/>
-          <a:lstStyle/>
-          <a:p>
-            <a:fld id="{1D07C8D9-AA71-438D-86BE-7B86F7F29DC7}" type="slidenum">
-              <a:rPr lang="en-US" smtClean="0"/>
-              <a:t>43</a:t>
-            </a:fld>
-            <a:endParaRPr lang="en-US"/>
-          </a:p>
-        </p:txBody>
-      </p:sp>
-    </p:spTree>
-    <p:extLst>
-      <p:ext uri="{BB962C8B-B14F-4D97-AF65-F5344CB8AC3E}">
-        <p14:creationId xmlns:p14="http://schemas.microsoft.com/office/powerpoint/2010/main" val="3306763690"/>
-      </p:ext>
-    </p:extLst>
-  </p:cSld>
-  <p:clrMapOvr>
-    <a:masterClrMapping/>
-  </p:clrMapOvr>
-</p:sld>
-</file>
-
 <file path=ppt/slides/slide5.xml><?xml version="1.0" encoding="utf-8"?>
 <p:sld xmlns:a="http://schemas.openxmlformats.org/drawingml/2006/main" xmlns:r="http://schemas.openxmlformats.org/officeDocument/2006/relationships" xmlns:p="http://schemas.openxmlformats.org/presentationml/2006/main">
   <p:cSld>
@@ -16591,6 +19438,2802 @@
     <p:extLst>
       <p:ext uri="{BB962C8B-B14F-4D97-AF65-F5344CB8AC3E}">
         <p14:creationId xmlns:p14="http://schemas.microsoft.com/office/powerpoint/2010/main" val="3971710819"/>
+      </p:ext>
+    </p:extLst>
+  </p:cSld>
+  <p:clrMapOvr>
+    <a:masterClrMapping/>
+  </p:clrMapOvr>
+</p:sld>
+</file>
+
+<file path=ppt/slides/slide50.xml><?xml version="1.0" encoding="utf-8"?>
+<p:sld xmlns:a="http://schemas.openxmlformats.org/drawingml/2006/main" xmlns:r="http://schemas.openxmlformats.org/officeDocument/2006/relationships" xmlns:p="http://schemas.openxmlformats.org/presentationml/2006/main">
+  <p:cSld>
+    <p:spTree>
+      <p:nvGrpSpPr>
+        <p:cNvPr id="1" name=""/>
+        <p:cNvGrpSpPr/>
+        <p:nvPr/>
+      </p:nvGrpSpPr>
+      <p:grpSpPr>
+        <a:xfrm>
+          <a:off x="0" y="0"/>
+          <a:ext cx="0" cy="0"/>
+          <a:chOff x="0" y="0"/>
+          <a:chExt cx="0" cy="0"/>
+        </a:xfrm>
+      </p:grpSpPr>
+      <p:sp>
+        <p:nvSpPr>
+          <p:cNvPr id="2" name="Title 1">
+            <a:extLst>
+              <a:ext uri="{FF2B5EF4-FFF2-40B4-BE49-F238E27FC236}">
+                <a16:creationId xmlns:a16="http://schemas.microsoft.com/office/drawing/2014/main" id="{3D12286B-42CF-4477-B774-9D44DC4F24F1}"/>
+              </a:ext>
+            </a:extLst>
+          </p:cNvPr>
+          <p:cNvSpPr>
+            <a:spLocks noGrp="1"/>
+          </p:cNvSpPr>
+          <p:nvPr>
+            <p:ph type="title"/>
+          </p:nvPr>
+        </p:nvSpPr>
+        <p:spPr/>
+        <p:txBody>
+          <a:bodyPr/>
+          <a:lstStyle/>
+          <a:p>
+            <a:pPr algn="ctr"/>
+            <a:r>
+              <a:rPr lang="en-US" dirty="0"/>
+              <a:t>Let’s recap. To make a graph…</a:t>
+            </a:r>
+          </a:p>
+        </p:txBody>
+      </p:sp>
+      <p:sp>
+        <p:nvSpPr>
+          <p:cNvPr id="4" name="Footer Placeholder 3">
+            <a:extLst>
+              <a:ext uri="{FF2B5EF4-FFF2-40B4-BE49-F238E27FC236}">
+                <a16:creationId xmlns:a16="http://schemas.microsoft.com/office/drawing/2014/main" id="{B67F6AB2-DA2A-41D0-B977-57CF28FB6EDD}"/>
+              </a:ext>
+            </a:extLst>
+          </p:cNvPr>
+          <p:cNvSpPr>
+            <a:spLocks noGrp="1"/>
+          </p:cNvSpPr>
+          <p:nvPr>
+            <p:ph type="ftr" sz="quarter" idx="11"/>
+          </p:nvPr>
+        </p:nvSpPr>
+        <p:spPr/>
+        <p:txBody>
+          <a:bodyPr/>
+          <a:lstStyle/>
+          <a:p>
+            <a:r>
+              <a:rPr lang="en-US"/>
+              <a:t>CERF 2019 | The Next Step with R | Cressman and Dunnigan</a:t>
+            </a:r>
+          </a:p>
+        </p:txBody>
+      </p:sp>
+      <p:sp>
+        <p:nvSpPr>
+          <p:cNvPr id="5" name="Slide Number Placeholder 4">
+            <a:extLst>
+              <a:ext uri="{FF2B5EF4-FFF2-40B4-BE49-F238E27FC236}">
+                <a16:creationId xmlns:a16="http://schemas.microsoft.com/office/drawing/2014/main" id="{25A92449-BFAB-493E-BB93-A0F277F9C50C}"/>
+              </a:ext>
+            </a:extLst>
+          </p:cNvPr>
+          <p:cNvSpPr>
+            <a:spLocks noGrp="1"/>
+          </p:cNvSpPr>
+          <p:nvPr>
+            <p:ph type="sldNum" sz="quarter" idx="12"/>
+          </p:nvPr>
+        </p:nvSpPr>
+        <p:spPr/>
+        <p:txBody>
+          <a:bodyPr/>
+          <a:lstStyle/>
+          <a:p>
+            <a:fld id="{1D07C8D9-AA71-438D-86BE-7B86F7F29DC7}" type="slidenum">
+              <a:rPr lang="en-US" smtClean="0"/>
+              <a:t>50</a:t>
+            </a:fld>
+            <a:endParaRPr lang="en-US"/>
+          </a:p>
+        </p:txBody>
+      </p:sp>
+      <p:sp>
+        <p:nvSpPr>
+          <p:cNvPr id="6" name="Content Placeholder 4">
+            <a:extLst>
+              <a:ext uri="{FF2B5EF4-FFF2-40B4-BE49-F238E27FC236}">
+                <a16:creationId xmlns:a16="http://schemas.microsoft.com/office/drawing/2014/main" id="{43F6986D-ACB7-42F1-BF0F-CB0B538F7AB0}"/>
+              </a:ext>
+            </a:extLst>
+          </p:cNvPr>
+          <p:cNvSpPr>
+            <a:spLocks noGrp="1"/>
+          </p:cNvSpPr>
+          <p:nvPr>
+            <p:ph idx="1"/>
+          </p:nvPr>
+        </p:nvSpPr>
+        <p:spPr>
+          <a:xfrm>
+            <a:off x="1163782" y="3198566"/>
+            <a:ext cx="10819954" cy="2136775"/>
+          </a:xfrm>
+        </p:spPr>
+        <p:txBody>
+          <a:bodyPr/>
+          <a:lstStyle/>
+          <a:p>
+            <a:pPr marL="0" indent="0">
+              <a:buNone/>
+            </a:pPr>
+            <a:r>
+              <a:rPr lang="en-US" dirty="0"/>
+              <a:t> </a:t>
+            </a:r>
+            <a:r>
+              <a:rPr lang="en-US" dirty="0" err="1">
+                <a:latin typeface="Fira Code" panose="020B0809050000020004" pitchFamily="49" charset="0"/>
+                <a:ea typeface="Fira Code" panose="020B0809050000020004" pitchFamily="49" charset="0"/>
+                <a:cs typeface="Fira Code" panose="020B0809050000020004" pitchFamily="49" charset="0"/>
+              </a:rPr>
+              <a:t>ggplot</a:t>
+            </a:r>
+            <a:r>
+              <a:rPr lang="en-US" dirty="0">
+                <a:latin typeface="Fira Code" panose="020B0809050000020004" pitchFamily="49" charset="0"/>
+                <a:ea typeface="Fira Code" panose="020B0809050000020004" pitchFamily="49" charset="0"/>
+                <a:cs typeface="Fira Code" panose="020B0809050000020004" pitchFamily="49" charset="0"/>
+              </a:rPr>
+              <a:t>(data = </a:t>
+            </a:r>
+            <a:r>
+              <a:rPr lang="en-US" dirty="0">
+                <a:solidFill>
+                  <a:schemeClr val="accent6">
+                    <a:lumMod val="75000"/>
+                  </a:schemeClr>
+                </a:solidFill>
+                <a:latin typeface="Fira Code" panose="020B0809050000020004" pitchFamily="49" charset="0"/>
+                <a:ea typeface="Fira Code" panose="020B0809050000020004" pitchFamily="49" charset="0"/>
+                <a:cs typeface="Fira Code" panose="020B0809050000020004" pitchFamily="49" charset="0"/>
+              </a:rPr>
+              <a:t>&lt;DATA&gt;</a:t>
+            </a:r>
+            <a:r>
+              <a:rPr lang="en-US" dirty="0">
+                <a:latin typeface="Fira Code" panose="020B0809050000020004" pitchFamily="49" charset="0"/>
+                <a:ea typeface="Fira Code" panose="020B0809050000020004" pitchFamily="49" charset="0"/>
+                <a:cs typeface="Fira Code" panose="020B0809050000020004" pitchFamily="49" charset="0"/>
+              </a:rPr>
+              <a:t>) +</a:t>
+            </a:r>
+          </a:p>
+          <a:p>
+            <a:pPr marL="0" indent="0">
+              <a:buNone/>
+            </a:pPr>
+            <a:r>
+              <a:rPr lang="en-US" dirty="0">
+                <a:latin typeface="Fira Code" panose="020B0809050000020004" pitchFamily="49" charset="0"/>
+                <a:ea typeface="Fira Code" panose="020B0809050000020004" pitchFamily="49" charset="0"/>
+                <a:cs typeface="Fira Code" panose="020B0809050000020004" pitchFamily="49" charset="0"/>
+              </a:rPr>
+              <a:t>	</a:t>
+            </a:r>
+            <a:r>
+              <a:rPr lang="en-US" dirty="0">
+                <a:solidFill>
+                  <a:schemeClr val="accent6">
+                    <a:lumMod val="75000"/>
+                  </a:schemeClr>
+                </a:solidFill>
+                <a:latin typeface="Fira Code" panose="020B0809050000020004" pitchFamily="49" charset="0"/>
+                <a:ea typeface="Fira Code" panose="020B0809050000020004" pitchFamily="49" charset="0"/>
+                <a:cs typeface="Fira Code" panose="020B0809050000020004" pitchFamily="49" charset="0"/>
+              </a:rPr>
+              <a:t>&lt;GEOM FUNCTION&gt;</a:t>
+            </a:r>
+            <a:r>
+              <a:rPr lang="en-US" dirty="0">
+                <a:latin typeface="Fira Code" panose="020B0809050000020004" pitchFamily="49" charset="0"/>
+                <a:ea typeface="Fira Code" panose="020B0809050000020004" pitchFamily="49" charset="0"/>
+                <a:cs typeface="Fira Code" panose="020B0809050000020004" pitchFamily="49" charset="0"/>
+              </a:rPr>
+              <a:t>(mapping = </a:t>
+            </a:r>
+            <a:r>
+              <a:rPr lang="en-US" dirty="0" err="1">
+                <a:latin typeface="Fira Code" panose="020B0809050000020004" pitchFamily="49" charset="0"/>
+                <a:ea typeface="Fira Code" panose="020B0809050000020004" pitchFamily="49" charset="0"/>
+                <a:cs typeface="Fira Code" panose="020B0809050000020004" pitchFamily="49" charset="0"/>
+              </a:rPr>
+              <a:t>aes</a:t>
+            </a:r>
+            <a:r>
+              <a:rPr lang="en-US" dirty="0">
+                <a:latin typeface="Fira Code" panose="020B0809050000020004" pitchFamily="49" charset="0"/>
+                <a:ea typeface="Fira Code" panose="020B0809050000020004" pitchFamily="49" charset="0"/>
+                <a:cs typeface="Fira Code" panose="020B0809050000020004" pitchFamily="49" charset="0"/>
+              </a:rPr>
+              <a:t>(</a:t>
+            </a:r>
+            <a:r>
+              <a:rPr lang="en-US" dirty="0">
+                <a:solidFill>
+                  <a:schemeClr val="accent6">
+                    <a:lumMod val="75000"/>
+                  </a:schemeClr>
+                </a:solidFill>
+                <a:latin typeface="Fira Code" panose="020B0809050000020004" pitchFamily="49" charset="0"/>
+                <a:ea typeface="Fira Code" panose="020B0809050000020004" pitchFamily="49" charset="0"/>
+                <a:cs typeface="Fira Code" panose="020B0809050000020004" pitchFamily="49" charset="0"/>
+              </a:rPr>
+              <a:t>&lt;MAPPINGS&gt;</a:t>
+            </a:r>
+            <a:r>
+              <a:rPr lang="en-US" dirty="0">
+                <a:latin typeface="Fira Code" panose="020B0809050000020004" pitchFamily="49" charset="0"/>
+                <a:ea typeface="Fira Code" panose="020B0809050000020004" pitchFamily="49" charset="0"/>
+                <a:cs typeface="Fira Code" panose="020B0809050000020004" pitchFamily="49" charset="0"/>
+              </a:rPr>
+              <a:t>),</a:t>
+            </a:r>
+          </a:p>
+          <a:p>
+            <a:pPr marL="0" indent="0">
+              <a:buNone/>
+            </a:pPr>
+            <a:r>
+              <a:rPr lang="en-US" dirty="0">
+                <a:latin typeface="Fira Code" panose="020B0809050000020004" pitchFamily="49" charset="0"/>
+                <a:ea typeface="Fira Code" panose="020B0809050000020004" pitchFamily="49" charset="0"/>
+                <a:cs typeface="Fira Code" panose="020B0809050000020004" pitchFamily="49" charset="0"/>
+              </a:rPr>
+              <a:t>				   stat = </a:t>
+            </a:r>
+            <a:r>
+              <a:rPr lang="en-US" dirty="0">
+                <a:solidFill>
+                  <a:schemeClr val="accent1"/>
+                </a:solidFill>
+                <a:latin typeface="Fira Code" panose="020B0809050000020004" pitchFamily="49" charset="0"/>
+                <a:ea typeface="Fira Code" panose="020B0809050000020004" pitchFamily="49" charset="0"/>
+                <a:cs typeface="Fira Code" panose="020B0809050000020004" pitchFamily="49" charset="0"/>
+              </a:rPr>
+              <a:t>&lt;STAT&gt;</a:t>
+            </a:r>
+            <a:r>
+              <a:rPr lang="en-US" dirty="0">
+                <a:latin typeface="Fira Code" panose="020B0809050000020004" pitchFamily="49" charset="0"/>
+                <a:ea typeface="Fira Code" panose="020B0809050000020004" pitchFamily="49" charset="0"/>
+                <a:cs typeface="Fira Code" panose="020B0809050000020004" pitchFamily="49" charset="0"/>
+              </a:rPr>
+              <a:t>,</a:t>
+            </a:r>
+          </a:p>
+          <a:p>
+            <a:pPr marL="0" indent="0">
+              <a:buNone/>
+            </a:pPr>
+            <a:r>
+              <a:rPr lang="en-US" dirty="0">
+                <a:latin typeface="Fira Code" panose="020B0809050000020004" pitchFamily="49" charset="0"/>
+                <a:ea typeface="Fira Code" panose="020B0809050000020004" pitchFamily="49" charset="0"/>
+                <a:cs typeface="Fira Code" panose="020B0809050000020004" pitchFamily="49" charset="0"/>
+              </a:rPr>
+              <a:t>				   position = </a:t>
+            </a:r>
+            <a:r>
+              <a:rPr lang="en-US" dirty="0">
+                <a:solidFill>
+                  <a:schemeClr val="accent1"/>
+                </a:solidFill>
+                <a:latin typeface="Fira Code" panose="020B0809050000020004" pitchFamily="49" charset="0"/>
+                <a:ea typeface="Fira Code" panose="020B0809050000020004" pitchFamily="49" charset="0"/>
+                <a:cs typeface="Fira Code" panose="020B0809050000020004" pitchFamily="49" charset="0"/>
+              </a:rPr>
+              <a:t>&lt;POSITION&gt;</a:t>
+            </a:r>
+            <a:r>
+              <a:rPr lang="en-US" dirty="0">
+                <a:latin typeface="Fira Code" panose="020B0809050000020004" pitchFamily="49" charset="0"/>
+                <a:ea typeface="Fira Code" panose="020B0809050000020004" pitchFamily="49" charset="0"/>
+                <a:cs typeface="Fira Code" panose="020B0809050000020004" pitchFamily="49" charset="0"/>
+              </a:rPr>
+              <a:t>)</a:t>
+            </a:r>
+          </a:p>
+        </p:txBody>
+      </p:sp>
+      <p:sp>
+        <p:nvSpPr>
+          <p:cNvPr id="3" name="Rectangle: Rounded Corners 2">
+            <a:extLst>
+              <a:ext uri="{FF2B5EF4-FFF2-40B4-BE49-F238E27FC236}">
+                <a16:creationId xmlns:a16="http://schemas.microsoft.com/office/drawing/2014/main" id="{2C4A0895-9241-4319-972F-659C076679A3}"/>
+              </a:ext>
+            </a:extLst>
+          </p:cNvPr>
+          <p:cNvSpPr/>
+          <p:nvPr/>
+        </p:nvSpPr>
+        <p:spPr>
+          <a:xfrm>
+            <a:off x="838200" y="4267200"/>
+            <a:ext cx="3778956" cy="1828800"/>
+          </a:xfrm>
+          <a:prstGeom prst="roundRect">
+            <a:avLst/>
+          </a:prstGeom>
+        </p:spPr>
+        <p:style>
+          <a:lnRef idx="2">
+            <a:schemeClr val="accent1">
+              <a:shade val="50000"/>
+            </a:schemeClr>
+          </a:lnRef>
+          <a:fillRef idx="1">
+            <a:schemeClr val="accent1"/>
+          </a:fillRef>
+          <a:effectRef idx="0">
+            <a:schemeClr val="accent1"/>
+          </a:effectRef>
+          <a:fontRef idx="minor">
+            <a:schemeClr val="lt1"/>
+          </a:fontRef>
+        </p:style>
+        <p:txBody>
+          <a:bodyPr rtlCol="0" anchor="ctr"/>
+          <a:lstStyle/>
+          <a:p>
+            <a:pPr algn="ctr"/>
+            <a:r>
+              <a:rPr lang="en-US" sz="2400" b="1" dirty="0"/>
+              <a:t>Not required</a:t>
+            </a:r>
+            <a:r>
+              <a:rPr lang="en-US" sz="2400" dirty="0"/>
+              <a:t>, but defaults are supplied by the specified </a:t>
+            </a:r>
+            <a:r>
+              <a:rPr lang="en-US" sz="2400" dirty="0" err="1"/>
+              <a:t>geom</a:t>
+            </a:r>
+            <a:endParaRPr lang="en-US" sz="2400" dirty="0"/>
+          </a:p>
+        </p:txBody>
+      </p:sp>
+      <p:sp>
+        <p:nvSpPr>
+          <p:cNvPr id="10" name="Left Brace 9">
+            <a:extLst>
+              <a:ext uri="{FF2B5EF4-FFF2-40B4-BE49-F238E27FC236}">
+                <a16:creationId xmlns:a16="http://schemas.microsoft.com/office/drawing/2014/main" id="{35BA1E82-6E57-4747-90D4-F9D25B6D359F}"/>
+              </a:ext>
+            </a:extLst>
+          </p:cNvPr>
+          <p:cNvSpPr/>
+          <p:nvPr/>
+        </p:nvSpPr>
+        <p:spPr>
+          <a:xfrm>
+            <a:off x="4617157" y="4267200"/>
+            <a:ext cx="891822" cy="1068141"/>
+          </a:xfrm>
+          <a:prstGeom prst="leftBrace">
+            <a:avLst/>
+          </a:prstGeom>
+          <a:ln w="38100"/>
+        </p:spPr>
+        <p:style>
+          <a:lnRef idx="1">
+            <a:schemeClr val="accent1"/>
+          </a:lnRef>
+          <a:fillRef idx="0">
+            <a:schemeClr val="accent1"/>
+          </a:fillRef>
+          <a:effectRef idx="0">
+            <a:schemeClr val="accent1"/>
+          </a:effectRef>
+          <a:fontRef idx="minor">
+            <a:schemeClr val="tx1"/>
+          </a:fontRef>
+        </p:style>
+        <p:txBody>
+          <a:bodyPr rtlCol="0" anchor="ctr"/>
+          <a:lstStyle/>
+          <a:p>
+            <a:pPr algn="ctr"/>
+            <a:endParaRPr lang="en-US"/>
+          </a:p>
+        </p:txBody>
+      </p:sp>
+    </p:spTree>
+    <p:extLst>
+      <p:ext uri="{BB962C8B-B14F-4D97-AF65-F5344CB8AC3E}">
+        <p14:creationId xmlns:p14="http://schemas.microsoft.com/office/powerpoint/2010/main" val="3555390629"/>
+      </p:ext>
+    </p:extLst>
+  </p:cSld>
+  <p:clrMapOvr>
+    <a:masterClrMapping/>
+  </p:clrMapOvr>
+</p:sld>
+</file>
+
+<file path=ppt/slides/slide51.xml><?xml version="1.0" encoding="utf-8"?>
+<p:sld xmlns:a="http://schemas.openxmlformats.org/drawingml/2006/main" xmlns:r="http://schemas.openxmlformats.org/officeDocument/2006/relationships" xmlns:p="http://schemas.openxmlformats.org/presentationml/2006/main">
+  <p:cSld>
+    <p:spTree>
+      <p:nvGrpSpPr>
+        <p:cNvPr id="1" name=""/>
+        <p:cNvGrpSpPr/>
+        <p:nvPr/>
+      </p:nvGrpSpPr>
+      <p:grpSpPr>
+        <a:xfrm>
+          <a:off x="0" y="0"/>
+          <a:ext cx="0" cy="0"/>
+          <a:chOff x="0" y="0"/>
+          <a:chExt cx="0" cy="0"/>
+        </a:xfrm>
+      </p:grpSpPr>
+      <p:sp>
+        <p:nvSpPr>
+          <p:cNvPr id="2" name="Title 1">
+            <a:extLst>
+              <a:ext uri="{FF2B5EF4-FFF2-40B4-BE49-F238E27FC236}">
+                <a16:creationId xmlns:a16="http://schemas.microsoft.com/office/drawing/2014/main" id="{45296DCD-D3D0-4832-82AB-AC439AFA410D}"/>
+              </a:ext>
+            </a:extLst>
+          </p:cNvPr>
+          <p:cNvSpPr>
+            <a:spLocks noGrp="1"/>
+          </p:cNvSpPr>
+          <p:nvPr>
+            <p:ph type="ctrTitle"/>
+          </p:nvPr>
+        </p:nvSpPr>
+        <p:spPr/>
+        <p:txBody>
+          <a:bodyPr/>
+          <a:lstStyle/>
+          <a:p>
+            <a:r>
+              <a:rPr lang="en-US" b="1" dirty="0"/>
+              <a:t>How about a break?</a:t>
+            </a:r>
+          </a:p>
+        </p:txBody>
+      </p:sp>
+      <p:sp>
+        <p:nvSpPr>
+          <p:cNvPr id="3" name="Subtitle 2">
+            <a:extLst>
+              <a:ext uri="{FF2B5EF4-FFF2-40B4-BE49-F238E27FC236}">
+                <a16:creationId xmlns:a16="http://schemas.microsoft.com/office/drawing/2014/main" id="{D87B942F-48FF-4341-A556-178E9675D39A}"/>
+              </a:ext>
+            </a:extLst>
+          </p:cNvPr>
+          <p:cNvSpPr>
+            <a:spLocks noGrp="1"/>
+          </p:cNvSpPr>
+          <p:nvPr>
+            <p:ph type="subTitle" idx="1"/>
+          </p:nvPr>
+        </p:nvSpPr>
+        <p:spPr>
+          <a:xfrm>
+            <a:off x="1524000" y="4752108"/>
+            <a:ext cx="9144000" cy="505691"/>
+          </a:xfrm>
+        </p:spPr>
+        <p:txBody>
+          <a:bodyPr/>
+          <a:lstStyle/>
+          <a:p>
+            <a:r>
+              <a:rPr lang="en-US" dirty="0"/>
+              <a:t>15 minutes</a:t>
+            </a:r>
+          </a:p>
+        </p:txBody>
+      </p:sp>
+      <p:sp>
+        <p:nvSpPr>
+          <p:cNvPr id="4" name="Footer Placeholder 3">
+            <a:extLst>
+              <a:ext uri="{FF2B5EF4-FFF2-40B4-BE49-F238E27FC236}">
+                <a16:creationId xmlns:a16="http://schemas.microsoft.com/office/drawing/2014/main" id="{BDE23607-5E8D-42AA-8FE8-CD6683460D92}"/>
+              </a:ext>
+            </a:extLst>
+          </p:cNvPr>
+          <p:cNvSpPr>
+            <a:spLocks noGrp="1"/>
+          </p:cNvSpPr>
+          <p:nvPr>
+            <p:ph type="ftr" sz="quarter" idx="11"/>
+          </p:nvPr>
+        </p:nvSpPr>
+        <p:spPr/>
+        <p:txBody>
+          <a:bodyPr/>
+          <a:lstStyle/>
+          <a:p>
+            <a:r>
+              <a:rPr lang="en-US"/>
+              <a:t>CERF 2019 | The Next Step with R | Cressman and Dunnigan</a:t>
+            </a:r>
+          </a:p>
+        </p:txBody>
+      </p:sp>
+      <p:sp>
+        <p:nvSpPr>
+          <p:cNvPr id="5" name="Slide Number Placeholder 4">
+            <a:extLst>
+              <a:ext uri="{FF2B5EF4-FFF2-40B4-BE49-F238E27FC236}">
+                <a16:creationId xmlns:a16="http://schemas.microsoft.com/office/drawing/2014/main" id="{D8B52939-83E6-426C-9185-6A6C5BF36841}"/>
+              </a:ext>
+            </a:extLst>
+          </p:cNvPr>
+          <p:cNvSpPr>
+            <a:spLocks noGrp="1"/>
+          </p:cNvSpPr>
+          <p:nvPr>
+            <p:ph type="sldNum" sz="quarter" idx="12"/>
+          </p:nvPr>
+        </p:nvSpPr>
+        <p:spPr/>
+        <p:txBody>
+          <a:bodyPr/>
+          <a:lstStyle/>
+          <a:p>
+            <a:fld id="{1D07C8D9-AA71-438D-86BE-7B86F7F29DC7}" type="slidenum">
+              <a:rPr lang="en-US" smtClean="0"/>
+              <a:t>51</a:t>
+            </a:fld>
+            <a:endParaRPr lang="en-US"/>
+          </a:p>
+        </p:txBody>
+      </p:sp>
+    </p:spTree>
+    <p:extLst>
+      <p:ext uri="{BB962C8B-B14F-4D97-AF65-F5344CB8AC3E}">
+        <p14:creationId xmlns:p14="http://schemas.microsoft.com/office/powerpoint/2010/main" val="1423166413"/>
+      </p:ext>
+    </p:extLst>
+  </p:cSld>
+  <p:clrMapOvr>
+    <a:masterClrMapping/>
+  </p:clrMapOvr>
+</p:sld>
+</file>
+
+<file path=ppt/slides/slide52.xml><?xml version="1.0" encoding="utf-8"?>
+<p:sld xmlns:a="http://schemas.openxmlformats.org/drawingml/2006/main" xmlns:r="http://schemas.openxmlformats.org/officeDocument/2006/relationships" xmlns:p="http://schemas.openxmlformats.org/presentationml/2006/main">
+  <p:cSld>
+    <p:spTree>
+      <p:nvGrpSpPr>
+        <p:cNvPr id="1" name=""/>
+        <p:cNvGrpSpPr/>
+        <p:nvPr/>
+      </p:nvGrpSpPr>
+      <p:grpSpPr>
+        <a:xfrm>
+          <a:off x="0" y="0"/>
+          <a:ext cx="0" cy="0"/>
+          <a:chOff x="0" y="0"/>
+          <a:chExt cx="0" cy="0"/>
+        </a:xfrm>
+      </p:grpSpPr>
+      <p:sp>
+        <p:nvSpPr>
+          <p:cNvPr id="6" name="Title 5">
+            <a:extLst>
+              <a:ext uri="{FF2B5EF4-FFF2-40B4-BE49-F238E27FC236}">
+                <a16:creationId xmlns:a16="http://schemas.microsoft.com/office/drawing/2014/main" id="{AA3190EF-8450-4E09-8F9F-57211C44BEE2}"/>
+              </a:ext>
+            </a:extLst>
+          </p:cNvPr>
+          <p:cNvSpPr>
+            <a:spLocks noGrp="1"/>
+          </p:cNvSpPr>
+          <p:nvPr>
+            <p:ph type="title"/>
+          </p:nvPr>
+        </p:nvSpPr>
+        <p:spPr/>
+        <p:txBody>
+          <a:bodyPr/>
+          <a:lstStyle/>
+          <a:p>
+            <a:r>
+              <a:rPr lang="en-US" dirty="0"/>
+              <a:t>What else can I do?</a:t>
+            </a:r>
+          </a:p>
+        </p:txBody>
+      </p:sp>
+      <p:sp>
+        <p:nvSpPr>
+          <p:cNvPr id="8" name="Text Placeholder 7">
+            <a:extLst>
+              <a:ext uri="{FF2B5EF4-FFF2-40B4-BE49-F238E27FC236}">
+                <a16:creationId xmlns:a16="http://schemas.microsoft.com/office/drawing/2014/main" id="{1F6998D1-0484-4248-ACCD-82CF00945CB4}"/>
+              </a:ext>
+            </a:extLst>
+          </p:cNvPr>
+          <p:cNvSpPr>
+            <a:spLocks noGrp="1"/>
+          </p:cNvSpPr>
+          <p:nvPr>
+            <p:ph type="body" idx="1"/>
+          </p:nvPr>
+        </p:nvSpPr>
+        <p:spPr/>
+        <p:txBody>
+          <a:bodyPr/>
+          <a:lstStyle/>
+          <a:p>
+            <a:endParaRPr lang="en-US" dirty="0"/>
+          </a:p>
+        </p:txBody>
+      </p:sp>
+      <p:sp>
+        <p:nvSpPr>
+          <p:cNvPr id="4" name="Footer Placeholder 3">
+            <a:extLst>
+              <a:ext uri="{FF2B5EF4-FFF2-40B4-BE49-F238E27FC236}">
+                <a16:creationId xmlns:a16="http://schemas.microsoft.com/office/drawing/2014/main" id="{694223D6-002C-4838-93D5-7997F75D4B2B}"/>
+              </a:ext>
+            </a:extLst>
+          </p:cNvPr>
+          <p:cNvSpPr>
+            <a:spLocks noGrp="1"/>
+          </p:cNvSpPr>
+          <p:nvPr>
+            <p:ph type="ftr" sz="quarter" idx="11"/>
+          </p:nvPr>
+        </p:nvSpPr>
+        <p:spPr/>
+        <p:txBody>
+          <a:bodyPr/>
+          <a:lstStyle/>
+          <a:p>
+            <a:r>
+              <a:rPr lang="en-US"/>
+              <a:t>CERF 2019 | The Next Step with R | Cressman and Dunnigan</a:t>
+            </a:r>
+          </a:p>
+        </p:txBody>
+      </p:sp>
+      <p:sp>
+        <p:nvSpPr>
+          <p:cNvPr id="5" name="Slide Number Placeholder 4">
+            <a:extLst>
+              <a:ext uri="{FF2B5EF4-FFF2-40B4-BE49-F238E27FC236}">
+                <a16:creationId xmlns:a16="http://schemas.microsoft.com/office/drawing/2014/main" id="{2FC5D8EB-D819-4127-8F1D-8FC32DE09F35}"/>
+              </a:ext>
+            </a:extLst>
+          </p:cNvPr>
+          <p:cNvSpPr>
+            <a:spLocks noGrp="1"/>
+          </p:cNvSpPr>
+          <p:nvPr>
+            <p:ph type="sldNum" sz="quarter" idx="12"/>
+          </p:nvPr>
+        </p:nvSpPr>
+        <p:spPr/>
+        <p:txBody>
+          <a:bodyPr/>
+          <a:lstStyle/>
+          <a:p>
+            <a:fld id="{1D07C8D9-AA71-438D-86BE-7B86F7F29DC7}" type="slidenum">
+              <a:rPr lang="en-US" smtClean="0"/>
+              <a:t>52</a:t>
+            </a:fld>
+            <a:endParaRPr lang="en-US"/>
+          </a:p>
+        </p:txBody>
+      </p:sp>
+    </p:spTree>
+    <p:extLst>
+      <p:ext uri="{BB962C8B-B14F-4D97-AF65-F5344CB8AC3E}">
+        <p14:creationId xmlns:p14="http://schemas.microsoft.com/office/powerpoint/2010/main" val="2474734340"/>
+      </p:ext>
+    </p:extLst>
+  </p:cSld>
+  <p:clrMapOvr>
+    <a:masterClrMapping/>
+  </p:clrMapOvr>
+</p:sld>
+</file>
+
+<file path=ppt/slides/slide53.xml><?xml version="1.0" encoding="utf-8"?>
+<p:sld xmlns:a="http://schemas.openxmlformats.org/drawingml/2006/main" xmlns:r="http://schemas.openxmlformats.org/officeDocument/2006/relationships" xmlns:p="http://schemas.openxmlformats.org/presentationml/2006/main">
+  <p:cSld>
+    <p:spTree>
+      <p:nvGrpSpPr>
+        <p:cNvPr id="1" name=""/>
+        <p:cNvGrpSpPr/>
+        <p:nvPr/>
+      </p:nvGrpSpPr>
+      <p:grpSpPr>
+        <a:xfrm>
+          <a:off x="0" y="0"/>
+          <a:ext cx="0" cy="0"/>
+          <a:chOff x="0" y="0"/>
+          <a:chExt cx="0" cy="0"/>
+        </a:xfrm>
+      </p:grpSpPr>
+      <p:sp>
+        <p:nvSpPr>
+          <p:cNvPr id="2" name="Title 1">
+            <a:extLst>
+              <a:ext uri="{FF2B5EF4-FFF2-40B4-BE49-F238E27FC236}">
+                <a16:creationId xmlns:a16="http://schemas.microsoft.com/office/drawing/2014/main" id="{5E945D91-80E0-4467-88DB-CBF29740C2C8}"/>
+              </a:ext>
+            </a:extLst>
+          </p:cNvPr>
+          <p:cNvSpPr>
+            <a:spLocks noGrp="1"/>
+          </p:cNvSpPr>
+          <p:nvPr>
+            <p:ph type="title"/>
+          </p:nvPr>
+        </p:nvSpPr>
+        <p:spPr/>
+        <p:txBody>
+          <a:bodyPr/>
+          <a:lstStyle/>
+          <a:p>
+            <a:pPr algn="ctr"/>
+            <a:r>
+              <a:rPr lang="en-US" dirty="0"/>
+              <a:t>Titles and Captions</a:t>
+            </a:r>
+          </a:p>
+        </p:txBody>
+      </p:sp>
+      <p:sp>
+        <p:nvSpPr>
+          <p:cNvPr id="4" name="Footer Placeholder 3">
+            <a:extLst>
+              <a:ext uri="{FF2B5EF4-FFF2-40B4-BE49-F238E27FC236}">
+                <a16:creationId xmlns:a16="http://schemas.microsoft.com/office/drawing/2014/main" id="{B6525301-D78D-45F1-974B-EEBC0DC989E2}"/>
+              </a:ext>
+            </a:extLst>
+          </p:cNvPr>
+          <p:cNvSpPr>
+            <a:spLocks noGrp="1"/>
+          </p:cNvSpPr>
+          <p:nvPr>
+            <p:ph type="ftr" sz="quarter" idx="11"/>
+          </p:nvPr>
+        </p:nvSpPr>
+        <p:spPr/>
+        <p:txBody>
+          <a:bodyPr/>
+          <a:lstStyle/>
+          <a:p>
+            <a:r>
+              <a:rPr lang="en-US"/>
+              <a:t>CERF 2019 | The Next Step with R | Cressman and Dunnigan</a:t>
+            </a:r>
+          </a:p>
+        </p:txBody>
+      </p:sp>
+      <p:sp>
+        <p:nvSpPr>
+          <p:cNvPr id="5" name="Slide Number Placeholder 4">
+            <a:extLst>
+              <a:ext uri="{FF2B5EF4-FFF2-40B4-BE49-F238E27FC236}">
+                <a16:creationId xmlns:a16="http://schemas.microsoft.com/office/drawing/2014/main" id="{31763576-7EDD-4F70-9FB1-D6B360120D2D}"/>
+              </a:ext>
+            </a:extLst>
+          </p:cNvPr>
+          <p:cNvSpPr>
+            <a:spLocks noGrp="1"/>
+          </p:cNvSpPr>
+          <p:nvPr>
+            <p:ph type="sldNum" sz="quarter" idx="12"/>
+          </p:nvPr>
+        </p:nvSpPr>
+        <p:spPr/>
+        <p:txBody>
+          <a:bodyPr/>
+          <a:lstStyle/>
+          <a:p>
+            <a:fld id="{1D07C8D9-AA71-438D-86BE-7B86F7F29DC7}" type="slidenum">
+              <a:rPr lang="en-US" smtClean="0"/>
+              <a:t>53</a:t>
+            </a:fld>
+            <a:endParaRPr lang="en-US"/>
+          </a:p>
+        </p:txBody>
+      </p:sp>
+      <p:sp>
+        <p:nvSpPr>
+          <p:cNvPr id="8" name="Content Placeholder 7">
+            <a:extLst>
+              <a:ext uri="{FF2B5EF4-FFF2-40B4-BE49-F238E27FC236}">
+                <a16:creationId xmlns:a16="http://schemas.microsoft.com/office/drawing/2014/main" id="{483471DF-EE2B-4A1B-A40D-36C08975482F}"/>
+              </a:ext>
+            </a:extLst>
+          </p:cNvPr>
+          <p:cNvSpPr>
+            <a:spLocks noGrp="1"/>
+          </p:cNvSpPr>
+          <p:nvPr>
+            <p:ph idx="1"/>
+          </p:nvPr>
+        </p:nvSpPr>
+        <p:spPr/>
+        <p:txBody>
+          <a:bodyPr/>
+          <a:lstStyle/>
+          <a:p>
+            <a:endParaRPr lang="en-US" dirty="0"/>
+          </a:p>
+        </p:txBody>
+      </p:sp>
+      <p:pic>
+        <p:nvPicPr>
+          <p:cNvPr id="12" name="Picture 11">
+            <a:extLst>
+              <a:ext uri="{FF2B5EF4-FFF2-40B4-BE49-F238E27FC236}">
+                <a16:creationId xmlns:a16="http://schemas.microsoft.com/office/drawing/2014/main" id="{9B53BB81-792F-4DA4-8D00-D2E18A05FCE6}"/>
+              </a:ext>
+            </a:extLst>
+          </p:cNvPr>
+          <p:cNvPicPr>
+            <a:picLocks noChangeAspect="1"/>
+          </p:cNvPicPr>
+          <p:nvPr/>
+        </p:nvPicPr>
+        <p:blipFill>
+          <a:blip r:embed="rId2"/>
+          <a:stretch>
+            <a:fillRect/>
+          </a:stretch>
+        </p:blipFill>
+        <p:spPr>
+          <a:xfrm>
+            <a:off x="1962666" y="1473856"/>
+            <a:ext cx="8266667" cy="5247619"/>
+          </a:xfrm>
+          <a:prstGeom prst="rect">
+            <a:avLst/>
+          </a:prstGeom>
+        </p:spPr>
+      </p:pic>
+    </p:spTree>
+    <p:extLst>
+      <p:ext uri="{BB962C8B-B14F-4D97-AF65-F5344CB8AC3E}">
+        <p14:creationId xmlns:p14="http://schemas.microsoft.com/office/powerpoint/2010/main" val="1405398319"/>
+      </p:ext>
+    </p:extLst>
+  </p:cSld>
+  <p:clrMapOvr>
+    <a:masterClrMapping/>
+  </p:clrMapOvr>
+</p:sld>
+</file>
+
+<file path=ppt/slides/slide54.xml><?xml version="1.0" encoding="utf-8"?>
+<p:sld xmlns:a="http://schemas.openxmlformats.org/drawingml/2006/main" xmlns:r="http://schemas.openxmlformats.org/officeDocument/2006/relationships" xmlns:p="http://schemas.openxmlformats.org/presentationml/2006/main">
+  <p:cSld>
+    <p:spTree>
+      <p:nvGrpSpPr>
+        <p:cNvPr id="1" name=""/>
+        <p:cNvGrpSpPr/>
+        <p:nvPr/>
+      </p:nvGrpSpPr>
+      <p:grpSpPr>
+        <a:xfrm>
+          <a:off x="0" y="0"/>
+          <a:ext cx="0" cy="0"/>
+          <a:chOff x="0" y="0"/>
+          <a:chExt cx="0" cy="0"/>
+        </a:xfrm>
+      </p:grpSpPr>
+      <p:sp>
+        <p:nvSpPr>
+          <p:cNvPr id="2" name="Title 1">
+            <a:extLst>
+              <a:ext uri="{FF2B5EF4-FFF2-40B4-BE49-F238E27FC236}">
+                <a16:creationId xmlns:a16="http://schemas.microsoft.com/office/drawing/2014/main" id="{5E945D91-80E0-4467-88DB-CBF29740C2C8}"/>
+              </a:ext>
+            </a:extLst>
+          </p:cNvPr>
+          <p:cNvSpPr>
+            <a:spLocks noGrp="1"/>
+          </p:cNvSpPr>
+          <p:nvPr>
+            <p:ph type="title"/>
+          </p:nvPr>
+        </p:nvSpPr>
+        <p:spPr/>
+        <p:txBody>
+          <a:bodyPr/>
+          <a:lstStyle/>
+          <a:p>
+            <a:pPr algn="ctr"/>
+            <a:r>
+              <a:rPr lang="en-US" dirty="0"/>
+              <a:t>Titles and Captions</a:t>
+            </a:r>
+          </a:p>
+        </p:txBody>
+      </p:sp>
+      <p:sp>
+        <p:nvSpPr>
+          <p:cNvPr id="4" name="Footer Placeholder 3">
+            <a:extLst>
+              <a:ext uri="{FF2B5EF4-FFF2-40B4-BE49-F238E27FC236}">
+                <a16:creationId xmlns:a16="http://schemas.microsoft.com/office/drawing/2014/main" id="{B6525301-D78D-45F1-974B-EEBC0DC989E2}"/>
+              </a:ext>
+            </a:extLst>
+          </p:cNvPr>
+          <p:cNvSpPr>
+            <a:spLocks noGrp="1"/>
+          </p:cNvSpPr>
+          <p:nvPr>
+            <p:ph type="ftr" sz="quarter" idx="11"/>
+          </p:nvPr>
+        </p:nvSpPr>
+        <p:spPr/>
+        <p:txBody>
+          <a:bodyPr/>
+          <a:lstStyle/>
+          <a:p>
+            <a:r>
+              <a:rPr lang="en-US"/>
+              <a:t>CERF 2019 | The Next Step with R | Cressman and Dunnigan</a:t>
+            </a:r>
+          </a:p>
+        </p:txBody>
+      </p:sp>
+      <p:sp>
+        <p:nvSpPr>
+          <p:cNvPr id="5" name="Slide Number Placeholder 4">
+            <a:extLst>
+              <a:ext uri="{FF2B5EF4-FFF2-40B4-BE49-F238E27FC236}">
+                <a16:creationId xmlns:a16="http://schemas.microsoft.com/office/drawing/2014/main" id="{31763576-7EDD-4F70-9FB1-D6B360120D2D}"/>
+              </a:ext>
+            </a:extLst>
+          </p:cNvPr>
+          <p:cNvSpPr>
+            <a:spLocks noGrp="1"/>
+          </p:cNvSpPr>
+          <p:nvPr>
+            <p:ph type="sldNum" sz="quarter" idx="12"/>
+          </p:nvPr>
+        </p:nvSpPr>
+        <p:spPr/>
+        <p:txBody>
+          <a:bodyPr/>
+          <a:lstStyle/>
+          <a:p>
+            <a:fld id="{1D07C8D9-AA71-438D-86BE-7B86F7F29DC7}" type="slidenum">
+              <a:rPr lang="en-US" smtClean="0"/>
+              <a:t>54</a:t>
+            </a:fld>
+            <a:endParaRPr lang="en-US"/>
+          </a:p>
+        </p:txBody>
+      </p:sp>
+      <p:sp>
+        <p:nvSpPr>
+          <p:cNvPr id="8" name="Content Placeholder 7">
+            <a:extLst>
+              <a:ext uri="{FF2B5EF4-FFF2-40B4-BE49-F238E27FC236}">
+                <a16:creationId xmlns:a16="http://schemas.microsoft.com/office/drawing/2014/main" id="{483471DF-EE2B-4A1B-A40D-36C08975482F}"/>
+              </a:ext>
+            </a:extLst>
+          </p:cNvPr>
+          <p:cNvSpPr>
+            <a:spLocks noGrp="1"/>
+          </p:cNvSpPr>
+          <p:nvPr>
+            <p:ph idx="1"/>
+          </p:nvPr>
+        </p:nvSpPr>
+        <p:spPr>
+          <a:xfrm>
+            <a:off x="187036" y="1847850"/>
+            <a:ext cx="11817927" cy="4351338"/>
+          </a:xfrm>
+        </p:spPr>
+        <p:txBody>
+          <a:bodyPr>
+            <a:normAutofit/>
+          </a:bodyPr>
+          <a:lstStyle/>
+          <a:p>
+            <a:pPr marL="0" indent="0">
+              <a:buNone/>
+            </a:pPr>
+            <a:r>
+              <a:rPr lang="en-US" sz="2300" dirty="0" err="1">
+                <a:latin typeface="Fira Code" panose="020B0809050000020004" pitchFamily="49" charset="0"/>
+                <a:ea typeface="Fira Code" panose="020B0809050000020004" pitchFamily="49" charset="0"/>
+                <a:cs typeface="Fira Code" panose="020B0809050000020004" pitchFamily="49" charset="0"/>
+              </a:rPr>
+              <a:t>ggplot</a:t>
+            </a:r>
+            <a:r>
+              <a:rPr lang="en-US" sz="2300" dirty="0">
+                <a:latin typeface="Fira Code" panose="020B0809050000020004" pitchFamily="49" charset="0"/>
+                <a:ea typeface="Fira Code" panose="020B0809050000020004" pitchFamily="49" charset="0"/>
+                <a:cs typeface="Fira Code" panose="020B0809050000020004" pitchFamily="49" charset="0"/>
+              </a:rPr>
+              <a:t>(data = </a:t>
+            </a:r>
+            <a:r>
+              <a:rPr lang="en-US" sz="2300" dirty="0" err="1">
+                <a:latin typeface="Fira Code" panose="020B0809050000020004" pitchFamily="49" charset="0"/>
+                <a:ea typeface="Fira Code" panose="020B0809050000020004" pitchFamily="49" charset="0"/>
+                <a:cs typeface="Fira Code" panose="020B0809050000020004" pitchFamily="49" charset="0"/>
+              </a:rPr>
+              <a:t>wq</a:t>
+            </a:r>
+            <a:r>
+              <a:rPr lang="en-US" sz="2300" dirty="0">
+                <a:latin typeface="Fira Code" panose="020B0809050000020004" pitchFamily="49" charset="0"/>
+                <a:ea typeface="Fira Code" panose="020B0809050000020004" pitchFamily="49" charset="0"/>
+                <a:cs typeface="Fira Code" panose="020B0809050000020004" pitchFamily="49" charset="0"/>
+              </a:rPr>
+              <a:t>) +</a:t>
+            </a:r>
+          </a:p>
+          <a:p>
+            <a:pPr marL="0" indent="0">
+              <a:buNone/>
+            </a:pPr>
+            <a:r>
+              <a:rPr lang="en-US" sz="2300" dirty="0">
+                <a:latin typeface="Fira Code" panose="020B0809050000020004" pitchFamily="49" charset="0"/>
+                <a:ea typeface="Fira Code" panose="020B0809050000020004" pitchFamily="49" charset="0"/>
+                <a:cs typeface="Fira Code" panose="020B0809050000020004" pitchFamily="49" charset="0"/>
+              </a:rPr>
+              <a:t> </a:t>
+            </a:r>
+            <a:r>
+              <a:rPr lang="en-US" sz="2300" dirty="0" err="1">
+                <a:latin typeface="Fira Code" panose="020B0809050000020004" pitchFamily="49" charset="0"/>
+                <a:ea typeface="Fira Code" panose="020B0809050000020004" pitchFamily="49" charset="0"/>
+                <a:cs typeface="Fira Code" panose="020B0809050000020004" pitchFamily="49" charset="0"/>
+              </a:rPr>
+              <a:t>geom_boxplot</a:t>
+            </a:r>
+            <a:r>
+              <a:rPr lang="en-US" sz="2300" dirty="0">
+                <a:latin typeface="Fira Code" panose="020B0809050000020004" pitchFamily="49" charset="0"/>
+                <a:ea typeface="Fira Code" panose="020B0809050000020004" pitchFamily="49" charset="0"/>
+                <a:cs typeface="Fira Code" panose="020B0809050000020004" pitchFamily="49" charset="0"/>
+              </a:rPr>
+              <a:t>(mapping = </a:t>
+            </a:r>
+            <a:r>
+              <a:rPr lang="en-US" sz="2300" dirty="0" err="1">
+                <a:latin typeface="Fira Code" panose="020B0809050000020004" pitchFamily="49" charset="0"/>
+                <a:ea typeface="Fira Code" panose="020B0809050000020004" pitchFamily="49" charset="0"/>
+                <a:cs typeface="Fira Code" panose="020B0809050000020004" pitchFamily="49" charset="0"/>
+              </a:rPr>
+              <a:t>aes</a:t>
+            </a:r>
+            <a:r>
+              <a:rPr lang="en-US" sz="2300" dirty="0">
+                <a:latin typeface="Fira Code" panose="020B0809050000020004" pitchFamily="49" charset="0"/>
+                <a:ea typeface="Fira Code" panose="020B0809050000020004" pitchFamily="49" charset="0"/>
+                <a:cs typeface="Fira Code" panose="020B0809050000020004" pitchFamily="49" charset="0"/>
+              </a:rPr>
+              <a:t>(x = coast, y = temp, color = state)) +</a:t>
+            </a:r>
+          </a:p>
+          <a:p>
+            <a:pPr marL="0" indent="0">
+              <a:buNone/>
+            </a:pPr>
+            <a:r>
+              <a:rPr lang="en-US" sz="2300" dirty="0">
+                <a:latin typeface="Fira Code" panose="020B0809050000020004" pitchFamily="49" charset="0"/>
+                <a:ea typeface="Fira Code" panose="020B0809050000020004" pitchFamily="49" charset="0"/>
+                <a:cs typeface="Fira Code" panose="020B0809050000020004" pitchFamily="49" charset="0"/>
+              </a:rPr>
+              <a:t> </a:t>
+            </a:r>
+            <a:r>
+              <a:rPr lang="en-US" sz="2300" dirty="0">
+                <a:solidFill>
+                  <a:schemeClr val="accent6">
+                    <a:lumMod val="75000"/>
+                  </a:schemeClr>
+                </a:solidFill>
+                <a:latin typeface="Fira Code" panose="020B0809050000020004" pitchFamily="49" charset="0"/>
+                <a:ea typeface="Fira Code" panose="020B0809050000020004" pitchFamily="49" charset="0"/>
+                <a:cs typeface="Fira Code" panose="020B0809050000020004" pitchFamily="49" charset="0"/>
+              </a:rPr>
+              <a:t>labs(x = "Coast",</a:t>
+            </a:r>
+          </a:p>
+          <a:p>
+            <a:pPr marL="0" indent="0">
+              <a:buNone/>
+            </a:pPr>
+            <a:r>
+              <a:rPr lang="en-US" sz="2300" dirty="0">
+                <a:solidFill>
+                  <a:schemeClr val="accent6">
+                    <a:lumMod val="75000"/>
+                  </a:schemeClr>
+                </a:solidFill>
+                <a:latin typeface="Fira Code" panose="020B0809050000020004" pitchFamily="49" charset="0"/>
+                <a:ea typeface="Fira Code" panose="020B0809050000020004" pitchFamily="49" charset="0"/>
+                <a:cs typeface="Fira Code" panose="020B0809050000020004" pitchFamily="49" charset="0"/>
+              </a:rPr>
+              <a:t>      y = "Temperature (C)",</a:t>
+            </a:r>
+          </a:p>
+          <a:p>
+            <a:pPr marL="0" indent="0">
+              <a:buNone/>
+            </a:pPr>
+            <a:r>
+              <a:rPr lang="en-US" sz="2300" dirty="0">
+                <a:solidFill>
+                  <a:schemeClr val="accent6">
+                    <a:lumMod val="75000"/>
+                  </a:schemeClr>
+                </a:solidFill>
+                <a:latin typeface="Fira Code" panose="020B0809050000020004" pitchFamily="49" charset="0"/>
+                <a:ea typeface="Fira Code" panose="020B0809050000020004" pitchFamily="49" charset="0"/>
+                <a:cs typeface="Fira Code" panose="020B0809050000020004" pitchFamily="49" charset="0"/>
+              </a:rPr>
+              <a:t>      title = "Water Quality Data",</a:t>
+            </a:r>
+          </a:p>
+          <a:p>
+            <a:pPr marL="0" indent="0">
+              <a:buNone/>
+            </a:pPr>
+            <a:r>
+              <a:rPr lang="en-US" sz="2300" dirty="0">
+                <a:solidFill>
+                  <a:schemeClr val="accent6">
+                    <a:lumMod val="75000"/>
+                  </a:schemeClr>
+                </a:solidFill>
+                <a:latin typeface="Fira Code" panose="020B0809050000020004" pitchFamily="49" charset="0"/>
+                <a:ea typeface="Fira Code" panose="020B0809050000020004" pitchFamily="49" charset="0"/>
+                <a:cs typeface="Fira Code" panose="020B0809050000020004" pitchFamily="49" charset="0"/>
+              </a:rPr>
+              <a:t>      subtitle = "Pacific Coast Reserves are colder",</a:t>
+            </a:r>
+          </a:p>
+          <a:p>
+            <a:pPr marL="0" indent="0">
+              <a:buNone/>
+            </a:pPr>
+            <a:r>
+              <a:rPr lang="en-US" sz="2300" dirty="0">
+                <a:solidFill>
+                  <a:schemeClr val="accent6">
+                    <a:lumMod val="75000"/>
+                  </a:schemeClr>
+                </a:solidFill>
+                <a:latin typeface="Fira Code" panose="020B0809050000020004" pitchFamily="49" charset="0"/>
+                <a:ea typeface="Fira Code" panose="020B0809050000020004" pitchFamily="49" charset="0"/>
+                <a:cs typeface="Fira Code" panose="020B0809050000020004" pitchFamily="49" charset="0"/>
+              </a:rPr>
+              <a:t>      caption = "Data from &lt;www.nerrsdata.org&gt;")</a:t>
+            </a:r>
+          </a:p>
+        </p:txBody>
+      </p:sp>
+    </p:spTree>
+    <p:extLst>
+      <p:ext uri="{BB962C8B-B14F-4D97-AF65-F5344CB8AC3E}">
+        <p14:creationId xmlns:p14="http://schemas.microsoft.com/office/powerpoint/2010/main" val="3970291899"/>
+      </p:ext>
+    </p:extLst>
+  </p:cSld>
+  <p:clrMapOvr>
+    <a:masterClrMapping/>
+  </p:clrMapOvr>
+</p:sld>
+</file>
+
+<file path=ppt/slides/slide55.xml><?xml version="1.0" encoding="utf-8"?>
+<p:sld xmlns:a="http://schemas.openxmlformats.org/drawingml/2006/main" xmlns:r="http://schemas.openxmlformats.org/officeDocument/2006/relationships" xmlns:p="http://schemas.openxmlformats.org/presentationml/2006/main">
+  <p:cSld>
+    <p:spTree>
+      <p:nvGrpSpPr>
+        <p:cNvPr id="1" name=""/>
+        <p:cNvGrpSpPr/>
+        <p:nvPr/>
+      </p:nvGrpSpPr>
+      <p:grpSpPr>
+        <a:xfrm>
+          <a:off x="0" y="0"/>
+          <a:ext cx="0" cy="0"/>
+          <a:chOff x="0" y="0"/>
+          <a:chExt cx="0" cy="0"/>
+        </a:xfrm>
+      </p:grpSpPr>
+      <p:sp>
+        <p:nvSpPr>
+          <p:cNvPr id="4" name="Footer Placeholder 3">
+            <a:extLst>
+              <a:ext uri="{FF2B5EF4-FFF2-40B4-BE49-F238E27FC236}">
+                <a16:creationId xmlns:a16="http://schemas.microsoft.com/office/drawing/2014/main" id="{613E6009-D145-4590-A7B3-45399B48F3B0}"/>
+              </a:ext>
+            </a:extLst>
+          </p:cNvPr>
+          <p:cNvSpPr>
+            <a:spLocks noGrp="1"/>
+          </p:cNvSpPr>
+          <p:nvPr>
+            <p:ph type="ftr" sz="quarter" idx="11"/>
+          </p:nvPr>
+        </p:nvSpPr>
+        <p:spPr/>
+        <p:txBody>
+          <a:bodyPr/>
+          <a:lstStyle/>
+          <a:p>
+            <a:r>
+              <a:rPr lang="en-US" dirty="0"/>
+              <a:t>CERF 2019 | The Next Step with R | Cressman and Dunnigan</a:t>
+            </a:r>
+          </a:p>
+        </p:txBody>
+      </p:sp>
+      <p:sp>
+        <p:nvSpPr>
+          <p:cNvPr id="5" name="Slide Number Placeholder 4">
+            <a:extLst>
+              <a:ext uri="{FF2B5EF4-FFF2-40B4-BE49-F238E27FC236}">
+                <a16:creationId xmlns:a16="http://schemas.microsoft.com/office/drawing/2014/main" id="{7453A3CD-37F2-4D00-921B-4D1895E35745}"/>
+              </a:ext>
+            </a:extLst>
+          </p:cNvPr>
+          <p:cNvSpPr>
+            <a:spLocks noGrp="1"/>
+          </p:cNvSpPr>
+          <p:nvPr>
+            <p:ph type="sldNum" sz="quarter" idx="12"/>
+          </p:nvPr>
+        </p:nvSpPr>
+        <p:spPr/>
+        <p:txBody>
+          <a:bodyPr/>
+          <a:lstStyle/>
+          <a:p>
+            <a:fld id="{1D07C8D9-AA71-438D-86BE-7B86F7F29DC7}" type="slidenum">
+              <a:rPr lang="en-US" smtClean="0"/>
+              <a:t>55</a:t>
+            </a:fld>
+            <a:endParaRPr lang="en-US" dirty="0"/>
+          </a:p>
+        </p:txBody>
+      </p:sp>
+      <p:pic>
+        <p:nvPicPr>
+          <p:cNvPr id="6" name="Picture 5">
+            <a:extLst>
+              <a:ext uri="{FF2B5EF4-FFF2-40B4-BE49-F238E27FC236}">
+                <a16:creationId xmlns:a16="http://schemas.microsoft.com/office/drawing/2014/main" id="{54F7117B-F607-4BC1-960D-E3542047F215}"/>
+              </a:ext>
+            </a:extLst>
+          </p:cNvPr>
+          <p:cNvPicPr>
+            <a:picLocks noChangeAspect="1"/>
+          </p:cNvPicPr>
+          <p:nvPr/>
+        </p:nvPicPr>
+        <p:blipFill>
+          <a:blip r:embed="rId2"/>
+          <a:stretch>
+            <a:fillRect/>
+          </a:stretch>
+        </p:blipFill>
+        <p:spPr>
+          <a:xfrm>
+            <a:off x="373642" y="298450"/>
+            <a:ext cx="4607794" cy="3554361"/>
+          </a:xfrm>
+          <a:prstGeom prst="rect">
+            <a:avLst/>
+          </a:prstGeom>
+          <a:ln>
+            <a:noFill/>
+          </a:ln>
+          <a:effectLst/>
+        </p:spPr>
+      </p:pic>
+      <p:pic>
+        <p:nvPicPr>
+          <p:cNvPr id="2" name="Picture 1">
+            <a:extLst>
+              <a:ext uri="{FF2B5EF4-FFF2-40B4-BE49-F238E27FC236}">
+                <a16:creationId xmlns:a16="http://schemas.microsoft.com/office/drawing/2014/main" id="{5861F553-6FC1-4B84-AC34-8FBA2AC67355}"/>
+              </a:ext>
+            </a:extLst>
+          </p:cNvPr>
+          <p:cNvPicPr>
+            <a:picLocks noChangeAspect="1"/>
+          </p:cNvPicPr>
+          <p:nvPr/>
+        </p:nvPicPr>
+        <p:blipFill>
+          <a:blip r:embed="rId3"/>
+          <a:stretch>
+            <a:fillRect/>
+          </a:stretch>
+        </p:blipFill>
+        <p:spPr>
+          <a:xfrm>
+            <a:off x="639635" y="1765025"/>
+            <a:ext cx="4612859" cy="3554362"/>
+          </a:xfrm>
+          <a:prstGeom prst="rect">
+            <a:avLst/>
+          </a:prstGeom>
+          <a:ln>
+            <a:noFill/>
+          </a:ln>
+          <a:effectLst>
+            <a:outerShdw blurRad="190500" algn="tl" rotWithShape="0">
+              <a:srgbClr val="000000">
+                <a:alpha val="70000"/>
+              </a:srgbClr>
+            </a:outerShdw>
+          </a:effectLst>
+        </p:spPr>
+      </p:pic>
+      <p:pic>
+        <p:nvPicPr>
+          <p:cNvPr id="3" name="Picture 2">
+            <a:extLst>
+              <a:ext uri="{FF2B5EF4-FFF2-40B4-BE49-F238E27FC236}">
+                <a16:creationId xmlns:a16="http://schemas.microsoft.com/office/drawing/2014/main" id="{EDA5333E-85CD-40AF-8AF9-251DF01A033F}"/>
+              </a:ext>
+            </a:extLst>
+          </p:cNvPr>
+          <p:cNvPicPr>
+            <a:picLocks noChangeAspect="1"/>
+          </p:cNvPicPr>
+          <p:nvPr/>
+        </p:nvPicPr>
+        <p:blipFill rotWithShape="1">
+          <a:blip r:embed="rId3"/>
+          <a:srcRect l="74680" t="48642" r="434" b="34321"/>
+          <a:stretch/>
+        </p:blipFill>
+        <p:spPr>
+          <a:xfrm>
+            <a:off x="6920989" y="2318180"/>
+            <a:ext cx="5114748" cy="2698046"/>
+          </a:xfrm>
+          <a:prstGeom prst="rect">
+            <a:avLst/>
+          </a:prstGeom>
+        </p:spPr>
+      </p:pic>
+      <p:sp>
+        <p:nvSpPr>
+          <p:cNvPr id="9" name="Trapezoid 8">
+            <a:extLst>
+              <a:ext uri="{FF2B5EF4-FFF2-40B4-BE49-F238E27FC236}">
+                <a16:creationId xmlns:a16="http://schemas.microsoft.com/office/drawing/2014/main" id="{0B15D1FD-44D7-48E5-A048-EA9BBA09175B}"/>
+              </a:ext>
+            </a:extLst>
+          </p:cNvPr>
+          <p:cNvSpPr/>
+          <p:nvPr/>
+        </p:nvSpPr>
+        <p:spPr>
+          <a:xfrm rot="16200000">
+            <a:off x="4374540" y="2260402"/>
+            <a:ext cx="2504889" cy="3006758"/>
+          </a:xfrm>
+          <a:custGeom>
+            <a:avLst/>
+            <a:gdLst>
+              <a:gd name="connsiteX0" fmla="*/ 0 w 2504889"/>
+              <a:gd name="connsiteY0" fmla="*/ 1877869 h 1877869"/>
+              <a:gd name="connsiteX1" fmla="*/ 469467 w 2504889"/>
+              <a:gd name="connsiteY1" fmla="*/ 0 h 1877869"/>
+              <a:gd name="connsiteX2" fmla="*/ 2035422 w 2504889"/>
+              <a:gd name="connsiteY2" fmla="*/ 0 h 1877869"/>
+              <a:gd name="connsiteX3" fmla="*/ 2504889 w 2504889"/>
+              <a:gd name="connsiteY3" fmla="*/ 1877869 h 1877869"/>
+              <a:gd name="connsiteX4" fmla="*/ 0 w 2504889"/>
+              <a:gd name="connsiteY4" fmla="*/ 1877869 h 1877869"/>
+              <a:gd name="connsiteX0" fmla="*/ 0 w 2504889"/>
+              <a:gd name="connsiteY0" fmla="*/ 3006758 h 3006758"/>
+              <a:gd name="connsiteX1" fmla="*/ 469467 w 2504889"/>
+              <a:gd name="connsiteY1" fmla="*/ 1128889 h 3006758"/>
+              <a:gd name="connsiteX2" fmla="*/ 1470978 w 2504889"/>
+              <a:gd name="connsiteY2" fmla="*/ 0 h 3006758"/>
+              <a:gd name="connsiteX3" fmla="*/ 2504889 w 2504889"/>
+              <a:gd name="connsiteY3" fmla="*/ 3006758 h 3006758"/>
+              <a:gd name="connsiteX4" fmla="*/ 0 w 2504889"/>
+              <a:gd name="connsiteY4" fmla="*/ 3006758 h 3006758"/>
+              <a:gd name="connsiteX0" fmla="*/ 0 w 2504889"/>
+              <a:gd name="connsiteY0" fmla="*/ 3006758 h 3006758"/>
+              <a:gd name="connsiteX1" fmla="*/ 921022 w 2504889"/>
+              <a:gd name="connsiteY1" fmla="*/ 22581 h 3006758"/>
+              <a:gd name="connsiteX2" fmla="*/ 1470978 w 2504889"/>
+              <a:gd name="connsiteY2" fmla="*/ 0 h 3006758"/>
+              <a:gd name="connsiteX3" fmla="*/ 2504889 w 2504889"/>
+              <a:gd name="connsiteY3" fmla="*/ 3006758 h 3006758"/>
+              <a:gd name="connsiteX4" fmla="*/ 0 w 2504889"/>
+              <a:gd name="connsiteY4" fmla="*/ 3006758 h 3006758"/>
+            </a:gdLst>
+            <a:ahLst/>
+            <a:cxnLst>
+              <a:cxn ang="0">
+                <a:pos x="connsiteX0" y="connsiteY0"/>
+              </a:cxn>
+              <a:cxn ang="0">
+                <a:pos x="connsiteX1" y="connsiteY1"/>
+              </a:cxn>
+              <a:cxn ang="0">
+                <a:pos x="connsiteX2" y="connsiteY2"/>
+              </a:cxn>
+              <a:cxn ang="0">
+                <a:pos x="connsiteX3" y="connsiteY3"/>
+              </a:cxn>
+              <a:cxn ang="0">
+                <a:pos x="connsiteX4" y="connsiteY4"/>
+              </a:cxn>
+            </a:cxnLst>
+            <a:rect l="l" t="t" r="r" b="b"/>
+            <a:pathLst>
+              <a:path w="2504889" h="3006758">
+                <a:moveTo>
+                  <a:pt x="0" y="3006758"/>
+                </a:moveTo>
+                <a:lnTo>
+                  <a:pt x="921022" y="22581"/>
+                </a:lnTo>
+                <a:lnTo>
+                  <a:pt x="1470978" y="0"/>
+                </a:lnTo>
+                <a:lnTo>
+                  <a:pt x="2504889" y="3006758"/>
+                </a:lnTo>
+                <a:lnTo>
+                  <a:pt x="0" y="3006758"/>
+                </a:lnTo>
+                <a:close/>
+              </a:path>
+            </a:pathLst>
+          </a:custGeom>
+          <a:solidFill>
+            <a:schemeClr val="accent5">
+              <a:lumMod val="50000"/>
+              <a:alpha val="50000"/>
+            </a:schemeClr>
+          </a:solidFill>
+          <a:ln>
+            <a:noFill/>
+          </a:ln>
+        </p:spPr>
+        <p:style>
+          <a:lnRef idx="2">
+            <a:schemeClr val="dk1">
+              <a:shade val="50000"/>
+            </a:schemeClr>
+          </a:lnRef>
+          <a:fillRef idx="1">
+            <a:schemeClr val="dk1"/>
+          </a:fillRef>
+          <a:effectRef idx="0">
+            <a:schemeClr val="dk1"/>
+          </a:effectRef>
+          <a:fontRef idx="minor">
+            <a:schemeClr val="lt1"/>
+          </a:fontRef>
+        </p:style>
+        <p:txBody>
+          <a:bodyPr rtlCol="0" anchor="ctr"/>
+          <a:lstStyle/>
+          <a:p>
+            <a:pPr algn="ctr"/>
+            <a:endParaRPr lang="en-US"/>
+          </a:p>
+        </p:txBody>
+      </p:sp>
+      <p:sp>
+        <p:nvSpPr>
+          <p:cNvPr id="8" name="Rectangle 7">
+            <a:extLst>
+              <a:ext uri="{FF2B5EF4-FFF2-40B4-BE49-F238E27FC236}">
+                <a16:creationId xmlns:a16="http://schemas.microsoft.com/office/drawing/2014/main" id="{3908EA3D-2337-4435-B9E1-A6D6EC0B303F}"/>
+              </a:ext>
+            </a:extLst>
+          </p:cNvPr>
+          <p:cNvSpPr/>
+          <p:nvPr/>
+        </p:nvSpPr>
+        <p:spPr>
+          <a:xfrm>
+            <a:off x="4133397" y="3515979"/>
+            <a:ext cx="1137616" cy="587541"/>
+          </a:xfrm>
+          <a:prstGeom prst="rect">
+            <a:avLst/>
+          </a:prstGeom>
+          <a:solidFill>
+            <a:schemeClr val="accent5">
+              <a:lumMod val="50000"/>
+              <a:alpha val="30000"/>
+            </a:schemeClr>
+          </a:solidFill>
+          <a:ln>
+            <a:noFill/>
+          </a:ln>
+        </p:spPr>
+        <p:style>
+          <a:lnRef idx="2">
+            <a:schemeClr val="dk1">
+              <a:shade val="50000"/>
+            </a:schemeClr>
+          </a:lnRef>
+          <a:fillRef idx="1">
+            <a:schemeClr val="dk1"/>
+          </a:fillRef>
+          <a:effectRef idx="0">
+            <a:schemeClr val="dk1"/>
+          </a:effectRef>
+          <a:fontRef idx="minor">
+            <a:schemeClr val="lt1"/>
+          </a:fontRef>
+        </p:style>
+        <p:txBody>
+          <a:bodyPr rtlCol="0" anchor="ctr"/>
+          <a:lstStyle/>
+          <a:p>
+            <a:pPr algn="ctr"/>
+            <a:endParaRPr lang="en-US"/>
+          </a:p>
+        </p:txBody>
+      </p:sp>
+    </p:spTree>
+    <p:extLst>
+      <p:ext uri="{BB962C8B-B14F-4D97-AF65-F5344CB8AC3E}">
+        <p14:creationId xmlns:p14="http://schemas.microsoft.com/office/powerpoint/2010/main" val="1828754139"/>
+      </p:ext>
+    </p:extLst>
+  </p:cSld>
+  <p:clrMapOvr>
+    <a:masterClrMapping/>
+  </p:clrMapOvr>
+</p:sld>
+</file>
+
+<file path=ppt/slides/slide56.xml><?xml version="1.0" encoding="utf-8"?>
+<p:sld xmlns:a="http://schemas.openxmlformats.org/drawingml/2006/main" xmlns:r="http://schemas.openxmlformats.org/officeDocument/2006/relationships" xmlns:p="http://schemas.openxmlformats.org/presentationml/2006/main">
+  <p:cSld>
+    <p:spTree>
+      <p:nvGrpSpPr>
+        <p:cNvPr id="1" name=""/>
+        <p:cNvGrpSpPr/>
+        <p:nvPr/>
+      </p:nvGrpSpPr>
+      <p:grpSpPr>
+        <a:xfrm>
+          <a:off x="0" y="0"/>
+          <a:ext cx="0" cy="0"/>
+          <a:chOff x="0" y="0"/>
+          <a:chExt cx="0" cy="0"/>
+        </a:xfrm>
+      </p:grpSpPr>
+      <p:sp>
+        <p:nvSpPr>
+          <p:cNvPr id="2" name="Title 1">
+            <a:extLst>
+              <a:ext uri="{FF2B5EF4-FFF2-40B4-BE49-F238E27FC236}">
+                <a16:creationId xmlns:a16="http://schemas.microsoft.com/office/drawing/2014/main" id="{2C46FF3B-F06A-4E03-8B0B-63FBC69113B2}"/>
+              </a:ext>
+            </a:extLst>
+          </p:cNvPr>
+          <p:cNvSpPr>
+            <a:spLocks noGrp="1"/>
+          </p:cNvSpPr>
+          <p:nvPr>
+            <p:ph type="title"/>
+          </p:nvPr>
+        </p:nvSpPr>
+        <p:spPr/>
+        <p:txBody>
+          <a:bodyPr/>
+          <a:lstStyle/>
+          <a:p>
+            <a:pPr algn="ctr"/>
+            <a:r>
+              <a:rPr lang="en-US" dirty="0"/>
+              <a:t>Scales</a:t>
+            </a:r>
+          </a:p>
+        </p:txBody>
+      </p:sp>
+      <p:sp>
+        <p:nvSpPr>
+          <p:cNvPr id="3" name="Content Placeholder 2">
+            <a:extLst>
+              <a:ext uri="{FF2B5EF4-FFF2-40B4-BE49-F238E27FC236}">
+                <a16:creationId xmlns:a16="http://schemas.microsoft.com/office/drawing/2014/main" id="{69C0A044-78D4-4726-8848-F62C5F4FFD5F}"/>
+              </a:ext>
+            </a:extLst>
+          </p:cNvPr>
+          <p:cNvSpPr>
+            <a:spLocks noGrp="1"/>
+          </p:cNvSpPr>
+          <p:nvPr>
+            <p:ph idx="1"/>
+          </p:nvPr>
+        </p:nvSpPr>
+        <p:spPr/>
+        <p:txBody>
+          <a:bodyPr/>
+          <a:lstStyle/>
+          <a:p>
+            <a:endParaRPr lang="en-US"/>
+          </a:p>
+        </p:txBody>
+      </p:sp>
+      <p:sp>
+        <p:nvSpPr>
+          <p:cNvPr id="4" name="Footer Placeholder 3">
+            <a:extLst>
+              <a:ext uri="{FF2B5EF4-FFF2-40B4-BE49-F238E27FC236}">
+                <a16:creationId xmlns:a16="http://schemas.microsoft.com/office/drawing/2014/main" id="{903ABC76-317B-4A6C-BD62-A421DC75C7CE}"/>
+              </a:ext>
+            </a:extLst>
+          </p:cNvPr>
+          <p:cNvSpPr>
+            <a:spLocks noGrp="1"/>
+          </p:cNvSpPr>
+          <p:nvPr>
+            <p:ph type="ftr" sz="quarter" idx="11"/>
+          </p:nvPr>
+        </p:nvSpPr>
+        <p:spPr/>
+        <p:txBody>
+          <a:bodyPr/>
+          <a:lstStyle/>
+          <a:p>
+            <a:r>
+              <a:rPr lang="en-US"/>
+              <a:t>CERF 2019 | The Next Step with R | Cressman and Dunnigan</a:t>
+            </a:r>
+          </a:p>
+        </p:txBody>
+      </p:sp>
+      <p:sp>
+        <p:nvSpPr>
+          <p:cNvPr id="5" name="Slide Number Placeholder 4">
+            <a:extLst>
+              <a:ext uri="{FF2B5EF4-FFF2-40B4-BE49-F238E27FC236}">
+                <a16:creationId xmlns:a16="http://schemas.microsoft.com/office/drawing/2014/main" id="{7CF24284-6E6B-41D2-A570-F79123049F43}"/>
+              </a:ext>
+            </a:extLst>
+          </p:cNvPr>
+          <p:cNvSpPr>
+            <a:spLocks noGrp="1"/>
+          </p:cNvSpPr>
+          <p:nvPr>
+            <p:ph type="sldNum" sz="quarter" idx="12"/>
+          </p:nvPr>
+        </p:nvSpPr>
+        <p:spPr/>
+        <p:txBody>
+          <a:bodyPr/>
+          <a:lstStyle/>
+          <a:p>
+            <a:fld id="{1D07C8D9-AA71-438D-86BE-7B86F7F29DC7}" type="slidenum">
+              <a:rPr lang="en-US" smtClean="0"/>
+              <a:t>56</a:t>
+            </a:fld>
+            <a:endParaRPr lang="en-US"/>
+          </a:p>
+        </p:txBody>
+      </p:sp>
+    </p:spTree>
+    <p:extLst>
+      <p:ext uri="{BB962C8B-B14F-4D97-AF65-F5344CB8AC3E}">
+        <p14:creationId xmlns:p14="http://schemas.microsoft.com/office/powerpoint/2010/main" val="355091770"/>
+      </p:ext>
+    </p:extLst>
+  </p:cSld>
+  <p:clrMapOvr>
+    <a:masterClrMapping/>
+  </p:clrMapOvr>
+</p:sld>
+</file>
+
+<file path=ppt/slides/slide57.xml><?xml version="1.0" encoding="utf-8"?>
+<p:sld xmlns:a="http://schemas.openxmlformats.org/drawingml/2006/main" xmlns:r="http://schemas.openxmlformats.org/officeDocument/2006/relationships" xmlns:p="http://schemas.openxmlformats.org/presentationml/2006/main">
+  <p:cSld>
+    <p:spTree>
+      <p:nvGrpSpPr>
+        <p:cNvPr id="1" name=""/>
+        <p:cNvGrpSpPr/>
+        <p:nvPr/>
+      </p:nvGrpSpPr>
+      <p:grpSpPr>
+        <a:xfrm>
+          <a:off x="0" y="0"/>
+          <a:ext cx="0" cy="0"/>
+          <a:chOff x="0" y="0"/>
+          <a:chExt cx="0" cy="0"/>
+        </a:xfrm>
+      </p:grpSpPr>
+      <p:sp>
+        <p:nvSpPr>
+          <p:cNvPr id="5" name="Slide Number Placeholder 4">
+            <a:extLst>
+              <a:ext uri="{FF2B5EF4-FFF2-40B4-BE49-F238E27FC236}">
+                <a16:creationId xmlns:a16="http://schemas.microsoft.com/office/drawing/2014/main" id="{7453A3CD-37F2-4D00-921B-4D1895E35745}"/>
+              </a:ext>
+            </a:extLst>
+          </p:cNvPr>
+          <p:cNvSpPr>
+            <a:spLocks noGrp="1"/>
+          </p:cNvSpPr>
+          <p:nvPr>
+            <p:ph type="sldNum" sz="quarter" idx="12"/>
+          </p:nvPr>
+        </p:nvSpPr>
+        <p:spPr/>
+        <p:txBody>
+          <a:bodyPr/>
+          <a:lstStyle/>
+          <a:p>
+            <a:fld id="{1D07C8D9-AA71-438D-86BE-7B86F7F29DC7}" type="slidenum">
+              <a:rPr lang="en-US" smtClean="0"/>
+              <a:t>57</a:t>
+            </a:fld>
+            <a:endParaRPr lang="en-US"/>
+          </a:p>
+        </p:txBody>
+      </p:sp>
+      <p:pic>
+        <p:nvPicPr>
+          <p:cNvPr id="6" name="Picture 5">
+            <a:extLst>
+              <a:ext uri="{FF2B5EF4-FFF2-40B4-BE49-F238E27FC236}">
+                <a16:creationId xmlns:a16="http://schemas.microsoft.com/office/drawing/2014/main" id="{54F7117B-F607-4BC1-960D-E3542047F215}"/>
+              </a:ext>
+            </a:extLst>
+          </p:cNvPr>
+          <p:cNvPicPr>
+            <a:picLocks noChangeAspect="1"/>
+          </p:cNvPicPr>
+          <p:nvPr/>
+        </p:nvPicPr>
+        <p:blipFill>
+          <a:blip r:embed="rId2"/>
+          <a:stretch>
+            <a:fillRect/>
+          </a:stretch>
+        </p:blipFill>
+        <p:spPr>
+          <a:xfrm>
+            <a:off x="373642" y="298450"/>
+            <a:ext cx="4607794" cy="3554361"/>
+          </a:xfrm>
+          <a:prstGeom prst="rect">
+            <a:avLst/>
+          </a:prstGeom>
+          <a:ln>
+            <a:noFill/>
+          </a:ln>
+          <a:effectLst/>
+        </p:spPr>
+      </p:pic>
+      <p:sp>
+        <p:nvSpPr>
+          <p:cNvPr id="4" name="Footer Placeholder 3">
+            <a:extLst>
+              <a:ext uri="{FF2B5EF4-FFF2-40B4-BE49-F238E27FC236}">
+                <a16:creationId xmlns:a16="http://schemas.microsoft.com/office/drawing/2014/main" id="{613E6009-D145-4590-A7B3-45399B48F3B0}"/>
+              </a:ext>
+            </a:extLst>
+          </p:cNvPr>
+          <p:cNvSpPr>
+            <a:spLocks noGrp="1"/>
+          </p:cNvSpPr>
+          <p:nvPr>
+            <p:ph type="ftr" sz="quarter" idx="11"/>
+          </p:nvPr>
+        </p:nvSpPr>
+        <p:spPr/>
+        <p:txBody>
+          <a:bodyPr/>
+          <a:lstStyle/>
+          <a:p>
+            <a:r>
+              <a:rPr lang="en-US" dirty="0"/>
+              <a:t>CERF 2019 | The Next Step with R | Cressman and Dunnigan</a:t>
+            </a:r>
+          </a:p>
+        </p:txBody>
+      </p:sp>
+      <p:pic>
+        <p:nvPicPr>
+          <p:cNvPr id="3" name="Picture 2">
+            <a:extLst>
+              <a:ext uri="{FF2B5EF4-FFF2-40B4-BE49-F238E27FC236}">
+                <a16:creationId xmlns:a16="http://schemas.microsoft.com/office/drawing/2014/main" id="{EDA5333E-85CD-40AF-8AF9-251DF01A033F}"/>
+              </a:ext>
+            </a:extLst>
+          </p:cNvPr>
+          <p:cNvPicPr>
+            <a:picLocks noChangeAspect="1"/>
+          </p:cNvPicPr>
+          <p:nvPr/>
+        </p:nvPicPr>
+        <p:blipFill rotWithShape="1">
+          <a:blip r:embed="rId3"/>
+          <a:srcRect l="25734" t="6096" r="50036" b="5431"/>
+          <a:stretch/>
+        </p:blipFill>
+        <p:spPr>
+          <a:xfrm>
+            <a:off x="7421343" y="136525"/>
+            <a:ext cx="2224262" cy="6257926"/>
+          </a:xfrm>
+          <a:prstGeom prst="rect">
+            <a:avLst/>
+          </a:prstGeom>
+        </p:spPr>
+      </p:pic>
+      <p:pic>
+        <p:nvPicPr>
+          <p:cNvPr id="12" name="Picture 11">
+            <a:extLst>
+              <a:ext uri="{FF2B5EF4-FFF2-40B4-BE49-F238E27FC236}">
+                <a16:creationId xmlns:a16="http://schemas.microsoft.com/office/drawing/2014/main" id="{F654EA93-BC18-4D75-B2E8-6DC5BC36C867}"/>
+              </a:ext>
+            </a:extLst>
+          </p:cNvPr>
+          <p:cNvPicPr>
+            <a:picLocks noChangeAspect="1"/>
+          </p:cNvPicPr>
+          <p:nvPr/>
+        </p:nvPicPr>
+        <p:blipFill>
+          <a:blip r:embed="rId3"/>
+          <a:stretch>
+            <a:fillRect/>
+          </a:stretch>
+        </p:blipFill>
+        <p:spPr>
+          <a:xfrm>
+            <a:off x="639635" y="1765025"/>
+            <a:ext cx="4612859" cy="3554362"/>
+          </a:xfrm>
+          <a:prstGeom prst="rect">
+            <a:avLst/>
+          </a:prstGeom>
+          <a:ln>
+            <a:noFill/>
+          </a:ln>
+          <a:effectLst>
+            <a:outerShdw blurRad="190500" algn="tl" rotWithShape="0">
+              <a:srgbClr val="000000">
+                <a:alpha val="70000"/>
+              </a:srgbClr>
+            </a:outerShdw>
+          </a:effectLst>
+        </p:spPr>
+      </p:pic>
+      <p:sp>
+        <p:nvSpPr>
+          <p:cNvPr id="11" name="Rectangle 10">
+            <a:extLst>
+              <a:ext uri="{FF2B5EF4-FFF2-40B4-BE49-F238E27FC236}">
+                <a16:creationId xmlns:a16="http://schemas.microsoft.com/office/drawing/2014/main" id="{652211F4-F3FA-4177-BD2B-8F896A210907}"/>
+              </a:ext>
+            </a:extLst>
+          </p:cNvPr>
+          <p:cNvSpPr/>
+          <p:nvPr/>
+        </p:nvSpPr>
+        <p:spPr>
+          <a:xfrm>
+            <a:off x="1804065" y="1955966"/>
+            <a:ext cx="1141999" cy="3172480"/>
+          </a:xfrm>
+          <a:prstGeom prst="rect">
+            <a:avLst/>
+          </a:prstGeom>
+          <a:solidFill>
+            <a:schemeClr val="accent5">
+              <a:lumMod val="50000"/>
+              <a:alpha val="30000"/>
+            </a:schemeClr>
+          </a:solidFill>
+          <a:ln>
+            <a:noFill/>
+          </a:ln>
+        </p:spPr>
+        <p:style>
+          <a:lnRef idx="2">
+            <a:schemeClr val="dk1">
+              <a:shade val="50000"/>
+            </a:schemeClr>
+          </a:lnRef>
+          <a:fillRef idx="1">
+            <a:schemeClr val="dk1"/>
+          </a:fillRef>
+          <a:effectRef idx="0">
+            <a:schemeClr val="dk1"/>
+          </a:effectRef>
+          <a:fontRef idx="minor">
+            <a:schemeClr val="lt1"/>
+          </a:fontRef>
+        </p:style>
+        <p:txBody>
+          <a:bodyPr rtlCol="0" anchor="ctr"/>
+          <a:lstStyle/>
+          <a:p>
+            <a:pPr algn="ctr"/>
+            <a:endParaRPr lang="en-US"/>
+          </a:p>
+        </p:txBody>
+      </p:sp>
+      <p:sp>
+        <p:nvSpPr>
+          <p:cNvPr id="9" name="Trapezoid 8">
+            <a:extLst>
+              <a:ext uri="{FF2B5EF4-FFF2-40B4-BE49-F238E27FC236}">
+                <a16:creationId xmlns:a16="http://schemas.microsoft.com/office/drawing/2014/main" id="{0B15D1FD-44D7-48E5-A048-EA9BBA09175B}"/>
+              </a:ext>
+            </a:extLst>
+          </p:cNvPr>
+          <p:cNvSpPr/>
+          <p:nvPr/>
+        </p:nvSpPr>
+        <p:spPr>
+          <a:xfrm rot="16200000">
+            <a:off x="1520632" y="430185"/>
+            <a:ext cx="6224765" cy="5635320"/>
+          </a:xfrm>
+          <a:custGeom>
+            <a:avLst/>
+            <a:gdLst>
+              <a:gd name="connsiteX0" fmla="*/ 0 w 6111876"/>
+              <a:gd name="connsiteY0" fmla="*/ 4114799 h 4114799"/>
+              <a:gd name="connsiteX1" fmla="*/ 1028700 w 6111876"/>
+              <a:gd name="connsiteY1" fmla="*/ 0 h 4114799"/>
+              <a:gd name="connsiteX2" fmla="*/ 5083176 w 6111876"/>
+              <a:gd name="connsiteY2" fmla="*/ 0 h 4114799"/>
+              <a:gd name="connsiteX3" fmla="*/ 6111876 w 6111876"/>
+              <a:gd name="connsiteY3" fmla="*/ 4114799 h 4114799"/>
+              <a:gd name="connsiteX4" fmla="*/ 0 w 6111876"/>
+              <a:gd name="connsiteY4" fmla="*/ 4114799 h 4114799"/>
+              <a:gd name="connsiteX0" fmla="*/ 0 w 6111876"/>
+              <a:gd name="connsiteY0" fmla="*/ 4126088 h 4126088"/>
+              <a:gd name="connsiteX1" fmla="*/ 1028700 w 6111876"/>
+              <a:gd name="connsiteY1" fmla="*/ 11289 h 4126088"/>
+              <a:gd name="connsiteX2" fmla="*/ 5342820 w 6111876"/>
+              <a:gd name="connsiteY2" fmla="*/ 0 h 4126088"/>
+              <a:gd name="connsiteX3" fmla="*/ 6111876 w 6111876"/>
+              <a:gd name="connsiteY3" fmla="*/ 4126088 h 4126088"/>
+              <a:gd name="connsiteX4" fmla="*/ 0 w 6111876"/>
+              <a:gd name="connsiteY4" fmla="*/ 4126088 h 4126088"/>
+              <a:gd name="connsiteX0" fmla="*/ 0 w 6111876"/>
+              <a:gd name="connsiteY0" fmla="*/ 4126088 h 4126088"/>
+              <a:gd name="connsiteX1" fmla="*/ 2202744 w 6111876"/>
+              <a:gd name="connsiteY1" fmla="*/ 11289 h 4126088"/>
+              <a:gd name="connsiteX2" fmla="*/ 5342820 w 6111876"/>
+              <a:gd name="connsiteY2" fmla="*/ 0 h 4126088"/>
+              <a:gd name="connsiteX3" fmla="*/ 6111876 w 6111876"/>
+              <a:gd name="connsiteY3" fmla="*/ 4126088 h 4126088"/>
+              <a:gd name="connsiteX4" fmla="*/ 0 w 6111876"/>
+              <a:gd name="connsiteY4" fmla="*/ 4126088 h 4126088"/>
+              <a:gd name="connsiteX0" fmla="*/ 0 w 6202187"/>
+              <a:gd name="connsiteY0" fmla="*/ 4103510 h 4126088"/>
+              <a:gd name="connsiteX1" fmla="*/ 2293055 w 6202187"/>
+              <a:gd name="connsiteY1" fmla="*/ 11289 h 4126088"/>
+              <a:gd name="connsiteX2" fmla="*/ 5433131 w 6202187"/>
+              <a:gd name="connsiteY2" fmla="*/ 0 h 4126088"/>
+              <a:gd name="connsiteX3" fmla="*/ 6202187 w 6202187"/>
+              <a:gd name="connsiteY3" fmla="*/ 4126088 h 4126088"/>
+              <a:gd name="connsiteX4" fmla="*/ 0 w 6202187"/>
+              <a:gd name="connsiteY4" fmla="*/ 4103510 h 4126088"/>
+              <a:gd name="connsiteX0" fmla="*/ 0 w 6676320"/>
+              <a:gd name="connsiteY0" fmla="*/ 4103510 h 5616225"/>
+              <a:gd name="connsiteX1" fmla="*/ 2293055 w 6676320"/>
+              <a:gd name="connsiteY1" fmla="*/ 11289 h 5616225"/>
+              <a:gd name="connsiteX2" fmla="*/ 5433131 w 6676320"/>
+              <a:gd name="connsiteY2" fmla="*/ 0 h 5616225"/>
+              <a:gd name="connsiteX3" fmla="*/ 6676320 w 6676320"/>
+              <a:gd name="connsiteY3" fmla="*/ 5616225 h 5616225"/>
+              <a:gd name="connsiteX4" fmla="*/ 0 w 6676320"/>
+              <a:gd name="connsiteY4" fmla="*/ 4103510 h 5616225"/>
+              <a:gd name="connsiteX0" fmla="*/ 0 w 6224765"/>
+              <a:gd name="connsiteY0" fmla="*/ 5582357 h 5616225"/>
+              <a:gd name="connsiteX1" fmla="*/ 1841500 w 6224765"/>
+              <a:gd name="connsiteY1" fmla="*/ 11289 h 5616225"/>
+              <a:gd name="connsiteX2" fmla="*/ 4981576 w 6224765"/>
+              <a:gd name="connsiteY2" fmla="*/ 0 h 5616225"/>
+              <a:gd name="connsiteX3" fmla="*/ 6224765 w 6224765"/>
+              <a:gd name="connsiteY3" fmla="*/ 5616225 h 5616225"/>
+              <a:gd name="connsiteX4" fmla="*/ 0 w 6224765"/>
+              <a:gd name="connsiteY4" fmla="*/ 5582357 h 5616225"/>
+              <a:gd name="connsiteX0" fmla="*/ 0 w 6224765"/>
+              <a:gd name="connsiteY0" fmla="*/ 5571129 h 5604997"/>
+              <a:gd name="connsiteX1" fmla="*/ 1841500 w 6224765"/>
+              <a:gd name="connsiteY1" fmla="*/ 61 h 5604997"/>
+              <a:gd name="connsiteX2" fmla="*/ 4371976 w 6224765"/>
+              <a:gd name="connsiteY2" fmla="*/ 0 h 5604997"/>
+              <a:gd name="connsiteX3" fmla="*/ 6224765 w 6224765"/>
+              <a:gd name="connsiteY3" fmla="*/ 5604997 h 5604997"/>
+              <a:gd name="connsiteX4" fmla="*/ 0 w 6224765"/>
+              <a:gd name="connsiteY4" fmla="*/ 5571129 h 5604997"/>
+              <a:gd name="connsiteX0" fmla="*/ 0 w 6224765"/>
+              <a:gd name="connsiteY0" fmla="*/ 5582296 h 5616164"/>
+              <a:gd name="connsiteX1" fmla="*/ 1231900 w 6224765"/>
+              <a:gd name="connsiteY1" fmla="*/ 0 h 5616164"/>
+              <a:gd name="connsiteX2" fmla="*/ 4371976 w 6224765"/>
+              <a:gd name="connsiteY2" fmla="*/ 11167 h 5616164"/>
+              <a:gd name="connsiteX3" fmla="*/ 6224765 w 6224765"/>
+              <a:gd name="connsiteY3" fmla="*/ 5616164 h 5616164"/>
+              <a:gd name="connsiteX4" fmla="*/ 0 w 6224765"/>
+              <a:gd name="connsiteY4" fmla="*/ 5582296 h 5616164"/>
+              <a:gd name="connsiteX0" fmla="*/ 0 w 6224765"/>
+              <a:gd name="connsiteY0" fmla="*/ 5571129 h 5604997"/>
+              <a:gd name="connsiteX1" fmla="*/ 1231900 w 6224765"/>
+              <a:gd name="connsiteY1" fmla="*/ 61 h 5604997"/>
+              <a:gd name="connsiteX2" fmla="*/ 4371976 w 6224765"/>
+              <a:gd name="connsiteY2" fmla="*/ 0 h 5604997"/>
+              <a:gd name="connsiteX3" fmla="*/ 6224765 w 6224765"/>
+              <a:gd name="connsiteY3" fmla="*/ 5604997 h 5604997"/>
+              <a:gd name="connsiteX4" fmla="*/ 0 w 6224765"/>
+              <a:gd name="connsiteY4" fmla="*/ 5571129 h 5604997"/>
+            </a:gdLst>
+            <a:ahLst/>
+            <a:cxnLst>
+              <a:cxn ang="0">
+                <a:pos x="connsiteX0" y="connsiteY0"/>
+              </a:cxn>
+              <a:cxn ang="0">
+                <a:pos x="connsiteX1" y="connsiteY1"/>
+              </a:cxn>
+              <a:cxn ang="0">
+                <a:pos x="connsiteX2" y="connsiteY2"/>
+              </a:cxn>
+              <a:cxn ang="0">
+                <a:pos x="connsiteX3" y="connsiteY3"/>
+              </a:cxn>
+              <a:cxn ang="0">
+                <a:pos x="connsiteX4" y="connsiteY4"/>
+              </a:cxn>
+            </a:cxnLst>
+            <a:rect l="l" t="t" r="r" b="b"/>
+            <a:pathLst>
+              <a:path w="6224765" h="5604997">
+                <a:moveTo>
+                  <a:pt x="0" y="5571129"/>
+                </a:moveTo>
+                <a:lnTo>
+                  <a:pt x="1231900" y="61"/>
+                </a:lnTo>
+                <a:lnTo>
+                  <a:pt x="4371976" y="0"/>
+                </a:lnTo>
+                <a:lnTo>
+                  <a:pt x="6224765" y="5604997"/>
+                </a:lnTo>
+                <a:lnTo>
+                  <a:pt x="0" y="5571129"/>
+                </a:lnTo>
+                <a:close/>
+              </a:path>
+            </a:pathLst>
+          </a:custGeom>
+          <a:solidFill>
+            <a:schemeClr val="accent5">
+              <a:lumMod val="50000"/>
+              <a:alpha val="50000"/>
+            </a:schemeClr>
+          </a:solidFill>
+          <a:ln>
+            <a:noFill/>
+          </a:ln>
+        </p:spPr>
+        <p:style>
+          <a:lnRef idx="2">
+            <a:schemeClr val="dk1">
+              <a:shade val="50000"/>
+            </a:schemeClr>
+          </a:lnRef>
+          <a:fillRef idx="1">
+            <a:schemeClr val="dk1"/>
+          </a:fillRef>
+          <a:effectRef idx="0">
+            <a:schemeClr val="dk1"/>
+          </a:effectRef>
+          <a:fontRef idx="minor">
+            <a:schemeClr val="lt1"/>
+          </a:fontRef>
+        </p:style>
+        <p:txBody>
+          <a:bodyPr rtlCol="0" anchor="ctr"/>
+          <a:lstStyle/>
+          <a:p>
+            <a:pPr algn="ctr"/>
+            <a:endParaRPr lang="en-US"/>
+          </a:p>
+        </p:txBody>
+      </p:sp>
+    </p:spTree>
+    <p:extLst>
+      <p:ext uri="{BB962C8B-B14F-4D97-AF65-F5344CB8AC3E}">
+        <p14:creationId xmlns:p14="http://schemas.microsoft.com/office/powerpoint/2010/main" val="4214739254"/>
+      </p:ext>
+    </p:extLst>
+  </p:cSld>
+  <p:clrMapOvr>
+    <a:masterClrMapping/>
+  </p:clrMapOvr>
+</p:sld>
+</file>
+
+<file path=ppt/slides/slide58.xml><?xml version="1.0" encoding="utf-8"?>
+<p:sld xmlns:a="http://schemas.openxmlformats.org/drawingml/2006/main" xmlns:r="http://schemas.openxmlformats.org/officeDocument/2006/relationships" xmlns:p="http://schemas.openxmlformats.org/presentationml/2006/main">
+  <p:cSld>
+    <p:spTree>
+      <p:nvGrpSpPr>
+        <p:cNvPr id="1" name=""/>
+        <p:cNvGrpSpPr/>
+        <p:nvPr/>
+      </p:nvGrpSpPr>
+      <p:grpSpPr>
+        <a:xfrm>
+          <a:off x="0" y="0"/>
+          <a:ext cx="0" cy="0"/>
+          <a:chOff x="0" y="0"/>
+          <a:chExt cx="0" cy="0"/>
+        </a:xfrm>
+      </p:grpSpPr>
+      <p:sp>
+        <p:nvSpPr>
+          <p:cNvPr id="2" name="Title 1">
+            <a:extLst>
+              <a:ext uri="{FF2B5EF4-FFF2-40B4-BE49-F238E27FC236}">
+                <a16:creationId xmlns:a16="http://schemas.microsoft.com/office/drawing/2014/main" id="{59D83E7B-E7F9-4AC6-85EF-87B3AEB82AD4}"/>
+              </a:ext>
+            </a:extLst>
+          </p:cNvPr>
+          <p:cNvSpPr>
+            <a:spLocks noGrp="1"/>
+          </p:cNvSpPr>
+          <p:nvPr>
+            <p:ph type="title"/>
+          </p:nvPr>
+        </p:nvSpPr>
+        <p:spPr/>
+        <p:txBody>
+          <a:bodyPr/>
+          <a:lstStyle/>
+          <a:p>
+            <a:pPr algn="ctr"/>
+            <a:r>
+              <a:rPr lang="en-US" dirty="0"/>
+              <a:t>Themes</a:t>
+            </a:r>
+          </a:p>
+        </p:txBody>
+      </p:sp>
+      <p:sp>
+        <p:nvSpPr>
+          <p:cNvPr id="3" name="Content Placeholder 2">
+            <a:extLst>
+              <a:ext uri="{FF2B5EF4-FFF2-40B4-BE49-F238E27FC236}">
+                <a16:creationId xmlns:a16="http://schemas.microsoft.com/office/drawing/2014/main" id="{0BEE4907-7CFA-46C2-8878-4E0394B74551}"/>
+              </a:ext>
+            </a:extLst>
+          </p:cNvPr>
+          <p:cNvSpPr>
+            <a:spLocks noGrp="1"/>
+          </p:cNvSpPr>
+          <p:nvPr>
+            <p:ph idx="1"/>
+          </p:nvPr>
+        </p:nvSpPr>
+        <p:spPr/>
+        <p:txBody>
+          <a:bodyPr/>
+          <a:lstStyle/>
+          <a:p>
+            <a:endParaRPr lang="en-US" dirty="0"/>
+          </a:p>
+        </p:txBody>
+      </p:sp>
+      <p:sp>
+        <p:nvSpPr>
+          <p:cNvPr id="4" name="Footer Placeholder 3">
+            <a:extLst>
+              <a:ext uri="{FF2B5EF4-FFF2-40B4-BE49-F238E27FC236}">
+                <a16:creationId xmlns:a16="http://schemas.microsoft.com/office/drawing/2014/main" id="{8C3DA63A-8AEC-4AF8-B52F-88A1CC58BD87}"/>
+              </a:ext>
+            </a:extLst>
+          </p:cNvPr>
+          <p:cNvSpPr>
+            <a:spLocks noGrp="1"/>
+          </p:cNvSpPr>
+          <p:nvPr>
+            <p:ph type="ftr" sz="quarter" idx="11"/>
+          </p:nvPr>
+        </p:nvSpPr>
+        <p:spPr/>
+        <p:txBody>
+          <a:bodyPr/>
+          <a:lstStyle/>
+          <a:p>
+            <a:r>
+              <a:rPr lang="en-US"/>
+              <a:t>CERF 2019 | The Next Step with R | Cressman and Dunnigan</a:t>
+            </a:r>
+          </a:p>
+        </p:txBody>
+      </p:sp>
+      <p:sp>
+        <p:nvSpPr>
+          <p:cNvPr id="5" name="Slide Number Placeholder 4">
+            <a:extLst>
+              <a:ext uri="{FF2B5EF4-FFF2-40B4-BE49-F238E27FC236}">
+                <a16:creationId xmlns:a16="http://schemas.microsoft.com/office/drawing/2014/main" id="{EA013E84-027E-4093-8C9B-5CFCAE398338}"/>
+              </a:ext>
+            </a:extLst>
+          </p:cNvPr>
+          <p:cNvSpPr>
+            <a:spLocks noGrp="1"/>
+          </p:cNvSpPr>
+          <p:nvPr>
+            <p:ph type="sldNum" sz="quarter" idx="12"/>
+          </p:nvPr>
+        </p:nvSpPr>
+        <p:spPr/>
+        <p:txBody>
+          <a:bodyPr/>
+          <a:lstStyle/>
+          <a:p>
+            <a:fld id="{1D07C8D9-AA71-438D-86BE-7B86F7F29DC7}" type="slidenum">
+              <a:rPr lang="en-US" smtClean="0"/>
+              <a:t>58</a:t>
+            </a:fld>
+            <a:endParaRPr lang="en-US"/>
+          </a:p>
+        </p:txBody>
+      </p:sp>
+    </p:spTree>
+    <p:extLst>
+      <p:ext uri="{BB962C8B-B14F-4D97-AF65-F5344CB8AC3E}">
+        <p14:creationId xmlns:p14="http://schemas.microsoft.com/office/powerpoint/2010/main" val="2762280106"/>
+      </p:ext>
+    </p:extLst>
+  </p:cSld>
+  <p:clrMapOvr>
+    <a:masterClrMapping/>
+  </p:clrMapOvr>
+</p:sld>
+</file>
+
+<file path=ppt/slides/slide59.xml><?xml version="1.0" encoding="utf-8"?>
+<p:sld xmlns:a="http://schemas.openxmlformats.org/drawingml/2006/main" xmlns:r="http://schemas.openxmlformats.org/officeDocument/2006/relationships" xmlns:p="http://schemas.openxmlformats.org/presentationml/2006/main">
+  <p:cSld>
+    <p:spTree>
+      <p:nvGrpSpPr>
+        <p:cNvPr id="1" name=""/>
+        <p:cNvGrpSpPr/>
+        <p:nvPr/>
+      </p:nvGrpSpPr>
+      <p:grpSpPr>
+        <a:xfrm>
+          <a:off x="0" y="0"/>
+          <a:ext cx="0" cy="0"/>
+          <a:chOff x="0" y="0"/>
+          <a:chExt cx="0" cy="0"/>
+        </a:xfrm>
+      </p:grpSpPr>
+      <p:sp>
+        <p:nvSpPr>
+          <p:cNvPr id="5" name="Slide Number Placeholder 4">
+            <a:extLst>
+              <a:ext uri="{FF2B5EF4-FFF2-40B4-BE49-F238E27FC236}">
+                <a16:creationId xmlns:a16="http://schemas.microsoft.com/office/drawing/2014/main" id="{7453A3CD-37F2-4D00-921B-4D1895E35745}"/>
+              </a:ext>
+            </a:extLst>
+          </p:cNvPr>
+          <p:cNvSpPr>
+            <a:spLocks noGrp="1"/>
+          </p:cNvSpPr>
+          <p:nvPr>
+            <p:ph type="sldNum" sz="quarter" idx="12"/>
+          </p:nvPr>
+        </p:nvSpPr>
+        <p:spPr/>
+        <p:txBody>
+          <a:bodyPr/>
+          <a:lstStyle/>
+          <a:p>
+            <a:fld id="{1D07C8D9-AA71-438D-86BE-7B86F7F29DC7}" type="slidenum">
+              <a:rPr lang="en-US" smtClean="0"/>
+              <a:t>59</a:t>
+            </a:fld>
+            <a:endParaRPr lang="en-US"/>
+          </a:p>
+        </p:txBody>
+      </p:sp>
+      <p:pic>
+        <p:nvPicPr>
+          <p:cNvPr id="6" name="Picture 5">
+            <a:extLst>
+              <a:ext uri="{FF2B5EF4-FFF2-40B4-BE49-F238E27FC236}">
+                <a16:creationId xmlns:a16="http://schemas.microsoft.com/office/drawing/2014/main" id="{54F7117B-F607-4BC1-960D-E3542047F215}"/>
+              </a:ext>
+            </a:extLst>
+          </p:cNvPr>
+          <p:cNvPicPr>
+            <a:picLocks noChangeAspect="1"/>
+          </p:cNvPicPr>
+          <p:nvPr/>
+        </p:nvPicPr>
+        <p:blipFill>
+          <a:blip r:embed="rId2"/>
+          <a:stretch>
+            <a:fillRect/>
+          </a:stretch>
+        </p:blipFill>
+        <p:spPr>
+          <a:xfrm>
+            <a:off x="373642" y="298450"/>
+            <a:ext cx="4607794" cy="3554361"/>
+          </a:xfrm>
+          <a:prstGeom prst="rect">
+            <a:avLst/>
+          </a:prstGeom>
+          <a:ln>
+            <a:noFill/>
+          </a:ln>
+          <a:effectLst/>
+        </p:spPr>
+      </p:pic>
+      <p:sp>
+        <p:nvSpPr>
+          <p:cNvPr id="4" name="Footer Placeholder 3">
+            <a:extLst>
+              <a:ext uri="{FF2B5EF4-FFF2-40B4-BE49-F238E27FC236}">
+                <a16:creationId xmlns:a16="http://schemas.microsoft.com/office/drawing/2014/main" id="{613E6009-D145-4590-A7B3-45399B48F3B0}"/>
+              </a:ext>
+            </a:extLst>
+          </p:cNvPr>
+          <p:cNvSpPr>
+            <a:spLocks noGrp="1"/>
+          </p:cNvSpPr>
+          <p:nvPr>
+            <p:ph type="ftr" sz="quarter" idx="11"/>
+          </p:nvPr>
+        </p:nvSpPr>
+        <p:spPr/>
+        <p:txBody>
+          <a:bodyPr/>
+          <a:lstStyle/>
+          <a:p>
+            <a:r>
+              <a:rPr lang="en-US" dirty="0"/>
+              <a:t>CERF 2019 | The Next Step with R | Cressman and Dunnigan</a:t>
+            </a:r>
+          </a:p>
+        </p:txBody>
+      </p:sp>
+      <p:pic>
+        <p:nvPicPr>
+          <p:cNvPr id="3" name="Picture 2">
+            <a:extLst>
+              <a:ext uri="{FF2B5EF4-FFF2-40B4-BE49-F238E27FC236}">
+                <a16:creationId xmlns:a16="http://schemas.microsoft.com/office/drawing/2014/main" id="{EDA5333E-85CD-40AF-8AF9-251DF01A033F}"/>
+              </a:ext>
+            </a:extLst>
+          </p:cNvPr>
+          <p:cNvPicPr>
+            <a:picLocks noChangeAspect="1"/>
+          </p:cNvPicPr>
+          <p:nvPr/>
+        </p:nvPicPr>
+        <p:blipFill rotWithShape="1">
+          <a:blip r:embed="rId3"/>
+          <a:srcRect l="50272" t="71517" r="25498" b="5446"/>
+          <a:stretch/>
+        </p:blipFill>
+        <p:spPr>
+          <a:xfrm>
+            <a:off x="6417070" y="2317831"/>
+            <a:ext cx="3877659" cy="2840743"/>
+          </a:xfrm>
+          <a:prstGeom prst="rect">
+            <a:avLst/>
+          </a:prstGeom>
+        </p:spPr>
+      </p:pic>
+      <p:pic>
+        <p:nvPicPr>
+          <p:cNvPr id="12" name="Picture 11">
+            <a:extLst>
+              <a:ext uri="{FF2B5EF4-FFF2-40B4-BE49-F238E27FC236}">
+                <a16:creationId xmlns:a16="http://schemas.microsoft.com/office/drawing/2014/main" id="{F654EA93-BC18-4D75-B2E8-6DC5BC36C867}"/>
+              </a:ext>
+            </a:extLst>
+          </p:cNvPr>
+          <p:cNvPicPr>
+            <a:picLocks noChangeAspect="1"/>
+          </p:cNvPicPr>
+          <p:nvPr/>
+        </p:nvPicPr>
+        <p:blipFill>
+          <a:blip r:embed="rId3"/>
+          <a:stretch>
+            <a:fillRect/>
+          </a:stretch>
+        </p:blipFill>
+        <p:spPr>
+          <a:xfrm>
+            <a:off x="639635" y="1765025"/>
+            <a:ext cx="4612859" cy="3554362"/>
+          </a:xfrm>
+          <a:prstGeom prst="rect">
+            <a:avLst/>
+          </a:prstGeom>
+          <a:ln>
+            <a:noFill/>
+          </a:ln>
+          <a:effectLst>
+            <a:outerShdw blurRad="190500" algn="tl" rotWithShape="0">
+              <a:srgbClr val="000000">
+                <a:alpha val="70000"/>
+              </a:srgbClr>
+            </a:outerShdw>
+          </a:effectLst>
+        </p:spPr>
+      </p:pic>
+      <p:sp>
+        <p:nvSpPr>
+          <p:cNvPr id="11" name="Rectangle 10">
+            <a:extLst>
+              <a:ext uri="{FF2B5EF4-FFF2-40B4-BE49-F238E27FC236}">
+                <a16:creationId xmlns:a16="http://schemas.microsoft.com/office/drawing/2014/main" id="{652211F4-F3FA-4177-BD2B-8F896A210907}"/>
+              </a:ext>
+            </a:extLst>
+          </p:cNvPr>
+          <p:cNvSpPr/>
+          <p:nvPr/>
+        </p:nvSpPr>
+        <p:spPr>
+          <a:xfrm>
+            <a:off x="2957353" y="4313680"/>
+            <a:ext cx="1141999" cy="702884"/>
+          </a:xfrm>
+          <a:prstGeom prst="rect">
+            <a:avLst/>
+          </a:prstGeom>
+          <a:solidFill>
+            <a:schemeClr val="accent5">
+              <a:lumMod val="50000"/>
+              <a:alpha val="30000"/>
+            </a:schemeClr>
+          </a:solidFill>
+          <a:ln>
+            <a:noFill/>
+          </a:ln>
+        </p:spPr>
+        <p:style>
+          <a:lnRef idx="2">
+            <a:schemeClr val="dk1">
+              <a:shade val="50000"/>
+            </a:schemeClr>
+          </a:lnRef>
+          <a:fillRef idx="1">
+            <a:schemeClr val="dk1"/>
+          </a:fillRef>
+          <a:effectRef idx="0">
+            <a:schemeClr val="dk1"/>
+          </a:effectRef>
+          <a:fontRef idx="minor">
+            <a:schemeClr val="lt1"/>
+          </a:fontRef>
+        </p:style>
+        <p:txBody>
+          <a:bodyPr rtlCol="0" anchor="ctr"/>
+          <a:lstStyle/>
+          <a:p>
+            <a:pPr algn="ctr"/>
+            <a:endParaRPr lang="en-US"/>
+          </a:p>
+        </p:txBody>
+      </p:sp>
+      <p:sp>
+        <p:nvSpPr>
+          <p:cNvPr id="9" name="Trapezoid 8">
+            <a:extLst>
+              <a:ext uri="{FF2B5EF4-FFF2-40B4-BE49-F238E27FC236}">
+                <a16:creationId xmlns:a16="http://schemas.microsoft.com/office/drawing/2014/main" id="{0B15D1FD-44D7-48E5-A048-EA9BBA09175B}"/>
+              </a:ext>
+            </a:extLst>
+          </p:cNvPr>
+          <p:cNvSpPr/>
+          <p:nvPr/>
+        </p:nvSpPr>
+        <p:spPr>
+          <a:xfrm rot="16200000">
+            <a:off x="3476150" y="1944032"/>
+            <a:ext cx="2554468" cy="3588344"/>
+          </a:xfrm>
+          <a:custGeom>
+            <a:avLst/>
+            <a:gdLst>
+              <a:gd name="connsiteX0" fmla="*/ 0 w 6111876"/>
+              <a:gd name="connsiteY0" fmla="*/ 4114799 h 4114799"/>
+              <a:gd name="connsiteX1" fmla="*/ 1028700 w 6111876"/>
+              <a:gd name="connsiteY1" fmla="*/ 0 h 4114799"/>
+              <a:gd name="connsiteX2" fmla="*/ 5083176 w 6111876"/>
+              <a:gd name="connsiteY2" fmla="*/ 0 h 4114799"/>
+              <a:gd name="connsiteX3" fmla="*/ 6111876 w 6111876"/>
+              <a:gd name="connsiteY3" fmla="*/ 4114799 h 4114799"/>
+              <a:gd name="connsiteX4" fmla="*/ 0 w 6111876"/>
+              <a:gd name="connsiteY4" fmla="*/ 4114799 h 4114799"/>
+              <a:gd name="connsiteX0" fmla="*/ 0 w 6111876"/>
+              <a:gd name="connsiteY0" fmla="*/ 4126088 h 4126088"/>
+              <a:gd name="connsiteX1" fmla="*/ 1028700 w 6111876"/>
+              <a:gd name="connsiteY1" fmla="*/ 11289 h 4126088"/>
+              <a:gd name="connsiteX2" fmla="*/ 5342820 w 6111876"/>
+              <a:gd name="connsiteY2" fmla="*/ 0 h 4126088"/>
+              <a:gd name="connsiteX3" fmla="*/ 6111876 w 6111876"/>
+              <a:gd name="connsiteY3" fmla="*/ 4126088 h 4126088"/>
+              <a:gd name="connsiteX4" fmla="*/ 0 w 6111876"/>
+              <a:gd name="connsiteY4" fmla="*/ 4126088 h 4126088"/>
+              <a:gd name="connsiteX0" fmla="*/ 0 w 6111876"/>
+              <a:gd name="connsiteY0" fmla="*/ 4126088 h 4126088"/>
+              <a:gd name="connsiteX1" fmla="*/ 2202744 w 6111876"/>
+              <a:gd name="connsiteY1" fmla="*/ 11289 h 4126088"/>
+              <a:gd name="connsiteX2" fmla="*/ 5342820 w 6111876"/>
+              <a:gd name="connsiteY2" fmla="*/ 0 h 4126088"/>
+              <a:gd name="connsiteX3" fmla="*/ 6111876 w 6111876"/>
+              <a:gd name="connsiteY3" fmla="*/ 4126088 h 4126088"/>
+              <a:gd name="connsiteX4" fmla="*/ 0 w 6111876"/>
+              <a:gd name="connsiteY4" fmla="*/ 4126088 h 4126088"/>
+              <a:gd name="connsiteX0" fmla="*/ 0 w 6202187"/>
+              <a:gd name="connsiteY0" fmla="*/ 4103510 h 4126088"/>
+              <a:gd name="connsiteX1" fmla="*/ 2293055 w 6202187"/>
+              <a:gd name="connsiteY1" fmla="*/ 11289 h 4126088"/>
+              <a:gd name="connsiteX2" fmla="*/ 5433131 w 6202187"/>
+              <a:gd name="connsiteY2" fmla="*/ 0 h 4126088"/>
+              <a:gd name="connsiteX3" fmla="*/ 6202187 w 6202187"/>
+              <a:gd name="connsiteY3" fmla="*/ 4126088 h 4126088"/>
+              <a:gd name="connsiteX4" fmla="*/ 0 w 6202187"/>
+              <a:gd name="connsiteY4" fmla="*/ 4103510 h 4126088"/>
+              <a:gd name="connsiteX0" fmla="*/ 0 w 6676320"/>
+              <a:gd name="connsiteY0" fmla="*/ 4103510 h 5616225"/>
+              <a:gd name="connsiteX1" fmla="*/ 2293055 w 6676320"/>
+              <a:gd name="connsiteY1" fmla="*/ 11289 h 5616225"/>
+              <a:gd name="connsiteX2" fmla="*/ 5433131 w 6676320"/>
+              <a:gd name="connsiteY2" fmla="*/ 0 h 5616225"/>
+              <a:gd name="connsiteX3" fmla="*/ 6676320 w 6676320"/>
+              <a:gd name="connsiteY3" fmla="*/ 5616225 h 5616225"/>
+              <a:gd name="connsiteX4" fmla="*/ 0 w 6676320"/>
+              <a:gd name="connsiteY4" fmla="*/ 4103510 h 5616225"/>
+              <a:gd name="connsiteX0" fmla="*/ 0 w 6224765"/>
+              <a:gd name="connsiteY0" fmla="*/ 5582357 h 5616225"/>
+              <a:gd name="connsiteX1" fmla="*/ 1841500 w 6224765"/>
+              <a:gd name="connsiteY1" fmla="*/ 11289 h 5616225"/>
+              <a:gd name="connsiteX2" fmla="*/ 4981576 w 6224765"/>
+              <a:gd name="connsiteY2" fmla="*/ 0 h 5616225"/>
+              <a:gd name="connsiteX3" fmla="*/ 6224765 w 6224765"/>
+              <a:gd name="connsiteY3" fmla="*/ 5616225 h 5616225"/>
+              <a:gd name="connsiteX4" fmla="*/ 0 w 6224765"/>
+              <a:gd name="connsiteY4" fmla="*/ 5582357 h 5616225"/>
+              <a:gd name="connsiteX0" fmla="*/ 0 w 6224765"/>
+              <a:gd name="connsiteY0" fmla="*/ 5571129 h 5604997"/>
+              <a:gd name="connsiteX1" fmla="*/ 1841500 w 6224765"/>
+              <a:gd name="connsiteY1" fmla="*/ 61 h 5604997"/>
+              <a:gd name="connsiteX2" fmla="*/ 4371976 w 6224765"/>
+              <a:gd name="connsiteY2" fmla="*/ 0 h 5604997"/>
+              <a:gd name="connsiteX3" fmla="*/ 6224765 w 6224765"/>
+              <a:gd name="connsiteY3" fmla="*/ 5604997 h 5604997"/>
+              <a:gd name="connsiteX4" fmla="*/ 0 w 6224765"/>
+              <a:gd name="connsiteY4" fmla="*/ 5571129 h 5604997"/>
+              <a:gd name="connsiteX0" fmla="*/ 0 w 6224765"/>
+              <a:gd name="connsiteY0" fmla="*/ 5582296 h 5616164"/>
+              <a:gd name="connsiteX1" fmla="*/ 1231900 w 6224765"/>
+              <a:gd name="connsiteY1" fmla="*/ 0 h 5616164"/>
+              <a:gd name="connsiteX2" fmla="*/ 4371976 w 6224765"/>
+              <a:gd name="connsiteY2" fmla="*/ 11167 h 5616164"/>
+              <a:gd name="connsiteX3" fmla="*/ 6224765 w 6224765"/>
+              <a:gd name="connsiteY3" fmla="*/ 5616164 h 5616164"/>
+              <a:gd name="connsiteX4" fmla="*/ 0 w 6224765"/>
+              <a:gd name="connsiteY4" fmla="*/ 5582296 h 5616164"/>
+              <a:gd name="connsiteX0" fmla="*/ 0 w 6224765"/>
+              <a:gd name="connsiteY0" fmla="*/ 5571129 h 5604997"/>
+              <a:gd name="connsiteX1" fmla="*/ 1231900 w 6224765"/>
+              <a:gd name="connsiteY1" fmla="*/ 61 h 5604997"/>
+              <a:gd name="connsiteX2" fmla="*/ 4371976 w 6224765"/>
+              <a:gd name="connsiteY2" fmla="*/ 0 h 5604997"/>
+              <a:gd name="connsiteX3" fmla="*/ 6224765 w 6224765"/>
+              <a:gd name="connsiteY3" fmla="*/ 5604997 h 5604997"/>
+              <a:gd name="connsiteX4" fmla="*/ 0 w 6224765"/>
+              <a:gd name="connsiteY4" fmla="*/ 5571129 h 5604997"/>
+              <a:gd name="connsiteX0" fmla="*/ 0 w 4371976"/>
+              <a:gd name="connsiteY0" fmla="*/ 5571129 h 5869326"/>
+              <a:gd name="connsiteX1" fmla="*/ 1231900 w 4371976"/>
+              <a:gd name="connsiteY1" fmla="*/ 61 h 5869326"/>
+              <a:gd name="connsiteX2" fmla="*/ 4371976 w 4371976"/>
+              <a:gd name="connsiteY2" fmla="*/ 0 h 5869326"/>
+              <a:gd name="connsiteX3" fmla="*/ 3899256 w 4371976"/>
+              <a:gd name="connsiteY3" fmla="*/ 5869326 h 5869326"/>
+              <a:gd name="connsiteX4" fmla="*/ 0 w 4371976"/>
+              <a:gd name="connsiteY4" fmla="*/ 5571129 h 5869326"/>
+              <a:gd name="connsiteX0" fmla="*/ 800099 w 3140076"/>
+              <a:gd name="connsiteY0" fmla="*/ 5910980 h 5910981"/>
+              <a:gd name="connsiteX1" fmla="*/ 0 w 3140076"/>
+              <a:gd name="connsiteY1" fmla="*/ 61 h 5910981"/>
+              <a:gd name="connsiteX2" fmla="*/ 3140076 w 3140076"/>
+              <a:gd name="connsiteY2" fmla="*/ 0 h 5910981"/>
+              <a:gd name="connsiteX3" fmla="*/ 2667356 w 3140076"/>
+              <a:gd name="connsiteY3" fmla="*/ 5869326 h 5910981"/>
+              <a:gd name="connsiteX4" fmla="*/ 800099 w 3140076"/>
+              <a:gd name="connsiteY4" fmla="*/ 5910980 h 5910981"/>
+              <a:gd name="connsiteX0" fmla="*/ 800099 w 2667356"/>
+              <a:gd name="connsiteY0" fmla="*/ 7855653 h 7855653"/>
+              <a:gd name="connsiteX1" fmla="*/ 0 w 2667356"/>
+              <a:gd name="connsiteY1" fmla="*/ 1944734 h 7855653"/>
+              <a:gd name="connsiteX2" fmla="*/ 803276 w 2667356"/>
+              <a:gd name="connsiteY2" fmla="*/ -1 h 7855653"/>
+              <a:gd name="connsiteX3" fmla="*/ 2667356 w 2667356"/>
+              <a:gd name="connsiteY3" fmla="*/ 7813999 h 7855653"/>
+              <a:gd name="connsiteX4" fmla="*/ 800099 w 2667356"/>
+              <a:gd name="connsiteY4" fmla="*/ 7855653 h 7855653"/>
+              <a:gd name="connsiteX0" fmla="*/ 687211 w 2554468"/>
+              <a:gd name="connsiteY0" fmla="*/ 7855655 h 7855655"/>
+              <a:gd name="connsiteX1" fmla="*/ 0 w 2554468"/>
+              <a:gd name="connsiteY1" fmla="*/ 37821 h 7855655"/>
+              <a:gd name="connsiteX2" fmla="*/ 690388 w 2554468"/>
+              <a:gd name="connsiteY2" fmla="*/ 1 h 7855655"/>
+              <a:gd name="connsiteX3" fmla="*/ 2554468 w 2554468"/>
+              <a:gd name="connsiteY3" fmla="*/ 7814001 h 7855655"/>
+              <a:gd name="connsiteX4" fmla="*/ 687211 w 2554468"/>
+              <a:gd name="connsiteY4" fmla="*/ 7855655 h 7855655"/>
+              <a:gd name="connsiteX0" fmla="*/ 687211 w 2554468"/>
+              <a:gd name="connsiteY0" fmla="*/ 7817834 h 7817834"/>
+              <a:gd name="connsiteX1" fmla="*/ 0 w 2554468"/>
+              <a:gd name="connsiteY1" fmla="*/ 0 h 7817834"/>
+              <a:gd name="connsiteX2" fmla="*/ 679099 w 2554468"/>
+              <a:gd name="connsiteY2" fmla="*/ 18822 h 7817834"/>
+              <a:gd name="connsiteX3" fmla="*/ 2554468 w 2554468"/>
+              <a:gd name="connsiteY3" fmla="*/ 7776180 h 7817834"/>
+              <a:gd name="connsiteX4" fmla="*/ 687211 w 2554468"/>
+              <a:gd name="connsiteY4" fmla="*/ 7817834 h 7817834"/>
+              <a:gd name="connsiteX0" fmla="*/ 687211 w 2554468"/>
+              <a:gd name="connsiteY0" fmla="*/ 7817834 h 7817834"/>
+              <a:gd name="connsiteX1" fmla="*/ 0 w 2554468"/>
+              <a:gd name="connsiteY1" fmla="*/ 0 h 7817834"/>
+              <a:gd name="connsiteX2" fmla="*/ 690387 w 2554468"/>
+              <a:gd name="connsiteY2" fmla="*/ 18822 h 7817834"/>
+              <a:gd name="connsiteX3" fmla="*/ 2554468 w 2554468"/>
+              <a:gd name="connsiteY3" fmla="*/ 7776180 h 7817834"/>
+              <a:gd name="connsiteX4" fmla="*/ 687211 w 2554468"/>
+              <a:gd name="connsiteY4" fmla="*/ 7817834 h 7817834"/>
+              <a:gd name="connsiteX0" fmla="*/ 687211 w 2554468"/>
+              <a:gd name="connsiteY0" fmla="*/ 7817834 h 7817834"/>
+              <a:gd name="connsiteX1" fmla="*/ 0 w 2554468"/>
+              <a:gd name="connsiteY1" fmla="*/ 0 h 7817834"/>
+              <a:gd name="connsiteX2" fmla="*/ 690387 w 2554468"/>
+              <a:gd name="connsiteY2" fmla="*/ 18822 h 7817834"/>
+              <a:gd name="connsiteX3" fmla="*/ 2554468 w 2554468"/>
+              <a:gd name="connsiteY3" fmla="*/ 7800775 h 7817834"/>
+              <a:gd name="connsiteX4" fmla="*/ 687211 w 2554468"/>
+              <a:gd name="connsiteY4" fmla="*/ 7817834 h 7817834"/>
+            </a:gdLst>
+            <a:ahLst/>
+            <a:cxnLst>
+              <a:cxn ang="0">
+                <a:pos x="connsiteX0" y="connsiteY0"/>
+              </a:cxn>
+              <a:cxn ang="0">
+                <a:pos x="connsiteX1" y="connsiteY1"/>
+              </a:cxn>
+              <a:cxn ang="0">
+                <a:pos x="connsiteX2" y="connsiteY2"/>
+              </a:cxn>
+              <a:cxn ang="0">
+                <a:pos x="connsiteX3" y="connsiteY3"/>
+              </a:cxn>
+              <a:cxn ang="0">
+                <a:pos x="connsiteX4" y="connsiteY4"/>
+              </a:cxn>
+            </a:cxnLst>
+            <a:rect l="l" t="t" r="r" b="b"/>
+            <a:pathLst>
+              <a:path w="2554468" h="7817834">
+                <a:moveTo>
+                  <a:pt x="687211" y="7817834"/>
+                </a:moveTo>
+                <a:lnTo>
+                  <a:pt x="0" y="0"/>
+                </a:lnTo>
+                <a:lnTo>
+                  <a:pt x="690387" y="18822"/>
+                </a:lnTo>
+                <a:lnTo>
+                  <a:pt x="2554468" y="7800775"/>
+                </a:lnTo>
+                <a:lnTo>
+                  <a:pt x="687211" y="7817834"/>
+                </a:lnTo>
+                <a:close/>
+              </a:path>
+            </a:pathLst>
+          </a:custGeom>
+          <a:solidFill>
+            <a:schemeClr val="accent5">
+              <a:lumMod val="50000"/>
+              <a:alpha val="50000"/>
+            </a:schemeClr>
+          </a:solidFill>
+          <a:ln>
+            <a:noFill/>
+          </a:ln>
+        </p:spPr>
+        <p:style>
+          <a:lnRef idx="2">
+            <a:schemeClr val="dk1">
+              <a:shade val="50000"/>
+            </a:schemeClr>
+          </a:lnRef>
+          <a:fillRef idx="1">
+            <a:schemeClr val="dk1"/>
+          </a:fillRef>
+          <a:effectRef idx="0">
+            <a:schemeClr val="dk1"/>
+          </a:effectRef>
+          <a:fontRef idx="minor">
+            <a:schemeClr val="lt1"/>
+          </a:fontRef>
+        </p:style>
+        <p:txBody>
+          <a:bodyPr rtlCol="0" anchor="ctr"/>
+          <a:lstStyle/>
+          <a:p>
+            <a:pPr algn="ctr"/>
+            <a:endParaRPr lang="en-US"/>
+          </a:p>
+        </p:txBody>
+      </p:sp>
+    </p:spTree>
+    <p:extLst>
+      <p:ext uri="{BB962C8B-B14F-4D97-AF65-F5344CB8AC3E}">
+        <p14:creationId xmlns:p14="http://schemas.microsoft.com/office/powerpoint/2010/main" val="1881050929"/>
       </p:ext>
     </p:extLst>
   </p:cSld>
@@ -16812,6 +22455,527 @@
     <p:extLst>
       <p:ext uri="{BB962C8B-B14F-4D97-AF65-F5344CB8AC3E}">
         <p14:creationId xmlns:p14="http://schemas.microsoft.com/office/powerpoint/2010/main" val="1141948941"/>
+      </p:ext>
+    </p:extLst>
+  </p:cSld>
+  <p:clrMapOvr>
+    <a:masterClrMapping/>
+  </p:clrMapOvr>
+</p:sld>
+</file>
+
+<file path=ppt/slides/slide60.xml><?xml version="1.0" encoding="utf-8"?>
+<p:sld xmlns:a="http://schemas.openxmlformats.org/drawingml/2006/main" xmlns:r="http://schemas.openxmlformats.org/officeDocument/2006/relationships" xmlns:p="http://schemas.openxmlformats.org/presentationml/2006/main">
+  <p:cSld>
+    <p:spTree>
+      <p:nvGrpSpPr>
+        <p:cNvPr id="1" name=""/>
+        <p:cNvGrpSpPr/>
+        <p:nvPr/>
+      </p:nvGrpSpPr>
+      <p:grpSpPr>
+        <a:xfrm>
+          <a:off x="0" y="0"/>
+          <a:ext cx="0" cy="0"/>
+          <a:chOff x="0" y="0"/>
+          <a:chExt cx="0" cy="0"/>
+        </a:xfrm>
+      </p:grpSpPr>
+      <p:sp>
+        <p:nvSpPr>
+          <p:cNvPr id="3" name="Title 2">
+            <a:extLst>
+              <a:ext uri="{FF2B5EF4-FFF2-40B4-BE49-F238E27FC236}">
+                <a16:creationId xmlns:a16="http://schemas.microsoft.com/office/drawing/2014/main" id="{C82503B9-B5D7-408D-809A-25F2EBDDFDF6}"/>
+              </a:ext>
+            </a:extLst>
+          </p:cNvPr>
+          <p:cNvSpPr>
+            <a:spLocks noGrp="1"/>
+          </p:cNvSpPr>
+          <p:nvPr>
+            <p:ph type="title"/>
+          </p:nvPr>
+        </p:nvSpPr>
+        <p:spPr>
+          <a:xfrm>
+            <a:off x="838200" y="365125"/>
+            <a:ext cx="10515600" cy="1325563"/>
+          </a:xfrm>
+        </p:spPr>
+        <p:txBody>
+          <a:bodyPr/>
+          <a:lstStyle/>
+          <a:p>
+            <a:pPr algn="ctr"/>
+            <a:r>
+              <a:rPr lang="en-US" dirty="0"/>
+              <a:t> ggplot2 template</a:t>
+            </a:r>
+          </a:p>
+        </p:txBody>
+      </p:sp>
+      <p:sp>
+        <p:nvSpPr>
+          <p:cNvPr id="4" name="Footer Placeholder 3">
+            <a:extLst>
+              <a:ext uri="{FF2B5EF4-FFF2-40B4-BE49-F238E27FC236}">
+                <a16:creationId xmlns:a16="http://schemas.microsoft.com/office/drawing/2014/main" id="{613E6009-D145-4590-A7B3-45399B48F3B0}"/>
+              </a:ext>
+            </a:extLst>
+          </p:cNvPr>
+          <p:cNvSpPr>
+            <a:spLocks noGrp="1"/>
+          </p:cNvSpPr>
+          <p:nvPr>
+            <p:ph type="ftr" sz="quarter" idx="11"/>
+          </p:nvPr>
+        </p:nvSpPr>
+        <p:spPr/>
+        <p:txBody>
+          <a:bodyPr/>
+          <a:lstStyle/>
+          <a:p>
+            <a:r>
+              <a:rPr lang="en-US" dirty="0"/>
+              <a:t>CERF 2019 | The Next Step with R | Cressman and Dunnigan</a:t>
+            </a:r>
+          </a:p>
+        </p:txBody>
+      </p:sp>
+      <p:sp>
+        <p:nvSpPr>
+          <p:cNvPr id="5" name="Slide Number Placeholder 4">
+            <a:extLst>
+              <a:ext uri="{FF2B5EF4-FFF2-40B4-BE49-F238E27FC236}">
+                <a16:creationId xmlns:a16="http://schemas.microsoft.com/office/drawing/2014/main" id="{7453A3CD-37F2-4D00-921B-4D1895E35745}"/>
+              </a:ext>
+            </a:extLst>
+          </p:cNvPr>
+          <p:cNvSpPr>
+            <a:spLocks noGrp="1"/>
+          </p:cNvSpPr>
+          <p:nvPr>
+            <p:ph type="sldNum" sz="quarter" idx="12"/>
+          </p:nvPr>
+        </p:nvSpPr>
+        <p:spPr/>
+        <p:txBody>
+          <a:bodyPr/>
+          <a:lstStyle/>
+          <a:p>
+            <a:fld id="{1D07C8D9-AA71-438D-86BE-7B86F7F29DC7}" type="slidenum">
+              <a:rPr lang="en-US" smtClean="0"/>
+              <a:t>60</a:t>
+            </a:fld>
+            <a:endParaRPr lang="en-US"/>
+          </a:p>
+        </p:txBody>
+      </p:sp>
+      <p:pic>
+        <p:nvPicPr>
+          <p:cNvPr id="6" name="Picture 5">
+            <a:extLst>
+              <a:ext uri="{FF2B5EF4-FFF2-40B4-BE49-F238E27FC236}">
+                <a16:creationId xmlns:a16="http://schemas.microsoft.com/office/drawing/2014/main" id="{54F7117B-F607-4BC1-960D-E3542047F215}"/>
+              </a:ext>
+            </a:extLst>
+          </p:cNvPr>
+          <p:cNvPicPr>
+            <a:picLocks noChangeAspect="1"/>
+          </p:cNvPicPr>
+          <p:nvPr/>
+        </p:nvPicPr>
+        <p:blipFill>
+          <a:blip r:embed="rId2"/>
+          <a:stretch>
+            <a:fillRect/>
+          </a:stretch>
+        </p:blipFill>
+        <p:spPr>
+          <a:xfrm>
+            <a:off x="997970" y="1804856"/>
+            <a:ext cx="4607794" cy="3554361"/>
+          </a:xfrm>
+          <a:prstGeom prst="rect">
+            <a:avLst/>
+          </a:prstGeom>
+        </p:spPr>
+      </p:pic>
+      <p:sp>
+        <p:nvSpPr>
+          <p:cNvPr id="2" name="Rectangle 1">
+            <a:extLst>
+              <a:ext uri="{FF2B5EF4-FFF2-40B4-BE49-F238E27FC236}">
+                <a16:creationId xmlns:a16="http://schemas.microsoft.com/office/drawing/2014/main" id="{7E8B5F53-93A4-43D7-A28C-39B361C3EAC8}"/>
+              </a:ext>
+            </a:extLst>
+          </p:cNvPr>
+          <p:cNvSpPr/>
+          <p:nvPr/>
+        </p:nvSpPr>
+        <p:spPr>
+          <a:xfrm>
+            <a:off x="1081570" y="3582036"/>
+            <a:ext cx="1087787" cy="1318050"/>
+          </a:xfrm>
+          <a:prstGeom prst="rect">
+            <a:avLst/>
+          </a:prstGeom>
+          <a:solidFill>
+            <a:schemeClr val="accent5">
+              <a:lumMod val="50000"/>
+              <a:alpha val="30000"/>
+            </a:schemeClr>
+          </a:solidFill>
+          <a:ln>
+            <a:noFill/>
+          </a:ln>
+        </p:spPr>
+        <p:style>
+          <a:lnRef idx="2">
+            <a:schemeClr val="dk1">
+              <a:shade val="50000"/>
+            </a:schemeClr>
+          </a:lnRef>
+          <a:fillRef idx="1">
+            <a:schemeClr val="dk1"/>
+          </a:fillRef>
+          <a:effectRef idx="0">
+            <a:schemeClr val="dk1"/>
+          </a:effectRef>
+          <a:fontRef idx="minor">
+            <a:schemeClr val="lt1"/>
+          </a:fontRef>
+        </p:style>
+        <p:txBody>
+          <a:bodyPr rtlCol="0" anchor="ctr"/>
+          <a:lstStyle/>
+          <a:p>
+            <a:pPr algn="ctr"/>
+            <a:endParaRPr lang="en-US"/>
+          </a:p>
+        </p:txBody>
+      </p:sp>
+      <p:sp>
+        <p:nvSpPr>
+          <p:cNvPr id="9" name="Trapezoid 8">
+            <a:extLst>
+              <a:ext uri="{FF2B5EF4-FFF2-40B4-BE49-F238E27FC236}">
+                <a16:creationId xmlns:a16="http://schemas.microsoft.com/office/drawing/2014/main" id="{0B15D1FD-44D7-48E5-A048-EA9BBA09175B}"/>
+              </a:ext>
+            </a:extLst>
+          </p:cNvPr>
+          <p:cNvSpPr/>
+          <p:nvPr/>
+        </p:nvSpPr>
+        <p:spPr>
+          <a:xfrm rot="16200000">
+            <a:off x="1543053" y="859568"/>
+            <a:ext cx="5057878" cy="5935686"/>
+          </a:xfrm>
+          <a:custGeom>
+            <a:avLst/>
+            <a:gdLst>
+              <a:gd name="connsiteX0" fmla="*/ 0 w 5893255"/>
+              <a:gd name="connsiteY0" fmla="*/ 3620067 h 3620067"/>
+              <a:gd name="connsiteX1" fmla="*/ 905017 w 5893255"/>
+              <a:gd name="connsiteY1" fmla="*/ 0 h 3620067"/>
+              <a:gd name="connsiteX2" fmla="*/ 4988238 w 5893255"/>
+              <a:gd name="connsiteY2" fmla="*/ 0 h 3620067"/>
+              <a:gd name="connsiteX3" fmla="*/ 5893255 w 5893255"/>
+              <a:gd name="connsiteY3" fmla="*/ 3620067 h 3620067"/>
+              <a:gd name="connsiteX4" fmla="*/ 0 w 5893255"/>
+              <a:gd name="connsiteY4" fmla="*/ 3620067 h 3620067"/>
+              <a:gd name="connsiteX0" fmla="*/ 0 w 5893255"/>
+              <a:gd name="connsiteY0" fmla="*/ 3620067 h 3620067"/>
+              <a:gd name="connsiteX1" fmla="*/ 1841994 w 5893255"/>
+              <a:gd name="connsiteY1" fmla="*/ 22578 h 3620067"/>
+              <a:gd name="connsiteX2" fmla="*/ 4988238 w 5893255"/>
+              <a:gd name="connsiteY2" fmla="*/ 0 h 3620067"/>
+              <a:gd name="connsiteX3" fmla="*/ 5893255 w 5893255"/>
+              <a:gd name="connsiteY3" fmla="*/ 3620067 h 3620067"/>
+              <a:gd name="connsiteX4" fmla="*/ 0 w 5893255"/>
+              <a:gd name="connsiteY4" fmla="*/ 3620067 h 3620067"/>
+              <a:gd name="connsiteX0" fmla="*/ 0 w 5893255"/>
+              <a:gd name="connsiteY0" fmla="*/ 3606324 h 3606324"/>
+              <a:gd name="connsiteX1" fmla="*/ 1841994 w 5893255"/>
+              <a:gd name="connsiteY1" fmla="*/ 8835 h 3606324"/>
+              <a:gd name="connsiteX2" fmla="*/ 3599704 w 5893255"/>
+              <a:gd name="connsiteY2" fmla="*/ 0 h 3606324"/>
+              <a:gd name="connsiteX3" fmla="*/ 5893255 w 5893255"/>
+              <a:gd name="connsiteY3" fmla="*/ 3606324 h 3606324"/>
+              <a:gd name="connsiteX4" fmla="*/ 0 w 5893255"/>
+              <a:gd name="connsiteY4" fmla="*/ 3606324 h 3606324"/>
+              <a:gd name="connsiteX0" fmla="*/ 0 w 5893255"/>
+              <a:gd name="connsiteY0" fmla="*/ 3606324 h 3606324"/>
+              <a:gd name="connsiteX1" fmla="*/ 2270972 w 5893255"/>
+              <a:gd name="connsiteY1" fmla="*/ 1963 h 3606324"/>
+              <a:gd name="connsiteX2" fmla="*/ 3599704 w 5893255"/>
+              <a:gd name="connsiteY2" fmla="*/ 0 h 3606324"/>
+              <a:gd name="connsiteX3" fmla="*/ 5893255 w 5893255"/>
+              <a:gd name="connsiteY3" fmla="*/ 3606324 h 3606324"/>
+              <a:gd name="connsiteX4" fmla="*/ 0 w 5893255"/>
+              <a:gd name="connsiteY4" fmla="*/ 3606324 h 3606324"/>
+              <a:gd name="connsiteX0" fmla="*/ 0 w 5057878"/>
+              <a:gd name="connsiteY0" fmla="*/ 3613196 h 3613196"/>
+              <a:gd name="connsiteX1" fmla="*/ 1435595 w 5057878"/>
+              <a:gd name="connsiteY1" fmla="*/ 1963 h 3613196"/>
+              <a:gd name="connsiteX2" fmla="*/ 2764327 w 5057878"/>
+              <a:gd name="connsiteY2" fmla="*/ 0 h 3613196"/>
+              <a:gd name="connsiteX3" fmla="*/ 5057878 w 5057878"/>
+              <a:gd name="connsiteY3" fmla="*/ 3606324 h 3613196"/>
+              <a:gd name="connsiteX4" fmla="*/ 0 w 5057878"/>
+              <a:gd name="connsiteY4" fmla="*/ 3613196 h 3613196"/>
+            </a:gdLst>
+            <a:ahLst/>
+            <a:cxnLst>
+              <a:cxn ang="0">
+                <a:pos x="connsiteX0" y="connsiteY0"/>
+              </a:cxn>
+              <a:cxn ang="0">
+                <a:pos x="connsiteX1" y="connsiteY1"/>
+              </a:cxn>
+              <a:cxn ang="0">
+                <a:pos x="connsiteX2" y="connsiteY2"/>
+              </a:cxn>
+              <a:cxn ang="0">
+                <a:pos x="connsiteX3" y="connsiteY3"/>
+              </a:cxn>
+              <a:cxn ang="0">
+                <a:pos x="connsiteX4" y="connsiteY4"/>
+              </a:cxn>
+            </a:cxnLst>
+            <a:rect l="l" t="t" r="r" b="b"/>
+            <a:pathLst>
+              <a:path w="5057878" h="3613196">
+                <a:moveTo>
+                  <a:pt x="0" y="3613196"/>
+                </a:moveTo>
+                <a:lnTo>
+                  <a:pt x="1435595" y="1963"/>
+                </a:lnTo>
+                <a:lnTo>
+                  <a:pt x="2764327" y="0"/>
+                </a:lnTo>
+                <a:lnTo>
+                  <a:pt x="5057878" y="3606324"/>
+                </a:lnTo>
+                <a:lnTo>
+                  <a:pt x="0" y="3613196"/>
+                </a:lnTo>
+                <a:close/>
+              </a:path>
+            </a:pathLst>
+          </a:custGeom>
+          <a:solidFill>
+            <a:schemeClr val="accent5">
+              <a:lumMod val="50000"/>
+              <a:alpha val="50000"/>
+            </a:schemeClr>
+          </a:solidFill>
+          <a:ln>
+            <a:noFill/>
+          </a:ln>
+        </p:spPr>
+        <p:style>
+          <a:lnRef idx="2">
+            <a:schemeClr val="dk1">
+              <a:shade val="50000"/>
+            </a:schemeClr>
+          </a:lnRef>
+          <a:fillRef idx="1">
+            <a:schemeClr val="dk1"/>
+          </a:fillRef>
+          <a:effectRef idx="0">
+            <a:schemeClr val="dk1"/>
+          </a:effectRef>
+          <a:fontRef idx="minor">
+            <a:schemeClr val="lt1"/>
+          </a:fontRef>
+        </p:style>
+        <p:txBody>
+          <a:bodyPr rtlCol="0" anchor="ctr"/>
+          <a:lstStyle/>
+          <a:p>
+            <a:pPr algn="ctr"/>
+            <a:endParaRPr lang="en-US" dirty="0"/>
+          </a:p>
+        </p:txBody>
+      </p:sp>
+      <p:pic>
+        <p:nvPicPr>
+          <p:cNvPr id="7" name="Picture 6">
+            <a:extLst>
+              <a:ext uri="{FF2B5EF4-FFF2-40B4-BE49-F238E27FC236}">
+                <a16:creationId xmlns:a16="http://schemas.microsoft.com/office/drawing/2014/main" id="{25D20083-BDFF-4B08-9398-E7B0B64123CB}"/>
+              </a:ext>
+            </a:extLst>
+          </p:cNvPr>
+          <p:cNvPicPr>
+            <a:picLocks noChangeAspect="1"/>
+          </p:cNvPicPr>
+          <p:nvPr/>
+        </p:nvPicPr>
+        <p:blipFill rotWithShape="1">
+          <a:blip r:embed="rId2"/>
+          <a:srcRect l="1692" t="49301" r="74691" b="14979"/>
+          <a:stretch/>
+        </p:blipFill>
+        <p:spPr>
+          <a:xfrm>
+            <a:off x="7028544" y="1298473"/>
+            <a:ext cx="4325256" cy="5046133"/>
+          </a:xfrm>
+          <a:prstGeom prst="rect">
+            <a:avLst/>
+          </a:prstGeom>
+        </p:spPr>
+      </p:pic>
+    </p:spTree>
+    <p:extLst>
+      <p:ext uri="{BB962C8B-B14F-4D97-AF65-F5344CB8AC3E}">
+        <p14:creationId xmlns:p14="http://schemas.microsoft.com/office/powerpoint/2010/main" val="436249784"/>
+      </p:ext>
+    </p:extLst>
+  </p:cSld>
+  <p:clrMapOvr>
+    <a:masterClrMapping/>
+  </p:clrMapOvr>
+</p:sld>
+</file>
+
+<file path=ppt/slides/slide61.xml><?xml version="1.0" encoding="utf-8"?>
+<p:sld xmlns:a="http://schemas.openxmlformats.org/drawingml/2006/main" xmlns:r="http://schemas.openxmlformats.org/officeDocument/2006/relationships" xmlns:p="http://schemas.openxmlformats.org/presentationml/2006/main">
+  <p:cSld>
+    <p:spTree>
+      <p:nvGrpSpPr>
+        <p:cNvPr id="1" name=""/>
+        <p:cNvGrpSpPr/>
+        <p:nvPr/>
+      </p:nvGrpSpPr>
+      <p:grpSpPr>
+        <a:xfrm>
+          <a:off x="0" y="0"/>
+          <a:ext cx="0" cy="0"/>
+          <a:chOff x="0" y="0"/>
+          <a:chExt cx="0" cy="0"/>
+        </a:xfrm>
+      </p:grpSpPr>
+      <p:sp>
+        <p:nvSpPr>
+          <p:cNvPr id="2" name="Title 1">
+            <a:extLst>
+              <a:ext uri="{FF2B5EF4-FFF2-40B4-BE49-F238E27FC236}">
+                <a16:creationId xmlns:a16="http://schemas.microsoft.com/office/drawing/2014/main" id="{C5801FA0-2E97-462B-B313-2DD18EA6A5DE}"/>
+              </a:ext>
+            </a:extLst>
+          </p:cNvPr>
+          <p:cNvSpPr>
+            <a:spLocks noGrp="1"/>
+          </p:cNvSpPr>
+          <p:nvPr>
+            <p:ph type="title"/>
+          </p:nvPr>
+        </p:nvSpPr>
+        <p:spPr/>
+        <p:txBody>
+          <a:bodyPr/>
+          <a:lstStyle/>
+          <a:p>
+            <a:r>
+              <a:rPr lang="en-US" dirty="0"/>
+              <a:t>Save your graph!</a:t>
+            </a:r>
+          </a:p>
+        </p:txBody>
+      </p:sp>
+      <p:sp>
+        <p:nvSpPr>
+          <p:cNvPr id="3" name="Content Placeholder 2">
+            <a:extLst>
+              <a:ext uri="{FF2B5EF4-FFF2-40B4-BE49-F238E27FC236}">
+                <a16:creationId xmlns:a16="http://schemas.microsoft.com/office/drawing/2014/main" id="{803C2030-867C-41C8-B3DD-C9606AABEA29}"/>
+              </a:ext>
+            </a:extLst>
+          </p:cNvPr>
+          <p:cNvSpPr>
+            <a:spLocks noGrp="1"/>
+          </p:cNvSpPr>
+          <p:nvPr>
+            <p:ph idx="1"/>
+          </p:nvPr>
+        </p:nvSpPr>
+        <p:spPr/>
+        <p:txBody>
+          <a:bodyPr/>
+          <a:lstStyle/>
+          <a:p>
+            <a:endParaRPr lang="en-US"/>
+          </a:p>
+        </p:txBody>
+      </p:sp>
+      <p:sp>
+        <p:nvSpPr>
+          <p:cNvPr id="4" name="Footer Placeholder 3">
+            <a:extLst>
+              <a:ext uri="{FF2B5EF4-FFF2-40B4-BE49-F238E27FC236}">
+                <a16:creationId xmlns:a16="http://schemas.microsoft.com/office/drawing/2014/main" id="{6F28CEC8-D19F-4F3E-A4AC-F5ED5FDD691E}"/>
+              </a:ext>
+            </a:extLst>
+          </p:cNvPr>
+          <p:cNvSpPr>
+            <a:spLocks noGrp="1"/>
+          </p:cNvSpPr>
+          <p:nvPr>
+            <p:ph type="ftr" sz="quarter" idx="11"/>
+          </p:nvPr>
+        </p:nvSpPr>
+        <p:spPr/>
+        <p:txBody>
+          <a:bodyPr/>
+          <a:lstStyle/>
+          <a:p>
+            <a:r>
+              <a:rPr lang="en-US"/>
+              <a:t>CERF 2019 | The Next Step with R | Cressman and Dunnigan</a:t>
+            </a:r>
+          </a:p>
+        </p:txBody>
+      </p:sp>
+      <p:sp>
+        <p:nvSpPr>
+          <p:cNvPr id="5" name="Slide Number Placeholder 4">
+            <a:extLst>
+              <a:ext uri="{FF2B5EF4-FFF2-40B4-BE49-F238E27FC236}">
+                <a16:creationId xmlns:a16="http://schemas.microsoft.com/office/drawing/2014/main" id="{47210A63-A3AB-4756-85B5-335C879C58D7}"/>
+              </a:ext>
+            </a:extLst>
+          </p:cNvPr>
+          <p:cNvSpPr>
+            <a:spLocks noGrp="1"/>
+          </p:cNvSpPr>
+          <p:nvPr>
+            <p:ph type="sldNum" sz="quarter" idx="12"/>
+          </p:nvPr>
+        </p:nvSpPr>
+        <p:spPr/>
+        <p:txBody>
+          <a:bodyPr/>
+          <a:lstStyle/>
+          <a:p>
+            <a:fld id="{1D07C8D9-AA71-438D-86BE-7B86F7F29DC7}" type="slidenum">
+              <a:rPr lang="en-US" smtClean="0"/>
+              <a:t>61</a:t>
+            </a:fld>
+            <a:endParaRPr lang="en-US"/>
+          </a:p>
+        </p:txBody>
+      </p:sp>
+    </p:spTree>
+    <p:extLst>
+      <p:ext uri="{BB962C8B-B14F-4D97-AF65-F5344CB8AC3E}">
+        <p14:creationId xmlns:p14="http://schemas.microsoft.com/office/powerpoint/2010/main" val="3306763690"/>
       </p:ext>
     </p:extLst>
   </p:cSld>

--- a/slides/01_Visualize.pptx
+++ b/slides/01_Visualize.pptx
@@ -5,7 +5,7 @@
     <p:sldMasterId id="2147483648" r:id="rId1"/>
   </p:sldMasterIdLst>
   <p:notesMasterIdLst>
-    <p:notesMasterId r:id="rId63"/>
+    <p:notesMasterId r:id="rId64"/>
   </p:notesMasterIdLst>
   <p:sldIdLst>
     <p:sldId id="256" r:id="rId2"/>
@@ -51,9 +51,9 @@
     <p:sldId id="317" r:id="rId42"/>
     <p:sldId id="318" r:id="rId43"/>
     <p:sldId id="319" r:id="rId44"/>
-    <p:sldId id="289" r:id="rId45"/>
-    <p:sldId id="290" r:id="rId46"/>
-    <p:sldId id="296" r:id="rId47"/>
+    <p:sldId id="296" r:id="rId45"/>
+    <p:sldId id="289" r:id="rId46"/>
+    <p:sldId id="290" r:id="rId47"/>
     <p:sldId id="291" r:id="rId48"/>
     <p:sldId id="295" r:id="rId49"/>
     <p:sldId id="294" r:id="rId50"/>
@@ -64,11 +64,12 @@
     <p:sldId id="302" r:id="rId55"/>
     <p:sldId id="303" r:id="rId56"/>
     <p:sldId id="299" r:id="rId57"/>
-    <p:sldId id="304" r:id="rId58"/>
-    <p:sldId id="300" r:id="rId59"/>
-    <p:sldId id="306" r:id="rId60"/>
-    <p:sldId id="307" r:id="rId61"/>
-    <p:sldId id="301" r:id="rId62"/>
+    <p:sldId id="321" r:id="rId58"/>
+    <p:sldId id="304" r:id="rId59"/>
+    <p:sldId id="300" r:id="rId60"/>
+    <p:sldId id="306" r:id="rId61"/>
+    <p:sldId id="307" r:id="rId62"/>
+    <p:sldId id="301" r:id="rId63"/>
   </p:sldIdLst>
   <p:sldSz cx="12192000" cy="6858000"/>
   <p:notesSz cx="9144000" cy="6858000"/>
@@ -269,7 +270,7 @@
           <a:p>
             <a:fld id="{FDC4B335-33D5-4EA8-A5E8-130D36D513BC}" type="datetimeFigureOut">
               <a:rPr lang="en-US" smtClean="0"/>
-              <a:t>10/24/2019</a:t>
+              <a:t>10/25/2019</a:t>
             </a:fld>
             <a:endParaRPr lang="en-US"/>
           </a:p>
@@ -1271,7 +1272,7 @@
           <a:p>
             <a:fld id="{0FF0CA17-7278-4700-B5CE-AAA297DB0216}" type="datetime1">
               <a:rPr lang="en-US" smtClean="0"/>
-              <a:t>10/24/2019</a:t>
+              <a:t>10/25/2019</a:t>
             </a:fld>
             <a:endParaRPr lang="en-US"/>
           </a:p>
@@ -1472,7 +1473,7 @@
           <a:p>
             <a:fld id="{B2D433B3-BCFF-4536-8BFC-DB6CE82D3861}" type="datetime1">
               <a:rPr lang="en-US" smtClean="0"/>
-              <a:t>10/24/2019</a:t>
+              <a:t>10/25/2019</a:t>
             </a:fld>
             <a:endParaRPr lang="en-US"/>
           </a:p>
@@ -1683,7 +1684,7 @@
           <a:p>
             <a:fld id="{8CBA58B8-4C0F-4A2E-93DA-1FCC4CD183B7}" type="datetime1">
               <a:rPr lang="en-US" smtClean="0"/>
-              <a:t>10/24/2019</a:t>
+              <a:t>10/25/2019</a:t>
             </a:fld>
             <a:endParaRPr lang="en-US"/>
           </a:p>
@@ -1884,7 +1885,7 @@
           <a:p>
             <a:fld id="{795CD272-CC15-42B1-AF94-9465F36A1690}" type="datetime1">
               <a:rPr lang="en-US" smtClean="0"/>
-              <a:t>10/24/2019</a:t>
+              <a:t>10/25/2019</a:t>
             </a:fld>
             <a:endParaRPr lang="en-US"/>
           </a:p>
@@ -2162,7 +2163,7 @@
           <a:p>
             <a:fld id="{1C3236FD-8D2C-4B3F-A29E-CB63FDCD539A}" type="datetime1">
               <a:rPr lang="en-US" smtClean="0"/>
-              <a:t>10/24/2019</a:t>
+              <a:t>10/25/2019</a:t>
             </a:fld>
             <a:endParaRPr lang="en-US"/>
           </a:p>
@@ -2430,7 +2431,7 @@
           <a:p>
             <a:fld id="{60B5AC96-BA3E-42B8-9DD5-510E2E2AA307}" type="datetime1">
               <a:rPr lang="en-US" smtClean="0"/>
-              <a:t>10/24/2019</a:t>
+              <a:t>10/25/2019</a:t>
             </a:fld>
             <a:endParaRPr lang="en-US"/>
           </a:p>
@@ -2845,7 +2846,7 @@
           <a:p>
             <a:fld id="{D6636501-AA38-48C6-9AA1-A23E2137491A}" type="datetime1">
               <a:rPr lang="en-US" smtClean="0"/>
-              <a:t>10/24/2019</a:t>
+              <a:t>10/25/2019</a:t>
             </a:fld>
             <a:endParaRPr lang="en-US"/>
           </a:p>
@@ -2989,7 +2990,7 @@
           <a:p>
             <a:fld id="{B53EF110-E9E5-4B7B-A347-686E5BEDA428}" type="datetime1">
               <a:rPr lang="en-US" smtClean="0"/>
-              <a:t>10/24/2019</a:t>
+              <a:t>10/25/2019</a:t>
             </a:fld>
             <a:endParaRPr lang="en-US"/>
           </a:p>
@@ -3105,7 +3106,7 @@
           <a:p>
             <a:fld id="{136C1A73-E73D-44FC-BAE9-A9E28A0B8651}" type="datetime1">
               <a:rPr lang="en-US" smtClean="0"/>
-              <a:t>10/24/2019</a:t>
+              <a:t>10/25/2019</a:t>
             </a:fld>
             <a:endParaRPr lang="en-US"/>
           </a:p>
@@ -3419,7 +3420,7 @@
           <a:p>
             <a:fld id="{9451293F-CAF3-42F8-A522-1C7F378C5BF2}" type="datetime1">
               <a:rPr lang="en-US" smtClean="0"/>
-              <a:t>10/24/2019</a:t>
+              <a:t>10/25/2019</a:t>
             </a:fld>
             <a:endParaRPr lang="en-US"/>
           </a:p>
@@ -3710,7 +3711,7 @@
           <a:p>
             <a:fld id="{EC129065-4C79-4A8C-8F75-FC9BC7A4F7AC}" type="datetime1">
               <a:rPr lang="en-US" smtClean="0"/>
-              <a:t>10/24/2019</a:t>
+              <a:t>10/25/2019</a:t>
             </a:fld>
             <a:endParaRPr lang="en-US"/>
           </a:p>
@@ -3954,7 +3955,7 @@
           <a:p>
             <a:fld id="{3CB72F7B-421E-4633-8B82-31AB232FE78C}" type="datetime1">
               <a:rPr lang="en-US" smtClean="0"/>
-              <a:t>10/24/2019</a:t>
+              <a:t>10/25/2019</a:t>
             </a:fld>
             <a:endParaRPr lang="en-US"/>
           </a:p>
@@ -14124,6 +14125,272 @@
   <p:clrMapOvr>
     <a:masterClrMapping/>
   </p:clrMapOvr>
+  <p:timing>
+    <p:tnLst>
+      <p:par>
+        <p:cTn id="1" dur="indefinite" restart="never" nodeType="tmRoot">
+          <p:childTnLst>
+            <p:seq concurrent="1" nextAc="seek">
+              <p:cTn id="2" dur="indefinite" nodeType="mainSeq">
+                <p:childTnLst>
+                  <p:par>
+                    <p:cTn id="3" fill="hold">
+                      <p:stCondLst>
+                        <p:cond delay="indefinite"/>
+                      </p:stCondLst>
+                      <p:childTnLst>
+                        <p:par>
+                          <p:cTn id="4" fill="hold">
+                            <p:stCondLst>
+                              <p:cond delay="0"/>
+                            </p:stCondLst>
+                            <p:childTnLst>
+                              <p:par>
+                                <p:cTn id="5" presetID="1" presetClass="entr" presetSubtype="0" fill="hold" grpId="0" nodeType="clickEffect">
+                                  <p:stCondLst>
+                                    <p:cond delay="0"/>
+                                  </p:stCondLst>
+                                  <p:childTnLst>
+                                    <p:set>
+                                      <p:cBhvr>
+                                        <p:cTn id="6" dur="1" fill="hold">
+                                          <p:stCondLst>
+                                            <p:cond delay="0"/>
+                                          </p:stCondLst>
+                                        </p:cTn>
+                                        <p:tgtEl>
+                                          <p:spTgt spid="8">
+                                            <p:txEl>
+                                              <p:pRg st="0" end="0"/>
+                                            </p:txEl>
+                                          </p:spTgt>
+                                        </p:tgtEl>
+                                        <p:attrNameLst>
+                                          <p:attrName>style.visibility</p:attrName>
+                                        </p:attrNameLst>
+                                      </p:cBhvr>
+                                      <p:to>
+                                        <p:strVal val="visible"/>
+                                      </p:to>
+                                    </p:set>
+                                  </p:childTnLst>
+                                </p:cTn>
+                              </p:par>
+                            </p:childTnLst>
+                          </p:cTn>
+                        </p:par>
+                      </p:childTnLst>
+                    </p:cTn>
+                  </p:par>
+                  <p:par>
+                    <p:cTn id="7" fill="hold">
+                      <p:stCondLst>
+                        <p:cond delay="indefinite"/>
+                      </p:stCondLst>
+                      <p:childTnLst>
+                        <p:par>
+                          <p:cTn id="8" fill="hold">
+                            <p:stCondLst>
+                              <p:cond delay="0"/>
+                            </p:stCondLst>
+                            <p:childTnLst>
+                              <p:par>
+                                <p:cTn id="9" presetID="1" presetClass="entr" presetSubtype="0" fill="hold" grpId="0" nodeType="clickEffect">
+                                  <p:stCondLst>
+                                    <p:cond delay="0"/>
+                                  </p:stCondLst>
+                                  <p:childTnLst>
+                                    <p:set>
+                                      <p:cBhvr>
+                                        <p:cTn id="10" dur="1" fill="hold">
+                                          <p:stCondLst>
+                                            <p:cond delay="0"/>
+                                          </p:stCondLst>
+                                        </p:cTn>
+                                        <p:tgtEl>
+                                          <p:spTgt spid="8">
+                                            <p:txEl>
+                                              <p:pRg st="1" end="1"/>
+                                            </p:txEl>
+                                          </p:spTgt>
+                                        </p:tgtEl>
+                                        <p:attrNameLst>
+                                          <p:attrName>style.visibility</p:attrName>
+                                        </p:attrNameLst>
+                                      </p:cBhvr>
+                                      <p:to>
+                                        <p:strVal val="visible"/>
+                                      </p:to>
+                                    </p:set>
+                                  </p:childTnLst>
+                                </p:cTn>
+                              </p:par>
+                              <p:par>
+                                <p:cTn id="11" presetID="1" presetClass="entr" presetSubtype="0" fill="hold" nodeType="withEffect">
+                                  <p:stCondLst>
+                                    <p:cond delay="0"/>
+                                  </p:stCondLst>
+                                  <p:childTnLst>
+                                    <p:set>
+                                      <p:cBhvr>
+                                        <p:cTn id="12" dur="1" fill="hold">
+                                          <p:stCondLst>
+                                            <p:cond delay="0"/>
+                                          </p:stCondLst>
+                                        </p:cTn>
+                                        <p:tgtEl>
+                                          <p:spTgt spid="10"/>
+                                        </p:tgtEl>
+                                        <p:attrNameLst>
+                                          <p:attrName>style.visibility</p:attrName>
+                                        </p:attrNameLst>
+                                      </p:cBhvr>
+                                      <p:to>
+                                        <p:strVal val="visible"/>
+                                      </p:to>
+                                    </p:set>
+                                  </p:childTnLst>
+                                </p:cTn>
+                              </p:par>
+                              <p:par>
+                                <p:cTn id="13" presetID="1" presetClass="entr" presetSubtype="0" fill="hold" nodeType="withEffect">
+                                  <p:stCondLst>
+                                    <p:cond delay="0"/>
+                                  </p:stCondLst>
+                                  <p:childTnLst>
+                                    <p:set>
+                                      <p:cBhvr>
+                                        <p:cTn id="14" dur="1" fill="hold">
+                                          <p:stCondLst>
+                                            <p:cond delay="0"/>
+                                          </p:stCondLst>
+                                        </p:cTn>
+                                        <p:tgtEl>
+                                          <p:spTgt spid="11"/>
+                                        </p:tgtEl>
+                                        <p:attrNameLst>
+                                          <p:attrName>style.visibility</p:attrName>
+                                        </p:attrNameLst>
+                                      </p:cBhvr>
+                                      <p:to>
+                                        <p:strVal val="visible"/>
+                                      </p:to>
+                                    </p:set>
+                                  </p:childTnLst>
+                                </p:cTn>
+                              </p:par>
+                              <p:par>
+                                <p:cTn id="15" presetID="1" presetClass="entr" presetSubtype="0" fill="hold" nodeType="withEffect">
+                                  <p:stCondLst>
+                                    <p:cond delay="0"/>
+                                  </p:stCondLst>
+                                  <p:childTnLst>
+                                    <p:set>
+                                      <p:cBhvr>
+                                        <p:cTn id="16" dur="1" fill="hold">
+                                          <p:stCondLst>
+                                            <p:cond delay="0"/>
+                                          </p:stCondLst>
+                                        </p:cTn>
+                                        <p:tgtEl>
+                                          <p:spTgt spid="12"/>
+                                        </p:tgtEl>
+                                        <p:attrNameLst>
+                                          <p:attrName>style.visibility</p:attrName>
+                                        </p:attrNameLst>
+                                      </p:cBhvr>
+                                      <p:to>
+                                        <p:strVal val="visible"/>
+                                      </p:to>
+                                    </p:set>
+                                  </p:childTnLst>
+                                </p:cTn>
+                              </p:par>
+                              <p:par>
+                                <p:cTn id="17" presetID="1" presetClass="entr" presetSubtype="0" fill="hold" nodeType="withEffect">
+                                  <p:stCondLst>
+                                    <p:cond delay="0"/>
+                                  </p:stCondLst>
+                                  <p:childTnLst>
+                                    <p:set>
+                                      <p:cBhvr>
+                                        <p:cTn id="18" dur="1" fill="hold">
+                                          <p:stCondLst>
+                                            <p:cond delay="0"/>
+                                          </p:stCondLst>
+                                        </p:cTn>
+                                        <p:tgtEl>
+                                          <p:spTgt spid="17"/>
+                                        </p:tgtEl>
+                                        <p:attrNameLst>
+                                          <p:attrName>style.visibility</p:attrName>
+                                        </p:attrNameLst>
+                                      </p:cBhvr>
+                                      <p:to>
+                                        <p:strVal val="visible"/>
+                                      </p:to>
+                                    </p:set>
+                                  </p:childTnLst>
+                                </p:cTn>
+                              </p:par>
+                              <p:par>
+                                <p:cTn id="19" presetID="1" presetClass="entr" presetSubtype="0" fill="hold" nodeType="withEffect">
+                                  <p:stCondLst>
+                                    <p:cond delay="0"/>
+                                  </p:stCondLst>
+                                  <p:childTnLst>
+                                    <p:set>
+                                      <p:cBhvr>
+                                        <p:cTn id="20" dur="1" fill="hold">
+                                          <p:stCondLst>
+                                            <p:cond delay="0"/>
+                                          </p:stCondLst>
+                                        </p:cTn>
+                                        <p:tgtEl>
+                                          <p:spTgt spid="13"/>
+                                        </p:tgtEl>
+                                        <p:attrNameLst>
+                                          <p:attrName>style.visibility</p:attrName>
+                                        </p:attrNameLst>
+                                      </p:cBhvr>
+                                      <p:to>
+                                        <p:strVal val="visible"/>
+                                      </p:to>
+                                    </p:set>
+                                  </p:childTnLst>
+                                </p:cTn>
+                              </p:par>
+                            </p:childTnLst>
+                          </p:cTn>
+                        </p:par>
+                      </p:childTnLst>
+                    </p:cTn>
+                  </p:par>
+                </p:childTnLst>
+              </p:cTn>
+              <p:prevCondLst>
+                <p:cond evt="onPrev" delay="0">
+                  <p:tgtEl>
+                    <p:sldTgt/>
+                  </p:tgtEl>
+                </p:cond>
+              </p:prevCondLst>
+              <p:nextCondLst>
+                <p:cond evt="onNext" delay="0">
+                  <p:tgtEl>
+                    <p:sldTgt/>
+                  </p:tgtEl>
+                </p:cond>
+              </p:nextCondLst>
+            </p:seq>
+          </p:childTnLst>
+        </p:cTn>
+      </p:par>
+    </p:tnLst>
+    <p:bldLst>
+      <p:bldP spid="8" grpId="0" build="p"/>
+    </p:bldLst>
+  </p:timing>
 </p:sld>
 </file>
 
@@ -16886,6 +17153,17 @@
 <file path=ppt/slides/slide44.xml><?xml version="1.0" encoding="utf-8"?>
 <p:sld xmlns:a="http://schemas.openxmlformats.org/drawingml/2006/main" xmlns:r="http://schemas.openxmlformats.org/officeDocument/2006/relationships" xmlns:p="http://schemas.openxmlformats.org/presentationml/2006/main">
   <p:cSld>
+    <p:bg>
+      <p:bgPr>
+        <a:solidFill>
+          <a:schemeClr val="accent5">
+            <a:lumMod val="20000"/>
+            <a:lumOff val="80000"/>
+          </a:schemeClr>
+        </a:solidFill>
+        <a:effectLst/>
+      </p:bgPr>
+    </p:bg>
     <p:spTree>
       <p:nvGrpSpPr>
         <p:cNvPr id="1" name=""/>
@@ -16902,6 +17180,433 @@
       </p:grpSpPr>
       <p:sp>
         <p:nvSpPr>
+          <p:cNvPr id="2" name="Title 1">
+            <a:extLst>
+              <a:ext uri="{FF2B5EF4-FFF2-40B4-BE49-F238E27FC236}">
+                <a16:creationId xmlns:a16="http://schemas.microsoft.com/office/drawing/2014/main" id="{8BA607E8-0AC0-43A6-80FA-54AAB826833C}"/>
+              </a:ext>
+            </a:extLst>
+          </p:cNvPr>
+          <p:cNvSpPr>
+            <a:spLocks noGrp="1"/>
+          </p:cNvSpPr>
+          <p:nvPr>
+            <p:ph type="title"/>
+          </p:nvPr>
+        </p:nvSpPr>
+        <p:spPr/>
+        <p:txBody>
+          <a:bodyPr/>
+          <a:lstStyle/>
+          <a:p>
+            <a:pPr algn="ctr"/>
+            <a:r>
+              <a:rPr lang="en-US" b="1" dirty="0">
+                <a:solidFill>
+                  <a:schemeClr val="accent5">
+                    <a:lumMod val="50000"/>
+                  </a:schemeClr>
+                </a:solidFill>
+              </a:rPr>
+              <a:t>YOUR TURN 7</a:t>
+            </a:r>
+          </a:p>
+        </p:txBody>
+      </p:sp>
+      <p:sp>
+        <p:nvSpPr>
+          <p:cNvPr id="3" name="Content Placeholder 2">
+            <a:extLst>
+              <a:ext uri="{FF2B5EF4-FFF2-40B4-BE49-F238E27FC236}">
+                <a16:creationId xmlns:a16="http://schemas.microsoft.com/office/drawing/2014/main" id="{6CF8A425-5302-462E-9C42-A5DF4B6E8FE4}"/>
+              </a:ext>
+            </a:extLst>
+          </p:cNvPr>
+          <p:cNvSpPr>
+            <a:spLocks noGrp="1"/>
+          </p:cNvSpPr>
+          <p:nvPr>
+            <p:ph idx="1"/>
+          </p:nvPr>
+        </p:nvSpPr>
+        <p:spPr>
+          <a:xfrm>
+            <a:off x="838200" y="1825625"/>
+            <a:ext cx="10515600" cy="543502"/>
+          </a:xfrm>
+        </p:spPr>
+        <p:txBody>
+          <a:bodyPr/>
+          <a:lstStyle/>
+          <a:p>
+            <a:pPr marL="0" indent="0">
+              <a:buNone/>
+            </a:pPr>
+            <a:r>
+              <a:rPr lang="en-US" dirty="0"/>
+              <a:t>Predict what this code will do, then run it.</a:t>
+            </a:r>
+          </a:p>
+        </p:txBody>
+      </p:sp>
+      <p:sp>
+        <p:nvSpPr>
+          <p:cNvPr id="4" name="Footer Placeholder 3">
+            <a:extLst>
+              <a:ext uri="{FF2B5EF4-FFF2-40B4-BE49-F238E27FC236}">
+                <a16:creationId xmlns:a16="http://schemas.microsoft.com/office/drawing/2014/main" id="{53B10EFA-8383-4215-A810-522AC32E9A6A}"/>
+              </a:ext>
+            </a:extLst>
+          </p:cNvPr>
+          <p:cNvSpPr>
+            <a:spLocks noGrp="1"/>
+          </p:cNvSpPr>
+          <p:nvPr>
+            <p:ph type="ftr" sz="quarter" idx="11"/>
+          </p:nvPr>
+        </p:nvSpPr>
+        <p:spPr/>
+        <p:txBody>
+          <a:bodyPr/>
+          <a:lstStyle/>
+          <a:p>
+            <a:r>
+              <a:rPr lang="en-US"/>
+              <a:t>CERF 2019 | The Next Step with R | Cressman and Dunnigan</a:t>
+            </a:r>
+          </a:p>
+        </p:txBody>
+      </p:sp>
+      <p:sp>
+        <p:nvSpPr>
+          <p:cNvPr id="5" name="Slide Number Placeholder 4">
+            <a:extLst>
+              <a:ext uri="{FF2B5EF4-FFF2-40B4-BE49-F238E27FC236}">
+                <a16:creationId xmlns:a16="http://schemas.microsoft.com/office/drawing/2014/main" id="{1E7EFC22-4E67-4FE3-8DE7-CEF7DF034363}"/>
+              </a:ext>
+            </a:extLst>
+          </p:cNvPr>
+          <p:cNvSpPr>
+            <a:spLocks noGrp="1"/>
+          </p:cNvSpPr>
+          <p:nvPr>
+            <p:ph type="sldNum" sz="quarter" idx="12"/>
+          </p:nvPr>
+        </p:nvSpPr>
+        <p:spPr/>
+        <p:txBody>
+          <a:bodyPr/>
+          <a:lstStyle/>
+          <a:p>
+            <a:fld id="{1D07C8D9-AA71-438D-86BE-7B86F7F29DC7}" type="slidenum">
+              <a:rPr lang="en-US" smtClean="0"/>
+              <a:t>44</a:t>
+            </a:fld>
+            <a:endParaRPr lang="en-US"/>
+          </a:p>
+        </p:txBody>
+      </p:sp>
+      <p:sp>
+        <p:nvSpPr>
+          <p:cNvPr id="6" name="TextBox 5">
+            <a:extLst>
+              <a:ext uri="{FF2B5EF4-FFF2-40B4-BE49-F238E27FC236}">
+                <a16:creationId xmlns:a16="http://schemas.microsoft.com/office/drawing/2014/main" id="{4AADD418-20BD-44C9-98C1-19BBD2D33D06}"/>
+              </a:ext>
+            </a:extLst>
+          </p:cNvPr>
+          <p:cNvSpPr txBox="1"/>
+          <p:nvPr/>
+        </p:nvSpPr>
+        <p:spPr>
+          <a:xfrm>
+            <a:off x="1340427" y="3103419"/>
+            <a:ext cx="9511145" cy="1754326"/>
+          </a:xfrm>
+          <a:prstGeom prst="rect">
+            <a:avLst/>
+          </a:prstGeom>
+          <a:noFill/>
+        </p:spPr>
+        <p:txBody>
+          <a:bodyPr wrap="square" rtlCol="0">
+            <a:spAutoFit/>
+          </a:bodyPr>
+          <a:lstStyle/>
+          <a:p>
+            <a:r>
+              <a:rPr lang="en-US" sz="3600" dirty="0" err="1">
+                <a:solidFill>
+                  <a:schemeClr val="accent6">
+                    <a:lumMod val="75000"/>
+                  </a:schemeClr>
+                </a:solidFill>
+                <a:latin typeface="Fira Code" panose="020B0809050000020004" pitchFamily="49" charset="0"/>
+                <a:ea typeface="Fira Code" panose="020B0809050000020004" pitchFamily="49" charset="0"/>
+                <a:cs typeface="Fira Code" panose="020B0809050000020004" pitchFamily="49" charset="0"/>
+              </a:rPr>
+              <a:t>ggplot</a:t>
+            </a:r>
+            <a:r>
+              <a:rPr lang="en-US" sz="3600" dirty="0">
+                <a:solidFill>
+                  <a:schemeClr val="accent6">
+                    <a:lumMod val="75000"/>
+                  </a:schemeClr>
+                </a:solidFill>
+                <a:latin typeface="Fira Code" panose="020B0809050000020004" pitchFamily="49" charset="0"/>
+                <a:ea typeface="Fira Code" panose="020B0809050000020004" pitchFamily="49" charset="0"/>
+                <a:cs typeface="Fira Code" panose="020B0809050000020004" pitchFamily="49" charset="0"/>
+              </a:rPr>
+              <a:t>(</a:t>
+            </a:r>
+            <a:r>
+              <a:rPr lang="en-US" sz="3600" dirty="0" err="1">
+                <a:solidFill>
+                  <a:schemeClr val="accent6">
+                    <a:lumMod val="75000"/>
+                  </a:schemeClr>
+                </a:solidFill>
+                <a:latin typeface="Fira Code" panose="020B0809050000020004" pitchFamily="49" charset="0"/>
+                <a:ea typeface="Fira Code" panose="020B0809050000020004" pitchFamily="49" charset="0"/>
+                <a:cs typeface="Fira Code" panose="020B0809050000020004" pitchFamily="49" charset="0"/>
+              </a:rPr>
+              <a:t>wq</a:t>
+            </a:r>
+            <a:r>
+              <a:rPr lang="en-US" sz="3600" dirty="0">
+                <a:solidFill>
+                  <a:schemeClr val="accent6">
+                    <a:lumMod val="75000"/>
+                  </a:schemeClr>
+                </a:solidFill>
+                <a:latin typeface="Fira Code" panose="020B0809050000020004" pitchFamily="49" charset="0"/>
+                <a:ea typeface="Fira Code" panose="020B0809050000020004" pitchFamily="49" charset="0"/>
+                <a:cs typeface="Fira Code" panose="020B0809050000020004" pitchFamily="49" charset="0"/>
+              </a:rPr>
+              <a:t>) +</a:t>
+            </a:r>
+          </a:p>
+          <a:p>
+            <a:r>
+              <a:rPr lang="en-US" sz="3600" dirty="0">
+                <a:solidFill>
+                  <a:schemeClr val="accent6">
+                    <a:lumMod val="75000"/>
+                  </a:schemeClr>
+                </a:solidFill>
+                <a:latin typeface="Fira Code" panose="020B0809050000020004" pitchFamily="49" charset="0"/>
+                <a:ea typeface="Fira Code" panose="020B0809050000020004" pitchFamily="49" charset="0"/>
+                <a:cs typeface="Fira Code" panose="020B0809050000020004" pitchFamily="49" charset="0"/>
+              </a:rPr>
+              <a:t>  </a:t>
+            </a:r>
+            <a:r>
+              <a:rPr lang="en-US" sz="3600" dirty="0" err="1">
+                <a:solidFill>
+                  <a:schemeClr val="accent6">
+                    <a:lumMod val="75000"/>
+                  </a:schemeClr>
+                </a:solidFill>
+                <a:latin typeface="Fira Code" panose="020B0809050000020004" pitchFamily="49" charset="0"/>
+                <a:ea typeface="Fira Code" panose="020B0809050000020004" pitchFamily="49" charset="0"/>
+                <a:cs typeface="Fira Code" panose="020B0809050000020004" pitchFamily="49" charset="0"/>
+              </a:rPr>
+              <a:t>geom_point</a:t>
+            </a:r>
+            <a:r>
+              <a:rPr lang="en-US" sz="3600" dirty="0">
+                <a:solidFill>
+                  <a:schemeClr val="accent6">
+                    <a:lumMod val="75000"/>
+                  </a:schemeClr>
+                </a:solidFill>
+                <a:latin typeface="Fira Code" panose="020B0809050000020004" pitchFamily="49" charset="0"/>
+                <a:ea typeface="Fira Code" panose="020B0809050000020004" pitchFamily="49" charset="0"/>
+                <a:cs typeface="Fira Code" panose="020B0809050000020004" pitchFamily="49" charset="0"/>
+              </a:rPr>
+              <a:t>(</a:t>
+            </a:r>
+            <a:r>
+              <a:rPr lang="en-US" sz="3600" dirty="0" err="1">
+                <a:solidFill>
+                  <a:schemeClr val="accent6">
+                    <a:lumMod val="75000"/>
+                  </a:schemeClr>
+                </a:solidFill>
+                <a:latin typeface="Fira Code" panose="020B0809050000020004" pitchFamily="49" charset="0"/>
+                <a:ea typeface="Fira Code" panose="020B0809050000020004" pitchFamily="49" charset="0"/>
+                <a:cs typeface="Fira Code" panose="020B0809050000020004" pitchFamily="49" charset="0"/>
+              </a:rPr>
+              <a:t>aes</a:t>
+            </a:r>
+            <a:r>
+              <a:rPr lang="en-US" sz="3600" dirty="0">
+                <a:solidFill>
+                  <a:schemeClr val="accent6">
+                    <a:lumMod val="75000"/>
+                  </a:schemeClr>
+                </a:solidFill>
+                <a:latin typeface="Fira Code" panose="020B0809050000020004" pitchFamily="49" charset="0"/>
+                <a:ea typeface="Fira Code" panose="020B0809050000020004" pitchFamily="49" charset="0"/>
+                <a:cs typeface="Fira Code" panose="020B0809050000020004" pitchFamily="49" charset="0"/>
+              </a:rPr>
+              <a:t>(temp, </a:t>
+            </a:r>
+            <a:r>
+              <a:rPr lang="en-US" sz="3600" dirty="0" err="1">
+                <a:solidFill>
+                  <a:schemeClr val="accent6">
+                    <a:lumMod val="75000"/>
+                  </a:schemeClr>
+                </a:solidFill>
+                <a:latin typeface="Fira Code" panose="020B0809050000020004" pitchFamily="49" charset="0"/>
+                <a:ea typeface="Fira Code" panose="020B0809050000020004" pitchFamily="49" charset="0"/>
+                <a:cs typeface="Fira Code" panose="020B0809050000020004" pitchFamily="49" charset="0"/>
+              </a:rPr>
+              <a:t>do_mgl</a:t>
+            </a:r>
+            <a:r>
+              <a:rPr lang="en-US" sz="3600" dirty="0">
+                <a:solidFill>
+                  <a:schemeClr val="accent6">
+                    <a:lumMod val="75000"/>
+                  </a:schemeClr>
+                </a:solidFill>
+                <a:latin typeface="Fira Code" panose="020B0809050000020004" pitchFamily="49" charset="0"/>
+                <a:ea typeface="Fira Code" panose="020B0809050000020004" pitchFamily="49" charset="0"/>
+                <a:cs typeface="Fira Code" panose="020B0809050000020004" pitchFamily="49" charset="0"/>
+              </a:rPr>
+              <a:t>)) +</a:t>
+            </a:r>
+          </a:p>
+          <a:p>
+            <a:r>
+              <a:rPr lang="en-US" sz="3600" dirty="0">
+                <a:solidFill>
+                  <a:schemeClr val="accent6">
+                    <a:lumMod val="75000"/>
+                  </a:schemeClr>
+                </a:solidFill>
+                <a:latin typeface="Fira Code" panose="020B0809050000020004" pitchFamily="49" charset="0"/>
+                <a:ea typeface="Fira Code" panose="020B0809050000020004" pitchFamily="49" charset="0"/>
+                <a:cs typeface="Fira Code" panose="020B0809050000020004" pitchFamily="49" charset="0"/>
+              </a:rPr>
+              <a:t>  </a:t>
+            </a:r>
+            <a:r>
+              <a:rPr lang="en-US" sz="3600" dirty="0" err="1">
+                <a:solidFill>
+                  <a:schemeClr val="accent6">
+                    <a:lumMod val="75000"/>
+                  </a:schemeClr>
+                </a:solidFill>
+                <a:latin typeface="Fira Code" panose="020B0809050000020004" pitchFamily="49" charset="0"/>
+                <a:ea typeface="Fira Code" panose="020B0809050000020004" pitchFamily="49" charset="0"/>
+                <a:cs typeface="Fira Code" panose="020B0809050000020004" pitchFamily="49" charset="0"/>
+              </a:rPr>
+              <a:t>geom_smooth</a:t>
+            </a:r>
+            <a:r>
+              <a:rPr lang="en-US" sz="3600" dirty="0">
+                <a:solidFill>
+                  <a:schemeClr val="accent6">
+                    <a:lumMod val="75000"/>
+                  </a:schemeClr>
+                </a:solidFill>
+                <a:latin typeface="Fira Code" panose="020B0809050000020004" pitchFamily="49" charset="0"/>
+                <a:ea typeface="Fira Code" panose="020B0809050000020004" pitchFamily="49" charset="0"/>
+                <a:cs typeface="Fira Code" panose="020B0809050000020004" pitchFamily="49" charset="0"/>
+              </a:rPr>
+              <a:t>(</a:t>
+            </a:r>
+            <a:r>
+              <a:rPr lang="en-US" sz="3600" dirty="0" err="1">
+                <a:solidFill>
+                  <a:schemeClr val="accent6">
+                    <a:lumMod val="75000"/>
+                  </a:schemeClr>
+                </a:solidFill>
+                <a:latin typeface="Fira Code" panose="020B0809050000020004" pitchFamily="49" charset="0"/>
+                <a:ea typeface="Fira Code" panose="020B0809050000020004" pitchFamily="49" charset="0"/>
+                <a:cs typeface="Fira Code" panose="020B0809050000020004" pitchFamily="49" charset="0"/>
+              </a:rPr>
+              <a:t>aes</a:t>
+            </a:r>
+            <a:r>
+              <a:rPr lang="en-US" sz="3600" dirty="0">
+                <a:solidFill>
+                  <a:schemeClr val="accent6">
+                    <a:lumMod val="75000"/>
+                  </a:schemeClr>
+                </a:solidFill>
+                <a:latin typeface="Fira Code" panose="020B0809050000020004" pitchFamily="49" charset="0"/>
+                <a:ea typeface="Fira Code" panose="020B0809050000020004" pitchFamily="49" charset="0"/>
+                <a:cs typeface="Fira Code" panose="020B0809050000020004" pitchFamily="49" charset="0"/>
+              </a:rPr>
+              <a:t>(temp, </a:t>
+            </a:r>
+            <a:r>
+              <a:rPr lang="en-US" sz="3600" dirty="0" err="1">
+                <a:solidFill>
+                  <a:schemeClr val="accent6">
+                    <a:lumMod val="75000"/>
+                  </a:schemeClr>
+                </a:solidFill>
+                <a:latin typeface="Fira Code" panose="020B0809050000020004" pitchFamily="49" charset="0"/>
+                <a:ea typeface="Fira Code" panose="020B0809050000020004" pitchFamily="49" charset="0"/>
+                <a:cs typeface="Fira Code" panose="020B0809050000020004" pitchFamily="49" charset="0"/>
+              </a:rPr>
+              <a:t>do_mgl</a:t>
+            </a:r>
+            <a:r>
+              <a:rPr lang="en-US" sz="3600" dirty="0">
+                <a:solidFill>
+                  <a:schemeClr val="accent6">
+                    <a:lumMod val="75000"/>
+                  </a:schemeClr>
+                </a:solidFill>
+                <a:latin typeface="Fira Code" panose="020B0809050000020004" pitchFamily="49" charset="0"/>
+                <a:ea typeface="Fira Code" panose="020B0809050000020004" pitchFamily="49" charset="0"/>
+                <a:cs typeface="Fira Code" panose="020B0809050000020004" pitchFamily="49" charset="0"/>
+              </a:rPr>
+              <a:t>)) </a:t>
+            </a:r>
+          </a:p>
+        </p:txBody>
+      </p:sp>
+    </p:spTree>
+    <p:extLst>
+      <p:ext uri="{BB962C8B-B14F-4D97-AF65-F5344CB8AC3E}">
+        <p14:creationId xmlns:p14="http://schemas.microsoft.com/office/powerpoint/2010/main" val="1670357855"/>
+      </p:ext>
+    </p:extLst>
+  </p:cSld>
+  <p:clrMapOvr>
+    <a:masterClrMapping/>
+  </p:clrMapOvr>
+</p:sld>
+</file>
+
+<file path=ppt/slides/slide45.xml><?xml version="1.0" encoding="utf-8"?>
+<p:sld xmlns:a="http://schemas.openxmlformats.org/drawingml/2006/main" xmlns:r="http://schemas.openxmlformats.org/officeDocument/2006/relationships" xmlns:p="http://schemas.openxmlformats.org/presentationml/2006/main">
+  <p:cSld>
+    <p:spTree>
+      <p:nvGrpSpPr>
+        <p:cNvPr id="1" name=""/>
+        <p:cNvGrpSpPr/>
+        <p:nvPr/>
+      </p:nvGrpSpPr>
+      <p:grpSpPr>
+        <a:xfrm>
+          <a:off x="0" y="0"/>
+          <a:ext cx="0" cy="0"/>
+          <a:chOff x="0" y="0"/>
+          <a:chExt cx="0" cy="0"/>
+        </a:xfrm>
+      </p:grpSpPr>
+      <p:sp>
+        <p:nvSpPr>
           <p:cNvPr id="4" name="Title 3">
             <a:extLst>
               <a:ext uri="{FF2B5EF4-FFF2-40B4-BE49-F238E27FC236}">
@@ -17179,7 +17884,7 @@
           <a:p>
             <a:fld id="{1D07C8D9-AA71-438D-86BE-7B86F7F29DC7}" type="slidenum">
               <a:rPr lang="en-US" smtClean="0"/>
-              <a:t>44</a:t>
+              <a:t>45</a:t>
             </a:fld>
             <a:endParaRPr lang="en-US"/>
           </a:p>
@@ -17301,7 +18006,7 @@
 </p:sld>
 </file>
 
-<file path=ppt/slides/slide45.xml><?xml version="1.0" encoding="utf-8"?>
+<file path=ppt/slides/slide46.xml><?xml version="1.0" encoding="utf-8"?>
 <p:sld xmlns:a="http://schemas.openxmlformats.org/drawingml/2006/main" xmlns:r="http://schemas.openxmlformats.org/officeDocument/2006/relationships" xmlns:p="http://schemas.openxmlformats.org/presentationml/2006/main">
   <p:cSld>
     <p:spTree>
@@ -17597,7 +18302,7 @@
           <a:p>
             <a:fld id="{1D07C8D9-AA71-438D-86BE-7B86F7F29DC7}" type="slidenum">
               <a:rPr lang="en-US" smtClean="0"/>
-              <a:t>45</a:t>
+              <a:t>46</a:t>
             </a:fld>
             <a:endParaRPr lang="en-US"/>
           </a:p>
@@ -17698,444 +18403,6 @@
     <p:extLst>
       <p:ext uri="{BB962C8B-B14F-4D97-AF65-F5344CB8AC3E}">
         <p14:creationId xmlns:p14="http://schemas.microsoft.com/office/powerpoint/2010/main" val="4009793358"/>
-      </p:ext>
-    </p:extLst>
-  </p:cSld>
-  <p:clrMapOvr>
-    <a:masterClrMapping/>
-  </p:clrMapOvr>
-</p:sld>
-</file>
-
-<file path=ppt/slides/slide46.xml><?xml version="1.0" encoding="utf-8"?>
-<p:sld xmlns:a="http://schemas.openxmlformats.org/drawingml/2006/main" xmlns:r="http://schemas.openxmlformats.org/officeDocument/2006/relationships" xmlns:p="http://schemas.openxmlformats.org/presentationml/2006/main">
-  <p:cSld>
-    <p:bg>
-      <p:bgPr>
-        <a:solidFill>
-          <a:schemeClr val="accent5">
-            <a:lumMod val="20000"/>
-            <a:lumOff val="80000"/>
-          </a:schemeClr>
-        </a:solidFill>
-        <a:effectLst/>
-      </p:bgPr>
-    </p:bg>
-    <p:spTree>
-      <p:nvGrpSpPr>
-        <p:cNvPr id="1" name=""/>
-        <p:cNvGrpSpPr/>
-        <p:nvPr/>
-      </p:nvGrpSpPr>
-      <p:grpSpPr>
-        <a:xfrm>
-          <a:off x="0" y="0"/>
-          <a:ext cx="0" cy="0"/>
-          <a:chOff x="0" y="0"/>
-          <a:chExt cx="0" cy="0"/>
-        </a:xfrm>
-      </p:grpSpPr>
-      <p:sp>
-        <p:nvSpPr>
-          <p:cNvPr id="2" name="Title 1">
-            <a:extLst>
-              <a:ext uri="{FF2B5EF4-FFF2-40B4-BE49-F238E27FC236}">
-                <a16:creationId xmlns:a16="http://schemas.microsoft.com/office/drawing/2014/main" id="{8BA607E8-0AC0-43A6-80FA-54AAB826833C}"/>
-              </a:ext>
-            </a:extLst>
-          </p:cNvPr>
-          <p:cNvSpPr>
-            <a:spLocks noGrp="1"/>
-          </p:cNvSpPr>
-          <p:nvPr>
-            <p:ph type="title"/>
-          </p:nvPr>
-        </p:nvSpPr>
-        <p:spPr/>
-        <p:txBody>
-          <a:bodyPr/>
-          <a:lstStyle/>
-          <a:p>
-            <a:pPr algn="ctr"/>
-            <a:r>
-              <a:rPr lang="en-US" b="1" dirty="0">
-                <a:solidFill>
-                  <a:schemeClr val="accent5">
-                    <a:lumMod val="50000"/>
-                  </a:schemeClr>
-                </a:solidFill>
-              </a:rPr>
-              <a:t>YOUR TURN 7</a:t>
-            </a:r>
-          </a:p>
-        </p:txBody>
-      </p:sp>
-      <p:sp>
-        <p:nvSpPr>
-          <p:cNvPr id="3" name="Content Placeholder 2">
-            <a:extLst>
-              <a:ext uri="{FF2B5EF4-FFF2-40B4-BE49-F238E27FC236}">
-                <a16:creationId xmlns:a16="http://schemas.microsoft.com/office/drawing/2014/main" id="{6CF8A425-5302-462E-9C42-A5DF4B6E8FE4}"/>
-              </a:ext>
-            </a:extLst>
-          </p:cNvPr>
-          <p:cNvSpPr>
-            <a:spLocks noGrp="1"/>
-          </p:cNvSpPr>
-          <p:nvPr>
-            <p:ph idx="1"/>
-          </p:nvPr>
-        </p:nvSpPr>
-        <p:spPr>
-          <a:xfrm>
-            <a:off x="838200" y="1825625"/>
-            <a:ext cx="10515600" cy="543502"/>
-          </a:xfrm>
-        </p:spPr>
-        <p:txBody>
-          <a:bodyPr/>
-          <a:lstStyle/>
-          <a:p>
-            <a:pPr marL="0" indent="0">
-              <a:buNone/>
-            </a:pPr>
-            <a:r>
-              <a:rPr lang="en-US" dirty="0"/>
-              <a:t>Predict what this code will do, then run it.</a:t>
-            </a:r>
-          </a:p>
-        </p:txBody>
-      </p:sp>
-      <p:sp>
-        <p:nvSpPr>
-          <p:cNvPr id="4" name="Footer Placeholder 3">
-            <a:extLst>
-              <a:ext uri="{FF2B5EF4-FFF2-40B4-BE49-F238E27FC236}">
-                <a16:creationId xmlns:a16="http://schemas.microsoft.com/office/drawing/2014/main" id="{53B10EFA-8383-4215-A810-522AC32E9A6A}"/>
-              </a:ext>
-            </a:extLst>
-          </p:cNvPr>
-          <p:cNvSpPr>
-            <a:spLocks noGrp="1"/>
-          </p:cNvSpPr>
-          <p:nvPr>
-            <p:ph type="ftr" sz="quarter" idx="11"/>
-          </p:nvPr>
-        </p:nvSpPr>
-        <p:spPr/>
-        <p:txBody>
-          <a:bodyPr/>
-          <a:lstStyle/>
-          <a:p>
-            <a:r>
-              <a:rPr lang="en-US"/>
-              <a:t>CERF 2019 | The Next Step with R | Cressman and Dunnigan</a:t>
-            </a:r>
-          </a:p>
-        </p:txBody>
-      </p:sp>
-      <p:sp>
-        <p:nvSpPr>
-          <p:cNvPr id="5" name="Slide Number Placeholder 4">
-            <a:extLst>
-              <a:ext uri="{FF2B5EF4-FFF2-40B4-BE49-F238E27FC236}">
-                <a16:creationId xmlns:a16="http://schemas.microsoft.com/office/drawing/2014/main" id="{1E7EFC22-4E67-4FE3-8DE7-CEF7DF034363}"/>
-              </a:ext>
-            </a:extLst>
-          </p:cNvPr>
-          <p:cNvSpPr>
-            <a:spLocks noGrp="1"/>
-          </p:cNvSpPr>
-          <p:nvPr>
-            <p:ph type="sldNum" sz="quarter" idx="12"/>
-          </p:nvPr>
-        </p:nvSpPr>
-        <p:spPr/>
-        <p:txBody>
-          <a:bodyPr/>
-          <a:lstStyle/>
-          <a:p>
-            <a:fld id="{1D07C8D9-AA71-438D-86BE-7B86F7F29DC7}" type="slidenum">
-              <a:rPr lang="en-US" smtClean="0"/>
-              <a:t>46</a:t>
-            </a:fld>
-            <a:endParaRPr lang="en-US"/>
-          </a:p>
-        </p:txBody>
-      </p:sp>
-      <p:sp>
-        <p:nvSpPr>
-          <p:cNvPr id="6" name="TextBox 5">
-            <a:extLst>
-              <a:ext uri="{FF2B5EF4-FFF2-40B4-BE49-F238E27FC236}">
-                <a16:creationId xmlns:a16="http://schemas.microsoft.com/office/drawing/2014/main" id="{4AADD418-20BD-44C9-98C1-19BBD2D33D06}"/>
-              </a:ext>
-            </a:extLst>
-          </p:cNvPr>
-          <p:cNvSpPr txBox="1"/>
-          <p:nvPr/>
-        </p:nvSpPr>
-        <p:spPr>
-          <a:xfrm>
-            <a:off x="1340427" y="3103419"/>
-            <a:ext cx="9511145" cy="1754326"/>
-          </a:xfrm>
-          <a:prstGeom prst="rect">
-            <a:avLst/>
-          </a:prstGeom>
-          <a:noFill/>
-        </p:spPr>
-        <p:txBody>
-          <a:bodyPr wrap="square" rtlCol="0">
-            <a:spAutoFit/>
-          </a:bodyPr>
-          <a:lstStyle/>
-          <a:p>
-            <a:r>
-              <a:rPr lang="en-US" sz="3600" dirty="0" err="1">
-                <a:solidFill>
-                  <a:schemeClr val="accent6">
-                    <a:lumMod val="75000"/>
-                  </a:schemeClr>
-                </a:solidFill>
-                <a:latin typeface="Fira Code" panose="020B0809050000020004" pitchFamily="49" charset="0"/>
-                <a:ea typeface="Fira Code" panose="020B0809050000020004" pitchFamily="49" charset="0"/>
-                <a:cs typeface="Fira Code" panose="020B0809050000020004" pitchFamily="49" charset="0"/>
-              </a:rPr>
-              <a:t>ggplot</a:t>
-            </a:r>
-            <a:r>
-              <a:rPr lang="en-US" sz="3600" dirty="0">
-                <a:solidFill>
-                  <a:schemeClr val="accent6">
-                    <a:lumMod val="75000"/>
-                  </a:schemeClr>
-                </a:solidFill>
-                <a:latin typeface="Fira Code" panose="020B0809050000020004" pitchFamily="49" charset="0"/>
-                <a:ea typeface="Fira Code" panose="020B0809050000020004" pitchFamily="49" charset="0"/>
-                <a:cs typeface="Fira Code" panose="020B0809050000020004" pitchFamily="49" charset="0"/>
-              </a:rPr>
-              <a:t>(</a:t>
-            </a:r>
-            <a:r>
-              <a:rPr lang="en-US" sz="3600" dirty="0" err="1">
-                <a:solidFill>
-                  <a:schemeClr val="accent6">
-                    <a:lumMod val="75000"/>
-                  </a:schemeClr>
-                </a:solidFill>
-                <a:latin typeface="Fira Code" panose="020B0809050000020004" pitchFamily="49" charset="0"/>
-                <a:ea typeface="Fira Code" panose="020B0809050000020004" pitchFamily="49" charset="0"/>
-                <a:cs typeface="Fira Code" panose="020B0809050000020004" pitchFamily="49" charset="0"/>
-              </a:rPr>
-              <a:t>wq</a:t>
-            </a:r>
-            <a:r>
-              <a:rPr lang="en-US" sz="3600" dirty="0">
-                <a:solidFill>
-                  <a:schemeClr val="accent6">
-                    <a:lumMod val="75000"/>
-                  </a:schemeClr>
-                </a:solidFill>
-                <a:latin typeface="Fira Code" panose="020B0809050000020004" pitchFamily="49" charset="0"/>
-                <a:ea typeface="Fira Code" panose="020B0809050000020004" pitchFamily="49" charset="0"/>
-                <a:cs typeface="Fira Code" panose="020B0809050000020004" pitchFamily="49" charset="0"/>
-              </a:rPr>
-              <a:t>) +</a:t>
-            </a:r>
-          </a:p>
-          <a:p>
-            <a:r>
-              <a:rPr lang="en-US" sz="3600" dirty="0">
-                <a:solidFill>
-                  <a:schemeClr val="accent6">
-                    <a:lumMod val="75000"/>
-                  </a:schemeClr>
-                </a:solidFill>
-                <a:latin typeface="Fira Code" panose="020B0809050000020004" pitchFamily="49" charset="0"/>
-                <a:ea typeface="Fira Code" panose="020B0809050000020004" pitchFamily="49" charset="0"/>
-                <a:cs typeface="Fira Code" panose="020B0809050000020004" pitchFamily="49" charset="0"/>
-              </a:rPr>
-              <a:t>  </a:t>
-            </a:r>
-            <a:r>
-              <a:rPr lang="en-US" sz="3600" dirty="0" err="1">
-                <a:solidFill>
-                  <a:schemeClr val="accent6">
-                    <a:lumMod val="75000"/>
-                  </a:schemeClr>
-                </a:solidFill>
-                <a:latin typeface="Fira Code" panose="020B0809050000020004" pitchFamily="49" charset="0"/>
-                <a:ea typeface="Fira Code" panose="020B0809050000020004" pitchFamily="49" charset="0"/>
-                <a:cs typeface="Fira Code" panose="020B0809050000020004" pitchFamily="49" charset="0"/>
-              </a:rPr>
-              <a:t>geom_point</a:t>
-            </a:r>
-            <a:r>
-              <a:rPr lang="en-US" sz="3600" dirty="0">
-                <a:solidFill>
-                  <a:schemeClr val="accent6">
-                    <a:lumMod val="75000"/>
-                  </a:schemeClr>
-                </a:solidFill>
-                <a:latin typeface="Fira Code" panose="020B0809050000020004" pitchFamily="49" charset="0"/>
-                <a:ea typeface="Fira Code" panose="020B0809050000020004" pitchFamily="49" charset="0"/>
-                <a:cs typeface="Fira Code" panose="020B0809050000020004" pitchFamily="49" charset="0"/>
-              </a:rPr>
-              <a:t>(</a:t>
-            </a:r>
-            <a:r>
-              <a:rPr lang="en-US" sz="3600" dirty="0" err="1">
-                <a:solidFill>
-                  <a:schemeClr val="accent6">
-                    <a:lumMod val="75000"/>
-                  </a:schemeClr>
-                </a:solidFill>
-                <a:latin typeface="Fira Code" panose="020B0809050000020004" pitchFamily="49" charset="0"/>
-                <a:ea typeface="Fira Code" panose="020B0809050000020004" pitchFamily="49" charset="0"/>
-                <a:cs typeface="Fira Code" panose="020B0809050000020004" pitchFamily="49" charset="0"/>
-              </a:rPr>
-              <a:t>aes</a:t>
-            </a:r>
-            <a:r>
-              <a:rPr lang="en-US" sz="3600" dirty="0">
-                <a:solidFill>
-                  <a:schemeClr val="accent6">
-                    <a:lumMod val="75000"/>
-                  </a:schemeClr>
-                </a:solidFill>
-                <a:latin typeface="Fira Code" panose="020B0809050000020004" pitchFamily="49" charset="0"/>
-                <a:ea typeface="Fira Code" panose="020B0809050000020004" pitchFamily="49" charset="0"/>
-                <a:cs typeface="Fira Code" panose="020B0809050000020004" pitchFamily="49" charset="0"/>
-              </a:rPr>
-              <a:t>(temp, </a:t>
-            </a:r>
-            <a:r>
-              <a:rPr lang="en-US" sz="3600" dirty="0" err="1">
-                <a:solidFill>
-                  <a:schemeClr val="accent6">
-                    <a:lumMod val="75000"/>
-                  </a:schemeClr>
-                </a:solidFill>
-                <a:latin typeface="Fira Code" panose="020B0809050000020004" pitchFamily="49" charset="0"/>
-                <a:ea typeface="Fira Code" panose="020B0809050000020004" pitchFamily="49" charset="0"/>
-                <a:cs typeface="Fira Code" panose="020B0809050000020004" pitchFamily="49" charset="0"/>
-              </a:rPr>
-              <a:t>do_mgl</a:t>
-            </a:r>
-            <a:r>
-              <a:rPr lang="en-US" sz="3600" dirty="0">
-                <a:solidFill>
-                  <a:schemeClr val="accent6">
-                    <a:lumMod val="75000"/>
-                  </a:schemeClr>
-                </a:solidFill>
-                <a:latin typeface="Fira Code" panose="020B0809050000020004" pitchFamily="49" charset="0"/>
-                <a:ea typeface="Fira Code" panose="020B0809050000020004" pitchFamily="49" charset="0"/>
-                <a:cs typeface="Fira Code" panose="020B0809050000020004" pitchFamily="49" charset="0"/>
-              </a:rPr>
-              <a:t>)) +</a:t>
-            </a:r>
-          </a:p>
-          <a:p>
-            <a:r>
-              <a:rPr lang="en-US" sz="3600" dirty="0">
-                <a:solidFill>
-                  <a:schemeClr val="accent6">
-                    <a:lumMod val="75000"/>
-                  </a:schemeClr>
-                </a:solidFill>
-                <a:latin typeface="Fira Code" panose="020B0809050000020004" pitchFamily="49" charset="0"/>
-                <a:ea typeface="Fira Code" panose="020B0809050000020004" pitchFamily="49" charset="0"/>
-                <a:cs typeface="Fira Code" panose="020B0809050000020004" pitchFamily="49" charset="0"/>
-              </a:rPr>
-              <a:t>  </a:t>
-            </a:r>
-            <a:r>
-              <a:rPr lang="en-US" sz="3600" dirty="0" err="1">
-                <a:solidFill>
-                  <a:schemeClr val="accent6">
-                    <a:lumMod val="75000"/>
-                  </a:schemeClr>
-                </a:solidFill>
-                <a:latin typeface="Fira Code" panose="020B0809050000020004" pitchFamily="49" charset="0"/>
-                <a:ea typeface="Fira Code" panose="020B0809050000020004" pitchFamily="49" charset="0"/>
-                <a:cs typeface="Fira Code" panose="020B0809050000020004" pitchFamily="49" charset="0"/>
-              </a:rPr>
-              <a:t>geom_smooth</a:t>
-            </a:r>
-            <a:r>
-              <a:rPr lang="en-US" sz="3600" dirty="0">
-                <a:solidFill>
-                  <a:schemeClr val="accent6">
-                    <a:lumMod val="75000"/>
-                  </a:schemeClr>
-                </a:solidFill>
-                <a:latin typeface="Fira Code" panose="020B0809050000020004" pitchFamily="49" charset="0"/>
-                <a:ea typeface="Fira Code" panose="020B0809050000020004" pitchFamily="49" charset="0"/>
-                <a:cs typeface="Fira Code" panose="020B0809050000020004" pitchFamily="49" charset="0"/>
-              </a:rPr>
-              <a:t>(</a:t>
-            </a:r>
-            <a:r>
-              <a:rPr lang="en-US" sz="3600" dirty="0" err="1">
-                <a:solidFill>
-                  <a:schemeClr val="accent6">
-                    <a:lumMod val="75000"/>
-                  </a:schemeClr>
-                </a:solidFill>
-                <a:latin typeface="Fira Code" panose="020B0809050000020004" pitchFamily="49" charset="0"/>
-                <a:ea typeface="Fira Code" panose="020B0809050000020004" pitchFamily="49" charset="0"/>
-                <a:cs typeface="Fira Code" panose="020B0809050000020004" pitchFamily="49" charset="0"/>
-              </a:rPr>
-              <a:t>aes</a:t>
-            </a:r>
-            <a:r>
-              <a:rPr lang="en-US" sz="3600" dirty="0">
-                <a:solidFill>
-                  <a:schemeClr val="accent6">
-                    <a:lumMod val="75000"/>
-                  </a:schemeClr>
-                </a:solidFill>
-                <a:latin typeface="Fira Code" panose="020B0809050000020004" pitchFamily="49" charset="0"/>
-                <a:ea typeface="Fira Code" panose="020B0809050000020004" pitchFamily="49" charset="0"/>
-                <a:cs typeface="Fira Code" panose="020B0809050000020004" pitchFamily="49" charset="0"/>
-              </a:rPr>
-              <a:t>(temp, </a:t>
-            </a:r>
-            <a:r>
-              <a:rPr lang="en-US" sz="3600" dirty="0" err="1">
-                <a:solidFill>
-                  <a:schemeClr val="accent6">
-                    <a:lumMod val="75000"/>
-                  </a:schemeClr>
-                </a:solidFill>
-                <a:latin typeface="Fira Code" panose="020B0809050000020004" pitchFamily="49" charset="0"/>
-                <a:ea typeface="Fira Code" panose="020B0809050000020004" pitchFamily="49" charset="0"/>
-                <a:cs typeface="Fira Code" panose="020B0809050000020004" pitchFamily="49" charset="0"/>
-              </a:rPr>
-              <a:t>do_mgl</a:t>
-            </a:r>
-            <a:r>
-              <a:rPr lang="en-US" sz="3600" dirty="0">
-                <a:solidFill>
-                  <a:schemeClr val="accent6">
-                    <a:lumMod val="75000"/>
-                  </a:schemeClr>
-                </a:solidFill>
-                <a:latin typeface="Fira Code" panose="020B0809050000020004" pitchFamily="49" charset="0"/>
-                <a:ea typeface="Fira Code" panose="020B0809050000020004" pitchFamily="49" charset="0"/>
-                <a:cs typeface="Fira Code" panose="020B0809050000020004" pitchFamily="49" charset="0"/>
-              </a:rPr>
-              <a:t>)) </a:t>
-            </a:r>
-          </a:p>
-        </p:txBody>
-      </p:sp>
-    </p:spTree>
-    <p:extLst>
-      <p:ext uri="{BB962C8B-B14F-4D97-AF65-F5344CB8AC3E}">
-        <p14:creationId xmlns:p14="http://schemas.microsoft.com/office/powerpoint/2010/main" val="1670357855"/>
       </p:ext>
     </p:extLst>
   </p:cSld>
@@ -20060,6 +20327,7 @@
           <a:bodyPr/>
           <a:lstStyle/>
           <a:p>
+            <a:pPr algn="ctr"/>
             <a:r>
               <a:rPr lang="en-US" dirty="0"/>
               <a:t>What else can I do?</a:t>
@@ -21091,12 +21359,31 @@
             <p:ph idx="1"/>
           </p:nvPr>
         </p:nvSpPr>
-        <p:spPr/>
-        <p:txBody>
-          <a:bodyPr/>
-          <a:lstStyle/>
-          <a:p>
-            <a:endParaRPr lang="en-US"/>
+        <p:spPr>
+          <a:xfrm>
+            <a:off x="838199" y="1570405"/>
+            <a:ext cx="10515600" cy="1781733"/>
+          </a:xfrm>
+        </p:spPr>
+        <p:txBody>
+          <a:bodyPr/>
+          <a:lstStyle/>
+          <a:p>
+            <a:pPr marL="0" indent="0">
+              <a:buNone/>
+            </a:pPr>
+            <a:r>
+              <a:rPr lang="en-US" dirty="0"/>
+              <a:t>Control the way your data is mapped to your </a:t>
+            </a:r>
+            <a:r>
+              <a:rPr lang="en-US" dirty="0" err="1"/>
+              <a:t>geom</a:t>
+            </a:r>
+            <a:r>
+              <a:rPr lang="en-US" dirty="0"/>
+              <a:t> and are required for every aesthetic. </a:t>
+            </a:r>
           </a:p>
         </p:txBody>
       </p:sp>
@@ -21154,6 +21441,258 @@
               <a:t>56</a:t>
             </a:fld>
             <a:endParaRPr lang="en-US"/>
+          </a:p>
+        </p:txBody>
+      </p:sp>
+      <p:sp>
+        <p:nvSpPr>
+          <p:cNvPr id="6" name="TextBox 5">
+            <a:extLst>
+              <a:ext uri="{FF2B5EF4-FFF2-40B4-BE49-F238E27FC236}">
+                <a16:creationId xmlns:a16="http://schemas.microsoft.com/office/drawing/2014/main" id="{DD2CDBAF-7A68-4E68-BD0F-958ABF37C2FA}"/>
+              </a:ext>
+            </a:extLst>
+          </p:cNvPr>
+          <p:cNvSpPr txBox="1"/>
+          <p:nvPr/>
+        </p:nvSpPr>
+        <p:spPr>
+          <a:xfrm>
+            <a:off x="679938" y="5707915"/>
+            <a:ext cx="10832123" cy="830997"/>
+          </a:xfrm>
+          <a:prstGeom prst="rect">
+            <a:avLst/>
+          </a:prstGeom>
+          <a:noFill/>
+        </p:spPr>
+        <p:txBody>
+          <a:bodyPr wrap="square" rtlCol="0">
+            <a:spAutoFit/>
+          </a:bodyPr>
+          <a:lstStyle/>
+          <a:p>
+            <a:r>
+              <a:rPr lang="en-US" sz="2400" dirty="0" err="1">
+                <a:latin typeface="Fira Code" panose="020B0809050000020004" pitchFamily="49" charset="0"/>
+                <a:ea typeface="Fira Code" panose="020B0809050000020004" pitchFamily="49" charset="0"/>
+                <a:cs typeface="Fira Code" panose="020B0809050000020004" pitchFamily="49" charset="0"/>
+              </a:rPr>
+              <a:t>ggplot</a:t>
+            </a:r>
+            <a:r>
+              <a:rPr lang="en-US" sz="2400" dirty="0">
+                <a:latin typeface="Fira Code" panose="020B0809050000020004" pitchFamily="49" charset="0"/>
+                <a:ea typeface="Fira Code" panose="020B0809050000020004" pitchFamily="49" charset="0"/>
+                <a:cs typeface="Fira Code" panose="020B0809050000020004" pitchFamily="49" charset="0"/>
+              </a:rPr>
+              <a:t>(</a:t>
+            </a:r>
+            <a:r>
+              <a:rPr lang="en-US" sz="2400" dirty="0" err="1">
+                <a:latin typeface="Fira Code" panose="020B0809050000020004" pitchFamily="49" charset="0"/>
+                <a:ea typeface="Fira Code" panose="020B0809050000020004" pitchFamily="49" charset="0"/>
+                <a:cs typeface="Fira Code" panose="020B0809050000020004" pitchFamily="49" charset="0"/>
+              </a:rPr>
+              <a:t>wq</a:t>
+            </a:r>
+            <a:r>
+              <a:rPr lang="en-US" sz="2400" dirty="0">
+                <a:latin typeface="Fira Code" panose="020B0809050000020004" pitchFamily="49" charset="0"/>
+                <a:ea typeface="Fira Code" panose="020B0809050000020004" pitchFamily="49" charset="0"/>
+                <a:cs typeface="Fira Code" panose="020B0809050000020004" pitchFamily="49" charset="0"/>
+              </a:rPr>
+              <a:t>, </a:t>
+            </a:r>
+            <a:r>
+              <a:rPr lang="en-US" sz="2400" dirty="0" err="1">
+                <a:latin typeface="Fira Code" panose="020B0809050000020004" pitchFamily="49" charset="0"/>
+                <a:ea typeface="Fira Code" panose="020B0809050000020004" pitchFamily="49" charset="0"/>
+                <a:cs typeface="Fira Code" panose="020B0809050000020004" pitchFamily="49" charset="0"/>
+              </a:rPr>
+              <a:t>aes</a:t>
+            </a:r>
+            <a:r>
+              <a:rPr lang="en-US" sz="2400" dirty="0">
+                <a:latin typeface="Fira Code" panose="020B0809050000020004" pitchFamily="49" charset="0"/>
+                <a:ea typeface="Fira Code" panose="020B0809050000020004" pitchFamily="49" charset="0"/>
+                <a:cs typeface="Fira Code" panose="020B0809050000020004" pitchFamily="49" charset="0"/>
+              </a:rPr>
+              <a:t>(x = temp, y = </a:t>
+            </a:r>
+            <a:r>
+              <a:rPr lang="en-US" sz="2400" dirty="0" err="1">
+                <a:latin typeface="Fira Code" panose="020B0809050000020004" pitchFamily="49" charset="0"/>
+                <a:ea typeface="Fira Code" panose="020B0809050000020004" pitchFamily="49" charset="0"/>
+                <a:cs typeface="Fira Code" panose="020B0809050000020004" pitchFamily="49" charset="0"/>
+              </a:rPr>
+              <a:t>do_mgl</a:t>
+            </a:r>
+            <a:r>
+              <a:rPr lang="en-US" sz="2400" dirty="0">
+                <a:latin typeface="Fira Code" panose="020B0809050000020004" pitchFamily="49" charset="0"/>
+                <a:ea typeface="Fira Code" panose="020B0809050000020004" pitchFamily="49" charset="0"/>
+                <a:cs typeface="Fira Code" panose="020B0809050000020004" pitchFamily="49" charset="0"/>
+              </a:rPr>
+              <a:t>)) +</a:t>
+            </a:r>
+          </a:p>
+          <a:p>
+            <a:r>
+              <a:rPr lang="en-US" sz="2400" dirty="0">
+                <a:latin typeface="Fira Code" panose="020B0809050000020004" pitchFamily="49" charset="0"/>
+                <a:ea typeface="Fira Code" panose="020B0809050000020004" pitchFamily="49" charset="0"/>
+                <a:cs typeface="Fira Code" panose="020B0809050000020004" pitchFamily="49" charset="0"/>
+              </a:rPr>
+              <a:t>  </a:t>
+            </a:r>
+            <a:r>
+              <a:rPr lang="en-US" sz="2400" dirty="0" err="1">
+                <a:latin typeface="Fira Code" panose="020B0809050000020004" pitchFamily="49" charset="0"/>
+                <a:ea typeface="Fira Code" panose="020B0809050000020004" pitchFamily="49" charset="0"/>
+                <a:cs typeface="Fira Code" panose="020B0809050000020004" pitchFamily="49" charset="0"/>
+              </a:rPr>
+              <a:t>geom_point</a:t>
+            </a:r>
+            <a:r>
+              <a:rPr lang="en-US" sz="2400" dirty="0">
+                <a:latin typeface="Fira Code" panose="020B0809050000020004" pitchFamily="49" charset="0"/>
+                <a:ea typeface="Fira Code" panose="020B0809050000020004" pitchFamily="49" charset="0"/>
+                <a:cs typeface="Fira Code" panose="020B0809050000020004" pitchFamily="49" charset="0"/>
+              </a:rPr>
+              <a:t>(</a:t>
+            </a:r>
+            <a:r>
+              <a:rPr lang="en-US" sz="2400" dirty="0" err="1">
+                <a:latin typeface="Fira Code" panose="020B0809050000020004" pitchFamily="49" charset="0"/>
+                <a:ea typeface="Fira Code" panose="020B0809050000020004" pitchFamily="49" charset="0"/>
+                <a:cs typeface="Fira Code" panose="020B0809050000020004" pitchFamily="49" charset="0"/>
+              </a:rPr>
+              <a:t>aes</a:t>
+            </a:r>
+            <a:r>
+              <a:rPr lang="en-US" sz="2400" dirty="0">
+                <a:latin typeface="Fira Code" panose="020B0809050000020004" pitchFamily="49" charset="0"/>
+                <a:ea typeface="Fira Code" panose="020B0809050000020004" pitchFamily="49" charset="0"/>
+                <a:cs typeface="Fira Code" panose="020B0809050000020004" pitchFamily="49" charset="0"/>
+              </a:rPr>
+              <a:t>(</a:t>
+            </a:r>
+            <a:r>
+              <a:rPr lang="en-US" sz="2400" dirty="0">
+                <a:solidFill>
+                  <a:schemeClr val="accent6">
+                    <a:lumMod val="75000"/>
+                  </a:schemeClr>
+                </a:solidFill>
+                <a:latin typeface="Fira Code" panose="020B0809050000020004" pitchFamily="49" charset="0"/>
+                <a:ea typeface="Fira Code" panose="020B0809050000020004" pitchFamily="49" charset="0"/>
+                <a:cs typeface="Fira Code" panose="020B0809050000020004" pitchFamily="49" charset="0"/>
+              </a:rPr>
+              <a:t>shape = coast, color = state</a:t>
+            </a:r>
+            <a:r>
+              <a:rPr lang="en-US" sz="2400" dirty="0">
+                <a:latin typeface="Fira Code" panose="020B0809050000020004" pitchFamily="49" charset="0"/>
+                <a:ea typeface="Fira Code" panose="020B0809050000020004" pitchFamily="49" charset="0"/>
+                <a:cs typeface="Fira Code" panose="020B0809050000020004" pitchFamily="49" charset="0"/>
+              </a:rPr>
+              <a:t>), size = 3)</a:t>
+            </a:r>
+          </a:p>
+        </p:txBody>
+      </p:sp>
+      <p:pic>
+        <p:nvPicPr>
+          <p:cNvPr id="8" name="Picture 7">
+            <a:extLst>
+              <a:ext uri="{FF2B5EF4-FFF2-40B4-BE49-F238E27FC236}">
+                <a16:creationId xmlns:a16="http://schemas.microsoft.com/office/drawing/2014/main" id="{F0A98660-4153-4B03-9045-A0C890374218}"/>
+              </a:ext>
+            </a:extLst>
+          </p:cNvPr>
+          <p:cNvPicPr>
+            <a:picLocks noChangeAspect="1"/>
+          </p:cNvPicPr>
+          <p:nvPr/>
+        </p:nvPicPr>
+        <p:blipFill rotWithShape="1">
+          <a:blip r:embed="rId2"/>
+          <a:srcRect l="1201" t="1868"/>
+          <a:stretch/>
+        </p:blipFill>
+        <p:spPr>
+          <a:xfrm>
+            <a:off x="3400531" y="2283940"/>
+            <a:ext cx="5427288" cy="3037922"/>
+          </a:xfrm>
+          <a:prstGeom prst="rect">
+            <a:avLst/>
+          </a:prstGeom>
+        </p:spPr>
+      </p:pic>
+      <p:sp>
+        <p:nvSpPr>
+          <p:cNvPr id="9" name="Speech Bubble: Rectangle with Corners Rounded 8">
+            <a:extLst>
+              <a:ext uri="{FF2B5EF4-FFF2-40B4-BE49-F238E27FC236}">
+                <a16:creationId xmlns:a16="http://schemas.microsoft.com/office/drawing/2014/main" id="{0EF14DB1-670B-47C8-9168-7AF08F60B403}"/>
+              </a:ext>
+            </a:extLst>
+          </p:cNvPr>
+          <p:cNvSpPr/>
+          <p:nvPr/>
+        </p:nvSpPr>
+        <p:spPr>
+          <a:xfrm>
+            <a:off x="9364226" y="2895254"/>
+            <a:ext cx="2381459" cy="2210638"/>
+          </a:xfrm>
+          <a:prstGeom prst="wedgeRoundRectCallout">
+            <a:avLst>
+              <a:gd name="adj1" fmla="val -78639"/>
+              <a:gd name="adj2" fmla="val -7954"/>
+              <a:gd name="adj3" fmla="val 16667"/>
+            </a:avLst>
+          </a:prstGeom>
+        </p:spPr>
+        <p:style>
+          <a:lnRef idx="2">
+            <a:schemeClr val="accent1">
+              <a:shade val="50000"/>
+            </a:schemeClr>
+          </a:lnRef>
+          <a:fillRef idx="1">
+            <a:schemeClr val="accent1"/>
+          </a:fillRef>
+          <a:effectRef idx="0">
+            <a:schemeClr val="accent1"/>
+          </a:effectRef>
+          <a:fontRef idx="minor">
+            <a:schemeClr val="lt1"/>
+          </a:fontRef>
+        </p:style>
+        <p:txBody>
+          <a:bodyPr rtlCol="0" anchor="ctr"/>
+          <a:lstStyle/>
+          <a:p>
+            <a:pPr algn="ctr"/>
+            <a:r>
+              <a:rPr lang="en-US" dirty="0">
+                <a:latin typeface="Fira Code" panose="020B0809050000020004" pitchFamily="49" charset="0"/>
+                <a:ea typeface="Fira Code" panose="020B0809050000020004" pitchFamily="49" charset="0"/>
+                <a:cs typeface="Fira Code" panose="020B0809050000020004" pitchFamily="49" charset="0"/>
+              </a:rPr>
+              <a:t>ggplot2</a:t>
+            </a:r>
+            <a:r>
+              <a:rPr lang="en-US" dirty="0"/>
+              <a:t> selects sensible defaults, but you can provide further adjustments.</a:t>
+            </a:r>
+          </a:p>
+          <a:p>
+            <a:pPr algn="ctr"/>
+            <a:endParaRPr lang="en-US" dirty="0"/>
           </a:p>
         </p:txBody>
       </p:sp>
@@ -21167,6 +21706,157 @@
   <p:clrMapOvr>
     <a:masterClrMapping/>
   </p:clrMapOvr>
+  <p:timing>
+    <p:tnLst>
+      <p:par>
+        <p:cTn id="1" dur="indefinite" restart="never" nodeType="tmRoot">
+          <p:childTnLst>
+            <p:seq concurrent="1" nextAc="seek">
+              <p:cTn id="2" dur="indefinite" nodeType="mainSeq">
+                <p:childTnLst>
+                  <p:par>
+                    <p:cTn id="3" fill="hold">
+                      <p:stCondLst>
+                        <p:cond delay="indefinite"/>
+                      </p:stCondLst>
+                      <p:childTnLst>
+                        <p:par>
+                          <p:cTn id="4" fill="hold">
+                            <p:stCondLst>
+                              <p:cond delay="0"/>
+                            </p:stCondLst>
+                            <p:childTnLst>
+                              <p:par>
+                                <p:cTn id="5" presetID="1" presetClass="entr" presetSubtype="0" fill="hold" nodeType="clickEffect">
+                                  <p:stCondLst>
+                                    <p:cond delay="0"/>
+                                  </p:stCondLst>
+                                  <p:childTnLst>
+                                    <p:set>
+                                      <p:cBhvr>
+                                        <p:cTn id="6" dur="1" fill="hold">
+                                          <p:stCondLst>
+                                            <p:cond delay="0"/>
+                                          </p:stCondLst>
+                                        </p:cTn>
+                                        <p:tgtEl>
+                                          <p:spTgt spid="8"/>
+                                        </p:tgtEl>
+                                        <p:attrNameLst>
+                                          <p:attrName>style.visibility</p:attrName>
+                                        </p:attrNameLst>
+                                      </p:cBhvr>
+                                      <p:to>
+                                        <p:strVal val="visible"/>
+                                      </p:to>
+                                    </p:set>
+                                  </p:childTnLst>
+                                </p:cTn>
+                              </p:par>
+                              <p:par>
+                                <p:cTn id="7" presetID="1" presetClass="entr" presetSubtype="0" fill="hold" grpId="0" nodeType="withEffect">
+                                  <p:stCondLst>
+                                    <p:cond delay="0"/>
+                                  </p:stCondLst>
+                                  <p:childTnLst>
+                                    <p:set>
+                                      <p:cBhvr>
+                                        <p:cTn id="8" dur="1" fill="hold">
+                                          <p:stCondLst>
+                                            <p:cond delay="0"/>
+                                          </p:stCondLst>
+                                        </p:cTn>
+                                        <p:tgtEl>
+                                          <p:spTgt spid="6"/>
+                                        </p:tgtEl>
+                                        <p:attrNameLst>
+                                          <p:attrName>style.visibility</p:attrName>
+                                        </p:attrNameLst>
+                                      </p:cBhvr>
+                                      <p:to>
+                                        <p:strVal val="visible"/>
+                                      </p:to>
+                                    </p:set>
+                                  </p:childTnLst>
+                                </p:cTn>
+                              </p:par>
+                            </p:childTnLst>
+                          </p:cTn>
+                        </p:par>
+                      </p:childTnLst>
+                    </p:cTn>
+                  </p:par>
+                  <p:par>
+                    <p:cTn id="9" fill="hold">
+                      <p:stCondLst>
+                        <p:cond delay="indefinite"/>
+                      </p:stCondLst>
+                      <p:childTnLst>
+                        <p:par>
+                          <p:cTn id="10" fill="hold">
+                            <p:stCondLst>
+                              <p:cond delay="0"/>
+                            </p:stCondLst>
+                            <p:childTnLst>
+                              <p:par>
+                                <p:cTn id="11" presetID="1" presetClass="entr" presetSubtype="0" fill="hold" grpId="0" nodeType="clickEffect">
+                                  <p:stCondLst>
+                                    <p:cond delay="0"/>
+                                  </p:stCondLst>
+                                  <p:childTnLst>
+                                    <p:set>
+                                      <p:cBhvr>
+                                        <p:cTn id="12" dur="1" fill="hold">
+                                          <p:stCondLst>
+                                            <p:cond delay="0"/>
+                                          </p:stCondLst>
+                                        </p:cTn>
+                                        <p:tgtEl>
+                                          <p:spTgt spid="9"/>
+                                        </p:tgtEl>
+                                        <p:attrNameLst>
+                                          <p:attrName>style.visibility</p:attrName>
+                                        </p:attrNameLst>
+                                      </p:cBhvr>
+                                      <p:to>
+                                        <p:strVal val="visible"/>
+                                      </p:to>
+                                    </p:set>
+                                  </p:childTnLst>
+                                </p:cTn>
+                              </p:par>
+                            </p:childTnLst>
+                          </p:cTn>
+                        </p:par>
+                      </p:childTnLst>
+                    </p:cTn>
+                  </p:par>
+                </p:childTnLst>
+              </p:cTn>
+              <p:prevCondLst>
+                <p:cond evt="onPrev" delay="0">
+                  <p:tgtEl>
+                    <p:sldTgt/>
+                  </p:tgtEl>
+                </p:cond>
+              </p:prevCondLst>
+              <p:nextCondLst>
+                <p:cond evt="onNext" delay="0">
+                  <p:tgtEl>
+                    <p:sldTgt/>
+                  </p:tgtEl>
+                </p:cond>
+              </p:nextCondLst>
+            </p:seq>
+          </p:childTnLst>
+        </p:cTn>
+      </p:par>
+    </p:tnLst>
+    <p:bldLst>
+      <p:bldP spid="6" grpId="0"/>
+      <p:bldP spid="9" grpId="0" animBg="1"/>
+    </p:bldLst>
+  </p:timing>
 </p:sld>
 </file>
 
@@ -21189,10 +21879,94 @@
       </p:grpSpPr>
       <p:sp>
         <p:nvSpPr>
+          <p:cNvPr id="2" name="Title 1">
+            <a:extLst>
+              <a:ext uri="{FF2B5EF4-FFF2-40B4-BE49-F238E27FC236}">
+                <a16:creationId xmlns:a16="http://schemas.microsoft.com/office/drawing/2014/main" id="{ACD12250-152F-403C-AD13-BC709E019A48}"/>
+              </a:ext>
+            </a:extLst>
+          </p:cNvPr>
+          <p:cNvSpPr>
+            <a:spLocks noGrp="1"/>
+          </p:cNvSpPr>
+          <p:nvPr>
+            <p:ph type="title"/>
+          </p:nvPr>
+        </p:nvSpPr>
+        <p:spPr/>
+        <p:txBody>
+          <a:bodyPr/>
+          <a:lstStyle/>
+          <a:p>
+            <a:endParaRPr lang="en-US"/>
+          </a:p>
+        </p:txBody>
+      </p:sp>
+      <p:pic>
+        <p:nvPicPr>
+          <p:cNvPr id="6" name="Content Placeholder 5">
+            <a:extLst>
+              <a:ext uri="{FF2B5EF4-FFF2-40B4-BE49-F238E27FC236}">
+                <a16:creationId xmlns:a16="http://schemas.microsoft.com/office/drawing/2014/main" id="{9ABC744E-968B-42F5-8761-8BE4169237BC}"/>
+              </a:ext>
+            </a:extLst>
+          </p:cNvPr>
+          <p:cNvPicPr>
+            <a:picLocks noGrp="1" noChangeAspect="1"/>
+          </p:cNvPicPr>
+          <p:nvPr>
+            <p:ph idx="1"/>
+          </p:nvPr>
+        </p:nvPicPr>
+        <p:blipFill rotWithShape="1">
+          <a:blip r:embed="rId2"/>
+          <a:srcRect l="737" t="2041"/>
+          <a:stretch/>
+        </p:blipFill>
+        <p:spPr>
+          <a:xfrm>
+            <a:off x="3175279" y="211015"/>
+            <a:ext cx="5885158" cy="3575806"/>
+          </a:xfrm>
+          <a:prstGeom prst="rect">
+            <a:avLst/>
+          </a:prstGeom>
+        </p:spPr>
+      </p:pic>
+      <p:sp>
+        <p:nvSpPr>
+          <p:cNvPr id="4" name="Footer Placeholder 3">
+            <a:extLst>
+              <a:ext uri="{FF2B5EF4-FFF2-40B4-BE49-F238E27FC236}">
+                <a16:creationId xmlns:a16="http://schemas.microsoft.com/office/drawing/2014/main" id="{F8F839CC-76B9-4CFE-89F4-5E198E3E78C5}"/>
+              </a:ext>
+            </a:extLst>
+          </p:cNvPr>
+          <p:cNvSpPr>
+            <a:spLocks noGrp="1"/>
+          </p:cNvSpPr>
+          <p:nvPr>
+            <p:ph type="ftr" sz="quarter" idx="11"/>
+          </p:nvPr>
+        </p:nvSpPr>
+        <p:spPr/>
+        <p:txBody>
+          <a:bodyPr/>
+          <a:lstStyle/>
+          <a:p>
+            <a:r>
+              <a:rPr lang="en-US"/>
+              <a:t>CERF 2019 | The Next Step with R | Cressman and Dunnigan</a:t>
+            </a:r>
+          </a:p>
+        </p:txBody>
+      </p:sp>
+      <p:sp>
+        <p:nvSpPr>
           <p:cNvPr id="5" name="Slide Number Placeholder 4">
             <a:extLst>
               <a:ext uri="{FF2B5EF4-FFF2-40B4-BE49-F238E27FC236}">
-                <a16:creationId xmlns:a16="http://schemas.microsoft.com/office/drawing/2014/main" id="{7453A3CD-37F2-4D00-921B-4D1895E35745}"/>
+                <a16:creationId xmlns:a16="http://schemas.microsoft.com/office/drawing/2014/main" id="{B632C4FE-D3A2-4B28-A492-4D315CD44977}"/>
               </a:ext>
             </a:extLst>
           </p:cNvPr>
@@ -21211,6 +21985,306 @@
             <a:fld id="{1D07C8D9-AA71-438D-86BE-7B86F7F29DC7}" type="slidenum">
               <a:rPr lang="en-US" smtClean="0"/>
               <a:t>57</a:t>
+            </a:fld>
+            <a:endParaRPr lang="en-US"/>
+          </a:p>
+        </p:txBody>
+      </p:sp>
+      <p:sp>
+        <p:nvSpPr>
+          <p:cNvPr id="7" name="TextBox 6">
+            <a:extLst>
+              <a:ext uri="{FF2B5EF4-FFF2-40B4-BE49-F238E27FC236}">
+                <a16:creationId xmlns:a16="http://schemas.microsoft.com/office/drawing/2014/main" id="{272AABC1-E1BB-4609-B71F-5F85A900EDBE}"/>
+              </a:ext>
+            </a:extLst>
+          </p:cNvPr>
+          <p:cNvSpPr txBox="1"/>
+          <p:nvPr/>
+        </p:nvSpPr>
+        <p:spPr>
+          <a:xfrm>
+            <a:off x="422031" y="4056667"/>
+            <a:ext cx="11172092" cy="2308324"/>
+          </a:xfrm>
+          <a:prstGeom prst="rect">
+            <a:avLst/>
+          </a:prstGeom>
+          <a:noFill/>
+        </p:spPr>
+        <p:txBody>
+          <a:bodyPr wrap="square" rtlCol="0">
+            <a:spAutoFit/>
+          </a:bodyPr>
+          <a:lstStyle/>
+          <a:p>
+            <a:r>
+              <a:rPr lang="en-US" sz="2400" dirty="0" err="1">
+                <a:latin typeface="Fira Code" panose="020B0809050000020004" pitchFamily="49" charset="0"/>
+                <a:ea typeface="Fira Code" panose="020B0809050000020004" pitchFamily="49" charset="0"/>
+                <a:cs typeface="Fira Code" panose="020B0809050000020004" pitchFamily="49" charset="0"/>
+              </a:rPr>
+              <a:t>ggplot</a:t>
+            </a:r>
+            <a:r>
+              <a:rPr lang="en-US" sz="2400" dirty="0">
+                <a:latin typeface="Fira Code" panose="020B0809050000020004" pitchFamily="49" charset="0"/>
+                <a:ea typeface="Fira Code" panose="020B0809050000020004" pitchFamily="49" charset="0"/>
+                <a:cs typeface="Fira Code" panose="020B0809050000020004" pitchFamily="49" charset="0"/>
+              </a:rPr>
+              <a:t>(</a:t>
+            </a:r>
+            <a:r>
+              <a:rPr lang="en-US" sz="2400" dirty="0" err="1">
+                <a:latin typeface="Fira Code" panose="020B0809050000020004" pitchFamily="49" charset="0"/>
+                <a:ea typeface="Fira Code" panose="020B0809050000020004" pitchFamily="49" charset="0"/>
+                <a:cs typeface="Fira Code" panose="020B0809050000020004" pitchFamily="49" charset="0"/>
+              </a:rPr>
+              <a:t>wq</a:t>
+            </a:r>
+            <a:r>
+              <a:rPr lang="en-US" sz="2400" dirty="0">
+                <a:latin typeface="Fira Code" panose="020B0809050000020004" pitchFamily="49" charset="0"/>
+                <a:ea typeface="Fira Code" panose="020B0809050000020004" pitchFamily="49" charset="0"/>
+                <a:cs typeface="Fira Code" panose="020B0809050000020004" pitchFamily="49" charset="0"/>
+              </a:rPr>
+              <a:t>, </a:t>
+            </a:r>
+            <a:r>
+              <a:rPr lang="en-US" sz="2400" dirty="0" err="1">
+                <a:latin typeface="Fira Code" panose="020B0809050000020004" pitchFamily="49" charset="0"/>
+                <a:ea typeface="Fira Code" panose="020B0809050000020004" pitchFamily="49" charset="0"/>
+                <a:cs typeface="Fira Code" panose="020B0809050000020004" pitchFamily="49" charset="0"/>
+              </a:rPr>
+              <a:t>aes</a:t>
+            </a:r>
+            <a:r>
+              <a:rPr lang="en-US" sz="2400" dirty="0">
+                <a:latin typeface="Fira Code" panose="020B0809050000020004" pitchFamily="49" charset="0"/>
+                <a:ea typeface="Fira Code" panose="020B0809050000020004" pitchFamily="49" charset="0"/>
+                <a:cs typeface="Fira Code" panose="020B0809050000020004" pitchFamily="49" charset="0"/>
+              </a:rPr>
+              <a:t>(x = temp, y = </a:t>
+            </a:r>
+            <a:r>
+              <a:rPr lang="en-US" sz="2400" dirty="0" err="1">
+                <a:latin typeface="Fira Code" panose="020B0809050000020004" pitchFamily="49" charset="0"/>
+                <a:ea typeface="Fira Code" panose="020B0809050000020004" pitchFamily="49" charset="0"/>
+                <a:cs typeface="Fira Code" panose="020B0809050000020004" pitchFamily="49" charset="0"/>
+              </a:rPr>
+              <a:t>do_mgl</a:t>
+            </a:r>
+            <a:r>
+              <a:rPr lang="en-US" sz="2400" dirty="0">
+                <a:latin typeface="Fira Code" panose="020B0809050000020004" pitchFamily="49" charset="0"/>
+                <a:ea typeface="Fira Code" panose="020B0809050000020004" pitchFamily="49" charset="0"/>
+                <a:cs typeface="Fira Code" panose="020B0809050000020004" pitchFamily="49" charset="0"/>
+              </a:rPr>
+              <a:t>)) +</a:t>
+            </a:r>
+          </a:p>
+          <a:p>
+            <a:r>
+              <a:rPr lang="en-US" sz="2400" dirty="0">
+                <a:latin typeface="Fira Code" panose="020B0809050000020004" pitchFamily="49" charset="0"/>
+                <a:ea typeface="Fira Code" panose="020B0809050000020004" pitchFamily="49" charset="0"/>
+                <a:cs typeface="Fira Code" panose="020B0809050000020004" pitchFamily="49" charset="0"/>
+              </a:rPr>
+              <a:t>  </a:t>
+            </a:r>
+            <a:r>
+              <a:rPr lang="en-US" sz="2400" dirty="0" err="1">
+                <a:latin typeface="Fira Code" panose="020B0809050000020004" pitchFamily="49" charset="0"/>
+                <a:ea typeface="Fira Code" panose="020B0809050000020004" pitchFamily="49" charset="0"/>
+                <a:cs typeface="Fira Code" panose="020B0809050000020004" pitchFamily="49" charset="0"/>
+              </a:rPr>
+              <a:t>geom_point</a:t>
+            </a:r>
+            <a:r>
+              <a:rPr lang="en-US" sz="2400" dirty="0">
+                <a:latin typeface="Fira Code" panose="020B0809050000020004" pitchFamily="49" charset="0"/>
+                <a:ea typeface="Fira Code" panose="020B0809050000020004" pitchFamily="49" charset="0"/>
+                <a:cs typeface="Fira Code" panose="020B0809050000020004" pitchFamily="49" charset="0"/>
+              </a:rPr>
+              <a:t>(</a:t>
+            </a:r>
+            <a:r>
+              <a:rPr lang="en-US" sz="2400" dirty="0" err="1">
+                <a:latin typeface="Fira Code" panose="020B0809050000020004" pitchFamily="49" charset="0"/>
+                <a:ea typeface="Fira Code" panose="020B0809050000020004" pitchFamily="49" charset="0"/>
+                <a:cs typeface="Fira Code" panose="020B0809050000020004" pitchFamily="49" charset="0"/>
+              </a:rPr>
+              <a:t>aes</a:t>
+            </a:r>
+            <a:r>
+              <a:rPr lang="en-US" sz="2400" dirty="0">
+                <a:latin typeface="Fira Code" panose="020B0809050000020004" pitchFamily="49" charset="0"/>
+                <a:ea typeface="Fira Code" panose="020B0809050000020004" pitchFamily="49" charset="0"/>
+                <a:cs typeface="Fira Code" panose="020B0809050000020004" pitchFamily="49" charset="0"/>
+              </a:rPr>
+              <a:t>(shape = coast, color = state), size = 3) +</a:t>
+            </a:r>
+          </a:p>
+          <a:p>
+            <a:r>
+              <a:rPr lang="en-US" sz="2400" dirty="0">
+                <a:latin typeface="Fira Code" panose="020B0809050000020004" pitchFamily="49" charset="0"/>
+                <a:ea typeface="Fira Code" panose="020B0809050000020004" pitchFamily="49" charset="0"/>
+                <a:cs typeface="Fira Code" panose="020B0809050000020004" pitchFamily="49" charset="0"/>
+              </a:rPr>
+              <a:t>  </a:t>
+            </a:r>
+            <a:r>
+              <a:rPr lang="en-US" sz="2400" dirty="0" err="1">
+                <a:latin typeface="Fira Code" panose="020B0809050000020004" pitchFamily="49" charset="0"/>
+                <a:ea typeface="Fira Code" panose="020B0809050000020004" pitchFamily="49" charset="0"/>
+                <a:cs typeface="Fira Code" panose="020B0809050000020004" pitchFamily="49" charset="0"/>
+              </a:rPr>
+              <a:t>scale_shape_discrete</a:t>
+            </a:r>
+            <a:r>
+              <a:rPr lang="en-US" sz="2400" dirty="0">
+                <a:latin typeface="Fira Code" panose="020B0809050000020004" pitchFamily="49" charset="0"/>
+                <a:ea typeface="Fira Code" panose="020B0809050000020004" pitchFamily="49" charset="0"/>
+                <a:cs typeface="Fira Code" panose="020B0809050000020004" pitchFamily="49" charset="0"/>
+              </a:rPr>
+              <a:t>(name = "US Coast") +</a:t>
+            </a:r>
+          </a:p>
+          <a:p>
+            <a:r>
+              <a:rPr lang="en-US" sz="2400" dirty="0">
+                <a:latin typeface="Fira Code" panose="020B0809050000020004" pitchFamily="49" charset="0"/>
+                <a:ea typeface="Fira Code" panose="020B0809050000020004" pitchFamily="49" charset="0"/>
+                <a:cs typeface="Fira Code" panose="020B0809050000020004" pitchFamily="49" charset="0"/>
+              </a:rPr>
+              <a:t>  </a:t>
+            </a:r>
+            <a:r>
+              <a:rPr lang="en-US" sz="2400" dirty="0" err="1">
+                <a:latin typeface="Fira Code" panose="020B0809050000020004" pitchFamily="49" charset="0"/>
+                <a:ea typeface="Fira Code" panose="020B0809050000020004" pitchFamily="49" charset="0"/>
+                <a:cs typeface="Fira Code" panose="020B0809050000020004" pitchFamily="49" charset="0"/>
+              </a:rPr>
+              <a:t>scale_color_discrete</a:t>
+            </a:r>
+            <a:r>
+              <a:rPr lang="en-US" sz="2400" dirty="0">
+                <a:latin typeface="Fira Code" panose="020B0809050000020004" pitchFamily="49" charset="0"/>
+                <a:ea typeface="Fira Code" panose="020B0809050000020004" pitchFamily="49" charset="0"/>
+                <a:cs typeface="Fira Code" panose="020B0809050000020004" pitchFamily="49" charset="0"/>
+              </a:rPr>
+              <a:t>(name = "US State") +</a:t>
+            </a:r>
+          </a:p>
+          <a:p>
+            <a:r>
+              <a:rPr lang="en-US" sz="2400" dirty="0">
+                <a:latin typeface="Fira Code" panose="020B0809050000020004" pitchFamily="49" charset="0"/>
+                <a:ea typeface="Fira Code" panose="020B0809050000020004" pitchFamily="49" charset="0"/>
+                <a:cs typeface="Fira Code" panose="020B0809050000020004" pitchFamily="49" charset="0"/>
+              </a:rPr>
+              <a:t>  </a:t>
+            </a:r>
+            <a:r>
+              <a:rPr lang="en-US" sz="2400" dirty="0" err="1">
+                <a:latin typeface="Fira Code" panose="020B0809050000020004" pitchFamily="49" charset="0"/>
+                <a:ea typeface="Fira Code" panose="020B0809050000020004" pitchFamily="49" charset="0"/>
+                <a:cs typeface="Fira Code" panose="020B0809050000020004" pitchFamily="49" charset="0"/>
+              </a:rPr>
+              <a:t>scale_y_continuous</a:t>
+            </a:r>
+            <a:r>
+              <a:rPr lang="en-US" sz="2400" dirty="0">
+                <a:latin typeface="Fira Code" panose="020B0809050000020004" pitchFamily="49" charset="0"/>
+                <a:ea typeface="Fira Code" panose="020B0809050000020004" pitchFamily="49" charset="0"/>
+                <a:cs typeface="Fira Code" panose="020B0809050000020004" pitchFamily="49" charset="0"/>
+              </a:rPr>
+              <a:t>(breaks = c(2, 4, 6, 8, 10)) +</a:t>
+            </a:r>
+          </a:p>
+          <a:p>
+            <a:r>
+              <a:rPr lang="en-US" sz="2400" dirty="0">
+                <a:latin typeface="Fira Code" panose="020B0809050000020004" pitchFamily="49" charset="0"/>
+                <a:ea typeface="Fira Code" panose="020B0809050000020004" pitchFamily="49" charset="0"/>
+                <a:cs typeface="Fira Code" panose="020B0809050000020004" pitchFamily="49" charset="0"/>
+              </a:rPr>
+              <a:t>  </a:t>
+            </a:r>
+            <a:r>
+              <a:rPr lang="en-US" sz="2400" dirty="0" err="1">
+                <a:latin typeface="Fira Code" panose="020B0809050000020004" pitchFamily="49" charset="0"/>
+                <a:ea typeface="Fira Code" panose="020B0809050000020004" pitchFamily="49" charset="0"/>
+                <a:cs typeface="Fira Code" panose="020B0809050000020004" pitchFamily="49" charset="0"/>
+              </a:rPr>
+              <a:t>scale_x_continuous</a:t>
+            </a:r>
+            <a:r>
+              <a:rPr lang="en-US" sz="2400" dirty="0">
+                <a:latin typeface="Fira Code" panose="020B0809050000020004" pitchFamily="49" charset="0"/>
+                <a:ea typeface="Fira Code" panose="020B0809050000020004" pitchFamily="49" charset="0"/>
+                <a:cs typeface="Fira Code" panose="020B0809050000020004" pitchFamily="49" charset="0"/>
+              </a:rPr>
+              <a:t>(breaks = c(5, 10, 15, 20, 25, 30, 35))</a:t>
+            </a:r>
+          </a:p>
+        </p:txBody>
+      </p:sp>
+    </p:spTree>
+    <p:extLst>
+      <p:ext uri="{BB962C8B-B14F-4D97-AF65-F5344CB8AC3E}">
+        <p14:creationId xmlns:p14="http://schemas.microsoft.com/office/powerpoint/2010/main" val="1545000460"/>
+      </p:ext>
+    </p:extLst>
+  </p:cSld>
+  <p:clrMapOvr>
+    <a:masterClrMapping/>
+  </p:clrMapOvr>
+</p:sld>
+</file>
+
+<file path=ppt/slides/slide58.xml><?xml version="1.0" encoding="utf-8"?>
+<p:sld xmlns:a="http://schemas.openxmlformats.org/drawingml/2006/main" xmlns:r="http://schemas.openxmlformats.org/officeDocument/2006/relationships" xmlns:p="http://schemas.openxmlformats.org/presentationml/2006/main">
+  <p:cSld>
+    <p:spTree>
+      <p:nvGrpSpPr>
+        <p:cNvPr id="1" name=""/>
+        <p:cNvGrpSpPr/>
+        <p:nvPr/>
+      </p:nvGrpSpPr>
+      <p:grpSpPr>
+        <a:xfrm>
+          <a:off x="0" y="0"/>
+          <a:ext cx="0" cy="0"/>
+          <a:chOff x="0" y="0"/>
+          <a:chExt cx="0" cy="0"/>
+        </a:xfrm>
+      </p:grpSpPr>
+      <p:sp>
+        <p:nvSpPr>
+          <p:cNvPr id="5" name="Slide Number Placeholder 4">
+            <a:extLst>
+              <a:ext uri="{FF2B5EF4-FFF2-40B4-BE49-F238E27FC236}">
+                <a16:creationId xmlns:a16="http://schemas.microsoft.com/office/drawing/2014/main" id="{7453A3CD-37F2-4D00-921B-4D1895E35745}"/>
+              </a:ext>
+            </a:extLst>
+          </p:cNvPr>
+          <p:cNvSpPr>
+            <a:spLocks noGrp="1"/>
+          </p:cNvSpPr>
+          <p:nvPr>
+            <p:ph type="sldNum" sz="quarter" idx="12"/>
+          </p:nvPr>
+        </p:nvSpPr>
+        <p:spPr/>
+        <p:txBody>
+          <a:bodyPr/>
+          <a:lstStyle/>
+          <a:p>
+            <a:fld id="{1D07C8D9-AA71-438D-86BE-7B86F7F29DC7}" type="slidenum">
+              <a:rPr lang="en-US" smtClean="0"/>
+              <a:t>58</a:t>
             </a:fld>
             <a:endParaRPr lang="en-US"/>
           </a:p>
@@ -21601,147 +22675,6 @@
 </p:sld>
 </file>
 
-<file path=ppt/slides/slide58.xml><?xml version="1.0" encoding="utf-8"?>
-<p:sld xmlns:a="http://schemas.openxmlformats.org/drawingml/2006/main" xmlns:r="http://schemas.openxmlformats.org/officeDocument/2006/relationships" xmlns:p="http://schemas.openxmlformats.org/presentationml/2006/main">
-  <p:cSld>
-    <p:spTree>
-      <p:nvGrpSpPr>
-        <p:cNvPr id="1" name=""/>
-        <p:cNvGrpSpPr/>
-        <p:nvPr/>
-      </p:nvGrpSpPr>
-      <p:grpSpPr>
-        <a:xfrm>
-          <a:off x="0" y="0"/>
-          <a:ext cx="0" cy="0"/>
-          <a:chOff x="0" y="0"/>
-          <a:chExt cx="0" cy="0"/>
-        </a:xfrm>
-      </p:grpSpPr>
-      <p:sp>
-        <p:nvSpPr>
-          <p:cNvPr id="2" name="Title 1">
-            <a:extLst>
-              <a:ext uri="{FF2B5EF4-FFF2-40B4-BE49-F238E27FC236}">
-                <a16:creationId xmlns:a16="http://schemas.microsoft.com/office/drawing/2014/main" id="{59D83E7B-E7F9-4AC6-85EF-87B3AEB82AD4}"/>
-              </a:ext>
-            </a:extLst>
-          </p:cNvPr>
-          <p:cNvSpPr>
-            <a:spLocks noGrp="1"/>
-          </p:cNvSpPr>
-          <p:nvPr>
-            <p:ph type="title"/>
-          </p:nvPr>
-        </p:nvSpPr>
-        <p:spPr/>
-        <p:txBody>
-          <a:bodyPr/>
-          <a:lstStyle/>
-          <a:p>
-            <a:pPr algn="ctr"/>
-            <a:r>
-              <a:rPr lang="en-US" dirty="0"/>
-              <a:t>Themes</a:t>
-            </a:r>
-          </a:p>
-        </p:txBody>
-      </p:sp>
-      <p:sp>
-        <p:nvSpPr>
-          <p:cNvPr id="3" name="Content Placeholder 2">
-            <a:extLst>
-              <a:ext uri="{FF2B5EF4-FFF2-40B4-BE49-F238E27FC236}">
-                <a16:creationId xmlns:a16="http://schemas.microsoft.com/office/drawing/2014/main" id="{0BEE4907-7CFA-46C2-8878-4E0394B74551}"/>
-              </a:ext>
-            </a:extLst>
-          </p:cNvPr>
-          <p:cNvSpPr>
-            <a:spLocks noGrp="1"/>
-          </p:cNvSpPr>
-          <p:nvPr>
-            <p:ph idx="1"/>
-          </p:nvPr>
-        </p:nvSpPr>
-        <p:spPr/>
-        <p:txBody>
-          <a:bodyPr/>
-          <a:lstStyle/>
-          <a:p>
-            <a:endParaRPr lang="en-US" dirty="0"/>
-          </a:p>
-        </p:txBody>
-      </p:sp>
-      <p:sp>
-        <p:nvSpPr>
-          <p:cNvPr id="4" name="Footer Placeholder 3">
-            <a:extLst>
-              <a:ext uri="{FF2B5EF4-FFF2-40B4-BE49-F238E27FC236}">
-                <a16:creationId xmlns:a16="http://schemas.microsoft.com/office/drawing/2014/main" id="{8C3DA63A-8AEC-4AF8-B52F-88A1CC58BD87}"/>
-              </a:ext>
-            </a:extLst>
-          </p:cNvPr>
-          <p:cNvSpPr>
-            <a:spLocks noGrp="1"/>
-          </p:cNvSpPr>
-          <p:nvPr>
-            <p:ph type="ftr" sz="quarter" idx="11"/>
-          </p:nvPr>
-        </p:nvSpPr>
-        <p:spPr/>
-        <p:txBody>
-          <a:bodyPr/>
-          <a:lstStyle/>
-          <a:p>
-            <a:r>
-              <a:rPr lang="en-US"/>
-              <a:t>CERF 2019 | The Next Step with R | Cressman and Dunnigan</a:t>
-            </a:r>
-          </a:p>
-        </p:txBody>
-      </p:sp>
-      <p:sp>
-        <p:nvSpPr>
-          <p:cNvPr id="5" name="Slide Number Placeholder 4">
-            <a:extLst>
-              <a:ext uri="{FF2B5EF4-FFF2-40B4-BE49-F238E27FC236}">
-                <a16:creationId xmlns:a16="http://schemas.microsoft.com/office/drawing/2014/main" id="{EA013E84-027E-4093-8C9B-5CFCAE398338}"/>
-              </a:ext>
-            </a:extLst>
-          </p:cNvPr>
-          <p:cNvSpPr>
-            <a:spLocks noGrp="1"/>
-          </p:cNvSpPr>
-          <p:nvPr>
-            <p:ph type="sldNum" sz="quarter" idx="12"/>
-          </p:nvPr>
-        </p:nvSpPr>
-        <p:spPr/>
-        <p:txBody>
-          <a:bodyPr/>
-          <a:lstStyle/>
-          <a:p>
-            <a:fld id="{1D07C8D9-AA71-438D-86BE-7B86F7F29DC7}" type="slidenum">
-              <a:rPr lang="en-US" smtClean="0"/>
-              <a:t>58</a:t>
-            </a:fld>
-            <a:endParaRPr lang="en-US"/>
-          </a:p>
-        </p:txBody>
-      </p:sp>
-    </p:spTree>
-    <p:extLst>
-      <p:ext uri="{BB962C8B-B14F-4D97-AF65-F5344CB8AC3E}">
-        <p14:creationId xmlns:p14="http://schemas.microsoft.com/office/powerpoint/2010/main" val="2762280106"/>
-      </p:ext>
-    </p:extLst>
-  </p:cSld>
-  <p:clrMapOvr>
-    <a:masterClrMapping/>
-  </p:clrMapOvr>
-</p:sld>
-</file>
-
 <file path=ppt/slides/slide59.xml><?xml version="1.0" encoding="utf-8"?>
 <p:sld xmlns:a="http://schemas.openxmlformats.org/drawingml/2006/main" xmlns:r="http://schemas.openxmlformats.org/officeDocument/2006/relationships" xmlns:p="http://schemas.openxmlformats.org/presentationml/2006/main">
   <p:cSld>
@@ -21761,10 +22694,92 @@
       </p:grpSpPr>
       <p:sp>
         <p:nvSpPr>
+          <p:cNvPr id="2" name="Title 1">
+            <a:extLst>
+              <a:ext uri="{FF2B5EF4-FFF2-40B4-BE49-F238E27FC236}">
+                <a16:creationId xmlns:a16="http://schemas.microsoft.com/office/drawing/2014/main" id="{59D83E7B-E7F9-4AC6-85EF-87B3AEB82AD4}"/>
+              </a:ext>
+            </a:extLst>
+          </p:cNvPr>
+          <p:cNvSpPr>
+            <a:spLocks noGrp="1"/>
+          </p:cNvSpPr>
+          <p:nvPr>
+            <p:ph type="title"/>
+          </p:nvPr>
+        </p:nvSpPr>
+        <p:spPr/>
+        <p:txBody>
+          <a:bodyPr/>
+          <a:lstStyle/>
+          <a:p>
+            <a:pPr algn="ctr"/>
+            <a:r>
+              <a:rPr lang="en-US" dirty="0"/>
+              <a:t>Themes</a:t>
+            </a:r>
+          </a:p>
+        </p:txBody>
+      </p:sp>
+      <p:sp>
+        <p:nvSpPr>
+          <p:cNvPr id="3" name="Content Placeholder 2">
+            <a:extLst>
+              <a:ext uri="{FF2B5EF4-FFF2-40B4-BE49-F238E27FC236}">
+                <a16:creationId xmlns:a16="http://schemas.microsoft.com/office/drawing/2014/main" id="{0BEE4907-7CFA-46C2-8878-4E0394B74551}"/>
+              </a:ext>
+            </a:extLst>
+          </p:cNvPr>
+          <p:cNvSpPr>
+            <a:spLocks noGrp="1"/>
+          </p:cNvSpPr>
+          <p:nvPr>
+            <p:ph idx="1"/>
+          </p:nvPr>
+        </p:nvSpPr>
+        <p:spPr/>
+        <p:txBody>
+          <a:bodyPr/>
+          <a:lstStyle/>
+          <a:p>
+            <a:endParaRPr lang="en-US" dirty="0"/>
+          </a:p>
+        </p:txBody>
+      </p:sp>
+      <p:sp>
+        <p:nvSpPr>
+          <p:cNvPr id="4" name="Footer Placeholder 3">
+            <a:extLst>
+              <a:ext uri="{FF2B5EF4-FFF2-40B4-BE49-F238E27FC236}">
+                <a16:creationId xmlns:a16="http://schemas.microsoft.com/office/drawing/2014/main" id="{8C3DA63A-8AEC-4AF8-B52F-88A1CC58BD87}"/>
+              </a:ext>
+            </a:extLst>
+          </p:cNvPr>
+          <p:cNvSpPr>
+            <a:spLocks noGrp="1"/>
+          </p:cNvSpPr>
+          <p:nvPr>
+            <p:ph type="ftr" sz="quarter" idx="11"/>
+          </p:nvPr>
+        </p:nvSpPr>
+        <p:spPr/>
+        <p:txBody>
+          <a:bodyPr/>
+          <a:lstStyle/>
+          <a:p>
+            <a:r>
+              <a:rPr lang="en-US"/>
+              <a:t>CERF 2019 | The Next Step with R | Cressman and Dunnigan</a:t>
+            </a:r>
+          </a:p>
+        </p:txBody>
+      </p:sp>
+      <p:sp>
+        <p:nvSpPr>
           <p:cNvPr id="5" name="Slide Number Placeholder 4">
             <a:extLst>
               <a:ext uri="{FF2B5EF4-FFF2-40B4-BE49-F238E27FC236}">
-                <a16:creationId xmlns:a16="http://schemas.microsoft.com/office/drawing/2014/main" id="{7453A3CD-37F2-4D00-921B-4D1895E35745}"/>
+                <a16:creationId xmlns:a16="http://schemas.microsoft.com/office/drawing/2014/main" id="{EA013E84-027E-4093-8C9B-5CFCAE398338}"/>
               </a:ext>
             </a:extLst>
           </p:cNvPr>
@@ -21783,6 +22798,286 @@
             <a:fld id="{1D07C8D9-AA71-438D-86BE-7B86F7F29DC7}" type="slidenum">
               <a:rPr lang="en-US" smtClean="0"/>
               <a:t>59</a:t>
+            </a:fld>
+            <a:endParaRPr lang="en-US"/>
+          </a:p>
+        </p:txBody>
+      </p:sp>
+    </p:spTree>
+    <p:extLst>
+      <p:ext uri="{BB962C8B-B14F-4D97-AF65-F5344CB8AC3E}">
+        <p14:creationId xmlns:p14="http://schemas.microsoft.com/office/powerpoint/2010/main" val="2762280106"/>
+      </p:ext>
+    </p:extLst>
+  </p:cSld>
+  <p:clrMapOvr>
+    <a:masterClrMapping/>
+  </p:clrMapOvr>
+</p:sld>
+</file>
+
+<file path=ppt/slides/slide6.xml><?xml version="1.0" encoding="utf-8"?>
+<p:sld xmlns:a="http://schemas.openxmlformats.org/drawingml/2006/main" xmlns:r="http://schemas.openxmlformats.org/officeDocument/2006/relationships" xmlns:p="http://schemas.openxmlformats.org/presentationml/2006/main">
+  <p:cSld>
+    <p:bg>
+      <p:bgPr>
+        <a:solidFill>
+          <a:schemeClr val="accent5">
+            <a:lumMod val="20000"/>
+            <a:lumOff val="80000"/>
+          </a:schemeClr>
+        </a:solidFill>
+        <a:effectLst/>
+      </p:bgPr>
+    </p:bg>
+    <p:spTree>
+      <p:nvGrpSpPr>
+        <p:cNvPr id="1" name=""/>
+        <p:cNvGrpSpPr/>
+        <p:nvPr/>
+      </p:nvGrpSpPr>
+      <p:grpSpPr>
+        <a:xfrm>
+          <a:off x="0" y="0"/>
+          <a:ext cx="0" cy="0"/>
+          <a:chOff x="0" y="0"/>
+          <a:chExt cx="0" cy="0"/>
+        </a:xfrm>
+      </p:grpSpPr>
+      <p:sp>
+        <p:nvSpPr>
+          <p:cNvPr id="4" name="Title 3">
+            <a:extLst>
+              <a:ext uri="{FF2B5EF4-FFF2-40B4-BE49-F238E27FC236}">
+                <a16:creationId xmlns:a16="http://schemas.microsoft.com/office/drawing/2014/main" id="{C8D042C6-0AC2-47F3-BE88-93B71467DE46}"/>
+              </a:ext>
+            </a:extLst>
+          </p:cNvPr>
+          <p:cNvSpPr>
+            <a:spLocks noGrp="1"/>
+          </p:cNvSpPr>
+          <p:nvPr>
+            <p:ph type="title"/>
+          </p:nvPr>
+        </p:nvSpPr>
+        <p:spPr/>
+        <p:txBody>
+          <a:bodyPr/>
+          <a:lstStyle/>
+          <a:p>
+            <a:pPr algn="ctr"/>
+            <a:r>
+              <a:rPr lang="en-US" b="1" dirty="0">
+                <a:solidFill>
+                  <a:schemeClr val="accent5">
+                    <a:lumMod val="50000"/>
+                  </a:schemeClr>
+                </a:solidFill>
+              </a:rPr>
+              <a:t>QUIZ</a:t>
+            </a:r>
+          </a:p>
+        </p:txBody>
+      </p:sp>
+      <p:sp>
+        <p:nvSpPr>
+          <p:cNvPr id="5" name="Text Placeholder 4">
+            <a:extLst>
+              <a:ext uri="{FF2B5EF4-FFF2-40B4-BE49-F238E27FC236}">
+                <a16:creationId xmlns:a16="http://schemas.microsoft.com/office/drawing/2014/main" id="{46B38808-AC0F-46B8-A2AF-E2A7B003D64B}"/>
+              </a:ext>
+            </a:extLst>
+          </p:cNvPr>
+          <p:cNvSpPr>
+            <a:spLocks noGrp="1"/>
+          </p:cNvSpPr>
+          <p:nvPr>
+            <p:ph type="body" idx="1"/>
+          </p:nvPr>
+        </p:nvSpPr>
+        <p:spPr>
+          <a:xfrm>
+            <a:off x="831850" y="4589463"/>
+            <a:ext cx="10515600" cy="1500187"/>
+          </a:xfrm>
+        </p:spPr>
+        <p:txBody>
+          <a:bodyPr>
+            <a:normAutofit/>
+          </a:bodyPr>
+          <a:lstStyle/>
+          <a:p>
+            <a:pPr algn="ctr"/>
+            <a:r>
+              <a:rPr lang="en-US" sz="3200" dirty="0">
+                <a:solidFill>
+                  <a:schemeClr val="accent5">
+                    <a:lumMod val="50000"/>
+                  </a:schemeClr>
+                </a:solidFill>
+              </a:rPr>
+              <a:t>What relationship do you expect to see between temperature (</a:t>
+            </a:r>
+            <a:r>
+              <a:rPr lang="en-US" sz="3200" dirty="0">
+                <a:solidFill>
+                  <a:schemeClr val="accent5">
+                    <a:lumMod val="50000"/>
+                  </a:schemeClr>
+                </a:solidFill>
+                <a:latin typeface="Fira Code" panose="020B0809050000020004" pitchFamily="49" charset="0"/>
+                <a:ea typeface="Fira Code" panose="020B0809050000020004" pitchFamily="49" charset="0"/>
+                <a:cs typeface="Fira Code" panose="020B0809050000020004" pitchFamily="49" charset="0"/>
+              </a:rPr>
+              <a:t>temp</a:t>
+            </a:r>
+            <a:r>
+              <a:rPr lang="en-US" sz="3200" dirty="0">
+                <a:solidFill>
+                  <a:schemeClr val="accent5">
+                    <a:lumMod val="50000"/>
+                  </a:schemeClr>
+                </a:solidFill>
+              </a:rPr>
+              <a:t>) and dissolved oxygen (</a:t>
+            </a:r>
+            <a:r>
+              <a:rPr lang="en-US" sz="3200" dirty="0" err="1">
+                <a:solidFill>
+                  <a:schemeClr val="accent5">
+                    <a:lumMod val="50000"/>
+                  </a:schemeClr>
+                </a:solidFill>
+                <a:latin typeface="Fira Code" panose="020B0809050000020004" pitchFamily="49" charset="0"/>
+                <a:ea typeface="Fira Code" panose="020B0809050000020004" pitchFamily="49" charset="0"/>
+                <a:cs typeface="Fira Code" panose="020B0809050000020004" pitchFamily="49" charset="0"/>
+              </a:rPr>
+              <a:t>do_mgl</a:t>
+            </a:r>
+            <a:r>
+              <a:rPr lang="en-US" sz="3200" dirty="0">
+                <a:solidFill>
+                  <a:schemeClr val="accent5">
+                    <a:lumMod val="50000"/>
+                  </a:schemeClr>
+                </a:solidFill>
+              </a:rPr>
+              <a:t>)?</a:t>
+            </a:r>
+          </a:p>
+        </p:txBody>
+      </p:sp>
+      <p:sp>
+        <p:nvSpPr>
+          <p:cNvPr id="6" name="Footer Placeholder 5">
+            <a:extLst>
+              <a:ext uri="{FF2B5EF4-FFF2-40B4-BE49-F238E27FC236}">
+                <a16:creationId xmlns:a16="http://schemas.microsoft.com/office/drawing/2014/main" id="{517226AE-58F4-47DD-9811-19DDC90E9436}"/>
+              </a:ext>
+            </a:extLst>
+          </p:cNvPr>
+          <p:cNvSpPr>
+            <a:spLocks noGrp="1"/>
+          </p:cNvSpPr>
+          <p:nvPr>
+            <p:ph type="ftr" sz="quarter" idx="11"/>
+          </p:nvPr>
+        </p:nvSpPr>
+        <p:spPr/>
+        <p:txBody>
+          <a:bodyPr/>
+          <a:lstStyle/>
+          <a:p>
+            <a:r>
+              <a:rPr lang="en-US"/>
+              <a:t>CERF 2019 | The Next Step with R | Cressman and Dunnigan</a:t>
+            </a:r>
+          </a:p>
+        </p:txBody>
+      </p:sp>
+      <p:sp>
+        <p:nvSpPr>
+          <p:cNvPr id="7" name="Slide Number Placeholder 6">
+            <a:extLst>
+              <a:ext uri="{FF2B5EF4-FFF2-40B4-BE49-F238E27FC236}">
+                <a16:creationId xmlns:a16="http://schemas.microsoft.com/office/drawing/2014/main" id="{4091D161-16FB-494B-8A3C-DA7764CFD3E3}"/>
+              </a:ext>
+            </a:extLst>
+          </p:cNvPr>
+          <p:cNvSpPr>
+            <a:spLocks noGrp="1"/>
+          </p:cNvSpPr>
+          <p:nvPr>
+            <p:ph type="sldNum" sz="quarter" idx="12"/>
+          </p:nvPr>
+        </p:nvSpPr>
+        <p:spPr/>
+        <p:txBody>
+          <a:bodyPr/>
+          <a:lstStyle/>
+          <a:p>
+            <a:fld id="{1D07C8D9-AA71-438D-86BE-7B86F7F29DC7}" type="slidenum">
+              <a:rPr lang="en-US" smtClean="0"/>
+              <a:t>6</a:t>
+            </a:fld>
+            <a:endParaRPr lang="en-US"/>
+          </a:p>
+        </p:txBody>
+      </p:sp>
+    </p:spTree>
+    <p:extLst>
+      <p:ext uri="{BB962C8B-B14F-4D97-AF65-F5344CB8AC3E}">
+        <p14:creationId xmlns:p14="http://schemas.microsoft.com/office/powerpoint/2010/main" val="1141948941"/>
+      </p:ext>
+    </p:extLst>
+  </p:cSld>
+  <p:clrMapOvr>
+    <a:masterClrMapping/>
+  </p:clrMapOvr>
+</p:sld>
+</file>
+
+<file path=ppt/slides/slide60.xml><?xml version="1.0" encoding="utf-8"?>
+<p:sld xmlns:a="http://schemas.openxmlformats.org/drawingml/2006/main" xmlns:r="http://schemas.openxmlformats.org/officeDocument/2006/relationships" xmlns:p="http://schemas.openxmlformats.org/presentationml/2006/main">
+  <p:cSld>
+    <p:spTree>
+      <p:nvGrpSpPr>
+        <p:cNvPr id="1" name=""/>
+        <p:cNvGrpSpPr/>
+        <p:nvPr/>
+      </p:nvGrpSpPr>
+      <p:grpSpPr>
+        <a:xfrm>
+          <a:off x="0" y="0"/>
+          <a:ext cx="0" cy="0"/>
+          <a:chOff x="0" y="0"/>
+          <a:chExt cx="0" cy="0"/>
+        </a:xfrm>
+      </p:grpSpPr>
+      <p:sp>
+        <p:nvSpPr>
+          <p:cNvPr id="5" name="Slide Number Placeholder 4">
+            <a:extLst>
+              <a:ext uri="{FF2B5EF4-FFF2-40B4-BE49-F238E27FC236}">
+                <a16:creationId xmlns:a16="http://schemas.microsoft.com/office/drawing/2014/main" id="{7453A3CD-37F2-4D00-921B-4D1895E35745}"/>
+              </a:ext>
+            </a:extLst>
+          </p:cNvPr>
+          <p:cNvSpPr>
+            <a:spLocks noGrp="1"/>
+          </p:cNvSpPr>
+          <p:nvPr>
+            <p:ph type="sldNum" sz="quarter" idx="12"/>
+          </p:nvPr>
+        </p:nvSpPr>
+        <p:spPr/>
+        <p:txBody>
+          <a:bodyPr/>
+          <a:lstStyle/>
+          <a:p>
+            <a:fld id="{1D07C8D9-AA71-438D-86BE-7B86F7F29DC7}" type="slidenum">
+              <a:rPr lang="en-US" smtClean="0"/>
+              <a:t>60</a:t>
             </a:fld>
             <a:endParaRPr lang="en-US"/>
           </a:p>
@@ -22243,228 +23538,7 @@
 </p:sld>
 </file>
 
-<file path=ppt/slides/slide6.xml><?xml version="1.0" encoding="utf-8"?>
-<p:sld xmlns:a="http://schemas.openxmlformats.org/drawingml/2006/main" xmlns:r="http://schemas.openxmlformats.org/officeDocument/2006/relationships" xmlns:p="http://schemas.openxmlformats.org/presentationml/2006/main">
-  <p:cSld>
-    <p:bg>
-      <p:bgPr>
-        <a:solidFill>
-          <a:schemeClr val="accent5">
-            <a:lumMod val="20000"/>
-            <a:lumOff val="80000"/>
-          </a:schemeClr>
-        </a:solidFill>
-        <a:effectLst/>
-      </p:bgPr>
-    </p:bg>
-    <p:spTree>
-      <p:nvGrpSpPr>
-        <p:cNvPr id="1" name=""/>
-        <p:cNvGrpSpPr/>
-        <p:nvPr/>
-      </p:nvGrpSpPr>
-      <p:grpSpPr>
-        <a:xfrm>
-          <a:off x="0" y="0"/>
-          <a:ext cx="0" cy="0"/>
-          <a:chOff x="0" y="0"/>
-          <a:chExt cx="0" cy="0"/>
-        </a:xfrm>
-      </p:grpSpPr>
-      <p:sp>
-        <p:nvSpPr>
-          <p:cNvPr id="4" name="Title 3">
-            <a:extLst>
-              <a:ext uri="{FF2B5EF4-FFF2-40B4-BE49-F238E27FC236}">
-                <a16:creationId xmlns:a16="http://schemas.microsoft.com/office/drawing/2014/main" id="{C8D042C6-0AC2-47F3-BE88-93B71467DE46}"/>
-              </a:ext>
-            </a:extLst>
-          </p:cNvPr>
-          <p:cNvSpPr>
-            <a:spLocks noGrp="1"/>
-          </p:cNvSpPr>
-          <p:nvPr>
-            <p:ph type="title"/>
-          </p:nvPr>
-        </p:nvSpPr>
-        <p:spPr/>
-        <p:txBody>
-          <a:bodyPr/>
-          <a:lstStyle/>
-          <a:p>
-            <a:pPr algn="ctr"/>
-            <a:r>
-              <a:rPr lang="en-US" b="1" dirty="0">
-                <a:solidFill>
-                  <a:schemeClr val="accent5">
-                    <a:lumMod val="50000"/>
-                  </a:schemeClr>
-                </a:solidFill>
-              </a:rPr>
-              <a:t>QUIZ</a:t>
-            </a:r>
-          </a:p>
-        </p:txBody>
-      </p:sp>
-      <p:sp>
-        <p:nvSpPr>
-          <p:cNvPr id="5" name="Text Placeholder 4">
-            <a:extLst>
-              <a:ext uri="{FF2B5EF4-FFF2-40B4-BE49-F238E27FC236}">
-                <a16:creationId xmlns:a16="http://schemas.microsoft.com/office/drawing/2014/main" id="{46B38808-AC0F-46B8-A2AF-E2A7B003D64B}"/>
-              </a:ext>
-            </a:extLst>
-          </p:cNvPr>
-          <p:cNvSpPr>
-            <a:spLocks noGrp="1"/>
-          </p:cNvSpPr>
-          <p:nvPr>
-            <p:ph type="body" idx="1"/>
-          </p:nvPr>
-        </p:nvSpPr>
-        <p:spPr>
-          <a:xfrm>
-            <a:off x="831850" y="4589463"/>
-            <a:ext cx="10515600" cy="1500187"/>
-          </a:xfrm>
-        </p:spPr>
-        <p:txBody>
-          <a:bodyPr>
-            <a:normAutofit/>
-          </a:bodyPr>
-          <a:lstStyle/>
-          <a:p>
-            <a:pPr algn="ctr"/>
-            <a:r>
-              <a:rPr lang="en-US" sz="3200" dirty="0">
-                <a:solidFill>
-                  <a:schemeClr val="accent5">
-                    <a:lumMod val="50000"/>
-                  </a:schemeClr>
-                </a:solidFill>
-              </a:rPr>
-              <a:t>What relationship do you expect to see between temperature (</a:t>
-            </a:r>
-            <a:r>
-              <a:rPr lang="en-US" sz="3200" dirty="0">
-                <a:solidFill>
-                  <a:schemeClr val="accent5">
-                    <a:lumMod val="50000"/>
-                  </a:schemeClr>
-                </a:solidFill>
-                <a:latin typeface="Fira Code" panose="020B0809050000020004" pitchFamily="49" charset="0"/>
-                <a:ea typeface="Fira Code" panose="020B0809050000020004" pitchFamily="49" charset="0"/>
-                <a:cs typeface="Fira Code" panose="020B0809050000020004" pitchFamily="49" charset="0"/>
-              </a:rPr>
-              <a:t>temp</a:t>
-            </a:r>
-            <a:r>
-              <a:rPr lang="en-US" sz="3200" dirty="0">
-                <a:solidFill>
-                  <a:schemeClr val="accent5">
-                    <a:lumMod val="50000"/>
-                  </a:schemeClr>
-                </a:solidFill>
-              </a:rPr>
-              <a:t>) and dissolved oxygen (</a:t>
-            </a:r>
-            <a:r>
-              <a:rPr lang="en-US" sz="3200" dirty="0" err="1">
-                <a:solidFill>
-                  <a:schemeClr val="accent5">
-                    <a:lumMod val="50000"/>
-                  </a:schemeClr>
-                </a:solidFill>
-                <a:latin typeface="Fira Code" panose="020B0809050000020004" pitchFamily="49" charset="0"/>
-                <a:ea typeface="Fira Code" panose="020B0809050000020004" pitchFamily="49" charset="0"/>
-                <a:cs typeface="Fira Code" panose="020B0809050000020004" pitchFamily="49" charset="0"/>
-              </a:rPr>
-              <a:t>do_mgl</a:t>
-            </a:r>
-            <a:r>
-              <a:rPr lang="en-US" sz="3200" dirty="0">
-                <a:solidFill>
-                  <a:schemeClr val="accent5">
-                    <a:lumMod val="50000"/>
-                  </a:schemeClr>
-                </a:solidFill>
-              </a:rPr>
-              <a:t>)?</a:t>
-            </a:r>
-          </a:p>
-        </p:txBody>
-      </p:sp>
-      <p:sp>
-        <p:nvSpPr>
-          <p:cNvPr id="6" name="Footer Placeholder 5">
-            <a:extLst>
-              <a:ext uri="{FF2B5EF4-FFF2-40B4-BE49-F238E27FC236}">
-                <a16:creationId xmlns:a16="http://schemas.microsoft.com/office/drawing/2014/main" id="{517226AE-58F4-47DD-9811-19DDC90E9436}"/>
-              </a:ext>
-            </a:extLst>
-          </p:cNvPr>
-          <p:cNvSpPr>
-            <a:spLocks noGrp="1"/>
-          </p:cNvSpPr>
-          <p:nvPr>
-            <p:ph type="ftr" sz="quarter" idx="11"/>
-          </p:nvPr>
-        </p:nvSpPr>
-        <p:spPr/>
-        <p:txBody>
-          <a:bodyPr/>
-          <a:lstStyle/>
-          <a:p>
-            <a:r>
-              <a:rPr lang="en-US"/>
-              <a:t>CERF 2019 | The Next Step with R | Cressman and Dunnigan</a:t>
-            </a:r>
-          </a:p>
-        </p:txBody>
-      </p:sp>
-      <p:sp>
-        <p:nvSpPr>
-          <p:cNvPr id="7" name="Slide Number Placeholder 6">
-            <a:extLst>
-              <a:ext uri="{FF2B5EF4-FFF2-40B4-BE49-F238E27FC236}">
-                <a16:creationId xmlns:a16="http://schemas.microsoft.com/office/drawing/2014/main" id="{4091D161-16FB-494B-8A3C-DA7764CFD3E3}"/>
-              </a:ext>
-            </a:extLst>
-          </p:cNvPr>
-          <p:cNvSpPr>
-            <a:spLocks noGrp="1"/>
-          </p:cNvSpPr>
-          <p:nvPr>
-            <p:ph type="sldNum" sz="quarter" idx="12"/>
-          </p:nvPr>
-        </p:nvSpPr>
-        <p:spPr/>
-        <p:txBody>
-          <a:bodyPr/>
-          <a:lstStyle/>
-          <a:p>
-            <a:fld id="{1D07C8D9-AA71-438D-86BE-7B86F7F29DC7}" type="slidenum">
-              <a:rPr lang="en-US" smtClean="0"/>
-              <a:t>6</a:t>
-            </a:fld>
-            <a:endParaRPr lang="en-US"/>
-          </a:p>
-        </p:txBody>
-      </p:sp>
-    </p:spTree>
-    <p:extLst>
-      <p:ext uri="{BB962C8B-B14F-4D97-AF65-F5344CB8AC3E}">
-        <p14:creationId xmlns:p14="http://schemas.microsoft.com/office/powerpoint/2010/main" val="1141948941"/>
-      </p:ext>
-    </p:extLst>
-  </p:cSld>
-  <p:clrMapOvr>
-    <a:masterClrMapping/>
-  </p:clrMapOvr>
-</p:sld>
-</file>
-
-<file path=ppt/slides/slide60.xml><?xml version="1.0" encoding="utf-8"?>
+<file path=ppt/slides/slide61.xml><?xml version="1.0" encoding="utf-8"?>
 <p:sld xmlns:a="http://schemas.openxmlformats.org/drawingml/2006/main" xmlns:r="http://schemas.openxmlformats.org/officeDocument/2006/relationships" xmlns:p="http://schemas.openxmlformats.org/presentationml/2006/main">
   <p:cSld>
     <p:spTree>
@@ -22566,7 +23640,7 @@
           <a:p>
             <a:fld id="{1D07C8D9-AA71-438D-86BE-7B86F7F29DC7}" type="slidenum">
               <a:rPr lang="en-US" smtClean="0"/>
-              <a:t>60</a:t>
+              <a:t>61</a:t>
             </a:fld>
             <a:endParaRPr lang="en-US"/>
           </a:p>
@@ -22845,7 +23919,7 @@
 </p:sld>
 </file>
 
-<file path=ppt/slides/slide61.xml><?xml version="1.0" encoding="utf-8"?>
+<file path=ppt/slides/slide62.xml><?xml version="1.0" encoding="utf-8"?>
 <p:sld xmlns:a="http://schemas.openxmlformats.org/drawingml/2006/main" xmlns:r="http://schemas.openxmlformats.org/officeDocument/2006/relationships" xmlns:p="http://schemas.openxmlformats.org/presentationml/2006/main">
   <p:cSld>
     <p:spTree>
@@ -22966,7 +24040,7 @@
           <a:p>
             <a:fld id="{1D07C8D9-AA71-438D-86BE-7B86F7F29DC7}" type="slidenum">
               <a:rPr lang="en-US" smtClean="0"/>
-              <a:t>61</a:t>
+              <a:t>62</a:t>
             </a:fld>
             <a:endParaRPr lang="en-US"/>
           </a:p>

--- a/slides/01_Visualize.pptx
+++ b/slides/01_Visualize.pptx
@@ -5,7 +5,7 @@
     <p:sldMasterId id="2147483648" r:id="rId1"/>
   </p:sldMasterIdLst>
   <p:notesMasterIdLst>
-    <p:notesMasterId r:id="rId64"/>
+    <p:notesMasterId r:id="rId74"/>
   </p:notesMasterIdLst>
   <p:sldIdLst>
     <p:sldId id="256" r:id="rId2"/>
@@ -60,16 +60,26 @@
     <p:sldId id="320" r:id="rId51"/>
     <p:sldId id="293" r:id="rId52"/>
     <p:sldId id="297" r:id="rId53"/>
-    <p:sldId id="298" r:id="rId54"/>
-    <p:sldId id="302" r:id="rId55"/>
-    <p:sldId id="303" r:id="rId56"/>
-    <p:sldId id="299" r:id="rId57"/>
-    <p:sldId id="321" r:id="rId58"/>
-    <p:sldId id="304" r:id="rId59"/>
-    <p:sldId id="300" r:id="rId60"/>
-    <p:sldId id="306" r:id="rId61"/>
-    <p:sldId id="307" r:id="rId62"/>
-    <p:sldId id="301" r:id="rId63"/>
+    <p:sldId id="299" r:id="rId54"/>
+    <p:sldId id="321" r:id="rId55"/>
+    <p:sldId id="323" r:id="rId56"/>
+    <p:sldId id="324" r:id="rId57"/>
+    <p:sldId id="304" r:id="rId58"/>
+    <p:sldId id="298" r:id="rId59"/>
+    <p:sldId id="302" r:id="rId60"/>
+    <p:sldId id="303" r:id="rId61"/>
+    <p:sldId id="300" r:id="rId62"/>
+    <p:sldId id="325" r:id="rId63"/>
+    <p:sldId id="306" r:id="rId64"/>
+    <p:sldId id="326" r:id="rId65"/>
+    <p:sldId id="327" r:id="rId66"/>
+    <p:sldId id="301" r:id="rId67"/>
+    <p:sldId id="328" r:id="rId68"/>
+    <p:sldId id="329" r:id="rId69"/>
+    <p:sldId id="330" r:id="rId70"/>
+    <p:sldId id="331" r:id="rId71"/>
+    <p:sldId id="307" r:id="rId72"/>
+    <p:sldId id="332" r:id="rId73"/>
   </p:sldIdLst>
   <p:sldSz cx="12192000" cy="6858000"/>
   <p:notesSz cx="9144000" cy="6858000"/>
@@ -1116,6 +1126,150 @@
     <p:extLst>
       <p:ext uri="{BB962C8B-B14F-4D97-AF65-F5344CB8AC3E}">
         <p14:creationId xmlns:p14="http://schemas.microsoft.com/office/powerpoint/2010/main" val="2220545208"/>
+      </p:ext>
+    </p:extLst>
+  </p:cSld>
+  <p:clrMapOvr>
+    <a:masterClrMapping/>
+  </p:clrMapOvr>
+</p:notes>
+</file>
+
+<file path=ppt/notesSlides/notesSlide6.xml><?xml version="1.0" encoding="utf-8"?>
+<p:notes xmlns:a="http://schemas.openxmlformats.org/drawingml/2006/main" xmlns:r="http://schemas.openxmlformats.org/officeDocument/2006/relationships" xmlns:p="http://schemas.openxmlformats.org/presentationml/2006/main">
+  <p:cSld>
+    <p:spTree>
+      <p:nvGrpSpPr>
+        <p:cNvPr id="1" name=""/>
+        <p:cNvGrpSpPr/>
+        <p:nvPr/>
+      </p:nvGrpSpPr>
+      <p:grpSpPr>
+        <a:xfrm>
+          <a:off x="0" y="0"/>
+          <a:ext cx="0" cy="0"/>
+          <a:chOff x="0" y="0"/>
+          <a:chExt cx="0" cy="0"/>
+        </a:xfrm>
+      </p:grpSpPr>
+      <p:sp>
+        <p:nvSpPr>
+          <p:cNvPr id="2" name="Slide Image Placeholder 1"/>
+          <p:cNvSpPr>
+            <a:spLocks noGrp="1" noRot="1" noChangeAspect="1"/>
+          </p:cNvSpPr>
+          <p:nvPr>
+            <p:ph type="sldImg"/>
+          </p:nvPr>
+        </p:nvSpPr>
+        <p:spPr/>
+      </p:sp>
+      <p:sp>
+        <p:nvSpPr>
+          <p:cNvPr id="3" name="Notes Placeholder 2"/>
+          <p:cNvSpPr>
+            <a:spLocks noGrp="1"/>
+          </p:cNvSpPr>
+          <p:nvPr>
+            <p:ph type="body" idx="1"/>
+          </p:nvPr>
+        </p:nvSpPr>
+        <p:spPr/>
+        <p:txBody>
+          <a:bodyPr/>
+          <a:lstStyle/>
+          <a:p>
+            <a:r>
+              <a:rPr lang="en-US" sz="1200" b="0" i="0" kern="1200" dirty="0">
+                <a:solidFill>
+                  <a:schemeClr val="tx1"/>
+                </a:solidFill>
+                <a:effectLst/>
+                <a:latin typeface="+mn-lt"/>
+                <a:ea typeface="+mn-ea"/>
+                <a:cs typeface="+mn-cs"/>
+              </a:rPr>
+              <a:t>In the following example, you map temp and </a:t>
+            </a:r>
+            <a:r>
+              <a:rPr lang="en-US" sz="1200" b="0" i="0" kern="1200" dirty="0" err="1">
+                <a:solidFill>
+                  <a:schemeClr val="tx1"/>
+                </a:solidFill>
+                <a:effectLst/>
+                <a:latin typeface="+mn-lt"/>
+                <a:ea typeface="+mn-ea"/>
+                <a:cs typeface="+mn-cs"/>
+              </a:rPr>
+              <a:t>do_mgl</a:t>
+            </a:r>
+            <a:r>
+              <a:rPr lang="en-US" sz="1200" b="0" i="0" kern="1200" dirty="0">
+                <a:solidFill>
+                  <a:schemeClr val="tx1"/>
+                </a:solidFill>
+                <a:effectLst/>
+                <a:latin typeface="+mn-lt"/>
+                <a:ea typeface="+mn-ea"/>
+                <a:cs typeface="+mn-cs"/>
+              </a:rPr>
+              <a:t> from </a:t>
+            </a:r>
+            <a:r>
+              <a:rPr lang="en-US" sz="1200" b="0" i="0" kern="1200" dirty="0" err="1">
+                <a:solidFill>
+                  <a:schemeClr val="tx1"/>
+                </a:solidFill>
+                <a:effectLst/>
+                <a:latin typeface="+mn-lt"/>
+                <a:ea typeface="+mn-ea"/>
+                <a:cs typeface="+mn-cs"/>
+              </a:rPr>
+              <a:t>wq</a:t>
+            </a:r>
+            <a:r>
+              <a:rPr lang="en-US" sz="1200" b="0" i="0" kern="1200" dirty="0">
+                <a:solidFill>
+                  <a:schemeClr val="tx1"/>
+                </a:solidFill>
+                <a:effectLst/>
+                <a:latin typeface="+mn-lt"/>
+                <a:ea typeface="+mn-ea"/>
+                <a:cs typeface="+mn-cs"/>
+              </a:rPr>
+              <a:t> to both the shape and color of the points. This creates two separate, but overlapping, scales: One scale controls shape, while the second scale controls the color of the points:</a:t>
+            </a:r>
+            <a:endParaRPr lang="en-US" dirty="0"/>
+          </a:p>
+        </p:txBody>
+      </p:sp>
+      <p:sp>
+        <p:nvSpPr>
+          <p:cNvPr id="4" name="Slide Number Placeholder 3"/>
+          <p:cNvSpPr>
+            <a:spLocks noGrp="1"/>
+          </p:cNvSpPr>
+          <p:nvPr>
+            <p:ph type="sldNum" sz="quarter" idx="5"/>
+          </p:nvPr>
+        </p:nvSpPr>
+        <p:spPr/>
+        <p:txBody>
+          <a:bodyPr/>
+          <a:lstStyle/>
+          <a:p>
+            <a:fld id="{A78BD796-15B3-455D-897E-2AB664146321}" type="slidenum">
+              <a:rPr lang="en-US" smtClean="0"/>
+              <a:t>53</a:t>
+            </a:fld>
+            <a:endParaRPr lang="en-US"/>
+          </a:p>
+        </p:txBody>
+      </p:sp>
+    </p:spTree>
+    <p:extLst>
+      <p:ext uri="{BB962C8B-B14F-4D97-AF65-F5344CB8AC3E}">
+        <p14:creationId xmlns:p14="http://schemas.microsoft.com/office/powerpoint/2010/main" val="3179308725"/>
       </p:ext>
     </p:extLst>
   </p:cSld>
@@ -4538,7 +4692,7 @@
           </a:prstGeom>
           <a:solidFill>
             <a:schemeClr val="bg1">
-              <a:lumMod val="85000"/>
+              <a:lumMod val="95000"/>
             </a:schemeClr>
           </a:solidFill>
           <a:ln>
@@ -20356,7 +20510,11 @@
           <a:bodyPr/>
           <a:lstStyle/>
           <a:p>
-            <a:endParaRPr lang="en-US" dirty="0"/>
+            <a:pPr algn="ctr"/>
+            <a:r>
+              <a:rPr lang="en-US" dirty="0"/>
+              <a:t>Scales, themes, and saving your plot.</a:t>
+            </a:r>
           </a:p>
         </p:txBody>
       </p:sp>
@@ -20452,7 +20610,7 @@
           <p:cNvPr id="2" name="Title 1">
             <a:extLst>
               <a:ext uri="{FF2B5EF4-FFF2-40B4-BE49-F238E27FC236}">
-                <a16:creationId xmlns:a16="http://schemas.microsoft.com/office/drawing/2014/main" id="{5E945D91-80E0-4467-88DB-CBF29740C2C8}"/>
+                <a16:creationId xmlns:a16="http://schemas.microsoft.com/office/drawing/2014/main" id="{2C46FF3B-F06A-4E03-8B0B-63FBC69113B2}"/>
               </a:ext>
             </a:extLst>
           </p:cNvPr>
@@ -20465,14 +20623,28 @@
         </p:nvSpPr>
         <p:spPr/>
         <p:txBody>
-          <a:bodyPr/>
-          <a:lstStyle/>
-          <a:p>
-            <a:pPr algn="ctr"/>
+          <a:bodyPr>
+            <a:normAutofit fontScale="90000"/>
+          </a:bodyPr>
+          <a:lstStyle/>
+          <a:p>
+            <a:r>
+              <a:rPr lang="en-US" b="1" dirty="0"/>
+              <a:t>Scales </a:t>
+            </a:r>
             <a:r>
               <a:rPr lang="en-US" dirty="0"/>
-              <a:t>Titles and Captions</a:t>
-            </a:r>
+              <a:t>control the way your data is mapped to your </a:t>
+            </a:r>
+            <a:r>
+              <a:rPr lang="en-US" dirty="0" err="1"/>
+              <a:t>geom</a:t>
+            </a:r>
+            <a:r>
+              <a:rPr lang="en-US" dirty="0"/>
+              <a:t> and are required for every aesthetic. </a:t>
+            </a:r>
+            <a:endParaRPr lang="en-US" b="1" dirty="0"/>
           </a:p>
         </p:txBody>
       </p:sp>
@@ -20481,7 +20653,7 @@
           <p:cNvPr id="4" name="Footer Placeholder 3">
             <a:extLst>
               <a:ext uri="{FF2B5EF4-FFF2-40B4-BE49-F238E27FC236}">
-                <a16:creationId xmlns:a16="http://schemas.microsoft.com/office/drawing/2014/main" id="{B6525301-D78D-45F1-974B-EEBC0DC989E2}"/>
+                <a16:creationId xmlns:a16="http://schemas.microsoft.com/office/drawing/2014/main" id="{903ABC76-317B-4A6C-BD62-A421DC75C7CE}"/>
               </a:ext>
             </a:extLst>
           </p:cNvPr>
@@ -20509,7 +20681,7 @@
           <p:cNvPr id="5" name="Slide Number Placeholder 4">
             <a:extLst>
               <a:ext uri="{FF2B5EF4-FFF2-40B4-BE49-F238E27FC236}">
-                <a16:creationId xmlns:a16="http://schemas.microsoft.com/office/drawing/2014/main" id="{31763576-7EDD-4F70-9FB1-D6B360120D2D}"/>
+                <a16:creationId xmlns:a16="http://schemas.microsoft.com/office/drawing/2014/main" id="{7CF24284-6E6B-41D2-A570-F79123049F43}"/>
               </a:ext>
             </a:extLst>
           </p:cNvPr>
@@ -20528,917 +20700,6 @@
             <a:fld id="{1D07C8D9-AA71-438D-86BE-7B86F7F29DC7}" type="slidenum">
               <a:rPr lang="en-US" smtClean="0"/>
               <a:t>53</a:t>
-            </a:fld>
-            <a:endParaRPr lang="en-US"/>
-          </a:p>
-        </p:txBody>
-      </p:sp>
-      <p:sp>
-        <p:nvSpPr>
-          <p:cNvPr id="8" name="Content Placeholder 7">
-            <a:extLst>
-              <a:ext uri="{FF2B5EF4-FFF2-40B4-BE49-F238E27FC236}">
-                <a16:creationId xmlns:a16="http://schemas.microsoft.com/office/drawing/2014/main" id="{483471DF-EE2B-4A1B-A40D-36C08975482F}"/>
-              </a:ext>
-            </a:extLst>
-          </p:cNvPr>
-          <p:cNvSpPr>
-            <a:spLocks noGrp="1"/>
-          </p:cNvSpPr>
-          <p:nvPr>
-            <p:ph idx="1"/>
-          </p:nvPr>
-        </p:nvSpPr>
-        <p:spPr/>
-        <p:txBody>
-          <a:bodyPr/>
-          <a:lstStyle/>
-          <a:p>
-            <a:endParaRPr lang="en-US" dirty="0"/>
-          </a:p>
-        </p:txBody>
-      </p:sp>
-      <p:pic>
-        <p:nvPicPr>
-          <p:cNvPr id="12" name="Picture 11">
-            <a:extLst>
-              <a:ext uri="{FF2B5EF4-FFF2-40B4-BE49-F238E27FC236}">
-                <a16:creationId xmlns:a16="http://schemas.microsoft.com/office/drawing/2014/main" id="{9B53BB81-792F-4DA4-8D00-D2E18A05FCE6}"/>
-              </a:ext>
-            </a:extLst>
-          </p:cNvPr>
-          <p:cNvPicPr>
-            <a:picLocks noChangeAspect="1"/>
-          </p:cNvPicPr>
-          <p:nvPr/>
-        </p:nvPicPr>
-        <p:blipFill>
-          <a:blip r:embed="rId2"/>
-          <a:stretch>
-            <a:fillRect/>
-          </a:stretch>
-        </p:blipFill>
-        <p:spPr>
-          <a:xfrm>
-            <a:off x="1962666" y="1473856"/>
-            <a:ext cx="8266667" cy="5247619"/>
-          </a:xfrm>
-          <a:prstGeom prst="rect">
-            <a:avLst/>
-          </a:prstGeom>
-        </p:spPr>
-      </p:pic>
-    </p:spTree>
-    <p:extLst>
-      <p:ext uri="{BB962C8B-B14F-4D97-AF65-F5344CB8AC3E}">
-        <p14:creationId xmlns:p14="http://schemas.microsoft.com/office/powerpoint/2010/main" val="1405398319"/>
-      </p:ext>
-    </p:extLst>
-  </p:cSld>
-  <p:clrMapOvr>
-    <a:masterClrMapping/>
-  </p:clrMapOvr>
-</p:sld>
-</file>
-
-<file path=ppt/slides/slide54.xml><?xml version="1.0" encoding="utf-8"?>
-<p:sld xmlns:a="http://schemas.openxmlformats.org/drawingml/2006/main" xmlns:r="http://schemas.openxmlformats.org/officeDocument/2006/relationships" xmlns:p="http://schemas.openxmlformats.org/presentationml/2006/main">
-  <p:cSld>
-    <p:spTree>
-      <p:nvGrpSpPr>
-        <p:cNvPr id="1" name=""/>
-        <p:cNvGrpSpPr/>
-        <p:nvPr/>
-      </p:nvGrpSpPr>
-      <p:grpSpPr>
-        <a:xfrm>
-          <a:off x="0" y="0"/>
-          <a:ext cx="0" cy="0"/>
-          <a:chOff x="0" y="0"/>
-          <a:chExt cx="0" cy="0"/>
-        </a:xfrm>
-      </p:grpSpPr>
-      <p:sp>
-        <p:nvSpPr>
-          <p:cNvPr id="2" name="Title 1">
-            <a:extLst>
-              <a:ext uri="{FF2B5EF4-FFF2-40B4-BE49-F238E27FC236}">
-                <a16:creationId xmlns:a16="http://schemas.microsoft.com/office/drawing/2014/main" id="{5E945D91-80E0-4467-88DB-CBF29740C2C8}"/>
-              </a:ext>
-            </a:extLst>
-          </p:cNvPr>
-          <p:cNvSpPr>
-            <a:spLocks noGrp="1"/>
-          </p:cNvSpPr>
-          <p:nvPr>
-            <p:ph type="title"/>
-          </p:nvPr>
-        </p:nvSpPr>
-        <p:spPr/>
-        <p:txBody>
-          <a:bodyPr/>
-          <a:lstStyle/>
-          <a:p>
-            <a:pPr algn="ctr"/>
-            <a:r>
-              <a:rPr lang="en-US" dirty="0"/>
-              <a:t>Titles and Captions</a:t>
-            </a:r>
-          </a:p>
-        </p:txBody>
-      </p:sp>
-      <p:sp>
-        <p:nvSpPr>
-          <p:cNvPr id="4" name="Footer Placeholder 3">
-            <a:extLst>
-              <a:ext uri="{FF2B5EF4-FFF2-40B4-BE49-F238E27FC236}">
-                <a16:creationId xmlns:a16="http://schemas.microsoft.com/office/drawing/2014/main" id="{B6525301-D78D-45F1-974B-EEBC0DC989E2}"/>
-              </a:ext>
-            </a:extLst>
-          </p:cNvPr>
-          <p:cNvSpPr>
-            <a:spLocks noGrp="1"/>
-          </p:cNvSpPr>
-          <p:nvPr>
-            <p:ph type="ftr" sz="quarter" idx="11"/>
-          </p:nvPr>
-        </p:nvSpPr>
-        <p:spPr/>
-        <p:txBody>
-          <a:bodyPr/>
-          <a:lstStyle/>
-          <a:p>
-            <a:r>
-              <a:rPr lang="en-US"/>
-              <a:t>CERF 2019 | The Next Step with R | Cressman and Dunnigan</a:t>
-            </a:r>
-          </a:p>
-        </p:txBody>
-      </p:sp>
-      <p:sp>
-        <p:nvSpPr>
-          <p:cNvPr id="5" name="Slide Number Placeholder 4">
-            <a:extLst>
-              <a:ext uri="{FF2B5EF4-FFF2-40B4-BE49-F238E27FC236}">
-                <a16:creationId xmlns:a16="http://schemas.microsoft.com/office/drawing/2014/main" id="{31763576-7EDD-4F70-9FB1-D6B360120D2D}"/>
-              </a:ext>
-            </a:extLst>
-          </p:cNvPr>
-          <p:cNvSpPr>
-            <a:spLocks noGrp="1"/>
-          </p:cNvSpPr>
-          <p:nvPr>
-            <p:ph type="sldNum" sz="quarter" idx="12"/>
-          </p:nvPr>
-        </p:nvSpPr>
-        <p:spPr/>
-        <p:txBody>
-          <a:bodyPr/>
-          <a:lstStyle/>
-          <a:p>
-            <a:fld id="{1D07C8D9-AA71-438D-86BE-7B86F7F29DC7}" type="slidenum">
-              <a:rPr lang="en-US" smtClean="0"/>
-              <a:t>54</a:t>
-            </a:fld>
-            <a:endParaRPr lang="en-US"/>
-          </a:p>
-        </p:txBody>
-      </p:sp>
-      <p:sp>
-        <p:nvSpPr>
-          <p:cNvPr id="8" name="Content Placeholder 7">
-            <a:extLst>
-              <a:ext uri="{FF2B5EF4-FFF2-40B4-BE49-F238E27FC236}">
-                <a16:creationId xmlns:a16="http://schemas.microsoft.com/office/drawing/2014/main" id="{483471DF-EE2B-4A1B-A40D-36C08975482F}"/>
-              </a:ext>
-            </a:extLst>
-          </p:cNvPr>
-          <p:cNvSpPr>
-            <a:spLocks noGrp="1"/>
-          </p:cNvSpPr>
-          <p:nvPr>
-            <p:ph idx="1"/>
-          </p:nvPr>
-        </p:nvSpPr>
-        <p:spPr>
-          <a:xfrm>
-            <a:off x="187036" y="1847850"/>
-            <a:ext cx="11817927" cy="4351338"/>
-          </a:xfrm>
-        </p:spPr>
-        <p:txBody>
-          <a:bodyPr>
-            <a:normAutofit/>
-          </a:bodyPr>
-          <a:lstStyle/>
-          <a:p>
-            <a:pPr marL="0" indent="0">
-              <a:buNone/>
-            </a:pPr>
-            <a:r>
-              <a:rPr lang="en-US" sz="2300" dirty="0" err="1">
-                <a:latin typeface="Fira Code" panose="020B0809050000020004" pitchFamily="49" charset="0"/>
-                <a:ea typeface="Fira Code" panose="020B0809050000020004" pitchFamily="49" charset="0"/>
-                <a:cs typeface="Fira Code" panose="020B0809050000020004" pitchFamily="49" charset="0"/>
-              </a:rPr>
-              <a:t>ggplot</a:t>
-            </a:r>
-            <a:r>
-              <a:rPr lang="en-US" sz="2300" dirty="0">
-                <a:latin typeface="Fira Code" panose="020B0809050000020004" pitchFamily="49" charset="0"/>
-                <a:ea typeface="Fira Code" panose="020B0809050000020004" pitchFamily="49" charset="0"/>
-                <a:cs typeface="Fira Code" panose="020B0809050000020004" pitchFamily="49" charset="0"/>
-              </a:rPr>
-              <a:t>(data = </a:t>
-            </a:r>
-            <a:r>
-              <a:rPr lang="en-US" sz="2300" dirty="0" err="1">
-                <a:latin typeface="Fira Code" panose="020B0809050000020004" pitchFamily="49" charset="0"/>
-                <a:ea typeface="Fira Code" panose="020B0809050000020004" pitchFamily="49" charset="0"/>
-                <a:cs typeface="Fira Code" panose="020B0809050000020004" pitchFamily="49" charset="0"/>
-              </a:rPr>
-              <a:t>wq</a:t>
-            </a:r>
-            <a:r>
-              <a:rPr lang="en-US" sz="2300" dirty="0">
-                <a:latin typeface="Fira Code" panose="020B0809050000020004" pitchFamily="49" charset="0"/>
-                <a:ea typeface="Fira Code" panose="020B0809050000020004" pitchFamily="49" charset="0"/>
-                <a:cs typeface="Fira Code" panose="020B0809050000020004" pitchFamily="49" charset="0"/>
-              </a:rPr>
-              <a:t>) +</a:t>
-            </a:r>
-          </a:p>
-          <a:p>
-            <a:pPr marL="0" indent="0">
-              <a:buNone/>
-            </a:pPr>
-            <a:r>
-              <a:rPr lang="en-US" sz="2300" dirty="0">
-                <a:latin typeface="Fira Code" panose="020B0809050000020004" pitchFamily="49" charset="0"/>
-                <a:ea typeface="Fira Code" panose="020B0809050000020004" pitchFamily="49" charset="0"/>
-                <a:cs typeface="Fira Code" panose="020B0809050000020004" pitchFamily="49" charset="0"/>
-              </a:rPr>
-              <a:t> </a:t>
-            </a:r>
-            <a:r>
-              <a:rPr lang="en-US" sz="2300" dirty="0" err="1">
-                <a:latin typeface="Fira Code" panose="020B0809050000020004" pitchFamily="49" charset="0"/>
-                <a:ea typeface="Fira Code" panose="020B0809050000020004" pitchFamily="49" charset="0"/>
-                <a:cs typeface="Fira Code" panose="020B0809050000020004" pitchFamily="49" charset="0"/>
-              </a:rPr>
-              <a:t>geom_boxplot</a:t>
-            </a:r>
-            <a:r>
-              <a:rPr lang="en-US" sz="2300" dirty="0">
-                <a:latin typeface="Fira Code" panose="020B0809050000020004" pitchFamily="49" charset="0"/>
-                <a:ea typeface="Fira Code" panose="020B0809050000020004" pitchFamily="49" charset="0"/>
-                <a:cs typeface="Fira Code" panose="020B0809050000020004" pitchFamily="49" charset="0"/>
-              </a:rPr>
-              <a:t>(mapping = </a:t>
-            </a:r>
-            <a:r>
-              <a:rPr lang="en-US" sz="2300" dirty="0" err="1">
-                <a:latin typeface="Fira Code" panose="020B0809050000020004" pitchFamily="49" charset="0"/>
-                <a:ea typeface="Fira Code" panose="020B0809050000020004" pitchFamily="49" charset="0"/>
-                <a:cs typeface="Fira Code" panose="020B0809050000020004" pitchFamily="49" charset="0"/>
-              </a:rPr>
-              <a:t>aes</a:t>
-            </a:r>
-            <a:r>
-              <a:rPr lang="en-US" sz="2300" dirty="0">
-                <a:latin typeface="Fira Code" panose="020B0809050000020004" pitchFamily="49" charset="0"/>
-                <a:ea typeface="Fira Code" panose="020B0809050000020004" pitchFamily="49" charset="0"/>
-                <a:cs typeface="Fira Code" panose="020B0809050000020004" pitchFamily="49" charset="0"/>
-              </a:rPr>
-              <a:t>(x = coast, y = temp, color = state)) +</a:t>
-            </a:r>
-          </a:p>
-          <a:p>
-            <a:pPr marL="0" indent="0">
-              <a:buNone/>
-            </a:pPr>
-            <a:r>
-              <a:rPr lang="en-US" sz="2300" dirty="0">
-                <a:latin typeface="Fira Code" panose="020B0809050000020004" pitchFamily="49" charset="0"/>
-                <a:ea typeface="Fira Code" panose="020B0809050000020004" pitchFamily="49" charset="0"/>
-                <a:cs typeface="Fira Code" panose="020B0809050000020004" pitchFamily="49" charset="0"/>
-              </a:rPr>
-              <a:t> </a:t>
-            </a:r>
-            <a:r>
-              <a:rPr lang="en-US" sz="2300" dirty="0">
-                <a:solidFill>
-                  <a:schemeClr val="accent6">
-                    <a:lumMod val="75000"/>
-                  </a:schemeClr>
-                </a:solidFill>
-                <a:latin typeface="Fira Code" panose="020B0809050000020004" pitchFamily="49" charset="0"/>
-                <a:ea typeface="Fira Code" panose="020B0809050000020004" pitchFamily="49" charset="0"/>
-                <a:cs typeface="Fira Code" panose="020B0809050000020004" pitchFamily="49" charset="0"/>
-              </a:rPr>
-              <a:t>labs(x = "Coast",</a:t>
-            </a:r>
-          </a:p>
-          <a:p>
-            <a:pPr marL="0" indent="0">
-              <a:buNone/>
-            </a:pPr>
-            <a:r>
-              <a:rPr lang="en-US" sz="2300" dirty="0">
-                <a:solidFill>
-                  <a:schemeClr val="accent6">
-                    <a:lumMod val="75000"/>
-                  </a:schemeClr>
-                </a:solidFill>
-                <a:latin typeface="Fira Code" panose="020B0809050000020004" pitchFamily="49" charset="0"/>
-                <a:ea typeface="Fira Code" panose="020B0809050000020004" pitchFamily="49" charset="0"/>
-                <a:cs typeface="Fira Code" panose="020B0809050000020004" pitchFamily="49" charset="0"/>
-              </a:rPr>
-              <a:t>      y = "Temperature (C)",</a:t>
-            </a:r>
-          </a:p>
-          <a:p>
-            <a:pPr marL="0" indent="0">
-              <a:buNone/>
-            </a:pPr>
-            <a:r>
-              <a:rPr lang="en-US" sz="2300" dirty="0">
-                <a:solidFill>
-                  <a:schemeClr val="accent6">
-                    <a:lumMod val="75000"/>
-                  </a:schemeClr>
-                </a:solidFill>
-                <a:latin typeface="Fira Code" panose="020B0809050000020004" pitchFamily="49" charset="0"/>
-                <a:ea typeface="Fira Code" panose="020B0809050000020004" pitchFamily="49" charset="0"/>
-                <a:cs typeface="Fira Code" panose="020B0809050000020004" pitchFamily="49" charset="0"/>
-              </a:rPr>
-              <a:t>      title = "Water Quality Data",</a:t>
-            </a:r>
-          </a:p>
-          <a:p>
-            <a:pPr marL="0" indent="0">
-              <a:buNone/>
-            </a:pPr>
-            <a:r>
-              <a:rPr lang="en-US" sz="2300" dirty="0">
-                <a:solidFill>
-                  <a:schemeClr val="accent6">
-                    <a:lumMod val="75000"/>
-                  </a:schemeClr>
-                </a:solidFill>
-                <a:latin typeface="Fira Code" panose="020B0809050000020004" pitchFamily="49" charset="0"/>
-                <a:ea typeface="Fira Code" panose="020B0809050000020004" pitchFamily="49" charset="0"/>
-                <a:cs typeface="Fira Code" panose="020B0809050000020004" pitchFamily="49" charset="0"/>
-              </a:rPr>
-              <a:t>      subtitle = "Pacific Coast Reserves are colder",</a:t>
-            </a:r>
-          </a:p>
-          <a:p>
-            <a:pPr marL="0" indent="0">
-              <a:buNone/>
-            </a:pPr>
-            <a:r>
-              <a:rPr lang="en-US" sz="2300" dirty="0">
-                <a:solidFill>
-                  <a:schemeClr val="accent6">
-                    <a:lumMod val="75000"/>
-                  </a:schemeClr>
-                </a:solidFill>
-                <a:latin typeface="Fira Code" panose="020B0809050000020004" pitchFamily="49" charset="0"/>
-                <a:ea typeface="Fira Code" panose="020B0809050000020004" pitchFamily="49" charset="0"/>
-                <a:cs typeface="Fira Code" panose="020B0809050000020004" pitchFamily="49" charset="0"/>
-              </a:rPr>
-              <a:t>      caption = "Data from &lt;www.nerrsdata.org&gt;")</a:t>
-            </a:r>
-          </a:p>
-        </p:txBody>
-      </p:sp>
-    </p:spTree>
-    <p:extLst>
-      <p:ext uri="{BB962C8B-B14F-4D97-AF65-F5344CB8AC3E}">
-        <p14:creationId xmlns:p14="http://schemas.microsoft.com/office/powerpoint/2010/main" val="3970291899"/>
-      </p:ext>
-    </p:extLst>
-  </p:cSld>
-  <p:clrMapOvr>
-    <a:masterClrMapping/>
-  </p:clrMapOvr>
-</p:sld>
-</file>
-
-<file path=ppt/slides/slide55.xml><?xml version="1.0" encoding="utf-8"?>
-<p:sld xmlns:a="http://schemas.openxmlformats.org/drawingml/2006/main" xmlns:r="http://schemas.openxmlformats.org/officeDocument/2006/relationships" xmlns:p="http://schemas.openxmlformats.org/presentationml/2006/main">
-  <p:cSld>
-    <p:spTree>
-      <p:nvGrpSpPr>
-        <p:cNvPr id="1" name=""/>
-        <p:cNvGrpSpPr/>
-        <p:nvPr/>
-      </p:nvGrpSpPr>
-      <p:grpSpPr>
-        <a:xfrm>
-          <a:off x="0" y="0"/>
-          <a:ext cx="0" cy="0"/>
-          <a:chOff x="0" y="0"/>
-          <a:chExt cx="0" cy="0"/>
-        </a:xfrm>
-      </p:grpSpPr>
-      <p:sp>
-        <p:nvSpPr>
-          <p:cNvPr id="4" name="Footer Placeholder 3">
-            <a:extLst>
-              <a:ext uri="{FF2B5EF4-FFF2-40B4-BE49-F238E27FC236}">
-                <a16:creationId xmlns:a16="http://schemas.microsoft.com/office/drawing/2014/main" id="{613E6009-D145-4590-A7B3-45399B48F3B0}"/>
-              </a:ext>
-            </a:extLst>
-          </p:cNvPr>
-          <p:cNvSpPr>
-            <a:spLocks noGrp="1"/>
-          </p:cNvSpPr>
-          <p:nvPr>
-            <p:ph type="ftr" sz="quarter" idx="11"/>
-          </p:nvPr>
-        </p:nvSpPr>
-        <p:spPr/>
-        <p:txBody>
-          <a:bodyPr/>
-          <a:lstStyle/>
-          <a:p>
-            <a:r>
-              <a:rPr lang="en-US" dirty="0"/>
-              <a:t>CERF 2019 | The Next Step with R | Cressman and Dunnigan</a:t>
-            </a:r>
-          </a:p>
-        </p:txBody>
-      </p:sp>
-      <p:sp>
-        <p:nvSpPr>
-          <p:cNvPr id="5" name="Slide Number Placeholder 4">
-            <a:extLst>
-              <a:ext uri="{FF2B5EF4-FFF2-40B4-BE49-F238E27FC236}">
-                <a16:creationId xmlns:a16="http://schemas.microsoft.com/office/drawing/2014/main" id="{7453A3CD-37F2-4D00-921B-4D1895E35745}"/>
-              </a:ext>
-            </a:extLst>
-          </p:cNvPr>
-          <p:cNvSpPr>
-            <a:spLocks noGrp="1"/>
-          </p:cNvSpPr>
-          <p:nvPr>
-            <p:ph type="sldNum" sz="quarter" idx="12"/>
-          </p:nvPr>
-        </p:nvSpPr>
-        <p:spPr/>
-        <p:txBody>
-          <a:bodyPr/>
-          <a:lstStyle/>
-          <a:p>
-            <a:fld id="{1D07C8D9-AA71-438D-86BE-7B86F7F29DC7}" type="slidenum">
-              <a:rPr lang="en-US" smtClean="0"/>
-              <a:t>55</a:t>
-            </a:fld>
-            <a:endParaRPr lang="en-US" dirty="0"/>
-          </a:p>
-        </p:txBody>
-      </p:sp>
-      <p:pic>
-        <p:nvPicPr>
-          <p:cNvPr id="6" name="Picture 5">
-            <a:extLst>
-              <a:ext uri="{FF2B5EF4-FFF2-40B4-BE49-F238E27FC236}">
-                <a16:creationId xmlns:a16="http://schemas.microsoft.com/office/drawing/2014/main" id="{54F7117B-F607-4BC1-960D-E3542047F215}"/>
-              </a:ext>
-            </a:extLst>
-          </p:cNvPr>
-          <p:cNvPicPr>
-            <a:picLocks noChangeAspect="1"/>
-          </p:cNvPicPr>
-          <p:nvPr/>
-        </p:nvPicPr>
-        <p:blipFill>
-          <a:blip r:embed="rId2"/>
-          <a:stretch>
-            <a:fillRect/>
-          </a:stretch>
-        </p:blipFill>
-        <p:spPr>
-          <a:xfrm>
-            <a:off x="373642" y="298450"/>
-            <a:ext cx="4607794" cy="3554361"/>
-          </a:xfrm>
-          <a:prstGeom prst="rect">
-            <a:avLst/>
-          </a:prstGeom>
-          <a:ln>
-            <a:noFill/>
-          </a:ln>
-          <a:effectLst/>
-        </p:spPr>
-      </p:pic>
-      <p:pic>
-        <p:nvPicPr>
-          <p:cNvPr id="2" name="Picture 1">
-            <a:extLst>
-              <a:ext uri="{FF2B5EF4-FFF2-40B4-BE49-F238E27FC236}">
-                <a16:creationId xmlns:a16="http://schemas.microsoft.com/office/drawing/2014/main" id="{5861F553-6FC1-4B84-AC34-8FBA2AC67355}"/>
-              </a:ext>
-            </a:extLst>
-          </p:cNvPr>
-          <p:cNvPicPr>
-            <a:picLocks noChangeAspect="1"/>
-          </p:cNvPicPr>
-          <p:nvPr/>
-        </p:nvPicPr>
-        <p:blipFill>
-          <a:blip r:embed="rId3"/>
-          <a:stretch>
-            <a:fillRect/>
-          </a:stretch>
-        </p:blipFill>
-        <p:spPr>
-          <a:xfrm>
-            <a:off x="639635" y="1765025"/>
-            <a:ext cx="4612859" cy="3554362"/>
-          </a:xfrm>
-          <a:prstGeom prst="rect">
-            <a:avLst/>
-          </a:prstGeom>
-          <a:ln>
-            <a:noFill/>
-          </a:ln>
-          <a:effectLst>
-            <a:outerShdw blurRad="190500" algn="tl" rotWithShape="0">
-              <a:srgbClr val="000000">
-                <a:alpha val="70000"/>
-              </a:srgbClr>
-            </a:outerShdw>
-          </a:effectLst>
-        </p:spPr>
-      </p:pic>
-      <p:pic>
-        <p:nvPicPr>
-          <p:cNvPr id="3" name="Picture 2">
-            <a:extLst>
-              <a:ext uri="{FF2B5EF4-FFF2-40B4-BE49-F238E27FC236}">
-                <a16:creationId xmlns:a16="http://schemas.microsoft.com/office/drawing/2014/main" id="{EDA5333E-85CD-40AF-8AF9-251DF01A033F}"/>
-              </a:ext>
-            </a:extLst>
-          </p:cNvPr>
-          <p:cNvPicPr>
-            <a:picLocks noChangeAspect="1"/>
-          </p:cNvPicPr>
-          <p:nvPr/>
-        </p:nvPicPr>
-        <p:blipFill rotWithShape="1">
-          <a:blip r:embed="rId3"/>
-          <a:srcRect l="74680" t="48642" r="434" b="34321"/>
-          <a:stretch/>
-        </p:blipFill>
-        <p:spPr>
-          <a:xfrm>
-            <a:off x="6920989" y="2318180"/>
-            <a:ext cx="5114748" cy="2698046"/>
-          </a:xfrm>
-          <a:prstGeom prst="rect">
-            <a:avLst/>
-          </a:prstGeom>
-        </p:spPr>
-      </p:pic>
-      <p:sp>
-        <p:nvSpPr>
-          <p:cNvPr id="9" name="Trapezoid 8">
-            <a:extLst>
-              <a:ext uri="{FF2B5EF4-FFF2-40B4-BE49-F238E27FC236}">
-                <a16:creationId xmlns:a16="http://schemas.microsoft.com/office/drawing/2014/main" id="{0B15D1FD-44D7-48E5-A048-EA9BBA09175B}"/>
-              </a:ext>
-            </a:extLst>
-          </p:cNvPr>
-          <p:cNvSpPr/>
-          <p:nvPr/>
-        </p:nvSpPr>
-        <p:spPr>
-          <a:xfrm rot="16200000">
-            <a:off x="4374540" y="2260402"/>
-            <a:ext cx="2504889" cy="3006758"/>
-          </a:xfrm>
-          <a:custGeom>
-            <a:avLst/>
-            <a:gdLst>
-              <a:gd name="connsiteX0" fmla="*/ 0 w 2504889"/>
-              <a:gd name="connsiteY0" fmla="*/ 1877869 h 1877869"/>
-              <a:gd name="connsiteX1" fmla="*/ 469467 w 2504889"/>
-              <a:gd name="connsiteY1" fmla="*/ 0 h 1877869"/>
-              <a:gd name="connsiteX2" fmla="*/ 2035422 w 2504889"/>
-              <a:gd name="connsiteY2" fmla="*/ 0 h 1877869"/>
-              <a:gd name="connsiteX3" fmla="*/ 2504889 w 2504889"/>
-              <a:gd name="connsiteY3" fmla="*/ 1877869 h 1877869"/>
-              <a:gd name="connsiteX4" fmla="*/ 0 w 2504889"/>
-              <a:gd name="connsiteY4" fmla="*/ 1877869 h 1877869"/>
-              <a:gd name="connsiteX0" fmla="*/ 0 w 2504889"/>
-              <a:gd name="connsiteY0" fmla="*/ 3006758 h 3006758"/>
-              <a:gd name="connsiteX1" fmla="*/ 469467 w 2504889"/>
-              <a:gd name="connsiteY1" fmla="*/ 1128889 h 3006758"/>
-              <a:gd name="connsiteX2" fmla="*/ 1470978 w 2504889"/>
-              <a:gd name="connsiteY2" fmla="*/ 0 h 3006758"/>
-              <a:gd name="connsiteX3" fmla="*/ 2504889 w 2504889"/>
-              <a:gd name="connsiteY3" fmla="*/ 3006758 h 3006758"/>
-              <a:gd name="connsiteX4" fmla="*/ 0 w 2504889"/>
-              <a:gd name="connsiteY4" fmla="*/ 3006758 h 3006758"/>
-              <a:gd name="connsiteX0" fmla="*/ 0 w 2504889"/>
-              <a:gd name="connsiteY0" fmla="*/ 3006758 h 3006758"/>
-              <a:gd name="connsiteX1" fmla="*/ 921022 w 2504889"/>
-              <a:gd name="connsiteY1" fmla="*/ 22581 h 3006758"/>
-              <a:gd name="connsiteX2" fmla="*/ 1470978 w 2504889"/>
-              <a:gd name="connsiteY2" fmla="*/ 0 h 3006758"/>
-              <a:gd name="connsiteX3" fmla="*/ 2504889 w 2504889"/>
-              <a:gd name="connsiteY3" fmla="*/ 3006758 h 3006758"/>
-              <a:gd name="connsiteX4" fmla="*/ 0 w 2504889"/>
-              <a:gd name="connsiteY4" fmla="*/ 3006758 h 3006758"/>
-            </a:gdLst>
-            <a:ahLst/>
-            <a:cxnLst>
-              <a:cxn ang="0">
-                <a:pos x="connsiteX0" y="connsiteY0"/>
-              </a:cxn>
-              <a:cxn ang="0">
-                <a:pos x="connsiteX1" y="connsiteY1"/>
-              </a:cxn>
-              <a:cxn ang="0">
-                <a:pos x="connsiteX2" y="connsiteY2"/>
-              </a:cxn>
-              <a:cxn ang="0">
-                <a:pos x="connsiteX3" y="connsiteY3"/>
-              </a:cxn>
-              <a:cxn ang="0">
-                <a:pos x="connsiteX4" y="connsiteY4"/>
-              </a:cxn>
-            </a:cxnLst>
-            <a:rect l="l" t="t" r="r" b="b"/>
-            <a:pathLst>
-              <a:path w="2504889" h="3006758">
-                <a:moveTo>
-                  <a:pt x="0" y="3006758"/>
-                </a:moveTo>
-                <a:lnTo>
-                  <a:pt x="921022" y="22581"/>
-                </a:lnTo>
-                <a:lnTo>
-                  <a:pt x="1470978" y="0"/>
-                </a:lnTo>
-                <a:lnTo>
-                  <a:pt x="2504889" y="3006758"/>
-                </a:lnTo>
-                <a:lnTo>
-                  <a:pt x="0" y="3006758"/>
-                </a:lnTo>
-                <a:close/>
-              </a:path>
-            </a:pathLst>
-          </a:custGeom>
-          <a:solidFill>
-            <a:schemeClr val="accent5">
-              <a:lumMod val="50000"/>
-              <a:alpha val="50000"/>
-            </a:schemeClr>
-          </a:solidFill>
-          <a:ln>
-            <a:noFill/>
-          </a:ln>
-        </p:spPr>
-        <p:style>
-          <a:lnRef idx="2">
-            <a:schemeClr val="dk1">
-              <a:shade val="50000"/>
-            </a:schemeClr>
-          </a:lnRef>
-          <a:fillRef idx="1">
-            <a:schemeClr val="dk1"/>
-          </a:fillRef>
-          <a:effectRef idx="0">
-            <a:schemeClr val="dk1"/>
-          </a:effectRef>
-          <a:fontRef idx="minor">
-            <a:schemeClr val="lt1"/>
-          </a:fontRef>
-        </p:style>
-        <p:txBody>
-          <a:bodyPr rtlCol="0" anchor="ctr"/>
-          <a:lstStyle/>
-          <a:p>
-            <a:pPr algn="ctr"/>
-            <a:endParaRPr lang="en-US"/>
-          </a:p>
-        </p:txBody>
-      </p:sp>
-      <p:sp>
-        <p:nvSpPr>
-          <p:cNvPr id="8" name="Rectangle 7">
-            <a:extLst>
-              <a:ext uri="{FF2B5EF4-FFF2-40B4-BE49-F238E27FC236}">
-                <a16:creationId xmlns:a16="http://schemas.microsoft.com/office/drawing/2014/main" id="{3908EA3D-2337-4435-B9E1-A6D6EC0B303F}"/>
-              </a:ext>
-            </a:extLst>
-          </p:cNvPr>
-          <p:cNvSpPr/>
-          <p:nvPr/>
-        </p:nvSpPr>
-        <p:spPr>
-          <a:xfrm>
-            <a:off x="4133397" y="3515979"/>
-            <a:ext cx="1137616" cy="587541"/>
-          </a:xfrm>
-          <a:prstGeom prst="rect">
-            <a:avLst/>
-          </a:prstGeom>
-          <a:solidFill>
-            <a:schemeClr val="accent5">
-              <a:lumMod val="50000"/>
-              <a:alpha val="30000"/>
-            </a:schemeClr>
-          </a:solidFill>
-          <a:ln>
-            <a:noFill/>
-          </a:ln>
-        </p:spPr>
-        <p:style>
-          <a:lnRef idx="2">
-            <a:schemeClr val="dk1">
-              <a:shade val="50000"/>
-            </a:schemeClr>
-          </a:lnRef>
-          <a:fillRef idx="1">
-            <a:schemeClr val="dk1"/>
-          </a:fillRef>
-          <a:effectRef idx="0">
-            <a:schemeClr val="dk1"/>
-          </a:effectRef>
-          <a:fontRef idx="minor">
-            <a:schemeClr val="lt1"/>
-          </a:fontRef>
-        </p:style>
-        <p:txBody>
-          <a:bodyPr rtlCol="0" anchor="ctr"/>
-          <a:lstStyle/>
-          <a:p>
-            <a:pPr algn="ctr"/>
-            <a:endParaRPr lang="en-US"/>
-          </a:p>
-        </p:txBody>
-      </p:sp>
-    </p:spTree>
-    <p:extLst>
-      <p:ext uri="{BB962C8B-B14F-4D97-AF65-F5344CB8AC3E}">
-        <p14:creationId xmlns:p14="http://schemas.microsoft.com/office/powerpoint/2010/main" val="1828754139"/>
-      </p:ext>
-    </p:extLst>
-  </p:cSld>
-  <p:clrMapOvr>
-    <a:masterClrMapping/>
-  </p:clrMapOvr>
-</p:sld>
-</file>
-
-<file path=ppt/slides/slide56.xml><?xml version="1.0" encoding="utf-8"?>
-<p:sld xmlns:a="http://schemas.openxmlformats.org/drawingml/2006/main" xmlns:r="http://schemas.openxmlformats.org/officeDocument/2006/relationships" xmlns:p="http://schemas.openxmlformats.org/presentationml/2006/main">
-  <p:cSld>
-    <p:spTree>
-      <p:nvGrpSpPr>
-        <p:cNvPr id="1" name=""/>
-        <p:cNvGrpSpPr/>
-        <p:nvPr/>
-      </p:nvGrpSpPr>
-      <p:grpSpPr>
-        <a:xfrm>
-          <a:off x="0" y="0"/>
-          <a:ext cx="0" cy="0"/>
-          <a:chOff x="0" y="0"/>
-          <a:chExt cx="0" cy="0"/>
-        </a:xfrm>
-      </p:grpSpPr>
-      <p:sp>
-        <p:nvSpPr>
-          <p:cNvPr id="2" name="Title 1">
-            <a:extLst>
-              <a:ext uri="{FF2B5EF4-FFF2-40B4-BE49-F238E27FC236}">
-                <a16:creationId xmlns:a16="http://schemas.microsoft.com/office/drawing/2014/main" id="{2C46FF3B-F06A-4E03-8B0B-63FBC69113B2}"/>
-              </a:ext>
-            </a:extLst>
-          </p:cNvPr>
-          <p:cNvSpPr>
-            <a:spLocks noGrp="1"/>
-          </p:cNvSpPr>
-          <p:nvPr>
-            <p:ph type="title"/>
-          </p:nvPr>
-        </p:nvSpPr>
-        <p:spPr/>
-        <p:txBody>
-          <a:bodyPr/>
-          <a:lstStyle/>
-          <a:p>
-            <a:pPr algn="ctr"/>
-            <a:r>
-              <a:rPr lang="en-US" dirty="0"/>
-              <a:t>Scales</a:t>
-            </a:r>
-          </a:p>
-        </p:txBody>
-      </p:sp>
-      <p:sp>
-        <p:nvSpPr>
-          <p:cNvPr id="3" name="Content Placeholder 2">
-            <a:extLst>
-              <a:ext uri="{FF2B5EF4-FFF2-40B4-BE49-F238E27FC236}">
-                <a16:creationId xmlns:a16="http://schemas.microsoft.com/office/drawing/2014/main" id="{69C0A044-78D4-4726-8848-F62C5F4FFD5F}"/>
-              </a:ext>
-            </a:extLst>
-          </p:cNvPr>
-          <p:cNvSpPr>
-            <a:spLocks noGrp="1"/>
-          </p:cNvSpPr>
-          <p:nvPr>
-            <p:ph idx="1"/>
-          </p:nvPr>
-        </p:nvSpPr>
-        <p:spPr>
-          <a:xfrm>
-            <a:off x="838199" y="1570405"/>
-            <a:ext cx="10515600" cy="1781733"/>
-          </a:xfrm>
-        </p:spPr>
-        <p:txBody>
-          <a:bodyPr/>
-          <a:lstStyle/>
-          <a:p>
-            <a:pPr marL="0" indent="0">
-              <a:buNone/>
-            </a:pPr>
-            <a:r>
-              <a:rPr lang="en-US" dirty="0"/>
-              <a:t>Control the way your data is mapped to your </a:t>
-            </a:r>
-            <a:r>
-              <a:rPr lang="en-US" dirty="0" err="1"/>
-              <a:t>geom</a:t>
-            </a:r>
-            <a:r>
-              <a:rPr lang="en-US" dirty="0"/>
-              <a:t> and are required for every aesthetic. </a:t>
-            </a:r>
-          </a:p>
-        </p:txBody>
-      </p:sp>
-      <p:sp>
-        <p:nvSpPr>
-          <p:cNvPr id="4" name="Footer Placeholder 3">
-            <a:extLst>
-              <a:ext uri="{FF2B5EF4-FFF2-40B4-BE49-F238E27FC236}">
-                <a16:creationId xmlns:a16="http://schemas.microsoft.com/office/drawing/2014/main" id="{903ABC76-317B-4A6C-BD62-A421DC75C7CE}"/>
-              </a:ext>
-            </a:extLst>
-          </p:cNvPr>
-          <p:cNvSpPr>
-            <a:spLocks noGrp="1"/>
-          </p:cNvSpPr>
-          <p:nvPr>
-            <p:ph type="ftr" sz="quarter" idx="11"/>
-          </p:nvPr>
-        </p:nvSpPr>
-        <p:spPr/>
-        <p:txBody>
-          <a:bodyPr/>
-          <a:lstStyle/>
-          <a:p>
-            <a:r>
-              <a:rPr lang="en-US"/>
-              <a:t>CERF 2019 | The Next Step with R | Cressman and Dunnigan</a:t>
-            </a:r>
-          </a:p>
-        </p:txBody>
-      </p:sp>
-      <p:sp>
-        <p:nvSpPr>
-          <p:cNvPr id="5" name="Slide Number Placeholder 4">
-            <a:extLst>
-              <a:ext uri="{FF2B5EF4-FFF2-40B4-BE49-F238E27FC236}">
-                <a16:creationId xmlns:a16="http://schemas.microsoft.com/office/drawing/2014/main" id="{7CF24284-6E6B-41D2-A570-F79123049F43}"/>
-              </a:ext>
-            </a:extLst>
-          </p:cNvPr>
-          <p:cNvSpPr>
-            <a:spLocks noGrp="1"/>
-          </p:cNvSpPr>
-          <p:nvPr>
-            <p:ph type="sldNum" sz="quarter" idx="12"/>
-          </p:nvPr>
-        </p:nvSpPr>
-        <p:spPr/>
-        <p:txBody>
-          <a:bodyPr/>
-          <a:lstStyle/>
-          <a:p>
-            <a:fld id="{1D07C8D9-AA71-438D-86BE-7B86F7F29DC7}" type="slidenum">
-              <a:rPr lang="en-US" smtClean="0"/>
-              <a:t>56</a:t>
             </a:fld>
             <a:endParaRPr lang="en-US"/>
           </a:p>
@@ -21617,14 +20878,14 @@
           <p:nvPr/>
         </p:nvPicPr>
         <p:blipFill rotWithShape="1">
-          <a:blip r:embed="rId2"/>
+          <a:blip r:embed="rId3"/>
           <a:srcRect l="1201" t="1868"/>
           <a:stretch/>
         </p:blipFill>
         <p:spPr>
           <a:xfrm>
-            <a:off x="3400531" y="2283940"/>
-            <a:ext cx="5427288" cy="3037922"/>
+            <a:off x="2847870" y="1837412"/>
+            <a:ext cx="6335485" cy="3546285"/>
           </a:xfrm>
           <a:prstGeom prst="rect">
             <a:avLst/>
@@ -21645,28 +20906,28 @@
         </p:nvSpPr>
         <p:spPr>
           <a:xfrm>
-            <a:off x="9364226" y="2895254"/>
+            <a:off x="9344130" y="2593982"/>
             <a:ext cx="2381459" cy="2210638"/>
           </a:xfrm>
           <a:prstGeom prst="wedgeRoundRectCallout">
             <a:avLst>
-              <a:gd name="adj1" fmla="val -78639"/>
-              <a:gd name="adj2" fmla="val -7954"/>
+              <a:gd name="adj1" fmla="val -66403"/>
+              <a:gd name="adj2" fmla="val -36136"/>
               <a:gd name="adj3" fmla="val 16667"/>
             </a:avLst>
           </a:prstGeom>
         </p:spPr>
         <p:style>
           <a:lnRef idx="2">
-            <a:schemeClr val="accent1">
+            <a:schemeClr val="accent6">
               <a:shade val="50000"/>
             </a:schemeClr>
           </a:lnRef>
           <a:fillRef idx="1">
-            <a:schemeClr val="accent1"/>
+            <a:schemeClr val="accent6"/>
           </a:fillRef>
           <a:effectRef idx="0">
-            <a:schemeClr val="accent1"/>
+            <a:schemeClr val="accent6"/>
           </a:effectRef>
           <a:fontRef idx="minor">
             <a:schemeClr val="lt1"/>
@@ -21678,7 +20939,7 @@
           <a:p>
             <a:pPr algn="ctr"/>
             <a:r>
-              <a:rPr lang="en-US" dirty="0">
+              <a:rPr lang="en-US" sz="2000" dirty="0">
                 <a:latin typeface="Fira Code" panose="020B0809050000020004" pitchFamily="49" charset="0"/>
                 <a:ea typeface="Fira Code" panose="020B0809050000020004" pitchFamily="49" charset="0"/>
                 <a:cs typeface="Fira Code" panose="020B0809050000020004" pitchFamily="49" charset="0"/>
@@ -21686,13 +20947,9 @@
               <a:t>ggplot2</a:t>
             </a:r>
             <a:r>
-              <a:rPr lang="en-US" dirty="0"/>
+              <a:rPr lang="en-US" sz="2000" dirty="0"/>
               <a:t> selects sensible defaults, but you can provide further adjustments.</a:t>
             </a:r>
-          </a:p>
-          <a:p>
-            <a:pPr algn="ctr"/>
-            <a:endParaRPr lang="en-US" dirty="0"/>
           </a:p>
         </p:txBody>
       </p:sp>
@@ -21860,6 +21117,1231 @@
 </p:sld>
 </file>
 
+<file path=ppt/slides/slide54.xml><?xml version="1.0" encoding="utf-8"?>
+<p:sld xmlns:a="http://schemas.openxmlformats.org/drawingml/2006/main" xmlns:r="http://schemas.openxmlformats.org/officeDocument/2006/relationships" xmlns:p="http://schemas.openxmlformats.org/presentationml/2006/main">
+  <p:cSld>
+    <p:spTree>
+      <p:nvGrpSpPr>
+        <p:cNvPr id="1" name=""/>
+        <p:cNvGrpSpPr/>
+        <p:nvPr/>
+      </p:nvGrpSpPr>
+      <p:grpSpPr>
+        <a:xfrm>
+          <a:off x="0" y="0"/>
+          <a:ext cx="0" cy="0"/>
+          <a:chOff x="0" y="0"/>
+          <a:chExt cx="0" cy="0"/>
+        </a:xfrm>
+      </p:grpSpPr>
+      <p:sp>
+        <p:nvSpPr>
+          <p:cNvPr id="2" name="Title 1">
+            <a:extLst>
+              <a:ext uri="{FF2B5EF4-FFF2-40B4-BE49-F238E27FC236}">
+                <a16:creationId xmlns:a16="http://schemas.microsoft.com/office/drawing/2014/main" id="{ACD12250-152F-403C-AD13-BC709E019A48}"/>
+              </a:ext>
+            </a:extLst>
+          </p:cNvPr>
+          <p:cNvSpPr>
+            <a:spLocks noGrp="1"/>
+          </p:cNvSpPr>
+          <p:nvPr>
+            <p:ph type="title"/>
+          </p:nvPr>
+        </p:nvSpPr>
+        <p:spPr/>
+        <p:txBody>
+          <a:bodyPr/>
+          <a:lstStyle/>
+          <a:p>
+            <a:endParaRPr lang="en-US"/>
+          </a:p>
+        </p:txBody>
+      </p:sp>
+      <p:pic>
+        <p:nvPicPr>
+          <p:cNvPr id="6" name="Content Placeholder 5">
+            <a:extLst>
+              <a:ext uri="{FF2B5EF4-FFF2-40B4-BE49-F238E27FC236}">
+                <a16:creationId xmlns:a16="http://schemas.microsoft.com/office/drawing/2014/main" id="{9ABC744E-968B-42F5-8761-8BE4169237BC}"/>
+              </a:ext>
+            </a:extLst>
+          </p:cNvPr>
+          <p:cNvPicPr>
+            <a:picLocks noGrp="1" noChangeAspect="1"/>
+          </p:cNvPicPr>
+          <p:nvPr>
+            <p:ph idx="1"/>
+          </p:nvPr>
+        </p:nvPicPr>
+        <p:blipFill rotWithShape="1">
+          <a:blip r:embed="rId2"/>
+          <a:srcRect l="737" t="2041"/>
+          <a:stretch/>
+        </p:blipFill>
+        <p:spPr>
+          <a:xfrm>
+            <a:off x="3028228" y="221062"/>
+            <a:ext cx="6135543" cy="3727939"/>
+          </a:xfrm>
+          <a:prstGeom prst="rect">
+            <a:avLst/>
+          </a:prstGeom>
+        </p:spPr>
+      </p:pic>
+      <p:sp>
+        <p:nvSpPr>
+          <p:cNvPr id="4" name="Footer Placeholder 3">
+            <a:extLst>
+              <a:ext uri="{FF2B5EF4-FFF2-40B4-BE49-F238E27FC236}">
+                <a16:creationId xmlns:a16="http://schemas.microsoft.com/office/drawing/2014/main" id="{F8F839CC-76B9-4CFE-89F4-5E198E3E78C5}"/>
+              </a:ext>
+            </a:extLst>
+          </p:cNvPr>
+          <p:cNvSpPr>
+            <a:spLocks noGrp="1"/>
+          </p:cNvSpPr>
+          <p:nvPr>
+            <p:ph type="ftr" sz="quarter" idx="11"/>
+          </p:nvPr>
+        </p:nvSpPr>
+        <p:spPr/>
+        <p:txBody>
+          <a:bodyPr/>
+          <a:lstStyle/>
+          <a:p>
+            <a:r>
+              <a:rPr lang="en-US"/>
+              <a:t>CERF 2019 | The Next Step with R | Cressman and Dunnigan</a:t>
+            </a:r>
+          </a:p>
+        </p:txBody>
+      </p:sp>
+      <p:sp>
+        <p:nvSpPr>
+          <p:cNvPr id="5" name="Slide Number Placeholder 4">
+            <a:extLst>
+              <a:ext uri="{FF2B5EF4-FFF2-40B4-BE49-F238E27FC236}">
+                <a16:creationId xmlns:a16="http://schemas.microsoft.com/office/drawing/2014/main" id="{B632C4FE-D3A2-4B28-A492-4D315CD44977}"/>
+              </a:ext>
+            </a:extLst>
+          </p:cNvPr>
+          <p:cNvSpPr>
+            <a:spLocks noGrp="1"/>
+          </p:cNvSpPr>
+          <p:nvPr>
+            <p:ph type="sldNum" sz="quarter" idx="12"/>
+          </p:nvPr>
+        </p:nvSpPr>
+        <p:spPr/>
+        <p:txBody>
+          <a:bodyPr/>
+          <a:lstStyle/>
+          <a:p>
+            <a:fld id="{1D07C8D9-AA71-438D-86BE-7B86F7F29DC7}" type="slidenum">
+              <a:rPr lang="en-US" smtClean="0"/>
+              <a:t>54</a:t>
+            </a:fld>
+            <a:endParaRPr lang="en-US"/>
+          </a:p>
+        </p:txBody>
+      </p:sp>
+      <p:sp>
+        <p:nvSpPr>
+          <p:cNvPr id="7" name="TextBox 6">
+            <a:extLst>
+              <a:ext uri="{FF2B5EF4-FFF2-40B4-BE49-F238E27FC236}">
+                <a16:creationId xmlns:a16="http://schemas.microsoft.com/office/drawing/2014/main" id="{272AABC1-E1BB-4609-B71F-5F85A900EDBE}"/>
+              </a:ext>
+            </a:extLst>
+          </p:cNvPr>
+          <p:cNvSpPr txBox="1"/>
+          <p:nvPr/>
+        </p:nvSpPr>
+        <p:spPr>
+          <a:xfrm>
+            <a:off x="422031" y="4056667"/>
+            <a:ext cx="11172092" cy="2308324"/>
+          </a:xfrm>
+          <a:prstGeom prst="rect">
+            <a:avLst/>
+          </a:prstGeom>
+          <a:noFill/>
+        </p:spPr>
+        <p:txBody>
+          <a:bodyPr wrap="square" rtlCol="0">
+            <a:spAutoFit/>
+          </a:bodyPr>
+          <a:lstStyle/>
+          <a:p>
+            <a:r>
+              <a:rPr lang="en-US" sz="2400" dirty="0" err="1">
+                <a:latin typeface="Fira Code" panose="020B0809050000020004" pitchFamily="49" charset="0"/>
+                <a:ea typeface="Fira Code" panose="020B0809050000020004" pitchFamily="49" charset="0"/>
+                <a:cs typeface="Fira Code" panose="020B0809050000020004" pitchFamily="49" charset="0"/>
+              </a:rPr>
+              <a:t>ggplot</a:t>
+            </a:r>
+            <a:r>
+              <a:rPr lang="en-US" sz="2400" dirty="0">
+                <a:latin typeface="Fira Code" panose="020B0809050000020004" pitchFamily="49" charset="0"/>
+                <a:ea typeface="Fira Code" panose="020B0809050000020004" pitchFamily="49" charset="0"/>
+                <a:cs typeface="Fira Code" panose="020B0809050000020004" pitchFamily="49" charset="0"/>
+              </a:rPr>
+              <a:t>(</a:t>
+            </a:r>
+            <a:r>
+              <a:rPr lang="en-US" sz="2400" dirty="0" err="1">
+                <a:latin typeface="Fira Code" panose="020B0809050000020004" pitchFamily="49" charset="0"/>
+                <a:ea typeface="Fira Code" panose="020B0809050000020004" pitchFamily="49" charset="0"/>
+                <a:cs typeface="Fira Code" panose="020B0809050000020004" pitchFamily="49" charset="0"/>
+              </a:rPr>
+              <a:t>wq</a:t>
+            </a:r>
+            <a:r>
+              <a:rPr lang="en-US" sz="2400" dirty="0">
+                <a:latin typeface="Fira Code" panose="020B0809050000020004" pitchFamily="49" charset="0"/>
+                <a:ea typeface="Fira Code" panose="020B0809050000020004" pitchFamily="49" charset="0"/>
+                <a:cs typeface="Fira Code" panose="020B0809050000020004" pitchFamily="49" charset="0"/>
+              </a:rPr>
+              <a:t>, </a:t>
+            </a:r>
+            <a:r>
+              <a:rPr lang="en-US" sz="2400" dirty="0" err="1">
+                <a:latin typeface="Fira Code" panose="020B0809050000020004" pitchFamily="49" charset="0"/>
+                <a:ea typeface="Fira Code" panose="020B0809050000020004" pitchFamily="49" charset="0"/>
+                <a:cs typeface="Fira Code" panose="020B0809050000020004" pitchFamily="49" charset="0"/>
+              </a:rPr>
+              <a:t>aes</a:t>
+            </a:r>
+            <a:r>
+              <a:rPr lang="en-US" sz="2400" dirty="0">
+                <a:latin typeface="Fira Code" panose="020B0809050000020004" pitchFamily="49" charset="0"/>
+                <a:ea typeface="Fira Code" panose="020B0809050000020004" pitchFamily="49" charset="0"/>
+                <a:cs typeface="Fira Code" panose="020B0809050000020004" pitchFamily="49" charset="0"/>
+              </a:rPr>
+              <a:t>(x = temp, y = </a:t>
+            </a:r>
+            <a:r>
+              <a:rPr lang="en-US" sz="2400" dirty="0" err="1">
+                <a:latin typeface="Fira Code" panose="020B0809050000020004" pitchFamily="49" charset="0"/>
+                <a:ea typeface="Fira Code" panose="020B0809050000020004" pitchFamily="49" charset="0"/>
+                <a:cs typeface="Fira Code" panose="020B0809050000020004" pitchFamily="49" charset="0"/>
+              </a:rPr>
+              <a:t>do_mgl</a:t>
+            </a:r>
+            <a:r>
+              <a:rPr lang="en-US" sz="2400" dirty="0">
+                <a:latin typeface="Fira Code" panose="020B0809050000020004" pitchFamily="49" charset="0"/>
+                <a:ea typeface="Fira Code" panose="020B0809050000020004" pitchFamily="49" charset="0"/>
+                <a:cs typeface="Fira Code" panose="020B0809050000020004" pitchFamily="49" charset="0"/>
+              </a:rPr>
+              <a:t>)) +</a:t>
+            </a:r>
+          </a:p>
+          <a:p>
+            <a:r>
+              <a:rPr lang="en-US" sz="2400" dirty="0">
+                <a:latin typeface="Fira Code" panose="020B0809050000020004" pitchFamily="49" charset="0"/>
+                <a:ea typeface="Fira Code" panose="020B0809050000020004" pitchFamily="49" charset="0"/>
+                <a:cs typeface="Fira Code" panose="020B0809050000020004" pitchFamily="49" charset="0"/>
+              </a:rPr>
+              <a:t>  </a:t>
+            </a:r>
+            <a:r>
+              <a:rPr lang="en-US" sz="2400" dirty="0" err="1">
+                <a:latin typeface="Fira Code" panose="020B0809050000020004" pitchFamily="49" charset="0"/>
+                <a:ea typeface="Fira Code" panose="020B0809050000020004" pitchFamily="49" charset="0"/>
+                <a:cs typeface="Fira Code" panose="020B0809050000020004" pitchFamily="49" charset="0"/>
+              </a:rPr>
+              <a:t>geom_point</a:t>
+            </a:r>
+            <a:r>
+              <a:rPr lang="en-US" sz="2400" dirty="0">
+                <a:latin typeface="Fira Code" panose="020B0809050000020004" pitchFamily="49" charset="0"/>
+                <a:ea typeface="Fira Code" panose="020B0809050000020004" pitchFamily="49" charset="0"/>
+                <a:cs typeface="Fira Code" panose="020B0809050000020004" pitchFamily="49" charset="0"/>
+              </a:rPr>
+              <a:t>(</a:t>
+            </a:r>
+            <a:r>
+              <a:rPr lang="en-US" sz="2400" dirty="0" err="1">
+                <a:latin typeface="Fira Code" panose="020B0809050000020004" pitchFamily="49" charset="0"/>
+                <a:ea typeface="Fira Code" panose="020B0809050000020004" pitchFamily="49" charset="0"/>
+                <a:cs typeface="Fira Code" panose="020B0809050000020004" pitchFamily="49" charset="0"/>
+              </a:rPr>
+              <a:t>aes</a:t>
+            </a:r>
+            <a:r>
+              <a:rPr lang="en-US" sz="2400" dirty="0">
+                <a:latin typeface="Fira Code" panose="020B0809050000020004" pitchFamily="49" charset="0"/>
+                <a:ea typeface="Fira Code" panose="020B0809050000020004" pitchFamily="49" charset="0"/>
+                <a:cs typeface="Fira Code" panose="020B0809050000020004" pitchFamily="49" charset="0"/>
+              </a:rPr>
+              <a:t>(shape = coast, color = state), size = 3) +</a:t>
+            </a:r>
+          </a:p>
+          <a:p>
+            <a:r>
+              <a:rPr lang="en-US" sz="2400" dirty="0">
+                <a:latin typeface="Fira Code" panose="020B0809050000020004" pitchFamily="49" charset="0"/>
+                <a:ea typeface="Fira Code" panose="020B0809050000020004" pitchFamily="49" charset="0"/>
+                <a:cs typeface="Fira Code" panose="020B0809050000020004" pitchFamily="49" charset="0"/>
+              </a:rPr>
+              <a:t>  </a:t>
+            </a:r>
+            <a:r>
+              <a:rPr lang="en-US" sz="2400" dirty="0" err="1">
+                <a:solidFill>
+                  <a:schemeClr val="accent6">
+                    <a:lumMod val="75000"/>
+                  </a:schemeClr>
+                </a:solidFill>
+                <a:latin typeface="Fira Code" panose="020B0809050000020004" pitchFamily="49" charset="0"/>
+                <a:ea typeface="Fira Code" panose="020B0809050000020004" pitchFamily="49" charset="0"/>
+                <a:cs typeface="Fira Code" panose="020B0809050000020004" pitchFamily="49" charset="0"/>
+              </a:rPr>
+              <a:t>scale_shape_discrete</a:t>
+            </a:r>
+            <a:r>
+              <a:rPr lang="en-US" sz="2400" dirty="0">
+                <a:latin typeface="Fira Code" panose="020B0809050000020004" pitchFamily="49" charset="0"/>
+                <a:ea typeface="Fira Code" panose="020B0809050000020004" pitchFamily="49" charset="0"/>
+                <a:cs typeface="Fira Code" panose="020B0809050000020004" pitchFamily="49" charset="0"/>
+              </a:rPr>
+              <a:t>(name = "US Coast") +</a:t>
+            </a:r>
+          </a:p>
+          <a:p>
+            <a:r>
+              <a:rPr lang="en-US" sz="2400" dirty="0">
+                <a:latin typeface="Fira Code" panose="020B0809050000020004" pitchFamily="49" charset="0"/>
+                <a:ea typeface="Fira Code" panose="020B0809050000020004" pitchFamily="49" charset="0"/>
+                <a:cs typeface="Fira Code" panose="020B0809050000020004" pitchFamily="49" charset="0"/>
+              </a:rPr>
+              <a:t>  </a:t>
+            </a:r>
+            <a:r>
+              <a:rPr lang="en-US" sz="2400" dirty="0" err="1">
+                <a:solidFill>
+                  <a:schemeClr val="accent6">
+                    <a:lumMod val="75000"/>
+                  </a:schemeClr>
+                </a:solidFill>
+                <a:latin typeface="Fira Code" panose="020B0809050000020004" pitchFamily="49" charset="0"/>
+                <a:ea typeface="Fira Code" panose="020B0809050000020004" pitchFamily="49" charset="0"/>
+                <a:cs typeface="Fira Code" panose="020B0809050000020004" pitchFamily="49" charset="0"/>
+              </a:rPr>
+              <a:t>scale_color_discrete</a:t>
+            </a:r>
+            <a:r>
+              <a:rPr lang="en-US" sz="2400" dirty="0">
+                <a:latin typeface="Fira Code" panose="020B0809050000020004" pitchFamily="49" charset="0"/>
+                <a:ea typeface="Fira Code" panose="020B0809050000020004" pitchFamily="49" charset="0"/>
+                <a:cs typeface="Fira Code" panose="020B0809050000020004" pitchFamily="49" charset="0"/>
+              </a:rPr>
+              <a:t>(name = "US State") +</a:t>
+            </a:r>
+          </a:p>
+          <a:p>
+            <a:r>
+              <a:rPr lang="en-US" sz="2400" dirty="0">
+                <a:latin typeface="Fira Code" panose="020B0809050000020004" pitchFamily="49" charset="0"/>
+                <a:ea typeface="Fira Code" panose="020B0809050000020004" pitchFamily="49" charset="0"/>
+                <a:cs typeface="Fira Code" panose="020B0809050000020004" pitchFamily="49" charset="0"/>
+              </a:rPr>
+              <a:t>  </a:t>
+            </a:r>
+            <a:r>
+              <a:rPr lang="en-US" sz="2400" dirty="0" err="1">
+                <a:solidFill>
+                  <a:schemeClr val="accent6">
+                    <a:lumMod val="75000"/>
+                  </a:schemeClr>
+                </a:solidFill>
+                <a:latin typeface="Fira Code" panose="020B0809050000020004" pitchFamily="49" charset="0"/>
+                <a:ea typeface="Fira Code" panose="020B0809050000020004" pitchFamily="49" charset="0"/>
+                <a:cs typeface="Fira Code" panose="020B0809050000020004" pitchFamily="49" charset="0"/>
+              </a:rPr>
+              <a:t>scale_y_continuous</a:t>
+            </a:r>
+            <a:r>
+              <a:rPr lang="en-US" sz="2400" dirty="0">
+                <a:latin typeface="Fira Code" panose="020B0809050000020004" pitchFamily="49" charset="0"/>
+                <a:ea typeface="Fira Code" panose="020B0809050000020004" pitchFamily="49" charset="0"/>
+                <a:cs typeface="Fira Code" panose="020B0809050000020004" pitchFamily="49" charset="0"/>
+              </a:rPr>
+              <a:t>(breaks = c(2, 4, 6, 8, 10)) +</a:t>
+            </a:r>
+          </a:p>
+          <a:p>
+            <a:r>
+              <a:rPr lang="en-US" sz="2400" dirty="0">
+                <a:latin typeface="Fira Code" panose="020B0809050000020004" pitchFamily="49" charset="0"/>
+                <a:ea typeface="Fira Code" panose="020B0809050000020004" pitchFamily="49" charset="0"/>
+                <a:cs typeface="Fira Code" panose="020B0809050000020004" pitchFamily="49" charset="0"/>
+              </a:rPr>
+              <a:t>  </a:t>
+            </a:r>
+            <a:r>
+              <a:rPr lang="en-US" sz="2400" dirty="0" err="1">
+                <a:solidFill>
+                  <a:schemeClr val="accent6">
+                    <a:lumMod val="75000"/>
+                  </a:schemeClr>
+                </a:solidFill>
+                <a:latin typeface="Fira Code" panose="020B0809050000020004" pitchFamily="49" charset="0"/>
+                <a:ea typeface="Fira Code" panose="020B0809050000020004" pitchFamily="49" charset="0"/>
+                <a:cs typeface="Fira Code" panose="020B0809050000020004" pitchFamily="49" charset="0"/>
+              </a:rPr>
+              <a:t>scale_x_continuous</a:t>
+            </a:r>
+            <a:r>
+              <a:rPr lang="en-US" sz="2400" dirty="0">
+                <a:latin typeface="Fira Code" panose="020B0809050000020004" pitchFamily="49" charset="0"/>
+                <a:ea typeface="Fira Code" panose="020B0809050000020004" pitchFamily="49" charset="0"/>
+                <a:cs typeface="Fira Code" panose="020B0809050000020004" pitchFamily="49" charset="0"/>
+              </a:rPr>
+              <a:t>(breaks = c(5, 10, 15, 20, 25, 30, 35))</a:t>
+            </a:r>
+          </a:p>
+        </p:txBody>
+      </p:sp>
+      <p:sp>
+        <p:nvSpPr>
+          <p:cNvPr id="8" name="Callout: Double Bent Line 7">
+            <a:extLst>
+              <a:ext uri="{FF2B5EF4-FFF2-40B4-BE49-F238E27FC236}">
+                <a16:creationId xmlns:a16="http://schemas.microsoft.com/office/drawing/2014/main" id="{EBD05F19-9A46-4C8E-8C05-DACFC5C0B190}"/>
+              </a:ext>
+            </a:extLst>
+          </p:cNvPr>
+          <p:cNvSpPr/>
+          <p:nvPr/>
+        </p:nvSpPr>
+        <p:spPr>
+          <a:xfrm>
+            <a:off x="633046" y="1326382"/>
+            <a:ext cx="2100106" cy="1868994"/>
+          </a:xfrm>
+          <a:prstGeom prst="borderCallout3">
+            <a:avLst>
+              <a:gd name="adj1" fmla="val 18750"/>
+              <a:gd name="adj2" fmla="val -8333"/>
+              <a:gd name="adj3" fmla="val 18750"/>
+              <a:gd name="adj4" fmla="val -16667"/>
+              <a:gd name="adj5" fmla="val 214516"/>
+              <a:gd name="adj6" fmla="val -17624"/>
+              <a:gd name="adj7" fmla="val 214576"/>
+              <a:gd name="adj8" fmla="val -677"/>
+            </a:avLst>
+          </a:prstGeom>
+        </p:spPr>
+        <p:style>
+          <a:lnRef idx="2">
+            <a:schemeClr val="accent6">
+              <a:shade val="50000"/>
+            </a:schemeClr>
+          </a:lnRef>
+          <a:fillRef idx="1">
+            <a:schemeClr val="accent6"/>
+          </a:fillRef>
+          <a:effectRef idx="0">
+            <a:schemeClr val="accent6"/>
+          </a:effectRef>
+          <a:fontRef idx="minor">
+            <a:schemeClr val="lt1"/>
+          </a:fontRef>
+        </p:style>
+        <p:txBody>
+          <a:bodyPr rtlCol="0" anchor="ctr"/>
+          <a:lstStyle/>
+          <a:p>
+            <a:pPr algn="ctr"/>
+            <a:r>
+              <a:rPr lang="en-US" sz="2000" dirty="0"/>
+              <a:t>The specific scale function you use is dependent on the type of scale </a:t>
+            </a:r>
+          </a:p>
+        </p:txBody>
+      </p:sp>
+      <p:sp>
+        <p:nvSpPr>
+          <p:cNvPr id="10" name="Left Brace 9">
+            <a:extLst>
+              <a:ext uri="{FF2B5EF4-FFF2-40B4-BE49-F238E27FC236}">
+                <a16:creationId xmlns:a16="http://schemas.microsoft.com/office/drawing/2014/main" id="{6A9C6003-406E-446F-87DE-01FE46A58E07}"/>
+              </a:ext>
+            </a:extLst>
+          </p:cNvPr>
+          <p:cNvSpPr/>
+          <p:nvPr/>
+        </p:nvSpPr>
+        <p:spPr>
+          <a:xfrm>
+            <a:off x="597877" y="4826000"/>
+            <a:ext cx="240323" cy="1530350"/>
+          </a:xfrm>
+          <a:prstGeom prst="leftBrace">
+            <a:avLst>
+              <a:gd name="adj1" fmla="val 8333"/>
+              <a:gd name="adj2" fmla="val 33320"/>
+            </a:avLst>
+          </a:prstGeom>
+          <a:ln w="12700">
+            <a:solidFill>
+              <a:srgbClr val="B66D31"/>
+            </a:solidFill>
+          </a:ln>
+        </p:spPr>
+        <p:style>
+          <a:lnRef idx="1">
+            <a:schemeClr val="accent1"/>
+          </a:lnRef>
+          <a:fillRef idx="0">
+            <a:schemeClr val="accent1"/>
+          </a:fillRef>
+          <a:effectRef idx="0">
+            <a:schemeClr val="accent1"/>
+          </a:effectRef>
+          <a:fontRef idx="minor">
+            <a:schemeClr val="tx1"/>
+          </a:fontRef>
+        </p:style>
+        <p:txBody>
+          <a:bodyPr rtlCol="0" anchor="ctr"/>
+          <a:lstStyle/>
+          <a:p>
+            <a:pPr algn="ctr"/>
+            <a:endParaRPr lang="en-US" baseline="-25000" dirty="0"/>
+          </a:p>
+        </p:txBody>
+      </p:sp>
+    </p:spTree>
+    <p:extLst>
+      <p:ext uri="{BB962C8B-B14F-4D97-AF65-F5344CB8AC3E}">
+        <p14:creationId xmlns:p14="http://schemas.microsoft.com/office/powerpoint/2010/main" val="1545000460"/>
+      </p:ext>
+    </p:extLst>
+  </p:cSld>
+  <p:clrMapOvr>
+    <a:masterClrMapping/>
+  </p:clrMapOvr>
+</p:sld>
+</file>
+
+<file path=ppt/slides/slide55.xml><?xml version="1.0" encoding="utf-8"?>
+<p:sld xmlns:a="http://schemas.openxmlformats.org/drawingml/2006/main" xmlns:r="http://schemas.openxmlformats.org/officeDocument/2006/relationships" xmlns:p="http://schemas.openxmlformats.org/presentationml/2006/main">
+  <p:cSld>
+    <p:spTree>
+      <p:nvGrpSpPr>
+        <p:cNvPr id="1" name=""/>
+        <p:cNvGrpSpPr/>
+        <p:nvPr/>
+      </p:nvGrpSpPr>
+      <p:grpSpPr>
+        <a:xfrm>
+          <a:off x="0" y="0"/>
+          <a:ext cx="0" cy="0"/>
+          <a:chOff x="0" y="0"/>
+          <a:chExt cx="0" cy="0"/>
+        </a:xfrm>
+      </p:grpSpPr>
+      <p:pic>
+        <p:nvPicPr>
+          <p:cNvPr id="9" name="Picture 8">
+            <a:extLst>
+              <a:ext uri="{FF2B5EF4-FFF2-40B4-BE49-F238E27FC236}">
+                <a16:creationId xmlns:a16="http://schemas.microsoft.com/office/drawing/2014/main" id="{2210BF06-10A8-4A34-BAB6-E5F7D36247D3}"/>
+              </a:ext>
+            </a:extLst>
+          </p:cNvPr>
+          <p:cNvPicPr>
+            <a:picLocks noChangeAspect="1"/>
+          </p:cNvPicPr>
+          <p:nvPr/>
+        </p:nvPicPr>
+        <p:blipFill rotWithShape="1">
+          <a:blip r:embed="rId2"/>
+          <a:srcRect l="837" t="1004" r="407"/>
+          <a:stretch/>
+        </p:blipFill>
+        <p:spPr>
+          <a:xfrm>
+            <a:off x="2794000" y="1348264"/>
+            <a:ext cx="6167120" cy="3784422"/>
+          </a:xfrm>
+          <a:prstGeom prst="rect">
+            <a:avLst/>
+          </a:prstGeom>
+        </p:spPr>
+      </p:pic>
+      <p:sp>
+        <p:nvSpPr>
+          <p:cNvPr id="2" name="Title 1">
+            <a:extLst>
+              <a:ext uri="{FF2B5EF4-FFF2-40B4-BE49-F238E27FC236}">
+                <a16:creationId xmlns:a16="http://schemas.microsoft.com/office/drawing/2014/main" id="{7F66DEE1-DFB2-4B07-8E77-7892C9FEB8CB}"/>
+              </a:ext>
+            </a:extLst>
+          </p:cNvPr>
+          <p:cNvSpPr>
+            <a:spLocks noGrp="1"/>
+          </p:cNvSpPr>
+          <p:nvPr>
+            <p:ph type="title"/>
+          </p:nvPr>
+        </p:nvSpPr>
+        <p:spPr/>
+        <p:txBody>
+          <a:bodyPr/>
+          <a:lstStyle/>
+          <a:p>
+            <a:pPr algn="ctr"/>
+            <a:r>
+              <a:rPr lang="en-US" dirty="0"/>
+              <a:t> </a:t>
+            </a:r>
+            <a:r>
+              <a:rPr lang="en-US" sz="4000" dirty="0" err="1">
+                <a:latin typeface="Fira Code" panose="020B0809050000020004" pitchFamily="49" charset="0"/>
+                <a:ea typeface="Fira Code" panose="020B0809050000020004" pitchFamily="49" charset="0"/>
+                <a:cs typeface="Fira Code" panose="020B0809050000020004" pitchFamily="49" charset="0"/>
+              </a:rPr>
+              <a:t>scale_color_brewer</a:t>
+            </a:r>
+            <a:r>
+              <a:rPr lang="en-US" sz="4000" dirty="0">
+                <a:latin typeface="Fira Code" panose="020B0809050000020004" pitchFamily="49" charset="0"/>
+                <a:ea typeface="Fira Code" panose="020B0809050000020004" pitchFamily="49" charset="0"/>
+                <a:cs typeface="Fira Code" panose="020B0809050000020004" pitchFamily="49" charset="0"/>
+              </a:rPr>
+              <a:t>()</a:t>
+            </a:r>
+            <a:endParaRPr lang="en-US" dirty="0">
+              <a:latin typeface="Fira Code" panose="020B0809050000020004" pitchFamily="49" charset="0"/>
+              <a:ea typeface="Fira Code" panose="020B0809050000020004" pitchFamily="49" charset="0"/>
+              <a:cs typeface="Fira Code" panose="020B0809050000020004" pitchFamily="49" charset="0"/>
+            </a:endParaRPr>
+          </a:p>
+        </p:txBody>
+      </p:sp>
+      <p:sp>
+        <p:nvSpPr>
+          <p:cNvPr id="4" name="Footer Placeholder 3">
+            <a:extLst>
+              <a:ext uri="{FF2B5EF4-FFF2-40B4-BE49-F238E27FC236}">
+                <a16:creationId xmlns:a16="http://schemas.microsoft.com/office/drawing/2014/main" id="{36624BD2-AD0C-46A3-A5D2-15D35EBCCB27}"/>
+              </a:ext>
+            </a:extLst>
+          </p:cNvPr>
+          <p:cNvSpPr>
+            <a:spLocks noGrp="1"/>
+          </p:cNvSpPr>
+          <p:nvPr>
+            <p:ph type="ftr" sz="quarter" idx="11"/>
+          </p:nvPr>
+        </p:nvSpPr>
+        <p:spPr/>
+        <p:txBody>
+          <a:bodyPr/>
+          <a:lstStyle/>
+          <a:p>
+            <a:r>
+              <a:rPr lang="en-US"/>
+              <a:t>CERF 2019 | The Next Step with R | Cressman and Dunnigan</a:t>
+            </a:r>
+          </a:p>
+        </p:txBody>
+      </p:sp>
+      <p:sp>
+        <p:nvSpPr>
+          <p:cNvPr id="5" name="Slide Number Placeholder 4">
+            <a:extLst>
+              <a:ext uri="{FF2B5EF4-FFF2-40B4-BE49-F238E27FC236}">
+                <a16:creationId xmlns:a16="http://schemas.microsoft.com/office/drawing/2014/main" id="{24ECB114-A594-477B-AF95-AF4AEF74DA1C}"/>
+              </a:ext>
+            </a:extLst>
+          </p:cNvPr>
+          <p:cNvSpPr>
+            <a:spLocks noGrp="1"/>
+          </p:cNvSpPr>
+          <p:nvPr>
+            <p:ph type="sldNum" sz="quarter" idx="12"/>
+          </p:nvPr>
+        </p:nvSpPr>
+        <p:spPr/>
+        <p:txBody>
+          <a:bodyPr/>
+          <a:lstStyle/>
+          <a:p>
+            <a:fld id="{1D07C8D9-AA71-438D-86BE-7B86F7F29DC7}" type="slidenum">
+              <a:rPr lang="en-US" smtClean="0"/>
+              <a:t>55</a:t>
+            </a:fld>
+            <a:endParaRPr lang="en-US"/>
+          </a:p>
+        </p:txBody>
+      </p:sp>
+      <p:sp>
+        <p:nvSpPr>
+          <p:cNvPr id="6" name="Rectangle 5">
+            <a:extLst>
+              <a:ext uri="{FF2B5EF4-FFF2-40B4-BE49-F238E27FC236}">
+                <a16:creationId xmlns:a16="http://schemas.microsoft.com/office/drawing/2014/main" id="{F8C85CF0-6789-4D1C-B340-B2FD110B9A8E}"/>
+              </a:ext>
+            </a:extLst>
+          </p:cNvPr>
+          <p:cNvSpPr/>
+          <p:nvPr/>
+        </p:nvSpPr>
+        <p:spPr>
+          <a:xfrm>
+            <a:off x="337595" y="5156021"/>
+            <a:ext cx="11516810" cy="1200329"/>
+          </a:xfrm>
+          <a:prstGeom prst="rect">
+            <a:avLst/>
+          </a:prstGeom>
+        </p:spPr>
+        <p:txBody>
+          <a:bodyPr wrap="square">
+            <a:spAutoFit/>
+          </a:bodyPr>
+          <a:lstStyle/>
+          <a:p>
+            <a:r>
+              <a:rPr lang="en-US" sz="2400" dirty="0" err="1">
+                <a:latin typeface="Fira Code" panose="020B0809050000020004" pitchFamily="49" charset="0"/>
+                <a:ea typeface="Fira Code" panose="020B0809050000020004" pitchFamily="49" charset="0"/>
+                <a:cs typeface="Fira Code" panose="020B0809050000020004" pitchFamily="49" charset="0"/>
+              </a:rPr>
+              <a:t>ggplot</a:t>
+            </a:r>
+            <a:r>
+              <a:rPr lang="en-US" sz="2400" dirty="0">
+                <a:latin typeface="Fira Code" panose="020B0809050000020004" pitchFamily="49" charset="0"/>
+                <a:ea typeface="Fira Code" panose="020B0809050000020004" pitchFamily="49" charset="0"/>
+                <a:cs typeface="Fira Code" panose="020B0809050000020004" pitchFamily="49" charset="0"/>
+              </a:rPr>
+              <a:t>(</a:t>
+            </a:r>
+            <a:r>
+              <a:rPr lang="en-US" sz="2400" dirty="0" err="1">
+                <a:latin typeface="Fira Code" panose="020B0809050000020004" pitchFamily="49" charset="0"/>
+                <a:ea typeface="Fira Code" panose="020B0809050000020004" pitchFamily="49" charset="0"/>
+                <a:cs typeface="Fira Code" panose="020B0809050000020004" pitchFamily="49" charset="0"/>
+              </a:rPr>
+              <a:t>wq</a:t>
+            </a:r>
+            <a:r>
+              <a:rPr lang="en-US" sz="2400" dirty="0">
+                <a:latin typeface="Fira Code" panose="020B0809050000020004" pitchFamily="49" charset="0"/>
+                <a:ea typeface="Fira Code" panose="020B0809050000020004" pitchFamily="49" charset="0"/>
+                <a:cs typeface="Fira Code" panose="020B0809050000020004" pitchFamily="49" charset="0"/>
+              </a:rPr>
+              <a:t>, </a:t>
+            </a:r>
+            <a:r>
+              <a:rPr lang="en-US" sz="2400" dirty="0" err="1">
+                <a:latin typeface="Fira Code" panose="020B0809050000020004" pitchFamily="49" charset="0"/>
+                <a:ea typeface="Fira Code" panose="020B0809050000020004" pitchFamily="49" charset="0"/>
+                <a:cs typeface="Fira Code" panose="020B0809050000020004" pitchFamily="49" charset="0"/>
+              </a:rPr>
+              <a:t>aes</a:t>
+            </a:r>
+            <a:r>
+              <a:rPr lang="en-US" sz="2400" dirty="0">
+                <a:latin typeface="Fira Code" panose="020B0809050000020004" pitchFamily="49" charset="0"/>
+                <a:ea typeface="Fira Code" panose="020B0809050000020004" pitchFamily="49" charset="0"/>
+                <a:cs typeface="Fira Code" panose="020B0809050000020004" pitchFamily="49" charset="0"/>
+              </a:rPr>
+              <a:t>(x = temp, y = </a:t>
+            </a:r>
+            <a:r>
+              <a:rPr lang="en-US" sz="2400" dirty="0" err="1">
+                <a:latin typeface="Fira Code" panose="020B0809050000020004" pitchFamily="49" charset="0"/>
+                <a:ea typeface="Fira Code" panose="020B0809050000020004" pitchFamily="49" charset="0"/>
+                <a:cs typeface="Fira Code" panose="020B0809050000020004" pitchFamily="49" charset="0"/>
+              </a:rPr>
+              <a:t>do_mgl</a:t>
+            </a:r>
+            <a:r>
+              <a:rPr lang="en-US" sz="2400" dirty="0">
+                <a:latin typeface="Fira Code" panose="020B0809050000020004" pitchFamily="49" charset="0"/>
+                <a:ea typeface="Fira Code" panose="020B0809050000020004" pitchFamily="49" charset="0"/>
+                <a:cs typeface="Fira Code" panose="020B0809050000020004" pitchFamily="49" charset="0"/>
+              </a:rPr>
+              <a:t>)) +</a:t>
+            </a:r>
+          </a:p>
+          <a:p>
+            <a:r>
+              <a:rPr lang="en-US" sz="2400" dirty="0">
+                <a:latin typeface="Fira Code" panose="020B0809050000020004" pitchFamily="49" charset="0"/>
+                <a:ea typeface="Fira Code" panose="020B0809050000020004" pitchFamily="49" charset="0"/>
+                <a:cs typeface="Fira Code" panose="020B0809050000020004" pitchFamily="49" charset="0"/>
+              </a:rPr>
+              <a:t>  </a:t>
+            </a:r>
+            <a:r>
+              <a:rPr lang="en-US" sz="2400" dirty="0" err="1">
+                <a:latin typeface="Fira Code" panose="020B0809050000020004" pitchFamily="49" charset="0"/>
+                <a:ea typeface="Fira Code" panose="020B0809050000020004" pitchFamily="49" charset="0"/>
+                <a:cs typeface="Fira Code" panose="020B0809050000020004" pitchFamily="49" charset="0"/>
+              </a:rPr>
+              <a:t>geom_point</a:t>
+            </a:r>
+            <a:r>
+              <a:rPr lang="en-US" sz="2400" dirty="0">
+                <a:latin typeface="Fira Code" panose="020B0809050000020004" pitchFamily="49" charset="0"/>
+                <a:ea typeface="Fira Code" panose="020B0809050000020004" pitchFamily="49" charset="0"/>
+                <a:cs typeface="Fira Code" panose="020B0809050000020004" pitchFamily="49" charset="0"/>
+              </a:rPr>
+              <a:t>(</a:t>
+            </a:r>
+            <a:r>
+              <a:rPr lang="en-US" sz="2400" dirty="0" err="1">
+                <a:latin typeface="Fira Code" panose="020B0809050000020004" pitchFamily="49" charset="0"/>
+                <a:ea typeface="Fira Code" panose="020B0809050000020004" pitchFamily="49" charset="0"/>
+                <a:cs typeface="Fira Code" panose="020B0809050000020004" pitchFamily="49" charset="0"/>
+              </a:rPr>
+              <a:t>aes</a:t>
+            </a:r>
+            <a:r>
+              <a:rPr lang="en-US" sz="2400" dirty="0">
+                <a:latin typeface="Fira Code" panose="020B0809050000020004" pitchFamily="49" charset="0"/>
+                <a:ea typeface="Fira Code" panose="020B0809050000020004" pitchFamily="49" charset="0"/>
+                <a:cs typeface="Fira Code" panose="020B0809050000020004" pitchFamily="49" charset="0"/>
+              </a:rPr>
+              <a:t>(color = state), size = 3) +</a:t>
+            </a:r>
+          </a:p>
+          <a:p>
+            <a:r>
+              <a:rPr lang="en-US" sz="2400" dirty="0">
+                <a:latin typeface="Fira Code" panose="020B0809050000020004" pitchFamily="49" charset="0"/>
+                <a:ea typeface="Fira Code" panose="020B0809050000020004" pitchFamily="49" charset="0"/>
+                <a:cs typeface="Fira Code" panose="020B0809050000020004" pitchFamily="49" charset="0"/>
+              </a:rPr>
+              <a:t>  </a:t>
+            </a:r>
+            <a:r>
+              <a:rPr lang="en-US" sz="2400" dirty="0" err="1">
+                <a:solidFill>
+                  <a:schemeClr val="accent6">
+                    <a:lumMod val="75000"/>
+                  </a:schemeClr>
+                </a:solidFill>
+                <a:latin typeface="Fira Code" panose="020B0809050000020004" pitchFamily="49" charset="0"/>
+                <a:ea typeface="Fira Code" panose="020B0809050000020004" pitchFamily="49" charset="0"/>
+                <a:cs typeface="Fira Code" panose="020B0809050000020004" pitchFamily="49" charset="0"/>
+              </a:rPr>
+              <a:t>scale_color_brewer</a:t>
+            </a:r>
+            <a:r>
+              <a:rPr lang="en-US" sz="2400" dirty="0">
+                <a:latin typeface="Fira Code" panose="020B0809050000020004" pitchFamily="49" charset="0"/>
+                <a:ea typeface="Fira Code" panose="020B0809050000020004" pitchFamily="49" charset="0"/>
+                <a:cs typeface="Fira Code" panose="020B0809050000020004" pitchFamily="49" charset="0"/>
+              </a:rPr>
+              <a:t>(</a:t>
+            </a:r>
+            <a:r>
+              <a:rPr lang="en-US" sz="2400" dirty="0">
+                <a:solidFill>
+                  <a:schemeClr val="accent6">
+                    <a:lumMod val="75000"/>
+                  </a:schemeClr>
+                </a:solidFill>
+                <a:latin typeface="Fira Code" panose="020B0809050000020004" pitchFamily="49" charset="0"/>
+                <a:ea typeface="Fira Code" panose="020B0809050000020004" pitchFamily="49" charset="0"/>
+                <a:cs typeface="Fira Code" panose="020B0809050000020004" pitchFamily="49" charset="0"/>
+              </a:rPr>
+              <a:t>type = “div", palette = “</a:t>
+            </a:r>
+            <a:r>
+              <a:rPr lang="en-US" sz="2400" dirty="0" err="1">
+                <a:solidFill>
+                  <a:schemeClr val="accent6">
+                    <a:lumMod val="75000"/>
+                  </a:schemeClr>
+                </a:solidFill>
+                <a:latin typeface="Fira Code" panose="020B0809050000020004" pitchFamily="49" charset="0"/>
+                <a:ea typeface="Fira Code" panose="020B0809050000020004" pitchFamily="49" charset="0"/>
+                <a:cs typeface="Fira Code" panose="020B0809050000020004" pitchFamily="49" charset="0"/>
+              </a:rPr>
+              <a:t>RdYlBu</a:t>
+            </a:r>
+            <a:r>
+              <a:rPr lang="en-US" sz="2400" dirty="0">
+                <a:solidFill>
+                  <a:schemeClr val="accent6">
+                    <a:lumMod val="75000"/>
+                  </a:schemeClr>
+                </a:solidFill>
+                <a:latin typeface="Fira Code" panose="020B0809050000020004" pitchFamily="49" charset="0"/>
+                <a:ea typeface="Fira Code" panose="020B0809050000020004" pitchFamily="49" charset="0"/>
+                <a:cs typeface="Fira Code" panose="020B0809050000020004" pitchFamily="49" charset="0"/>
+              </a:rPr>
+              <a:t>"</a:t>
+            </a:r>
+            <a:r>
+              <a:rPr lang="en-US" sz="2400" dirty="0">
+                <a:latin typeface="Fira Code" panose="020B0809050000020004" pitchFamily="49" charset="0"/>
+                <a:ea typeface="Fira Code" panose="020B0809050000020004" pitchFamily="49" charset="0"/>
+                <a:cs typeface="Fira Code" panose="020B0809050000020004" pitchFamily="49" charset="0"/>
+              </a:rPr>
+              <a:t>)</a:t>
+            </a:r>
+          </a:p>
+        </p:txBody>
+      </p:sp>
+      <p:sp>
+        <p:nvSpPr>
+          <p:cNvPr id="8" name="Speech Bubble: Rectangle with Corners Rounded 7">
+            <a:extLst>
+              <a:ext uri="{FF2B5EF4-FFF2-40B4-BE49-F238E27FC236}">
+                <a16:creationId xmlns:a16="http://schemas.microsoft.com/office/drawing/2014/main" id="{D9D956C3-06A1-42C1-BB9F-F41E86E6A4B1}"/>
+              </a:ext>
+            </a:extLst>
+          </p:cNvPr>
+          <p:cNvSpPr/>
+          <p:nvPr/>
+        </p:nvSpPr>
+        <p:spPr>
+          <a:xfrm>
+            <a:off x="9097444" y="2459369"/>
+            <a:ext cx="2673752" cy="1608881"/>
+          </a:xfrm>
+          <a:prstGeom prst="wedgeRoundRectCallout">
+            <a:avLst>
+              <a:gd name="adj1" fmla="val -39448"/>
+              <a:gd name="adj2" fmla="val 156745"/>
+              <a:gd name="adj3" fmla="val 16667"/>
+            </a:avLst>
+          </a:prstGeom>
+        </p:spPr>
+        <p:style>
+          <a:lnRef idx="2">
+            <a:schemeClr val="accent6">
+              <a:shade val="50000"/>
+            </a:schemeClr>
+          </a:lnRef>
+          <a:fillRef idx="1">
+            <a:schemeClr val="accent6"/>
+          </a:fillRef>
+          <a:effectRef idx="0">
+            <a:schemeClr val="accent6"/>
+          </a:effectRef>
+          <a:fontRef idx="minor">
+            <a:schemeClr val="lt1"/>
+          </a:fontRef>
+        </p:style>
+        <p:txBody>
+          <a:bodyPr rtlCol="0" anchor="ctr"/>
+          <a:lstStyle/>
+          <a:p>
+            <a:pPr algn="ctr"/>
+            <a:r>
+              <a:rPr lang="en-US" sz="2400" dirty="0"/>
+              <a:t>Visit </a:t>
+            </a:r>
+            <a:r>
+              <a:rPr lang="en-US" sz="2400" dirty="0">
+                <a:hlinkClick r:id="rId3"/>
+              </a:rPr>
+              <a:t>colorbrewer2.org </a:t>
+            </a:r>
+            <a:r>
+              <a:rPr lang="en-US" sz="2400" dirty="0"/>
+              <a:t>for more information!</a:t>
+            </a:r>
+          </a:p>
+        </p:txBody>
+      </p:sp>
+    </p:spTree>
+    <p:extLst>
+      <p:ext uri="{BB962C8B-B14F-4D97-AF65-F5344CB8AC3E}">
+        <p14:creationId xmlns:p14="http://schemas.microsoft.com/office/powerpoint/2010/main" val="599873357"/>
+      </p:ext>
+    </p:extLst>
+  </p:cSld>
+  <p:clrMapOvr>
+    <a:masterClrMapping/>
+  </p:clrMapOvr>
+</p:sld>
+</file>
+
+<file path=ppt/slides/slide56.xml><?xml version="1.0" encoding="utf-8"?>
+<p:sld xmlns:a="http://schemas.openxmlformats.org/drawingml/2006/main" xmlns:r="http://schemas.openxmlformats.org/officeDocument/2006/relationships" xmlns:p="http://schemas.openxmlformats.org/presentationml/2006/main">
+  <p:cSld>
+    <p:spTree>
+      <p:nvGrpSpPr>
+        <p:cNvPr id="1" name=""/>
+        <p:cNvGrpSpPr/>
+        <p:nvPr/>
+      </p:nvGrpSpPr>
+      <p:grpSpPr>
+        <a:xfrm>
+          <a:off x="0" y="0"/>
+          <a:ext cx="0" cy="0"/>
+          <a:chOff x="0" y="0"/>
+          <a:chExt cx="0" cy="0"/>
+        </a:xfrm>
+      </p:grpSpPr>
+      <p:sp>
+        <p:nvSpPr>
+          <p:cNvPr id="2" name="Title 1">
+            <a:extLst>
+              <a:ext uri="{FF2B5EF4-FFF2-40B4-BE49-F238E27FC236}">
+                <a16:creationId xmlns:a16="http://schemas.microsoft.com/office/drawing/2014/main" id="{7F66DEE1-DFB2-4B07-8E77-7892C9FEB8CB}"/>
+              </a:ext>
+            </a:extLst>
+          </p:cNvPr>
+          <p:cNvSpPr>
+            <a:spLocks noGrp="1"/>
+          </p:cNvSpPr>
+          <p:nvPr>
+            <p:ph type="title"/>
+          </p:nvPr>
+        </p:nvSpPr>
+        <p:spPr/>
+        <p:txBody>
+          <a:bodyPr/>
+          <a:lstStyle/>
+          <a:p>
+            <a:pPr algn="ctr"/>
+            <a:r>
+              <a:rPr lang="en-US" dirty="0"/>
+              <a:t>www.colorbrewer2.org</a:t>
+            </a:r>
+            <a:endParaRPr lang="en-US" dirty="0">
+              <a:latin typeface="Fira Code" panose="020B0809050000020004" pitchFamily="49" charset="0"/>
+              <a:ea typeface="Fira Code" panose="020B0809050000020004" pitchFamily="49" charset="0"/>
+              <a:cs typeface="Fira Code" panose="020B0809050000020004" pitchFamily="49" charset="0"/>
+            </a:endParaRPr>
+          </a:p>
+        </p:txBody>
+      </p:sp>
+      <p:sp>
+        <p:nvSpPr>
+          <p:cNvPr id="4" name="Footer Placeholder 3">
+            <a:extLst>
+              <a:ext uri="{FF2B5EF4-FFF2-40B4-BE49-F238E27FC236}">
+                <a16:creationId xmlns:a16="http://schemas.microsoft.com/office/drawing/2014/main" id="{36624BD2-AD0C-46A3-A5D2-15D35EBCCB27}"/>
+              </a:ext>
+            </a:extLst>
+          </p:cNvPr>
+          <p:cNvSpPr>
+            <a:spLocks noGrp="1"/>
+          </p:cNvSpPr>
+          <p:nvPr>
+            <p:ph type="ftr" sz="quarter" idx="11"/>
+          </p:nvPr>
+        </p:nvSpPr>
+        <p:spPr/>
+        <p:txBody>
+          <a:bodyPr/>
+          <a:lstStyle/>
+          <a:p>
+            <a:r>
+              <a:rPr lang="en-US"/>
+              <a:t>CERF 2019 | The Next Step with R | Cressman and Dunnigan</a:t>
+            </a:r>
+          </a:p>
+        </p:txBody>
+      </p:sp>
+      <p:sp>
+        <p:nvSpPr>
+          <p:cNvPr id="5" name="Slide Number Placeholder 4">
+            <a:extLst>
+              <a:ext uri="{FF2B5EF4-FFF2-40B4-BE49-F238E27FC236}">
+                <a16:creationId xmlns:a16="http://schemas.microsoft.com/office/drawing/2014/main" id="{24ECB114-A594-477B-AF95-AF4AEF74DA1C}"/>
+              </a:ext>
+            </a:extLst>
+          </p:cNvPr>
+          <p:cNvSpPr>
+            <a:spLocks noGrp="1"/>
+          </p:cNvSpPr>
+          <p:nvPr>
+            <p:ph type="sldNum" sz="quarter" idx="12"/>
+          </p:nvPr>
+        </p:nvSpPr>
+        <p:spPr/>
+        <p:txBody>
+          <a:bodyPr/>
+          <a:lstStyle/>
+          <a:p>
+            <a:fld id="{1D07C8D9-AA71-438D-86BE-7B86F7F29DC7}" type="slidenum">
+              <a:rPr lang="en-US" smtClean="0"/>
+              <a:t>56</a:t>
+            </a:fld>
+            <a:endParaRPr lang="en-US"/>
+          </a:p>
+        </p:txBody>
+      </p:sp>
+      <p:pic>
+        <p:nvPicPr>
+          <p:cNvPr id="3" name="Picture 2">
+            <a:extLst>
+              <a:ext uri="{FF2B5EF4-FFF2-40B4-BE49-F238E27FC236}">
+                <a16:creationId xmlns:a16="http://schemas.microsoft.com/office/drawing/2014/main" id="{924AC40B-0EDD-4AF1-9FE7-7F7DB62479F1}"/>
+              </a:ext>
+            </a:extLst>
+          </p:cNvPr>
+          <p:cNvPicPr>
+            <a:picLocks noChangeAspect="1"/>
+          </p:cNvPicPr>
+          <p:nvPr/>
+        </p:nvPicPr>
+        <p:blipFill>
+          <a:blip r:embed="rId2"/>
+          <a:stretch>
+            <a:fillRect/>
+          </a:stretch>
+        </p:blipFill>
+        <p:spPr>
+          <a:xfrm>
+            <a:off x="2205671" y="1334405"/>
+            <a:ext cx="7780657" cy="5387070"/>
+          </a:xfrm>
+          <a:prstGeom prst="rect">
+            <a:avLst/>
+          </a:prstGeom>
+        </p:spPr>
+      </p:pic>
+      <p:cxnSp>
+        <p:nvCxnSpPr>
+          <p:cNvPr id="12" name="Straight Arrow Connector 11">
+            <a:extLst>
+              <a:ext uri="{FF2B5EF4-FFF2-40B4-BE49-F238E27FC236}">
+                <a16:creationId xmlns:a16="http://schemas.microsoft.com/office/drawing/2014/main" id="{6424504B-9C1C-40A8-B734-456D4F0632EF}"/>
+              </a:ext>
+            </a:extLst>
+          </p:cNvPr>
+          <p:cNvCxnSpPr/>
+          <p:nvPr/>
+        </p:nvCxnSpPr>
+        <p:spPr>
+          <a:xfrm>
+            <a:off x="767034" y="3055716"/>
+            <a:ext cx="2877273" cy="590309"/>
+          </a:xfrm>
+          <a:prstGeom prst="straightConnector1">
+            <a:avLst/>
+          </a:prstGeom>
+          <a:ln w="76200">
+            <a:solidFill>
+              <a:srgbClr val="FFC000"/>
+            </a:solidFill>
+            <a:tailEnd type="triangle"/>
+          </a:ln>
+        </p:spPr>
+        <p:style>
+          <a:lnRef idx="1">
+            <a:schemeClr val="accent1"/>
+          </a:lnRef>
+          <a:fillRef idx="0">
+            <a:schemeClr val="accent1"/>
+          </a:fillRef>
+          <a:effectRef idx="0">
+            <a:schemeClr val="accent1"/>
+          </a:effectRef>
+          <a:fontRef idx="minor">
+            <a:schemeClr val="tx1"/>
+          </a:fontRef>
+        </p:style>
+      </p:cxnSp>
+    </p:spTree>
+    <p:extLst>
+      <p:ext uri="{BB962C8B-B14F-4D97-AF65-F5344CB8AC3E}">
+        <p14:creationId xmlns:p14="http://schemas.microsoft.com/office/powerpoint/2010/main" val="1587158344"/>
+      </p:ext>
+    </p:extLst>
+  </p:cSld>
+  <p:clrMapOvr>
+    <a:masterClrMapping/>
+  </p:clrMapOvr>
+  <p:timing>
+    <p:tnLst>
+      <p:par>
+        <p:cTn id="1" dur="indefinite" restart="never" nodeType="tmRoot">
+          <p:childTnLst>
+            <p:seq concurrent="1" nextAc="seek">
+              <p:cTn id="2" dur="indefinite" nodeType="mainSeq">
+                <p:childTnLst>
+                  <p:par>
+                    <p:cTn id="3" fill="hold">
+                      <p:stCondLst>
+                        <p:cond delay="indefinite"/>
+                      </p:stCondLst>
+                      <p:childTnLst>
+                        <p:par>
+                          <p:cTn id="4" fill="hold">
+                            <p:stCondLst>
+                              <p:cond delay="0"/>
+                            </p:stCondLst>
+                            <p:childTnLst>
+                              <p:par>
+                                <p:cTn id="5" presetID="1" presetClass="entr" presetSubtype="0" fill="hold" nodeType="clickEffect">
+                                  <p:stCondLst>
+                                    <p:cond delay="0"/>
+                                  </p:stCondLst>
+                                  <p:childTnLst>
+                                    <p:set>
+                                      <p:cBhvr>
+                                        <p:cTn id="6" dur="1" fill="hold">
+                                          <p:stCondLst>
+                                            <p:cond delay="0"/>
+                                          </p:stCondLst>
+                                        </p:cTn>
+                                        <p:tgtEl>
+                                          <p:spTgt spid="12"/>
+                                        </p:tgtEl>
+                                        <p:attrNameLst>
+                                          <p:attrName>style.visibility</p:attrName>
+                                        </p:attrNameLst>
+                                      </p:cBhvr>
+                                      <p:to>
+                                        <p:strVal val="visible"/>
+                                      </p:to>
+                                    </p:set>
+                                  </p:childTnLst>
+                                </p:cTn>
+                              </p:par>
+                            </p:childTnLst>
+                          </p:cTn>
+                        </p:par>
+                      </p:childTnLst>
+                    </p:cTn>
+                  </p:par>
+                </p:childTnLst>
+              </p:cTn>
+              <p:prevCondLst>
+                <p:cond evt="onPrev" delay="0">
+                  <p:tgtEl>
+                    <p:sldTgt/>
+                  </p:tgtEl>
+                </p:cond>
+              </p:prevCondLst>
+              <p:nextCondLst>
+                <p:cond evt="onNext" delay="0">
+                  <p:tgtEl>
+                    <p:sldTgt/>
+                  </p:tgtEl>
+                </p:cond>
+              </p:nextCondLst>
+            </p:seq>
+          </p:childTnLst>
+        </p:cTn>
+      </p:par>
+    </p:tnLst>
+  </p:timing>
+</p:sld>
+</file>
+
 <file path=ppt/slides/slide57.xml><?xml version="1.0" encoding="utf-8"?>
 <p:sld xmlns:a="http://schemas.openxmlformats.org/drawingml/2006/main" xmlns:r="http://schemas.openxmlformats.org/officeDocument/2006/relationships" xmlns:p="http://schemas.openxmlformats.org/presentationml/2006/main">
   <p:cSld>
@@ -21879,94 +22361,10 @@
       </p:grpSpPr>
       <p:sp>
         <p:nvSpPr>
-          <p:cNvPr id="2" name="Title 1">
-            <a:extLst>
-              <a:ext uri="{FF2B5EF4-FFF2-40B4-BE49-F238E27FC236}">
-                <a16:creationId xmlns:a16="http://schemas.microsoft.com/office/drawing/2014/main" id="{ACD12250-152F-403C-AD13-BC709E019A48}"/>
-              </a:ext>
-            </a:extLst>
-          </p:cNvPr>
-          <p:cNvSpPr>
-            <a:spLocks noGrp="1"/>
-          </p:cNvSpPr>
-          <p:nvPr>
-            <p:ph type="title"/>
-          </p:nvPr>
-        </p:nvSpPr>
-        <p:spPr/>
-        <p:txBody>
-          <a:bodyPr/>
-          <a:lstStyle/>
-          <a:p>
-            <a:endParaRPr lang="en-US"/>
-          </a:p>
-        </p:txBody>
-      </p:sp>
-      <p:pic>
-        <p:nvPicPr>
-          <p:cNvPr id="6" name="Content Placeholder 5">
-            <a:extLst>
-              <a:ext uri="{FF2B5EF4-FFF2-40B4-BE49-F238E27FC236}">
-                <a16:creationId xmlns:a16="http://schemas.microsoft.com/office/drawing/2014/main" id="{9ABC744E-968B-42F5-8761-8BE4169237BC}"/>
-              </a:ext>
-            </a:extLst>
-          </p:cNvPr>
-          <p:cNvPicPr>
-            <a:picLocks noGrp="1" noChangeAspect="1"/>
-          </p:cNvPicPr>
-          <p:nvPr>
-            <p:ph idx="1"/>
-          </p:nvPr>
-        </p:nvPicPr>
-        <p:blipFill rotWithShape="1">
-          <a:blip r:embed="rId2"/>
-          <a:srcRect l="737" t="2041"/>
-          <a:stretch/>
-        </p:blipFill>
-        <p:spPr>
-          <a:xfrm>
-            <a:off x="3175279" y="211015"/>
-            <a:ext cx="5885158" cy="3575806"/>
-          </a:xfrm>
-          <a:prstGeom prst="rect">
-            <a:avLst/>
-          </a:prstGeom>
-        </p:spPr>
-      </p:pic>
-      <p:sp>
-        <p:nvSpPr>
-          <p:cNvPr id="4" name="Footer Placeholder 3">
-            <a:extLst>
-              <a:ext uri="{FF2B5EF4-FFF2-40B4-BE49-F238E27FC236}">
-                <a16:creationId xmlns:a16="http://schemas.microsoft.com/office/drawing/2014/main" id="{F8F839CC-76B9-4CFE-89F4-5E198E3E78C5}"/>
-              </a:ext>
-            </a:extLst>
-          </p:cNvPr>
-          <p:cNvSpPr>
-            <a:spLocks noGrp="1"/>
-          </p:cNvSpPr>
-          <p:nvPr>
-            <p:ph type="ftr" sz="quarter" idx="11"/>
-          </p:nvPr>
-        </p:nvSpPr>
-        <p:spPr/>
-        <p:txBody>
-          <a:bodyPr/>
-          <a:lstStyle/>
-          <a:p>
-            <a:r>
-              <a:rPr lang="en-US"/>
-              <a:t>CERF 2019 | The Next Step with R | Cressman and Dunnigan</a:t>
-            </a:r>
-          </a:p>
-        </p:txBody>
-      </p:sp>
-      <p:sp>
-        <p:nvSpPr>
           <p:cNvPr id="5" name="Slide Number Placeholder 4">
             <a:extLst>
               <a:ext uri="{FF2B5EF4-FFF2-40B4-BE49-F238E27FC236}">
-                <a16:creationId xmlns:a16="http://schemas.microsoft.com/office/drawing/2014/main" id="{B632C4FE-D3A2-4B28-A492-4D315CD44977}"/>
+                <a16:creationId xmlns:a16="http://schemas.microsoft.com/office/drawing/2014/main" id="{7453A3CD-37F2-4D00-921B-4D1895E35745}"/>
               </a:ext>
             </a:extLst>
           </p:cNvPr>
@@ -21985,306 +22383,6 @@
             <a:fld id="{1D07C8D9-AA71-438D-86BE-7B86F7F29DC7}" type="slidenum">
               <a:rPr lang="en-US" smtClean="0"/>
               <a:t>57</a:t>
-            </a:fld>
-            <a:endParaRPr lang="en-US"/>
-          </a:p>
-        </p:txBody>
-      </p:sp>
-      <p:sp>
-        <p:nvSpPr>
-          <p:cNvPr id="7" name="TextBox 6">
-            <a:extLst>
-              <a:ext uri="{FF2B5EF4-FFF2-40B4-BE49-F238E27FC236}">
-                <a16:creationId xmlns:a16="http://schemas.microsoft.com/office/drawing/2014/main" id="{272AABC1-E1BB-4609-B71F-5F85A900EDBE}"/>
-              </a:ext>
-            </a:extLst>
-          </p:cNvPr>
-          <p:cNvSpPr txBox="1"/>
-          <p:nvPr/>
-        </p:nvSpPr>
-        <p:spPr>
-          <a:xfrm>
-            <a:off x="422031" y="4056667"/>
-            <a:ext cx="11172092" cy="2308324"/>
-          </a:xfrm>
-          <a:prstGeom prst="rect">
-            <a:avLst/>
-          </a:prstGeom>
-          <a:noFill/>
-        </p:spPr>
-        <p:txBody>
-          <a:bodyPr wrap="square" rtlCol="0">
-            <a:spAutoFit/>
-          </a:bodyPr>
-          <a:lstStyle/>
-          <a:p>
-            <a:r>
-              <a:rPr lang="en-US" sz="2400" dirty="0" err="1">
-                <a:latin typeface="Fira Code" panose="020B0809050000020004" pitchFamily="49" charset="0"/>
-                <a:ea typeface="Fira Code" panose="020B0809050000020004" pitchFamily="49" charset="0"/>
-                <a:cs typeface="Fira Code" panose="020B0809050000020004" pitchFamily="49" charset="0"/>
-              </a:rPr>
-              <a:t>ggplot</a:t>
-            </a:r>
-            <a:r>
-              <a:rPr lang="en-US" sz="2400" dirty="0">
-                <a:latin typeface="Fira Code" panose="020B0809050000020004" pitchFamily="49" charset="0"/>
-                <a:ea typeface="Fira Code" panose="020B0809050000020004" pitchFamily="49" charset="0"/>
-                <a:cs typeface="Fira Code" panose="020B0809050000020004" pitchFamily="49" charset="0"/>
-              </a:rPr>
-              <a:t>(</a:t>
-            </a:r>
-            <a:r>
-              <a:rPr lang="en-US" sz="2400" dirty="0" err="1">
-                <a:latin typeface="Fira Code" panose="020B0809050000020004" pitchFamily="49" charset="0"/>
-                <a:ea typeface="Fira Code" panose="020B0809050000020004" pitchFamily="49" charset="0"/>
-                <a:cs typeface="Fira Code" panose="020B0809050000020004" pitchFamily="49" charset="0"/>
-              </a:rPr>
-              <a:t>wq</a:t>
-            </a:r>
-            <a:r>
-              <a:rPr lang="en-US" sz="2400" dirty="0">
-                <a:latin typeface="Fira Code" panose="020B0809050000020004" pitchFamily="49" charset="0"/>
-                <a:ea typeface="Fira Code" panose="020B0809050000020004" pitchFamily="49" charset="0"/>
-                <a:cs typeface="Fira Code" panose="020B0809050000020004" pitchFamily="49" charset="0"/>
-              </a:rPr>
-              <a:t>, </a:t>
-            </a:r>
-            <a:r>
-              <a:rPr lang="en-US" sz="2400" dirty="0" err="1">
-                <a:latin typeface="Fira Code" panose="020B0809050000020004" pitchFamily="49" charset="0"/>
-                <a:ea typeface="Fira Code" panose="020B0809050000020004" pitchFamily="49" charset="0"/>
-                <a:cs typeface="Fira Code" panose="020B0809050000020004" pitchFamily="49" charset="0"/>
-              </a:rPr>
-              <a:t>aes</a:t>
-            </a:r>
-            <a:r>
-              <a:rPr lang="en-US" sz="2400" dirty="0">
-                <a:latin typeface="Fira Code" panose="020B0809050000020004" pitchFamily="49" charset="0"/>
-                <a:ea typeface="Fira Code" panose="020B0809050000020004" pitchFamily="49" charset="0"/>
-                <a:cs typeface="Fira Code" panose="020B0809050000020004" pitchFamily="49" charset="0"/>
-              </a:rPr>
-              <a:t>(x = temp, y = </a:t>
-            </a:r>
-            <a:r>
-              <a:rPr lang="en-US" sz="2400" dirty="0" err="1">
-                <a:latin typeface="Fira Code" panose="020B0809050000020004" pitchFamily="49" charset="0"/>
-                <a:ea typeface="Fira Code" panose="020B0809050000020004" pitchFamily="49" charset="0"/>
-                <a:cs typeface="Fira Code" panose="020B0809050000020004" pitchFamily="49" charset="0"/>
-              </a:rPr>
-              <a:t>do_mgl</a:t>
-            </a:r>
-            <a:r>
-              <a:rPr lang="en-US" sz="2400" dirty="0">
-                <a:latin typeface="Fira Code" panose="020B0809050000020004" pitchFamily="49" charset="0"/>
-                <a:ea typeface="Fira Code" panose="020B0809050000020004" pitchFamily="49" charset="0"/>
-                <a:cs typeface="Fira Code" panose="020B0809050000020004" pitchFamily="49" charset="0"/>
-              </a:rPr>
-              <a:t>)) +</a:t>
-            </a:r>
-          </a:p>
-          <a:p>
-            <a:r>
-              <a:rPr lang="en-US" sz="2400" dirty="0">
-                <a:latin typeface="Fira Code" panose="020B0809050000020004" pitchFamily="49" charset="0"/>
-                <a:ea typeface="Fira Code" panose="020B0809050000020004" pitchFamily="49" charset="0"/>
-                <a:cs typeface="Fira Code" panose="020B0809050000020004" pitchFamily="49" charset="0"/>
-              </a:rPr>
-              <a:t>  </a:t>
-            </a:r>
-            <a:r>
-              <a:rPr lang="en-US" sz="2400" dirty="0" err="1">
-                <a:latin typeface="Fira Code" panose="020B0809050000020004" pitchFamily="49" charset="0"/>
-                <a:ea typeface="Fira Code" panose="020B0809050000020004" pitchFamily="49" charset="0"/>
-                <a:cs typeface="Fira Code" panose="020B0809050000020004" pitchFamily="49" charset="0"/>
-              </a:rPr>
-              <a:t>geom_point</a:t>
-            </a:r>
-            <a:r>
-              <a:rPr lang="en-US" sz="2400" dirty="0">
-                <a:latin typeface="Fira Code" panose="020B0809050000020004" pitchFamily="49" charset="0"/>
-                <a:ea typeface="Fira Code" panose="020B0809050000020004" pitchFamily="49" charset="0"/>
-                <a:cs typeface="Fira Code" panose="020B0809050000020004" pitchFamily="49" charset="0"/>
-              </a:rPr>
-              <a:t>(</a:t>
-            </a:r>
-            <a:r>
-              <a:rPr lang="en-US" sz="2400" dirty="0" err="1">
-                <a:latin typeface="Fira Code" panose="020B0809050000020004" pitchFamily="49" charset="0"/>
-                <a:ea typeface="Fira Code" panose="020B0809050000020004" pitchFamily="49" charset="0"/>
-                <a:cs typeface="Fira Code" panose="020B0809050000020004" pitchFamily="49" charset="0"/>
-              </a:rPr>
-              <a:t>aes</a:t>
-            </a:r>
-            <a:r>
-              <a:rPr lang="en-US" sz="2400" dirty="0">
-                <a:latin typeface="Fira Code" panose="020B0809050000020004" pitchFamily="49" charset="0"/>
-                <a:ea typeface="Fira Code" panose="020B0809050000020004" pitchFamily="49" charset="0"/>
-                <a:cs typeface="Fira Code" panose="020B0809050000020004" pitchFamily="49" charset="0"/>
-              </a:rPr>
-              <a:t>(shape = coast, color = state), size = 3) +</a:t>
-            </a:r>
-          </a:p>
-          <a:p>
-            <a:r>
-              <a:rPr lang="en-US" sz="2400" dirty="0">
-                <a:latin typeface="Fira Code" panose="020B0809050000020004" pitchFamily="49" charset="0"/>
-                <a:ea typeface="Fira Code" panose="020B0809050000020004" pitchFamily="49" charset="0"/>
-                <a:cs typeface="Fira Code" panose="020B0809050000020004" pitchFamily="49" charset="0"/>
-              </a:rPr>
-              <a:t>  </a:t>
-            </a:r>
-            <a:r>
-              <a:rPr lang="en-US" sz="2400" dirty="0" err="1">
-                <a:latin typeface="Fira Code" panose="020B0809050000020004" pitchFamily="49" charset="0"/>
-                <a:ea typeface="Fira Code" panose="020B0809050000020004" pitchFamily="49" charset="0"/>
-                <a:cs typeface="Fira Code" panose="020B0809050000020004" pitchFamily="49" charset="0"/>
-              </a:rPr>
-              <a:t>scale_shape_discrete</a:t>
-            </a:r>
-            <a:r>
-              <a:rPr lang="en-US" sz="2400" dirty="0">
-                <a:latin typeface="Fira Code" panose="020B0809050000020004" pitchFamily="49" charset="0"/>
-                <a:ea typeface="Fira Code" panose="020B0809050000020004" pitchFamily="49" charset="0"/>
-                <a:cs typeface="Fira Code" panose="020B0809050000020004" pitchFamily="49" charset="0"/>
-              </a:rPr>
-              <a:t>(name = "US Coast") +</a:t>
-            </a:r>
-          </a:p>
-          <a:p>
-            <a:r>
-              <a:rPr lang="en-US" sz="2400" dirty="0">
-                <a:latin typeface="Fira Code" panose="020B0809050000020004" pitchFamily="49" charset="0"/>
-                <a:ea typeface="Fira Code" panose="020B0809050000020004" pitchFamily="49" charset="0"/>
-                <a:cs typeface="Fira Code" panose="020B0809050000020004" pitchFamily="49" charset="0"/>
-              </a:rPr>
-              <a:t>  </a:t>
-            </a:r>
-            <a:r>
-              <a:rPr lang="en-US" sz="2400" dirty="0" err="1">
-                <a:latin typeface="Fira Code" panose="020B0809050000020004" pitchFamily="49" charset="0"/>
-                <a:ea typeface="Fira Code" panose="020B0809050000020004" pitchFamily="49" charset="0"/>
-                <a:cs typeface="Fira Code" panose="020B0809050000020004" pitchFamily="49" charset="0"/>
-              </a:rPr>
-              <a:t>scale_color_discrete</a:t>
-            </a:r>
-            <a:r>
-              <a:rPr lang="en-US" sz="2400" dirty="0">
-                <a:latin typeface="Fira Code" panose="020B0809050000020004" pitchFamily="49" charset="0"/>
-                <a:ea typeface="Fira Code" panose="020B0809050000020004" pitchFamily="49" charset="0"/>
-                <a:cs typeface="Fira Code" panose="020B0809050000020004" pitchFamily="49" charset="0"/>
-              </a:rPr>
-              <a:t>(name = "US State") +</a:t>
-            </a:r>
-          </a:p>
-          <a:p>
-            <a:r>
-              <a:rPr lang="en-US" sz="2400" dirty="0">
-                <a:latin typeface="Fira Code" panose="020B0809050000020004" pitchFamily="49" charset="0"/>
-                <a:ea typeface="Fira Code" panose="020B0809050000020004" pitchFamily="49" charset="0"/>
-                <a:cs typeface="Fira Code" panose="020B0809050000020004" pitchFamily="49" charset="0"/>
-              </a:rPr>
-              <a:t>  </a:t>
-            </a:r>
-            <a:r>
-              <a:rPr lang="en-US" sz="2400" dirty="0" err="1">
-                <a:latin typeface="Fira Code" panose="020B0809050000020004" pitchFamily="49" charset="0"/>
-                <a:ea typeface="Fira Code" panose="020B0809050000020004" pitchFamily="49" charset="0"/>
-                <a:cs typeface="Fira Code" panose="020B0809050000020004" pitchFamily="49" charset="0"/>
-              </a:rPr>
-              <a:t>scale_y_continuous</a:t>
-            </a:r>
-            <a:r>
-              <a:rPr lang="en-US" sz="2400" dirty="0">
-                <a:latin typeface="Fira Code" panose="020B0809050000020004" pitchFamily="49" charset="0"/>
-                <a:ea typeface="Fira Code" panose="020B0809050000020004" pitchFamily="49" charset="0"/>
-                <a:cs typeface="Fira Code" panose="020B0809050000020004" pitchFamily="49" charset="0"/>
-              </a:rPr>
-              <a:t>(breaks = c(2, 4, 6, 8, 10)) +</a:t>
-            </a:r>
-          </a:p>
-          <a:p>
-            <a:r>
-              <a:rPr lang="en-US" sz="2400" dirty="0">
-                <a:latin typeface="Fira Code" panose="020B0809050000020004" pitchFamily="49" charset="0"/>
-                <a:ea typeface="Fira Code" panose="020B0809050000020004" pitchFamily="49" charset="0"/>
-                <a:cs typeface="Fira Code" panose="020B0809050000020004" pitchFamily="49" charset="0"/>
-              </a:rPr>
-              <a:t>  </a:t>
-            </a:r>
-            <a:r>
-              <a:rPr lang="en-US" sz="2400" dirty="0" err="1">
-                <a:latin typeface="Fira Code" panose="020B0809050000020004" pitchFamily="49" charset="0"/>
-                <a:ea typeface="Fira Code" panose="020B0809050000020004" pitchFamily="49" charset="0"/>
-                <a:cs typeface="Fira Code" panose="020B0809050000020004" pitchFamily="49" charset="0"/>
-              </a:rPr>
-              <a:t>scale_x_continuous</a:t>
-            </a:r>
-            <a:r>
-              <a:rPr lang="en-US" sz="2400" dirty="0">
-                <a:latin typeface="Fira Code" panose="020B0809050000020004" pitchFamily="49" charset="0"/>
-                <a:ea typeface="Fira Code" panose="020B0809050000020004" pitchFamily="49" charset="0"/>
-                <a:cs typeface="Fira Code" panose="020B0809050000020004" pitchFamily="49" charset="0"/>
-              </a:rPr>
-              <a:t>(breaks = c(5, 10, 15, 20, 25, 30, 35))</a:t>
-            </a:r>
-          </a:p>
-        </p:txBody>
-      </p:sp>
-    </p:spTree>
-    <p:extLst>
-      <p:ext uri="{BB962C8B-B14F-4D97-AF65-F5344CB8AC3E}">
-        <p14:creationId xmlns:p14="http://schemas.microsoft.com/office/powerpoint/2010/main" val="1545000460"/>
-      </p:ext>
-    </p:extLst>
-  </p:cSld>
-  <p:clrMapOvr>
-    <a:masterClrMapping/>
-  </p:clrMapOvr>
-</p:sld>
-</file>
-
-<file path=ppt/slides/slide58.xml><?xml version="1.0" encoding="utf-8"?>
-<p:sld xmlns:a="http://schemas.openxmlformats.org/drawingml/2006/main" xmlns:r="http://schemas.openxmlformats.org/officeDocument/2006/relationships" xmlns:p="http://schemas.openxmlformats.org/presentationml/2006/main">
-  <p:cSld>
-    <p:spTree>
-      <p:nvGrpSpPr>
-        <p:cNvPr id="1" name=""/>
-        <p:cNvGrpSpPr/>
-        <p:nvPr/>
-      </p:nvGrpSpPr>
-      <p:grpSpPr>
-        <a:xfrm>
-          <a:off x="0" y="0"/>
-          <a:ext cx="0" cy="0"/>
-          <a:chOff x="0" y="0"/>
-          <a:chExt cx="0" cy="0"/>
-        </a:xfrm>
-      </p:grpSpPr>
-      <p:sp>
-        <p:nvSpPr>
-          <p:cNvPr id="5" name="Slide Number Placeholder 4">
-            <a:extLst>
-              <a:ext uri="{FF2B5EF4-FFF2-40B4-BE49-F238E27FC236}">
-                <a16:creationId xmlns:a16="http://schemas.microsoft.com/office/drawing/2014/main" id="{7453A3CD-37F2-4D00-921B-4D1895E35745}"/>
-              </a:ext>
-            </a:extLst>
-          </p:cNvPr>
-          <p:cNvSpPr>
-            <a:spLocks noGrp="1"/>
-          </p:cNvSpPr>
-          <p:nvPr>
-            <p:ph type="sldNum" sz="quarter" idx="12"/>
-          </p:nvPr>
-        </p:nvSpPr>
-        <p:spPr/>
-        <p:txBody>
-          <a:bodyPr/>
-          <a:lstStyle/>
-          <a:p>
-            <a:fld id="{1D07C8D9-AA71-438D-86BE-7B86F7F29DC7}" type="slidenum">
-              <a:rPr lang="en-US" smtClean="0"/>
-              <a:t>58</a:t>
             </a:fld>
             <a:endParaRPr lang="en-US"/>
           </a:p>
@@ -22586,6 +22684,16 @@
               <a:gd name="connsiteY3" fmla="*/ 5604997 h 5604997"/>
               <a:gd name="connsiteX4" fmla="*/ 0 w 6224765"/>
               <a:gd name="connsiteY4" fmla="*/ 5571129 h 5604997"/>
+              <a:gd name="connsiteX0" fmla="*/ 0 w 6224765"/>
+              <a:gd name="connsiteY0" fmla="*/ 5588816 h 5604997"/>
+              <a:gd name="connsiteX1" fmla="*/ 1231900 w 6224765"/>
+              <a:gd name="connsiteY1" fmla="*/ 61 h 5604997"/>
+              <a:gd name="connsiteX2" fmla="*/ 4371976 w 6224765"/>
+              <a:gd name="connsiteY2" fmla="*/ 0 h 5604997"/>
+              <a:gd name="connsiteX3" fmla="*/ 6224765 w 6224765"/>
+              <a:gd name="connsiteY3" fmla="*/ 5604997 h 5604997"/>
+              <a:gd name="connsiteX4" fmla="*/ 0 w 6224765"/>
+              <a:gd name="connsiteY4" fmla="*/ 5588816 h 5604997"/>
             </a:gdLst>
             <a:ahLst/>
             <a:cxnLst>
@@ -22609,7 +22717,7 @@
             <a:pathLst>
               <a:path w="6224765" h="5604997">
                 <a:moveTo>
-                  <a:pt x="0" y="5571129"/>
+                  <a:pt x="0" y="5588816"/>
                 </a:moveTo>
                 <a:lnTo>
                   <a:pt x="1231900" y="61"/>
@@ -22621,7 +22729,7 @@
                   <a:pt x="6224765" y="5604997"/>
                 </a:lnTo>
                 <a:lnTo>
-                  <a:pt x="0" y="5571129"/>
+                  <a:pt x="0" y="5588816"/>
                 </a:lnTo>
                 <a:close/>
               </a:path>
@@ -22675,6 +22783,177 @@
 </p:sld>
 </file>
 
+<file path=ppt/slides/slide58.xml><?xml version="1.0" encoding="utf-8"?>
+<p:sld xmlns:a="http://schemas.openxmlformats.org/drawingml/2006/main" xmlns:r="http://schemas.openxmlformats.org/officeDocument/2006/relationships" xmlns:p="http://schemas.openxmlformats.org/presentationml/2006/main">
+  <p:cSld>
+    <p:spTree>
+      <p:nvGrpSpPr>
+        <p:cNvPr id="1" name=""/>
+        <p:cNvGrpSpPr/>
+        <p:nvPr/>
+      </p:nvGrpSpPr>
+      <p:grpSpPr>
+        <a:xfrm>
+          <a:off x="0" y="0"/>
+          <a:ext cx="0" cy="0"/>
+          <a:chOff x="0" y="0"/>
+          <a:chExt cx="0" cy="0"/>
+        </a:xfrm>
+      </p:grpSpPr>
+      <p:sp>
+        <p:nvSpPr>
+          <p:cNvPr id="2" name="Title 1">
+            <a:extLst>
+              <a:ext uri="{FF2B5EF4-FFF2-40B4-BE49-F238E27FC236}">
+                <a16:creationId xmlns:a16="http://schemas.microsoft.com/office/drawing/2014/main" id="{5E945D91-80E0-4467-88DB-CBF29740C2C8}"/>
+              </a:ext>
+            </a:extLst>
+          </p:cNvPr>
+          <p:cNvSpPr>
+            <a:spLocks noGrp="1"/>
+          </p:cNvSpPr>
+          <p:nvPr>
+            <p:ph type="title"/>
+          </p:nvPr>
+        </p:nvSpPr>
+        <p:spPr/>
+        <p:txBody>
+          <a:bodyPr/>
+          <a:lstStyle/>
+          <a:p>
+            <a:pPr algn="ctr"/>
+            <a:r>
+              <a:rPr lang="en-US" dirty="0"/>
+              <a:t>Titles and Captions</a:t>
+            </a:r>
+          </a:p>
+        </p:txBody>
+      </p:sp>
+      <p:sp>
+        <p:nvSpPr>
+          <p:cNvPr id="4" name="Footer Placeholder 3">
+            <a:extLst>
+              <a:ext uri="{FF2B5EF4-FFF2-40B4-BE49-F238E27FC236}">
+                <a16:creationId xmlns:a16="http://schemas.microsoft.com/office/drawing/2014/main" id="{B6525301-D78D-45F1-974B-EEBC0DC989E2}"/>
+              </a:ext>
+            </a:extLst>
+          </p:cNvPr>
+          <p:cNvSpPr>
+            <a:spLocks noGrp="1"/>
+          </p:cNvSpPr>
+          <p:nvPr>
+            <p:ph type="ftr" sz="quarter" idx="11"/>
+          </p:nvPr>
+        </p:nvSpPr>
+        <p:spPr/>
+        <p:txBody>
+          <a:bodyPr/>
+          <a:lstStyle/>
+          <a:p>
+            <a:r>
+              <a:rPr lang="en-US"/>
+              <a:t>CERF 2019 | The Next Step with R | Cressman and Dunnigan</a:t>
+            </a:r>
+          </a:p>
+        </p:txBody>
+      </p:sp>
+      <p:sp>
+        <p:nvSpPr>
+          <p:cNvPr id="5" name="Slide Number Placeholder 4">
+            <a:extLst>
+              <a:ext uri="{FF2B5EF4-FFF2-40B4-BE49-F238E27FC236}">
+                <a16:creationId xmlns:a16="http://schemas.microsoft.com/office/drawing/2014/main" id="{31763576-7EDD-4F70-9FB1-D6B360120D2D}"/>
+              </a:ext>
+            </a:extLst>
+          </p:cNvPr>
+          <p:cNvSpPr>
+            <a:spLocks noGrp="1"/>
+          </p:cNvSpPr>
+          <p:nvPr>
+            <p:ph type="sldNum" sz="quarter" idx="12"/>
+          </p:nvPr>
+        </p:nvSpPr>
+        <p:spPr/>
+        <p:txBody>
+          <a:bodyPr/>
+          <a:lstStyle/>
+          <a:p>
+            <a:fld id="{1D07C8D9-AA71-438D-86BE-7B86F7F29DC7}" type="slidenum">
+              <a:rPr lang="en-US" smtClean="0"/>
+              <a:t>58</a:t>
+            </a:fld>
+            <a:endParaRPr lang="en-US"/>
+          </a:p>
+        </p:txBody>
+      </p:sp>
+      <p:sp>
+        <p:nvSpPr>
+          <p:cNvPr id="8" name="Content Placeholder 7">
+            <a:extLst>
+              <a:ext uri="{FF2B5EF4-FFF2-40B4-BE49-F238E27FC236}">
+                <a16:creationId xmlns:a16="http://schemas.microsoft.com/office/drawing/2014/main" id="{483471DF-EE2B-4A1B-A40D-36C08975482F}"/>
+              </a:ext>
+            </a:extLst>
+          </p:cNvPr>
+          <p:cNvSpPr>
+            <a:spLocks noGrp="1"/>
+          </p:cNvSpPr>
+          <p:nvPr>
+            <p:ph idx="1"/>
+          </p:nvPr>
+        </p:nvSpPr>
+        <p:spPr/>
+        <p:txBody>
+          <a:bodyPr/>
+          <a:lstStyle/>
+          <a:p>
+            <a:endParaRPr lang="en-US" dirty="0"/>
+          </a:p>
+        </p:txBody>
+      </p:sp>
+      <p:pic>
+        <p:nvPicPr>
+          <p:cNvPr id="12" name="Picture 11">
+            <a:extLst>
+              <a:ext uri="{FF2B5EF4-FFF2-40B4-BE49-F238E27FC236}">
+                <a16:creationId xmlns:a16="http://schemas.microsoft.com/office/drawing/2014/main" id="{9B53BB81-792F-4DA4-8D00-D2E18A05FCE6}"/>
+              </a:ext>
+            </a:extLst>
+          </p:cNvPr>
+          <p:cNvPicPr>
+            <a:picLocks noChangeAspect="1"/>
+          </p:cNvPicPr>
+          <p:nvPr/>
+        </p:nvPicPr>
+        <p:blipFill>
+          <a:blip r:embed="rId2"/>
+          <a:stretch>
+            <a:fillRect/>
+          </a:stretch>
+        </p:blipFill>
+        <p:spPr>
+          <a:xfrm>
+            <a:off x="1962666" y="1473856"/>
+            <a:ext cx="8266667" cy="5247619"/>
+          </a:xfrm>
+          <a:prstGeom prst="rect">
+            <a:avLst/>
+          </a:prstGeom>
+        </p:spPr>
+      </p:pic>
+    </p:spTree>
+    <p:extLst>
+      <p:ext uri="{BB962C8B-B14F-4D97-AF65-F5344CB8AC3E}">
+        <p14:creationId xmlns:p14="http://schemas.microsoft.com/office/powerpoint/2010/main" val="1405398319"/>
+      </p:ext>
+    </p:extLst>
+  </p:cSld>
+  <p:clrMapOvr>
+    <a:masterClrMapping/>
+  </p:clrMapOvr>
+</p:sld>
+</file>
+
 <file path=ppt/slides/slide59.xml><?xml version="1.0" encoding="utf-8"?>
 <p:sld xmlns:a="http://schemas.openxmlformats.org/drawingml/2006/main" xmlns:r="http://schemas.openxmlformats.org/officeDocument/2006/relationships" xmlns:p="http://schemas.openxmlformats.org/presentationml/2006/main">
   <p:cSld>
@@ -22697,7 +22976,7 @@
           <p:cNvPr id="2" name="Title 1">
             <a:extLst>
               <a:ext uri="{FF2B5EF4-FFF2-40B4-BE49-F238E27FC236}">
-                <a16:creationId xmlns:a16="http://schemas.microsoft.com/office/drawing/2014/main" id="{59D83E7B-E7F9-4AC6-85EF-87B3AEB82AD4}"/>
+                <a16:creationId xmlns:a16="http://schemas.microsoft.com/office/drawing/2014/main" id="{5E945D91-80E0-4467-88DB-CBF29740C2C8}"/>
               </a:ext>
             </a:extLst>
           </p:cNvPr>
@@ -22716,33 +22995,8 @@
             <a:pPr algn="ctr"/>
             <a:r>
               <a:rPr lang="en-US" dirty="0"/>
-              <a:t>Themes</a:t>
-            </a:r>
-          </a:p>
-        </p:txBody>
-      </p:sp>
-      <p:sp>
-        <p:nvSpPr>
-          <p:cNvPr id="3" name="Content Placeholder 2">
-            <a:extLst>
-              <a:ext uri="{FF2B5EF4-FFF2-40B4-BE49-F238E27FC236}">
-                <a16:creationId xmlns:a16="http://schemas.microsoft.com/office/drawing/2014/main" id="{0BEE4907-7CFA-46C2-8878-4E0394B74551}"/>
-              </a:ext>
-            </a:extLst>
-          </p:cNvPr>
-          <p:cNvSpPr>
-            <a:spLocks noGrp="1"/>
-          </p:cNvSpPr>
-          <p:nvPr>
-            <p:ph idx="1"/>
-          </p:nvPr>
-        </p:nvSpPr>
-        <p:spPr/>
-        <p:txBody>
-          <a:bodyPr/>
-          <a:lstStyle/>
-          <a:p>
-            <a:endParaRPr lang="en-US" dirty="0"/>
+              <a:t>Titles and Captions</a:t>
+            </a:r>
           </a:p>
         </p:txBody>
       </p:sp>
@@ -22751,7 +23005,7 @@
           <p:cNvPr id="4" name="Footer Placeholder 3">
             <a:extLst>
               <a:ext uri="{FF2B5EF4-FFF2-40B4-BE49-F238E27FC236}">
-                <a16:creationId xmlns:a16="http://schemas.microsoft.com/office/drawing/2014/main" id="{8C3DA63A-8AEC-4AF8-B52F-88A1CC58BD87}"/>
+                <a16:creationId xmlns:a16="http://schemas.microsoft.com/office/drawing/2014/main" id="{B6525301-D78D-45F1-974B-EEBC0DC989E2}"/>
               </a:ext>
             </a:extLst>
           </p:cNvPr>
@@ -22779,7 +23033,7 @@
           <p:cNvPr id="5" name="Slide Number Placeholder 4">
             <a:extLst>
               <a:ext uri="{FF2B5EF4-FFF2-40B4-BE49-F238E27FC236}">
-                <a16:creationId xmlns:a16="http://schemas.microsoft.com/office/drawing/2014/main" id="{EA013E84-027E-4093-8C9B-5CFCAE398338}"/>
+                <a16:creationId xmlns:a16="http://schemas.microsoft.com/office/drawing/2014/main" id="{31763576-7EDD-4F70-9FB1-D6B360120D2D}"/>
               </a:ext>
             </a:extLst>
           </p:cNvPr>
@@ -22803,10 +23057,219 @@
           </a:p>
         </p:txBody>
       </p:sp>
+      <p:sp>
+        <p:nvSpPr>
+          <p:cNvPr id="8" name="Content Placeholder 7">
+            <a:extLst>
+              <a:ext uri="{FF2B5EF4-FFF2-40B4-BE49-F238E27FC236}">
+                <a16:creationId xmlns:a16="http://schemas.microsoft.com/office/drawing/2014/main" id="{483471DF-EE2B-4A1B-A40D-36C08975482F}"/>
+              </a:ext>
+            </a:extLst>
+          </p:cNvPr>
+          <p:cNvSpPr>
+            <a:spLocks noGrp="1"/>
+          </p:cNvSpPr>
+          <p:nvPr>
+            <p:ph idx="1"/>
+          </p:nvPr>
+        </p:nvSpPr>
+        <p:spPr>
+          <a:xfrm>
+            <a:off x="187036" y="1847850"/>
+            <a:ext cx="11817927" cy="4351338"/>
+          </a:xfrm>
+        </p:spPr>
+        <p:txBody>
+          <a:bodyPr>
+            <a:normAutofit/>
+          </a:bodyPr>
+          <a:lstStyle/>
+          <a:p>
+            <a:pPr marL="0" indent="0">
+              <a:buNone/>
+            </a:pPr>
+            <a:r>
+              <a:rPr lang="en-US" sz="2300" dirty="0" err="1">
+                <a:latin typeface="Fira Code" panose="020B0809050000020004" pitchFamily="49" charset="0"/>
+                <a:ea typeface="Fira Code" panose="020B0809050000020004" pitchFamily="49" charset="0"/>
+                <a:cs typeface="Fira Code" panose="020B0809050000020004" pitchFamily="49" charset="0"/>
+              </a:rPr>
+              <a:t>ggplot</a:t>
+            </a:r>
+            <a:r>
+              <a:rPr lang="en-US" sz="2300" dirty="0">
+                <a:latin typeface="Fira Code" panose="020B0809050000020004" pitchFamily="49" charset="0"/>
+                <a:ea typeface="Fira Code" panose="020B0809050000020004" pitchFamily="49" charset="0"/>
+                <a:cs typeface="Fira Code" panose="020B0809050000020004" pitchFamily="49" charset="0"/>
+              </a:rPr>
+              <a:t>(data = </a:t>
+            </a:r>
+            <a:r>
+              <a:rPr lang="en-US" sz="2300" dirty="0" err="1">
+                <a:latin typeface="Fira Code" panose="020B0809050000020004" pitchFamily="49" charset="0"/>
+                <a:ea typeface="Fira Code" panose="020B0809050000020004" pitchFamily="49" charset="0"/>
+                <a:cs typeface="Fira Code" panose="020B0809050000020004" pitchFamily="49" charset="0"/>
+              </a:rPr>
+              <a:t>wq</a:t>
+            </a:r>
+            <a:r>
+              <a:rPr lang="en-US" sz="2300" dirty="0">
+                <a:latin typeface="Fira Code" panose="020B0809050000020004" pitchFamily="49" charset="0"/>
+                <a:ea typeface="Fira Code" panose="020B0809050000020004" pitchFamily="49" charset="0"/>
+                <a:cs typeface="Fira Code" panose="020B0809050000020004" pitchFamily="49" charset="0"/>
+              </a:rPr>
+              <a:t>) +</a:t>
+            </a:r>
+          </a:p>
+          <a:p>
+            <a:pPr marL="0" indent="0">
+              <a:buNone/>
+            </a:pPr>
+            <a:r>
+              <a:rPr lang="en-US" sz="2300" dirty="0">
+                <a:latin typeface="Fira Code" panose="020B0809050000020004" pitchFamily="49" charset="0"/>
+                <a:ea typeface="Fira Code" panose="020B0809050000020004" pitchFamily="49" charset="0"/>
+                <a:cs typeface="Fira Code" panose="020B0809050000020004" pitchFamily="49" charset="0"/>
+              </a:rPr>
+              <a:t> </a:t>
+            </a:r>
+            <a:r>
+              <a:rPr lang="en-US" sz="2300" dirty="0" err="1">
+                <a:latin typeface="Fira Code" panose="020B0809050000020004" pitchFamily="49" charset="0"/>
+                <a:ea typeface="Fira Code" panose="020B0809050000020004" pitchFamily="49" charset="0"/>
+                <a:cs typeface="Fira Code" panose="020B0809050000020004" pitchFamily="49" charset="0"/>
+              </a:rPr>
+              <a:t>geom_boxplot</a:t>
+            </a:r>
+            <a:r>
+              <a:rPr lang="en-US" sz="2300" dirty="0">
+                <a:latin typeface="Fira Code" panose="020B0809050000020004" pitchFamily="49" charset="0"/>
+                <a:ea typeface="Fira Code" panose="020B0809050000020004" pitchFamily="49" charset="0"/>
+                <a:cs typeface="Fira Code" panose="020B0809050000020004" pitchFamily="49" charset="0"/>
+              </a:rPr>
+              <a:t>(mapping = </a:t>
+            </a:r>
+            <a:r>
+              <a:rPr lang="en-US" sz="2300" dirty="0" err="1">
+                <a:latin typeface="Fira Code" panose="020B0809050000020004" pitchFamily="49" charset="0"/>
+                <a:ea typeface="Fira Code" panose="020B0809050000020004" pitchFamily="49" charset="0"/>
+                <a:cs typeface="Fira Code" panose="020B0809050000020004" pitchFamily="49" charset="0"/>
+              </a:rPr>
+              <a:t>aes</a:t>
+            </a:r>
+            <a:r>
+              <a:rPr lang="en-US" sz="2300" dirty="0">
+                <a:latin typeface="Fira Code" panose="020B0809050000020004" pitchFamily="49" charset="0"/>
+                <a:ea typeface="Fira Code" panose="020B0809050000020004" pitchFamily="49" charset="0"/>
+                <a:cs typeface="Fira Code" panose="020B0809050000020004" pitchFamily="49" charset="0"/>
+              </a:rPr>
+              <a:t>(x = coast, y = temp, color = state)) +</a:t>
+            </a:r>
+          </a:p>
+          <a:p>
+            <a:pPr marL="0" indent="0">
+              <a:buNone/>
+            </a:pPr>
+            <a:r>
+              <a:rPr lang="en-US" sz="2300" dirty="0">
+                <a:latin typeface="Fira Code" panose="020B0809050000020004" pitchFamily="49" charset="0"/>
+                <a:ea typeface="Fira Code" panose="020B0809050000020004" pitchFamily="49" charset="0"/>
+                <a:cs typeface="Fira Code" panose="020B0809050000020004" pitchFamily="49" charset="0"/>
+              </a:rPr>
+              <a:t> </a:t>
+            </a:r>
+            <a:r>
+              <a:rPr lang="en-US" sz="2300" dirty="0">
+                <a:solidFill>
+                  <a:schemeClr val="accent6">
+                    <a:lumMod val="75000"/>
+                  </a:schemeClr>
+                </a:solidFill>
+                <a:latin typeface="Fira Code" panose="020B0809050000020004" pitchFamily="49" charset="0"/>
+                <a:ea typeface="Fira Code" panose="020B0809050000020004" pitchFamily="49" charset="0"/>
+                <a:cs typeface="Fira Code" panose="020B0809050000020004" pitchFamily="49" charset="0"/>
+              </a:rPr>
+              <a:t>labs(x = "Coast",</a:t>
+            </a:r>
+          </a:p>
+          <a:p>
+            <a:pPr marL="0" indent="0">
+              <a:buNone/>
+            </a:pPr>
+            <a:r>
+              <a:rPr lang="en-US" sz="2300" dirty="0">
+                <a:solidFill>
+                  <a:schemeClr val="accent6">
+                    <a:lumMod val="75000"/>
+                  </a:schemeClr>
+                </a:solidFill>
+                <a:latin typeface="Fira Code" panose="020B0809050000020004" pitchFamily="49" charset="0"/>
+                <a:ea typeface="Fira Code" panose="020B0809050000020004" pitchFamily="49" charset="0"/>
+                <a:cs typeface="Fira Code" panose="020B0809050000020004" pitchFamily="49" charset="0"/>
+              </a:rPr>
+              <a:t>      y = "Temperature (C)",</a:t>
+            </a:r>
+          </a:p>
+          <a:p>
+            <a:pPr marL="0" indent="0">
+              <a:buNone/>
+            </a:pPr>
+            <a:r>
+              <a:rPr lang="en-US" sz="2300" dirty="0">
+                <a:solidFill>
+                  <a:schemeClr val="accent6">
+                    <a:lumMod val="75000"/>
+                  </a:schemeClr>
+                </a:solidFill>
+                <a:latin typeface="Fira Code" panose="020B0809050000020004" pitchFamily="49" charset="0"/>
+                <a:ea typeface="Fira Code" panose="020B0809050000020004" pitchFamily="49" charset="0"/>
+                <a:cs typeface="Fira Code" panose="020B0809050000020004" pitchFamily="49" charset="0"/>
+              </a:rPr>
+              <a:t>      title = "Water Quality Data",</a:t>
+            </a:r>
+          </a:p>
+          <a:p>
+            <a:pPr marL="0" indent="0">
+              <a:buNone/>
+            </a:pPr>
+            <a:r>
+              <a:rPr lang="en-US" sz="2300" dirty="0">
+                <a:solidFill>
+                  <a:schemeClr val="accent6">
+                    <a:lumMod val="75000"/>
+                  </a:schemeClr>
+                </a:solidFill>
+                <a:latin typeface="Fira Code" panose="020B0809050000020004" pitchFamily="49" charset="0"/>
+                <a:ea typeface="Fira Code" panose="020B0809050000020004" pitchFamily="49" charset="0"/>
+                <a:cs typeface="Fira Code" panose="020B0809050000020004" pitchFamily="49" charset="0"/>
+              </a:rPr>
+              <a:t>      subtitle = "Pacific Coast Reserves are colder",</a:t>
+            </a:r>
+          </a:p>
+          <a:p>
+            <a:pPr marL="0" indent="0">
+              <a:buNone/>
+            </a:pPr>
+            <a:r>
+              <a:rPr lang="en-US" sz="2300" dirty="0">
+                <a:solidFill>
+                  <a:schemeClr val="accent6">
+                    <a:lumMod val="75000"/>
+                  </a:schemeClr>
+                </a:solidFill>
+                <a:latin typeface="Fira Code" panose="020B0809050000020004" pitchFamily="49" charset="0"/>
+                <a:ea typeface="Fira Code" panose="020B0809050000020004" pitchFamily="49" charset="0"/>
+                <a:cs typeface="Fira Code" panose="020B0809050000020004" pitchFamily="49" charset="0"/>
+              </a:rPr>
+              <a:t>      caption = "Data from &lt;www.nerrsdata.org&gt;")</a:t>
+            </a:r>
+          </a:p>
+        </p:txBody>
+      </p:sp>
     </p:spTree>
     <p:extLst>
       <p:ext uri="{BB962C8B-B14F-4D97-AF65-F5344CB8AC3E}">
-        <p14:creationId xmlns:p14="http://schemas.microsoft.com/office/powerpoint/2010/main" val="2762280106"/>
+        <p14:creationId xmlns:p14="http://schemas.microsoft.com/office/powerpoint/2010/main" val="3970291899"/>
       </p:ext>
     </p:extLst>
   </p:cSld>
@@ -23056,6 +23519,34 @@
       </p:grpSpPr>
       <p:sp>
         <p:nvSpPr>
+          <p:cNvPr id="4" name="Footer Placeholder 3">
+            <a:extLst>
+              <a:ext uri="{FF2B5EF4-FFF2-40B4-BE49-F238E27FC236}">
+                <a16:creationId xmlns:a16="http://schemas.microsoft.com/office/drawing/2014/main" id="{613E6009-D145-4590-A7B3-45399B48F3B0}"/>
+              </a:ext>
+            </a:extLst>
+          </p:cNvPr>
+          <p:cNvSpPr>
+            <a:spLocks noGrp="1"/>
+          </p:cNvSpPr>
+          <p:nvPr>
+            <p:ph type="ftr" sz="quarter" idx="11"/>
+          </p:nvPr>
+        </p:nvSpPr>
+        <p:spPr/>
+        <p:txBody>
+          <a:bodyPr/>
+          <a:lstStyle/>
+          <a:p>
+            <a:r>
+              <a:rPr lang="en-US" dirty="0"/>
+              <a:t>CERF 2019 | The Next Step with R | Cressman and Dunnigan</a:t>
+            </a:r>
+          </a:p>
+        </p:txBody>
+      </p:sp>
+      <p:sp>
+        <p:nvSpPr>
           <p:cNvPr id="5" name="Slide Number Placeholder 4">
             <a:extLst>
               <a:ext uri="{FF2B5EF4-FFF2-40B4-BE49-F238E27FC236}">
@@ -23078,6 +23569,780 @@
             <a:fld id="{1D07C8D9-AA71-438D-86BE-7B86F7F29DC7}" type="slidenum">
               <a:rPr lang="en-US" smtClean="0"/>
               <a:t>60</a:t>
+            </a:fld>
+            <a:endParaRPr lang="en-US" dirty="0"/>
+          </a:p>
+        </p:txBody>
+      </p:sp>
+      <p:pic>
+        <p:nvPicPr>
+          <p:cNvPr id="6" name="Picture 5">
+            <a:extLst>
+              <a:ext uri="{FF2B5EF4-FFF2-40B4-BE49-F238E27FC236}">
+                <a16:creationId xmlns:a16="http://schemas.microsoft.com/office/drawing/2014/main" id="{54F7117B-F607-4BC1-960D-E3542047F215}"/>
+              </a:ext>
+            </a:extLst>
+          </p:cNvPr>
+          <p:cNvPicPr>
+            <a:picLocks noChangeAspect="1"/>
+          </p:cNvPicPr>
+          <p:nvPr/>
+        </p:nvPicPr>
+        <p:blipFill>
+          <a:blip r:embed="rId2"/>
+          <a:stretch>
+            <a:fillRect/>
+          </a:stretch>
+        </p:blipFill>
+        <p:spPr>
+          <a:xfrm>
+            <a:off x="373642" y="298450"/>
+            <a:ext cx="4607794" cy="3554361"/>
+          </a:xfrm>
+          <a:prstGeom prst="rect">
+            <a:avLst/>
+          </a:prstGeom>
+          <a:ln>
+            <a:noFill/>
+          </a:ln>
+          <a:effectLst/>
+        </p:spPr>
+      </p:pic>
+      <p:pic>
+        <p:nvPicPr>
+          <p:cNvPr id="2" name="Picture 1">
+            <a:extLst>
+              <a:ext uri="{FF2B5EF4-FFF2-40B4-BE49-F238E27FC236}">
+                <a16:creationId xmlns:a16="http://schemas.microsoft.com/office/drawing/2014/main" id="{5861F553-6FC1-4B84-AC34-8FBA2AC67355}"/>
+              </a:ext>
+            </a:extLst>
+          </p:cNvPr>
+          <p:cNvPicPr>
+            <a:picLocks noChangeAspect="1"/>
+          </p:cNvPicPr>
+          <p:nvPr/>
+        </p:nvPicPr>
+        <p:blipFill>
+          <a:blip r:embed="rId3"/>
+          <a:stretch>
+            <a:fillRect/>
+          </a:stretch>
+        </p:blipFill>
+        <p:spPr>
+          <a:xfrm>
+            <a:off x="639635" y="1765025"/>
+            <a:ext cx="4612859" cy="3554362"/>
+          </a:xfrm>
+          <a:prstGeom prst="rect">
+            <a:avLst/>
+          </a:prstGeom>
+          <a:ln>
+            <a:noFill/>
+          </a:ln>
+          <a:effectLst>
+            <a:outerShdw blurRad="190500" algn="tl" rotWithShape="0">
+              <a:srgbClr val="000000">
+                <a:alpha val="70000"/>
+              </a:srgbClr>
+            </a:outerShdw>
+          </a:effectLst>
+        </p:spPr>
+      </p:pic>
+      <p:pic>
+        <p:nvPicPr>
+          <p:cNvPr id="3" name="Picture 2">
+            <a:extLst>
+              <a:ext uri="{FF2B5EF4-FFF2-40B4-BE49-F238E27FC236}">
+                <a16:creationId xmlns:a16="http://schemas.microsoft.com/office/drawing/2014/main" id="{EDA5333E-85CD-40AF-8AF9-251DF01A033F}"/>
+              </a:ext>
+            </a:extLst>
+          </p:cNvPr>
+          <p:cNvPicPr>
+            <a:picLocks noChangeAspect="1"/>
+          </p:cNvPicPr>
+          <p:nvPr/>
+        </p:nvPicPr>
+        <p:blipFill rotWithShape="1">
+          <a:blip r:embed="rId3"/>
+          <a:srcRect l="74680" t="48642" r="434" b="34321"/>
+          <a:stretch/>
+        </p:blipFill>
+        <p:spPr>
+          <a:xfrm>
+            <a:off x="6920989" y="2318180"/>
+            <a:ext cx="5114748" cy="2698046"/>
+          </a:xfrm>
+          <a:prstGeom prst="rect">
+            <a:avLst/>
+          </a:prstGeom>
+        </p:spPr>
+      </p:pic>
+      <p:sp>
+        <p:nvSpPr>
+          <p:cNvPr id="9" name="Trapezoid 8">
+            <a:extLst>
+              <a:ext uri="{FF2B5EF4-FFF2-40B4-BE49-F238E27FC236}">
+                <a16:creationId xmlns:a16="http://schemas.microsoft.com/office/drawing/2014/main" id="{0B15D1FD-44D7-48E5-A048-EA9BBA09175B}"/>
+              </a:ext>
+            </a:extLst>
+          </p:cNvPr>
+          <p:cNvSpPr/>
+          <p:nvPr/>
+        </p:nvSpPr>
+        <p:spPr>
+          <a:xfrm rot="16200000">
+            <a:off x="4374540" y="2260402"/>
+            <a:ext cx="2504889" cy="3006758"/>
+          </a:xfrm>
+          <a:custGeom>
+            <a:avLst/>
+            <a:gdLst>
+              <a:gd name="connsiteX0" fmla="*/ 0 w 2504889"/>
+              <a:gd name="connsiteY0" fmla="*/ 1877869 h 1877869"/>
+              <a:gd name="connsiteX1" fmla="*/ 469467 w 2504889"/>
+              <a:gd name="connsiteY1" fmla="*/ 0 h 1877869"/>
+              <a:gd name="connsiteX2" fmla="*/ 2035422 w 2504889"/>
+              <a:gd name="connsiteY2" fmla="*/ 0 h 1877869"/>
+              <a:gd name="connsiteX3" fmla="*/ 2504889 w 2504889"/>
+              <a:gd name="connsiteY3" fmla="*/ 1877869 h 1877869"/>
+              <a:gd name="connsiteX4" fmla="*/ 0 w 2504889"/>
+              <a:gd name="connsiteY4" fmla="*/ 1877869 h 1877869"/>
+              <a:gd name="connsiteX0" fmla="*/ 0 w 2504889"/>
+              <a:gd name="connsiteY0" fmla="*/ 3006758 h 3006758"/>
+              <a:gd name="connsiteX1" fmla="*/ 469467 w 2504889"/>
+              <a:gd name="connsiteY1" fmla="*/ 1128889 h 3006758"/>
+              <a:gd name="connsiteX2" fmla="*/ 1470978 w 2504889"/>
+              <a:gd name="connsiteY2" fmla="*/ 0 h 3006758"/>
+              <a:gd name="connsiteX3" fmla="*/ 2504889 w 2504889"/>
+              <a:gd name="connsiteY3" fmla="*/ 3006758 h 3006758"/>
+              <a:gd name="connsiteX4" fmla="*/ 0 w 2504889"/>
+              <a:gd name="connsiteY4" fmla="*/ 3006758 h 3006758"/>
+              <a:gd name="connsiteX0" fmla="*/ 0 w 2504889"/>
+              <a:gd name="connsiteY0" fmla="*/ 3006758 h 3006758"/>
+              <a:gd name="connsiteX1" fmla="*/ 921022 w 2504889"/>
+              <a:gd name="connsiteY1" fmla="*/ 22581 h 3006758"/>
+              <a:gd name="connsiteX2" fmla="*/ 1470978 w 2504889"/>
+              <a:gd name="connsiteY2" fmla="*/ 0 h 3006758"/>
+              <a:gd name="connsiteX3" fmla="*/ 2504889 w 2504889"/>
+              <a:gd name="connsiteY3" fmla="*/ 3006758 h 3006758"/>
+              <a:gd name="connsiteX4" fmla="*/ 0 w 2504889"/>
+              <a:gd name="connsiteY4" fmla="*/ 3006758 h 3006758"/>
+            </a:gdLst>
+            <a:ahLst/>
+            <a:cxnLst>
+              <a:cxn ang="0">
+                <a:pos x="connsiteX0" y="connsiteY0"/>
+              </a:cxn>
+              <a:cxn ang="0">
+                <a:pos x="connsiteX1" y="connsiteY1"/>
+              </a:cxn>
+              <a:cxn ang="0">
+                <a:pos x="connsiteX2" y="connsiteY2"/>
+              </a:cxn>
+              <a:cxn ang="0">
+                <a:pos x="connsiteX3" y="connsiteY3"/>
+              </a:cxn>
+              <a:cxn ang="0">
+                <a:pos x="connsiteX4" y="connsiteY4"/>
+              </a:cxn>
+            </a:cxnLst>
+            <a:rect l="l" t="t" r="r" b="b"/>
+            <a:pathLst>
+              <a:path w="2504889" h="3006758">
+                <a:moveTo>
+                  <a:pt x="0" y="3006758"/>
+                </a:moveTo>
+                <a:lnTo>
+                  <a:pt x="921022" y="22581"/>
+                </a:lnTo>
+                <a:lnTo>
+                  <a:pt x="1470978" y="0"/>
+                </a:lnTo>
+                <a:lnTo>
+                  <a:pt x="2504889" y="3006758"/>
+                </a:lnTo>
+                <a:lnTo>
+                  <a:pt x="0" y="3006758"/>
+                </a:lnTo>
+                <a:close/>
+              </a:path>
+            </a:pathLst>
+          </a:custGeom>
+          <a:solidFill>
+            <a:schemeClr val="accent5">
+              <a:lumMod val="50000"/>
+              <a:alpha val="50000"/>
+            </a:schemeClr>
+          </a:solidFill>
+          <a:ln>
+            <a:noFill/>
+          </a:ln>
+        </p:spPr>
+        <p:style>
+          <a:lnRef idx="2">
+            <a:schemeClr val="dk1">
+              <a:shade val="50000"/>
+            </a:schemeClr>
+          </a:lnRef>
+          <a:fillRef idx="1">
+            <a:schemeClr val="dk1"/>
+          </a:fillRef>
+          <a:effectRef idx="0">
+            <a:schemeClr val="dk1"/>
+          </a:effectRef>
+          <a:fontRef idx="minor">
+            <a:schemeClr val="lt1"/>
+          </a:fontRef>
+        </p:style>
+        <p:txBody>
+          <a:bodyPr rtlCol="0" anchor="ctr"/>
+          <a:lstStyle/>
+          <a:p>
+            <a:pPr algn="ctr"/>
+            <a:endParaRPr lang="en-US"/>
+          </a:p>
+        </p:txBody>
+      </p:sp>
+      <p:sp>
+        <p:nvSpPr>
+          <p:cNvPr id="8" name="Rectangle 7">
+            <a:extLst>
+              <a:ext uri="{FF2B5EF4-FFF2-40B4-BE49-F238E27FC236}">
+                <a16:creationId xmlns:a16="http://schemas.microsoft.com/office/drawing/2014/main" id="{3908EA3D-2337-4435-B9E1-A6D6EC0B303F}"/>
+              </a:ext>
+            </a:extLst>
+          </p:cNvPr>
+          <p:cNvSpPr/>
+          <p:nvPr/>
+        </p:nvSpPr>
+        <p:spPr>
+          <a:xfrm>
+            <a:off x="4133397" y="3515979"/>
+            <a:ext cx="1137616" cy="587541"/>
+          </a:xfrm>
+          <a:prstGeom prst="rect">
+            <a:avLst/>
+          </a:prstGeom>
+          <a:solidFill>
+            <a:schemeClr val="accent5">
+              <a:lumMod val="50000"/>
+              <a:alpha val="30000"/>
+            </a:schemeClr>
+          </a:solidFill>
+          <a:ln>
+            <a:noFill/>
+          </a:ln>
+        </p:spPr>
+        <p:style>
+          <a:lnRef idx="2">
+            <a:schemeClr val="dk1">
+              <a:shade val="50000"/>
+            </a:schemeClr>
+          </a:lnRef>
+          <a:fillRef idx="1">
+            <a:schemeClr val="dk1"/>
+          </a:fillRef>
+          <a:effectRef idx="0">
+            <a:schemeClr val="dk1"/>
+          </a:effectRef>
+          <a:fontRef idx="minor">
+            <a:schemeClr val="lt1"/>
+          </a:fontRef>
+        </p:style>
+        <p:txBody>
+          <a:bodyPr rtlCol="0" anchor="ctr"/>
+          <a:lstStyle/>
+          <a:p>
+            <a:pPr algn="ctr"/>
+            <a:endParaRPr lang="en-US"/>
+          </a:p>
+        </p:txBody>
+      </p:sp>
+      <p:cxnSp>
+        <p:nvCxnSpPr>
+          <p:cNvPr id="10" name="Straight Arrow Connector 9">
+            <a:extLst>
+              <a:ext uri="{FF2B5EF4-FFF2-40B4-BE49-F238E27FC236}">
+                <a16:creationId xmlns:a16="http://schemas.microsoft.com/office/drawing/2014/main" id="{C52A536D-7A55-4ABB-9232-93B64CA19B26}"/>
+              </a:ext>
+            </a:extLst>
+          </p:cNvPr>
+          <p:cNvCxnSpPr>
+            <a:cxnSpLocks/>
+          </p:cNvCxnSpPr>
+          <p:nvPr/>
+        </p:nvCxnSpPr>
+        <p:spPr>
+          <a:xfrm>
+            <a:off x="11562525" y="1227352"/>
+            <a:ext cx="0" cy="2181655"/>
+          </a:xfrm>
+          <a:prstGeom prst="straightConnector1">
+            <a:avLst/>
+          </a:prstGeom>
+          <a:ln w="76200">
+            <a:solidFill>
+              <a:srgbClr val="FFC000"/>
+            </a:solidFill>
+            <a:tailEnd type="triangle"/>
+          </a:ln>
+        </p:spPr>
+        <p:style>
+          <a:lnRef idx="1">
+            <a:schemeClr val="accent1"/>
+          </a:lnRef>
+          <a:fillRef idx="0">
+            <a:schemeClr val="accent1"/>
+          </a:fillRef>
+          <a:effectRef idx="0">
+            <a:schemeClr val="accent1"/>
+          </a:effectRef>
+          <a:fontRef idx="minor">
+            <a:schemeClr val="tx1"/>
+          </a:fontRef>
+        </p:style>
+      </p:cxnSp>
+    </p:spTree>
+    <p:extLst>
+      <p:ext uri="{BB962C8B-B14F-4D97-AF65-F5344CB8AC3E}">
+        <p14:creationId xmlns:p14="http://schemas.microsoft.com/office/powerpoint/2010/main" val="1828754139"/>
+      </p:ext>
+    </p:extLst>
+  </p:cSld>
+  <p:clrMapOvr>
+    <a:masterClrMapping/>
+  </p:clrMapOvr>
+  <p:timing>
+    <p:tnLst>
+      <p:par>
+        <p:cTn id="1" dur="indefinite" restart="never" nodeType="tmRoot">
+          <p:childTnLst>
+            <p:seq concurrent="1" nextAc="seek">
+              <p:cTn id="2" dur="indefinite" nodeType="mainSeq">
+                <p:childTnLst>
+                  <p:par>
+                    <p:cTn id="3" fill="hold">
+                      <p:stCondLst>
+                        <p:cond delay="indefinite"/>
+                      </p:stCondLst>
+                      <p:childTnLst>
+                        <p:par>
+                          <p:cTn id="4" fill="hold">
+                            <p:stCondLst>
+                              <p:cond delay="0"/>
+                            </p:stCondLst>
+                            <p:childTnLst>
+                              <p:par>
+                                <p:cTn id="5" presetID="1" presetClass="entr" presetSubtype="0" fill="hold" nodeType="clickEffect">
+                                  <p:stCondLst>
+                                    <p:cond delay="0"/>
+                                  </p:stCondLst>
+                                  <p:childTnLst>
+                                    <p:set>
+                                      <p:cBhvr>
+                                        <p:cTn id="6" dur="1" fill="hold">
+                                          <p:stCondLst>
+                                            <p:cond delay="0"/>
+                                          </p:stCondLst>
+                                        </p:cTn>
+                                        <p:tgtEl>
+                                          <p:spTgt spid="10"/>
+                                        </p:tgtEl>
+                                        <p:attrNameLst>
+                                          <p:attrName>style.visibility</p:attrName>
+                                        </p:attrNameLst>
+                                      </p:cBhvr>
+                                      <p:to>
+                                        <p:strVal val="visible"/>
+                                      </p:to>
+                                    </p:set>
+                                  </p:childTnLst>
+                                </p:cTn>
+                              </p:par>
+                            </p:childTnLst>
+                          </p:cTn>
+                        </p:par>
+                      </p:childTnLst>
+                    </p:cTn>
+                  </p:par>
+                </p:childTnLst>
+              </p:cTn>
+              <p:prevCondLst>
+                <p:cond evt="onPrev" delay="0">
+                  <p:tgtEl>
+                    <p:sldTgt/>
+                  </p:tgtEl>
+                </p:cond>
+              </p:prevCondLst>
+              <p:nextCondLst>
+                <p:cond evt="onNext" delay="0">
+                  <p:tgtEl>
+                    <p:sldTgt/>
+                  </p:tgtEl>
+                </p:cond>
+              </p:nextCondLst>
+            </p:seq>
+          </p:childTnLst>
+        </p:cTn>
+      </p:par>
+    </p:tnLst>
+  </p:timing>
+</p:sld>
+</file>
+
+<file path=ppt/slides/slide61.xml><?xml version="1.0" encoding="utf-8"?>
+<p:sld xmlns:a="http://schemas.openxmlformats.org/drawingml/2006/main" xmlns:r="http://schemas.openxmlformats.org/officeDocument/2006/relationships" xmlns:p="http://schemas.openxmlformats.org/presentationml/2006/main">
+  <p:cSld>
+    <p:spTree>
+      <p:nvGrpSpPr>
+        <p:cNvPr id="1" name=""/>
+        <p:cNvGrpSpPr/>
+        <p:nvPr/>
+      </p:nvGrpSpPr>
+      <p:grpSpPr>
+        <a:xfrm>
+          <a:off x="0" y="0"/>
+          <a:ext cx="0" cy="0"/>
+          <a:chOff x="0" y="0"/>
+          <a:chExt cx="0" cy="0"/>
+        </a:xfrm>
+      </p:grpSpPr>
+      <p:sp>
+        <p:nvSpPr>
+          <p:cNvPr id="2" name="Title 1">
+            <a:extLst>
+              <a:ext uri="{FF2B5EF4-FFF2-40B4-BE49-F238E27FC236}">
+                <a16:creationId xmlns:a16="http://schemas.microsoft.com/office/drawing/2014/main" id="{59D83E7B-E7F9-4AC6-85EF-87B3AEB82AD4}"/>
+              </a:ext>
+            </a:extLst>
+          </p:cNvPr>
+          <p:cNvSpPr>
+            <a:spLocks noGrp="1"/>
+          </p:cNvSpPr>
+          <p:nvPr>
+            <p:ph type="title"/>
+          </p:nvPr>
+        </p:nvSpPr>
+        <p:spPr/>
+        <p:txBody>
+          <a:bodyPr/>
+          <a:lstStyle/>
+          <a:p>
+            <a:pPr algn="ctr"/>
+            <a:r>
+              <a:rPr lang="en-US" b="1" dirty="0"/>
+              <a:t>Themes</a:t>
+            </a:r>
+            <a:r>
+              <a:rPr lang="en-US" dirty="0"/>
+              <a:t>: the non-data elements of your plot.</a:t>
+            </a:r>
+          </a:p>
+        </p:txBody>
+      </p:sp>
+      <p:sp>
+        <p:nvSpPr>
+          <p:cNvPr id="3" name="Content Placeholder 2">
+            <a:extLst>
+              <a:ext uri="{FF2B5EF4-FFF2-40B4-BE49-F238E27FC236}">
+                <a16:creationId xmlns:a16="http://schemas.microsoft.com/office/drawing/2014/main" id="{0BEE4907-7CFA-46C2-8878-4E0394B74551}"/>
+              </a:ext>
+            </a:extLst>
+          </p:cNvPr>
+          <p:cNvSpPr>
+            <a:spLocks noGrp="1"/>
+          </p:cNvSpPr>
+          <p:nvPr>
+            <p:ph idx="1"/>
+          </p:nvPr>
+        </p:nvSpPr>
+        <p:spPr/>
+        <p:txBody>
+          <a:bodyPr/>
+          <a:lstStyle/>
+          <a:p>
+            <a:pPr marL="0" indent="0">
+              <a:buNone/>
+            </a:pPr>
+            <a:r>
+              <a:rPr lang="en-US" dirty="0"/>
+              <a:t>Do not affect how the data is:</a:t>
+            </a:r>
+          </a:p>
+          <a:p>
+            <a:pPr lvl="1"/>
+            <a:r>
+              <a:rPr lang="en-US" sz="2800" dirty="0"/>
+              <a:t>rendered by </a:t>
+            </a:r>
+            <a:r>
+              <a:rPr lang="en-US" sz="2800" dirty="0" err="1"/>
+              <a:t>geoms</a:t>
+            </a:r>
+            <a:r>
+              <a:rPr lang="en-US" sz="2800" dirty="0"/>
+              <a:t>, or </a:t>
+            </a:r>
+          </a:p>
+          <a:p>
+            <a:pPr lvl="1"/>
+            <a:r>
+              <a:rPr lang="en-US" sz="2800" dirty="0"/>
+              <a:t>transformed by scales.</a:t>
+            </a:r>
+          </a:p>
+          <a:p>
+            <a:pPr marL="0" indent="0">
+              <a:buNone/>
+            </a:pPr>
+            <a:endParaRPr lang="en-US" dirty="0"/>
+          </a:p>
+          <a:p>
+            <a:pPr marL="0" indent="0">
+              <a:buNone/>
+            </a:pPr>
+            <a:r>
+              <a:rPr lang="en-US" dirty="0"/>
+              <a:t>Help you make the plot aesthetically pleasing or match an existing style guide (fonts, ticks, panel strips, backgrounds, </a:t>
+            </a:r>
+            <a:r>
+              <a:rPr lang="en-US" dirty="0" err="1"/>
+              <a:t>etc</a:t>
+            </a:r>
+            <a:r>
+              <a:rPr lang="en-US" dirty="0"/>
+              <a:t>).</a:t>
+            </a:r>
+          </a:p>
+        </p:txBody>
+      </p:sp>
+      <p:sp>
+        <p:nvSpPr>
+          <p:cNvPr id="4" name="Footer Placeholder 3">
+            <a:extLst>
+              <a:ext uri="{FF2B5EF4-FFF2-40B4-BE49-F238E27FC236}">
+                <a16:creationId xmlns:a16="http://schemas.microsoft.com/office/drawing/2014/main" id="{8C3DA63A-8AEC-4AF8-B52F-88A1CC58BD87}"/>
+              </a:ext>
+            </a:extLst>
+          </p:cNvPr>
+          <p:cNvSpPr>
+            <a:spLocks noGrp="1"/>
+          </p:cNvSpPr>
+          <p:nvPr>
+            <p:ph type="ftr" sz="quarter" idx="11"/>
+          </p:nvPr>
+        </p:nvSpPr>
+        <p:spPr/>
+        <p:txBody>
+          <a:bodyPr/>
+          <a:lstStyle/>
+          <a:p>
+            <a:r>
+              <a:rPr lang="en-US"/>
+              <a:t>CERF 2019 | The Next Step with R | Cressman and Dunnigan</a:t>
+            </a:r>
+          </a:p>
+        </p:txBody>
+      </p:sp>
+      <p:sp>
+        <p:nvSpPr>
+          <p:cNvPr id="5" name="Slide Number Placeholder 4">
+            <a:extLst>
+              <a:ext uri="{FF2B5EF4-FFF2-40B4-BE49-F238E27FC236}">
+                <a16:creationId xmlns:a16="http://schemas.microsoft.com/office/drawing/2014/main" id="{EA013E84-027E-4093-8C9B-5CFCAE398338}"/>
+              </a:ext>
+            </a:extLst>
+          </p:cNvPr>
+          <p:cNvSpPr>
+            <a:spLocks noGrp="1"/>
+          </p:cNvSpPr>
+          <p:nvPr>
+            <p:ph type="sldNum" sz="quarter" idx="12"/>
+          </p:nvPr>
+        </p:nvSpPr>
+        <p:spPr/>
+        <p:txBody>
+          <a:bodyPr/>
+          <a:lstStyle/>
+          <a:p>
+            <a:fld id="{1D07C8D9-AA71-438D-86BE-7B86F7F29DC7}" type="slidenum">
+              <a:rPr lang="en-US" smtClean="0"/>
+              <a:t>61</a:t>
+            </a:fld>
+            <a:endParaRPr lang="en-US"/>
+          </a:p>
+        </p:txBody>
+      </p:sp>
+    </p:spTree>
+    <p:extLst>
+      <p:ext uri="{BB962C8B-B14F-4D97-AF65-F5344CB8AC3E}">
+        <p14:creationId xmlns:p14="http://schemas.microsoft.com/office/powerpoint/2010/main" val="2762280106"/>
+      </p:ext>
+    </p:extLst>
+  </p:cSld>
+  <p:clrMapOvr>
+    <a:masterClrMapping/>
+  </p:clrMapOvr>
+</p:sld>
+</file>
+
+<file path=ppt/slides/slide62.xml><?xml version="1.0" encoding="utf-8"?>
+<p:sld xmlns:a="http://schemas.openxmlformats.org/drawingml/2006/main" xmlns:r="http://schemas.openxmlformats.org/officeDocument/2006/relationships" xmlns:p="http://schemas.openxmlformats.org/presentationml/2006/main">
+  <p:cSld>
+    <p:spTree>
+      <p:nvGrpSpPr>
+        <p:cNvPr id="1" name=""/>
+        <p:cNvGrpSpPr/>
+        <p:nvPr/>
+      </p:nvGrpSpPr>
+      <p:grpSpPr>
+        <a:xfrm>
+          <a:off x="0" y="0"/>
+          <a:ext cx="0" cy="0"/>
+          <a:chOff x="0" y="0"/>
+          <a:chExt cx="0" cy="0"/>
+        </a:xfrm>
+      </p:grpSpPr>
+      <p:sp>
+        <p:nvSpPr>
+          <p:cNvPr id="4" name="Footer Placeholder 3">
+            <a:extLst>
+              <a:ext uri="{FF2B5EF4-FFF2-40B4-BE49-F238E27FC236}">
+                <a16:creationId xmlns:a16="http://schemas.microsoft.com/office/drawing/2014/main" id="{C904CA0C-8F02-4754-A778-96405A52B640}"/>
+              </a:ext>
+            </a:extLst>
+          </p:cNvPr>
+          <p:cNvSpPr>
+            <a:spLocks noGrp="1"/>
+          </p:cNvSpPr>
+          <p:nvPr>
+            <p:ph type="ftr" sz="quarter" idx="11"/>
+          </p:nvPr>
+        </p:nvSpPr>
+        <p:spPr/>
+        <p:txBody>
+          <a:bodyPr/>
+          <a:lstStyle/>
+          <a:p>
+            <a:r>
+              <a:rPr lang="en-US"/>
+              <a:t>CERF 2019 | The Next Step with R | Cressman and Dunnigan</a:t>
+            </a:r>
+          </a:p>
+        </p:txBody>
+      </p:sp>
+      <p:sp>
+        <p:nvSpPr>
+          <p:cNvPr id="5" name="Slide Number Placeholder 4">
+            <a:extLst>
+              <a:ext uri="{FF2B5EF4-FFF2-40B4-BE49-F238E27FC236}">
+                <a16:creationId xmlns:a16="http://schemas.microsoft.com/office/drawing/2014/main" id="{FE9BF15A-F597-4077-85E4-F0526E4EB528}"/>
+              </a:ext>
+            </a:extLst>
+          </p:cNvPr>
+          <p:cNvSpPr>
+            <a:spLocks noGrp="1"/>
+          </p:cNvSpPr>
+          <p:nvPr>
+            <p:ph type="sldNum" sz="quarter" idx="12"/>
+          </p:nvPr>
+        </p:nvSpPr>
+        <p:spPr/>
+        <p:txBody>
+          <a:bodyPr/>
+          <a:lstStyle/>
+          <a:p>
+            <a:fld id="{1D07C8D9-AA71-438D-86BE-7B86F7F29DC7}" type="slidenum">
+              <a:rPr lang="en-US" smtClean="0"/>
+              <a:t>62</a:t>
+            </a:fld>
+            <a:endParaRPr lang="en-US"/>
+          </a:p>
+        </p:txBody>
+      </p:sp>
+      <p:pic>
+        <p:nvPicPr>
+          <p:cNvPr id="9" name="Picture 8">
+            <a:extLst>
+              <a:ext uri="{FF2B5EF4-FFF2-40B4-BE49-F238E27FC236}">
+                <a16:creationId xmlns:a16="http://schemas.microsoft.com/office/drawing/2014/main" id="{35D30557-40C1-41B3-90E6-5974F1E12DD6}"/>
+              </a:ext>
+            </a:extLst>
+          </p:cNvPr>
+          <p:cNvPicPr>
+            <a:picLocks noChangeAspect="1"/>
+          </p:cNvPicPr>
+          <p:nvPr/>
+        </p:nvPicPr>
+        <p:blipFill rotWithShape="1">
+          <a:blip r:embed="rId2"/>
+          <a:srcRect l="706" t="552" r="-1" b="-1"/>
+          <a:stretch/>
+        </p:blipFill>
+        <p:spPr>
+          <a:xfrm>
+            <a:off x="1717040" y="1137920"/>
+            <a:ext cx="8820668" cy="4607735"/>
+          </a:xfrm>
+          <a:prstGeom prst="rect">
+            <a:avLst/>
+          </a:prstGeom>
+        </p:spPr>
+      </p:pic>
+    </p:spTree>
+    <p:extLst>
+      <p:ext uri="{BB962C8B-B14F-4D97-AF65-F5344CB8AC3E}">
+        <p14:creationId xmlns:p14="http://schemas.microsoft.com/office/powerpoint/2010/main" val="2035331022"/>
+      </p:ext>
+    </p:extLst>
+  </p:cSld>
+  <p:clrMapOvr>
+    <a:masterClrMapping/>
+  </p:clrMapOvr>
+</p:sld>
+</file>
+
+<file path=ppt/slides/slide63.xml><?xml version="1.0" encoding="utf-8"?>
+<p:sld xmlns:a="http://schemas.openxmlformats.org/drawingml/2006/main" xmlns:r="http://schemas.openxmlformats.org/officeDocument/2006/relationships" xmlns:p="http://schemas.openxmlformats.org/presentationml/2006/main">
+  <p:cSld>
+    <p:spTree>
+      <p:nvGrpSpPr>
+        <p:cNvPr id="1" name=""/>
+        <p:cNvGrpSpPr/>
+        <p:nvPr/>
+      </p:nvGrpSpPr>
+      <p:grpSpPr>
+        <a:xfrm>
+          <a:off x="0" y="0"/>
+          <a:ext cx="0" cy="0"/>
+          <a:chOff x="0" y="0"/>
+          <a:chExt cx="0" cy="0"/>
+        </a:xfrm>
+      </p:grpSpPr>
+      <p:sp>
+        <p:nvSpPr>
+          <p:cNvPr id="5" name="Slide Number Placeholder 4">
+            <a:extLst>
+              <a:ext uri="{FF2B5EF4-FFF2-40B4-BE49-F238E27FC236}">
+                <a16:creationId xmlns:a16="http://schemas.microsoft.com/office/drawing/2014/main" id="{7453A3CD-37F2-4D00-921B-4D1895E35745}"/>
+              </a:ext>
+            </a:extLst>
+          </p:cNvPr>
+          <p:cNvSpPr>
+            <a:spLocks noGrp="1"/>
+          </p:cNvSpPr>
+          <p:nvPr>
+            <p:ph type="sldNum" sz="quarter" idx="12"/>
+          </p:nvPr>
+        </p:nvSpPr>
+        <p:spPr/>
+        <p:txBody>
+          <a:bodyPr/>
+          <a:lstStyle/>
+          <a:p>
+            <a:fld id="{1D07C8D9-AA71-438D-86BE-7B86F7F29DC7}" type="slidenum">
+              <a:rPr lang="en-US" smtClean="0"/>
+              <a:t>63</a:t>
             </a:fld>
             <a:endParaRPr lang="en-US"/>
           </a:p>
@@ -23525,6 +24790,71 @@
           </a:p>
         </p:txBody>
       </p:sp>
+      <p:sp>
+        <p:nvSpPr>
+          <p:cNvPr id="2" name="Speech Bubble: Rectangle with Corners Rounded 1">
+            <a:extLst>
+              <a:ext uri="{FF2B5EF4-FFF2-40B4-BE49-F238E27FC236}">
+                <a16:creationId xmlns:a16="http://schemas.microsoft.com/office/drawing/2014/main" id="{B07E8060-2232-48F2-8BA4-D46921FB1C05}"/>
+              </a:ext>
+            </a:extLst>
+          </p:cNvPr>
+          <p:cNvSpPr/>
+          <p:nvPr/>
+        </p:nvSpPr>
+        <p:spPr>
+          <a:xfrm>
+            <a:off x="8047165" y="136525"/>
+            <a:ext cx="3505200" cy="1814195"/>
+          </a:xfrm>
+          <a:prstGeom prst="wedgeRoundRectCallout">
+            <a:avLst>
+              <a:gd name="adj1" fmla="val -66630"/>
+              <a:gd name="adj2" fmla="val 82661"/>
+              <a:gd name="adj3" fmla="val 16667"/>
+            </a:avLst>
+          </a:prstGeom>
+        </p:spPr>
+        <p:style>
+          <a:lnRef idx="2">
+            <a:schemeClr val="accent3">
+              <a:shade val="50000"/>
+            </a:schemeClr>
+          </a:lnRef>
+          <a:fillRef idx="1">
+            <a:schemeClr val="accent3"/>
+          </a:fillRef>
+          <a:effectRef idx="0">
+            <a:schemeClr val="accent3"/>
+          </a:effectRef>
+          <a:fontRef idx="minor">
+            <a:schemeClr val="lt1"/>
+          </a:fontRef>
+        </p:style>
+        <p:txBody>
+          <a:bodyPr rtlCol="0" anchor="ctr"/>
+          <a:lstStyle/>
+          <a:p>
+            <a:pPr algn="ctr"/>
+            <a:r>
+              <a:rPr lang="en-US" sz="2400" dirty="0"/>
+              <a:t>The </a:t>
+            </a:r>
+            <a:r>
+              <a:rPr lang="en-US" sz="2400" dirty="0" err="1">
+                <a:latin typeface="Fira Code" panose="020B0809050000020004" pitchFamily="49" charset="0"/>
+                <a:ea typeface="Fira Code" panose="020B0809050000020004" pitchFamily="49" charset="0"/>
+                <a:cs typeface="Fira Code" panose="020B0809050000020004" pitchFamily="49" charset="0"/>
+              </a:rPr>
+              <a:t>ggthemes</a:t>
+            </a:r>
+            <a:r>
+              <a:rPr lang="en-US" sz="2400" dirty="0"/>
+              <a:t> package by Jeffrey Arnold provides even more complete themes!</a:t>
+            </a:r>
+          </a:p>
+        </p:txBody>
+      </p:sp>
     </p:spTree>
     <p:extLst>
       <p:ext uri="{BB962C8B-B14F-4D97-AF65-F5344CB8AC3E}">
@@ -23535,10 +24865,88 @@
   <p:clrMapOvr>
     <a:masterClrMapping/>
   </p:clrMapOvr>
+  <p:timing>
+    <p:tnLst>
+      <p:par>
+        <p:cTn id="1" dur="indefinite" restart="never" nodeType="tmRoot">
+          <p:childTnLst>
+            <p:seq concurrent="1" nextAc="seek">
+              <p:cTn id="2" dur="indefinite" nodeType="mainSeq">
+                <p:childTnLst>
+                  <p:par>
+                    <p:cTn id="3" fill="hold">
+                      <p:stCondLst>
+                        <p:cond delay="indefinite"/>
+                      </p:stCondLst>
+                      <p:childTnLst>
+                        <p:par>
+                          <p:cTn id="4" fill="hold">
+                            <p:stCondLst>
+                              <p:cond delay="0"/>
+                            </p:stCondLst>
+                            <p:childTnLst>
+                              <p:par>
+                                <p:cTn id="5" presetID="1" presetClass="entr" presetSubtype="0" fill="hold" grpId="0" nodeType="clickEffect">
+                                  <p:stCondLst>
+                                    <p:cond delay="0"/>
+                                  </p:stCondLst>
+                                  <p:childTnLst>
+                                    <p:set>
+                                      <p:cBhvr>
+                                        <p:cTn id="6" dur="1" fill="hold">
+                                          <p:stCondLst>
+                                            <p:cond delay="0"/>
+                                          </p:stCondLst>
+                                        </p:cTn>
+                                        <p:tgtEl>
+                                          <p:spTgt spid="2"/>
+                                        </p:tgtEl>
+                                        <p:attrNameLst>
+                                          <p:attrName>style.visibility</p:attrName>
+                                        </p:attrNameLst>
+                                      </p:cBhvr>
+                                      <p:to>
+                                        <p:strVal val="visible"/>
+                                      </p:to>
+                                    </p:set>
+                                  </p:childTnLst>
+                                </p:cTn>
+                              </p:par>
+                            </p:childTnLst>
+                          </p:cTn>
+                        </p:par>
+                      </p:childTnLst>
+                    </p:cTn>
+                  </p:par>
+                </p:childTnLst>
+              </p:cTn>
+              <p:prevCondLst>
+                <p:cond evt="onPrev" delay="0">
+                  <p:tgtEl>
+                    <p:sldTgt/>
+                  </p:tgtEl>
+                </p:cond>
+              </p:prevCondLst>
+              <p:nextCondLst>
+                <p:cond evt="onNext" delay="0">
+                  <p:tgtEl>
+                    <p:sldTgt/>
+                  </p:tgtEl>
+                </p:cond>
+              </p:nextCondLst>
+            </p:seq>
+          </p:childTnLst>
+        </p:cTn>
+      </p:par>
+    </p:tnLst>
+    <p:bldLst>
+      <p:bldP spid="2" grpId="0" animBg="1"/>
+    </p:bldLst>
+  </p:timing>
 </p:sld>
 </file>
 
-<file path=ppt/slides/slide61.xml><?xml version="1.0" encoding="utf-8"?>
+<file path=ppt/slides/slide64.xml><?xml version="1.0" encoding="utf-8"?>
 <p:sld xmlns:a="http://schemas.openxmlformats.org/drawingml/2006/main" xmlns:r="http://schemas.openxmlformats.org/officeDocument/2006/relationships" xmlns:p="http://schemas.openxmlformats.org/presentationml/2006/main">
   <p:cSld>
     <p:spTree>
@@ -23557,6 +24965,2433 @@
       </p:grpSpPr>
       <p:sp>
         <p:nvSpPr>
+          <p:cNvPr id="4" name="Title 3">
+            <a:extLst>
+              <a:ext uri="{FF2B5EF4-FFF2-40B4-BE49-F238E27FC236}">
+                <a16:creationId xmlns:a16="http://schemas.microsoft.com/office/drawing/2014/main" id="{54988930-9C61-4AB8-8EEF-EDAC00F585D3}"/>
+              </a:ext>
+            </a:extLst>
+          </p:cNvPr>
+          <p:cNvSpPr>
+            <a:spLocks noGrp="1"/>
+          </p:cNvSpPr>
+          <p:nvPr>
+            <p:ph type="title"/>
+          </p:nvPr>
+        </p:nvSpPr>
+        <p:spPr/>
+        <p:txBody>
+          <a:bodyPr/>
+          <a:lstStyle/>
+          <a:p>
+            <a:pPr algn="ctr"/>
+            <a:r>
+              <a:rPr lang="en-US" dirty="0"/>
+              <a:t>Structure of the theme system</a:t>
+            </a:r>
+          </a:p>
+        </p:txBody>
+      </p:sp>
+      <p:sp>
+        <p:nvSpPr>
+          <p:cNvPr id="5" name="Content Placeholder 4">
+            <a:extLst>
+              <a:ext uri="{FF2B5EF4-FFF2-40B4-BE49-F238E27FC236}">
+                <a16:creationId xmlns:a16="http://schemas.microsoft.com/office/drawing/2014/main" id="{6D0EE69A-B424-4ADE-A066-96159B2BBD5F}"/>
+              </a:ext>
+            </a:extLst>
+          </p:cNvPr>
+          <p:cNvSpPr>
+            <a:spLocks noGrp="1"/>
+          </p:cNvSpPr>
+          <p:nvPr>
+            <p:ph idx="1"/>
+          </p:nvPr>
+        </p:nvSpPr>
+        <p:spPr/>
+        <p:txBody>
+          <a:bodyPr/>
+          <a:lstStyle/>
+          <a:p>
+            <a:pPr marL="0" indent="0">
+              <a:buNone/>
+            </a:pPr>
+            <a:r>
+              <a:rPr lang="en-US" sz="3600" dirty="0"/>
+              <a:t>Three components:</a:t>
+            </a:r>
+          </a:p>
+          <a:p>
+            <a:pPr marL="971550" lvl="1" indent="-514350">
+              <a:buFont typeface="+mj-lt"/>
+              <a:buAutoNum type="arabicPeriod"/>
+            </a:pPr>
+            <a:r>
+              <a:rPr lang="en-US" sz="3200" dirty="0">
+                <a:ea typeface="Fira Code" panose="020B0809050000020004" pitchFamily="49" charset="0"/>
+                <a:cs typeface="Fira Code" panose="020B0809050000020004" pitchFamily="49" charset="0"/>
+              </a:rPr>
+              <a:t> </a:t>
+            </a:r>
+            <a:r>
+              <a:rPr lang="en-US" sz="3200" dirty="0">
+                <a:solidFill>
+                  <a:schemeClr val="accent6">
+                    <a:lumMod val="75000"/>
+                  </a:schemeClr>
+                </a:solidFill>
+                <a:latin typeface="Fira Code" panose="020B0809050000020004" pitchFamily="49" charset="0"/>
+                <a:ea typeface="Fira Code" panose="020B0809050000020004" pitchFamily="49" charset="0"/>
+                <a:cs typeface="Fira Code" panose="020B0809050000020004" pitchFamily="49" charset="0"/>
+              </a:rPr>
+              <a:t>theme()</a:t>
+            </a:r>
+            <a:r>
+              <a:rPr lang="en-US" sz="3200" dirty="0">
+                <a:ea typeface="Fira Code" panose="020B0809050000020004" pitchFamily="49" charset="0"/>
+                <a:cs typeface="Fira Code" panose="020B0809050000020004" pitchFamily="49" charset="0"/>
+              </a:rPr>
+              <a:t> </a:t>
+            </a:r>
+            <a:r>
+              <a:rPr lang="en-US" sz="3200" dirty="0"/>
+              <a:t>function</a:t>
+            </a:r>
+          </a:p>
+          <a:p>
+            <a:pPr marL="971550" lvl="1" indent="-514350">
+              <a:buFont typeface="+mj-lt"/>
+              <a:buAutoNum type="arabicPeriod"/>
+            </a:pPr>
+            <a:r>
+              <a:rPr lang="en-US" sz="3200" dirty="0"/>
+              <a:t>Theme elements (e.g., </a:t>
+            </a:r>
+            <a:r>
+              <a:rPr lang="en-US" sz="3200" dirty="0" err="1">
+                <a:solidFill>
+                  <a:schemeClr val="accent6">
+                    <a:lumMod val="75000"/>
+                  </a:schemeClr>
+                </a:solidFill>
+                <a:latin typeface="Fira Code" panose="020B0809050000020004" pitchFamily="49" charset="0"/>
+                <a:ea typeface="Fira Code" panose="020B0809050000020004" pitchFamily="49" charset="0"/>
+                <a:cs typeface="Fira Code" panose="020B0809050000020004" pitchFamily="49" charset="0"/>
+              </a:rPr>
+              <a:t>plot.title</a:t>
+            </a:r>
+            <a:r>
+              <a:rPr lang="en-US" sz="3200" dirty="0"/>
+              <a:t> element which controls the appearance of the plot title)</a:t>
+            </a:r>
+          </a:p>
+          <a:p>
+            <a:pPr marL="971550" lvl="1" indent="-514350">
+              <a:buFont typeface="+mj-lt"/>
+              <a:buAutoNum type="arabicPeriod"/>
+            </a:pPr>
+            <a:r>
+              <a:rPr lang="en-US" sz="3200" dirty="0"/>
+              <a:t>Element function (of which there are four)</a:t>
+            </a:r>
+          </a:p>
+          <a:p>
+            <a:pPr marL="1428750" lvl="2" indent="-514350">
+              <a:buFont typeface="+mj-lt"/>
+              <a:buAutoNum type="arabicPeriod"/>
+            </a:pPr>
+            <a:r>
+              <a:rPr lang="en-US" sz="2800" dirty="0"/>
+              <a:t> </a:t>
+            </a:r>
+            <a:r>
+              <a:rPr lang="en-US" sz="2800" dirty="0" err="1">
+                <a:solidFill>
+                  <a:schemeClr val="accent6">
+                    <a:lumMod val="75000"/>
+                  </a:schemeClr>
+                </a:solidFill>
+                <a:latin typeface="Fira Code" panose="020B0809050000020004" pitchFamily="49" charset="0"/>
+                <a:ea typeface="Fira Code" panose="020B0809050000020004" pitchFamily="49" charset="0"/>
+                <a:cs typeface="Fira Code" panose="020B0809050000020004" pitchFamily="49" charset="0"/>
+              </a:rPr>
+              <a:t>element_text</a:t>
+            </a:r>
+            <a:r>
+              <a:rPr lang="en-US" sz="2800" dirty="0">
+                <a:solidFill>
+                  <a:schemeClr val="accent6">
+                    <a:lumMod val="75000"/>
+                  </a:schemeClr>
+                </a:solidFill>
+                <a:latin typeface="Fira Code" panose="020B0809050000020004" pitchFamily="49" charset="0"/>
+                <a:ea typeface="Fira Code" panose="020B0809050000020004" pitchFamily="49" charset="0"/>
+                <a:cs typeface="Fira Code" panose="020B0809050000020004" pitchFamily="49" charset="0"/>
+              </a:rPr>
+              <a:t>()</a:t>
+            </a:r>
+          </a:p>
+          <a:p>
+            <a:pPr marL="1428750" lvl="2" indent="-514350">
+              <a:buFont typeface="+mj-lt"/>
+              <a:buAutoNum type="arabicPeriod"/>
+            </a:pPr>
+            <a:r>
+              <a:rPr lang="en-US" sz="2800" dirty="0"/>
+              <a:t> </a:t>
+            </a:r>
+            <a:r>
+              <a:rPr lang="en-US" sz="2800" dirty="0" err="1">
+                <a:solidFill>
+                  <a:schemeClr val="accent6">
+                    <a:lumMod val="75000"/>
+                  </a:schemeClr>
+                </a:solidFill>
+                <a:latin typeface="Fira Code" panose="020B0809050000020004" pitchFamily="49" charset="0"/>
+                <a:ea typeface="Fira Code" panose="020B0809050000020004" pitchFamily="49" charset="0"/>
+                <a:cs typeface="Fira Code" panose="020B0809050000020004" pitchFamily="49" charset="0"/>
+              </a:rPr>
+              <a:t>element_line</a:t>
+            </a:r>
+            <a:r>
+              <a:rPr lang="en-US" sz="2800" dirty="0">
+                <a:solidFill>
+                  <a:schemeClr val="accent6">
+                    <a:lumMod val="75000"/>
+                  </a:schemeClr>
+                </a:solidFill>
+                <a:latin typeface="Fira Code" panose="020B0809050000020004" pitchFamily="49" charset="0"/>
+                <a:ea typeface="Fira Code" panose="020B0809050000020004" pitchFamily="49" charset="0"/>
+                <a:cs typeface="Fira Code" panose="020B0809050000020004" pitchFamily="49" charset="0"/>
+              </a:rPr>
+              <a:t>()</a:t>
+            </a:r>
+          </a:p>
+          <a:p>
+            <a:pPr marL="1428750" lvl="2" indent="-514350">
+              <a:buFont typeface="+mj-lt"/>
+              <a:buAutoNum type="arabicPeriod"/>
+            </a:pPr>
+            <a:r>
+              <a:rPr lang="en-US" sz="2800" dirty="0"/>
+              <a:t> </a:t>
+            </a:r>
+            <a:r>
+              <a:rPr lang="en-US" sz="2800" dirty="0" err="1">
+                <a:solidFill>
+                  <a:schemeClr val="accent6">
+                    <a:lumMod val="75000"/>
+                  </a:schemeClr>
+                </a:solidFill>
+                <a:latin typeface="Fira Code" panose="020B0809050000020004" pitchFamily="49" charset="0"/>
+                <a:ea typeface="Fira Code" panose="020B0809050000020004" pitchFamily="49" charset="0"/>
+                <a:cs typeface="Fira Code" panose="020B0809050000020004" pitchFamily="49" charset="0"/>
+              </a:rPr>
+              <a:t>element_rectangle</a:t>
+            </a:r>
+            <a:r>
+              <a:rPr lang="en-US" sz="2800" dirty="0">
+                <a:solidFill>
+                  <a:schemeClr val="accent6">
+                    <a:lumMod val="75000"/>
+                  </a:schemeClr>
+                </a:solidFill>
+                <a:latin typeface="Fira Code" panose="020B0809050000020004" pitchFamily="49" charset="0"/>
+                <a:ea typeface="Fira Code" panose="020B0809050000020004" pitchFamily="49" charset="0"/>
+                <a:cs typeface="Fira Code" panose="020B0809050000020004" pitchFamily="49" charset="0"/>
+              </a:rPr>
+              <a:t>()</a:t>
+            </a:r>
+          </a:p>
+          <a:p>
+            <a:pPr marL="1428750" lvl="2" indent="-514350">
+              <a:buFont typeface="+mj-lt"/>
+              <a:buAutoNum type="arabicPeriod"/>
+            </a:pPr>
+            <a:r>
+              <a:rPr lang="en-US" sz="2800" dirty="0"/>
+              <a:t> </a:t>
+            </a:r>
+            <a:r>
+              <a:rPr lang="en-US" sz="2800" dirty="0" err="1">
+                <a:solidFill>
+                  <a:schemeClr val="accent6">
+                    <a:lumMod val="75000"/>
+                  </a:schemeClr>
+                </a:solidFill>
+                <a:latin typeface="Fira Code" panose="020B0809050000020004" pitchFamily="49" charset="0"/>
+                <a:ea typeface="Fira Code" panose="020B0809050000020004" pitchFamily="49" charset="0"/>
+                <a:cs typeface="Fira Code" panose="020B0809050000020004" pitchFamily="49" charset="0"/>
+              </a:rPr>
+              <a:t>element_blank</a:t>
+            </a:r>
+            <a:r>
+              <a:rPr lang="en-US" sz="2800" dirty="0">
+                <a:solidFill>
+                  <a:schemeClr val="accent6">
+                    <a:lumMod val="75000"/>
+                  </a:schemeClr>
+                </a:solidFill>
+                <a:latin typeface="Fira Code" panose="020B0809050000020004" pitchFamily="49" charset="0"/>
+                <a:ea typeface="Fira Code" panose="020B0809050000020004" pitchFamily="49" charset="0"/>
+                <a:cs typeface="Fira Code" panose="020B0809050000020004" pitchFamily="49" charset="0"/>
+              </a:rPr>
+              <a:t>()</a:t>
+            </a:r>
+            <a:endParaRPr lang="en-US" dirty="0">
+              <a:solidFill>
+                <a:schemeClr val="accent6">
+                  <a:lumMod val="75000"/>
+                </a:schemeClr>
+              </a:solidFill>
+              <a:latin typeface="Fira Code" panose="020B0809050000020004" pitchFamily="49" charset="0"/>
+              <a:ea typeface="Fira Code" panose="020B0809050000020004" pitchFamily="49" charset="0"/>
+              <a:cs typeface="Fira Code" panose="020B0809050000020004" pitchFamily="49" charset="0"/>
+            </a:endParaRPr>
+          </a:p>
+        </p:txBody>
+      </p:sp>
+      <p:sp>
+        <p:nvSpPr>
+          <p:cNvPr id="2" name="Footer Placeholder 1">
+            <a:extLst>
+              <a:ext uri="{FF2B5EF4-FFF2-40B4-BE49-F238E27FC236}">
+                <a16:creationId xmlns:a16="http://schemas.microsoft.com/office/drawing/2014/main" id="{352ECBDD-DF72-48B1-8E26-F06E7DAED7DD}"/>
+              </a:ext>
+            </a:extLst>
+          </p:cNvPr>
+          <p:cNvSpPr>
+            <a:spLocks noGrp="1"/>
+          </p:cNvSpPr>
+          <p:nvPr>
+            <p:ph type="ftr" sz="quarter" idx="11"/>
+          </p:nvPr>
+        </p:nvSpPr>
+        <p:spPr/>
+        <p:txBody>
+          <a:bodyPr/>
+          <a:lstStyle/>
+          <a:p>
+            <a:r>
+              <a:rPr lang="en-US"/>
+              <a:t>CERF 2019 | The Next Step with R | Cressman and Dunnigan</a:t>
+            </a:r>
+          </a:p>
+        </p:txBody>
+      </p:sp>
+      <p:sp>
+        <p:nvSpPr>
+          <p:cNvPr id="3" name="Slide Number Placeholder 2">
+            <a:extLst>
+              <a:ext uri="{FF2B5EF4-FFF2-40B4-BE49-F238E27FC236}">
+                <a16:creationId xmlns:a16="http://schemas.microsoft.com/office/drawing/2014/main" id="{37FD2D3D-14E6-41DA-A43E-070517518BC9}"/>
+              </a:ext>
+            </a:extLst>
+          </p:cNvPr>
+          <p:cNvSpPr>
+            <a:spLocks noGrp="1"/>
+          </p:cNvSpPr>
+          <p:nvPr>
+            <p:ph type="sldNum" sz="quarter" idx="12"/>
+          </p:nvPr>
+        </p:nvSpPr>
+        <p:spPr/>
+        <p:txBody>
+          <a:bodyPr/>
+          <a:lstStyle/>
+          <a:p>
+            <a:fld id="{1D07C8D9-AA71-438D-86BE-7B86F7F29DC7}" type="slidenum">
+              <a:rPr lang="en-US" smtClean="0"/>
+              <a:t>64</a:t>
+            </a:fld>
+            <a:endParaRPr lang="en-US"/>
+          </a:p>
+        </p:txBody>
+      </p:sp>
+    </p:spTree>
+    <p:extLst>
+      <p:ext uri="{BB962C8B-B14F-4D97-AF65-F5344CB8AC3E}">
+        <p14:creationId xmlns:p14="http://schemas.microsoft.com/office/powerpoint/2010/main" val="1036914052"/>
+      </p:ext>
+    </p:extLst>
+  </p:cSld>
+  <p:clrMapOvr>
+    <a:masterClrMapping/>
+  </p:clrMapOvr>
+</p:sld>
+</file>
+
+<file path=ppt/slides/slide65.xml><?xml version="1.0" encoding="utf-8"?>
+<p:sld xmlns:a="http://schemas.openxmlformats.org/drawingml/2006/main" xmlns:r="http://schemas.openxmlformats.org/officeDocument/2006/relationships" xmlns:p="http://schemas.openxmlformats.org/presentationml/2006/main">
+  <p:cSld>
+    <p:spTree>
+      <p:nvGrpSpPr>
+        <p:cNvPr id="1" name=""/>
+        <p:cNvGrpSpPr/>
+        <p:nvPr/>
+      </p:nvGrpSpPr>
+      <p:grpSpPr>
+        <a:xfrm>
+          <a:off x="0" y="0"/>
+          <a:ext cx="0" cy="0"/>
+          <a:chOff x="0" y="0"/>
+          <a:chExt cx="0" cy="0"/>
+        </a:xfrm>
+      </p:grpSpPr>
+      <p:sp>
+        <p:nvSpPr>
+          <p:cNvPr id="4" name="Title 3">
+            <a:extLst>
+              <a:ext uri="{FF2B5EF4-FFF2-40B4-BE49-F238E27FC236}">
+                <a16:creationId xmlns:a16="http://schemas.microsoft.com/office/drawing/2014/main" id="{54988930-9C61-4AB8-8EEF-EDAC00F585D3}"/>
+              </a:ext>
+            </a:extLst>
+          </p:cNvPr>
+          <p:cNvSpPr>
+            <a:spLocks noGrp="1"/>
+          </p:cNvSpPr>
+          <p:nvPr>
+            <p:ph type="title"/>
+          </p:nvPr>
+        </p:nvSpPr>
+        <p:spPr/>
+        <p:txBody>
+          <a:bodyPr/>
+          <a:lstStyle/>
+          <a:p>
+            <a:pPr algn="ctr"/>
+            <a:r>
+              <a:rPr lang="en-US" dirty="0"/>
+              <a:t>Structure of the theme system</a:t>
+            </a:r>
+          </a:p>
+        </p:txBody>
+      </p:sp>
+      <p:sp>
+        <p:nvSpPr>
+          <p:cNvPr id="5" name="Content Placeholder 4">
+            <a:extLst>
+              <a:ext uri="{FF2B5EF4-FFF2-40B4-BE49-F238E27FC236}">
+                <a16:creationId xmlns:a16="http://schemas.microsoft.com/office/drawing/2014/main" id="{6D0EE69A-B424-4ADE-A066-96159B2BBD5F}"/>
+              </a:ext>
+            </a:extLst>
+          </p:cNvPr>
+          <p:cNvSpPr>
+            <a:spLocks noGrp="1"/>
+          </p:cNvSpPr>
+          <p:nvPr>
+            <p:ph idx="1"/>
+          </p:nvPr>
+        </p:nvSpPr>
+        <p:spPr>
+          <a:xfrm>
+            <a:off x="576580" y="1847850"/>
+            <a:ext cx="11038840" cy="4351338"/>
+          </a:xfrm>
+        </p:spPr>
+        <p:txBody>
+          <a:bodyPr/>
+          <a:lstStyle/>
+          <a:p>
+            <a:pPr marL="0" indent="0">
+              <a:buNone/>
+            </a:pPr>
+            <a:r>
+              <a:rPr lang="en-US" sz="2400" dirty="0">
+                <a:latin typeface="Fira Code" panose="020B0809050000020004" pitchFamily="49" charset="0"/>
+                <a:ea typeface="Fira Code" panose="020B0809050000020004" pitchFamily="49" charset="0"/>
+                <a:cs typeface="Fira Code" panose="020B0809050000020004" pitchFamily="49" charset="0"/>
+              </a:rPr>
+              <a:t>p + theme(</a:t>
+            </a:r>
+            <a:r>
+              <a:rPr lang="en-US" sz="2400" dirty="0" err="1">
+                <a:latin typeface="Fira Code" panose="020B0809050000020004" pitchFamily="49" charset="0"/>
+                <a:ea typeface="Fira Code" panose="020B0809050000020004" pitchFamily="49" charset="0"/>
+                <a:cs typeface="Fira Code" panose="020B0809050000020004" pitchFamily="49" charset="0"/>
+              </a:rPr>
+              <a:t>plot.title</a:t>
+            </a:r>
+            <a:r>
+              <a:rPr lang="en-US" sz="2400" dirty="0">
+                <a:latin typeface="Fira Code" panose="020B0809050000020004" pitchFamily="49" charset="0"/>
+                <a:ea typeface="Fira Code" panose="020B0809050000020004" pitchFamily="49" charset="0"/>
+                <a:cs typeface="Fira Code" panose="020B0809050000020004" pitchFamily="49" charset="0"/>
+              </a:rPr>
+              <a:t> = </a:t>
+            </a:r>
+            <a:r>
+              <a:rPr lang="en-US" sz="2400" dirty="0" err="1">
+                <a:latin typeface="Fira Code" panose="020B0809050000020004" pitchFamily="49" charset="0"/>
+                <a:ea typeface="Fira Code" panose="020B0809050000020004" pitchFamily="49" charset="0"/>
+                <a:cs typeface="Fira Code" panose="020B0809050000020004" pitchFamily="49" charset="0"/>
+              </a:rPr>
+              <a:t>element_text</a:t>
+            </a:r>
+            <a:r>
+              <a:rPr lang="en-US" sz="2400" dirty="0">
+                <a:latin typeface="Fira Code" panose="020B0809050000020004" pitchFamily="49" charset="0"/>
+                <a:ea typeface="Fira Code" panose="020B0809050000020004" pitchFamily="49" charset="0"/>
+                <a:cs typeface="Fira Code" panose="020B0809050000020004" pitchFamily="49" charset="0"/>
+              </a:rPr>
+              <a:t>(size = 18),</a:t>
+            </a:r>
+          </a:p>
+          <a:p>
+            <a:pPr marL="0" indent="0">
+              <a:buNone/>
+            </a:pPr>
+            <a:r>
+              <a:rPr lang="en-US" sz="2400" dirty="0">
+                <a:latin typeface="Fira Code" panose="020B0809050000020004" pitchFamily="49" charset="0"/>
+                <a:ea typeface="Fira Code" panose="020B0809050000020004" pitchFamily="49" charset="0"/>
+                <a:cs typeface="Fira Code" panose="020B0809050000020004" pitchFamily="49" charset="0"/>
+              </a:rPr>
+              <a:t>	     </a:t>
+            </a:r>
+            <a:r>
+              <a:rPr lang="en-US" sz="2400" dirty="0" err="1">
+                <a:latin typeface="Fira Code" panose="020B0809050000020004" pitchFamily="49" charset="0"/>
+                <a:ea typeface="Fira Code" panose="020B0809050000020004" pitchFamily="49" charset="0"/>
+                <a:cs typeface="Fira Code" panose="020B0809050000020004" pitchFamily="49" charset="0"/>
+              </a:rPr>
+              <a:t>axis.y.title</a:t>
+            </a:r>
+            <a:r>
+              <a:rPr lang="en-US" sz="2400" dirty="0">
+                <a:latin typeface="Fira Code" panose="020B0809050000020004" pitchFamily="49" charset="0"/>
+                <a:ea typeface="Fira Code" panose="020B0809050000020004" pitchFamily="49" charset="0"/>
+                <a:cs typeface="Fira Code" panose="020B0809050000020004" pitchFamily="49" charset="0"/>
+              </a:rPr>
+              <a:t> = </a:t>
+            </a:r>
+            <a:r>
+              <a:rPr lang="en-US" sz="2400" dirty="0" err="1">
+                <a:latin typeface="Fira Code" panose="020B0809050000020004" pitchFamily="49" charset="0"/>
+                <a:ea typeface="Fira Code" panose="020B0809050000020004" pitchFamily="49" charset="0"/>
+                <a:cs typeface="Fira Code" panose="020B0809050000020004" pitchFamily="49" charset="0"/>
+              </a:rPr>
+              <a:t>element_text</a:t>
+            </a:r>
+            <a:r>
+              <a:rPr lang="en-US" sz="2400" dirty="0">
+                <a:latin typeface="Fira Code" panose="020B0809050000020004" pitchFamily="49" charset="0"/>
+                <a:ea typeface="Fira Code" panose="020B0809050000020004" pitchFamily="49" charset="0"/>
+                <a:cs typeface="Fira Code" panose="020B0809050000020004" pitchFamily="49" charset="0"/>
+              </a:rPr>
+              <a:t>(size = 12),</a:t>
+            </a:r>
+          </a:p>
+          <a:p>
+            <a:pPr marL="0" indent="0">
+              <a:buNone/>
+            </a:pPr>
+            <a:r>
+              <a:rPr lang="en-US" sz="2400" dirty="0">
+                <a:latin typeface="Fira Code" panose="020B0809050000020004" pitchFamily="49" charset="0"/>
+                <a:ea typeface="Fira Code" panose="020B0809050000020004" pitchFamily="49" charset="0"/>
+                <a:cs typeface="Fira Code" panose="020B0809050000020004" pitchFamily="49" charset="0"/>
+              </a:rPr>
+              <a:t>	     </a:t>
+            </a:r>
+            <a:r>
+              <a:rPr lang="en-US" sz="2400" dirty="0" err="1">
+                <a:latin typeface="Fira Code" panose="020B0809050000020004" pitchFamily="49" charset="0"/>
+                <a:ea typeface="Fira Code" panose="020B0809050000020004" pitchFamily="49" charset="0"/>
+                <a:cs typeface="Fira Code" panose="020B0809050000020004" pitchFamily="49" charset="0"/>
+              </a:rPr>
+              <a:t>axis.x.title</a:t>
+            </a:r>
+            <a:r>
+              <a:rPr lang="en-US" sz="2400" dirty="0">
+                <a:latin typeface="Fira Code" panose="020B0809050000020004" pitchFamily="49" charset="0"/>
+                <a:ea typeface="Fira Code" panose="020B0809050000020004" pitchFamily="49" charset="0"/>
+                <a:cs typeface="Fira Code" panose="020B0809050000020004" pitchFamily="49" charset="0"/>
+              </a:rPr>
+              <a:t> = </a:t>
+            </a:r>
+            <a:r>
+              <a:rPr lang="en-US" sz="2400" dirty="0" err="1">
+                <a:latin typeface="Fira Code" panose="020B0809050000020004" pitchFamily="49" charset="0"/>
+                <a:ea typeface="Fira Code" panose="020B0809050000020004" pitchFamily="49" charset="0"/>
+                <a:cs typeface="Fira Code" panose="020B0809050000020004" pitchFamily="49" charset="0"/>
+              </a:rPr>
+              <a:t>element_text</a:t>
+            </a:r>
+            <a:r>
+              <a:rPr lang="en-US" sz="2400" dirty="0">
+                <a:latin typeface="Fira Code" panose="020B0809050000020004" pitchFamily="49" charset="0"/>
+                <a:ea typeface="Fira Code" panose="020B0809050000020004" pitchFamily="49" charset="0"/>
+                <a:cs typeface="Fira Code" panose="020B0809050000020004" pitchFamily="49" charset="0"/>
+              </a:rPr>
+              <a:t>(size = 12),</a:t>
+            </a:r>
+          </a:p>
+          <a:p>
+            <a:pPr marL="0" indent="0">
+              <a:buNone/>
+            </a:pPr>
+            <a:r>
+              <a:rPr lang="en-US" sz="2400" dirty="0">
+                <a:latin typeface="Fira Code" panose="020B0809050000020004" pitchFamily="49" charset="0"/>
+                <a:ea typeface="Fira Code" panose="020B0809050000020004" pitchFamily="49" charset="0"/>
+                <a:cs typeface="Fira Code" panose="020B0809050000020004" pitchFamily="49" charset="0"/>
+              </a:rPr>
+              <a:t>	     </a:t>
+            </a:r>
+            <a:r>
+              <a:rPr lang="en-US" sz="2400" dirty="0" err="1">
+                <a:latin typeface="Fira Code" panose="020B0809050000020004" pitchFamily="49" charset="0"/>
+                <a:ea typeface="Fira Code" panose="020B0809050000020004" pitchFamily="49" charset="0"/>
+                <a:cs typeface="Fira Code" panose="020B0809050000020004" pitchFamily="49" charset="0"/>
+              </a:rPr>
+              <a:t>axis.text</a:t>
+            </a:r>
+            <a:r>
+              <a:rPr lang="en-US" sz="2400" dirty="0">
+                <a:latin typeface="Fira Code" panose="020B0809050000020004" pitchFamily="49" charset="0"/>
+                <a:ea typeface="Fira Code" panose="020B0809050000020004" pitchFamily="49" charset="0"/>
+                <a:cs typeface="Fira Code" panose="020B0809050000020004" pitchFamily="49" charset="0"/>
+              </a:rPr>
+              <a:t> = </a:t>
+            </a:r>
+            <a:r>
+              <a:rPr lang="en-US" sz="2400" dirty="0" err="1">
+                <a:latin typeface="Fira Code" panose="020B0809050000020004" pitchFamily="49" charset="0"/>
+                <a:ea typeface="Fira Code" panose="020B0809050000020004" pitchFamily="49" charset="0"/>
+                <a:cs typeface="Fira Code" panose="020B0809050000020004" pitchFamily="49" charset="0"/>
+              </a:rPr>
+              <a:t>element_text</a:t>
+            </a:r>
+            <a:r>
+              <a:rPr lang="en-US" sz="2400" dirty="0">
+                <a:latin typeface="Fira Code" panose="020B0809050000020004" pitchFamily="49" charset="0"/>
+                <a:ea typeface="Fira Code" panose="020B0809050000020004" pitchFamily="49" charset="0"/>
+                <a:cs typeface="Fira Code" panose="020B0809050000020004" pitchFamily="49" charset="0"/>
+              </a:rPr>
+              <a:t>(</a:t>
+            </a:r>
+            <a:r>
+              <a:rPr lang="en-US" sz="2400" dirty="0" err="1">
+                <a:latin typeface="Fira Code" panose="020B0809050000020004" pitchFamily="49" charset="0"/>
+                <a:ea typeface="Fira Code" panose="020B0809050000020004" pitchFamily="49" charset="0"/>
+                <a:cs typeface="Fira Code" panose="020B0809050000020004" pitchFamily="49" charset="0"/>
+              </a:rPr>
+              <a:t>vjust</a:t>
+            </a:r>
+            <a:r>
+              <a:rPr lang="en-US" sz="2400" dirty="0">
+                <a:latin typeface="Fira Code" panose="020B0809050000020004" pitchFamily="49" charset="0"/>
+                <a:ea typeface="Fira Code" panose="020B0809050000020004" pitchFamily="49" charset="0"/>
+                <a:cs typeface="Fira Code" panose="020B0809050000020004" pitchFamily="49" charset="0"/>
+              </a:rPr>
+              <a:t> = 0.9),</a:t>
+            </a:r>
+          </a:p>
+          <a:p>
+            <a:pPr marL="0" indent="0">
+              <a:buNone/>
+            </a:pPr>
+            <a:r>
+              <a:rPr lang="en-US" sz="2400" dirty="0">
+                <a:latin typeface="Fira Code" panose="020B0809050000020004" pitchFamily="49" charset="0"/>
+                <a:ea typeface="Fira Code" panose="020B0809050000020004" pitchFamily="49" charset="0"/>
+                <a:cs typeface="Fira Code" panose="020B0809050000020004" pitchFamily="49" charset="0"/>
+              </a:rPr>
+              <a:t>	     </a:t>
+            </a:r>
+            <a:r>
+              <a:rPr lang="en-US" sz="2400" dirty="0" err="1">
+                <a:latin typeface="Fira Code" panose="020B0809050000020004" pitchFamily="49" charset="0"/>
+                <a:ea typeface="Fira Code" panose="020B0809050000020004" pitchFamily="49" charset="0"/>
+                <a:cs typeface="Fira Code" panose="020B0809050000020004" pitchFamily="49" charset="0"/>
+              </a:rPr>
+              <a:t>panel.background</a:t>
+            </a:r>
+            <a:r>
+              <a:rPr lang="en-US" sz="2400" dirty="0">
+                <a:latin typeface="Fira Code" panose="020B0809050000020004" pitchFamily="49" charset="0"/>
+                <a:ea typeface="Fira Code" panose="020B0809050000020004" pitchFamily="49" charset="0"/>
+                <a:cs typeface="Fira Code" panose="020B0809050000020004" pitchFamily="49" charset="0"/>
+              </a:rPr>
+              <a:t> = </a:t>
+            </a:r>
+            <a:r>
+              <a:rPr lang="en-US" sz="2400" dirty="0" err="1">
+                <a:latin typeface="Fira Code" panose="020B0809050000020004" pitchFamily="49" charset="0"/>
+                <a:ea typeface="Fira Code" panose="020B0809050000020004" pitchFamily="49" charset="0"/>
+                <a:cs typeface="Fira Code" panose="020B0809050000020004" pitchFamily="49" charset="0"/>
+              </a:rPr>
+              <a:t>element_rect</a:t>
+            </a:r>
+            <a:r>
+              <a:rPr lang="en-US" sz="2400" dirty="0">
+                <a:latin typeface="Fira Code" panose="020B0809050000020004" pitchFamily="49" charset="0"/>
+                <a:ea typeface="Fira Code" panose="020B0809050000020004" pitchFamily="49" charset="0"/>
+                <a:cs typeface="Fira Code" panose="020B0809050000020004" pitchFamily="49" charset="0"/>
+              </a:rPr>
+              <a:t>(fill = “white”))</a:t>
+            </a:r>
+          </a:p>
+          <a:p>
+            <a:pPr marL="0" indent="0">
+              <a:buNone/>
+            </a:pPr>
+            <a:endParaRPr lang="en-US" dirty="0">
+              <a:latin typeface="Fira Code" panose="020B0809050000020004" pitchFamily="49" charset="0"/>
+              <a:ea typeface="Fira Code" panose="020B0809050000020004" pitchFamily="49" charset="0"/>
+              <a:cs typeface="Fira Code" panose="020B0809050000020004" pitchFamily="49" charset="0"/>
+            </a:endParaRPr>
+          </a:p>
+        </p:txBody>
+      </p:sp>
+      <p:sp>
+        <p:nvSpPr>
+          <p:cNvPr id="2" name="Footer Placeholder 1">
+            <a:extLst>
+              <a:ext uri="{FF2B5EF4-FFF2-40B4-BE49-F238E27FC236}">
+                <a16:creationId xmlns:a16="http://schemas.microsoft.com/office/drawing/2014/main" id="{352ECBDD-DF72-48B1-8E26-F06E7DAED7DD}"/>
+              </a:ext>
+            </a:extLst>
+          </p:cNvPr>
+          <p:cNvSpPr>
+            <a:spLocks noGrp="1"/>
+          </p:cNvSpPr>
+          <p:nvPr>
+            <p:ph type="ftr" sz="quarter" idx="11"/>
+          </p:nvPr>
+        </p:nvSpPr>
+        <p:spPr/>
+        <p:txBody>
+          <a:bodyPr/>
+          <a:lstStyle/>
+          <a:p>
+            <a:r>
+              <a:rPr lang="en-US"/>
+              <a:t>CERF 2019 | The Next Step with R | Cressman and Dunnigan</a:t>
+            </a:r>
+          </a:p>
+        </p:txBody>
+      </p:sp>
+      <p:sp>
+        <p:nvSpPr>
+          <p:cNvPr id="3" name="Slide Number Placeholder 2">
+            <a:extLst>
+              <a:ext uri="{FF2B5EF4-FFF2-40B4-BE49-F238E27FC236}">
+                <a16:creationId xmlns:a16="http://schemas.microsoft.com/office/drawing/2014/main" id="{37FD2D3D-14E6-41DA-A43E-070517518BC9}"/>
+              </a:ext>
+            </a:extLst>
+          </p:cNvPr>
+          <p:cNvSpPr>
+            <a:spLocks noGrp="1"/>
+          </p:cNvSpPr>
+          <p:nvPr>
+            <p:ph type="sldNum" sz="quarter" idx="12"/>
+          </p:nvPr>
+        </p:nvSpPr>
+        <p:spPr/>
+        <p:txBody>
+          <a:bodyPr/>
+          <a:lstStyle/>
+          <a:p>
+            <a:fld id="{1D07C8D9-AA71-438D-86BE-7B86F7F29DC7}" type="slidenum">
+              <a:rPr lang="en-US" smtClean="0"/>
+              <a:t>65</a:t>
+            </a:fld>
+            <a:endParaRPr lang="en-US"/>
+          </a:p>
+        </p:txBody>
+      </p:sp>
+      <p:sp>
+        <p:nvSpPr>
+          <p:cNvPr id="6" name="Rectangle: Rounded Corners 5">
+            <a:extLst>
+              <a:ext uri="{FF2B5EF4-FFF2-40B4-BE49-F238E27FC236}">
+                <a16:creationId xmlns:a16="http://schemas.microsoft.com/office/drawing/2014/main" id="{C1DE3DEB-EE41-48DB-B093-5172DFD3BF17}"/>
+              </a:ext>
+            </a:extLst>
+          </p:cNvPr>
+          <p:cNvSpPr/>
+          <p:nvPr/>
+        </p:nvSpPr>
+        <p:spPr>
+          <a:xfrm>
+            <a:off x="3647440" y="4663440"/>
+            <a:ext cx="4505960" cy="1412240"/>
+          </a:xfrm>
+          <a:prstGeom prst="roundRect">
+            <a:avLst/>
+          </a:prstGeom>
+        </p:spPr>
+        <p:style>
+          <a:lnRef idx="2">
+            <a:schemeClr val="accent3">
+              <a:shade val="50000"/>
+            </a:schemeClr>
+          </a:lnRef>
+          <a:fillRef idx="1">
+            <a:schemeClr val="accent3"/>
+          </a:fillRef>
+          <a:effectRef idx="0">
+            <a:schemeClr val="accent3"/>
+          </a:effectRef>
+          <a:fontRef idx="minor">
+            <a:schemeClr val="lt1"/>
+          </a:fontRef>
+        </p:style>
+        <p:txBody>
+          <a:bodyPr rtlCol="0" anchor="ctr"/>
+          <a:lstStyle/>
+          <a:p>
+            <a:pPr algn="ctr"/>
+            <a:r>
+              <a:rPr lang="en-US" sz="2400" dirty="0"/>
+              <a:t>Explore all the different elements by going to the help page </a:t>
+            </a:r>
+            <a:r>
+              <a:rPr lang="en-US" sz="2400" dirty="0">
+                <a:latin typeface="Fira Code" panose="020B0809050000020004" pitchFamily="49" charset="0"/>
+                <a:ea typeface="Fira Code" panose="020B0809050000020004" pitchFamily="49" charset="0"/>
+                <a:cs typeface="Fira Code" panose="020B0809050000020004" pitchFamily="49" charset="0"/>
+              </a:rPr>
+              <a:t>?theme</a:t>
+            </a:r>
+          </a:p>
+        </p:txBody>
+      </p:sp>
+    </p:spTree>
+    <p:extLst>
+      <p:ext uri="{BB962C8B-B14F-4D97-AF65-F5344CB8AC3E}">
+        <p14:creationId xmlns:p14="http://schemas.microsoft.com/office/powerpoint/2010/main" val="2417905953"/>
+      </p:ext>
+    </p:extLst>
+  </p:cSld>
+  <p:clrMapOvr>
+    <a:masterClrMapping/>
+  </p:clrMapOvr>
+</p:sld>
+</file>
+
+<file path=ppt/slides/slide66.xml><?xml version="1.0" encoding="utf-8"?>
+<p:sld xmlns:a="http://schemas.openxmlformats.org/drawingml/2006/main" xmlns:r="http://schemas.openxmlformats.org/officeDocument/2006/relationships" xmlns:p="http://schemas.openxmlformats.org/presentationml/2006/main">
+  <p:cSld>
+    <p:spTree>
+      <p:nvGrpSpPr>
+        <p:cNvPr id="1" name=""/>
+        <p:cNvGrpSpPr/>
+        <p:nvPr/>
+      </p:nvGrpSpPr>
+      <p:grpSpPr>
+        <a:xfrm>
+          <a:off x="0" y="0"/>
+          <a:ext cx="0" cy="0"/>
+          <a:chOff x="0" y="0"/>
+          <a:chExt cx="0" cy="0"/>
+        </a:xfrm>
+      </p:grpSpPr>
+      <p:sp>
+        <p:nvSpPr>
+          <p:cNvPr id="2" name="Title 1">
+            <a:extLst>
+              <a:ext uri="{FF2B5EF4-FFF2-40B4-BE49-F238E27FC236}">
+                <a16:creationId xmlns:a16="http://schemas.microsoft.com/office/drawing/2014/main" id="{C5801FA0-2E97-462B-B313-2DD18EA6A5DE}"/>
+              </a:ext>
+            </a:extLst>
+          </p:cNvPr>
+          <p:cNvSpPr>
+            <a:spLocks noGrp="1"/>
+          </p:cNvSpPr>
+          <p:nvPr>
+            <p:ph type="ctrTitle"/>
+          </p:nvPr>
+        </p:nvSpPr>
+        <p:spPr/>
+        <p:txBody>
+          <a:bodyPr/>
+          <a:lstStyle/>
+          <a:p>
+            <a:pPr algn="ctr"/>
+            <a:r>
+              <a:rPr lang="en-US" dirty="0"/>
+              <a:t>Saving your plot</a:t>
+            </a:r>
+          </a:p>
+        </p:txBody>
+      </p:sp>
+      <p:sp>
+        <p:nvSpPr>
+          <p:cNvPr id="6" name="Subtitle 5">
+            <a:extLst>
+              <a:ext uri="{FF2B5EF4-FFF2-40B4-BE49-F238E27FC236}">
+                <a16:creationId xmlns:a16="http://schemas.microsoft.com/office/drawing/2014/main" id="{1889728E-07F6-46BE-AC71-558A57BE938A}"/>
+              </a:ext>
+            </a:extLst>
+          </p:cNvPr>
+          <p:cNvSpPr>
+            <a:spLocks noGrp="1"/>
+          </p:cNvSpPr>
+          <p:nvPr>
+            <p:ph type="subTitle" idx="1"/>
+          </p:nvPr>
+        </p:nvSpPr>
+        <p:spPr/>
+        <p:txBody>
+          <a:bodyPr/>
+          <a:lstStyle/>
+          <a:p>
+            <a:endParaRPr lang="en-US"/>
+          </a:p>
+        </p:txBody>
+      </p:sp>
+      <p:sp>
+        <p:nvSpPr>
+          <p:cNvPr id="4" name="Footer Placeholder 3">
+            <a:extLst>
+              <a:ext uri="{FF2B5EF4-FFF2-40B4-BE49-F238E27FC236}">
+                <a16:creationId xmlns:a16="http://schemas.microsoft.com/office/drawing/2014/main" id="{6F28CEC8-D19F-4F3E-A4AC-F5ED5FDD691E}"/>
+              </a:ext>
+            </a:extLst>
+          </p:cNvPr>
+          <p:cNvSpPr>
+            <a:spLocks noGrp="1"/>
+          </p:cNvSpPr>
+          <p:nvPr>
+            <p:ph type="ftr" sz="quarter" idx="11"/>
+          </p:nvPr>
+        </p:nvSpPr>
+        <p:spPr/>
+        <p:txBody>
+          <a:bodyPr/>
+          <a:lstStyle/>
+          <a:p>
+            <a:r>
+              <a:rPr lang="en-US"/>
+              <a:t>CERF 2019 | The Next Step with R | Cressman and Dunnigan</a:t>
+            </a:r>
+          </a:p>
+        </p:txBody>
+      </p:sp>
+      <p:sp>
+        <p:nvSpPr>
+          <p:cNvPr id="5" name="Slide Number Placeholder 4">
+            <a:extLst>
+              <a:ext uri="{FF2B5EF4-FFF2-40B4-BE49-F238E27FC236}">
+                <a16:creationId xmlns:a16="http://schemas.microsoft.com/office/drawing/2014/main" id="{47210A63-A3AB-4756-85B5-335C879C58D7}"/>
+              </a:ext>
+            </a:extLst>
+          </p:cNvPr>
+          <p:cNvSpPr>
+            <a:spLocks noGrp="1"/>
+          </p:cNvSpPr>
+          <p:nvPr>
+            <p:ph type="sldNum" sz="quarter" idx="12"/>
+          </p:nvPr>
+        </p:nvSpPr>
+        <p:spPr/>
+        <p:txBody>
+          <a:bodyPr/>
+          <a:lstStyle/>
+          <a:p>
+            <a:fld id="{1D07C8D9-AA71-438D-86BE-7B86F7F29DC7}" type="slidenum">
+              <a:rPr lang="en-US" smtClean="0"/>
+              <a:t>66</a:t>
+            </a:fld>
+            <a:endParaRPr lang="en-US"/>
+          </a:p>
+        </p:txBody>
+      </p:sp>
+    </p:spTree>
+    <p:extLst>
+      <p:ext uri="{BB962C8B-B14F-4D97-AF65-F5344CB8AC3E}">
+        <p14:creationId xmlns:p14="http://schemas.microsoft.com/office/powerpoint/2010/main" val="3306763690"/>
+      </p:ext>
+    </p:extLst>
+  </p:cSld>
+  <p:clrMapOvr>
+    <a:masterClrMapping/>
+  </p:clrMapOvr>
+</p:sld>
+</file>
+
+<file path=ppt/slides/slide67.xml><?xml version="1.0" encoding="utf-8"?>
+<p:sld xmlns:a="http://schemas.openxmlformats.org/drawingml/2006/main" xmlns:r="http://schemas.openxmlformats.org/officeDocument/2006/relationships" xmlns:p="http://schemas.openxmlformats.org/presentationml/2006/main">
+  <p:cSld>
+    <p:bg>
+      <p:bgPr>
+        <a:solidFill>
+          <a:schemeClr val="accent5">
+            <a:lumMod val="20000"/>
+            <a:lumOff val="80000"/>
+          </a:schemeClr>
+        </a:solidFill>
+        <a:effectLst/>
+      </p:bgPr>
+    </p:bg>
+    <p:spTree>
+      <p:nvGrpSpPr>
+        <p:cNvPr id="1" name=""/>
+        <p:cNvGrpSpPr/>
+        <p:nvPr/>
+      </p:nvGrpSpPr>
+      <p:grpSpPr>
+        <a:xfrm>
+          <a:off x="0" y="0"/>
+          <a:ext cx="0" cy="0"/>
+          <a:chOff x="0" y="0"/>
+          <a:chExt cx="0" cy="0"/>
+        </a:xfrm>
+      </p:grpSpPr>
+      <p:sp>
+        <p:nvSpPr>
+          <p:cNvPr id="2" name="Title 1">
+            <a:extLst>
+              <a:ext uri="{FF2B5EF4-FFF2-40B4-BE49-F238E27FC236}">
+                <a16:creationId xmlns:a16="http://schemas.microsoft.com/office/drawing/2014/main" id="{77BAC154-D6E8-4B45-B1D2-E051CD32ACA8}"/>
+              </a:ext>
+            </a:extLst>
+          </p:cNvPr>
+          <p:cNvSpPr>
+            <a:spLocks noGrp="1"/>
+          </p:cNvSpPr>
+          <p:nvPr>
+            <p:ph type="title"/>
+          </p:nvPr>
+        </p:nvSpPr>
+        <p:spPr/>
+        <p:txBody>
+          <a:bodyPr/>
+          <a:lstStyle/>
+          <a:p>
+            <a:pPr algn="ctr"/>
+            <a:r>
+              <a:rPr lang="en-US" b="1" dirty="0">
+                <a:solidFill>
+                  <a:schemeClr val="accent5">
+                    <a:lumMod val="50000"/>
+                  </a:schemeClr>
+                </a:solidFill>
+              </a:rPr>
+              <a:t>YOUR TURN 8</a:t>
+            </a:r>
+          </a:p>
+        </p:txBody>
+      </p:sp>
+      <p:sp>
+        <p:nvSpPr>
+          <p:cNvPr id="3" name="Content Placeholder 2">
+            <a:extLst>
+              <a:ext uri="{FF2B5EF4-FFF2-40B4-BE49-F238E27FC236}">
+                <a16:creationId xmlns:a16="http://schemas.microsoft.com/office/drawing/2014/main" id="{1F8E2A1D-9BCD-48E2-9697-3808FEEF2AA7}"/>
+              </a:ext>
+            </a:extLst>
+          </p:cNvPr>
+          <p:cNvSpPr>
+            <a:spLocks noGrp="1"/>
+          </p:cNvSpPr>
+          <p:nvPr>
+            <p:ph idx="1"/>
+          </p:nvPr>
+        </p:nvSpPr>
+        <p:spPr/>
+        <p:txBody>
+          <a:bodyPr/>
+          <a:lstStyle/>
+          <a:p>
+            <a:pPr marL="0" indent="0">
+              <a:buNone/>
+            </a:pPr>
+            <a:r>
+              <a:rPr lang="en-US" dirty="0"/>
+              <a:t>What does this command return?</a:t>
+            </a:r>
+          </a:p>
+          <a:p>
+            <a:pPr marL="0" indent="0">
+              <a:buNone/>
+            </a:pPr>
+            <a:endParaRPr lang="en-US" dirty="0"/>
+          </a:p>
+          <a:p>
+            <a:pPr marL="0" indent="0" algn="ctr">
+              <a:buNone/>
+            </a:pPr>
+            <a:r>
+              <a:rPr lang="en-US" dirty="0"/>
+              <a:t> </a:t>
+            </a:r>
+            <a:r>
+              <a:rPr lang="en-US" sz="3200" dirty="0" err="1">
+                <a:solidFill>
+                  <a:schemeClr val="accent6">
+                    <a:lumMod val="75000"/>
+                  </a:schemeClr>
+                </a:solidFill>
+                <a:latin typeface="Fira Code" panose="020B0809050000020004" pitchFamily="49" charset="0"/>
+                <a:ea typeface="Fira Code" panose="020B0809050000020004" pitchFamily="49" charset="0"/>
+                <a:cs typeface="Fira Code" panose="020B0809050000020004" pitchFamily="49" charset="0"/>
+              </a:rPr>
+              <a:t>getwd</a:t>
+            </a:r>
+            <a:r>
+              <a:rPr lang="en-US" sz="3200" dirty="0">
+                <a:solidFill>
+                  <a:schemeClr val="accent6">
+                    <a:lumMod val="75000"/>
+                  </a:schemeClr>
+                </a:solidFill>
+                <a:latin typeface="Fira Code" panose="020B0809050000020004" pitchFamily="49" charset="0"/>
+                <a:ea typeface="Fira Code" panose="020B0809050000020004" pitchFamily="49" charset="0"/>
+                <a:cs typeface="Fira Code" panose="020B0809050000020004" pitchFamily="49" charset="0"/>
+              </a:rPr>
+              <a:t>()</a:t>
+            </a:r>
+            <a:endParaRPr lang="en-US" dirty="0">
+              <a:solidFill>
+                <a:schemeClr val="accent6">
+                  <a:lumMod val="75000"/>
+                </a:schemeClr>
+              </a:solidFill>
+              <a:latin typeface="Fira Code" panose="020B0809050000020004" pitchFamily="49" charset="0"/>
+              <a:ea typeface="Fira Code" panose="020B0809050000020004" pitchFamily="49" charset="0"/>
+              <a:cs typeface="Fira Code" panose="020B0809050000020004" pitchFamily="49" charset="0"/>
+            </a:endParaRPr>
+          </a:p>
+        </p:txBody>
+      </p:sp>
+      <p:sp>
+        <p:nvSpPr>
+          <p:cNvPr id="4" name="Footer Placeholder 3">
+            <a:extLst>
+              <a:ext uri="{FF2B5EF4-FFF2-40B4-BE49-F238E27FC236}">
+                <a16:creationId xmlns:a16="http://schemas.microsoft.com/office/drawing/2014/main" id="{0EE339FC-3C8F-46B4-B35D-4967B8993B7E}"/>
+              </a:ext>
+            </a:extLst>
+          </p:cNvPr>
+          <p:cNvSpPr>
+            <a:spLocks noGrp="1"/>
+          </p:cNvSpPr>
+          <p:nvPr>
+            <p:ph type="ftr" sz="quarter" idx="11"/>
+          </p:nvPr>
+        </p:nvSpPr>
+        <p:spPr/>
+        <p:txBody>
+          <a:bodyPr/>
+          <a:lstStyle/>
+          <a:p>
+            <a:r>
+              <a:rPr lang="en-US"/>
+              <a:t>CERF 2019 | The Next Step with R | Cressman and Dunnigan</a:t>
+            </a:r>
+          </a:p>
+        </p:txBody>
+      </p:sp>
+      <p:sp>
+        <p:nvSpPr>
+          <p:cNvPr id="5" name="Slide Number Placeholder 4">
+            <a:extLst>
+              <a:ext uri="{FF2B5EF4-FFF2-40B4-BE49-F238E27FC236}">
+                <a16:creationId xmlns:a16="http://schemas.microsoft.com/office/drawing/2014/main" id="{5788E6F2-EEA4-42DF-81C4-4F3C62C88EB9}"/>
+              </a:ext>
+            </a:extLst>
+          </p:cNvPr>
+          <p:cNvSpPr>
+            <a:spLocks noGrp="1"/>
+          </p:cNvSpPr>
+          <p:nvPr>
+            <p:ph type="sldNum" sz="quarter" idx="12"/>
+          </p:nvPr>
+        </p:nvSpPr>
+        <p:spPr/>
+        <p:txBody>
+          <a:bodyPr/>
+          <a:lstStyle/>
+          <a:p>
+            <a:fld id="{1D07C8D9-AA71-438D-86BE-7B86F7F29DC7}" type="slidenum">
+              <a:rPr lang="en-US" smtClean="0"/>
+              <a:t>67</a:t>
+            </a:fld>
+            <a:endParaRPr lang="en-US"/>
+          </a:p>
+        </p:txBody>
+      </p:sp>
+    </p:spTree>
+    <p:extLst>
+      <p:ext uri="{BB962C8B-B14F-4D97-AF65-F5344CB8AC3E}">
+        <p14:creationId xmlns:p14="http://schemas.microsoft.com/office/powerpoint/2010/main" val="3232525341"/>
+      </p:ext>
+    </p:extLst>
+  </p:cSld>
+  <p:clrMapOvr>
+    <a:masterClrMapping/>
+  </p:clrMapOvr>
+</p:sld>
+</file>
+
+<file path=ppt/slides/slide68.xml><?xml version="1.0" encoding="utf-8"?>
+<p:sld xmlns:a="http://schemas.openxmlformats.org/drawingml/2006/main" xmlns:r="http://schemas.openxmlformats.org/officeDocument/2006/relationships" xmlns:p="http://schemas.openxmlformats.org/presentationml/2006/main">
+  <p:cSld>
+    <p:spTree>
+      <p:nvGrpSpPr>
+        <p:cNvPr id="1" name=""/>
+        <p:cNvGrpSpPr/>
+        <p:nvPr/>
+      </p:nvGrpSpPr>
+      <p:grpSpPr>
+        <a:xfrm>
+          <a:off x="0" y="0"/>
+          <a:ext cx="0" cy="0"/>
+          <a:chOff x="0" y="0"/>
+          <a:chExt cx="0" cy="0"/>
+        </a:xfrm>
+      </p:grpSpPr>
+      <p:sp>
+        <p:nvSpPr>
+          <p:cNvPr id="6" name="Title 5">
+            <a:extLst>
+              <a:ext uri="{FF2B5EF4-FFF2-40B4-BE49-F238E27FC236}">
+                <a16:creationId xmlns:a16="http://schemas.microsoft.com/office/drawing/2014/main" id="{0FE81C29-6857-4427-BF51-2832E7B6AF22}"/>
+              </a:ext>
+            </a:extLst>
+          </p:cNvPr>
+          <p:cNvSpPr>
+            <a:spLocks noGrp="1"/>
+          </p:cNvSpPr>
+          <p:nvPr>
+            <p:ph type="title"/>
+          </p:nvPr>
+        </p:nvSpPr>
+        <p:spPr/>
+        <p:txBody>
+          <a:bodyPr/>
+          <a:lstStyle/>
+          <a:p>
+            <a:pPr algn="ctr"/>
+            <a:r>
+              <a:rPr lang="en-US" dirty="0"/>
+              <a:t>The Working Directory</a:t>
+            </a:r>
+          </a:p>
+        </p:txBody>
+      </p:sp>
+      <p:sp>
+        <p:nvSpPr>
+          <p:cNvPr id="7" name="Content Placeholder 6">
+            <a:extLst>
+              <a:ext uri="{FF2B5EF4-FFF2-40B4-BE49-F238E27FC236}">
+                <a16:creationId xmlns:a16="http://schemas.microsoft.com/office/drawing/2014/main" id="{3AE09030-8DDE-4B86-B007-27EE5632B4BE}"/>
+              </a:ext>
+            </a:extLst>
+          </p:cNvPr>
+          <p:cNvSpPr>
+            <a:spLocks noGrp="1"/>
+          </p:cNvSpPr>
+          <p:nvPr>
+            <p:ph idx="1"/>
+          </p:nvPr>
+        </p:nvSpPr>
+        <p:spPr/>
+        <p:txBody>
+          <a:bodyPr>
+            <a:normAutofit/>
+          </a:bodyPr>
+          <a:lstStyle/>
+          <a:p>
+            <a:pPr marL="0" indent="0">
+              <a:buNone/>
+            </a:pPr>
+            <a:r>
+              <a:rPr lang="en-US" sz="3600" dirty="0"/>
+              <a:t>R associates itself with a folder (i.e., directory) on your computer.</a:t>
+            </a:r>
+          </a:p>
+          <a:p>
+            <a:pPr lvl="2"/>
+            <a:r>
+              <a:rPr lang="en-US" sz="3600" dirty="0"/>
+              <a:t>This is the “working directory”</a:t>
+            </a:r>
+          </a:p>
+          <a:p>
+            <a:pPr lvl="2"/>
+            <a:r>
+              <a:rPr lang="en-US" sz="3600" dirty="0"/>
+              <a:t>R will look for files here</a:t>
+            </a:r>
+          </a:p>
+          <a:p>
+            <a:pPr lvl="2"/>
+            <a:r>
+              <a:rPr lang="en-US" sz="3600" dirty="0"/>
+              <a:t>R will save files here</a:t>
+            </a:r>
+          </a:p>
+        </p:txBody>
+      </p:sp>
+      <p:sp>
+        <p:nvSpPr>
+          <p:cNvPr id="4" name="Footer Placeholder 3">
+            <a:extLst>
+              <a:ext uri="{FF2B5EF4-FFF2-40B4-BE49-F238E27FC236}">
+                <a16:creationId xmlns:a16="http://schemas.microsoft.com/office/drawing/2014/main" id="{50023B57-EA94-47EE-9C2C-ECEB9DBFFFAC}"/>
+              </a:ext>
+            </a:extLst>
+          </p:cNvPr>
+          <p:cNvSpPr>
+            <a:spLocks noGrp="1"/>
+          </p:cNvSpPr>
+          <p:nvPr>
+            <p:ph type="ftr" sz="quarter" idx="11"/>
+          </p:nvPr>
+        </p:nvSpPr>
+        <p:spPr/>
+        <p:txBody>
+          <a:bodyPr/>
+          <a:lstStyle/>
+          <a:p>
+            <a:r>
+              <a:rPr lang="en-US"/>
+              <a:t>CERF 2019 | The Next Step with R | Cressman and Dunnigan</a:t>
+            </a:r>
+          </a:p>
+        </p:txBody>
+      </p:sp>
+      <p:sp>
+        <p:nvSpPr>
+          <p:cNvPr id="5" name="Slide Number Placeholder 4">
+            <a:extLst>
+              <a:ext uri="{FF2B5EF4-FFF2-40B4-BE49-F238E27FC236}">
+                <a16:creationId xmlns:a16="http://schemas.microsoft.com/office/drawing/2014/main" id="{A2582723-E198-4834-89EB-3DED6F5CB4A2}"/>
+              </a:ext>
+            </a:extLst>
+          </p:cNvPr>
+          <p:cNvSpPr>
+            <a:spLocks noGrp="1"/>
+          </p:cNvSpPr>
+          <p:nvPr>
+            <p:ph type="sldNum" sz="quarter" idx="12"/>
+          </p:nvPr>
+        </p:nvSpPr>
+        <p:spPr/>
+        <p:txBody>
+          <a:bodyPr/>
+          <a:lstStyle/>
+          <a:p>
+            <a:fld id="{1D07C8D9-AA71-438D-86BE-7B86F7F29DC7}" type="slidenum">
+              <a:rPr lang="en-US" smtClean="0"/>
+              <a:t>68</a:t>
+            </a:fld>
+            <a:endParaRPr lang="en-US"/>
+          </a:p>
+        </p:txBody>
+      </p:sp>
+      <p:sp>
+        <p:nvSpPr>
+          <p:cNvPr id="8" name="Rectangle: Rounded Corners 7">
+            <a:extLst>
+              <a:ext uri="{FF2B5EF4-FFF2-40B4-BE49-F238E27FC236}">
+                <a16:creationId xmlns:a16="http://schemas.microsoft.com/office/drawing/2014/main" id="{F1156D37-73E1-4C2F-931B-2D368105B1C7}"/>
+              </a:ext>
+            </a:extLst>
+          </p:cNvPr>
+          <p:cNvSpPr/>
+          <p:nvPr/>
+        </p:nvSpPr>
+        <p:spPr>
+          <a:xfrm>
+            <a:off x="7548880" y="4003040"/>
+            <a:ext cx="3566160" cy="1838960"/>
+          </a:xfrm>
+          <a:prstGeom prst="roundRect">
+            <a:avLst/>
+          </a:prstGeom>
+        </p:spPr>
+        <p:style>
+          <a:lnRef idx="2">
+            <a:schemeClr val="accent1">
+              <a:shade val="50000"/>
+            </a:schemeClr>
+          </a:lnRef>
+          <a:fillRef idx="1">
+            <a:schemeClr val="accent1"/>
+          </a:fillRef>
+          <a:effectRef idx="0">
+            <a:schemeClr val="accent1"/>
+          </a:effectRef>
+          <a:fontRef idx="minor">
+            <a:schemeClr val="lt1"/>
+          </a:fontRef>
+        </p:style>
+        <p:txBody>
+          <a:bodyPr rtlCol="0" anchor="ctr"/>
+          <a:lstStyle/>
+          <a:p>
+            <a:pPr algn="ctr"/>
+            <a:r>
+              <a:rPr lang="en-US" sz="2400" dirty="0"/>
+              <a:t>The files pane of RStudio IDE will display your working directory</a:t>
+            </a:r>
+          </a:p>
+        </p:txBody>
+      </p:sp>
+    </p:spTree>
+    <p:extLst>
+      <p:ext uri="{BB962C8B-B14F-4D97-AF65-F5344CB8AC3E}">
+        <p14:creationId xmlns:p14="http://schemas.microsoft.com/office/powerpoint/2010/main" val="163624777"/>
+      </p:ext>
+    </p:extLst>
+  </p:cSld>
+  <p:clrMapOvr>
+    <a:masterClrMapping/>
+  </p:clrMapOvr>
+</p:sld>
+</file>
+
+<file path=ppt/slides/slide69.xml><?xml version="1.0" encoding="utf-8"?>
+<p:sld xmlns:a="http://schemas.openxmlformats.org/drawingml/2006/main" xmlns:r="http://schemas.openxmlformats.org/officeDocument/2006/relationships" xmlns:p="http://schemas.openxmlformats.org/presentationml/2006/main">
+  <p:cSld>
+    <p:spTree>
+      <p:nvGrpSpPr>
+        <p:cNvPr id="1" name=""/>
+        <p:cNvGrpSpPr/>
+        <p:nvPr/>
+      </p:nvGrpSpPr>
+      <p:grpSpPr>
+        <a:xfrm>
+          <a:off x="0" y="0"/>
+          <a:ext cx="0" cy="0"/>
+          <a:chOff x="0" y="0"/>
+          <a:chExt cx="0" cy="0"/>
+        </a:xfrm>
+      </p:grpSpPr>
+      <p:sp>
+        <p:nvSpPr>
+          <p:cNvPr id="2" name="Title 1">
+            <a:extLst>
+              <a:ext uri="{FF2B5EF4-FFF2-40B4-BE49-F238E27FC236}">
+                <a16:creationId xmlns:a16="http://schemas.microsoft.com/office/drawing/2014/main" id="{151FF821-05CE-41E9-98CE-75AAA7D9FB79}"/>
+              </a:ext>
+            </a:extLst>
+          </p:cNvPr>
+          <p:cNvSpPr>
+            <a:spLocks noGrp="1"/>
+          </p:cNvSpPr>
+          <p:nvPr>
+            <p:ph type="title"/>
+          </p:nvPr>
+        </p:nvSpPr>
+        <p:spPr/>
+        <p:txBody>
+          <a:bodyPr/>
+          <a:lstStyle/>
+          <a:p>
+            <a:pPr algn="ctr"/>
+            <a:r>
+              <a:rPr lang="en-US" dirty="0"/>
+              <a:t>Saving plots</a:t>
+            </a:r>
+          </a:p>
+        </p:txBody>
+      </p:sp>
+      <p:sp>
+        <p:nvSpPr>
+          <p:cNvPr id="3" name="Content Placeholder 2">
+            <a:extLst>
+              <a:ext uri="{FF2B5EF4-FFF2-40B4-BE49-F238E27FC236}">
+                <a16:creationId xmlns:a16="http://schemas.microsoft.com/office/drawing/2014/main" id="{934BB3BB-0680-4BDE-9CC2-01CA273BA8EC}"/>
+              </a:ext>
+            </a:extLst>
+          </p:cNvPr>
+          <p:cNvSpPr>
+            <a:spLocks noGrp="1"/>
+          </p:cNvSpPr>
+          <p:nvPr>
+            <p:ph idx="1"/>
+          </p:nvPr>
+        </p:nvSpPr>
+        <p:spPr>
+          <a:xfrm>
+            <a:off x="838200" y="1825625"/>
+            <a:ext cx="10835640" cy="4351338"/>
+          </a:xfrm>
+        </p:spPr>
+        <p:txBody>
+          <a:bodyPr>
+            <a:normAutofit fontScale="92500" lnSpcReduction="20000"/>
+          </a:bodyPr>
+          <a:lstStyle/>
+          <a:p>
+            <a:pPr marL="0" indent="0">
+              <a:buNone/>
+            </a:pPr>
+            <a:r>
+              <a:rPr lang="en-US" dirty="0"/>
+              <a:t> </a:t>
+            </a:r>
+            <a:r>
+              <a:rPr lang="en-US" dirty="0" err="1">
+                <a:solidFill>
+                  <a:schemeClr val="accent6">
+                    <a:lumMod val="75000"/>
+                  </a:schemeClr>
+                </a:solidFill>
+                <a:latin typeface="Fira Code" panose="020B0809050000020004" pitchFamily="49" charset="0"/>
+                <a:ea typeface="Fira Code" panose="020B0809050000020004" pitchFamily="49" charset="0"/>
+                <a:cs typeface="Fira Code" panose="020B0809050000020004" pitchFamily="49" charset="0"/>
+              </a:rPr>
+              <a:t>ggsave</a:t>
+            </a:r>
+            <a:r>
+              <a:rPr lang="en-US" dirty="0">
+                <a:solidFill>
+                  <a:schemeClr val="accent6">
+                    <a:lumMod val="75000"/>
+                  </a:schemeClr>
+                </a:solidFill>
+                <a:latin typeface="Fira Code" panose="020B0809050000020004" pitchFamily="49" charset="0"/>
+                <a:ea typeface="Fira Code" panose="020B0809050000020004" pitchFamily="49" charset="0"/>
+                <a:cs typeface="Fira Code" panose="020B0809050000020004" pitchFamily="49" charset="0"/>
+              </a:rPr>
+              <a:t>() </a:t>
+            </a:r>
+            <a:r>
+              <a:rPr lang="en-US" sz="3500" dirty="0"/>
+              <a:t>will save the last plot.</a:t>
+            </a:r>
+          </a:p>
+          <a:p>
+            <a:pPr marL="0" indent="0">
+              <a:buNone/>
+            </a:pPr>
+            <a:r>
+              <a:rPr lang="en-US" sz="2400" dirty="0">
+                <a:latin typeface="Fira Code" panose="020B0809050000020004" pitchFamily="49" charset="0"/>
+                <a:ea typeface="Fira Code" panose="020B0809050000020004" pitchFamily="49" charset="0"/>
+                <a:cs typeface="Fira Code" panose="020B0809050000020004" pitchFamily="49" charset="0"/>
+              </a:rPr>
+              <a:t>   </a:t>
+            </a:r>
+            <a:r>
+              <a:rPr lang="en-US" sz="2400" dirty="0" err="1">
+                <a:latin typeface="Fira Code" panose="020B0809050000020004" pitchFamily="49" charset="0"/>
+                <a:ea typeface="Fira Code" panose="020B0809050000020004" pitchFamily="49" charset="0"/>
+                <a:cs typeface="Fira Code" panose="020B0809050000020004" pitchFamily="49" charset="0"/>
+              </a:rPr>
+              <a:t>ggsave</a:t>
+            </a:r>
+            <a:r>
+              <a:rPr lang="en-US" sz="2400" dirty="0">
+                <a:latin typeface="Fira Code" panose="020B0809050000020004" pitchFamily="49" charset="0"/>
+                <a:ea typeface="Fira Code" panose="020B0809050000020004" pitchFamily="49" charset="0"/>
+                <a:cs typeface="Fira Code" panose="020B0809050000020004" pitchFamily="49" charset="0"/>
+              </a:rPr>
+              <a:t>(“my-first-plot</a:t>
+            </a:r>
+            <a:r>
+              <a:rPr lang="en-US" sz="2400" dirty="0">
+                <a:solidFill>
+                  <a:schemeClr val="accent6">
+                    <a:lumMod val="75000"/>
+                  </a:schemeClr>
+                </a:solidFill>
+                <a:latin typeface="Fira Code" panose="020B0809050000020004" pitchFamily="49" charset="0"/>
+                <a:ea typeface="Fira Code" panose="020B0809050000020004" pitchFamily="49" charset="0"/>
+                <a:cs typeface="Fira Code" panose="020B0809050000020004" pitchFamily="49" charset="0"/>
+              </a:rPr>
+              <a:t>.png</a:t>
+            </a:r>
+            <a:r>
+              <a:rPr lang="en-US" sz="2400" dirty="0">
+                <a:latin typeface="Fira Code" panose="020B0809050000020004" pitchFamily="49" charset="0"/>
+                <a:ea typeface="Fira Code" panose="020B0809050000020004" pitchFamily="49" charset="0"/>
+                <a:cs typeface="Fira Code" panose="020B0809050000020004" pitchFamily="49" charset="0"/>
+              </a:rPr>
+              <a:t>”)</a:t>
+            </a:r>
+          </a:p>
+          <a:p>
+            <a:pPr marL="0" indent="0">
+              <a:buNone/>
+            </a:pPr>
+            <a:r>
+              <a:rPr lang="en-US" sz="2400" dirty="0">
+                <a:latin typeface="Fira Code" panose="020B0809050000020004" pitchFamily="49" charset="0"/>
+                <a:ea typeface="Fira Code" panose="020B0809050000020004" pitchFamily="49" charset="0"/>
+                <a:cs typeface="Fira Code" panose="020B0809050000020004" pitchFamily="49" charset="0"/>
+              </a:rPr>
+              <a:t>   </a:t>
+            </a:r>
+            <a:r>
+              <a:rPr lang="en-US" sz="2400" dirty="0" err="1">
+                <a:latin typeface="Fira Code" panose="020B0809050000020004" pitchFamily="49" charset="0"/>
+                <a:ea typeface="Fira Code" panose="020B0809050000020004" pitchFamily="49" charset="0"/>
+                <a:cs typeface="Fira Code" panose="020B0809050000020004" pitchFamily="49" charset="0"/>
+              </a:rPr>
+              <a:t>ggsave</a:t>
+            </a:r>
+            <a:r>
+              <a:rPr lang="en-US" sz="2400" dirty="0">
+                <a:latin typeface="Fira Code" panose="020B0809050000020004" pitchFamily="49" charset="0"/>
+                <a:ea typeface="Fira Code" panose="020B0809050000020004" pitchFamily="49" charset="0"/>
+                <a:cs typeface="Fira Code" panose="020B0809050000020004" pitchFamily="49" charset="0"/>
+              </a:rPr>
+              <a:t>(“my-first-plot</a:t>
+            </a:r>
+            <a:r>
+              <a:rPr lang="en-US" sz="2400" dirty="0">
+                <a:solidFill>
+                  <a:schemeClr val="accent6">
+                    <a:lumMod val="75000"/>
+                  </a:schemeClr>
+                </a:solidFill>
+                <a:latin typeface="Fira Code" panose="020B0809050000020004" pitchFamily="49" charset="0"/>
+                <a:ea typeface="Fira Code" panose="020B0809050000020004" pitchFamily="49" charset="0"/>
+                <a:cs typeface="Fira Code" panose="020B0809050000020004" pitchFamily="49" charset="0"/>
+              </a:rPr>
+              <a:t>.tiff</a:t>
+            </a:r>
+            <a:r>
+              <a:rPr lang="en-US" sz="2400" dirty="0">
+                <a:latin typeface="Fira Code" panose="020B0809050000020004" pitchFamily="49" charset="0"/>
+                <a:ea typeface="Fira Code" panose="020B0809050000020004" pitchFamily="49" charset="0"/>
+                <a:cs typeface="Fira Code" panose="020B0809050000020004" pitchFamily="49" charset="0"/>
+              </a:rPr>
+              <a:t>”)</a:t>
+            </a:r>
+          </a:p>
+          <a:p>
+            <a:pPr marL="0" indent="0">
+              <a:buNone/>
+            </a:pPr>
+            <a:endParaRPr lang="en-US" sz="3500" dirty="0"/>
+          </a:p>
+          <a:p>
+            <a:pPr marL="0" indent="0">
+              <a:buNone/>
+            </a:pPr>
+            <a:r>
+              <a:rPr lang="en-US" sz="3500" dirty="0"/>
+              <a:t>You can further specify size:</a:t>
+            </a:r>
+          </a:p>
+          <a:p>
+            <a:pPr marL="0" indent="0">
+              <a:buNone/>
+            </a:pPr>
+            <a:r>
+              <a:rPr lang="en-US" sz="2400" dirty="0">
+                <a:latin typeface="Fira Code" panose="020B0809050000020004" pitchFamily="49" charset="0"/>
+                <a:ea typeface="Fira Code" panose="020B0809050000020004" pitchFamily="49" charset="0"/>
+                <a:cs typeface="Fira Code" panose="020B0809050000020004" pitchFamily="49" charset="0"/>
+              </a:rPr>
+              <a:t>   </a:t>
+            </a:r>
+            <a:r>
+              <a:rPr lang="en-US" sz="2400" dirty="0" err="1">
+                <a:latin typeface="Fira Code" panose="020B0809050000020004" pitchFamily="49" charset="0"/>
+                <a:ea typeface="Fira Code" panose="020B0809050000020004" pitchFamily="49" charset="0"/>
+                <a:cs typeface="Fira Code" panose="020B0809050000020004" pitchFamily="49" charset="0"/>
+              </a:rPr>
+              <a:t>ggsave</a:t>
+            </a:r>
+            <a:r>
+              <a:rPr lang="en-US" sz="2400" dirty="0">
+                <a:latin typeface="Fira Code" panose="020B0809050000020004" pitchFamily="49" charset="0"/>
+                <a:ea typeface="Fira Code" panose="020B0809050000020004" pitchFamily="49" charset="0"/>
+                <a:cs typeface="Fira Code" panose="020B0809050000020004" pitchFamily="49" charset="0"/>
+              </a:rPr>
+              <a:t>(“my-first-plot.png”, </a:t>
+            </a:r>
+            <a:r>
+              <a:rPr lang="en-US" sz="2400" dirty="0">
+                <a:solidFill>
+                  <a:schemeClr val="accent6">
+                    <a:lumMod val="75000"/>
+                  </a:schemeClr>
+                </a:solidFill>
+                <a:latin typeface="Fira Code" panose="020B0809050000020004" pitchFamily="49" charset="0"/>
+                <a:ea typeface="Fira Code" panose="020B0809050000020004" pitchFamily="49" charset="0"/>
+                <a:cs typeface="Fira Code" panose="020B0809050000020004" pitchFamily="49" charset="0"/>
+              </a:rPr>
+              <a:t>height = 6, width = 8,</a:t>
+            </a:r>
+          </a:p>
+          <a:p>
+            <a:pPr marL="0" indent="0">
+              <a:buNone/>
+            </a:pPr>
+            <a:r>
+              <a:rPr lang="en-US" sz="2400" dirty="0">
+                <a:solidFill>
+                  <a:schemeClr val="accent6">
+                    <a:lumMod val="75000"/>
+                  </a:schemeClr>
+                </a:solidFill>
+                <a:latin typeface="Fira Code" panose="020B0809050000020004" pitchFamily="49" charset="0"/>
+                <a:ea typeface="Fira Code" panose="020B0809050000020004" pitchFamily="49" charset="0"/>
+                <a:cs typeface="Fira Code" panose="020B0809050000020004" pitchFamily="49" charset="0"/>
+              </a:rPr>
+              <a:t>           units = “cm”</a:t>
+            </a:r>
+            <a:r>
+              <a:rPr lang="en-US" sz="2400" dirty="0">
+                <a:latin typeface="Fira Code" panose="020B0809050000020004" pitchFamily="49" charset="0"/>
+                <a:ea typeface="Fira Code" panose="020B0809050000020004" pitchFamily="49" charset="0"/>
+                <a:cs typeface="Fira Code" panose="020B0809050000020004" pitchFamily="49" charset="0"/>
+              </a:rPr>
+              <a:t>)</a:t>
+            </a:r>
+            <a:endParaRPr lang="en-US" dirty="0">
+              <a:latin typeface="Fira Code" panose="020B0809050000020004" pitchFamily="49" charset="0"/>
+              <a:ea typeface="Fira Code" panose="020B0809050000020004" pitchFamily="49" charset="0"/>
+              <a:cs typeface="Fira Code" panose="020B0809050000020004" pitchFamily="49" charset="0"/>
+            </a:endParaRPr>
+          </a:p>
+          <a:p>
+            <a:pPr marL="0" indent="0">
+              <a:buNone/>
+            </a:pPr>
+            <a:endParaRPr lang="en-US" dirty="0"/>
+          </a:p>
+          <a:p>
+            <a:pPr marL="0" indent="0">
+              <a:buNone/>
+            </a:pPr>
+            <a:r>
+              <a:rPr lang="en-US" sz="3500" dirty="0"/>
+              <a:t>Or even resolution:</a:t>
+            </a:r>
+          </a:p>
+          <a:p>
+            <a:pPr marL="0" indent="0">
+              <a:buNone/>
+            </a:pPr>
+            <a:r>
+              <a:rPr lang="en-US" dirty="0"/>
+              <a:t>	</a:t>
+            </a:r>
+            <a:r>
+              <a:rPr lang="en-US" sz="2400" dirty="0" err="1">
+                <a:latin typeface="Fira Code" panose="020B0809050000020004" pitchFamily="49" charset="0"/>
+                <a:ea typeface="Fira Code" panose="020B0809050000020004" pitchFamily="49" charset="0"/>
+                <a:cs typeface="Fira Code" panose="020B0809050000020004" pitchFamily="49" charset="0"/>
+              </a:rPr>
+              <a:t>ggsave</a:t>
+            </a:r>
+            <a:r>
+              <a:rPr lang="en-US" sz="2400" dirty="0">
+                <a:latin typeface="Fira Code" panose="020B0809050000020004" pitchFamily="49" charset="0"/>
+                <a:ea typeface="Fira Code" panose="020B0809050000020004" pitchFamily="49" charset="0"/>
+                <a:cs typeface="Fira Code" panose="020B0809050000020004" pitchFamily="49" charset="0"/>
+              </a:rPr>
+              <a:t>(“my-first-plot.png”, </a:t>
+            </a:r>
+            <a:r>
+              <a:rPr lang="en-US" sz="2400" dirty="0">
+                <a:solidFill>
+                  <a:schemeClr val="accent6">
+                    <a:lumMod val="75000"/>
+                  </a:schemeClr>
+                </a:solidFill>
+                <a:latin typeface="Fira Code" panose="020B0809050000020004" pitchFamily="49" charset="0"/>
+                <a:ea typeface="Fira Code" panose="020B0809050000020004" pitchFamily="49" charset="0"/>
+                <a:cs typeface="Fira Code" panose="020B0809050000020004" pitchFamily="49" charset="0"/>
+              </a:rPr>
+              <a:t>dpi = 300</a:t>
+            </a:r>
+            <a:r>
+              <a:rPr lang="en-US" sz="2400" dirty="0">
+                <a:latin typeface="Fira Code" panose="020B0809050000020004" pitchFamily="49" charset="0"/>
+                <a:ea typeface="Fira Code" panose="020B0809050000020004" pitchFamily="49" charset="0"/>
+                <a:cs typeface="Fira Code" panose="020B0809050000020004" pitchFamily="49" charset="0"/>
+              </a:rPr>
+              <a:t>)</a:t>
+            </a:r>
+            <a:endParaRPr lang="en-US" dirty="0">
+              <a:latin typeface="Fira Code" panose="020B0809050000020004" pitchFamily="49" charset="0"/>
+              <a:ea typeface="Fira Code" panose="020B0809050000020004" pitchFamily="49" charset="0"/>
+              <a:cs typeface="Fira Code" panose="020B0809050000020004" pitchFamily="49" charset="0"/>
+            </a:endParaRPr>
+          </a:p>
+        </p:txBody>
+      </p:sp>
+      <p:sp>
+        <p:nvSpPr>
+          <p:cNvPr id="4" name="Footer Placeholder 3">
+            <a:extLst>
+              <a:ext uri="{FF2B5EF4-FFF2-40B4-BE49-F238E27FC236}">
+                <a16:creationId xmlns:a16="http://schemas.microsoft.com/office/drawing/2014/main" id="{BDBA9E97-D4EB-4BC4-9279-4B7EA9BF2E49}"/>
+              </a:ext>
+            </a:extLst>
+          </p:cNvPr>
+          <p:cNvSpPr>
+            <a:spLocks noGrp="1"/>
+          </p:cNvSpPr>
+          <p:nvPr>
+            <p:ph type="ftr" sz="quarter" idx="11"/>
+          </p:nvPr>
+        </p:nvSpPr>
+        <p:spPr/>
+        <p:txBody>
+          <a:bodyPr/>
+          <a:lstStyle/>
+          <a:p>
+            <a:r>
+              <a:rPr lang="en-US"/>
+              <a:t>CERF 2019 | The Next Step with R | Cressman and Dunnigan</a:t>
+            </a:r>
+          </a:p>
+        </p:txBody>
+      </p:sp>
+      <p:sp>
+        <p:nvSpPr>
+          <p:cNvPr id="5" name="Slide Number Placeholder 4">
+            <a:extLst>
+              <a:ext uri="{FF2B5EF4-FFF2-40B4-BE49-F238E27FC236}">
+                <a16:creationId xmlns:a16="http://schemas.microsoft.com/office/drawing/2014/main" id="{6759996C-B8FC-4B09-993C-B75DADD15BC5}"/>
+              </a:ext>
+            </a:extLst>
+          </p:cNvPr>
+          <p:cNvSpPr>
+            <a:spLocks noGrp="1"/>
+          </p:cNvSpPr>
+          <p:nvPr>
+            <p:ph type="sldNum" sz="quarter" idx="12"/>
+          </p:nvPr>
+        </p:nvSpPr>
+        <p:spPr/>
+        <p:txBody>
+          <a:bodyPr/>
+          <a:lstStyle/>
+          <a:p>
+            <a:fld id="{1D07C8D9-AA71-438D-86BE-7B86F7F29DC7}" type="slidenum">
+              <a:rPr lang="en-US" smtClean="0"/>
+              <a:t>69</a:t>
+            </a:fld>
+            <a:endParaRPr lang="en-US"/>
+          </a:p>
+        </p:txBody>
+      </p:sp>
+    </p:spTree>
+    <p:extLst>
+      <p:ext uri="{BB962C8B-B14F-4D97-AF65-F5344CB8AC3E}">
+        <p14:creationId xmlns:p14="http://schemas.microsoft.com/office/powerpoint/2010/main" val="1346999140"/>
+      </p:ext>
+    </p:extLst>
+  </p:cSld>
+  <p:clrMapOvr>
+    <a:masterClrMapping/>
+  </p:clrMapOvr>
+</p:sld>
+</file>
+
+<file path=ppt/slides/slide7.xml><?xml version="1.0" encoding="utf-8"?>
+<p:sld xmlns:a="http://schemas.openxmlformats.org/drawingml/2006/main" xmlns:r="http://schemas.openxmlformats.org/officeDocument/2006/relationships" xmlns:p="http://schemas.openxmlformats.org/presentationml/2006/main">
+  <p:cSld>
+    <p:bg>
+      <p:bgPr>
+        <a:solidFill>
+          <a:schemeClr val="accent5">
+            <a:lumMod val="20000"/>
+            <a:lumOff val="80000"/>
+          </a:schemeClr>
+        </a:solidFill>
+        <a:effectLst/>
+      </p:bgPr>
+    </p:bg>
+    <p:spTree>
+      <p:nvGrpSpPr>
+        <p:cNvPr id="1" name=""/>
+        <p:cNvGrpSpPr/>
+        <p:nvPr/>
+      </p:nvGrpSpPr>
+      <p:grpSpPr>
+        <a:xfrm>
+          <a:off x="0" y="0"/>
+          <a:ext cx="0" cy="0"/>
+          <a:chOff x="0" y="0"/>
+          <a:chExt cx="0" cy="0"/>
+        </a:xfrm>
+      </p:grpSpPr>
+      <p:sp>
+        <p:nvSpPr>
+          <p:cNvPr id="6" name="Title 5">
+            <a:extLst>
+              <a:ext uri="{FF2B5EF4-FFF2-40B4-BE49-F238E27FC236}">
+                <a16:creationId xmlns:a16="http://schemas.microsoft.com/office/drawing/2014/main" id="{AB516C31-AF9E-4692-97DB-296BC17C1621}"/>
+              </a:ext>
+            </a:extLst>
+          </p:cNvPr>
+          <p:cNvSpPr>
+            <a:spLocks noGrp="1"/>
+          </p:cNvSpPr>
+          <p:nvPr>
+            <p:ph type="title"/>
+          </p:nvPr>
+        </p:nvSpPr>
+        <p:spPr/>
+        <p:txBody>
+          <a:bodyPr/>
+          <a:lstStyle/>
+          <a:p>
+            <a:pPr algn="ctr"/>
+            <a:r>
+              <a:rPr lang="en-US" b="1" dirty="0">
+                <a:solidFill>
+                  <a:schemeClr val="accent5">
+                    <a:lumMod val="50000"/>
+                  </a:schemeClr>
+                </a:solidFill>
+              </a:rPr>
+              <a:t>YOUR TURN 1</a:t>
+            </a:r>
+          </a:p>
+        </p:txBody>
+      </p:sp>
+      <p:sp>
+        <p:nvSpPr>
+          <p:cNvPr id="7" name="Content Placeholder 6">
+            <a:extLst>
+              <a:ext uri="{FF2B5EF4-FFF2-40B4-BE49-F238E27FC236}">
+                <a16:creationId xmlns:a16="http://schemas.microsoft.com/office/drawing/2014/main" id="{12984DE6-3B72-4CA3-B1B2-B034CD6FCA65}"/>
+              </a:ext>
+            </a:extLst>
+          </p:cNvPr>
+          <p:cNvSpPr>
+            <a:spLocks noGrp="1"/>
+          </p:cNvSpPr>
+          <p:nvPr>
+            <p:ph idx="1"/>
+          </p:nvPr>
+        </p:nvSpPr>
+        <p:spPr>
+          <a:xfrm>
+            <a:off x="838200" y="1825625"/>
+            <a:ext cx="10515600" cy="1812925"/>
+          </a:xfrm>
+        </p:spPr>
+        <p:txBody>
+          <a:bodyPr/>
+          <a:lstStyle/>
+          <a:p>
+            <a:pPr marL="0" indent="0">
+              <a:buNone/>
+            </a:pPr>
+            <a:r>
+              <a:rPr lang="en-US" dirty="0"/>
+              <a:t>Run this code in your notebook to make a graph. </a:t>
+            </a:r>
+          </a:p>
+          <a:p>
+            <a:pPr marL="0" indent="0">
+              <a:buNone/>
+            </a:pPr>
+            <a:r>
+              <a:rPr lang="en-US" dirty="0"/>
+              <a:t>Pay careful attention to spelling, capitalization, and parentheses!</a:t>
+            </a:r>
+          </a:p>
+          <a:p>
+            <a:pPr marL="0" indent="0">
+              <a:buNone/>
+            </a:pPr>
+            <a:endParaRPr lang="en-US" dirty="0"/>
+          </a:p>
+          <a:p>
+            <a:pPr marL="0" indent="0">
+              <a:buNone/>
+            </a:pPr>
+            <a:endParaRPr lang="en-US" dirty="0"/>
+          </a:p>
+        </p:txBody>
+      </p:sp>
+      <p:sp>
+        <p:nvSpPr>
+          <p:cNvPr id="4" name="Footer Placeholder 3">
+            <a:extLst>
+              <a:ext uri="{FF2B5EF4-FFF2-40B4-BE49-F238E27FC236}">
+                <a16:creationId xmlns:a16="http://schemas.microsoft.com/office/drawing/2014/main" id="{8045F02D-6910-485B-B204-23565C295BE9}"/>
+              </a:ext>
+            </a:extLst>
+          </p:cNvPr>
+          <p:cNvSpPr>
+            <a:spLocks noGrp="1"/>
+          </p:cNvSpPr>
+          <p:nvPr>
+            <p:ph type="ftr" sz="quarter" idx="11"/>
+          </p:nvPr>
+        </p:nvSpPr>
+        <p:spPr/>
+        <p:txBody>
+          <a:bodyPr/>
+          <a:lstStyle/>
+          <a:p>
+            <a:r>
+              <a:rPr lang="en-US"/>
+              <a:t>CERF 2019 | The Next Step with R | Cressman and Dunnigan</a:t>
+            </a:r>
+          </a:p>
+        </p:txBody>
+      </p:sp>
+      <p:sp>
+        <p:nvSpPr>
+          <p:cNvPr id="5" name="Slide Number Placeholder 4">
+            <a:extLst>
+              <a:ext uri="{FF2B5EF4-FFF2-40B4-BE49-F238E27FC236}">
+                <a16:creationId xmlns:a16="http://schemas.microsoft.com/office/drawing/2014/main" id="{05582B34-5689-4AD6-A5C4-E6C2B20E9143}"/>
+              </a:ext>
+            </a:extLst>
+          </p:cNvPr>
+          <p:cNvSpPr>
+            <a:spLocks noGrp="1"/>
+          </p:cNvSpPr>
+          <p:nvPr>
+            <p:ph type="sldNum" sz="quarter" idx="12"/>
+          </p:nvPr>
+        </p:nvSpPr>
+        <p:spPr/>
+        <p:txBody>
+          <a:bodyPr/>
+          <a:lstStyle/>
+          <a:p>
+            <a:fld id="{1D07C8D9-AA71-438D-86BE-7B86F7F29DC7}" type="slidenum">
+              <a:rPr lang="en-US" smtClean="0"/>
+              <a:t>7</a:t>
+            </a:fld>
+            <a:endParaRPr lang="en-US"/>
+          </a:p>
+        </p:txBody>
+      </p:sp>
+      <p:sp>
+        <p:nvSpPr>
+          <p:cNvPr id="8" name="TextBox 7">
+            <a:extLst>
+              <a:ext uri="{FF2B5EF4-FFF2-40B4-BE49-F238E27FC236}">
+                <a16:creationId xmlns:a16="http://schemas.microsoft.com/office/drawing/2014/main" id="{81B89D94-E7A0-42DD-938A-22C903C7A674}"/>
+              </a:ext>
+            </a:extLst>
+          </p:cNvPr>
+          <p:cNvSpPr txBox="1"/>
+          <p:nvPr/>
+        </p:nvSpPr>
+        <p:spPr>
+          <a:xfrm>
+            <a:off x="361949" y="3429000"/>
+            <a:ext cx="11191876" cy="954107"/>
+          </a:xfrm>
+          <a:prstGeom prst="rect">
+            <a:avLst/>
+          </a:prstGeom>
+          <a:noFill/>
+        </p:spPr>
+        <p:txBody>
+          <a:bodyPr wrap="square" rtlCol="0">
+            <a:spAutoFit/>
+          </a:bodyPr>
+          <a:lstStyle/>
+          <a:p>
+            <a:r>
+              <a:rPr lang="en-US" sz="1200" dirty="0">
+                <a:solidFill>
+                  <a:schemeClr val="accent6">
+                    <a:lumMod val="75000"/>
+                  </a:schemeClr>
+                </a:solidFill>
+              </a:rPr>
+              <a:t> </a:t>
+            </a:r>
+            <a:r>
+              <a:rPr lang="en-US" sz="2800" dirty="0" err="1">
+                <a:solidFill>
+                  <a:schemeClr val="accent6">
+                    <a:lumMod val="75000"/>
+                  </a:schemeClr>
+                </a:solidFill>
+                <a:latin typeface="Fira Code" panose="020B0809050000020004" pitchFamily="49" charset="0"/>
+                <a:ea typeface="Fira Code" panose="020B0809050000020004" pitchFamily="49" charset="0"/>
+                <a:cs typeface="Fira Code" panose="020B0809050000020004" pitchFamily="49" charset="0"/>
+              </a:rPr>
+              <a:t>ggplot</a:t>
+            </a:r>
+            <a:r>
+              <a:rPr lang="en-US" sz="2800" dirty="0">
+                <a:solidFill>
+                  <a:schemeClr val="accent6">
+                    <a:lumMod val="75000"/>
+                  </a:schemeClr>
+                </a:solidFill>
+                <a:latin typeface="Fira Code" panose="020B0809050000020004" pitchFamily="49" charset="0"/>
+                <a:ea typeface="Fira Code" panose="020B0809050000020004" pitchFamily="49" charset="0"/>
+                <a:cs typeface="Fira Code" panose="020B0809050000020004" pitchFamily="49" charset="0"/>
+              </a:rPr>
+              <a:t>(data = </a:t>
+            </a:r>
+            <a:r>
+              <a:rPr lang="en-US" sz="2800" dirty="0" err="1">
+                <a:solidFill>
+                  <a:schemeClr val="accent6">
+                    <a:lumMod val="75000"/>
+                  </a:schemeClr>
+                </a:solidFill>
+                <a:latin typeface="Fira Code" panose="020B0809050000020004" pitchFamily="49" charset="0"/>
+                <a:ea typeface="Fira Code" panose="020B0809050000020004" pitchFamily="49" charset="0"/>
+                <a:cs typeface="Fira Code" panose="020B0809050000020004" pitchFamily="49" charset="0"/>
+              </a:rPr>
+              <a:t>wq</a:t>
+            </a:r>
+            <a:r>
+              <a:rPr lang="en-US" sz="2800" dirty="0">
+                <a:solidFill>
+                  <a:schemeClr val="accent6">
+                    <a:lumMod val="75000"/>
+                  </a:schemeClr>
+                </a:solidFill>
+                <a:latin typeface="Fira Code" panose="020B0809050000020004" pitchFamily="49" charset="0"/>
+                <a:ea typeface="Fira Code" panose="020B0809050000020004" pitchFamily="49" charset="0"/>
+                <a:cs typeface="Fira Code" panose="020B0809050000020004" pitchFamily="49" charset="0"/>
+              </a:rPr>
+              <a:t>) +</a:t>
+            </a:r>
+          </a:p>
+          <a:p>
+            <a:r>
+              <a:rPr lang="en-US" sz="2800" dirty="0">
+                <a:solidFill>
+                  <a:schemeClr val="accent6">
+                    <a:lumMod val="75000"/>
+                  </a:schemeClr>
+                </a:solidFill>
+                <a:latin typeface="Fira Code" panose="020B0809050000020004" pitchFamily="49" charset="0"/>
+                <a:ea typeface="Fira Code" panose="020B0809050000020004" pitchFamily="49" charset="0"/>
+                <a:cs typeface="Fira Code" panose="020B0809050000020004" pitchFamily="49" charset="0"/>
+              </a:rPr>
+              <a:t>	</a:t>
+            </a:r>
+            <a:r>
+              <a:rPr lang="en-US" sz="2800" dirty="0" err="1">
+                <a:solidFill>
+                  <a:schemeClr val="accent6">
+                    <a:lumMod val="75000"/>
+                  </a:schemeClr>
+                </a:solidFill>
+                <a:latin typeface="Fira Code" panose="020B0809050000020004" pitchFamily="49" charset="0"/>
+                <a:ea typeface="Fira Code" panose="020B0809050000020004" pitchFamily="49" charset="0"/>
+                <a:cs typeface="Fira Code" panose="020B0809050000020004" pitchFamily="49" charset="0"/>
+              </a:rPr>
+              <a:t>geom_point</a:t>
+            </a:r>
+            <a:r>
+              <a:rPr lang="en-US" sz="2800" dirty="0">
+                <a:solidFill>
+                  <a:schemeClr val="accent6">
+                    <a:lumMod val="75000"/>
+                  </a:schemeClr>
+                </a:solidFill>
+                <a:latin typeface="Fira Code" panose="020B0809050000020004" pitchFamily="49" charset="0"/>
+                <a:ea typeface="Fira Code" panose="020B0809050000020004" pitchFamily="49" charset="0"/>
+                <a:cs typeface="Fira Code" panose="020B0809050000020004" pitchFamily="49" charset="0"/>
+              </a:rPr>
+              <a:t>(mapping = </a:t>
+            </a:r>
+            <a:r>
+              <a:rPr lang="en-US" sz="2800" dirty="0" err="1">
+                <a:solidFill>
+                  <a:schemeClr val="accent6">
+                    <a:lumMod val="75000"/>
+                  </a:schemeClr>
+                </a:solidFill>
+                <a:latin typeface="Fira Code" panose="020B0809050000020004" pitchFamily="49" charset="0"/>
+                <a:ea typeface="Fira Code" panose="020B0809050000020004" pitchFamily="49" charset="0"/>
+                <a:cs typeface="Fira Code" panose="020B0809050000020004" pitchFamily="49" charset="0"/>
+              </a:rPr>
+              <a:t>aes</a:t>
+            </a:r>
+            <a:r>
+              <a:rPr lang="en-US" sz="2800" dirty="0">
+                <a:solidFill>
+                  <a:schemeClr val="accent6">
+                    <a:lumMod val="75000"/>
+                  </a:schemeClr>
+                </a:solidFill>
+                <a:latin typeface="Fira Code" panose="020B0809050000020004" pitchFamily="49" charset="0"/>
+                <a:ea typeface="Fira Code" panose="020B0809050000020004" pitchFamily="49" charset="0"/>
+                <a:cs typeface="Fira Code" panose="020B0809050000020004" pitchFamily="49" charset="0"/>
+              </a:rPr>
+              <a:t>(x = temp, y = </a:t>
+            </a:r>
+            <a:r>
+              <a:rPr lang="en-US" sz="2800" dirty="0" err="1">
+                <a:solidFill>
+                  <a:schemeClr val="accent6">
+                    <a:lumMod val="75000"/>
+                  </a:schemeClr>
+                </a:solidFill>
+                <a:latin typeface="Fira Code" panose="020B0809050000020004" pitchFamily="49" charset="0"/>
+                <a:ea typeface="Fira Code" panose="020B0809050000020004" pitchFamily="49" charset="0"/>
+                <a:cs typeface="Fira Code" panose="020B0809050000020004" pitchFamily="49" charset="0"/>
+              </a:rPr>
+              <a:t>do_mgl</a:t>
+            </a:r>
+            <a:r>
+              <a:rPr lang="en-US" sz="2800" dirty="0">
+                <a:solidFill>
+                  <a:schemeClr val="accent6">
+                    <a:lumMod val="75000"/>
+                  </a:schemeClr>
+                </a:solidFill>
+                <a:latin typeface="Fira Code" panose="020B0809050000020004" pitchFamily="49" charset="0"/>
+                <a:ea typeface="Fira Code" panose="020B0809050000020004" pitchFamily="49" charset="0"/>
+                <a:cs typeface="Fira Code" panose="020B0809050000020004" pitchFamily="49" charset="0"/>
+              </a:rPr>
+              <a:t>))</a:t>
+            </a:r>
+            <a:endParaRPr lang="en-US" sz="1100" dirty="0">
+              <a:solidFill>
+                <a:schemeClr val="accent6">
+                  <a:lumMod val="75000"/>
+                </a:schemeClr>
+              </a:solidFill>
+            </a:endParaRPr>
+          </a:p>
+        </p:txBody>
+      </p:sp>
+    </p:spTree>
+    <p:extLst>
+      <p:ext uri="{BB962C8B-B14F-4D97-AF65-F5344CB8AC3E}">
+        <p14:creationId xmlns:p14="http://schemas.microsoft.com/office/powerpoint/2010/main" val="375065119"/>
+      </p:ext>
+    </p:extLst>
+  </p:cSld>
+  <p:clrMapOvr>
+    <a:masterClrMapping/>
+  </p:clrMapOvr>
+</p:sld>
+</file>
+
+<file path=ppt/slides/slide70.xml><?xml version="1.0" encoding="utf-8"?>
+<p:sld xmlns:a="http://schemas.openxmlformats.org/drawingml/2006/main" xmlns:r="http://schemas.openxmlformats.org/officeDocument/2006/relationships" xmlns:p="http://schemas.openxmlformats.org/presentationml/2006/main">
+  <p:cSld>
+    <p:bg>
+      <p:bgPr>
+        <a:solidFill>
+          <a:schemeClr val="accent5">
+            <a:lumMod val="20000"/>
+            <a:lumOff val="80000"/>
+          </a:schemeClr>
+        </a:solidFill>
+        <a:effectLst/>
+      </p:bgPr>
+    </p:bg>
+    <p:spTree>
+      <p:nvGrpSpPr>
+        <p:cNvPr id="1" name=""/>
+        <p:cNvGrpSpPr/>
+        <p:nvPr/>
+      </p:nvGrpSpPr>
+      <p:grpSpPr>
+        <a:xfrm>
+          <a:off x="0" y="0"/>
+          <a:ext cx="0" cy="0"/>
+          <a:chOff x="0" y="0"/>
+          <a:chExt cx="0" cy="0"/>
+        </a:xfrm>
+      </p:grpSpPr>
+      <p:sp>
+        <p:nvSpPr>
+          <p:cNvPr id="2" name="Title 1">
+            <a:extLst>
+              <a:ext uri="{FF2B5EF4-FFF2-40B4-BE49-F238E27FC236}">
+                <a16:creationId xmlns:a16="http://schemas.microsoft.com/office/drawing/2014/main" id="{AC89C1FA-28A6-4E7E-A8DD-CC67D0B8F234}"/>
+              </a:ext>
+            </a:extLst>
+          </p:cNvPr>
+          <p:cNvSpPr>
+            <a:spLocks noGrp="1"/>
+          </p:cNvSpPr>
+          <p:nvPr>
+            <p:ph type="title"/>
+          </p:nvPr>
+        </p:nvSpPr>
+        <p:spPr/>
+        <p:txBody>
+          <a:bodyPr/>
+          <a:lstStyle/>
+          <a:p>
+            <a:pPr algn="ctr"/>
+            <a:r>
+              <a:rPr lang="en-US" b="1" dirty="0">
+                <a:solidFill>
+                  <a:schemeClr val="accent5">
+                    <a:lumMod val="50000"/>
+                  </a:schemeClr>
+                </a:solidFill>
+              </a:rPr>
+              <a:t>YOUR TURN 9</a:t>
+            </a:r>
+          </a:p>
+        </p:txBody>
+      </p:sp>
+      <p:sp>
+        <p:nvSpPr>
+          <p:cNvPr id="3" name="Content Placeholder 2">
+            <a:extLst>
+              <a:ext uri="{FF2B5EF4-FFF2-40B4-BE49-F238E27FC236}">
+                <a16:creationId xmlns:a16="http://schemas.microsoft.com/office/drawing/2014/main" id="{8EA2B42E-FACD-4B8D-A87D-3555060BBAEC}"/>
+              </a:ext>
+            </a:extLst>
+          </p:cNvPr>
+          <p:cNvSpPr>
+            <a:spLocks noGrp="1"/>
+          </p:cNvSpPr>
+          <p:nvPr>
+            <p:ph idx="1"/>
+          </p:nvPr>
+        </p:nvSpPr>
+        <p:spPr/>
+        <p:txBody>
+          <a:bodyPr>
+            <a:normAutofit/>
+          </a:bodyPr>
+          <a:lstStyle/>
+          <a:p>
+            <a:pPr marL="0" indent="0">
+              <a:buNone/>
+            </a:pPr>
+            <a:r>
+              <a:rPr lang="en-US" sz="3200" dirty="0"/>
+              <a:t>Save your last plot and then locate it in your files pane. </a:t>
+            </a:r>
+          </a:p>
+          <a:p>
+            <a:pPr marL="0" indent="0">
+              <a:buNone/>
+            </a:pPr>
+            <a:r>
+              <a:rPr lang="en-US" sz="3200" dirty="0"/>
+              <a:t>(You may have to refresh your files list).</a:t>
+            </a:r>
+          </a:p>
+        </p:txBody>
+      </p:sp>
+      <p:sp>
+        <p:nvSpPr>
+          <p:cNvPr id="4" name="Footer Placeholder 3">
+            <a:extLst>
+              <a:ext uri="{FF2B5EF4-FFF2-40B4-BE49-F238E27FC236}">
+                <a16:creationId xmlns:a16="http://schemas.microsoft.com/office/drawing/2014/main" id="{DBDD9FCF-8A29-4AB5-8E43-C84BD5165CE4}"/>
+              </a:ext>
+            </a:extLst>
+          </p:cNvPr>
+          <p:cNvSpPr>
+            <a:spLocks noGrp="1"/>
+          </p:cNvSpPr>
+          <p:nvPr>
+            <p:ph type="ftr" sz="quarter" idx="11"/>
+          </p:nvPr>
+        </p:nvSpPr>
+        <p:spPr/>
+        <p:txBody>
+          <a:bodyPr/>
+          <a:lstStyle/>
+          <a:p>
+            <a:r>
+              <a:rPr lang="en-US"/>
+              <a:t>CERF 2019 | The Next Step with R | Cressman and Dunnigan</a:t>
+            </a:r>
+          </a:p>
+        </p:txBody>
+      </p:sp>
+      <p:sp>
+        <p:nvSpPr>
+          <p:cNvPr id="5" name="Slide Number Placeholder 4">
+            <a:extLst>
+              <a:ext uri="{FF2B5EF4-FFF2-40B4-BE49-F238E27FC236}">
+                <a16:creationId xmlns:a16="http://schemas.microsoft.com/office/drawing/2014/main" id="{59F59971-6096-4419-AB58-37090915181D}"/>
+              </a:ext>
+            </a:extLst>
+          </p:cNvPr>
+          <p:cNvSpPr>
+            <a:spLocks noGrp="1"/>
+          </p:cNvSpPr>
+          <p:nvPr>
+            <p:ph type="sldNum" sz="quarter" idx="12"/>
+          </p:nvPr>
+        </p:nvSpPr>
+        <p:spPr/>
+        <p:txBody>
+          <a:bodyPr/>
+          <a:lstStyle/>
+          <a:p>
+            <a:fld id="{1D07C8D9-AA71-438D-86BE-7B86F7F29DC7}" type="slidenum">
+              <a:rPr lang="en-US" smtClean="0"/>
+              <a:t>70</a:t>
+            </a:fld>
+            <a:endParaRPr lang="en-US"/>
+          </a:p>
+        </p:txBody>
+      </p:sp>
+      <p:pic>
+        <p:nvPicPr>
+          <p:cNvPr id="6" name="Picture 5">
+            <a:extLst>
+              <a:ext uri="{FF2B5EF4-FFF2-40B4-BE49-F238E27FC236}">
+                <a16:creationId xmlns:a16="http://schemas.microsoft.com/office/drawing/2014/main" id="{44E76824-5226-421F-8540-F372F13F29F4}"/>
+              </a:ext>
+            </a:extLst>
+          </p:cNvPr>
+          <p:cNvPicPr>
+            <a:picLocks noChangeAspect="1"/>
+          </p:cNvPicPr>
+          <p:nvPr/>
+        </p:nvPicPr>
+        <p:blipFill>
+          <a:blip r:embed="rId2"/>
+          <a:stretch>
+            <a:fillRect/>
+          </a:stretch>
+        </p:blipFill>
+        <p:spPr>
+          <a:xfrm>
+            <a:off x="3473317" y="2894148"/>
+            <a:ext cx="5245366" cy="3462202"/>
+          </a:xfrm>
+          <a:prstGeom prst="rect">
+            <a:avLst/>
+          </a:prstGeom>
+        </p:spPr>
+      </p:pic>
+    </p:spTree>
+    <p:extLst>
+      <p:ext uri="{BB962C8B-B14F-4D97-AF65-F5344CB8AC3E}">
+        <p14:creationId xmlns:p14="http://schemas.microsoft.com/office/powerpoint/2010/main" val="2572069906"/>
+      </p:ext>
+    </p:extLst>
+  </p:cSld>
+  <p:clrMapOvr>
+    <a:masterClrMapping/>
+  </p:clrMapOvr>
+</p:sld>
+</file>
+
+<file path=ppt/slides/slide71.xml><?xml version="1.0" encoding="utf-8"?>
+<p:sld xmlns:a="http://schemas.openxmlformats.org/drawingml/2006/main" xmlns:r="http://schemas.openxmlformats.org/officeDocument/2006/relationships" xmlns:p="http://schemas.openxmlformats.org/presentationml/2006/main">
+  <p:cSld>
+    <p:spTree>
+      <p:nvGrpSpPr>
+        <p:cNvPr id="1" name=""/>
+        <p:cNvGrpSpPr/>
+        <p:nvPr/>
+      </p:nvGrpSpPr>
+      <p:grpSpPr>
+        <a:xfrm>
+          <a:off x="0" y="0"/>
+          <a:ext cx="0" cy="0"/>
+          <a:chOff x="0" y="0"/>
+          <a:chExt cx="0" cy="0"/>
+        </a:xfrm>
+      </p:grpSpPr>
+      <p:sp>
+        <p:nvSpPr>
           <p:cNvPr id="3" name="Title 2">
             <a:extLst>
               <a:ext uri="{FF2B5EF4-FFF2-40B4-BE49-F238E27FC236}">
@@ -23640,7 +27475,7 @@
           <a:p>
             <a:fld id="{1D07C8D9-AA71-438D-86BE-7B86F7F29DC7}" type="slidenum">
               <a:rPr lang="en-US" smtClean="0"/>
-              <a:t>61</a:t>
+              <a:t>71</a:t>
             </a:fld>
             <a:endParaRPr lang="en-US"/>
           </a:p>
@@ -23691,7 +27526,7 @@
         <p:spPr>
           <a:xfrm>
             <a:off x="1081570" y="3582036"/>
-            <a:ext cx="1087787" cy="1318050"/>
+            <a:ext cx="1087787" cy="593724"/>
           </a:xfrm>
           <a:prstGeom prst="rect">
             <a:avLst/>
@@ -23745,8 +27580,8 @@
         </p:nvSpPr>
         <p:spPr>
           <a:xfrm rot="16200000">
-            <a:off x="1543053" y="859568"/>
-            <a:ext cx="5057878" cy="5935686"/>
+            <a:off x="2889745" y="1037859"/>
+            <a:ext cx="2334998" cy="5965182"/>
           </a:xfrm>
           <a:custGeom>
             <a:avLst/>
@@ -23801,6 +27636,36 @@
               <a:gd name="connsiteY3" fmla="*/ 3606324 h 3613196"/>
               <a:gd name="connsiteX4" fmla="*/ 0 w 5057878"/>
               <a:gd name="connsiteY4" fmla="*/ 3613196 h 3613196"/>
+              <a:gd name="connsiteX0" fmla="*/ 0 w 5057878"/>
+              <a:gd name="connsiteY0" fmla="*/ 3617392 h 3617392"/>
+              <a:gd name="connsiteX1" fmla="*/ 2177275 w 5057878"/>
+              <a:gd name="connsiteY1" fmla="*/ 0 h 3617392"/>
+              <a:gd name="connsiteX2" fmla="*/ 2764327 w 5057878"/>
+              <a:gd name="connsiteY2" fmla="*/ 4196 h 3617392"/>
+              <a:gd name="connsiteX3" fmla="*/ 5057878 w 5057878"/>
+              <a:gd name="connsiteY3" fmla="*/ 3610520 h 3617392"/>
+              <a:gd name="connsiteX4" fmla="*/ 0 w 5057878"/>
+              <a:gd name="connsiteY4" fmla="*/ 3617392 h 3617392"/>
+              <a:gd name="connsiteX0" fmla="*/ 0 w 3889478"/>
+              <a:gd name="connsiteY0" fmla="*/ 3617392 h 3617392"/>
+              <a:gd name="connsiteX1" fmla="*/ 1008875 w 3889478"/>
+              <a:gd name="connsiteY1" fmla="*/ 0 h 3617392"/>
+              <a:gd name="connsiteX2" fmla="*/ 1595927 w 3889478"/>
+              <a:gd name="connsiteY2" fmla="*/ 4196 h 3617392"/>
+              <a:gd name="connsiteX3" fmla="*/ 3889478 w 3889478"/>
+              <a:gd name="connsiteY3" fmla="*/ 3610520 h 3617392"/>
+              <a:gd name="connsiteX4" fmla="*/ 0 w 3889478"/>
+              <a:gd name="connsiteY4" fmla="*/ 3617392 h 3617392"/>
+              <a:gd name="connsiteX0" fmla="*/ 0 w 2334998"/>
+              <a:gd name="connsiteY0" fmla="*/ 3617392 h 3617392"/>
+              <a:gd name="connsiteX1" fmla="*/ 1008875 w 2334998"/>
+              <a:gd name="connsiteY1" fmla="*/ 0 h 3617392"/>
+              <a:gd name="connsiteX2" fmla="*/ 1595927 w 2334998"/>
+              <a:gd name="connsiteY2" fmla="*/ 4196 h 3617392"/>
+              <a:gd name="connsiteX3" fmla="*/ 2334998 w 2334998"/>
+              <a:gd name="connsiteY3" fmla="*/ 3610520 h 3617392"/>
+              <a:gd name="connsiteX4" fmla="*/ 0 w 2334998"/>
+              <a:gd name="connsiteY4" fmla="*/ 3617392 h 3617392"/>
             </a:gdLst>
             <a:ahLst/>
             <a:cxnLst>
@@ -23822,21 +27687,21 @@
             </a:cxnLst>
             <a:rect l="l" t="t" r="r" b="b"/>
             <a:pathLst>
-              <a:path w="5057878" h="3613196">
+              <a:path w="2334998" h="3617392">
                 <a:moveTo>
-                  <a:pt x="0" y="3613196"/>
+                  <a:pt x="0" y="3617392"/>
                 </a:moveTo>
                 <a:lnTo>
-                  <a:pt x="1435595" y="1963"/>
+                  <a:pt x="1008875" y="0"/>
                 </a:lnTo>
                 <a:lnTo>
-                  <a:pt x="2764327" y="0"/>
+                  <a:pt x="1595927" y="4196"/>
                 </a:lnTo>
                 <a:lnTo>
-                  <a:pt x="5057878" y="3606324"/>
+                  <a:pt x="2334998" y="3610520"/>
                 </a:lnTo>
                 <a:lnTo>
-                  <a:pt x="0" y="3613196"/>
+                  <a:pt x="0" y="3617392"/>
                 </a:lnTo>
                 <a:close/>
               </a:path>
@@ -23893,13 +27758,13 @@
         </p:nvPicPr>
         <p:blipFill rotWithShape="1">
           <a:blip r:embed="rId2"/>
-          <a:srcRect l="1692" t="49301" r="74691" b="14979"/>
+          <a:srcRect l="1858" t="50204" r="74525" b="33631"/>
           <a:stretch/>
         </p:blipFill>
         <p:spPr>
           <a:xfrm>
-            <a:off x="7028544" y="1298473"/>
-            <a:ext cx="4325256" cy="5046133"/>
+            <a:off x="7028544" y="2881737"/>
+            <a:ext cx="4325256" cy="2283563"/>
           </a:xfrm>
           <a:prstGeom prst="rect">
             <a:avLst/>
@@ -23919,147 +27784,7 @@
 </p:sld>
 </file>
 
-<file path=ppt/slides/slide62.xml><?xml version="1.0" encoding="utf-8"?>
-<p:sld xmlns:a="http://schemas.openxmlformats.org/drawingml/2006/main" xmlns:r="http://schemas.openxmlformats.org/officeDocument/2006/relationships" xmlns:p="http://schemas.openxmlformats.org/presentationml/2006/main">
-  <p:cSld>
-    <p:spTree>
-      <p:nvGrpSpPr>
-        <p:cNvPr id="1" name=""/>
-        <p:cNvGrpSpPr/>
-        <p:nvPr/>
-      </p:nvGrpSpPr>
-      <p:grpSpPr>
-        <a:xfrm>
-          <a:off x="0" y="0"/>
-          <a:ext cx="0" cy="0"/>
-          <a:chOff x="0" y="0"/>
-          <a:chExt cx="0" cy="0"/>
-        </a:xfrm>
-      </p:grpSpPr>
-      <p:sp>
-        <p:nvSpPr>
-          <p:cNvPr id="2" name="Title 1">
-            <a:extLst>
-              <a:ext uri="{FF2B5EF4-FFF2-40B4-BE49-F238E27FC236}">
-                <a16:creationId xmlns:a16="http://schemas.microsoft.com/office/drawing/2014/main" id="{C5801FA0-2E97-462B-B313-2DD18EA6A5DE}"/>
-              </a:ext>
-            </a:extLst>
-          </p:cNvPr>
-          <p:cNvSpPr>
-            <a:spLocks noGrp="1"/>
-          </p:cNvSpPr>
-          <p:nvPr>
-            <p:ph type="title"/>
-          </p:nvPr>
-        </p:nvSpPr>
-        <p:spPr/>
-        <p:txBody>
-          <a:bodyPr/>
-          <a:lstStyle/>
-          <a:p>
-            <a:r>
-              <a:rPr lang="en-US" dirty="0"/>
-              <a:t>Save your graph!</a:t>
-            </a:r>
-          </a:p>
-        </p:txBody>
-      </p:sp>
-      <p:sp>
-        <p:nvSpPr>
-          <p:cNvPr id="3" name="Content Placeholder 2">
-            <a:extLst>
-              <a:ext uri="{FF2B5EF4-FFF2-40B4-BE49-F238E27FC236}">
-                <a16:creationId xmlns:a16="http://schemas.microsoft.com/office/drawing/2014/main" id="{803C2030-867C-41C8-B3DD-C9606AABEA29}"/>
-              </a:ext>
-            </a:extLst>
-          </p:cNvPr>
-          <p:cNvSpPr>
-            <a:spLocks noGrp="1"/>
-          </p:cNvSpPr>
-          <p:nvPr>
-            <p:ph idx="1"/>
-          </p:nvPr>
-        </p:nvSpPr>
-        <p:spPr/>
-        <p:txBody>
-          <a:bodyPr/>
-          <a:lstStyle/>
-          <a:p>
-            <a:endParaRPr lang="en-US"/>
-          </a:p>
-        </p:txBody>
-      </p:sp>
-      <p:sp>
-        <p:nvSpPr>
-          <p:cNvPr id="4" name="Footer Placeholder 3">
-            <a:extLst>
-              <a:ext uri="{FF2B5EF4-FFF2-40B4-BE49-F238E27FC236}">
-                <a16:creationId xmlns:a16="http://schemas.microsoft.com/office/drawing/2014/main" id="{6F28CEC8-D19F-4F3E-A4AC-F5ED5FDD691E}"/>
-              </a:ext>
-            </a:extLst>
-          </p:cNvPr>
-          <p:cNvSpPr>
-            <a:spLocks noGrp="1"/>
-          </p:cNvSpPr>
-          <p:nvPr>
-            <p:ph type="ftr" sz="quarter" idx="11"/>
-          </p:nvPr>
-        </p:nvSpPr>
-        <p:spPr/>
-        <p:txBody>
-          <a:bodyPr/>
-          <a:lstStyle/>
-          <a:p>
-            <a:r>
-              <a:rPr lang="en-US"/>
-              <a:t>CERF 2019 | The Next Step with R | Cressman and Dunnigan</a:t>
-            </a:r>
-          </a:p>
-        </p:txBody>
-      </p:sp>
-      <p:sp>
-        <p:nvSpPr>
-          <p:cNvPr id="5" name="Slide Number Placeholder 4">
-            <a:extLst>
-              <a:ext uri="{FF2B5EF4-FFF2-40B4-BE49-F238E27FC236}">
-                <a16:creationId xmlns:a16="http://schemas.microsoft.com/office/drawing/2014/main" id="{47210A63-A3AB-4756-85B5-335C879C58D7}"/>
-              </a:ext>
-            </a:extLst>
-          </p:cNvPr>
-          <p:cNvSpPr>
-            <a:spLocks noGrp="1"/>
-          </p:cNvSpPr>
-          <p:nvPr>
-            <p:ph type="sldNum" sz="quarter" idx="12"/>
-          </p:nvPr>
-        </p:nvSpPr>
-        <p:spPr/>
-        <p:txBody>
-          <a:bodyPr/>
-          <a:lstStyle/>
-          <a:p>
-            <a:fld id="{1D07C8D9-AA71-438D-86BE-7B86F7F29DC7}" type="slidenum">
-              <a:rPr lang="en-US" smtClean="0"/>
-              <a:t>62</a:t>
-            </a:fld>
-            <a:endParaRPr lang="en-US"/>
-          </a:p>
-        </p:txBody>
-      </p:sp>
-    </p:spTree>
-    <p:extLst>
-      <p:ext uri="{BB962C8B-B14F-4D97-AF65-F5344CB8AC3E}">
-        <p14:creationId xmlns:p14="http://schemas.microsoft.com/office/powerpoint/2010/main" val="3306763690"/>
-      </p:ext>
-    </p:extLst>
-  </p:cSld>
-  <p:clrMapOvr>
-    <a:masterClrMapping/>
-  </p:clrMapOvr>
-</p:sld>
-</file>
-
-<file path=ppt/slides/slide7.xml><?xml version="1.0" encoding="utf-8"?>
+<file path=ppt/slides/slide72.xml><?xml version="1.0" encoding="utf-8"?>
 <p:sld xmlns:a="http://schemas.openxmlformats.org/drawingml/2006/main" xmlns:r="http://schemas.openxmlformats.org/officeDocument/2006/relationships" xmlns:p="http://schemas.openxmlformats.org/presentationml/2006/main">
   <p:cSld>
     <p:bg>
@@ -24089,10 +27814,10 @@
       </p:grpSpPr>
       <p:sp>
         <p:nvSpPr>
-          <p:cNvPr id="6" name="Title 5">
-            <a:extLst>
-              <a:ext uri="{FF2B5EF4-FFF2-40B4-BE49-F238E27FC236}">
-                <a16:creationId xmlns:a16="http://schemas.microsoft.com/office/drawing/2014/main" id="{AB516C31-AF9E-4692-97DB-296BC17C1621}"/>
+          <p:cNvPr id="2" name="Title 1">
+            <a:extLst>
+              <a:ext uri="{FF2B5EF4-FFF2-40B4-BE49-F238E27FC236}">
+                <a16:creationId xmlns:a16="http://schemas.microsoft.com/office/drawing/2014/main" id="{D239CF64-F67F-4A88-B525-3CF7FA5BCCDE}"/>
               </a:ext>
             </a:extLst>
           </p:cNvPr>
@@ -24117,17 +27842,17 @@
                   </a:schemeClr>
                 </a:solidFill>
               </a:rPr>
-              <a:t>YOUR TURN 1</a:t>
-            </a:r>
-          </a:p>
-        </p:txBody>
-      </p:sp>
-      <p:sp>
-        <p:nvSpPr>
-          <p:cNvPr id="7" name="Content Placeholder 6">
-            <a:extLst>
-              <a:ext uri="{FF2B5EF4-FFF2-40B4-BE49-F238E27FC236}">
-                <a16:creationId xmlns:a16="http://schemas.microsoft.com/office/drawing/2014/main" id="{12984DE6-3B72-4CA3-B1B2-B034CD6FCA65}"/>
+              <a:t>CHALLENGE</a:t>
+            </a:r>
+          </a:p>
+        </p:txBody>
+      </p:sp>
+      <p:sp>
+        <p:nvSpPr>
+          <p:cNvPr id="3" name="Content Placeholder 2">
+            <a:extLst>
+              <a:ext uri="{FF2B5EF4-FFF2-40B4-BE49-F238E27FC236}">
+                <a16:creationId xmlns:a16="http://schemas.microsoft.com/office/drawing/2014/main" id="{FDC2E270-9B50-4A61-84E4-5987CFD317D6}"/>
               </a:ext>
             </a:extLst>
           </p:cNvPr>
@@ -24138,144 +27863,39 @@
             <p:ph idx="1"/>
           </p:nvPr>
         </p:nvSpPr>
-        <p:spPr>
-          <a:xfrm>
-            <a:off x="838200" y="1825625"/>
-            <a:ext cx="10515600" cy="1812925"/>
-          </a:xfrm>
-        </p:spPr>
-        <p:txBody>
-          <a:bodyPr/>
+        <p:spPr/>
+        <p:txBody>
+          <a:bodyPr>
+            <a:normAutofit lnSpcReduction="10000"/>
+          </a:bodyPr>
           <a:lstStyle/>
           <a:p>
             <a:pPr marL="0" indent="0">
               <a:buNone/>
             </a:pPr>
             <a:r>
-              <a:rPr lang="en-US" dirty="0"/>
-              <a:t>Run this code in your notebook to make a graph. </a:t>
-            </a:r>
-          </a:p>
-          <a:p>
-            <a:pPr marL="0" indent="0">
-              <a:buNone/>
-            </a:pPr>
-            <a:r>
-              <a:rPr lang="en-US" dirty="0"/>
-              <a:t>Pay careful attention to spelling, capitalization, and parentheses!</a:t>
-            </a:r>
-          </a:p>
-          <a:p>
-            <a:pPr marL="0" indent="0">
-              <a:buNone/>
-            </a:pPr>
-            <a:endParaRPr lang="en-US" dirty="0"/>
-          </a:p>
-          <a:p>
-            <a:pPr marL="0" indent="0">
-              <a:buNone/>
-            </a:pPr>
-            <a:endParaRPr lang="en-US" dirty="0"/>
-          </a:p>
-        </p:txBody>
-      </p:sp>
-      <p:sp>
-        <p:nvSpPr>
-          <p:cNvPr id="4" name="Footer Placeholder 3">
-            <a:extLst>
-              <a:ext uri="{FF2B5EF4-FFF2-40B4-BE49-F238E27FC236}">
-                <a16:creationId xmlns:a16="http://schemas.microsoft.com/office/drawing/2014/main" id="{8045F02D-6910-485B-B204-23565C295BE9}"/>
-              </a:ext>
-            </a:extLst>
-          </p:cNvPr>
-          <p:cNvSpPr>
-            <a:spLocks noGrp="1"/>
-          </p:cNvSpPr>
-          <p:nvPr>
-            <p:ph type="ftr" sz="quarter" idx="11"/>
-          </p:nvPr>
-        </p:nvSpPr>
-        <p:spPr/>
-        <p:txBody>
-          <a:bodyPr/>
-          <a:lstStyle/>
-          <a:p>
-            <a:r>
-              <a:rPr lang="en-US"/>
-              <a:t>CERF 2019 | The Next Step with R | Cressman and Dunnigan</a:t>
-            </a:r>
-          </a:p>
-        </p:txBody>
-      </p:sp>
-      <p:sp>
-        <p:nvSpPr>
-          <p:cNvPr id="5" name="Slide Number Placeholder 4">
-            <a:extLst>
-              <a:ext uri="{FF2B5EF4-FFF2-40B4-BE49-F238E27FC236}">
-                <a16:creationId xmlns:a16="http://schemas.microsoft.com/office/drawing/2014/main" id="{05582B34-5689-4AD6-A5C4-E6C2B20E9143}"/>
-              </a:ext>
-            </a:extLst>
-          </p:cNvPr>
-          <p:cNvSpPr>
-            <a:spLocks noGrp="1"/>
-          </p:cNvSpPr>
-          <p:nvPr>
-            <p:ph type="sldNum" sz="quarter" idx="12"/>
-          </p:nvPr>
-        </p:nvSpPr>
-        <p:spPr/>
-        <p:txBody>
-          <a:bodyPr/>
-          <a:lstStyle/>
-          <a:p>
-            <a:fld id="{1D07C8D9-AA71-438D-86BE-7B86F7F29DC7}" type="slidenum">
-              <a:rPr lang="en-US" smtClean="0"/>
-              <a:t>7</a:t>
-            </a:fld>
-            <a:endParaRPr lang="en-US"/>
-          </a:p>
-        </p:txBody>
-      </p:sp>
-      <p:sp>
-        <p:nvSpPr>
-          <p:cNvPr id="8" name="TextBox 7">
-            <a:extLst>
-              <a:ext uri="{FF2B5EF4-FFF2-40B4-BE49-F238E27FC236}">
-                <a16:creationId xmlns:a16="http://schemas.microsoft.com/office/drawing/2014/main" id="{81B89D94-E7A0-42DD-938A-22C903C7A674}"/>
-              </a:ext>
-            </a:extLst>
-          </p:cNvPr>
-          <p:cNvSpPr txBox="1"/>
-          <p:nvPr/>
-        </p:nvSpPr>
-        <p:spPr>
-          <a:xfrm>
-            <a:off x="361949" y="3429000"/>
-            <a:ext cx="11191876" cy="954107"/>
-          </a:xfrm>
-          <a:prstGeom prst="rect">
-            <a:avLst/>
-          </a:prstGeom>
-          <a:noFill/>
-        </p:spPr>
-        <p:txBody>
-          <a:bodyPr wrap="square" rtlCol="0">
-            <a:spAutoFit/>
-          </a:bodyPr>
-          <a:lstStyle/>
-          <a:p>
-            <a:r>
-              <a:rPr lang="en-US" sz="1200" dirty="0">
+              <a:rPr lang="en-US" sz="4000" dirty="0"/>
+              <a:t>Using the </a:t>
+            </a:r>
+            <a:r>
+              <a:rPr lang="en-US" sz="4000" dirty="0">
                 <a:solidFill>
                   <a:schemeClr val="accent6">
                     <a:lumMod val="75000"/>
                   </a:schemeClr>
                 </a:solidFill>
-              </a:rPr>
-              <a:t> </a:t>
-            </a:r>
-            <a:r>
-              <a:rPr lang="en-US" sz="2800" dirty="0" err="1">
+                <a:latin typeface="Fira Code" panose="020B0809050000020004" pitchFamily="49" charset="0"/>
+                <a:ea typeface="Fira Code" panose="020B0809050000020004" pitchFamily="49" charset="0"/>
+                <a:cs typeface="Fira Code" panose="020B0809050000020004" pitchFamily="49" charset="0"/>
+              </a:rPr>
+              <a:t>diamonds</a:t>
+            </a:r>
+            <a:r>
+              <a:rPr lang="en-US" sz="4000" dirty="0"/>
+              <a:t> data make a scatterplot of </a:t>
+            </a:r>
+            <a:r>
+              <a:rPr lang="en-US" sz="4000" dirty="0">
                 <a:solidFill>
                   <a:schemeClr val="accent6">
                     <a:lumMod val="75000"/>
@@ -24285,10 +27905,14 @@
                 <a:ea typeface="Fira Code" panose="020B0809050000020004" pitchFamily="49" charset="0"/>
                 <a:cs typeface="Fira Code" panose="020B0809050000020004" pitchFamily="49" charset="0"/>
               </a:rPr>
-              <a:t>ggplot</a:t>
-            </a:r>
-            <a:r>
-              <a:rPr lang="en-US" sz="2800" dirty="0">
+              <a:t>carat</a:t>
+            </a:r>
+            <a:r>
+              <a:rPr lang="en-US" sz="4000" dirty="0"/>
+              <a:t> by </a:t>
+            </a:r>
+            <a:r>
+              <a:rPr lang="en-US" sz="4000" dirty="0">
                 <a:solidFill>
                   <a:schemeClr val="accent6">
                     <a:lumMod val="75000"/>
@@ -24298,10 +27922,14 @@
                 <a:ea typeface="Fira Code" panose="020B0809050000020004" pitchFamily="49" charset="0"/>
                 <a:cs typeface="Fira Code" panose="020B0809050000020004" pitchFamily="49" charset="0"/>
               </a:rPr>
-              <a:t>(data = </a:t>
-            </a:r>
-            <a:r>
-              <a:rPr lang="en-US" sz="2800" dirty="0" err="1">
+              <a:t>price</a:t>
+            </a:r>
+            <a:r>
+              <a:rPr lang="en-US" sz="4000" dirty="0"/>
+              <a:t> and assign color by </a:t>
+            </a:r>
+            <a:r>
+              <a:rPr lang="en-US" sz="4000" dirty="0">
                 <a:solidFill>
                   <a:schemeClr val="accent6">
                     <a:lumMod val="75000"/>
@@ -24311,128 +27939,114 @@
                 <a:ea typeface="Fira Code" panose="020B0809050000020004" pitchFamily="49" charset="0"/>
                 <a:cs typeface="Fira Code" panose="020B0809050000020004" pitchFamily="49" charset="0"/>
               </a:rPr>
-              <a:t>wq</a:t>
-            </a:r>
-            <a:r>
-              <a:rPr lang="en-US" sz="2800" dirty="0">
-                <a:solidFill>
-                  <a:schemeClr val="accent6">
-                    <a:lumMod val="75000"/>
-                  </a:schemeClr>
-                </a:solidFill>
-                <a:latin typeface="Fira Code" panose="020B0809050000020004" pitchFamily="49" charset="0"/>
-                <a:ea typeface="Fira Code" panose="020B0809050000020004" pitchFamily="49" charset="0"/>
-                <a:cs typeface="Fira Code" panose="020B0809050000020004" pitchFamily="49" charset="0"/>
-              </a:rPr>
-              <a:t>) +</a:t>
-            </a:r>
-          </a:p>
-          <a:p>
-            <a:r>
-              <a:rPr lang="en-US" sz="2800" dirty="0">
-                <a:solidFill>
-                  <a:schemeClr val="accent6">
-                    <a:lumMod val="75000"/>
-                  </a:schemeClr>
-                </a:solidFill>
-                <a:latin typeface="Fira Code" panose="020B0809050000020004" pitchFamily="49" charset="0"/>
-                <a:ea typeface="Fira Code" panose="020B0809050000020004" pitchFamily="49" charset="0"/>
-                <a:cs typeface="Fira Code" panose="020B0809050000020004" pitchFamily="49" charset="0"/>
-              </a:rPr>
-              <a:t>	</a:t>
-            </a:r>
-            <a:r>
-              <a:rPr lang="en-US" sz="2800" dirty="0" err="1">
-                <a:solidFill>
-                  <a:schemeClr val="accent6">
-                    <a:lumMod val="75000"/>
-                  </a:schemeClr>
-                </a:solidFill>
-                <a:latin typeface="Fira Code" panose="020B0809050000020004" pitchFamily="49" charset="0"/>
-                <a:ea typeface="Fira Code" panose="020B0809050000020004" pitchFamily="49" charset="0"/>
-                <a:cs typeface="Fira Code" panose="020B0809050000020004" pitchFamily="49" charset="0"/>
-              </a:rPr>
-              <a:t>geom_point</a:t>
-            </a:r>
-            <a:r>
-              <a:rPr lang="en-US" sz="2800" dirty="0">
-                <a:solidFill>
-                  <a:schemeClr val="accent6">
-                    <a:lumMod val="75000"/>
-                  </a:schemeClr>
-                </a:solidFill>
-                <a:latin typeface="Fira Code" panose="020B0809050000020004" pitchFamily="49" charset="0"/>
-                <a:ea typeface="Fira Code" panose="020B0809050000020004" pitchFamily="49" charset="0"/>
-                <a:cs typeface="Fira Code" panose="020B0809050000020004" pitchFamily="49" charset="0"/>
-              </a:rPr>
-              <a:t>(mapping = </a:t>
-            </a:r>
-            <a:r>
-              <a:rPr lang="en-US" sz="2800" dirty="0" err="1">
-                <a:solidFill>
-                  <a:schemeClr val="accent6">
-                    <a:lumMod val="75000"/>
-                  </a:schemeClr>
-                </a:solidFill>
-                <a:latin typeface="Fira Code" panose="020B0809050000020004" pitchFamily="49" charset="0"/>
-                <a:ea typeface="Fira Code" panose="020B0809050000020004" pitchFamily="49" charset="0"/>
-                <a:cs typeface="Fira Code" panose="020B0809050000020004" pitchFamily="49" charset="0"/>
-              </a:rPr>
-              <a:t>aes</a:t>
-            </a:r>
-            <a:r>
-              <a:rPr lang="en-US" sz="2800" dirty="0">
-                <a:solidFill>
-                  <a:schemeClr val="accent6">
-                    <a:lumMod val="75000"/>
-                  </a:schemeClr>
-                </a:solidFill>
-                <a:latin typeface="Fira Code" panose="020B0809050000020004" pitchFamily="49" charset="0"/>
-                <a:ea typeface="Fira Code" panose="020B0809050000020004" pitchFamily="49" charset="0"/>
-                <a:cs typeface="Fira Code" panose="020B0809050000020004" pitchFamily="49" charset="0"/>
-              </a:rPr>
-              <a:t>(x = temp, y = </a:t>
-            </a:r>
-            <a:r>
-              <a:rPr lang="en-US" sz="2800" dirty="0" err="1">
-                <a:solidFill>
-                  <a:schemeClr val="accent6">
-                    <a:lumMod val="75000"/>
-                  </a:schemeClr>
-                </a:solidFill>
-                <a:latin typeface="Fira Code" panose="020B0809050000020004" pitchFamily="49" charset="0"/>
-                <a:ea typeface="Fira Code" panose="020B0809050000020004" pitchFamily="49" charset="0"/>
-                <a:cs typeface="Fira Code" panose="020B0809050000020004" pitchFamily="49" charset="0"/>
-              </a:rPr>
-              <a:t>do_mgl</a:t>
-            </a:r>
-            <a:r>
-              <a:rPr lang="en-US" sz="2800" dirty="0">
-                <a:solidFill>
-                  <a:schemeClr val="accent6">
-                    <a:lumMod val="75000"/>
-                  </a:schemeClr>
-                </a:solidFill>
-                <a:latin typeface="Fira Code" panose="020B0809050000020004" pitchFamily="49" charset="0"/>
-                <a:ea typeface="Fira Code" panose="020B0809050000020004" pitchFamily="49" charset="0"/>
-                <a:cs typeface="Fira Code" panose="020B0809050000020004" pitchFamily="49" charset="0"/>
-              </a:rPr>
-              <a:t>))</a:t>
-            </a:r>
-            <a:endParaRPr lang="en-US" sz="1100" dirty="0">
-              <a:solidFill>
-                <a:schemeClr val="accent6">
-                  <a:lumMod val="75000"/>
-                </a:schemeClr>
-              </a:solidFill>
-            </a:endParaRPr>
+              <a:t>clarity</a:t>
+            </a:r>
+            <a:r>
+              <a:rPr lang="en-US" sz="4000" dirty="0"/>
+              <a:t>. </a:t>
+            </a:r>
+          </a:p>
+          <a:p>
+            <a:pPr marL="0" indent="0">
+              <a:buNone/>
+            </a:pPr>
+            <a:endParaRPr lang="en-US" sz="4000" dirty="0"/>
+          </a:p>
+          <a:p>
+            <a:pPr marL="0" indent="0">
+              <a:buNone/>
+            </a:pPr>
+            <a:r>
+              <a:rPr lang="en-US" sz="4000" dirty="0"/>
+              <a:t>Customize the themes and colors of the plot to make it the *</a:t>
+            </a:r>
+            <a:r>
+              <a:rPr lang="en-US" sz="4000" i="1" dirty="0"/>
+              <a:t>ugliest</a:t>
+            </a:r>
+            <a:r>
+              <a:rPr lang="en-US" sz="4000" dirty="0"/>
+              <a:t>* plot that you can. </a:t>
+            </a:r>
+          </a:p>
+          <a:p>
+            <a:pPr marL="0" indent="0">
+              <a:buNone/>
+            </a:pPr>
+            <a:endParaRPr lang="en-US" sz="4000" dirty="0"/>
+          </a:p>
+          <a:p>
+            <a:pPr marL="0" indent="0">
+              <a:buNone/>
+            </a:pPr>
+            <a:r>
+              <a:rPr lang="en-US" sz="4000" dirty="0"/>
+              <a:t>Save this plot in your files pane.</a:t>
+            </a:r>
+          </a:p>
+        </p:txBody>
+      </p:sp>
+      <p:sp>
+        <p:nvSpPr>
+          <p:cNvPr id="4" name="Footer Placeholder 3">
+            <a:extLst>
+              <a:ext uri="{FF2B5EF4-FFF2-40B4-BE49-F238E27FC236}">
+                <a16:creationId xmlns:a16="http://schemas.microsoft.com/office/drawing/2014/main" id="{1DCFE1D8-7440-4B89-A20E-B864AF7707E1}"/>
+              </a:ext>
+            </a:extLst>
+          </p:cNvPr>
+          <p:cNvSpPr>
+            <a:spLocks noGrp="1"/>
+          </p:cNvSpPr>
+          <p:nvPr>
+            <p:ph type="ftr" sz="quarter" idx="11"/>
+          </p:nvPr>
+        </p:nvSpPr>
+        <p:spPr/>
+        <p:txBody>
+          <a:bodyPr/>
+          <a:lstStyle/>
+          <a:p>
+            <a:r>
+              <a:rPr lang="en-US"/>
+              <a:t>CERF 2019 | The Next Step with R | Cressman and Dunnigan</a:t>
+            </a:r>
+          </a:p>
+        </p:txBody>
+      </p:sp>
+      <p:sp>
+        <p:nvSpPr>
+          <p:cNvPr id="5" name="Slide Number Placeholder 4">
+            <a:extLst>
+              <a:ext uri="{FF2B5EF4-FFF2-40B4-BE49-F238E27FC236}">
+                <a16:creationId xmlns:a16="http://schemas.microsoft.com/office/drawing/2014/main" id="{F9BE47FF-11F0-4BD4-ADD7-C489BEBD0D31}"/>
+              </a:ext>
+            </a:extLst>
+          </p:cNvPr>
+          <p:cNvSpPr>
+            <a:spLocks noGrp="1"/>
+          </p:cNvSpPr>
+          <p:nvPr>
+            <p:ph type="sldNum" sz="quarter" idx="12"/>
+          </p:nvPr>
+        </p:nvSpPr>
+        <p:spPr/>
+        <p:txBody>
+          <a:bodyPr/>
+          <a:lstStyle/>
+          <a:p>
+            <a:fld id="{1D07C8D9-AA71-438D-86BE-7B86F7F29DC7}" type="slidenum">
+              <a:rPr lang="en-US" smtClean="0"/>
+              <a:t>72</a:t>
+            </a:fld>
+            <a:endParaRPr lang="en-US"/>
           </a:p>
         </p:txBody>
       </p:sp>
     </p:spTree>
     <p:extLst>
       <p:ext uri="{BB962C8B-B14F-4D97-AF65-F5344CB8AC3E}">
-        <p14:creationId xmlns:p14="http://schemas.microsoft.com/office/powerpoint/2010/main" val="375065119"/>
+        <p14:creationId xmlns:p14="http://schemas.microsoft.com/office/powerpoint/2010/main" val="3370412877"/>
       </p:ext>
     </p:extLst>
   </p:cSld>

--- a/slides/01_Visualize.pptx
+++ b/slides/01_Visualize.pptx
@@ -5,7 +5,7 @@
     <p:sldMasterId id="2147483648" r:id="rId1"/>
   </p:sldMasterIdLst>
   <p:notesMasterIdLst>
-    <p:notesMasterId r:id="rId74"/>
+    <p:notesMasterId r:id="rId75"/>
   </p:notesMasterIdLst>
   <p:sldIdLst>
     <p:sldId id="256" r:id="rId2"/>
@@ -73,13 +73,14 @@
     <p:sldId id="306" r:id="rId64"/>
     <p:sldId id="326" r:id="rId65"/>
     <p:sldId id="327" r:id="rId66"/>
-    <p:sldId id="301" r:id="rId67"/>
-    <p:sldId id="328" r:id="rId68"/>
-    <p:sldId id="329" r:id="rId69"/>
-    <p:sldId id="330" r:id="rId70"/>
-    <p:sldId id="331" r:id="rId71"/>
-    <p:sldId id="307" r:id="rId72"/>
-    <p:sldId id="332" r:id="rId73"/>
+    <p:sldId id="333" r:id="rId67"/>
+    <p:sldId id="301" r:id="rId68"/>
+    <p:sldId id="328" r:id="rId69"/>
+    <p:sldId id="329" r:id="rId70"/>
+    <p:sldId id="330" r:id="rId71"/>
+    <p:sldId id="331" r:id="rId72"/>
+    <p:sldId id="307" r:id="rId73"/>
+    <p:sldId id="332" r:id="rId74"/>
   </p:sldIdLst>
   <p:sldSz cx="12192000" cy="6858000"/>
   <p:notesSz cx="9144000" cy="6858000"/>
@@ -280,7 +281,7 @@
           <a:p>
             <a:fld id="{FDC4B335-33D5-4EA8-A5E8-130D36D513BC}" type="datetimeFigureOut">
               <a:rPr lang="en-US" smtClean="0"/>
-              <a:t>10/25/2019</a:t>
+              <a:t>10/28/2019</a:t>
             </a:fld>
             <a:endParaRPr lang="en-US"/>
           </a:p>
@@ -1426,7 +1427,7 @@
           <a:p>
             <a:fld id="{0FF0CA17-7278-4700-B5CE-AAA297DB0216}" type="datetime1">
               <a:rPr lang="en-US" smtClean="0"/>
-              <a:t>10/25/2019</a:t>
+              <a:t>10/28/2019</a:t>
             </a:fld>
             <a:endParaRPr lang="en-US"/>
           </a:p>
@@ -1627,7 +1628,7 @@
           <a:p>
             <a:fld id="{B2D433B3-BCFF-4536-8BFC-DB6CE82D3861}" type="datetime1">
               <a:rPr lang="en-US" smtClean="0"/>
-              <a:t>10/25/2019</a:t>
+              <a:t>10/28/2019</a:t>
             </a:fld>
             <a:endParaRPr lang="en-US"/>
           </a:p>
@@ -1838,7 +1839,7 @@
           <a:p>
             <a:fld id="{8CBA58B8-4C0F-4A2E-93DA-1FCC4CD183B7}" type="datetime1">
               <a:rPr lang="en-US" smtClean="0"/>
-              <a:t>10/25/2019</a:t>
+              <a:t>10/28/2019</a:t>
             </a:fld>
             <a:endParaRPr lang="en-US"/>
           </a:p>
@@ -2039,7 +2040,7 @@
           <a:p>
             <a:fld id="{795CD272-CC15-42B1-AF94-9465F36A1690}" type="datetime1">
               <a:rPr lang="en-US" smtClean="0"/>
-              <a:t>10/25/2019</a:t>
+              <a:t>10/28/2019</a:t>
             </a:fld>
             <a:endParaRPr lang="en-US"/>
           </a:p>
@@ -2317,7 +2318,7 @@
           <a:p>
             <a:fld id="{1C3236FD-8D2C-4B3F-A29E-CB63FDCD539A}" type="datetime1">
               <a:rPr lang="en-US" smtClean="0"/>
-              <a:t>10/25/2019</a:t>
+              <a:t>10/28/2019</a:t>
             </a:fld>
             <a:endParaRPr lang="en-US"/>
           </a:p>
@@ -2585,7 +2586,7 @@
           <a:p>
             <a:fld id="{60B5AC96-BA3E-42B8-9DD5-510E2E2AA307}" type="datetime1">
               <a:rPr lang="en-US" smtClean="0"/>
-              <a:t>10/25/2019</a:t>
+              <a:t>10/28/2019</a:t>
             </a:fld>
             <a:endParaRPr lang="en-US"/>
           </a:p>
@@ -3000,7 +3001,7 @@
           <a:p>
             <a:fld id="{D6636501-AA38-48C6-9AA1-A23E2137491A}" type="datetime1">
               <a:rPr lang="en-US" smtClean="0"/>
-              <a:t>10/25/2019</a:t>
+              <a:t>10/28/2019</a:t>
             </a:fld>
             <a:endParaRPr lang="en-US"/>
           </a:p>
@@ -3144,7 +3145,7 @@
           <a:p>
             <a:fld id="{B53EF110-E9E5-4B7B-A347-686E5BEDA428}" type="datetime1">
               <a:rPr lang="en-US" smtClean="0"/>
-              <a:t>10/25/2019</a:t>
+              <a:t>10/28/2019</a:t>
             </a:fld>
             <a:endParaRPr lang="en-US"/>
           </a:p>
@@ -3260,7 +3261,7 @@
           <a:p>
             <a:fld id="{136C1A73-E73D-44FC-BAE9-A9E28A0B8651}" type="datetime1">
               <a:rPr lang="en-US" smtClean="0"/>
-              <a:t>10/25/2019</a:t>
+              <a:t>10/28/2019</a:t>
             </a:fld>
             <a:endParaRPr lang="en-US"/>
           </a:p>
@@ -3574,7 +3575,7 @@
           <a:p>
             <a:fld id="{9451293F-CAF3-42F8-A522-1C7F378C5BF2}" type="datetime1">
               <a:rPr lang="en-US" smtClean="0"/>
-              <a:t>10/25/2019</a:t>
+              <a:t>10/28/2019</a:t>
             </a:fld>
             <a:endParaRPr lang="en-US"/>
           </a:p>
@@ -3865,7 +3866,7 @@
           <a:p>
             <a:fld id="{EC129065-4C79-4A8C-8F75-FC9BC7A4F7AC}" type="datetime1">
               <a:rPr lang="en-US" smtClean="0"/>
-              <a:t>10/25/2019</a:t>
+              <a:t>10/28/2019</a:t>
             </a:fld>
             <a:endParaRPr lang="en-US"/>
           </a:p>
@@ -4109,7 +4110,7 @@
           <a:p>
             <a:fld id="{3CB72F7B-421E-4633-8B82-31AB232FE78C}" type="datetime1">
               <a:rPr lang="en-US" smtClean="0"/>
-              <a:t>10/25/2019</a:t>
+              <a:t>10/28/2019</a:t>
             </a:fld>
             <a:endParaRPr lang="en-US"/>
           </a:p>
@@ -7434,6 +7435,184 @@
           </a:p>
         </p:txBody>
       </p:sp>
+      <p:grpSp>
+        <p:nvGrpSpPr>
+          <p:cNvPr id="6" name="Group 5">
+            <a:extLst>
+              <a:ext uri="{FF2B5EF4-FFF2-40B4-BE49-F238E27FC236}">
+                <a16:creationId xmlns:a16="http://schemas.microsoft.com/office/drawing/2014/main" id="{0346D7AA-63C5-447E-BCE5-C4D50CE40AA7}"/>
+              </a:ext>
+            </a:extLst>
+          </p:cNvPr>
+          <p:cNvGrpSpPr/>
+          <p:nvPr/>
+        </p:nvGrpSpPr>
+        <p:grpSpPr>
+          <a:xfrm>
+            <a:off x="9064978" y="5441950"/>
+            <a:ext cx="2813307" cy="914400"/>
+            <a:chOff x="9064978" y="5441950"/>
+            <a:chExt cx="2813307" cy="914400"/>
+          </a:xfrm>
+        </p:grpSpPr>
+        <p:sp>
+          <p:nvSpPr>
+            <p:cNvPr id="7" name="Rectangle 6">
+              <a:extLst>
+                <a:ext uri="{FF2B5EF4-FFF2-40B4-BE49-F238E27FC236}">
+                  <a16:creationId xmlns:a16="http://schemas.microsoft.com/office/drawing/2014/main" id="{DD774E3B-766F-4BDF-ABC9-D9CAD273CB99}"/>
+                </a:ext>
+              </a:extLst>
+            </p:cNvPr>
+            <p:cNvSpPr/>
+            <p:nvPr/>
+          </p:nvSpPr>
+          <p:spPr>
+            <a:xfrm>
+              <a:off x="9064978" y="5441950"/>
+              <a:ext cx="2813307" cy="914400"/>
+            </a:xfrm>
+            <a:prstGeom prst="rect">
+              <a:avLst/>
+            </a:prstGeom>
+            <a:solidFill>
+              <a:schemeClr val="bg1">
+                <a:lumMod val="95000"/>
+              </a:schemeClr>
+            </a:solidFill>
+            <a:ln>
+              <a:solidFill>
+                <a:schemeClr val="bg1">
+                  <a:lumMod val="65000"/>
+                </a:schemeClr>
+              </a:solidFill>
+            </a:ln>
+          </p:spPr>
+          <p:style>
+            <a:lnRef idx="2">
+              <a:schemeClr val="accent1">
+                <a:shade val="50000"/>
+              </a:schemeClr>
+            </a:lnRef>
+            <a:fillRef idx="1">
+              <a:schemeClr val="accent1"/>
+            </a:fillRef>
+            <a:effectRef idx="0">
+              <a:schemeClr val="accent1"/>
+            </a:effectRef>
+            <a:fontRef idx="minor">
+              <a:schemeClr val="lt1"/>
+            </a:fontRef>
+          </p:style>
+          <p:txBody>
+            <a:bodyPr rtlCol="0" anchor="ctr"/>
+            <a:lstStyle/>
+            <a:p>
+              <a:pPr algn="ctr"/>
+              <a:endParaRPr lang="en-US"/>
+            </a:p>
+          </p:txBody>
+        </p:sp>
+        <p:grpSp>
+          <p:nvGrpSpPr>
+            <p:cNvPr id="8" name="Group 7">
+              <a:extLst>
+                <a:ext uri="{FF2B5EF4-FFF2-40B4-BE49-F238E27FC236}">
+                  <a16:creationId xmlns:a16="http://schemas.microsoft.com/office/drawing/2014/main" id="{A4A6EB16-D821-4DAC-A9FF-AA58F5DBC630}"/>
+                </a:ext>
+              </a:extLst>
+            </p:cNvPr>
+            <p:cNvGrpSpPr/>
+            <p:nvPr/>
+          </p:nvGrpSpPr>
+          <p:grpSpPr>
+            <a:xfrm>
+              <a:off x="9164782" y="5441950"/>
+              <a:ext cx="2713503" cy="914400"/>
+              <a:chOff x="9164782" y="5441950"/>
+              <a:chExt cx="2713503" cy="914400"/>
+            </a:xfrm>
+          </p:grpSpPr>
+          <p:pic>
+            <p:nvPicPr>
+              <p:cNvPr id="9" name="Graphic 8" descr="Stopwatch">
+                <a:extLst>
+                  <a:ext uri="{FF2B5EF4-FFF2-40B4-BE49-F238E27FC236}">
+                    <a16:creationId xmlns:a16="http://schemas.microsoft.com/office/drawing/2014/main" id="{24CECBF4-DBA7-4394-9513-7BB5B3233185}"/>
+                  </a:ext>
+                </a:extLst>
+              </p:cNvPr>
+              <p:cNvPicPr>
+                <a:picLocks noChangeAspect="1"/>
+              </p:cNvPicPr>
+              <p:nvPr/>
+            </p:nvPicPr>
+            <p:blipFill>
+              <a:blip r:embed="rId2">
+                <a:extLst>
+                  <a:ext uri="{28A0092B-C50C-407E-A947-70E740481C1C}">
+                    <a14:useLocalDpi xmlns:a14="http://schemas.microsoft.com/office/drawing/2010/main" val="0"/>
+                  </a:ext>
+                  <a:ext uri="{96DAC541-7B7A-43D3-8B79-37D633B846F1}">
+                    <asvg:svgBlip xmlns:asvg="http://schemas.microsoft.com/office/drawing/2016/SVG/main" r:embed="rId3"/>
+                  </a:ext>
+                </a:extLst>
+              </a:blip>
+              <a:stretch>
+                <a:fillRect/>
+              </a:stretch>
+            </p:blipFill>
+            <p:spPr>
+              <a:xfrm>
+                <a:off x="9164782" y="5441950"/>
+                <a:ext cx="914400" cy="914400"/>
+              </a:xfrm>
+              <a:prstGeom prst="rect">
+                <a:avLst/>
+              </a:prstGeom>
+            </p:spPr>
+          </p:pic>
+          <p:sp>
+            <p:nvSpPr>
+              <p:cNvPr id="10" name="TextBox 9">
+                <a:extLst>
+                  <a:ext uri="{FF2B5EF4-FFF2-40B4-BE49-F238E27FC236}">
+                    <a16:creationId xmlns:a16="http://schemas.microsoft.com/office/drawing/2014/main" id="{0CC0C595-DB1A-4D82-94E4-6E728952A838}"/>
+                  </a:ext>
+                </a:extLst>
+              </p:cNvPr>
+              <p:cNvSpPr txBox="1"/>
+              <p:nvPr/>
+            </p:nvSpPr>
+            <p:spPr>
+              <a:xfrm>
+                <a:off x="9958853" y="5586909"/>
+                <a:ext cx="1919432" cy="769441"/>
+              </a:xfrm>
+              <a:prstGeom prst="rect">
+                <a:avLst/>
+              </a:prstGeom>
+              <a:noFill/>
+            </p:spPr>
+            <p:txBody>
+              <a:bodyPr wrap="square" rtlCol="0">
+                <a:spAutoFit/>
+              </a:bodyPr>
+              <a:lstStyle/>
+              <a:p>
+                <a:r>
+                  <a:rPr lang="en-US" sz="4400" dirty="0">
+                    <a:latin typeface="Fira Code" panose="020B0809050000020004" pitchFamily="49" charset="0"/>
+                    <a:ea typeface="Fira Code" panose="020B0809050000020004" pitchFamily="49" charset="0"/>
+                    <a:cs typeface="Fira Code" panose="020B0809050000020004" pitchFamily="49" charset="0"/>
+                  </a:rPr>
+                  <a:t>05:00</a:t>
+                </a:r>
+              </a:p>
+            </p:txBody>
+          </p:sp>
+        </p:grpSp>
+      </p:grpSp>
     </p:spTree>
     <p:extLst>
       <p:ext uri="{BB962C8B-B14F-4D97-AF65-F5344CB8AC3E}">
@@ -7782,7 +7961,7 @@
                 <a:ea typeface="Fira Code" panose="020B0809050000020004" pitchFamily="49" charset="0"/>
                 <a:cs typeface="Fira Code" panose="020B0809050000020004" pitchFamily="49" charset="0"/>
               </a:rPr>
-              <a:t>))</a:t>
+              <a:t>)</a:t>
             </a:r>
           </a:p>
         </p:txBody>
@@ -8369,7 +8548,7 @@
                 <a:ea typeface="Fira Code" panose="020B0809050000020004" pitchFamily="49" charset="0"/>
                 <a:cs typeface="Fira Code" panose="020B0809050000020004" pitchFamily="49" charset="0"/>
               </a:rPr>
-              <a:t>))</a:t>
+              <a:t>)</a:t>
             </a:r>
             <a:endParaRPr lang="en-US" dirty="0"/>
           </a:p>
@@ -8751,7 +8930,7 @@
                 <a:ea typeface="Fira Code" panose="020B0809050000020004" pitchFamily="49" charset="0"/>
                 <a:cs typeface="Fira Code" panose="020B0809050000020004" pitchFamily="49" charset="0"/>
               </a:rPr>
-              <a:t>), color = “blue”))</a:t>
+              <a:t>), color = “blue”)</a:t>
             </a:r>
             <a:endParaRPr lang="en-US" sz="2400" dirty="0"/>
           </a:p>
@@ -9290,27 +9469,43 @@
             <p:ph idx="1"/>
           </p:nvPr>
         </p:nvSpPr>
-        <p:spPr/>
-        <p:txBody>
-          <a:bodyPr/>
-          <a:lstStyle/>
-          <a:p>
-            <a:r>
-              <a:rPr lang="en-US" dirty="0"/>
+        <p:spPr>
+          <a:xfrm>
+            <a:off x="838200" y="1870075"/>
+            <a:ext cx="7772400" cy="4306888"/>
+          </a:xfrm>
+        </p:spPr>
+        <p:txBody>
+          <a:bodyPr>
+            <a:normAutofit/>
+          </a:bodyPr>
+          <a:lstStyle/>
+          <a:p>
+            <a:pPr marL="0" indent="0">
+              <a:buNone/>
+            </a:pPr>
+            <a:r>
+              <a:rPr lang="en-US" sz="3200" dirty="0"/>
               <a:t>One of the earliest packages in the </a:t>
             </a:r>
             <a:r>
-              <a:rPr lang="en-US" dirty="0" err="1"/>
+              <a:rPr lang="en-US" sz="3200" dirty="0" err="1"/>
               <a:t>tidyverse</a:t>
             </a:r>
-            <a:endParaRPr lang="en-US" dirty="0"/>
-          </a:p>
-          <a:p>
-            <a:endParaRPr lang="en-US" dirty="0"/>
-          </a:p>
-          <a:p>
-            <a:r>
-              <a:rPr lang="en-US" dirty="0"/>
+            <a:endParaRPr lang="en-US" sz="3200" dirty="0"/>
+          </a:p>
+          <a:p>
+            <a:pPr marL="0" indent="0">
+              <a:buNone/>
+            </a:pPr>
+            <a:endParaRPr lang="en-US" sz="3200" dirty="0"/>
+          </a:p>
+          <a:p>
+            <a:pPr marL="0" indent="0">
+              <a:buNone/>
+            </a:pPr>
+            <a:r>
+              <a:rPr lang="en-US" sz="3200" dirty="0"/>
               <a:t>Implements the “grammar of graphics”</a:t>
             </a:r>
           </a:p>
@@ -9338,7 +9533,7 @@
         </p:blipFill>
         <p:spPr>
           <a:xfrm>
-            <a:off x="8186076" y="1825625"/>
+            <a:off x="8271801" y="1897327"/>
             <a:ext cx="3081999" cy="3531091"/>
           </a:xfrm>
           <a:prstGeom prst="rect">
@@ -9368,7 +9563,7 @@
         </p:blipFill>
         <p:spPr>
           <a:xfrm>
-            <a:off x="618199" y="5473805"/>
+            <a:off x="584332" y="5338868"/>
             <a:ext cx="2552381" cy="838095"/>
           </a:xfrm>
           <a:prstGeom prst="rect">
@@ -11161,31 +11356,19 @@
             </a:r>
             <a:r>
               <a:rPr lang="en-US" dirty="0"/>
-              <a:t> as a scatterplot and facet by station (</a:t>
-            </a:r>
-            <a:r>
-              <a:rPr lang="en-US" dirty="0" err="1">
-                <a:latin typeface="Fira Code" panose="020B0809050000020004" pitchFamily="49" charset="0"/>
-                <a:ea typeface="Fira Code" panose="020B0809050000020004" pitchFamily="49" charset="0"/>
-                <a:cs typeface="Fira Code" panose="020B0809050000020004" pitchFamily="49" charset="0"/>
-              </a:rPr>
-              <a:t>station_code</a:t>
+              <a:t> as a scatterplot and facet by </a:t>
+            </a:r>
+            <a:r>
+              <a:rPr lang="en-US" dirty="0">
+                <a:latin typeface="Fira Code" panose="020B0809050000020004" pitchFamily="49" charset="0"/>
+                <a:ea typeface="Fira Code" panose="020B0809050000020004" pitchFamily="49" charset="0"/>
+                <a:cs typeface="Fira Code" panose="020B0809050000020004" pitchFamily="49" charset="0"/>
+              </a:rPr>
+              <a:t>state</a:t>
             </a:r>
             <a:r>
               <a:rPr lang="en-US" dirty="0"/>
-              <a:t>), </a:t>
-            </a:r>
-            <a:r>
-              <a:rPr lang="en-US" dirty="0">
-                <a:latin typeface="Fira Code" panose="020B0809050000020004" pitchFamily="49" charset="0"/>
-                <a:ea typeface="Fira Code" panose="020B0809050000020004" pitchFamily="49" charset="0"/>
-                <a:cs typeface="Fira Code" panose="020B0809050000020004" pitchFamily="49" charset="0"/>
-              </a:rPr>
-              <a:t>state</a:t>
-            </a:r>
-            <a:r>
-              <a:rPr lang="en-US" dirty="0"/>
-              <a:t>, and </a:t>
+              <a:t> and </a:t>
             </a:r>
             <a:r>
               <a:rPr lang="en-US" dirty="0">
@@ -11204,12 +11387,23 @@
             <a:pPr marL="0" indent="0">
               <a:buNone/>
             </a:pPr>
+            <a:endParaRPr lang="en-US" dirty="0"/>
+          </a:p>
+          <a:p>
+            <a:pPr marL="0" indent="0">
+              <a:buNone/>
+            </a:pPr>
             <a:r>
               <a:rPr lang="en-US" dirty="0"/>
               <a:t>Play around with </a:t>
             </a:r>
             <a:r>
               <a:rPr lang="en-US" dirty="0" err="1">
+                <a:solidFill>
+                  <a:schemeClr val="accent6">
+                    <a:lumMod val="75000"/>
+                  </a:schemeClr>
+                </a:solidFill>
                 <a:latin typeface="Fira Code" panose="020B0809050000020004" pitchFamily="49" charset="0"/>
                 <a:ea typeface="Fira Code" panose="020B0809050000020004" pitchFamily="49" charset="0"/>
                 <a:cs typeface="Fira Code" panose="020B0809050000020004" pitchFamily="49" charset="0"/>
@@ -11230,6 +11424,11 @@
             </a:r>
             <a:r>
               <a:rPr lang="en-US" dirty="0" err="1">
+                <a:solidFill>
+                  <a:schemeClr val="accent6">
+                    <a:lumMod val="75000"/>
+                  </a:schemeClr>
+                </a:solidFill>
                 <a:latin typeface="Fira Code" panose="020B0809050000020004" pitchFamily="49" charset="0"/>
                 <a:ea typeface="Fira Code" panose="020B0809050000020004" pitchFamily="49" charset="0"/>
                 <a:cs typeface="Fira Code" panose="020B0809050000020004" pitchFamily="49" charset="0"/>
@@ -11358,10 +11557,188 @@
               <a:rPr lang="en-US" smtClean="0"/>
               <a:t>24</a:t>
             </a:fld>
-            <a:endParaRPr lang="en-US"/>
-          </a:p>
-        </p:txBody>
-      </p:sp>
+            <a:endParaRPr lang="en-US" dirty="0"/>
+          </a:p>
+        </p:txBody>
+      </p:sp>
+      <p:grpSp>
+        <p:nvGrpSpPr>
+          <p:cNvPr id="6" name="Group 5">
+            <a:extLst>
+              <a:ext uri="{FF2B5EF4-FFF2-40B4-BE49-F238E27FC236}">
+                <a16:creationId xmlns:a16="http://schemas.microsoft.com/office/drawing/2014/main" id="{7F12A382-4121-44EA-96F6-D5F338AB31F5}"/>
+              </a:ext>
+            </a:extLst>
+          </p:cNvPr>
+          <p:cNvGrpSpPr/>
+          <p:nvPr/>
+        </p:nvGrpSpPr>
+        <p:grpSpPr>
+          <a:xfrm>
+            <a:off x="9064978" y="5441950"/>
+            <a:ext cx="2813307" cy="914400"/>
+            <a:chOff x="9064978" y="5441950"/>
+            <a:chExt cx="2813307" cy="914400"/>
+          </a:xfrm>
+        </p:grpSpPr>
+        <p:sp>
+          <p:nvSpPr>
+            <p:cNvPr id="7" name="Rectangle 6">
+              <a:extLst>
+                <a:ext uri="{FF2B5EF4-FFF2-40B4-BE49-F238E27FC236}">
+                  <a16:creationId xmlns:a16="http://schemas.microsoft.com/office/drawing/2014/main" id="{A23C77D4-F857-4F59-81A1-18B57763E884}"/>
+                </a:ext>
+              </a:extLst>
+            </p:cNvPr>
+            <p:cNvSpPr/>
+            <p:nvPr/>
+          </p:nvSpPr>
+          <p:spPr>
+            <a:xfrm>
+              <a:off x="9064978" y="5441950"/>
+              <a:ext cx="2813307" cy="914400"/>
+            </a:xfrm>
+            <a:prstGeom prst="rect">
+              <a:avLst/>
+            </a:prstGeom>
+            <a:solidFill>
+              <a:schemeClr val="bg1">
+                <a:lumMod val="95000"/>
+              </a:schemeClr>
+            </a:solidFill>
+            <a:ln>
+              <a:solidFill>
+                <a:schemeClr val="bg1">
+                  <a:lumMod val="65000"/>
+                </a:schemeClr>
+              </a:solidFill>
+            </a:ln>
+          </p:spPr>
+          <p:style>
+            <a:lnRef idx="2">
+              <a:schemeClr val="accent1">
+                <a:shade val="50000"/>
+              </a:schemeClr>
+            </a:lnRef>
+            <a:fillRef idx="1">
+              <a:schemeClr val="accent1"/>
+            </a:fillRef>
+            <a:effectRef idx="0">
+              <a:schemeClr val="accent1"/>
+            </a:effectRef>
+            <a:fontRef idx="minor">
+              <a:schemeClr val="lt1"/>
+            </a:fontRef>
+          </p:style>
+          <p:txBody>
+            <a:bodyPr rtlCol="0" anchor="ctr"/>
+            <a:lstStyle/>
+            <a:p>
+              <a:pPr algn="ctr"/>
+              <a:endParaRPr lang="en-US"/>
+            </a:p>
+          </p:txBody>
+        </p:sp>
+        <p:grpSp>
+          <p:nvGrpSpPr>
+            <p:cNvPr id="8" name="Group 7">
+              <a:extLst>
+                <a:ext uri="{FF2B5EF4-FFF2-40B4-BE49-F238E27FC236}">
+                  <a16:creationId xmlns:a16="http://schemas.microsoft.com/office/drawing/2014/main" id="{5A84A2CB-B70D-4570-BC5F-CC64A204C997}"/>
+                </a:ext>
+              </a:extLst>
+            </p:cNvPr>
+            <p:cNvGrpSpPr/>
+            <p:nvPr/>
+          </p:nvGrpSpPr>
+          <p:grpSpPr>
+            <a:xfrm>
+              <a:off x="9164782" y="5441950"/>
+              <a:ext cx="2713503" cy="914400"/>
+              <a:chOff x="9164782" y="5441950"/>
+              <a:chExt cx="2713503" cy="914400"/>
+            </a:xfrm>
+          </p:grpSpPr>
+          <p:pic>
+            <p:nvPicPr>
+              <p:cNvPr id="9" name="Graphic 8" descr="Stopwatch">
+                <a:extLst>
+                  <a:ext uri="{FF2B5EF4-FFF2-40B4-BE49-F238E27FC236}">
+                    <a16:creationId xmlns:a16="http://schemas.microsoft.com/office/drawing/2014/main" id="{96E9BC65-6FAD-4F29-8B38-408D98AD3FEB}"/>
+                  </a:ext>
+                </a:extLst>
+              </p:cNvPr>
+              <p:cNvPicPr>
+                <a:picLocks noChangeAspect="1"/>
+              </p:cNvPicPr>
+              <p:nvPr/>
+            </p:nvPicPr>
+            <p:blipFill>
+              <a:blip r:embed="rId2">
+                <a:extLst>
+                  <a:ext uri="{28A0092B-C50C-407E-A947-70E740481C1C}">
+                    <a14:useLocalDpi xmlns:a14="http://schemas.microsoft.com/office/drawing/2010/main" val="0"/>
+                  </a:ext>
+                  <a:ext uri="{96DAC541-7B7A-43D3-8B79-37D633B846F1}">
+                    <asvg:svgBlip xmlns:asvg="http://schemas.microsoft.com/office/drawing/2016/SVG/main" r:embed="rId3"/>
+                  </a:ext>
+                </a:extLst>
+              </a:blip>
+              <a:stretch>
+                <a:fillRect/>
+              </a:stretch>
+            </p:blipFill>
+            <p:spPr>
+              <a:xfrm>
+                <a:off x="9164782" y="5441950"/>
+                <a:ext cx="914400" cy="914400"/>
+              </a:xfrm>
+              <a:prstGeom prst="rect">
+                <a:avLst/>
+              </a:prstGeom>
+            </p:spPr>
+          </p:pic>
+          <p:sp>
+            <p:nvSpPr>
+              <p:cNvPr id="10" name="TextBox 9">
+                <a:extLst>
+                  <a:ext uri="{FF2B5EF4-FFF2-40B4-BE49-F238E27FC236}">
+                    <a16:creationId xmlns:a16="http://schemas.microsoft.com/office/drawing/2014/main" id="{31229579-6799-4A5A-BE85-DC1F7C332C41}"/>
+                  </a:ext>
+                </a:extLst>
+              </p:cNvPr>
+              <p:cNvSpPr txBox="1"/>
+              <p:nvPr/>
+            </p:nvSpPr>
+            <p:spPr>
+              <a:xfrm>
+                <a:off x="9958853" y="5586909"/>
+                <a:ext cx="1919432" cy="769441"/>
+              </a:xfrm>
+              <a:prstGeom prst="rect">
+                <a:avLst/>
+              </a:prstGeom>
+              <a:noFill/>
+            </p:spPr>
+            <p:txBody>
+              <a:bodyPr wrap="square" rtlCol="0">
+                <a:spAutoFit/>
+              </a:bodyPr>
+              <a:lstStyle/>
+              <a:p>
+                <a:r>
+                  <a:rPr lang="en-US" sz="4400" dirty="0">
+                    <a:latin typeface="Fira Code" panose="020B0809050000020004" pitchFamily="49" charset="0"/>
+                    <a:ea typeface="Fira Code" panose="020B0809050000020004" pitchFamily="49" charset="0"/>
+                    <a:cs typeface="Fira Code" panose="020B0809050000020004" pitchFamily="49" charset="0"/>
+                  </a:rPr>
+                  <a:t>05:00</a:t>
+                </a:r>
+              </a:p>
+            </p:txBody>
+          </p:sp>
+        </p:grpSp>
+      </p:grpSp>
     </p:spTree>
     <p:extLst>
       <p:ext uri="{BB962C8B-B14F-4D97-AF65-F5344CB8AC3E}">
@@ -12264,6 +12641,63 @@
           </a:prstGeom>
         </p:spPr>
       </p:pic>
+      <p:sp>
+        <p:nvSpPr>
+          <p:cNvPr id="3" name="Rectangle: Rounded Corners 2">
+            <a:extLst>
+              <a:ext uri="{FF2B5EF4-FFF2-40B4-BE49-F238E27FC236}">
+                <a16:creationId xmlns:a16="http://schemas.microsoft.com/office/drawing/2014/main" id="{7E6DD3ED-407F-4286-B13F-CF54A70CFB2B}"/>
+              </a:ext>
+            </a:extLst>
+          </p:cNvPr>
+          <p:cNvSpPr/>
+          <p:nvPr/>
+        </p:nvSpPr>
+        <p:spPr>
+          <a:xfrm>
+            <a:off x="476791" y="5339644"/>
+            <a:ext cx="2334142" cy="1230488"/>
+          </a:xfrm>
+          <a:prstGeom prst="roundRect">
+            <a:avLst/>
+          </a:prstGeom>
+        </p:spPr>
+        <p:style>
+          <a:lnRef idx="2">
+            <a:schemeClr val="accent3">
+              <a:shade val="50000"/>
+            </a:schemeClr>
+          </a:lnRef>
+          <a:fillRef idx="1">
+            <a:schemeClr val="accent3"/>
+          </a:fillRef>
+          <a:effectRef idx="0">
+            <a:schemeClr val="accent3"/>
+          </a:effectRef>
+          <a:fontRef idx="minor">
+            <a:schemeClr val="lt1"/>
+          </a:fontRef>
+        </p:style>
+        <p:txBody>
+          <a:bodyPr rtlCol="0" anchor="ctr"/>
+          <a:lstStyle/>
+          <a:p>
+            <a:pPr algn="ctr"/>
+            <a:r>
+              <a:rPr lang="en-US" dirty="0"/>
+              <a:t>You can also find the supported aesthetics by visiting the ?help for each </a:t>
+            </a:r>
+            <a:r>
+              <a:rPr lang="en-US" dirty="0" err="1"/>
+              <a:t>geom</a:t>
+            </a:r>
+            <a:r>
+              <a:rPr lang="en-US" dirty="0"/>
+              <a:t>!</a:t>
+            </a:r>
+          </a:p>
+        </p:txBody>
+      </p:sp>
     </p:spTree>
     <p:extLst>
       <p:ext uri="{BB962C8B-B14F-4D97-AF65-F5344CB8AC3E}">
@@ -12274,6 +12708,84 @@
   <p:clrMapOvr>
     <a:masterClrMapping/>
   </p:clrMapOvr>
+  <p:timing>
+    <p:tnLst>
+      <p:par>
+        <p:cTn id="1" dur="indefinite" restart="never" nodeType="tmRoot">
+          <p:childTnLst>
+            <p:seq concurrent="1" nextAc="seek">
+              <p:cTn id="2" dur="indefinite" nodeType="mainSeq">
+                <p:childTnLst>
+                  <p:par>
+                    <p:cTn id="3" fill="hold">
+                      <p:stCondLst>
+                        <p:cond delay="indefinite"/>
+                      </p:stCondLst>
+                      <p:childTnLst>
+                        <p:par>
+                          <p:cTn id="4" fill="hold">
+                            <p:stCondLst>
+                              <p:cond delay="0"/>
+                            </p:stCondLst>
+                            <p:childTnLst>
+                              <p:par>
+                                <p:cTn id="5" presetID="1" presetClass="entr" presetSubtype="0" fill="hold" grpId="0" nodeType="clickEffect">
+                                  <p:stCondLst>
+                                    <p:cond delay="0"/>
+                                  </p:stCondLst>
+                                  <p:childTnLst>
+                                    <p:set>
+                                      <p:cBhvr>
+                                        <p:cTn id="6" dur="1" fill="hold">
+                                          <p:stCondLst>
+                                            <p:cond delay="0"/>
+                                          </p:stCondLst>
+                                        </p:cTn>
+                                        <p:tgtEl>
+                                          <p:spTgt spid="3"/>
+                                        </p:tgtEl>
+                                        <p:attrNameLst>
+                                          <p:attrName>style.visibility</p:attrName>
+                                        </p:attrNameLst>
+                                      </p:cBhvr>
+                                      <p:to>
+                                        <p:strVal val="visible"/>
+                                      </p:to>
+                                    </p:set>
+                                  </p:childTnLst>
+                                </p:cTn>
+                              </p:par>
+                            </p:childTnLst>
+                          </p:cTn>
+                        </p:par>
+                      </p:childTnLst>
+                    </p:cTn>
+                  </p:par>
+                </p:childTnLst>
+              </p:cTn>
+              <p:prevCondLst>
+                <p:cond evt="onPrev" delay="0">
+                  <p:tgtEl>
+                    <p:sldTgt/>
+                  </p:tgtEl>
+                </p:cond>
+              </p:prevCondLst>
+              <p:nextCondLst>
+                <p:cond evt="onNext" delay="0">
+                  <p:tgtEl>
+                    <p:sldTgt/>
+                  </p:tgtEl>
+                </p:cond>
+              </p:nextCondLst>
+            </p:seq>
+          </p:childTnLst>
+        </p:cTn>
+      </p:par>
+    </p:tnLst>
+    <p:bldLst>
+      <p:bldP spid="3" grpId="0" animBg="1"/>
+    </p:bldLst>
+  </p:timing>
 </p:sld>
 </file>
 
@@ -12470,8 +12982,8 @@
         </p:blipFill>
         <p:spPr bwMode="auto">
           <a:xfrm>
-            <a:off x="2541009" y="2336784"/>
-            <a:ext cx="7109982" cy="4384691"/>
+            <a:off x="1500618" y="2463057"/>
+            <a:ext cx="7109982" cy="3556016"/>
           </a:xfrm>
           <a:prstGeom prst="rect">
             <a:avLst/>
@@ -12488,6 +13000,184 @@
           </a:extLst>
         </p:spPr>
       </p:pic>
+      <p:grpSp>
+        <p:nvGrpSpPr>
+          <p:cNvPr id="7" name="Group 6">
+            <a:extLst>
+              <a:ext uri="{FF2B5EF4-FFF2-40B4-BE49-F238E27FC236}">
+                <a16:creationId xmlns:a16="http://schemas.microsoft.com/office/drawing/2014/main" id="{C6161DB8-BD2E-41A0-B7A3-9AC2428F1960}"/>
+              </a:ext>
+            </a:extLst>
+          </p:cNvPr>
+          <p:cNvGrpSpPr/>
+          <p:nvPr/>
+        </p:nvGrpSpPr>
+        <p:grpSpPr>
+          <a:xfrm>
+            <a:off x="9064978" y="5441950"/>
+            <a:ext cx="2813307" cy="914400"/>
+            <a:chOff x="9064978" y="5441950"/>
+            <a:chExt cx="2813307" cy="914400"/>
+          </a:xfrm>
+        </p:grpSpPr>
+        <p:sp>
+          <p:nvSpPr>
+            <p:cNvPr id="8" name="Rectangle 7">
+              <a:extLst>
+                <a:ext uri="{FF2B5EF4-FFF2-40B4-BE49-F238E27FC236}">
+                  <a16:creationId xmlns:a16="http://schemas.microsoft.com/office/drawing/2014/main" id="{81EEBD4F-FFBC-4A9E-A031-288C8A12070C}"/>
+                </a:ext>
+              </a:extLst>
+            </p:cNvPr>
+            <p:cNvSpPr/>
+            <p:nvPr/>
+          </p:nvSpPr>
+          <p:spPr>
+            <a:xfrm>
+              <a:off x="9064978" y="5441950"/>
+              <a:ext cx="2813307" cy="914400"/>
+            </a:xfrm>
+            <a:prstGeom prst="rect">
+              <a:avLst/>
+            </a:prstGeom>
+            <a:solidFill>
+              <a:schemeClr val="bg1">
+                <a:lumMod val="95000"/>
+              </a:schemeClr>
+            </a:solidFill>
+            <a:ln>
+              <a:solidFill>
+                <a:schemeClr val="bg1">
+                  <a:lumMod val="65000"/>
+                </a:schemeClr>
+              </a:solidFill>
+            </a:ln>
+          </p:spPr>
+          <p:style>
+            <a:lnRef idx="2">
+              <a:schemeClr val="accent1">
+                <a:shade val="50000"/>
+              </a:schemeClr>
+            </a:lnRef>
+            <a:fillRef idx="1">
+              <a:schemeClr val="accent1"/>
+            </a:fillRef>
+            <a:effectRef idx="0">
+              <a:schemeClr val="accent1"/>
+            </a:effectRef>
+            <a:fontRef idx="minor">
+              <a:schemeClr val="lt1"/>
+            </a:fontRef>
+          </p:style>
+          <p:txBody>
+            <a:bodyPr rtlCol="0" anchor="ctr"/>
+            <a:lstStyle/>
+            <a:p>
+              <a:pPr algn="ctr"/>
+              <a:endParaRPr lang="en-US"/>
+            </a:p>
+          </p:txBody>
+        </p:sp>
+        <p:grpSp>
+          <p:nvGrpSpPr>
+            <p:cNvPr id="9" name="Group 8">
+              <a:extLst>
+                <a:ext uri="{FF2B5EF4-FFF2-40B4-BE49-F238E27FC236}">
+                  <a16:creationId xmlns:a16="http://schemas.microsoft.com/office/drawing/2014/main" id="{44735586-7E64-487F-A9BE-1693AC98FD68}"/>
+                </a:ext>
+              </a:extLst>
+            </p:cNvPr>
+            <p:cNvGrpSpPr/>
+            <p:nvPr/>
+          </p:nvGrpSpPr>
+          <p:grpSpPr>
+            <a:xfrm>
+              <a:off x="9164782" y="5441950"/>
+              <a:ext cx="2713503" cy="914400"/>
+              <a:chOff x="9164782" y="5441950"/>
+              <a:chExt cx="2713503" cy="914400"/>
+            </a:xfrm>
+          </p:grpSpPr>
+          <p:pic>
+            <p:nvPicPr>
+              <p:cNvPr id="10" name="Graphic 9" descr="Stopwatch">
+                <a:extLst>
+                  <a:ext uri="{FF2B5EF4-FFF2-40B4-BE49-F238E27FC236}">
+                    <a16:creationId xmlns:a16="http://schemas.microsoft.com/office/drawing/2014/main" id="{3EDBE068-11A6-4E08-8C6B-ACF01529FD87}"/>
+                  </a:ext>
+                </a:extLst>
+              </p:cNvPr>
+              <p:cNvPicPr>
+                <a:picLocks noChangeAspect="1"/>
+              </p:cNvPicPr>
+              <p:nvPr/>
+            </p:nvPicPr>
+            <p:blipFill>
+              <a:blip r:embed="rId3">
+                <a:extLst>
+                  <a:ext uri="{28A0092B-C50C-407E-A947-70E740481C1C}">
+                    <a14:useLocalDpi xmlns:a14="http://schemas.microsoft.com/office/drawing/2010/main" val="0"/>
+                  </a:ext>
+                  <a:ext uri="{96DAC541-7B7A-43D3-8B79-37D633B846F1}">
+                    <asvg:svgBlip xmlns:asvg="http://schemas.microsoft.com/office/drawing/2016/SVG/main" r:embed="rId4"/>
+                  </a:ext>
+                </a:extLst>
+              </a:blip>
+              <a:stretch>
+                <a:fillRect/>
+              </a:stretch>
+            </p:blipFill>
+            <p:spPr>
+              <a:xfrm>
+                <a:off x="9164782" y="5441950"/>
+                <a:ext cx="914400" cy="914400"/>
+              </a:xfrm>
+              <a:prstGeom prst="rect">
+                <a:avLst/>
+              </a:prstGeom>
+            </p:spPr>
+          </p:pic>
+          <p:sp>
+            <p:nvSpPr>
+              <p:cNvPr id="11" name="TextBox 10">
+                <a:extLst>
+                  <a:ext uri="{FF2B5EF4-FFF2-40B4-BE49-F238E27FC236}">
+                    <a16:creationId xmlns:a16="http://schemas.microsoft.com/office/drawing/2014/main" id="{64F8C129-48A4-471A-AA04-3B3F384710E3}"/>
+                  </a:ext>
+                </a:extLst>
+              </p:cNvPr>
+              <p:cNvSpPr txBox="1"/>
+              <p:nvPr/>
+            </p:nvSpPr>
+            <p:spPr>
+              <a:xfrm>
+                <a:off x="9958853" y="5586909"/>
+                <a:ext cx="1919432" cy="769441"/>
+              </a:xfrm>
+              <a:prstGeom prst="rect">
+                <a:avLst/>
+              </a:prstGeom>
+              <a:noFill/>
+            </p:spPr>
+            <p:txBody>
+              <a:bodyPr wrap="square" rtlCol="0">
+                <a:spAutoFit/>
+              </a:bodyPr>
+              <a:lstStyle/>
+              <a:p>
+                <a:r>
+                  <a:rPr lang="en-US" sz="4400" dirty="0">
+                    <a:latin typeface="Fira Code" panose="020B0809050000020004" pitchFamily="49" charset="0"/>
+                    <a:ea typeface="Fira Code" panose="020B0809050000020004" pitchFamily="49" charset="0"/>
+                    <a:cs typeface="Fira Code" panose="020B0809050000020004" pitchFamily="49" charset="0"/>
+                  </a:rPr>
+                  <a:t>02:00</a:t>
+                </a:r>
+              </a:p>
+            </p:txBody>
+          </p:sp>
+        </p:grpSp>
+      </p:grpSp>
     </p:spTree>
     <p:extLst>
       <p:ext uri="{BB962C8B-B14F-4D97-AF65-F5344CB8AC3E}">
@@ -13309,6 +13999,11 @@
             </a:r>
             <a:r>
               <a:rPr lang="en-US" dirty="0">
+                <a:solidFill>
+                  <a:schemeClr val="accent6">
+                    <a:lumMod val="75000"/>
+                  </a:schemeClr>
+                </a:solidFill>
                 <a:latin typeface="Fira Code" panose="020B0809050000020004" pitchFamily="49" charset="0"/>
                 <a:ea typeface="Fira Code" panose="020B0809050000020004" pitchFamily="49" charset="0"/>
                 <a:cs typeface="Fira Code" panose="020B0809050000020004" pitchFamily="49" charset="0"/>
@@ -13348,6 +14043,11 @@
             </a:r>
             <a:r>
               <a:rPr lang="en-US" dirty="0">
+                <a:solidFill>
+                  <a:schemeClr val="accent6">
+                    <a:lumMod val="75000"/>
+                  </a:schemeClr>
+                </a:solidFill>
                 <a:latin typeface="Fira Code" panose="020B0809050000020004" pitchFamily="49" charset="0"/>
                 <a:ea typeface="Fira Code" panose="020B0809050000020004" pitchFamily="49" charset="0"/>
                 <a:cs typeface="Fira Code" panose="020B0809050000020004" pitchFamily="49" charset="0"/>
@@ -13360,6 +14060,11 @@
             </a:r>
             <a:r>
               <a:rPr lang="en-US" dirty="0">
+                <a:solidFill>
+                  <a:schemeClr val="accent6">
+                    <a:lumMod val="75000"/>
+                  </a:schemeClr>
+                </a:solidFill>
                 <a:latin typeface="Fira Code" panose="020B0809050000020004" pitchFamily="49" charset="0"/>
                 <a:ea typeface="Fira Code" panose="020B0809050000020004" pitchFamily="49" charset="0"/>
                 <a:cs typeface="Fira Code" panose="020B0809050000020004" pitchFamily="49" charset="0"/>
@@ -13438,6 +14143,184 @@
           </a:p>
         </p:txBody>
       </p:sp>
+      <p:grpSp>
+        <p:nvGrpSpPr>
+          <p:cNvPr id="6" name="Group 5">
+            <a:extLst>
+              <a:ext uri="{FF2B5EF4-FFF2-40B4-BE49-F238E27FC236}">
+                <a16:creationId xmlns:a16="http://schemas.microsoft.com/office/drawing/2014/main" id="{C9B786A9-F381-4E0A-9CF5-E6DC92A325F3}"/>
+              </a:ext>
+            </a:extLst>
+          </p:cNvPr>
+          <p:cNvGrpSpPr/>
+          <p:nvPr/>
+        </p:nvGrpSpPr>
+        <p:grpSpPr>
+          <a:xfrm>
+            <a:off x="9064978" y="5441950"/>
+            <a:ext cx="2813307" cy="914400"/>
+            <a:chOff x="9064978" y="5441950"/>
+            <a:chExt cx="2813307" cy="914400"/>
+          </a:xfrm>
+        </p:grpSpPr>
+        <p:sp>
+          <p:nvSpPr>
+            <p:cNvPr id="7" name="Rectangle 6">
+              <a:extLst>
+                <a:ext uri="{FF2B5EF4-FFF2-40B4-BE49-F238E27FC236}">
+                  <a16:creationId xmlns:a16="http://schemas.microsoft.com/office/drawing/2014/main" id="{271DEBF4-432E-416A-B856-01423483E8C0}"/>
+                </a:ext>
+              </a:extLst>
+            </p:cNvPr>
+            <p:cNvSpPr/>
+            <p:nvPr/>
+          </p:nvSpPr>
+          <p:spPr>
+            <a:xfrm>
+              <a:off x="9064978" y="5441950"/>
+              <a:ext cx="2813307" cy="914400"/>
+            </a:xfrm>
+            <a:prstGeom prst="rect">
+              <a:avLst/>
+            </a:prstGeom>
+            <a:solidFill>
+              <a:schemeClr val="bg1">
+                <a:lumMod val="95000"/>
+              </a:schemeClr>
+            </a:solidFill>
+            <a:ln>
+              <a:solidFill>
+                <a:schemeClr val="bg1">
+                  <a:lumMod val="65000"/>
+                </a:schemeClr>
+              </a:solidFill>
+            </a:ln>
+          </p:spPr>
+          <p:style>
+            <a:lnRef idx="2">
+              <a:schemeClr val="accent1">
+                <a:shade val="50000"/>
+              </a:schemeClr>
+            </a:lnRef>
+            <a:fillRef idx="1">
+              <a:schemeClr val="accent1"/>
+            </a:fillRef>
+            <a:effectRef idx="0">
+              <a:schemeClr val="accent1"/>
+            </a:effectRef>
+            <a:fontRef idx="minor">
+              <a:schemeClr val="lt1"/>
+            </a:fontRef>
+          </p:style>
+          <p:txBody>
+            <a:bodyPr rtlCol="0" anchor="ctr"/>
+            <a:lstStyle/>
+            <a:p>
+              <a:pPr algn="ctr"/>
+              <a:endParaRPr lang="en-US"/>
+            </a:p>
+          </p:txBody>
+        </p:sp>
+        <p:grpSp>
+          <p:nvGrpSpPr>
+            <p:cNvPr id="8" name="Group 7">
+              <a:extLst>
+                <a:ext uri="{FF2B5EF4-FFF2-40B4-BE49-F238E27FC236}">
+                  <a16:creationId xmlns:a16="http://schemas.microsoft.com/office/drawing/2014/main" id="{E1996AC3-E755-432C-A39A-44CF6B465A07}"/>
+                </a:ext>
+              </a:extLst>
+            </p:cNvPr>
+            <p:cNvGrpSpPr/>
+            <p:nvPr/>
+          </p:nvGrpSpPr>
+          <p:grpSpPr>
+            <a:xfrm>
+              <a:off x="9164782" y="5441950"/>
+              <a:ext cx="2713503" cy="914400"/>
+              <a:chOff x="9164782" y="5441950"/>
+              <a:chExt cx="2713503" cy="914400"/>
+            </a:xfrm>
+          </p:grpSpPr>
+          <p:pic>
+            <p:nvPicPr>
+              <p:cNvPr id="9" name="Graphic 8" descr="Stopwatch">
+                <a:extLst>
+                  <a:ext uri="{FF2B5EF4-FFF2-40B4-BE49-F238E27FC236}">
+                    <a16:creationId xmlns:a16="http://schemas.microsoft.com/office/drawing/2014/main" id="{F8791A61-4727-4A0B-A2EA-7D00ACD17674}"/>
+                  </a:ext>
+                </a:extLst>
+              </p:cNvPr>
+              <p:cNvPicPr>
+                <a:picLocks noChangeAspect="1"/>
+              </p:cNvPicPr>
+              <p:nvPr/>
+            </p:nvPicPr>
+            <p:blipFill>
+              <a:blip r:embed="rId2">
+                <a:extLst>
+                  <a:ext uri="{28A0092B-C50C-407E-A947-70E740481C1C}">
+                    <a14:useLocalDpi xmlns:a14="http://schemas.microsoft.com/office/drawing/2010/main" val="0"/>
+                  </a:ext>
+                  <a:ext uri="{96DAC541-7B7A-43D3-8B79-37D633B846F1}">
+                    <asvg:svgBlip xmlns:asvg="http://schemas.microsoft.com/office/drawing/2016/SVG/main" r:embed="rId3"/>
+                  </a:ext>
+                </a:extLst>
+              </a:blip>
+              <a:stretch>
+                <a:fillRect/>
+              </a:stretch>
+            </p:blipFill>
+            <p:spPr>
+              <a:xfrm>
+                <a:off x="9164782" y="5441950"/>
+                <a:ext cx="914400" cy="914400"/>
+              </a:xfrm>
+              <a:prstGeom prst="rect">
+                <a:avLst/>
+              </a:prstGeom>
+            </p:spPr>
+          </p:pic>
+          <p:sp>
+            <p:nvSpPr>
+              <p:cNvPr id="10" name="TextBox 9">
+                <a:extLst>
+                  <a:ext uri="{FF2B5EF4-FFF2-40B4-BE49-F238E27FC236}">
+                    <a16:creationId xmlns:a16="http://schemas.microsoft.com/office/drawing/2014/main" id="{04F9E654-4C0D-4BF7-A32F-22A88A681866}"/>
+                  </a:ext>
+                </a:extLst>
+              </p:cNvPr>
+              <p:cNvSpPr txBox="1"/>
+              <p:nvPr/>
+            </p:nvSpPr>
+            <p:spPr>
+              <a:xfrm>
+                <a:off x="9958853" y="5586909"/>
+                <a:ext cx="1919432" cy="769441"/>
+              </a:xfrm>
+              <a:prstGeom prst="rect">
+                <a:avLst/>
+              </a:prstGeom>
+              <a:noFill/>
+            </p:spPr>
+            <p:txBody>
+              <a:bodyPr wrap="square" rtlCol="0">
+                <a:spAutoFit/>
+              </a:bodyPr>
+              <a:lstStyle/>
+              <a:p>
+                <a:r>
+                  <a:rPr lang="en-US" sz="4400" dirty="0">
+                    <a:latin typeface="Fira Code" panose="020B0809050000020004" pitchFamily="49" charset="0"/>
+                    <a:ea typeface="Fira Code" panose="020B0809050000020004" pitchFamily="49" charset="0"/>
+                    <a:cs typeface="Fira Code" panose="020B0809050000020004" pitchFamily="49" charset="0"/>
+                  </a:rPr>
+                  <a:t>02:00</a:t>
+                </a:r>
+              </a:p>
+            </p:txBody>
+          </p:sp>
+        </p:grpSp>
+      </p:grpSp>
     </p:spTree>
     <p:extLst>
       <p:ext uri="{BB962C8B-B14F-4D97-AF65-F5344CB8AC3E}">
@@ -16357,6 +17240,184 @@
           </a:p>
         </p:txBody>
       </p:sp>
+      <p:grpSp>
+        <p:nvGrpSpPr>
+          <p:cNvPr id="8" name="Group 7">
+            <a:extLst>
+              <a:ext uri="{FF2B5EF4-FFF2-40B4-BE49-F238E27FC236}">
+                <a16:creationId xmlns:a16="http://schemas.microsoft.com/office/drawing/2014/main" id="{71796719-A8D4-4CF2-8371-AFA984612225}"/>
+              </a:ext>
+            </a:extLst>
+          </p:cNvPr>
+          <p:cNvGrpSpPr/>
+          <p:nvPr/>
+        </p:nvGrpSpPr>
+        <p:grpSpPr>
+          <a:xfrm>
+            <a:off x="9064978" y="5441950"/>
+            <a:ext cx="2813307" cy="914400"/>
+            <a:chOff x="9064978" y="5441950"/>
+            <a:chExt cx="2813307" cy="914400"/>
+          </a:xfrm>
+        </p:grpSpPr>
+        <p:sp>
+          <p:nvSpPr>
+            <p:cNvPr id="9" name="Rectangle 8">
+              <a:extLst>
+                <a:ext uri="{FF2B5EF4-FFF2-40B4-BE49-F238E27FC236}">
+                  <a16:creationId xmlns:a16="http://schemas.microsoft.com/office/drawing/2014/main" id="{B1181044-1325-4723-AA67-ED82D5627BDB}"/>
+                </a:ext>
+              </a:extLst>
+            </p:cNvPr>
+            <p:cNvSpPr/>
+            <p:nvPr/>
+          </p:nvSpPr>
+          <p:spPr>
+            <a:xfrm>
+              <a:off x="9064978" y="5441950"/>
+              <a:ext cx="2813307" cy="914400"/>
+            </a:xfrm>
+            <a:prstGeom prst="rect">
+              <a:avLst/>
+            </a:prstGeom>
+            <a:solidFill>
+              <a:schemeClr val="bg1">
+                <a:lumMod val="95000"/>
+              </a:schemeClr>
+            </a:solidFill>
+            <a:ln>
+              <a:solidFill>
+                <a:schemeClr val="bg1">
+                  <a:lumMod val="65000"/>
+                </a:schemeClr>
+              </a:solidFill>
+            </a:ln>
+          </p:spPr>
+          <p:style>
+            <a:lnRef idx="2">
+              <a:schemeClr val="accent1">
+                <a:shade val="50000"/>
+              </a:schemeClr>
+            </a:lnRef>
+            <a:fillRef idx="1">
+              <a:schemeClr val="accent1"/>
+            </a:fillRef>
+            <a:effectRef idx="0">
+              <a:schemeClr val="accent1"/>
+            </a:effectRef>
+            <a:fontRef idx="minor">
+              <a:schemeClr val="lt1"/>
+            </a:fontRef>
+          </p:style>
+          <p:txBody>
+            <a:bodyPr rtlCol="0" anchor="ctr"/>
+            <a:lstStyle/>
+            <a:p>
+              <a:pPr algn="ctr"/>
+              <a:endParaRPr lang="en-US"/>
+            </a:p>
+          </p:txBody>
+        </p:sp>
+        <p:grpSp>
+          <p:nvGrpSpPr>
+            <p:cNvPr id="10" name="Group 9">
+              <a:extLst>
+                <a:ext uri="{FF2B5EF4-FFF2-40B4-BE49-F238E27FC236}">
+                  <a16:creationId xmlns:a16="http://schemas.microsoft.com/office/drawing/2014/main" id="{2C257FFA-4228-4864-987C-DC52BF348F14}"/>
+                </a:ext>
+              </a:extLst>
+            </p:cNvPr>
+            <p:cNvGrpSpPr/>
+            <p:nvPr/>
+          </p:nvGrpSpPr>
+          <p:grpSpPr>
+            <a:xfrm>
+              <a:off x="9164782" y="5441950"/>
+              <a:ext cx="2713503" cy="914400"/>
+              <a:chOff x="9164782" y="5441950"/>
+              <a:chExt cx="2713503" cy="914400"/>
+            </a:xfrm>
+          </p:grpSpPr>
+          <p:pic>
+            <p:nvPicPr>
+              <p:cNvPr id="11" name="Graphic 10" descr="Stopwatch">
+                <a:extLst>
+                  <a:ext uri="{FF2B5EF4-FFF2-40B4-BE49-F238E27FC236}">
+                    <a16:creationId xmlns:a16="http://schemas.microsoft.com/office/drawing/2014/main" id="{49EF52D0-5940-4D99-BC0F-4730F24BCF83}"/>
+                  </a:ext>
+                </a:extLst>
+              </p:cNvPr>
+              <p:cNvPicPr>
+                <a:picLocks noChangeAspect="1"/>
+              </p:cNvPicPr>
+              <p:nvPr/>
+            </p:nvPicPr>
+            <p:blipFill>
+              <a:blip r:embed="rId2">
+                <a:extLst>
+                  <a:ext uri="{28A0092B-C50C-407E-A947-70E740481C1C}">
+                    <a14:useLocalDpi xmlns:a14="http://schemas.microsoft.com/office/drawing/2010/main" val="0"/>
+                  </a:ext>
+                  <a:ext uri="{96DAC541-7B7A-43D3-8B79-37D633B846F1}">
+                    <asvg:svgBlip xmlns:asvg="http://schemas.microsoft.com/office/drawing/2016/SVG/main" r:embed="rId3"/>
+                  </a:ext>
+                </a:extLst>
+              </a:blip>
+              <a:stretch>
+                <a:fillRect/>
+              </a:stretch>
+            </p:blipFill>
+            <p:spPr>
+              <a:xfrm>
+                <a:off x="9164782" y="5441950"/>
+                <a:ext cx="914400" cy="914400"/>
+              </a:xfrm>
+              <a:prstGeom prst="rect">
+                <a:avLst/>
+              </a:prstGeom>
+            </p:spPr>
+          </p:pic>
+          <p:sp>
+            <p:nvSpPr>
+              <p:cNvPr id="12" name="TextBox 11">
+                <a:extLst>
+                  <a:ext uri="{FF2B5EF4-FFF2-40B4-BE49-F238E27FC236}">
+                    <a16:creationId xmlns:a16="http://schemas.microsoft.com/office/drawing/2014/main" id="{81F601AC-9EF4-4701-B09F-14024BE67120}"/>
+                  </a:ext>
+                </a:extLst>
+              </p:cNvPr>
+              <p:cNvSpPr txBox="1"/>
+              <p:nvPr/>
+            </p:nvSpPr>
+            <p:spPr>
+              <a:xfrm>
+                <a:off x="9958853" y="5586909"/>
+                <a:ext cx="1919432" cy="769441"/>
+              </a:xfrm>
+              <a:prstGeom prst="rect">
+                <a:avLst/>
+              </a:prstGeom>
+              <a:noFill/>
+            </p:spPr>
+            <p:txBody>
+              <a:bodyPr wrap="square" rtlCol="0">
+                <a:spAutoFit/>
+              </a:bodyPr>
+              <a:lstStyle/>
+              <a:p>
+                <a:r>
+                  <a:rPr lang="en-US" sz="4400" dirty="0">
+                    <a:latin typeface="Fira Code" panose="020B0809050000020004" pitchFamily="49" charset="0"/>
+                    <a:ea typeface="Fira Code" panose="020B0809050000020004" pitchFamily="49" charset="0"/>
+                    <a:cs typeface="Fira Code" panose="020B0809050000020004" pitchFamily="49" charset="0"/>
+                  </a:rPr>
+                  <a:t>01:00</a:t>
+                </a:r>
+              </a:p>
+            </p:txBody>
+          </p:sp>
+        </p:grpSp>
+      </p:grpSp>
     </p:spTree>
     <p:extLst>
       <p:ext uri="{BB962C8B-B14F-4D97-AF65-F5344CB8AC3E}">
@@ -16525,7 +17586,28 @@
                 <a:ea typeface="Fira Code" panose="020B0809050000020004" pitchFamily="49" charset="0"/>
                 <a:cs typeface="Fira Code" panose="020B0809050000020004" pitchFamily="49" charset="0"/>
               </a:rPr>
-              <a:t> (x = cut, fill = clarity))</a:t>
+              <a:t> (x = cut, </a:t>
+            </a:r>
+            <a:r>
+              <a:rPr lang="en-US" sz="2400" dirty="0">
+                <a:solidFill>
+                  <a:schemeClr val="accent6">
+                    <a:lumMod val="75000"/>
+                  </a:schemeClr>
+                </a:solidFill>
+                <a:latin typeface="Fira Code" panose="020B0809050000020004" pitchFamily="49" charset="0"/>
+                <a:ea typeface="Fira Code" panose="020B0809050000020004" pitchFamily="49" charset="0"/>
+                <a:cs typeface="Fira Code" panose="020B0809050000020004" pitchFamily="49" charset="0"/>
+              </a:rPr>
+              <a:t>fill = clarity</a:t>
+            </a:r>
+            <a:r>
+              <a:rPr lang="en-US" sz="2400" dirty="0">
+                <a:latin typeface="Fira Code" panose="020B0809050000020004" pitchFamily="49" charset="0"/>
+                <a:ea typeface="Fira Code" panose="020B0809050000020004" pitchFamily="49" charset="0"/>
+                <a:cs typeface="Fira Code" panose="020B0809050000020004" pitchFamily="49" charset="0"/>
+              </a:rPr>
+              <a:t>))</a:t>
             </a:r>
           </a:p>
         </p:txBody>
@@ -17729,6 +18811,184 @@
           </a:p>
         </p:txBody>
       </p:sp>
+      <p:grpSp>
+        <p:nvGrpSpPr>
+          <p:cNvPr id="7" name="Group 6">
+            <a:extLst>
+              <a:ext uri="{FF2B5EF4-FFF2-40B4-BE49-F238E27FC236}">
+                <a16:creationId xmlns:a16="http://schemas.microsoft.com/office/drawing/2014/main" id="{7993A13C-9555-4EA2-A2E9-8744CD1736BB}"/>
+              </a:ext>
+            </a:extLst>
+          </p:cNvPr>
+          <p:cNvGrpSpPr/>
+          <p:nvPr/>
+        </p:nvGrpSpPr>
+        <p:grpSpPr>
+          <a:xfrm>
+            <a:off x="9064978" y="5441950"/>
+            <a:ext cx="2813307" cy="914400"/>
+            <a:chOff x="9064978" y="5441950"/>
+            <a:chExt cx="2813307" cy="914400"/>
+          </a:xfrm>
+        </p:grpSpPr>
+        <p:sp>
+          <p:nvSpPr>
+            <p:cNvPr id="8" name="Rectangle 7">
+              <a:extLst>
+                <a:ext uri="{FF2B5EF4-FFF2-40B4-BE49-F238E27FC236}">
+                  <a16:creationId xmlns:a16="http://schemas.microsoft.com/office/drawing/2014/main" id="{67725025-D5CF-4095-A189-FFB7243B8771}"/>
+                </a:ext>
+              </a:extLst>
+            </p:cNvPr>
+            <p:cNvSpPr/>
+            <p:nvPr/>
+          </p:nvSpPr>
+          <p:spPr>
+            <a:xfrm>
+              <a:off x="9064978" y="5441950"/>
+              <a:ext cx="2813307" cy="914400"/>
+            </a:xfrm>
+            <a:prstGeom prst="rect">
+              <a:avLst/>
+            </a:prstGeom>
+            <a:solidFill>
+              <a:schemeClr val="bg1">
+                <a:lumMod val="95000"/>
+              </a:schemeClr>
+            </a:solidFill>
+            <a:ln>
+              <a:solidFill>
+                <a:schemeClr val="bg1">
+                  <a:lumMod val="65000"/>
+                </a:schemeClr>
+              </a:solidFill>
+            </a:ln>
+          </p:spPr>
+          <p:style>
+            <a:lnRef idx="2">
+              <a:schemeClr val="accent1">
+                <a:shade val="50000"/>
+              </a:schemeClr>
+            </a:lnRef>
+            <a:fillRef idx="1">
+              <a:schemeClr val="accent1"/>
+            </a:fillRef>
+            <a:effectRef idx="0">
+              <a:schemeClr val="accent1"/>
+            </a:effectRef>
+            <a:fontRef idx="minor">
+              <a:schemeClr val="lt1"/>
+            </a:fontRef>
+          </p:style>
+          <p:txBody>
+            <a:bodyPr rtlCol="0" anchor="ctr"/>
+            <a:lstStyle/>
+            <a:p>
+              <a:pPr algn="ctr"/>
+              <a:endParaRPr lang="en-US"/>
+            </a:p>
+          </p:txBody>
+        </p:sp>
+        <p:grpSp>
+          <p:nvGrpSpPr>
+            <p:cNvPr id="9" name="Group 8">
+              <a:extLst>
+                <a:ext uri="{FF2B5EF4-FFF2-40B4-BE49-F238E27FC236}">
+                  <a16:creationId xmlns:a16="http://schemas.microsoft.com/office/drawing/2014/main" id="{8376E7F7-DF4D-45A6-8DBF-6B3C94979305}"/>
+                </a:ext>
+              </a:extLst>
+            </p:cNvPr>
+            <p:cNvGrpSpPr/>
+            <p:nvPr/>
+          </p:nvGrpSpPr>
+          <p:grpSpPr>
+            <a:xfrm>
+              <a:off x="9164782" y="5441950"/>
+              <a:ext cx="2713503" cy="914400"/>
+              <a:chOff x="9164782" y="5441950"/>
+              <a:chExt cx="2713503" cy="914400"/>
+            </a:xfrm>
+          </p:grpSpPr>
+          <p:pic>
+            <p:nvPicPr>
+              <p:cNvPr id="10" name="Graphic 9" descr="Stopwatch">
+                <a:extLst>
+                  <a:ext uri="{FF2B5EF4-FFF2-40B4-BE49-F238E27FC236}">
+                    <a16:creationId xmlns:a16="http://schemas.microsoft.com/office/drawing/2014/main" id="{179A714C-7BFA-4482-89F1-B4532FE2610D}"/>
+                  </a:ext>
+                </a:extLst>
+              </p:cNvPr>
+              <p:cNvPicPr>
+                <a:picLocks noChangeAspect="1"/>
+              </p:cNvPicPr>
+              <p:nvPr/>
+            </p:nvPicPr>
+            <p:blipFill>
+              <a:blip r:embed="rId2">
+                <a:extLst>
+                  <a:ext uri="{28A0092B-C50C-407E-A947-70E740481C1C}">
+                    <a14:useLocalDpi xmlns:a14="http://schemas.microsoft.com/office/drawing/2010/main" val="0"/>
+                  </a:ext>
+                  <a:ext uri="{96DAC541-7B7A-43D3-8B79-37D633B846F1}">
+                    <asvg:svgBlip xmlns:asvg="http://schemas.microsoft.com/office/drawing/2016/SVG/main" r:embed="rId3"/>
+                  </a:ext>
+                </a:extLst>
+              </a:blip>
+              <a:stretch>
+                <a:fillRect/>
+              </a:stretch>
+            </p:blipFill>
+            <p:spPr>
+              <a:xfrm>
+                <a:off x="9164782" y="5441950"/>
+                <a:ext cx="914400" cy="914400"/>
+              </a:xfrm>
+              <a:prstGeom prst="rect">
+                <a:avLst/>
+              </a:prstGeom>
+            </p:spPr>
+          </p:pic>
+          <p:sp>
+            <p:nvSpPr>
+              <p:cNvPr id="11" name="TextBox 10">
+                <a:extLst>
+                  <a:ext uri="{FF2B5EF4-FFF2-40B4-BE49-F238E27FC236}">
+                    <a16:creationId xmlns:a16="http://schemas.microsoft.com/office/drawing/2014/main" id="{E95AD60C-FCA1-48C8-A979-4CB19A371DDB}"/>
+                  </a:ext>
+                </a:extLst>
+              </p:cNvPr>
+              <p:cNvSpPr txBox="1"/>
+              <p:nvPr/>
+            </p:nvSpPr>
+            <p:spPr>
+              <a:xfrm>
+                <a:off x="9958853" y="5586909"/>
+                <a:ext cx="1919432" cy="769441"/>
+              </a:xfrm>
+              <a:prstGeom prst="rect">
+                <a:avLst/>
+              </a:prstGeom>
+              <a:noFill/>
+            </p:spPr>
+            <p:txBody>
+              <a:bodyPr wrap="square" rtlCol="0">
+                <a:spAutoFit/>
+              </a:bodyPr>
+              <a:lstStyle/>
+              <a:p>
+                <a:r>
+                  <a:rPr lang="en-US" sz="4400" dirty="0">
+                    <a:latin typeface="Fira Code" panose="020B0809050000020004" pitchFamily="49" charset="0"/>
+                    <a:ea typeface="Fira Code" panose="020B0809050000020004" pitchFamily="49" charset="0"/>
+                    <a:cs typeface="Fira Code" panose="020B0809050000020004" pitchFamily="49" charset="0"/>
+                  </a:rPr>
+                  <a:t>02:00</a:t>
+                </a:r>
+              </a:p>
+            </p:txBody>
+          </p:sp>
+        </p:grpSp>
+      </p:grpSp>
     </p:spTree>
     <p:extLst>
       <p:ext uri="{BB962C8B-B14F-4D97-AF65-F5344CB8AC3E}">
@@ -19703,10 +20963,31 @@
                 <a:ea typeface="Fira Code" panose="020B0809050000020004" pitchFamily="49" charset="0"/>
                 <a:cs typeface="Fira Code" panose="020B0809050000020004" pitchFamily="49" charset="0"/>
               </a:rPr>
-              <a:t>`head()`</a:t>
+              <a:t>`</a:t>
             </a:r>
             <a:r>
               <a:rPr lang="en-US" sz="2800" dirty="0">
+                <a:solidFill>
+                  <a:schemeClr val="accent6">
+                    <a:lumMod val="75000"/>
+                  </a:schemeClr>
+                </a:solidFill>
+                <a:latin typeface="Fira Code" panose="020B0809050000020004" pitchFamily="49" charset="0"/>
+                <a:ea typeface="Fira Code" panose="020B0809050000020004" pitchFamily="49" charset="0"/>
+                <a:cs typeface="Fira Code" panose="020B0809050000020004" pitchFamily="49" charset="0"/>
+              </a:rPr>
+              <a:t>head</a:t>
+            </a:r>
+            <a:r>
+              <a:rPr lang="en-US" sz="2800" dirty="0">
+                <a:latin typeface="Fira Code" panose="020B0809050000020004" pitchFamily="49" charset="0"/>
+                <a:ea typeface="Fira Code" panose="020B0809050000020004" pitchFamily="49" charset="0"/>
+                <a:cs typeface="Fira Code" panose="020B0809050000020004" pitchFamily="49" charset="0"/>
+              </a:rPr>
+              <a:t>()`</a:t>
+            </a:r>
+            <a:r>
+              <a:rPr lang="en-US" sz="2800" dirty="0">
                 <a:ea typeface="Fira Code" panose="020B0809050000020004" pitchFamily="49" charset="0"/>
                 <a:cs typeface="Fira Code" panose="020B0809050000020004" pitchFamily="49" charset="0"/>
               </a:rPr>
@@ -19718,10 +20999,31 @@
                 <a:ea typeface="Fira Code" panose="020B0809050000020004" pitchFamily="49" charset="0"/>
                 <a:cs typeface="Fira Code" panose="020B0809050000020004" pitchFamily="49" charset="0"/>
               </a:rPr>
-              <a:t> `tail()`</a:t>
+              <a:t> `</a:t>
             </a:r>
             <a:r>
               <a:rPr lang="en-US" sz="2800" dirty="0">
+                <a:solidFill>
+                  <a:schemeClr val="accent6">
+                    <a:lumMod val="75000"/>
+                  </a:schemeClr>
+                </a:solidFill>
+                <a:latin typeface="Fira Code" panose="020B0809050000020004" pitchFamily="49" charset="0"/>
+                <a:ea typeface="Fira Code" panose="020B0809050000020004" pitchFamily="49" charset="0"/>
+                <a:cs typeface="Fira Code" panose="020B0809050000020004" pitchFamily="49" charset="0"/>
+              </a:rPr>
+              <a:t>tail</a:t>
+            </a:r>
+            <a:r>
+              <a:rPr lang="en-US" sz="2800" dirty="0">
+                <a:latin typeface="Fira Code" panose="020B0809050000020004" pitchFamily="49" charset="0"/>
+                <a:ea typeface="Fira Code" panose="020B0809050000020004" pitchFamily="49" charset="0"/>
+                <a:cs typeface="Fira Code" panose="020B0809050000020004" pitchFamily="49" charset="0"/>
+              </a:rPr>
+              <a:t>()`</a:t>
+            </a:r>
+            <a:r>
+              <a:rPr lang="en-US" sz="2800" dirty="0">
                 <a:ea typeface="Fira Code" panose="020B0809050000020004" pitchFamily="49" charset="0"/>
                 <a:cs typeface="Fira Code" panose="020B0809050000020004" pitchFamily="49" charset="0"/>
               </a:rPr>
@@ -19733,7 +21035,28 @@
                 <a:ea typeface="Fira Code" panose="020B0809050000020004" pitchFamily="49" charset="0"/>
                 <a:cs typeface="Fira Code" panose="020B0809050000020004" pitchFamily="49" charset="0"/>
               </a:rPr>
-              <a:t> `str()`</a:t>
+              <a:t> `</a:t>
+            </a:r>
+            <a:r>
+              <a:rPr lang="en-US" sz="2800" dirty="0">
+                <a:solidFill>
+                  <a:schemeClr val="accent6">
+                    <a:lumMod val="75000"/>
+                  </a:schemeClr>
+                </a:solidFill>
+                <a:latin typeface="Fira Code" panose="020B0809050000020004" pitchFamily="49" charset="0"/>
+                <a:ea typeface="Fira Code" panose="020B0809050000020004" pitchFamily="49" charset="0"/>
+                <a:cs typeface="Fira Code" panose="020B0809050000020004" pitchFamily="49" charset="0"/>
+              </a:rPr>
+              <a:t>str</a:t>
+            </a:r>
+            <a:r>
+              <a:rPr lang="en-US" sz="2800" dirty="0">
+                <a:latin typeface="Fira Code" panose="020B0809050000020004" pitchFamily="49" charset="0"/>
+                <a:ea typeface="Fira Code" panose="020B0809050000020004" pitchFamily="49" charset="0"/>
+                <a:cs typeface="Fira Code" panose="020B0809050000020004" pitchFamily="49" charset="0"/>
+              </a:rPr>
+              <a:t>()`</a:t>
             </a:r>
             <a:r>
               <a:rPr lang="en-US" sz="2800" dirty="0">
@@ -19781,6 +21104,11 @@
             </a:r>
             <a:r>
               <a:rPr lang="en-US" sz="2800" dirty="0" err="1">
+                <a:solidFill>
+                  <a:schemeClr val="accent6">
+                    <a:lumMod val="75000"/>
+                  </a:schemeClr>
+                </a:solidFill>
                 <a:latin typeface="Fira Code" panose="020B0809050000020004" pitchFamily="49" charset="0"/>
                 <a:ea typeface="Fira Code" panose="020B0809050000020004" pitchFamily="49" charset="0"/>
                 <a:cs typeface="Fira Code" panose="020B0809050000020004" pitchFamily="49" charset="0"/>
@@ -19789,11 +21117,24 @@
             </a:r>
             <a:r>
               <a:rPr lang="en-US" sz="2800" dirty="0">
-                <a:latin typeface="Fira Code" panose="020B0809050000020004" pitchFamily="49" charset="0"/>
-                <a:ea typeface="Fira Code" panose="020B0809050000020004" pitchFamily="49" charset="0"/>
-                <a:cs typeface="Fira Code" panose="020B0809050000020004" pitchFamily="49" charset="0"/>
-              </a:rPr>
-              <a:t>::glimpse()`</a:t>
+                <a:solidFill>
+                  <a:schemeClr val="accent6">
+                    <a:lumMod val="75000"/>
+                  </a:schemeClr>
+                </a:solidFill>
+                <a:latin typeface="Fira Code" panose="020B0809050000020004" pitchFamily="49" charset="0"/>
+                <a:ea typeface="Fira Code" panose="020B0809050000020004" pitchFamily="49" charset="0"/>
+                <a:cs typeface="Fira Code" panose="020B0809050000020004" pitchFamily="49" charset="0"/>
+              </a:rPr>
+              <a:t>::glimpse</a:t>
+            </a:r>
+            <a:r>
+              <a:rPr lang="en-US" sz="2800" dirty="0">
+                <a:latin typeface="Fira Code" panose="020B0809050000020004" pitchFamily="49" charset="0"/>
+                <a:ea typeface="Fira Code" panose="020B0809050000020004" pitchFamily="49" charset="0"/>
+                <a:cs typeface="Fira Code" panose="020B0809050000020004" pitchFamily="49" charset="0"/>
+              </a:rPr>
+              <a:t>()`</a:t>
             </a:r>
           </a:p>
         </p:txBody>
@@ -23323,7 +24664,12 @@
             <p:ph type="title"/>
           </p:nvPr>
         </p:nvSpPr>
-        <p:spPr/>
+        <p:spPr>
+          <a:xfrm>
+            <a:off x="831850" y="1320800"/>
+            <a:ext cx="10515600" cy="1593497"/>
+          </a:xfrm>
+        </p:spPr>
         <p:txBody>
           <a:bodyPr/>
           <a:lstStyle/>
@@ -23360,7 +24706,7 @@
         </p:nvSpPr>
         <p:spPr>
           <a:xfrm>
-            <a:off x="831850" y="4589463"/>
+            <a:off x="831850" y="2941285"/>
             <a:ext cx="10515600" cy="1500187"/>
           </a:xfrm>
         </p:spPr>
@@ -23487,6 +24833,184 @@
           </a:p>
         </p:txBody>
       </p:sp>
+      <p:grpSp>
+        <p:nvGrpSpPr>
+          <p:cNvPr id="11" name="Group 10">
+            <a:extLst>
+              <a:ext uri="{FF2B5EF4-FFF2-40B4-BE49-F238E27FC236}">
+                <a16:creationId xmlns:a16="http://schemas.microsoft.com/office/drawing/2014/main" id="{8CFACB85-7FED-4D27-813A-53FE6FFBD993}"/>
+              </a:ext>
+            </a:extLst>
+          </p:cNvPr>
+          <p:cNvGrpSpPr/>
+          <p:nvPr/>
+        </p:nvGrpSpPr>
+        <p:grpSpPr>
+          <a:xfrm>
+            <a:off x="9064978" y="5441950"/>
+            <a:ext cx="2813307" cy="914400"/>
+            <a:chOff x="9064978" y="5441950"/>
+            <a:chExt cx="2813307" cy="914400"/>
+          </a:xfrm>
+        </p:grpSpPr>
+        <p:sp>
+          <p:nvSpPr>
+            <p:cNvPr id="10" name="Rectangle 9">
+              <a:extLst>
+                <a:ext uri="{FF2B5EF4-FFF2-40B4-BE49-F238E27FC236}">
+                  <a16:creationId xmlns:a16="http://schemas.microsoft.com/office/drawing/2014/main" id="{0E318EEE-26F6-4338-B68F-E9143FF09D3A}"/>
+                </a:ext>
+              </a:extLst>
+            </p:cNvPr>
+            <p:cNvSpPr/>
+            <p:nvPr/>
+          </p:nvSpPr>
+          <p:spPr>
+            <a:xfrm>
+              <a:off x="9064978" y="5441950"/>
+              <a:ext cx="2813307" cy="914400"/>
+            </a:xfrm>
+            <a:prstGeom prst="rect">
+              <a:avLst/>
+            </a:prstGeom>
+            <a:solidFill>
+              <a:schemeClr val="bg1">
+                <a:lumMod val="95000"/>
+              </a:schemeClr>
+            </a:solidFill>
+            <a:ln>
+              <a:solidFill>
+                <a:schemeClr val="bg1">
+                  <a:lumMod val="65000"/>
+                </a:schemeClr>
+              </a:solidFill>
+            </a:ln>
+          </p:spPr>
+          <p:style>
+            <a:lnRef idx="2">
+              <a:schemeClr val="accent1">
+                <a:shade val="50000"/>
+              </a:schemeClr>
+            </a:lnRef>
+            <a:fillRef idx="1">
+              <a:schemeClr val="accent1"/>
+            </a:fillRef>
+            <a:effectRef idx="0">
+              <a:schemeClr val="accent1"/>
+            </a:effectRef>
+            <a:fontRef idx="minor">
+              <a:schemeClr val="lt1"/>
+            </a:fontRef>
+          </p:style>
+          <p:txBody>
+            <a:bodyPr rtlCol="0" anchor="ctr"/>
+            <a:lstStyle/>
+            <a:p>
+              <a:pPr algn="ctr"/>
+              <a:endParaRPr lang="en-US"/>
+            </a:p>
+          </p:txBody>
+        </p:sp>
+        <p:grpSp>
+          <p:nvGrpSpPr>
+            <p:cNvPr id="9" name="Group 8">
+              <a:extLst>
+                <a:ext uri="{FF2B5EF4-FFF2-40B4-BE49-F238E27FC236}">
+                  <a16:creationId xmlns:a16="http://schemas.microsoft.com/office/drawing/2014/main" id="{D6804241-4F3A-4DB4-A253-5D107536480B}"/>
+                </a:ext>
+              </a:extLst>
+            </p:cNvPr>
+            <p:cNvGrpSpPr/>
+            <p:nvPr/>
+          </p:nvGrpSpPr>
+          <p:grpSpPr>
+            <a:xfrm>
+              <a:off x="9164782" y="5441950"/>
+              <a:ext cx="2713503" cy="914400"/>
+              <a:chOff x="9164782" y="5441950"/>
+              <a:chExt cx="2713503" cy="914400"/>
+            </a:xfrm>
+          </p:grpSpPr>
+          <p:pic>
+            <p:nvPicPr>
+              <p:cNvPr id="3" name="Graphic 2" descr="Stopwatch">
+                <a:extLst>
+                  <a:ext uri="{FF2B5EF4-FFF2-40B4-BE49-F238E27FC236}">
+                    <a16:creationId xmlns:a16="http://schemas.microsoft.com/office/drawing/2014/main" id="{C0DCD660-8FE8-4707-9B9E-25E8C0FF902D}"/>
+                  </a:ext>
+                </a:extLst>
+              </p:cNvPr>
+              <p:cNvPicPr>
+                <a:picLocks noChangeAspect="1"/>
+              </p:cNvPicPr>
+              <p:nvPr/>
+            </p:nvPicPr>
+            <p:blipFill>
+              <a:blip r:embed="rId2">
+                <a:extLst>
+                  <a:ext uri="{28A0092B-C50C-407E-A947-70E740481C1C}">
+                    <a14:useLocalDpi xmlns:a14="http://schemas.microsoft.com/office/drawing/2010/main" val="0"/>
+                  </a:ext>
+                  <a:ext uri="{96DAC541-7B7A-43D3-8B79-37D633B846F1}">
+                    <asvg:svgBlip xmlns:asvg="http://schemas.microsoft.com/office/drawing/2016/SVG/main" r:embed="rId3"/>
+                  </a:ext>
+                </a:extLst>
+              </a:blip>
+              <a:stretch>
+                <a:fillRect/>
+              </a:stretch>
+            </p:blipFill>
+            <p:spPr>
+              <a:xfrm>
+                <a:off x="9164782" y="5441950"/>
+                <a:ext cx="914400" cy="914400"/>
+              </a:xfrm>
+              <a:prstGeom prst="rect">
+                <a:avLst/>
+              </a:prstGeom>
+            </p:spPr>
+          </p:pic>
+          <p:sp>
+            <p:nvSpPr>
+              <p:cNvPr id="8" name="TextBox 7">
+                <a:extLst>
+                  <a:ext uri="{FF2B5EF4-FFF2-40B4-BE49-F238E27FC236}">
+                    <a16:creationId xmlns:a16="http://schemas.microsoft.com/office/drawing/2014/main" id="{819E269D-470F-4C49-B5B8-60CD0CF6EE1B}"/>
+                  </a:ext>
+                </a:extLst>
+              </p:cNvPr>
+              <p:cNvSpPr txBox="1"/>
+              <p:nvPr/>
+            </p:nvSpPr>
+            <p:spPr>
+              <a:xfrm>
+                <a:off x="9958853" y="5586909"/>
+                <a:ext cx="1919432" cy="769441"/>
+              </a:xfrm>
+              <a:prstGeom prst="rect">
+                <a:avLst/>
+              </a:prstGeom>
+              <a:noFill/>
+            </p:spPr>
+            <p:txBody>
+              <a:bodyPr wrap="square" rtlCol="0">
+                <a:spAutoFit/>
+              </a:bodyPr>
+              <a:lstStyle/>
+              <a:p>
+                <a:r>
+                  <a:rPr lang="en-US" sz="4400" dirty="0">
+                    <a:latin typeface="Fira Code" panose="020B0809050000020004" pitchFamily="49" charset="0"/>
+                    <a:ea typeface="Fira Code" panose="020B0809050000020004" pitchFamily="49" charset="0"/>
+                    <a:cs typeface="Fira Code" panose="020B0809050000020004" pitchFamily="49" charset="0"/>
+                  </a:rPr>
+                  <a:t>00:30</a:t>
+                </a:r>
+              </a:p>
+            </p:txBody>
+          </p:sp>
+        </p:grpSp>
+      </p:grpSp>
     </p:spTree>
     <p:extLst>
       <p:ext uri="{BB962C8B-B14F-4D97-AF65-F5344CB8AC3E}">
@@ -25794,7 +27318,7 @@
           <p:cNvPr id="2" name="Title 1">
             <a:extLst>
               <a:ext uri="{FF2B5EF4-FFF2-40B4-BE49-F238E27FC236}">
-                <a16:creationId xmlns:a16="http://schemas.microsoft.com/office/drawing/2014/main" id="{C5801FA0-2E97-462B-B313-2DD18EA6A5DE}"/>
+                <a16:creationId xmlns:a16="http://schemas.microsoft.com/office/drawing/2014/main" id="{228DD621-2A4B-467F-81B4-D5AF6BD57FE3}"/>
               </a:ext>
             </a:extLst>
           </p:cNvPr>
@@ -25812,18 +27336,35 @@
           <a:p>
             <a:pPr algn="ctr"/>
             <a:r>
-              <a:rPr lang="en-US" dirty="0"/>
-              <a:t>Saving your plot</a:t>
-            </a:r>
-          </a:p>
-        </p:txBody>
-      </p:sp>
-      <p:sp>
-        <p:nvSpPr>
-          <p:cNvPr id="6" name="Subtitle 5">
-            <a:extLst>
-              <a:ext uri="{FF2B5EF4-FFF2-40B4-BE49-F238E27FC236}">
-                <a16:creationId xmlns:a16="http://schemas.microsoft.com/office/drawing/2014/main" id="{1889728E-07F6-46BE-AC71-558A57BE938A}"/>
+              <a:rPr lang="en-US" dirty="0">
+                <a:latin typeface="Fira Code" panose="020B0809050000020004" pitchFamily="49" charset="0"/>
+                <a:ea typeface="Fira Code" panose="020B0809050000020004" pitchFamily="49" charset="0"/>
+                <a:cs typeface="Fira Code" panose="020B0809050000020004" pitchFamily="49" charset="0"/>
+              </a:rPr>
+              <a:t> </a:t>
+            </a:r>
+            <a:r>
+              <a:rPr lang="en-US" dirty="0" err="1">
+                <a:latin typeface="Fira Code" panose="020B0809050000020004" pitchFamily="49" charset="0"/>
+                <a:ea typeface="Fira Code" panose="020B0809050000020004" pitchFamily="49" charset="0"/>
+                <a:cs typeface="Fira Code" panose="020B0809050000020004" pitchFamily="49" charset="0"/>
+              </a:rPr>
+              <a:t>ggThemeAssist</a:t>
+            </a:r>
+            <a:endParaRPr lang="en-US" dirty="0">
+              <a:latin typeface="Fira Code" panose="020B0809050000020004" pitchFamily="49" charset="0"/>
+              <a:ea typeface="Fira Code" panose="020B0809050000020004" pitchFamily="49" charset="0"/>
+              <a:cs typeface="Fira Code" panose="020B0809050000020004" pitchFamily="49" charset="0"/>
+            </a:endParaRPr>
+          </a:p>
+        </p:txBody>
+      </p:sp>
+      <p:sp>
+        <p:nvSpPr>
+          <p:cNvPr id="7" name="Subtitle 6">
+            <a:extLst>
+              <a:ext uri="{FF2B5EF4-FFF2-40B4-BE49-F238E27FC236}">
+                <a16:creationId xmlns:a16="http://schemas.microsoft.com/office/drawing/2014/main" id="{3852EB3F-DE1D-4DD1-92C0-FF8CA8FA84B5}"/>
               </a:ext>
             </a:extLst>
           </p:cNvPr>
@@ -25848,7 +27389,7 @@
           <p:cNvPr id="4" name="Footer Placeholder 3">
             <a:extLst>
               <a:ext uri="{FF2B5EF4-FFF2-40B4-BE49-F238E27FC236}">
-                <a16:creationId xmlns:a16="http://schemas.microsoft.com/office/drawing/2014/main" id="{6F28CEC8-D19F-4F3E-A4AC-F5ED5FDD691E}"/>
+                <a16:creationId xmlns:a16="http://schemas.microsoft.com/office/drawing/2014/main" id="{8D8280CD-B6AF-4B06-9D66-CE01264B401F}"/>
               </a:ext>
             </a:extLst>
           </p:cNvPr>
@@ -25876,7 +27417,7 @@
           <p:cNvPr id="5" name="Slide Number Placeholder 4">
             <a:extLst>
               <a:ext uri="{FF2B5EF4-FFF2-40B4-BE49-F238E27FC236}">
-                <a16:creationId xmlns:a16="http://schemas.microsoft.com/office/drawing/2014/main" id="{47210A63-A3AB-4756-85B5-335C879C58D7}"/>
+                <a16:creationId xmlns:a16="http://schemas.microsoft.com/office/drawing/2014/main" id="{015EA4E3-C6CD-467C-94BF-D2006B89E258}"/>
               </a:ext>
             </a:extLst>
           </p:cNvPr>
@@ -25895,6 +27436,147 @@
             <a:fld id="{1D07C8D9-AA71-438D-86BE-7B86F7F29DC7}" type="slidenum">
               <a:rPr lang="en-US" smtClean="0"/>
               <a:t>66</a:t>
+            </a:fld>
+            <a:endParaRPr lang="en-US"/>
+          </a:p>
+        </p:txBody>
+      </p:sp>
+    </p:spTree>
+    <p:extLst>
+      <p:ext uri="{BB962C8B-B14F-4D97-AF65-F5344CB8AC3E}">
+        <p14:creationId xmlns:p14="http://schemas.microsoft.com/office/powerpoint/2010/main" val="2013885492"/>
+      </p:ext>
+    </p:extLst>
+  </p:cSld>
+  <p:clrMapOvr>
+    <a:masterClrMapping/>
+  </p:clrMapOvr>
+</p:sld>
+</file>
+
+<file path=ppt/slides/slide67.xml><?xml version="1.0" encoding="utf-8"?>
+<p:sld xmlns:a="http://schemas.openxmlformats.org/drawingml/2006/main" xmlns:r="http://schemas.openxmlformats.org/officeDocument/2006/relationships" xmlns:p="http://schemas.openxmlformats.org/presentationml/2006/main">
+  <p:cSld>
+    <p:spTree>
+      <p:nvGrpSpPr>
+        <p:cNvPr id="1" name=""/>
+        <p:cNvGrpSpPr/>
+        <p:nvPr/>
+      </p:nvGrpSpPr>
+      <p:grpSpPr>
+        <a:xfrm>
+          <a:off x="0" y="0"/>
+          <a:ext cx="0" cy="0"/>
+          <a:chOff x="0" y="0"/>
+          <a:chExt cx="0" cy="0"/>
+        </a:xfrm>
+      </p:grpSpPr>
+      <p:sp>
+        <p:nvSpPr>
+          <p:cNvPr id="2" name="Title 1">
+            <a:extLst>
+              <a:ext uri="{FF2B5EF4-FFF2-40B4-BE49-F238E27FC236}">
+                <a16:creationId xmlns:a16="http://schemas.microsoft.com/office/drawing/2014/main" id="{C5801FA0-2E97-462B-B313-2DD18EA6A5DE}"/>
+              </a:ext>
+            </a:extLst>
+          </p:cNvPr>
+          <p:cNvSpPr>
+            <a:spLocks noGrp="1"/>
+          </p:cNvSpPr>
+          <p:nvPr>
+            <p:ph type="ctrTitle"/>
+          </p:nvPr>
+        </p:nvSpPr>
+        <p:spPr/>
+        <p:txBody>
+          <a:bodyPr/>
+          <a:lstStyle/>
+          <a:p>
+            <a:pPr algn="ctr"/>
+            <a:r>
+              <a:rPr lang="en-US" dirty="0"/>
+              <a:t>Saving your plot</a:t>
+            </a:r>
+          </a:p>
+        </p:txBody>
+      </p:sp>
+      <p:sp>
+        <p:nvSpPr>
+          <p:cNvPr id="6" name="Subtitle 5">
+            <a:extLst>
+              <a:ext uri="{FF2B5EF4-FFF2-40B4-BE49-F238E27FC236}">
+                <a16:creationId xmlns:a16="http://schemas.microsoft.com/office/drawing/2014/main" id="{1889728E-07F6-46BE-AC71-558A57BE938A}"/>
+              </a:ext>
+            </a:extLst>
+          </p:cNvPr>
+          <p:cNvSpPr>
+            <a:spLocks noGrp="1"/>
+          </p:cNvSpPr>
+          <p:nvPr>
+            <p:ph type="subTitle" idx="1"/>
+          </p:nvPr>
+        </p:nvSpPr>
+        <p:spPr/>
+        <p:txBody>
+          <a:bodyPr/>
+          <a:lstStyle/>
+          <a:p>
+            <a:endParaRPr lang="en-US"/>
+          </a:p>
+        </p:txBody>
+      </p:sp>
+      <p:sp>
+        <p:nvSpPr>
+          <p:cNvPr id="4" name="Footer Placeholder 3">
+            <a:extLst>
+              <a:ext uri="{FF2B5EF4-FFF2-40B4-BE49-F238E27FC236}">
+                <a16:creationId xmlns:a16="http://schemas.microsoft.com/office/drawing/2014/main" id="{6F28CEC8-D19F-4F3E-A4AC-F5ED5FDD691E}"/>
+              </a:ext>
+            </a:extLst>
+          </p:cNvPr>
+          <p:cNvSpPr>
+            <a:spLocks noGrp="1"/>
+          </p:cNvSpPr>
+          <p:nvPr>
+            <p:ph type="ftr" sz="quarter" idx="11"/>
+          </p:nvPr>
+        </p:nvSpPr>
+        <p:spPr/>
+        <p:txBody>
+          <a:bodyPr/>
+          <a:lstStyle/>
+          <a:p>
+            <a:r>
+              <a:rPr lang="en-US"/>
+              <a:t>CERF 2019 | The Next Step with R | Cressman and Dunnigan</a:t>
+            </a:r>
+          </a:p>
+        </p:txBody>
+      </p:sp>
+      <p:sp>
+        <p:nvSpPr>
+          <p:cNvPr id="5" name="Slide Number Placeholder 4">
+            <a:extLst>
+              <a:ext uri="{FF2B5EF4-FFF2-40B4-BE49-F238E27FC236}">
+                <a16:creationId xmlns:a16="http://schemas.microsoft.com/office/drawing/2014/main" id="{47210A63-A3AB-4756-85B5-335C879C58D7}"/>
+              </a:ext>
+            </a:extLst>
+          </p:cNvPr>
+          <p:cNvSpPr>
+            <a:spLocks noGrp="1"/>
+          </p:cNvSpPr>
+          <p:nvPr>
+            <p:ph type="sldNum" sz="quarter" idx="12"/>
+          </p:nvPr>
+        </p:nvSpPr>
+        <p:spPr/>
+        <p:txBody>
+          <a:bodyPr/>
+          <a:lstStyle/>
+          <a:p>
+            <a:fld id="{1D07C8D9-AA71-438D-86BE-7B86F7F29DC7}" type="slidenum">
+              <a:rPr lang="en-US" smtClean="0"/>
+              <a:t>67</a:t>
             </a:fld>
             <a:endParaRPr lang="en-US"/>
           </a:p>
@@ -25913,7 +27595,7 @@
 </p:sld>
 </file>
 
-<file path=ppt/slides/slide67.xml><?xml version="1.0" encoding="utf-8"?>
+<file path=ppt/slides/slide68.xml><?xml version="1.0" encoding="utf-8"?>
 <p:sld xmlns:a="http://schemas.openxmlformats.org/drawingml/2006/main" xmlns:r="http://schemas.openxmlformats.org/officeDocument/2006/relationships" xmlns:p="http://schemas.openxmlformats.org/presentationml/2006/main">
   <p:cSld>
     <p:bg>
@@ -26109,235 +27791,194 @@
           <a:p>
             <a:fld id="{1D07C8D9-AA71-438D-86BE-7B86F7F29DC7}" type="slidenum">
               <a:rPr lang="en-US" smtClean="0"/>
-              <a:t>67</a:t>
+              <a:t>68</a:t>
             </a:fld>
             <a:endParaRPr lang="en-US"/>
           </a:p>
         </p:txBody>
       </p:sp>
+      <p:grpSp>
+        <p:nvGrpSpPr>
+          <p:cNvPr id="6" name="Group 5">
+            <a:extLst>
+              <a:ext uri="{FF2B5EF4-FFF2-40B4-BE49-F238E27FC236}">
+                <a16:creationId xmlns:a16="http://schemas.microsoft.com/office/drawing/2014/main" id="{EED3927F-CF3A-4A1D-8B3A-9484D028E298}"/>
+              </a:ext>
+            </a:extLst>
+          </p:cNvPr>
+          <p:cNvGrpSpPr/>
+          <p:nvPr/>
+        </p:nvGrpSpPr>
+        <p:grpSpPr>
+          <a:xfrm>
+            <a:off x="9064978" y="5441950"/>
+            <a:ext cx="2813307" cy="914400"/>
+            <a:chOff x="9064978" y="5441950"/>
+            <a:chExt cx="2813307" cy="914400"/>
+          </a:xfrm>
+        </p:grpSpPr>
+        <p:sp>
+          <p:nvSpPr>
+            <p:cNvPr id="7" name="Rectangle 6">
+              <a:extLst>
+                <a:ext uri="{FF2B5EF4-FFF2-40B4-BE49-F238E27FC236}">
+                  <a16:creationId xmlns:a16="http://schemas.microsoft.com/office/drawing/2014/main" id="{DBC8D010-022C-409D-8BC6-E398BE7A3BC9}"/>
+                </a:ext>
+              </a:extLst>
+            </p:cNvPr>
+            <p:cNvSpPr/>
+            <p:nvPr/>
+          </p:nvSpPr>
+          <p:spPr>
+            <a:xfrm>
+              <a:off x="9064978" y="5441950"/>
+              <a:ext cx="2813307" cy="914400"/>
+            </a:xfrm>
+            <a:prstGeom prst="rect">
+              <a:avLst/>
+            </a:prstGeom>
+            <a:solidFill>
+              <a:schemeClr val="bg1">
+                <a:lumMod val="95000"/>
+              </a:schemeClr>
+            </a:solidFill>
+            <a:ln>
+              <a:solidFill>
+                <a:schemeClr val="bg1">
+                  <a:lumMod val="65000"/>
+                </a:schemeClr>
+              </a:solidFill>
+            </a:ln>
+          </p:spPr>
+          <p:style>
+            <a:lnRef idx="2">
+              <a:schemeClr val="accent1">
+                <a:shade val="50000"/>
+              </a:schemeClr>
+            </a:lnRef>
+            <a:fillRef idx="1">
+              <a:schemeClr val="accent1"/>
+            </a:fillRef>
+            <a:effectRef idx="0">
+              <a:schemeClr val="accent1"/>
+            </a:effectRef>
+            <a:fontRef idx="minor">
+              <a:schemeClr val="lt1"/>
+            </a:fontRef>
+          </p:style>
+          <p:txBody>
+            <a:bodyPr rtlCol="0" anchor="ctr"/>
+            <a:lstStyle/>
+            <a:p>
+              <a:pPr algn="ctr"/>
+              <a:endParaRPr lang="en-US"/>
+            </a:p>
+          </p:txBody>
+        </p:sp>
+        <p:grpSp>
+          <p:nvGrpSpPr>
+            <p:cNvPr id="8" name="Group 7">
+              <a:extLst>
+                <a:ext uri="{FF2B5EF4-FFF2-40B4-BE49-F238E27FC236}">
+                  <a16:creationId xmlns:a16="http://schemas.microsoft.com/office/drawing/2014/main" id="{025F9E3F-20C7-4EBC-BDA7-76D717A96C5D}"/>
+                </a:ext>
+              </a:extLst>
+            </p:cNvPr>
+            <p:cNvGrpSpPr/>
+            <p:nvPr/>
+          </p:nvGrpSpPr>
+          <p:grpSpPr>
+            <a:xfrm>
+              <a:off x="9164782" y="5441950"/>
+              <a:ext cx="2713503" cy="914400"/>
+              <a:chOff x="9164782" y="5441950"/>
+              <a:chExt cx="2713503" cy="914400"/>
+            </a:xfrm>
+          </p:grpSpPr>
+          <p:pic>
+            <p:nvPicPr>
+              <p:cNvPr id="9" name="Graphic 8" descr="Stopwatch">
+                <a:extLst>
+                  <a:ext uri="{FF2B5EF4-FFF2-40B4-BE49-F238E27FC236}">
+                    <a16:creationId xmlns:a16="http://schemas.microsoft.com/office/drawing/2014/main" id="{8C50A5B1-B296-4A6C-99FC-91C840D3C08F}"/>
+                  </a:ext>
+                </a:extLst>
+              </p:cNvPr>
+              <p:cNvPicPr>
+                <a:picLocks noChangeAspect="1"/>
+              </p:cNvPicPr>
+              <p:nvPr/>
+            </p:nvPicPr>
+            <p:blipFill>
+              <a:blip r:embed="rId2">
+                <a:extLst>
+                  <a:ext uri="{28A0092B-C50C-407E-A947-70E740481C1C}">
+                    <a14:useLocalDpi xmlns:a14="http://schemas.microsoft.com/office/drawing/2010/main" val="0"/>
+                  </a:ext>
+                  <a:ext uri="{96DAC541-7B7A-43D3-8B79-37D633B846F1}">
+                    <asvg:svgBlip xmlns:asvg="http://schemas.microsoft.com/office/drawing/2016/SVG/main" r:embed="rId3"/>
+                  </a:ext>
+                </a:extLst>
+              </a:blip>
+              <a:stretch>
+                <a:fillRect/>
+              </a:stretch>
+            </p:blipFill>
+            <p:spPr>
+              <a:xfrm>
+                <a:off x="9164782" y="5441950"/>
+                <a:ext cx="914400" cy="914400"/>
+              </a:xfrm>
+              <a:prstGeom prst="rect">
+                <a:avLst/>
+              </a:prstGeom>
+            </p:spPr>
+          </p:pic>
+          <p:sp>
+            <p:nvSpPr>
+              <p:cNvPr id="10" name="TextBox 9">
+                <a:extLst>
+                  <a:ext uri="{FF2B5EF4-FFF2-40B4-BE49-F238E27FC236}">
+                    <a16:creationId xmlns:a16="http://schemas.microsoft.com/office/drawing/2014/main" id="{EFBDBF23-3C05-4777-AC02-C940879CA406}"/>
+                  </a:ext>
+                </a:extLst>
+              </p:cNvPr>
+              <p:cNvSpPr txBox="1"/>
+              <p:nvPr/>
+            </p:nvSpPr>
+            <p:spPr>
+              <a:xfrm>
+                <a:off x="9958853" y="5586909"/>
+                <a:ext cx="1919432" cy="769441"/>
+              </a:xfrm>
+              <a:prstGeom prst="rect">
+                <a:avLst/>
+              </a:prstGeom>
+              <a:noFill/>
+            </p:spPr>
+            <p:txBody>
+              <a:bodyPr wrap="square" rtlCol="0">
+                <a:spAutoFit/>
+              </a:bodyPr>
+              <a:lstStyle/>
+              <a:p>
+                <a:r>
+                  <a:rPr lang="en-US" sz="4400" dirty="0">
+                    <a:latin typeface="Fira Code" panose="020B0809050000020004" pitchFamily="49" charset="0"/>
+                    <a:ea typeface="Fira Code" panose="020B0809050000020004" pitchFamily="49" charset="0"/>
+                    <a:cs typeface="Fira Code" panose="020B0809050000020004" pitchFamily="49" charset="0"/>
+                  </a:rPr>
+                  <a:t>00:30</a:t>
+                </a:r>
+              </a:p>
+            </p:txBody>
+          </p:sp>
+        </p:grpSp>
+      </p:grpSp>
     </p:spTree>
     <p:extLst>
       <p:ext uri="{BB962C8B-B14F-4D97-AF65-F5344CB8AC3E}">
         <p14:creationId xmlns:p14="http://schemas.microsoft.com/office/powerpoint/2010/main" val="3232525341"/>
-      </p:ext>
-    </p:extLst>
-  </p:cSld>
-  <p:clrMapOvr>
-    <a:masterClrMapping/>
-  </p:clrMapOvr>
-</p:sld>
-</file>
-
-<file path=ppt/slides/slide68.xml><?xml version="1.0" encoding="utf-8"?>
-<p:sld xmlns:a="http://schemas.openxmlformats.org/drawingml/2006/main" xmlns:r="http://schemas.openxmlformats.org/officeDocument/2006/relationships" xmlns:p="http://schemas.openxmlformats.org/presentationml/2006/main">
-  <p:cSld>
-    <p:spTree>
-      <p:nvGrpSpPr>
-        <p:cNvPr id="1" name=""/>
-        <p:cNvGrpSpPr/>
-        <p:nvPr/>
-      </p:nvGrpSpPr>
-      <p:grpSpPr>
-        <a:xfrm>
-          <a:off x="0" y="0"/>
-          <a:ext cx="0" cy="0"/>
-          <a:chOff x="0" y="0"/>
-          <a:chExt cx="0" cy="0"/>
-        </a:xfrm>
-      </p:grpSpPr>
-      <p:sp>
-        <p:nvSpPr>
-          <p:cNvPr id="6" name="Title 5">
-            <a:extLst>
-              <a:ext uri="{FF2B5EF4-FFF2-40B4-BE49-F238E27FC236}">
-                <a16:creationId xmlns:a16="http://schemas.microsoft.com/office/drawing/2014/main" id="{0FE81C29-6857-4427-BF51-2832E7B6AF22}"/>
-              </a:ext>
-            </a:extLst>
-          </p:cNvPr>
-          <p:cNvSpPr>
-            <a:spLocks noGrp="1"/>
-          </p:cNvSpPr>
-          <p:nvPr>
-            <p:ph type="title"/>
-          </p:nvPr>
-        </p:nvSpPr>
-        <p:spPr/>
-        <p:txBody>
-          <a:bodyPr/>
-          <a:lstStyle/>
-          <a:p>
-            <a:pPr algn="ctr"/>
-            <a:r>
-              <a:rPr lang="en-US" dirty="0"/>
-              <a:t>The Working Directory</a:t>
-            </a:r>
-          </a:p>
-        </p:txBody>
-      </p:sp>
-      <p:sp>
-        <p:nvSpPr>
-          <p:cNvPr id="7" name="Content Placeholder 6">
-            <a:extLst>
-              <a:ext uri="{FF2B5EF4-FFF2-40B4-BE49-F238E27FC236}">
-                <a16:creationId xmlns:a16="http://schemas.microsoft.com/office/drawing/2014/main" id="{3AE09030-8DDE-4B86-B007-27EE5632B4BE}"/>
-              </a:ext>
-            </a:extLst>
-          </p:cNvPr>
-          <p:cNvSpPr>
-            <a:spLocks noGrp="1"/>
-          </p:cNvSpPr>
-          <p:nvPr>
-            <p:ph idx="1"/>
-          </p:nvPr>
-        </p:nvSpPr>
-        <p:spPr/>
-        <p:txBody>
-          <a:bodyPr>
-            <a:normAutofit/>
-          </a:bodyPr>
-          <a:lstStyle/>
-          <a:p>
-            <a:pPr marL="0" indent="0">
-              <a:buNone/>
-            </a:pPr>
-            <a:r>
-              <a:rPr lang="en-US" sz="3600" dirty="0"/>
-              <a:t>R associates itself with a folder (i.e., directory) on your computer.</a:t>
-            </a:r>
-          </a:p>
-          <a:p>
-            <a:pPr lvl="2"/>
-            <a:r>
-              <a:rPr lang="en-US" sz="3600" dirty="0"/>
-              <a:t>This is the “working directory”</a:t>
-            </a:r>
-          </a:p>
-          <a:p>
-            <a:pPr lvl="2"/>
-            <a:r>
-              <a:rPr lang="en-US" sz="3600" dirty="0"/>
-              <a:t>R will look for files here</a:t>
-            </a:r>
-          </a:p>
-          <a:p>
-            <a:pPr lvl="2"/>
-            <a:r>
-              <a:rPr lang="en-US" sz="3600" dirty="0"/>
-              <a:t>R will save files here</a:t>
-            </a:r>
-          </a:p>
-        </p:txBody>
-      </p:sp>
-      <p:sp>
-        <p:nvSpPr>
-          <p:cNvPr id="4" name="Footer Placeholder 3">
-            <a:extLst>
-              <a:ext uri="{FF2B5EF4-FFF2-40B4-BE49-F238E27FC236}">
-                <a16:creationId xmlns:a16="http://schemas.microsoft.com/office/drawing/2014/main" id="{50023B57-EA94-47EE-9C2C-ECEB9DBFFFAC}"/>
-              </a:ext>
-            </a:extLst>
-          </p:cNvPr>
-          <p:cNvSpPr>
-            <a:spLocks noGrp="1"/>
-          </p:cNvSpPr>
-          <p:nvPr>
-            <p:ph type="ftr" sz="quarter" idx="11"/>
-          </p:nvPr>
-        </p:nvSpPr>
-        <p:spPr/>
-        <p:txBody>
-          <a:bodyPr/>
-          <a:lstStyle/>
-          <a:p>
-            <a:r>
-              <a:rPr lang="en-US"/>
-              <a:t>CERF 2019 | The Next Step with R | Cressman and Dunnigan</a:t>
-            </a:r>
-          </a:p>
-        </p:txBody>
-      </p:sp>
-      <p:sp>
-        <p:nvSpPr>
-          <p:cNvPr id="5" name="Slide Number Placeholder 4">
-            <a:extLst>
-              <a:ext uri="{FF2B5EF4-FFF2-40B4-BE49-F238E27FC236}">
-                <a16:creationId xmlns:a16="http://schemas.microsoft.com/office/drawing/2014/main" id="{A2582723-E198-4834-89EB-3DED6F5CB4A2}"/>
-              </a:ext>
-            </a:extLst>
-          </p:cNvPr>
-          <p:cNvSpPr>
-            <a:spLocks noGrp="1"/>
-          </p:cNvSpPr>
-          <p:nvPr>
-            <p:ph type="sldNum" sz="quarter" idx="12"/>
-          </p:nvPr>
-        </p:nvSpPr>
-        <p:spPr/>
-        <p:txBody>
-          <a:bodyPr/>
-          <a:lstStyle/>
-          <a:p>
-            <a:fld id="{1D07C8D9-AA71-438D-86BE-7B86F7F29DC7}" type="slidenum">
-              <a:rPr lang="en-US" smtClean="0"/>
-              <a:t>68</a:t>
-            </a:fld>
-            <a:endParaRPr lang="en-US"/>
-          </a:p>
-        </p:txBody>
-      </p:sp>
-      <p:sp>
-        <p:nvSpPr>
-          <p:cNvPr id="8" name="Rectangle: Rounded Corners 7">
-            <a:extLst>
-              <a:ext uri="{FF2B5EF4-FFF2-40B4-BE49-F238E27FC236}">
-                <a16:creationId xmlns:a16="http://schemas.microsoft.com/office/drawing/2014/main" id="{F1156D37-73E1-4C2F-931B-2D368105B1C7}"/>
-              </a:ext>
-            </a:extLst>
-          </p:cNvPr>
-          <p:cNvSpPr/>
-          <p:nvPr/>
-        </p:nvSpPr>
-        <p:spPr>
-          <a:xfrm>
-            <a:off x="7548880" y="4003040"/>
-            <a:ext cx="3566160" cy="1838960"/>
-          </a:xfrm>
-          <a:prstGeom prst="roundRect">
-            <a:avLst/>
-          </a:prstGeom>
-        </p:spPr>
-        <p:style>
-          <a:lnRef idx="2">
-            <a:schemeClr val="accent1">
-              <a:shade val="50000"/>
-            </a:schemeClr>
-          </a:lnRef>
-          <a:fillRef idx="1">
-            <a:schemeClr val="accent1"/>
-          </a:fillRef>
-          <a:effectRef idx="0">
-            <a:schemeClr val="accent1"/>
-          </a:effectRef>
-          <a:fontRef idx="minor">
-            <a:schemeClr val="lt1"/>
-          </a:fontRef>
-        </p:style>
-        <p:txBody>
-          <a:bodyPr rtlCol="0" anchor="ctr"/>
-          <a:lstStyle/>
-          <a:p>
-            <a:pPr algn="ctr"/>
-            <a:r>
-              <a:rPr lang="en-US" sz="2400" dirty="0"/>
-              <a:t>The files pane of RStudio IDE will display your working directory</a:t>
-            </a:r>
-          </a:p>
-        </p:txBody>
-      </p:sp>
-    </p:spTree>
-    <p:extLst>
-      <p:ext uri="{BB962C8B-B14F-4D97-AF65-F5344CB8AC3E}">
-        <p14:creationId xmlns:p14="http://schemas.microsoft.com/office/powerpoint/2010/main" val="163624777"/>
       </p:ext>
     </p:extLst>
   </p:cSld>
@@ -26366,10 +28007,10 @@
       </p:grpSpPr>
       <p:sp>
         <p:nvSpPr>
-          <p:cNvPr id="2" name="Title 1">
-            <a:extLst>
-              <a:ext uri="{FF2B5EF4-FFF2-40B4-BE49-F238E27FC236}">
-                <a16:creationId xmlns:a16="http://schemas.microsoft.com/office/drawing/2014/main" id="{151FF821-05CE-41E9-98CE-75AAA7D9FB79}"/>
+          <p:cNvPr id="6" name="Title 5">
+            <a:extLst>
+              <a:ext uri="{FF2B5EF4-FFF2-40B4-BE49-F238E27FC236}">
+                <a16:creationId xmlns:a16="http://schemas.microsoft.com/office/drawing/2014/main" id="{0FE81C29-6857-4427-BF51-2832E7B6AF22}"/>
               </a:ext>
             </a:extLst>
           </p:cNvPr>
@@ -26388,17 +28029,17 @@
             <a:pPr algn="ctr"/>
             <a:r>
               <a:rPr lang="en-US" dirty="0"/>
-              <a:t>Saving plots</a:t>
-            </a:r>
-          </a:p>
-        </p:txBody>
-      </p:sp>
-      <p:sp>
-        <p:nvSpPr>
-          <p:cNvPr id="3" name="Content Placeholder 2">
-            <a:extLst>
-              <a:ext uri="{FF2B5EF4-FFF2-40B4-BE49-F238E27FC236}">
-                <a16:creationId xmlns:a16="http://schemas.microsoft.com/office/drawing/2014/main" id="{934BB3BB-0680-4BDE-9CC2-01CA273BA8EC}"/>
+              <a:t>The Working Directory</a:t>
+            </a:r>
+          </a:p>
+        </p:txBody>
+      </p:sp>
+      <p:sp>
+        <p:nvSpPr>
+          <p:cNvPr id="7" name="Content Placeholder 6">
+            <a:extLst>
+              <a:ext uri="{FF2B5EF4-FFF2-40B4-BE49-F238E27FC236}">
+                <a16:creationId xmlns:a16="http://schemas.microsoft.com/office/drawing/2014/main" id="{3AE09030-8DDE-4B86-B007-27EE5632B4BE}"/>
               </a:ext>
             </a:extLst>
           </p:cNvPr>
@@ -26409,15 +28050,10 @@
             <p:ph idx="1"/>
           </p:nvPr>
         </p:nvSpPr>
-        <p:spPr>
-          <a:xfrm>
-            <a:off x="838200" y="1825625"/>
-            <a:ext cx="10835640" cy="4351338"/>
-          </a:xfrm>
-        </p:spPr>
+        <p:spPr/>
         <p:txBody>
           <a:bodyPr>
-            <a:normAutofit fontScale="92500" lnSpcReduction="20000"/>
+            <a:normAutofit/>
           </a:bodyPr>
           <a:lstStyle/>
           <a:p>
@@ -26425,293 +28061,30 @@
               <a:buNone/>
             </a:pPr>
             <a:r>
-              <a:rPr lang="en-US" dirty="0"/>
-              <a:t> </a:t>
-            </a:r>
-            <a:r>
-              <a:rPr lang="en-US" dirty="0" err="1">
-                <a:solidFill>
-                  <a:schemeClr val="accent6">
-                    <a:lumMod val="75000"/>
-                  </a:schemeClr>
-                </a:solidFill>
-                <a:latin typeface="Fira Code" panose="020B0809050000020004" pitchFamily="49" charset="0"/>
-                <a:ea typeface="Fira Code" panose="020B0809050000020004" pitchFamily="49" charset="0"/>
-                <a:cs typeface="Fira Code" panose="020B0809050000020004" pitchFamily="49" charset="0"/>
-              </a:rPr>
-              <a:t>ggsave</a:t>
-            </a:r>
-            <a:r>
-              <a:rPr lang="en-US" dirty="0">
-                <a:solidFill>
-                  <a:schemeClr val="accent6">
-                    <a:lumMod val="75000"/>
-                  </a:schemeClr>
-                </a:solidFill>
-                <a:latin typeface="Fira Code" panose="020B0809050000020004" pitchFamily="49" charset="0"/>
-                <a:ea typeface="Fira Code" panose="020B0809050000020004" pitchFamily="49" charset="0"/>
-                <a:cs typeface="Fira Code" panose="020B0809050000020004" pitchFamily="49" charset="0"/>
-              </a:rPr>
-              <a:t>() </a:t>
-            </a:r>
-            <a:r>
-              <a:rPr lang="en-US" sz="3500" dirty="0"/>
-              <a:t>will save the last plot.</a:t>
-            </a:r>
-          </a:p>
-          <a:p>
-            <a:pPr marL="0" indent="0">
-              <a:buNone/>
-            </a:pPr>
-            <a:r>
-              <a:rPr lang="en-US" sz="2400" dirty="0">
-                <a:latin typeface="Fira Code" panose="020B0809050000020004" pitchFamily="49" charset="0"/>
-                <a:ea typeface="Fira Code" panose="020B0809050000020004" pitchFamily="49" charset="0"/>
-                <a:cs typeface="Fira Code" panose="020B0809050000020004" pitchFamily="49" charset="0"/>
-              </a:rPr>
-              <a:t>   </a:t>
-            </a:r>
-            <a:r>
-              <a:rPr lang="en-US" sz="2400" dirty="0" err="1">
-                <a:latin typeface="Fira Code" panose="020B0809050000020004" pitchFamily="49" charset="0"/>
-                <a:ea typeface="Fira Code" panose="020B0809050000020004" pitchFamily="49" charset="0"/>
-                <a:cs typeface="Fira Code" panose="020B0809050000020004" pitchFamily="49" charset="0"/>
-              </a:rPr>
-              <a:t>ggsave</a:t>
-            </a:r>
-            <a:r>
-              <a:rPr lang="en-US" sz="2400" dirty="0">
-                <a:latin typeface="Fira Code" panose="020B0809050000020004" pitchFamily="49" charset="0"/>
-                <a:ea typeface="Fira Code" panose="020B0809050000020004" pitchFamily="49" charset="0"/>
-                <a:cs typeface="Fira Code" panose="020B0809050000020004" pitchFamily="49" charset="0"/>
-              </a:rPr>
-              <a:t>(“my-first-plot</a:t>
-            </a:r>
-            <a:r>
-              <a:rPr lang="en-US" sz="2400" dirty="0">
-                <a:solidFill>
-                  <a:schemeClr val="accent6">
-                    <a:lumMod val="75000"/>
-                  </a:schemeClr>
-                </a:solidFill>
-                <a:latin typeface="Fira Code" panose="020B0809050000020004" pitchFamily="49" charset="0"/>
-                <a:ea typeface="Fira Code" panose="020B0809050000020004" pitchFamily="49" charset="0"/>
-                <a:cs typeface="Fira Code" panose="020B0809050000020004" pitchFamily="49" charset="0"/>
-              </a:rPr>
-              <a:t>.png</a:t>
-            </a:r>
-            <a:r>
-              <a:rPr lang="en-US" sz="2400" dirty="0">
-                <a:latin typeface="Fira Code" panose="020B0809050000020004" pitchFamily="49" charset="0"/>
-                <a:ea typeface="Fira Code" panose="020B0809050000020004" pitchFamily="49" charset="0"/>
-                <a:cs typeface="Fira Code" panose="020B0809050000020004" pitchFamily="49" charset="0"/>
-              </a:rPr>
-              <a:t>”)</a:t>
-            </a:r>
-          </a:p>
-          <a:p>
-            <a:pPr marL="0" indent="0">
-              <a:buNone/>
-            </a:pPr>
-            <a:r>
-              <a:rPr lang="en-US" sz="2400" dirty="0">
-                <a:latin typeface="Fira Code" panose="020B0809050000020004" pitchFamily="49" charset="0"/>
-                <a:ea typeface="Fira Code" panose="020B0809050000020004" pitchFamily="49" charset="0"/>
-                <a:cs typeface="Fira Code" panose="020B0809050000020004" pitchFamily="49" charset="0"/>
-              </a:rPr>
-              <a:t>   </a:t>
-            </a:r>
-            <a:r>
-              <a:rPr lang="en-US" sz="2400" dirty="0" err="1">
-                <a:latin typeface="Fira Code" panose="020B0809050000020004" pitchFamily="49" charset="0"/>
-                <a:ea typeface="Fira Code" panose="020B0809050000020004" pitchFamily="49" charset="0"/>
-                <a:cs typeface="Fira Code" panose="020B0809050000020004" pitchFamily="49" charset="0"/>
-              </a:rPr>
-              <a:t>ggsave</a:t>
-            </a:r>
-            <a:r>
-              <a:rPr lang="en-US" sz="2400" dirty="0">
-                <a:latin typeface="Fira Code" panose="020B0809050000020004" pitchFamily="49" charset="0"/>
-                <a:ea typeface="Fira Code" panose="020B0809050000020004" pitchFamily="49" charset="0"/>
-                <a:cs typeface="Fira Code" panose="020B0809050000020004" pitchFamily="49" charset="0"/>
-              </a:rPr>
-              <a:t>(“my-first-plot</a:t>
-            </a:r>
-            <a:r>
-              <a:rPr lang="en-US" sz="2400" dirty="0">
-                <a:solidFill>
-                  <a:schemeClr val="accent6">
-                    <a:lumMod val="75000"/>
-                  </a:schemeClr>
-                </a:solidFill>
-                <a:latin typeface="Fira Code" panose="020B0809050000020004" pitchFamily="49" charset="0"/>
-                <a:ea typeface="Fira Code" panose="020B0809050000020004" pitchFamily="49" charset="0"/>
-                <a:cs typeface="Fira Code" panose="020B0809050000020004" pitchFamily="49" charset="0"/>
-              </a:rPr>
-              <a:t>.tiff</a:t>
-            </a:r>
-            <a:r>
-              <a:rPr lang="en-US" sz="2400" dirty="0">
-                <a:latin typeface="Fira Code" panose="020B0809050000020004" pitchFamily="49" charset="0"/>
-                <a:ea typeface="Fira Code" panose="020B0809050000020004" pitchFamily="49" charset="0"/>
-                <a:cs typeface="Fira Code" panose="020B0809050000020004" pitchFamily="49" charset="0"/>
-              </a:rPr>
-              <a:t>”)</a:t>
-            </a:r>
-          </a:p>
-          <a:p>
-            <a:pPr marL="0" indent="0">
-              <a:buNone/>
-            </a:pPr>
-            <a:endParaRPr lang="en-US" sz="3500" dirty="0"/>
-          </a:p>
-          <a:p>
-            <a:pPr marL="0" indent="0">
-              <a:buNone/>
-            </a:pPr>
-            <a:r>
-              <a:rPr lang="en-US" sz="3500" dirty="0"/>
-              <a:t>You can further specify size:</a:t>
-            </a:r>
-          </a:p>
-          <a:p>
-            <a:pPr marL="0" indent="0">
-              <a:buNone/>
-            </a:pPr>
-            <a:r>
-              <a:rPr lang="en-US" sz="2400" dirty="0">
-                <a:latin typeface="Fira Code" panose="020B0809050000020004" pitchFamily="49" charset="0"/>
-                <a:ea typeface="Fira Code" panose="020B0809050000020004" pitchFamily="49" charset="0"/>
-                <a:cs typeface="Fira Code" panose="020B0809050000020004" pitchFamily="49" charset="0"/>
-              </a:rPr>
-              <a:t>   </a:t>
-            </a:r>
-            <a:r>
-              <a:rPr lang="en-US" sz="2400" dirty="0" err="1">
-                <a:latin typeface="Fira Code" panose="020B0809050000020004" pitchFamily="49" charset="0"/>
-                <a:ea typeface="Fira Code" panose="020B0809050000020004" pitchFamily="49" charset="0"/>
-                <a:cs typeface="Fira Code" panose="020B0809050000020004" pitchFamily="49" charset="0"/>
-              </a:rPr>
-              <a:t>ggsave</a:t>
-            </a:r>
-            <a:r>
-              <a:rPr lang="en-US" sz="2400" dirty="0">
-                <a:latin typeface="Fira Code" panose="020B0809050000020004" pitchFamily="49" charset="0"/>
-                <a:ea typeface="Fira Code" panose="020B0809050000020004" pitchFamily="49" charset="0"/>
-                <a:cs typeface="Fira Code" panose="020B0809050000020004" pitchFamily="49" charset="0"/>
-              </a:rPr>
-              <a:t>(“my-first-plot.png”, </a:t>
-            </a:r>
-            <a:r>
-              <a:rPr lang="en-US" sz="2400" dirty="0">
-                <a:solidFill>
-                  <a:schemeClr val="accent6">
-                    <a:lumMod val="75000"/>
-                  </a:schemeClr>
-                </a:solidFill>
-                <a:latin typeface="Fira Code" panose="020B0809050000020004" pitchFamily="49" charset="0"/>
-                <a:ea typeface="Fira Code" panose="020B0809050000020004" pitchFamily="49" charset="0"/>
-                <a:cs typeface="Fira Code" panose="020B0809050000020004" pitchFamily="49" charset="0"/>
-              </a:rPr>
-              <a:t>height = 6, width = 8,</a:t>
-            </a:r>
-          </a:p>
-          <a:p>
-            <a:pPr marL="0" indent="0">
-              <a:buNone/>
-            </a:pPr>
-            <a:r>
-              <a:rPr lang="en-US" sz="2400" dirty="0">
-                <a:solidFill>
-                  <a:schemeClr val="accent6">
-                    <a:lumMod val="75000"/>
-                  </a:schemeClr>
-                </a:solidFill>
-                <a:latin typeface="Fira Code" panose="020B0809050000020004" pitchFamily="49" charset="0"/>
-                <a:ea typeface="Fira Code" panose="020B0809050000020004" pitchFamily="49" charset="0"/>
-                <a:cs typeface="Fira Code" panose="020B0809050000020004" pitchFamily="49" charset="0"/>
-              </a:rPr>
-              <a:t>           units = “cm”</a:t>
-            </a:r>
-            <a:r>
-              <a:rPr lang="en-US" sz="2400" dirty="0">
-                <a:latin typeface="Fira Code" panose="020B0809050000020004" pitchFamily="49" charset="0"/>
-                <a:ea typeface="Fira Code" panose="020B0809050000020004" pitchFamily="49" charset="0"/>
-                <a:cs typeface="Fira Code" panose="020B0809050000020004" pitchFamily="49" charset="0"/>
-              </a:rPr>
-              <a:t>)</a:t>
-            </a:r>
-            <a:endParaRPr lang="en-US" dirty="0">
-              <a:latin typeface="Fira Code" panose="020B0809050000020004" pitchFamily="49" charset="0"/>
-              <a:ea typeface="Fira Code" panose="020B0809050000020004" pitchFamily="49" charset="0"/>
-              <a:cs typeface="Fira Code" panose="020B0809050000020004" pitchFamily="49" charset="0"/>
-            </a:endParaRPr>
-          </a:p>
-          <a:p>
-            <a:pPr marL="0" indent="0">
-              <a:buNone/>
-            </a:pPr>
-            <a:endParaRPr lang="en-US" dirty="0"/>
-          </a:p>
-          <a:p>
-            <a:pPr marL="0" indent="0">
-              <a:buNone/>
-            </a:pPr>
-            <a:r>
-              <a:rPr lang="en-US" sz="3500" dirty="0"/>
-              <a:t>Or even resolution:</a:t>
-            </a:r>
-          </a:p>
-          <a:p>
-            <a:pPr marL="0" indent="0">
-              <a:buNone/>
-            </a:pPr>
-            <a:r>
-              <a:rPr lang="en-US" dirty="0"/>
-              <a:t>	</a:t>
-            </a:r>
-            <a:r>
-              <a:rPr lang="en-US" sz="2400" dirty="0" err="1">
-                <a:latin typeface="Fira Code" panose="020B0809050000020004" pitchFamily="49" charset="0"/>
-                <a:ea typeface="Fira Code" panose="020B0809050000020004" pitchFamily="49" charset="0"/>
-                <a:cs typeface="Fira Code" panose="020B0809050000020004" pitchFamily="49" charset="0"/>
-              </a:rPr>
-              <a:t>ggsave</a:t>
-            </a:r>
-            <a:r>
-              <a:rPr lang="en-US" sz="2400" dirty="0">
-                <a:latin typeface="Fira Code" panose="020B0809050000020004" pitchFamily="49" charset="0"/>
-                <a:ea typeface="Fira Code" panose="020B0809050000020004" pitchFamily="49" charset="0"/>
-                <a:cs typeface="Fira Code" panose="020B0809050000020004" pitchFamily="49" charset="0"/>
-              </a:rPr>
-              <a:t>(“my-first-plot.png”, </a:t>
-            </a:r>
-            <a:r>
-              <a:rPr lang="en-US" sz="2400" dirty="0">
-                <a:solidFill>
-                  <a:schemeClr val="accent6">
-                    <a:lumMod val="75000"/>
-                  </a:schemeClr>
-                </a:solidFill>
-                <a:latin typeface="Fira Code" panose="020B0809050000020004" pitchFamily="49" charset="0"/>
-                <a:ea typeface="Fira Code" panose="020B0809050000020004" pitchFamily="49" charset="0"/>
-                <a:cs typeface="Fira Code" panose="020B0809050000020004" pitchFamily="49" charset="0"/>
-              </a:rPr>
-              <a:t>dpi = 300</a:t>
-            </a:r>
-            <a:r>
-              <a:rPr lang="en-US" sz="2400" dirty="0">
-                <a:latin typeface="Fira Code" panose="020B0809050000020004" pitchFamily="49" charset="0"/>
-                <a:ea typeface="Fira Code" panose="020B0809050000020004" pitchFamily="49" charset="0"/>
-                <a:cs typeface="Fira Code" panose="020B0809050000020004" pitchFamily="49" charset="0"/>
-              </a:rPr>
-              <a:t>)</a:t>
-            </a:r>
-            <a:endParaRPr lang="en-US" dirty="0">
-              <a:latin typeface="Fira Code" panose="020B0809050000020004" pitchFamily="49" charset="0"/>
-              <a:ea typeface="Fira Code" panose="020B0809050000020004" pitchFamily="49" charset="0"/>
-              <a:cs typeface="Fira Code" panose="020B0809050000020004" pitchFamily="49" charset="0"/>
-            </a:endParaRPr>
+              <a:rPr lang="en-US" sz="3600" dirty="0"/>
+              <a:t>R associates itself with a folder (i.e., directory) on your computer.</a:t>
+            </a:r>
+          </a:p>
+          <a:p>
+            <a:pPr lvl="2"/>
+            <a:r>
+              <a:rPr lang="en-US" sz="3600" dirty="0"/>
+              <a:t>This is the “working directory”</a:t>
+            </a:r>
+          </a:p>
+          <a:p>
+            <a:pPr lvl="2"/>
+            <a:r>
+              <a:rPr lang="en-US" sz="3600" dirty="0"/>
+              <a:t>R will look for files here</a:t>
+            </a:r>
+          </a:p>
+          <a:p>
+            <a:pPr lvl="2"/>
+            <a:r>
+              <a:rPr lang="en-US" sz="3600" dirty="0"/>
+              <a:t>R will save files here</a:t>
+            </a:r>
           </a:p>
         </p:txBody>
       </p:sp>
@@ -26720,7 +28093,7 @@
           <p:cNvPr id="4" name="Footer Placeholder 3">
             <a:extLst>
               <a:ext uri="{FF2B5EF4-FFF2-40B4-BE49-F238E27FC236}">
-                <a16:creationId xmlns:a16="http://schemas.microsoft.com/office/drawing/2014/main" id="{BDBA9E97-D4EB-4BC4-9279-4B7EA9BF2E49}"/>
+                <a16:creationId xmlns:a16="http://schemas.microsoft.com/office/drawing/2014/main" id="{50023B57-EA94-47EE-9C2C-ECEB9DBFFFAC}"/>
               </a:ext>
             </a:extLst>
           </p:cNvPr>
@@ -26748,7 +28121,7 @@
           <p:cNvPr id="5" name="Slide Number Placeholder 4">
             <a:extLst>
               <a:ext uri="{FF2B5EF4-FFF2-40B4-BE49-F238E27FC236}">
-                <a16:creationId xmlns:a16="http://schemas.microsoft.com/office/drawing/2014/main" id="{6759996C-B8FC-4B09-993C-B75DADD15BC5}"/>
+                <a16:creationId xmlns:a16="http://schemas.microsoft.com/office/drawing/2014/main" id="{A2582723-E198-4834-89EB-3DED6F5CB4A2}"/>
               </a:ext>
             </a:extLst>
           </p:cNvPr>
@@ -26772,10 +28145,59 @@
           </a:p>
         </p:txBody>
       </p:sp>
+      <p:sp>
+        <p:nvSpPr>
+          <p:cNvPr id="8" name="Rectangle: Rounded Corners 7">
+            <a:extLst>
+              <a:ext uri="{FF2B5EF4-FFF2-40B4-BE49-F238E27FC236}">
+                <a16:creationId xmlns:a16="http://schemas.microsoft.com/office/drawing/2014/main" id="{F1156D37-73E1-4C2F-931B-2D368105B1C7}"/>
+              </a:ext>
+            </a:extLst>
+          </p:cNvPr>
+          <p:cNvSpPr/>
+          <p:nvPr/>
+        </p:nvSpPr>
+        <p:spPr>
+          <a:xfrm>
+            <a:off x="7548880" y="4003040"/>
+            <a:ext cx="3566160" cy="1838960"/>
+          </a:xfrm>
+          <a:prstGeom prst="roundRect">
+            <a:avLst/>
+          </a:prstGeom>
+        </p:spPr>
+        <p:style>
+          <a:lnRef idx="2">
+            <a:schemeClr val="accent1">
+              <a:shade val="50000"/>
+            </a:schemeClr>
+          </a:lnRef>
+          <a:fillRef idx="1">
+            <a:schemeClr val="accent1"/>
+          </a:fillRef>
+          <a:effectRef idx="0">
+            <a:schemeClr val="accent1"/>
+          </a:effectRef>
+          <a:fontRef idx="minor">
+            <a:schemeClr val="lt1"/>
+          </a:fontRef>
+        </p:style>
+        <p:txBody>
+          <a:bodyPr rtlCol="0" anchor="ctr"/>
+          <a:lstStyle/>
+          <a:p>
+            <a:pPr algn="ctr"/>
+            <a:r>
+              <a:rPr lang="en-US" sz="2400" dirty="0"/>
+              <a:t>The files pane of RStudio IDE will display your working directory</a:t>
+            </a:r>
+          </a:p>
+        </p:txBody>
+      </p:sp>
     </p:spTree>
     <p:extLst>
       <p:ext uri="{BB962C8B-B14F-4D97-AF65-F5344CB8AC3E}">
-        <p14:creationId xmlns:p14="http://schemas.microsoft.com/office/powerpoint/2010/main" val="1346999140"/>
+        <p14:creationId xmlns:p14="http://schemas.microsoft.com/office/powerpoint/2010/main" val="163624777"/>
       </p:ext>
     </p:extLst>
   </p:cSld>
@@ -27155,6 +28577,299 @@
           </a:p>
         </p:txBody>
       </p:sp>
+      <p:grpSp>
+        <p:nvGrpSpPr>
+          <p:cNvPr id="9" name="Group 8">
+            <a:extLst>
+              <a:ext uri="{FF2B5EF4-FFF2-40B4-BE49-F238E27FC236}">
+                <a16:creationId xmlns:a16="http://schemas.microsoft.com/office/drawing/2014/main" id="{26783F11-28C1-4650-BC9E-17A0D337A292}"/>
+              </a:ext>
+            </a:extLst>
+          </p:cNvPr>
+          <p:cNvGrpSpPr/>
+          <p:nvPr/>
+        </p:nvGrpSpPr>
+        <p:grpSpPr>
+          <a:xfrm>
+            <a:off x="9064978" y="5441950"/>
+            <a:ext cx="2813307" cy="914400"/>
+            <a:chOff x="9064978" y="5441950"/>
+            <a:chExt cx="2813307" cy="914400"/>
+          </a:xfrm>
+        </p:grpSpPr>
+        <p:sp>
+          <p:nvSpPr>
+            <p:cNvPr id="10" name="Rectangle 9">
+              <a:extLst>
+                <a:ext uri="{FF2B5EF4-FFF2-40B4-BE49-F238E27FC236}">
+                  <a16:creationId xmlns:a16="http://schemas.microsoft.com/office/drawing/2014/main" id="{36508A36-1D70-4EC9-B4A0-0437D940E000}"/>
+                </a:ext>
+              </a:extLst>
+            </p:cNvPr>
+            <p:cNvSpPr/>
+            <p:nvPr/>
+          </p:nvSpPr>
+          <p:spPr>
+            <a:xfrm>
+              <a:off x="9064978" y="5441950"/>
+              <a:ext cx="2813307" cy="914400"/>
+            </a:xfrm>
+            <a:prstGeom prst="rect">
+              <a:avLst/>
+            </a:prstGeom>
+            <a:solidFill>
+              <a:schemeClr val="bg1">
+                <a:lumMod val="95000"/>
+              </a:schemeClr>
+            </a:solidFill>
+            <a:ln>
+              <a:solidFill>
+                <a:schemeClr val="bg1">
+                  <a:lumMod val="65000"/>
+                </a:schemeClr>
+              </a:solidFill>
+            </a:ln>
+          </p:spPr>
+          <p:style>
+            <a:lnRef idx="2">
+              <a:schemeClr val="accent1">
+                <a:shade val="50000"/>
+              </a:schemeClr>
+            </a:lnRef>
+            <a:fillRef idx="1">
+              <a:schemeClr val="accent1"/>
+            </a:fillRef>
+            <a:effectRef idx="0">
+              <a:schemeClr val="accent1"/>
+            </a:effectRef>
+            <a:fontRef idx="minor">
+              <a:schemeClr val="lt1"/>
+            </a:fontRef>
+          </p:style>
+          <p:txBody>
+            <a:bodyPr rtlCol="0" anchor="ctr"/>
+            <a:lstStyle/>
+            <a:p>
+              <a:pPr algn="ctr"/>
+              <a:endParaRPr lang="en-US"/>
+            </a:p>
+          </p:txBody>
+        </p:sp>
+        <p:grpSp>
+          <p:nvGrpSpPr>
+            <p:cNvPr id="11" name="Group 10">
+              <a:extLst>
+                <a:ext uri="{FF2B5EF4-FFF2-40B4-BE49-F238E27FC236}">
+                  <a16:creationId xmlns:a16="http://schemas.microsoft.com/office/drawing/2014/main" id="{6F8112C4-221A-457D-BEF6-4600E964A0E3}"/>
+                </a:ext>
+              </a:extLst>
+            </p:cNvPr>
+            <p:cNvGrpSpPr/>
+            <p:nvPr/>
+          </p:nvGrpSpPr>
+          <p:grpSpPr>
+            <a:xfrm>
+              <a:off x="9164782" y="5441950"/>
+              <a:ext cx="2713503" cy="914400"/>
+              <a:chOff x="9164782" y="5441950"/>
+              <a:chExt cx="2713503" cy="914400"/>
+            </a:xfrm>
+          </p:grpSpPr>
+          <p:pic>
+            <p:nvPicPr>
+              <p:cNvPr id="12" name="Graphic 11" descr="Stopwatch">
+                <a:extLst>
+                  <a:ext uri="{FF2B5EF4-FFF2-40B4-BE49-F238E27FC236}">
+                    <a16:creationId xmlns:a16="http://schemas.microsoft.com/office/drawing/2014/main" id="{F142FC6B-B140-4626-A141-1994CCA587CC}"/>
+                  </a:ext>
+                </a:extLst>
+              </p:cNvPr>
+              <p:cNvPicPr>
+                <a:picLocks noChangeAspect="1"/>
+              </p:cNvPicPr>
+              <p:nvPr/>
+            </p:nvPicPr>
+            <p:blipFill>
+              <a:blip r:embed="rId2">
+                <a:extLst>
+                  <a:ext uri="{28A0092B-C50C-407E-A947-70E740481C1C}">
+                    <a14:useLocalDpi xmlns:a14="http://schemas.microsoft.com/office/drawing/2010/main" val="0"/>
+                  </a:ext>
+                  <a:ext uri="{96DAC541-7B7A-43D3-8B79-37D633B846F1}">
+                    <asvg:svgBlip xmlns:asvg="http://schemas.microsoft.com/office/drawing/2016/SVG/main" r:embed="rId3"/>
+                  </a:ext>
+                </a:extLst>
+              </a:blip>
+              <a:stretch>
+                <a:fillRect/>
+              </a:stretch>
+            </p:blipFill>
+            <p:spPr>
+              <a:xfrm>
+                <a:off x="9164782" y="5441950"/>
+                <a:ext cx="914400" cy="914400"/>
+              </a:xfrm>
+              <a:prstGeom prst="rect">
+                <a:avLst/>
+              </a:prstGeom>
+            </p:spPr>
+          </p:pic>
+          <p:sp>
+            <p:nvSpPr>
+              <p:cNvPr id="13" name="TextBox 12">
+                <a:extLst>
+                  <a:ext uri="{FF2B5EF4-FFF2-40B4-BE49-F238E27FC236}">
+                    <a16:creationId xmlns:a16="http://schemas.microsoft.com/office/drawing/2014/main" id="{DC77EB2A-8A92-4E9B-81E7-8A195CBC8BAA}"/>
+                  </a:ext>
+                </a:extLst>
+              </p:cNvPr>
+              <p:cNvSpPr txBox="1"/>
+              <p:nvPr/>
+            </p:nvSpPr>
+            <p:spPr>
+              <a:xfrm>
+                <a:off x="9958853" y="5586909"/>
+                <a:ext cx="1919432" cy="769441"/>
+              </a:xfrm>
+              <a:prstGeom prst="rect">
+                <a:avLst/>
+              </a:prstGeom>
+              <a:noFill/>
+            </p:spPr>
+            <p:txBody>
+              <a:bodyPr wrap="square" rtlCol="0">
+                <a:spAutoFit/>
+              </a:bodyPr>
+              <a:lstStyle/>
+              <a:p>
+                <a:r>
+                  <a:rPr lang="en-US" sz="4400" dirty="0">
+                    <a:latin typeface="Fira Code" panose="020B0809050000020004" pitchFamily="49" charset="0"/>
+                    <a:ea typeface="Fira Code" panose="020B0809050000020004" pitchFamily="49" charset="0"/>
+                    <a:cs typeface="Fira Code" panose="020B0809050000020004" pitchFamily="49" charset="0"/>
+                  </a:rPr>
+                  <a:t>02:00</a:t>
+                </a:r>
+              </a:p>
+            </p:txBody>
+          </p:sp>
+        </p:grpSp>
+      </p:grpSp>
+      <p:sp>
+        <p:nvSpPr>
+          <p:cNvPr id="2" name="TextBox 1">
+            <a:extLst>
+              <a:ext uri="{FF2B5EF4-FFF2-40B4-BE49-F238E27FC236}">
+                <a16:creationId xmlns:a16="http://schemas.microsoft.com/office/drawing/2014/main" id="{C1DAAEBA-B0C8-4347-8244-BA4854116475}"/>
+              </a:ext>
+            </a:extLst>
+          </p:cNvPr>
+          <p:cNvSpPr txBox="1"/>
+          <p:nvPr/>
+        </p:nvSpPr>
+        <p:spPr>
+          <a:xfrm>
+            <a:off x="838200" y="4899378"/>
+            <a:ext cx="3056467" cy="584775"/>
+          </a:xfrm>
+          <a:prstGeom prst="rect">
+            <a:avLst/>
+          </a:prstGeom>
+          <a:noFill/>
+        </p:spPr>
+        <p:txBody>
+          <a:bodyPr wrap="square" rtlCol="0">
+            <a:spAutoFit/>
+          </a:bodyPr>
+          <a:lstStyle/>
+          <a:p>
+            <a:r>
+              <a:rPr lang="en-US" sz="3200" b="1" dirty="0"/>
+              <a:t>I’m working on it</a:t>
+            </a:r>
+          </a:p>
+        </p:txBody>
+      </p:sp>
+      <p:sp>
+        <p:nvSpPr>
+          <p:cNvPr id="14" name="TextBox 13">
+            <a:extLst>
+              <a:ext uri="{FF2B5EF4-FFF2-40B4-BE49-F238E27FC236}">
+                <a16:creationId xmlns:a16="http://schemas.microsoft.com/office/drawing/2014/main" id="{DF030D69-2958-40B2-8975-C7A6AB91E8BA}"/>
+              </a:ext>
+            </a:extLst>
+          </p:cNvPr>
+          <p:cNvSpPr txBox="1"/>
+          <p:nvPr/>
+        </p:nvSpPr>
+        <p:spPr>
+          <a:xfrm>
+            <a:off x="3927827" y="4899378"/>
+            <a:ext cx="3056467" cy="584775"/>
+          </a:xfrm>
+          <a:prstGeom prst="rect">
+            <a:avLst/>
+          </a:prstGeom>
+          <a:noFill/>
+        </p:spPr>
+        <p:txBody>
+          <a:bodyPr wrap="square" rtlCol="0">
+            <a:spAutoFit/>
+          </a:bodyPr>
+          <a:lstStyle/>
+          <a:p>
+            <a:pPr algn="ctr"/>
+            <a:r>
+              <a:rPr lang="en-US" sz="3200" b="1" dirty="0">
+                <a:highlight>
+                  <a:srgbClr val="FFFF00"/>
+                </a:highlight>
+              </a:rPr>
+              <a:t>I’m stuck! Help!</a:t>
+            </a:r>
+          </a:p>
+        </p:txBody>
+      </p:sp>
+      <p:sp>
+        <p:nvSpPr>
+          <p:cNvPr id="15" name="TextBox 14">
+            <a:extLst>
+              <a:ext uri="{FF2B5EF4-FFF2-40B4-BE49-F238E27FC236}">
+                <a16:creationId xmlns:a16="http://schemas.microsoft.com/office/drawing/2014/main" id="{5E863564-5EF3-49F3-B7D1-348D8258CF2C}"/>
+              </a:ext>
+            </a:extLst>
+          </p:cNvPr>
+          <p:cNvSpPr txBox="1"/>
+          <p:nvPr/>
+        </p:nvSpPr>
+        <p:spPr>
+          <a:xfrm>
+            <a:off x="6905273" y="4899377"/>
+            <a:ext cx="2238022" cy="584775"/>
+          </a:xfrm>
+          <a:prstGeom prst="rect">
+            <a:avLst/>
+          </a:prstGeom>
+          <a:noFill/>
+        </p:spPr>
+        <p:txBody>
+          <a:bodyPr wrap="square" rtlCol="0">
+            <a:spAutoFit/>
+          </a:bodyPr>
+          <a:lstStyle/>
+          <a:p>
+            <a:pPr algn="ctr"/>
+            <a:r>
+              <a:rPr lang="en-US" sz="3200" b="1" dirty="0">
+                <a:solidFill>
+                  <a:schemeClr val="accent4"/>
+                </a:solidFill>
+              </a:rPr>
+              <a:t>I’m done!</a:t>
+            </a:r>
+          </a:p>
+        </p:txBody>
+      </p:sp>
     </p:spTree>
     <p:extLst>
       <p:ext uri="{BB962C8B-B14F-4D97-AF65-F5344CB8AC3E}">
@@ -27165,10 +28880,582 @@
   <p:clrMapOvr>
     <a:masterClrMapping/>
   </p:clrMapOvr>
+  <p:timing>
+    <p:tnLst>
+      <p:par>
+        <p:cTn id="1" dur="indefinite" restart="never" nodeType="tmRoot">
+          <p:childTnLst>
+            <p:seq concurrent="1" nextAc="seek">
+              <p:cTn id="2" dur="indefinite" nodeType="mainSeq">
+                <p:childTnLst>
+                  <p:par>
+                    <p:cTn id="3" fill="hold">
+                      <p:stCondLst>
+                        <p:cond delay="indefinite"/>
+                      </p:stCondLst>
+                      <p:childTnLst>
+                        <p:par>
+                          <p:cTn id="4" fill="hold">
+                            <p:stCondLst>
+                              <p:cond delay="0"/>
+                            </p:stCondLst>
+                            <p:childTnLst>
+                              <p:par>
+                                <p:cTn id="5" presetID="1" presetClass="entr" presetSubtype="0" fill="hold" grpId="0" nodeType="clickEffect">
+                                  <p:stCondLst>
+                                    <p:cond delay="0"/>
+                                  </p:stCondLst>
+                                  <p:childTnLst>
+                                    <p:set>
+                                      <p:cBhvr>
+                                        <p:cTn id="6" dur="1" fill="hold">
+                                          <p:stCondLst>
+                                            <p:cond delay="0"/>
+                                          </p:stCondLst>
+                                        </p:cTn>
+                                        <p:tgtEl>
+                                          <p:spTgt spid="2"/>
+                                        </p:tgtEl>
+                                        <p:attrNameLst>
+                                          <p:attrName>style.visibility</p:attrName>
+                                        </p:attrNameLst>
+                                      </p:cBhvr>
+                                      <p:to>
+                                        <p:strVal val="visible"/>
+                                      </p:to>
+                                    </p:set>
+                                  </p:childTnLst>
+                                </p:cTn>
+                              </p:par>
+                              <p:par>
+                                <p:cTn id="7" presetID="1" presetClass="entr" presetSubtype="0" fill="hold" grpId="0" nodeType="withEffect">
+                                  <p:stCondLst>
+                                    <p:cond delay="0"/>
+                                  </p:stCondLst>
+                                  <p:childTnLst>
+                                    <p:set>
+                                      <p:cBhvr>
+                                        <p:cTn id="8" dur="1" fill="hold">
+                                          <p:stCondLst>
+                                            <p:cond delay="0"/>
+                                          </p:stCondLst>
+                                        </p:cTn>
+                                        <p:tgtEl>
+                                          <p:spTgt spid="14"/>
+                                        </p:tgtEl>
+                                        <p:attrNameLst>
+                                          <p:attrName>style.visibility</p:attrName>
+                                        </p:attrNameLst>
+                                      </p:cBhvr>
+                                      <p:to>
+                                        <p:strVal val="visible"/>
+                                      </p:to>
+                                    </p:set>
+                                  </p:childTnLst>
+                                </p:cTn>
+                              </p:par>
+                              <p:par>
+                                <p:cTn id="9" presetID="1" presetClass="entr" presetSubtype="0" fill="hold" grpId="0" nodeType="withEffect">
+                                  <p:stCondLst>
+                                    <p:cond delay="0"/>
+                                  </p:stCondLst>
+                                  <p:childTnLst>
+                                    <p:set>
+                                      <p:cBhvr>
+                                        <p:cTn id="10" dur="1" fill="hold">
+                                          <p:stCondLst>
+                                            <p:cond delay="0"/>
+                                          </p:stCondLst>
+                                        </p:cTn>
+                                        <p:tgtEl>
+                                          <p:spTgt spid="15"/>
+                                        </p:tgtEl>
+                                        <p:attrNameLst>
+                                          <p:attrName>style.visibility</p:attrName>
+                                        </p:attrNameLst>
+                                      </p:cBhvr>
+                                      <p:to>
+                                        <p:strVal val="visible"/>
+                                      </p:to>
+                                    </p:set>
+                                  </p:childTnLst>
+                                </p:cTn>
+                              </p:par>
+                            </p:childTnLst>
+                          </p:cTn>
+                        </p:par>
+                      </p:childTnLst>
+                    </p:cTn>
+                  </p:par>
+                </p:childTnLst>
+              </p:cTn>
+              <p:prevCondLst>
+                <p:cond evt="onPrev" delay="0">
+                  <p:tgtEl>
+                    <p:sldTgt/>
+                  </p:tgtEl>
+                </p:cond>
+              </p:prevCondLst>
+              <p:nextCondLst>
+                <p:cond evt="onNext" delay="0">
+                  <p:tgtEl>
+                    <p:sldTgt/>
+                  </p:tgtEl>
+                </p:cond>
+              </p:nextCondLst>
+            </p:seq>
+          </p:childTnLst>
+        </p:cTn>
+      </p:par>
+    </p:tnLst>
+    <p:bldLst>
+      <p:bldP spid="2" grpId="0"/>
+      <p:bldP spid="14" grpId="0"/>
+      <p:bldP spid="15" grpId="0"/>
+    </p:bldLst>
+  </p:timing>
 </p:sld>
 </file>
 
 <file path=ppt/slides/slide70.xml><?xml version="1.0" encoding="utf-8"?>
+<p:sld xmlns:a="http://schemas.openxmlformats.org/drawingml/2006/main" xmlns:r="http://schemas.openxmlformats.org/officeDocument/2006/relationships" xmlns:p="http://schemas.openxmlformats.org/presentationml/2006/main">
+  <p:cSld>
+    <p:spTree>
+      <p:nvGrpSpPr>
+        <p:cNvPr id="1" name=""/>
+        <p:cNvGrpSpPr/>
+        <p:nvPr/>
+      </p:nvGrpSpPr>
+      <p:grpSpPr>
+        <a:xfrm>
+          <a:off x="0" y="0"/>
+          <a:ext cx="0" cy="0"/>
+          <a:chOff x="0" y="0"/>
+          <a:chExt cx="0" cy="0"/>
+        </a:xfrm>
+      </p:grpSpPr>
+      <p:sp>
+        <p:nvSpPr>
+          <p:cNvPr id="2" name="Title 1">
+            <a:extLst>
+              <a:ext uri="{FF2B5EF4-FFF2-40B4-BE49-F238E27FC236}">
+                <a16:creationId xmlns:a16="http://schemas.microsoft.com/office/drawing/2014/main" id="{151FF821-05CE-41E9-98CE-75AAA7D9FB79}"/>
+              </a:ext>
+            </a:extLst>
+          </p:cNvPr>
+          <p:cNvSpPr>
+            <a:spLocks noGrp="1"/>
+          </p:cNvSpPr>
+          <p:nvPr>
+            <p:ph type="title"/>
+          </p:nvPr>
+        </p:nvSpPr>
+        <p:spPr/>
+        <p:txBody>
+          <a:bodyPr/>
+          <a:lstStyle/>
+          <a:p>
+            <a:pPr algn="ctr"/>
+            <a:r>
+              <a:rPr lang="en-US" dirty="0"/>
+              <a:t>Saving plots</a:t>
+            </a:r>
+          </a:p>
+        </p:txBody>
+      </p:sp>
+      <p:sp>
+        <p:nvSpPr>
+          <p:cNvPr id="3" name="Content Placeholder 2">
+            <a:extLst>
+              <a:ext uri="{FF2B5EF4-FFF2-40B4-BE49-F238E27FC236}">
+                <a16:creationId xmlns:a16="http://schemas.microsoft.com/office/drawing/2014/main" id="{934BB3BB-0680-4BDE-9CC2-01CA273BA8EC}"/>
+              </a:ext>
+            </a:extLst>
+          </p:cNvPr>
+          <p:cNvSpPr>
+            <a:spLocks noGrp="1"/>
+          </p:cNvSpPr>
+          <p:nvPr>
+            <p:ph idx="1"/>
+          </p:nvPr>
+        </p:nvSpPr>
+        <p:spPr>
+          <a:xfrm>
+            <a:off x="838200" y="1825625"/>
+            <a:ext cx="10835640" cy="4351338"/>
+          </a:xfrm>
+        </p:spPr>
+        <p:txBody>
+          <a:bodyPr>
+            <a:normAutofit fontScale="92500" lnSpcReduction="20000"/>
+          </a:bodyPr>
+          <a:lstStyle/>
+          <a:p>
+            <a:pPr marL="0" indent="0">
+              <a:buNone/>
+            </a:pPr>
+            <a:r>
+              <a:rPr lang="en-US" dirty="0"/>
+              <a:t> </a:t>
+            </a:r>
+            <a:r>
+              <a:rPr lang="en-US" dirty="0" err="1">
+                <a:solidFill>
+                  <a:schemeClr val="accent6">
+                    <a:lumMod val="75000"/>
+                  </a:schemeClr>
+                </a:solidFill>
+                <a:latin typeface="Fira Code" panose="020B0809050000020004" pitchFamily="49" charset="0"/>
+                <a:ea typeface="Fira Code" panose="020B0809050000020004" pitchFamily="49" charset="0"/>
+                <a:cs typeface="Fira Code" panose="020B0809050000020004" pitchFamily="49" charset="0"/>
+              </a:rPr>
+              <a:t>ggsave</a:t>
+            </a:r>
+            <a:r>
+              <a:rPr lang="en-US" dirty="0">
+                <a:solidFill>
+                  <a:schemeClr val="accent6">
+                    <a:lumMod val="75000"/>
+                  </a:schemeClr>
+                </a:solidFill>
+                <a:latin typeface="Fira Code" panose="020B0809050000020004" pitchFamily="49" charset="0"/>
+                <a:ea typeface="Fira Code" panose="020B0809050000020004" pitchFamily="49" charset="0"/>
+                <a:cs typeface="Fira Code" panose="020B0809050000020004" pitchFamily="49" charset="0"/>
+              </a:rPr>
+              <a:t>() </a:t>
+            </a:r>
+            <a:r>
+              <a:rPr lang="en-US" sz="3500" dirty="0"/>
+              <a:t>will save the last plot.</a:t>
+            </a:r>
+          </a:p>
+          <a:p>
+            <a:pPr marL="0" indent="0">
+              <a:buNone/>
+            </a:pPr>
+            <a:r>
+              <a:rPr lang="en-US" sz="2400" dirty="0">
+                <a:latin typeface="Fira Code" panose="020B0809050000020004" pitchFamily="49" charset="0"/>
+                <a:ea typeface="Fira Code" panose="020B0809050000020004" pitchFamily="49" charset="0"/>
+                <a:cs typeface="Fira Code" panose="020B0809050000020004" pitchFamily="49" charset="0"/>
+              </a:rPr>
+              <a:t>   </a:t>
+            </a:r>
+            <a:r>
+              <a:rPr lang="en-US" sz="2400" dirty="0" err="1">
+                <a:latin typeface="Fira Code" panose="020B0809050000020004" pitchFamily="49" charset="0"/>
+                <a:ea typeface="Fira Code" panose="020B0809050000020004" pitchFamily="49" charset="0"/>
+                <a:cs typeface="Fira Code" panose="020B0809050000020004" pitchFamily="49" charset="0"/>
+              </a:rPr>
+              <a:t>ggsave</a:t>
+            </a:r>
+            <a:r>
+              <a:rPr lang="en-US" sz="2400" dirty="0">
+                <a:latin typeface="Fira Code" panose="020B0809050000020004" pitchFamily="49" charset="0"/>
+                <a:ea typeface="Fira Code" panose="020B0809050000020004" pitchFamily="49" charset="0"/>
+                <a:cs typeface="Fira Code" panose="020B0809050000020004" pitchFamily="49" charset="0"/>
+              </a:rPr>
+              <a:t>(“my-first-plot</a:t>
+            </a:r>
+            <a:r>
+              <a:rPr lang="en-US" sz="2400" dirty="0">
+                <a:solidFill>
+                  <a:schemeClr val="accent6">
+                    <a:lumMod val="75000"/>
+                  </a:schemeClr>
+                </a:solidFill>
+                <a:latin typeface="Fira Code" panose="020B0809050000020004" pitchFamily="49" charset="0"/>
+                <a:ea typeface="Fira Code" panose="020B0809050000020004" pitchFamily="49" charset="0"/>
+                <a:cs typeface="Fira Code" panose="020B0809050000020004" pitchFamily="49" charset="0"/>
+              </a:rPr>
+              <a:t>.png</a:t>
+            </a:r>
+            <a:r>
+              <a:rPr lang="en-US" sz="2400" dirty="0">
+                <a:latin typeface="Fira Code" panose="020B0809050000020004" pitchFamily="49" charset="0"/>
+                <a:ea typeface="Fira Code" panose="020B0809050000020004" pitchFamily="49" charset="0"/>
+                <a:cs typeface="Fira Code" panose="020B0809050000020004" pitchFamily="49" charset="0"/>
+              </a:rPr>
+              <a:t>”)</a:t>
+            </a:r>
+          </a:p>
+          <a:p>
+            <a:pPr marL="0" indent="0">
+              <a:buNone/>
+            </a:pPr>
+            <a:r>
+              <a:rPr lang="en-US" sz="2400" dirty="0">
+                <a:latin typeface="Fira Code" panose="020B0809050000020004" pitchFamily="49" charset="0"/>
+                <a:ea typeface="Fira Code" panose="020B0809050000020004" pitchFamily="49" charset="0"/>
+                <a:cs typeface="Fira Code" panose="020B0809050000020004" pitchFamily="49" charset="0"/>
+              </a:rPr>
+              <a:t>   </a:t>
+            </a:r>
+            <a:r>
+              <a:rPr lang="en-US" sz="2400" dirty="0" err="1">
+                <a:latin typeface="Fira Code" panose="020B0809050000020004" pitchFamily="49" charset="0"/>
+                <a:ea typeface="Fira Code" panose="020B0809050000020004" pitchFamily="49" charset="0"/>
+                <a:cs typeface="Fira Code" panose="020B0809050000020004" pitchFamily="49" charset="0"/>
+              </a:rPr>
+              <a:t>ggsave</a:t>
+            </a:r>
+            <a:r>
+              <a:rPr lang="en-US" sz="2400" dirty="0">
+                <a:latin typeface="Fira Code" panose="020B0809050000020004" pitchFamily="49" charset="0"/>
+                <a:ea typeface="Fira Code" panose="020B0809050000020004" pitchFamily="49" charset="0"/>
+                <a:cs typeface="Fira Code" panose="020B0809050000020004" pitchFamily="49" charset="0"/>
+              </a:rPr>
+              <a:t>(“my-first-plot</a:t>
+            </a:r>
+            <a:r>
+              <a:rPr lang="en-US" sz="2400" dirty="0">
+                <a:solidFill>
+                  <a:schemeClr val="accent6">
+                    <a:lumMod val="75000"/>
+                  </a:schemeClr>
+                </a:solidFill>
+                <a:latin typeface="Fira Code" panose="020B0809050000020004" pitchFamily="49" charset="0"/>
+                <a:ea typeface="Fira Code" panose="020B0809050000020004" pitchFamily="49" charset="0"/>
+                <a:cs typeface="Fira Code" panose="020B0809050000020004" pitchFamily="49" charset="0"/>
+              </a:rPr>
+              <a:t>.tiff</a:t>
+            </a:r>
+            <a:r>
+              <a:rPr lang="en-US" sz="2400" dirty="0">
+                <a:latin typeface="Fira Code" panose="020B0809050000020004" pitchFamily="49" charset="0"/>
+                <a:ea typeface="Fira Code" panose="020B0809050000020004" pitchFamily="49" charset="0"/>
+                <a:cs typeface="Fira Code" panose="020B0809050000020004" pitchFamily="49" charset="0"/>
+              </a:rPr>
+              <a:t>”)</a:t>
+            </a:r>
+          </a:p>
+          <a:p>
+            <a:pPr marL="0" indent="0">
+              <a:buNone/>
+            </a:pPr>
+            <a:endParaRPr lang="en-US" sz="3500" dirty="0"/>
+          </a:p>
+          <a:p>
+            <a:pPr marL="0" indent="0">
+              <a:buNone/>
+            </a:pPr>
+            <a:r>
+              <a:rPr lang="en-US" sz="3500" dirty="0"/>
+              <a:t>You can further specify size:</a:t>
+            </a:r>
+          </a:p>
+          <a:p>
+            <a:pPr marL="0" indent="0">
+              <a:buNone/>
+            </a:pPr>
+            <a:r>
+              <a:rPr lang="en-US" sz="2400" dirty="0">
+                <a:latin typeface="Fira Code" panose="020B0809050000020004" pitchFamily="49" charset="0"/>
+                <a:ea typeface="Fira Code" panose="020B0809050000020004" pitchFamily="49" charset="0"/>
+                <a:cs typeface="Fira Code" panose="020B0809050000020004" pitchFamily="49" charset="0"/>
+              </a:rPr>
+              <a:t>   </a:t>
+            </a:r>
+            <a:r>
+              <a:rPr lang="en-US" sz="2400" dirty="0" err="1">
+                <a:latin typeface="Fira Code" panose="020B0809050000020004" pitchFamily="49" charset="0"/>
+                <a:ea typeface="Fira Code" panose="020B0809050000020004" pitchFamily="49" charset="0"/>
+                <a:cs typeface="Fira Code" panose="020B0809050000020004" pitchFamily="49" charset="0"/>
+              </a:rPr>
+              <a:t>ggsave</a:t>
+            </a:r>
+            <a:r>
+              <a:rPr lang="en-US" sz="2400" dirty="0">
+                <a:latin typeface="Fira Code" panose="020B0809050000020004" pitchFamily="49" charset="0"/>
+                <a:ea typeface="Fira Code" panose="020B0809050000020004" pitchFamily="49" charset="0"/>
+                <a:cs typeface="Fira Code" panose="020B0809050000020004" pitchFamily="49" charset="0"/>
+              </a:rPr>
+              <a:t>(“my-first-plot.png”, </a:t>
+            </a:r>
+            <a:r>
+              <a:rPr lang="en-US" sz="2400" dirty="0">
+                <a:solidFill>
+                  <a:schemeClr val="accent6">
+                    <a:lumMod val="75000"/>
+                  </a:schemeClr>
+                </a:solidFill>
+                <a:latin typeface="Fira Code" panose="020B0809050000020004" pitchFamily="49" charset="0"/>
+                <a:ea typeface="Fira Code" panose="020B0809050000020004" pitchFamily="49" charset="0"/>
+                <a:cs typeface="Fira Code" panose="020B0809050000020004" pitchFamily="49" charset="0"/>
+              </a:rPr>
+              <a:t>height = 6, width = 8,</a:t>
+            </a:r>
+          </a:p>
+          <a:p>
+            <a:pPr marL="0" indent="0">
+              <a:buNone/>
+            </a:pPr>
+            <a:r>
+              <a:rPr lang="en-US" sz="2400" dirty="0">
+                <a:solidFill>
+                  <a:schemeClr val="accent6">
+                    <a:lumMod val="75000"/>
+                  </a:schemeClr>
+                </a:solidFill>
+                <a:latin typeface="Fira Code" panose="020B0809050000020004" pitchFamily="49" charset="0"/>
+                <a:ea typeface="Fira Code" panose="020B0809050000020004" pitchFamily="49" charset="0"/>
+                <a:cs typeface="Fira Code" panose="020B0809050000020004" pitchFamily="49" charset="0"/>
+              </a:rPr>
+              <a:t>           units = “cm”</a:t>
+            </a:r>
+            <a:r>
+              <a:rPr lang="en-US" sz="2400" dirty="0">
+                <a:latin typeface="Fira Code" panose="020B0809050000020004" pitchFamily="49" charset="0"/>
+                <a:ea typeface="Fira Code" panose="020B0809050000020004" pitchFamily="49" charset="0"/>
+                <a:cs typeface="Fira Code" panose="020B0809050000020004" pitchFamily="49" charset="0"/>
+              </a:rPr>
+              <a:t>)</a:t>
+            </a:r>
+            <a:endParaRPr lang="en-US" dirty="0">
+              <a:latin typeface="Fira Code" panose="020B0809050000020004" pitchFamily="49" charset="0"/>
+              <a:ea typeface="Fira Code" panose="020B0809050000020004" pitchFamily="49" charset="0"/>
+              <a:cs typeface="Fira Code" panose="020B0809050000020004" pitchFamily="49" charset="0"/>
+            </a:endParaRPr>
+          </a:p>
+          <a:p>
+            <a:pPr marL="0" indent="0">
+              <a:buNone/>
+            </a:pPr>
+            <a:endParaRPr lang="en-US" dirty="0"/>
+          </a:p>
+          <a:p>
+            <a:pPr marL="0" indent="0">
+              <a:buNone/>
+            </a:pPr>
+            <a:r>
+              <a:rPr lang="en-US" sz="3500" dirty="0"/>
+              <a:t>Or even resolution:</a:t>
+            </a:r>
+          </a:p>
+          <a:p>
+            <a:pPr marL="0" indent="0">
+              <a:buNone/>
+            </a:pPr>
+            <a:r>
+              <a:rPr lang="en-US" dirty="0"/>
+              <a:t>	</a:t>
+            </a:r>
+            <a:r>
+              <a:rPr lang="en-US" sz="2400" dirty="0" err="1">
+                <a:latin typeface="Fira Code" panose="020B0809050000020004" pitchFamily="49" charset="0"/>
+                <a:ea typeface="Fira Code" panose="020B0809050000020004" pitchFamily="49" charset="0"/>
+                <a:cs typeface="Fira Code" panose="020B0809050000020004" pitchFamily="49" charset="0"/>
+              </a:rPr>
+              <a:t>ggsave</a:t>
+            </a:r>
+            <a:r>
+              <a:rPr lang="en-US" sz="2400" dirty="0">
+                <a:latin typeface="Fira Code" panose="020B0809050000020004" pitchFamily="49" charset="0"/>
+                <a:ea typeface="Fira Code" panose="020B0809050000020004" pitchFamily="49" charset="0"/>
+                <a:cs typeface="Fira Code" panose="020B0809050000020004" pitchFamily="49" charset="0"/>
+              </a:rPr>
+              <a:t>(“my-first-plot.png”, </a:t>
+            </a:r>
+            <a:r>
+              <a:rPr lang="en-US" sz="2400" dirty="0">
+                <a:solidFill>
+                  <a:schemeClr val="accent6">
+                    <a:lumMod val="75000"/>
+                  </a:schemeClr>
+                </a:solidFill>
+                <a:latin typeface="Fira Code" panose="020B0809050000020004" pitchFamily="49" charset="0"/>
+                <a:ea typeface="Fira Code" panose="020B0809050000020004" pitchFamily="49" charset="0"/>
+                <a:cs typeface="Fira Code" panose="020B0809050000020004" pitchFamily="49" charset="0"/>
+              </a:rPr>
+              <a:t>dpi = 300</a:t>
+            </a:r>
+            <a:r>
+              <a:rPr lang="en-US" sz="2400" dirty="0">
+                <a:latin typeface="Fira Code" panose="020B0809050000020004" pitchFamily="49" charset="0"/>
+                <a:ea typeface="Fira Code" panose="020B0809050000020004" pitchFamily="49" charset="0"/>
+                <a:cs typeface="Fira Code" panose="020B0809050000020004" pitchFamily="49" charset="0"/>
+              </a:rPr>
+              <a:t>)</a:t>
+            </a:r>
+            <a:endParaRPr lang="en-US" dirty="0">
+              <a:latin typeface="Fira Code" panose="020B0809050000020004" pitchFamily="49" charset="0"/>
+              <a:ea typeface="Fira Code" panose="020B0809050000020004" pitchFamily="49" charset="0"/>
+              <a:cs typeface="Fira Code" panose="020B0809050000020004" pitchFamily="49" charset="0"/>
+            </a:endParaRPr>
+          </a:p>
+        </p:txBody>
+      </p:sp>
+      <p:sp>
+        <p:nvSpPr>
+          <p:cNvPr id="4" name="Footer Placeholder 3">
+            <a:extLst>
+              <a:ext uri="{FF2B5EF4-FFF2-40B4-BE49-F238E27FC236}">
+                <a16:creationId xmlns:a16="http://schemas.microsoft.com/office/drawing/2014/main" id="{BDBA9E97-D4EB-4BC4-9279-4B7EA9BF2E49}"/>
+              </a:ext>
+            </a:extLst>
+          </p:cNvPr>
+          <p:cNvSpPr>
+            <a:spLocks noGrp="1"/>
+          </p:cNvSpPr>
+          <p:nvPr>
+            <p:ph type="ftr" sz="quarter" idx="11"/>
+          </p:nvPr>
+        </p:nvSpPr>
+        <p:spPr/>
+        <p:txBody>
+          <a:bodyPr/>
+          <a:lstStyle/>
+          <a:p>
+            <a:r>
+              <a:rPr lang="en-US"/>
+              <a:t>CERF 2019 | The Next Step with R | Cressman and Dunnigan</a:t>
+            </a:r>
+          </a:p>
+        </p:txBody>
+      </p:sp>
+      <p:sp>
+        <p:nvSpPr>
+          <p:cNvPr id="5" name="Slide Number Placeholder 4">
+            <a:extLst>
+              <a:ext uri="{FF2B5EF4-FFF2-40B4-BE49-F238E27FC236}">
+                <a16:creationId xmlns:a16="http://schemas.microsoft.com/office/drawing/2014/main" id="{6759996C-B8FC-4B09-993C-B75DADD15BC5}"/>
+              </a:ext>
+            </a:extLst>
+          </p:cNvPr>
+          <p:cNvSpPr>
+            <a:spLocks noGrp="1"/>
+          </p:cNvSpPr>
+          <p:nvPr>
+            <p:ph type="sldNum" sz="quarter" idx="12"/>
+          </p:nvPr>
+        </p:nvSpPr>
+        <p:spPr/>
+        <p:txBody>
+          <a:bodyPr/>
+          <a:lstStyle/>
+          <a:p>
+            <a:fld id="{1D07C8D9-AA71-438D-86BE-7B86F7F29DC7}" type="slidenum">
+              <a:rPr lang="en-US" smtClean="0"/>
+              <a:t>70</a:t>
+            </a:fld>
+            <a:endParaRPr lang="en-US"/>
+          </a:p>
+        </p:txBody>
+      </p:sp>
+    </p:spTree>
+    <p:extLst>
+      <p:ext uri="{BB962C8B-B14F-4D97-AF65-F5344CB8AC3E}">
+        <p14:creationId xmlns:p14="http://schemas.microsoft.com/office/powerpoint/2010/main" val="1346999140"/>
+      </p:ext>
+    </p:extLst>
+  </p:cSld>
+  <p:clrMapOvr>
+    <a:masterClrMapping/>
+  </p:clrMapOvr>
+</p:sld>
+</file>
+
+<file path=ppt/slides/slide71.xml><?xml version="1.0" encoding="utf-8"?>
 <p:sld xmlns:a="http://schemas.openxmlformats.org/drawingml/2006/main" xmlns:r="http://schemas.openxmlformats.org/officeDocument/2006/relationships" xmlns:p="http://schemas.openxmlformats.org/presentationml/2006/main">
   <p:cSld>
     <p:bg>
@@ -27324,7 +29611,7 @@
           <a:p>
             <a:fld id="{1D07C8D9-AA71-438D-86BE-7B86F7F29DC7}" type="slidenum">
               <a:rPr lang="en-US" smtClean="0"/>
-              <a:t>70</a:t>
+              <a:t>71</a:t>
             </a:fld>
             <a:endParaRPr lang="en-US"/>
           </a:p>
@@ -27360,6 +29647,184 @@
           </a:prstGeom>
         </p:spPr>
       </p:pic>
+      <p:grpSp>
+        <p:nvGrpSpPr>
+          <p:cNvPr id="7" name="Group 6">
+            <a:extLst>
+              <a:ext uri="{FF2B5EF4-FFF2-40B4-BE49-F238E27FC236}">
+                <a16:creationId xmlns:a16="http://schemas.microsoft.com/office/drawing/2014/main" id="{3B222A41-5487-414F-B638-C289636C57D8}"/>
+              </a:ext>
+            </a:extLst>
+          </p:cNvPr>
+          <p:cNvGrpSpPr/>
+          <p:nvPr/>
+        </p:nvGrpSpPr>
+        <p:grpSpPr>
+          <a:xfrm>
+            <a:off x="9064978" y="5441950"/>
+            <a:ext cx="2813307" cy="914400"/>
+            <a:chOff x="9064978" y="5441950"/>
+            <a:chExt cx="2813307" cy="914400"/>
+          </a:xfrm>
+        </p:grpSpPr>
+        <p:sp>
+          <p:nvSpPr>
+            <p:cNvPr id="8" name="Rectangle 7">
+              <a:extLst>
+                <a:ext uri="{FF2B5EF4-FFF2-40B4-BE49-F238E27FC236}">
+                  <a16:creationId xmlns:a16="http://schemas.microsoft.com/office/drawing/2014/main" id="{0490C223-235E-4985-96DA-9B8C3D87A927}"/>
+                </a:ext>
+              </a:extLst>
+            </p:cNvPr>
+            <p:cNvSpPr/>
+            <p:nvPr/>
+          </p:nvSpPr>
+          <p:spPr>
+            <a:xfrm>
+              <a:off x="9064978" y="5441950"/>
+              <a:ext cx="2813307" cy="914400"/>
+            </a:xfrm>
+            <a:prstGeom prst="rect">
+              <a:avLst/>
+            </a:prstGeom>
+            <a:solidFill>
+              <a:schemeClr val="bg1">
+                <a:lumMod val="95000"/>
+              </a:schemeClr>
+            </a:solidFill>
+            <a:ln>
+              <a:solidFill>
+                <a:schemeClr val="bg1">
+                  <a:lumMod val="65000"/>
+                </a:schemeClr>
+              </a:solidFill>
+            </a:ln>
+          </p:spPr>
+          <p:style>
+            <a:lnRef idx="2">
+              <a:schemeClr val="accent1">
+                <a:shade val="50000"/>
+              </a:schemeClr>
+            </a:lnRef>
+            <a:fillRef idx="1">
+              <a:schemeClr val="accent1"/>
+            </a:fillRef>
+            <a:effectRef idx="0">
+              <a:schemeClr val="accent1"/>
+            </a:effectRef>
+            <a:fontRef idx="minor">
+              <a:schemeClr val="lt1"/>
+            </a:fontRef>
+          </p:style>
+          <p:txBody>
+            <a:bodyPr rtlCol="0" anchor="ctr"/>
+            <a:lstStyle/>
+            <a:p>
+              <a:pPr algn="ctr"/>
+              <a:endParaRPr lang="en-US"/>
+            </a:p>
+          </p:txBody>
+        </p:sp>
+        <p:grpSp>
+          <p:nvGrpSpPr>
+            <p:cNvPr id="9" name="Group 8">
+              <a:extLst>
+                <a:ext uri="{FF2B5EF4-FFF2-40B4-BE49-F238E27FC236}">
+                  <a16:creationId xmlns:a16="http://schemas.microsoft.com/office/drawing/2014/main" id="{7EE775FE-C7D4-4E0F-9431-9499804618B2}"/>
+                </a:ext>
+              </a:extLst>
+            </p:cNvPr>
+            <p:cNvGrpSpPr/>
+            <p:nvPr/>
+          </p:nvGrpSpPr>
+          <p:grpSpPr>
+            <a:xfrm>
+              <a:off x="9164782" y="5441950"/>
+              <a:ext cx="2713503" cy="914400"/>
+              <a:chOff x="9164782" y="5441950"/>
+              <a:chExt cx="2713503" cy="914400"/>
+            </a:xfrm>
+          </p:grpSpPr>
+          <p:pic>
+            <p:nvPicPr>
+              <p:cNvPr id="10" name="Graphic 9" descr="Stopwatch">
+                <a:extLst>
+                  <a:ext uri="{FF2B5EF4-FFF2-40B4-BE49-F238E27FC236}">
+                    <a16:creationId xmlns:a16="http://schemas.microsoft.com/office/drawing/2014/main" id="{A10F9909-C5A5-48C7-8FC4-77B55FC68C11}"/>
+                  </a:ext>
+                </a:extLst>
+              </p:cNvPr>
+              <p:cNvPicPr>
+                <a:picLocks noChangeAspect="1"/>
+              </p:cNvPicPr>
+              <p:nvPr/>
+            </p:nvPicPr>
+            <p:blipFill>
+              <a:blip r:embed="rId3">
+                <a:extLst>
+                  <a:ext uri="{28A0092B-C50C-407E-A947-70E740481C1C}">
+                    <a14:useLocalDpi xmlns:a14="http://schemas.microsoft.com/office/drawing/2010/main" val="0"/>
+                  </a:ext>
+                  <a:ext uri="{96DAC541-7B7A-43D3-8B79-37D633B846F1}">
+                    <asvg:svgBlip xmlns:asvg="http://schemas.microsoft.com/office/drawing/2016/SVG/main" r:embed="rId4"/>
+                  </a:ext>
+                </a:extLst>
+              </a:blip>
+              <a:stretch>
+                <a:fillRect/>
+              </a:stretch>
+            </p:blipFill>
+            <p:spPr>
+              <a:xfrm>
+                <a:off x="9164782" y="5441950"/>
+                <a:ext cx="914400" cy="914400"/>
+              </a:xfrm>
+              <a:prstGeom prst="rect">
+                <a:avLst/>
+              </a:prstGeom>
+            </p:spPr>
+          </p:pic>
+          <p:sp>
+            <p:nvSpPr>
+              <p:cNvPr id="11" name="TextBox 10">
+                <a:extLst>
+                  <a:ext uri="{FF2B5EF4-FFF2-40B4-BE49-F238E27FC236}">
+                    <a16:creationId xmlns:a16="http://schemas.microsoft.com/office/drawing/2014/main" id="{FC9B1D39-96C2-4865-893C-AB41B48CE45A}"/>
+                  </a:ext>
+                </a:extLst>
+              </p:cNvPr>
+              <p:cNvSpPr txBox="1"/>
+              <p:nvPr/>
+            </p:nvSpPr>
+            <p:spPr>
+              <a:xfrm>
+                <a:off x="9958853" y="5586909"/>
+                <a:ext cx="1919432" cy="769441"/>
+              </a:xfrm>
+              <a:prstGeom prst="rect">
+                <a:avLst/>
+              </a:prstGeom>
+              <a:noFill/>
+            </p:spPr>
+            <p:txBody>
+              <a:bodyPr wrap="square" rtlCol="0">
+                <a:spAutoFit/>
+              </a:bodyPr>
+              <a:lstStyle/>
+              <a:p>
+                <a:r>
+                  <a:rPr lang="en-US" sz="4400" dirty="0">
+                    <a:latin typeface="Fira Code" panose="020B0809050000020004" pitchFamily="49" charset="0"/>
+                    <a:ea typeface="Fira Code" panose="020B0809050000020004" pitchFamily="49" charset="0"/>
+                    <a:cs typeface="Fira Code" panose="020B0809050000020004" pitchFamily="49" charset="0"/>
+                  </a:rPr>
+                  <a:t>01:00</a:t>
+                </a:r>
+              </a:p>
+            </p:txBody>
+          </p:sp>
+        </p:grpSp>
+      </p:grpSp>
     </p:spTree>
     <p:extLst>
       <p:ext uri="{BB962C8B-B14F-4D97-AF65-F5344CB8AC3E}">
@@ -27373,7 +29838,7 @@
 </p:sld>
 </file>
 
-<file path=ppt/slides/slide71.xml><?xml version="1.0" encoding="utf-8"?>
+<file path=ppt/slides/slide72.xml><?xml version="1.0" encoding="utf-8"?>
 <p:sld xmlns:a="http://schemas.openxmlformats.org/drawingml/2006/main" xmlns:r="http://schemas.openxmlformats.org/officeDocument/2006/relationships" xmlns:p="http://schemas.openxmlformats.org/presentationml/2006/main">
   <p:cSld>
     <p:spTree>
@@ -27475,7 +29940,7 @@
           <a:p>
             <a:fld id="{1D07C8D9-AA71-438D-86BE-7B86F7F29DC7}" type="slidenum">
               <a:rPr lang="en-US" smtClean="0"/>
-              <a:t>71</a:t>
+              <a:t>72</a:t>
             </a:fld>
             <a:endParaRPr lang="en-US"/>
           </a:p>
@@ -27784,7 +30249,7 @@
 </p:sld>
 </file>
 
-<file path=ppt/slides/slide72.xml><?xml version="1.0" encoding="utf-8"?>
+<file path=ppt/slides/slide73.xml><?xml version="1.0" encoding="utf-8"?>
 <p:sld xmlns:a="http://schemas.openxmlformats.org/drawingml/2006/main" xmlns:r="http://schemas.openxmlformats.org/officeDocument/2006/relationships" xmlns:p="http://schemas.openxmlformats.org/presentationml/2006/main">
   <p:cSld>
     <p:bg>
@@ -28037,12 +30502,190 @@
           <a:p>
             <a:fld id="{1D07C8D9-AA71-438D-86BE-7B86F7F29DC7}" type="slidenum">
               <a:rPr lang="en-US" smtClean="0"/>
-              <a:t>72</a:t>
+              <a:t>73</a:t>
             </a:fld>
             <a:endParaRPr lang="en-US"/>
           </a:p>
         </p:txBody>
       </p:sp>
+      <p:grpSp>
+        <p:nvGrpSpPr>
+          <p:cNvPr id="6" name="Group 5">
+            <a:extLst>
+              <a:ext uri="{FF2B5EF4-FFF2-40B4-BE49-F238E27FC236}">
+                <a16:creationId xmlns:a16="http://schemas.microsoft.com/office/drawing/2014/main" id="{ED55DEA1-B5E1-4DDE-A0ED-F88466556A8E}"/>
+              </a:ext>
+            </a:extLst>
+          </p:cNvPr>
+          <p:cNvGrpSpPr/>
+          <p:nvPr/>
+        </p:nvGrpSpPr>
+        <p:grpSpPr>
+          <a:xfrm>
+            <a:off x="9064978" y="5441950"/>
+            <a:ext cx="2813307" cy="914400"/>
+            <a:chOff x="9064978" y="5441950"/>
+            <a:chExt cx="2813307" cy="914400"/>
+          </a:xfrm>
+        </p:grpSpPr>
+        <p:sp>
+          <p:nvSpPr>
+            <p:cNvPr id="7" name="Rectangle 6">
+              <a:extLst>
+                <a:ext uri="{FF2B5EF4-FFF2-40B4-BE49-F238E27FC236}">
+                  <a16:creationId xmlns:a16="http://schemas.microsoft.com/office/drawing/2014/main" id="{6CB11481-E14F-4CB2-B4A9-4BDA5BBC84F3}"/>
+                </a:ext>
+              </a:extLst>
+            </p:cNvPr>
+            <p:cNvSpPr/>
+            <p:nvPr/>
+          </p:nvSpPr>
+          <p:spPr>
+            <a:xfrm>
+              <a:off x="9064978" y="5441950"/>
+              <a:ext cx="2813307" cy="914400"/>
+            </a:xfrm>
+            <a:prstGeom prst="rect">
+              <a:avLst/>
+            </a:prstGeom>
+            <a:solidFill>
+              <a:schemeClr val="bg1">
+                <a:lumMod val="95000"/>
+              </a:schemeClr>
+            </a:solidFill>
+            <a:ln>
+              <a:solidFill>
+                <a:schemeClr val="bg1">
+                  <a:lumMod val="65000"/>
+                </a:schemeClr>
+              </a:solidFill>
+            </a:ln>
+          </p:spPr>
+          <p:style>
+            <a:lnRef idx="2">
+              <a:schemeClr val="accent1">
+                <a:shade val="50000"/>
+              </a:schemeClr>
+            </a:lnRef>
+            <a:fillRef idx="1">
+              <a:schemeClr val="accent1"/>
+            </a:fillRef>
+            <a:effectRef idx="0">
+              <a:schemeClr val="accent1"/>
+            </a:effectRef>
+            <a:fontRef idx="minor">
+              <a:schemeClr val="lt1"/>
+            </a:fontRef>
+          </p:style>
+          <p:txBody>
+            <a:bodyPr rtlCol="0" anchor="ctr"/>
+            <a:lstStyle/>
+            <a:p>
+              <a:pPr algn="ctr"/>
+              <a:endParaRPr lang="en-US"/>
+            </a:p>
+          </p:txBody>
+        </p:sp>
+        <p:grpSp>
+          <p:nvGrpSpPr>
+            <p:cNvPr id="8" name="Group 7">
+              <a:extLst>
+                <a:ext uri="{FF2B5EF4-FFF2-40B4-BE49-F238E27FC236}">
+                  <a16:creationId xmlns:a16="http://schemas.microsoft.com/office/drawing/2014/main" id="{499A6D2B-9790-4A56-BE41-C78EDFDDBDC8}"/>
+                </a:ext>
+              </a:extLst>
+            </p:cNvPr>
+            <p:cNvGrpSpPr/>
+            <p:nvPr/>
+          </p:nvGrpSpPr>
+          <p:grpSpPr>
+            <a:xfrm>
+              <a:off x="9164782" y="5441950"/>
+              <a:ext cx="2713503" cy="914400"/>
+              <a:chOff x="9164782" y="5441950"/>
+              <a:chExt cx="2713503" cy="914400"/>
+            </a:xfrm>
+          </p:grpSpPr>
+          <p:pic>
+            <p:nvPicPr>
+              <p:cNvPr id="9" name="Graphic 8" descr="Stopwatch">
+                <a:extLst>
+                  <a:ext uri="{FF2B5EF4-FFF2-40B4-BE49-F238E27FC236}">
+                    <a16:creationId xmlns:a16="http://schemas.microsoft.com/office/drawing/2014/main" id="{2E959524-F2FA-430E-8A87-5026C794BB75}"/>
+                  </a:ext>
+                </a:extLst>
+              </p:cNvPr>
+              <p:cNvPicPr>
+                <a:picLocks noChangeAspect="1"/>
+              </p:cNvPicPr>
+              <p:nvPr/>
+            </p:nvPicPr>
+            <p:blipFill>
+              <a:blip r:embed="rId2">
+                <a:extLst>
+                  <a:ext uri="{28A0092B-C50C-407E-A947-70E740481C1C}">
+                    <a14:useLocalDpi xmlns:a14="http://schemas.microsoft.com/office/drawing/2010/main" val="0"/>
+                  </a:ext>
+                  <a:ext uri="{96DAC541-7B7A-43D3-8B79-37D633B846F1}">
+                    <asvg:svgBlip xmlns:asvg="http://schemas.microsoft.com/office/drawing/2016/SVG/main" r:embed="rId3"/>
+                  </a:ext>
+                </a:extLst>
+              </a:blip>
+              <a:stretch>
+                <a:fillRect/>
+              </a:stretch>
+            </p:blipFill>
+            <p:spPr>
+              <a:xfrm>
+                <a:off x="9164782" y="5441950"/>
+                <a:ext cx="914400" cy="914400"/>
+              </a:xfrm>
+              <a:prstGeom prst="rect">
+                <a:avLst/>
+              </a:prstGeom>
+            </p:spPr>
+          </p:pic>
+          <p:sp>
+            <p:nvSpPr>
+              <p:cNvPr id="10" name="TextBox 9">
+                <a:extLst>
+                  <a:ext uri="{FF2B5EF4-FFF2-40B4-BE49-F238E27FC236}">
+                    <a16:creationId xmlns:a16="http://schemas.microsoft.com/office/drawing/2014/main" id="{3A5E725A-C846-4409-BC7A-F051E5804DAC}"/>
+                  </a:ext>
+                </a:extLst>
+              </p:cNvPr>
+              <p:cNvSpPr txBox="1"/>
+              <p:nvPr/>
+            </p:nvSpPr>
+            <p:spPr>
+              <a:xfrm>
+                <a:off x="9958853" y="5586909"/>
+                <a:ext cx="1919432" cy="769441"/>
+              </a:xfrm>
+              <a:prstGeom prst="rect">
+                <a:avLst/>
+              </a:prstGeom>
+              <a:noFill/>
+            </p:spPr>
+            <p:txBody>
+              <a:bodyPr wrap="square" rtlCol="0">
+                <a:spAutoFit/>
+              </a:bodyPr>
+              <a:lstStyle/>
+              <a:p>
+                <a:r>
+                  <a:rPr lang="en-US" sz="4400" dirty="0">
+                    <a:latin typeface="Fira Code" panose="020B0809050000020004" pitchFamily="49" charset="0"/>
+                    <a:ea typeface="Fira Code" panose="020B0809050000020004" pitchFamily="49" charset="0"/>
+                    <a:cs typeface="Fira Code" panose="020B0809050000020004" pitchFamily="49" charset="0"/>
+                  </a:rPr>
+                  <a:t>05:00</a:t>
+                </a:r>
+              </a:p>
+            </p:txBody>
+          </p:sp>
+        </p:grpSp>
+      </p:grpSp>
     </p:spTree>
     <p:extLst>
       <p:ext uri="{BB962C8B-B14F-4D97-AF65-F5344CB8AC3E}">
